--- a/asset/Learn_ja/ITA-offline-install_ja.pptx
+++ b/asset/Learn_ja/ITA-offline-install_ja.pptx
@@ -334,7 +334,7 @@
               <a:rPr kumimoji="1" lang="ja-JP" altLang="en-US" smtClean="0">
                 <a:ea typeface="メイリオ" panose="020B0604030504040204" pitchFamily="50" charset="-128"/>
               </a:rPr>
-              <a:t>2019/8/5</a:t>
+              <a:t>2019/11/5</a:t>
             </a:fld>
             <a:endParaRPr kumimoji="1" lang="ja-JP" altLang="en-US" dirty="0">
               <a:ea typeface="メイリオ" panose="020B0604030504040204" pitchFamily="50" charset="-128"/>
@@ -480,7 +480,7 @@
             <a:fld id="{4B26993D-C081-44EB-B0F5-A9F467792B62}" type="datetimeFigureOut">
               <a:rPr lang="ja-JP" altLang="en-US" smtClean="0"/>
               <a:pPr/>
-              <a:t>2019/8/5</a:t>
+              <a:t>2019/11/5</a:t>
             </a:fld>
             <a:endParaRPr lang="ja-JP" altLang="en-US" dirty="0"/>
           </a:p>
@@ -1103,7 +1103,7 @@
           <a:p>
             <a:fld id="{56F9016B-CCA6-43BE-8BEE-59565A35F4F7}" type="datetimeFigureOut">
               <a:rPr kumimoji="1" lang="ja-JP" altLang="en-US" smtClean="0"/>
-              <a:t>2019/8/5</a:t>
+              <a:t>2019/11/5</a:t>
             </a:fld>
             <a:endParaRPr kumimoji="1" lang="ja-JP" altLang="en-US"/>
           </a:p>
@@ -1305,7 +1305,7 @@
           <a:p>
             <a:fld id="{56F9016B-CCA6-43BE-8BEE-59565A35F4F7}" type="datetimeFigureOut">
               <a:rPr kumimoji="1" lang="ja-JP" altLang="en-US" smtClean="0"/>
-              <a:t>2019/8/5</a:t>
+              <a:t>2019/11/5</a:t>
             </a:fld>
             <a:endParaRPr kumimoji="1" lang="ja-JP" altLang="en-US"/>
           </a:p>
@@ -1551,7 +1551,7 @@
           <a:p>
             <a:fld id="{56F9016B-CCA6-43BE-8BEE-59565A35F4F7}" type="datetimeFigureOut">
               <a:rPr kumimoji="1" lang="ja-JP" altLang="en-US" smtClean="0"/>
-              <a:t>2019/8/5</a:t>
+              <a:t>2019/11/5</a:t>
             </a:fld>
             <a:endParaRPr kumimoji="1" lang="ja-JP" altLang="en-US"/>
           </a:p>
@@ -1847,7 +1847,7 @@
           <a:p>
             <a:fld id="{56F9016B-CCA6-43BE-8BEE-59565A35F4F7}" type="datetimeFigureOut">
               <a:rPr kumimoji="1" lang="ja-JP" altLang="en-US" smtClean="0"/>
-              <a:t>2019/8/5</a:t>
+              <a:t>2019/11/5</a:t>
             </a:fld>
             <a:endParaRPr kumimoji="1" lang="ja-JP" altLang="en-US"/>
           </a:p>
@@ -2278,7 +2278,7 @@
           <a:p>
             <a:fld id="{56F9016B-CCA6-43BE-8BEE-59565A35F4F7}" type="datetimeFigureOut">
               <a:rPr kumimoji="1" lang="ja-JP" altLang="en-US" smtClean="0"/>
-              <a:t>2019/8/5</a:t>
+              <a:t>2019/11/5</a:t>
             </a:fld>
             <a:endParaRPr kumimoji="1" lang="ja-JP" altLang="en-US"/>
           </a:p>
@@ -2396,7 +2396,7 @@
           <a:p>
             <a:fld id="{56F9016B-CCA6-43BE-8BEE-59565A35F4F7}" type="datetimeFigureOut">
               <a:rPr kumimoji="1" lang="ja-JP" altLang="en-US" smtClean="0"/>
-              <a:t>2019/8/5</a:t>
+              <a:t>2019/11/5</a:t>
             </a:fld>
             <a:endParaRPr kumimoji="1" lang="ja-JP" altLang="en-US"/>
           </a:p>
@@ -2491,7 +2491,7 @@
           <a:p>
             <a:fld id="{56F9016B-CCA6-43BE-8BEE-59565A35F4F7}" type="datetimeFigureOut">
               <a:rPr kumimoji="1" lang="ja-JP" altLang="en-US" smtClean="0"/>
-              <a:t>2019/8/5</a:t>
+              <a:t>2019/11/5</a:t>
             </a:fld>
             <a:endParaRPr kumimoji="1" lang="ja-JP" altLang="en-US"/>
           </a:p>
@@ -2800,7 +2800,7 @@
           <a:p>
             <a:fld id="{56F9016B-CCA6-43BE-8BEE-59565A35F4F7}" type="datetimeFigureOut">
               <a:rPr kumimoji="1" lang="ja-JP" altLang="en-US" smtClean="0"/>
-              <a:t>2019/8/5</a:t>
+              <a:t>2019/11/5</a:t>
             </a:fld>
             <a:endParaRPr kumimoji="1" lang="ja-JP" altLang="en-US"/>
           </a:p>
@@ -3053,7 +3053,7 @@
           <a:p>
             <a:fld id="{56F9016B-CCA6-43BE-8BEE-59565A35F4F7}" type="datetimeFigureOut">
               <a:rPr kumimoji="1" lang="ja-JP" altLang="en-US" smtClean="0"/>
-              <a:t>2019/8/5</a:t>
+              <a:t>2019/11/5</a:t>
             </a:fld>
             <a:endParaRPr kumimoji="1" lang="ja-JP" altLang="en-US"/>
           </a:p>
@@ -3330,7 +3330,7 @@
           <a:p>
             <a:fld id="{56F9016B-CCA6-43BE-8BEE-59565A35F4F7}" type="datetimeFigureOut">
               <a:rPr kumimoji="1" lang="ja-JP" altLang="en-US" smtClean="0"/>
-              <a:t>2019/8/5</a:t>
+              <a:t>2019/11/5</a:t>
             </a:fld>
             <a:endParaRPr kumimoji="1" lang="ja-JP" altLang="en-US"/>
           </a:p>
@@ -3542,7 +3542,7 @@
           <a:p>
             <a:fld id="{56F9016B-CCA6-43BE-8BEE-59565A35F4F7}" type="datetimeFigureOut">
               <a:rPr kumimoji="1" lang="ja-JP" altLang="en-US" smtClean="0"/>
-              <a:t>2019/8/5</a:t>
+              <a:t>2019/11/5</a:t>
             </a:fld>
             <a:endParaRPr kumimoji="1" lang="ja-JP" altLang="en-US"/>
           </a:p>
@@ -6601,7 +6601,7 @@
           <a:p>
             <a:fld id="{56F9016B-CCA6-43BE-8BEE-59565A35F4F7}" type="datetimeFigureOut">
               <a:rPr kumimoji="1" lang="ja-JP" altLang="en-US" smtClean="0"/>
-              <a:t>2019/8/5</a:t>
+              <a:t>2019/11/5</a:t>
             </a:fld>
             <a:endParaRPr kumimoji="1" lang="ja-JP" altLang="en-US"/>
           </a:p>
@@ -7039,7 +7039,7 @@
             </a:r>
             <a:r>
               <a:rPr lang="en-US" altLang="ja-JP" dirty="0" smtClean="0"/>
-              <a:t>1.1</a:t>
+              <a:t>1.2</a:t>
             </a:r>
             <a:r>
               <a:rPr lang="ja-JP" altLang="en-US" dirty="0" smtClean="0"/>
@@ -9594,26 +9594,14 @@
                 </a:spcAft>
               </a:pPr>
               <a:r>
-                <a:rPr lang="en-US" sz="1000" kern="100" dirty="0" smtClean="0">
+                <a:rPr lang="en-US" sz="1000" kern="100" dirty="0">
                   <a:solidFill>
                     <a:srgbClr val="000000"/>
                   </a:solidFill>
-                  <a:effectLst/>
                   <a:ea typeface="ＭＳ 明朝" panose="02020609040205080304" pitchFamily="17" charset="-128"/>
                   <a:cs typeface="Times New Roman" panose="02020603050405020304" pitchFamily="18" charset="0"/>
                 </a:rPr>
-                <a:t>MySQL</a:t>
-              </a:r>
-              <a:r>
-                <a:rPr lang="en-US" sz="1050" kern="100" dirty="0">
-                  <a:solidFill>
-                    <a:srgbClr val="000000"/>
-                  </a:solidFill>
-                  <a:effectLst/>
-                  <a:ea typeface="ＭＳ 明朝" panose="02020609040205080304" pitchFamily="17" charset="-128"/>
-                  <a:cs typeface="Times New Roman" panose="02020603050405020304" pitchFamily="18" charset="0"/>
-                </a:rPr>
-                <a:t> </a:t>
+                <a:t>MariaDB</a:t>
               </a:r>
               <a:endParaRPr lang="ja-JP" sz="1050" kern="100" dirty="0">
                 <a:effectLst/>
@@ -10052,21 +10040,21 @@
                 <a:gridCol w="2586972">
                   <a:extLst>
                     <a:ext uri="{9D8B030D-6E8A-4147-A177-3AD203B41FA5}">
-                      <a16:colId xmlns:a16="http://schemas.microsoft.com/office/drawing/2014/main" val="20000"/>
+                      <a16:colId xmlns="" xmlns:a16="http://schemas.microsoft.com/office/drawing/2014/main" val="20000"/>
                     </a:ext>
                   </a:extLst>
                 </a:gridCol>
                 <a:gridCol w="2389134">
                   <a:extLst>
                     <a:ext uri="{9D8B030D-6E8A-4147-A177-3AD203B41FA5}">
-                      <a16:colId xmlns:a16="http://schemas.microsoft.com/office/drawing/2014/main" val="20001"/>
+                      <a16:colId xmlns="" xmlns:a16="http://schemas.microsoft.com/office/drawing/2014/main" val="20001"/>
                     </a:ext>
                   </a:extLst>
                 </a:gridCol>
                 <a:gridCol w="3773110">
                   <a:extLst>
                     <a:ext uri="{9D8B030D-6E8A-4147-A177-3AD203B41FA5}">
-                      <a16:colId xmlns:a16="http://schemas.microsoft.com/office/drawing/2014/main" val="20002"/>
+                      <a16:colId xmlns="" xmlns:a16="http://schemas.microsoft.com/office/drawing/2014/main" val="20002"/>
                     </a:ext>
                   </a:extLst>
                 </a:gridCol>
@@ -10170,7 +10158,7 @@
                 </a:tc>
                 <a:extLst>
                   <a:ext uri="{0D108BD9-81ED-4DB2-BD59-A6C34878D82A}">
-                    <a16:rowId xmlns:a16="http://schemas.microsoft.com/office/drawing/2014/main" val="10000"/>
+                    <a16:rowId xmlns="" xmlns:a16="http://schemas.microsoft.com/office/drawing/2014/main" val="10000"/>
                   </a:ext>
                 </a:extLst>
               </a:tr>
@@ -10291,7 +10279,7 @@
                 </a:tc>
                 <a:extLst>
                   <a:ext uri="{0D108BD9-81ED-4DB2-BD59-A6C34878D82A}">
-                    <a16:rowId xmlns:a16="http://schemas.microsoft.com/office/drawing/2014/main" val="10001"/>
+                    <a16:rowId xmlns="" xmlns:a16="http://schemas.microsoft.com/office/drawing/2014/main" val="10001"/>
                   </a:ext>
                 </a:extLst>
               </a:tr>
@@ -10437,7 +10425,7 @@
                 </a:tc>
                 <a:extLst>
                   <a:ext uri="{0D108BD9-81ED-4DB2-BD59-A6C34878D82A}">
-                    <a16:rowId xmlns:a16="http://schemas.microsoft.com/office/drawing/2014/main" val="10002"/>
+                    <a16:rowId xmlns="" xmlns:a16="http://schemas.microsoft.com/office/drawing/2014/main" val="10002"/>
                   </a:ext>
                 </a:extLst>
               </a:tr>
@@ -10583,7 +10571,7 @@
                 </a:tc>
                 <a:extLst>
                   <a:ext uri="{0D108BD9-81ED-4DB2-BD59-A6C34878D82A}">
-                    <a16:rowId xmlns:a16="http://schemas.microsoft.com/office/drawing/2014/main" val="10003"/>
+                    <a16:rowId xmlns="" xmlns:a16="http://schemas.microsoft.com/office/drawing/2014/main" val="10003"/>
                   </a:ext>
                 </a:extLst>
               </a:tr>
@@ -10704,7 +10692,7 @@
                 </a:tc>
                 <a:extLst>
                   <a:ext uri="{0D108BD9-81ED-4DB2-BD59-A6C34878D82A}">
-                    <a16:rowId xmlns:a16="http://schemas.microsoft.com/office/drawing/2014/main" val="10004"/>
+                    <a16:rowId xmlns="" xmlns:a16="http://schemas.microsoft.com/office/drawing/2014/main" val="10004"/>
                   </a:ext>
                 </a:extLst>
               </a:tr>
@@ -10843,7 +10831,7 @@
                 </a:tc>
                 <a:extLst>
                   <a:ext uri="{0D108BD9-81ED-4DB2-BD59-A6C34878D82A}">
-                    <a16:rowId xmlns:a16="http://schemas.microsoft.com/office/drawing/2014/main" val="10005"/>
+                    <a16:rowId xmlns="" xmlns:a16="http://schemas.microsoft.com/office/drawing/2014/main" val="10005"/>
                   </a:ext>
                 </a:extLst>
               </a:tr>
@@ -10964,7 +10952,7 @@
                 </a:tc>
                 <a:extLst>
                   <a:ext uri="{0D108BD9-81ED-4DB2-BD59-A6C34878D82A}">
-                    <a16:rowId xmlns:a16="http://schemas.microsoft.com/office/drawing/2014/main" val="10006"/>
+                    <a16:rowId xmlns="" xmlns:a16="http://schemas.microsoft.com/office/drawing/2014/main" val="10006"/>
                   </a:ext>
                 </a:extLst>
               </a:tr>
@@ -12089,21 +12077,10 @@
               </a:endParaRPr>
             </a:p>
             <a:p>
-              <a:pPr marL="385445" marR="0" lvl="0" indent="-266700" algn="l" defTabSz="914400" eaLnBrk="1" fontAlgn="auto" latinLnBrk="0" hangingPunct="1">
+              <a:pPr marL="385445" lvl="0" indent="-266700">
                 <a:lnSpc>
                   <a:spcPct val="115000"/>
                 </a:lnSpc>
-                <a:spcBef>
-                  <a:spcPts val="0"/>
-                </a:spcBef>
-                <a:spcAft>
-                  <a:spcPts val="0"/>
-                </a:spcAft>
-                <a:buClrTx/>
-                <a:buSzTx/>
-                <a:buFontTx/>
-                <a:buNone/>
-                <a:tabLst/>
                 <a:defRPr/>
               </a:pPr>
               <a:r>
@@ -12120,10 +12097,20 @@
                   <a:latin typeface="+mn-ea"/>
                   <a:cs typeface="Times New Roman" panose="02020603050405020304" pitchFamily="18" charset="0"/>
                 </a:rPr>
-                <a:t>3. MySQL</a:t>
+                <a:t>3. </a:t>
               </a:r>
               <a:r>
-                <a:rPr kumimoji="0" lang="ja-JP" altLang="en-US" sz="1200" b="0" i="0" u="none" strike="noStrike" kern="100" cap="none" spc="0" normalizeH="0" baseline="0" noProof="0" dirty="0">
+                <a:rPr kumimoji="0" lang="en-US" sz="1200" kern="100" dirty="0">
+                  <a:solidFill>
+                    <a:srgbClr val="000000"/>
+                  </a:solidFill>
+                  <a:latin typeface="+mn-ea"/>
+                  <a:cs typeface="Times New Roman" panose="02020603050405020304" pitchFamily="18" charset="0"/>
+                </a:rPr>
+                <a:t>MariaDB</a:t>
+              </a:r>
+              <a:r>
+                <a:rPr kumimoji="0" lang="ja-JP" altLang="en-US" sz="1200" b="0" i="0" u="none" strike="noStrike" kern="100" cap="none" spc="0" normalizeH="0" baseline="0" noProof="0" dirty="0" smtClean="0">
                   <a:ln>
                     <a:noFill/>
                   </a:ln>
@@ -14166,28 +14153,28 @@
                 <a:gridCol w="1800128">
                   <a:extLst>
                     <a:ext uri="{9D8B030D-6E8A-4147-A177-3AD203B41FA5}">
-                      <a16:colId xmlns:a16="http://schemas.microsoft.com/office/drawing/2014/main" val="20000"/>
+                      <a16:colId xmlns="" xmlns:a16="http://schemas.microsoft.com/office/drawing/2014/main" val="20000"/>
                     </a:ext>
                   </a:extLst>
                 </a:gridCol>
                 <a:gridCol w="2139459">
                   <a:extLst>
                     <a:ext uri="{9D8B030D-6E8A-4147-A177-3AD203B41FA5}">
-                      <a16:colId xmlns:a16="http://schemas.microsoft.com/office/drawing/2014/main" val="20001"/>
+                      <a16:colId xmlns="" xmlns:a16="http://schemas.microsoft.com/office/drawing/2014/main" val="20001"/>
                     </a:ext>
                   </a:extLst>
                 </a:gridCol>
                 <a:gridCol w="596921">
                   <a:extLst>
                     <a:ext uri="{9D8B030D-6E8A-4147-A177-3AD203B41FA5}">
-                      <a16:colId xmlns:a16="http://schemas.microsoft.com/office/drawing/2014/main" val="20002"/>
+                      <a16:colId xmlns="" xmlns:a16="http://schemas.microsoft.com/office/drawing/2014/main" val="20002"/>
                     </a:ext>
                   </a:extLst>
                 </a:gridCol>
                 <a:gridCol w="4247492">
                   <a:extLst>
                     <a:ext uri="{9D8B030D-6E8A-4147-A177-3AD203B41FA5}">
-                      <a16:colId xmlns:a16="http://schemas.microsoft.com/office/drawing/2014/main" val="20003"/>
+                      <a16:colId xmlns="" xmlns:a16="http://schemas.microsoft.com/office/drawing/2014/main" val="20003"/>
                     </a:ext>
                   </a:extLst>
                 </a:gridCol>
@@ -14339,7 +14326,7 @@
                 </a:tc>
                 <a:extLst>
                   <a:ext uri="{0D108BD9-81ED-4DB2-BD59-A6C34878D82A}">
-                    <a16:rowId xmlns:a16="http://schemas.microsoft.com/office/drawing/2014/main" val="10000"/>
+                    <a16:rowId xmlns="" xmlns:a16="http://schemas.microsoft.com/office/drawing/2014/main" val="10000"/>
                   </a:ext>
                 </a:extLst>
               </a:tr>
@@ -14506,7 +14493,7 @@
                 </a:tc>
                 <a:extLst>
                   <a:ext uri="{0D108BD9-81ED-4DB2-BD59-A6C34878D82A}">
-                    <a16:rowId xmlns:a16="http://schemas.microsoft.com/office/drawing/2014/main" val="10001"/>
+                    <a16:rowId xmlns="" xmlns:a16="http://schemas.microsoft.com/office/drawing/2014/main" val="10001"/>
                   </a:ext>
                 </a:extLst>
               </a:tr>
@@ -14681,7 +14668,7 @@
                 </a:tc>
                 <a:extLst>
                   <a:ext uri="{0D108BD9-81ED-4DB2-BD59-A6C34878D82A}">
-                    <a16:rowId xmlns:a16="http://schemas.microsoft.com/office/drawing/2014/main" val="10002"/>
+                    <a16:rowId xmlns="" xmlns:a16="http://schemas.microsoft.com/office/drawing/2014/main" val="10002"/>
                   </a:ext>
                 </a:extLst>
               </a:tr>
@@ -14856,7 +14843,7 @@
                 </a:tc>
                 <a:extLst>
                   <a:ext uri="{0D108BD9-81ED-4DB2-BD59-A6C34878D82A}">
-                    <a16:rowId xmlns:a16="http://schemas.microsoft.com/office/drawing/2014/main" val="10003"/>
+                    <a16:rowId xmlns="" xmlns:a16="http://schemas.microsoft.com/office/drawing/2014/main" val="10003"/>
                   </a:ext>
                 </a:extLst>
               </a:tr>
@@ -15037,7 +15024,7 @@
                 </a:tc>
                 <a:extLst>
                   <a:ext uri="{0D108BD9-81ED-4DB2-BD59-A6C34878D82A}">
-                    <a16:rowId xmlns:a16="http://schemas.microsoft.com/office/drawing/2014/main" val="10004"/>
+                    <a16:rowId xmlns="" xmlns:a16="http://schemas.microsoft.com/office/drawing/2014/main" val="10004"/>
                   </a:ext>
                 </a:extLst>
               </a:tr>
@@ -15245,7 +15232,7 @@
                 </a:tc>
                 <a:extLst>
                   <a:ext uri="{0D108BD9-81ED-4DB2-BD59-A6C34878D82A}">
-                    <a16:rowId xmlns:a16="http://schemas.microsoft.com/office/drawing/2014/main" val="10005"/>
+                    <a16:rowId xmlns="" xmlns:a16="http://schemas.microsoft.com/office/drawing/2014/main" val="10005"/>
                   </a:ext>
                 </a:extLst>
               </a:tr>
@@ -15448,7 +15435,7 @@
                 </a:tc>
                 <a:extLst>
                   <a:ext uri="{0D108BD9-81ED-4DB2-BD59-A6C34878D82A}">
-                    <a16:rowId xmlns:a16="http://schemas.microsoft.com/office/drawing/2014/main" val="10006"/>
+                    <a16:rowId xmlns="" xmlns:a16="http://schemas.microsoft.com/office/drawing/2014/main" val="10006"/>
                   </a:ext>
                 </a:extLst>
               </a:tr>
@@ -15614,7 +15601,7 @@
                 </a:tc>
                 <a:extLst>
                   <a:ext uri="{0D108BD9-81ED-4DB2-BD59-A6C34878D82A}">
-                    <a16:rowId xmlns:a16="http://schemas.microsoft.com/office/drawing/2014/main" val="10007"/>
+                    <a16:rowId xmlns="" xmlns:a16="http://schemas.microsoft.com/office/drawing/2014/main" val="10007"/>
                   </a:ext>
                 </a:extLst>
               </a:tr>
@@ -15780,7 +15767,7 @@
                 </a:tc>
                 <a:extLst>
                   <a:ext uri="{0D108BD9-81ED-4DB2-BD59-A6C34878D82A}">
-                    <a16:rowId xmlns:a16="http://schemas.microsoft.com/office/drawing/2014/main" val="10008"/>
+                    <a16:rowId xmlns="" xmlns:a16="http://schemas.microsoft.com/office/drawing/2014/main" val="10008"/>
                   </a:ext>
                 </a:extLst>
               </a:tr>
@@ -15946,7 +15933,7 @@
                 </a:tc>
                 <a:extLst>
                   <a:ext uri="{0D108BD9-81ED-4DB2-BD59-A6C34878D82A}">
-                    <a16:rowId xmlns:a16="http://schemas.microsoft.com/office/drawing/2014/main" val="10009"/>
+                    <a16:rowId xmlns="" xmlns:a16="http://schemas.microsoft.com/office/drawing/2014/main" val="10009"/>
                   </a:ext>
                 </a:extLst>
               </a:tr>
@@ -16112,7 +16099,7 @@
                 </a:tc>
                 <a:extLst>
                   <a:ext uri="{0D108BD9-81ED-4DB2-BD59-A6C34878D82A}">
-                    <a16:rowId xmlns:a16="http://schemas.microsoft.com/office/drawing/2014/main" val="10010"/>
+                    <a16:rowId xmlns="" xmlns:a16="http://schemas.microsoft.com/office/drawing/2014/main" val="10010"/>
                   </a:ext>
                 </a:extLst>
               </a:tr>
@@ -16296,7 +16283,7 @@
                 </a:tc>
                 <a:extLst>
                   <a:ext uri="{0D108BD9-81ED-4DB2-BD59-A6C34878D82A}">
-                    <a16:rowId xmlns:a16="http://schemas.microsoft.com/office/drawing/2014/main" val="10011"/>
+                    <a16:rowId xmlns="" xmlns:a16="http://schemas.microsoft.com/office/drawing/2014/main" val="10011"/>
                   </a:ext>
                 </a:extLst>
               </a:tr>
@@ -16480,7 +16467,7 @@
                 </a:tc>
                 <a:extLst>
                   <a:ext uri="{0D108BD9-81ED-4DB2-BD59-A6C34878D82A}">
-                    <a16:rowId xmlns:a16="http://schemas.microsoft.com/office/drawing/2014/main" val="10012"/>
+                    <a16:rowId xmlns="" xmlns:a16="http://schemas.microsoft.com/office/drawing/2014/main" val="10012"/>
                   </a:ext>
                 </a:extLst>
               </a:tr>
@@ -21097,14 +21084,14 @@
           <p:nvPr>
             <p:extLst>
               <p:ext uri="{D42A27DB-BD31-4B8C-83A1-F6EECF244321}">
-                <p14:modId xmlns:p14="http://schemas.microsoft.com/office/powerpoint/2010/main" val="1545016484"/>
+                <p14:modId xmlns:p14="http://schemas.microsoft.com/office/powerpoint/2010/main" val="47777617"/>
               </p:ext>
             </p:extLst>
           </p:nvPr>
         </p:nvGraphicFramePr>
         <p:xfrm>
           <a:off x="539440" y="2060814"/>
-          <a:ext cx="8065121" cy="4526528"/>
+          <a:ext cx="8065121" cy="4297928"/>
         </p:xfrm>
         <a:graphic>
           <a:graphicData uri="http://schemas.openxmlformats.org/drawingml/2006/table">
@@ -21116,28 +21103,28 @@
                 <a:gridCol w="2012783">
                   <a:extLst>
                     <a:ext uri="{9D8B030D-6E8A-4147-A177-3AD203B41FA5}">
-                      <a16:colId xmlns:a16="http://schemas.microsoft.com/office/drawing/2014/main" val="20000"/>
+                      <a16:colId xmlns="" xmlns:a16="http://schemas.microsoft.com/office/drawing/2014/main" val="20000"/>
                     </a:ext>
                   </a:extLst>
                 </a:gridCol>
                 <a:gridCol w="715386">
                   <a:extLst>
                     <a:ext uri="{9D8B030D-6E8A-4147-A177-3AD203B41FA5}">
-                      <a16:colId xmlns:a16="http://schemas.microsoft.com/office/drawing/2014/main" val="20001"/>
+                      <a16:colId xmlns="" xmlns:a16="http://schemas.microsoft.com/office/drawing/2014/main" val="20001"/>
                     </a:ext>
                   </a:extLst>
                 </a:gridCol>
                 <a:gridCol w="887937">
                   <a:extLst>
                     <a:ext uri="{9D8B030D-6E8A-4147-A177-3AD203B41FA5}">
-                      <a16:colId xmlns:a16="http://schemas.microsoft.com/office/drawing/2014/main" val="20002"/>
+                      <a16:colId xmlns="" xmlns:a16="http://schemas.microsoft.com/office/drawing/2014/main" val="20002"/>
                     </a:ext>
                   </a:extLst>
                 </a:gridCol>
                 <a:gridCol w="4449015">
                   <a:extLst>
                     <a:ext uri="{9D8B030D-6E8A-4147-A177-3AD203B41FA5}">
-                      <a16:colId xmlns:a16="http://schemas.microsoft.com/office/drawing/2014/main" val="20003"/>
+                      <a16:colId xmlns="" xmlns:a16="http://schemas.microsoft.com/office/drawing/2014/main" val="20003"/>
                     </a:ext>
                   </a:extLst>
                 </a:gridCol>
@@ -21265,7 +21252,7 @@
                 </a:tc>
                 <a:extLst>
                   <a:ext uri="{0D108BD9-81ED-4DB2-BD59-A6C34878D82A}">
-                    <a16:rowId xmlns:a16="http://schemas.microsoft.com/office/drawing/2014/main" val="10000"/>
+                    <a16:rowId xmlns="" xmlns:a16="http://schemas.microsoft.com/office/drawing/2014/main" val="10000"/>
                   </a:ext>
                 </a:extLst>
               </a:tr>
@@ -21444,7 +21431,7 @@
                 </a:tc>
                 <a:extLst>
                   <a:ext uri="{0D108BD9-81ED-4DB2-BD59-A6C34878D82A}">
-                    <a16:rowId xmlns:a16="http://schemas.microsoft.com/office/drawing/2014/main" val="10001"/>
+                    <a16:rowId xmlns="" xmlns:a16="http://schemas.microsoft.com/office/drawing/2014/main" val="10001"/>
                   </a:ext>
                 </a:extLst>
               </a:tr>
@@ -21627,7 +21614,7 @@
                 </a:tc>
                 <a:extLst>
                   <a:ext uri="{0D108BD9-81ED-4DB2-BD59-A6C34878D82A}">
-                    <a16:rowId xmlns:a16="http://schemas.microsoft.com/office/drawing/2014/main" val="10002"/>
+                    <a16:rowId xmlns="" xmlns:a16="http://schemas.microsoft.com/office/drawing/2014/main" val="10002"/>
                   </a:ext>
                 </a:extLst>
               </a:tr>
@@ -21808,7 +21795,7 @@
                 </a:tc>
                 <a:extLst>
                   <a:ext uri="{0D108BD9-81ED-4DB2-BD59-A6C34878D82A}">
-                    <a16:rowId xmlns:a16="http://schemas.microsoft.com/office/drawing/2014/main" val="10003"/>
+                    <a16:rowId xmlns="" xmlns:a16="http://schemas.microsoft.com/office/drawing/2014/main" val="10003"/>
                   </a:ext>
                 </a:extLst>
               </a:tr>
@@ -21989,7 +21976,7 @@
                 </a:tc>
                 <a:extLst>
                   <a:ext uri="{0D108BD9-81ED-4DB2-BD59-A6C34878D82A}">
-                    <a16:rowId xmlns:a16="http://schemas.microsoft.com/office/drawing/2014/main" val="10004"/>
+                    <a16:rowId xmlns="" xmlns:a16="http://schemas.microsoft.com/office/drawing/2014/main" val="10004"/>
                   </a:ext>
                 </a:extLst>
               </a:tr>
@@ -22107,13 +22094,13 @@
                         </a:spcAft>
                       </a:pPr>
                       <a:r>
-                        <a:rPr lang="en-US" sz="1000" kern="100" dirty="0">
-                          <a:effectLst/>
-                        </a:rPr>
-                        <a:t>MySQL</a:t>
-                      </a:r>
-                      <a:r>
-                        <a:rPr lang="ja-JP" sz="1000" kern="100" dirty="0">
+                        <a:rPr lang="en-US" sz="1000" kern="100" dirty="0" smtClean="0">
+                          <a:effectLst/>
+                        </a:rPr>
+                        <a:t>MariaDB</a:t>
+                      </a:r>
+                      <a:r>
+                        <a:rPr lang="ja-JP" sz="1000" kern="100" dirty="0" smtClean="0">
                           <a:effectLst/>
                         </a:rPr>
                         <a:t>の</a:t>
@@ -22146,7 +22133,7 @@
                 </a:tc>
                 <a:extLst>
                   <a:ext uri="{0D108BD9-81ED-4DB2-BD59-A6C34878D82A}">
-                    <a16:rowId xmlns:a16="http://schemas.microsoft.com/office/drawing/2014/main" val="10005"/>
+                    <a16:rowId xmlns="" xmlns:a16="http://schemas.microsoft.com/office/drawing/2014/main" val="10005"/>
                   </a:ext>
                 </a:extLst>
               </a:tr>
@@ -22264,13 +22251,13 @@
                         </a:spcAft>
                       </a:pPr>
                       <a:r>
-                        <a:rPr lang="en-US" sz="1000" kern="100" dirty="0">
-                          <a:effectLst/>
-                        </a:rPr>
-                        <a:t>MySQL</a:t>
-                      </a:r>
-                      <a:r>
-                        <a:rPr lang="ja-JP" sz="1000" kern="100" dirty="0">
+                        <a:rPr lang="en-US" sz="1000" kern="100" dirty="0" smtClean="0">
+                          <a:effectLst/>
+                        </a:rPr>
+                        <a:t>MariaDB</a:t>
+                      </a:r>
+                      <a:r>
+                        <a:rPr lang="ja-JP" sz="1000" kern="100" dirty="0" smtClean="0">
                           <a:effectLst/>
                         </a:rPr>
                         <a:t>の</a:t>
@@ -22303,7 +22290,7 @@
                 </a:tc>
                 <a:extLst>
                   <a:ext uri="{0D108BD9-81ED-4DB2-BD59-A6C34878D82A}">
-                    <a16:rowId xmlns:a16="http://schemas.microsoft.com/office/drawing/2014/main" val="10006"/>
+                    <a16:rowId xmlns="" xmlns:a16="http://schemas.microsoft.com/office/drawing/2014/main" val="10006"/>
                   </a:ext>
                 </a:extLst>
               </a:tr>
@@ -22421,13 +22408,13 @@
                         </a:spcAft>
                       </a:pPr>
                       <a:r>
-                        <a:rPr lang="en-US" sz="1000" kern="100" dirty="0">
-                          <a:effectLst/>
-                        </a:rPr>
-                        <a:t>MySQL</a:t>
-                      </a:r>
-                      <a:r>
-                        <a:rPr lang="ja-JP" sz="1000" kern="100" dirty="0">
+                        <a:rPr lang="en-US" sz="1000" kern="100" dirty="0" smtClean="0">
+                          <a:effectLst/>
+                        </a:rPr>
+                        <a:t>MariaDB</a:t>
+                      </a:r>
+                      <a:r>
+                        <a:rPr lang="ja-JP" sz="1000" kern="100" dirty="0" smtClean="0">
                           <a:effectLst/>
                         </a:rPr>
                         <a:t>の</a:t>
@@ -22460,7 +22447,7 @@
                 </a:tc>
                 <a:extLst>
                   <a:ext uri="{0D108BD9-81ED-4DB2-BD59-A6C34878D82A}">
-                    <a16:rowId xmlns:a16="http://schemas.microsoft.com/office/drawing/2014/main" val="10007"/>
+                    <a16:rowId xmlns="" xmlns:a16="http://schemas.microsoft.com/office/drawing/2014/main" val="10007"/>
                   </a:ext>
                 </a:extLst>
               </a:tr>
@@ -22578,13 +22565,13 @@
                         </a:spcAft>
                       </a:pPr>
                       <a:r>
-                        <a:rPr lang="en-US" sz="1000" kern="100" dirty="0">
-                          <a:effectLst/>
-                        </a:rPr>
-                        <a:t>MySQL</a:t>
-                      </a:r>
-                      <a:r>
-                        <a:rPr lang="ja-JP" sz="1000" kern="100" dirty="0">
+                        <a:rPr lang="en-US" sz="1000" kern="100" dirty="0" smtClean="0">
+                          <a:effectLst/>
+                        </a:rPr>
+                        <a:t>MariaDB</a:t>
+                      </a:r>
+                      <a:r>
+                        <a:rPr lang="ja-JP" sz="1000" kern="100" dirty="0" smtClean="0">
                           <a:effectLst/>
                         </a:rPr>
                         <a:t>の</a:t>
@@ -22617,7 +22604,7 @@
                 </a:tc>
                 <a:extLst>
                   <a:ext uri="{0D108BD9-81ED-4DB2-BD59-A6C34878D82A}">
-                    <a16:rowId xmlns:a16="http://schemas.microsoft.com/office/drawing/2014/main" val="10008"/>
+                    <a16:rowId xmlns="" xmlns:a16="http://schemas.microsoft.com/office/drawing/2014/main" val="10008"/>
                   </a:ext>
                 </a:extLst>
               </a:tr>
@@ -22780,7 +22767,7 @@
                 </a:tc>
                 <a:extLst>
                   <a:ext uri="{0D108BD9-81ED-4DB2-BD59-A6C34878D82A}">
-                    <a16:rowId xmlns:a16="http://schemas.microsoft.com/office/drawing/2014/main" val="10009"/>
+                    <a16:rowId xmlns="" xmlns:a16="http://schemas.microsoft.com/office/drawing/2014/main" val="10009"/>
                   </a:ext>
                 </a:extLst>
               </a:tr>
@@ -22919,7 +22906,7 @@
                 </a:tc>
                 <a:extLst>
                   <a:ext uri="{0D108BD9-81ED-4DB2-BD59-A6C34878D82A}">
-                    <a16:rowId xmlns:a16="http://schemas.microsoft.com/office/drawing/2014/main" val="10010"/>
+                    <a16:rowId xmlns="" xmlns:a16="http://schemas.microsoft.com/office/drawing/2014/main" val="10010"/>
                   </a:ext>
                 </a:extLst>
               </a:tr>
@@ -23058,7 +23045,7 @@
                 </a:tc>
                 <a:extLst>
                   <a:ext uri="{0D108BD9-81ED-4DB2-BD59-A6C34878D82A}">
-                    <a16:rowId xmlns:a16="http://schemas.microsoft.com/office/drawing/2014/main" val="10011"/>
+                    <a16:rowId xmlns="" xmlns:a16="http://schemas.microsoft.com/office/drawing/2014/main" val="10011"/>
                   </a:ext>
                 </a:extLst>
               </a:tr>
@@ -23197,7 +23184,7 @@
                 </a:tc>
                 <a:extLst>
                   <a:ext uri="{0D108BD9-81ED-4DB2-BD59-A6C34878D82A}">
-                    <a16:rowId xmlns:a16="http://schemas.microsoft.com/office/drawing/2014/main" val="10012"/>
+                    <a16:rowId xmlns="" xmlns:a16="http://schemas.microsoft.com/office/drawing/2014/main" val="10012"/>
                   </a:ext>
                 </a:extLst>
               </a:tr>
@@ -23354,7 +23341,7 @@
                 </a:tc>
                 <a:extLst>
                   <a:ext uri="{0D108BD9-81ED-4DB2-BD59-A6C34878D82A}">
-                    <a16:rowId xmlns:a16="http://schemas.microsoft.com/office/drawing/2014/main" val="10013"/>
+                    <a16:rowId xmlns="" xmlns:a16="http://schemas.microsoft.com/office/drawing/2014/main" val="10013"/>
                   </a:ext>
                 </a:extLst>
               </a:tr>
@@ -23499,7 +23486,7 @@
                 </a:tc>
                 <a:extLst>
                   <a:ext uri="{0D108BD9-81ED-4DB2-BD59-A6C34878D82A}">
-                    <a16:rowId xmlns:a16="http://schemas.microsoft.com/office/drawing/2014/main" val="10014"/>
+                    <a16:rowId xmlns="" xmlns:a16="http://schemas.microsoft.com/office/drawing/2014/main" val="10014"/>
                   </a:ext>
                 </a:extLst>
               </a:tr>
@@ -23644,7 +23631,7 @@
                 </a:tc>
                 <a:extLst>
                   <a:ext uri="{0D108BD9-81ED-4DB2-BD59-A6C34878D82A}">
-                    <a16:rowId xmlns:a16="http://schemas.microsoft.com/office/drawing/2014/main" val="10015"/>
+                    <a16:rowId xmlns="" xmlns:a16="http://schemas.microsoft.com/office/drawing/2014/main" val="10015"/>
                   </a:ext>
                 </a:extLst>
               </a:tr>
@@ -23789,152 +23776,7 @@
                 </a:tc>
                 <a:extLst>
                   <a:ext uri="{0D108BD9-81ED-4DB2-BD59-A6C34878D82A}">
-                    <a16:rowId xmlns:a16="http://schemas.microsoft.com/office/drawing/2014/main" val="10016"/>
-                  </a:ext>
-                </a:extLst>
-              </a:tr>
-              <a:tr h="222140">
-                <a:tc>
-                  <a:txBody>
-                    <a:bodyPr/>
-                    <a:lstStyle/>
-                    <a:p>
-                      <a:pPr algn="just">
-                        <a:lnSpc>
-                          <a:spcPct val="150000"/>
-                        </a:lnSpc>
-                        <a:spcAft>
-                          <a:spcPts val="0"/>
-                        </a:spcAft>
-                      </a:pPr>
-                      <a:r>
-                        <a:rPr lang="en-US" sz="1000" kern="100" dirty="0">
-                          <a:effectLst/>
-                        </a:rPr>
-                        <a:t>ansibletower_driver</a:t>
-                      </a:r>
-                      <a:endParaRPr lang="ja-JP" sz="1000" kern="100" dirty="0">
-                        <a:effectLst/>
-                        <a:latin typeface="Century" panose="02040604050505020304" pitchFamily="18" charset="0"/>
-                        <a:ea typeface="ＭＳ 明朝" panose="02020609040205080304" pitchFamily="17" charset="-128"/>
-                        <a:cs typeface="Times New Roman" panose="02020603050405020304" pitchFamily="18" charset="0"/>
-                      </a:endParaRPr>
-                    </a:p>
-                  </a:txBody>
-                  <a:tcPr marL="68495" marR="68495" marT="0" marB="0" anchor="ctr">
-                    <a:solidFill>
-                      <a:srgbClr val="002B62"/>
-                    </a:solidFill>
-                  </a:tcPr>
-                </a:tc>
-                <a:tc>
-                  <a:txBody>
-                    <a:bodyPr/>
-                    <a:lstStyle/>
-                    <a:p>
-                      <a:pPr algn="ctr">
-                        <a:lnSpc>
-                          <a:spcPct val="150000"/>
-                        </a:lnSpc>
-                        <a:spcAft>
-                          <a:spcPts val="0"/>
-                        </a:spcAft>
-                      </a:pPr>
-                      <a:r>
-                        <a:rPr lang="en-US" sz="1000" kern="100" dirty="0">
-                          <a:effectLst/>
-                        </a:rPr>
-                        <a:t>○</a:t>
-                      </a:r>
-                      <a:endParaRPr lang="ja-JP" sz="1000" kern="100" dirty="0">
-                        <a:effectLst/>
-                        <a:latin typeface="Century" panose="02040604050505020304" pitchFamily="18" charset="0"/>
-                        <a:ea typeface="ＭＳ 明朝" panose="02020609040205080304" pitchFamily="17" charset="-128"/>
-                        <a:cs typeface="Times New Roman" panose="02020603050405020304" pitchFamily="18" charset="0"/>
-                      </a:endParaRPr>
-                    </a:p>
-                  </a:txBody>
-                  <a:tcPr marL="68495" marR="68495" marT="0" marB="0" anchor="ctr">
-                    <a:solidFill>
-                      <a:srgbClr val="CBCDD3"/>
-                    </a:solidFill>
-                  </a:tcPr>
-                </a:tc>
-                <a:tc>
-                  <a:txBody>
-                    <a:bodyPr/>
-                    <a:lstStyle/>
-                    <a:p>
-                      <a:pPr algn="ctr">
-                        <a:lnSpc>
-                          <a:spcPct val="150000"/>
-                        </a:lnSpc>
-                        <a:spcAft>
-                          <a:spcPts val="0"/>
-                        </a:spcAft>
-                      </a:pPr>
-                      <a:r>
-                        <a:rPr lang="en-US" sz="1000" kern="100" dirty="0">
-                          <a:effectLst/>
-                        </a:rPr>
-                        <a:t>no</a:t>
-                      </a:r>
-                      <a:endParaRPr lang="ja-JP" sz="1000" kern="100" dirty="0">
-                        <a:effectLst/>
-                        <a:latin typeface="Century" panose="02040604050505020304" pitchFamily="18" charset="0"/>
-                        <a:ea typeface="ＭＳ 明朝" panose="02020609040205080304" pitchFamily="17" charset="-128"/>
-                        <a:cs typeface="Times New Roman" panose="02020603050405020304" pitchFamily="18" charset="0"/>
-                      </a:endParaRPr>
-                    </a:p>
-                  </a:txBody>
-                  <a:tcPr marL="68495" marR="68495" marT="0" marB="0" anchor="ctr">
-                    <a:solidFill>
-                      <a:srgbClr val="CBCDD3"/>
-                    </a:solidFill>
-                  </a:tcPr>
-                </a:tc>
-                <a:tc>
-                  <a:txBody>
-                    <a:bodyPr/>
-                    <a:lstStyle/>
-                    <a:p>
-                      <a:pPr algn="just">
-                        <a:lnSpc>
-                          <a:spcPct val="150000"/>
-                        </a:lnSpc>
-                        <a:spcAft>
-                          <a:spcPts val="0"/>
-                        </a:spcAft>
-                      </a:pPr>
-                      <a:r>
-                        <a:rPr lang="en-US" sz="1000" kern="100" dirty="0">
-                          <a:effectLst/>
-                        </a:rPr>
-                        <a:t>Ansibletower driver</a:t>
-                      </a:r>
-                      <a:r>
-                        <a:rPr lang="ja-JP" sz="1000" kern="100" dirty="0">
-                          <a:effectLst/>
-                        </a:rPr>
-                        <a:t>のインストール有無指定</a:t>
-                      </a:r>
-                      <a:endParaRPr lang="ja-JP" sz="1000" kern="100" dirty="0">
-                        <a:effectLst/>
-                        <a:latin typeface="Century" panose="02040604050505020304" pitchFamily="18" charset="0"/>
-                        <a:ea typeface="ＭＳ 明朝" panose="02020609040205080304" pitchFamily="17" charset="-128"/>
-                        <a:cs typeface="Times New Roman" panose="02020603050405020304" pitchFamily="18" charset="0"/>
-                      </a:endParaRPr>
-                    </a:p>
-                  </a:txBody>
-                  <a:tcPr marL="68495" marR="68495" marT="0" marB="0" anchor="ctr">
-                    <a:solidFill>
-                      <a:srgbClr val="CBCDD3"/>
-                    </a:solidFill>
-                  </a:tcPr>
-                </a:tc>
-                <a:extLst>
-                  <a:ext uri="{0D108BD9-81ED-4DB2-BD59-A6C34878D82A}">
-                    <a16:rowId xmlns:a16="http://schemas.microsoft.com/office/drawing/2014/main" val="10017"/>
+                    <a16:rowId xmlns="" xmlns:a16="http://schemas.microsoft.com/office/drawing/2014/main" val="10016"/>
                   </a:ext>
                 </a:extLst>
               </a:tr>
@@ -24030,7 +23872,7 @@
         </p:nvSpPr>
         <p:spPr>
           <a:xfrm>
-            <a:off x="179512" y="836712"/>
+            <a:off x="179513" y="836640"/>
             <a:ext cx="8964487" cy="5616476"/>
           </a:xfrm>
         </p:spPr>
@@ -24098,7 +23940,7 @@
       </p:sp>
       <p:sp>
         <p:nvSpPr>
-          <p:cNvPr id="5" name="正方形/長方形 4"/>
+          <p:cNvPr id="12" name="正方形/長方形 11"/>
           <p:cNvSpPr/>
           <p:nvPr/>
         </p:nvSpPr>
@@ -24132,309 +23974,210 @@
           </a:bodyPr>
           <a:lstStyle/>
           <a:p>
-            <a:pPr marL="0" marR="0" lvl="0" indent="0" algn="l" defTabSz="914400" eaLnBrk="1" fontAlgn="auto" latinLnBrk="0" hangingPunct="1">
+            <a:pPr lvl="0">
               <a:lnSpc>
                 <a:spcPts val="900"/>
               </a:lnSpc>
-              <a:spcBef>
-                <a:spcPts val="0"/>
-              </a:spcBef>
-              <a:spcAft>
-                <a:spcPts val="0"/>
-              </a:spcAft>
-              <a:buClrTx/>
-              <a:buSzTx/>
-              <a:buFontTx/>
-              <a:buNone/>
-              <a:tabLst/>
               <a:defRPr/>
             </a:pPr>
             <a:r>
-              <a:rPr kumimoji="0" lang="en-US" sz="900" b="0" i="0" u="none" strike="noStrike" kern="100" cap="none" spc="0" normalizeH="0" baseline="0" noProof="0" dirty="0">
-                <a:ln>
-                  <a:noFill/>
-                </a:ln>
+              <a:rPr kumimoji="0" lang="en-US" sz="900" kern="100" dirty="0">
                 <a:solidFill>
                   <a:sysClr val="window" lastClr="FFFFFF"/>
                 </a:solidFill>
-                <a:effectLst/>
-                <a:uLnTx/>
-                <a:uFillTx/>
                 <a:latin typeface="Arial" panose="020B0604020202020204" pitchFamily="34" charset="0"/>
                 <a:ea typeface="ＭＳ 明朝" panose="02020609040205080304" pitchFamily="17" charset="-128"/>
                 <a:cs typeface="Times New Roman" panose="02020603050405020304" pitchFamily="18" charset="0"/>
               </a:rPr>
               <a:t>#Select install mode. ("Install" or "Uninstall")</a:t>
             </a:r>
-            <a:endParaRPr kumimoji="0" lang="ja-JP" altLang="en-US" sz="1050" b="0" i="0" u="none" strike="noStrike" kern="100" cap="none" spc="0" normalizeH="0" baseline="0" noProof="0" dirty="0">
-              <a:ln>
-                <a:noFill/>
-              </a:ln>
-              <a:solidFill>
-                <a:sysClr val="window" lastClr="FFFFFF"/>
-              </a:solidFill>
-              <a:effectLst/>
-              <a:uLnTx/>
-              <a:uFillTx/>
-              <a:latin typeface="Century"/>
-              <a:ea typeface="ＭＳ 明朝" panose="02020609040205080304" pitchFamily="17" charset="-128"/>
-              <a:cs typeface="Times New Roman" panose="02020603050405020304" pitchFamily="18" charset="0"/>
-            </a:endParaRPr>
-          </a:p>
-          <a:p>
-            <a:pPr marL="0" marR="0" lvl="0" indent="0" algn="l" defTabSz="914400" eaLnBrk="1" fontAlgn="auto" latinLnBrk="0" hangingPunct="1">
+          </a:p>
+          <a:p>
+            <a:pPr lvl="0">
               <a:lnSpc>
                 <a:spcPts val="900"/>
               </a:lnSpc>
-              <a:spcBef>
-                <a:spcPts val="0"/>
-              </a:spcBef>
-              <a:spcAft>
-                <a:spcPts val="0"/>
-              </a:spcAft>
-              <a:buClrTx/>
-              <a:buSzTx/>
-              <a:buFontTx/>
-              <a:buNone/>
-              <a:tabLst/>
               <a:defRPr/>
             </a:pPr>
             <a:r>
-              <a:rPr kumimoji="0" lang="en-US" sz="900" b="0" i="0" u="none" strike="noStrike" kern="100" cap="none" spc="0" normalizeH="0" baseline="0" noProof="0" dirty="0">
-                <a:ln>
-                  <a:noFill/>
-                </a:ln>
+              <a:rPr kumimoji="0" lang="en-US" sz="900" kern="100" dirty="0">
                 <a:solidFill>
                   <a:sysClr val="window" lastClr="FFFFFF"/>
                 </a:solidFill>
-                <a:effectLst/>
-                <a:uLnTx/>
-                <a:uFillTx/>
                 <a:latin typeface="Arial" panose="020B0604020202020204" pitchFamily="34" charset="0"/>
                 <a:ea typeface="ＭＳ 明朝" panose="02020609040205080304" pitchFamily="17" charset="-128"/>
                 <a:cs typeface="Times New Roman" panose="02020603050405020304" pitchFamily="18" charset="0"/>
               </a:rPr>
-              <a:t># e.g) install_mode:Install</a:t>
-            </a:r>
-            <a:endParaRPr kumimoji="0" lang="ja-JP" altLang="en-US" sz="1050" b="0" i="0" u="none" strike="noStrike" kern="100" cap="none" spc="0" normalizeH="0" baseline="0" noProof="0" dirty="0">
-              <a:ln>
-                <a:noFill/>
-              </a:ln>
-              <a:solidFill>
-                <a:sysClr val="window" lastClr="FFFFFF"/>
-              </a:solidFill>
-              <a:effectLst/>
-              <a:uLnTx/>
-              <a:uFillTx/>
-              <a:latin typeface="Century"/>
-              <a:ea typeface="ＭＳ 明朝" panose="02020609040205080304" pitchFamily="17" charset="-128"/>
-              <a:cs typeface="Times New Roman" panose="02020603050405020304" pitchFamily="18" charset="0"/>
-            </a:endParaRPr>
-          </a:p>
-          <a:p>
-            <a:pPr marL="0" marR="0" lvl="0" indent="0" algn="l" defTabSz="914400" eaLnBrk="1" fontAlgn="auto" latinLnBrk="0" hangingPunct="1">
-              <a:lnSpc>
-                <a:spcPts val="900"/>
-              </a:lnSpc>
-              <a:spcBef>
-                <a:spcPts val="0"/>
-              </a:spcBef>
-              <a:spcAft>
-                <a:spcPts val="0"/>
-              </a:spcAft>
-              <a:buClrTx/>
-              <a:buSzTx/>
-              <a:buFontTx/>
-              <a:buNone/>
-              <a:tabLst/>
-              <a:defRPr/>
-            </a:pPr>
-            <a:r>
-              <a:rPr kumimoji="0" lang="en-US" sz="900" b="0" i="0" u="none" strike="noStrike" kern="100" cap="none" spc="0" normalizeH="0" baseline="0" noProof="0" dirty="0">
-                <a:ln>
-                  <a:noFill/>
-                </a:ln>
+              <a:t># </a:t>
+            </a:r>
+            <a:r>
+              <a:rPr kumimoji="0" lang="en-US" sz="900" kern="100" dirty="0" err="1">
                 <a:solidFill>
                   <a:sysClr val="window" lastClr="FFFFFF"/>
                 </a:solidFill>
-                <a:effectLst/>
-                <a:uLnTx/>
-                <a:uFillTx/>
+                <a:latin typeface="Arial" panose="020B0604020202020204" pitchFamily="34" charset="0"/>
+                <a:ea typeface="ＭＳ 明朝" panose="02020609040205080304" pitchFamily="17" charset="-128"/>
+                <a:cs typeface="Times New Roman" panose="02020603050405020304" pitchFamily="18" charset="0"/>
+              </a:rPr>
+              <a:t>e.g</a:t>
+            </a:r>
+            <a:r>
+              <a:rPr kumimoji="0" lang="en-US" sz="900" kern="100" dirty="0">
+                <a:solidFill>
+                  <a:sysClr val="window" lastClr="FFFFFF"/>
+                </a:solidFill>
+                <a:latin typeface="Arial" panose="020B0604020202020204" pitchFamily="34" charset="0"/>
+                <a:ea typeface="ＭＳ 明朝" panose="02020609040205080304" pitchFamily="17" charset="-128"/>
+                <a:cs typeface="Times New Roman" panose="02020603050405020304" pitchFamily="18" charset="0"/>
+              </a:rPr>
+              <a:t>) </a:t>
+            </a:r>
+            <a:r>
+              <a:rPr kumimoji="0" lang="en-US" sz="900" kern="100" dirty="0" err="1">
+                <a:solidFill>
+                  <a:sysClr val="window" lastClr="FFFFFF"/>
+                </a:solidFill>
                 <a:latin typeface="Arial" panose="020B0604020202020204" pitchFamily="34" charset="0"/>
                 <a:ea typeface="ＭＳ 明朝" panose="02020609040205080304" pitchFamily="17" charset="-128"/>
                 <a:cs typeface="Times New Roman" panose="02020603050405020304" pitchFamily="18" charset="0"/>
               </a:rPr>
               <a:t>install_mode:Install</a:t>
             </a:r>
-            <a:endParaRPr kumimoji="0" lang="ja-JP" altLang="en-US" sz="1050" b="0" i="0" u="none" strike="noStrike" kern="100" cap="none" spc="0" normalizeH="0" baseline="0" noProof="0" dirty="0">
-              <a:ln>
-                <a:noFill/>
-              </a:ln>
+            <a:endParaRPr kumimoji="0" lang="en-US" sz="900" kern="100" dirty="0">
               <a:solidFill>
                 <a:sysClr val="window" lastClr="FFFFFF"/>
               </a:solidFill>
-              <a:effectLst/>
-              <a:uLnTx/>
-              <a:uFillTx/>
-              <a:latin typeface="Century"/>
+              <a:latin typeface="Arial" panose="020B0604020202020204" pitchFamily="34" charset="0"/>
               <a:ea typeface="ＭＳ 明朝" panose="02020609040205080304" pitchFamily="17" charset="-128"/>
               <a:cs typeface="Times New Roman" panose="02020603050405020304" pitchFamily="18" charset="0"/>
             </a:endParaRPr>
           </a:p>
           <a:p>
-            <a:pPr marL="0" marR="0" lvl="0" indent="0" algn="l" defTabSz="914400" eaLnBrk="1" fontAlgn="auto" latinLnBrk="0" hangingPunct="1">
+            <a:pPr lvl="0">
               <a:lnSpc>
                 <a:spcPts val="900"/>
               </a:lnSpc>
-              <a:spcBef>
-                <a:spcPts val="0"/>
-              </a:spcBef>
-              <a:spcAft>
-                <a:spcPts val="0"/>
-              </a:spcAft>
-              <a:buClrTx/>
-              <a:buSzTx/>
-              <a:buFontTx/>
-              <a:buNone/>
-              <a:tabLst/>
               <a:defRPr/>
             </a:pPr>
             <a:r>
-              <a:rPr kumimoji="0" lang="en-US" sz="900" b="0" i="0" u="none" strike="noStrike" kern="100" cap="none" spc="0" normalizeH="0" baseline="0" noProof="0" dirty="0">
-                <a:ln>
-                  <a:noFill/>
-                </a:ln>
+              <a:rPr kumimoji="0" lang="en-US" sz="900" kern="100" dirty="0" err="1">
                 <a:solidFill>
                   <a:sysClr val="window" lastClr="FFFFFF"/>
                 </a:solidFill>
-                <a:effectLst/>
-                <a:uLnTx/>
-                <a:uFillTx/>
                 <a:latin typeface="Arial" panose="020B0604020202020204" pitchFamily="34" charset="0"/>
                 <a:ea typeface="ＭＳ 明朝" panose="02020609040205080304" pitchFamily="17" charset="-128"/>
                 <a:cs typeface="Times New Roman" panose="02020603050405020304" pitchFamily="18" charset="0"/>
               </a:rPr>
-              <a:t> </a:t>
-            </a:r>
-            <a:endParaRPr kumimoji="0" lang="ja-JP" altLang="en-US" sz="1050" b="0" i="0" u="none" strike="noStrike" kern="100" cap="none" spc="0" normalizeH="0" baseline="0" noProof="0" dirty="0">
-              <a:ln>
-                <a:noFill/>
-              </a:ln>
+              <a:t>install_mode:Install</a:t>
+            </a:r>
+            <a:endParaRPr kumimoji="0" lang="en-US" sz="900" kern="100" dirty="0">
               <a:solidFill>
                 <a:sysClr val="window" lastClr="FFFFFF"/>
               </a:solidFill>
-              <a:effectLst/>
-              <a:uLnTx/>
-              <a:uFillTx/>
-              <a:latin typeface="Century"/>
+              <a:latin typeface="Arial" panose="020B0604020202020204" pitchFamily="34" charset="0"/>
               <a:ea typeface="ＭＳ 明朝" panose="02020609040205080304" pitchFamily="17" charset="-128"/>
               <a:cs typeface="Times New Roman" panose="02020603050405020304" pitchFamily="18" charset="0"/>
             </a:endParaRPr>
           </a:p>
           <a:p>
-            <a:pPr marL="0" marR="0" lvl="0" indent="0" algn="l" defTabSz="914400" eaLnBrk="1" fontAlgn="auto" latinLnBrk="0" hangingPunct="1">
+            <a:pPr lvl="0">
               <a:lnSpc>
                 <a:spcPts val="900"/>
               </a:lnSpc>
-              <a:spcBef>
-                <a:spcPts val="0"/>
-              </a:spcBef>
-              <a:spcAft>
-                <a:spcPts val="0"/>
-              </a:spcAft>
-              <a:buClrTx/>
-              <a:buSzTx/>
-              <a:buFontTx/>
-              <a:buNone/>
-              <a:tabLst/>
               <a:defRPr/>
             </a:pPr>
-            <a:r>
-              <a:rPr kumimoji="0" lang="en-US" sz="900" b="0" i="0" u="none" strike="noStrike" kern="100" cap="none" spc="0" normalizeH="0" baseline="0" noProof="0" dirty="0">
-                <a:ln>
-                  <a:noFill/>
-                </a:ln>
+            <a:endParaRPr kumimoji="0" lang="en-US" sz="900" kern="100" dirty="0">
+              <a:solidFill>
+                <a:sysClr val="window" lastClr="FFFFFF"/>
+              </a:solidFill>
+              <a:latin typeface="Arial" panose="020B0604020202020204" pitchFamily="34" charset="0"/>
+              <a:ea typeface="ＭＳ 明朝" panose="02020609040205080304" pitchFamily="17" charset="-128"/>
+              <a:cs typeface="Times New Roman" panose="02020603050405020304" pitchFamily="18" charset="0"/>
+            </a:endParaRPr>
+          </a:p>
+          <a:p>
+            <a:pPr lvl="0">
+              <a:lnSpc>
+                <a:spcPts val="900"/>
+              </a:lnSpc>
+              <a:defRPr/>
+            </a:pPr>
+            <a:r>
+              <a:rPr kumimoji="0" lang="en-US" sz="900" kern="100" dirty="0">
                 <a:solidFill>
                   <a:sysClr val="window" lastClr="FFFFFF"/>
                 </a:solidFill>
-                <a:effectLst/>
-                <a:uLnTx/>
-                <a:uFillTx/>
                 <a:latin typeface="Arial" panose="020B0604020202020204" pitchFamily="34" charset="0"/>
                 <a:ea typeface="ＭＳ 明朝" panose="02020609040205080304" pitchFamily="17" charset="-128"/>
                 <a:cs typeface="Times New Roman" panose="02020603050405020304" pitchFamily="18" charset="0"/>
               </a:rPr>
               <a:t>#Enter install directory.</a:t>
             </a:r>
-            <a:endParaRPr kumimoji="0" lang="ja-JP" altLang="en-US" sz="1050" b="0" i="0" u="none" strike="noStrike" kern="100" cap="none" spc="0" normalizeH="0" baseline="0" noProof="0" dirty="0">
-              <a:ln>
-                <a:noFill/>
-              </a:ln>
-              <a:solidFill>
-                <a:sysClr val="window" lastClr="FFFFFF"/>
-              </a:solidFill>
-              <a:effectLst/>
-              <a:uLnTx/>
-              <a:uFillTx/>
-              <a:latin typeface="Century"/>
-              <a:ea typeface="ＭＳ 明朝" panose="02020609040205080304" pitchFamily="17" charset="-128"/>
-              <a:cs typeface="Times New Roman" panose="02020603050405020304" pitchFamily="18" charset="0"/>
-            </a:endParaRPr>
-          </a:p>
-          <a:p>
-            <a:pPr marL="0" marR="0" lvl="0" indent="0" algn="l" defTabSz="914400" eaLnBrk="1" fontAlgn="auto" latinLnBrk="0" hangingPunct="1">
+          </a:p>
+          <a:p>
+            <a:pPr lvl="0">
               <a:lnSpc>
                 <a:spcPts val="900"/>
               </a:lnSpc>
-              <a:spcBef>
-                <a:spcPts val="0"/>
-              </a:spcBef>
-              <a:spcAft>
-                <a:spcPts val="0"/>
-              </a:spcAft>
-              <a:buClrTx/>
-              <a:buSzTx/>
-              <a:buFontTx/>
-              <a:buNone/>
-              <a:tabLst/>
               <a:defRPr/>
             </a:pPr>
             <a:r>
-              <a:rPr kumimoji="0" lang="en-US" sz="900" b="0" i="0" u="none" strike="noStrike" kern="100" cap="none" spc="0" normalizeH="0" baseline="0" noProof="0" dirty="0">
-                <a:ln>
-                  <a:noFill/>
-                </a:ln>
+              <a:rPr kumimoji="0" lang="en-US" sz="900" kern="100" dirty="0">
                 <a:solidFill>
                   <a:sysClr val="window" lastClr="FFFFFF"/>
                 </a:solidFill>
-                <a:effectLst/>
-                <a:uLnTx/>
-                <a:uFillTx/>
                 <a:latin typeface="Arial" panose="020B0604020202020204" pitchFamily="34" charset="0"/>
                 <a:ea typeface="ＭＳ 明朝" panose="02020609040205080304" pitchFamily="17" charset="-128"/>
                 <a:cs typeface="Times New Roman" panose="02020603050405020304" pitchFamily="18" charset="0"/>
               </a:rPr>
-              <a:t># e.g) ita_directory:/</a:t>
-            </a:r>
-            <a:r>
-              <a:rPr kumimoji="0" lang="en-US" sz="1050" b="0" i="0" u="none" strike="noStrike" kern="100" cap="none" spc="0" normalizeH="0" baseline="0" noProof="0" dirty="0">
-                <a:ln>
-                  <a:noFill/>
-                </a:ln>
+              <a:t># </a:t>
+            </a:r>
+            <a:r>
+              <a:rPr kumimoji="0" lang="en-US" sz="900" kern="100" dirty="0" err="1">
                 <a:solidFill>
                   <a:sysClr val="window" lastClr="FFFFFF"/>
                 </a:solidFill>
-                <a:effectLst/>
-                <a:uLnTx/>
-                <a:uFillTx/>
-                <a:latin typeface="Century"/>
+                <a:latin typeface="Arial" panose="020B0604020202020204" pitchFamily="34" charset="0"/>
                 <a:ea typeface="ＭＳ 明朝" panose="02020609040205080304" pitchFamily="17" charset="-128"/>
                 <a:cs typeface="Times New Roman" panose="02020603050405020304" pitchFamily="18" charset="0"/>
               </a:rPr>
-              <a:t> </a:t>
-            </a:r>
-            <a:r>
-              <a:rPr kumimoji="0" lang="en-US" sz="900" kern="100" dirty="0" smtClean="0">
+              <a:t>e.g</a:t>
+            </a:r>
+            <a:r>
+              <a:rPr kumimoji="0" lang="en-US" sz="900" kern="100" dirty="0">
+                <a:solidFill>
+                  <a:sysClr val="window" lastClr="FFFFFF"/>
+                </a:solidFill>
+                <a:latin typeface="Arial" panose="020B0604020202020204" pitchFamily="34" charset="0"/>
+                <a:ea typeface="ＭＳ 明朝" panose="02020609040205080304" pitchFamily="17" charset="-128"/>
+                <a:cs typeface="Times New Roman" panose="02020603050405020304" pitchFamily="18" charset="0"/>
+              </a:rPr>
+              <a:t>) </a:t>
+            </a:r>
+            <a:r>
+              <a:rPr kumimoji="0" lang="en-US" sz="900" kern="100" dirty="0" err="1">
+                <a:solidFill>
+                  <a:sysClr val="window" lastClr="FFFFFF"/>
+                </a:solidFill>
+                <a:latin typeface="Arial" panose="020B0604020202020204" pitchFamily="34" charset="0"/>
+                <a:ea typeface="ＭＳ 明朝" panose="02020609040205080304" pitchFamily="17" charset="-128"/>
+                <a:cs typeface="Times New Roman" panose="02020603050405020304" pitchFamily="18" charset="0"/>
+              </a:rPr>
+              <a:t>ita_directory</a:t>
+            </a:r>
+            <a:r>
+              <a:rPr kumimoji="0" lang="en-US" sz="900" kern="100" dirty="0">
+                <a:solidFill>
+                  <a:sysClr val="window" lastClr="FFFFFF"/>
+                </a:solidFill>
+                <a:latin typeface="Arial" panose="020B0604020202020204" pitchFamily="34" charset="0"/>
+                <a:ea typeface="ＭＳ 明朝" panose="02020609040205080304" pitchFamily="17" charset="-128"/>
+                <a:cs typeface="Times New Roman" panose="02020603050405020304" pitchFamily="18" charset="0"/>
+              </a:rPr>
+              <a:t>:/</a:t>
+            </a:r>
+            <a:r>
+              <a:rPr kumimoji="0" lang="en-US" sz="900" kern="100" dirty="0" err="1">
                 <a:solidFill>
                   <a:sysClr val="window" lastClr="FFFFFF"/>
                 </a:solidFill>
@@ -24444,75 +24187,46 @@
               </a:rPr>
               <a:t>exastro</a:t>
             </a:r>
-            <a:endParaRPr kumimoji="0" lang="ja-JP" altLang="en-US" sz="1050" b="0" i="0" u="none" strike="noStrike" kern="100" cap="none" spc="0" normalizeH="0" baseline="0" noProof="0" dirty="0">
-              <a:ln>
-                <a:noFill/>
-              </a:ln>
+            <a:endParaRPr kumimoji="0" lang="en-US" sz="900" kern="100" dirty="0">
               <a:solidFill>
                 <a:sysClr val="window" lastClr="FFFFFF"/>
               </a:solidFill>
-              <a:effectLst/>
-              <a:uLnTx/>
-              <a:uFillTx/>
-              <a:latin typeface="Century"/>
+              <a:latin typeface="Arial" panose="020B0604020202020204" pitchFamily="34" charset="0"/>
               <a:ea typeface="ＭＳ 明朝" panose="02020609040205080304" pitchFamily="17" charset="-128"/>
               <a:cs typeface="Times New Roman" panose="02020603050405020304" pitchFamily="18" charset="0"/>
             </a:endParaRPr>
           </a:p>
           <a:p>
-            <a:pPr marL="0" marR="0" lvl="0" indent="0" algn="l" defTabSz="914400" eaLnBrk="1" fontAlgn="auto" latinLnBrk="0" hangingPunct="1">
+            <a:pPr lvl="0">
               <a:lnSpc>
                 <a:spcPts val="900"/>
               </a:lnSpc>
-              <a:spcBef>
-                <a:spcPts val="0"/>
-              </a:spcBef>
-              <a:spcAft>
-                <a:spcPts val="0"/>
-              </a:spcAft>
-              <a:buClrTx/>
-              <a:buSzTx/>
-              <a:buFontTx/>
-              <a:buNone/>
-              <a:tabLst/>
               <a:defRPr/>
             </a:pPr>
             <a:r>
-              <a:rPr kumimoji="0" lang="en-US" sz="900" b="0" i="0" u="none" strike="noStrike" kern="100" cap="none" spc="0" normalizeH="0" baseline="0" noProof="0" dirty="0">
-                <a:ln>
-                  <a:noFill/>
-                </a:ln>
+              <a:rPr kumimoji="0" lang="en-US" sz="900" kern="100" dirty="0" err="1">
                 <a:solidFill>
                   <a:sysClr val="window" lastClr="FFFFFF"/>
                 </a:solidFill>
-                <a:effectLst/>
-                <a:uLnTx/>
-                <a:uFillTx/>
                 <a:latin typeface="Arial" panose="020B0604020202020204" pitchFamily="34" charset="0"/>
                 <a:ea typeface="ＭＳ 明朝" panose="02020609040205080304" pitchFamily="17" charset="-128"/>
                 <a:cs typeface="Times New Roman" panose="02020603050405020304" pitchFamily="18" charset="0"/>
               </a:rPr>
-              <a:t>ita_directory:/</a:t>
-            </a:r>
-            <a:r>
-              <a:rPr kumimoji="0" lang="en-US" sz="1050" b="0" i="0" u="none" strike="noStrike" kern="100" cap="none" spc="0" normalizeH="0" baseline="0" noProof="0" dirty="0">
-                <a:ln>
-                  <a:noFill/>
-                </a:ln>
+              <a:t>ita_directory</a:t>
+            </a:r>
+            <a:r>
+              <a:rPr kumimoji="0" lang="en-US" sz="900" kern="100" dirty="0">
                 <a:solidFill>
                   <a:sysClr val="window" lastClr="FFFFFF"/>
                 </a:solidFill>
-                <a:effectLst/>
-                <a:uLnTx/>
-                <a:uFillTx/>
-                <a:latin typeface="Century"/>
+                <a:latin typeface="Arial" panose="020B0604020202020204" pitchFamily="34" charset="0"/>
                 <a:ea typeface="ＭＳ 明朝" panose="02020609040205080304" pitchFamily="17" charset="-128"/>
                 <a:cs typeface="Times New Roman" panose="02020603050405020304" pitchFamily="18" charset="0"/>
               </a:rPr>
-              <a:t> </a:t>
-            </a:r>
-            <a:r>
-              <a:rPr kumimoji="0" lang="en-US" sz="900" kern="100" dirty="0" smtClean="0">
+              <a:t>:/</a:t>
+            </a:r>
+            <a:r>
+              <a:rPr kumimoji="0" lang="en-US" sz="900" kern="100" dirty="0" err="1">
                 <a:solidFill>
                   <a:sysClr val="window" lastClr="FFFFFF"/>
                 </a:solidFill>
@@ -24522,725 +24236,40 @@
               </a:rPr>
               <a:t>exastro</a:t>
             </a:r>
-            <a:endParaRPr kumimoji="0" lang="ja-JP" altLang="en-US" sz="1050" b="0" i="0" u="none" strike="noStrike" kern="100" cap="none" spc="0" normalizeH="0" baseline="0" noProof="0" dirty="0">
-              <a:ln>
-                <a:noFill/>
-              </a:ln>
+            <a:endParaRPr kumimoji="0" lang="en-US" sz="900" kern="100" dirty="0">
               <a:solidFill>
                 <a:sysClr val="window" lastClr="FFFFFF"/>
               </a:solidFill>
-              <a:effectLst/>
-              <a:uLnTx/>
-              <a:uFillTx/>
-              <a:latin typeface="Century"/>
+              <a:latin typeface="Arial" panose="020B0604020202020204" pitchFamily="34" charset="0"/>
               <a:ea typeface="ＭＳ 明朝" panose="02020609040205080304" pitchFamily="17" charset="-128"/>
               <a:cs typeface="Times New Roman" panose="02020603050405020304" pitchFamily="18" charset="0"/>
             </a:endParaRPr>
           </a:p>
           <a:p>
-            <a:pPr marL="0" marR="0" lvl="0" indent="0" algn="l" defTabSz="914400" eaLnBrk="1" fontAlgn="auto" latinLnBrk="0" hangingPunct="1">
+            <a:pPr lvl="0">
               <a:lnSpc>
                 <a:spcPts val="900"/>
               </a:lnSpc>
-              <a:spcBef>
-                <a:spcPts val="0"/>
-              </a:spcBef>
-              <a:spcAft>
-                <a:spcPts val="0"/>
-              </a:spcAft>
-              <a:buClrTx/>
-              <a:buSzTx/>
-              <a:buFontTx/>
-              <a:buNone/>
-              <a:tabLst/>
               <a:defRPr/>
             </a:pPr>
-            <a:r>
-              <a:rPr kumimoji="0" lang="en-US" sz="900" b="0" i="0" u="none" strike="noStrike" kern="100" cap="none" spc="0" normalizeH="0" baseline="0" noProof="0" dirty="0">
-                <a:ln>
-                  <a:noFill/>
-                </a:ln>
-                <a:solidFill>
-                  <a:sysClr val="window" lastClr="FFFFFF"/>
-                </a:solidFill>
-                <a:effectLst/>
-                <a:uLnTx/>
-                <a:uFillTx/>
-                <a:latin typeface="Arial" panose="020B0604020202020204" pitchFamily="34" charset="0"/>
-                <a:ea typeface="ＭＳ 明朝" panose="02020609040205080304" pitchFamily="17" charset="-128"/>
-                <a:cs typeface="Times New Roman" panose="02020603050405020304" pitchFamily="18" charset="0"/>
-              </a:rPr>
-              <a:t> </a:t>
-            </a:r>
-            <a:endParaRPr kumimoji="0" lang="ja-JP" altLang="en-US" sz="1050" b="0" i="0" u="none" strike="noStrike" kern="100" cap="none" spc="0" normalizeH="0" baseline="0" noProof="0" dirty="0">
-              <a:ln>
-                <a:noFill/>
-              </a:ln>
+            <a:endParaRPr kumimoji="0" lang="en-US" sz="900" kern="100" dirty="0">
               <a:solidFill>
                 <a:sysClr val="window" lastClr="FFFFFF"/>
               </a:solidFill>
-              <a:effectLst/>
-              <a:uLnTx/>
-              <a:uFillTx/>
-              <a:latin typeface="Century"/>
+              <a:latin typeface="Arial" panose="020B0604020202020204" pitchFamily="34" charset="0"/>
               <a:ea typeface="ＭＳ 明朝" panose="02020609040205080304" pitchFamily="17" charset="-128"/>
               <a:cs typeface="Times New Roman" panose="02020603050405020304" pitchFamily="18" charset="0"/>
             </a:endParaRPr>
           </a:p>
           <a:p>
-            <a:pPr marL="0" marR="0" lvl="0" indent="0" algn="l" defTabSz="914400" eaLnBrk="1" fontAlgn="auto" latinLnBrk="0" hangingPunct="1">
+            <a:pPr lvl="0">
               <a:lnSpc>
                 <a:spcPts val="900"/>
               </a:lnSpc>
-              <a:spcBef>
-                <a:spcPts val="0"/>
-              </a:spcBef>
-              <a:spcAft>
-                <a:spcPts val="0"/>
-              </a:spcAft>
-              <a:buClrTx/>
-              <a:buSzTx/>
-              <a:buFontTx/>
-              <a:buNone/>
-              <a:tabLst/>
               <a:defRPr/>
             </a:pPr>
             <a:r>
-              <a:rPr kumimoji="0" lang="en-US" sz="900" b="0" i="0" u="none" strike="noStrike" kern="100" cap="none" spc="0" normalizeH="0" baseline="0" noProof="0" dirty="0">
-                <a:ln>
-                  <a:noFill/>
-                </a:ln>
-                <a:solidFill>
-                  <a:sysClr val="window" lastClr="FFFFFF"/>
-                </a:solidFill>
-                <a:effectLst/>
-                <a:uLnTx/>
-                <a:uFillTx/>
-                <a:latin typeface="Arial" panose="020B0604020202020204" pitchFamily="34" charset="0"/>
-                <a:ea typeface="ＭＳ 明朝" panose="02020609040205080304" pitchFamily="17" charset="-128"/>
-                <a:cs typeface="Times New Roman" panose="02020603050405020304" pitchFamily="18" charset="0"/>
-              </a:rPr>
-              <a:t># Select language. ("ja_JP" or "en_US")</a:t>
-            </a:r>
-            <a:endParaRPr kumimoji="0" lang="ja-JP" altLang="en-US" sz="1050" b="0" i="0" u="none" strike="noStrike" kern="100" cap="none" spc="0" normalizeH="0" baseline="0" noProof="0" dirty="0">
-              <a:ln>
-                <a:noFill/>
-              </a:ln>
-              <a:solidFill>
-                <a:sysClr val="window" lastClr="FFFFFF"/>
-              </a:solidFill>
-              <a:effectLst/>
-              <a:uLnTx/>
-              <a:uFillTx/>
-              <a:latin typeface="Century"/>
-              <a:ea typeface="ＭＳ 明朝" panose="02020609040205080304" pitchFamily="17" charset="-128"/>
-              <a:cs typeface="Times New Roman" panose="02020603050405020304" pitchFamily="18" charset="0"/>
-            </a:endParaRPr>
-          </a:p>
-          <a:p>
-            <a:pPr marL="0" marR="0" lvl="0" indent="0" algn="l" defTabSz="914400" eaLnBrk="1" fontAlgn="auto" latinLnBrk="0" hangingPunct="1">
-              <a:lnSpc>
-                <a:spcPts val="900"/>
-              </a:lnSpc>
-              <a:spcBef>
-                <a:spcPts val="0"/>
-              </a:spcBef>
-              <a:spcAft>
-                <a:spcPts val="0"/>
-              </a:spcAft>
-              <a:buClrTx/>
-              <a:buSzTx/>
-              <a:buFontTx/>
-              <a:buNone/>
-              <a:tabLst/>
-              <a:defRPr/>
-            </a:pPr>
-            <a:r>
-              <a:rPr kumimoji="0" lang="en-US" sz="900" b="0" i="0" u="none" strike="noStrike" kern="100" cap="none" spc="0" normalizeH="0" baseline="0" noProof="0" dirty="0">
-                <a:ln>
-                  <a:noFill/>
-                </a:ln>
-                <a:solidFill>
-                  <a:sysClr val="window" lastClr="FFFFFF"/>
-                </a:solidFill>
-                <a:effectLst/>
-                <a:uLnTx/>
-                <a:uFillTx/>
-                <a:latin typeface="Arial" panose="020B0604020202020204" pitchFamily="34" charset="0"/>
-                <a:ea typeface="ＭＳ 明朝" panose="02020609040205080304" pitchFamily="17" charset="-128"/>
-                <a:cs typeface="Times New Roman" panose="02020603050405020304" pitchFamily="18" charset="0"/>
-              </a:rPr>
-              <a:t># e.g) </a:t>
-            </a:r>
-            <a:r>
-              <a:rPr kumimoji="0" lang="en-US" sz="900" b="0" i="0" u="none" strike="noStrike" kern="100" cap="none" spc="0" normalizeH="0" baseline="0" noProof="0" dirty="0" smtClean="0">
-                <a:ln>
-                  <a:noFill/>
-                </a:ln>
-                <a:solidFill>
-                  <a:sysClr val="window" lastClr="FFFFFF"/>
-                </a:solidFill>
-                <a:effectLst/>
-                <a:uLnTx/>
-                <a:uFillTx/>
-                <a:latin typeface="Arial" panose="020B0604020202020204" pitchFamily="34" charset="0"/>
-                <a:ea typeface="ＭＳ 明朝" panose="02020609040205080304" pitchFamily="17" charset="-128"/>
-                <a:cs typeface="Times New Roman" panose="02020603050405020304" pitchFamily="18" charset="0"/>
-              </a:rPr>
-              <a:t>ita_language:en_US</a:t>
-            </a:r>
-            <a:endParaRPr kumimoji="0" lang="ja-JP" altLang="en-US" sz="1050" b="0" i="0" u="none" strike="noStrike" kern="100" cap="none" spc="0" normalizeH="0" baseline="0" noProof="0" dirty="0">
-              <a:ln>
-                <a:noFill/>
-              </a:ln>
-              <a:solidFill>
-                <a:sysClr val="window" lastClr="FFFFFF"/>
-              </a:solidFill>
-              <a:effectLst/>
-              <a:uLnTx/>
-              <a:uFillTx/>
-              <a:latin typeface="Century"/>
-              <a:ea typeface="ＭＳ 明朝" panose="02020609040205080304" pitchFamily="17" charset="-128"/>
-              <a:cs typeface="Times New Roman" panose="02020603050405020304" pitchFamily="18" charset="0"/>
-            </a:endParaRPr>
-          </a:p>
-          <a:p>
-            <a:pPr marL="0" marR="0" lvl="0" indent="0" algn="l" defTabSz="914400" eaLnBrk="1" fontAlgn="auto" latinLnBrk="0" hangingPunct="1">
-              <a:lnSpc>
-                <a:spcPts val="900"/>
-              </a:lnSpc>
-              <a:spcBef>
-                <a:spcPts val="0"/>
-              </a:spcBef>
-              <a:spcAft>
-                <a:spcPts val="0"/>
-              </a:spcAft>
-              <a:buClrTx/>
-              <a:buSzTx/>
-              <a:buFontTx/>
-              <a:buNone/>
-              <a:tabLst/>
-              <a:defRPr/>
-            </a:pPr>
-            <a:r>
-              <a:rPr kumimoji="0" lang="en-US" sz="900" b="0" i="0" u="none" strike="noStrike" kern="100" cap="none" spc="0" normalizeH="0" baseline="0" noProof="0" dirty="0">
-                <a:ln>
-                  <a:noFill/>
-                </a:ln>
-                <a:solidFill>
-                  <a:sysClr val="window" lastClr="FFFFFF"/>
-                </a:solidFill>
-                <a:effectLst/>
-                <a:uLnTx/>
-                <a:uFillTx/>
-                <a:latin typeface="Arial" panose="020B0604020202020204" pitchFamily="34" charset="0"/>
-                <a:ea typeface="ＭＳ 明朝" panose="02020609040205080304" pitchFamily="17" charset="-128"/>
-                <a:cs typeface="Times New Roman" panose="02020603050405020304" pitchFamily="18" charset="0"/>
-              </a:rPr>
-              <a:t>ita_language:ja_JP</a:t>
-            </a:r>
-            <a:endParaRPr kumimoji="0" lang="ja-JP" altLang="en-US" sz="1050" b="0" i="0" u="none" strike="noStrike" kern="100" cap="none" spc="0" normalizeH="0" baseline="0" noProof="0" dirty="0">
-              <a:ln>
-                <a:noFill/>
-              </a:ln>
-              <a:solidFill>
-                <a:sysClr val="window" lastClr="FFFFFF"/>
-              </a:solidFill>
-              <a:effectLst/>
-              <a:uLnTx/>
-              <a:uFillTx/>
-              <a:latin typeface="Century"/>
-              <a:ea typeface="ＭＳ 明朝" panose="02020609040205080304" pitchFamily="17" charset="-128"/>
-              <a:cs typeface="Times New Roman" panose="02020603050405020304" pitchFamily="18" charset="0"/>
-            </a:endParaRPr>
-          </a:p>
-          <a:p>
-            <a:pPr marL="0" marR="0" lvl="0" indent="0" algn="l" defTabSz="914400" eaLnBrk="1" fontAlgn="auto" latinLnBrk="0" hangingPunct="1">
-              <a:lnSpc>
-                <a:spcPts val="900"/>
-              </a:lnSpc>
-              <a:spcBef>
-                <a:spcPts val="0"/>
-              </a:spcBef>
-              <a:spcAft>
-                <a:spcPts val="0"/>
-              </a:spcAft>
-              <a:buClrTx/>
-              <a:buSzTx/>
-              <a:buFontTx/>
-              <a:buNone/>
-              <a:tabLst/>
-              <a:defRPr/>
-            </a:pPr>
-            <a:r>
-              <a:rPr kumimoji="0" lang="en-US" sz="900" b="0" i="0" u="none" strike="noStrike" kern="100" cap="none" spc="0" normalizeH="0" baseline="0" noProof="0" dirty="0">
-                <a:ln>
-                  <a:noFill/>
-                </a:ln>
-                <a:solidFill>
-                  <a:sysClr val="window" lastClr="FFFFFF"/>
-                </a:solidFill>
-                <a:effectLst/>
-                <a:uLnTx/>
-                <a:uFillTx/>
-                <a:latin typeface="Arial" panose="020B0604020202020204" pitchFamily="34" charset="0"/>
-                <a:ea typeface="ＭＳ 明朝" panose="02020609040205080304" pitchFamily="17" charset="-128"/>
-                <a:cs typeface="Times New Roman" panose="02020603050405020304" pitchFamily="18" charset="0"/>
-              </a:rPr>
-              <a:t> </a:t>
-            </a:r>
-            <a:endParaRPr kumimoji="0" lang="ja-JP" altLang="en-US" sz="1050" b="0" i="0" u="none" strike="noStrike" kern="100" cap="none" spc="0" normalizeH="0" baseline="0" noProof="0" dirty="0">
-              <a:ln>
-                <a:noFill/>
-              </a:ln>
-              <a:solidFill>
-                <a:sysClr val="window" lastClr="FFFFFF"/>
-              </a:solidFill>
-              <a:effectLst/>
-              <a:uLnTx/>
-              <a:uFillTx/>
-              <a:latin typeface="Century"/>
-              <a:ea typeface="ＭＳ 明朝" panose="02020609040205080304" pitchFamily="17" charset="-128"/>
-              <a:cs typeface="Times New Roman" panose="02020603050405020304" pitchFamily="18" charset="0"/>
-            </a:endParaRPr>
-          </a:p>
-          <a:p>
-            <a:pPr marL="0" marR="0" lvl="0" indent="0" algn="l" defTabSz="914400" eaLnBrk="1" fontAlgn="auto" latinLnBrk="0" hangingPunct="1">
-              <a:lnSpc>
-                <a:spcPts val="900"/>
-              </a:lnSpc>
-              <a:spcBef>
-                <a:spcPts val="0"/>
-              </a:spcBef>
-              <a:spcAft>
-                <a:spcPts val="0"/>
-              </a:spcAft>
-              <a:buClrTx/>
-              <a:buSzTx/>
-              <a:buFontTx/>
-              <a:buNone/>
-              <a:tabLst/>
-              <a:defRPr/>
-            </a:pPr>
-            <a:r>
-              <a:rPr kumimoji="0" lang="en-US" sz="900" b="0" i="0" u="none" strike="noStrike" kern="100" cap="none" spc="0" normalizeH="0" baseline="0" noProof="0" dirty="0">
-                <a:ln>
-                  <a:noFill/>
-                </a:ln>
-                <a:solidFill>
-                  <a:sysClr val="window" lastClr="FFFFFF"/>
-                </a:solidFill>
-                <a:effectLst/>
-                <a:uLnTx/>
-                <a:uFillTx/>
-                <a:latin typeface="Arial" panose="020B0604020202020204" pitchFamily="34" charset="0"/>
-                <a:ea typeface="ＭＳ 明朝" panose="02020609040205080304" pitchFamily="17" charset="-128"/>
-                <a:cs typeface="Times New Roman" panose="02020603050405020304" pitchFamily="18" charset="0"/>
-              </a:rPr>
-              <a:t># Select Operation System. ("RHEL6" or "RHEL7")</a:t>
-            </a:r>
-            <a:endParaRPr kumimoji="0" lang="ja-JP" altLang="en-US" sz="1050" b="0" i="0" u="none" strike="noStrike" kern="100" cap="none" spc="0" normalizeH="0" baseline="0" noProof="0" dirty="0">
-              <a:ln>
-                <a:noFill/>
-              </a:ln>
-              <a:solidFill>
-                <a:sysClr val="window" lastClr="FFFFFF"/>
-              </a:solidFill>
-              <a:effectLst/>
-              <a:uLnTx/>
-              <a:uFillTx/>
-              <a:latin typeface="Century"/>
-              <a:ea typeface="ＭＳ 明朝" panose="02020609040205080304" pitchFamily="17" charset="-128"/>
-              <a:cs typeface="Times New Roman" panose="02020603050405020304" pitchFamily="18" charset="0"/>
-            </a:endParaRPr>
-          </a:p>
-          <a:p>
-            <a:pPr marL="0" marR="0" lvl="0" indent="0" algn="l" defTabSz="914400" eaLnBrk="1" fontAlgn="auto" latinLnBrk="0" hangingPunct="1">
-              <a:lnSpc>
-                <a:spcPts val="900"/>
-              </a:lnSpc>
-              <a:spcBef>
-                <a:spcPts val="0"/>
-              </a:spcBef>
-              <a:spcAft>
-                <a:spcPts val="0"/>
-              </a:spcAft>
-              <a:buClrTx/>
-              <a:buSzTx/>
-              <a:buFontTx/>
-              <a:buNone/>
-              <a:tabLst/>
-              <a:defRPr/>
-            </a:pPr>
-            <a:r>
-              <a:rPr kumimoji="0" lang="en-US" sz="900" b="0" i="0" u="none" strike="noStrike" kern="100" cap="none" spc="0" normalizeH="0" baseline="0" noProof="0" dirty="0">
-                <a:ln>
-                  <a:noFill/>
-                </a:ln>
-                <a:solidFill>
-                  <a:sysClr val="window" lastClr="FFFFFF"/>
-                </a:solidFill>
-                <a:effectLst/>
-                <a:uLnTx/>
-                <a:uFillTx/>
-                <a:latin typeface="Arial" panose="020B0604020202020204" pitchFamily="34" charset="0"/>
-                <a:ea typeface="ＭＳ 明朝" panose="02020609040205080304" pitchFamily="17" charset="-128"/>
-                <a:cs typeface="Times New Roman" panose="02020603050405020304" pitchFamily="18" charset="0"/>
-              </a:rPr>
-              <a:t># e.g) ita_os:RHEL7</a:t>
-            </a:r>
-            <a:endParaRPr kumimoji="0" lang="ja-JP" altLang="en-US" sz="1050" b="0" i="0" u="none" strike="noStrike" kern="100" cap="none" spc="0" normalizeH="0" baseline="0" noProof="0" dirty="0">
-              <a:ln>
-                <a:noFill/>
-              </a:ln>
-              <a:solidFill>
-                <a:sysClr val="window" lastClr="FFFFFF"/>
-              </a:solidFill>
-              <a:effectLst/>
-              <a:uLnTx/>
-              <a:uFillTx/>
-              <a:latin typeface="Century"/>
-              <a:ea typeface="ＭＳ 明朝" panose="02020609040205080304" pitchFamily="17" charset="-128"/>
-              <a:cs typeface="Times New Roman" panose="02020603050405020304" pitchFamily="18" charset="0"/>
-            </a:endParaRPr>
-          </a:p>
-          <a:p>
-            <a:pPr marL="0" marR="0" lvl="0" indent="0" algn="l" defTabSz="914400" eaLnBrk="1" fontAlgn="auto" latinLnBrk="0" hangingPunct="1">
-              <a:lnSpc>
-                <a:spcPts val="900"/>
-              </a:lnSpc>
-              <a:spcBef>
-                <a:spcPts val="0"/>
-              </a:spcBef>
-              <a:spcAft>
-                <a:spcPts val="0"/>
-              </a:spcAft>
-              <a:buClrTx/>
-              <a:buSzTx/>
-              <a:buFontTx/>
-              <a:buNone/>
-              <a:tabLst/>
-              <a:defRPr/>
-            </a:pPr>
-            <a:r>
-              <a:rPr kumimoji="0" lang="en-US" sz="900" b="0" i="0" u="none" strike="noStrike" kern="100" cap="none" spc="0" normalizeH="0" baseline="0" noProof="0" dirty="0">
-                <a:ln>
-                  <a:noFill/>
-                </a:ln>
-                <a:solidFill>
-                  <a:sysClr val="window" lastClr="FFFFFF"/>
-                </a:solidFill>
-                <a:effectLst/>
-                <a:uLnTx/>
-                <a:uFillTx/>
-                <a:latin typeface="Arial" panose="020B0604020202020204" pitchFamily="34" charset="0"/>
-                <a:ea typeface="ＭＳ 明朝" panose="02020609040205080304" pitchFamily="17" charset="-128"/>
-                <a:cs typeface="Times New Roman" panose="02020603050405020304" pitchFamily="18" charset="0"/>
-              </a:rPr>
-              <a:t>ita_os:RHEL7</a:t>
-            </a:r>
-            <a:endParaRPr kumimoji="0" lang="ja-JP" altLang="en-US" sz="1050" b="0" i="0" u="none" strike="noStrike" kern="100" cap="none" spc="0" normalizeH="0" baseline="0" noProof="0" dirty="0">
-              <a:ln>
-                <a:noFill/>
-              </a:ln>
-              <a:solidFill>
-                <a:sysClr val="window" lastClr="FFFFFF"/>
-              </a:solidFill>
-              <a:effectLst/>
-              <a:uLnTx/>
-              <a:uFillTx/>
-              <a:latin typeface="Century"/>
-              <a:ea typeface="ＭＳ 明朝" panose="02020609040205080304" pitchFamily="17" charset="-128"/>
-              <a:cs typeface="Times New Roman" panose="02020603050405020304" pitchFamily="18" charset="0"/>
-            </a:endParaRPr>
-          </a:p>
-          <a:p>
-            <a:pPr marL="0" marR="0" lvl="0" indent="0" algn="l" defTabSz="914400" eaLnBrk="1" fontAlgn="auto" latinLnBrk="0" hangingPunct="1">
-              <a:lnSpc>
-                <a:spcPts val="900"/>
-              </a:lnSpc>
-              <a:spcBef>
-                <a:spcPts val="0"/>
-              </a:spcBef>
-              <a:spcAft>
-                <a:spcPts val="0"/>
-              </a:spcAft>
-              <a:buClrTx/>
-              <a:buSzTx/>
-              <a:buFontTx/>
-              <a:buNone/>
-              <a:tabLst/>
-              <a:defRPr/>
-            </a:pPr>
-            <a:r>
-              <a:rPr kumimoji="0" lang="en-US" sz="900" b="0" i="0" u="none" strike="noStrike" kern="100" cap="none" spc="0" normalizeH="0" baseline="0" noProof="0" dirty="0">
-                <a:ln>
-                  <a:noFill/>
-                </a:ln>
-                <a:solidFill>
-                  <a:sysClr val="window" lastClr="FFFFFF"/>
-                </a:solidFill>
-                <a:effectLst/>
-                <a:uLnTx/>
-                <a:uFillTx/>
-                <a:latin typeface="Arial" panose="020B0604020202020204" pitchFamily="34" charset="0"/>
-                <a:ea typeface="ＭＳ 明朝" panose="02020609040205080304" pitchFamily="17" charset="-128"/>
-                <a:cs typeface="Times New Roman" panose="02020603050405020304" pitchFamily="18" charset="0"/>
-              </a:rPr>
-              <a:t> </a:t>
-            </a:r>
-            <a:endParaRPr kumimoji="0" lang="ja-JP" altLang="en-US" sz="1050" b="0" i="0" u="none" strike="noStrike" kern="100" cap="none" spc="0" normalizeH="0" baseline="0" noProof="0" dirty="0">
-              <a:ln>
-                <a:noFill/>
-              </a:ln>
-              <a:solidFill>
-                <a:sysClr val="window" lastClr="FFFFFF"/>
-              </a:solidFill>
-              <a:effectLst/>
-              <a:uLnTx/>
-              <a:uFillTx/>
-              <a:latin typeface="Century"/>
-              <a:ea typeface="ＭＳ 明朝" panose="02020609040205080304" pitchFamily="17" charset="-128"/>
-              <a:cs typeface="Times New Roman" panose="02020603050405020304" pitchFamily="18" charset="0"/>
-            </a:endParaRPr>
-          </a:p>
-          <a:p>
-            <a:pPr marL="0" marR="0" lvl="0" indent="0" algn="l" defTabSz="914400" eaLnBrk="1" fontAlgn="auto" latinLnBrk="0" hangingPunct="1">
-              <a:lnSpc>
-                <a:spcPts val="900"/>
-              </a:lnSpc>
-              <a:spcBef>
-                <a:spcPts val="0"/>
-              </a:spcBef>
-              <a:spcAft>
-                <a:spcPts val="0"/>
-              </a:spcAft>
-              <a:buClrTx/>
-              <a:buSzTx/>
-              <a:buFontTx/>
-              <a:buNone/>
-              <a:tabLst/>
-              <a:defRPr/>
-            </a:pPr>
-            <a:r>
-              <a:rPr kumimoji="0" lang="en-US" sz="900" b="0" i="0" u="none" strike="noStrike" kern="100" cap="none" spc="0" normalizeH="0" baseline="0" noProof="0" dirty="0">
-                <a:ln>
-                  <a:noFill/>
-                </a:ln>
-                <a:solidFill>
-                  <a:sysClr val="window" lastClr="FFFFFF"/>
-                </a:solidFill>
-                <a:effectLst/>
-                <a:uLnTx/>
-                <a:uFillTx/>
-                <a:latin typeface="Arial" panose="020B0604020202020204" pitchFamily="34" charset="0"/>
-                <a:ea typeface="ＭＳ 明朝" panose="02020609040205080304" pitchFamily="17" charset="-128"/>
-                <a:cs typeface="Times New Roman" panose="02020603050405020304" pitchFamily="18" charset="0"/>
-              </a:rPr>
-              <a:t># Enter the MySQL root user's password</a:t>
-            </a:r>
-            <a:endParaRPr kumimoji="0" lang="ja-JP" altLang="en-US" sz="1050" b="0" i="0" u="none" strike="noStrike" kern="100" cap="none" spc="0" normalizeH="0" baseline="0" noProof="0" dirty="0">
-              <a:ln>
-                <a:noFill/>
-              </a:ln>
-              <a:solidFill>
-                <a:sysClr val="window" lastClr="FFFFFF"/>
-              </a:solidFill>
-              <a:effectLst/>
-              <a:uLnTx/>
-              <a:uFillTx/>
-              <a:latin typeface="Century"/>
-              <a:ea typeface="ＭＳ 明朝" panose="02020609040205080304" pitchFamily="17" charset="-128"/>
-              <a:cs typeface="Times New Roman" panose="02020603050405020304" pitchFamily="18" charset="0"/>
-            </a:endParaRPr>
-          </a:p>
-          <a:p>
-            <a:pPr marL="0" marR="0" lvl="0" indent="0" algn="l" defTabSz="914400" eaLnBrk="1" fontAlgn="auto" latinLnBrk="0" hangingPunct="1">
-              <a:lnSpc>
-                <a:spcPts val="900"/>
-              </a:lnSpc>
-              <a:spcBef>
-                <a:spcPts val="0"/>
-              </a:spcBef>
-              <a:spcAft>
-                <a:spcPts val="0"/>
-              </a:spcAft>
-              <a:buClrTx/>
-              <a:buSzTx/>
-              <a:buFontTx/>
-              <a:buNone/>
-              <a:tabLst/>
-              <a:defRPr/>
-            </a:pPr>
-            <a:r>
-              <a:rPr kumimoji="0" lang="en-US" sz="900" b="0" i="0" u="none" strike="noStrike" kern="100" cap="none" spc="0" normalizeH="0" baseline="0" noProof="0" dirty="0">
-                <a:ln>
-                  <a:noFill/>
-                </a:ln>
-                <a:solidFill>
-                  <a:sysClr val="window" lastClr="FFFFFF"/>
-                </a:solidFill>
-                <a:effectLst/>
-                <a:uLnTx/>
-                <a:uFillTx/>
-                <a:latin typeface="Arial" panose="020B0604020202020204" pitchFamily="34" charset="0"/>
-                <a:ea typeface="ＭＳ 明朝" panose="02020609040205080304" pitchFamily="17" charset="-128"/>
-                <a:cs typeface="Times New Roman" panose="02020603050405020304" pitchFamily="18" charset="0"/>
-              </a:rPr>
-              <a:t># e.g) db_root_password:sample_root_password</a:t>
-            </a:r>
-            <a:endParaRPr kumimoji="0" lang="ja-JP" altLang="en-US" sz="1050" b="0" i="0" u="none" strike="noStrike" kern="100" cap="none" spc="0" normalizeH="0" baseline="0" noProof="0" dirty="0">
-              <a:ln>
-                <a:noFill/>
-              </a:ln>
-              <a:solidFill>
-                <a:sysClr val="window" lastClr="FFFFFF"/>
-              </a:solidFill>
-              <a:effectLst/>
-              <a:uLnTx/>
-              <a:uFillTx/>
-              <a:latin typeface="Century"/>
-              <a:ea typeface="ＭＳ 明朝" panose="02020609040205080304" pitchFamily="17" charset="-128"/>
-              <a:cs typeface="Times New Roman" panose="02020603050405020304" pitchFamily="18" charset="0"/>
-            </a:endParaRPr>
-          </a:p>
-          <a:p>
-            <a:pPr marL="0" marR="0" lvl="0" indent="0" algn="l" defTabSz="914400" eaLnBrk="1" fontAlgn="auto" latinLnBrk="0" hangingPunct="1">
-              <a:lnSpc>
-                <a:spcPts val="900"/>
-              </a:lnSpc>
-              <a:spcBef>
-                <a:spcPts val="0"/>
-              </a:spcBef>
-              <a:spcAft>
-                <a:spcPts val="0"/>
-              </a:spcAft>
-              <a:buClrTx/>
-              <a:buSzTx/>
-              <a:buFontTx/>
-              <a:buNone/>
-              <a:tabLst/>
-              <a:defRPr/>
-            </a:pPr>
-            <a:r>
-              <a:rPr kumimoji="0" lang="en-US" sz="900" b="0" i="0" u="none" strike="noStrike" kern="100" cap="none" spc="0" normalizeH="0" baseline="0" noProof="0" dirty="0">
-                <a:ln>
-                  <a:noFill/>
-                </a:ln>
-                <a:solidFill>
-                  <a:sysClr val="window" lastClr="FFFFFF"/>
-                </a:solidFill>
-                <a:effectLst/>
-                <a:uLnTx/>
-                <a:uFillTx/>
-                <a:latin typeface="Arial" panose="020B0604020202020204" pitchFamily="34" charset="0"/>
-                <a:ea typeface="ＭＳ 明朝" panose="02020609040205080304" pitchFamily="17" charset="-128"/>
-                <a:cs typeface="Times New Roman" panose="02020603050405020304" pitchFamily="18" charset="0"/>
-              </a:rPr>
-              <a:t>db_root_password: sample_root_password</a:t>
-            </a:r>
-            <a:endParaRPr kumimoji="0" lang="ja-JP" altLang="en-US" sz="1050" b="0" i="0" u="none" strike="noStrike" kern="100" cap="none" spc="0" normalizeH="0" baseline="0" noProof="0" dirty="0">
-              <a:ln>
-                <a:noFill/>
-              </a:ln>
-              <a:solidFill>
-                <a:sysClr val="window" lastClr="FFFFFF"/>
-              </a:solidFill>
-              <a:effectLst/>
-              <a:uLnTx/>
-              <a:uFillTx/>
-              <a:latin typeface="Century"/>
-              <a:ea typeface="ＭＳ 明朝" panose="02020609040205080304" pitchFamily="17" charset="-128"/>
-              <a:cs typeface="Times New Roman" panose="02020603050405020304" pitchFamily="18" charset="0"/>
-            </a:endParaRPr>
-          </a:p>
-          <a:p>
-            <a:pPr marL="0" marR="0" lvl="0" indent="0" algn="l" defTabSz="914400" eaLnBrk="1" fontAlgn="auto" latinLnBrk="0" hangingPunct="1">
-              <a:lnSpc>
-                <a:spcPts val="900"/>
-              </a:lnSpc>
-              <a:spcBef>
-                <a:spcPts val="0"/>
-              </a:spcBef>
-              <a:spcAft>
-                <a:spcPts val="0"/>
-              </a:spcAft>
-              <a:buClrTx/>
-              <a:buSzTx/>
-              <a:buFontTx/>
-              <a:buNone/>
-              <a:tabLst/>
-              <a:defRPr/>
-            </a:pPr>
-            <a:r>
-              <a:rPr kumimoji="0" lang="en-US" sz="900" b="0" i="0" u="none" strike="noStrike" kern="100" cap="none" spc="0" normalizeH="0" baseline="0" noProof="0" dirty="0">
-                <a:ln>
-                  <a:noFill/>
-                </a:ln>
-                <a:solidFill>
-                  <a:sysClr val="window" lastClr="FFFFFF"/>
-                </a:solidFill>
-                <a:effectLst/>
-                <a:uLnTx/>
-                <a:uFillTx/>
-                <a:latin typeface="Arial" panose="020B0604020202020204" pitchFamily="34" charset="0"/>
-                <a:ea typeface="ＭＳ 明朝" panose="02020609040205080304" pitchFamily="17" charset="-128"/>
-                <a:cs typeface="Times New Roman" panose="02020603050405020304" pitchFamily="18" charset="0"/>
-              </a:rPr>
-              <a:t> </a:t>
-            </a:r>
-            <a:endParaRPr kumimoji="0" lang="ja-JP" altLang="en-US" sz="1050" b="0" i="0" u="none" strike="noStrike" kern="100" cap="none" spc="0" normalizeH="0" baseline="0" noProof="0" dirty="0">
-              <a:ln>
-                <a:noFill/>
-              </a:ln>
-              <a:solidFill>
-                <a:sysClr val="window" lastClr="FFFFFF"/>
-              </a:solidFill>
-              <a:effectLst/>
-              <a:uLnTx/>
-              <a:uFillTx/>
-              <a:latin typeface="Century"/>
-              <a:ea typeface="ＭＳ 明朝" panose="02020609040205080304" pitchFamily="17" charset="-128"/>
-              <a:cs typeface="Times New Roman" panose="02020603050405020304" pitchFamily="18" charset="0"/>
-            </a:endParaRPr>
-          </a:p>
-          <a:p>
-            <a:pPr marL="0" marR="0" lvl="0" indent="0" algn="l" defTabSz="914400" eaLnBrk="1" fontAlgn="auto" latinLnBrk="0" hangingPunct="1">
-              <a:lnSpc>
-                <a:spcPts val="900"/>
-              </a:lnSpc>
-              <a:spcBef>
-                <a:spcPts val="0"/>
-              </a:spcBef>
-              <a:spcAft>
-                <a:spcPts val="0"/>
-              </a:spcAft>
-              <a:buClrTx/>
-              <a:buSzTx/>
-              <a:buFontTx/>
-              <a:buNone/>
-              <a:tabLst/>
-              <a:defRPr/>
-            </a:pPr>
-            <a:r>
-              <a:rPr kumimoji="0" lang="en-US" sz="900" b="0" i="0" u="none" strike="noStrike" kern="100" cap="none" spc="0" normalizeH="0" baseline="0" noProof="0" dirty="0">
-                <a:ln>
-                  <a:noFill/>
-                </a:ln>
-                <a:solidFill>
-                  <a:sysClr val="window" lastClr="FFFFFF"/>
-                </a:solidFill>
-                <a:effectLst/>
-                <a:uLnTx/>
-                <a:uFillTx/>
-                <a:latin typeface="Arial" panose="020B0604020202020204" pitchFamily="34" charset="0"/>
-                <a:ea typeface="ＭＳ 明朝" panose="02020609040205080304" pitchFamily="17" charset="-128"/>
-                <a:cs typeface="Times New Roman" panose="02020603050405020304" pitchFamily="18" charset="0"/>
-              </a:rPr>
-              <a:t># Decide the database name, username, and password for </a:t>
-            </a:r>
-            <a:r>
-              <a:rPr kumimoji="0" lang="en-US" sz="900" kern="100" dirty="0" smtClean="0">
+              <a:rPr kumimoji="0" lang="en-US" sz="900" kern="100" dirty="0">
                 <a:solidFill>
                   <a:sysClr val="window" lastClr="FFFFFF"/>
                 </a:solidFill>
@@ -25248,1087 +24277,960 @@
                 <a:ea typeface="ＭＳ 明朝" panose="02020609040205080304" pitchFamily="17" charset="-128"/>
                 <a:cs typeface="Times New Roman" panose="02020603050405020304" pitchFamily="18" charset="0"/>
               </a:rPr>
-              <a:t>ITA</a:t>
-            </a:r>
-            <a:r>
-              <a:rPr kumimoji="0" lang="en-US" sz="900" b="0" i="0" u="none" strike="noStrike" kern="100" cap="none" spc="0" normalizeH="0" baseline="0" noProof="0" dirty="0" smtClean="0">
-                <a:ln>
-                  <a:noFill/>
-                </a:ln>
+              <a:t># Select language. ("</a:t>
+            </a:r>
+            <a:r>
+              <a:rPr kumimoji="0" lang="en-US" sz="900" kern="100" dirty="0" err="1">
                 <a:solidFill>
                   <a:sysClr val="window" lastClr="FFFFFF"/>
                 </a:solidFill>
-                <a:effectLst/>
-                <a:uLnTx/>
-                <a:uFillTx/>
                 <a:latin typeface="Arial" panose="020B0604020202020204" pitchFamily="34" charset="0"/>
                 <a:ea typeface="ＭＳ 明朝" panose="02020609040205080304" pitchFamily="17" charset="-128"/>
                 <a:cs typeface="Times New Roman" panose="02020603050405020304" pitchFamily="18" charset="0"/>
               </a:rPr>
-              <a:t>.</a:t>
-            </a:r>
-            <a:endParaRPr kumimoji="0" lang="ja-JP" altLang="en-US" sz="1050" b="0" i="0" u="none" strike="noStrike" kern="100" cap="none" spc="0" normalizeH="0" baseline="0" noProof="0" dirty="0">
-              <a:ln>
-                <a:noFill/>
-              </a:ln>
-              <a:solidFill>
-                <a:sysClr val="window" lastClr="FFFFFF"/>
-              </a:solidFill>
-              <a:effectLst/>
-              <a:uLnTx/>
-              <a:uFillTx/>
-              <a:latin typeface="Century"/>
-              <a:ea typeface="ＭＳ 明朝" panose="02020609040205080304" pitchFamily="17" charset="-128"/>
-              <a:cs typeface="Times New Roman" panose="02020603050405020304" pitchFamily="18" charset="0"/>
-            </a:endParaRPr>
-          </a:p>
-          <a:p>
-            <a:pPr marL="0" marR="0" lvl="0" indent="0" algn="l" defTabSz="914400" eaLnBrk="1" fontAlgn="auto" latinLnBrk="0" hangingPunct="1">
-              <a:lnSpc>
-                <a:spcPts val="900"/>
-              </a:lnSpc>
-              <a:spcBef>
-                <a:spcPts val="0"/>
-              </a:spcBef>
-              <a:spcAft>
-                <a:spcPts val="0"/>
-              </a:spcAft>
-              <a:buClrTx/>
-              <a:buSzTx/>
-              <a:buFontTx/>
-              <a:buNone/>
-              <a:tabLst/>
-              <a:defRPr/>
-            </a:pPr>
-            <a:r>
-              <a:rPr kumimoji="0" lang="en-US" sz="900" b="0" i="0" u="none" strike="noStrike" kern="100" cap="none" spc="0" normalizeH="0" baseline="0" noProof="0" dirty="0">
-                <a:ln>
-                  <a:noFill/>
-                </a:ln>
+              <a:t>en_US</a:t>
+            </a:r>
+            <a:r>
+              <a:rPr kumimoji="0" lang="en-US" sz="900" kern="100" dirty="0">
                 <a:solidFill>
                   <a:sysClr val="window" lastClr="FFFFFF"/>
                 </a:solidFill>
-                <a:effectLst/>
-                <a:uLnTx/>
-                <a:uFillTx/>
                 <a:latin typeface="Arial" panose="020B0604020202020204" pitchFamily="34" charset="0"/>
                 <a:ea typeface="ＭＳ 明朝" panose="02020609040205080304" pitchFamily="17" charset="-128"/>
                 <a:cs typeface="Times New Roman" panose="02020603050405020304" pitchFamily="18" charset="0"/>
               </a:rPr>
-              <a:t># e.g) </a:t>
-            </a:r>
-            <a:r>
-              <a:rPr kumimoji="0" lang="en-US" sz="900" b="0" i="0" u="none" strike="noStrike" kern="100" cap="none" spc="0" normalizeH="0" baseline="0" noProof="0" dirty="0" err="1">
-                <a:ln>
-                  <a:noFill/>
-                </a:ln>
+              <a:t>" or "</a:t>
+            </a:r>
+            <a:r>
+              <a:rPr kumimoji="0" lang="en-US" sz="900" kern="100" dirty="0" err="1">
                 <a:solidFill>
                   <a:sysClr val="window" lastClr="FFFFFF"/>
                 </a:solidFill>
-                <a:effectLst/>
-                <a:uLnTx/>
-                <a:uFillTx/>
+                <a:latin typeface="Arial" panose="020B0604020202020204" pitchFamily="34" charset="0"/>
+                <a:ea typeface="ＭＳ 明朝" panose="02020609040205080304" pitchFamily="17" charset="-128"/>
+                <a:cs typeface="Times New Roman" panose="02020603050405020304" pitchFamily="18" charset="0"/>
+              </a:rPr>
+              <a:t>ja_JP</a:t>
+            </a:r>
+            <a:r>
+              <a:rPr kumimoji="0" lang="en-US" sz="900" kern="100" dirty="0">
+                <a:solidFill>
+                  <a:sysClr val="window" lastClr="FFFFFF"/>
+                </a:solidFill>
+                <a:latin typeface="Arial" panose="020B0604020202020204" pitchFamily="34" charset="0"/>
+                <a:ea typeface="ＭＳ 明朝" panose="02020609040205080304" pitchFamily="17" charset="-128"/>
+                <a:cs typeface="Times New Roman" panose="02020603050405020304" pitchFamily="18" charset="0"/>
+              </a:rPr>
+              <a:t>")</a:t>
+            </a:r>
+          </a:p>
+          <a:p>
+            <a:pPr lvl="0">
+              <a:lnSpc>
+                <a:spcPts val="900"/>
+              </a:lnSpc>
+              <a:defRPr/>
+            </a:pPr>
+            <a:r>
+              <a:rPr kumimoji="0" lang="en-US" sz="900" kern="100" dirty="0">
+                <a:solidFill>
+                  <a:sysClr val="window" lastClr="FFFFFF"/>
+                </a:solidFill>
+                <a:latin typeface="Arial" panose="020B0604020202020204" pitchFamily="34" charset="0"/>
+                <a:ea typeface="ＭＳ 明朝" panose="02020609040205080304" pitchFamily="17" charset="-128"/>
+                <a:cs typeface="Times New Roman" panose="02020603050405020304" pitchFamily="18" charset="0"/>
+              </a:rPr>
+              <a:t># </a:t>
+            </a:r>
+            <a:r>
+              <a:rPr kumimoji="0" lang="en-US" sz="900" kern="100" dirty="0" err="1">
+                <a:solidFill>
+                  <a:sysClr val="window" lastClr="FFFFFF"/>
+                </a:solidFill>
+                <a:latin typeface="Arial" panose="020B0604020202020204" pitchFamily="34" charset="0"/>
+                <a:ea typeface="ＭＳ 明朝" panose="02020609040205080304" pitchFamily="17" charset="-128"/>
+                <a:cs typeface="Times New Roman" panose="02020603050405020304" pitchFamily="18" charset="0"/>
+              </a:rPr>
+              <a:t>e.g</a:t>
+            </a:r>
+            <a:r>
+              <a:rPr kumimoji="0" lang="en-US" sz="900" kern="100" dirty="0">
+                <a:solidFill>
+                  <a:sysClr val="window" lastClr="FFFFFF"/>
+                </a:solidFill>
+                <a:latin typeface="Arial" panose="020B0604020202020204" pitchFamily="34" charset="0"/>
+                <a:ea typeface="ＭＳ 明朝" panose="02020609040205080304" pitchFamily="17" charset="-128"/>
+                <a:cs typeface="Times New Roman" panose="02020603050405020304" pitchFamily="18" charset="0"/>
+              </a:rPr>
+              <a:t>) </a:t>
+            </a:r>
+            <a:r>
+              <a:rPr kumimoji="0" lang="en-US" sz="900" kern="100" dirty="0" err="1">
+                <a:solidFill>
+                  <a:sysClr val="window" lastClr="FFFFFF"/>
+                </a:solidFill>
+                <a:latin typeface="Arial" panose="020B0604020202020204" pitchFamily="34" charset="0"/>
+                <a:ea typeface="ＭＳ 明朝" panose="02020609040205080304" pitchFamily="17" charset="-128"/>
+                <a:cs typeface="Times New Roman" panose="02020603050405020304" pitchFamily="18" charset="0"/>
+              </a:rPr>
+              <a:t>ita_language:en_US</a:t>
+            </a:r>
+            <a:endParaRPr kumimoji="0" lang="en-US" sz="900" kern="100" dirty="0">
+              <a:solidFill>
+                <a:sysClr val="window" lastClr="FFFFFF"/>
+              </a:solidFill>
+              <a:latin typeface="Arial" panose="020B0604020202020204" pitchFamily="34" charset="0"/>
+              <a:ea typeface="ＭＳ 明朝" panose="02020609040205080304" pitchFamily="17" charset="-128"/>
+              <a:cs typeface="Times New Roman" panose="02020603050405020304" pitchFamily="18" charset="0"/>
+            </a:endParaRPr>
+          </a:p>
+          <a:p>
+            <a:pPr lvl="0">
+              <a:lnSpc>
+                <a:spcPts val="900"/>
+              </a:lnSpc>
+              <a:defRPr/>
+            </a:pPr>
+            <a:r>
+              <a:rPr kumimoji="0" lang="en-US" sz="900" kern="100" dirty="0" err="1">
+                <a:solidFill>
+                  <a:sysClr val="window" lastClr="FFFFFF"/>
+                </a:solidFill>
+                <a:latin typeface="Arial" panose="020B0604020202020204" pitchFamily="34" charset="0"/>
+                <a:ea typeface="ＭＳ 明朝" panose="02020609040205080304" pitchFamily="17" charset="-128"/>
+                <a:cs typeface="Times New Roman" panose="02020603050405020304" pitchFamily="18" charset="0"/>
+              </a:rPr>
+              <a:t>ita_language:ja_JP</a:t>
+            </a:r>
+            <a:endParaRPr kumimoji="0" lang="en-US" sz="900" kern="100" dirty="0">
+              <a:solidFill>
+                <a:sysClr val="window" lastClr="FFFFFF"/>
+              </a:solidFill>
+              <a:latin typeface="Arial" panose="020B0604020202020204" pitchFamily="34" charset="0"/>
+              <a:ea typeface="ＭＳ 明朝" panose="02020609040205080304" pitchFamily="17" charset="-128"/>
+              <a:cs typeface="Times New Roman" panose="02020603050405020304" pitchFamily="18" charset="0"/>
+            </a:endParaRPr>
+          </a:p>
+          <a:p>
+            <a:pPr lvl="0">
+              <a:lnSpc>
+                <a:spcPts val="900"/>
+              </a:lnSpc>
+              <a:defRPr/>
+            </a:pPr>
+            <a:endParaRPr kumimoji="0" lang="en-US" sz="900" kern="100" dirty="0">
+              <a:solidFill>
+                <a:sysClr val="window" lastClr="FFFFFF"/>
+              </a:solidFill>
+              <a:latin typeface="Arial" panose="020B0604020202020204" pitchFamily="34" charset="0"/>
+              <a:ea typeface="ＭＳ 明朝" panose="02020609040205080304" pitchFamily="17" charset="-128"/>
+              <a:cs typeface="Times New Roman" panose="02020603050405020304" pitchFamily="18" charset="0"/>
+            </a:endParaRPr>
+          </a:p>
+          <a:p>
+            <a:pPr lvl="0">
+              <a:lnSpc>
+                <a:spcPts val="900"/>
+              </a:lnSpc>
+              <a:defRPr/>
+            </a:pPr>
+            <a:r>
+              <a:rPr kumimoji="0" lang="en-US" sz="900" kern="100" dirty="0">
+                <a:solidFill>
+                  <a:sysClr val="window" lastClr="FFFFFF"/>
+                </a:solidFill>
+                <a:latin typeface="Arial" panose="020B0604020202020204" pitchFamily="34" charset="0"/>
+                <a:ea typeface="ＭＳ 明朝" panose="02020609040205080304" pitchFamily="17" charset="-128"/>
+                <a:cs typeface="Times New Roman" panose="02020603050405020304" pitchFamily="18" charset="0"/>
+              </a:rPr>
+              <a:t># Select Operation System. ("RHEL6" or "RHEL7")</a:t>
+            </a:r>
+          </a:p>
+          <a:p>
+            <a:pPr lvl="0">
+              <a:lnSpc>
+                <a:spcPts val="900"/>
+              </a:lnSpc>
+              <a:defRPr/>
+            </a:pPr>
+            <a:r>
+              <a:rPr kumimoji="0" lang="en-US" sz="900" kern="100" dirty="0">
+                <a:solidFill>
+                  <a:sysClr val="window" lastClr="FFFFFF"/>
+                </a:solidFill>
+                <a:latin typeface="Arial" panose="020B0604020202020204" pitchFamily="34" charset="0"/>
+                <a:ea typeface="ＭＳ 明朝" panose="02020609040205080304" pitchFamily="17" charset="-128"/>
+                <a:cs typeface="Times New Roman" panose="02020603050405020304" pitchFamily="18" charset="0"/>
+              </a:rPr>
+              <a:t># </a:t>
+            </a:r>
+            <a:r>
+              <a:rPr kumimoji="0" lang="en-US" sz="900" kern="100" dirty="0" err="1">
+                <a:solidFill>
+                  <a:sysClr val="window" lastClr="FFFFFF"/>
+                </a:solidFill>
+                <a:latin typeface="Arial" panose="020B0604020202020204" pitchFamily="34" charset="0"/>
+                <a:ea typeface="ＭＳ 明朝" panose="02020609040205080304" pitchFamily="17" charset="-128"/>
+                <a:cs typeface="Times New Roman" panose="02020603050405020304" pitchFamily="18" charset="0"/>
+              </a:rPr>
+              <a:t>e.g</a:t>
+            </a:r>
+            <a:r>
+              <a:rPr kumimoji="0" lang="en-US" sz="900" kern="100" dirty="0">
+                <a:solidFill>
+                  <a:sysClr val="window" lastClr="FFFFFF"/>
+                </a:solidFill>
+                <a:latin typeface="Arial" panose="020B0604020202020204" pitchFamily="34" charset="0"/>
+                <a:ea typeface="ＭＳ 明朝" panose="02020609040205080304" pitchFamily="17" charset="-128"/>
+                <a:cs typeface="Times New Roman" panose="02020603050405020304" pitchFamily="18" charset="0"/>
+              </a:rPr>
+              <a:t>) ita_os:RHEL7</a:t>
+            </a:r>
+          </a:p>
+          <a:p>
+            <a:pPr lvl="0">
+              <a:lnSpc>
+                <a:spcPts val="900"/>
+              </a:lnSpc>
+              <a:defRPr/>
+            </a:pPr>
+            <a:r>
+              <a:rPr kumimoji="0" lang="en-US" sz="900" kern="100" dirty="0">
+                <a:solidFill>
+                  <a:sysClr val="window" lastClr="FFFFFF"/>
+                </a:solidFill>
+                <a:latin typeface="Arial" panose="020B0604020202020204" pitchFamily="34" charset="0"/>
+                <a:ea typeface="ＭＳ 明朝" panose="02020609040205080304" pitchFamily="17" charset="-128"/>
+                <a:cs typeface="Times New Roman" panose="02020603050405020304" pitchFamily="18" charset="0"/>
+              </a:rPr>
+              <a:t>ita_os:RHEL7</a:t>
+            </a:r>
+          </a:p>
+          <a:p>
+            <a:pPr lvl="0">
+              <a:lnSpc>
+                <a:spcPts val="900"/>
+              </a:lnSpc>
+              <a:defRPr/>
+            </a:pPr>
+            <a:endParaRPr kumimoji="0" lang="en-US" sz="900" kern="100" dirty="0">
+              <a:solidFill>
+                <a:sysClr val="window" lastClr="FFFFFF"/>
+              </a:solidFill>
+              <a:latin typeface="Arial" panose="020B0604020202020204" pitchFamily="34" charset="0"/>
+              <a:ea typeface="ＭＳ 明朝" panose="02020609040205080304" pitchFamily="17" charset="-128"/>
+              <a:cs typeface="Times New Roman" panose="02020603050405020304" pitchFamily="18" charset="0"/>
+            </a:endParaRPr>
+          </a:p>
+          <a:p>
+            <a:pPr lvl="0">
+              <a:lnSpc>
+                <a:spcPts val="900"/>
+              </a:lnSpc>
+              <a:defRPr/>
+            </a:pPr>
+            <a:r>
+              <a:rPr kumimoji="0" lang="en-US" sz="900" kern="100" dirty="0">
+                <a:solidFill>
+                  <a:sysClr val="window" lastClr="FFFFFF"/>
+                </a:solidFill>
+                <a:latin typeface="Arial" panose="020B0604020202020204" pitchFamily="34" charset="0"/>
+                <a:ea typeface="ＭＳ 明朝" panose="02020609040205080304" pitchFamily="17" charset="-128"/>
+                <a:cs typeface="Times New Roman" panose="02020603050405020304" pitchFamily="18" charset="0"/>
+              </a:rPr>
+              <a:t># Enter the MariaDB root user's password</a:t>
+            </a:r>
+          </a:p>
+          <a:p>
+            <a:pPr lvl="0">
+              <a:lnSpc>
+                <a:spcPts val="900"/>
+              </a:lnSpc>
+              <a:defRPr/>
+            </a:pPr>
+            <a:r>
+              <a:rPr kumimoji="0" lang="en-US" sz="900" kern="100" dirty="0">
+                <a:solidFill>
+                  <a:sysClr val="window" lastClr="FFFFFF"/>
+                </a:solidFill>
+                <a:latin typeface="Arial" panose="020B0604020202020204" pitchFamily="34" charset="0"/>
+                <a:ea typeface="ＭＳ 明朝" panose="02020609040205080304" pitchFamily="17" charset="-128"/>
+                <a:cs typeface="Times New Roman" panose="02020603050405020304" pitchFamily="18" charset="0"/>
+              </a:rPr>
+              <a:t># </a:t>
+            </a:r>
+            <a:r>
+              <a:rPr kumimoji="0" lang="en-US" sz="900" kern="100" dirty="0" err="1">
+                <a:solidFill>
+                  <a:sysClr val="window" lastClr="FFFFFF"/>
+                </a:solidFill>
+                <a:latin typeface="Arial" panose="020B0604020202020204" pitchFamily="34" charset="0"/>
+                <a:ea typeface="ＭＳ 明朝" panose="02020609040205080304" pitchFamily="17" charset="-128"/>
+                <a:cs typeface="Times New Roman" panose="02020603050405020304" pitchFamily="18" charset="0"/>
+              </a:rPr>
+              <a:t>e.g</a:t>
+            </a:r>
+            <a:r>
+              <a:rPr kumimoji="0" lang="en-US" sz="900" kern="100" dirty="0">
+                <a:solidFill>
+                  <a:sysClr val="window" lastClr="FFFFFF"/>
+                </a:solidFill>
+                <a:latin typeface="Arial" panose="020B0604020202020204" pitchFamily="34" charset="0"/>
+                <a:ea typeface="ＭＳ 明朝" panose="02020609040205080304" pitchFamily="17" charset="-128"/>
+                <a:cs typeface="Times New Roman" panose="02020603050405020304" pitchFamily="18" charset="0"/>
+              </a:rPr>
+              <a:t>) </a:t>
+            </a:r>
+            <a:r>
+              <a:rPr kumimoji="0" lang="en-US" sz="900" kern="100" dirty="0" err="1">
+                <a:solidFill>
+                  <a:sysClr val="window" lastClr="FFFFFF"/>
+                </a:solidFill>
+                <a:latin typeface="Arial" panose="020B0604020202020204" pitchFamily="34" charset="0"/>
+                <a:ea typeface="ＭＳ 明朝" panose="02020609040205080304" pitchFamily="17" charset="-128"/>
+                <a:cs typeface="Times New Roman" panose="02020603050405020304" pitchFamily="18" charset="0"/>
+              </a:rPr>
+              <a:t>db_root_password:sample_root_password</a:t>
+            </a:r>
+            <a:endParaRPr kumimoji="0" lang="en-US" sz="900" kern="100" dirty="0">
+              <a:solidFill>
+                <a:sysClr val="window" lastClr="FFFFFF"/>
+              </a:solidFill>
+              <a:latin typeface="Arial" panose="020B0604020202020204" pitchFamily="34" charset="0"/>
+              <a:ea typeface="ＭＳ 明朝" panose="02020609040205080304" pitchFamily="17" charset="-128"/>
+              <a:cs typeface="Times New Roman" panose="02020603050405020304" pitchFamily="18" charset="0"/>
+            </a:endParaRPr>
+          </a:p>
+          <a:p>
+            <a:pPr lvl="0">
+              <a:lnSpc>
+                <a:spcPts val="900"/>
+              </a:lnSpc>
+              <a:defRPr/>
+            </a:pPr>
+            <a:r>
+              <a:rPr kumimoji="0" lang="en-US" sz="900" kern="100" dirty="0" err="1">
+                <a:solidFill>
+                  <a:sysClr val="window" lastClr="FFFFFF"/>
+                </a:solidFill>
+                <a:latin typeface="Arial" panose="020B0604020202020204" pitchFamily="34" charset="0"/>
+                <a:ea typeface="ＭＳ 明朝" panose="02020609040205080304" pitchFamily="17" charset="-128"/>
+                <a:cs typeface="Times New Roman" panose="02020603050405020304" pitchFamily="18" charset="0"/>
+              </a:rPr>
+              <a:t>db_root_password</a:t>
+            </a:r>
+            <a:r>
+              <a:rPr kumimoji="0" lang="en-US" sz="900" kern="100" dirty="0">
+                <a:solidFill>
+                  <a:sysClr val="window" lastClr="FFFFFF"/>
+                </a:solidFill>
+                <a:latin typeface="Arial" panose="020B0604020202020204" pitchFamily="34" charset="0"/>
+                <a:ea typeface="ＭＳ 明朝" panose="02020609040205080304" pitchFamily="17" charset="-128"/>
+                <a:cs typeface="Times New Roman" panose="02020603050405020304" pitchFamily="18" charset="0"/>
+              </a:rPr>
+              <a:t>: </a:t>
+            </a:r>
+            <a:r>
+              <a:rPr kumimoji="0" lang="en-US" sz="900" kern="100" dirty="0" err="1">
+                <a:solidFill>
+                  <a:sysClr val="window" lastClr="FFFFFF"/>
+                </a:solidFill>
+                <a:latin typeface="Arial" panose="020B0604020202020204" pitchFamily="34" charset="0"/>
+                <a:ea typeface="ＭＳ 明朝" panose="02020609040205080304" pitchFamily="17" charset="-128"/>
+                <a:cs typeface="Times New Roman" panose="02020603050405020304" pitchFamily="18" charset="0"/>
+              </a:rPr>
+              <a:t>sample_root_password</a:t>
+            </a:r>
+            <a:endParaRPr kumimoji="0" lang="en-US" sz="900" kern="100" dirty="0">
+              <a:solidFill>
+                <a:sysClr val="window" lastClr="FFFFFF"/>
+              </a:solidFill>
+              <a:latin typeface="Arial" panose="020B0604020202020204" pitchFamily="34" charset="0"/>
+              <a:ea typeface="ＭＳ 明朝" panose="02020609040205080304" pitchFamily="17" charset="-128"/>
+              <a:cs typeface="Times New Roman" panose="02020603050405020304" pitchFamily="18" charset="0"/>
+            </a:endParaRPr>
+          </a:p>
+          <a:p>
+            <a:pPr lvl="0">
+              <a:lnSpc>
+                <a:spcPts val="900"/>
+              </a:lnSpc>
+              <a:defRPr/>
+            </a:pPr>
+            <a:endParaRPr kumimoji="0" lang="en-US" sz="900" kern="100" dirty="0">
+              <a:solidFill>
+                <a:sysClr val="window" lastClr="FFFFFF"/>
+              </a:solidFill>
+              <a:latin typeface="Arial" panose="020B0604020202020204" pitchFamily="34" charset="0"/>
+              <a:ea typeface="ＭＳ 明朝" panose="02020609040205080304" pitchFamily="17" charset="-128"/>
+              <a:cs typeface="Times New Roman" panose="02020603050405020304" pitchFamily="18" charset="0"/>
+            </a:endParaRPr>
+          </a:p>
+          <a:p>
+            <a:pPr lvl="0">
+              <a:lnSpc>
+                <a:spcPts val="900"/>
+              </a:lnSpc>
+              <a:defRPr/>
+            </a:pPr>
+            <a:r>
+              <a:rPr kumimoji="0" lang="en-US" sz="900" kern="100" dirty="0">
+                <a:solidFill>
+                  <a:sysClr val="window" lastClr="FFFFFF"/>
+                </a:solidFill>
+                <a:latin typeface="Arial" panose="020B0604020202020204" pitchFamily="34" charset="0"/>
+                <a:ea typeface="ＭＳ 明朝" panose="02020609040205080304" pitchFamily="17" charset="-128"/>
+                <a:cs typeface="Times New Roman" panose="02020603050405020304" pitchFamily="18" charset="0"/>
+              </a:rPr>
+              <a:t># Decide the database name, username, and password for ITA.</a:t>
+            </a:r>
+          </a:p>
+          <a:p>
+            <a:pPr lvl="0">
+              <a:lnSpc>
+                <a:spcPts val="900"/>
+              </a:lnSpc>
+              <a:defRPr/>
+            </a:pPr>
+            <a:r>
+              <a:rPr kumimoji="0" lang="en-US" sz="900" kern="100" dirty="0">
+                <a:solidFill>
+                  <a:sysClr val="window" lastClr="FFFFFF"/>
+                </a:solidFill>
+                <a:latin typeface="Arial" panose="020B0604020202020204" pitchFamily="34" charset="0"/>
+                <a:ea typeface="ＭＳ 明朝" panose="02020609040205080304" pitchFamily="17" charset="-128"/>
+                <a:cs typeface="Times New Roman" panose="02020603050405020304" pitchFamily="18" charset="0"/>
+              </a:rPr>
+              <a:t># </a:t>
+            </a:r>
+            <a:r>
+              <a:rPr kumimoji="0" lang="en-US" sz="900" kern="100" dirty="0" err="1">
+                <a:solidFill>
+                  <a:sysClr val="window" lastClr="FFFFFF"/>
+                </a:solidFill>
+                <a:latin typeface="Arial" panose="020B0604020202020204" pitchFamily="34" charset="0"/>
+                <a:ea typeface="ＭＳ 明朝" panose="02020609040205080304" pitchFamily="17" charset="-128"/>
+                <a:cs typeface="Times New Roman" panose="02020603050405020304" pitchFamily="18" charset="0"/>
+              </a:rPr>
+              <a:t>e.g</a:t>
+            </a:r>
+            <a:r>
+              <a:rPr kumimoji="0" lang="en-US" sz="900" kern="100" dirty="0">
+                <a:solidFill>
+                  <a:sysClr val="window" lastClr="FFFFFF"/>
+                </a:solidFill>
+                <a:latin typeface="Arial" panose="020B0604020202020204" pitchFamily="34" charset="0"/>
+                <a:ea typeface="ＭＳ 明朝" panose="02020609040205080304" pitchFamily="17" charset="-128"/>
+                <a:cs typeface="Times New Roman" panose="02020603050405020304" pitchFamily="18" charset="0"/>
+              </a:rPr>
+              <a:t>) </a:t>
+            </a:r>
+            <a:r>
+              <a:rPr kumimoji="0" lang="en-US" sz="900" kern="100" dirty="0" err="1">
+                <a:solidFill>
+                  <a:sysClr val="window" lastClr="FFFFFF"/>
+                </a:solidFill>
                 <a:latin typeface="Arial" panose="020B0604020202020204" pitchFamily="34" charset="0"/>
                 <a:ea typeface="ＭＳ 明朝" panose="02020609040205080304" pitchFamily="17" charset="-128"/>
                 <a:cs typeface="Times New Roman" panose="02020603050405020304" pitchFamily="18" charset="0"/>
               </a:rPr>
               <a:t>db_name:sample_db_name</a:t>
             </a:r>
-            <a:endParaRPr kumimoji="0" lang="ja-JP" altLang="en-US" sz="1050" b="0" i="0" u="none" strike="noStrike" kern="100" cap="none" spc="0" normalizeH="0" baseline="0" noProof="0" dirty="0">
-              <a:ln>
-                <a:noFill/>
-              </a:ln>
+            <a:endParaRPr kumimoji="0" lang="en-US" sz="900" kern="100" dirty="0">
               <a:solidFill>
                 <a:sysClr val="window" lastClr="FFFFFF"/>
               </a:solidFill>
-              <a:effectLst/>
-              <a:uLnTx/>
-              <a:uFillTx/>
-              <a:latin typeface="Century"/>
+              <a:latin typeface="Arial" panose="020B0604020202020204" pitchFamily="34" charset="0"/>
               <a:ea typeface="ＭＳ 明朝" panose="02020609040205080304" pitchFamily="17" charset="-128"/>
               <a:cs typeface="Times New Roman" panose="02020603050405020304" pitchFamily="18" charset="0"/>
             </a:endParaRPr>
           </a:p>
           <a:p>
-            <a:pPr marL="0" marR="0" lvl="0" indent="0" algn="l" defTabSz="914400" eaLnBrk="1" fontAlgn="auto" latinLnBrk="0" hangingPunct="1">
+            <a:pPr lvl="0">
               <a:lnSpc>
                 <a:spcPts val="900"/>
               </a:lnSpc>
-              <a:spcBef>
-                <a:spcPts val="0"/>
-              </a:spcBef>
-              <a:spcAft>
-                <a:spcPts val="0"/>
-              </a:spcAft>
-              <a:buClrTx/>
-              <a:buSzTx/>
-              <a:buFontTx/>
-              <a:buNone/>
-              <a:tabLst/>
               <a:defRPr/>
             </a:pPr>
             <a:r>
-              <a:rPr kumimoji="0" lang="en-US" sz="900" b="0" i="0" u="none" strike="noStrike" kern="100" cap="none" spc="0" normalizeH="0" baseline="0" noProof="0" dirty="0">
-                <a:ln>
-                  <a:noFill/>
-                </a:ln>
+              <a:rPr kumimoji="0" lang="en-US" sz="900" kern="100" dirty="0" err="1">
                 <a:solidFill>
                   <a:sysClr val="window" lastClr="FFFFFF"/>
                 </a:solidFill>
-                <a:effectLst/>
-                <a:uLnTx/>
-                <a:uFillTx/>
                 <a:latin typeface="Arial" panose="020B0604020202020204" pitchFamily="34" charset="0"/>
                 <a:ea typeface="ＭＳ 明朝" panose="02020609040205080304" pitchFamily="17" charset="-128"/>
                 <a:cs typeface="Times New Roman" panose="02020603050405020304" pitchFamily="18" charset="0"/>
               </a:rPr>
               <a:t>db_name:sample_db_name</a:t>
             </a:r>
-            <a:endParaRPr kumimoji="0" lang="ja-JP" altLang="en-US" sz="1050" b="0" i="0" u="none" strike="noStrike" kern="100" cap="none" spc="0" normalizeH="0" baseline="0" noProof="0" dirty="0">
-              <a:ln>
-                <a:noFill/>
-              </a:ln>
+            <a:endParaRPr kumimoji="0" lang="en-US" sz="900" kern="100" dirty="0">
               <a:solidFill>
                 <a:sysClr val="window" lastClr="FFFFFF"/>
               </a:solidFill>
-              <a:effectLst/>
-              <a:uLnTx/>
-              <a:uFillTx/>
-              <a:latin typeface="Century"/>
+              <a:latin typeface="Arial" panose="020B0604020202020204" pitchFamily="34" charset="0"/>
               <a:ea typeface="ＭＳ 明朝" panose="02020609040205080304" pitchFamily="17" charset="-128"/>
               <a:cs typeface="Times New Roman" panose="02020603050405020304" pitchFamily="18" charset="0"/>
             </a:endParaRPr>
           </a:p>
           <a:p>
-            <a:pPr marL="0" marR="0" lvl="0" indent="0" algn="l" defTabSz="914400" eaLnBrk="1" fontAlgn="auto" latinLnBrk="0" hangingPunct="1">
+            <a:pPr lvl="0">
               <a:lnSpc>
                 <a:spcPts val="900"/>
               </a:lnSpc>
-              <a:spcBef>
-                <a:spcPts val="0"/>
-              </a:spcBef>
-              <a:spcAft>
-                <a:spcPts val="0"/>
-              </a:spcAft>
-              <a:buClrTx/>
-              <a:buSzTx/>
-              <a:buFontTx/>
-              <a:buNone/>
-              <a:tabLst/>
               <a:defRPr/>
             </a:pPr>
             <a:r>
-              <a:rPr kumimoji="0" lang="en-US" sz="900" b="0" i="0" u="none" strike="noStrike" kern="100" cap="none" spc="0" normalizeH="0" baseline="0" noProof="0" dirty="0">
-                <a:ln>
-                  <a:noFill/>
-                </a:ln>
+              <a:rPr kumimoji="0" lang="en-US" sz="900" kern="100" dirty="0">
                 <a:solidFill>
                   <a:sysClr val="window" lastClr="FFFFFF"/>
                 </a:solidFill>
-                <a:effectLst/>
-                <a:uLnTx/>
-                <a:uFillTx/>
                 <a:latin typeface="Arial" panose="020B0604020202020204" pitchFamily="34" charset="0"/>
                 <a:ea typeface="ＭＳ 明朝" panose="02020609040205080304" pitchFamily="17" charset="-128"/>
                 <a:cs typeface="Times New Roman" panose="02020603050405020304" pitchFamily="18" charset="0"/>
               </a:rPr>
-              <a:t># e.g) </a:t>
-            </a:r>
-            <a:r>
-              <a:rPr kumimoji="0" lang="en-US" sz="900" b="0" i="0" u="none" strike="noStrike" kern="100" cap="none" spc="0" normalizeH="0" baseline="0" noProof="0" dirty="0" err="1">
-                <a:ln>
-                  <a:noFill/>
-                </a:ln>
+              <a:t># </a:t>
+            </a:r>
+            <a:r>
+              <a:rPr kumimoji="0" lang="en-US" sz="900" kern="100" dirty="0" err="1">
                 <a:solidFill>
                   <a:sysClr val="window" lastClr="FFFFFF"/>
                 </a:solidFill>
-                <a:effectLst/>
-                <a:uLnTx/>
-                <a:uFillTx/>
+                <a:latin typeface="Arial" panose="020B0604020202020204" pitchFamily="34" charset="0"/>
+                <a:ea typeface="ＭＳ 明朝" panose="02020609040205080304" pitchFamily="17" charset="-128"/>
+                <a:cs typeface="Times New Roman" panose="02020603050405020304" pitchFamily="18" charset="0"/>
+              </a:rPr>
+              <a:t>e.g</a:t>
+            </a:r>
+            <a:r>
+              <a:rPr kumimoji="0" lang="en-US" sz="900" kern="100" dirty="0">
+                <a:solidFill>
+                  <a:sysClr val="window" lastClr="FFFFFF"/>
+                </a:solidFill>
+                <a:latin typeface="Arial" panose="020B0604020202020204" pitchFamily="34" charset="0"/>
+                <a:ea typeface="ＭＳ 明朝" panose="02020609040205080304" pitchFamily="17" charset="-128"/>
+                <a:cs typeface="Times New Roman" panose="02020603050405020304" pitchFamily="18" charset="0"/>
+              </a:rPr>
+              <a:t>) </a:t>
+            </a:r>
+            <a:r>
+              <a:rPr kumimoji="0" lang="en-US" sz="900" kern="100" dirty="0" err="1">
+                <a:solidFill>
+                  <a:sysClr val="window" lastClr="FFFFFF"/>
+                </a:solidFill>
                 <a:latin typeface="Arial" panose="020B0604020202020204" pitchFamily="34" charset="0"/>
                 <a:ea typeface="ＭＳ 明朝" panose="02020609040205080304" pitchFamily="17" charset="-128"/>
                 <a:cs typeface="Times New Roman" panose="02020603050405020304" pitchFamily="18" charset="0"/>
               </a:rPr>
               <a:t>db_username:sample_db_username</a:t>
             </a:r>
-            <a:endParaRPr kumimoji="0" lang="ja-JP" altLang="en-US" sz="1050" b="0" i="0" u="none" strike="noStrike" kern="100" cap="none" spc="0" normalizeH="0" baseline="0" noProof="0" dirty="0">
-              <a:ln>
-                <a:noFill/>
-              </a:ln>
+            <a:endParaRPr kumimoji="0" lang="en-US" sz="900" kern="100" dirty="0">
               <a:solidFill>
                 <a:sysClr val="window" lastClr="FFFFFF"/>
               </a:solidFill>
-              <a:effectLst/>
-              <a:uLnTx/>
-              <a:uFillTx/>
-              <a:latin typeface="Century"/>
+              <a:latin typeface="Arial" panose="020B0604020202020204" pitchFamily="34" charset="0"/>
               <a:ea typeface="ＭＳ 明朝" panose="02020609040205080304" pitchFamily="17" charset="-128"/>
               <a:cs typeface="Times New Roman" panose="02020603050405020304" pitchFamily="18" charset="0"/>
             </a:endParaRPr>
           </a:p>
           <a:p>
-            <a:pPr marL="0" marR="0" lvl="0" indent="0" algn="l" defTabSz="914400" eaLnBrk="1" fontAlgn="auto" latinLnBrk="0" hangingPunct="1">
+            <a:pPr lvl="0">
               <a:lnSpc>
                 <a:spcPts val="900"/>
               </a:lnSpc>
-              <a:spcBef>
-                <a:spcPts val="0"/>
-              </a:spcBef>
-              <a:spcAft>
-                <a:spcPts val="0"/>
-              </a:spcAft>
-              <a:buClrTx/>
-              <a:buSzTx/>
-              <a:buFontTx/>
-              <a:buNone/>
-              <a:tabLst/>
               <a:defRPr/>
             </a:pPr>
             <a:r>
-              <a:rPr kumimoji="0" lang="en-US" sz="900" b="0" i="0" u="none" strike="noStrike" kern="100" cap="none" spc="0" normalizeH="0" baseline="0" noProof="0" dirty="0">
-                <a:ln>
-                  <a:noFill/>
-                </a:ln>
+              <a:rPr kumimoji="0" lang="en-US" sz="900" kern="100" dirty="0" err="1">
                 <a:solidFill>
                   <a:sysClr val="window" lastClr="FFFFFF"/>
                 </a:solidFill>
-                <a:effectLst/>
-                <a:uLnTx/>
-                <a:uFillTx/>
                 <a:latin typeface="Arial" panose="020B0604020202020204" pitchFamily="34" charset="0"/>
                 <a:ea typeface="ＭＳ 明朝" panose="02020609040205080304" pitchFamily="17" charset="-128"/>
                 <a:cs typeface="Times New Roman" panose="02020603050405020304" pitchFamily="18" charset="0"/>
               </a:rPr>
               <a:t>db_username:sample_db_username</a:t>
             </a:r>
-            <a:endParaRPr kumimoji="0" lang="ja-JP" altLang="en-US" sz="1050" b="0" i="0" u="none" strike="noStrike" kern="100" cap="none" spc="0" normalizeH="0" baseline="0" noProof="0" dirty="0">
-              <a:ln>
-                <a:noFill/>
-              </a:ln>
+            <a:endParaRPr kumimoji="0" lang="en-US" sz="900" kern="100" dirty="0">
               <a:solidFill>
                 <a:sysClr val="window" lastClr="FFFFFF"/>
               </a:solidFill>
-              <a:effectLst/>
-              <a:uLnTx/>
-              <a:uFillTx/>
-              <a:latin typeface="Century"/>
+              <a:latin typeface="Arial" panose="020B0604020202020204" pitchFamily="34" charset="0"/>
               <a:ea typeface="ＭＳ 明朝" panose="02020609040205080304" pitchFamily="17" charset="-128"/>
               <a:cs typeface="Times New Roman" panose="02020603050405020304" pitchFamily="18" charset="0"/>
             </a:endParaRPr>
           </a:p>
           <a:p>
-            <a:pPr marL="0" marR="0" lvl="0" indent="0" algn="l" defTabSz="914400" eaLnBrk="1" fontAlgn="auto" latinLnBrk="0" hangingPunct="1">
+            <a:pPr lvl="0">
               <a:lnSpc>
                 <a:spcPts val="900"/>
               </a:lnSpc>
-              <a:spcBef>
-                <a:spcPts val="0"/>
-              </a:spcBef>
-              <a:spcAft>
-                <a:spcPts val="0"/>
-              </a:spcAft>
-              <a:buClrTx/>
-              <a:buSzTx/>
-              <a:buFontTx/>
-              <a:buNone/>
-              <a:tabLst/>
               <a:defRPr/>
             </a:pPr>
             <a:r>
-              <a:rPr kumimoji="0" lang="en-US" sz="900" b="0" i="0" u="none" strike="noStrike" kern="100" cap="none" spc="0" normalizeH="0" baseline="0" noProof="0" dirty="0">
-                <a:ln>
-                  <a:noFill/>
-                </a:ln>
+              <a:rPr kumimoji="0" lang="en-US" sz="900" kern="100" dirty="0">
                 <a:solidFill>
                   <a:sysClr val="window" lastClr="FFFFFF"/>
                 </a:solidFill>
-                <a:effectLst/>
-                <a:uLnTx/>
-                <a:uFillTx/>
                 <a:latin typeface="Arial" panose="020B0604020202020204" pitchFamily="34" charset="0"/>
                 <a:ea typeface="ＭＳ 明朝" panose="02020609040205080304" pitchFamily="17" charset="-128"/>
                 <a:cs typeface="Times New Roman" panose="02020603050405020304" pitchFamily="18" charset="0"/>
               </a:rPr>
-              <a:t># e.g) </a:t>
-            </a:r>
-            <a:r>
-              <a:rPr kumimoji="0" lang="en-US" sz="900" b="0" i="0" u="none" strike="noStrike" kern="100" cap="none" spc="0" normalizeH="0" baseline="0" noProof="0" dirty="0" err="1">
-                <a:ln>
-                  <a:noFill/>
-                </a:ln>
+              <a:t># </a:t>
+            </a:r>
+            <a:r>
+              <a:rPr kumimoji="0" lang="en-US" sz="900" kern="100" dirty="0" err="1">
                 <a:solidFill>
                   <a:sysClr val="window" lastClr="FFFFFF"/>
                 </a:solidFill>
-                <a:effectLst/>
-                <a:uLnTx/>
-                <a:uFillTx/>
+                <a:latin typeface="Arial" panose="020B0604020202020204" pitchFamily="34" charset="0"/>
+                <a:ea typeface="ＭＳ 明朝" panose="02020609040205080304" pitchFamily="17" charset="-128"/>
+                <a:cs typeface="Times New Roman" panose="02020603050405020304" pitchFamily="18" charset="0"/>
+              </a:rPr>
+              <a:t>e.g</a:t>
+            </a:r>
+            <a:r>
+              <a:rPr kumimoji="0" lang="en-US" sz="900" kern="100" dirty="0">
+                <a:solidFill>
+                  <a:sysClr val="window" lastClr="FFFFFF"/>
+                </a:solidFill>
+                <a:latin typeface="Arial" panose="020B0604020202020204" pitchFamily="34" charset="0"/>
+                <a:ea typeface="ＭＳ 明朝" panose="02020609040205080304" pitchFamily="17" charset="-128"/>
+                <a:cs typeface="Times New Roman" panose="02020603050405020304" pitchFamily="18" charset="0"/>
+              </a:rPr>
+              <a:t>) </a:t>
+            </a:r>
+            <a:r>
+              <a:rPr kumimoji="0" lang="en-US" sz="900" kern="100" dirty="0" err="1">
+                <a:solidFill>
+                  <a:sysClr val="window" lastClr="FFFFFF"/>
+                </a:solidFill>
                 <a:latin typeface="Arial" panose="020B0604020202020204" pitchFamily="34" charset="0"/>
                 <a:ea typeface="ＭＳ 明朝" panose="02020609040205080304" pitchFamily="17" charset="-128"/>
                 <a:cs typeface="Times New Roman" panose="02020603050405020304" pitchFamily="18" charset="0"/>
               </a:rPr>
               <a:t>db_password:sample_db_password</a:t>
             </a:r>
-            <a:endParaRPr kumimoji="0" lang="ja-JP" altLang="en-US" sz="1050" b="0" i="0" u="none" strike="noStrike" kern="100" cap="none" spc="0" normalizeH="0" baseline="0" noProof="0" dirty="0">
-              <a:ln>
-                <a:noFill/>
-              </a:ln>
+            <a:endParaRPr kumimoji="0" lang="en-US" sz="900" kern="100" dirty="0">
               <a:solidFill>
                 <a:sysClr val="window" lastClr="FFFFFF"/>
               </a:solidFill>
-              <a:effectLst/>
-              <a:uLnTx/>
-              <a:uFillTx/>
-              <a:latin typeface="Century"/>
+              <a:latin typeface="Arial" panose="020B0604020202020204" pitchFamily="34" charset="0"/>
               <a:ea typeface="ＭＳ 明朝" panose="02020609040205080304" pitchFamily="17" charset="-128"/>
               <a:cs typeface="Times New Roman" panose="02020603050405020304" pitchFamily="18" charset="0"/>
             </a:endParaRPr>
           </a:p>
           <a:p>
-            <a:pPr marL="0" marR="0" lvl="0" indent="0" algn="l" defTabSz="914400" eaLnBrk="1" fontAlgn="auto" latinLnBrk="0" hangingPunct="1">
+            <a:pPr lvl="0">
               <a:lnSpc>
                 <a:spcPts val="900"/>
               </a:lnSpc>
-              <a:spcBef>
-                <a:spcPts val="0"/>
-              </a:spcBef>
-              <a:spcAft>
-                <a:spcPts val="0"/>
-              </a:spcAft>
-              <a:buClrTx/>
-              <a:buSzTx/>
-              <a:buFontTx/>
-              <a:buNone/>
-              <a:tabLst/>
               <a:defRPr/>
             </a:pPr>
             <a:r>
-              <a:rPr kumimoji="0" lang="en-US" sz="900" b="0" i="0" u="none" strike="noStrike" kern="100" cap="none" spc="0" normalizeH="0" baseline="0" noProof="0" dirty="0">
-                <a:ln>
-                  <a:noFill/>
-                </a:ln>
+              <a:rPr kumimoji="0" lang="en-US" sz="900" kern="100" dirty="0" err="1">
                 <a:solidFill>
                   <a:sysClr val="window" lastClr="FFFFFF"/>
                 </a:solidFill>
-                <a:effectLst/>
-                <a:uLnTx/>
-                <a:uFillTx/>
                 <a:latin typeface="Arial" panose="020B0604020202020204" pitchFamily="34" charset="0"/>
                 <a:ea typeface="ＭＳ 明朝" panose="02020609040205080304" pitchFamily="17" charset="-128"/>
                 <a:cs typeface="Times New Roman" panose="02020603050405020304" pitchFamily="18" charset="0"/>
               </a:rPr>
               <a:t>db_password:sample_db_password</a:t>
             </a:r>
-            <a:endParaRPr kumimoji="0" lang="ja-JP" altLang="en-US" sz="1050" b="0" i="0" u="none" strike="noStrike" kern="100" cap="none" spc="0" normalizeH="0" baseline="0" noProof="0" dirty="0">
-              <a:ln>
-                <a:noFill/>
-              </a:ln>
+            <a:endParaRPr kumimoji="0" lang="en-US" sz="900" kern="100" dirty="0">
               <a:solidFill>
                 <a:sysClr val="window" lastClr="FFFFFF"/>
               </a:solidFill>
-              <a:effectLst/>
-              <a:uLnTx/>
-              <a:uFillTx/>
-              <a:latin typeface="Century"/>
+              <a:latin typeface="Arial" panose="020B0604020202020204" pitchFamily="34" charset="0"/>
               <a:ea typeface="ＭＳ 明朝" panose="02020609040205080304" pitchFamily="17" charset="-128"/>
               <a:cs typeface="Times New Roman" panose="02020603050405020304" pitchFamily="18" charset="0"/>
             </a:endParaRPr>
           </a:p>
           <a:p>
-            <a:pPr marL="0" marR="0" lvl="0" indent="0" algn="l" defTabSz="914400" eaLnBrk="1" fontAlgn="auto" latinLnBrk="0" hangingPunct="1">
+            <a:pPr lvl="0">
               <a:lnSpc>
                 <a:spcPts val="900"/>
               </a:lnSpc>
-              <a:spcBef>
-                <a:spcPts val="0"/>
-              </a:spcBef>
-              <a:spcAft>
-                <a:spcPts val="0"/>
-              </a:spcAft>
-              <a:buClrTx/>
-              <a:buSzTx/>
-              <a:buFontTx/>
-              <a:buNone/>
-              <a:tabLst/>
               <a:defRPr/>
             </a:pPr>
-            <a:r>
-              <a:rPr kumimoji="0" lang="en-US" sz="900" b="0" i="0" u="none" strike="noStrike" kern="100" cap="none" spc="0" normalizeH="0" baseline="0" noProof="0" dirty="0">
-                <a:ln>
-                  <a:noFill/>
-                </a:ln>
+            <a:endParaRPr kumimoji="0" lang="en-US" sz="900" kern="100" dirty="0">
+              <a:solidFill>
+                <a:sysClr val="window" lastClr="FFFFFF"/>
+              </a:solidFill>
+              <a:latin typeface="Arial" panose="020B0604020202020204" pitchFamily="34" charset="0"/>
+              <a:ea typeface="ＭＳ 明朝" panose="02020609040205080304" pitchFamily="17" charset="-128"/>
+              <a:cs typeface="Times New Roman" panose="02020603050405020304" pitchFamily="18" charset="0"/>
+            </a:endParaRPr>
+          </a:p>
+          <a:p>
+            <a:pPr lvl="0">
+              <a:lnSpc>
+                <a:spcPts val="900"/>
+              </a:lnSpc>
+              <a:defRPr/>
+            </a:pPr>
+            <a:r>
+              <a:rPr kumimoji="0" lang="en-US" sz="900" kern="100" dirty="0">
                 <a:solidFill>
                   <a:sysClr val="window" lastClr="FFFFFF"/>
                 </a:solidFill>
-                <a:effectLst/>
-                <a:uLnTx/>
-                <a:uFillTx/>
-                <a:latin typeface="Arial" panose="020B0604020202020204" pitchFamily="34" charset="0"/>
-                <a:ea typeface="ＭＳ 明朝" panose="02020609040205080304" pitchFamily="17" charset="-128"/>
-                <a:cs typeface="Times New Roman" panose="02020603050405020304" pitchFamily="18" charset="0"/>
-              </a:rPr>
-              <a:t> </a:t>
-            </a:r>
-            <a:endParaRPr kumimoji="0" lang="ja-JP" altLang="en-US" sz="1050" b="0" i="0" u="none" strike="noStrike" kern="100" cap="none" spc="0" normalizeH="0" baseline="0" noProof="0" dirty="0">
-              <a:ln>
-                <a:noFill/>
-              </a:ln>
-              <a:solidFill>
-                <a:sysClr val="window" lastClr="FFFFFF"/>
-              </a:solidFill>
-              <a:effectLst/>
-              <a:uLnTx/>
-              <a:uFillTx/>
-              <a:latin typeface="Century"/>
-              <a:ea typeface="ＭＳ 明朝" panose="02020609040205080304" pitchFamily="17" charset="-128"/>
-              <a:cs typeface="Times New Roman" panose="02020603050405020304" pitchFamily="18" charset="0"/>
-            </a:endParaRPr>
-          </a:p>
-          <a:p>
-            <a:pPr marL="0" marR="0" lvl="0" indent="0" algn="l" defTabSz="914400" eaLnBrk="1" fontAlgn="auto" latinLnBrk="0" hangingPunct="1">
-              <a:lnSpc>
-                <a:spcPts val="900"/>
-              </a:lnSpc>
-              <a:spcBef>
-                <a:spcPts val="0"/>
-              </a:spcBef>
-              <a:spcAft>
-                <a:spcPts val="0"/>
-              </a:spcAft>
-              <a:buClrTx/>
-              <a:buSzTx/>
-              <a:buFontTx/>
-              <a:buNone/>
-              <a:tabLst/>
-              <a:defRPr/>
-            </a:pPr>
-            <a:r>
-              <a:rPr kumimoji="0" lang="en-US" sz="900" b="0" i="0" u="none" strike="noStrike" kern="100" cap="none" spc="0" normalizeH="0" baseline="0" noProof="0" dirty="0">
-                <a:ln>
-                  <a:noFill/>
-                </a:ln>
-                <a:solidFill>
-                  <a:sysClr val="window" lastClr="FFFFFF"/>
-                </a:solidFill>
-                <a:effectLst/>
-                <a:uLnTx/>
-                <a:uFillTx/>
                 <a:latin typeface="Arial" panose="020B0604020202020204" pitchFamily="34" charset="0"/>
                 <a:ea typeface="ＭＳ 明朝" panose="02020609040205080304" pitchFamily="17" charset="-128"/>
                 <a:cs typeface="Times New Roman" panose="02020603050405020304" pitchFamily="18" charset="0"/>
               </a:rPr>
               <a:t># Select the target you need to install.</a:t>
             </a:r>
-            <a:endParaRPr kumimoji="0" lang="ja-JP" altLang="en-US" sz="1050" b="0" i="0" u="none" strike="noStrike" kern="100" cap="none" spc="0" normalizeH="0" baseline="0" noProof="0" dirty="0">
-              <a:ln>
-                <a:noFill/>
-              </a:ln>
-              <a:solidFill>
-                <a:sysClr val="window" lastClr="FFFFFF"/>
-              </a:solidFill>
-              <a:effectLst/>
-              <a:uLnTx/>
-              <a:uFillTx/>
-              <a:latin typeface="Century"/>
-              <a:ea typeface="ＭＳ 明朝" panose="02020609040205080304" pitchFamily="17" charset="-128"/>
-              <a:cs typeface="Times New Roman" panose="02020603050405020304" pitchFamily="18" charset="0"/>
-            </a:endParaRPr>
-          </a:p>
-          <a:p>
-            <a:pPr marL="0" marR="0" lvl="0" indent="0" algn="l" defTabSz="914400" eaLnBrk="1" fontAlgn="auto" latinLnBrk="0" hangingPunct="1">
+          </a:p>
+          <a:p>
+            <a:pPr lvl="0">
               <a:lnSpc>
                 <a:spcPts val="900"/>
               </a:lnSpc>
-              <a:spcBef>
-                <a:spcPts val="0"/>
-              </a:spcBef>
-              <a:spcAft>
-                <a:spcPts val="0"/>
-              </a:spcAft>
-              <a:buClrTx/>
-              <a:buSzTx/>
-              <a:buFontTx/>
-              <a:buNone/>
-              <a:tabLst/>
               <a:defRPr/>
             </a:pPr>
             <a:r>
-              <a:rPr kumimoji="0" lang="en-US" sz="900" b="0" i="0" u="none" strike="noStrike" kern="100" cap="none" spc="0" normalizeH="0" baseline="0" noProof="0" dirty="0">
-                <a:ln>
-                  <a:noFill/>
-                </a:ln>
+              <a:rPr kumimoji="0" lang="en-US" sz="900" kern="100" dirty="0">
                 <a:solidFill>
                   <a:sysClr val="window" lastClr="FFFFFF"/>
                 </a:solidFill>
-                <a:effectLst/>
-                <a:uLnTx/>
-                <a:uFillTx/>
                 <a:latin typeface="Arial" panose="020B0604020202020204" pitchFamily="34" charset="0"/>
                 <a:ea typeface="ＭＳ 明朝" panose="02020609040205080304" pitchFamily="17" charset="-128"/>
                 <a:cs typeface="Times New Roman" panose="02020603050405020304" pitchFamily="18" charset="0"/>
               </a:rPr>
               <a:t># yes : need</a:t>
             </a:r>
-            <a:endParaRPr kumimoji="0" lang="ja-JP" altLang="en-US" sz="1050" b="0" i="0" u="none" strike="noStrike" kern="100" cap="none" spc="0" normalizeH="0" baseline="0" noProof="0" dirty="0">
-              <a:ln>
-                <a:noFill/>
-              </a:ln>
-              <a:solidFill>
-                <a:sysClr val="window" lastClr="FFFFFF"/>
-              </a:solidFill>
-              <a:effectLst/>
-              <a:uLnTx/>
-              <a:uFillTx/>
-              <a:latin typeface="Century"/>
-              <a:ea typeface="ＭＳ 明朝" panose="02020609040205080304" pitchFamily="17" charset="-128"/>
-              <a:cs typeface="Times New Roman" panose="02020603050405020304" pitchFamily="18" charset="0"/>
-            </a:endParaRPr>
-          </a:p>
-          <a:p>
-            <a:pPr marL="0" marR="0" lvl="0" indent="0" algn="l" defTabSz="914400" eaLnBrk="1" fontAlgn="auto" latinLnBrk="0" hangingPunct="1">
+          </a:p>
+          <a:p>
+            <a:pPr lvl="0">
               <a:lnSpc>
                 <a:spcPts val="900"/>
               </a:lnSpc>
-              <a:spcBef>
-                <a:spcPts val="0"/>
-              </a:spcBef>
-              <a:spcAft>
-                <a:spcPts val="0"/>
-              </a:spcAft>
-              <a:buClrTx/>
-              <a:buSzTx/>
-              <a:buFontTx/>
-              <a:buNone/>
-              <a:tabLst/>
               <a:defRPr/>
             </a:pPr>
             <a:r>
-              <a:rPr kumimoji="0" lang="en-US" sz="900" b="0" i="0" u="none" strike="noStrike" kern="100" cap="none" spc="0" normalizeH="0" baseline="0" noProof="0" dirty="0">
-                <a:ln>
-                  <a:noFill/>
-                </a:ln>
+              <a:rPr kumimoji="0" lang="en-US" sz="900" kern="100" dirty="0">
                 <a:solidFill>
                   <a:sysClr val="window" lastClr="FFFFFF"/>
                 </a:solidFill>
-                <a:effectLst/>
-                <a:uLnTx/>
-                <a:uFillTx/>
                 <a:latin typeface="Arial" panose="020B0604020202020204" pitchFamily="34" charset="0"/>
                 <a:ea typeface="ＭＳ 明朝" panose="02020609040205080304" pitchFamily="17" charset="-128"/>
                 <a:cs typeface="Times New Roman" panose="02020603050405020304" pitchFamily="18" charset="0"/>
               </a:rPr>
               <a:t># no  : no need</a:t>
             </a:r>
-            <a:endParaRPr kumimoji="0" lang="ja-JP" altLang="en-US" sz="1050" b="0" i="0" u="none" strike="noStrike" kern="100" cap="none" spc="0" normalizeH="0" baseline="0" noProof="0" dirty="0">
-              <a:ln>
-                <a:noFill/>
-              </a:ln>
-              <a:solidFill>
-                <a:sysClr val="window" lastClr="FFFFFF"/>
-              </a:solidFill>
-              <a:effectLst/>
-              <a:uLnTx/>
-              <a:uFillTx/>
-              <a:latin typeface="Century"/>
-              <a:ea typeface="ＭＳ 明朝" panose="02020609040205080304" pitchFamily="17" charset="-128"/>
-              <a:cs typeface="Times New Roman" panose="02020603050405020304" pitchFamily="18" charset="0"/>
-            </a:endParaRPr>
-          </a:p>
-          <a:p>
-            <a:pPr marL="0" marR="0" lvl="0" indent="0" algn="l" defTabSz="914400" eaLnBrk="1" fontAlgn="auto" latinLnBrk="0" hangingPunct="1">
+          </a:p>
+          <a:p>
+            <a:pPr lvl="0">
               <a:lnSpc>
                 <a:spcPts val="900"/>
               </a:lnSpc>
-              <a:spcBef>
-                <a:spcPts val="0"/>
-              </a:spcBef>
-              <a:spcAft>
-                <a:spcPts val="0"/>
-              </a:spcAft>
-              <a:buClrTx/>
-              <a:buSzTx/>
-              <a:buFontTx/>
-              <a:buNone/>
-              <a:tabLst/>
               <a:defRPr/>
             </a:pPr>
             <a:r>
-              <a:rPr kumimoji="0" lang="en-US" sz="900" b="0" i="0" u="none" strike="noStrike" kern="100" cap="none" spc="0" normalizeH="0" baseline="0" noProof="0" dirty="0" err="1">
-                <a:ln>
-                  <a:noFill/>
-                </a:ln>
+              <a:rPr kumimoji="0" lang="en-US" sz="900" kern="100" dirty="0" err="1">
                 <a:solidFill>
                   <a:sysClr val="window" lastClr="FFFFFF"/>
                 </a:solidFill>
-                <a:effectLst/>
-                <a:uLnTx/>
-                <a:uFillTx/>
                 <a:latin typeface="Arial" panose="020B0604020202020204" pitchFamily="34" charset="0"/>
                 <a:ea typeface="ＭＳ 明朝" panose="02020609040205080304" pitchFamily="17" charset="-128"/>
                 <a:cs typeface="Times New Roman" panose="02020603050405020304" pitchFamily="18" charset="0"/>
               </a:rPr>
               <a:t>ita_base:yes</a:t>
             </a:r>
-            <a:endParaRPr kumimoji="0" lang="ja-JP" altLang="en-US" sz="1050" b="0" i="0" u="none" strike="noStrike" kern="100" cap="none" spc="0" normalizeH="0" baseline="0" noProof="0" dirty="0">
-              <a:ln>
-                <a:noFill/>
-              </a:ln>
+            <a:endParaRPr kumimoji="0" lang="en-US" sz="900" kern="100" dirty="0">
               <a:solidFill>
                 <a:sysClr val="window" lastClr="FFFFFF"/>
               </a:solidFill>
-              <a:effectLst/>
-              <a:uLnTx/>
-              <a:uFillTx/>
-              <a:latin typeface="Century"/>
+              <a:latin typeface="Arial" panose="020B0604020202020204" pitchFamily="34" charset="0"/>
               <a:ea typeface="ＭＳ 明朝" panose="02020609040205080304" pitchFamily="17" charset="-128"/>
               <a:cs typeface="Times New Roman" panose="02020603050405020304" pitchFamily="18" charset="0"/>
             </a:endParaRPr>
           </a:p>
           <a:p>
-            <a:pPr marL="0" marR="0" lvl="0" indent="0" algn="l" defTabSz="914400" eaLnBrk="1" fontAlgn="auto" latinLnBrk="0" hangingPunct="1">
+            <a:pPr lvl="0">
               <a:lnSpc>
                 <a:spcPts val="900"/>
               </a:lnSpc>
-              <a:spcBef>
-                <a:spcPts val="0"/>
-              </a:spcBef>
-              <a:spcAft>
-                <a:spcPts val="0"/>
-              </a:spcAft>
-              <a:buClrTx/>
-              <a:buSzTx/>
-              <a:buFontTx/>
-              <a:buNone/>
-              <a:tabLst/>
               <a:defRPr/>
             </a:pPr>
             <a:r>
-              <a:rPr kumimoji="0" lang="en-US" sz="900" b="0" i="0" u="none" strike="noStrike" kern="100" cap="none" spc="0" normalizeH="0" baseline="0" noProof="0" dirty="0" err="1">
-                <a:ln>
-                  <a:noFill/>
-                </a:ln>
+              <a:rPr kumimoji="0" lang="en-US" sz="900" kern="100" dirty="0" err="1">
                 <a:solidFill>
                   <a:sysClr val="window" lastClr="FFFFFF"/>
                 </a:solidFill>
-                <a:effectLst/>
-                <a:uLnTx/>
-                <a:uFillTx/>
                 <a:latin typeface="Arial" panose="020B0604020202020204" pitchFamily="34" charset="0"/>
                 <a:ea typeface="ＭＳ 明朝" panose="02020609040205080304" pitchFamily="17" charset="-128"/>
                 <a:cs typeface="Times New Roman" panose="02020603050405020304" pitchFamily="18" charset="0"/>
               </a:rPr>
               <a:t>material:no</a:t>
             </a:r>
-            <a:endParaRPr kumimoji="0" lang="ja-JP" altLang="en-US" sz="1050" b="0" i="0" u="none" strike="noStrike" kern="100" cap="none" spc="0" normalizeH="0" baseline="0" noProof="0" dirty="0">
-              <a:ln>
-                <a:noFill/>
-              </a:ln>
+            <a:endParaRPr kumimoji="0" lang="en-US" sz="900" kern="100" dirty="0">
               <a:solidFill>
                 <a:sysClr val="window" lastClr="FFFFFF"/>
               </a:solidFill>
-              <a:effectLst/>
-              <a:uLnTx/>
-              <a:uFillTx/>
-              <a:latin typeface="Century"/>
+              <a:latin typeface="Arial" panose="020B0604020202020204" pitchFamily="34" charset="0"/>
               <a:ea typeface="ＭＳ 明朝" panose="02020609040205080304" pitchFamily="17" charset="-128"/>
               <a:cs typeface="Times New Roman" panose="02020603050405020304" pitchFamily="18" charset="0"/>
             </a:endParaRPr>
           </a:p>
           <a:p>
-            <a:pPr marL="0" marR="0" lvl="0" indent="0" algn="l" defTabSz="914400" eaLnBrk="1" fontAlgn="auto" latinLnBrk="0" hangingPunct="1">
+            <a:pPr lvl="0">
               <a:lnSpc>
                 <a:spcPts val="900"/>
               </a:lnSpc>
-              <a:spcBef>
-                <a:spcPts val="0"/>
-              </a:spcBef>
-              <a:spcAft>
-                <a:spcPts val="0"/>
-              </a:spcAft>
-              <a:buClrTx/>
-              <a:buSzTx/>
-              <a:buFontTx/>
-              <a:buNone/>
-              <a:tabLst/>
               <a:defRPr/>
             </a:pPr>
             <a:r>
-              <a:rPr kumimoji="0" lang="en-US" sz="900" b="0" i="0" u="none" strike="noStrike" kern="100" cap="none" spc="0" normalizeH="0" baseline="0" noProof="0" dirty="0" smtClean="0">
-                <a:ln>
-                  <a:noFill/>
-                </a:ln>
+              <a:rPr kumimoji="0" lang="en-US" sz="900" kern="100" dirty="0" err="1">
                 <a:solidFill>
                   <a:sysClr val="window" lastClr="FFFFFF"/>
                 </a:solidFill>
-                <a:effectLst/>
-                <a:uLnTx/>
-                <a:uFillTx/>
                 <a:latin typeface="Arial" panose="020B0604020202020204" pitchFamily="34" charset="0"/>
                 <a:ea typeface="ＭＳ 明朝" panose="02020609040205080304" pitchFamily="17" charset="-128"/>
                 <a:cs typeface="Times New Roman" panose="02020603050405020304" pitchFamily="18" charset="0"/>
               </a:rPr>
               <a:t>createparam:yes</a:t>
             </a:r>
-            <a:endParaRPr kumimoji="0" lang="ja-JP" altLang="en-US" sz="1050" b="0" i="0" u="none" strike="noStrike" kern="100" cap="none" spc="0" normalizeH="0" baseline="0" noProof="0" dirty="0">
-              <a:ln>
-                <a:noFill/>
-              </a:ln>
+            <a:endParaRPr kumimoji="0" lang="en-US" sz="900" kern="100" dirty="0">
               <a:solidFill>
                 <a:sysClr val="window" lastClr="FFFFFF"/>
               </a:solidFill>
-              <a:effectLst/>
-              <a:uLnTx/>
-              <a:uFillTx/>
-              <a:latin typeface="Century"/>
+              <a:latin typeface="Arial" panose="020B0604020202020204" pitchFamily="34" charset="0"/>
               <a:ea typeface="ＭＳ 明朝" panose="02020609040205080304" pitchFamily="17" charset="-128"/>
               <a:cs typeface="Times New Roman" panose="02020603050405020304" pitchFamily="18" charset="0"/>
             </a:endParaRPr>
           </a:p>
           <a:p>
-            <a:pPr marL="0" marR="0" lvl="0" indent="0" algn="l" defTabSz="914400" eaLnBrk="1" fontAlgn="auto" latinLnBrk="0" hangingPunct="1">
+            <a:pPr lvl="0">
               <a:lnSpc>
                 <a:spcPts val="900"/>
               </a:lnSpc>
-              <a:spcBef>
-                <a:spcPts val="0"/>
-              </a:spcBef>
-              <a:spcAft>
-                <a:spcPts val="0"/>
-              </a:spcAft>
-              <a:buClrTx/>
-              <a:buSzTx/>
-              <a:buFontTx/>
-              <a:buNone/>
-              <a:tabLst/>
               <a:defRPr/>
             </a:pPr>
             <a:r>
-              <a:rPr kumimoji="0" lang="en-US" sz="900" b="0" i="0" u="none" strike="noStrike" kern="100" cap="none" spc="0" normalizeH="0" baseline="0" noProof="0" dirty="0" err="1">
-                <a:ln>
-                  <a:noFill/>
-                </a:ln>
+              <a:rPr kumimoji="0" lang="en-US" sz="900" kern="100" dirty="0" err="1">
                 <a:solidFill>
                   <a:sysClr val="window" lastClr="FFFFFF"/>
                 </a:solidFill>
-                <a:effectLst/>
-                <a:uLnTx/>
-                <a:uFillTx/>
                 <a:latin typeface="Arial" panose="020B0604020202020204" pitchFamily="34" charset="0"/>
                 <a:ea typeface="ＭＳ 明朝" panose="02020609040205080304" pitchFamily="17" charset="-128"/>
                 <a:cs typeface="Times New Roman" panose="02020603050405020304" pitchFamily="18" charset="0"/>
               </a:rPr>
               <a:t>hostgroup:no</a:t>
             </a:r>
-            <a:endParaRPr kumimoji="0" lang="ja-JP" altLang="en-US" sz="1050" b="0" i="0" u="none" strike="noStrike" kern="100" cap="none" spc="0" normalizeH="0" baseline="0" noProof="0" dirty="0">
-              <a:ln>
-                <a:noFill/>
-              </a:ln>
+            <a:endParaRPr kumimoji="0" lang="en-US" sz="900" kern="100" dirty="0">
               <a:solidFill>
                 <a:sysClr val="window" lastClr="FFFFFF"/>
               </a:solidFill>
-              <a:effectLst/>
-              <a:uLnTx/>
-              <a:uFillTx/>
-              <a:latin typeface="Century"/>
+              <a:latin typeface="Arial" panose="020B0604020202020204" pitchFamily="34" charset="0"/>
               <a:ea typeface="ＭＳ 明朝" panose="02020609040205080304" pitchFamily="17" charset="-128"/>
               <a:cs typeface="Times New Roman" panose="02020603050405020304" pitchFamily="18" charset="0"/>
             </a:endParaRPr>
           </a:p>
           <a:p>
-            <a:pPr marL="0" marR="0" lvl="0" indent="0" algn="l" defTabSz="914400" eaLnBrk="1" fontAlgn="auto" latinLnBrk="0" hangingPunct="1">
+            <a:pPr lvl="0">
               <a:lnSpc>
                 <a:spcPts val="900"/>
               </a:lnSpc>
-              <a:spcBef>
-                <a:spcPts val="0"/>
-              </a:spcBef>
-              <a:spcAft>
-                <a:spcPts val="0"/>
-              </a:spcAft>
-              <a:buClrTx/>
-              <a:buSzTx/>
-              <a:buFontTx/>
-              <a:buNone/>
-              <a:tabLst/>
               <a:defRPr/>
             </a:pPr>
             <a:r>
-              <a:rPr kumimoji="0" lang="en-US" sz="900" b="0" i="0" u="none" strike="noStrike" kern="100" cap="none" spc="0" normalizeH="0" baseline="0" noProof="0" dirty="0" err="1">
-                <a:ln>
-                  <a:noFill/>
-                </a:ln>
+              <a:rPr kumimoji="0" lang="en-US" sz="900" kern="100" dirty="0" err="1">
                 <a:solidFill>
                   <a:sysClr val="window" lastClr="FFFFFF"/>
                 </a:solidFill>
-                <a:effectLst/>
-                <a:uLnTx/>
-                <a:uFillTx/>
                 <a:latin typeface="Arial" panose="020B0604020202020204" pitchFamily="34" charset="0"/>
                 <a:ea typeface="ＭＳ 明朝" panose="02020609040205080304" pitchFamily="17" charset="-128"/>
                 <a:cs typeface="Times New Roman" panose="02020603050405020304" pitchFamily="18" charset="0"/>
               </a:rPr>
               <a:t>ansible_driver:yes</a:t>
             </a:r>
-            <a:endParaRPr kumimoji="0" lang="ja-JP" altLang="en-US" sz="1050" b="0" i="0" u="none" strike="noStrike" kern="100" cap="none" spc="0" normalizeH="0" baseline="0" noProof="0" dirty="0">
-              <a:ln>
-                <a:noFill/>
-              </a:ln>
+            <a:endParaRPr kumimoji="0" lang="en-US" sz="900" kern="100" dirty="0">
               <a:solidFill>
                 <a:sysClr val="window" lastClr="FFFFFF"/>
               </a:solidFill>
-              <a:effectLst/>
-              <a:uLnTx/>
-              <a:uFillTx/>
-              <a:latin typeface="Century"/>
+              <a:latin typeface="Arial" panose="020B0604020202020204" pitchFamily="34" charset="0"/>
               <a:ea typeface="ＭＳ 明朝" panose="02020609040205080304" pitchFamily="17" charset="-128"/>
               <a:cs typeface="Times New Roman" panose="02020603050405020304" pitchFamily="18" charset="0"/>
             </a:endParaRPr>
           </a:p>
           <a:p>
-            <a:pPr marL="0" marR="0" lvl="0" indent="0" algn="l" defTabSz="914400" eaLnBrk="1" fontAlgn="auto" latinLnBrk="0" hangingPunct="1">
+            <a:pPr lvl="0">
               <a:lnSpc>
                 <a:spcPts val="900"/>
               </a:lnSpc>
-              <a:spcBef>
-                <a:spcPts val="0"/>
-              </a:spcBef>
-              <a:spcAft>
-                <a:spcPts val="0"/>
-              </a:spcAft>
-              <a:buClrTx/>
-              <a:buSzTx/>
-              <a:buFontTx/>
-              <a:buNone/>
-              <a:tabLst/>
               <a:defRPr/>
             </a:pPr>
             <a:r>
-              <a:rPr kumimoji="0" lang="en-US" sz="900" b="0" i="0" u="none" strike="noStrike" kern="100" cap="none" spc="0" normalizeH="0" baseline="0" noProof="0" dirty="0" err="1">
-                <a:ln>
-                  <a:noFill/>
-                </a:ln>
+              <a:rPr kumimoji="0" lang="en-US" sz="900" kern="100" dirty="0" err="1">
                 <a:solidFill>
                   <a:sysClr val="window" lastClr="FFFFFF"/>
                 </a:solidFill>
-                <a:effectLst/>
-                <a:uLnTx/>
-                <a:uFillTx/>
                 <a:latin typeface="Arial" panose="020B0604020202020204" pitchFamily="34" charset="0"/>
                 <a:ea typeface="ＭＳ 明朝" panose="02020609040205080304" pitchFamily="17" charset="-128"/>
                 <a:cs typeface="Times New Roman" panose="02020603050405020304" pitchFamily="18" charset="0"/>
               </a:rPr>
               <a:t>cobbler_driver:no</a:t>
             </a:r>
-            <a:endParaRPr kumimoji="0" lang="ja-JP" altLang="en-US" sz="1050" b="0" i="0" u="none" strike="noStrike" kern="100" cap="none" spc="0" normalizeH="0" baseline="0" noProof="0" dirty="0">
-              <a:ln>
-                <a:noFill/>
-              </a:ln>
+            <a:endParaRPr kumimoji="0" lang="en-US" sz="900" kern="100" dirty="0">
               <a:solidFill>
                 <a:sysClr val="window" lastClr="FFFFFF"/>
               </a:solidFill>
-              <a:effectLst/>
-              <a:uLnTx/>
-              <a:uFillTx/>
-              <a:latin typeface="Century"/>
+              <a:latin typeface="Arial" panose="020B0604020202020204" pitchFamily="34" charset="0"/>
               <a:ea typeface="ＭＳ 明朝" panose="02020609040205080304" pitchFamily="17" charset="-128"/>
               <a:cs typeface="Times New Roman" panose="02020603050405020304" pitchFamily="18" charset="0"/>
             </a:endParaRPr>
           </a:p>
           <a:p>
-            <a:pPr marL="0" marR="0" lvl="0" indent="0" algn="l" defTabSz="914400" eaLnBrk="1" fontAlgn="auto" latinLnBrk="0" hangingPunct="1">
+            <a:pPr lvl="0">
               <a:lnSpc>
                 <a:spcPts val="900"/>
               </a:lnSpc>
-              <a:spcBef>
-                <a:spcPts val="0"/>
-              </a:spcBef>
-              <a:spcAft>
-                <a:spcPts val="0"/>
-              </a:spcAft>
-              <a:buClrTx/>
-              <a:buSzTx/>
-              <a:buFontTx/>
-              <a:buNone/>
-              <a:tabLst/>
               <a:defRPr/>
             </a:pPr>
             <a:r>
-              <a:rPr kumimoji="0" lang="en-US" sz="900" b="0" i="0" u="none" strike="noStrike" kern="100" cap="none" spc="0" normalizeH="0" baseline="0" noProof="0" dirty="0" err="1">
-                <a:ln>
-                  <a:noFill/>
-                </a:ln>
+              <a:rPr kumimoji="0" lang="en-US" sz="900" kern="100" dirty="0" err="1">
                 <a:solidFill>
                   <a:sysClr val="window" lastClr="FFFFFF"/>
                 </a:solidFill>
-                <a:effectLst/>
-                <a:uLnTx/>
-                <a:uFillTx/>
                 <a:latin typeface="Arial" panose="020B0604020202020204" pitchFamily="34" charset="0"/>
                 <a:ea typeface="ＭＳ 明朝" panose="02020609040205080304" pitchFamily="17" charset="-128"/>
                 <a:cs typeface="Times New Roman" panose="02020603050405020304" pitchFamily="18" charset="0"/>
               </a:rPr>
               <a:t>openstack_driver:no</a:t>
             </a:r>
-            <a:endParaRPr kumimoji="0" lang="ja-JP" altLang="en-US" sz="1050" b="0" i="0" u="none" strike="noStrike" kern="100" cap="none" spc="0" normalizeH="0" baseline="0" noProof="0" dirty="0">
-              <a:ln>
-                <a:noFill/>
-              </a:ln>
+            <a:endParaRPr kumimoji="0" lang="en-US" sz="900" kern="100" dirty="0">
               <a:solidFill>
                 <a:sysClr val="window" lastClr="FFFFFF"/>
               </a:solidFill>
-              <a:effectLst/>
-              <a:uLnTx/>
-              <a:uFillTx/>
-              <a:latin typeface="Century"/>
+              <a:latin typeface="Arial" panose="020B0604020202020204" pitchFamily="34" charset="0"/>
               <a:ea typeface="ＭＳ 明朝" panose="02020609040205080304" pitchFamily="17" charset="-128"/>
               <a:cs typeface="Times New Roman" panose="02020603050405020304" pitchFamily="18" charset="0"/>
             </a:endParaRPr>
           </a:p>
           <a:p>
-            <a:pPr marL="0" marR="0" lvl="0" indent="0" algn="l" defTabSz="914400" eaLnBrk="1" fontAlgn="auto" latinLnBrk="0" hangingPunct="1">
+            <a:pPr lvl="0">
               <a:lnSpc>
                 <a:spcPts val="900"/>
               </a:lnSpc>
-              <a:spcBef>
-                <a:spcPts val="0"/>
-              </a:spcBef>
-              <a:spcAft>
-                <a:spcPts val="0"/>
-              </a:spcAft>
-              <a:buClrTx/>
-              <a:buSzTx/>
-              <a:buFontTx/>
-              <a:buNone/>
-              <a:tabLst/>
               <a:defRPr/>
             </a:pPr>
             <a:r>
-              <a:rPr kumimoji="0" lang="en-US" sz="900" b="0" i="0" u="none" strike="noStrike" kern="100" cap="none" spc="0" normalizeH="0" baseline="0" noProof="0" dirty="0" err="1">
-                <a:ln>
-                  <a:noFill/>
-                </a:ln>
+              <a:rPr kumimoji="0" lang="en-US" sz="900" kern="100" dirty="0" err="1">
                 <a:solidFill>
                   <a:sysClr val="window" lastClr="FFFFFF"/>
                 </a:solidFill>
-                <a:effectLst/>
-                <a:uLnTx/>
-                <a:uFillTx/>
                 <a:latin typeface="Arial" panose="020B0604020202020204" pitchFamily="34" charset="0"/>
                 <a:ea typeface="ＭＳ 明朝" panose="02020609040205080304" pitchFamily="17" charset="-128"/>
                 <a:cs typeface="Times New Roman" panose="02020603050405020304" pitchFamily="18" charset="0"/>
               </a:rPr>
               <a:t>dsc_driver:no</a:t>
             </a:r>
-            <a:endParaRPr kumimoji="0" lang="ja-JP" altLang="en-US" sz="1050" b="0" i="0" u="none" strike="noStrike" kern="100" cap="none" spc="0" normalizeH="0" baseline="0" noProof="0" dirty="0">
-              <a:ln>
-                <a:noFill/>
-              </a:ln>
+            <a:endParaRPr kumimoji="0" lang="en-US" sz="900" kern="100" dirty="0">
               <a:solidFill>
                 <a:sysClr val="window" lastClr="FFFFFF"/>
               </a:solidFill>
-              <a:effectLst/>
-              <a:uLnTx/>
-              <a:uFillTx/>
-              <a:latin typeface="Century"/>
-              <a:ea typeface="ＭＳ 明朝" panose="02020609040205080304" pitchFamily="17" charset="-128"/>
-              <a:cs typeface="Times New Roman" panose="02020603050405020304" pitchFamily="18" charset="0"/>
-            </a:endParaRPr>
-          </a:p>
-          <a:p>
-            <a:pPr marL="0" marR="0" lvl="0" indent="0" algn="l" defTabSz="914400" eaLnBrk="1" fontAlgn="auto" latinLnBrk="0" hangingPunct="1">
-              <a:lnSpc>
-                <a:spcPts val="900"/>
-              </a:lnSpc>
-              <a:spcBef>
-                <a:spcPts val="0"/>
-              </a:spcBef>
-              <a:spcAft>
-                <a:spcPts val="0"/>
-              </a:spcAft>
-              <a:buClrTx/>
-              <a:buSzTx/>
-              <a:buFontTx/>
-              <a:buNone/>
-              <a:tabLst/>
-              <a:defRPr/>
-            </a:pPr>
-            <a:r>
-              <a:rPr kumimoji="0" lang="en-US" sz="900" b="0" i="0" u="none" strike="noStrike" kern="100" cap="none" spc="0" normalizeH="0" baseline="0" noProof="0" dirty="0" err="1">
-                <a:ln>
-                  <a:noFill/>
-                </a:ln>
-                <a:solidFill>
-                  <a:sysClr val="window" lastClr="FFFFFF"/>
-                </a:solidFill>
-                <a:effectLst/>
-                <a:uLnTx/>
-                <a:uFillTx/>
-                <a:latin typeface="Arial" panose="020B0604020202020204" pitchFamily="34" charset="0"/>
-                <a:ea typeface="ＭＳ 明朝" panose="02020609040205080304" pitchFamily="17" charset="-128"/>
-                <a:cs typeface="Times New Roman" panose="02020603050405020304" pitchFamily="18" charset="0"/>
-              </a:rPr>
-              <a:t>ansibletower_driver:no</a:t>
-            </a:r>
-            <a:endParaRPr kumimoji="0" lang="ja-JP" altLang="en-US" sz="1050" b="0" i="0" u="none" strike="noStrike" kern="100" cap="none" spc="0" normalizeH="0" baseline="0" noProof="0" dirty="0">
-              <a:ln>
-                <a:noFill/>
-              </a:ln>
-              <a:solidFill>
-                <a:sysClr val="window" lastClr="FFFFFF"/>
-              </a:solidFill>
-              <a:effectLst/>
-              <a:uLnTx/>
-              <a:uFillTx/>
-              <a:latin typeface="Century"/>
-              <a:ea typeface="ＭＳ 明朝" panose="02020609040205080304" pitchFamily="17" charset="-128"/>
-              <a:cs typeface="Times New Roman" panose="02020603050405020304" pitchFamily="18" charset="0"/>
-            </a:endParaRPr>
-          </a:p>
-          <a:p>
-            <a:pPr marL="0" marR="0" lvl="0" indent="0" algn="l" defTabSz="914400" eaLnBrk="1" fontAlgn="auto" latinLnBrk="0" hangingPunct="1">
-              <a:lnSpc>
-                <a:spcPts val="900"/>
-              </a:lnSpc>
-              <a:spcBef>
-                <a:spcPts val="0"/>
-              </a:spcBef>
-              <a:spcAft>
-                <a:spcPts val="0"/>
-              </a:spcAft>
-              <a:buClrTx/>
-              <a:buSzTx/>
-              <a:buFontTx/>
-              <a:buNone/>
-              <a:tabLst/>
-              <a:defRPr/>
-            </a:pPr>
-            <a:r>
-              <a:rPr kumimoji="0" lang="en-US" sz="900" b="0" i="0" u="none" strike="noStrike" kern="100" cap="none" spc="0" normalizeH="0" baseline="0" noProof="0" dirty="0">
-                <a:ln>
-                  <a:noFill/>
-                </a:ln>
-                <a:solidFill>
-                  <a:sysClr val="window" lastClr="FFFFFF"/>
-                </a:solidFill>
-                <a:effectLst/>
-                <a:uLnTx/>
-                <a:uFillTx/>
-                <a:latin typeface="Arial" panose="020B0604020202020204" pitchFamily="34" charset="0"/>
-                <a:ea typeface="ＭＳ 明朝" panose="02020609040205080304" pitchFamily="17" charset="-128"/>
-                <a:cs typeface="Times New Roman" panose="02020603050405020304" pitchFamily="18" charset="0"/>
-              </a:rPr>
-              <a:t> </a:t>
-            </a:r>
-            <a:endParaRPr kumimoji="0" lang="ja-JP" altLang="en-US" sz="1050" b="0" i="0" u="none" strike="noStrike" kern="100" cap="none" spc="0" normalizeH="0" baseline="0" noProof="0" dirty="0">
-              <a:ln>
-                <a:noFill/>
-              </a:ln>
-              <a:solidFill>
-                <a:sysClr val="window" lastClr="FFFFFF"/>
-              </a:solidFill>
-              <a:effectLst/>
-              <a:uLnTx/>
-              <a:uFillTx/>
-              <a:latin typeface="Century"/>
+              <a:latin typeface="Arial" panose="020B0604020202020204" pitchFamily="34" charset="0"/>
               <a:ea typeface="ＭＳ 明朝" panose="02020609040205080304" pitchFamily="17" charset="-128"/>
               <a:cs typeface="Times New Roman" panose="02020603050405020304" pitchFamily="18" charset="0"/>
             </a:endParaRPr>
@@ -26337,7 +25239,7 @@
       </p:sp>
       <p:sp>
         <p:nvSpPr>
-          <p:cNvPr id="6" name="角丸四角形 5"/>
+          <p:cNvPr id="13" name="角丸四角形 12"/>
           <p:cNvSpPr/>
           <p:nvPr/>
         </p:nvSpPr>
@@ -26378,13 +25280,13 @@
               <a:t>　 </a:t>
             </a:r>
             <a:r>
-              <a:rPr lang="en-US" altLang="ja-JP" sz="1200" b="1" dirty="0" smtClean="0">
+              <a:rPr lang="en-US" altLang="ja-JP" sz="1200" b="1" dirty="0">
                 <a:solidFill>
                   <a:srgbClr val="FF0000"/>
                 </a:solidFill>
                 <a:latin typeface="+mn-ea"/>
               </a:rPr>
-              <a:t>MySQL</a:t>
+              <a:t>MariaDB</a:t>
             </a:r>
             <a:r>
               <a:rPr lang="ja-JP" altLang="en-US" sz="1200" b="1" dirty="0" smtClean="0">
@@ -26424,7 +25326,7 @@
       </p:sp>
       <p:grpSp>
         <p:nvGrpSpPr>
-          <p:cNvPr id="7" name="グループ化 6"/>
+          <p:cNvPr id="14" name="グループ化 13"/>
           <p:cNvGrpSpPr/>
           <p:nvPr/>
         </p:nvGrpSpPr>
@@ -26438,7 +25340,7 @@
         </p:grpSpPr>
         <p:sp>
           <p:nvSpPr>
-            <p:cNvPr id="8" name="円/楕円 44"/>
+            <p:cNvPr id="15" name="円/楕円 44"/>
             <p:cNvSpPr/>
             <p:nvPr/>
           </p:nvSpPr>
@@ -26500,7 +25402,7 @@
         </p:sp>
         <p:sp>
           <p:nvSpPr>
-            <p:cNvPr id="9" name="テキスト ボックス 8"/>
+            <p:cNvPr id="16" name="テキスト ボックス 15"/>
             <p:cNvSpPr txBox="1"/>
             <p:nvPr/>
           </p:nvSpPr>
@@ -26900,13 +25802,13 @@
       </p:grpSp>
       <p:sp>
         <p:nvSpPr>
-          <p:cNvPr id="10" name="正方形/長方形 9"/>
+          <p:cNvPr id="17" name="正方形/長方形 16"/>
           <p:cNvSpPr/>
           <p:nvPr/>
         </p:nvSpPr>
         <p:spPr>
           <a:xfrm>
-            <a:off x="2456814" y="3438809"/>
+            <a:off x="2456814" y="3501200"/>
             <a:ext cx="3699405" cy="1368000"/>
           </a:xfrm>
           <a:prstGeom prst="rect">
@@ -26951,7 +25853,7 @@
       </p:sp>
       <p:cxnSp>
         <p:nvCxnSpPr>
-          <p:cNvPr id="11" name="直線コネクタ 10"/>
+          <p:cNvPr id="18" name="直線コネクタ 17"/>
           <p:cNvCxnSpPr/>
           <p:nvPr/>
         </p:nvCxnSpPr>
@@ -28173,21 +27075,21 @@
       </p:sp>
       <p:graphicFrame>
         <p:nvGraphicFramePr>
-          <p:cNvPr id="6" name="表 5"/>
+          <p:cNvPr id="5" name="表 4"/>
           <p:cNvGraphicFramePr>
             <a:graphicFrameLocks noGrp="1"/>
           </p:cNvGraphicFramePr>
           <p:nvPr>
             <p:extLst>
               <p:ext uri="{D42A27DB-BD31-4B8C-83A1-F6EECF244321}">
-                <p14:modId xmlns:p14="http://schemas.microsoft.com/office/powerpoint/2010/main" val="2476286084"/>
+                <p14:modId xmlns:p14="http://schemas.microsoft.com/office/powerpoint/2010/main" val="3744251435"/>
               </p:ext>
             </p:extLst>
           </p:nvPr>
         </p:nvGraphicFramePr>
         <p:xfrm>
-          <a:off x="1043511" y="1844780"/>
-          <a:ext cx="7128989" cy="4599261"/>
+          <a:off x="631300" y="1700760"/>
+          <a:ext cx="6569989" cy="4599261"/>
         </p:xfrm>
         <a:graphic>
           <a:graphicData uri="http://schemas.openxmlformats.org/drawingml/2006/table">
@@ -28196,24 +27098,24 @@
                 <a:tableStyleId>{5C22544A-7EE6-4342-B048-85BDC9FD1C3A}</a:tableStyleId>
               </a:tblPr>
               <a:tblGrid>
-                <a:gridCol w="1940843">
+                <a:gridCol w="1800249">
                   <a:extLst>
                     <a:ext uri="{9D8B030D-6E8A-4147-A177-3AD203B41FA5}">
-                      <a16:colId xmlns:a16="http://schemas.microsoft.com/office/drawing/2014/main" val="20000"/>
+                      <a16:colId xmlns="" xmlns:a16="http://schemas.microsoft.com/office/drawing/2014/main" val="20000"/>
                     </a:ext>
                   </a:extLst>
                 </a:gridCol>
-                <a:gridCol w="1932823">
+                <a:gridCol w="1514417">
                   <a:extLst>
                     <a:ext uri="{9D8B030D-6E8A-4147-A177-3AD203B41FA5}">
-                      <a16:colId xmlns:a16="http://schemas.microsoft.com/office/drawing/2014/main" val="20001"/>
+                      <a16:colId xmlns="" xmlns:a16="http://schemas.microsoft.com/office/drawing/2014/main" val="20001"/>
                     </a:ext>
                   </a:extLst>
                 </a:gridCol>
                 <a:gridCol w="3255323">
                   <a:extLst>
                     <a:ext uri="{9D8B030D-6E8A-4147-A177-3AD203B41FA5}">
-                      <a16:colId xmlns:a16="http://schemas.microsoft.com/office/drawing/2014/main" val="20002"/>
+                      <a16:colId xmlns="" xmlns:a16="http://schemas.microsoft.com/office/drawing/2014/main" val="20002"/>
                     </a:ext>
                   </a:extLst>
                 </a:gridCol>
@@ -28311,7 +27213,7 @@
                 </a:tc>
                 <a:extLst>
                   <a:ext uri="{0D108BD9-81ED-4DB2-BD59-A6C34878D82A}">
-                    <a16:rowId xmlns:a16="http://schemas.microsoft.com/office/drawing/2014/main" val="10000"/>
+                    <a16:rowId xmlns="" xmlns:a16="http://schemas.microsoft.com/office/drawing/2014/main" val="10000"/>
                   </a:ext>
                 </a:extLst>
               </a:tr>
@@ -28420,7 +27322,7 @@
                 </a:tc>
                 <a:extLst>
                   <a:ext uri="{0D108BD9-81ED-4DB2-BD59-A6C34878D82A}">
-                    <a16:rowId xmlns:a16="http://schemas.microsoft.com/office/drawing/2014/main" val="10001"/>
+                    <a16:rowId xmlns="" xmlns:a16="http://schemas.microsoft.com/office/drawing/2014/main" val="10001"/>
                   </a:ext>
                 </a:extLst>
               </a:tr>
@@ -28559,7 +27461,7 @@
                 </a:tc>
                 <a:extLst>
                   <a:ext uri="{0D108BD9-81ED-4DB2-BD59-A6C34878D82A}">
-                    <a16:rowId xmlns:a16="http://schemas.microsoft.com/office/drawing/2014/main" val="10002"/>
+                    <a16:rowId xmlns="" xmlns:a16="http://schemas.microsoft.com/office/drawing/2014/main" val="10002"/>
                   </a:ext>
                 </a:extLst>
               </a:tr>
@@ -28605,12 +27507,18 @@
                         </a:spcAft>
                       </a:pPr>
                       <a:r>
-                        <a:rPr lang="en-US" sz="1050" kern="100" dirty="0">
-                          <a:effectLst/>
-                        </a:rPr>
-                        <a:t>MySQL</a:t>
+                        <a:rPr lang="en-US" sz="1050" kern="100" dirty="0" smtClean="0">
+                          <a:solidFill>
+                            <a:schemeClr val="tx1"/>
+                          </a:solidFill>
+                          <a:effectLst/>
+                        </a:rPr>
+                        <a:t>MariaDB</a:t>
                       </a:r>
                       <a:endParaRPr lang="ja-JP" sz="1050" kern="100" dirty="0">
+                        <a:solidFill>
+                          <a:schemeClr val="tx1"/>
+                        </a:solidFill>
                         <a:effectLst/>
                         <a:latin typeface="Century" panose="02040604050505020304" pitchFamily="18" charset="0"/>
                         <a:ea typeface="ＭＳ 明朝" panose="02020609040205080304" pitchFamily="17" charset="-128"/>
@@ -28635,29 +27543,50 @@
                         </a:spcAft>
                       </a:pPr>
                       <a:r>
-                        <a:rPr lang="en-US" sz="1050" kern="100" dirty="0">
-                          <a:effectLst/>
-                        </a:rPr>
-                        <a:t>mysql-community-server</a:t>
-                      </a:r>
-                      <a:r>
-                        <a:rPr lang="ja-JP" sz="1050" kern="100" dirty="0">
+                        <a:rPr lang="fr-FR" sz="1050" kern="100" dirty="0" smtClean="0">
+                          <a:solidFill>
+                            <a:schemeClr val="tx1"/>
+                          </a:solidFill>
+                          <a:effectLst/>
+                        </a:rPr>
+                        <a:t>MariaDB</a:t>
+                      </a:r>
+                      <a:r>
+                        <a:rPr lang="ja-JP" altLang="en-US" sz="1050" kern="100" dirty="0" smtClean="0">
+                          <a:solidFill>
+                            <a:schemeClr val="tx1"/>
+                          </a:solidFill>
                           <a:effectLst/>
                         </a:rPr>
                         <a:t>、</a:t>
                       </a:r>
                       <a:r>
-                        <a:rPr lang="en-US" sz="1050" kern="100" dirty="0">
-                          <a:effectLst/>
-                        </a:rPr>
-                        <a:t>expect pexpect,pywinrm</a:t>
-                      </a:r>
-                      <a:endParaRPr lang="ja-JP" sz="1050" kern="100" dirty="0">
-                        <a:effectLst/>
-                        <a:latin typeface="Century" panose="02040604050505020304" pitchFamily="18" charset="0"/>
-                        <a:ea typeface="ＭＳ 明朝" panose="02020609040205080304" pitchFamily="17" charset="-128"/>
-                        <a:cs typeface="Times New Roman" panose="02020603050405020304" pitchFamily="18" charset="0"/>
-                      </a:endParaRPr>
+                        <a:rPr lang="fr-FR" sz="1050" kern="100" dirty="0" smtClean="0">
+                          <a:solidFill>
+                            <a:schemeClr val="tx1"/>
+                          </a:solidFill>
+                          <a:effectLst/>
+                        </a:rPr>
+                        <a:t>MariaDB-server</a:t>
+                      </a:r>
+                      <a:r>
+                        <a:rPr lang="ja-JP" altLang="en-US" sz="1050" kern="100" dirty="0" smtClean="0">
+                          <a:solidFill>
+                            <a:schemeClr val="tx1"/>
+                          </a:solidFill>
+                          <a:effectLst/>
+                        </a:rPr>
+                        <a:t>、</a:t>
+                      </a:r>
+                      <a:r>
+                        <a:rPr lang="fr-FR" sz="1050" kern="100" dirty="0" smtClean="0">
+                          <a:solidFill>
+                            <a:schemeClr val="tx1"/>
+                          </a:solidFill>
+                          <a:effectLst/>
+                        </a:rPr>
+                        <a:t>expect</a:t>
+                      </a:r>
                     </a:p>
                   </a:txBody>
                   <a:tcPr marL="68580" marR="68580" marT="0" marB="0" anchor="ctr">
@@ -28668,7 +27597,7 @@
                 </a:tc>
                 <a:extLst>
                   <a:ext uri="{0D108BD9-81ED-4DB2-BD59-A6C34878D82A}">
-                    <a16:rowId xmlns:a16="http://schemas.microsoft.com/office/drawing/2014/main" val="10003"/>
+                    <a16:rowId xmlns="" xmlns:a16="http://schemas.microsoft.com/office/drawing/2014/main" val="10003"/>
                   </a:ext>
                 </a:extLst>
               </a:tr>
@@ -28777,7 +27706,7 @@
                 </a:tc>
                 <a:extLst>
                   <a:ext uri="{0D108BD9-81ED-4DB2-BD59-A6C34878D82A}">
-                    <a16:rowId xmlns:a16="http://schemas.microsoft.com/office/drawing/2014/main" val="10004"/>
+                    <a16:rowId xmlns="" xmlns:a16="http://schemas.microsoft.com/office/drawing/2014/main" val="10004"/>
                   </a:ext>
                 </a:extLst>
               </a:tr>
@@ -28919,25 +27848,16 @@
                         <a:t>php-mcrypt</a:t>
                       </a:r>
                       <a:r>
-                        <a:rPr lang="ja-JP" sz="1050" kern="100" dirty="0">
+                        <a:rPr lang="ja-JP" sz="1050" kern="100" dirty="0" smtClean="0">
                           <a:effectLst/>
                         </a:rPr>
                         <a:t>、</a:t>
                       </a:r>
                       <a:r>
-                        <a:rPr lang="en-US" sz="1050" kern="100" dirty="0">
-                          <a:effectLst/>
-                        </a:rPr>
-                        <a:t>php-mysql</a:t>
-                      </a:r>
-                      <a:r>
-                        <a:rPr lang="ja-JP" sz="1050" kern="100" dirty="0">
-                          <a:effectLst/>
-                        </a:rPr>
-                        <a:t>、</a:t>
-                      </a:r>
-                      <a:r>
-                        <a:rPr lang="en-US" sz="1050" kern="100" dirty="0">
+                        <a:rPr lang="en-US" sz="1050" kern="100" dirty="0" smtClean="0">
+                          <a:solidFill>
+                            <a:schemeClr val="tx1"/>
+                          </a:solidFill>
                           <a:effectLst/>
                         </a:rPr>
                         <a:t>php-mysqlnd</a:t>
@@ -29030,7 +27950,7 @@
                 </a:tc>
                 <a:extLst>
                   <a:ext uri="{0D108BD9-81ED-4DB2-BD59-A6C34878D82A}">
-                    <a16:rowId xmlns:a16="http://schemas.microsoft.com/office/drawing/2014/main" val="10005"/>
+                    <a16:rowId xmlns="" xmlns:a16="http://schemas.microsoft.com/office/drawing/2014/main" val="10005"/>
                   </a:ext>
                 </a:extLst>
               </a:tr>
@@ -29118,7 +28038,19 @@
                         <a:rPr lang="en-US" sz="1050" kern="100" dirty="0">
                           <a:effectLst/>
                         </a:rPr>
-                        <a:t>PHPExcel, Spyc, Twig, MDB2, HTTP_Request2, Auth, HTML_AJAX-beta</a:t>
+                        <a:t>PHPExcel, Spyc, Twig</a:t>
+                      </a:r>
+                      <a:r>
+                        <a:rPr lang="en-US" sz="1050" kern="100" dirty="0" smtClean="0">
+                          <a:effectLst/>
+                        </a:rPr>
+                        <a:t>, </a:t>
+                      </a:r>
+                      <a:r>
+                        <a:rPr lang="en-US" sz="1050" kern="100" dirty="0">
+                          <a:effectLst/>
+                        </a:rPr>
+                        <a:t>Auth, HTML_AJAX-beta</a:t>
                       </a:r>
                       <a:endParaRPr lang="ja-JP" sz="1050" kern="100" dirty="0">
                         <a:effectLst/>
@@ -29136,7 +28068,7 @@
                 </a:tc>
                 <a:extLst>
                   <a:ext uri="{0D108BD9-81ED-4DB2-BD59-A6C34878D82A}">
-                    <a16:rowId xmlns:a16="http://schemas.microsoft.com/office/drawing/2014/main" val="10006"/>
+                    <a16:rowId xmlns="" xmlns:a16="http://schemas.microsoft.com/office/drawing/2014/main" val="10006"/>
                   </a:ext>
                 </a:extLst>
               </a:tr>
@@ -29233,7 +28165,7 @@
                 </a:tc>
                 <a:extLst>
                   <a:ext uri="{0D108BD9-81ED-4DB2-BD59-A6C34878D82A}">
-                    <a16:rowId xmlns:a16="http://schemas.microsoft.com/office/drawing/2014/main" val="10007"/>
+                    <a16:rowId xmlns="" xmlns:a16="http://schemas.microsoft.com/office/drawing/2014/main" val="10007"/>
                   </a:ext>
                 </a:extLst>
               </a:tr>
@@ -29342,7 +28274,7 @@
                 </a:tc>
                 <a:extLst>
                   <a:ext uri="{0D108BD9-81ED-4DB2-BD59-A6C34878D82A}">
-                    <a16:rowId xmlns:a16="http://schemas.microsoft.com/office/drawing/2014/main" val="10008"/>
+                    <a16:rowId xmlns="" xmlns:a16="http://schemas.microsoft.com/office/drawing/2014/main" val="10008"/>
                   </a:ext>
                 </a:extLst>
               </a:tr>
@@ -29418,10 +28350,34 @@
                         </a:spcAft>
                       </a:pPr>
                       <a:r>
+                        <a:rPr lang="en-US" sz="1050" kern="100" dirty="0" smtClean="0">
+                          <a:effectLst/>
+                        </a:rPr>
+                        <a:t>cobbler</a:t>
+                      </a:r>
+                      <a:r>
+                        <a:rPr lang="ja-JP" sz="1050" kern="100" dirty="0" smtClean="0">
+                          <a:effectLst/>
+                        </a:rPr>
+                        <a:t>、</a:t>
+                      </a:r>
+                      <a:r>
+                        <a:rPr lang="en-US" sz="1050" kern="100" dirty="0" smtClean="0">
+                          <a:effectLst/>
+                        </a:rPr>
+                        <a:t>dhcp</a:t>
+                      </a:r>
+                      <a:r>
+                        <a:rPr lang="ja-JP" sz="1050" kern="100" dirty="0">
+                          <a:effectLst/>
+                        </a:rPr>
+                        <a:t>、</a:t>
+                      </a:r>
+                      <a:r>
                         <a:rPr lang="en-US" sz="1050" kern="100" dirty="0">
                           <a:effectLst/>
                         </a:rPr>
-                        <a:t>cobbler</a:t>
+                        <a:t>pykickstart</a:t>
                       </a:r>
                       <a:r>
                         <a:rPr lang="ja-JP" sz="1050" kern="100" dirty="0">
@@ -29430,10 +28386,22 @@
                         <a:t>、</a:t>
                       </a:r>
                       <a:r>
-                        <a:rPr lang="en-US" sz="1050" kern="100" dirty="0">
-                          <a:effectLst/>
-                        </a:rPr>
-                        <a:t>cobbler-web</a:t>
+                        <a:rPr lang="en-US" sz="1050" kern="100" dirty="0" smtClean="0">
+                          <a:effectLst/>
+                        </a:rPr>
+                        <a:t>fence-agents</a:t>
+                      </a:r>
+                      <a:r>
+                        <a:rPr lang="ja-JP" sz="1050" kern="100" dirty="0" smtClean="0">
+                          <a:effectLst/>
+                        </a:rPr>
+                        <a:t>、</a:t>
+                      </a:r>
+                      <a:r>
+                        <a:rPr lang="en-US" sz="1050" kern="100" dirty="0" smtClean="0">
+                          <a:effectLst/>
+                        </a:rPr>
+                        <a:t>debmirror</a:t>
                       </a:r>
                       <a:r>
                         <a:rPr lang="ja-JP" sz="1050" kern="100" dirty="0">
@@ -29442,64 +28410,37 @@
                         <a:t>、</a:t>
                       </a:r>
                       <a:r>
-                        <a:rPr lang="en-US" sz="1050" kern="100" dirty="0">
-                          <a:effectLst/>
-                        </a:rPr>
-                        <a:t>dhcp</a:t>
-                      </a:r>
-                      <a:r>
-                        <a:rPr lang="ja-JP" sz="1050" kern="100" dirty="0">
+                        <a:rPr lang="en-US" sz="1050" kern="100" dirty="0" smtClean="0">
+                          <a:effectLst/>
+                        </a:rPr>
+                        <a:t>xinetd</a:t>
+                      </a:r>
+                      <a:r>
+                        <a:rPr lang="ja-JP" altLang="en-US" sz="1050" kern="100" dirty="0" smtClean="0">
                           <a:effectLst/>
                         </a:rPr>
                         <a:t>、</a:t>
                       </a:r>
                       <a:r>
-                        <a:rPr lang="en-US" sz="1050" kern="100" dirty="0">
-                          <a:effectLst/>
-                        </a:rPr>
-                        <a:t>pykickstart</a:t>
-                      </a:r>
-                      <a:r>
-                        <a:rPr lang="ja-JP" sz="1050" kern="100" dirty="0">
+                        <a:rPr lang="en-US" altLang="ja-JP" sz="1050" kern="100" dirty="0" smtClean="0">
+                          <a:effectLst/>
+                        </a:rPr>
+                        <a:t>cobbler-web(※1)</a:t>
+                      </a:r>
+                      <a:r>
+                        <a:rPr lang="ja-JP" altLang="ja-JP" sz="1050" kern="100" dirty="0" smtClean="0">
                           <a:effectLst/>
                         </a:rPr>
                         <a:t>、</a:t>
                       </a:r>
                       <a:r>
-                        <a:rPr lang="en-US" sz="1050" kern="100" dirty="0">
-                          <a:effectLst/>
-                        </a:rPr>
-                        <a:t>fence-agents</a:t>
-                      </a:r>
-                      <a:r>
-                        <a:rPr lang="ja-JP" sz="1050" kern="100" dirty="0">
-                          <a:effectLst/>
-                        </a:rPr>
-                        <a:t>、</a:t>
-                      </a:r>
-                      <a:r>
-                        <a:rPr lang="en-US" sz="1050" kern="100" dirty="0">
-                          <a:effectLst/>
-                        </a:rPr>
-                        <a:t>debmirror</a:t>
-                      </a:r>
-                      <a:r>
-                        <a:rPr lang="ja-JP" sz="1050" kern="100" dirty="0">
-                          <a:effectLst/>
-                        </a:rPr>
-                        <a:t>、</a:t>
-                      </a:r>
-                      <a:r>
-                        <a:rPr lang="en-US" sz="1050" kern="100" dirty="0">
-                          <a:effectLst/>
-                        </a:rPr>
-                        <a:t>xinetd</a:t>
-                      </a:r>
-                      <a:endParaRPr lang="ja-JP" sz="1050" kern="100" dirty="0">
+                        <a:rPr lang="en-US" altLang="ja-JP" sz="1050" kern="100" dirty="0" smtClean="0">
+                          <a:effectLst/>
+                        </a:rPr>
+                        <a:t>python-cheetah(※2)</a:t>
+                      </a:r>
+                      <a:endParaRPr lang="en-US" sz="1050" kern="100" dirty="0" smtClean="0">
                         <a:effectLst/>
-                        <a:latin typeface="Century" panose="02040604050505020304" pitchFamily="18" charset="0"/>
-                        <a:ea typeface="ＭＳ 明朝" panose="02020609040205080304" pitchFamily="17" charset="-128"/>
-                        <a:cs typeface="Times New Roman" panose="02020603050405020304" pitchFamily="18" charset="0"/>
                       </a:endParaRPr>
                     </a:p>
                   </a:txBody>
@@ -29511,7 +28452,7 @@
                 </a:tc>
                 <a:extLst>
                   <a:ext uri="{0D108BD9-81ED-4DB2-BD59-A6C34878D82A}">
-                    <a16:rowId xmlns:a16="http://schemas.microsoft.com/office/drawing/2014/main" val="10009"/>
+                    <a16:rowId xmlns="" xmlns:a16="http://schemas.microsoft.com/office/drawing/2014/main" val="10009"/>
                   </a:ext>
                 </a:extLst>
               </a:tr>
@@ -29519,6 +28460,52 @@
           </a:graphicData>
         </a:graphic>
       </p:graphicFrame>
+      <p:sp>
+        <p:nvSpPr>
+          <p:cNvPr id="7" name="テキスト ボックス 6"/>
+          <p:cNvSpPr txBox="1"/>
+          <p:nvPr/>
+        </p:nvSpPr>
+        <p:spPr>
+          <a:xfrm>
+            <a:off x="7201289" y="5776440"/>
+            <a:ext cx="1835331" cy="400110"/>
+          </a:xfrm>
+          <a:prstGeom prst="rect">
+            <a:avLst/>
+          </a:prstGeom>
+          <a:noFill/>
+        </p:spPr>
+        <p:txBody>
+          <a:bodyPr wrap="square" rtlCol="0">
+            <a:spAutoFit/>
+          </a:bodyPr>
+          <a:lstStyle/>
+          <a:p>
+            <a:pPr algn="just">
+              <a:spcAft>
+                <a:spcPts val="0"/>
+              </a:spcAft>
+            </a:pPr>
+            <a:r>
+              <a:rPr lang="en-US" altLang="ja-JP" sz="1000" kern="100" dirty="0" smtClean="0"/>
+              <a:t>※1 RHEL7,CentOS7</a:t>
+            </a:r>
+          </a:p>
+          <a:p>
+            <a:pPr algn="just">
+              <a:spcAft>
+                <a:spcPts val="0"/>
+              </a:spcAft>
+            </a:pPr>
+            <a:r>
+              <a:rPr lang="en-US" altLang="ja-JP" sz="1000" kern="100" dirty="0" smtClean="0"/>
+              <a:t>※2 RHEL7</a:t>
+            </a:r>
+            <a:endParaRPr lang="en-US" altLang="ja-JP" sz="1000" kern="100" dirty="0"/>
+          </a:p>
+        </p:txBody>
+      </p:sp>
     </p:spTree>
     <p:extLst>
       <p:ext uri="{BB962C8B-B14F-4D97-AF65-F5344CB8AC3E}">
@@ -29891,7 +28878,7 @@
                 <a:gridCol w="5485765">
                   <a:extLst>
                     <a:ext uri="{9D8B030D-6E8A-4147-A177-3AD203B41FA5}">
-                      <a16:colId xmlns:a16="http://schemas.microsoft.com/office/drawing/2014/main" val="20000"/>
+                      <a16:colId xmlns="" xmlns:a16="http://schemas.microsoft.com/office/drawing/2014/main" val="20000"/>
                     </a:ext>
                   </a:extLst>
                 </a:gridCol>
@@ -29929,7 +28916,7 @@
                 </a:tc>
                 <a:extLst>
                   <a:ext uri="{0D108BD9-81ED-4DB2-BD59-A6C34878D82A}">
-                    <a16:rowId xmlns:a16="http://schemas.microsoft.com/office/drawing/2014/main" val="10000"/>
+                    <a16:rowId xmlns="" xmlns:a16="http://schemas.microsoft.com/office/drawing/2014/main" val="10000"/>
                   </a:ext>
                 </a:extLst>
               </a:tr>
@@ -29965,7 +28952,7 @@
                 <a:gridCol w="5485765">
                   <a:extLst>
                     <a:ext uri="{9D8B030D-6E8A-4147-A177-3AD203B41FA5}">
-                      <a16:colId xmlns:a16="http://schemas.microsoft.com/office/drawing/2014/main" val="20000"/>
+                      <a16:colId xmlns="" xmlns:a16="http://schemas.microsoft.com/office/drawing/2014/main" val="20000"/>
                     </a:ext>
                   </a:extLst>
                 </a:gridCol>
@@ -30126,7 +29113,7 @@
                 </a:tc>
                 <a:extLst>
                   <a:ext uri="{0D108BD9-81ED-4DB2-BD59-A6C34878D82A}">
-                    <a16:rowId xmlns:a16="http://schemas.microsoft.com/office/drawing/2014/main" val="10000"/>
+                    <a16:rowId xmlns="" xmlns:a16="http://schemas.microsoft.com/office/drawing/2014/main" val="10000"/>
                   </a:ext>
                 </a:extLst>
               </a:tr>
@@ -30767,21 +29754,21 @@
                 <a:gridCol w="1581792">
                   <a:extLst>
                     <a:ext uri="{9D8B030D-6E8A-4147-A177-3AD203B41FA5}">
-                      <a16:colId xmlns:a16="http://schemas.microsoft.com/office/drawing/2014/main" val="20000"/>
+                      <a16:colId xmlns="" xmlns:a16="http://schemas.microsoft.com/office/drawing/2014/main" val="20000"/>
                     </a:ext>
                   </a:extLst>
                 </a:gridCol>
                 <a:gridCol w="3269829">
                   <a:extLst>
                     <a:ext uri="{9D8B030D-6E8A-4147-A177-3AD203B41FA5}">
-                      <a16:colId xmlns:a16="http://schemas.microsoft.com/office/drawing/2014/main" val="20001"/>
+                      <a16:colId xmlns="" xmlns:a16="http://schemas.microsoft.com/office/drawing/2014/main" val="20001"/>
                     </a:ext>
                   </a:extLst>
                 </a:gridCol>
                 <a:gridCol w="1877461">
                   <a:extLst>
                     <a:ext uri="{9D8B030D-6E8A-4147-A177-3AD203B41FA5}">
-                      <a16:colId xmlns:a16="http://schemas.microsoft.com/office/drawing/2014/main" val="20002"/>
+                      <a16:colId xmlns="" xmlns:a16="http://schemas.microsoft.com/office/drawing/2014/main" val="20002"/>
                     </a:ext>
                   </a:extLst>
                 </a:gridCol>
@@ -30897,7 +29884,7 @@
                 </a:tc>
                 <a:extLst>
                   <a:ext uri="{0D108BD9-81ED-4DB2-BD59-A6C34878D82A}">
-                    <a16:rowId xmlns:a16="http://schemas.microsoft.com/office/drawing/2014/main" val="10000"/>
+                    <a16:rowId xmlns="" xmlns:a16="http://schemas.microsoft.com/office/drawing/2014/main" val="10000"/>
                   </a:ext>
                 </a:extLst>
               </a:tr>
@@ -31024,7 +30011,7 @@
                 </a:tc>
                 <a:extLst>
                   <a:ext uri="{0D108BD9-81ED-4DB2-BD59-A6C34878D82A}">
-                    <a16:rowId xmlns:a16="http://schemas.microsoft.com/office/drawing/2014/main" val="10001"/>
+                    <a16:rowId xmlns="" xmlns:a16="http://schemas.microsoft.com/office/drawing/2014/main" val="10001"/>
                   </a:ext>
                 </a:extLst>
               </a:tr>
@@ -31151,7 +30138,7 @@
                 </a:tc>
                 <a:extLst>
                   <a:ext uri="{0D108BD9-81ED-4DB2-BD59-A6C34878D82A}">
-                    <a16:rowId xmlns:a16="http://schemas.microsoft.com/office/drawing/2014/main" val="10002"/>
+                    <a16:rowId xmlns="" xmlns:a16="http://schemas.microsoft.com/office/drawing/2014/main" val="10002"/>
                   </a:ext>
                 </a:extLst>
               </a:tr>
@@ -31953,6 +30940,13 @@
   <p:clrMapOvr>
     <a:masterClrMapping/>
   </p:clrMapOvr>
+  <p:timing>
+    <p:tnLst>
+      <p:par>
+        <p:cTn id="1" dur="indefinite" restart="never" nodeType="tmRoot"/>
+      </p:par>
+    </p:tnLst>
+  </p:timing>
 </p:sld>
 </file>
 
@@ -32085,14 +31079,14 @@
                 <a:gridCol w="3312460">
                   <a:extLst>
                     <a:ext uri="{9D8B030D-6E8A-4147-A177-3AD203B41FA5}">
-                      <a16:colId xmlns:a16="http://schemas.microsoft.com/office/drawing/2014/main" val="20000"/>
+                      <a16:colId xmlns="" xmlns:a16="http://schemas.microsoft.com/office/drawing/2014/main" val="20000"/>
                     </a:ext>
                   </a:extLst>
                 </a:gridCol>
                 <a:gridCol w="3312460">
                   <a:extLst>
                     <a:ext uri="{9D8B030D-6E8A-4147-A177-3AD203B41FA5}">
-                      <a16:colId xmlns:a16="http://schemas.microsoft.com/office/drawing/2014/main" val="20001"/>
+                      <a16:colId xmlns="" xmlns:a16="http://schemas.microsoft.com/office/drawing/2014/main" val="20001"/>
                     </a:ext>
                   </a:extLst>
                 </a:gridCol>
@@ -32160,7 +31154,7 @@
                 </a:tc>
                 <a:extLst>
                   <a:ext uri="{0D108BD9-81ED-4DB2-BD59-A6C34878D82A}">
-                    <a16:rowId xmlns:a16="http://schemas.microsoft.com/office/drawing/2014/main" val="10000"/>
+                    <a16:rowId xmlns="" xmlns:a16="http://schemas.microsoft.com/office/drawing/2014/main" val="10000"/>
                   </a:ext>
                 </a:extLst>
               </a:tr>
@@ -32233,7 +31227,7 @@
                 </a:tc>
                 <a:extLst>
                   <a:ext uri="{0D108BD9-81ED-4DB2-BD59-A6C34878D82A}">
-                    <a16:rowId xmlns:a16="http://schemas.microsoft.com/office/drawing/2014/main" val="10001"/>
+                    <a16:rowId xmlns="" xmlns:a16="http://schemas.microsoft.com/office/drawing/2014/main" val="10001"/>
                   </a:ext>
                 </a:extLst>
               </a:tr>
@@ -32280,7 +31274,7 @@
                 </a:tc>
                 <a:extLst>
                   <a:ext uri="{0D108BD9-81ED-4DB2-BD59-A6C34878D82A}">
-                    <a16:rowId xmlns:a16="http://schemas.microsoft.com/office/drawing/2014/main" val="10002"/>
+                    <a16:rowId xmlns="" xmlns:a16="http://schemas.microsoft.com/office/drawing/2014/main" val="10002"/>
                   </a:ext>
                 </a:extLst>
               </a:tr>
@@ -32347,7 +31341,7 @@
                 </a:tc>
                 <a:extLst>
                   <a:ext uri="{0D108BD9-81ED-4DB2-BD59-A6C34878D82A}">
-                    <a16:rowId xmlns:a16="http://schemas.microsoft.com/office/drawing/2014/main" val="10003"/>
+                    <a16:rowId xmlns="" xmlns:a16="http://schemas.microsoft.com/office/drawing/2014/main" val="10003"/>
                   </a:ext>
                 </a:extLst>
               </a:tr>
@@ -32394,7 +31388,7 @@
                 </a:tc>
                 <a:extLst>
                   <a:ext uri="{0D108BD9-81ED-4DB2-BD59-A6C34878D82A}">
-                    <a16:rowId xmlns:a16="http://schemas.microsoft.com/office/drawing/2014/main" val="10004"/>
+                    <a16:rowId xmlns="" xmlns:a16="http://schemas.microsoft.com/office/drawing/2014/main" val="10004"/>
                   </a:ext>
                 </a:extLst>
               </a:tr>
@@ -32473,7 +31467,7 @@
                 </a:tc>
                 <a:extLst>
                   <a:ext uri="{0D108BD9-81ED-4DB2-BD59-A6C34878D82A}">
-                    <a16:rowId xmlns:a16="http://schemas.microsoft.com/office/drawing/2014/main" val="10005"/>
+                    <a16:rowId xmlns="" xmlns:a16="http://schemas.microsoft.com/office/drawing/2014/main" val="10005"/>
                   </a:ext>
                 </a:extLst>
               </a:tr>
@@ -32520,7 +31514,7 @@
                 </a:tc>
                 <a:extLst>
                   <a:ext uri="{0D108BD9-81ED-4DB2-BD59-A6C34878D82A}">
-                    <a16:rowId xmlns:a16="http://schemas.microsoft.com/office/drawing/2014/main" val="10006"/>
+                    <a16:rowId xmlns="" xmlns:a16="http://schemas.microsoft.com/office/drawing/2014/main" val="10006"/>
                   </a:ext>
                 </a:extLst>
               </a:tr>
@@ -32567,7 +31561,7 @@
                 </a:tc>
                 <a:extLst>
                   <a:ext uri="{0D108BD9-81ED-4DB2-BD59-A6C34878D82A}">
-                    <a16:rowId xmlns:a16="http://schemas.microsoft.com/office/drawing/2014/main" val="10007"/>
+                    <a16:rowId xmlns="" xmlns:a16="http://schemas.microsoft.com/office/drawing/2014/main" val="10007"/>
                   </a:ext>
                 </a:extLst>
               </a:tr>
@@ -32614,7 +31608,7 @@
                 </a:tc>
                 <a:extLst>
                   <a:ext uri="{0D108BD9-81ED-4DB2-BD59-A6C34878D82A}">
-                    <a16:rowId xmlns:a16="http://schemas.microsoft.com/office/drawing/2014/main" val="10008"/>
+                    <a16:rowId xmlns="" xmlns:a16="http://schemas.microsoft.com/office/drawing/2014/main" val="10008"/>
                   </a:ext>
                 </a:extLst>
               </a:tr>
@@ -33098,17 +32092,21 @@
       </p:sp>
       <p:graphicFrame>
         <p:nvGraphicFramePr>
-          <p:cNvPr id="4" name="表 3"/>
+          <p:cNvPr id="5" name="表 4"/>
           <p:cNvGraphicFramePr>
             <a:graphicFrameLocks noGrp="1"/>
           </p:cNvGraphicFramePr>
           <p:nvPr>
-            <p:extLst/>
+            <p:extLst>
+              <p:ext uri="{D42A27DB-BD31-4B8C-83A1-F6EECF244321}">
+                <p14:modId xmlns:p14="http://schemas.microsoft.com/office/powerpoint/2010/main" val="327310381"/>
+              </p:ext>
+            </p:extLst>
           </p:nvPr>
         </p:nvGraphicFramePr>
         <p:xfrm>
           <a:off x="107380" y="1772771"/>
-          <a:ext cx="8929240" cy="4592169"/>
+          <a:ext cx="8929240" cy="4591659"/>
         </p:xfrm>
         <a:graphic>
           <a:graphicData uri="http://schemas.openxmlformats.org/drawingml/2006/table">
@@ -33120,47 +32118,47 @@
                 <a:gridCol w="1512210">
                   <a:extLst>
                     <a:ext uri="{9D8B030D-6E8A-4147-A177-3AD203B41FA5}">
-                      <a16:colId xmlns:a16="http://schemas.microsoft.com/office/drawing/2014/main" val="20000"/>
+                      <a16:colId xmlns="" xmlns:a16="http://schemas.microsoft.com/office/drawing/2014/main" val="20000"/>
                     </a:ext>
                   </a:extLst>
                 </a:gridCol>
                 <a:gridCol w="936130">
                   <a:extLst>
                     <a:ext uri="{9D8B030D-6E8A-4147-A177-3AD203B41FA5}">
-                      <a16:colId xmlns:a16="http://schemas.microsoft.com/office/drawing/2014/main" val="20001"/>
+                      <a16:colId xmlns="" xmlns:a16="http://schemas.microsoft.com/office/drawing/2014/main" val="20001"/>
                     </a:ext>
                   </a:extLst>
                 </a:gridCol>
                 <a:gridCol w="1296180">
                   <a:extLst>
                     <a:ext uri="{9D8B030D-6E8A-4147-A177-3AD203B41FA5}">
-                      <a16:colId xmlns:a16="http://schemas.microsoft.com/office/drawing/2014/main" val="20002"/>
+                      <a16:colId xmlns="" xmlns:a16="http://schemas.microsoft.com/office/drawing/2014/main" val="20002"/>
                     </a:ext>
                   </a:extLst>
                 </a:gridCol>
                 <a:gridCol w="3456480">
                   <a:extLst>
                     <a:ext uri="{9D8B030D-6E8A-4147-A177-3AD203B41FA5}">
-                      <a16:colId xmlns:a16="http://schemas.microsoft.com/office/drawing/2014/main" val="20003"/>
+                      <a16:colId xmlns="" xmlns:a16="http://schemas.microsoft.com/office/drawing/2014/main" val="20003"/>
                     </a:ext>
                   </a:extLst>
                 </a:gridCol>
                 <a:gridCol w="1008140">
                   <a:extLst>
                     <a:ext uri="{9D8B030D-6E8A-4147-A177-3AD203B41FA5}">
-                      <a16:colId xmlns:a16="http://schemas.microsoft.com/office/drawing/2014/main" val="20004"/>
+                      <a16:colId xmlns="" xmlns:a16="http://schemas.microsoft.com/office/drawing/2014/main" val="20004"/>
                     </a:ext>
                   </a:extLst>
                 </a:gridCol>
                 <a:gridCol w="720100">
                   <a:extLst>
                     <a:ext uri="{9D8B030D-6E8A-4147-A177-3AD203B41FA5}">
-                      <a16:colId xmlns:a16="http://schemas.microsoft.com/office/drawing/2014/main" val="20005"/>
+                      <a16:colId xmlns="" xmlns:a16="http://schemas.microsoft.com/office/drawing/2014/main" val="20005"/>
                     </a:ext>
                   </a:extLst>
                 </a:gridCol>
               </a:tblGrid>
-              <a:tr h="630629">
+              <a:tr h="615831">
                 <a:tc>
                   <a:txBody>
                     <a:bodyPr/>
@@ -33363,11 +32361,11 @@
                 </a:tc>
                 <a:extLst>
                   <a:ext uri="{0D108BD9-81ED-4DB2-BD59-A6C34878D82A}">
-                    <a16:rowId xmlns:a16="http://schemas.microsoft.com/office/drawing/2014/main" val="10000"/>
+                    <a16:rowId xmlns="" xmlns:a16="http://schemas.microsoft.com/office/drawing/2014/main" val="10000"/>
                   </a:ext>
                 </a:extLst>
               </a:tr>
-              <a:tr h="446616">
+              <a:tr h="436136">
                 <a:tc>
                   <a:txBody>
                     <a:bodyPr/>
@@ -33513,10 +32511,124 @@
                         </a:spcAft>
                       </a:pPr>
                       <a:r>
-                        <a:rPr lang="en-US" sz="900" kern="0" dirty="0">
+                        <a:rPr lang="en-US" sz="1050" kern="0" dirty="0">
                           <a:effectLst/>
                         </a:rPr>
                         <a:t>○</a:t>
+                      </a:r>
+                      <a:endParaRPr lang="ja-JP" sz="1200" kern="100" dirty="0">
+                        <a:effectLst/>
+                        <a:latin typeface="Century" panose="02040604050505020304" pitchFamily="18" charset="0"/>
+                        <a:ea typeface="ＭＳ 明朝" panose="02020609040205080304" pitchFamily="17" charset="-128"/>
+                        <a:cs typeface="Times New Roman" panose="02020603050405020304" pitchFamily="18" charset="0"/>
+                      </a:endParaRPr>
+                    </a:p>
+                  </a:txBody>
+                  <a:tcPr marL="68580" marR="68580" marT="0" marB="0" anchor="ctr"/>
+                </a:tc>
+                <a:tc>
+                  <a:txBody>
+                    <a:bodyPr/>
+                    <a:lstStyle/>
+                    <a:p>
+                      <a:pPr algn="just">
+                        <a:lnSpc>
+                          <a:spcPts val="1200"/>
+                        </a:lnSpc>
+                        <a:spcAft>
+                          <a:spcPts val="0"/>
+                        </a:spcAft>
+                      </a:pPr>
+                      <a:r>
+                        <a:rPr lang="en-US" altLang="ja-JP" sz="1050" kern="100" dirty="0" smtClean="0">
+                          <a:effectLst/>
+                        </a:rPr>
+                        <a:t>×</a:t>
+                      </a:r>
+                      <a:endParaRPr lang="ja-JP" sz="1050" kern="100" dirty="0">
+                        <a:effectLst/>
+                        <a:latin typeface="+mn-lt"/>
+                        <a:ea typeface="ＭＳ 明朝" panose="02020609040205080304" pitchFamily="17" charset="-128"/>
+                        <a:cs typeface="Times New Roman" panose="02020603050405020304" pitchFamily="18" charset="0"/>
+                      </a:endParaRPr>
+                    </a:p>
+                  </a:txBody>
+                  <a:tcPr marL="68580" marR="68580" marT="0" marB="0" anchor="ctr"/>
+                </a:tc>
+                <a:extLst>
+                  <a:ext uri="{0D108BD9-81ED-4DB2-BD59-A6C34878D82A}">
+                    <a16:rowId xmlns="" xmlns:a16="http://schemas.microsoft.com/office/drawing/2014/main" val="10001"/>
+                  </a:ext>
+                </a:extLst>
+              </a:tr>
+              <a:tr h="316222">
+                <a:tc>
+                  <a:txBody>
+                    <a:bodyPr/>
+                    <a:lstStyle/>
+                    <a:p>
+                      <a:pPr algn="just">
+                        <a:spcAft>
+                          <a:spcPts val="0"/>
+                        </a:spcAft>
+                      </a:pPr>
+                      <a:r>
+                        <a:rPr lang="en-US" sz="900" kern="100" dirty="0">
+                          <a:effectLst/>
+                        </a:rPr>
+                        <a:t>Create_param</a:t>
+                      </a:r>
+                      <a:endParaRPr lang="ja-JP" sz="1050" kern="100" dirty="0">
+                        <a:effectLst/>
+                        <a:latin typeface="Century" panose="02040604050505020304" pitchFamily="18" charset="0"/>
+                        <a:ea typeface="ＭＳ 明朝" panose="02020609040205080304" pitchFamily="17" charset="-128"/>
+                        <a:cs typeface="Times New Roman" panose="02020603050405020304" pitchFamily="18" charset="0"/>
+                      </a:endParaRPr>
+                    </a:p>
+                  </a:txBody>
+                  <a:tcPr marL="68580" marR="68580" marT="0" marB="0" anchor="ctr"/>
+                </a:tc>
+                <a:tc>
+                  <a:txBody>
+                    <a:bodyPr/>
+                    <a:lstStyle/>
+                    <a:p>
+                      <a:pPr algn="just">
+                        <a:spcAft>
+                          <a:spcPts val="0"/>
+                        </a:spcAft>
+                      </a:pPr>
+                      <a:r>
+                        <a:rPr lang="en-US" sz="900" kern="100" dirty="0">
+                          <a:effectLst/>
+                        </a:rPr>
+                        <a:t>-</a:t>
+                      </a:r>
+                      <a:endParaRPr lang="ja-JP" sz="1050" kern="100" dirty="0">
+                        <a:effectLst/>
+                        <a:latin typeface="Century" panose="02040604050505020304" pitchFamily="18" charset="0"/>
+                        <a:ea typeface="ＭＳ 明朝" panose="02020609040205080304" pitchFamily="17" charset="-128"/>
+                        <a:cs typeface="Times New Roman" panose="02020603050405020304" pitchFamily="18" charset="0"/>
+                      </a:endParaRPr>
+                    </a:p>
+                  </a:txBody>
+                  <a:tcPr marL="68580" marR="68580" marT="0" marB="0" anchor="ctr"/>
+                </a:tc>
+                <a:tc>
+                  <a:txBody>
+                    <a:bodyPr/>
+                    <a:lstStyle/>
+                    <a:p>
+                      <a:pPr indent="-40005" algn="just">
+                        <a:spcAft>
+                          <a:spcPts val="0"/>
+                        </a:spcAft>
+                      </a:pPr>
+                      <a:r>
+                        <a:rPr lang="ja-JP" sz="900" kern="0" dirty="0">
+                          <a:effectLst/>
+                        </a:rPr>
+                        <a:t>パラメータシート作成</a:t>
                       </a:r>
                       <a:endParaRPr lang="ja-JP" sz="1050" kern="100" dirty="0">
                         <a:effectLst/>
@@ -33542,95 +32654,22 @@
                         </a:spcAft>
                       </a:pPr>
                       <a:r>
-                        <a:rPr lang="en-US" altLang="ja-JP" sz="900" kern="100" dirty="0" smtClean="0">
-                          <a:effectLst/>
-                        </a:rPr>
-                        <a:t>×</a:t>
-                      </a:r>
-                      <a:endParaRPr lang="ja-JP" sz="900" kern="100" dirty="0">
-                        <a:effectLst/>
-                        <a:latin typeface="+mn-lt"/>
-                        <a:ea typeface="ＭＳ 明朝" panose="02020609040205080304" pitchFamily="17" charset="-128"/>
-                        <a:cs typeface="Times New Roman" panose="02020603050405020304" pitchFamily="18" charset="0"/>
-                      </a:endParaRPr>
-                    </a:p>
-                  </a:txBody>
-                  <a:tcPr marL="68580" marR="68580" marT="0" marB="0" anchor="ctr"/>
-                </a:tc>
-                <a:extLst>
-                  <a:ext uri="{0D108BD9-81ED-4DB2-BD59-A6C34878D82A}">
-                    <a16:rowId xmlns:a16="http://schemas.microsoft.com/office/drawing/2014/main" val="10001"/>
-                  </a:ext>
-                </a:extLst>
-              </a:tr>
-              <a:tr h="446616">
-                <a:tc>
-                  <a:txBody>
-                    <a:bodyPr/>
-                    <a:lstStyle/>
-                    <a:p>
-                      <a:pPr algn="just">
-                        <a:spcAft>
-                          <a:spcPts val="0"/>
-                        </a:spcAft>
-                      </a:pPr>
+                        <a:rPr lang="ja-JP" sz="900" kern="100" dirty="0">
+                          <a:effectLst/>
+                        </a:rPr>
+                        <a:t>パラメータシート（</a:t>
+                      </a:r>
                       <a:r>
                         <a:rPr lang="en-US" sz="900" kern="100" dirty="0">
                           <a:effectLst/>
                         </a:rPr>
-                        <a:t>Create_param</a:t>
-                      </a:r>
-                      <a:endParaRPr lang="ja-JP" sz="1050" kern="100" dirty="0">
-                        <a:effectLst/>
-                        <a:latin typeface="Century" panose="02040604050505020304" pitchFamily="18" charset="0"/>
-                        <a:ea typeface="ＭＳ 明朝" panose="02020609040205080304" pitchFamily="17" charset="-128"/>
-                        <a:cs typeface="Times New Roman" panose="02020603050405020304" pitchFamily="18" charset="0"/>
-                      </a:endParaRPr>
-                    </a:p>
-                  </a:txBody>
-                  <a:tcPr marL="68580" marR="68580" marT="0" marB="0" anchor="ctr"/>
-                </a:tc>
-                <a:tc>
-                  <a:txBody>
-                    <a:bodyPr/>
-                    <a:lstStyle/>
-                    <a:p>
-                      <a:pPr algn="just">
-                        <a:spcAft>
-                          <a:spcPts val="0"/>
-                        </a:spcAft>
-                      </a:pPr>
-                      <a:r>
-                        <a:rPr lang="en-US" sz="900" kern="100" dirty="0">
-                          <a:effectLst/>
-                        </a:rPr>
-                        <a:t>-</a:t>
-                      </a:r>
-                      <a:endParaRPr lang="ja-JP" sz="1050" kern="100" dirty="0">
-                        <a:effectLst/>
-                        <a:latin typeface="Century" panose="02040604050505020304" pitchFamily="18" charset="0"/>
-                        <a:ea typeface="ＭＳ 明朝" panose="02020609040205080304" pitchFamily="17" charset="-128"/>
-                        <a:cs typeface="Times New Roman" panose="02020603050405020304" pitchFamily="18" charset="0"/>
-                      </a:endParaRPr>
-                    </a:p>
-                  </a:txBody>
-                  <a:tcPr marL="68580" marR="68580" marT="0" marB="0" anchor="ctr"/>
-                </a:tc>
-                <a:tc>
-                  <a:txBody>
-                    <a:bodyPr/>
-                    <a:lstStyle/>
-                    <a:p>
-                      <a:pPr indent="-40005" algn="just">
-                        <a:spcAft>
-                          <a:spcPts val="0"/>
-                        </a:spcAft>
-                      </a:pPr>
-                      <a:r>
-                        <a:rPr lang="ja-JP" sz="900" kern="0" dirty="0">
-                          <a:effectLst/>
-                        </a:rPr>
-                        <a:t>パラメータシート作成</a:t>
+                        <a:t>Web</a:t>
+                      </a:r>
+                      <a:r>
+                        <a:rPr lang="ja-JP" sz="900" kern="100" dirty="0">
+                          <a:effectLst/>
+                        </a:rPr>
+                        <a:t>メニュー）を作成・管理します。</a:t>
                       </a:r>
                       <a:endParaRPr lang="ja-JP" sz="1050" kern="100" dirty="0">
                         <a:effectLst/>
@@ -33656,22 +32695,127 @@
                         </a:spcAft>
                       </a:pPr>
                       <a:r>
-                        <a:rPr lang="ja-JP" sz="900" kern="100" dirty="0">
-                          <a:effectLst/>
-                        </a:rPr>
-                        <a:t>パラメータシート（</a:t>
-                      </a:r>
+                        <a:rPr lang="en-US" sz="1050" kern="100" dirty="0">
+                          <a:effectLst/>
+                        </a:rPr>
+                        <a:t>-</a:t>
+                      </a:r>
+                      <a:endParaRPr lang="ja-JP" sz="1200" kern="100" dirty="0">
+                        <a:effectLst/>
+                        <a:latin typeface="Century" panose="02040604050505020304" pitchFamily="18" charset="0"/>
+                        <a:ea typeface="ＭＳ 明朝" panose="02020609040205080304" pitchFamily="17" charset="-128"/>
+                        <a:cs typeface="Times New Roman" panose="02020603050405020304" pitchFamily="18" charset="0"/>
+                      </a:endParaRPr>
+                    </a:p>
+                  </a:txBody>
+                  <a:tcPr marL="68580" marR="68580" marT="0" marB="0" anchor="ctr"/>
+                </a:tc>
+                <a:tc>
+                  <a:txBody>
+                    <a:bodyPr/>
+                    <a:lstStyle/>
+                    <a:p>
+                      <a:pPr algn="just">
+                        <a:lnSpc>
+                          <a:spcPts val="1200"/>
+                        </a:lnSpc>
+                        <a:spcAft>
+                          <a:spcPts val="0"/>
+                        </a:spcAft>
+                      </a:pPr>
+                      <a:r>
+                        <a:rPr lang="ja-JP" altLang="en-US" sz="1050" kern="100" dirty="0" smtClean="0">
+                          <a:effectLst/>
+                          <a:latin typeface="+mn-lt"/>
+                          <a:ea typeface="+mn-ea"/>
+                          <a:cs typeface="+mn-cs"/>
+                        </a:rPr>
+                        <a:t>○</a:t>
+                      </a:r>
+                      <a:endParaRPr lang="ja-JP" sz="1050" kern="100" dirty="0">
+                        <a:effectLst/>
+                        <a:latin typeface="Century" panose="02040604050505020304" pitchFamily="18" charset="0"/>
+                        <a:ea typeface="ＭＳ 明朝" panose="02020609040205080304" pitchFamily="17" charset="-128"/>
+                        <a:cs typeface="Times New Roman" panose="02020603050405020304" pitchFamily="18" charset="0"/>
+                      </a:endParaRPr>
+                    </a:p>
+                  </a:txBody>
+                  <a:tcPr marL="68580" marR="68580" marT="0" marB="0" anchor="ctr"/>
+                </a:tc>
+                <a:extLst>
+                  <a:ext uri="{0D108BD9-81ED-4DB2-BD59-A6C34878D82A}">
+                    <a16:rowId xmlns="" xmlns:a16="http://schemas.microsoft.com/office/drawing/2014/main" val="10002"/>
+                  </a:ext>
+                </a:extLst>
+              </a:tr>
+              <a:tr h="360050">
+                <a:tc>
+                  <a:txBody>
+                    <a:bodyPr/>
+                    <a:lstStyle/>
+                    <a:p>
+                      <a:pPr algn="just">
+                        <a:spcAft>
+                          <a:spcPts val="0"/>
+                        </a:spcAft>
+                      </a:pPr>
                       <a:r>
                         <a:rPr lang="en-US" sz="900" kern="100" dirty="0">
                           <a:effectLst/>
                         </a:rPr>
-                        <a:t>Web</a:t>
-                      </a:r>
-                      <a:r>
-                        <a:rPr lang="ja-JP" sz="900" kern="100" dirty="0">
-                          <a:effectLst/>
-                        </a:rPr>
-                        <a:t>メニュー）を作成・管理します。</a:t>
+                        <a:t>Hostgroup</a:t>
+                      </a:r>
+                      <a:endParaRPr lang="ja-JP" sz="1050" kern="100" dirty="0">
+                        <a:effectLst/>
+                        <a:latin typeface="Century" panose="02040604050505020304" pitchFamily="18" charset="0"/>
+                        <a:ea typeface="ＭＳ 明朝" panose="02020609040205080304" pitchFamily="17" charset="-128"/>
+                        <a:cs typeface="Times New Roman" panose="02020603050405020304" pitchFamily="18" charset="0"/>
+                      </a:endParaRPr>
+                    </a:p>
+                  </a:txBody>
+                  <a:tcPr marL="68580" marR="68580" marT="0" marB="0" anchor="ctr"/>
+                </a:tc>
+                <a:tc>
+                  <a:txBody>
+                    <a:bodyPr/>
+                    <a:lstStyle/>
+                    <a:p>
+                      <a:pPr algn="just">
+                        <a:spcAft>
+                          <a:spcPts val="0"/>
+                        </a:spcAft>
+                      </a:pPr>
+                      <a:r>
+                        <a:rPr lang="en-US" sz="900" kern="100" dirty="0">
+                          <a:effectLst/>
+                        </a:rPr>
+                        <a:t>-</a:t>
+                      </a:r>
+                      <a:endParaRPr lang="ja-JP" sz="1050" kern="100" dirty="0">
+                        <a:effectLst/>
+                        <a:latin typeface="Century" panose="02040604050505020304" pitchFamily="18" charset="0"/>
+                        <a:ea typeface="ＭＳ 明朝" panose="02020609040205080304" pitchFamily="17" charset="-128"/>
+                        <a:cs typeface="Times New Roman" panose="02020603050405020304" pitchFamily="18" charset="0"/>
+                      </a:endParaRPr>
+                    </a:p>
+                  </a:txBody>
+                  <a:tcPr marL="68580" marR="68580" marT="0" marB="0" anchor="ctr"/>
+                </a:tc>
+                <a:tc>
+                  <a:txBody>
+                    <a:bodyPr/>
+                    <a:lstStyle/>
+                    <a:p>
+                      <a:pPr indent="-40005" algn="just">
+                        <a:spcAft>
+                          <a:spcPts val="0"/>
+                        </a:spcAft>
+                      </a:pPr>
+                      <a:r>
+                        <a:rPr lang="ja-JP" sz="900" kern="0" dirty="0">
+                          <a:effectLst/>
+                        </a:rPr>
+                        <a:t>ホストグループ</a:t>
                       </a:r>
                       <a:endParaRPr lang="ja-JP" sz="1050" kern="100" dirty="0">
                         <a:effectLst/>
@@ -33697,10 +32841,10 @@
                         </a:spcAft>
                       </a:pPr>
                       <a:r>
-                        <a:rPr lang="en-US" sz="900" kern="100" dirty="0">
-                          <a:effectLst/>
-                        </a:rPr>
-                        <a:t>-</a:t>
+                        <a:rPr lang="ja-JP" sz="900" kern="100" dirty="0">
+                          <a:effectLst/>
+                        </a:rPr>
+                        <a:t>ホスト群を論理的な単位（機能・役割）でまとめたグループにして、投入するパラメータを管理します。</a:t>
                       </a:r>
                       <a:endParaRPr lang="ja-JP" sz="1050" kern="100" dirty="0">
                         <a:effectLst/>
@@ -33726,15 +32870,41 @@
                         </a:spcAft>
                       </a:pPr>
                       <a:r>
-                        <a:rPr lang="ja-JP" altLang="en-US" sz="900" kern="100" dirty="0" smtClean="0">
-                          <a:effectLst/>
-                          <a:latin typeface="+mn-lt"/>
-                          <a:ea typeface="+mn-ea"/>
-                          <a:cs typeface="+mn-cs"/>
-                        </a:rPr>
-                        <a:t>○</a:t>
-                      </a:r>
-                      <a:endParaRPr lang="ja-JP" sz="900" kern="100" dirty="0">
+                        <a:rPr lang="en-US" sz="1050" kern="100" dirty="0">
+                          <a:effectLst/>
+                        </a:rPr>
+                        <a:t>-</a:t>
+                      </a:r>
+                      <a:endParaRPr lang="ja-JP" sz="1200" kern="100" dirty="0">
+                        <a:effectLst/>
+                        <a:latin typeface="Century" panose="02040604050505020304" pitchFamily="18" charset="0"/>
+                        <a:ea typeface="ＭＳ 明朝" panose="02020609040205080304" pitchFamily="17" charset="-128"/>
+                        <a:cs typeface="Times New Roman" panose="02020603050405020304" pitchFamily="18" charset="0"/>
+                      </a:endParaRPr>
+                    </a:p>
+                  </a:txBody>
+                  <a:tcPr marL="68580" marR="68580" marT="0" marB="0" anchor="ctr"/>
+                </a:tc>
+                <a:tc>
+                  <a:txBody>
+                    <a:bodyPr/>
+                    <a:lstStyle/>
+                    <a:p>
+                      <a:pPr algn="just">
+                        <a:lnSpc>
+                          <a:spcPts val="1200"/>
+                        </a:lnSpc>
+                        <a:spcAft>
+                          <a:spcPts val="0"/>
+                        </a:spcAft>
+                      </a:pPr>
+                      <a:r>
+                        <a:rPr lang="en-US" altLang="ja-JP" sz="1050" kern="100" dirty="0" smtClean="0">
+                          <a:effectLst/>
+                        </a:rPr>
+                        <a:t>×</a:t>
+                      </a:r>
+                      <a:endParaRPr lang="ja-JP" sz="1050" kern="100" dirty="0">
                         <a:effectLst/>
                         <a:latin typeface="Century" panose="02040604050505020304" pitchFamily="18" charset="0"/>
                         <a:ea typeface="ＭＳ 明朝" panose="02020609040205080304" pitchFamily="17" charset="-128"/>
@@ -33746,12 +32916,12 @@
                 </a:tc>
                 <a:extLst>
                   <a:ext uri="{0D108BD9-81ED-4DB2-BD59-A6C34878D82A}">
-                    <a16:rowId xmlns:a16="http://schemas.microsoft.com/office/drawing/2014/main" val="10002"/>
+                    <a16:rowId xmlns="" xmlns:a16="http://schemas.microsoft.com/office/drawing/2014/main" val="10003"/>
                   </a:ext>
                 </a:extLst>
               </a:tr>
-              <a:tr h="446616">
-                <a:tc>
+              <a:tr h="619366">
+                <a:tc rowSpan="2">
                   <a:txBody>
                     <a:bodyPr/>
                     <a:lstStyle/>
@@ -33765,7 +32935,13 @@
                         <a:rPr lang="en-US" sz="900" kern="100" dirty="0">
                           <a:effectLst/>
                         </a:rPr>
-                        <a:t>Hostgroup</a:t>
+                        <a:t>Ansible</a:t>
+                      </a:r>
+                      <a:r>
+                        <a:rPr lang="ja-JP" sz="900" kern="100" dirty="0">
+                          <a:effectLst/>
+                        </a:rPr>
+                        <a:t>ドライバー</a:t>
                       </a:r>
                       <a:endParaRPr lang="ja-JP" sz="1050" kern="100" dirty="0">
                         <a:effectLst/>
@@ -33788,10 +32964,467 @@
                         </a:spcAft>
                       </a:pPr>
                       <a:r>
+                        <a:rPr lang="en-US" sz="900" kern="100" dirty="0" smtClean="0">
+                          <a:effectLst/>
+                        </a:rPr>
+                        <a:t>Ansible</a:t>
+                      </a:r>
+                    </a:p>
+                  </a:txBody>
+                  <a:tcPr marL="68580" marR="68580" marT="0" marB="0" anchor="ctr"/>
+                </a:tc>
+                <a:tc>
+                  <a:txBody>
+                    <a:bodyPr/>
+                    <a:lstStyle/>
+                    <a:p>
+                      <a:pPr indent="-40005" algn="just">
+                        <a:spcAft>
+                          <a:spcPts val="0"/>
+                        </a:spcAft>
+                      </a:pPr>
+                      <a:r>
+                        <a:rPr lang="ja-JP" sz="900" kern="0" dirty="0">
+                          <a:effectLst/>
+                        </a:rPr>
+                        <a:t>システム構築</a:t>
+                      </a:r>
+                      <a:endParaRPr lang="ja-JP" sz="1050" kern="100" dirty="0">
+                        <a:effectLst/>
+                        <a:latin typeface="Century" panose="02040604050505020304" pitchFamily="18" charset="0"/>
+                        <a:ea typeface="ＭＳ 明朝" panose="02020609040205080304" pitchFamily="17" charset="-128"/>
+                        <a:cs typeface="Times New Roman" panose="02020603050405020304" pitchFamily="18" charset="0"/>
+                      </a:endParaRPr>
+                    </a:p>
+                  </a:txBody>
+                  <a:tcPr marL="68580" marR="68580" marT="0" marB="0" anchor="ctr"/>
+                </a:tc>
+                <a:tc>
+                  <a:txBody>
+                    <a:bodyPr/>
+                    <a:lstStyle/>
+                    <a:p>
+                      <a:pPr algn="l">
+                        <a:lnSpc>
+                          <a:spcPts val="1200"/>
+                        </a:lnSpc>
+                        <a:spcAft>
+                          <a:spcPts val="0"/>
+                        </a:spcAft>
+                      </a:pPr>
+                      <a:r>
+                        <a:rPr lang="en-US" altLang="ja-JP" sz="900" kern="100" dirty="0" smtClean="0">
+                          <a:effectLst/>
+                        </a:rPr>
+                        <a:t>Red Hat</a:t>
+                      </a:r>
+                      <a:r>
+                        <a:rPr lang="ja-JP" altLang="ja-JP" sz="900" kern="100" dirty="0" smtClean="0">
+                          <a:effectLst/>
+                        </a:rPr>
+                        <a:t>社が提供する</a:t>
+                      </a:r>
+                      <a:r>
+                        <a:rPr lang="en-US" altLang="ja-JP" sz="900" strike="noStrike" kern="100" baseline="0" dirty="0" smtClean="0">
+                          <a:effectLst/>
+                        </a:rPr>
+                        <a:t>OSS</a:t>
+                      </a:r>
+                      <a:r>
+                        <a:rPr lang="ja-JP" altLang="ja-JP" sz="900" kern="100" dirty="0" smtClean="0">
+                          <a:effectLst/>
+                        </a:rPr>
+                        <a:t>の</a:t>
+                      </a:r>
+                      <a:r>
+                        <a:rPr lang="en-US" altLang="ja-JP" sz="900" kern="100" dirty="0" smtClean="0">
+                          <a:effectLst/>
+                        </a:rPr>
+                        <a:t>PF</a:t>
+                      </a:r>
+                      <a:r>
+                        <a:rPr lang="ja-JP" altLang="ja-JP" sz="900" kern="100" dirty="0" smtClean="0">
+                          <a:effectLst/>
+                        </a:rPr>
+                        <a:t>構築ツールです。</a:t>
+                      </a:r>
+                      <a:r>
+                        <a:rPr lang="en-US" altLang="ja-JP" sz="900" kern="100" dirty="0" smtClean="0">
+                          <a:effectLst/>
+                        </a:rPr>
+                        <a:t/>
+                      </a:r>
+                      <a:br>
+                        <a:rPr lang="en-US" altLang="ja-JP" sz="900" kern="100" dirty="0" smtClean="0">
+                          <a:effectLst/>
+                        </a:rPr>
+                      </a:br>
+                      <a:r>
+                        <a:rPr lang="en-US" altLang="ja-JP" sz="900" kern="100" dirty="0" smtClean="0">
+                          <a:effectLst/>
+                        </a:rPr>
+                        <a:t>Playbook</a:t>
+                      </a:r>
+                      <a:r>
+                        <a:rPr lang="ja-JP" altLang="ja-JP" sz="900" kern="100" dirty="0" smtClean="0">
+                          <a:effectLst/>
+                        </a:rPr>
+                        <a:t>と呼ばれる構築コードをもとに、ネットワークで接続された機器に対して、ソフトウェアのインストール、各種設定、ファイル転送、パッチの適用などを行います。</a:t>
+                      </a:r>
+                      <a:endParaRPr lang="ja-JP" altLang="ja-JP" sz="1050" kern="100" dirty="0">
+                        <a:effectLst/>
+                        <a:latin typeface="Century" panose="02040604050505020304" pitchFamily="18" charset="0"/>
+                        <a:ea typeface="ＭＳ 明朝" panose="02020609040205080304" pitchFamily="17" charset="-128"/>
+                        <a:cs typeface="Times New Roman" panose="02020603050405020304" pitchFamily="18" charset="0"/>
+                      </a:endParaRPr>
+                    </a:p>
+                  </a:txBody>
+                  <a:tcPr marL="68580" marR="68580" marT="0" marB="0" anchor="ctr"/>
+                </a:tc>
+                <a:tc>
+                  <a:txBody>
+                    <a:bodyPr/>
+                    <a:lstStyle/>
+                    <a:p>
+                      <a:pPr algn="just">
+                        <a:lnSpc>
+                          <a:spcPts val="1200"/>
+                        </a:lnSpc>
+                        <a:spcAft>
+                          <a:spcPts val="0"/>
+                        </a:spcAft>
+                      </a:pPr>
+                      <a:r>
+                        <a:rPr lang="en-US" sz="1050" kern="100" dirty="0">
+                          <a:effectLst/>
+                        </a:rPr>
+                        <a:t>○</a:t>
+                      </a:r>
+                      <a:endParaRPr lang="ja-JP" sz="1200" kern="100" dirty="0">
+                        <a:effectLst/>
+                        <a:latin typeface="Century" panose="02040604050505020304" pitchFamily="18" charset="0"/>
+                        <a:ea typeface="ＭＳ 明朝" panose="02020609040205080304" pitchFamily="17" charset="-128"/>
+                        <a:cs typeface="Times New Roman" panose="02020603050405020304" pitchFamily="18" charset="0"/>
+                      </a:endParaRPr>
+                    </a:p>
+                  </a:txBody>
+                  <a:tcPr marL="68580" marR="68580" marT="0" marB="0" anchor="ctr"/>
+                </a:tc>
+                <a:tc rowSpan="2">
+                  <a:txBody>
+                    <a:bodyPr/>
+                    <a:lstStyle/>
+                    <a:p>
+                      <a:pPr algn="just">
+                        <a:lnSpc>
+                          <a:spcPts val="1200"/>
+                        </a:lnSpc>
+                        <a:spcAft>
+                          <a:spcPts val="0"/>
+                        </a:spcAft>
+                      </a:pPr>
+                      <a:r>
+                        <a:rPr lang="ja-JP" altLang="en-US" sz="1050" kern="100" dirty="0" smtClean="0">
+                          <a:effectLst/>
+                        </a:rPr>
+                        <a:t>○</a:t>
+                      </a:r>
+                      <a:endParaRPr lang="ja-JP" sz="1050" kern="100" dirty="0">
+                        <a:effectLst/>
+                        <a:latin typeface="+mn-ea"/>
+                        <a:ea typeface="+mn-ea"/>
+                        <a:cs typeface="Times New Roman" panose="02020603050405020304" pitchFamily="18" charset="0"/>
+                      </a:endParaRPr>
+                    </a:p>
+                  </a:txBody>
+                  <a:tcPr marL="68580" marR="68580" marT="0" marB="0" anchor="ctr"/>
+                </a:tc>
+                <a:extLst>
+                  <a:ext uri="{0D108BD9-81ED-4DB2-BD59-A6C34878D82A}">
+                    <a16:rowId xmlns="" xmlns:a16="http://schemas.microsoft.com/office/drawing/2014/main" val="10004"/>
+                  </a:ext>
+                </a:extLst>
+              </a:tr>
+              <a:tr h="532794">
+                <a:tc vMerge="1">
+                  <a:txBody>
+                    <a:bodyPr/>
+                    <a:lstStyle/>
+                    <a:p>
+                      <a:pPr algn="just">
+                        <a:spcAft>
+                          <a:spcPts val="0"/>
+                        </a:spcAft>
+                      </a:pPr>
+                      <a:endParaRPr lang="ja-JP" sz="1050" strike="noStrike" kern="100" dirty="0">
+                        <a:solidFill>
+                          <a:schemeClr val="bg1"/>
+                        </a:solidFill>
+                        <a:effectLst/>
+                        <a:latin typeface="Century" panose="02040604050505020304" pitchFamily="18" charset="0"/>
+                        <a:ea typeface="ＭＳ 明朝" panose="02020609040205080304" pitchFamily="17" charset="-128"/>
+                        <a:cs typeface="Times New Roman" panose="02020603050405020304" pitchFamily="18" charset="0"/>
+                      </a:endParaRPr>
+                    </a:p>
+                  </a:txBody>
+                  <a:tcPr marL="68580" marR="68580" marT="0" marB="0" anchor="ctr"/>
+                </a:tc>
+                <a:tc>
+                  <a:txBody>
+                    <a:bodyPr/>
+                    <a:lstStyle/>
+                    <a:p>
+                      <a:pPr marL="0" marR="0" lvl="0" indent="0" algn="just" defTabSz="914400" rtl="0" eaLnBrk="1" fontAlgn="auto" latinLnBrk="0" hangingPunct="1">
+                        <a:lnSpc>
+                          <a:spcPct val="100000"/>
+                        </a:lnSpc>
+                        <a:spcBef>
+                          <a:spcPts val="0"/>
+                        </a:spcBef>
+                        <a:spcAft>
+                          <a:spcPts val="0"/>
+                        </a:spcAft>
+                        <a:buClrTx/>
+                        <a:buSzTx/>
+                        <a:buFontTx/>
+                        <a:buNone/>
+                        <a:tabLst/>
+                        <a:defRPr/>
+                      </a:pPr>
+                      <a:r>
+                        <a:rPr lang="en-US" altLang="ja-JP" sz="900" strike="noStrike" kern="100" dirty="0" smtClean="0">
+                          <a:solidFill>
+                            <a:schemeClr val="tx1"/>
+                          </a:solidFill>
+                          <a:effectLst/>
+                        </a:rPr>
+                        <a:t>AnsibleTower</a:t>
+                      </a:r>
+                      <a:endParaRPr lang="ja-JP" altLang="ja-JP" sz="900" strike="noStrike" kern="100" dirty="0" smtClean="0">
+                        <a:solidFill>
+                          <a:schemeClr val="tx1"/>
+                        </a:solidFill>
+                        <a:effectLst/>
+                        <a:latin typeface="Century" panose="02040604050505020304" pitchFamily="18" charset="0"/>
+                        <a:ea typeface="ＭＳ 明朝" panose="02020609040205080304" pitchFamily="17" charset="-128"/>
+                        <a:cs typeface="Times New Roman" panose="02020603050405020304" pitchFamily="18" charset="0"/>
+                      </a:endParaRPr>
+                    </a:p>
+                  </a:txBody>
+                  <a:tcPr marL="68580" marR="68580" marT="0" marB="0" anchor="ctr"/>
+                </a:tc>
+                <a:tc>
+                  <a:txBody>
+                    <a:bodyPr/>
+                    <a:lstStyle/>
+                    <a:p>
+                      <a:pPr marL="0" indent="0" algn="l">
+                        <a:spcAft>
+                          <a:spcPts val="0"/>
+                        </a:spcAft>
+                      </a:pPr>
+                      <a:r>
+                        <a:rPr lang="ja-JP" altLang="en-US" sz="900" strike="noStrike" kern="100" dirty="0" smtClean="0">
+                          <a:solidFill>
+                            <a:schemeClr val="tx1"/>
+                          </a:solidFill>
+                          <a:effectLst/>
+                          <a:latin typeface="+mn-ea"/>
+                          <a:ea typeface="+mn-ea"/>
+                          <a:cs typeface="Times New Roman" panose="02020603050405020304" pitchFamily="18" charset="0"/>
+                        </a:rPr>
+                        <a:t>システム構築</a:t>
+                      </a:r>
+                      <a:endParaRPr lang="ja-JP" altLang="ja-JP" sz="900" strike="noStrike" kern="100" dirty="0">
+                        <a:solidFill>
+                          <a:schemeClr val="tx1"/>
+                        </a:solidFill>
+                        <a:effectLst/>
+                        <a:latin typeface="+mn-ea"/>
+                        <a:ea typeface="+mn-ea"/>
+                        <a:cs typeface="Times New Roman" panose="02020603050405020304" pitchFamily="18" charset="0"/>
+                      </a:endParaRPr>
+                    </a:p>
+                  </a:txBody>
+                  <a:tcPr marL="68580" marR="68580" marT="0" marB="0" anchor="ctr"/>
+                </a:tc>
+                <a:tc>
+                  <a:txBody>
+                    <a:bodyPr/>
+                    <a:lstStyle/>
+                    <a:p>
+                      <a:pPr algn="just">
+                        <a:lnSpc>
+                          <a:spcPts val="1200"/>
+                        </a:lnSpc>
+                        <a:spcAft>
+                          <a:spcPts val="0"/>
+                        </a:spcAft>
+                      </a:pPr>
+                      <a:r>
+                        <a:rPr lang="en-US" sz="900" strike="noStrike" kern="0" dirty="0">
+                          <a:solidFill>
+                            <a:schemeClr val="tx1"/>
+                          </a:solidFill>
+                          <a:effectLst/>
+                        </a:rPr>
+                        <a:t>PF</a:t>
+                      </a:r>
+                      <a:r>
+                        <a:rPr lang="ja-JP" sz="900" strike="noStrike" kern="0" dirty="0">
+                          <a:solidFill>
+                            <a:schemeClr val="tx1"/>
+                          </a:solidFill>
+                          <a:effectLst/>
+                        </a:rPr>
+                        <a:t>構築自動化ツールである</a:t>
+                      </a:r>
+                      <a:r>
+                        <a:rPr lang="en-US" sz="900" strike="noStrike" kern="0" dirty="0">
+                          <a:solidFill>
+                            <a:schemeClr val="tx1"/>
+                          </a:solidFill>
+                          <a:effectLst/>
+                        </a:rPr>
+                        <a:t>Ansible</a:t>
+                      </a:r>
+                      <a:r>
+                        <a:rPr lang="ja-JP" sz="900" strike="noStrike" kern="0" dirty="0">
+                          <a:solidFill>
+                            <a:schemeClr val="tx1"/>
+                          </a:solidFill>
+                          <a:effectLst/>
+                        </a:rPr>
+                        <a:t>にアクセスコントロール、ジョブスケジューリング、タスクの可視化などの機能を拡張した管理プラットフォームです。</a:t>
+                      </a:r>
+                      <a:endParaRPr lang="ja-JP" sz="1050" strike="noStrike" kern="100" dirty="0">
+                        <a:solidFill>
+                          <a:schemeClr val="tx1"/>
+                        </a:solidFill>
+                        <a:effectLst/>
+                        <a:latin typeface="Century" panose="02040604050505020304" pitchFamily="18" charset="0"/>
+                        <a:ea typeface="ＭＳ 明朝" panose="02020609040205080304" pitchFamily="17" charset="-128"/>
+                        <a:cs typeface="Times New Roman" panose="02020603050405020304" pitchFamily="18" charset="0"/>
+                      </a:endParaRPr>
+                    </a:p>
+                  </a:txBody>
+                  <a:tcPr marL="68580" marR="68580" marT="0" marB="0" anchor="ctr"/>
+                </a:tc>
+                <a:tc>
+                  <a:txBody>
+                    <a:bodyPr/>
+                    <a:lstStyle/>
+                    <a:p>
+                      <a:pPr algn="just">
+                        <a:spcAft>
+                          <a:spcPts val="0"/>
+                        </a:spcAft>
+                      </a:pPr>
+                      <a:r>
+                        <a:rPr lang="en-US" sz="1050" strike="noStrike" kern="0" dirty="0">
+                          <a:solidFill>
+                            <a:schemeClr val="tx1"/>
+                          </a:solidFill>
+                          <a:effectLst/>
+                        </a:rPr>
+                        <a:t>×</a:t>
+                      </a:r>
+                      <a:endParaRPr lang="ja-JP" sz="1200" strike="noStrike" kern="100" dirty="0">
+                        <a:solidFill>
+                          <a:schemeClr val="tx1"/>
+                        </a:solidFill>
+                        <a:effectLst/>
+                        <a:latin typeface="Century" panose="02040604050505020304" pitchFamily="18" charset="0"/>
+                        <a:ea typeface="ＭＳ 明朝" panose="02020609040205080304" pitchFamily="17" charset="-128"/>
+                        <a:cs typeface="Times New Roman" panose="02020603050405020304" pitchFamily="18" charset="0"/>
+                      </a:endParaRPr>
+                    </a:p>
+                  </a:txBody>
+                  <a:tcPr marL="68580" marR="68580" marT="0" marB="0" anchor="ctr"/>
+                </a:tc>
+                <a:tc vMerge="1">
+                  <a:txBody>
+                    <a:bodyPr/>
+                    <a:lstStyle/>
+                    <a:p>
+                      <a:pPr algn="just">
+                        <a:spcAft>
+                          <a:spcPts val="0"/>
+                        </a:spcAft>
+                      </a:pPr>
+                      <a:endParaRPr lang="ja-JP" sz="1050" strike="noStrike" kern="100" dirty="0">
+                        <a:solidFill>
+                          <a:schemeClr val="tx1"/>
+                        </a:solidFill>
+                        <a:effectLst/>
+                        <a:latin typeface="Century" panose="02040604050505020304" pitchFamily="18" charset="0"/>
+                        <a:ea typeface="ＭＳ 明朝" panose="02020609040205080304" pitchFamily="17" charset="-128"/>
+                        <a:cs typeface="Times New Roman" panose="02020603050405020304" pitchFamily="18" charset="0"/>
+                      </a:endParaRPr>
+                    </a:p>
+                  </a:txBody>
+                  <a:tcPr marL="68580" marR="68580" marT="0" marB="0" anchor="ctr"/>
+                </a:tc>
+                <a:extLst>
+                  <a:ext uri="{0D108BD9-81ED-4DB2-BD59-A6C34878D82A}">
+                    <a16:rowId xmlns="" xmlns:a16="http://schemas.microsoft.com/office/drawing/2014/main" val="10005"/>
+                  </a:ext>
+                </a:extLst>
+              </a:tr>
+              <a:tr h="576080">
+                <a:tc>
+                  <a:txBody>
+                    <a:bodyPr/>
+                    <a:lstStyle/>
+                    <a:p>
+                      <a:pPr algn="just">
+                        <a:spcAft>
+                          <a:spcPts val="0"/>
+                        </a:spcAft>
+                      </a:pPr>
+                      <a:r>
                         <a:rPr lang="en-US" sz="900" kern="100" dirty="0">
                           <a:effectLst/>
                         </a:rPr>
-                        <a:t>-</a:t>
+                        <a:t> </a:t>
+                      </a:r>
+                      <a:r>
+                        <a:rPr lang="en-US" sz="900" kern="100" dirty="0" smtClean="0">
+                          <a:effectLst/>
+                        </a:rPr>
+                        <a:t>Cobbler</a:t>
+                      </a:r>
+                      <a:r>
+                        <a:rPr lang="ja-JP" sz="900" kern="100" dirty="0">
+                          <a:effectLst/>
+                        </a:rPr>
+                        <a:t>ドライバー</a:t>
+                      </a:r>
+                      <a:endParaRPr lang="ja-JP" sz="1050" kern="100" dirty="0">
+                        <a:effectLst/>
+                        <a:latin typeface="Century" panose="02040604050505020304" pitchFamily="18" charset="0"/>
+                        <a:ea typeface="ＭＳ 明朝" panose="02020609040205080304" pitchFamily="17" charset="-128"/>
+                        <a:cs typeface="Times New Roman" panose="02020603050405020304" pitchFamily="18" charset="0"/>
+                      </a:endParaRPr>
+                    </a:p>
+                  </a:txBody>
+                  <a:tcPr marL="68580" marR="68580" marT="0" marB="0" anchor="ctr"/>
+                </a:tc>
+                <a:tc>
+                  <a:txBody>
+                    <a:bodyPr/>
+                    <a:lstStyle/>
+                    <a:p>
+                      <a:pPr algn="just">
+                        <a:spcAft>
+                          <a:spcPts val="0"/>
+                        </a:spcAft>
+                      </a:pPr>
+                      <a:r>
+                        <a:rPr lang="en-US" sz="900" kern="100" dirty="0" smtClean="0">
+                          <a:effectLst/>
+                        </a:rPr>
+                        <a:t>Cobbler</a:t>
                       </a:r>
                       <a:endParaRPr lang="ja-JP" sz="1050" kern="100" dirty="0">
                         <a:effectLst/>
@@ -33814,10 +33447,280 @@
                         </a:spcAft>
                       </a:pPr>
                       <a:r>
+                        <a:rPr lang="en-US" sz="900" kern="0" dirty="0">
+                          <a:effectLst/>
+                        </a:rPr>
+                        <a:t>OS</a:t>
+                      </a:r>
+                      <a:r>
                         <a:rPr lang="ja-JP" sz="900" kern="0" dirty="0">
                           <a:effectLst/>
                         </a:rPr>
-                        <a:t>ホストグループ</a:t>
+                        <a:t>インストール</a:t>
+                      </a:r>
+                      <a:endParaRPr lang="ja-JP" sz="1050" kern="100" dirty="0">
+                        <a:effectLst/>
+                        <a:latin typeface="Century" panose="02040604050505020304" pitchFamily="18" charset="0"/>
+                        <a:ea typeface="ＭＳ 明朝" panose="02020609040205080304" pitchFamily="17" charset="-128"/>
+                        <a:cs typeface="Times New Roman" panose="02020603050405020304" pitchFamily="18" charset="0"/>
+                      </a:endParaRPr>
+                    </a:p>
+                  </a:txBody>
+                  <a:tcPr marL="68580" marR="68580" marT="0" marB="0" anchor="ctr"/>
+                </a:tc>
+                <a:tc>
+                  <a:txBody>
+                    <a:bodyPr/>
+                    <a:lstStyle/>
+                    <a:p>
+                      <a:pPr algn="l">
+                        <a:lnSpc>
+                          <a:spcPts val="1200"/>
+                        </a:lnSpc>
+                        <a:spcAft>
+                          <a:spcPts val="0"/>
+                        </a:spcAft>
+                      </a:pPr>
+                      <a:r>
+                        <a:rPr lang="en-US" altLang="ja-JP" sz="900" kern="0" dirty="0" smtClean="0">
+                          <a:effectLst/>
+                        </a:rPr>
+                        <a:t>OSS</a:t>
+                      </a:r>
+                      <a:r>
+                        <a:rPr lang="ja-JP" altLang="ja-JP" sz="900" kern="0" dirty="0" smtClean="0">
+                          <a:effectLst/>
+                        </a:rPr>
+                        <a:t>のインストール自動化ツールです。</a:t>
+                      </a:r>
+                      <a:r>
+                        <a:rPr lang="en-US" altLang="ja-JP" sz="900" kern="0" dirty="0" smtClean="0">
+                          <a:effectLst/>
+                        </a:rPr>
+                        <a:t/>
+                      </a:r>
+                      <a:br>
+                        <a:rPr lang="en-US" altLang="ja-JP" sz="900" kern="0" dirty="0" smtClean="0">
+                          <a:effectLst/>
+                        </a:rPr>
+                      </a:br>
+                      <a:r>
+                        <a:rPr lang="ja-JP" altLang="ja-JP" sz="900" kern="0" dirty="0" smtClean="0">
+                          <a:effectLst/>
+                        </a:rPr>
+                        <a:t>あらかじめ作成したテンプレートを元に、ネットワークで接続された機器に対して、</a:t>
+                      </a:r>
+                      <a:r>
+                        <a:rPr lang="en-US" altLang="ja-JP" sz="900" kern="0" dirty="0" smtClean="0">
+                          <a:effectLst/>
+                        </a:rPr>
+                        <a:t>OS</a:t>
+                      </a:r>
+                      <a:r>
+                        <a:rPr lang="ja-JP" altLang="ja-JP" sz="900" kern="0" dirty="0" smtClean="0">
+                          <a:effectLst/>
+                        </a:rPr>
+                        <a:t>のインストールを行うことができます。</a:t>
+                      </a:r>
+                      <a:endParaRPr lang="ja-JP" altLang="ja-JP" sz="1050" kern="100" dirty="0">
+                        <a:effectLst/>
+                        <a:latin typeface="Century" panose="02040604050505020304" pitchFamily="18" charset="0"/>
+                        <a:ea typeface="ＭＳ 明朝" panose="02020609040205080304" pitchFamily="17" charset="-128"/>
+                        <a:cs typeface="Times New Roman" panose="02020603050405020304" pitchFamily="18" charset="0"/>
+                      </a:endParaRPr>
+                    </a:p>
+                  </a:txBody>
+                  <a:tcPr marL="68580" marR="68580" marT="0" marB="0" anchor="ctr"/>
+                </a:tc>
+                <a:tc>
+                  <a:txBody>
+                    <a:bodyPr/>
+                    <a:lstStyle/>
+                    <a:p>
+                      <a:pPr algn="just">
+                        <a:lnSpc>
+                          <a:spcPts val="1200"/>
+                        </a:lnSpc>
+                        <a:spcAft>
+                          <a:spcPts val="0"/>
+                        </a:spcAft>
+                      </a:pPr>
+                      <a:r>
+                        <a:rPr lang="en-US" sz="1050" kern="100" dirty="0">
+                          <a:effectLst/>
+                        </a:rPr>
+                        <a:t>○</a:t>
+                      </a:r>
+                      <a:endParaRPr lang="ja-JP" sz="1200" kern="100" dirty="0">
+                        <a:effectLst/>
+                        <a:latin typeface="Century" panose="02040604050505020304" pitchFamily="18" charset="0"/>
+                        <a:ea typeface="ＭＳ 明朝" panose="02020609040205080304" pitchFamily="17" charset="-128"/>
+                        <a:cs typeface="Times New Roman" panose="02020603050405020304" pitchFamily="18" charset="0"/>
+                      </a:endParaRPr>
+                    </a:p>
+                  </a:txBody>
+                  <a:tcPr marL="68580" marR="68580" marT="0" marB="0" anchor="ctr"/>
+                </a:tc>
+                <a:tc>
+                  <a:txBody>
+                    <a:bodyPr/>
+                    <a:lstStyle/>
+                    <a:p>
+                      <a:pPr algn="just">
+                        <a:lnSpc>
+                          <a:spcPts val="1200"/>
+                        </a:lnSpc>
+                        <a:spcAft>
+                          <a:spcPts val="0"/>
+                        </a:spcAft>
+                      </a:pPr>
+                      <a:r>
+                        <a:rPr lang="en-US" altLang="ja-JP" sz="1050" kern="100" dirty="0" smtClean="0">
+                          <a:effectLst/>
+                        </a:rPr>
+                        <a:t>×</a:t>
+                      </a:r>
+                      <a:endParaRPr lang="ja-JP" sz="1050" kern="100" dirty="0">
+                        <a:effectLst/>
+                        <a:latin typeface="Century" panose="02040604050505020304" pitchFamily="18" charset="0"/>
+                        <a:ea typeface="ＭＳ 明朝" panose="02020609040205080304" pitchFamily="17" charset="-128"/>
+                        <a:cs typeface="Times New Roman" panose="02020603050405020304" pitchFamily="18" charset="0"/>
+                      </a:endParaRPr>
+                    </a:p>
+                  </a:txBody>
+                  <a:tcPr marL="68580" marR="68580" marT="0" marB="0" anchor="ctr"/>
+                </a:tc>
+                <a:extLst>
+                  <a:ext uri="{0D108BD9-81ED-4DB2-BD59-A6C34878D82A}">
+                    <a16:rowId xmlns="" xmlns:a16="http://schemas.microsoft.com/office/drawing/2014/main" val="10006"/>
+                  </a:ext>
+                </a:extLst>
+              </a:tr>
+              <a:tr h="576080">
+                <a:tc>
+                  <a:txBody>
+                    <a:bodyPr/>
+                    <a:lstStyle/>
+                    <a:p>
+                      <a:pPr algn="just">
+                        <a:spcAft>
+                          <a:spcPts val="0"/>
+                        </a:spcAft>
+                      </a:pPr>
+                      <a:r>
+                        <a:rPr lang="en-US" sz="900" kern="100" dirty="0">
+                          <a:effectLst/>
+                        </a:rPr>
+                        <a:t>OpenStack</a:t>
+                      </a:r>
+                      <a:r>
+                        <a:rPr lang="ja-JP" sz="900" kern="100" dirty="0">
+                          <a:effectLst/>
+                        </a:rPr>
+                        <a:t>ドライバー</a:t>
+                      </a:r>
+                      <a:endParaRPr lang="ja-JP" sz="1050" kern="100" dirty="0">
+                        <a:effectLst/>
+                        <a:latin typeface="Century" panose="02040604050505020304" pitchFamily="18" charset="0"/>
+                        <a:ea typeface="ＭＳ 明朝" panose="02020609040205080304" pitchFamily="17" charset="-128"/>
+                        <a:cs typeface="Times New Roman" panose="02020603050405020304" pitchFamily="18" charset="0"/>
+                      </a:endParaRPr>
+                    </a:p>
+                  </a:txBody>
+                  <a:tcPr marL="68580" marR="68580" marT="0" marB="0" anchor="ctr"/>
+                </a:tc>
+                <a:tc>
+                  <a:txBody>
+                    <a:bodyPr/>
+                    <a:lstStyle/>
+                    <a:p>
+                      <a:pPr algn="just">
+                        <a:spcAft>
+                          <a:spcPts val="0"/>
+                        </a:spcAft>
+                      </a:pPr>
+                      <a:r>
+                        <a:rPr lang="en-US" sz="900" kern="100" dirty="0">
+                          <a:effectLst/>
+                        </a:rPr>
+                        <a:t>OpenStack</a:t>
+                      </a:r>
+                      <a:endParaRPr lang="ja-JP" sz="1050" kern="100" dirty="0">
+                        <a:effectLst/>
+                        <a:latin typeface="Century" panose="02040604050505020304" pitchFamily="18" charset="0"/>
+                        <a:ea typeface="ＭＳ 明朝" panose="02020609040205080304" pitchFamily="17" charset="-128"/>
+                        <a:cs typeface="Times New Roman" panose="02020603050405020304" pitchFamily="18" charset="0"/>
+                      </a:endParaRPr>
+                    </a:p>
+                  </a:txBody>
+                  <a:tcPr marL="68580" marR="68580" marT="0" marB="0" anchor="ctr"/>
+                </a:tc>
+                <a:tc>
+                  <a:txBody>
+                    <a:bodyPr/>
+                    <a:lstStyle/>
+                    <a:p>
+                      <a:pPr indent="-40005" algn="just">
+                        <a:spcAft>
+                          <a:spcPts val="0"/>
+                        </a:spcAft>
+                      </a:pPr>
+                      <a:r>
+                        <a:rPr lang="ja-JP" sz="900" kern="0" dirty="0">
+                          <a:effectLst/>
+                        </a:rPr>
+                        <a:t>仮想システム構築</a:t>
+                      </a:r>
+                      <a:endParaRPr lang="ja-JP" sz="1050" kern="100" dirty="0">
+                        <a:effectLst/>
+                        <a:latin typeface="Century" panose="02040604050505020304" pitchFamily="18" charset="0"/>
+                        <a:ea typeface="ＭＳ 明朝" panose="02020609040205080304" pitchFamily="17" charset="-128"/>
+                        <a:cs typeface="Times New Roman" panose="02020603050405020304" pitchFamily="18" charset="0"/>
+                      </a:endParaRPr>
+                    </a:p>
+                  </a:txBody>
+                  <a:tcPr marL="68580" marR="68580" marT="0" marB="0" anchor="ctr"/>
+                </a:tc>
+                <a:tc>
+                  <a:txBody>
+                    <a:bodyPr/>
+                    <a:lstStyle/>
+                    <a:p>
+                      <a:pPr algn="just">
+                        <a:spcAft>
+                          <a:spcPts val="0"/>
+                        </a:spcAft>
+                      </a:pPr>
+                      <a:r>
+                        <a:rPr lang="en-US" sz="900" kern="100" dirty="0">
+                          <a:effectLst/>
+                        </a:rPr>
+                        <a:t>OSS</a:t>
+                      </a:r>
+                      <a:r>
+                        <a:rPr lang="ja-JP" sz="900" kern="100" dirty="0">
+                          <a:effectLst/>
+                        </a:rPr>
+                        <a:t>のクラウド環境構築ツールです。</a:t>
+                      </a:r>
+                      <a:endParaRPr lang="ja-JP" sz="1050" kern="100" dirty="0">
+                        <a:effectLst/>
+                      </a:endParaRPr>
+                    </a:p>
+                    <a:p>
+                      <a:pPr algn="just">
+                        <a:lnSpc>
+                          <a:spcPts val="1200"/>
+                        </a:lnSpc>
+                        <a:spcAft>
+                          <a:spcPts val="0"/>
+                        </a:spcAft>
+                      </a:pPr>
+                      <a:r>
+                        <a:rPr lang="ja-JP" sz="900" kern="100" dirty="0">
+                          <a:effectLst/>
+                        </a:rPr>
+                        <a:t>クラウド環境に対して、仮想マシン、ストレージ、ネットワークなどを構築することができます。</a:t>
                       </a:r>
                       <a:endParaRPr lang="ja-JP" sz="1050" kern="100" dirty="0">
                         <a:effectLst/>
@@ -33843,10 +33746,231 @@
                         </a:spcAft>
                       </a:pPr>
                       <a:r>
+                        <a:rPr lang="en-US" sz="1050" kern="0" dirty="0">
+                          <a:effectLst/>
+                        </a:rPr>
+                        <a:t>×</a:t>
+                      </a:r>
+                      <a:endParaRPr lang="ja-JP" sz="1200" kern="100" dirty="0">
+                        <a:effectLst/>
+                        <a:latin typeface="Century" panose="02040604050505020304" pitchFamily="18" charset="0"/>
+                        <a:ea typeface="ＭＳ 明朝" panose="02020609040205080304" pitchFamily="17" charset="-128"/>
+                        <a:cs typeface="Times New Roman" panose="02020603050405020304" pitchFamily="18" charset="0"/>
+                      </a:endParaRPr>
+                    </a:p>
+                  </a:txBody>
+                  <a:tcPr marL="68580" marR="68580" marT="0" marB="0" anchor="ctr"/>
+                </a:tc>
+                <a:tc>
+                  <a:txBody>
+                    <a:bodyPr/>
+                    <a:lstStyle/>
+                    <a:p>
+                      <a:pPr algn="just">
+                        <a:lnSpc>
+                          <a:spcPts val="1200"/>
+                        </a:lnSpc>
+                        <a:spcAft>
+                          <a:spcPts val="0"/>
+                        </a:spcAft>
+                      </a:pPr>
+                      <a:r>
+                        <a:rPr lang="en-US" altLang="ja-JP" sz="1050" kern="100" dirty="0" smtClean="0">
+                          <a:effectLst/>
+                        </a:rPr>
+                        <a:t>×</a:t>
+                      </a:r>
+                      <a:endParaRPr lang="ja-JP" sz="1050" kern="100" dirty="0">
+                        <a:effectLst/>
+                        <a:latin typeface="Century" panose="02040604050505020304" pitchFamily="18" charset="0"/>
+                        <a:ea typeface="ＭＳ 明朝" panose="02020609040205080304" pitchFamily="17" charset="-128"/>
+                        <a:cs typeface="Times New Roman" panose="02020603050405020304" pitchFamily="18" charset="0"/>
+                      </a:endParaRPr>
+                    </a:p>
+                  </a:txBody>
+                  <a:tcPr marL="68580" marR="68580" marT="0" marB="0" anchor="ctr"/>
+                </a:tc>
+                <a:extLst>
+                  <a:ext uri="{0D108BD9-81ED-4DB2-BD59-A6C34878D82A}">
+                    <a16:rowId xmlns="" xmlns:a16="http://schemas.microsoft.com/office/drawing/2014/main" val="10007"/>
+                  </a:ext>
+                </a:extLst>
+              </a:tr>
+              <a:tr h="559100">
+                <a:tc>
+                  <a:txBody>
+                    <a:bodyPr/>
+                    <a:lstStyle/>
+                    <a:p>
+                      <a:pPr algn="just">
+                        <a:spcAft>
+                          <a:spcPts val="0"/>
+                        </a:spcAft>
+                      </a:pPr>
+                      <a:r>
+                        <a:rPr lang="en-US" sz="900" kern="100" dirty="0">
+                          <a:effectLst/>
+                        </a:rPr>
+                        <a:t>PowerShell</a:t>
+                      </a:r>
+                      <a:endParaRPr lang="ja-JP" sz="1050" kern="100" dirty="0">
+                        <a:effectLst/>
+                      </a:endParaRPr>
+                    </a:p>
+                    <a:p>
+                      <a:pPr algn="just">
+                        <a:spcAft>
+                          <a:spcPts val="0"/>
+                        </a:spcAft>
+                      </a:pPr>
+                      <a:r>
+                        <a:rPr lang="en-US" sz="900" kern="100" dirty="0">
+                          <a:effectLst/>
+                        </a:rPr>
+                        <a:t>DSC</a:t>
+                      </a:r>
+                      <a:r>
                         <a:rPr lang="ja-JP" sz="900" kern="100" dirty="0">
                           <a:effectLst/>
                         </a:rPr>
-                        <a:t>ホスト群を論理的な単位（機能・役割）でまとめたグループにして、投入するパラメータを管理します。</a:t>
+                        <a:t>ドライバー</a:t>
+                      </a:r>
+                      <a:endParaRPr lang="ja-JP" sz="1050" kern="100" dirty="0">
+                        <a:effectLst/>
+                        <a:latin typeface="Century" panose="02040604050505020304" pitchFamily="18" charset="0"/>
+                        <a:ea typeface="ＭＳ 明朝" panose="02020609040205080304" pitchFamily="17" charset="-128"/>
+                        <a:cs typeface="Times New Roman" panose="02020603050405020304" pitchFamily="18" charset="0"/>
+                      </a:endParaRPr>
+                    </a:p>
+                  </a:txBody>
+                  <a:tcPr marL="68580" marR="68580" marT="0" marB="0" anchor="ctr"/>
+                </a:tc>
+                <a:tc>
+                  <a:txBody>
+                    <a:bodyPr/>
+                    <a:lstStyle/>
+                    <a:p>
+                      <a:pPr algn="just">
+                        <a:spcAft>
+                          <a:spcPts val="0"/>
+                        </a:spcAft>
+                      </a:pPr>
+                      <a:r>
+                        <a:rPr lang="en-US" sz="900" kern="100" dirty="0">
+                          <a:effectLst/>
+                        </a:rPr>
+                        <a:t>PowerShell</a:t>
+                      </a:r>
+                      <a:endParaRPr lang="ja-JP" sz="1050" kern="100" dirty="0">
+                        <a:effectLst/>
+                      </a:endParaRPr>
+                    </a:p>
+                    <a:p>
+                      <a:pPr algn="just">
+                        <a:spcAft>
+                          <a:spcPts val="0"/>
+                        </a:spcAft>
+                      </a:pPr>
+                      <a:r>
+                        <a:rPr lang="en-US" sz="900" kern="100" dirty="0">
+                          <a:effectLst/>
+                        </a:rPr>
+                        <a:t>DSC</a:t>
+                      </a:r>
+                      <a:endParaRPr lang="ja-JP" sz="1050" kern="100" dirty="0">
+                        <a:effectLst/>
+                        <a:latin typeface="Century" panose="02040604050505020304" pitchFamily="18" charset="0"/>
+                        <a:ea typeface="ＭＳ 明朝" panose="02020609040205080304" pitchFamily="17" charset="-128"/>
+                        <a:cs typeface="Times New Roman" panose="02020603050405020304" pitchFamily="18" charset="0"/>
+                      </a:endParaRPr>
+                    </a:p>
+                  </a:txBody>
+                  <a:tcPr marL="68580" marR="68580" marT="0" marB="0" anchor="ctr"/>
+                </a:tc>
+                <a:tc>
+                  <a:txBody>
+                    <a:bodyPr/>
+                    <a:lstStyle/>
+                    <a:p>
+                      <a:pPr indent="-40005" algn="just">
+                        <a:spcAft>
+                          <a:spcPts val="0"/>
+                        </a:spcAft>
+                      </a:pPr>
+                      <a:r>
+                        <a:rPr lang="ja-JP" sz="900" kern="0" dirty="0">
+                          <a:effectLst/>
+                        </a:rPr>
+                        <a:t>システム構築</a:t>
+                      </a:r>
+                      <a:endParaRPr lang="ja-JP" sz="1050" kern="100" dirty="0">
+                        <a:effectLst/>
+                        <a:latin typeface="Century" panose="02040604050505020304" pitchFamily="18" charset="0"/>
+                        <a:ea typeface="ＭＳ 明朝" panose="02020609040205080304" pitchFamily="17" charset="-128"/>
+                        <a:cs typeface="Times New Roman" panose="02020603050405020304" pitchFamily="18" charset="0"/>
+                      </a:endParaRPr>
+                    </a:p>
+                  </a:txBody>
+                  <a:tcPr marL="68580" marR="68580" marT="0" marB="0" anchor="ctr"/>
+                </a:tc>
+                <a:tc>
+                  <a:txBody>
+                    <a:bodyPr/>
+                    <a:lstStyle/>
+                    <a:p>
+                      <a:pPr algn="just">
+                        <a:spcAft>
+                          <a:spcPts val="0"/>
+                        </a:spcAft>
+                      </a:pPr>
+                      <a:r>
+                        <a:rPr lang="en-US" sz="900" kern="0" dirty="0">
+                          <a:effectLst/>
+                        </a:rPr>
+                        <a:t>Microsoft</a:t>
+                      </a:r>
+                      <a:r>
+                        <a:rPr lang="ja-JP" sz="900" kern="0" dirty="0">
+                          <a:effectLst/>
+                        </a:rPr>
+                        <a:t>製の</a:t>
+                      </a:r>
+                      <a:r>
+                        <a:rPr lang="en-US" sz="900" kern="0" dirty="0">
+                          <a:effectLst/>
+                        </a:rPr>
+                        <a:t>PF</a:t>
+                      </a:r>
+                      <a:r>
+                        <a:rPr lang="ja-JP" sz="900" kern="0" dirty="0">
+                          <a:effectLst/>
+                        </a:rPr>
+                        <a:t>構築ツールです。</a:t>
+                      </a:r>
+                      <a:endParaRPr lang="ja-JP" sz="1050" kern="100" dirty="0">
+                        <a:effectLst/>
+                      </a:endParaRPr>
+                    </a:p>
+                    <a:p>
+                      <a:pPr algn="just">
+                        <a:lnSpc>
+                          <a:spcPts val="1200"/>
+                        </a:lnSpc>
+                        <a:spcAft>
+                          <a:spcPts val="0"/>
+                        </a:spcAft>
+                      </a:pPr>
+                      <a:r>
+                        <a:rPr lang="en-US" sz="900" kern="0" dirty="0">
+                          <a:effectLst/>
+                        </a:rPr>
+                        <a:t>Windows</a:t>
+                      </a:r>
+                      <a:r>
+                        <a:rPr lang="ja-JP" sz="900" kern="0" dirty="0">
+                          <a:effectLst/>
+                        </a:rPr>
+                        <a:t>インフラ環境にて、サーバのユーザー作成、ソフトウェアのインストールなどを行うことができます。</a:t>
                       </a:r>
                       <a:endParaRPr lang="ja-JP" sz="1050" kern="100" dirty="0">
                         <a:effectLst/>
@@ -33872,12 +33996,12 @@
                         </a:spcAft>
                       </a:pPr>
                       <a:r>
-                        <a:rPr lang="en-US" sz="900" kern="100" dirty="0">
-                          <a:effectLst/>
-                        </a:rPr>
-                        <a:t>-</a:t>
-                      </a:r>
-                      <a:endParaRPr lang="ja-JP" sz="1050" kern="100" dirty="0">
+                        <a:rPr lang="en-US" sz="1050" kern="0" dirty="0">
+                          <a:effectLst/>
+                        </a:rPr>
+                        <a:t>×</a:t>
+                      </a:r>
+                      <a:endParaRPr lang="ja-JP" sz="1200" kern="100" dirty="0">
                         <a:effectLst/>
                         <a:latin typeface="Century" panose="02040604050505020304" pitchFamily="18" charset="0"/>
                         <a:ea typeface="ＭＳ 明朝" panose="02020609040205080304" pitchFamily="17" charset="-128"/>
@@ -33901,12 +34025,12 @@
                         </a:spcAft>
                       </a:pPr>
                       <a:r>
-                        <a:rPr lang="en-US" altLang="ja-JP" sz="900" kern="100" dirty="0" smtClean="0">
+                        <a:rPr lang="en-US" altLang="ja-JP" sz="1050" kern="100" dirty="0" smtClean="0">
                           <a:effectLst/>
                         </a:rPr>
                         <a:t>×</a:t>
                       </a:r>
-                      <a:endParaRPr lang="ja-JP" sz="900" kern="100" dirty="0">
+                      <a:endParaRPr lang="ja-JP" sz="1050" kern="100" dirty="0">
                         <a:effectLst/>
                         <a:latin typeface="Century" panose="02040604050505020304" pitchFamily="18" charset="0"/>
                         <a:ea typeface="ＭＳ 明朝" panose="02020609040205080304" pitchFamily="17" charset="-128"/>
@@ -33918,1103 +34042,7 @@
                 </a:tc>
                 <a:extLst>
                   <a:ext uri="{0D108BD9-81ED-4DB2-BD59-A6C34878D82A}">
-                    <a16:rowId xmlns:a16="http://schemas.microsoft.com/office/drawing/2014/main" val="10003"/>
-                  </a:ext>
-                </a:extLst>
-              </a:tr>
-              <a:tr h="634249">
-                <a:tc>
-                  <a:txBody>
-                    <a:bodyPr/>
-                    <a:lstStyle/>
-                    <a:p>
-                      <a:pPr algn="just">
-                        <a:spcAft>
-                          <a:spcPts val="0"/>
-                        </a:spcAft>
-                      </a:pPr>
-                      <a:r>
-                        <a:rPr lang="en-US" sz="900" kern="100" dirty="0">
-                          <a:effectLst/>
-                        </a:rPr>
-                        <a:t>Ansible</a:t>
-                      </a:r>
-                      <a:r>
-                        <a:rPr lang="ja-JP" sz="900" kern="100" dirty="0">
-                          <a:effectLst/>
-                        </a:rPr>
-                        <a:t>ドライバー</a:t>
-                      </a:r>
-                      <a:endParaRPr lang="ja-JP" sz="1050" kern="100" dirty="0">
-                        <a:effectLst/>
-                        <a:latin typeface="Century" panose="02040604050505020304" pitchFamily="18" charset="0"/>
-                        <a:ea typeface="ＭＳ 明朝" panose="02020609040205080304" pitchFamily="17" charset="-128"/>
-                        <a:cs typeface="Times New Roman" panose="02020603050405020304" pitchFamily="18" charset="0"/>
-                      </a:endParaRPr>
-                    </a:p>
-                  </a:txBody>
-                  <a:tcPr marL="68580" marR="68580" marT="0" marB="0" anchor="ctr"/>
-                </a:tc>
-                <a:tc>
-                  <a:txBody>
-                    <a:bodyPr/>
-                    <a:lstStyle/>
-                    <a:p>
-                      <a:pPr algn="just">
-                        <a:spcAft>
-                          <a:spcPts val="0"/>
-                        </a:spcAft>
-                      </a:pPr>
-                      <a:r>
-                        <a:rPr lang="en-US" sz="900" kern="100" dirty="0">
-                          <a:effectLst/>
-                        </a:rPr>
-                        <a:t>Ansible</a:t>
-                      </a:r>
-                      <a:endParaRPr lang="ja-JP" sz="1050" kern="100" dirty="0">
-                        <a:effectLst/>
-                        <a:latin typeface="Century" panose="02040604050505020304" pitchFamily="18" charset="0"/>
-                        <a:ea typeface="ＭＳ 明朝" panose="02020609040205080304" pitchFamily="17" charset="-128"/>
-                        <a:cs typeface="Times New Roman" panose="02020603050405020304" pitchFamily="18" charset="0"/>
-                      </a:endParaRPr>
-                    </a:p>
-                  </a:txBody>
-                  <a:tcPr marL="68580" marR="68580" marT="0" marB="0" anchor="ctr"/>
-                </a:tc>
-                <a:tc>
-                  <a:txBody>
-                    <a:bodyPr/>
-                    <a:lstStyle/>
-                    <a:p>
-                      <a:pPr indent="-40005" algn="just">
-                        <a:spcAft>
-                          <a:spcPts val="0"/>
-                        </a:spcAft>
-                      </a:pPr>
-                      <a:r>
-                        <a:rPr lang="ja-JP" sz="900" kern="0" dirty="0">
-                          <a:effectLst/>
-                        </a:rPr>
-                        <a:t>システム構築</a:t>
-                      </a:r>
-                      <a:endParaRPr lang="ja-JP" sz="1050" kern="100" dirty="0">
-                        <a:effectLst/>
-                        <a:latin typeface="Century" panose="02040604050505020304" pitchFamily="18" charset="0"/>
-                        <a:ea typeface="ＭＳ 明朝" panose="02020609040205080304" pitchFamily="17" charset="-128"/>
-                        <a:cs typeface="Times New Roman" panose="02020603050405020304" pitchFamily="18" charset="0"/>
-                      </a:endParaRPr>
-                    </a:p>
-                  </a:txBody>
-                  <a:tcPr marL="68580" marR="68580" marT="0" marB="0" anchor="ctr"/>
-                </a:tc>
-                <a:tc>
-                  <a:txBody>
-                    <a:bodyPr/>
-                    <a:lstStyle/>
-                    <a:p>
-                      <a:pPr algn="l">
-                        <a:lnSpc>
-                          <a:spcPts val="1200"/>
-                        </a:lnSpc>
-                        <a:spcAft>
-                          <a:spcPts val="0"/>
-                        </a:spcAft>
-                      </a:pPr>
-                      <a:r>
-                        <a:rPr lang="en-US" sz="900" kern="100" dirty="0">
-                          <a:effectLst/>
-                        </a:rPr>
-                        <a:t>Red Hat</a:t>
-                      </a:r>
-                      <a:r>
-                        <a:rPr lang="ja-JP" sz="900" kern="100" dirty="0">
-                          <a:effectLst/>
-                        </a:rPr>
-                        <a:t>社が提供する</a:t>
-                      </a:r>
-                      <a:r>
-                        <a:rPr lang="en-US" sz="900" kern="100" dirty="0">
-                          <a:effectLst/>
-                        </a:rPr>
-                        <a:t>OSS</a:t>
-                      </a:r>
-                      <a:r>
-                        <a:rPr lang="ja-JP" sz="900" kern="100" dirty="0">
-                          <a:effectLst/>
-                        </a:rPr>
-                        <a:t>の</a:t>
-                      </a:r>
-                      <a:r>
-                        <a:rPr lang="en-US" sz="900" kern="100" dirty="0">
-                          <a:effectLst/>
-                        </a:rPr>
-                        <a:t>PF</a:t>
-                      </a:r>
-                      <a:r>
-                        <a:rPr lang="ja-JP" sz="900" kern="100" dirty="0">
-                          <a:effectLst/>
-                        </a:rPr>
-                        <a:t>構築ツールです。</a:t>
-                      </a:r>
-                      <a:r>
-                        <a:rPr lang="en-US" sz="900" kern="100" dirty="0">
-                          <a:effectLst/>
-                        </a:rPr>
-                        <a:t/>
-                      </a:r>
-                      <a:br>
-                        <a:rPr lang="en-US" sz="900" kern="100" dirty="0">
-                          <a:effectLst/>
-                        </a:rPr>
-                      </a:br>
-                      <a:r>
-                        <a:rPr lang="en-US" sz="900" kern="100" dirty="0">
-                          <a:effectLst/>
-                        </a:rPr>
-                        <a:t>Playbook</a:t>
-                      </a:r>
-                      <a:r>
-                        <a:rPr lang="ja-JP" sz="900" kern="100" dirty="0">
-                          <a:effectLst/>
-                        </a:rPr>
-                        <a:t>と呼ばれる構築コードをもとに、ネットワークで接続された機器に対して、ソフトウェアのインストール、各種設定、ファイル転送、パッチの適用などを行います。</a:t>
-                      </a:r>
-                      <a:endParaRPr lang="ja-JP" sz="1050" kern="100" dirty="0">
-                        <a:effectLst/>
-                        <a:latin typeface="Century" panose="02040604050505020304" pitchFamily="18" charset="0"/>
-                        <a:ea typeface="ＭＳ 明朝" panose="02020609040205080304" pitchFamily="17" charset="-128"/>
-                        <a:cs typeface="Times New Roman" panose="02020603050405020304" pitchFamily="18" charset="0"/>
-                      </a:endParaRPr>
-                    </a:p>
-                  </a:txBody>
-                  <a:tcPr marL="68580" marR="68580" marT="0" marB="0" anchor="ctr"/>
-                </a:tc>
-                <a:tc>
-                  <a:txBody>
-                    <a:bodyPr/>
-                    <a:lstStyle/>
-                    <a:p>
-                      <a:pPr algn="just">
-                        <a:lnSpc>
-                          <a:spcPts val="1200"/>
-                        </a:lnSpc>
-                        <a:spcAft>
-                          <a:spcPts val="0"/>
-                        </a:spcAft>
-                      </a:pPr>
-                      <a:r>
-                        <a:rPr lang="en-US" sz="900" kern="100" dirty="0">
-                          <a:effectLst/>
-                        </a:rPr>
-                        <a:t>○</a:t>
-                      </a:r>
-                      <a:endParaRPr lang="ja-JP" sz="1050" kern="100" dirty="0">
-                        <a:effectLst/>
-                        <a:latin typeface="Century" panose="02040604050505020304" pitchFamily="18" charset="0"/>
-                        <a:ea typeface="ＭＳ 明朝" panose="02020609040205080304" pitchFamily="17" charset="-128"/>
-                        <a:cs typeface="Times New Roman" panose="02020603050405020304" pitchFamily="18" charset="0"/>
-                      </a:endParaRPr>
-                    </a:p>
-                  </a:txBody>
-                  <a:tcPr marL="68580" marR="68580" marT="0" marB="0" anchor="ctr"/>
-                </a:tc>
-                <a:tc>
-                  <a:txBody>
-                    <a:bodyPr/>
-                    <a:lstStyle/>
-                    <a:p>
-                      <a:pPr algn="just">
-                        <a:lnSpc>
-                          <a:spcPts val="1200"/>
-                        </a:lnSpc>
-                        <a:spcAft>
-                          <a:spcPts val="0"/>
-                        </a:spcAft>
-                      </a:pPr>
-                      <a:r>
-                        <a:rPr lang="ja-JP" altLang="en-US" sz="900" kern="100" dirty="0" smtClean="0">
-                          <a:effectLst/>
-                        </a:rPr>
-                        <a:t>○</a:t>
-                      </a:r>
-                      <a:endParaRPr lang="ja-JP" sz="900" kern="100" dirty="0">
-                        <a:effectLst/>
-                        <a:latin typeface="+mn-ea"/>
-                        <a:ea typeface="+mn-ea"/>
-                        <a:cs typeface="Times New Roman" panose="02020603050405020304" pitchFamily="18" charset="0"/>
-                      </a:endParaRPr>
-                    </a:p>
-                  </a:txBody>
-                  <a:tcPr marL="68580" marR="68580" marT="0" marB="0" anchor="ctr"/>
-                </a:tc>
-                <a:extLst>
-                  <a:ext uri="{0D108BD9-81ED-4DB2-BD59-A6C34878D82A}">
-                    <a16:rowId xmlns:a16="http://schemas.microsoft.com/office/drawing/2014/main" val="10004"/>
-                  </a:ext>
-                </a:extLst>
-              </a:tr>
-              <a:tr h="563713">
-                <a:tc>
-                  <a:txBody>
-                    <a:bodyPr/>
-                    <a:lstStyle/>
-                    <a:p>
-                      <a:pPr algn="just">
-                        <a:spcAft>
-                          <a:spcPts val="0"/>
-                        </a:spcAft>
-                      </a:pPr>
-                      <a:r>
-                        <a:rPr lang="en-US" sz="900" kern="100" dirty="0">
-                          <a:effectLst/>
-                        </a:rPr>
-                        <a:t>AnsibleTower</a:t>
-                      </a:r>
-                      <a:r>
-                        <a:rPr lang="ja-JP" sz="900" kern="100" dirty="0">
-                          <a:effectLst/>
-                        </a:rPr>
-                        <a:t>ドライバー</a:t>
-                      </a:r>
-                      <a:endParaRPr lang="ja-JP" sz="1050" kern="100" dirty="0">
-                        <a:effectLst/>
-                        <a:latin typeface="Century" panose="02040604050505020304" pitchFamily="18" charset="0"/>
-                        <a:ea typeface="ＭＳ 明朝" panose="02020609040205080304" pitchFamily="17" charset="-128"/>
-                        <a:cs typeface="Times New Roman" panose="02020603050405020304" pitchFamily="18" charset="0"/>
-                      </a:endParaRPr>
-                    </a:p>
-                  </a:txBody>
-                  <a:tcPr marL="68580" marR="68580" marT="0" marB="0" anchor="ctr"/>
-                </a:tc>
-                <a:tc>
-                  <a:txBody>
-                    <a:bodyPr/>
-                    <a:lstStyle/>
-                    <a:p>
-                      <a:pPr algn="just">
-                        <a:spcAft>
-                          <a:spcPts val="0"/>
-                        </a:spcAft>
-                      </a:pPr>
-                      <a:r>
-                        <a:rPr lang="en-US" sz="900" kern="100" dirty="0">
-                          <a:effectLst/>
-                        </a:rPr>
-                        <a:t>AnsibleTower</a:t>
-                      </a:r>
-                      <a:endParaRPr lang="ja-JP" sz="1050" kern="100" dirty="0">
-                        <a:effectLst/>
-                        <a:latin typeface="Century" panose="02040604050505020304" pitchFamily="18" charset="0"/>
-                        <a:ea typeface="ＭＳ 明朝" panose="02020609040205080304" pitchFamily="17" charset="-128"/>
-                        <a:cs typeface="Times New Roman" panose="02020603050405020304" pitchFamily="18" charset="0"/>
-                      </a:endParaRPr>
-                    </a:p>
-                  </a:txBody>
-                  <a:tcPr marL="68580" marR="68580" marT="0" marB="0" anchor="ctr"/>
-                </a:tc>
-                <a:tc>
-                  <a:txBody>
-                    <a:bodyPr/>
-                    <a:lstStyle/>
-                    <a:p>
-                      <a:pPr marL="0" indent="0" algn="l">
-                        <a:spcAft>
-                          <a:spcPts val="0"/>
-                        </a:spcAft>
-                      </a:pPr>
-                      <a:r>
-                        <a:rPr lang="ja-JP" altLang="en-US" sz="900" kern="100" dirty="0" smtClean="0">
-                          <a:effectLst/>
-                          <a:latin typeface="+mn-ea"/>
-                          <a:ea typeface="+mn-ea"/>
-                          <a:cs typeface="Times New Roman" panose="02020603050405020304" pitchFamily="18" charset="0"/>
-                        </a:rPr>
-                        <a:t>システム構築</a:t>
-                      </a:r>
-                      <a:endParaRPr lang="ja-JP" sz="900" kern="100" dirty="0">
-                        <a:effectLst/>
-                        <a:latin typeface="+mn-ea"/>
-                        <a:ea typeface="+mn-ea"/>
-                        <a:cs typeface="Times New Roman" panose="02020603050405020304" pitchFamily="18" charset="0"/>
-                      </a:endParaRPr>
-                    </a:p>
-                  </a:txBody>
-                  <a:tcPr marL="68580" marR="68580" marT="0" marB="0" anchor="ctr"/>
-                </a:tc>
-                <a:tc>
-                  <a:txBody>
-                    <a:bodyPr/>
-                    <a:lstStyle/>
-                    <a:p>
-                      <a:pPr algn="just">
-                        <a:lnSpc>
-                          <a:spcPts val="1200"/>
-                        </a:lnSpc>
-                        <a:spcAft>
-                          <a:spcPts val="0"/>
-                        </a:spcAft>
-                      </a:pPr>
-                      <a:r>
-                        <a:rPr lang="en-US" sz="900" kern="0" dirty="0">
-                          <a:effectLst/>
-                        </a:rPr>
-                        <a:t>PF</a:t>
-                      </a:r>
-                      <a:r>
-                        <a:rPr lang="ja-JP" sz="900" kern="0" dirty="0">
-                          <a:effectLst/>
-                        </a:rPr>
-                        <a:t>構築自動化ツールである</a:t>
-                      </a:r>
-                      <a:r>
-                        <a:rPr lang="en-US" sz="900" kern="0" dirty="0">
-                          <a:effectLst/>
-                        </a:rPr>
-                        <a:t>Ansible</a:t>
-                      </a:r>
-                      <a:r>
-                        <a:rPr lang="ja-JP" sz="900" kern="0" dirty="0">
-                          <a:effectLst/>
-                        </a:rPr>
-                        <a:t>にアクセスコントロール、ジョブスケジューリング、タスクの可視化などの機能を拡張した管理プラットフォームです。</a:t>
-                      </a:r>
-                      <a:endParaRPr lang="ja-JP" sz="1050" kern="100" dirty="0">
-                        <a:effectLst/>
-                        <a:latin typeface="Century" panose="02040604050505020304" pitchFamily="18" charset="0"/>
-                        <a:ea typeface="ＭＳ 明朝" panose="02020609040205080304" pitchFamily="17" charset="-128"/>
-                        <a:cs typeface="Times New Roman" panose="02020603050405020304" pitchFamily="18" charset="0"/>
-                      </a:endParaRPr>
-                    </a:p>
-                  </a:txBody>
-                  <a:tcPr marL="68580" marR="68580" marT="0" marB="0" anchor="ctr"/>
-                </a:tc>
-                <a:tc>
-                  <a:txBody>
-                    <a:bodyPr/>
-                    <a:lstStyle/>
-                    <a:p>
-                      <a:pPr algn="just">
-                        <a:lnSpc>
-                          <a:spcPts val="1200"/>
-                        </a:lnSpc>
-                        <a:spcAft>
-                          <a:spcPts val="0"/>
-                        </a:spcAft>
-                      </a:pPr>
-                      <a:r>
-                        <a:rPr lang="en-US" altLang="ja-JP" sz="900" kern="100" dirty="0" smtClean="0">
-                          <a:effectLst/>
-                        </a:rPr>
-                        <a:t>×</a:t>
-                      </a:r>
-                      <a:endParaRPr lang="ja-JP" altLang="ja-JP" sz="900" kern="100" dirty="0">
-                        <a:effectLst/>
-                        <a:latin typeface="+mn-lt"/>
-                        <a:ea typeface="ＭＳ 明朝" panose="02020609040205080304" pitchFamily="17" charset="-128"/>
-                        <a:cs typeface="Times New Roman" panose="02020603050405020304" pitchFamily="18" charset="0"/>
-                      </a:endParaRPr>
-                    </a:p>
-                  </a:txBody>
-                  <a:tcPr marL="68580" marR="68580" marT="0" marB="0" anchor="ctr"/>
-                </a:tc>
-                <a:tc>
-                  <a:txBody>
-                    <a:bodyPr/>
-                    <a:lstStyle/>
-                    <a:p>
-                      <a:pPr algn="just">
-                        <a:spcAft>
-                          <a:spcPts val="0"/>
-                        </a:spcAft>
-                      </a:pPr>
-                      <a:r>
-                        <a:rPr lang="en-US" altLang="ja-JP" sz="900" kern="100" dirty="0" smtClean="0">
-                          <a:effectLst/>
-                        </a:rPr>
-                        <a:t>×</a:t>
-                      </a:r>
-                      <a:endParaRPr lang="ja-JP" sz="900" kern="100" dirty="0">
-                        <a:effectLst/>
-                        <a:latin typeface="Century" panose="02040604050505020304" pitchFamily="18" charset="0"/>
-                        <a:ea typeface="ＭＳ 明朝" panose="02020609040205080304" pitchFamily="17" charset="-128"/>
-                        <a:cs typeface="Times New Roman" panose="02020603050405020304" pitchFamily="18" charset="0"/>
-                      </a:endParaRPr>
-                    </a:p>
-                  </a:txBody>
-                  <a:tcPr marL="68580" marR="68580" marT="0" marB="0" anchor="ctr"/>
-                </a:tc>
-                <a:extLst>
-                  <a:ext uri="{0D108BD9-81ED-4DB2-BD59-A6C34878D82A}">
-                    <a16:rowId xmlns:a16="http://schemas.microsoft.com/office/drawing/2014/main" val="10005"/>
-                  </a:ext>
-                </a:extLst>
-              </a:tr>
-              <a:tr h="504070">
-                <a:tc>
-                  <a:txBody>
-                    <a:bodyPr/>
-                    <a:lstStyle/>
-                    <a:p>
-                      <a:pPr algn="just">
-                        <a:spcAft>
-                          <a:spcPts val="0"/>
-                        </a:spcAft>
-                      </a:pPr>
-                      <a:r>
-                        <a:rPr lang="en-US" sz="900" kern="100" dirty="0" smtClean="0">
-                          <a:effectLst/>
-                        </a:rPr>
-                        <a:t>Cobbler</a:t>
-                      </a:r>
-                      <a:r>
-                        <a:rPr lang="ja-JP" sz="900" kern="100" dirty="0">
-                          <a:effectLst/>
-                        </a:rPr>
-                        <a:t>ドライバー</a:t>
-                      </a:r>
-                      <a:endParaRPr lang="ja-JP" sz="1050" kern="100" dirty="0">
-                        <a:effectLst/>
-                        <a:latin typeface="Century" panose="02040604050505020304" pitchFamily="18" charset="0"/>
-                        <a:ea typeface="ＭＳ 明朝" panose="02020609040205080304" pitchFamily="17" charset="-128"/>
-                        <a:cs typeface="Times New Roman" panose="02020603050405020304" pitchFamily="18" charset="0"/>
-                      </a:endParaRPr>
-                    </a:p>
-                  </a:txBody>
-                  <a:tcPr marL="68580" marR="68580" marT="0" marB="0" anchor="ctr"/>
-                </a:tc>
-                <a:tc>
-                  <a:txBody>
-                    <a:bodyPr/>
-                    <a:lstStyle/>
-                    <a:p>
-                      <a:pPr algn="just">
-                        <a:spcAft>
-                          <a:spcPts val="0"/>
-                        </a:spcAft>
-                      </a:pPr>
-                      <a:r>
-                        <a:rPr lang="en-US" sz="900" kern="100" dirty="0" smtClean="0">
-                          <a:effectLst/>
-                        </a:rPr>
-                        <a:t>Cobbler</a:t>
-                      </a:r>
-                      <a:endParaRPr lang="ja-JP" sz="1050" kern="100" dirty="0">
-                        <a:effectLst/>
-                        <a:latin typeface="Century" panose="02040604050505020304" pitchFamily="18" charset="0"/>
-                        <a:ea typeface="ＭＳ 明朝" panose="02020609040205080304" pitchFamily="17" charset="-128"/>
-                        <a:cs typeface="Times New Roman" panose="02020603050405020304" pitchFamily="18" charset="0"/>
-                      </a:endParaRPr>
-                    </a:p>
-                  </a:txBody>
-                  <a:tcPr marL="68580" marR="68580" marT="0" marB="0" anchor="ctr"/>
-                </a:tc>
-                <a:tc>
-                  <a:txBody>
-                    <a:bodyPr/>
-                    <a:lstStyle/>
-                    <a:p>
-                      <a:pPr indent="-40005" algn="just">
-                        <a:spcAft>
-                          <a:spcPts val="0"/>
-                        </a:spcAft>
-                      </a:pPr>
-                      <a:r>
-                        <a:rPr lang="en-US" sz="900" kern="0" dirty="0">
-                          <a:effectLst/>
-                        </a:rPr>
-                        <a:t>OS</a:t>
-                      </a:r>
-                      <a:r>
-                        <a:rPr lang="ja-JP" sz="900" kern="0" dirty="0">
-                          <a:effectLst/>
-                        </a:rPr>
-                        <a:t>インストール</a:t>
-                      </a:r>
-                      <a:endParaRPr lang="ja-JP" sz="1050" kern="100" dirty="0">
-                        <a:effectLst/>
-                        <a:latin typeface="Century" panose="02040604050505020304" pitchFamily="18" charset="0"/>
-                        <a:ea typeface="ＭＳ 明朝" panose="02020609040205080304" pitchFamily="17" charset="-128"/>
-                        <a:cs typeface="Times New Roman" panose="02020603050405020304" pitchFamily="18" charset="0"/>
-                      </a:endParaRPr>
-                    </a:p>
-                  </a:txBody>
-                  <a:tcPr marL="68580" marR="68580" marT="0" marB="0" anchor="ctr"/>
-                </a:tc>
-                <a:tc>
-                  <a:txBody>
-                    <a:bodyPr/>
-                    <a:lstStyle/>
-                    <a:p>
-                      <a:pPr algn="l">
-                        <a:lnSpc>
-                          <a:spcPts val="1200"/>
-                        </a:lnSpc>
-                        <a:spcAft>
-                          <a:spcPts val="0"/>
-                        </a:spcAft>
-                      </a:pPr>
-                      <a:r>
-                        <a:rPr lang="en-US" sz="900" kern="0" dirty="0">
-                          <a:effectLst/>
-                        </a:rPr>
-                        <a:t>OSS</a:t>
-                      </a:r>
-                      <a:r>
-                        <a:rPr lang="ja-JP" sz="900" kern="0" dirty="0">
-                          <a:effectLst/>
-                        </a:rPr>
-                        <a:t>のインストール自動化ツールです。</a:t>
-                      </a:r>
-                      <a:r>
-                        <a:rPr lang="en-US" sz="900" kern="0" dirty="0">
-                          <a:effectLst/>
-                        </a:rPr>
-                        <a:t/>
-                      </a:r>
-                      <a:br>
-                        <a:rPr lang="en-US" sz="900" kern="0" dirty="0">
-                          <a:effectLst/>
-                        </a:rPr>
-                      </a:br>
-                      <a:r>
-                        <a:rPr lang="ja-JP" sz="900" kern="0" dirty="0">
-                          <a:effectLst/>
-                        </a:rPr>
-                        <a:t>あらかじめ作成したテンプレートを元に、ネットワークで接続された機器に対して、</a:t>
-                      </a:r>
-                      <a:r>
-                        <a:rPr lang="en-US" sz="900" kern="0" dirty="0">
-                          <a:effectLst/>
-                        </a:rPr>
-                        <a:t>OS</a:t>
-                      </a:r>
-                      <a:r>
-                        <a:rPr lang="ja-JP" sz="900" kern="0" dirty="0">
-                          <a:effectLst/>
-                        </a:rPr>
-                        <a:t>のインストールを行うことができます。</a:t>
-                      </a:r>
-                      <a:endParaRPr lang="ja-JP" sz="1050" kern="100" dirty="0">
-                        <a:effectLst/>
-                        <a:latin typeface="Century" panose="02040604050505020304" pitchFamily="18" charset="0"/>
-                        <a:ea typeface="ＭＳ 明朝" panose="02020609040205080304" pitchFamily="17" charset="-128"/>
-                        <a:cs typeface="Times New Roman" panose="02020603050405020304" pitchFamily="18" charset="0"/>
-                      </a:endParaRPr>
-                    </a:p>
-                  </a:txBody>
-                  <a:tcPr marL="68580" marR="68580" marT="0" marB="0" anchor="ctr"/>
-                </a:tc>
-                <a:tc>
-                  <a:txBody>
-                    <a:bodyPr/>
-                    <a:lstStyle/>
-                    <a:p>
-                      <a:pPr algn="just">
-                        <a:lnSpc>
-                          <a:spcPts val="1200"/>
-                        </a:lnSpc>
-                        <a:spcAft>
-                          <a:spcPts val="0"/>
-                        </a:spcAft>
-                      </a:pPr>
-                      <a:r>
-                        <a:rPr lang="en-US" sz="900" kern="100" dirty="0">
-                          <a:effectLst/>
-                        </a:rPr>
-                        <a:t>○</a:t>
-                      </a:r>
-                      <a:endParaRPr lang="ja-JP" sz="1050" kern="100" dirty="0">
-                        <a:effectLst/>
-                        <a:latin typeface="Century" panose="02040604050505020304" pitchFamily="18" charset="0"/>
-                        <a:ea typeface="ＭＳ 明朝" panose="02020609040205080304" pitchFamily="17" charset="-128"/>
-                        <a:cs typeface="Times New Roman" panose="02020603050405020304" pitchFamily="18" charset="0"/>
-                      </a:endParaRPr>
-                    </a:p>
-                  </a:txBody>
-                  <a:tcPr marL="68580" marR="68580" marT="0" marB="0" anchor="ctr"/>
-                </a:tc>
-                <a:tc>
-                  <a:txBody>
-                    <a:bodyPr/>
-                    <a:lstStyle/>
-                    <a:p>
-                      <a:pPr algn="just">
-                        <a:lnSpc>
-                          <a:spcPts val="1200"/>
-                        </a:lnSpc>
-                        <a:spcAft>
-                          <a:spcPts val="0"/>
-                        </a:spcAft>
-                      </a:pPr>
-                      <a:r>
-                        <a:rPr lang="en-US" altLang="ja-JP" sz="900" kern="100" dirty="0" smtClean="0">
-                          <a:effectLst/>
-                        </a:rPr>
-                        <a:t>×</a:t>
-                      </a:r>
-                      <a:endParaRPr lang="ja-JP" sz="900" kern="100" dirty="0">
-                        <a:effectLst/>
-                        <a:latin typeface="Century" panose="02040604050505020304" pitchFamily="18" charset="0"/>
-                        <a:ea typeface="ＭＳ 明朝" panose="02020609040205080304" pitchFamily="17" charset="-128"/>
-                        <a:cs typeface="Times New Roman" panose="02020603050405020304" pitchFamily="18" charset="0"/>
-                      </a:endParaRPr>
-                    </a:p>
-                  </a:txBody>
-                  <a:tcPr marL="68580" marR="68580" marT="0" marB="0" anchor="ctr"/>
-                </a:tc>
-                <a:extLst>
-                  <a:ext uri="{0D108BD9-81ED-4DB2-BD59-A6C34878D82A}">
-                    <a16:rowId xmlns:a16="http://schemas.microsoft.com/office/drawing/2014/main" val="10006"/>
-                  </a:ext>
-                </a:extLst>
-              </a:tr>
-              <a:tr h="459830">
-                <a:tc>
-                  <a:txBody>
-                    <a:bodyPr/>
-                    <a:lstStyle/>
-                    <a:p>
-                      <a:pPr algn="just">
-                        <a:spcAft>
-                          <a:spcPts val="0"/>
-                        </a:spcAft>
-                      </a:pPr>
-                      <a:r>
-                        <a:rPr lang="en-US" sz="900" kern="100" dirty="0">
-                          <a:effectLst/>
-                        </a:rPr>
-                        <a:t>OpenStack</a:t>
-                      </a:r>
-                      <a:r>
-                        <a:rPr lang="ja-JP" sz="900" kern="100" dirty="0">
-                          <a:effectLst/>
-                        </a:rPr>
-                        <a:t>ドライバー</a:t>
-                      </a:r>
-                      <a:endParaRPr lang="ja-JP" sz="1050" kern="100" dirty="0">
-                        <a:effectLst/>
-                        <a:latin typeface="Century" panose="02040604050505020304" pitchFamily="18" charset="0"/>
-                        <a:ea typeface="ＭＳ 明朝" panose="02020609040205080304" pitchFamily="17" charset="-128"/>
-                        <a:cs typeface="Times New Roman" panose="02020603050405020304" pitchFamily="18" charset="0"/>
-                      </a:endParaRPr>
-                    </a:p>
-                  </a:txBody>
-                  <a:tcPr marL="68580" marR="68580" marT="0" marB="0" anchor="ctr"/>
-                </a:tc>
-                <a:tc>
-                  <a:txBody>
-                    <a:bodyPr/>
-                    <a:lstStyle/>
-                    <a:p>
-                      <a:pPr algn="just">
-                        <a:spcAft>
-                          <a:spcPts val="0"/>
-                        </a:spcAft>
-                      </a:pPr>
-                      <a:r>
-                        <a:rPr lang="en-US" sz="900" kern="100" dirty="0">
-                          <a:effectLst/>
-                        </a:rPr>
-                        <a:t>OpenStack</a:t>
-                      </a:r>
-                      <a:endParaRPr lang="ja-JP" sz="1050" kern="100" dirty="0">
-                        <a:effectLst/>
-                        <a:latin typeface="Century" panose="02040604050505020304" pitchFamily="18" charset="0"/>
-                        <a:ea typeface="ＭＳ 明朝" panose="02020609040205080304" pitchFamily="17" charset="-128"/>
-                        <a:cs typeface="Times New Roman" panose="02020603050405020304" pitchFamily="18" charset="0"/>
-                      </a:endParaRPr>
-                    </a:p>
-                  </a:txBody>
-                  <a:tcPr marL="68580" marR="68580" marT="0" marB="0" anchor="ctr"/>
-                </a:tc>
-                <a:tc>
-                  <a:txBody>
-                    <a:bodyPr/>
-                    <a:lstStyle/>
-                    <a:p>
-                      <a:pPr indent="-40005" algn="just">
-                        <a:spcAft>
-                          <a:spcPts val="0"/>
-                        </a:spcAft>
-                      </a:pPr>
-                      <a:r>
-                        <a:rPr lang="ja-JP" sz="900" kern="0" dirty="0">
-                          <a:effectLst/>
-                        </a:rPr>
-                        <a:t>仮想システム構築</a:t>
-                      </a:r>
-                      <a:endParaRPr lang="ja-JP" sz="1050" kern="100" dirty="0">
-                        <a:effectLst/>
-                        <a:latin typeface="Century" panose="02040604050505020304" pitchFamily="18" charset="0"/>
-                        <a:ea typeface="ＭＳ 明朝" panose="02020609040205080304" pitchFamily="17" charset="-128"/>
-                        <a:cs typeface="Times New Roman" panose="02020603050405020304" pitchFamily="18" charset="0"/>
-                      </a:endParaRPr>
-                    </a:p>
-                  </a:txBody>
-                  <a:tcPr marL="68580" marR="68580" marT="0" marB="0" anchor="ctr"/>
-                </a:tc>
-                <a:tc>
-                  <a:txBody>
-                    <a:bodyPr/>
-                    <a:lstStyle/>
-                    <a:p>
-                      <a:pPr algn="just">
-                        <a:spcAft>
-                          <a:spcPts val="0"/>
-                        </a:spcAft>
-                      </a:pPr>
-                      <a:r>
-                        <a:rPr lang="en-US" sz="900" kern="100" dirty="0">
-                          <a:effectLst/>
-                        </a:rPr>
-                        <a:t>OSS</a:t>
-                      </a:r>
-                      <a:r>
-                        <a:rPr lang="ja-JP" sz="900" kern="100" dirty="0">
-                          <a:effectLst/>
-                        </a:rPr>
-                        <a:t>のクラウド環境構築ツールです。</a:t>
-                      </a:r>
-                      <a:endParaRPr lang="ja-JP" sz="1050" kern="100" dirty="0">
-                        <a:effectLst/>
-                      </a:endParaRPr>
-                    </a:p>
-                    <a:p>
-                      <a:pPr algn="just">
-                        <a:lnSpc>
-                          <a:spcPts val="1200"/>
-                        </a:lnSpc>
-                        <a:spcAft>
-                          <a:spcPts val="0"/>
-                        </a:spcAft>
-                      </a:pPr>
-                      <a:r>
-                        <a:rPr lang="ja-JP" sz="900" kern="100" dirty="0">
-                          <a:effectLst/>
-                        </a:rPr>
-                        <a:t>クラウド環境に対して、仮想マシン、ストレージ、ネットワークなどを構築することができます。</a:t>
-                      </a:r>
-                      <a:endParaRPr lang="ja-JP" sz="1050" kern="100" dirty="0">
-                        <a:effectLst/>
-                        <a:latin typeface="Century" panose="02040604050505020304" pitchFamily="18" charset="0"/>
-                        <a:ea typeface="ＭＳ 明朝" panose="02020609040205080304" pitchFamily="17" charset="-128"/>
-                        <a:cs typeface="Times New Roman" panose="02020603050405020304" pitchFamily="18" charset="0"/>
-                      </a:endParaRPr>
-                    </a:p>
-                  </a:txBody>
-                  <a:tcPr marL="68580" marR="68580" marT="0" marB="0" anchor="ctr"/>
-                </a:tc>
-                <a:tc>
-                  <a:txBody>
-                    <a:bodyPr/>
-                    <a:lstStyle/>
-                    <a:p>
-                      <a:pPr algn="just">
-                        <a:lnSpc>
-                          <a:spcPts val="1200"/>
-                        </a:lnSpc>
-                        <a:spcAft>
-                          <a:spcPts val="0"/>
-                        </a:spcAft>
-                      </a:pPr>
-                      <a:r>
-                        <a:rPr lang="en-US" sz="900" kern="0" dirty="0">
-                          <a:effectLst/>
-                        </a:rPr>
-                        <a:t>×</a:t>
-                      </a:r>
-                      <a:endParaRPr lang="ja-JP" sz="1050" kern="100" dirty="0">
-                        <a:effectLst/>
-                        <a:latin typeface="Century" panose="02040604050505020304" pitchFamily="18" charset="0"/>
-                        <a:ea typeface="ＭＳ 明朝" panose="02020609040205080304" pitchFamily="17" charset="-128"/>
-                        <a:cs typeface="Times New Roman" panose="02020603050405020304" pitchFamily="18" charset="0"/>
-                      </a:endParaRPr>
-                    </a:p>
-                  </a:txBody>
-                  <a:tcPr marL="68580" marR="68580" marT="0" marB="0" anchor="ctr"/>
-                </a:tc>
-                <a:tc>
-                  <a:txBody>
-                    <a:bodyPr/>
-                    <a:lstStyle/>
-                    <a:p>
-                      <a:pPr algn="just">
-                        <a:lnSpc>
-                          <a:spcPts val="1200"/>
-                        </a:lnSpc>
-                        <a:spcAft>
-                          <a:spcPts val="0"/>
-                        </a:spcAft>
-                      </a:pPr>
-                      <a:r>
-                        <a:rPr lang="en-US" altLang="ja-JP" sz="900" kern="100" dirty="0" smtClean="0">
-                          <a:effectLst/>
-                        </a:rPr>
-                        <a:t>×</a:t>
-                      </a:r>
-                      <a:endParaRPr lang="ja-JP" sz="900" kern="100" dirty="0">
-                        <a:effectLst/>
-                        <a:latin typeface="Century" panose="02040604050505020304" pitchFamily="18" charset="0"/>
-                        <a:ea typeface="ＭＳ 明朝" panose="02020609040205080304" pitchFamily="17" charset="-128"/>
-                        <a:cs typeface="Times New Roman" panose="02020603050405020304" pitchFamily="18" charset="0"/>
-                      </a:endParaRPr>
-                    </a:p>
-                  </a:txBody>
-                  <a:tcPr marL="68580" marR="68580" marT="0" marB="0" anchor="ctr"/>
-                </a:tc>
-                <a:extLst>
-                  <a:ext uri="{0D108BD9-81ED-4DB2-BD59-A6C34878D82A}">
-                    <a16:rowId xmlns:a16="http://schemas.microsoft.com/office/drawing/2014/main" val="10007"/>
-                  </a:ext>
-                </a:extLst>
-              </a:tr>
-              <a:tr h="459830">
-                <a:tc>
-                  <a:txBody>
-                    <a:bodyPr/>
-                    <a:lstStyle/>
-                    <a:p>
-                      <a:pPr algn="just">
-                        <a:spcAft>
-                          <a:spcPts val="0"/>
-                        </a:spcAft>
-                      </a:pPr>
-                      <a:r>
-                        <a:rPr lang="en-US" sz="900" kern="100" dirty="0">
-                          <a:effectLst/>
-                        </a:rPr>
-                        <a:t>PowerShell</a:t>
-                      </a:r>
-                      <a:endParaRPr lang="ja-JP" sz="1050" kern="100" dirty="0">
-                        <a:effectLst/>
-                      </a:endParaRPr>
-                    </a:p>
-                    <a:p>
-                      <a:pPr algn="just">
-                        <a:spcAft>
-                          <a:spcPts val="0"/>
-                        </a:spcAft>
-                      </a:pPr>
-                      <a:r>
-                        <a:rPr lang="en-US" sz="900" kern="100" dirty="0">
-                          <a:effectLst/>
-                        </a:rPr>
-                        <a:t>DSC</a:t>
-                      </a:r>
-                      <a:r>
-                        <a:rPr lang="ja-JP" sz="900" kern="100" dirty="0">
-                          <a:effectLst/>
-                        </a:rPr>
-                        <a:t>ドライバー</a:t>
-                      </a:r>
-                      <a:endParaRPr lang="ja-JP" sz="1050" kern="100" dirty="0">
-                        <a:effectLst/>
-                        <a:latin typeface="Century" panose="02040604050505020304" pitchFamily="18" charset="0"/>
-                        <a:ea typeface="ＭＳ 明朝" panose="02020609040205080304" pitchFamily="17" charset="-128"/>
-                        <a:cs typeface="Times New Roman" panose="02020603050405020304" pitchFamily="18" charset="0"/>
-                      </a:endParaRPr>
-                    </a:p>
-                  </a:txBody>
-                  <a:tcPr marL="68580" marR="68580" marT="0" marB="0" anchor="ctr"/>
-                </a:tc>
-                <a:tc>
-                  <a:txBody>
-                    <a:bodyPr/>
-                    <a:lstStyle/>
-                    <a:p>
-                      <a:pPr algn="just">
-                        <a:spcAft>
-                          <a:spcPts val="0"/>
-                        </a:spcAft>
-                      </a:pPr>
-                      <a:r>
-                        <a:rPr lang="en-US" sz="900" kern="100" dirty="0">
-                          <a:effectLst/>
-                        </a:rPr>
-                        <a:t>PowerShell</a:t>
-                      </a:r>
-                      <a:endParaRPr lang="ja-JP" sz="1050" kern="100" dirty="0">
-                        <a:effectLst/>
-                      </a:endParaRPr>
-                    </a:p>
-                    <a:p>
-                      <a:pPr algn="just">
-                        <a:spcAft>
-                          <a:spcPts val="0"/>
-                        </a:spcAft>
-                      </a:pPr>
-                      <a:r>
-                        <a:rPr lang="en-US" sz="900" kern="100" dirty="0">
-                          <a:effectLst/>
-                        </a:rPr>
-                        <a:t>DSC</a:t>
-                      </a:r>
-                      <a:endParaRPr lang="ja-JP" sz="1050" kern="100" dirty="0">
-                        <a:effectLst/>
-                        <a:latin typeface="Century" panose="02040604050505020304" pitchFamily="18" charset="0"/>
-                        <a:ea typeface="ＭＳ 明朝" panose="02020609040205080304" pitchFamily="17" charset="-128"/>
-                        <a:cs typeface="Times New Roman" panose="02020603050405020304" pitchFamily="18" charset="0"/>
-                      </a:endParaRPr>
-                    </a:p>
-                  </a:txBody>
-                  <a:tcPr marL="68580" marR="68580" marT="0" marB="0" anchor="ctr"/>
-                </a:tc>
-                <a:tc>
-                  <a:txBody>
-                    <a:bodyPr/>
-                    <a:lstStyle/>
-                    <a:p>
-                      <a:pPr indent="-40005" algn="just">
-                        <a:spcAft>
-                          <a:spcPts val="0"/>
-                        </a:spcAft>
-                      </a:pPr>
-                      <a:r>
-                        <a:rPr lang="ja-JP" sz="900" kern="0" dirty="0">
-                          <a:effectLst/>
-                        </a:rPr>
-                        <a:t>システム構築</a:t>
-                      </a:r>
-                      <a:endParaRPr lang="ja-JP" sz="1050" kern="100" dirty="0">
-                        <a:effectLst/>
-                        <a:latin typeface="Century" panose="02040604050505020304" pitchFamily="18" charset="0"/>
-                        <a:ea typeface="ＭＳ 明朝" panose="02020609040205080304" pitchFamily="17" charset="-128"/>
-                        <a:cs typeface="Times New Roman" panose="02020603050405020304" pitchFamily="18" charset="0"/>
-                      </a:endParaRPr>
-                    </a:p>
-                  </a:txBody>
-                  <a:tcPr marL="68580" marR="68580" marT="0" marB="0" anchor="ctr"/>
-                </a:tc>
-                <a:tc>
-                  <a:txBody>
-                    <a:bodyPr/>
-                    <a:lstStyle/>
-                    <a:p>
-                      <a:pPr algn="just">
-                        <a:spcAft>
-                          <a:spcPts val="0"/>
-                        </a:spcAft>
-                      </a:pPr>
-                      <a:r>
-                        <a:rPr lang="en-US" sz="900" kern="0" dirty="0">
-                          <a:effectLst/>
-                        </a:rPr>
-                        <a:t>Microsoft</a:t>
-                      </a:r>
-                      <a:r>
-                        <a:rPr lang="ja-JP" sz="900" kern="0" dirty="0">
-                          <a:effectLst/>
-                        </a:rPr>
-                        <a:t>製の</a:t>
-                      </a:r>
-                      <a:r>
-                        <a:rPr lang="en-US" sz="900" kern="0" dirty="0">
-                          <a:effectLst/>
-                        </a:rPr>
-                        <a:t>PF</a:t>
-                      </a:r>
-                      <a:r>
-                        <a:rPr lang="ja-JP" sz="900" kern="0" dirty="0">
-                          <a:effectLst/>
-                        </a:rPr>
-                        <a:t>構築ツールです。</a:t>
-                      </a:r>
-                      <a:endParaRPr lang="ja-JP" sz="1050" kern="100" dirty="0">
-                        <a:effectLst/>
-                      </a:endParaRPr>
-                    </a:p>
-                    <a:p>
-                      <a:pPr algn="just">
-                        <a:lnSpc>
-                          <a:spcPts val="1200"/>
-                        </a:lnSpc>
-                        <a:spcAft>
-                          <a:spcPts val="0"/>
-                        </a:spcAft>
-                      </a:pPr>
-                      <a:r>
-                        <a:rPr lang="en-US" sz="900" kern="0" dirty="0">
-                          <a:effectLst/>
-                        </a:rPr>
-                        <a:t>Windows</a:t>
-                      </a:r>
-                      <a:r>
-                        <a:rPr lang="ja-JP" sz="900" kern="0" dirty="0">
-                          <a:effectLst/>
-                        </a:rPr>
-                        <a:t>インフラ環境にて、サーバのユーザー作成、ソフトウェアのインストールなどを行うことができます。</a:t>
-                      </a:r>
-                      <a:endParaRPr lang="ja-JP" sz="1050" kern="100" dirty="0">
-                        <a:effectLst/>
-                        <a:latin typeface="Century" panose="02040604050505020304" pitchFamily="18" charset="0"/>
-                        <a:ea typeface="ＭＳ 明朝" panose="02020609040205080304" pitchFamily="17" charset="-128"/>
-                        <a:cs typeface="Times New Roman" panose="02020603050405020304" pitchFamily="18" charset="0"/>
-                      </a:endParaRPr>
-                    </a:p>
-                  </a:txBody>
-                  <a:tcPr marL="68580" marR="68580" marT="0" marB="0" anchor="ctr"/>
-                </a:tc>
-                <a:tc>
-                  <a:txBody>
-                    <a:bodyPr/>
-                    <a:lstStyle/>
-                    <a:p>
-                      <a:pPr algn="just">
-                        <a:lnSpc>
-                          <a:spcPts val="1200"/>
-                        </a:lnSpc>
-                        <a:spcAft>
-                          <a:spcPts val="0"/>
-                        </a:spcAft>
-                      </a:pPr>
-                      <a:r>
-                        <a:rPr lang="en-US" sz="900" kern="0" dirty="0">
-                          <a:effectLst/>
-                        </a:rPr>
-                        <a:t>×</a:t>
-                      </a:r>
-                      <a:endParaRPr lang="ja-JP" sz="1050" kern="100" dirty="0">
-                        <a:effectLst/>
-                        <a:latin typeface="Century" panose="02040604050505020304" pitchFamily="18" charset="0"/>
-                        <a:ea typeface="ＭＳ 明朝" panose="02020609040205080304" pitchFamily="17" charset="-128"/>
-                        <a:cs typeface="Times New Roman" panose="02020603050405020304" pitchFamily="18" charset="0"/>
-                      </a:endParaRPr>
-                    </a:p>
-                  </a:txBody>
-                  <a:tcPr marL="68580" marR="68580" marT="0" marB="0" anchor="ctr"/>
-                </a:tc>
-                <a:tc>
-                  <a:txBody>
-                    <a:bodyPr/>
-                    <a:lstStyle/>
-                    <a:p>
-                      <a:pPr algn="just">
-                        <a:lnSpc>
-                          <a:spcPts val="1200"/>
-                        </a:lnSpc>
-                        <a:spcAft>
-                          <a:spcPts val="0"/>
-                        </a:spcAft>
-                      </a:pPr>
-                      <a:r>
-                        <a:rPr lang="en-US" altLang="ja-JP" sz="900" kern="100" dirty="0" smtClean="0">
-                          <a:effectLst/>
-                        </a:rPr>
-                        <a:t>×</a:t>
-                      </a:r>
-                      <a:endParaRPr lang="ja-JP" sz="900" kern="100" dirty="0">
-                        <a:effectLst/>
-                        <a:latin typeface="Century" panose="02040604050505020304" pitchFamily="18" charset="0"/>
-                        <a:ea typeface="ＭＳ 明朝" panose="02020609040205080304" pitchFamily="17" charset="-128"/>
-                        <a:cs typeface="Times New Roman" panose="02020603050405020304" pitchFamily="18" charset="0"/>
-                      </a:endParaRPr>
-                    </a:p>
-                  </a:txBody>
-                  <a:tcPr marL="68580" marR="68580" marT="0" marB="0" anchor="ctr"/>
-                </a:tc>
-                <a:extLst>
-                  <a:ext uri="{0D108BD9-81ED-4DB2-BD59-A6C34878D82A}">
-                    <a16:rowId xmlns:a16="http://schemas.microsoft.com/office/drawing/2014/main" val="10008"/>
+                    <a16:rowId xmlns="" xmlns:a16="http://schemas.microsoft.com/office/drawing/2014/main" val="10008"/>
                   </a:ext>
                 </a:extLst>
               </a:tr>
@@ -35255,14 +34283,14 @@
                 <a:gridCol w="3288245">
                   <a:extLst>
                     <a:ext uri="{9D8B030D-6E8A-4147-A177-3AD203B41FA5}">
-                      <a16:colId xmlns:a16="http://schemas.microsoft.com/office/drawing/2014/main" val="20000"/>
+                      <a16:colId xmlns="" xmlns:a16="http://schemas.microsoft.com/office/drawing/2014/main" val="20000"/>
                     </a:ext>
                   </a:extLst>
                 </a:gridCol>
                 <a:gridCol w="3288245">
                   <a:extLst>
                     <a:ext uri="{9D8B030D-6E8A-4147-A177-3AD203B41FA5}">
-                      <a16:colId xmlns:a16="http://schemas.microsoft.com/office/drawing/2014/main" val="20001"/>
+                      <a16:colId xmlns="" xmlns:a16="http://schemas.microsoft.com/office/drawing/2014/main" val="20001"/>
                     </a:ext>
                   </a:extLst>
                 </a:gridCol>
@@ -35326,7 +34354,7 @@
                 </a:tc>
                 <a:extLst>
                   <a:ext uri="{0D108BD9-81ED-4DB2-BD59-A6C34878D82A}">
-                    <a16:rowId xmlns:a16="http://schemas.microsoft.com/office/drawing/2014/main" val="10000"/>
+                    <a16:rowId xmlns="" xmlns:a16="http://schemas.microsoft.com/office/drawing/2014/main" val="10000"/>
                   </a:ext>
                 </a:extLst>
               </a:tr>
@@ -35398,7 +34426,7 @@
                 </a:tc>
                 <a:extLst>
                   <a:ext uri="{0D108BD9-81ED-4DB2-BD59-A6C34878D82A}">
-                    <a16:rowId xmlns:a16="http://schemas.microsoft.com/office/drawing/2014/main" val="10001"/>
+                    <a16:rowId xmlns="" xmlns:a16="http://schemas.microsoft.com/office/drawing/2014/main" val="10001"/>
                   </a:ext>
                 </a:extLst>
               </a:tr>
@@ -35506,7 +34534,7 @@
                 </a:tc>
                 <a:extLst>
                   <a:ext uri="{0D108BD9-81ED-4DB2-BD59-A6C34878D82A}">
-                    <a16:rowId xmlns:a16="http://schemas.microsoft.com/office/drawing/2014/main" val="10002"/>
+                    <a16:rowId xmlns="" xmlns:a16="http://schemas.microsoft.com/office/drawing/2014/main" val="10002"/>
                   </a:ext>
                 </a:extLst>
               </a:tr>
@@ -35538,21 +34566,21 @@
                 <a:gridCol w="1296180">
                   <a:extLst>
                     <a:ext uri="{9D8B030D-6E8A-4147-A177-3AD203B41FA5}">
-                      <a16:colId xmlns:a16="http://schemas.microsoft.com/office/drawing/2014/main" val="20000"/>
+                      <a16:colId xmlns="" xmlns:a16="http://schemas.microsoft.com/office/drawing/2014/main" val="20000"/>
                     </a:ext>
                   </a:extLst>
                 </a:gridCol>
                 <a:gridCol w="3088147">
                   <a:extLst>
                     <a:ext uri="{9D8B030D-6E8A-4147-A177-3AD203B41FA5}">
-                      <a16:colId xmlns:a16="http://schemas.microsoft.com/office/drawing/2014/main" val="20001"/>
+                      <a16:colId xmlns="" xmlns:a16="http://schemas.microsoft.com/office/drawing/2014/main" val="20001"/>
                     </a:ext>
                   </a:extLst>
                 </a:gridCol>
                 <a:gridCol w="2192163">
                   <a:extLst>
                     <a:ext uri="{9D8B030D-6E8A-4147-A177-3AD203B41FA5}">
-                      <a16:colId xmlns:a16="http://schemas.microsoft.com/office/drawing/2014/main" val="20002"/>
+                      <a16:colId xmlns="" xmlns:a16="http://schemas.microsoft.com/office/drawing/2014/main" val="20002"/>
                     </a:ext>
                   </a:extLst>
                 </a:gridCol>
@@ -35678,7 +34706,7 @@
                 </a:tc>
                 <a:extLst>
                   <a:ext uri="{0D108BD9-81ED-4DB2-BD59-A6C34878D82A}">
-                    <a16:rowId xmlns:a16="http://schemas.microsoft.com/office/drawing/2014/main" val="10000"/>
+                    <a16:rowId xmlns="" xmlns:a16="http://schemas.microsoft.com/office/drawing/2014/main" val="10000"/>
                   </a:ext>
                 </a:extLst>
               </a:tr>
@@ -35776,7 +34804,7 @@
                 </a:tc>
                 <a:extLst>
                   <a:ext uri="{0D108BD9-81ED-4DB2-BD59-A6C34878D82A}">
-                    <a16:rowId xmlns:a16="http://schemas.microsoft.com/office/drawing/2014/main" val="10001"/>
+                    <a16:rowId xmlns="" xmlns:a16="http://schemas.microsoft.com/office/drawing/2014/main" val="10001"/>
                   </a:ext>
                 </a:extLst>
               </a:tr>
@@ -35812,21 +34840,21 @@
                 <a:gridCol w="1296180">
                   <a:extLst>
                     <a:ext uri="{9D8B030D-6E8A-4147-A177-3AD203B41FA5}">
-                      <a16:colId xmlns:a16="http://schemas.microsoft.com/office/drawing/2014/main" val="20000"/>
+                      <a16:colId xmlns="" xmlns:a16="http://schemas.microsoft.com/office/drawing/2014/main" val="20000"/>
                     </a:ext>
                   </a:extLst>
                 </a:gridCol>
                 <a:gridCol w="3088147">
                   <a:extLst>
                     <a:ext uri="{9D8B030D-6E8A-4147-A177-3AD203B41FA5}">
-                      <a16:colId xmlns:a16="http://schemas.microsoft.com/office/drawing/2014/main" val="20001"/>
+                      <a16:colId xmlns="" xmlns:a16="http://schemas.microsoft.com/office/drawing/2014/main" val="20001"/>
                     </a:ext>
                   </a:extLst>
                 </a:gridCol>
                 <a:gridCol w="2192163">
                   <a:extLst>
                     <a:ext uri="{9D8B030D-6E8A-4147-A177-3AD203B41FA5}">
-                      <a16:colId xmlns:a16="http://schemas.microsoft.com/office/drawing/2014/main" val="20002"/>
+                      <a16:colId xmlns="" xmlns:a16="http://schemas.microsoft.com/office/drawing/2014/main" val="20002"/>
                     </a:ext>
                   </a:extLst>
                 </a:gridCol>
@@ -35952,7 +34980,7 @@
                 </a:tc>
                 <a:extLst>
                   <a:ext uri="{0D108BD9-81ED-4DB2-BD59-A6C34878D82A}">
-                    <a16:rowId xmlns:a16="http://schemas.microsoft.com/office/drawing/2014/main" val="10000"/>
+                    <a16:rowId xmlns="" xmlns:a16="http://schemas.microsoft.com/office/drawing/2014/main" val="10000"/>
                   </a:ext>
                 </a:extLst>
               </a:tr>
@@ -36103,7 +35131,7 @@
                 </a:tc>
                 <a:extLst>
                   <a:ext uri="{0D108BD9-81ED-4DB2-BD59-A6C34878D82A}">
-                    <a16:rowId xmlns:a16="http://schemas.microsoft.com/office/drawing/2014/main" val="10001"/>
+                    <a16:rowId xmlns="" xmlns:a16="http://schemas.microsoft.com/office/drawing/2014/main" val="10001"/>
                   </a:ext>
                 </a:extLst>
               </a:tr>
@@ -36254,7 +35282,7 @@
                 </a:tc>
                 <a:extLst>
                   <a:ext uri="{0D108BD9-81ED-4DB2-BD59-A6C34878D82A}">
-                    <a16:rowId xmlns:a16="http://schemas.microsoft.com/office/drawing/2014/main" val="10002"/>
+                    <a16:rowId xmlns="" xmlns:a16="http://schemas.microsoft.com/office/drawing/2014/main" val="10002"/>
                   </a:ext>
                 </a:extLst>
               </a:tr>
@@ -36388,7 +35416,7 @@
                 </a:tc>
                 <a:extLst>
                   <a:ext uri="{0D108BD9-81ED-4DB2-BD59-A6C34878D82A}">
-                    <a16:rowId xmlns:a16="http://schemas.microsoft.com/office/drawing/2014/main" val="10003"/>
+                    <a16:rowId xmlns="" xmlns:a16="http://schemas.microsoft.com/office/drawing/2014/main" val="10003"/>
                   </a:ext>
                 </a:extLst>
               </a:tr>
@@ -36538,7 +35566,7 @@
                 </a:tc>
                 <a:extLst>
                   <a:ext uri="{0D108BD9-81ED-4DB2-BD59-A6C34878D82A}">
-                    <a16:rowId xmlns:a16="http://schemas.microsoft.com/office/drawing/2014/main" val="10004"/>
+                    <a16:rowId xmlns="" xmlns:a16="http://schemas.microsoft.com/office/drawing/2014/main" val="10004"/>
                   </a:ext>
                 </a:extLst>
               </a:tr>
@@ -36744,11 +35772,7 @@
             </a:r>
             <a:r>
               <a:rPr lang="ja-JP" altLang="en-US" dirty="0" smtClean="0"/>
-              <a:t>）は</a:t>
-            </a:r>
-            <a:r>
-              <a:rPr lang="ja-JP" altLang="en-US" dirty="0" smtClean="0"/>
-              <a:t>、以下のリポジトリ</a:t>
+              <a:t>）は、以下のリポジトリ</a:t>
             </a:r>
             <a:r>
               <a:rPr lang="ja-JP" altLang="en-US" dirty="0"/>
@@ -36777,7 +35801,7 @@
           <p:nvPr>
             <p:extLst>
               <p:ext uri="{D42A27DB-BD31-4B8C-83A1-F6EECF244321}">
-                <p14:modId xmlns:p14="http://schemas.microsoft.com/office/powerpoint/2010/main" val="2278837363"/>
+                <p14:modId xmlns:p14="http://schemas.microsoft.com/office/powerpoint/2010/main" val="2709763650"/>
               </p:ext>
             </p:extLst>
           </p:nvPr>
@@ -36796,14 +35820,14 @@
                 <a:gridCol w="843691">
                   <a:extLst>
                     <a:ext uri="{9D8B030D-6E8A-4147-A177-3AD203B41FA5}">
-                      <a16:colId xmlns:a16="http://schemas.microsoft.com/office/drawing/2014/main" val="20000"/>
+                      <a16:colId xmlns="" xmlns:a16="http://schemas.microsoft.com/office/drawing/2014/main" val="20000"/>
                     </a:ext>
                   </a:extLst>
                 </a:gridCol>
                 <a:gridCol w="6357309">
                   <a:extLst>
                     <a:ext uri="{9D8B030D-6E8A-4147-A177-3AD203B41FA5}">
-                      <a16:colId xmlns:a16="http://schemas.microsoft.com/office/drawing/2014/main" val="20001"/>
+                      <a16:colId xmlns="" xmlns:a16="http://schemas.microsoft.com/office/drawing/2014/main" val="20001"/>
                     </a:ext>
                   </a:extLst>
                 </a:gridCol>
@@ -36841,7 +35865,7 @@
                 </a:tc>
                 <a:extLst>
                   <a:ext uri="{0D108BD9-81ED-4DB2-BD59-A6C34878D82A}">
-                    <a16:rowId xmlns:a16="http://schemas.microsoft.com/office/drawing/2014/main" val="10000"/>
+                    <a16:rowId xmlns="" xmlns:a16="http://schemas.microsoft.com/office/drawing/2014/main" val="10000"/>
                   </a:ext>
                 </a:extLst>
               </a:tr>
@@ -36908,7 +35932,7 @@
                 </a:tc>
                 <a:extLst>
                   <a:ext uri="{0D108BD9-81ED-4DB2-BD59-A6C34878D82A}">
-                    <a16:rowId xmlns:a16="http://schemas.microsoft.com/office/drawing/2014/main" val="10001"/>
+                    <a16:rowId xmlns="" xmlns:a16="http://schemas.microsoft.com/office/drawing/2014/main" val="10001"/>
                   </a:ext>
                 </a:extLst>
               </a:tr>
@@ -36948,13 +35972,13 @@
                       <a:r>
                         <a:rPr kumimoji="1" lang="en-US" altLang="ja-JP" sz="1000" b="1" i="0" u="none" strike="noStrike" kern="1200" baseline="0" dirty="0" smtClean="0">
                           <a:solidFill>
-                            <a:schemeClr val="dk1"/>
+                            <a:schemeClr val="tx1"/>
                           </a:solidFill>
                           <a:latin typeface="+mn-lt"/>
                           <a:ea typeface="+mn-ea"/>
                           <a:cs typeface="+mn-cs"/>
                         </a:rPr>
-                        <a:t>https://repo.mysql.com/mysql57-community-release-el7-11.noarch.rpm</a:t>
+                        <a:t>https://downloads.mariadb.com/MariaDB/mariadb_repo_setup</a:t>
                       </a:r>
                     </a:p>
                   </a:txBody>
@@ -36984,7 +36008,7 @@
                 </a:tc>
                 <a:extLst>
                   <a:ext uri="{0D108BD9-81ED-4DB2-BD59-A6C34878D82A}">
-                    <a16:rowId xmlns:a16="http://schemas.microsoft.com/office/drawing/2014/main" val="10002"/>
+                    <a16:rowId xmlns="" xmlns:a16="http://schemas.microsoft.com/office/drawing/2014/main" val="10002"/>
                   </a:ext>
                 </a:extLst>
               </a:tr>
@@ -37049,7 +36073,7 @@
                 </a:tc>
                 <a:extLst>
                   <a:ext uri="{0D108BD9-81ED-4DB2-BD59-A6C34878D82A}">
-                    <a16:rowId xmlns:a16="http://schemas.microsoft.com/office/drawing/2014/main" val="10003"/>
+                    <a16:rowId xmlns="" xmlns:a16="http://schemas.microsoft.com/office/drawing/2014/main" val="10003"/>
                   </a:ext>
                 </a:extLst>
               </a:tr>
@@ -37100,7 +36124,7 @@
                 </a:tc>
                 <a:extLst>
                   <a:ext uri="{0D108BD9-81ED-4DB2-BD59-A6C34878D82A}">
-                    <a16:rowId xmlns:a16="http://schemas.microsoft.com/office/drawing/2014/main" val="10004"/>
+                    <a16:rowId xmlns="" xmlns:a16="http://schemas.microsoft.com/office/drawing/2014/main" val="10004"/>
                   </a:ext>
                 </a:extLst>
               </a:tr>
@@ -37120,11 +36144,34 @@
                     <a:bodyPr/>
                     <a:lstStyle/>
                     <a:p>
-                      <a:r>
-                        <a:rPr kumimoji="1" lang="en-US" altLang="ja-JP" sz="1000" b="1" dirty="0" smtClean="0"/>
-                        <a:t>https://repo.mysql.com/mysql57-community-release-el6-11.noarch.rpm</a:t>
-                      </a:r>
-                      <a:endParaRPr kumimoji="1" lang="ja-JP" altLang="en-US" sz="1000" b="1" dirty="0"/>
+                      <a:pPr marL="0" marR="0" lvl="0" indent="0" algn="l" defTabSz="914400" rtl="0" eaLnBrk="1" fontAlgn="auto" latinLnBrk="0" hangingPunct="1">
+                        <a:lnSpc>
+                          <a:spcPct val="100000"/>
+                        </a:lnSpc>
+                        <a:spcBef>
+                          <a:spcPts val="0"/>
+                        </a:spcBef>
+                        <a:spcAft>
+                          <a:spcPts val="0"/>
+                        </a:spcAft>
+                        <a:buClrTx/>
+                        <a:buSzTx/>
+                        <a:buFontTx/>
+                        <a:buNone/>
+                        <a:tabLst/>
+                        <a:defRPr/>
+                      </a:pPr>
+                      <a:r>
+                        <a:rPr kumimoji="1" lang="en-US" altLang="ja-JP" sz="1000" b="1" i="0" u="none" strike="noStrike" kern="1200" baseline="0" dirty="0" smtClean="0">
+                          <a:solidFill>
+                            <a:schemeClr val="tx1"/>
+                          </a:solidFill>
+                          <a:latin typeface="+mn-lt"/>
+                          <a:ea typeface="+mn-ea"/>
+                          <a:cs typeface="+mn-cs"/>
+                        </a:rPr>
+                        <a:t>https://downloads.mariadb.com/MariaDB/mariadb_repo_setup</a:t>
+                      </a:r>
                     </a:p>
                   </a:txBody>
                   <a:tcPr>
@@ -37150,7 +36197,7 @@
                 </a:tc>
                 <a:extLst>
                   <a:ext uri="{0D108BD9-81ED-4DB2-BD59-A6C34878D82A}">
-                    <a16:rowId xmlns:a16="http://schemas.microsoft.com/office/drawing/2014/main" val="10005"/>
+                    <a16:rowId xmlns="" xmlns:a16="http://schemas.microsoft.com/office/drawing/2014/main" val="10005"/>
                   </a:ext>
                 </a:extLst>
               </a:tr>
@@ -37191,7 +36238,7 @@
                 </a:tc>
                 <a:extLst>
                   <a:ext uri="{0D108BD9-81ED-4DB2-BD59-A6C34878D82A}">
-                    <a16:rowId xmlns:a16="http://schemas.microsoft.com/office/drawing/2014/main" val="10006"/>
+                    <a16:rowId xmlns="" xmlns:a16="http://schemas.microsoft.com/office/drawing/2014/main" val="10006"/>
                   </a:ext>
                 </a:extLst>
               </a:tr>
@@ -37236,7 +36283,7 @@
                 </a:tc>
                 <a:extLst>
                   <a:ext uri="{0D108BD9-81ED-4DB2-BD59-A6C34878D82A}">
-                    <a16:rowId xmlns:a16="http://schemas.microsoft.com/office/drawing/2014/main" val="10007"/>
+                    <a16:rowId xmlns="" xmlns:a16="http://schemas.microsoft.com/office/drawing/2014/main" val="10007"/>
                   </a:ext>
                 </a:extLst>
               </a:tr>
@@ -37256,11 +36303,34 @@
                     <a:bodyPr/>
                     <a:lstStyle/>
                     <a:p>
-                      <a:r>
-                        <a:rPr kumimoji="1" lang="en-US" altLang="ja-JP" sz="1000" b="1" dirty="0" smtClean="0"/>
-                        <a:t>https://repo.mysql.com/mysql57-community-release-el7-11.noarch.rpm</a:t>
-                      </a:r>
-                      <a:endParaRPr kumimoji="1" lang="ja-JP" altLang="en-US" sz="1000" b="1" dirty="0"/>
+                      <a:pPr marL="0" marR="0" lvl="0" indent="0" algn="l" defTabSz="914400" rtl="0" eaLnBrk="1" fontAlgn="auto" latinLnBrk="0" hangingPunct="1">
+                        <a:lnSpc>
+                          <a:spcPct val="100000"/>
+                        </a:lnSpc>
+                        <a:spcBef>
+                          <a:spcPts val="0"/>
+                        </a:spcBef>
+                        <a:spcAft>
+                          <a:spcPts val="0"/>
+                        </a:spcAft>
+                        <a:buClrTx/>
+                        <a:buSzTx/>
+                        <a:buFontTx/>
+                        <a:buNone/>
+                        <a:tabLst/>
+                        <a:defRPr/>
+                      </a:pPr>
+                      <a:r>
+                        <a:rPr kumimoji="1" lang="en-US" altLang="ja-JP" sz="1000" b="1" i="0" u="none" strike="noStrike" kern="1200" baseline="0" dirty="0" smtClean="0">
+                          <a:solidFill>
+                            <a:schemeClr val="tx1"/>
+                          </a:solidFill>
+                          <a:latin typeface="+mn-lt"/>
+                          <a:ea typeface="+mn-ea"/>
+                          <a:cs typeface="+mn-cs"/>
+                        </a:rPr>
+                        <a:t>https://downloads.mariadb.com/MariaDB/mariadb_repo_setup</a:t>
+                      </a:r>
                     </a:p>
                   </a:txBody>
                   <a:tcPr>
@@ -37286,7 +36356,7 @@
                 </a:tc>
                 <a:extLst>
                   <a:ext uri="{0D108BD9-81ED-4DB2-BD59-A6C34878D82A}">
-                    <a16:rowId xmlns:a16="http://schemas.microsoft.com/office/drawing/2014/main" val="10008"/>
+                    <a16:rowId xmlns="" xmlns:a16="http://schemas.microsoft.com/office/drawing/2014/main" val="10008"/>
                   </a:ext>
                 </a:extLst>
               </a:tr>
@@ -37327,7 +36397,7 @@
                 </a:tc>
                 <a:extLst>
                   <a:ext uri="{0D108BD9-81ED-4DB2-BD59-A6C34878D82A}">
-                    <a16:rowId xmlns:a16="http://schemas.microsoft.com/office/drawing/2014/main" val="10009"/>
+                    <a16:rowId xmlns="" xmlns:a16="http://schemas.microsoft.com/office/drawing/2014/main" val="10009"/>
                   </a:ext>
                 </a:extLst>
               </a:tr>
@@ -37372,7 +36442,7 @@
                 </a:tc>
                 <a:extLst>
                   <a:ext uri="{0D108BD9-81ED-4DB2-BD59-A6C34878D82A}">
-                    <a16:rowId xmlns:a16="http://schemas.microsoft.com/office/drawing/2014/main" val="10010"/>
+                    <a16:rowId xmlns="" xmlns:a16="http://schemas.microsoft.com/office/drawing/2014/main" val="10010"/>
                   </a:ext>
                 </a:extLst>
               </a:tr>
@@ -37392,11 +36462,34 @@
                     <a:bodyPr/>
                     <a:lstStyle/>
                     <a:p>
-                      <a:r>
-                        <a:rPr kumimoji="1" lang="en-US" altLang="ja-JP" sz="1000" b="1" dirty="0" smtClean="0"/>
-                        <a:t>https://repo.mysql.com/mysql57-community-release-el6-11.noarch.rpm</a:t>
-                      </a:r>
-                      <a:endParaRPr kumimoji="1" lang="ja-JP" altLang="en-US" sz="1000" b="1" dirty="0"/>
+                      <a:pPr marL="0" marR="0" lvl="0" indent="0" algn="l" defTabSz="914400" rtl="0" eaLnBrk="1" fontAlgn="auto" latinLnBrk="0" hangingPunct="1">
+                        <a:lnSpc>
+                          <a:spcPct val="100000"/>
+                        </a:lnSpc>
+                        <a:spcBef>
+                          <a:spcPts val="0"/>
+                        </a:spcBef>
+                        <a:spcAft>
+                          <a:spcPts val="0"/>
+                        </a:spcAft>
+                        <a:buClrTx/>
+                        <a:buSzTx/>
+                        <a:buFontTx/>
+                        <a:buNone/>
+                        <a:tabLst/>
+                        <a:defRPr/>
+                      </a:pPr>
+                      <a:r>
+                        <a:rPr kumimoji="1" lang="en-US" altLang="ja-JP" sz="1000" b="1" i="0" u="none" strike="noStrike" kern="1200" baseline="0" dirty="0" smtClean="0">
+                          <a:solidFill>
+                            <a:schemeClr val="tx1"/>
+                          </a:solidFill>
+                          <a:latin typeface="+mn-lt"/>
+                          <a:ea typeface="+mn-ea"/>
+                          <a:cs typeface="+mn-cs"/>
+                        </a:rPr>
+                        <a:t>https://downloads.mariadb.com/MariaDB/mariadb_repo_setup</a:t>
+                      </a:r>
                     </a:p>
                   </a:txBody>
                   <a:tcPr>
@@ -37422,7 +36515,7 @@
                 </a:tc>
                 <a:extLst>
                   <a:ext uri="{0D108BD9-81ED-4DB2-BD59-A6C34878D82A}">
-                    <a16:rowId xmlns:a16="http://schemas.microsoft.com/office/drawing/2014/main" val="10011"/>
+                    <a16:rowId xmlns="" xmlns:a16="http://schemas.microsoft.com/office/drawing/2014/main" val="10011"/>
                   </a:ext>
                 </a:extLst>
               </a:tr>
@@ -37463,7 +36556,7 @@
                 </a:tc>
                 <a:extLst>
                   <a:ext uri="{0D108BD9-81ED-4DB2-BD59-A6C34878D82A}">
-                    <a16:rowId xmlns:a16="http://schemas.microsoft.com/office/drawing/2014/main" val="10012"/>
+                    <a16:rowId xmlns="" xmlns:a16="http://schemas.microsoft.com/office/drawing/2014/main" val="10012"/>
                   </a:ext>
                 </a:extLst>
               </a:tr>

--- a/asset/Learn_ja/ITA-offline-install_ja.pptx
+++ b/asset/Learn_ja/ITA-offline-install_ja.pptx
@@ -334,7 +334,7 @@
               <a:rPr kumimoji="1" lang="ja-JP" altLang="en-US" smtClean="0">
                 <a:ea typeface="メイリオ" panose="020B0604030504040204" pitchFamily="50" charset="-128"/>
               </a:rPr>
-              <a:t>2019/11/5</a:t>
+              <a:t>2020/1/6</a:t>
             </a:fld>
             <a:endParaRPr kumimoji="1" lang="ja-JP" altLang="en-US" dirty="0">
               <a:ea typeface="メイリオ" panose="020B0604030504040204" pitchFamily="50" charset="-128"/>
@@ -480,7 +480,7 @@
             <a:fld id="{4B26993D-C081-44EB-B0F5-A9F467792B62}" type="datetimeFigureOut">
               <a:rPr lang="ja-JP" altLang="en-US" smtClean="0"/>
               <a:pPr/>
-              <a:t>2019/11/5</a:t>
+              <a:t>2020/1/6</a:t>
             </a:fld>
             <a:endParaRPr lang="ja-JP" altLang="en-US" dirty="0"/>
           </a:p>
@@ -1103,7 +1103,7 @@
           <a:p>
             <a:fld id="{56F9016B-CCA6-43BE-8BEE-59565A35F4F7}" type="datetimeFigureOut">
               <a:rPr kumimoji="1" lang="ja-JP" altLang="en-US" smtClean="0"/>
-              <a:t>2019/11/5</a:t>
+              <a:t>2020/1/6</a:t>
             </a:fld>
             <a:endParaRPr kumimoji="1" lang="ja-JP" altLang="en-US"/>
           </a:p>
@@ -1305,7 +1305,7 @@
           <a:p>
             <a:fld id="{56F9016B-CCA6-43BE-8BEE-59565A35F4F7}" type="datetimeFigureOut">
               <a:rPr kumimoji="1" lang="ja-JP" altLang="en-US" smtClean="0"/>
-              <a:t>2019/11/5</a:t>
+              <a:t>2020/1/6</a:t>
             </a:fld>
             <a:endParaRPr kumimoji="1" lang="ja-JP" altLang="en-US"/>
           </a:p>
@@ -1551,7 +1551,7 @@
           <a:p>
             <a:fld id="{56F9016B-CCA6-43BE-8BEE-59565A35F4F7}" type="datetimeFigureOut">
               <a:rPr kumimoji="1" lang="ja-JP" altLang="en-US" smtClean="0"/>
-              <a:t>2019/11/5</a:t>
+              <a:t>2020/1/6</a:t>
             </a:fld>
             <a:endParaRPr kumimoji="1" lang="ja-JP" altLang="en-US"/>
           </a:p>
@@ -1847,7 +1847,7 @@
           <a:p>
             <a:fld id="{56F9016B-CCA6-43BE-8BEE-59565A35F4F7}" type="datetimeFigureOut">
               <a:rPr kumimoji="1" lang="ja-JP" altLang="en-US" smtClean="0"/>
-              <a:t>2019/11/5</a:t>
+              <a:t>2020/1/6</a:t>
             </a:fld>
             <a:endParaRPr kumimoji="1" lang="ja-JP" altLang="en-US"/>
           </a:p>
@@ -2278,7 +2278,7 @@
           <a:p>
             <a:fld id="{56F9016B-CCA6-43BE-8BEE-59565A35F4F7}" type="datetimeFigureOut">
               <a:rPr kumimoji="1" lang="ja-JP" altLang="en-US" smtClean="0"/>
-              <a:t>2019/11/5</a:t>
+              <a:t>2020/1/6</a:t>
             </a:fld>
             <a:endParaRPr kumimoji="1" lang="ja-JP" altLang="en-US"/>
           </a:p>
@@ -2396,7 +2396,7 @@
           <a:p>
             <a:fld id="{56F9016B-CCA6-43BE-8BEE-59565A35F4F7}" type="datetimeFigureOut">
               <a:rPr kumimoji="1" lang="ja-JP" altLang="en-US" smtClean="0"/>
-              <a:t>2019/11/5</a:t>
+              <a:t>2020/1/6</a:t>
             </a:fld>
             <a:endParaRPr kumimoji="1" lang="ja-JP" altLang="en-US"/>
           </a:p>
@@ -2491,7 +2491,7 @@
           <a:p>
             <a:fld id="{56F9016B-CCA6-43BE-8BEE-59565A35F4F7}" type="datetimeFigureOut">
               <a:rPr kumimoji="1" lang="ja-JP" altLang="en-US" smtClean="0"/>
-              <a:t>2019/11/5</a:t>
+              <a:t>2020/1/6</a:t>
             </a:fld>
             <a:endParaRPr kumimoji="1" lang="ja-JP" altLang="en-US"/>
           </a:p>
@@ -2800,7 +2800,7 @@
           <a:p>
             <a:fld id="{56F9016B-CCA6-43BE-8BEE-59565A35F4F7}" type="datetimeFigureOut">
               <a:rPr kumimoji="1" lang="ja-JP" altLang="en-US" smtClean="0"/>
-              <a:t>2019/11/5</a:t>
+              <a:t>2020/1/6</a:t>
             </a:fld>
             <a:endParaRPr kumimoji="1" lang="ja-JP" altLang="en-US"/>
           </a:p>
@@ -3053,7 +3053,7 @@
           <a:p>
             <a:fld id="{56F9016B-CCA6-43BE-8BEE-59565A35F4F7}" type="datetimeFigureOut">
               <a:rPr kumimoji="1" lang="ja-JP" altLang="en-US" smtClean="0"/>
-              <a:t>2019/11/5</a:t>
+              <a:t>2020/1/6</a:t>
             </a:fld>
             <a:endParaRPr kumimoji="1" lang="ja-JP" altLang="en-US"/>
           </a:p>
@@ -3330,7 +3330,7 @@
           <a:p>
             <a:fld id="{56F9016B-CCA6-43BE-8BEE-59565A35F4F7}" type="datetimeFigureOut">
               <a:rPr kumimoji="1" lang="ja-JP" altLang="en-US" smtClean="0"/>
-              <a:t>2019/11/5</a:t>
+              <a:t>2020/1/6</a:t>
             </a:fld>
             <a:endParaRPr kumimoji="1" lang="ja-JP" altLang="en-US"/>
           </a:p>
@@ -3542,7 +3542,7 @@
           <a:p>
             <a:fld id="{56F9016B-CCA6-43BE-8BEE-59565A35F4F7}" type="datetimeFigureOut">
               <a:rPr kumimoji="1" lang="ja-JP" altLang="en-US" smtClean="0"/>
-              <a:t>2019/11/5</a:t>
+              <a:t>2020/1/6</a:t>
             </a:fld>
             <a:endParaRPr kumimoji="1" lang="ja-JP" altLang="en-US"/>
           </a:p>
@@ -6601,7 +6601,7 @@
           <a:p>
             <a:fld id="{56F9016B-CCA6-43BE-8BEE-59565A35F4F7}" type="datetimeFigureOut">
               <a:rPr kumimoji="1" lang="ja-JP" altLang="en-US" smtClean="0"/>
-              <a:t>2019/11/5</a:t>
+              <a:t>2020/1/6</a:t>
             </a:fld>
             <a:endParaRPr kumimoji="1" lang="ja-JP" altLang="en-US"/>
           </a:p>
@@ -7039,7 +7039,7 @@
             </a:r>
             <a:r>
               <a:rPr lang="en-US" altLang="ja-JP" dirty="0" smtClean="0"/>
-              <a:t>1.2</a:t>
+              <a:t>1.3</a:t>
             </a:r>
             <a:r>
               <a:rPr lang="ja-JP" altLang="en-US" dirty="0" smtClean="0"/>
@@ -10040,21 +10040,21 @@
                 <a:gridCol w="2586972">
                   <a:extLst>
                     <a:ext uri="{9D8B030D-6E8A-4147-A177-3AD203B41FA5}">
-                      <a16:colId xmlns="" xmlns:a16="http://schemas.microsoft.com/office/drawing/2014/main" val="20000"/>
+                      <a16:colId xmlns:a16="http://schemas.microsoft.com/office/drawing/2014/main" val="20000"/>
                     </a:ext>
                   </a:extLst>
                 </a:gridCol>
                 <a:gridCol w="2389134">
                   <a:extLst>
                     <a:ext uri="{9D8B030D-6E8A-4147-A177-3AD203B41FA5}">
-                      <a16:colId xmlns="" xmlns:a16="http://schemas.microsoft.com/office/drawing/2014/main" val="20001"/>
+                      <a16:colId xmlns:a16="http://schemas.microsoft.com/office/drawing/2014/main" val="20001"/>
                     </a:ext>
                   </a:extLst>
                 </a:gridCol>
                 <a:gridCol w="3773110">
                   <a:extLst>
                     <a:ext uri="{9D8B030D-6E8A-4147-A177-3AD203B41FA5}">
-                      <a16:colId xmlns="" xmlns:a16="http://schemas.microsoft.com/office/drawing/2014/main" val="20002"/>
+                      <a16:colId xmlns:a16="http://schemas.microsoft.com/office/drawing/2014/main" val="20002"/>
                     </a:ext>
                   </a:extLst>
                 </a:gridCol>
@@ -10158,7 +10158,7 @@
                 </a:tc>
                 <a:extLst>
                   <a:ext uri="{0D108BD9-81ED-4DB2-BD59-A6C34878D82A}">
-                    <a16:rowId xmlns="" xmlns:a16="http://schemas.microsoft.com/office/drawing/2014/main" val="10000"/>
+                    <a16:rowId xmlns:a16="http://schemas.microsoft.com/office/drawing/2014/main" val="10000"/>
                   </a:ext>
                 </a:extLst>
               </a:tr>
@@ -10279,7 +10279,7 @@
                 </a:tc>
                 <a:extLst>
                   <a:ext uri="{0D108BD9-81ED-4DB2-BD59-A6C34878D82A}">
-                    <a16:rowId xmlns="" xmlns:a16="http://schemas.microsoft.com/office/drawing/2014/main" val="10001"/>
+                    <a16:rowId xmlns:a16="http://schemas.microsoft.com/office/drawing/2014/main" val="10001"/>
                   </a:ext>
                 </a:extLst>
               </a:tr>
@@ -10425,7 +10425,7 @@
                 </a:tc>
                 <a:extLst>
                   <a:ext uri="{0D108BD9-81ED-4DB2-BD59-A6C34878D82A}">
-                    <a16:rowId xmlns="" xmlns:a16="http://schemas.microsoft.com/office/drawing/2014/main" val="10002"/>
+                    <a16:rowId xmlns:a16="http://schemas.microsoft.com/office/drawing/2014/main" val="10002"/>
                   </a:ext>
                 </a:extLst>
               </a:tr>
@@ -10571,7 +10571,7 @@
                 </a:tc>
                 <a:extLst>
                   <a:ext uri="{0D108BD9-81ED-4DB2-BD59-A6C34878D82A}">
-                    <a16:rowId xmlns="" xmlns:a16="http://schemas.microsoft.com/office/drawing/2014/main" val="10003"/>
+                    <a16:rowId xmlns:a16="http://schemas.microsoft.com/office/drawing/2014/main" val="10003"/>
                   </a:ext>
                 </a:extLst>
               </a:tr>
@@ -10692,7 +10692,7 @@
                 </a:tc>
                 <a:extLst>
                   <a:ext uri="{0D108BD9-81ED-4DB2-BD59-A6C34878D82A}">
-                    <a16:rowId xmlns="" xmlns:a16="http://schemas.microsoft.com/office/drawing/2014/main" val="10004"/>
+                    <a16:rowId xmlns:a16="http://schemas.microsoft.com/office/drawing/2014/main" val="10004"/>
                   </a:ext>
                 </a:extLst>
               </a:tr>
@@ -10831,7 +10831,7 @@
                 </a:tc>
                 <a:extLst>
                   <a:ext uri="{0D108BD9-81ED-4DB2-BD59-A6C34878D82A}">
-                    <a16:rowId xmlns="" xmlns:a16="http://schemas.microsoft.com/office/drawing/2014/main" val="10005"/>
+                    <a16:rowId xmlns:a16="http://schemas.microsoft.com/office/drawing/2014/main" val="10005"/>
                   </a:ext>
                 </a:extLst>
               </a:tr>
@@ -10952,7 +10952,7 @@
                 </a:tc>
                 <a:extLst>
                   <a:ext uri="{0D108BD9-81ED-4DB2-BD59-A6C34878D82A}">
-                    <a16:rowId xmlns="" xmlns:a16="http://schemas.microsoft.com/office/drawing/2014/main" val="10006"/>
+                    <a16:rowId xmlns:a16="http://schemas.microsoft.com/office/drawing/2014/main" val="10006"/>
                   </a:ext>
                 </a:extLst>
               </a:tr>
@@ -13635,6 +13635,32 @@
             <a:pPr marL="0" indent="0">
               <a:buNone/>
             </a:pPr>
+            <a:r>
+              <a:rPr lang="en-US" altLang="ja-JP" dirty="0"/>
+              <a:t>※</a:t>
+            </a:r>
+            <a:r>
+              <a:rPr lang="ja-JP" altLang="en-US" dirty="0" smtClean="0"/>
+              <a:t>環境</a:t>
+            </a:r>
+            <a:r>
+              <a:rPr lang="ja-JP" altLang="en-US" dirty="0"/>
+              <a:t>構築ユーザーは</a:t>
+            </a:r>
+            <a:r>
+              <a:rPr lang="en-US" altLang="ja-JP" dirty="0"/>
+              <a:t>root</a:t>
+            </a:r>
+            <a:r>
+              <a:rPr lang="ja-JP" altLang="en-US" dirty="0"/>
+              <a:t>ユーザーで実施すること。</a:t>
+            </a:r>
+            <a:endParaRPr lang="en-US" altLang="ja-JP" dirty="0" smtClean="0"/>
+          </a:p>
+          <a:p>
+            <a:pPr marL="0" indent="0">
+              <a:buNone/>
+            </a:pPr>
             <a:endParaRPr lang="en-US" altLang="ja-JP" dirty="0"/>
           </a:p>
           <a:p>
@@ -13681,8 +13707,12 @@
               <a:rPr lang="en-US" altLang="ja-JP" dirty="0" smtClean="0"/>
             </a:br>
             <a:r>
+              <a:rPr lang="en-US" altLang="ja-JP" dirty="0" smtClean="0"/>
+              <a:t>#</a:t>
+            </a:r>
+            <a:r>
               <a:rPr lang="en-US" altLang="ja-JP" sz="1400" dirty="0" smtClean="0"/>
-              <a:t>$ wget </a:t>
+              <a:t> wget </a:t>
             </a:r>
             <a:r>
               <a:rPr lang="en-US" altLang="ja-JP" sz="1400" dirty="0"/>
@@ -13804,8 +13834,12 @@
               <a:rPr lang="en-US" altLang="ja-JP" dirty="0"/>
             </a:br>
             <a:r>
+              <a:rPr lang="en-US" altLang="ja-JP" sz="1400" dirty="0"/>
+              <a:t>#</a:t>
+            </a:r>
+            <a:r>
               <a:rPr lang="en-US" altLang="ja-JP" sz="1400" dirty="0" smtClean="0"/>
-              <a:t>$ </a:t>
+              <a:t> </a:t>
             </a:r>
             <a:r>
               <a:rPr lang="en-US" altLang="ja-JP" sz="1400" dirty="0"/>
@@ -13840,7 +13874,7 @@
             </a:br>
             <a:r>
               <a:rPr lang="en-US" altLang="ja-JP" sz="1400" dirty="0" smtClean="0"/>
-              <a:t>$ find ./it-automation-</a:t>
+              <a:t># find ./it-automation-</a:t>
             </a:r>
             <a:r>
               <a:rPr lang="en-US" altLang="ja-JP" sz="1400" dirty="0" err="1" smtClean="0">
@@ -13904,11 +13938,11 @@
             </a:br>
             <a:r>
               <a:rPr lang="en-US" altLang="ja-JP" sz="1400" dirty="0"/>
-              <a:t>$ </a:t>
+              <a:t>#</a:t>
             </a:r>
             <a:r>
               <a:rPr lang="en-US" altLang="ja-JP" sz="1400" dirty="0" smtClean="0"/>
-              <a:t>cd it-automation-</a:t>
+              <a:t> cd it-automation-</a:t>
             </a:r>
             <a:r>
               <a:rPr lang="en-US" altLang="ja-JP" sz="1400" dirty="0" err="1" smtClean="0">
@@ -14134,14 +14168,14 @@
           <p:nvPr>
             <p:extLst>
               <p:ext uri="{D42A27DB-BD31-4B8C-83A1-F6EECF244321}">
-                <p14:modId xmlns:p14="http://schemas.microsoft.com/office/powerpoint/2010/main" val="1842871445"/>
+                <p14:modId xmlns:p14="http://schemas.microsoft.com/office/powerpoint/2010/main" val="3600454044"/>
               </p:ext>
             </p:extLst>
           </p:nvPr>
         </p:nvGraphicFramePr>
         <p:xfrm>
           <a:off x="179512" y="1844781"/>
-          <a:ext cx="8784000" cy="4608409"/>
+          <a:ext cx="8784000" cy="1929101"/>
         </p:xfrm>
         <a:graphic>
           <a:graphicData uri="http://schemas.openxmlformats.org/drawingml/2006/table">
@@ -14153,28 +14187,28 @@
                 <a:gridCol w="1800128">
                   <a:extLst>
                     <a:ext uri="{9D8B030D-6E8A-4147-A177-3AD203B41FA5}">
-                      <a16:colId xmlns="" xmlns:a16="http://schemas.microsoft.com/office/drawing/2014/main" val="20000"/>
+                      <a16:colId xmlns:a16="http://schemas.microsoft.com/office/drawing/2014/main" val="20000"/>
                     </a:ext>
                   </a:extLst>
                 </a:gridCol>
                 <a:gridCol w="2139459">
                   <a:extLst>
                     <a:ext uri="{9D8B030D-6E8A-4147-A177-3AD203B41FA5}">
-                      <a16:colId xmlns="" xmlns:a16="http://schemas.microsoft.com/office/drawing/2014/main" val="20001"/>
+                      <a16:colId xmlns:a16="http://schemas.microsoft.com/office/drawing/2014/main" val="20001"/>
                     </a:ext>
                   </a:extLst>
                 </a:gridCol>
                 <a:gridCol w="596921">
                   <a:extLst>
                     <a:ext uri="{9D8B030D-6E8A-4147-A177-3AD203B41FA5}">
-                      <a16:colId xmlns="" xmlns:a16="http://schemas.microsoft.com/office/drawing/2014/main" val="20002"/>
+                      <a16:colId xmlns:a16="http://schemas.microsoft.com/office/drawing/2014/main" val="20002"/>
                     </a:ext>
                   </a:extLst>
                 </a:gridCol>
                 <a:gridCol w="4247492">
                   <a:extLst>
                     <a:ext uri="{9D8B030D-6E8A-4147-A177-3AD203B41FA5}">
-                      <a16:colId xmlns="" xmlns:a16="http://schemas.microsoft.com/office/drawing/2014/main" val="20003"/>
+                      <a16:colId xmlns:a16="http://schemas.microsoft.com/office/drawing/2014/main" val="20003"/>
                     </a:ext>
                   </a:extLst>
                 </a:gridCol>
@@ -14326,7 +14360,7 @@
                 </a:tc>
                 <a:extLst>
                   <a:ext uri="{0D108BD9-81ED-4DB2-BD59-A6C34878D82A}">
-                    <a16:rowId xmlns="" xmlns:a16="http://schemas.microsoft.com/office/drawing/2014/main" val="10000"/>
+                    <a16:rowId xmlns:a16="http://schemas.microsoft.com/office/drawing/2014/main" val="10000"/>
                   </a:ext>
                 </a:extLst>
               </a:tr>
@@ -14475,7 +14509,13 @@
                         <a:rPr lang="en-US" sz="900" kern="100" dirty="0">
                           <a:effectLst/>
                         </a:rPr>
-                        <a:t>("CentOS6","CentOS7","RHEL6","RHEL7")</a:t>
+                        <a:t>("</a:t>
+                      </a:r>
+                      <a:r>
+                        <a:rPr lang="en-US" sz="900" kern="100" dirty="0" smtClean="0">
+                          <a:effectLst/>
+                        </a:rPr>
+                        <a:t>CentOS7","CentOS8","RHEL7","RHEL8")</a:t>
                       </a:r>
                       <a:endParaRPr lang="ja-JP" sz="900" kern="100" dirty="0">
                         <a:effectLst/>
@@ -14493,7 +14533,7 @@
                 </a:tc>
                 <a:extLst>
                   <a:ext uri="{0D108BD9-81ED-4DB2-BD59-A6C34878D82A}">
-                    <a16:rowId xmlns="" xmlns:a16="http://schemas.microsoft.com/office/drawing/2014/main" val="10001"/>
+                    <a16:rowId xmlns:a16="http://schemas.microsoft.com/office/drawing/2014/main" val="10001"/>
                   </a:ext>
                 </a:extLst>
               </a:tr>
@@ -14668,7 +14708,7 @@
                 </a:tc>
                 <a:extLst>
                   <a:ext uri="{0D108BD9-81ED-4DB2-BD59-A6C34878D82A}">
-                    <a16:rowId xmlns="" xmlns:a16="http://schemas.microsoft.com/office/drawing/2014/main" val="10002"/>
+                    <a16:rowId xmlns:a16="http://schemas.microsoft.com/office/drawing/2014/main" val="10002"/>
                   </a:ext>
                 </a:extLst>
               </a:tr>
@@ -14843,7 +14883,7 @@
                 </a:tc>
                 <a:extLst>
                   <a:ext uri="{0D108BD9-81ED-4DB2-BD59-A6C34878D82A}">
-                    <a16:rowId xmlns="" xmlns:a16="http://schemas.microsoft.com/office/drawing/2014/main" val="10003"/>
+                    <a16:rowId xmlns:a16="http://schemas.microsoft.com/office/drawing/2014/main" val="10003"/>
                   </a:ext>
                 </a:extLst>
               </a:tr>
@@ -15024,1450 +15064,7 @@
                 </a:tc>
                 <a:extLst>
                   <a:ext uri="{0D108BD9-81ED-4DB2-BD59-A6C34878D82A}">
-                    <a16:rowId xmlns="" xmlns:a16="http://schemas.microsoft.com/office/drawing/2014/main" val="10004"/>
-                  </a:ext>
-                </a:extLst>
-              </a:tr>
-              <a:tr h="321517">
-                <a:tc>
-                  <a:txBody>
-                    <a:bodyPr/>
-                    <a:lstStyle/>
-                    <a:p>
-                      <a:pPr algn="just">
-                        <a:spcAft>
-                          <a:spcPts val="0"/>
-                        </a:spcAft>
-                      </a:pPr>
-                      <a:r>
-                        <a:rPr lang="en-US" sz="1000" kern="100" dirty="0" smtClean="0">
-                          <a:solidFill>
-                            <a:schemeClr val="bg1"/>
-                          </a:solidFill>
-                          <a:effectLst/>
-                        </a:rPr>
-                        <a:t>server_address</a:t>
-                      </a:r>
-                      <a:endParaRPr lang="ja-JP" sz="1000" kern="100" dirty="0">
-                        <a:solidFill>
-                          <a:schemeClr val="bg1"/>
-                        </a:solidFill>
-                        <a:effectLst/>
-                      </a:endParaRPr>
-                    </a:p>
-                  </a:txBody>
-                  <a:tcPr marL="55979" marR="55979" marT="0" marB="0" anchor="ctr">
-                    <a:solidFill>
-                      <a:srgbClr val="002B62"/>
-                    </a:solidFill>
-                  </a:tcPr>
-                </a:tc>
-                <a:tc>
-                  <a:txBody>
-                    <a:bodyPr/>
-                    <a:lstStyle/>
-                    <a:p>
-                      <a:pPr algn="l">
-                        <a:spcAft>
-                          <a:spcPts val="0"/>
-                        </a:spcAft>
-                      </a:pPr>
-                      <a:r>
-                        <a:rPr lang="en-US" sz="900" kern="100" dirty="0">
-                          <a:effectLst/>
-                        </a:rPr>
-                        <a:t>cobbler</a:t>
-                      </a:r>
-                      <a:r>
-                        <a:rPr lang="ja-JP" sz="900" kern="100" dirty="0">
-                          <a:effectLst/>
-                        </a:rPr>
-                        <a:t>をインストールする場合必須</a:t>
-                      </a:r>
-                      <a:endParaRPr lang="ja-JP" sz="900" kern="100" dirty="0">
-                        <a:effectLst/>
-                        <a:latin typeface="Century" panose="02040604050505020304" pitchFamily="18" charset="0"/>
-                        <a:ea typeface="ＭＳ 明朝" panose="02020609040205080304" pitchFamily="17" charset="-128"/>
-                        <a:cs typeface="Times New Roman" panose="02020603050405020304" pitchFamily="18" charset="0"/>
-                      </a:endParaRPr>
-                    </a:p>
-                  </a:txBody>
-                  <a:tcPr marL="55979" marR="55979" marT="0" marB="0" anchor="ctr">
-                    <a:solidFill>
-                      <a:srgbClr val="CBCDD3"/>
-                    </a:solidFill>
-                  </a:tcPr>
-                </a:tc>
-                <a:tc>
-                  <a:txBody>
-                    <a:bodyPr/>
-                    <a:lstStyle/>
-                    <a:p>
-                      <a:pPr algn="just">
-                        <a:spcAft>
-                          <a:spcPts val="0"/>
-                        </a:spcAft>
-                      </a:pPr>
-                      <a:r>
-                        <a:rPr lang="en-US" sz="900" kern="100" dirty="0">
-                          <a:effectLst/>
-                        </a:rPr>
-                        <a:t>-</a:t>
-                      </a:r>
-                      <a:endParaRPr lang="ja-JP" sz="900" kern="100" dirty="0">
-                        <a:effectLst/>
-                        <a:latin typeface="Century" panose="02040604050505020304" pitchFamily="18" charset="0"/>
-                        <a:ea typeface="ＭＳ 明朝" panose="02020609040205080304" pitchFamily="17" charset="-128"/>
-                        <a:cs typeface="Times New Roman" panose="02020603050405020304" pitchFamily="18" charset="0"/>
-                      </a:endParaRPr>
-                    </a:p>
-                  </a:txBody>
-                  <a:tcPr marL="55979" marR="55979" marT="0" marB="0" anchor="ctr">
-                    <a:solidFill>
-                      <a:srgbClr val="CBCDD3"/>
-                    </a:solidFill>
-                  </a:tcPr>
-                </a:tc>
-                <a:tc>
-                  <a:txBody>
-                    <a:bodyPr/>
-                    <a:lstStyle/>
-                    <a:p>
-                      <a:pPr algn="just">
-                        <a:spcAft>
-                          <a:spcPts val="0"/>
-                        </a:spcAft>
-                      </a:pPr>
-                      <a:r>
-                        <a:rPr lang="en-US" sz="900" kern="100" dirty="0">
-                          <a:effectLst/>
-                        </a:rPr>
-                        <a:t>Cobbler</a:t>
-                      </a:r>
-                      <a:r>
-                        <a:rPr lang="ja-JP" sz="900" kern="100" dirty="0">
-                          <a:effectLst/>
-                        </a:rPr>
-                        <a:t>の</a:t>
-                      </a:r>
-                      <a:r>
-                        <a:rPr lang="en-US" sz="900" kern="100" dirty="0">
-                          <a:effectLst/>
-                        </a:rPr>
-                        <a:t>settings</a:t>
-                      </a:r>
-                      <a:r>
-                        <a:rPr lang="ja-JP" sz="900" kern="100" dirty="0">
-                          <a:effectLst/>
-                        </a:rPr>
-                        <a:t>ファイルに設定</a:t>
-                      </a:r>
-                      <a:r>
-                        <a:rPr lang="ja-JP" sz="900" kern="100" dirty="0" smtClean="0">
-                          <a:effectLst/>
-                        </a:rPr>
-                        <a:t>する</a:t>
-                      </a:r>
-                      <a:r>
-                        <a:rPr lang="en-US" altLang="ja-JP" sz="900" kern="100" dirty="0" smtClean="0">
-                          <a:effectLst/>
-                        </a:rPr>
-                        <a:t>ITA</a:t>
-                      </a:r>
-                      <a:r>
-                        <a:rPr lang="ja-JP" sz="900" kern="100" dirty="0" smtClean="0">
-                          <a:effectLst/>
-                        </a:rPr>
-                        <a:t>サーバ</a:t>
-                      </a:r>
-                      <a:r>
-                        <a:rPr lang="en-US" sz="900" kern="100" dirty="0">
-                          <a:effectLst/>
-                        </a:rPr>
-                        <a:t>(Cobbler</a:t>
-                      </a:r>
-                      <a:r>
-                        <a:rPr lang="ja-JP" sz="900" kern="100" dirty="0">
-                          <a:effectLst/>
-                        </a:rPr>
-                        <a:t>サーバ</a:t>
-                      </a:r>
-                      <a:r>
-                        <a:rPr lang="en-US" sz="900" kern="100" dirty="0">
-                          <a:effectLst/>
-                        </a:rPr>
-                        <a:t>)</a:t>
-                      </a:r>
-                      <a:r>
-                        <a:rPr lang="ja-JP" sz="900" kern="100" dirty="0">
-                          <a:effectLst/>
-                        </a:rPr>
-                        <a:t>の</a:t>
-                      </a:r>
-                      <a:r>
-                        <a:rPr lang="en-US" sz="900" kern="100" dirty="0">
-                          <a:effectLst/>
-                        </a:rPr>
-                        <a:t>IP</a:t>
-                      </a:r>
-                      <a:r>
-                        <a:rPr lang="ja-JP" sz="900" kern="100" dirty="0">
-                          <a:effectLst/>
-                        </a:rPr>
-                        <a:t>アドレス</a:t>
-                      </a:r>
-                      <a:endParaRPr lang="ja-JP" sz="900" kern="100" dirty="0">
-                        <a:effectLst/>
-                        <a:latin typeface="Century" panose="02040604050505020304" pitchFamily="18" charset="0"/>
-                        <a:ea typeface="ＭＳ 明朝" panose="02020609040205080304" pitchFamily="17" charset="-128"/>
-                        <a:cs typeface="Times New Roman" panose="02020603050405020304" pitchFamily="18" charset="0"/>
-                      </a:endParaRPr>
-                    </a:p>
-                  </a:txBody>
-                  <a:tcPr marL="55979" marR="55979" marT="0" marB="0" anchor="ctr">
-                    <a:solidFill>
-                      <a:srgbClr val="CBCDD3"/>
-                    </a:solidFill>
-                  </a:tcPr>
-                </a:tc>
-                <a:extLst>
-                  <a:ext uri="{0D108BD9-81ED-4DB2-BD59-A6C34878D82A}">
-                    <a16:rowId xmlns="" xmlns:a16="http://schemas.microsoft.com/office/drawing/2014/main" val="10005"/>
-                  </a:ext>
-                </a:extLst>
-              </a:tr>
-              <a:tr h="428689">
-                <a:tc>
-                  <a:txBody>
-                    <a:bodyPr/>
-                    <a:lstStyle/>
-                    <a:p>
-                      <a:pPr algn="just">
-                        <a:spcAft>
-                          <a:spcPts val="0"/>
-                        </a:spcAft>
-                      </a:pPr>
-                      <a:r>
-                        <a:rPr lang="en-US" sz="1000" kern="100" dirty="0" smtClean="0">
-                          <a:solidFill>
-                            <a:schemeClr val="bg1"/>
-                          </a:solidFill>
-                          <a:effectLst/>
-                        </a:rPr>
-                        <a:t>default_password</a:t>
-                      </a:r>
-                      <a:endParaRPr lang="ja-JP" sz="1000" kern="100" dirty="0">
-                        <a:solidFill>
-                          <a:schemeClr val="bg1"/>
-                        </a:solidFill>
-                        <a:effectLst/>
-                      </a:endParaRPr>
-                    </a:p>
-                  </a:txBody>
-                  <a:tcPr marL="55979" marR="55979" marT="0" marB="0" anchor="ctr">
-                    <a:solidFill>
-                      <a:srgbClr val="002B62"/>
-                    </a:solidFill>
-                  </a:tcPr>
-                </a:tc>
-                <a:tc>
-                  <a:txBody>
-                    <a:bodyPr/>
-                    <a:lstStyle/>
-                    <a:p>
-                      <a:pPr algn="l">
-                        <a:spcAft>
-                          <a:spcPts val="0"/>
-                        </a:spcAft>
-                      </a:pPr>
-                      <a:r>
-                        <a:rPr lang="en-US" sz="900" kern="100" dirty="0">
-                          <a:effectLst/>
-                        </a:rPr>
-                        <a:t>cobbler</a:t>
-                      </a:r>
-                      <a:r>
-                        <a:rPr lang="ja-JP" sz="900" kern="100" dirty="0">
-                          <a:effectLst/>
-                        </a:rPr>
-                        <a:t>をインストールする場合必須</a:t>
-                      </a:r>
-                      <a:endParaRPr lang="ja-JP" sz="900" kern="100" dirty="0">
-                        <a:effectLst/>
-                        <a:latin typeface="Century" panose="02040604050505020304" pitchFamily="18" charset="0"/>
-                        <a:ea typeface="ＭＳ 明朝" panose="02020609040205080304" pitchFamily="17" charset="-128"/>
-                        <a:cs typeface="Times New Roman" panose="02020603050405020304" pitchFamily="18" charset="0"/>
-                      </a:endParaRPr>
-                    </a:p>
-                  </a:txBody>
-                  <a:tcPr marL="55979" marR="55979" marT="0" marB="0" anchor="ctr">
-                    <a:solidFill>
-                      <a:srgbClr val="E7E8EA"/>
-                    </a:solidFill>
-                  </a:tcPr>
-                </a:tc>
-                <a:tc>
-                  <a:txBody>
-                    <a:bodyPr/>
-                    <a:lstStyle/>
-                    <a:p>
-                      <a:pPr algn="just">
-                        <a:spcAft>
-                          <a:spcPts val="0"/>
-                        </a:spcAft>
-                      </a:pPr>
-                      <a:r>
-                        <a:rPr lang="en-US" sz="900" kern="100" dirty="0">
-                          <a:effectLst/>
-                        </a:rPr>
-                        <a:t>-</a:t>
-                      </a:r>
-                      <a:endParaRPr lang="ja-JP" sz="900" kern="100" dirty="0">
-                        <a:effectLst/>
-                        <a:latin typeface="Century" panose="02040604050505020304" pitchFamily="18" charset="0"/>
-                        <a:ea typeface="ＭＳ 明朝" panose="02020609040205080304" pitchFamily="17" charset="-128"/>
-                        <a:cs typeface="Times New Roman" panose="02020603050405020304" pitchFamily="18" charset="0"/>
-                      </a:endParaRPr>
-                    </a:p>
-                  </a:txBody>
-                  <a:tcPr marL="55979" marR="55979" marT="0" marB="0" anchor="ctr">
-                    <a:solidFill>
-                      <a:srgbClr val="E7E8EA"/>
-                    </a:solidFill>
-                  </a:tcPr>
-                </a:tc>
-                <a:tc>
-                  <a:txBody>
-                    <a:bodyPr/>
-                    <a:lstStyle/>
-                    <a:p>
-                      <a:pPr algn="just">
-                        <a:spcAft>
-                          <a:spcPts val="0"/>
-                        </a:spcAft>
-                      </a:pPr>
-                      <a:r>
-                        <a:rPr lang="en-US" sz="900" kern="100" dirty="0">
-                          <a:effectLst/>
-                        </a:rPr>
-                        <a:t>Cobbler</a:t>
-                      </a:r>
-                      <a:r>
-                        <a:rPr lang="ja-JP" sz="900" kern="100" dirty="0">
-                          <a:effectLst/>
-                        </a:rPr>
-                        <a:t>の</a:t>
-                      </a:r>
-                      <a:r>
-                        <a:rPr lang="en-US" sz="900" kern="100" dirty="0">
-                          <a:effectLst/>
-                        </a:rPr>
-                        <a:t>settings</a:t>
-                      </a:r>
-                      <a:r>
-                        <a:rPr lang="ja-JP" sz="900" kern="100" dirty="0">
-                          <a:effectLst/>
-                        </a:rPr>
-                        <a:t>ファイルに設定する</a:t>
-                      </a:r>
-                      <a:r>
-                        <a:rPr lang="en-US" sz="900" kern="100" dirty="0">
-                          <a:effectLst/>
-                        </a:rPr>
-                        <a:t>OS</a:t>
-                      </a:r>
-                      <a:r>
-                        <a:rPr lang="ja-JP" sz="900" kern="100" dirty="0">
-                          <a:effectLst/>
-                        </a:rPr>
-                        <a:t>インストール対象サーバの</a:t>
-                      </a:r>
-                      <a:r>
-                        <a:rPr lang="en-US" sz="900" kern="100" dirty="0">
-                          <a:effectLst/>
-                        </a:rPr>
-                        <a:t>root</a:t>
-                      </a:r>
-                      <a:r>
-                        <a:rPr lang="ja-JP" sz="900" kern="100" dirty="0">
-                          <a:effectLst/>
-                        </a:rPr>
-                        <a:t>パスワード</a:t>
-                      </a:r>
-                    </a:p>
-                    <a:p>
-                      <a:pPr algn="just">
-                        <a:spcAft>
-                          <a:spcPts val="0"/>
-                        </a:spcAft>
-                      </a:pPr>
-                      <a:r>
-                        <a:rPr lang="ja-JP" sz="900" kern="100" dirty="0">
-                          <a:effectLst/>
-                        </a:rPr>
-                        <a:t>※入力した値をハッシュした値が</a:t>
-                      </a:r>
-                      <a:r>
-                        <a:rPr lang="en-US" sz="900" kern="100" dirty="0">
-                          <a:effectLst/>
-                        </a:rPr>
-                        <a:t>settings</a:t>
-                      </a:r>
-                      <a:r>
-                        <a:rPr lang="ja-JP" sz="900" kern="100" dirty="0">
-                          <a:effectLst/>
-                        </a:rPr>
-                        <a:t>ファイルに設定されます。</a:t>
-                      </a:r>
-                      <a:endParaRPr lang="ja-JP" sz="900" kern="100" dirty="0">
-                        <a:effectLst/>
-                        <a:latin typeface="Century" panose="02040604050505020304" pitchFamily="18" charset="0"/>
-                        <a:ea typeface="ＭＳ 明朝" panose="02020609040205080304" pitchFamily="17" charset="-128"/>
-                        <a:cs typeface="Times New Roman" panose="02020603050405020304" pitchFamily="18" charset="0"/>
-                      </a:endParaRPr>
-                    </a:p>
-                  </a:txBody>
-                  <a:tcPr marL="55979" marR="55979" marT="0" marB="0" anchor="ctr">
-                    <a:solidFill>
-                      <a:srgbClr val="E7E8EA"/>
-                    </a:solidFill>
-                  </a:tcPr>
-                </a:tc>
-                <a:extLst>
-                  <a:ext uri="{0D108BD9-81ED-4DB2-BD59-A6C34878D82A}">
-                    <a16:rowId xmlns="" xmlns:a16="http://schemas.microsoft.com/office/drawing/2014/main" val="10006"/>
-                  </a:ext>
-                </a:extLst>
-              </a:tr>
-              <a:tr h="321517">
-                <a:tc>
-                  <a:txBody>
-                    <a:bodyPr/>
-                    <a:lstStyle/>
-                    <a:p>
-                      <a:pPr algn="just">
-                        <a:spcAft>
-                          <a:spcPts val="0"/>
-                        </a:spcAft>
-                      </a:pPr>
-                      <a:r>
-                        <a:rPr lang="en-US" sz="1000" kern="100" dirty="0" smtClean="0">
-                          <a:solidFill>
-                            <a:schemeClr val="bg1"/>
-                          </a:solidFill>
-                          <a:effectLst/>
-                        </a:rPr>
-                        <a:t>cobbler_ip</a:t>
-                      </a:r>
-                      <a:endParaRPr lang="ja-JP" sz="1000" kern="100" dirty="0">
-                        <a:solidFill>
-                          <a:schemeClr val="bg1"/>
-                        </a:solidFill>
-                        <a:effectLst/>
-                      </a:endParaRPr>
-                    </a:p>
-                  </a:txBody>
-                  <a:tcPr marL="55979" marR="55979" marT="0" marB="0" anchor="ctr">
-                    <a:solidFill>
-                      <a:srgbClr val="002B62"/>
-                    </a:solidFill>
-                  </a:tcPr>
-                </a:tc>
-                <a:tc>
-                  <a:txBody>
-                    <a:bodyPr/>
-                    <a:lstStyle/>
-                    <a:p>
-                      <a:pPr algn="l">
-                        <a:spcAft>
-                          <a:spcPts val="0"/>
-                        </a:spcAft>
-                      </a:pPr>
-                      <a:r>
-                        <a:rPr lang="en-US" sz="900" kern="100" dirty="0">
-                          <a:effectLst/>
-                        </a:rPr>
-                        <a:t>cobbler</a:t>
-                      </a:r>
-                      <a:r>
-                        <a:rPr lang="ja-JP" sz="900" kern="100" dirty="0">
-                          <a:effectLst/>
-                        </a:rPr>
-                        <a:t>をインストールする場合必須</a:t>
-                      </a:r>
-                      <a:endParaRPr lang="ja-JP" sz="900" kern="100" dirty="0">
-                        <a:effectLst/>
-                        <a:latin typeface="Century" panose="02040604050505020304" pitchFamily="18" charset="0"/>
-                        <a:ea typeface="ＭＳ 明朝" panose="02020609040205080304" pitchFamily="17" charset="-128"/>
-                        <a:cs typeface="Times New Roman" panose="02020603050405020304" pitchFamily="18" charset="0"/>
-                      </a:endParaRPr>
-                    </a:p>
-                  </a:txBody>
-                  <a:tcPr marL="55979" marR="55979" marT="0" marB="0" anchor="ctr">
-                    <a:solidFill>
-                      <a:srgbClr val="CBCDD3"/>
-                    </a:solidFill>
-                  </a:tcPr>
-                </a:tc>
-                <a:tc>
-                  <a:txBody>
-                    <a:bodyPr/>
-                    <a:lstStyle/>
-                    <a:p>
-                      <a:pPr algn="just">
-                        <a:spcAft>
-                          <a:spcPts val="0"/>
-                        </a:spcAft>
-                      </a:pPr>
-                      <a:r>
-                        <a:rPr lang="en-US" sz="900" kern="100" dirty="0">
-                          <a:effectLst/>
-                        </a:rPr>
-                        <a:t>-</a:t>
-                      </a:r>
-                      <a:endParaRPr lang="ja-JP" sz="900" kern="100" dirty="0">
-                        <a:effectLst/>
-                        <a:latin typeface="Century" panose="02040604050505020304" pitchFamily="18" charset="0"/>
-                        <a:ea typeface="ＭＳ 明朝" panose="02020609040205080304" pitchFamily="17" charset="-128"/>
-                        <a:cs typeface="Times New Roman" panose="02020603050405020304" pitchFamily="18" charset="0"/>
-                      </a:endParaRPr>
-                    </a:p>
-                  </a:txBody>
-                  <a:tcPr marL="55979" marR="55979" marT="0" marB="0" anchor="ctr">
-                    <a:solidFill>
-                      <a:srgbClr val="CBCDD3"/>
-                    </a:solidFill>
-                  </a:tcPr>
-                </a:tc>
-                <a:tc>
-                  <a:txBody>
-                    <a:bodyPr/>
-                    <a:lstStyle/>
-                    <a:p>
-                      <a:pPr algn="just">
-                        <a:spcAft>
-                          <a:spcPts val="0"/>
-                        </a:spcAft>
-                      </a:pPr>
-                      <a:r>
-                        <a:rPr lang="en-US" sz="900" kern="100" dirty="0">
-                          <a:effectLst/>
-                        </a:rPr>
-                        <a:t>dhcp.template</a:t>
-                      </a:r>
-                      <a:r>
-                        <a:rPr lang="ja-JP" sz="900" kern="100" dirty="0">
-                          <a:effectLst/>
-                        </a:rPr>
-                        <a:t>の</a:t>
-                      </a:r>
-                      <a:r>
-                        <a:rPr lang="en-US" sz="900" kern="100" dirty="0">
-                          <a:effectLst/>
-                        </a:rPr>
-                        <a:t>subnet</a:t>
-                      </a:r>
-                      <a:r>
-                        <a:rPr lang="ja-JP" sz="900" kern="100" dirty="0">
-                          <a:effectLst/>
-                        </a:rPr>
-                        <a:t>に設定する</a:t>
-                      </a:r>
-                      <a:r>
-                        <a:rPr lang="en-US" sz="900" kern="100" dirty="0">
-                          <a:effectLst/>
-                        </a:rPr>
-                        <a:t>IP</a:t>
-                      </a:r>
-                      <a:r>
-                        <a:rPr lang="ja-JP" sz="900" kern="100" dirty="0">
-                          <a:effectLst/>
-                        </a:rPr>
-                        <a:t>アドレス</a:t>
-                      </a:r>
-                      <a:endParaRPr lang="ja-JP" sz="900" kern="100" dirty="0">
-                        <a:effectLst/>
-                        <a:latin typeface="Century" panose="02040604050505020304" pitchFamily="18" charset="0"/>
-                        <a:ea typeface="ＭＳ 明朝" panose="02020609040205080304" pitchFamily="17" charset="-128"/>
-                        <a:cs typeface="Times New Roman" panose="02020603050405020304" pitchFamily="18" charset="0"/>
-                      </a:endParaRPr>
-                    </a:p>
-                  </a:txBody>
-                  <a:tcPr marL="55979" marR="55979" marT="0" marB="0" anchor="ctr">
-                    <a:solidFill>
-                      <a:srgbClr val="CBCDD3"/>
-                    </a:solidFill>
-                  </a:tcPr>
-                </a:tc>
-                <a:extLst>
-                  <a:ext uri="{0D108BD9-81ED-4DB2-BD59-A6C34878D82A}">
-                    <a16:rowId xmlns="" xmlns:a16="http://schemas.microsoft.com/office/drawing/2014/main" val="10007"/>
-                  </a:ext>
-                </a:extLst>
-              </a:tr>
-              <a:tr h="321517">
-                <a:tc>
-                  <a:txBody>
-                    <a:bodyPr/>
-                    <a:lstStyle/>
-                    <a:p>
-                      <a:pPr algn="just">
-                        <a:spcAft>
-                          <a:spcPts val="0"/>
-                        </a:spcAft>
-                      </a:pPr>
-                      <a:r>
-                        <a:rPr lang="en-US" sz="1000" kern="100" dirty="0" smtClean="0">
-                          <a:solidFill>
-                            <a:schemeClr val="bg1"/>
-                          </a:solidFill>
-                          <a:effectLst/>
-                        </a:rPr>
-                        <a:t>cobbler_subnet</a:t>
-                      </a:r>
-                      <a:endParaRPr lang="ja-JP" sz="1000" kern="100" dirty="0">
-                        <a:solidFill>
-                          <a:schemeClr val="bg1"/>
-                        </a:solidFill>
-                        <a:effectLst/>
-                      </a:endParaRPr>
-                    </a:p>
-                  </a:txBody>
-                  <a:tcPr marL="55979" marR="55979" marT="0" marB="0" anchor="ctr">
-                    <a:solidFill>
-                      <a:srgbClr val="002B62"/>
-                    </a:solidFill>
-                  </a:tcPr>
-                </a:tc>
-                <a:tc>
-                  <a:txBody>
-                    <a:bodyPr/>
-                    <a:lstStyle/>
-                    <a:p>
-                      <a:pPr algn="l">
-                        <a:spcAft>
-                          <a:spcPts val="0"/>
-                        </a:spcAft>
-                      </a:pPr>
-                      <a:r>
-                        <a:rPr lang="en-US" sz="900" kern="100" dirty="0">
-                          <a:effectLst/>
-                        </a:rPr>
-                        <a:t>cobbler</a:t>
-                      </a:r>
-                      <a:r>
-                        <a:rPr lang="ja-JP" sz="900" kern="100" dirty="0">
-                          <a:effectLst/>
-                        </a:rPr>
-                        <a:t>をインストールする場合必須</a:t>
-                      </a:r>
-                      <a:endParaRPr lang="ja-JP" sz="900" kern="100" dirty="0">
-                        <a:effectLst/>
-                        <a:latin typeface="Century" panose="02040604050505020304" pitchFamily="18" charset="0"/>
-                        <a:ea typeface="ＭＳ 明朝" panose="02020609040205080304" pitchFamily="17" charset="-128"/>
-                        <a:cs typeface="Times New Roman" panose="02020603050405020304" pitchFamily="18" charset="0"/>
-                      </a:endParaRPr>
-                    </a:p>
-                  </a:txBody>
-                  <a:tcPr marL="55979" marR="55979" marT="0" marB="0" anchor="ctr">
-                    <a:solidFill>
-                      <a:srgbClr val="E7E8EA"/>
-                    </a:solidFill>
-                  </a:tcPr>
-                </a:tc>
-                <a:tc>
-                  <a:txBody>
-                    <a:bodyPr/>
-                    <a:lstStyle/>
-                    <a:p>
-                      <a:pPr algn="just">
-                        <a:spcAft>
-                          <a:spcPts val="0"/>
-                        </a:spcAft>
-                      </a:pPr>
-                      <a:r>
-                        <a:rPr lang="en-US" sz="900" kern="100" dirty="0">
-                          <a:effectLst/>
-                        </a:rPr>
-                        <a:t>-</a:t>
-                      </a:r>
-                      <a:endParaRPr lang="ja-JP" sz="900" kern="100" dirty="0">
-                        <a:effectLst/>
-                        <a:latin typeface="Century" panose="02040604050505020304" pitchFamily="18" charset="0"/>
-                        <a:ea typeface="ＭＳ 明朝" panose="02020609040205080304" pitchFamily="17" charset="-128"/>
-                        <a:cs typeface="Times New Roman" panose="02020603050405020304" pitchFamily="18" charset="0"/>
-                      </a:endParaRPr>
-                    </a:p>
-                  </a:txBody>
-                  <a:tcPr marL="55979" marR="55979" marT="0" marB="0" anchor="ctr">
-                    <a:solidFill>
-                      <a:srgbClr val="E7E8EA"/>
-                    </a:solidFill>
-                  </a:tcPr>
-                </a:tc>
-                <a:tc>
-                  <a:txBody>
-                    <a:bodyPr/>
-                    <a:lstStyle/>
-                    <a:p>
-                      <a:pPr algn="just">
-                        <a:spcAft>
-                          <a:spcPts val="0"/>
-                        </a:spcAft>
-                      </a:pPr>
-                      <a:r>
-                        <a:rPr lang="en-US" sz="900" kern="100" dirty="0">
-                          <a:effectLst/>
-                        </a:rPr>
-                        <a:t>dhcp.template</a:t>
-                      </a:r>
-                      <a:r>
-                        <a:rPr lang="ja-JP" sz="900" kern="100" dirty="0">
-                          <a:effectLst/>
-                        </a:rPr>
-                        <a:t>の</a:t>
-                      </a:r>
-                      <a:r>
-                        <a:rPr lang="en-US" sz="900" kern="100" dirty="0">
-                          <a:effectLst/>
-                        </a:rPr>
-                        <a:t>netmask</a:t>
-                      </a:r>
-                      <a:r>
-                        <a:rPr lang="ja-JP" sz="900" kern="100" dirty="0">
-                          <a:effectLst/>
-                        </a:rPr>
-                        <a:t>に設定する</a:t>
-                      </a:r>
-                      <a:r>
-                        <a:rPr lang="en-US" sz="900" kern="100" dirty="0">
-                          <a:effectLst/>
-                        </a:rPr>
-                        <a:t>IP</a:t>
-                      </a:r>
-                      <a:r>
-                        <a:rPr lang="ja-JP" sz="900" kern="100" dirty="0">
-                          <a:effectLst/>
-                        </a:rPr>
-                        <a:t>アドレス</a:t>
-                      </a:r>
-                      <a:endParaRPr lang="ja-JP" sz="900" kern="100" dirty="0">
-                        <a:effectLst/>
-                        <a:latin typeface="Century" panose="02040604050505020304" pitchFamily="18" charset="0"/>
-                        <a:ea typeface="ＭＳ 明朝" panose="02020609040205080304" pitchFamily="17" charset="-128"/>
-                        <a:cs typeface="Times New Roman" panose="02020603050405020304" pitchFamily="18" charset="0"/>
-                      </a:endParaRPr>
-                    </a:p>
-                  </a:txBody>
-                  <a:tcPr marL="55979" marR="55979" marT="0" marB="0" anchor="ctr">
-                    <a:solidFill>
-                      <a:srgbClr val="E7E8EA"/>
-                    </a:solidFill>
-                  </a:tcPr>
-                </a:tc>
-                <a:extLst>
-                  <a:ext uri="{0D108BD9-81ED-4DB2-BD59-A6C34878D82A}">
-                    <a16:rowId xmlns="" xmlns:a16="http://schemas.microsoft.com/office/drawing/2014/main" val="10008"/>
-                  </a:ext>
-                </a:extLst>
-              </a:tr>
-              <a:tr h="321517">
-                <a:tc>
-                  <a:txBody>
-                    <a:bodyPr/>
-                    <a:lstStyle/>
-                    <a:p>
-                      <a:pPr algn="just">
-                        <a:spcAft>
-                          <a:spcPts val="0"/>
-                        </a:spcAft>
-                      </a:pPr>
-                      <a:r>
-                        <a:rPr lang="en-US" sz="1000" kern="100" dirty="0" smtClean="0">
-                          <a:solidFill>
-                            <a:schemeClr val="bg1"/>
-                          </a:solidFill>
-                          <a:effectLst/>
-                        </a:rPr>
-                        <a:t>cobbler_gateway</a:t>
-                      </a:r>
-                      <a:endParaRPr lang="ja-JP" sz="1000" kern="100" dirty="0">
-                        <a:solidFill>
-                          <a:schemeClr val="bg1"/>
-                        </a:solidFill>
-                        <a:effectLst/>
-                      </a:endParaRPr>
-                    </a:p>
-                  </a:txBody>
-                  <a:tcPr marL="55979" marR="55979" marT="0" marB="0" anchor="ctr">
-                    <a:solidFill>
-                      <a:srgbClr val="002B62"/>
-                    </a:solidFill>
-                  </a:tcPr>
-                </a:tc>
-                <a:tc>
-                  <a:txBody>
-                    <a:bodyPr/>
-                    <a:lstStyle/>
-                    <a:p>
-                      <a:pPr algn="l">
-                        <a:spcAft>
-                          <a:spcPts val="0"/>
-                        </a:spcAft>
-                      </a:pPr>
-                      <a:r>
-                        <a:rPr lang="en-US" sz="900" kern="100" dirty="0">
-                          <a:effectLst/>
-                        </a:rPr>
-                        <a:t>cobbler</a:t>
-                      </a:r>
-                      <a:r>
-                        <a:rPr lang="ja-JP" sz="900" kern="100" dirty="0">
-                          <a:effectLst/>
-                        </a:rPr>
-                        <a:t>をインストールする場合必須</a:t>
-                      </a:r>
-                      <a:endParaRPr lang="ja-JP" sz="900" kern="100" dirty="0">
-                        <a:effectLst/>
-                        <a:latin typeface="Century" panose="02040604050505020304" pitchFamily="18" charset="0"/>
-                        <a:ea typeface="ＭＳ 明朝" panose="02020609040205080304" pitchFamily="17" charset="-128"/>
-                        <a:cs typeface="Times New Roman" panose="02020603050405020304" pitchFamily="18" charset="0"/>
-                      </a:endParaRPr>
-                    </a:p>
-                  </a:txBody>
-                  <a:tcPr marL="55979" marR="55979" marT="0" marB="0" anchor="ctr">
-                    <a:solidFill>
-                      <a:srgbClr val="CBCDD3"/>
-                    </a:solidFill>
-                  </a:tcPr>
-                </a:tc>
-                <a:tc>
-                  <a:txBody>
-                    <a:bodyPr/>
-                    <a:lstStyle/>
-                    <a:p>
-                      <a:pPr algn="just">
-                        <a:spcAft>
-                          <a:spcPts val="0"/>
-                        </a:spcAft>
-                      </a:pPr>
-                      <a:r>
-                        <a:rPr lang="en-US" sz="900" kern="100" dirty="0">
-                          <a:effectLst/>
-                        </a:rPr>
-                        <a:t>-</a:t>
-                      </a:r>
-                      <a:endParaRPr lang="ja-JP" sz="900" kern="100" dirty="0">
-                        <a:effectLst/>
-                        <a:latin typeface="Century" panose="02040604050505020304" pitchFamily="18" charset="0"/>
-                        <a:ea typeface="ＭＳ 明朝" panose="02020609040205080304" pitchFamily="17" charset="-128"/>
-                        <a:cs typeface="Times New Roman" panose="02020603050405020304" pitchFamily="18" charset="0"/>
-                      </a:endParaRPr>
-                    </a:p>
-                  </a:txBody>
-                  <a:tcPr marL="55979" marR="55979" marT="0" marB="0" anchor="ctr">
-                    <a:solidFill>
-                      <a:srgbClr val="CBCDD3"/>
-                    </a:solidFill>
-                  </a:tcPr>
-                </a:tc>
-                <a:tc>
-                  <a:txBody>
-                    <a:bodyPr/>
-                    <a:lstStyle/>
-                    <a:p>
-                      <a:pPr algn="just">
-                        <a:spcAft>
-                          <a:spcPts val="0"/>
-                        </a:spcAft>
-                      </a:pPr>
-                      <a:r>
-                        <a:rPr lang="en-US" sz="900" kern="100" dirty="0">
-                          <a:effectLst/>
-                        </a:rPr>
-                        <a:t>dhcp.template</a:t>
-                      </a:r>
-                      <a:r>
-                        <a:rPr lang="ja-JP" sz="900" kern="100" dirty="0">
-                          <a:effectLst/>
-                        </a:rPr>
-                        <a:t>の</a:t>
-                      </a:r>
-                      <a:r>
-                        <a:rPr lang="en-US" sz="900" kern="100" dirty="0">
-                          <a:effectLst/>
-                        </a:rPr>
-                        <a:t>option routers</a:t>
-                      </a:r>
-                      <a:r>
-                        <a:rPr lang="ja-JP" sz="900" kern="100" dirty="0">
-                          <a:effectLst/>
-                        </a:rPr>
-                        <a:t>に設定する</a:t>
-                      </a:r>
-                      <a:r>
-                        <a:rPr lang="en-US" sz="900" kern="100" dirty="0">
-                          <a:effectLst/>
-                        </a:rPr>
-                        <a:t>IP</a:t>
-                      </a:r>
-                      <a:r>
-                        <a:rPr lang="ja-JP" sz="900" kern="100" dirty="0">
-                          <a:effectLst/>
-                        </a:rPr>
-                        <a:t>アドレス</a:t>
-                      </a:r>
-                      <a:endParaRPr lang="ja-JP" sz="900" kern="100" dirty="0">
-                        <a:effectLst/>
-                        <a:latin typeface="Century" panose="02040604050505020304" pitchFamily="18" charset="0"/>
-                        <a:ea typeface="ＭＳ 明朝" panose="02020609040205080304" pitchFamily="17" charset="-128"/>
-                        <a:cs typeface="Times New Roman" panose="02020603050405020304" pitchFamily="18" charset="0"/>
-                      </a:endParaRPr>
-                    </a:p>
-                  </a:txBody>
-                  <a:tcPr marL="55979" marR="55979" marT="0" marB="0" anchor="ctr">
-                    <a:solidFill>
-                      <a:srgbClr val="CBCDD3"/>
-                    </a:solidFill>
-                  </a:tcPr>
-                </a:tc>
-                <a:extLst>
-                  <a:ext uri="{0D108BD9-81ED-4DB2-BD59-A6C34878D82A}">
-                    <a16:rowId xmlns="" xmlns:a16="http://schemas.microsoft.com/office/drawing/2014/main" val="10009"/>
-                  </a:ext>
-                </a:extLst>
-              </a:tr>
-              <a:tr h="321517">
-                <a:tc>
-                  <a:txBody>
-                    <a:bodyPr/>
-                    <a:lstStyle/>
-                    <a:p>
-                      <a:pPr algn="just">
-                        <a:spcAft>
-                          <a:spcPts val="0"/>
-                        </a:spcAft>
-                      </a:pPr>
-                      <a:r>
-                        <a:rPr lang="en-US" sz="1000" kern="100" dirty="0" smtClean="0">
-                          <a:solidFill>
-                            <a:schemeClr val="bg1"/>
-                          </a:solidFill>
-                          <a:effectLst/>
-                        </a:rPr>
-                        <a:t>cobbler_dns</a:t>
-                      </a:r>
-                      <a:endParaRPr lang="ja-JP" sz="1000" kern="100" dirty="0">
-                        <a:solidFill>
-                          <a:schemeClr val="bg1"/>
-                        </a:solidFill>
-                        <a:effectLst/>
-                      </a:endParaRPr>
-                    </a:p>
-                  </a:txBody>
-                  <a:tcPr marL="55979" marR="55979" marT="0" marB="0" anchor="ctr">
-                    <a:solidFill>
-                      <a:srgbClr val="002B62"/>
-                    </a:solidFill>
-                  </a:tcPr>
-                </a:tc>
-                <a:tc>
-                  <a:txBody>
-                    <a:bodyPr/>
-                    <a:lstStyle/>
-                    <a:p>
-                      <a:pPr algn="l">
-                        <a:spcAft>
-                          <a:spcPts val="0"/>
-                        </a:spcAft>
-                      </a:pPr>
-                      <a:r>
-                        <a:rPr lang="en-US" sz="900" kern="100" dirty="0">
-                          <a:effectLst/>
-                        </a:rPr>
-                        <a:t>cobbler</a:t>
-                      </a:r>
-                      <a:r>
-                        <a:rPr lang="ja-JP" sz="900" kern="100" dirty="0">
-                          <a:effectLst/>
-                        </a:rPr>
-                        <a:t>をインストールする場合必須</a:t>
-                      </a:r>
-                      <a:endParaRPr lang="ja-JP" sz="900" kern="100" dirty="0">
-                        <a:effectLst/>
-                        <a:latin typeface="Century" panose="02040604050505020304" pitchFamily="18" charset="0"/>
-                        <a:ea typeface="ＭＳ 明朝" panose="02020609040205080304" pitchFamily="17" charset="-128"/>
-                        <a:cs typeface="Times New Roman" panose="02020603050405020304" pitchFamily="18" charset="0"/>
-                      </a:endParaRPr>
-                    </a:p>
-                  </a:txBody>
-                  <a:tcPr marL="55979" marR="55979" marT="0" marB="0" anchor="ctr">
-                    <a:solidFill>
-                      <a:srgbClr val="E7E8EA"/>
-                    </a:solidFill>
-                  </a:tcPr>
-                </a:tc>
-                <a:tc>
-                  <a:txBody>
-                    <a:bodyPr/>
-                    <a:lstStyle/>
-                    <a:p>
-                      <a:pPr algn="just">
-                        <a:spcAft>
-                          <a:spcPts val="0"/>
-                        </a:spcAft>
-                      </a:pPr>
-                      <a:r>
-                        <a:rPr lang="en-US" sz="900" kern="100" dirty="0">
-                          <a:effectLst/>
-                        </a:rPr>
-                        <a:t>-</a:t>
-                      </a:r>
-                      <a:endParaRPr lang="ja-JP" sz="900" kern="100" dirty="0">
-                        <a:effectLst/>
-                        <a:latin typeface="Century" panose="02040604050505020304" pitchFamily="18" charset="0"/>
-                        <a:ea typeface="ＭＳ 明朝" panose="02020609040205080304" pitchFamily="17" charset="-128"/>
-                        <a:cs typeface="Times New Roman" panose="02020603050405020304" pitchFamily="18" charset="0"/>
-                      </a:endParaRPr>
-                    </a:p>
-                  </a:txBody>
-                  <a:tcPr marL="55979" marR="55979" marT="0" marB="0" anchor="ctr">
-                    <a:solidFill>
-                      <a:srgbClr val="E7E8EA"/>
-                    </a:solidFill>
-                  </a:tcPr>
-                </a:tc>
-                <a:tc>
-                  <a:txBody>
-                    <a:bodyPr/>
-                    <a:lstStyle/>
-                    <a:p>
-                      <a:pPr algn="just">
-                        <a:spcAft>
-                          <a:spcPts val="0"/>
-                        </a:spcAft>
-                      </a:pPr>
-                      <a:r>
-                        <a:rPr lang="en-US" sz="900" kern="100" dirty="0">
-                          <a:effectLst/>
-                        </a:rPr>
-                        <a:t>dhcp.template</a:t>
-                      </a:r>
-                      <a:r>
-                        <a:rPr lang="ja-JP" sz="900" kern="100" dirty="0">
-                          <a:effectLst/>
-                        </a:rPr>
-                        <a:t>の</a:t>
-                      </a:r>
-                      <a:r>
-                        <a:rPr lang="en-US" sz="900" kern="100" dirty="0">
-                          <a:effectLst/>
-                        </a:rPr>
-                        <a:t>domain-name-servers</a:t>
-                      </a:r>
-                      <a:r>
-                        <a:rPr lang="ja-JP" sz="900" kern="100" dirty="0">
-                          <a:effectLst/>
-                        </a:rPr>
-                        <a:t>に設定する</a:t>
-                      </a:r>
-                      <a:r>
-                        <a:rPr lang="en-US" sz="900" kern="100" dirty="0">
-                          <a:effectLst/>
-                        </a:rPr>
-                        <a:t>IP</a:t>
-                      </a:r>
-                      <a:r>
-                        <a:rPr lang="ja-JP" sz="900" kern="100" dirty="0">
-                          <a:effectLst/>
-                        </a:rPr>
-                        <a:t>アドレス</a:t>
-                      </a:r>
-                      <a:endParaRPr lang="ja-JP" sz="900" kern="100" dirty="0">
-                        <a:effectLst/>
-                        <a:latin typeface="Century" panose="02040604050505020304" pitchFamily="18" charset="0"/>
-                        <a:ea typeface="ＭＳ 明朝" panose="02020609040205080304" pitchFamily="17" charset="-128"/>
-                        <a:cs typeface="Times New Roman" panose="02020603050405020304" pitchFamily="18" charset="0"/>
-                      </a:endParaRPr>
-                    </a:p>
-                  </a:txBody>
-                  <a:tcPr marL="55979" marR="55979" marT="0" marB="0" anchor="ctr">
-                    <a:solidFill>
-                      <a:srgbClr val="E7E8EA"/>
-                    </a:solidFill>
-                  </a:tcPr>
-                </a:tc>
-                <a:extLst>
-                  <a:ext uri="{0D108BD9-81ED-4DB2-BD59-A6C34878D82A}">
-                    <a16:rowId xmlns="" xmlns:a16="http://schemas.microsoft.com/office/drawing/2014/main" val="10010"/>
-                  </a:ext>
-                </a:extLst>
-              </a:tr>
-              <a:tr h="321517">
-                <a:tc>
-                  <a:txBody>
-                    <a:bodyPr/>
-                    <a:lstStyle/>
-                    <a:p>
-                      <a:pPr algn="just">
-                        <a:spcAft>
-                          <a:spcPts val="0"/>
-                        </a:spcAft>
-                      </a:pPr>
-                      <a:r>
-                        <a:rPr lang="en-US" sz="1000" kern="100" dirty="0" smtClean="0">
-                          <a:solidFill>
-                            <a:schemeClr val="bg1"/>
-                          </a:solidFill>
-                          <a:effectLst/>
-                        </a:rPr>
-                        <a:t>dynamic_address_min</a:t>
-                      </a:r>
-                      <a:endParaRPr lang="ja-JP" sz="1000" kern="100" dirty="0">
-                        <a:solidFill>
-                          <a:schemeClr val="bg1"/>
-                        </a:solidFill>
-                        <a:effectLst/>
-                      </a:endParaRPr>
-                    </a:p>
-                  </a:txBody>
-                  <a:tcPr marL="55979" marR="55979" marT="0" marB="0" anchor="ctr">
-                    <a:solidFill>
-                      <a:srgbClr val="002B62"/>
-                    </a:solidFill>
-                  </a:tcPr>
-                </a:tc>
-                <a:tc>
-                  <a:txBody>
-                    <a:bodyPr/>
-                    <a:lstStyle/>
-                    <a:p>
-                      <a:pPr algn="l">
-                        <a:spcAft>
-                          <a:spcPts val="0"/>
-                        </a:spcAft>
-                      </a:pPr>
-                      <a:r>
-                        <a:rPr lang="en-US" sz="900" kern="100" dirty="0">
-                          <a:effectLst/>
-                        </a:rPr>
-                        <a:t>cobbler</a:t>
-                      </a:r>
-                      <a:r>
-                        <a:rPr lang="ja-JP" sz="900" kern="100" dirty="0">
-                          <a:effectLst/>
-                        </a:rPr>
-                        <a:t>をインストールする場合必須</a:t>
-                      </a:r>
-                      <a:endParaRPr lang="ja-JP" sz="900" kern="100" dirty="0">
-                        <a:effectLst/>
-                        <a:latin typeface="Century" panose="02040604050505020304" pitchFamily="18" charset="0"/>
-                        <a:ea typeface="ＭＳ 明朝" panose="02020609040205080304" pitchFamily="17" charset="-128"/>
-                        <a:cs typeface="Times New Roman" panose="02020603050405020304" pitchFamily="18" charset="0"/>
-                      </a:endParaRPr>
-                    </a:p>
-                  </a:txBody>
-                  <a:tcPr marL="55979" marR="55979" marT="0" marB="0" anchor="ctr">
-                    <a:solidFill>
-                      <a:srgbClr val="CBCDD3"/>
-                    </a:solidFill>
-                  </a:tcPr>
-                </a:tc>
-                <a:tc>
-                  <a:txBody>
-                    <a:bodyPr/>
-                    <a:lstStyle/>
-                    <a:p>
-                      <a:pPr algn="just">
-                        <a:spcAft>
-                          <a:spcPts val="0"/>
-                        </a:spcAft>
-                      </a:pPr>
-                      <a:r>
-                        <a:rPr lang="en-US" sz="900" kern="100" dirty="0">
-                          <a:effectLst/>
-                        </a:rPr>
-                        <a:t>-</a:t>
-                      </a:r>
-                      <a:endParaRPr lang="ja-JP" sz="900" kern="100" dirty="0">
-                        <a:effectLst/>
-                        <a:latin typeface="Century" panose="02040604050505020304" pitchFamily="18" charset="0"/>
-                        <a:ea typeface="ＭＳ 明朝" panose="02020609040205080304" pitchFamily="17" charset="-128"/>
-                        <a:cs typeface="Times New Roman" panose="02020603050405020304" pitchFamily="18" charset="0"/>
-                      </a:endParaRPr>
-                    </a:p>
-                  </a:txBody>
-                  <a:tcPr marL="55979" marR="55979" marT="0" marB="0" anchor="ctr">
-                    <a:solidFill>
-                      <a:srgbClr val="CBCDD3"/>
-                    </a:solidFill>
-                  </a:tcPr>
-                </a:tc>
-                <a:tc>
-                  <a:txBody>
-                    <a:bodyPr/>
-                    <a:lstStyle/>
-                    <a:p>
-                      <a:pPr algn="just">
-                        <a:spcAft>
-                          <a:spcPts val="0"/>
-                        </a:spcAft>
-                      </a:pPr>
-                      <a:r>
-                        <a:rPr lang="en-US" sz="900" kern="100" dirty="0">
-                          <a:effectLst/>
-                        </a:rPr>
-                        <a:t>dhcp.template</a:t>
-                      </a:r>
-                      <a:r>
-                        <a:rPr lang="ja-JP" sz="900" kern="100" dirty="0">
-                          <a:effectLst/>
-                        </a:rPr>
-                        <a:t>の</a:t>
-                      </a:r>
-                      <a:r>
-                        <a:rPr lang="en-US" sz="900" kern="100" dirty="0">
-                          <a:effectLst/>
-                        </a:rPr>
-                        <a:t>range dynamic-bootp</a:t>
-                      </a:r>
-                      <a:r>
-                        <a:rPr lang="ja-JP" sz="900" kern="100" dirty="0">
-                          <a:effectLst/>
-                        </a:rPr>
-                        <a:t>に設定する</a:t>
-                      </a:r>
-                      <a:r>
-                        <a:rPr lang="en-US" sz="900" kern="100" dirty="0">
-                          <a:effectLst/>
-                        </a:rPr>
-                        <a:t>IP</a:t>
-                      </a:r>
-                      <a:r>
-                        <a:rPr lang="ja-JP" sz="900" kern="100" dirty="0">
-                          <a:effectLst/>
-                        </a:rPr>
-                        <a:t>アドレス</a:t>
-                      </a:r>
-                      <a:r>
-                        <a:rPr lang="en-US" sz="900" kern="100" dirty="0">
-                          <a:effectLst/>
-                        </a:rPr>
-                        <a:t>(</a:t>
-                      </a:r>
-                      <a:r>
-                        <a:rPr lang="ja-JP" sz="900" kern="100" dirty="0">
-                          <a:effectLst/>
-                        </a:rPr>
-                        <a:t>最小値</a:t>
-                      </a:r>
-                      <a:r>
-                        <a:rPr lang="en-US" sz="900" kern="100" dirty="0">
-                          <a:effectLst/>
-                        </a:rPr>
-                        <a:t>)</a:t>
-                      </a:r>
-                      <a:endParaRPr lang="ja-JP" sz="900" kern="100" dirty="0">
-                        <a:effectLst/>
-                        <a:latin typeface="Century" panose="02040604050505020304" pitchFamily="18" charset="0"/>
-                        <a:ea typeface="ＭＳ 明朝" panose="02020609040205080304" pitchFamily="17" charset="-128"/>
-                        <a:cs typeface="Times New Roman" panose="02020603050405020304" pitchFamily="18" charset="0"/>
-                      </a:endParaRPr>
-                    </a:p>
-                  </a:txBody>
-                  <a:tcPr marL="55979" marR="55979" marT="0" marB="0" anchor="ctr">
-                    <a:solidFill>
-                      <a:srgbClr val="CBCDD3"/>
-                    </a:solidFill>
-                  </a:tcPr>
-                </a:tc>
-                <a:extLst>
-                  <a:ext uri="{0D108BD9-81ED-4DB2-BD59-A6C34878D82A}">
-                    <a16:rowId xmlns="" xmlns:a16="http://schemas.microsoft.com/office/drawing/2014/main" val="10011"/>
-                  </a:ext>
-                </a:extLst>
-              </a:tr>
-              <a:tr h="321517">
-                <a:tc>
-                  <a:txBody>
-                    <a:bodyPr/>
-                    <a:lstStyle/>
-                    <a:p>
-                      <a:pPr algn="just">
-                        <a:spcAft>
-                          <a:spcPts val="0"/>
-                        </a:spcAft>
-                      </a:pPr>
-                      <a:r>
-                        <a:rPr lang="en-US" sz="1000" kern="100" dirty="0" smtClean="0">
-                          <a:solidFill>
-                            <a:schemeClr val="bg1"/>
-                          </a:solidFill>
-                          <a:effectLst/>
-                        </a:rPr>
-                        <a:t>dynamic_address_max</a:t>
-                      </a:r>
-                      <a:endParaRPr lang="ja-JP" sz="1000" kern="100" dirty="0">
-                        <a:solidFill>
-                          <a:schemeClr val="bg1"/>
-                        </a:solidFill>
-                        <a:effectLst/>
-                      </a:endParaRPr>
-                    </a:p>
-                  </a:txBody>
-                  <a:tcPr marL="55979" marR="55979" marT="0" marB="0" anchor="ctr">
-                    <a:solidFill>
-                      <a:srgbClr val="002B62"/>
-                    </a:solidFill>
-                  </a:tcPr>
-                </a:tc>
-                <a:tc>
-                  <a:txBody>
-                    <a:bodyPr/>
-                    <a:lstStyle/>
-                    <a:p>
-                      <a:pPr algn="l">
-                        <a:spcAft>
-                          <a:spcPts val="0"/>
-                        </a:spcAft>
-                      </a:pPr>
-                      <a:r>
-                        <a:rPr lang="en-US" sz="900" kern="100" dirty="0">
-                          <a:effectLst/>
-                        </a:rPr>
-                        <a:t>cobbler</a:t>
-                      </a:r>
-                      <a:r>
-                        <a:rPr lang="ja-JP" sz="900" kern="100" dirty="0">
-                          <a:effectLst/>
-                        </a:rPr>
-                        <a:t>をインストールする場合必須</a:t>
-                      </a:r>
-                      <a:endParaRPr lang="ja-JP" sz="900" kern="100" dirty="0">
-                        <a:effectLst/>
-                        <a:latin typeface="Century" panose="02040604050505020304" pitchFamily="18" charset="0"/>
-                        <a:ea typeface="ＭＳ 明朝" panose="02020609040205080304" pitchFamily="17" charset="-128"/>
-                        <a:cs typeface="Times New Roman" panose="02020603050405020304" pitchFamily="18" charset="0"/>
-                      </a:endParaRPr>
-                    </a:p>
-                  </a:txBody>
-                  <a:tcPr marL="55979" marR="55979" marT="0" marB="0" anchor="ctr">
-                    <a:solidFill>
-                      <a:srgbClr val="E7E8EA"/>
-                    </a:solidFill>
-                  </a:tcPr>
-                </a:tc>
-                <a:tc>
-                  <a:txBody>
-                    <a:bodyPr/>
-                    <a:lstStyle/>
-                    <a:p>
-                      <a:pPr algn="just">
-                        <a:spcAft>
-                          <a:spcPts val="0"/>
-                        </a:spcAft>
-                      </a:pPr>
-                      <a:r>
-                        <a:rPr lang="en-US" sz="900" kern="100" dirty="0">
-                          <a:effectLst/>
-                        </a:rPr>
-                        <a:t>-</a:t>
-                      </a:r>
-                      <a:endParaRPr lang="ja-JP" sz="900" kern="100" dirty="0">
-                        <a:effectLst/>
-                        <a:latin typeface="Century" panose="02040604050505020304" pitchFamily="18" charset="0"/>
-                        <a:ea typeface="ＭＳ 明朝" panose="02020609040205080304" pitchFamily="17" charset="-128"/>
-                        <a:cs typeface="Times New Roman" panose="02020603050405020304" pitchFamily="18" charset="0"/>
-                      </a:endParaRPr>
-                    </a:p>
-                  </a:txBody>
-                  <a:tcPr marL="55979" marR="55979" marT="0" marB="0" anchor="ctr">
-                    <a:solidFill>
-                      <a:srgbClr val="E7E8EA"/>
-                    </a:solidFill>
-                  </a:tcPr>
-                </a:tc>
-                <a:tc>
-                  <a:txBody>
-                    <a:bodyPr/>
-                    <a:lstStyle/>
-                    <a:p>
-                      <a:pPr algn="just">
-                        <a:spcAft>
-                          <a:spcPts val="0"/>
-                        </a:spcAft>
-                      </a:pPr>
-                      <a:r>
-                        <a:rPr lang="en-US" sz="900" kern="100" dirty="0">
-                          <a:effectLst/>
-                        </a:rPr>
-                        <a:t>dhcp.template</a:t>
-                      </a:r>
-                      <a:r>
-                        <a:rPr lang="ja-JP" sz="900" kern="100" dirty="0">
-                          <a:effectLst/>
-                        </a:rPr>
-                        <a:t>の</a:t>
-                      </a:r>
-                      <a:r>
-                        <a:rPr lang="en-US" sz="900" kern="100" dirty="0">
-                          <a:effectLst/>
-                        </a:rPr>
-                        <a:t>range dynamic-bootp</a:t>
-                      </a:r>
-                      <a:r>
-                        <a:rPr lang="ja-JP" sz="900" kern="100" dirty="0">
-                          <a:effectLst/>
-                        </a:rPr>
-                        <a:t>に設定する</a:t>
-                      </a:r>
-                      <a:r>
-                        <a:rPr lang="en-US" sz="900" kern="100" dirty="0">
-                          <a:effectLst/>
-                        </a:rPr>
-                        <a:t>IP</a:t>
-                      </a:r>
-                      <a:r>
-                        <a:rPr lang="ja-JP" sz="900" kern="100" dirty="0">
-                          <a:effectLst/>
-                        </a:rPr>
-                        <a:t>アドレス</a:t>
-                      </a:r>
-                      <a:r>
-                        <a:rPr lang="en-US" sz="900" kern="100" dirty="0">
-                          <a:effectLst/>
-                        </a:rPr>
-                        <a:t>(</a:t>
-                      </a:r>
-                      <a:r>
-                        <a:rPr lang="ja-JP" sz="900" kern="100" dirty="0">
-                          <a:effectLst/>
-                        </a:rPr>
-                        <a:t>最大値</a:t>
-                      </a:r>
-                      <a:r>
-                        <a:rPr lang="en-US" sz="900" kern="100" dirty="0">
-                          <a:effectLst/>
-                        </a:rPr>
-                        <a:t>)</a:t>
-                      </a:r>
-                      <a:endParaRPr lang="ja-JP" sz="900" kern="100" dirty="0">
-                        <a:effectLst/>
-                        <a:latin typeface="Century" panose="02040604050505020304" pitchFamily="18" charset="0"/>
-                        <a:ea typeface="ＭＳ 明朝" panose="02020609040205080304" pitchFamily="17" charset="-128"/>
-                        <a:cs typeface="Times New Roman" panose="02020603050405020304" pitchFamily="18" charset="0"/>
-                      </a:endParaRPr>
-                    </a:p>
-                  </a:txBody>
-                  <a:tcPr marL="55979" marR="55979" marT="0" marB="0" anchor="ctr">
-                    <a:solidFill>
-                      <a:srgbClr val="E7E8EA"/>
-                    </a:solidFill>
-                  </a:tcPr>
-                </a:tc>
-                <a:extLst>
-                  <a:ext uri="{0D108BD9-81ED-4DB2-BD59-A6C34878D82A}">
-                    <a16:rowId xmlns="" xmlns:a16="http://schemas.microsoft.com/office/drawing/2014/main" val="10012"/>
+                    <a16:rowId xmlns:a16="http://schemas.microsoft.com/office/drawing/2014/main" val="10004"/>
                   </a:ext>
                 </a:extLst>
               </a:tr>
@@ -16678,7 +15275,7 @@
         <p:spPr>
           <a:xfrm>
             <a:off x="2303685" y="1647202"/>
-            <a:ext cx="4536630" cy="4626628"/>
+            <a:ext cx="4536630" cy="1845799"/>
           </a:xfrm>
           <a:prstGeom prst="rect">
             <a:avLst/>
@@ -16737,7 +15334,58 @@
                 <a:ea typeface="ＭＳ 明朝" panose="02020609040205080304" pitchFamily="17" charset="-128"/>
                 <a:cs typeface="Times New Roman" panose="02020603050405020304" pitchFamily="18" charset="0"/>
               </a:rPr>
-              <a:t># Select Operation System. ("CentOS6","CentOS7","RHEL6","RHEL7")</a:t>
+              <a:t># Select Operation </a:t>
+            </a:r>
+            <a:r>
+              <a:rPr kumimoji="0" lang="en-US" sz="900" b="0" i="0" u="none" strike="noStrike" kern="100" cap="none" spc="0" normalizeH="0" baseline="0" noProof="0" dirty="0" smtClean="0">
+                <a:ln>
+                  <a:noFill/>
+                </a:ln>
+                <a:solidFill>
+                  <a:sysClr val="window" lastClr="FFFFFF"/>
+                </a:solidFill>
+                <a:effectLst/>
+                <a:uLnTx/>
+                <a:uFillTx/>
+                <a:latin typeface="Arial" panose="020B0604020202020204" pitchFamily="34" charset="0"/>
+                <a:ea typeface="ＭＳ 明朝" panose="02020609040205080304" pitchFamily="17" charset="-128"/>
+                <a:cs typeface="Times New Roman" panose="02020603050405020304" pitchFamily="18" charset="0"/>
+              </a:rPr>
+              <a:t>System</a:t>
+            </a:r>
+            <a:r>
+              <a:rPr kumimoji="0" lang="en-US" sz="900" b="0" i="0" u="none" strike="noStrike" kern="100" cap="none" spc="0" normalizeH="0" baseline="0" noProof="0" dirty="0">
+                <a:ln>
+                  <a:noFill/>
+                </a:ln>
+                <a:solidFill>
+                  <a:sysClr val="window" lastClr="FFFFFF"/>
+                </a:solidFill>
+                <a:effectLst/>
+                <a:uLnTx/>
+                <a:uFillTx/>
+                <a:latin typeface="Arial" panose="020B0604020202020204" pitchFamily="34" charset="0"/>
+                <a:ea typeface="ＭＳ 明朝" panose="02020609040205080304" pitchFamily="17" charset="-128"/>
+                <a:cs typeface="Times New Roman" panose="02020603050405020304" pitchFamily="18" charset="0"/>
+              </a:rPr>
+              <a:t>. ("</a:t>
+            </a:r>
+            <a:r>
+              <a:rPr kumimoji="0" lang="en-US" sz="900" b="0" i="0" u="none" strike="noStrike" kern="100" cap="none" spc="0" normalizeH="0" baseline="0" noProof="0" dirty="0" smtClean="0">
+                <a:ln>
+                  <a:noFill/>
+                </a:ln>
+                <a:solidFill>
+                  <a:sysClr val="window" lastClr="FFFFFF"/>
+                </a:solidFill>
+                <a:effectLst/>
+                <a:uLnTx/>
+                <a:uFillTx/>
+                <a:latin typeface="Arial" panose="020B0604020202020204" pitchFamily="34" charset="0"/>
+                <a:ea typeface="ＭＳ 明朝" panose="02020609040205080304" pitchFamily="17" charset="-128"/>
+                <a:cs typeface="Times New Roman" panose="02020603050405020304" pitchFamily="18" charset="0"/>
+              </a:rPr>
+              <a:t>CentOS7","CentOS8","RHEL7","RHEL8")</a:t>
             </a:r>
             <a:endParaRPr kumimoji="0" lang="ja-JP" altLang="en-US" sz="1050" b="0" i="0" u="none" strike="noStrike" kern="100" cap="none" spc="0" normalizeH="0" baseline="0" noProof="0" dirty="0">
               <a:ln>
@@ -16787,7 +15435,24 @@
                 <a:ea typeface="ＭＳ 明朝" panose="02020609040205080304" pitchFamily="17" charset="-128"/>
                 <a:cs typeface="Times New Roman" panose="02020603050405020304" pitchFamily="18" charset="0"/>
               </a:rPr>
-              <a:t># e.g) linux_os:RHEL7</a:t>
+              <a:t># e.g) </a:t>
+            </a:r>
+            <a:r>
+              <a:rPr kumimoji="0" lang="en-US" sz="900" b="0" i="0" u="none" strike="noStrike" kern="100" cap="none" spc="0" normalizeH="0" baseline="0" noProof="0" dirty="0" smtClean="0">
+                <a:ln>
+                  <a:noFill/>
+                </a:ln>
+                <a:solidFill>
+                  <a:sysClr val="window" lastClr="FFFFFF"/>
+                </a:solidFill>
+                <a:effectLst/>
+                <a:uLnTx/>
+                <a:uFillTx/>
+                <a:latin typeface="Arial" panose="020B0604020202020204" pitchFamily="34" charset="0"/>
+                <a:ea typeface="ＭＳ 明朝" panose="02020609040205080304" pitchFamily="17" charset="-128"/>
+                <a:cs typeface="Times New Roman" panose="02020603050405020304" pitchFamily="18" charset="0"/>
+              </a:rPr>
+              <a:t>linux_os:RHEL8</a:t>
             </a:r>
             <a:endParaRPr kumimoji="0" lang="ja-JP" altLang="en-US" sz="1050" b="0" i="0" u="none" strike="noStrike" kern="100" cap="none" spc="0" normalizeH="0" baseline="0" noProof="0" dirty="0">
               <a:ln>
@@ -16837,7 +15502,24 @@
                 <a:ea typeface="ＭＳ 明朝" panose="02020609040205080304" pitchFamily="17" charset="-128"/>
                 <a:cs typeface="Times New Roman" panose="02020603050405020304" pitchFamily="18" charset="0"/>
               </a:rPr>
-              <a:t>linux_os: RHEL7</a:t>
+              <a:t>linux_os: </a:t>
+            </a:r>
+            <a:r>
+              <a:rPr kumimoji="0" lang="en-US" sz="900" b="0" i="0" u="none" strike="noStrike" kern="100" cap="none" spc="0" normalizeH="0" baseline="0" noProof="0" dirty="0" smtClean="0">
+                <a:ln>
+                  <a:noFill/>
+                </a:ln>
+                <a:solidFill>
+                  <a:sysClr val="window" lastClr="FFFFFF"/>
+                </a:solidFill>
+                <a:effectLst/>
+                <a:uLnTx/>
+                <a:uFillTx/>
+                <a:latin typeface="Arial" panose="020B0604020202020204" pitchFamily="34" charset="0"/>
+                <a:ea typeface="ＭＳ 明朝" panose="02020609040205080304" pitchFamily="17" charset="-128"/>
+                <a:cs typeface="Times New Roman" panose="02020603050405020304" pitchFamily="18" charset="0"/>
+              </a:rPr>
+              <a:t>RHEL7</a:t>
             </a:r>
             <a:endParaRPr kumimoji="0" lang="ja-JP" altLang="en-US" sz="1050" b="0" i="0" u="none" strike="noStrike" kern="100" cap="none" spc="0" normalizeH="0" baseline="0" noProof="0" dirty="0">
               <a:ln>
@@ -16987,7 +15669,58 @@
                 <a:ea typeface="ＭＳ 明朝" panose="02020609040205080304" pitchFamily="17" charset="-128"/>
                 <a:cs typeface="Times New Roman" panose="02020603050405020304" pitchFamily="18" charset="0"/>
               </a:rPr>
-              <a:t>#Only when you select linux_os with RHEL6 or RHEL7</a:t>
+              <a:t>#Only when you select linux_os with </a:t>
+            </a:r>
+            <a:r>
+              <a:rPr kumimoji="0" lang="en-US" sz="900" b="0" i="0" u="none" strike="noStrike" kern="100" cap="none" spc="0" normalizeH="0" baseline="0" noProof="0" dirty="0" smtClean="0">
+                <a:ln>
+                  <a:noFill/>
+                </a:ln>
+                <a:solidFill>
+                  <a:sysClr val="window" lastClr="FFFFFF"/>
+                </a:solidFill>
+                <a:effectLst/>
+                <a:uLnTx/>
+                <a:uFillTx/>
+                <a:latin typeface="Arial" panose="020B0604020202020204" pitchFamily="34" charset="0"/>
+                <a:ea typeface="ＭＳ 明朝" panose="02020609040205080304" pitchFamily="17" charset="-128"/>
+                <a:cs typeface="Times New Roman" panose="02020603050405020304" pitchFamily="18" charset="0"/>
+              </a:rPr>
+              <a:t>RHEL7 </a:t>
+            </a:r>
+            <a:r>
+              <a:rPr kumimoji="0" lang="en-US" sz="900" b="0" i="0" u="none" strike="noStrike" kern="100" cap="none" spc="0" normalizeH="0" baseline="0" noProof="0" dirty="0">
+                <a:ln>
+                  <a:noFill/>
+                </a:ln>
+                <a:solidFill>
+                  <a:sysClr val="window" lastClr="FFFFFF"/>
+                </a:solidFill>
+                <a:effectLst/>
+                <a:uLnTx/>
+                <a:uFillTx/>
+                <a:latin typeface="Arial" panose="020B0604020202020204" pitchFamily="34" charset="0"/>
+                <a:ea typeface="ＭＳ 明朝" panose="02020609040205080304" pitchFamily="17" charset="-128"/>
+                <a:cs typeface="Times New Roman" panose="02020603050405020304" pitchFamily="18" charset="0"/>
+              </a:rPr>
+              <a:t>or </a:t>
+            </a:r>
+            <a:r>
+              <a:rPr kumimoji="0" lang="en-US" sz="900" b="0" i="0" u="none" strike="noStrike" kern="100" cap="none" spc="0" normalizeH="0" baseline="0" noProof="0" dirty="0" smtClean="0">
+                <a:ln>
+                  <a:noFill/>
+                </a:ln>
+                <a:solidFill>
+                  <a:sysClr val="window" lastClr="FFFFFF"/>
+                </a:solidFill>
+                <a:effectLst/>
+                <a:uLnTx/>
+                <a:uFillTx/>
+                <a:latin typeface="Arial" panose="020B0604020202020204" pitchFamily="34" charset="0"/>
+                <a:ea typeface="ＭＳ 明朝" panose="02020609040205080304" pitchFamily="17" charset="-128"/>
+                <a:cs typeface="Times New Roman" panose="02020603050405020304" pitchFamily="18" charset="0"/>
+              </a:rPr>
+              <a:t>RHEL8</a:t>
             </a:r>
             <a:endParaRPr kumimoji="0" lang="ja-JP" altLang="en-US" sz="1050" b="0" i="0" u="none" strike="noStrike" kern="100" cap="none" spc="0" normalizeH="0" baseline="0" noProof="0" dirty="0">
               <a:ln>
@@ -17590,7 +16323,7 @@
               <a:defRPr/>
             </a:pPr>
             <a:r>
-              <a:rPr kumimoji="0" lang="en-US" sz="900" b="0" i="0" u="none" strike="noStrike" kern="100" cap="none" spc="0" normalizeH="0" baseline="0" noProof="0" dirty="0">
+              <a:rPr kumimoji="0" lang="en-US" sz="900" b="0" i="0" u="none" strike="noStrike" kern="100" cap="none" spc="0" normalizeH="0" baseline="0" noProof="0" dirty="0" smtClean="0">
                 <a:ln>
                   <a:noFill/>
                 </a:ln>
@@ -17605,406 +16338,6 @@
                 <a:cs typeface="Times New Roman" panose="02020603050405020304" pitchFamily="18" charset="0"/>
               </a:rPr>
               <a:t>#####################################################</a:t>
-            </a:r>
-            <a:endParaRPr kumimoji="0" lang="ja-JP" altLang="en-US" sz="1050" b="0" i="0" u="none" strike="noStrike" kern="100" cap="none" spc="0" normalizeH="0" baseline="0" noProof="0" dirty="0">
-              <a:ln>
-                <a:noFill/>
-              </a:ln>
-              <a:solidFill>
-                <a:sysClr val="window" lastClr="FFFFFF"/>
-              </a:solidFill>
-              <a:effectLst/>
-              <a:uLnTx/>
-              <a:uFillTx/>
-              <a:latin typeface="Century"/>
-              <a:ea typeface="ＭＳ 明朝" panose="02020609040205080304" pitchFamily="17" charset="-128"/>
-              <a:cs typeface="Times New Roman" panose="02020603050405020304" pitchFamily="18" charset="0"/>
-            </a:endParaRPr>
-          </a:p>
-          <a:p>
-            <a:pPr marL="0" marR="0" lvl="0" indent="0" algn="l" defTabSz="914400" eaLnBrk="1" fontAlgn="auto" latinLnBrk="0" hangingPunct="1">
-              <a:lnSpc>
-                <a:spcPts val="800"/>
-              </a:lnSpc>
-              <a:spcBef>
-                <a:spcPts val="0"/>
-              </a:spcBef>
-              <a:spcAft>
-                <a:spcPts val="0"/>
-              </a:spcAft>
-              <a:buClrTx/>
-              <a:buSzTx/>
-              <a:buFontTx/>
-              <a:buNone/>
-              <a:tabLst/>
-              <a:defRPr/>
-            </a:pPr>
-            <a:r>
-              <a:rPr kumimoji="0" lang="en-US" sz="900" b="0" i="0" u="none" strike="noStrike" kern="100" cap="none" spc="0" normalizeH="0" baseline="0" noProof="0" dirty="0">
-                <a:ln>
-                  <a:noFill/>
-                </a:ln>
-                <a:solidFill>
-                  <a:sysClr val="window" lastClr="FFFFFF"/>
-                </a:solidFill>
-                <a:effectLst/>
-                <a:uLnTx/>
-                <a:uFillTx/>
-                <a:latin typeface="Arial" panose="020B0604020202020204" pitchFamily="34" charset="0"/>
-                <a:ea typeface="ＭＳ 明朝" panose="02020609040205080304" pitchFamily="17" charset="-128"/>
-                <a:cs typeface="Times New Roman" panose="02020603050405020304" pitchFamily="18" charset="0"/>
-              </a:rPr>
-              <a:t>#Only when you install cobbler drriver</a:t>
-            </a:r>
-            <a:endParaRPr kumimoji="0" lang="ja-JP" altLang="en-US" sz="1050" b="0" i="0" u="none" strike="noStrike" kern="100" cap="none" spc="0" normalizeH="0" baseline="0" noProof="0" dirty="0">
-              <a:ln>
-                <a:noFill/>
-              </a:ln>
-              <a:solidFill>
-                <a:sysClr val="window" lastClr="FFFFFF"/>
-              </a:solidFill>
-              <a:effectLst/>
-              <a:uLnTx/>
-              <a:uFillTx/>
-              <a:latin typeface="Century"/>
-              <a:ea typeface="ＭＳ 明朝" panose="02020609040205080304" pitchFamily="17" charset="-128"/>
-              <a:cs typeface="Times New Roman" panose="02020603050405020304" pitchFamily="18" charset="0"/>
-            </a:endParaRPr>
-          </a:p>
-          <a:p>
-            <a:pPr marL="0" marR="0" lvl="0" indent="0" algn="l" defTabSz="914400" eaLnBrk="1" fontAlgn="auto" latinLnBrk="0" hangingPunct="1">
-              <a:lnSpc>
-                <a:spcPts val="800"/>
-              </a:lnSpc>
-              <a:spcBef>
-                <a:spcPts val="0"/>
-              </a:spcBef>
-              <a:spcAft>
-                <a:spcPts val="0"/>
-              </a:spcAft>
-              <a:buClrTx/>
-              <a:buSzTx/>
-              <a:buFontTx/>
-              <a:buNone/>
-              <a:tabLst/>
-              <a:defRPr/>
-            </a:pPr>
-            <a:r>
-              <a:rPr kumimoji="0" lang="en-US" sz="900" b="0" i="0" u="none" strike="noStrike" kern="100" cap="none" spc="0" normalizeH="0" baseline="0" noProof="0" dirty="0">
-                <a:ln>
-                  <a:noFill/>
-                </a:ln>
-                <a:solidFill>
-                  <a:sysClr val="window" lastClr="FFFFFF"/>
-                </a:solidFill>
-                <a:effectLst/>
-                <a:uLnTx/>
-                <a:uFillTx/>
-                <a:latin typeface="Arial" panose="020B0604020202020204" pitchFamily="34" charset="0"/>
-                <a:ea typeface="ＭＳ 明朝" panose="02020609040205080304" pitchFamily="17" charset="-128"/>
-                <a:cs typeface="Times New Roman" panose="02020603050405020304" pitchFamily="18" charset="0"/>
-              </a:rPr>
-              <a:t> </a:t>
-            </a:r>
-            <a:endParaRPr kumimoji="0" lang="ja-JP" altLang="en-US" sz="1050" b="0" i="0" u="none" strike="noStrike" kern="100" cap="none" spc="0" normalizeH="0" baseline="0" noProof="0" dirty="0">
-              <a:ln>
-                <a:noFill/>
-              </a:ln>
-              <a:solidFill>
-                <a:sysClr val="window" lastClr="FFFFFF"/>
-              </a:solidFill>
-              <a:effectLst/>
-              <a:uLnTx/>
-              <a:uFillTx/>
-              <a:latin typeface="Century"/>
-              <a:ea typeface="ＭＳ 明朝" panose="02020609040205080304" pitchFamily="17" charset="-128"/>
-              <a:cs typeface="Times New Roman" panose="02020603050405020304" pitchFamily="18" charset="0"/>
-            </a:endParaRPr>
-          </a:p>
-          <a:p>
-            <a:pPr marL="0" marR="0" lvl="0" indent="0" algn="l" defTabSz="914400" eaLnBrk="1" fontAlgn="auto" latinLnBrk="0" hangingPunct="1">
-              <a:lnSpc>
-                <a:spcPts val="800"/>
-              </a:lnSpc>
-              <a:spcBef>
-                <a:spcPts val="0"/>
-              </a:spcBef>
-              <a:spcAft>
-                <a:spcPts val="0"/>
-              </a:spcAft>
-              <a:buClrTx/>
-              <a:buSzTx/>
-              <a:buFontTx/>
-              <a:buNone/>
-              <a:tabLst/>
-              <a:defRPr/>
-            </a:pPr>
-            <a:r>
-              <a:rPr kumimoji="0" lang="en-US" sz="900" b="0" i="0" u="none" strike="noStrike" kern="100" cap="none" spc="0" normalizeH="0" baseline="0" noProof="0" dirty="0">
-                <a:ln>
-                  <a:noFill/>
-                </a:ln>
-                <a:solidFill>
-                  <a:sysClr val="window" lastClr="FFFFFF"/>
-                </a:solidFill>
-                <a:effectLst/>
-                <a:uLnTx/>
-                <a:uFillTx/>
-                <a:latin typeface="Arial" panose="020B0604020202020204" pitchFamily="34" charset="0"/>
-                <a:ea typeface="ＭＳ 明朝" panose="02020609040205080304" pitchFamily="17" charset="-128"/>
-                <a:cs typeface="Times New Roman" panose="02020603050405020304" pitchFamily="18" charset="0"/>
-              </a:rPr>
-              <a:t>#Cobra server IP address</a:t>
-            </a:r>
-            <a:endParaRPr kumimoji="0" lang="ja-JP" altLang="en-US" sz="1050" b="0" i="0" u="none" strike="noStrike" kern="100" cap="none" spc="0" normalizeH="0" baseline="0" noProof="0" dirty="0">
-              <a:ln>
-                <a:noFill/>
-              </a:ln>
-              <a:solidFill>
-                <a:sysClr val="window" lastClr="FFFFFF"/>
-              </a:solidFill>
-              <a:effectLst/>
-              <a:uLnTx/>
-              <a:uFillTx/>
-              <a:latin typeface="Century"/>
-              <a:ea typeface="ＭＳ 明朝" panose="02020609040205080304" pitchFamily="17" charset="-128"/>
-              <a:cs typeface="Times New Roman" panose="02020603050405020304" pitchFamily="18" charset="0"/>
-            </a:endParaRPr>
-          </a:p>
-          <a:p>
-            <a:pPr marL="0" marR="0" lvl="0" indent="0" algn="l" defTabSz="914400" eaLnBrk="1" fontAlgn="auto" latinLnBrk="0" hangingPunct="1">
-              <a:lnSpc>
-                <a:spcPts val="800"/>
-              </a:lnSpc>
-              <a:spcBef>
-                <a:spcPts val="0"/>
-              </a:spcBef>
-              <a:spcAft>
-                <a:spcPts val="0"/>
-              </a:spcAft>
-              <a:buClrTx/>
-              <a:buSzTx/>
-              <a:buFontTx/>
-              <a:buNone/>
-              <a:tabLst/>
-              <a:defRPr/>
-            </a:pPr>
-            <a:r>
-              <a:rPr kumimoji="0" lang="en-US" sz="900" b="0" i="0" u="none" strike="noStrike" kern="100" cap="none" spc="0" normalizeH="0" baseline="0" noProof="0" dirty="0">
-                <a:ln>
-                  <a:noFill/>
-                </a:ln>
-                <a:solidFill>
-                  <a:sysClr val="window" lastClr="FFFFFF"/>
-                </a:solidFill>
-                <a:effectLst/>
-                <a:uLnTx/>
-                <a:uFillTx/>
-                <a:latin typeface="Arial" panose="020B0604020202020204" pitchFamily="34" charset="0"/>
-                <a:ea typeface="ＭＳ 明朝" panose="02020609040205080304" pitchFamily="17" charset="-128"/>
-                <a:cs typeface="Times New Roman" panose="02020603050405020304" pitchFamily="18" charset="0"/>
-              </a:rPr>
-              <a:t>server_address:10.10.10.10</a:t>
-            </a:r>
-            <a:endParaRPr kumimoji="0" lang="ja-JP" altLang="en-US" sz="1050" b="0" i="0" u="none" strike="noStrike" kern="100" cap="none" spc="0" normalizeH="0" baseline="0" noProof="0" dirty="0">
-              <a:ln>
-                <a:noFill/>
-              </a:ln>
-              <a:solidFill>
-                <a:sysClr val="window" lastClr="FFFFFF"/>
-              </a:solidFill>
-              <a:effectLst/>
-              <a:uLnTx/>
-              <a:uFillTx/>
-              <a:latin typeface="Century"/>
-              <a:ea typeface="ＭＳ 明朝" panose="02020609040205080304" pitchFamily="17" charset="-128"/>
-              <a:cs typeface="Times New Roman" panose="02020603050405020304" pitchFamily="18" charset="0"/>
-            </a:endParaRPr>
-          </a:p>
-          <a:p>
-            <a:pPr marL="0" marR="0" lvl="0" indent="0" algn="l" defTabSz="914400" eaLnBrk="1" fontAlgn="auto" latinLnBrk="0" hangingPunct="1">
-              <a:lnSpc>
-                <a:spcPts val="800"/>
-              </a:lnSpc>
-              <a:spcBef>
-                <a:spcPts val="0"/>
-              </a:spcBef>
-              <a:spcAft>
-                <a:spcPts val="0"/>
-              </a:spcAft>
-              <a:buClrTx/>
-              <a:buSzTx/>
-              <a:buFontTx/>
-              <a:buNone/>
-              <a:tabLst/>
-              <a:defRPr/>
-            </a:pPr>
-            <a:r>
-              <a:rPr kumimoji="0" lang="en-US" sz="900" b="0" i="0" u="none" strike="noStrike" kern="100" cap="none" spc="0" normalizeH="0" baseline="0" noProof="0" dirty="0">
-                <a:ln>
-                  <a:noFill/>
-                </a:ln>
-                <a:solidFill>
-                  <a:sysClr val="window" lastClr="FFFFFF"/>
-                </a:solidFill>
-                <a:effectLst/>
-                <a:uLnTx/>
-                <a:uFillTx/>
-                <a:latin typeface="Arial" panose="020B0604020202020204" pitchFamily="34" charset="0"/>
-                <a:ea typeface="ＭＳ 明朝" panose="02020609040205080304" pitchFamily="17" charset="-128"/>
-                <a:cs typeface="Times New Roman" panose="02020603050405020304" pitchFamily="18" charset="0"/>
-              </a:rPr>
-              <a:t> </a:t>
-            </a:r>
-            <a:endParaRPr kumimoji="0" lang="ja-JP" altLang="en-US" sz="1050" b="0" i="0" u="none" strike="noStrike" kern="100" cap="none" spc="0" normalizeH="0" baseline="0" noProof="0" dirty="0">
-              <a:ln>
-                <a:noFill/>
-              </a:ln>
-              <a:solidFill>
-                <a:sysClr val="window" lastClr="FFFFFF"/>
-              </a:solidFill>
-              <a:effectLst/>
-              <a:uLnTx/>
-              <a:uFillTx/>
-              <a:latin typeface="Century"/>
-              <a:ea typeface="ＭＳ 明朝" panose="02020609040205080304" pitchFamily="17" charset="-128"/>
-              <a:cs typeface="Times New Roman" panose="02020603050405020304" pitchFamily="18" charset="0"/>
-            </a:endParaRPr>
-          </a:p>
-          <a:p>
-            <a:pPr marL="0" marR="0" lvl="0" indent="0" algn="l" defTabSz="914400" eaLnBrk="1" fontAlgn="auto" latinLnBrk="0" hangingPunct="1">
-              <a:lnSpc>
-                <a:spcPts val="800"/>
-              </a:lnSpc>
-              <a:spcBef>
-                <a:spcPts val="0"/>
-              </a:spcBef>
-              <a:spcAft>
-                <a:spcPts val="0"/>
-              </a:spcAft>
-              <a:buClrTx/>
-              <a:buSzTx/>
-              <a:buFontTx/>
-              <a:buNone/>
-              <a:tabLst/>
-              <a:defRPr/>
-            </a:pPr>
-            <a:r>
-              <a:rPr kumimoji="0" lang="en-US" sz="900" b="0" i="0" u="none" strike="noStrike" kern="100" cap="none" spc="0" normalizeH="0" baseline="0" noProof="0" dirty="0">
-                <a:ln>
-                  <a:noFill/>
-                </a:ln>
-                <a:solidFill>
-                  <a:sysClr val="window" lastClr="FFFFFF"/>
-                </a:solidFill>
-                <a:effectLst/>
-                <a:uLnTx/>
-                <a:uFillTx/>
-                <a:latin typeface="Arial" panose="020B0604020202020204" pitchFamily="34" charset="0"/>
-                <a:ea typeface="ＭＳ 明朝" panose="02020609040205080304" pitchFamily="17" charset="-128"/>
-                <a:cs typeface="Times New Roman" panose="02020603050405020304" pitchFamily="18" charset="0"/>
-              </a:rPr>
-              <a:t>#Password set for OS installation target server</a:t>
-            </a:r>
-            <a:endParaRPr kumimoji="0" lang="ja-JP" altLang="en-US" sz="1050" b="0" i="0" u="none" strike="noStrike" kern="100" cap="none" spc="0" normalizeH="0" baseline="0" noProof="0" dirty="0">
-              <a:ln>
-                <a:noFill/>
-              </a:ln>
-              <a:solidFill>
-                <a:sysClr val="window" lastClr="FFFFFF"/>
-              </a:solidFill>
-              <a:effectLst/>
-              <a:uLnTx/>
-              <a:uFillTx/>
-              <a:latin typeface="Century"/>
-              <a:ea typeface="ＭＳ 明朝" panose="02020609040205080304" pitchFamily="17" charset="-128"/>
-              <a:cs typeface="Times New Roman" panose="02020603050405020304" pitchFamily="18" charset="0"/>
-            </a:endParaRPr>
-          </a:p>
-          <a:p>
-            <a:pPr marL="0" marR="0" lvl="0" indent="0" algn="l" defTabSz="914400" eaLnBrk="1" fontAlgn="auto" latinLnBrk="0" hangingPunct="1">
-              <a:lnSpc>
-                <a:spcPts val="800"/>
-              </a:lnSpc>
-              <a:spcBef>
-                <a:spcPts val="0"/>
-              </a:spcBef>
-              <a:spcAft>
-                <a:spcPts val="0"/>
-              </a:spcAft>
-              <a:buClrTx/>
-              <a:buSzTx/>
-              <a:buFontTx/>
-              <a:buNone/>
-              <a:tabLst/>
-              <a:defRPr/>
-            </a:pPr>
-            <a:r>
-              <a:rPr kumimoji="0" lang="en-US" sz="900" b="0" i="0" u="none" strike="noStrike" kern="100" cap="none" spc="0" normalizeH="0" baseline="0" noProof="0" dirty="0" err="1">
-                <a:ln>
-                  <a:noFill/>
-                </a:ln>
-                <a:solidFill>
-                  <a:sysClr val="window" lastClr="FFFFFF"/>
-                </a:solidFill>
-                <a:effectLst/>
-                <a:uLnTx/>
-                <a:uFillTx/>
-                <a:latin typeface="Arial" panose="020B0604020202020204" pitchFamily="34" charset="0"/>
-                <a:ea typeface="ＭＳ 明朝" panose="02020609040205080304" pitchFamily="17" charset="-128"/>
-                <a:cs typeface="Times New Roman" panose="02020603050405020304" pitchFamily="18" charset="0"/>
-              </a:rPr>
-              <a:t>default_password:sample_password</a:t>
-            </a:r>
-            <a:endParaRPr kumimoji="0" lang="ja-JP" altLang="en-US" sz="1050" b="0" i="0" u="none" strike="noStrike" kern="100" cap="none" spc="0" normalizeH="0" baseline="0" noProof="0" dirty="0">
-              <a:ln>
-                <a:noFill/>
-              </a:ln>
-              <a:solidFill>
-                <a:sysClr val="window" lastClr="FFFFFF"/>
-              </a:solidFill>
-              <a:effectLst/>
-              <a:uLnTx/>
-              <a:uFillTx/>
-              <a:latin typeface="Century"/>
-              <a:ea typeface="ＭＳ 明朝" panose="02020609040205080304" pitchFamily="17" charset="-128"/>
-              <a:cs typeface="Times New Roman" panose="02020603050405020304" pitchFamily="18" charset="0"/>
-            </a:endParaRPr>
-          </a:p>
-          <a:p>
-            <a:pPr marL="0" marR="0" lvl="0" indent="0" algn="l" defTabSz="914400" eaLnBrk="1" fontAlgn="auto" latinLnBrk="0" hangingPunct="1">
-              <a:lnSpc>
-                <a:spcPts val="800"/>
-              </a:lnSpc>
-              <a:spcBef>
-                <a:spcPts val="0"/>
-              </a:spcBef>
-              <a:spcAft>
-                <a:spcPts val="0"/>
-              </a:spcAft>
-              <a:buClrTx/>
-              <a:buSzTx/>
-              <a:buFontTx/>
-              <a:buNone/>
-              <a:tabLst/>
-              <a:defRPr/>
-            </a:pPr>
-            <a:r>
-              <a:rPr kumimoji="0" lang="en-US" sz="900" b="0" i="0" u="none" strike="noStrike" kern="100" cap="none" spc="0" normalizeH="0" baseline="0" noProof="0" dirty="0">
-                <a:ln>
-                  <a:noFill/>
-                </a:ln>
-                <a:solidFill>
-                  <a:sysClr val="window" lastClr="FFFFFF"/>
-                </a:solidFill>
-                <a:effectLst/>
-                <a:uLnTx/>
-                <a:uFillTx/>
-                <a:latin typeface="Arial" panose="020B0604020202020204" pitchFamily="34" charset="0"/>
-                <a:ea typeface="ＭＳ 明朝" panose="02020609040205080304" pitchFamily="17" charset="-128"/>
-                <a:cs typeface="Times New Roman" panose="02020603050405020304" pitchFamily="18" charset="0"/>
-              </a:rPr>
-              <a:t> </a:t>
             </a:r>
             <a:endParaRPr kumimoji="0" lang="ja-JP" altLang="en-US" sz="1050" b="0" i="0" u="none" strike="noStrike" kern="100" cap="none" spc="0" normalizeH="0" baseline="0" noProof="0" dirty="0">
               <a:ln>
@@ -19654,57 +17987,6 @@
           </a:p>
         </p:txBody>
       </p:sp>
-      <p:sp>
-        <p:nvSpPr>
-          <p:cNvPr id="26" name="正方形/長方形 25"/>
-          <p:cNvSpPr/>
-          <p:nvPr/>
-        </p:nvSpPr>
-        <p:spPr>
-          <a:xfrm>
-            <a:off x="2365027" y="3680890"/>
-            <a:ext cx="3492000" cy="2556000"/>
-          </a:xfrm>
-          <a:prstGeom prst="rect">
-            <a:avLst/>
-          </a:prstGeom>
-          <a:noFill/>
-          <a:ln>
-            <a:solidFill>
-              <a:srgbClr val="FF0000"/>
-            </a:solidFill>
-            <a:prstDash val="sysDash"/>
-          </a:ln>
-        </p:spPr>
-        <p:style>
-          <a:lnRef idx="2">
-            <a:schemeClr val="accent1">
-              <a:shade val="50000"/>
-            </a:schemeClr>
-          </a:lnRef>
-          <a:fillRef idx="1">
-            <a:schemeClr val="accent1"/>
-          </a:fillRef>
-          <a:effectRef idx="0">
-            <a:schemeClr val="accent1"/>
-          </a:effectRef>
-          <a:fontRef idx="minor">
-            <a:schemeClr val="lt1"/>
-          </a:fontRef>
-        </p:style>
-        <p:txBody>
-          <a:bodyPr rot="0" spcFirstLastPara="0" vert="horz" wrap="square" lIns="91440" tIns="45720" rIns="91440" bIns="45720" numCol="1" spcCol="0" rtlCol="0" fromWordArt="0" anchor="ctr" anchorCtr="0" forceAA="0" compatLnSpc="1">
-            <a:prstTxWarp prst="textNoShape">
-              <a:avLst/>
-            </a:prstTxWarp>
-            <a:noAutofit/>
-          </a:bodyPr>
-          <a:lstStyle/>
-          <a:p>
-            <a:endParaRPr lang="ja-JP" altLang="en-US" dirty="0"/>
-          </a:p>
-        </p:txBody>
-      </p:sp>
       <p:cxnSp>
         <p:nvCxnSpPr>
           <p:cNvPr id="27" name="直線コネクタ 26"/>
@@ -19714,593 +17996,6 @@
         <p:spPr bwMode="auto">
           <a:xfrm>
             <a:off x="5974429" y="2803982"/>
-            <a:ext cx="1080000" cy="0"/>
-          </a:xfrm>
-          <a:prstGeom prst="line">
-            <a:avLst/>
-          </a:prstGeom>
-          <a:solidFill>
-            <a:schemeClr val="bg1"/>
-          </a:solidFill>
-          <a:ln w="19050" cap="flat" cmpd="sng" algn="ctr">
-            <a:solidFill>
-              <a:srgbClr val="FF0000"/>
-            </a:solidFill>
-            <a:prstDash val="dash"/>
-            <a:round/>
-            <a:headEnd type="none" w="med" len="med"/>
-            <a:tailEnd type="none" w="med" len="med"/>
-          </a:ln>
-          <a:effectLst/>
-          <a:extLst>
-            <a:ext uri="{AF507438-7753-43E0-B8FC-AC1667EBCBE1}">
-              <a14:hiddenEffects xmlns:a14="http://schemas.microsoft.com/office/drawing/2010/main">
-                <a:effectLst>
-                  <a:outerShdw dist="35921" dir="2700000" algn="ctr" rotWithShape="0">
-                    <a:schemeClr val="tx1">
-                      <a:alpha val="50000"/>
-                    </a:schemeClr>
-                  </a:outerShdw>
-                </a:effectLst>
-              </a14:hiddenEffects>
-            </a:ext>
-          </a:extLst>
-        </p:spPr>
-      </p:cxnSp>
-      <p:sp>
-        <p:nvSpPr>
-          <p:cNvPr id="28" name="角丸四角形 27"/>
-          <p:cNvSpPr/>
-          <p:nvPr/>
-        </p:nvSpPr>
-        <p:spPr bwMode="auto">
-          <a:xfrm>
-            <a:off x="7164360" y="4546632"/>
-            <a:ext cx="1728240" cy="1258698"/>
-          </a:xfrm>
-          <a:prstGeom prst="roundRect">
-            <a:avLst/>
-          </a:prstGeom>
-          <a:noFill/>
-          <a:ln w="12700">
-            <a:solidFill>
-              <a:srgbClr val="C00000"/>
-            </a:solidFill>
-          </a:ln>
-          <a:effectLst/>
-          <a:extLst/>
-        </p:spPr>
-        <p:txBody>
-          <a:bodyPr rot="0" spcFirstLastPara="0" vertOverflow="overflow" horzOverflow="overflow" vert="horz" wrap="square" lIns="36000" tIns="72000" rIns="36000" bIns="36000" numCol="1" spcCol="0" rtlCol="0" fromWordArt="0" anchor="ctr" anchorCtr="0" forceAA="0" compatLnSpc="1">
-            <a:prstTxWarp prst="textNoShape">
-              <a:avLst/>
-            </a:prstTxWarp>
-            <a:noAutofit/>
-          </a:bodyPr>
-          <a:lstStyle/>
-          <a:p>
-            <a:pPr algn="ctr"/>
-            <a:r>
-              <a:rPr lang="ja-JP" altLang="en-US" sz="1200" b="1" dirty="0" smtClean="0">
-                <a:solidFill>
-                  <a:srgbClr val="FF0000"/>
-                </a:solidFill>
-                <a:latin typeface="+mn-ea"/>
-              </a:rPr>
-              <a:t>本手順では</a:t>
-            </a:r>
-            <a:r>
-              <a:rPr lang="en-US" altLang="ja-JP" sz="1200" b="1" dirty="0" smtClean="0">
-                <a:solidFill>
-                  <a:srgbClr val="FF0000"/>
-                </a:solidFill>
-                <a:latin typeface="+mn-ea"/>
-              </a:rPr>
-              <a:t>Cobbler</a:t>
-            </a:r>
-            <a:r>
-              <a:rPr lang="ja-JP" altLang="en-US" sz="1200" b="1" dirty="0" smtClean="0">
-                <a:solidFill>
-                  <a:srgbClr val="FF0000"/>
-                </a:solidFill>
-                <a:latin typeface="+mn-ea"/>
-              </a:rPr>
-              <a:t>ドライバはインストールしないので、記入不要です。</a:t>
-            </a:r>
-            <a:endParaRPr kumimoji="1" lang="ja-JP" altLang="en-US" sz="1200" b="1" dirty="0" smtClean="0">
-              <a:solidFill>
-                <a:srgbClr val="FF0000"/>
-              </a:solidFill>
-              <a:latin typeface="+mn-ea"/>
-            </a:endParaRPr>
-          </a:p>
-        </p:txBody>
-      </p:sp>
-      <p:grpSp>
-        <p:nvGrpSpPr>
-          <p:cNvPr id="29" name="グループ化 28"/>
-          <p:cNvGrpSpPr/>
-          <p:nvPr/>
-        </p:nvGrpSpPr>
-        <p:grpSpPr>
-          <a:xfrm>
-            <a:off x="6908793" y="4293120"/>
-            <a:ext cx="565503" cy="549789"/>
-            <a:chOff x="162795" y="3812178"/>
-            <a:chExt cx="565503" cy="549789"/>
-          </a:xfrm>
-        </p:grpSpPr>
-        <p:sp>
-          <p:nvSpPr>
-            <p:cNvPr id="30" name="円/楕円 44"/>
-            <p:cNvSpPr/>
-            <p:nvPr/>
-          </p:nvSpPr>
-          <p:spPr bwMode="auto">
-            <a:xfrm>
-              <a:off x="162795" y="3812178"/>
-              <a:ext cx="565503" cy="549789"/>
-            </a:xfrm>
-            <a:prstGeom prst="ellipse">
-              <a:avLst/>
-            </a:prstGeom>
-            <a:gradFill flip="none" rotWithShape="1">
-              <a:gsLst>
-                <a:gs pos="0">
-                  <a:schemeClr val="accent2"/>
-                </a:gs>
-                <a:gs pos="41000">
-                  <a:schemeClr val="accent2">
-                    <a:lumMod val="60000"/>
-                    <a:lumOff val="40000"/>
-                    <a:shade val="67500"/>
-                    <a:satMod val="115000"/>
-                  </a:schemeClr>
-                </a:gs>
-                <a:gs pos="100000">
-                  <a:schemeClr val="accent2">
-                    <a:lumMod val="60000"/>
-                    <a:lumOff val="40000"/>
-                  </a:schemeClr>
-                </a:gs>
-              </a:gsLst>
-              <a:lin ang="16200000" scaled="0"/>
-              <a:tileRect/>
-            </a:gradFill>
-            <a:ln>
-              <a:noFill/>
-            </a:ln>
-            <a:effectLst/>
-            <a:extLst/>
-          </p:spPr>
-          <p:txBody>
-            <a:bodyPr rot="0" spcFirstLastPara="0" vertOverflow="overflow" horzOverflow="overflow" vert="horz" wrap="none" lIns="36000" tIns="72000" rIns="36000" bIns="36000" numCol="1" spcCol="0" rtlCol="0" fromWordArt="0" anchor="ctr" anchorCtr="0" forceAA="0" compatLnSpc="1">
-              <a:prstTxWarp prst="textNoShape">
-                <a:avLst/>
-              </a:prstTxWarp>
-              <a:noAutofit/>
-            </a:bodyPr>
-            <a:lstStyle/>
-            <a:p>
-              <a:pPr algn="ctr"/>
-              <a:endParaRPr lang="ja-JP" altLang="en-US" sz="1200" b="1" dirty="0">
-                <a:solidFill>
-                  <a:schemeClr val="bg1"/>
-                </a:solidFill>
-                <a:latin typeface="+mj-ea"/>
-              </a:endParaRPr>
-            </a:p>
-          </p:txBody>
-        </p:sp>
-        <p:sp>
-          <p:nvSpPr>
-            <p:cNvPr id="31" name="テキスト ボックス 30"/>
-            <p:cNvSpPr txBox="1"/>
-            <p:nvPr/>
-          </p:nvSpPr>
-          <p:spPr>
-            <a:xfrm>
-              <a:off x="233240" y="4033625"/>
-              <a:ext cx="424611" cy="106893"/>
-            </a:xfrm>
-            <a:custGeom>
-              <a:avLst/>
-              <a:gdLst/>
-              <a:ahLst/>
-              <a:cxnLst/>
-              <a:rect l="l" t="t" r="r" b="b"/>
-              <a:pathLst>
-                <a:path w="424611" h="106893">
-                  <a:moveTo>
-                    <a:pt x="20512" y="18247"/>
-                  </a:moveTo>
-                  <a:cubicBezTo>
-                    <a:pt x="20512" y="30003"/>
-                    <a:pt x="20512" y="41759"/>
-                    <a:pt x="20512" y="53515"/>
-                  </a:cubicBezTo>
-                  <a:cubicBezTo>
-                    <a:pt x="22346" y="53515"/>
-                    <a:pt x="24180" y="53515"/>
-                    <a:pt x="26015" y="53515"/>
-                  </a:cubicBezTo>
-                  <a:cubicBezTo>
-                    <a:pt x="36354" y="53515"/>
-                    <a:pt x="43201" y="51960"/>
-                    <a:pt x="46557" y="48851"/>
-                  </a:cubicBezTo>
-                  <a:cubicBezTo>
-                    <a:pt x="49913" y="45742"/>
-                    <a:pt x="51591" y="40965"/>
-                    <a:pt x="51591" y="34519"/>
-                  </a:cubicBezTo>
-                  <a:cubicBezTo>
-                    <a:pt x="51591" y="29209"/>
-                    <a:pt x="49976" y="25169"/>
-                    <a:pt x="46745" y="22400"/>
-                  </a:cubicBezTo>
-                  <a:cubicBezTo>
-                    <a:pt x="43514" y="19631"/>
-                    <a:pt x="37125" y="18247"/>
-                    <a:pt x="27578" y="18247"/>
-                  </a:cubicBezTo>
-                  <a:cubicBezTo>
-                    <a:pt x="25222" y="18247"/>
-                    <a:pt x="22867" y="18247"/>
-                    <a:pt x="20512" y="18247"/>
-                  </a:cubicBezTo>
-                  <a:close/>
-                  <a:moveTo>
-                    <a:pt x="125528" y="16204"/>
-                  </a:moveTo>
-                  <a:cubicBezTo>
-                    <a:pt x="118066" y="16204"/>
-                    <a:pt x="112125" y="19450"/>
-                    <a:pt x="107706" y="25941"/>
-                  </a:cubicBezTo>
-                  <a:cubicBezTo>
-                    <a:pt x="103287" y="32431"/>
-                    <a:pt x="101077" y="41623"/>
-                    <a:pt x="101077" y="53515"/>
-                  </a:cubicBezTo>
-                  <a:cubicBezTo>
-                    <a:pt x="101077" y="65362"/>
-                    <a:pt x="103287" y="74519"/>
-                    <a:pt x="107706" y="80987"/>
-                  </a:cubicBezTo>
-                  <a:cubicBezTo>
-                    <a:pt x="112125" y="87455"/>
-                    <a:pt x="118066" y="90689"/>
-                    <a:pt x="125528" y="90689"/>
-                  </a:cubicBezTo>
-                  <a:cubicBezTo>
-                    <a:pt x="132949" y="90689"/>
-                    <a:pt x="138869" y="87432"/>
-                    <a:pt x="143288" y="80919"/>
-                  </a:cubicBezTo>
-                  <a:cubicBezTo>
-                    <a:pt x="147707" y="74405"/>
-                    <a:pt x="149917" y="65248"/>
-                    <a:pt x="149917" y="53447"/>
-                  </a:cubicBezTo>
-                  <a:cubicBezTo>
-                    <a:pt x="149917" y="41600"/>
-                    <a:pt x="147718" y="32431"/>
-                    <a:pt x="143319" y="25941"/>
-                  </a:cubicBezTo>
-                  <a:cubicBezTo>
-                    <a:pt x="138921" y="19450"/>
-                    <a:pt x="132991" y="16204"/>
-                    <a:pt x="125528" y="16204"/>
-                  </a:cubicBezTo>
-                  <a:close/>
-                  <a:moveTo>
-                    <a:pt x="342065" y="2111"/>
-                  </a:moveTo>
-                  <a:cubicBezTo>
-                    <a:pt x="369581" y="2111"/>
-                    <a:pt x="397096" y="2111"/>
-                    <a:pt x="424611" y="2111"/>
-                  </a:cubicBezTo>
-                  <a:cubicBezTo>
-                    <a:pt x="424611" y="7785"/>
-                    <a:pt x="424611" y="13458"/>
-                    <a:pt x="424611" y="19132"/>
-                  </a:cubicBezTo>
-                  <a:cubicBezTo>
-                    <a:pt x="414293" y="19132"/>
-                    <a:pt x="403975" y="19132"/>
-                    <a:pt x="393656" y="19132"/>
-                  </a:cubicBezTo>
-                  <a:cubicBezTo>
-                    <a:pt x="393656" y="47660"/>
-                    <a:pt x="393656" y="76187"/>
-                    <a:pt x="393656" y="104715"/>
-                  </a:cubicBezTo>
-                  <a:cubicBezTo>
-                    <a:pt x="386778" y="104715"/>
-                    <a:pt x="379899" y="104715"/>
-                    <a:pt x="373020" y="104715"/>
-                  </a:cubicBezTo>
-                  <a:cubicBezTo>
-                    <a:pt x="373020" y="76187"/>
-                    <a:pt x="373020" y="47660"/>
-                    <a:pt x="373020" y="19132"/>
-                  </a:cubicBezTo>
-                  <a:cubicBezTo>
-                    <a:pt x="362702" y="19132"/>
-                    <a:pt x="352384" y="19132"/>
-                    <a:pt x="342065" y="19132"/>
-                  </a:cubicBezTo>
-                  <a:cubicBezTo>
-                    <a:pt x="342065" y="13458"/>
-                    <a:pt x="342065" y="7785"/>
-                    <a:pt x="342065" y="2111"/>
-                  </a:cubicBezTo>
-                  <a:close/>
-                  <a:moveTo>
-                    <a:pt x="250806" y="2111"/>
-                  </a:moveTo>
-                  <a:cubicBezTo>
-                    <a:pt x="259144" y="2111"/>
-                    <a:pt x="267482" y="2111"/>
-                    <a:pt x="275820" y="2111"/>
-                  </a:cubicBezTo>
-                  <a:cubicBezTo>
-                    <a:pt x="288202" y="24216"/>
-                    <a:pt x="300584" y="46321"/>
-                    <a:pt x="312966" y="68425"/>
-                  </a:cubicBezTo>
-                  <a:cubicBezTo>
-                    <a:pt x="312966" y="46321"/>
-                    <a:pt x="312966" y="24216"/>
-                    <a:pt x="312966" y="2111"/>
-                  </a:cubicBezTo>
-                  <a:cubicBezTo>
-                    <a:pt x="319344" y="2111"/>
-                    <a:pt x="325723" y="2111"/>
-                    <a:pt x="332101" y="2111"/>
-                  </a:cubicBezTo>
-                  <a:cubicBezTo>
-                    <a:pt x="332101" y="36312"/>
-                    <a:pt x="332101" y="70513"/>
-                    <a:pt x="332101" y="104715"/>
-                  </a:cubicBezTo>
-                  <a:cubicBezTo>
-                    <a:pt x="325473" y="104715"/>
-                    <a:pt x="318844" y="104715"/>
-                    <a:pt x="312215" y="104715"/>
-                  </a:cubicBezTo>
-                  <a:cubicBezTo>
-                    <a:pt x="298124" y="79637"/>
-                    <a:pt x="284033" y="54559"/>
-                    <a:pt x="269942" y="29481"/>
-                  </a:cubicBezTo>
-                  <a:cubicBezTo>
-                    <a:pt x="269942" y="54559"/>
-                    <a:pt x="269942" y="79637"/>
-                    <a:pt x="269942" y="104715"/>
-                  </a:cubicBezTo>
-                  <a:cubicBezTo>
-                    <a:pt x="263563" y="104715"/>
-                    <a:pt x="257185" y="104715"/>
-                    <a:pt x="250806" y="104715"/>
-                  </a:cubicBezTo>
-                  <a:cubicBezTo>
-                    <a:pt x="250806" y="70513"/>
-                    <a:pt x="250806" y="36312"/>
-                    <a:pt x="250806" y="2111"/>
-                  </a:cubicBezTo>
-                  <a:close/>
-                  <a:moveTo>
-                    <a:pt x="182456" y="2111"/>
-                  </a:moveTo>
-                  <a:cubicBezTo>
-                    <a:pt x="199590" y="2111"/>
-                    <a:pt x="216725" y="2111"/>
-                    <a:pt x="233859" y="2111"/>
-                  </a:cubicBezTo>
-                  <a:cubicBezTo>
-                    <a:pt x="233859" y="7217"/>
-                    <a:pt x="233859" y="12324"/>
-                    <a:pt x="233859" y="17430"/>
-                  </a:cubicBezTo>
-                  <a:cubicBezTo>
-                    <a:pt x="228731" y="17430"/>
-                    <a:pt x="223604" y="17430"/>
-                    <a:pt x="218476" y="17430"/>
-                  </a:cubicBezTo>
-                  <a:cubicBezTo>
-                    <a:pt x="218476" y="41418"/>
-                    <a:pt x="218476" y="65407"/>
-                    <a:pt x="218476" y="89395"/>
-                  </a:cubicBezTo>
-                  <a:cubicBezTo>
-                    <a:pt x="223604" y="89395"/>
-                    <a:pt x="228731" y="89395"/>
-                    <a:pt x="233859" y="89395"/>
-                  </a:cubicBezTo>
-                  <a:cubicBezTo>
-                    <a:pt x="233859" y="94502"/>
-                    <a:pt x="233859" y="99608"/>
-                    <a:pt x="233859" y="104715"/>
-                  </a:cubicBezTo>
-                  <a:cubicBezTo>
-                    <a:pt x="216725" y="104715"/>
-                    <a:pt x="199590" y="104715"/>
-                    <a:pt x="182456" y="104715"/>
-                  </a:cubicBezTo>
-                  <a:cubicBezTo>
-                    <a:pt x="182456" y="99608"/>
-                    <a:pt x="182456" y="94502"/>
-                    <a:pt x="182456" y="89395"/>
-                  </a:cubicBezTo>
-                  <a:cubicBezTo>
-                    <a:pt x="187584" y="89395"/>
-                    <a:pt x="192711" y="89395"/>
-                    <a:pt x="197839" y="89395"/>
-                  </a:cubicBezTo>
-                  <a:cubicBezTo>
-                    <a:pt x="197839" y="65407"/>
-                    <a:pt x="197839" y="41418"/>
-                    <a:pt x="197839" y="17430"/>
-                  </a:cubicBezTo>
-                  <a:cubicBezTo>
-                    <a:pt x="192711" y="17430"/>
-                    <a:pt x="187584" y="17430"/>
-                    <a:pt x="182456" y="17430"/>
-                  </a:cubicBezTo>
-                  <a:cubicBezTo>
-                    <a:pt x="182456" y="12324"/>
-                    <a:pt x="182456" y="7217"/>
-                    <a:pt x="182456" y="2111"/>
-                  </a:cubicBezTo>
-                  <a:close/>
-                  <a:moveTo>
-                    <a:pt x="0" y="2111"/>
-                  </a:moveTo>
-                  <a:cubicBezTo>
-                    <a:pt x="11882" y="2111"/>
-                    <a:pt x="23763" y="2111"/>
-                    <a:pt x="35645" y="2111"/>
-                  </a:cubicBezTo>
-                  <a:cubicBezTo>
-                    <a:pt x="47860" y="2111"/>
-                    <a:pt x="57136" y="4823"/>
-                    <a:pt x="63473" y="10247"/>
-                  </a:cubicBezTo>
-                  <a:cubicBezTo>
-                    <a:pt x="69810" y="15671"/>
-                    <a:pt x="72978" y="23603"/>
-                    <a:pt x="72978" y="34043"/>
-                  </a:cubicBezTo>
-                  <a:cubicBezTo>
-                    <a:pt x="72978" y="44936"/>
-                    <a:pt x="69476" y="53617"/>
-                    <a:pt x="62472" y="60085"/>
-                  </a:cubicBezTo>
-                  <a:cubicBezTo>
-                    <a:pt x="55468" y="66553"/>
-                    <a:pt x="46338" y="69787"/>
-                    <a:pt x="35082" y="69787"/>
-                  </a:cubicBezTo>
-                  <a:cubicBezTo>
-                    <a:pt x="30267" y="69787"/>
-                    <a:pt x="25452" y="69787"/>
-                    <a:pt x="20637" y="69787"/>
-                  </a:cubicBezTo>
-                  <a:cubicBezTo>
-                    <a:pt x="20637" y="81430"/>
-                    <a:pt x="20637" y="93072"/>
-                    <a:pt x="20637" y="104715"/>
-                  </a:cubicBezTo>
-                  <a:cubicBezTo>
-                    <a:pt x="13758" y="104715"/>
-                    <a:pt x="6879" y="104715"/>
-                    <a:pt x="0" y="104715"/>
-                  </a:cubicBezTo>
-                  <a:cubicBezTo>
-                    <a:pt x="0" y="70513"/>
-                    <a:pt x="0" y="36312"/>
-                    <a:pt x="0" y="2111"/>
-                  </a:cubicBezTo>
-                  <a:close/>
-                  <a:moveTo>
-                    <a:pt x="125466" y="0"/>
-                  </a:moveTo>
-                  <a:cubicBezTo>
-                    <a:pt x="139849" y="0"/>
-                    <a:pt x="151136" y="4766"/>
-                    <a:pt x="159328" y="14298"/>
-                  </a:cubicBezTo>
-                  <a:cubicBezTo>
-                    <a:pt x="167520" y="23830"/>
-                    <a:pt x="171616" y="36902"/>
-                    <a:pt x="171616" y="53515"/>
-                  </a:cubicBezTo>
-                  <a:cubicBezTo>
-                    <a:pt x="171616" y="69991"/>
-                    <a:pt x="167541" y="83007"/>
-                    <a:pt x="159391" y="92561"/>
-                  </a:cubicBezTo>
-                  <a:cubicBezTo>
-                    <a:pt x="151240" y="102116"/>
-                    <a:pt x="139932" y="106893"/>
-                    <a:pt x="125466" y="106893"/>
-                  </a:cubicBezTo>
-                  <a:cubicBezTo>
-                    <a:pt x="111124" y="106893"/>
-                    <a:pt x="99858" y="102139"/>
-                    <a:pt x="91666" y="92629"/>
-                  </a:cubicBezTo>
-                  <a:cubicBezTo>
-                    <a:pt x="83474" y="83120"/>
-                    <a:pt x="79378" y="70082"/>
-                    <a:pt x="79378" y="53515"/>
-                  </a:cubicBezTo>
-                  <a:cubicBezTo>
-                    <a:pt x="79378" y="36857"/>
-                    <a:pt x="83453" y="23773"/>
-                    <a:pt x="91603" y="14264"/>
-                  </a:cubicBezTo>
-                  <a:cubicBezTo>
-                    <a:pt x="99753" y="4755"/>
-                    <a:pt x="111041" y="0"/>
-                    <a:pt x="125466" y="0"/>
-                  </a:cubicBezTo>
-                  <a:close/>
-                </a:path>
-              </a:pathLst>
-            </a:custGeom>
-            <a:solidFill>
-              <a:schemeClr val="bg1"/>
-            </a:solidFill>
-            <a:ln>
-              <a:noFill/>
-            </a:ln>
-            <a:effectLst>
-              <a:glow rad="12700">
-                <a:schemeClr val="accent2">
-                  <a:alpha val="84000"/>
-                </a:schemeClr>
-              </a:glow>
-            </a:effectLst>
-          </p:spPr>
-          <p:txBody>
-            <a:bodyPr rot="0" spcFirstLastPara="0" vertOverflow="overflow" horzOverflow="overflow" vert="horz" wrap="square" lIns="91440" tIns="45720" rIns="91440" bIns="45720" numCol="1" spcCol="0" rtlCol="0" fromWordArt="0" anchor="t" anchorCtr="0" forceAA="0" compatLnSpc="1">
-              <a:prstTxWarp prst="textNoShape">
-                <a:avLst/>
-              </a:prstTxWarp>
-              <a:noAutofit/>
-            </a:bodyPr>
-            <a:lstStyle/>
-            <a:p>
-              <a:pPr algn="ctr"/>
-              <a:endParaRPr kumimoji="1" lang="ja-JP" altLang="en-US" b="1" dirty="0">
-                <a:solidFill>
-                  <a:schemeClr val="bg1"/>
-                </a:solidFill>
-                <a:effectLst>
-                  <a:glow rad="38100">
-                    <a:schemeClr val="accent2">
-                      <a:alpha val="84000"/>
-                    </a:schemeClr>
-                  </a:glow>
-                </a:effectLst>
-              </a:endParaRPr>
-            </a:p>
-          </p:txBody>
-        </p:sp>
-      </p:grpSp>
-      <p:cxnSp>
-        <p:nvCxnSpPr>
-          <p:cNvPr id="32" name="直線コネクタ 31"/>
-          <p:cNvCxnSpPr/>
-          <p:nvPr/>
-        </p:nvCxnSpPr>
-        <p:spPr bwMode="auto">
-          <a:xfrm>
-            <a:off x="5974429" y="5035989"/>
             <a:ext cx="1080000" cy="0"/>
           </a:xfrm>
           <a:prstGeom prst="line">
@@ -20532,8 +18227,12 @@
               <a:buNone/>
             </a:pPr>
             <a:r>
+              <a:rPr lang="en-US" altLang="ja-JP" sz="1600" dirty="0"/>
+              <a:t>#</a:t>
+            </a:r>
+            <a:r>
               <a:rPr lang="en-US" altLang="ja-JP" sz="1600" dirty="0" smtClean="0"/>
-              <a:t>$ sh ita_gather_library.sh</a:t>
+              <a:t> sh ita_gather_library.sh</a:t>
             </a:r>
             <a:endParaRPr lang="en-US" altLang="ja-JP" dirty="0"/>
           </a:p>
@@ -20792,7 +18491,11 @@
             </a:r>
             <a:r>
               <a:rPr lang="en-US" altLang="ja-JP" dirty="0" smtClean="0"/>
-              <a:t>$ tar </a:t>
+              <a:t># </a:t>
+            </a:r>
+            <a:r>
+              <a:rPr lang="en-US" altLang="ja-JP" dirty="0" smtClean="0"/>
+              <a:t>tar </a:t>
             </a:r>
             <a:r>
               <a:rPr lang="en-US" altLang="ja-JP" dirty="0"/>
@@ -21084,14 +18787,14 @@
           <p:nvPr>
             <p:extLst>
               <p:ext uri="{D42A27DB-BD31-4B8C-83A1-F6EECF244321}">
-                <p14:modId xmlns:p14="http://schemas.microsoft.com/office/powerpoint/2010/main" val="47777617"/>
+                <p14:modId xmlns:p14="http://schemas.microsoft.com/office/powerpoint/2010/main" val="4284346955"/>
               </p:ext>
             </p:extLst>
           </p:nvPr>
         </p:nvGraphicFramePr>
         <p:xfrm>
           <a:off x="539440" y="2060814"/>
-          <a:ext cx="8065121" cy="4297928"/>
+          <a:ext cx="8065121" cy="4069328"/>
         </p:xfrm>
         <a:graphic>
           <a:graphicData uri="http://schemas.openxmlformats.org/drawingml/2006/table">
@@ -21103,28 +18806,28 @@
                 <a:gridCol w="2012783">
                   <a:extLst>
                     <a:ext uri="{9D8B030D-6E8A-4147-A177-3AD203B41FA5}">
-                      <a16:colId xmlns="" xmlns:a16="http://schemas.microsoft.com/office/drawing/2014/main" val="20000"/>
+                      <a16:colId xmlns:a16="http://schemas.microsoft.com/office/drawing/2014/main" val="20000"/>
                     </a:ext>
                   </a:extLst>
                 </a:gridCol>
                 <a:gridCol w="715386">
                   <a:extLst>
                     <a:ext uri="{9D8B030D-6E8A-4147-A177-3AD203B41FA5}">
-                      <a16:colId xmlns="" xmlns:a16="http://schemas.microsoft.com/office/drawing/2014/main" val="20001"/>
+                      <a16:colId xmlns:a16="http://schemas.microsoft.com/office/drawing/2014/main" val="20001"/>
                     </a:ext>
                   </a:extLst>
                 </a:gridCol>
                 <a:gridCol w="887937">
                   <a:extLst>
                     <a:ext uri="{9D8B030D-6E8A-4147-A177-3AD203B41FA5}">
-                      <a16:colId xmlns="" xmlns:a16="http://schemas.microsoft.com/office/drawing/2014/main" val="20002"/>
+                      <a16:colId xmlns:a16="http://schemas.microsoft.com/office/drawing/2014/main" val="20002"/>
                     </a:ext>
                   </a:extLst>
                 </a:gridCol>
                 <a:gridCol w="4449015">
                   <a:extLst>
                     <a:ext uri="{9D8B030D-6E8A-4147-A177-3AD203B41FA5}">
-                      <a16:colId xmlns="" xmlns:a16="http://schemas.microsoft.com/office/drawing/2014/main" val="20003"/>
+                      <a16:colId xmlns:a16="http://schemas.microsoft.com/office/drawing/2014/main" val="20003"/>
                     </a:ext>
                   </a:extLst>
                 </a:gridCol>
@@ -21252,7 +18955,7 @@
                 </a:tc>
                 <a:extLst>
                   <a:ext uri="{0D108BD9-81ED-4DB2-BD59-A6C34878D82A}">
-                    <a16:rowId xmlns="" xmlns:a16="http://schemas.microsoft.com/office/drawing/2014/main" val="10000"/>
+                    <a16:rowId xmlns:a16="http://schemas.microsoft.com/office/drawing/2014/main" val="10000"/>
                   </a:ext>
                 </a:extLst>
               </a:tr>
@@ -21431,7 +19134,7 @@
                 </a:tc>
                 <a:extLst>
                   <a:ext uri="{0D108BD9-81ED-4DB2-BD59-A6C34878D82A}">
-                    <a16:rowId xmlns="" xmlns:a16="http://schemas.microsoft.com/office/drawing/2014/main" val="10001"/>
+                    <a16:rowId xmlns:a16="http://schemas.microsoft.com/office/drawing/2014/main" val="10001"/>
                   </a:ext>
                 </a:extLst>
               </a:tr>
@@ -21614,7 +19317,7 @@
                 </a:tc>
                 <a:extLst>
                   <a:ext uri="{0D108BD9-81ED-4DB2-BD59-A6C34878D82A}">
-                    <a16:rowId xmlns="" xmlns:a16="http://schemas.microsoft.com/office/drawing/2014/main" val="10002"/>
+                    <a16:rowId xmlns:a16="http://schemas.microsoft.com/office/drawing/2014/main" val="10002"/>
                   </a:ext>
                 </a:extLst>
               </a:tr>
@@ -21795,7 +19498,7 @@
                 </a:tc>
                 <a:extLst>
                   <a:ext uri="{0D108BD9-81ED-4DB2-BD59-A6C34878D82A}">
-                    <a16:rowId xmlns="" xmlns:a16="http://schemas.microsoft.com/office/drawing/2014/main" val="10003"/>
+                    <a16:rowId xmlns:a16="http://schemas.microsoft.com/office/drawing/2014/main" val="10003"/>
                   </a:ext>
                 </a:extLst>
               </a:tr>
@@ -21925,16 +19628,34 @@
                         <a:t>の</a:t>
                       </a:r>
                       <a:r>
-                        <a:rPr lang="en-US" sz="1000" kern="100" dirty="0">
+                        <a:rPr lang="en-US" sz="1000" kern="100" dirty="0" smtClean="0">
                           <a:effectLst/>
                         </a:rPr>
                         <a:t>OS</a:t>
                       </a:r>
                       <a:r>
+                        <a:rPr lang="en-US" sz="800" kern="100" dirty="0" smtClean="0">
+                          <a:effectLst/>
+                        </a:rPr>
+                        <a:t>(RHEL7 </a:t>
+                      </a:r>
+                      <a:r>
+                        <a:rPr lang="ja-JP" sz="800" kern="100" dirty="0">
+                          <a:effectLst/>
+                        </a:rPr>
+                        <a:t>系の場合は</a:t>
+                      </a:r>
+                      <a:r>
                         <a:rPr lang="en-US" sz="800" kern="100" dirty="0">
                           <a:effectLst/>
                         </a:rPr>
-                        <a:t>(RHEL6 </a:t>
+                        <a:t>(</a:t>
+                      </a:r>
+                      <a:r>
+                        <a:rPr lang="en-US" sz="800" kern="100" dirty="0" smtClean="0">
+                          <a:effectLst/>
+                        </a:rPr>
+                        <a:t>RHEL7)/ RHEL8 </a:t>
                       </a:r>
                       <a:r>
                         <a:rPr lang="ja-JP" sz="800" kern="100" dirty="0">
@@ -21946,19 +19667,13 @@
                         <a:rPr lang="en-US" sz="800" kern="100" dirty="0">
                           <a:effectLst/>
                         </a:rPr>
-                        <a:t>(RHEL6)/ RHEL7 </a:t>
-                      </a:r>
-                      <a:r>
-                        <a:rPr lang="ja-JP" sz="800" kern="100" dirty="0">
-                          <a:effectLst/>
-                        </a:rPr>
-                        <a:t>系の場合は</a:t>
-                      </a:r>
-                      <a:r>
-                        <a:rPr lang="en-US" sz="800" kern="100" dirty="0">
-                          <a:effectLst/>
-                        </a:rPr>
-                        <a:t>(RHEL7))</a:t>
+                        <a:t>(</a:t>
+                      </a:r>
+                      <a:r>
+                        <a:rPr lang="en-US" sz="800" kern="100" dirty="0" smtClean="0">
+                          <a:effectLst/>
+                        </a:rPr>
+                        <a:t>RHEL8))</a:t>
                       </a:r>
                       <a:endParaRPr lang="ja-JP" sz="1000" kern="100" dirty="0">
                         <a:effectLst/>
@@ -21976,7 +19691,7 @@
                 </a:tc>
                 <a:extLst>
                   <a:ext uri="{0D108BD9-81ED-4DB2-BD59-A6C34878D82A}">
-                    <a16:rowId xmlns="" xmlns:a16="http://schemas.microsoft.com/office/drawing/2014/main" val="10004"/>
+                    <a16:rowId xmlns:a16="http://schemas.microsoft.com/office/drawing/2014/main" val="10004"/>
                   </a:ext>
                 </a:extLst>
               </a:tr>
@@ -22133,7 +19848,7 @@
                 </a:tc>
                 <a:extLst>
                   <a:ext uri="{0D108BD9-81ED-4DB2-BD59-A6C34878D82A}">
-                    <a16:rowId xmlns="" xmlns:a16="http://schemas.microsoft.com/office/drawing/2014/main" val="10005"/>
+                    <a16:rowId xmlns:a16="http://schemas.microsoft.com/office/drawing/2014/main" val="10005"/>
                   </a:ext>
                 </a:extLst>
               </a:tr>
@@ -22290,7 +20005,7 @@
                 </a:tc>
                 <a:extLst>
                   <a:ext uri="{0D108BD9-81ED-4DB2-BD59-A6C34878D82A}">
-                    <a16:rowId xmlns="" xmlns:a16="http://schemas.microsoft.com/office/drawing/2014/main" val="10006"/>
+                    <a16:rowId xmlns:a16="http://schemas.microsoft.com/office/drawing/2014/main" val="10006"/>
                   </a:ext>
                 </a:extLst>
               </a:tr>
@@ -22447,7 +20162,7 @@
                 </a:tc>
                 <a:extLst>
                   <a:ext uri="{0D108BD9-81ED-4DB2-BD59-A6C34878D82A}">
-                    <a16:rowId xmlns="" xmlns:a16="http://schemas.microsoft.com/office/drawing/2014/main" val="10007"/>
+                    <a16:rowId xmlns:a16="http://schemas.microsoft.com/office/drawing/2014/main" val="10007"/>
                   </a:ext>
                 </a:extLst>
               </a:tr>
@@ -22604,7 +20319,7 @@
                 </a:tc>
                 <a:extLst>
                   <a:ext uri="{0D108BD9-81ED-4DB2-BD59-A6C34878D82A}">
-                    <a16:rowId xmlns="" xmlns:a16="http://schemas.microsoft.com/office/drawing/2014/main" val="10008"/>
+                    <a16:rowId xmlns:a16="http://schemas.microsoft.com/office/drawing/2014/main" val="10008"/>
                   </a:ext>
                 </a:extLst>
               </a:tr>
@@ -22767,7 +20482,7 @@
                 </a:tc>
                 <a:extLst>
                   <a:ext uri="{0D108BD9-81ED-4DB2-BD59-A6C34878D82A}">
-                    <a16:rowId xmlns="" xmlns:a16="http://schemas.microsoft.com/office/drawing/2014/main" val="10009"/>
+                    <a16:rowId xmlns:a16="http://schemas.microsoft.com/office/drawing/2014/main" val="10009"/>
                   </a:ext>
                 </a:extLst>
               </a:tr>
@@ -22906,7 +20621,7 @@
                 </a:tc>
                 <a:extLst>
                   <a:ext uri="{0D108BD9-81ED-4DB2-BD59-A6C34878D82A}">
-                    <a16:rowId xmlns="" xmlns:a16="http://schemas.microsoft.com/office/drawing/2014/main" val="10010"/>
+                    <a16:rowId xmlns:a16="http://schemas.microsoft.com/office/drawing/2014/main" val="10010"/>
                   </a:ext>
                 </a:extLst>
               </a:tr>
@@ -23045,7 +20760,7 @@
                 </a:tc>
                 <a:extLst>
                   <a:ext uri="{0D108BD9-81ED-4DB2-BD59-A6C34878D82A}">
-                    <a16:rowId xmlns="" xmlns:a16="http://schemas.microsoft.com/office/drawing/2014/main" val="10011"/>
+                    <a16:rowId xmlns:a16="http://schemas.microsoft.com/office/drawing/2014/main" val="10011"/>
                   </a:ext>
                 </a:extLst>
               </a:tr>
@@ -23184,7 +20899,7 @@
                 </a:tc>
                 <a:extLst>
                   <a:ext uri="{0D108BD9-81ED-4DB2-BD59-A6C34878D82A}">
-                    <a16:rowId xmlns="" xmlns:a16="http://schemas.microsoft.com/office/drawing/2014/main" val="10012"/>
+                    <a16:rowId xmlns:a16="http://schemas.microsoft.com/office/drawing/2014/main" val="10012"/>
                   </a:ext>
                 </a:extLst>
               </a:tr>
@@ -23341,7 +21056,7 @@
                 </a:tc>
                 <a:extLst>
                   <a:ext uri="{0D108BD9-81ED-4DB2-BD59-A6C34878D82A}">
-                    <a16:rowId xmlns="" xmlns:a16="http://schemas.microsoft.com/office/drawing/2014/main" val="10013"/>
+                    <a16:rowId xmlns:a16="http://schemas.microsoft.com/office/drawing/2014/main" val="10013"/>
                   </a:ext>
                 </a:extLst>
               </a:tr>
@@ -23363,7 +21078,7 @@
                         <a:rPr lang="en-US" sz="1000" kern="100" dirty="0">
                           <a:effectLst/>
                         </a:rPr>
-                        <a:t>cobbler_driver</a:t>
+                        <a:t>openstack_driver</a:t>
                       </a:r>
                       <a:endParaRPr lang="ja-JP" sz="1000" kern="100" dirty="0">
                         <a:effectLst/>
@@ -23408,6 +21123,151 @@
                   </a:txBody>
                   <a:tcPr marL="68495" marR="68495" marT="0" marB="0" anchor="ctr">
                     <a:solidFill>
+                      <a:srgbClr val="CBCDD3"/>
+                    </a:solidFill>
+                  </a:tcPr>
+                </a:tc>
+                <a:tc>
+                  <a:txBody>
+                    <a:bodyPr/>
+                    <a:lstStyle/>
+                    <a:p>
+                      <a:pPr algn="ctr">
+                        <a:lnSpc>
+                          <a:spcPct val="150000"/>
+                        </a:lnSpc>
+                        <a:spcAft>
+                          <a:spcPts val="0"/>
+                        </a:spcAft>
+                      </a:pPr>
+                      <a:r>
+                        <a:rPr lang="en-US" sz="1000" kern="100" dirty="0">
+                          <a:effectLst/>
+                        </a:rPr>
+                        <a:t>no</a:t>
+                      </a:r>
+                      <a:endParaRPr lang="ja-JP" sz="1000" kern="100" dirty="0">
+                        <a:effectLst/>
+                        <a:latin typeface="Century" panose="02040604050505020304" pitchFamily="18" charset="0"/>
+                        <a:ea typeface="ＭＳ 明朝" panose="02020609040205080304" pitchFamily="17" charset="-128"/>
+                        <a:cs typeface="Times New Roman" panose="02020603050405020304" pitchFamily="18" charset="0"/>
+                      </a:endParaRPr>
+                    </a:p>
+                  </a:txBody>
+                  <a:tcPr marL="68495" marR="68495" marT="0" marB="0" anchor="ctr">
+                    <a:solidFill>
+                      <a:srgbClr val="CBCDD3"/>
+                    </a:solidFill>
+                  </a:tcPr>
+                </a:tc>
+                <a:tc>
+                  <a:txBody>
+                    <a:bodyPr/>
+                    <a:lstStyle/>
+                    <a:p>
+                      <a:pPr algn="just">
+                        <a:lnSpc>
+                          <a:spcPct val="150000"/>
+                        </a:lnSpc>
+                        <a:spcAft>
+                          <a:spcPts val="0"/>
+                        </a:spcAft>
+                      </a:pPr>
+                      <a:r>
+                        <a:rPr lang="en-US" sz="1000" kern="100" dirty="0">
+                          <a:effectLst/>
+                        </a:rPr>
+                        <a:t>OpenStack driver</a:t>
+                      </a:r>
+                      <a:r>
+                        <a:rPr lang="ja-JP" sz="1000" kern="100" dirty="0">
+                          <a:effectLst/>
+                        </a:rPr>
+                        <a:t>のインストール有無指定</a:t>
+                      </a:r>
+                      <a:endParaRPr lang="ja-JP" sz="1000" kern="100" dirty="0">
+                        <a:effectLst/>
+                        <a:latin typeface="Century" panose="02040604050505020304" pitchFamily="18" charset="0"/>
+                        <a:ea typeface="ＭＳ 明朝" panose="02020609040205080304" pitchFamily="17" charset="-128"/>
+                        <a:cs typeface="Times New Roman" panose="02020603050405020304" pitchFamily="18" charset="0"/>
+                      </a:endParaRPr>
+                    </a:p>
+                  </a:txBody>
+                  <a:tcPr marL="68495" marR="68495" marT="0" marB="0" anchor="ctr">
+                    <a:solidFill>
+                      <a:srgbClr val="CBCDD3"/>
+                    </a:solidFill>
+                  </a:tcPr>
+                </a:tc>
+                <a:extLst>
+                  <a:ext uri="{0D108BD9-81ED-4DB2-BD59-A6C34878D82A}">
+                    <a16:rowId xmlns:a16="http://schemas.microsoft.com/office/drawing/2014/main" val="10015"/>
+                  </a:ext>
+                </a:extLst>
+              </a:tr>
+              <a:tr h="222140">
+                <a:tc>
+                  <a:txBody>
+                    <a:bodyPr/>
+                    <a:lstStyle/>
+                    <a:p>
+                      <a:pPr algn="just">
+                        <a:lnSpc>
+                          <a:spcPct val="150000"/>
+                        </a:lnSpc>
+                        <a:spcAft>
+                          <a:spcPts val="0"/>
+                        </a:spcAft>
+                      </a:pPr>
+                      <a:r>
+                        <a:rPr lang="en-US" sz="1000" kern="100" dirty="0">
+                          <a:effectLst/>
+                        </a:rPr>
+                        <a:t>dsc_driver</a:t>
+                      </a:r>
+                      <a:endParaRPr lang="ja-JP" sz="1000" kern="100" dirty="0">
+                        <a:effectLst/>
+                        <a:latin typeface="Century" panose="02040604050505020304" pitchFamily="18" charset="0"/>
+                        <a:ea typeface="ＭＳ 明朝" panose="02020609040205080304" pitchFamily="17" charset="-128"/>
+                        <a:cs typeface="Times New Roman" panose="02020603050405020304" pitchFamily="18" charset="0"/>
+                      </a:endParaRPr>
+                    </a:p>
+                  </a:txBody>
+                  <a:tcPr marL="68495" marR="68495" marT="0" marB="0" anchor="ctr">
+                    <a:solidFill>
+                      <a:srgbClr val="002B62"/>
+                    </a:solidFill>
+                  </a:tcPr>
+                </a:tc>
+                <a:tc>
+                  <a:txBody>
+                    <a:bodyPr/>
+                    <a:lstStyle/>
+                    <a:p>
+                      <a:pPr algn="ctr">
+                        <a:lnSpc>
+                          <a:spcPct val="150000"/>
+                        </a:lnSpc>
+                        <a:spcAft>
+                          <a:spcPts val="0"/>
+                        </a:spcAft>
+                      </a:pPr>
+                      <a:r>
+                        <a:rPr lang="en-US" sz="1000" kern="100" dirty="0">
+                          <a:effectLst/>
+                        </a:rPr>
+                        <a:t>○</a:t>
+                      </a:r>
+                      <a:endParaRPr lang="ja-JP" sz="1000" kern="100" dirty="0">
+                        <a:effectLst/>
+                        <a:latin typeface="Century" panose="02040604050505020304" pitchFamily="18" charset="0"/>
+                        <a:ea typeface="ＭＳ 明朝" panose="02020609040205080304" pitchFamily="17" charset="-128"/>
+                        <a:cs typeface="Times New Roman" panose="02020603050405020304" pitchFamily="18" charset="0"/>
+                      </a:endParaRPr>
+                    </a:p>
+                  </a:txBody>
+                  <a:tcPr marL="68495" marR="68495" marT="0" marB="0" anchor="ctr">
+                    <a:solidFill>
                       <a:srgbClr val="E7E8EA"/>
                     </a:solidFill>
                   </a:tcPr>
@@ -23462,7 +21322,7 @@
                         <a:rPr lang="en-US" sz="1000" kern="100" dirty="0">
                           <a:effectLst/>
                         </a:rPr>
-                        <a:t>Cobbler driver</a:t>
+                        <a:t>DSC driver</a:t>
                       </a:r>
                       <a:r>
                         <a:rPr lang="ja-JP" sz="1000" kern="100" dirty="0">
@@ -23486,297 +21346,7 @@
                 </a:tc>
                 <a:extLst>
                   <a:ext uri="{0D108BD9-81ED-4DB2-BD59-A6C34878D82A}">
-                    <a16:rowId xmlns="" xmlns:a16="http://schemas.microsoft.com/office/drawing/2014/main" val="10014"/>
-                  </a:ext>
-                </a:extLst>
-              </a:tr>
-              <a:tr h="222140">
-                <a:tc>
-                  <a:txBody>
-                    <a:bodyPr/>
-                    <a:lstStyle/>
-                    <a:p>
-                      <a:pPr algn="just">
-                        <a:lnSpc>
-                          <a:spcPct val="150000"/>
-                        </a:lnSpc>
-                        <a:spcAft>
-                          <a:spcPts val="0"/>
-                        </a:spcAft>
-                      </a:pPr>
-                      <a:r>
-                        <a:rPr lang="en-US" sz="1000" kern="100" dirty="0">
-                          <a:effectLst/>
-                        </a:rPr>
-                        <a:t>openstack_driver</a:t>
-                      </a:r>
-                      <a:endParaRPr lang="ja-JP" sz="1000" kern="100" dirty="0">
-                        <a:effectLst/>
-                        <a:latin typeface="Century" panose="02040604050505020304" pitchFamily="18" charset="0"/>
-                        <a:ea typeface="ＭＳ 明朝" panose="02020609040205080304" pitchFamily="17" charset="-128"/>
-                        <a:cs typeface="Times New Roman" panose="02020603050405020304" pitchFamily="18" charset="0"/>
-                      </a:endParaRPr>
-                    </a:p>
-                  </a:txBody>
-                  <a:tcPr marL="68495" marR="68495" marT="0" marB="0" anchor="ctr">
-                    <a:solidFill>
-                      <a:srgbClr val="002B62"/>
-                    </a:solidFill>
-                  </a:tcPr>
-                </a:tc>
-                <a:tc>
-                  <a:txBody>
-                    <a:bodyPr/>
-                    <a:lstStyle/>
-                    <a:p>
-                      <a:pPr algn="ctr">
-                        <a:lnSpc>
-                          <a:spcPct val="150000"/>
-                        </a:lnSpc>
-                        <a:spcAft>
-                          <a:spcPts val="0"/>
-                        </a:spcAft>
-                      </a:pPr>
-                      <a:r>
-                        <a:rPr lang="en-US" sz="1000" kern="100" dirty="0">
-                          <a:effectLst/>
-                        </a:rPr>
-                        <a:t>○</a:t>
-                      </a:r>
-                      <a:endParaRPr lang="ja-JP" sz="1000" kern="100" dirty="0">
-                        <a:effectLst/>
-                        <a:latin typeface="Century" panose="02040604050505020304" pitchFamily="18" charset="0"/>
-                        <a:ea typeface="ＭＳ 明朝" panose="02020609040205080304" pitchFamily="17" charset="-128"/>
-                        <a:cs typeface="Times New Roman" panose="02020603050405020304" pitchFamily="18" charset="0"/>
-                      </a:endParaRPr>
-                    </a:p>
-                  </a:txBody>
-                  <a:tcPr marL="68495" marR="68495" marT="0" marB="0" anchor="ctr">
-                    <a:solidFill>
-                      <a:srgbClr val="CBCDD3"/>
-                    </a:solidFill>
-                  </a:tcPr>
-                </a:tc>
-                <a:tc>
-                  <a:txBody>
-                    <a:bodyPr/>
-                    <a:lstStyle/>
-                    <a:p>
-                      <a:pPr algn="ctr">
-                        <a:lnSpc>
-                          <a:spcPct val="150000"/>
-                        </a:lnSpc>
-                        <a:spcAft>
-                          <a:spcPts val="0"/>
-                        </a:spcAft>
-                      </a:pPr>
-                      <a:r>
-                        <a:rPr lang="en-US" sz="1000" kern="100" dirty="0">
-                          <a:effectLst/>
-                        </a:rPr>
-                        <a:t>no</a:t>
-                      </a:r>
-                      <a:endParaRPr lang="ja-JP" sz="1000" kern="100" dirty="0">
-                        <a:effectLst/>
-                        <a:latin typeface="Century" panose="02040604050505020304" pitchFamily="18" charset="0"/>
-                        <a:ea typeface="ＭＳ 明朝" panose="02020609040205080304" pitchFamily="17" charset="-128"/>
-                        <a:cs typeface="Times New Roman" panose="02020603050405020304" pitchFamily="18" charset="0"/>
-                      </a:endParaRPr>
-                    </a:p>
-                  </a:txBody>
-                  <a:tcPr marL="68495" marR="68495" marT="0" marB="0" anchor="ctr">
-                    <a:solidFill>
-                      <a:srgbClr val="CBCDD3"/>
-                    </a:solidFill>
-                  </a:tcPr>
-                </a:tc>
-                <a:tc>
-                  <a:txBody>
-                    <a:bodyPr/>
-                    <a:lstStyle/>
-                    <a:p>
-                      <a:pPr algn="just">
-                        <a:lnSpc>
-                          <a:spcPct val="150000"/>
-                        </a:lnSpc>
-                        <a:spcAft>
-                          <a:spcPts val="0"/>
-                        </a:spcAft>
-                      </a:pPr>
-                      <a:r>
-                        <a:rPr lang="en-US" sz="1000" kern="100" dirty="0">
-                          <a:effectLst/>
-                        </a:rPr>
-                        <a:t>OpenStack driver</a:t>
-                      </a:r>
-                      <a:r>
-                        <a:rPr lang="ja-JP" sz="1000" kern="100" dirty="0">
-                          <a:effectLst/>
-                        </a:rPr>
-                        <a:t>のインストール有無指定</a:t>
-                      </a:r>
-                      <a:endParaRPr lang="ja-JP" sz="1000" kern="100" dirty="0">
-                        <a:effectLst/>
-                        <a:latin typeface="Century" panose="02040604050505020304" pitchFamily="18" charset="0"/>
-                        <a:ea typeface="ＭＳ 明朝" panose="02020609040205080304" pitchFamily="17" charset="-128"/>
-                        <a:cs typeface="Times New Roman" panose="02020603050405020304" pitchFamily="18" charset="0"/>
-                      </a:endParaRPr>
-                    </a:p>
-                  </a:txBody>
-                  <a:tcPr marL="68495" marR="68495" marT="0" marB="0" anchor="ctr">
-                    <a:solidFill>
-                      <a:srgbClr val="CBCDD3"/>
-                    </a:solidFill>
-                  </a:tcPr>
-                </a:tc>
-                <a:extLst>
-                  <a:ext uri="{0D108BD9-81ED-4DB2-BD59-A6C34878D82A}">
-                    <a16:rowId xmlns="" xmlns:a16="http://schemas.microsoft.com/office/drawing/2014/main" val="10015"/>
-                  </a:ext>
-                </a:extLst>
-              </a:tr>
-              <a:tr h="222140">
-                <a:tc>
-                  <a:txBody>
-                    <a:bodyPr/>
-                    <a:lstStyle/>
-                    <a:p>
-                      <a:pPr algn="just">
-                        <a:lnSpc>
-                          <a:spcPct val="150000"/>
-                        </a:lnSpc>
-                        <a:spcAft>
-                          <a:spcPts val="0"/>
-                        </a:spcAft>
-                      </a:pPr>
-                      <a:r>
-                        <a:rPr lang="en-US" sz="1000" kern="100" dirty="0">
-                          <a:effectLst/>
-                        </a:rPr>
-                        <a:t>dsc_driver</a:t>
-                      </a:r>
-                      <a:endParaRPr lang="ja-JP" sz="1000" kern="100" dirty="0">
-                        <a:effectLst/>
-                        <a:latin typeface="Century" panose="02040604050505020304" pitchFamily="18" charset="0"/>
-                        <a:ea typeface="ＭＳ 明朝" panose="02020609040205080304" pitchFamily="17" charset="-128"/>
-                        <a:cs typeface="Times New Roman" panose="02020603050405020304" pitchFamily="18" charset="0"/>
-                      </a:endParaRPr>
-                    </a:p>
-                  </a:txBody>
-                  <a:tcPr marL="68495" marR="68495" marT="0" marB="0" anchor="ctr">
-                    <a:solidFill>
-                      <a:srgbClr val="002B62"/>
-                    </a:solidFill>
-                  </a:tcPr>
-                </a:tc>
-                <a:tc>
-                  <a:txBody>
-                    <a:bodyPr/>
-                    <a:lstStyle/>
-                    <a:p>
-                      <a:pPr algn="ctr">
-                        <a:lnSpc>
-                          <a:spcPct val="150000"/>
-                        </a:lnSpc>
-                        <a:spcAft>
-                          <a:spcPts val="0"/>
-                        </a:spcAft>
-                      </a:pPr>
-                      <a:r>
-                        <a:rPr lang="en-US" sz="1000" kern="100" dirty="0">
-                          <a:effectLst/>
-                        </a:rPr>
-                        <a:t>○</a:t>
-                      </a:r>
-                      <a:endParaRPr lang="ja-JP" sz="1000" kern="100" dirty="0">
-                        <a:effectLst/>
-                        <a:latin typeface="Century" panose="02040604050505020304" pitchFamily="18" charset="0"/>
-                        <a:ea typeface="ＭＳ 明朝" panose="02020609040205080304" pitchFamily="17" charset="-128"/>
-                        <a:cs typeface="Times New Roman" panose="02020603050405020304" pitchFamily="18" charset="0"/>
-                      </a:endParaRPr>
-                    </a:p>
-                  </a:txBody>
-                  <a:tcPr marL="68495" marR="68495" marT="0" marB="0" anchor="ctr">
-                    <a:solidFill>
-                      <a:srgbClr val="E7E8EA"/>
-                    </a:solidFill>
-                  </a:tcPr>
-                </a:tc>
-                <a:tc>
-                  <a:txBody>
-                    <a:bodyPr/>
-                    <a:lstStyle/>
-                    <a:p>
-                      <a:pPr algn="ctr">
-                        <a:lnSpc>
-                          <a:spcPct val="150000"/>
-                        </a:lnSpc>
-                        <a:spcAft>
-                          <a:spcPts val="0"/>
-                        </a:spcAft>
-                      </a:pPr>
-                      <a:r>
-                        <a:rPr lang="en-US" sz="1000" kern="100" dirty="0">
-                          <a:effectLst/>
-                        </a:rPr>
-                        <a:t>no</a:t>
-                      </a:r>
-                      <a:endParaRPr lang="ja-JP" sz="1000" kern="100" dirty="0">
-                        <a:effectLst/>
-                        <a:latin typeface="Century" panose="02040604050505020304" pitchFamily="18" charset="0"/>
-                        <a:ea typeface="ＭＳ 明朝" panose="02020609040205080304" pitchFamily="17" charset="-128"/>
-                        <a:cs typeface="Times New Roman" panose="02020603050405020304" pitchFamily="18" charset="0"/>
-                      </a:endParaRPr>
-                    </a:p>
-                  </a:txBody>
-                  <a:tcPr marL="68495" marR="68495" marT="0" marB="0" anchor="ctr">
-                    <a:solidFill>
-                      <a:srgbClr val="E7E8EA"/>
-                    </a:solidFill>
-                  </a:tcPr>
-                </a:tc>
-                <a:tc>
-                  <a:txBody>
-                    <a:bodyPr/>
-                    <a:lstStyle/>
-                    <a:p>
-                      <a:pPr algn="just">
-                        <a:lnSpc>
-                          <a:spcPct val="150000"/>
-                        </a:lnSpc>
-                        <a:spcAft>
-                          <a:spcPts val="0"/>
-                        </a:spcAft>
-                      </a:pPr>
-                      <a:r>
-                        <a:rPr lang="en-US" sz="1000" kern="100" dirty="0">
-                          <a:effectLst/>
-                        </a:rPr>
-                        <a:t>DSC driver</a:t>
-                      </a:r>
-                      <a:r>
-                        <a:rPr lang="ja-JP" sz="1000" kern="100" dirty="0">
-                          <a:effectLst/>
-                        </a:rPr>
-                        <a:t>のインストール有無指定</a:t>
-                      </a:r>
-                      <a:endParaRPr lang="ja-JP" sz="1000" kern="100" dirty="0">
-                        <a:effectLst/>
-                        <a:latin typeface="Century" panose="02040604050505020304" pitchFamily="18" charset="0"/>
-                        <a:ea typeface="ＭＳ 明朝" panose="02020609040205080304" pitchFamily="17" charset="-128"/>
-                        <a:cs typeface="Times New Roman" panose="02020603050405020304" pitchFamily="18" charset="0"/>
-                      </a:endParaRPr>
-                    </a:p>
-                  </a:txBody>
-                  <a:tcPr marL="68495" marR="68495" marT="0" marB="0" anchor="ctr">
-                    <a:solidFill>
-                      <a:srgbClr val="E7E8EA"/>
-                    </a:solidFill>
-                  </a:tcPr>
-                </a:tc>
-                <a:extLst>
-                  <a:ext uri="{0D108BD9-81ED-4DB2-BD59-A6C34878D82A}">
-                    <a16:rowId xmlns="" xmlns:a16="http://schemas.microsoft.com/office/drawing/2014/main" val="10016"/>
+                    <a16:rowId xmlns:a16="http://schemas.microsoft.com/office/drawing/2014/main" val="10016"/>
                   </a:ext>
                 </a:extLst>
               </a:tr>
@@ -24443,8 +22013,49 @@
                 <a:ea typeface="ＭＳ 明朝" panose="02020609040205080304" pitchFamily="17" charset="-128"/>
                 <a:cs typeface="Times New Roman" panose="02020603050405020304" pitchFamily="18" charset="0"/>
               </a:rPr>
-              <a:t># Select Operation System. ("RHEL6" or "RHEL7")</a:t>
-            </a:r>
+              <a:t># Select Operation System. ("</a:t>
+            </a:r>
+            <a:r>
+              <a:rPr kumimoji="0" lang="en-US" sz="900" kern="100" dirty="0" smtClean="0">
+                <a:solidFill>
+                  <a:sysClr val="window" lastClr="FFFFFF"/>
+                </a:solidFill>
+                <a:latin typeface="Arial" panose="020B0604020202020204" pitchFamily="34" charset="0"/>
+                <a:ea typeface="ＭＳ 明朝" panose="02020609040205080304" pitchFamily="17" charset="-128"/>
+                <a:cs typeface="Times New Roman" panose="02020603050405020304" pitchFamily="18" charset="0"/>
+              </a:rPr>
+              <a:t>RHEL7" </a:t>
+            </a:r>
+            <a:r>
+              <a:rPr kumimoji="0" lang="en-US" sz="900" kern="100" dirty="0">
+                <a:solidFill>
+                  <a:sysClr val="window" lastClr="FFFFFF"/>
+                </a:solidFill>
+                <a:latin typeface="Arial" panose="020B0604020202020204" pitchFamily="34" charset="0"/>
+                <a:ea typeface="ＭＳ 明朝" panose="02020609040205080304" pitchFamily="17" charset="-128"/>
+                <a:cs typeface="Times New Roman" panose="02020603050405020304" pitchFamily="18" charset="0"/>
+              </a:rPr>
+              <a:t>or "</a:t>
+            </a:r>
+            <a:r>
+              <a:rPr kumimoji="0" lang="en-US" sz="900" kern="100" dirty="0" smtClean="0">
+                <a:solidFill>
+                  <a:sysClr val="window" lastClr="FFFFFF"/>
+                </a:solidFill>
+                <a:latin typeface="Arial" panose="020B0604020202020204" pitchFamily="34" charset="0"/>
+                <a:ea typeface="ＭＳ 明朝" panose="02020609040205080304" pitchFamily="17" charset="-128"/>
+                <a:cs typeface="Times New Roman" panose="02020603050405020304" pitchFamily="18" charset="0"/>
+              </a:rPr>
+              <a:t>RHEL8")</a:t>
+            </a:r>
+            <a:endParaRPr kumimoji="0" lang="en-US" sz="900" kern="100" dirty="0">
+              <a:solidFill>
+                <a:sysClr val="window" lastClr="FFFFFF"/>
+              </a:solidFill>
+              <a:latin typeface="Arial" panose="020B0604020202020204" pitchFamily="34" charset="0"/>
+              <a:ea typeface="ＭＳ 明朝" panose="02020609040205080304" pitchFamily="17" charset="-128"/>
+              <a:cs typeface="Times New Roman" panose="02020603050405020304" pitchFamily="18" charset="0"/>
+            </a:endParaRPr>
           </a:p>
           <a:p>
             <a:pPr lvl="0">
@@ -24484,8 +22095,27 @@
                 <a:ea typeface="ＭＳ 明朝" panose="02020609040205080304" pitchFamily="17" charset="-128"/>
                 <a:cs typeface="Times New Roman" panose="02020603050405020304" pitchFamily="18" charset="0"/>
               </a:rPr>
-              <a:t>) ita_os:RHEL7</a:t>
-            </a:r>
+              <a:t>) </a:t>
+            </a:r>
+            <a:r>
+              <a:rPr kumimoji="0" lang="en-US" sz="900" kern="100" dirty="0" smtClean="0">
+                <a:solidFill>
+                  <a:sysClr val="window" lastClr="FFFFFF"/>
+                </a:solidFill>
+                <a:latin typeface="Arial" panose="020B0604020202020204" pitchFamily="34" charset="0"/>
+                <a:ea typeface="ＭＳ 明朝" panose="02020609040205080304" pitchFamily="17" charset="-128"/>
+                <a:cs typeface="Times New Roman" panose="02020603050405020304" pitchFamily="18" charset="0"/>
+              </a:rPr>
+              <a:t>ita_os:RHEL8</a:t>
+            </a:r>
+            <a:endParaRPr kumimoji="0" lang="en-US" sz="900" kern="100" dirty="0">
+              <a:solidFill>
+                <a:sysClr val="window" lastClr="FFFFFF"/>
+              </a:solidFill>
+              <a:latin typeface="Arial" panose="020B0604020202020204" pitchFamily="34" charset="0"/>
+              <a:ea typeface="ＭＳ 明朝" panose="02020609040205080304" pitchFamily="17" charset="-128"/>
+              <a:cs typeface="Times New Roman" panose="02020603050405020304" pitchFamily="18" charset="0"/>
+            </a:endParaRPr>
           </a:p>
           <a:p>
             <a:pPr lvl="0">
@@ -26040,8 +23670,12 @@
               <a:buNone/>
             </a:pPr>
             <a:r>
+              <a:rPr lang="en-US" altLang="ja-JP" sz="1600" dirty="0"/>
+              <a:t>#</a:t>
+            </a:r>
+            <a:r>
               <a:rPr lang="en-US" altLang="ja-JP" sz="1600" dirty="0" smtClean="0"/>
-              <a:t>$ </a:t>
+              <a:t> </a:t>
             </a:r>
             <a:r>
               <a:rPr lang="en-US" altLang="ja-JP" sz="1600" kern="100" dirty="0" smtClean="0"/>
@@ -27082,14 +24716,14 @@
           <p:nvPr>
             <p:extLst>
               <p:ext uri="{D42A27DB-BD31-4B8C-83A1-F6EECF244321}">
-                <p14:modId xmlns:p14="http://schemas.microsoft.com/office/powerpoint/2010/main" val="3744251435"/>
+                <p14:modId xmlns:p14="http://schemas.microsoft.com/office/powerpoint/2010/main" val="1568410570"/>
               </p:ext>
             </p:extLst>
           </p:nvPr>
         </p:nvGraphicFramePr>
         <p:xfrm>
           <a:off x="631300" y="1700760"/>
-          <a:ext cx="6569989" cy="4599261"/>
+          <a:ext cx="6569989" cy="3920492"/>
         </p:xfrm>
         <a:graphic>
           <a:graphicData uri="http://schemas.openxmlformats.org/drawingml/2006/table">
@@ -27101,21 +24735,21 @@
                 <a:gridCol w="1800249">
                   <a:extLst>
                     <a:ext uri="{9D8B030D-6E8A-4147-A177-3AD203B41FA5}">
-                      <a16:colId xmlns="" xmlns:a16="http://schemas.microsoft.com/office/drawing/2014/main" val="20000"/>
+                      <a16:colId xmlns:a16="http://schemas.microsoft.com/office/drawing/2014/main" val="20000"/>
                     </a:ext>
                   </a:extLst>
                 </a:gridCol>
                 <a:gridCol w="1514417">
                   <a:extLst>
                     <a:ext uri="{9D8B030D-6E8A-4147-A177-3AD203B41FA5}">
-                      <a16:colId xmlns="" xmlns:a16="http://schemas.microsoft.com/office/drawing/2014/main" val="20001"/>
+                      <a16:colId xmlns:a16="http://schemas.microsoft.com/office/drawing/2014/main" val="20001"/>
                     </a:ext>
                   </a:extLst>
                 </a:gridCol>
                 <a:gridCol w="3255323">
                   <a:extLst>
                     <a:ext uri="{9D8B030D-6E8A-4147-A177-3AD203B41FA5}">
-                      <a16:colId xmlns="" xmlns:a16="http://schemas.microsoft.com/office/drawing/2014/main" val="20002"/>
+                      <a16:colId xmlns:a16="http://schemas.microsoft.com/office/drawing/2014/main" val="20002"/>
                     </a:ext>
                   </a:extLst>
                 </a:gridCol>
@@ -27213,7 +24847,7 @@
                 </a:tc>
                 <a:extLst>
                   <a:ext uri="{0D108BD9-81ED-4DB2-BD59-A6C34878D82A}">
-                    <a16:rowId xmlns="" xmlns:a16="http://schemas.microsoft.com/office/drawing/2014/main" val="10000"/>
+                    <a16:rowId xmlns:a16="http://schemas.microsoft.com/office/drawing/2014/main" val="10000"/>
                   </a:ext>
                 </a:extLst>
               </a:tr>
@@ -27289,19 +24923,49 @@
                         </a:spcAft>
                       </a:pPr>
                       <a:r>
-                        <a:rPr lang="en-US" sz="1050" kern="100" dirty="0">
-                          <a:effectLst/>
-                        </a:rPr>
-                        <a:t>yum-utils</a:t>
-                      </a:r>
-                      <a:r>
-                        <a:rPr lang="ja-JP" sz="1050" kern="100" dirty="0">
+                        <a:rPr lang="en-US" altLang="ja-JP" sz="1050" kern="100" dirty="0" smtClean="0">
+                          <a:effectLst/>
+                        </a:rPr>
+                        <a:t>yum-</a:t>
+                      </a:r>
+                      <a:r>
+                        <a:rPr lang="en-US" altLang="ja-JP" sz="1050" kern="100" dirty="0" err="1" smtClean="0">
+                          <a:effectLst/>
+                        </a:rPr>
+                        <a:t>utils</a:t>
+                      </a:r>
+                      <a:r>
+                        <a:rPr lang="en-US" altLang="ja-JP" sz="1050" kern="100" dirty="0" smtClean="0">
+                          <a:effectLst/>
+                        </a:rPr>
+                        <a:t>(※1)</a:t>
+                      </a:r>
+                      <a:r>
+                        <a:rPr lang="ja-JP" altLang="ja-JP" sz="1050" kern="100" dirty="0" err="1" smtClean="0">
                           <a:effectLst/>
                         </a:rPr>
                         <a:t>、</a:t>
                       </a:r>
                       <a:r>
-                        <a:rPr lang="en-US" sz="1050" kern="100" dirty="0">
+                        <a:rPr lang="en-US" altLang="ja-JP" sz="1050" kern="100" dirty="0" err="1" smtClean="0">
+                          <a:effectLst/>
+                        </a:rPr>
+                        <a:t>dnf</a:t>
+                      </a:r>
+                      <a:r>
+                        <a:rPr lang="en-US" altLang="ja-JP" sz="1050" kern="100" dirty="0" smtClean="0">
+                          <a:effectLst/>
+                        </a:rPr>
+                        <a:t>(※2)</a:t>
+                      </a:r>
+                      <a:r>
+                        <a:rPr lang="ja-JP" altLang="en-US" sz="1050" kern="100" dirty="0" err="1" smtClean="0">
+                          <a:effectLst/>
+                        </a:rPr>
+                        <a:t>、</a:t>
+                      </a:r>
+                      <a:r>
+                        <a:rPr lang="en-US" sz="1050" kern="100" dirty="0" err="1" smtClean="0">
                           <a:effectLst/>
                         </a:rPr>
                         <a:t>createrepo</a:t>
@@ -27322,7 +24986,7 @@
                 </a:tc>
                 <a:extLst>
                   <a:ext uri="{0D108BD9-81ED-4DB2-BD59-A6C34878D82A}">
-                    <a16:rowId xmlns="" xmlns:a16="http://schemas.microsoft.com/office/drawing/2014/main" val="10001"/>
+                    <a16:rowId xmlns:a16="http://schemas.microsoft.com/office/drawing/2014/main" val="10001"/>
                   </a:ext>
                 </a:extLst>
               </a:tr>
@@ -27461,7 +25125,7 @@
                 </a:tc>
                 <a:extLst>
                   <a:ext uri="{0D108BD9-81ED-4DB2-BD59-A6C34878D82A}">
-                    <a16:rowId xmlns="" xmlns:a16="http://schemas.microsoft.com/office/drawing/2014/main" val="10002"/>
+                    <a16:rowId xmlns:a16="http://schemas.microsoft.com/office/drawing/2014/main" val="10002"/>
                   </a:ext>
                 </a:extLst>
               </a:tr>
@@ -27597,7 +25261,7 @@
                 </a:tc>
                 <a:extLst>
                   <a:ext uri="{0D108BD9-81ED-4DB2-BD59-A6C34878D82A}">
-                    <a16:rowId xmlns="" xmlns:a16="http://schemas.microsoft.com/office/drawing/2014/main" val="10003"/>
+                    <a16:rowId xmlns:a16="http://schemas.microsoft.com/office/drawing/2014/main" val="10003"/>
                   </a:ext>
                 </a:extLst>
               </a:tr>
@@ -27706,7 +25370,7 @@
                 </a:tc>
                 <a:extLst>
                   <a:ext uri="{0D108BD9-81ED-4DB2-BD59-A6C34878D82A}">
-                    <a16:rowId xmlns="" xmlns:a16="http://schemas.microsoft.com/office/drawing/2014/main" val="10004"/>
+                    <a16:rowId xmlns:a16="http://schemas.microsoft.com/office/drawing/2014/main" val="10004"/>
                   </a:ext>
                 </a:extLst>
               </a:tr>
@@ -27776,10 +25440,22 @@
                     <a:bodyPr/>
                     <a:lstStyle/>
                     <a:p>
-                      <a:pPr algn="just">
+                      <a:pPr marL="0" marR="0" lvl="0" indent="0" algn="just" defTabSz="914400" rtl="0" eaLnBrk="1" fontAlgn="auto" latinLnBrk="0" hangingPunct="1">
+                        <a:lnSpc>
+                          <a:spcPct val="100000"/>
+                        </a:lnSpc>
+                        <a:spcBef>
+                          <a:spcPts val="0"/>
+                        </a:spcBef>
                         <a:spcAft>
                           <a:spcPts val="0"/>
                         </a:spcAft>
+                        <a:buClrTx/>
+                        <a:buSzTx/>
+                        <a:buFontTx/>
+                        <a:buNone/>
+                        <a:tabLst/>
+                        <a:defRPr/>
                       </a:pPr>
                       <a:r>
                         <a:rPr lang="en-US" sz="1050" kern="100" dirty="0">
@@ -27923,18 +25599,78 @@
                         <a:t>php-snmp</a:t>
                       </a:r>
                       <a:r>
-                        <a:rPr lang="ja-JP" sz="1050" kern="100" dirty="0">
+                        <a:rPr lang="ja-JP" sz="1050" kern="100" dirty="0" err="1">
                           <a:effectLst/>
                         </a:rPr>
                         <a:t>、</a:t>
                       </a:r>
                       <a:r>
-                        <a:rPr lang="en-US" sz="1050" kern="100" dirty="0">
-                          <a:effectLst/>
-                        </a:rPr>
-                        <a:t>php-xml</a:t>
-                      </a:r>
-                      <a:endParaRPr lang="ja-JP" sz="1050" kern="100" dirty="0">
+                        <a:rPr lang="en-US" sz="1050" kern="100" dirty="0" err="1" smtClean="0">
+                          <a:effectLst/>
+                        </a:rPr>
+                        <a:t>php</a:t>
+                      </a:r>
+                      <a:r>
+                        <a:rPr lang="en-US" sz="1050" kern="100" dirty="0" smtClean="0">
+                          <a:effectLst/>
+                        </a:rPr>
+                        <a:t>-xml</a:t>
+                      </a:r>
+                      <a:r>
+                        <a:rPr lang="ja-JP" altLang="en-US" sz="1050" kern="100" dirty="0" err="1" smtClean="0">
+                          <a:effectLst/>
+                        </a:rPr>
+                        <a:t>、</a:t>
+                      </a:r>
+                      <a:r>
+                        <a:rPr lang="en-US" altLang="ja-JP" sz="1050" kern="100" dirty="0" err="1" smtClean="0">
+                          <a:effectLst/>
+                        </a:rPr>
+                        <a:t>php-json</a:t>
+                      </a:r>
+                      <a:r>
+                        <a:rPr lang="ja-JP" altLang="en-US" sz="1050" kern="100" dirty="0" err="1" smtClean="0">
+                          <a:effectLst/>
+                        </a:rPr>
+                        <a:t>、</a:t>
+                      </a:r>
+                      <a:r>
+                        <a:rPr lang="en-US" altLang="ja-JP" sz="1050" kern="100" dirty="0" smtClean="0">
+                          <a:effectLst/>
+                        </a:rPr>
+                        <a:t> </a:t>
+                      </a:r>
+                      <a:r>
+                        <a:rPr lang="en-US" altLang="ja-JP" sz="1050" kern="100" dirty="0" err="1" smtClean="0">
+                          <a:effectLst/>
+                        </a:rPr>
+                        <a:t>php</a:t>
+                      </a:r>
+                      <a:r>
+                        <a:rPr lang="en-US" altLang="ja-JP" sz="1050" kern="100" dirty="0" smtClean="0">
+                          <a:effectLst/>
+                        </a:rPr>
+                        <a:t>-zip</a:t>
+                      </a:r>
+                      <a:r>
+                        <a:rPr lang="ja-JP" altLang="en-US" sz="1050" kern="100" dirty="0" err="1" smtClean="0">
+                          <a:effectLst/>
+                        </a:rPr>
+                        <a:t>、</a:t>
+                      </a:r>
+                      <a:r>
+                        <a:rPr lang="en-US" altLang="ja-JP" sz="1050" kern="100" dirty="0" smtClean="0">
+                          <a:effectLst/>
+                        </a:rPr>
+                        <a:t> </a:t>
+                      </a:r>
+                      <a:r>
+                        <a:rPr lang="en-US" altLang="ja-JP" sz="1050" kern="100" dirty="0" err="1" smtClean="0">
+                          <a:effectLst/>
+                        </a:rPr>
+                        <a:t>php-gd</a:t>
+                      </a:r>
+                      <a:endParaRPr lang="ja-JP" altLang="ja-JP" sz="1050" kern="100" dirty="0" smtClean="0">
                         <a:effectLst/>
                         <a:latin typeface="Century" panose="02040604050505020304" pitchFamily="18" charset="0"/>
                         <a:ea typeface="ＭＳ 明朝" panose="02020609040205080304" pitchFamily="17" charset="-128"/>
@@ -27950,7 +25686,7 @@
                 </a:tc>
                 <a:extLst>
                   <a:ext uri="{0D108BD9-81ED-4DB2-BD59-A6C34878D82A}">
-                    <a16:rowId xmlns="" xmlns:a16="http://schemas.microsoft.com/office/drawing/2014/main" val="10005"/>
+                    <a16:rowId xmlns:a16="http://schemas.microsoft.com/office/drawing/2014/main" val="10005"/>
                   </a:ext>
                 </a:extLst>
               </a:tr>
@@ -28026,13 +25762,24 @@
                     <a:bodyPr/>
                     <a:lstStyle/>
                     <a:p>
-                      <a:pPr algn="just" latinLnBrk="1">
+                      <a:pPr marL="0" marR="0" lvl="0" indent="0" algn="just" defTabSz="914400" rtl="0" eaLnBrk="1" fontAlgn="auto" latinLnBrk="1" hangingPunct="1">
+                        <a:lnSpc>
+                          <a:spcPct val="100000"/>
+                        </a:lnSpc>
+                        <a:spcBef>
+                          <a:spcPts val="0"/>
+                        </a:spcBef>
                         <a:spcAft>
                           <a:spcPts val="0"/>
                         </a:spcAft>
+                        <a:buClrTx/>
+                        <a:buSzTx/>
+                        <a:buFontTx/>
+                        <a:buNone/>
                         <a:tabLst>
                           <a:tab pos="1219835" algn="ctr"/>
                         </a:tabLst>
+                        <a:defRPr/>
                       </a:pPr>
                       <a:r>
                         <a:rPr lang="en-US" sz="1050" kern="100" dirty="0">
@@ -28050,9 +25797,27 @@
                         <a:rPr lang="en-US" sz="1050" kern="100" dirty="0">
                           <a:effectLst/>
                         </a:rPr>
-                        <a:t>Auth, HTML_AJAX-beta</a:t>
-                      </a:r>
-                      <a:endParaRPr lang="ja-JP" sz="1050" kern="100" dirty="0">
+                        <a:t>Auth, </a:t>
+                      </a:r>
+                      <a:r>
+                        <a:rPr lang="en-US" sz="1050" kern="100" dirty="0" smtClean="0">
+                          <a:effectLst/>
+                        </a:rPr>
+                        <a:t>HTML_AJAX-beta</a:t>
+                      </a:r>
+                      <a:r>
+                        <a:rPr lang="ja-JP" altLang="en-US" sz="1050" kern="100" dirty="0" err="1" smtClean="0">
+                          <a:effectLst/>
+                        </a:rPr>
+                        <a:t>、</a:t>
+                      </a:r>
+                      <a:r>
+                        <a:rPr lang="en-US" altLang="ja-JP" sz="1050" kern="100" dirty="0" err="1" smtClean="0">
+                          <a:effectLst/>
+                        </a:rPr>
+                        <a:t>PhpSpreadsheet</a:t>
+                      </a:r>
+                      <a:endParaRPr lang="ja-JP" altLang="ja-JP" sz="1050" kern="100" dirty="0" smtClean="0">
                         <a:effectLst/>
                         <a:latin typeface="Century" panose="02040604050505020304" pitchFamily="18" charset="0"/>
                         <a:ea typeface="ＭＳ 明朝" panose="02020609040205080304" pitchFamily="17" charset="-128"/>
@@ -28068,7 +25833,7 @@
                 </a:tc>
                 <a:extLst>
                   <a:ext uri="{0D108BD9-81ED-4DB2-BD59-A6C34878D82A}">
-                    <a16:rowId xmlns="" xmlns:a16="http://schemas.microsoft.com/office/drawing/2014/main" val="10006"/>
+                    <a16:rowId xmlns:a16="http://schemas.microsoft.com/office/drawing/2014/main" val="10006"/>
                   </a:ext>
                 </a:extLst>
               </a:tr>
@@ -28165,7 +25930,7 @@
                 </a:tc>
                 <a:extLst>
                   <a:ext uri="{0D108BD9-81ED-4DB2-BD59-A6C34878D82A}">
-                    <a16:rowId xmlns="" xmlns:a16="http://schemas.microsoft.com/office/drawing/2014/main" val="10007"/>
+                    <a16:rowId xmlns:a16="http://schemas.microsoft.com/office/drawing/2014/main" val="10007"/>
                   </a:ext>
                 </a:extLst>
               </a:tr>
@@ -28247,16 +26012,28 @@
                         <a:t>ansible</a:t>
                       </a:r>
                       <a:r>
-                        <a:rPr lang="ja-JP" sz="1050" kern="100" dirty="0">
+                        <a:rPr lang="ja-JP" sz="1050" kern="100" dirty="0" err="1">
                           <a:effectLst/>
                         </a:rPr>
                         <a:t>、</a:t>
                       </a:r>
                       <a:r>
-                        <a:rPr lang="en-US" sz="1050" kern="100" dirty="0">
-                          <a:effectLst/>
-                        </a:rPr>
-                        <a:t>python-pip</a:t>
+                        <a:rPr lang="en-US" sz="1050" kern="100" dirty="0" smtClean="0">
+                          <a:effectLst/>
+                        </a:rPr>
+                        <a:t>python3-pip</a:t>
+                      </a:r>
+                      <a:r>
+                        <a:rPr lang="ja-JP" altLang="en-US" sz="1050" kern="100" dirty="0" err="1" smtClean="0">
+                          <a:effectLst/>
+                        </a:rPr>
+                        <a:t>、</a:t>
+                      </a:r>
+                      <a:r>
+                        <a:rPr lang="en-US" altLang="ja-JP" sz="1050" kern="100" dirty="0" err="1" smtClean="0">
+                          <a:effectLst/>
+                        </a:rPr>
+                        <a:t>sshpass</a:t>
                       </a:r>
                       <a:endParaRPr lang="ja-JP" sz="1050" kern="100" dirty="0">
                         <a:effectLst/>
@@ -28274,185 +26051,7 @@
                 </a:tc>
                 <a:extLst>
                   <a:ext uri="{0D108BD9-81ED-4DB2-BD59-A6C34878D82A}">
-                    <a16:rowId xmlns="" xmlns:a16="http://schemas.microsoft.com/office/drawing/2014/main" val="10008"/>
-                  </a:ext>
-                </a:extLst>
-              </a:tr>
-              <a:tr h="678769">
-                <a:tc>
-                  <a:txBody>
-                    <a:bodyPr/>
-                    <a:lstStyle/>
-                    <a:p>
-                      <a:pPr algn="just">
-                        <a:spcAft>
-                          <a:spcPts val="0"/>
-                        </a:spcAft>
-                      </a:pPr>
-                      <a:r>
-                        <a:rPr lang="en-US" sz="1000" kern="100" dirty="0">
-                          <a:effectLst/>
-                        </a:rPr>
-                        <a:t>cobbler_driver</a:t>
-                      </a:r>
-                      <a:endParaRPr lang="ja-JP" sz="1000" kern="100" dirty="0">
-                        <a:effectLst/>
-                        <a:latin typeface="Century" panose="02040604050505020304" pitchFamily="18" charset="0"/>
-                        <a:ea typeface="ＭＳ 明朝" panose="02020609040205080304" pitchFamily="17" charset="-128"/>
-                        <a:cs typeface="Times New Roman" panose="02020603050405020304" pitchFamily="18" charset="0"/>
-                      </a:endParaRPr>
-                    </a:p>
-                  </a:txBody>
-                  <a:tcPr marL="68580" marR="68580" marT="0" marB="0" anchor="ctr">
-                    <a:solidFill>
-                      <a:srgbClr val="002B62"/>
-                    </a:solidFill>
-                  </a:tcPr>
-                </a:tc>
-                <a:tc>
-                  <a:txBody>
-                    <a:bodyPr/>
-                    <a:lstStyle/>
-                    <a:p>
-                      <a:pPr algn="just">
-                        <a:spcAft>
-                          <a:spcPts val="0"/>
-                        </a:spcAft>
-                      </a:pPr>
-                      <a:r>
-                        <a:rPr lang="en-US" sz="1050" kern="100" dirty="0">
-                          <a:effectLst/>
-                        </a:rPr>
-                        <a:t>cobbler</a:t>
-                      </a:r>
-                      <a:endParaRPr lang="ja-JP" sz="1050" kern="100" dirty="0">
-                        <a:effectLst/>
-                        <a:latin typeface="Century" panose="02040604050505020304" pitchFamily="18" charset="0"/>
-                        <a:ea typeface="ＭＳ 明朝" panose="02020609040205080304" pitchFamily="17" charset="-128"/>
-                        <a:cs typeface="Times New Roman" panose="02020603050405020304" pitchFamily="18" charset="0"/>
-                      </a:endParaRPr>
-                    </a:p>
-                  </a:txBody>
-                  <a:tcPr marL="68580" marR="68580" marT="0" marB="0" anchor="ctr">
-                    <a:solidFill>
-                      <a:srgbClr val="CBCDD3"/>
-                    </a:solidFill>
-                  </a:tcPr>
-                </a:tc>
-                <a:tc>
-                  <a:txBody>
-                    <a:bodyPr/>
-                    <a:lstStyle/>
-                    <a:p>
-                      <a:pPr algn="just">
-                        <a:spcAft>
-                          <a:spcPts val="0"/>
-                        </a:spcAft>
-                      </a:pPr>
-                      <a:r>
-                        <a:rPr lang="en-US" sz="1050" kern="100" dirty="0" smtClean="0">
-                          <a:effectLst/>
-                        </a:rPr>
-                        <a:t>cobbler</a:t>
-                      </a:r>
-                      <a:r>
-                        <a:rPr lang="ja-JP" sz="1050" kern="100" dirty="0" smtClean="0">
-                          <a:effectLst/>
-                        </a:rPr>
-                        <a:t>、</a:t>
-                      </a:r>
-                      <a:r>
-                        <a:rPr lang="en-US" sz="1050" kern="100" dirty="0" smtClean="0">
-                          <a:effectLst/>
-                        </a:rPr>
-                        <a:t>dhcp</a:t>
-                      </a:r>
-                      <a:r>
-                        <a:rPr lang="ja-JP" sz="1050" kern="100" dirty="0">
-                          <a:effectLst/>
-                        </a:rPr>
-                        <a:t>、</a:t>
-                      </a:r>
-                      <a:r>
-                        <a:rPr lang="en-US" sz="1050" kern="100" dirty="0">
-                          <a:effectLst/>
-                        </a:rPr>
-                        <a:t>pykickstart</a:t>
-                      </a:r>
-                      <a:r>
-                        <a:rPr lang="ja-JP" sz="1050" kern="100" dirty="0">
-                          <a:effectLst/>
-                        </a:rPr>
-                        <a:t>、</a:t>
-                      </a:r>
-                      <a:r>
-                        <a:rPr lang="en-US" sz="1050" kern="100" dirty="0" smtClean="0">
-                          <a:effectLst/>
-                        </a:rPr>
-                        <a:t>fence-agents</a:t>
-                      </a:r>
-                      <a:r>
-                        <a:rPr lang="ja-JP" sz="1050" kern="100" dirty="0" smtClean="0">
-                          <a:effectLst/>
-                        </a:rPr>
-                        <a:t>、</a:t>
-                      </a:r>
-                      <a:r>
-                        <a:rPr lang="en-US" sz="1050" kern="100" dirty="0" smtClean="0">
-                          <a:effectLst/>
-                        </a:rPr>
-                        <a:t>debmirror</a:t>
-                      </a:r>
-                      <a:r>
-                        <a:rPr lang="ja-JP" sz="1050" kern="100" dirty="0">
-                          <a:effectLst/>
-                        </a:rPr>
-                        <a:t>、</a:t>
-                      </a:r>
-                      <a:r>
-                        <a:rPr lang="en-US" sz="1050" kern="100" dirty="0" smtClean="0">
-                          <a:effectLst/>
-                        </a:rPr>
-                        <a:t>xinetd</a:t>
-                      </a:r>
-                      <a:r>
-                        <a:rPr lang="ja-JP" altLang="en-US" sz="1050" kern="100" dirty="0" smtClean="0">
-                          <a:effectLst/>
-                        </a:rPr>
-                        <a:t>、</a:t>
-                      </a:r>
-                      <a:r>
-                        <a:rPr lang="en-US" altLang="ja-JP" sz="1050" kern="100" dirty="0" smtClean="0">
-                          <a:effectLst/>
-                        </a:rPr>
-                        <a:t>cobbler-web(※1)</a:t>
-                      </a:r>
-                      <a:r>
-                        <a:rPr lang="ja-JP" altLang="ja-JP" sz="1050" kern="100" dirty="0" smtClean="0">
-                          <a:effectLst/>
-                        </a:rPr>
-                        <a:t>、</a:t>
-                      </a:r>
-                      <a:r>
-                        <a:rPr lang="en-US" altLang="ja-JP" sz="1050" kern="100" dirty="0" smtClean="0">
-                          <a:effectLst/>
-                        </a:rPr>
-                        <a:t>python-cheetah(※2)</a:t>
-                      </a:r>
-                      <a:endParaRPr lang="en-US" sz="1050" kern="100" dirty="0" smtClean="0">
-                        <a:effectLst/>
-                      </a:endParaRPr>
-                    </a:p>
-                  </a:txBody>
-                  <a:tcPr marL="68580" marR="68580" marT="0" marB="0" anchor="ctr">
-                    <a:solidFill>
-                      <a:srgbClr val="CBCDD3"/>
-                    </a:solidFill>
-                  </a:tcPr>
-                </a:tc>
-                <a:extLst>
-                  <a:ext uri="{0D108BD9-81ED-4DB2-BD59-A6C34878D82A}">
-                    <a16:rowId xmlns="" xmlns:a16="http://schemas.microsoft.com/office/drawing/2014/main" val="10009"/>
+                    <a16:rowId xmlns:a16="http://schemas.microsoft.com/office/drawing/2014/main" val="10008"/>
                   </a:ext>
                 </a:extLst>
               </a:tr>
@@ -28468,7 +26067,7 @@
         </p:nvSpPr>
         <p:spPr>
           <a:xfrm>
-            <a:off x="7201289" y="5776440"/>
+            <a:off x="7201289" y="5221142"/>
             <a:ext cx="1835331" cy="400110"/>
           </a:xfrm>
           <a:prstGeom prst="rect">
@@ -28500,9 +26099,8 @@
             </a:pPr>
             <a:r>
               <a:rPr lang="en-US" altLang="ja-JP" sz="1000" kern="100" dirty="0" smtClean="0"/>
-              <a:t>※2 RHEL7</a:t>
-            </a:r>
-            <a:endParaRPr lang="en-US" altLang="ja-JP" sz="1000" kern="100" dirty="0"/>
+              <a:t>※2 RHEL8,CentOS8</a:t>
+            </a:r>
           </a:p>
         </p:txBody>
       </p:sp>
@@ -28807,12 +26405,16 @@
           <a:p>
             <a:pPr lvl="1"/>
             <a:r>
-              <a:rPr lang="en-US" altLang="ja-JP" dirty="0"/>
-              <a:t>Windows7</a:t>
+              <a:rPr lang="en-US" altLang="ja-JP" dirty="0" smtClean="0"/>
+              <a:t>Windows10</a:t>
+            </a:r>
+            <a:r>
+              <a:rPr lang="ja-JP" altLang="ja-JP" dirty="0" smtClean="0"/>
+              <a:t>の</a:t>
             </a:r>
             <a:r>
               <a:rPr lang="ja-JP" altLang="ja-JP" dirty="0"/>
-              <a:t>の場合、以下の</a:t>
+              <a:t>場合、以下の</a:t>
             </a:r>
             <a:r>
               <a:rPr lang="en-US" altLang="ja-JP" dirty="0"/>
@@ -28878,7 +26480,7 @@
                 <a:gridCol w="5485765">
                   <a:extLst>
                     <a:ext uri="{9D8B030D-6E8A-4147-A177-3AD203B41FA5}">
-                      <a16:colId xmlns="" xmlns:a16="http://schemas.microsoft.com/office/drawing/2014/main" val="20000"/>
+                      <a16:colId xmlns:a16="http://schemas.microsoft.com/office/drawing/2014/main" val="20000"/>
                     </a:ext>
                   </a:extLst>
                 </a:gridCol>
@@ -28916,7 +26518,7 @@
                 </a:tc>
                 <a:extLst>
                   <a:ext uri="{0D108BD9-81ED-4DB2-BD59-A6C34878D82A}">
-                    <a16:rowId xmlns="" xmlns:a16="http://schemas.microsoft.com/office/drawing/2014/main" val="10000"/>
+                    <a16:rowId xmlns:a16="http://schemas.microsoft.com/office/drawing/2014/main" val="10000"/>
                   </a:ext>
                 </a:extLst>
               </a:tr>
@@ -28952,7 +26554,7 @@
                 <a:gridCol w="5485765">
                   <a:extLst>
                     <a:ext uri="{9D8B030D-6E8A-4147-A177-3AD203B41FA5}">
-                      <a16:colId xmlns="" xmlns:a16="http://schemas.microsoft.com/office/drawing/2014/main" val="20000"/>
+                      <a16:colId xmlns:a16="http://schemas.microsoft.com/office/drawing/2014/main" val="20000"/>
                     </a:ext>
                   </a:extLst>
                 </a:gridCol>
@@ -29113,7 +26715,7 @@
                 </a:tc>
                 <a:extLst>
                   <a:ext uri="{0D108BD9-81ED-4DB2-BD59-A6C34878D82A}">
-                    <a16:rowId xmlns="" xmlns:a16="http://schemas.microsoft.com/office/drawing/2014/main" val="10000"/>
+                    <a16:rowId xmlns:a16="http://schemas.microsoft.com/office/drawing/2014/main" val="10000"/>
                   </a:ext>
                 </a:extLst>
               </a:tr>
@@ -29735,7 +27337,7 @@
           <p:nvPr>
             <p:extLst>
               <p:ext uri="{D42A27DB-BD31-4B8C-83A1-F6EECF244321}">
-                <p14:modId xmlns:p14="http://schemas.microsoft.com/office/powerpoint/2010/main" val="3962231649"/>
+                <p14:modId xmlns:p14="http://schemas.microsoft.com/office/powerpoint/2010/main" val="1031408000"/>
               </p:ext>
             </p:extLst>
           </p:nvPr>
@@ -29754,21 +27356,21 @@
                 <a:gridCol w="1581792">
                   <a:extLst>
                     <a:ext uri="{9D8B030D-6E8A-4147-A177-3AD203B41FA5}">
-                      <a16:colId xmlns="" xmlns:a16="http://schemas.microsoft.com/office/drawing/2014/main" val="20000"/>
+                      <a16:colId xmlns:a16="http://schemas.microsoft.com/office/drawing/2014/main" val="20000"/>
                     </a:ext>
                   </a:extLst>
                 </a:gridCol>
                 <a:gridCol w="3269829">
                   <a:extLst>
                     <a:ext uri="{9D8B030D-6E8A-4147-A177-3AD203B41FA5}">
-                      <a16:colId xmlns="" xmlns:a16="http://schemas.microsoft.com/office/drawing/2014/main" val="20001"/>
+                      <a16:colId xmlns:a16="http://schemas.microsoft.com/office/drawing/2014/main" val="20001"/>
                     </a:ext>
                   </a:extLst>
                 </a:gridCol>
                 <a:gridCol w="1877461">
                   <a:extLst>
                     <a:ext uri="{9D8B030D-6E8A-4147-A177-3AD203B41FA5}">
-                      <a16:colId xmlns="" xmlns:a16="http://schemas.microsoft.com/office/drawing/2014/main" val="20002"/>
+                      <a16:colId xmlns:a16="http://schemas.microsoft.com/office/drawing/2014/main" val="20002"/>
                     </a:ext>
                   </a:extLst>
                 </a:gridCol>
@@ -29884,7 +27486,7 @@
                 </a:tc>
                 <a:extLst>
                   <a:ext uri="{0D108BD9-81ED-4DB2-BD59-A6C34878D82A}">
-                    <a16:rowId xmlns="" xmlns:a16="http://schemas.microsoft.com/office/drawing/2014/main" val="10000"/>
+                    <a16:rowId xmlns:a16="http://schemas.microsoft.com/office/drawing/2014/main" val="10000"/>
                   </a:ext>
                 </a:extLst>
               </a:tr>
@@ -29903,10 +27505,28 @@
                         <a:rPr lang="en-US" sz="900" kern="100" dirty="0">
                           <a:effectLst/>
                         </a:rPr>
-                        <a:t>RHEL 6, CentOS 6</a:t>
-                      </a:r>
-                      <a:r>
-                        <a:rPr lang="ja-JP" sz="900" kern="100" dirty="0">
+                        <a:t>RHEL </a:t>
+                      </a:r>
+                      <a:r>
+                        <a:rPr lang="en-US" sz="900" kern="100" dirty="0" smtClean="0">
+                          <a:effectLst/>
+                        </a:rPr>
+                        <a:t>7, </a:t>
+                      </a:r>
+                      <a:r>
+                        <a:rPr lang="en-US" sz="900" kern="100" dirty="0">
+                          <a:effectLst/>
+                        </a:rPr>
+                        <a:t>CentOS </a:t>
+                      </a:r>
+                      <a:r>
+                        <a:rPr lang="en-US" sz="900" kern="100" dirty="0" smtClean="0">
+                          <a:effectLst/>
+                        </a:rPr>
+                        <a:t>7</a:t>
+                      </a:r>
+                      <a:r>
+                        <a:rPr lang="ja-JP" sz="900" kern="100" dirty="0" smtClean="0">
                           <a:effectLst/>
                         </a:rPr>
                         <a:t>系</a:t>
@@ -29951,7 +27571,19 @@
                         <a:rPr lang="en-US" sz="1000" kern="100" dirty="0" smtClean="0">
                           <a:effectLst/>
                         </a:rPr>
-                        <a:t>)/ita_install_package/ext_files_for_CentOS6.x/</a:t>
+                        <a:t>)/</a:t>
+                      </a:r>
+                      <a:r>
+                        <a:rPr lang="en-US" sz="1000" kern="100" dirty="0" err="1" smtClean="0">
+                          <a:effectLst/>
+                        </a:rPr>
+                        <a:t>ita_install_package</a:t>
+                      </a:r>
+                      <a:r>
+                        <a:rPr lang="en-US" sz="1000" kern="100" dirty="0" smtClean="0">
+                          <a:effectLst/>
+                        </a:rPr>
+                        <a:t>/ext_files_for_CentOS7.x/</a:t>
                       </a:r>
                       <a:r>
                         <a:rPr lang="en-US" sz="1000" kern="100" dirty="0" err="1" smtClean="0">
@@ -30011,7 +27643,7 @@
                 </a:tc>
                 <a:extLst>
                   <a:ext uri="{0D108BD9-81ED-4DB2-BD59-A6C34878D82A}">
-                    <a16:rowId xmlns="" xmlns:a16="http://schemas.microsoft.com/office/drawing/2014/main" val="10001"/>
+                    <a16:rowId xmlns:a16="http://schemas.microsoft.com/office/drawing/2014/main" val="10001"/>
                   </a:ext>
                 </a:extLst>
               </a:tr>
@@ -30030,10 +27662,28 @@
                         <a:rPr lang="en-US" sz="900" kern="100" dirty="0">
                           <a:effectLst/>
                         </a:rPr>
-                        <a:t>RHEL 7, CentOS 7</a:t>
-                      </a:r>
-                      <a:r>
-                        <a:rPr lang="ja-JP" sz="900" kern="100" dirty="0">
+                        <a:t>RHEL </a:t>
+                      </a:r>
+                      <a:r>
+                        <a:rPr lang="en-US" sz="900" kern="100" dirty="0" smtClean="0">
+                          <a:effectLst/>
+                        </a:rPr>
+                        <a:t>8, </a:t>
+                      </a:r>
+                      <a:r>
+                        <a:rPr lang="en-US" sz="900" kern="100" dirty="0">
+                          <a:effectLst/>
+                        </a:rPr>
+                        <a:t>CentOS </a:t>
+                      </a:r>
+                      <a:r>
+                        <a:rPr lang="en-US" sz="900" kern="100" dirty="0" smtClean="0">
+                          <a:effectLst/>
+                        </a:rPr>
+                        <a:t>8</a:t>
+                      </a:r>
+                      <a:r>
+                        <a:rPr lang="ja-JP" sz="900" kern="100" dirty="0" smtClean="0">
                           <a:effectLst/>
                         </a:rPr>
                         <a:t>系</a:t>
@@ -30078,7 +27728,19 @@
                         <a:rPr lang="en-US" sz="1000" kern="100" dirty="0" smtClean="0">
                           <a:effectLst/>
                         </a:rPr>
-                        <a:t>)/ita_install_package/ext_files_for_CentOS7.x/</a:t>
+                        <a:t>)/</a:t>
+                      </a:r>
+                      <a:r>
+                        <a:rPr lang="en-US" sz="1000" kern="100" dirty="0" err="1" smtClean="0">
+                          <a:effectLst/>
+                        </a:rPr>
+                        <a:t>ita_install_package</a:t>
+                      </a:r>
+                      <a:r>
+                        <a:rPr lang="en-US" sz="1000" kern="100" dirty="0" smtClean="0">
+                          <a:effectLst/>
+                        </a:rPr>
+                        <a:t>/ext_files_for_CentOS8.x/</a:t>
                       </a:r>
                       <a:r>
                         <a:rPr lang="en-US" sz="1000" kern="100" dirty="0" err="1" smtClean="0">
@@ -30138,7 +27800,7 @@
                 </a:tc>
                 <a:extLst>
                   <a:ext uri="{0D108BD9-81ED-4DB2-BD59-A6C34878D82A}">
-                    <a16:rowId xmlns="" xmlns:a16="http://schemas.microsoft.com/office/drawing/2014/main" val="10002"/>
+                    <a16:rowId xmlns:a16="http://schemas.microsoft.com/office/drawing/2014/main" val="10002"/>
                   </a:ext>
                 </a:extLst>
               </a:tr>
@@ -31079,14 +28741,14 @@
                 <a:gridCol w="3312460">
                   <a:extLst>
                     <a:ext uri="{9D8B030D-6E8A-4147-A177-3AD203B41FA5}">
-                      <a16:colId xmlns="" xmlns:a16="http://schemas.microsoft.com/office/drawing/2014/main" val="20000"/>
+                      <a16:colId xmlns:a16="http://schemas.microsoft.com/office/drawing/2014/main" val="20000"/>
                     </a:ext>
                   </a:extLst>
                 </a:gridCol>
                 <a:gridCol w="3312460">
                   <a:extLst>
                     <a:ext uri="{9D8B030D-6E8A-4147-A177-3AD203B41FA5}">
-                      <a16:colId xmlns="" xmlns:a16="http://schemas.microsoft.com/office/drawing/2014/main" val="20001"/>
+                      <a16:colId xmlns:a16="http://schemas.microsoft.com/office/drawing/2014/main" val="20001"/>
                     </a:ext>
                   </a:extLst>
                 </a:gridCol>
@@ -31154,7 +28816,7 @@
                 </a:tc>
                 <a:extLst>
                   <a:ext uri="{0D108BD9-81ED-4DB2-BD59-A6C34878D82A}">
-                    <a16:rowId xmlns="" xmlns:a16="http://schemas.microsoft.com/office/drawing/2014/main" val="10000"/>
+                    <a16:rowId xmlns:a16="http://schemas.microsoft.com/office/drawing/2014/main" val="10000"/>
                   </a:ext>
                 </a:extLst>
               </a:tr>
@@ -31227,7 +28889,7 @@
                 </a:tc>
                 <a:extLst>
                   <a:ext uri="{0D108BD9-81ED-4DB2-BD59-A6C34878D82A}">
-                    <a16:rowId xmlns="" xmlns:a16="http://schemas.microsoft.com/office/drawing/2014/main" val="10001"/>
+                    <a16:rowId xmlns:a16="http://schemas.microsoft.com/office/drawing/2014/main" val="10001"/>
                   </a:ext>
                 </a:extLst>
               </a:tr>
@@ -31274,7 +28936,7 @@
                 </a:tc>
                 <a:extLst>
                   <a:ext uri="{0D108BD9-81ED-4DB2-BD59-A6C34878D82A}">
-                    <a16:rowId xmlns="" xmlns:a16="http://schemas.microsoft.com/office/drawing/2014/main" val="10002"/>
+                    <a16:rowId xmlns:a16="http://schemas.microsoft.com/office/drawing/2014/main" val="10002"/>
                   </a:ext>
                 </a:extLst>
               </a:tr>
@@ -31341,7 +29003,7 @@
                 </a:tc>
                 <a:extLst>
                   <a:ext uri="{0D108BD9-81ED-4DB2-BD59-A6C34878D82A}">
-                    <a16:rowId xmlns="" xmlns:a16="http://schemas.microsoft.com/office/drawing/2014/main" val="10003"/>
+                    <a16:rowId xmlns:a16="http://schemas.microsoft.com/office/drawing/2014/main" val="10003"/>
                   </a:ext>
                 </a:extLst>
               </a:tr>
@@ -31388,7 +29050,7 @@
                 </a:tc>
                 <a:extLst>
                   <a:ext uri="{0D108BD9-81ED-4DB2-BD59-A6C34878D82A}">
-                    <a16:rowId xmlns="" xmlns:a16="http://schemas.microsoft.com/office/drawing/2014/main" val="10004"/>
+                    <a16:rowId xmlns:a16="http://schemas.microsoft.com/office/drawing/2014/main" val="10004"/>
                   </a:ext>
                 </a:extLst>
               </a:tr>
@@ -31467,7 +29129,7 @@
                 </a:tc>
                 <a:extLst>
                   <a:ext uri="{0D108BD9-81ED-4DB2-BD59-A6C34878D82A}">
-                    <a16:rowId xmlns="" xmlns:a16="http://schemas.microsoft.com/office/drawing/2014/main" val="10005"/>
+                    <a16:rowId xmlns:a16="http://schemas.microsoft.com/office/drawing/2014/main" val="10005"/>
                   </a:ext>
                 </a:extLst>
               </a:tr>
@@ -31514,7 +29176,7 @@
                 </a:tc>
                 <a:extLst>
                   <a:ext uri="{0D108BD9-81ED-4DB2-BD59-A6C34878D82A}">
-                    <a16:rowId xmlns="" xmlns:a16="http://schemas.microsoft.com/office/drawing/2014/main" val="10006"/>
+                    <a16:rowId xmlns:a16="http://schemas.microsoft.com/office/drawing/2014/main" val="10006"/>
                   </a:ext>
                 </a:extLst>
               </a:tr>
@@ -31561,7 +29223,7 @@
                 </a:tc>
                 <a:extLst>
                   <a:ext uri="{0D108BD9-81ED-4DB2-BD59-A6C34878D82A}">
-                    <a16:rowId xmlns="" xmlns:a16="http://schemas.microsoft.com/office/drawing/2014/main" val="10007"/>
+                    <a16:rowId xmlns:a16="http://schemas.microsoft.com/office/drawing/2014/main" val="10007"/>
                   </a:ext>
                 </a:extLst>
               </a:tr>
@@ -31608,7 +29270,7 @@
                 </a:tc>
                 <a:extLst>
                   <a:ext uri="{0D108BD9-81ED-4DB2-BD59-A6C34878D82A}">
-                    <a16:rowId xmlns="" xmlns:a16="http://schemas.microsoft.com/office/drawing/2014/main" val="10008"/>
+                    <a16:rowId xmlns:a16="http://schemas.microsoft.com/office/drawing/2014/main" val="10008"/>
                   </a:ext>
                 </a:extLst>
               </a:tr>
@@ -32099,7 +29761,7 @@
           <p:nvPr>
             <p:extLst>
               <p:ext uri="{D42A27DB-BD31-4B8C-83A1-F6EECF244321}">
-                <p14:modId xmlns:p14="http://schemas.microsoft.com/office/powerpoint/2010/main" val="327310381"/>
+                <p14:modId xmlns:p14="http://schemas.microsoft.com/office/powerpoint/2010/main" val="1607857358"/>
               </p:ext>
             </p:extLst>
           </p:nvPr>
@@ -32118,42 +29780,42 @@
                 <a:gridCol w="1512210">
                   <a:extLst>
                     <a:ext uri="{9D8B030D-6E8A-4147-A177-3AD203B41FA5}">
-                      <a16:colId xmlns="" xmlns:a16="http://schemas.microsoft.com/office/drawing/2014/main" val="20000"/>
+                      <a16:colId xmlns:a16="http://schemas.microsoft.com/office/drawing/2014/main" val="20000"/>
                     </a:ext>
                   </a:extLst>
                 </a:gridCol>
                 <a:gridCol w="936130">
                   <a:extLst>
                     <a:ext uri="{9D8B030D-6E8A-4147-A177-3AD203B41FA5}">
-                      <a16:colId xmlns="" xmlns:a16="http://schemas.microsoft.com/office/drawing/2014/main" val="20001"/>
+                      <a16:colId xmlns:a16="http://schemas.microsoft.com/office/drawing/2014/main" val="20001"/>
                     </a:ext>
                   </a:extLst>
                 </a:gridCol>
                 <a:gridCol w="1296180">
                   <a:extLst>
                     <a:ext uri="{9D8B030D-6E8A-4147-A177-3AD203B41FA5}">
-                      <a16:colId xmlns="" xmlns:a16="http://schemas.microsoft.com/office/drawing/2014/main" val="20002"/>
+                      <a16:colId xmlns:a16="http://schemas.microsoft.com/office/drawing/2014/main" val="20002"/>
                     </a:ext>
                   </a:extLst>
                 </a:gridCol>
                 <a:gridCol w="3456480">
                   <a:extLst>
                     <a:ext uri="{9D8B030D-6E8A-4147-A177-3AD203B41FA5}">
-                      <a16:colId xmlns="" xmlns:a16="http://schemas.microsoft.com/office/drawing/2014/main" val="20003"/>
+                      <a16:colId xmlns:a16="http://schemas.microsoft.com/office/drawing/2014/main" val="20003"/>
                     </a:ext>
                   </a:extLst>
                 </a:gridCol>
                 <a:gridCol w="1008140">
                   <a:extLst>
                     <a:ext uri="{9D8B030D-6E8A-4147-A177-3AD203B41FA5}">
-                      <a16:colId xmlns="" xmlns:a16="http://schemas.microsoft.com/office/drawing/2014/main" val="20004"/>
+                      <a16:colId xmlns:a16="http://schemas.microsoft.com/office/drawing/2014/main" val="20004"/>
                     </a:ext>
                   </a:extLst>
                 </a:gridCol>
                 <a:gridCol w="720100">
                   <a:extLst>
                     <a:ext uri="{9D8B030D-6E8A-4147-A177-3AD203B41FA5}">
-                      <a16:colId xmlns="" xmlns:a16="http://schemas.microsoft.com/office/drawing/2014/main" val="20005"/>
+                      <a16:colId xmlns:a16="http://schemas.microsoft.com/office/drawing/2014/main" val="20005"/>
                     </a:ext>
                   </a:extLst>
                 </a:gridCol>
@@ -32361,7 +30023,7 @@
                 </a:tc>
                 <a:extLst>
                   <a:ext uri="{0D108BD9-81ED-4DB2-BD59-A6C34878D82A}">
-                    <a16:rowId xmlns="" xmlns:a16="http://schemas.microsoft.com/office/drawing/2014/main" val="10000"/>
+                    <a16:rowId xmlns:a16="http://schemas.microsoft.com/office/drawing/2014/main" val="10000"/>
                   </a:ext>
                 </a:extLst>
               </a:tr>
@@ -32557,7 +30219,7 @@
                 </a:tc>
                 <a:extLst>
                   <a:ext uri="{0D108BD9-81ED-4DB2-BD59-A6C34878D82A}">
-                    <a16:rowId xmlns="" xmlns:a16="http://schemas.microsoft.com/office/drawing/2014/main" val="10001"/>
+                    <a16:rowId xmlns:a16="http://schemas.microsoft.com/office/drawing/2014/main" val="10001"/>
                   </a:ext>
                 </a:extLst>
               </a:tr>
@@ -32744,7 +30406,7 @@
                 </a:tc>
                 <a:extLst>
                   <a:ext uri="{0D108BD9-81ED-4DB2-BD59-A6C34878D82A}">
-                    <a16:rowId xmlns="" xmlns:a16="http://schemas.microsoft.com/office/drawing/2014/main" val="10002"/>
+                    <a16:rowId xmlns:a16="http://schemas.microsoft.com/office/drawing/2014/main" val="10002"/>
                   </a:ext>
                 </a:extLst>
               </a:tr>
@@ -32916,7 +30578,7 @@
                 </a:tc>
                 <a:extLst>
                   <a:ext uri="{0D108BD9-81ED-4DB2-BD59-A6C34878D82A}">
-                    <a16:rowId xmlns="" xmlns:a16="http://schemas.microsoft.com/office/drawing/2014/main" val="10003"/>
+                    <a16:rowId xmlns:a16="http://schemas.microsoft.com/office/drawing/2014/main" val="10003"/>
                   </a:ext>
                 </a:extLst>
               </a:tr>
@@ -33141,7 +30803,7 @@
                 </a:tc>
                 <a:extLst>
                   <a:ext uri="{0D108BD9-81ED-4DB2-BD59-A6C34878D82A}">
-                    <a16:rowId xmlns="" xmlns:a16="http://schemas.microsoft.com/office/drawing/2014/main" val="10004"/>
+                    <a16:rowId xmlns:a16="http://schemas.microsoft.com/office/drawing/2014/main" val="10004"/>
                   </a:ext>
                 </a:extLst>
               </a:tr>
@@ -33367,7 +31029,7 @@
                 </a:tc>
                 <a:extLst>
                   <a:ext uri="{0D108BD9-81ED-4DB2-BD59-A6C34878D82A}">
-                    <a16:rowId xmlns="" xmlns:a16="http://schemas.microsoft.com/office/drawing/2014/main" val="10005"/>
+                    <a16:rowId xmlns:a16="http://schemas.microsoft.com/office/drawing/2014/main" val="10005"/>
                   </a:ext>
                 </a:extLst>
               </a:tr>
@@ -33546,10 +31208,10 @@
                         </a:spcAft>
                       </a:pPr>
                       <a:r>
-                        <a:rPr lang="en-US" sz="1050" kern="100" dirty="0">
-                          <a:effectLst/>
-                        </a:rPr>
-                        <a:t>○</a:t>
+                        <a:rPr lang="en-US" altLang="ja-JP" sz="1200" kern="0" dirty="0" smtClean="0">
+                          <a:effectLst/>
+                        </a:rPr>
+                        <a:t>×</a:t>
                       </a:r>
                       <a:endParaRPr lang="ja-JP" sz="1200" kern="100" dirty="0">
                         <a:effectLst/>
@@ -33592,7 +31254,7 @@
                 </a:tc>
                 <a:extLst>
                   <a:ext uri="{0D108BD9-81ED-4DB2-BD59-A6C34878D82A}">
-                    <a16:rowId xmlns="" xmlns:a16="http://schemas.microsoft.com/office/drawing/2014/main" val="10006"/>
+                    <a16:rowId xmlns:a16="http://schemas.microsoft.com/office/drawing/2014/main" val="10006"/>
                   </a:ext>
                 </a:extLst>
               </a:tr>
@@ -33792,7 +31454,7 @@
                 </a:tc>
                 <a:extLst>
                   <a:ext uri="{0D108BD9-81ED-4DB2-BD59-A6C34878D82A}">
-                    <a16:rowId xmlns="" xmlns:a16="http://schemas.microsoft.com/office/drawing/2014/main" val="10007"/>
+                    <a16:rowId xmlns:a16="http://schemas.microsoft.com/office/drawing/2014/main" val="10007"/>
                   </a:ext>
                 </a:extLst>
               </a:tr>
@@ -34042,7 +31704,7 @@
                 </a:tc>
                 <a:extLst>
                   <a:ext uri="{0D108BD9-81ED-4DB2-BD59-A6C34878D82A}">
-                    <a16:rowId xmlns="" xmlns:a16="http://schemas.microsoft.com/office/drawing/2014/main" val="10008"/>
+                    <a16:rowId xmlns:a16="http://schemas.microsoft.com/office/drawing/2014/main" val="10008"/>
                   </a:ext>
                 </a:extLst>
               </a:tr>
@@ -34160,1420 +31822,50 @@
           <a:lstStyle/>
           <a:p>
             <a:r>
-              <a:rPr lang="en-US" altLang="ja-JP" dirty="0" smtClean="0"/>
+              <a:rPr lang="en-US" altLang="ja-JP" dirty="0"/>
               <a:t>ITA</a:t>
             </a:r>
             <a:r>
-              <a:rPr lang="ja-JP" altLang="en-US" dirty="0" smtClean="0"/>
-              <a:t>を</a:t>
-            </a:r>
-            <a:r>
               <a:rPr lang="ja-JP" altLang="en-US" dirty="0"/>
-              <a:t>ご利用いただくには、以下の環境が必要となります。</a:t>
-            </a:r>
-            <a:endParaRPr lang="en-US" altLang="ja-JP" dirty="0" smtClean="0"/>
+              <a:t>をご利用いただくための環境について</a:t>
+            </a:r>
+            <a:endParaRPr lang="en-US" altLang="ja-JP" dirty="0"/>
           </a:p>
           <a:p>
             <a:pPr lvl="1"/>
             <a:r>
-              <a:rPr lang="ja-JP" altLang="en-US" dirty="0" smtClean="0"/>
-              <a:t>サーバ動作要件</a:t>
-            </a:r>
-            <a:endParaRPr lang="en-US" altLang="ja-JP" dirty="0" smtClean="0"/>
-          </a:p>
-          <a:p>
-            <a:pPr lvl="1"/>
-            <a:endParaRPr lang="en-US" altLang="ja-JP" dirty="0"/>
-          </a:p>
-          <a:p>
-            <a:pPr lvl="1"/>
-            <a:endParaRPr lang="en-US" altLang="ja-JP" dirty="0" smtClean="0"/>
-          </a:p>
-          <a:p>
-            <a:pPr marL="180000" lvl="1" indent="0">
+              <a:rPr lang="ja-JP" altLang="en-US" dirty="0"/>
+              <a:t>「</a:t>
+            </a:r>
+            <a:r>
+              <a:rPr lang="en-US" altLang="ja-JP" dirty="0" err="1"/>
+              <a:t>Exastro</a:t>
+            </a:r>
+            <a:r>
+              <a:rPr lang="en-US" altLang="ja-JP" dirty="0"/>
+              <a:t>-ITA_</a:t>
+            </a:r>
+            <a:r>
+              <a:rPr lang="ja-JP" altLang="en-US" dirty="0"/>
+              <a:t>システム構成／環境構築ガイド</a:t>
+            </a:r>
+            <a:r>
+              <a:rPr lang="en-US" altLang="ja-JP" dirty="0"/>
+              <a:t>_</a:t>
+            </a:r>
+            <a:r>
+              <a:rPr lang="ja-JP" altLang="en-US" dirty="0"/>
+              <a:t>基本編」を参照してください。</a:t>
+            </a:r>
+          </a:p>
+          <a:p>
+            <a:pPr marL="0" indent="0">
               <a:buNone/>
             </a:pPr>
             <a:endParaRPr lang="en-US" altLang="ja-JP" dirty="0" smtClean="0"/>
           </a:p>
-          <a:p>
-            <a:pPr lvl="1"/>
-            <a:r>
-              <a:rPr lang="ja-JP" altLang="en-US" dirty="0" smtClean="0"/>
-              <a:t>サーバ</a:t>
-            </a:r>
-            <a:r>
-              <a:rPr lang="ja-JP" altLang="en-US" dirty="0"/>
-              <a:t>最</a:t>
-            </a:r>
-            <a:r>
-              <a:rPr lang="ja-JP" altLang="en-US" dirty="0" smtClean="0"/>
-              <a:t>小スペック</a:t>
-            </a:r>
-            <a:endParaRPr lang="en-US" altLang="ja-JP" dirty="0" smtClean="0"/>
-          </a:p>
-          <a:p>
-            <a:pPr lvl="1"/>
-            <a:endParaRPr lang="en-US" altLang="ja-JP" dirty="0"/>
-          </a:p>
-          <a:p>
-            <a:pPr lvl="1"/>
-            <a:endParaRPr lang="en-US" altLang="ja-JP" dirty="0" smtClean="0"/>
-          </a:p>
-          <a:p>
-            <a:pPr lvl="1"/>
-            <a:endParaRPr lang="en-US" altLang="ja-JP" dirty="0" smtClean="0"/>
-          </a:p>
-          <a:p>
-            <a:pPr lvl="1"/>
-            <a:endParaRPr lang="en-US" altLang="ja-JP" dirty="0"/>
-          </a:p>
-          <a:p>
-            <a:pPr marL="180000" lvl="1" indent="0">
-              <a:buNone/>
-            </a:pPr>
-            <a:endParaRPr lang="en-US" altLang="ja-JP" sz="1000" dirty="0" smtClean="0"/>
-          </a:p>
-          <a:p>
-            <a:pPr lvl="1"/>
-            <a:r>
-              <a:rPr lang="ja-JP" altLang="en-US" dirty="0" smtClean="0"/>
-              <a:t>クライアント</a:t>
-            </a:r>
-            <a:r>
-              <a:rPr lang="en-US" altLang="ja-JP" dirty="0"/>
-              <a:t>PC</a:t>
-            </a:r>
-            <a:r>
-              <a:rPr lang="ja-JP" altLang="en-US" dirty="0"/>
-              <a:t>動作</a:t>
-            </a:r>
-            <a:r>
-              <a:rPr lang="ja-JP" altLang="en-US" dirty="0" smtClean="0"/>
-              <a:t>要件</a:t>
-            </a:r>
-            <a:endParaRPr lang="en-US" altLang="ja-JP" dirty="0" smtClean="0"/>
-          </a:p>
         </p:txBody>
       </p:sp>
-      <p:graphicFrame>
-        <p:nvGraphicFramePr>
-          <p:cNvPr id="5" name="表 4"/>
-          <p:cNvGraphicFramePr>
-            <a:graphicFrameLocks noGrp="1"/>
-          </p:cNvGraphicFramePr>
-          <p:nvPr>
-            <p:extLst>
-              <p:ext uri="{D42A27DB-BD31-4B8C-83A1-F6EECF244321}">
-                <p14:modId xmlns:p14="http://schemas.microsoft.com/office/powerpoint/2010/main" val="564421048"/>
-              </p:ext>
-            </p:extLst>
-          </p:nvPr>
-        </p:nvGraphicFramePr>
-        <p:xfrm>
-          <a:off x="1283268" y="2888719"/>
-          <a:ext cx="6576490" cy="1102134"/>
-        </p:xfrm>
-        <a:graphic>
-          <a:graphicData uri="http://schemas.openxmlformats.org/drawingml/2006/table">
-            <a:tbl>
-              <a:tblPr firstRow="1" bandRow="1">
-                <a:tableStyleId>{5C22544A-7EE6-4342-B048-85BDC9FD1C3A}</a:tableStyleId>
-              </a:tblPr>
-              <a:tblGrid>
-                <a:gridCol w="3288245">
-                  <a:extLst>
-                    <a:ext uri="{9D8B030D-6E8A-4147-A177-3AD203B41FA5}">
-                      <a16:colId xmlns="" xmlns:a16="http://schemas.microsoft.com/office/drawing/2014/main" val="20000"/>
-                    </a:ext>
-                  </a:extLst>
-                </a:gridCol>
-                <a:gridCol w="3288245">
-                  <a:extLst>
-                    <a:ext uri="{9D8B030D-6E8A-4147-A177-3AD203B41FA5}">
-                      <a16:colId xmlns="" xmlns:a16="http://schemas.microsoft.com/office/drawing/2014/main" val="20001"/>
-                    </a:ext>
-                  </a:extLst>
-                </a:gridCol>
-              </a:tblGrid>
-              <a:tr h="367378">
-                <a:tc>
-                  <a:txBody>
-                    <a:bodyPr/>
-                    <a:lstStyle/>
-                    <a:p>
-                      <a:r>
-                        <a:rPr kumimoji="1" lang="en-US" altLang="ja-JP" sz="1050" b="1" kern="1200" dirty="0" smtClean="0">
-                          <a:solidFill>
-                            <a:schemeClr val="bg1"/>
-                          </a:solidFill>
-                          <a:effectLst/>
-                          <a:latin typeface="+mn-lt"/>
-                          <a:ea typeface="+mn-ea"/>
-                          <a:cs typeface="+mn-cs"/>
-                        </a:rPr>
-                        <a:t>CPU</a:t>
-                      </a:r>
-                      <a:endParaRPr kumimoji="1" lang="ja-JP" altLang="en-US" sz="1050" b="1" dirty="0">
-                        <a:solidFill>
-                          <a:schemeClr val="bg1"/>
-                        </a:solidFill>
-                      </a:endParaRPr>
-                    </a:p>
-                  </a:txBody>
-                  <a:tcPr anchor="ctr">
-                    <a:solidFill>
-                      <a:srgbClr val="002B62"/>
-                    </a:solidFill>
-                  </a:tcPr>
-                </a:tc>
-                <a:tc>
-                  <a:txBody>
-                    <a:bodyPr/>
-                    <a:lstStyle/>
-                    <a:p>
-                      <a:r>
-                        <a:rPr kumimoji="1" lang="en-US" altLang="ja-JP" sz="1050" b="0" kern="1200" dirty="0" smtClean="0">
-                          <a:solidFill>
-                            <a:schemeClr val="dk1"/>
-                          </a:solidFill>
-                          <a:effectLst/>
-                          <a:latin typeface="+mn-lt"/>
-                          <a:ea typeface="+mn-ea"/>
-                          <a:cs typeface="+mn-cs"/>
-                        </a:rPr>
-                        <a:t>1Core</a:t>
-                      </a:r>
-                      <a:endParaRPr kumimoji="1" lang="ja-JP" altLang="en-US" sz="1050" b="0" dirty="0"/>
-                    </a:p>
-                  </a:txBody>
-                  <a:tcPr anchor="ctr">
-                    <a:solidFill>
-                      <a:srgbClr val="E7E8EA"/>
-                    </a:solidFill>
-                  </a:tcPr>
-                </a:tc>
-                <a:extLst>
-                  <a:ext uri="{0D108BD9-81ED-4DB2-BD59-A6C34878D82A}">
-                    <a16:rowId xmlns="" xmlns:a16="http://schemas.microsoft.com/office/drawing/2014/main" val="10000"/>
-                  </a:ext>
-                </a:extLst>
-              </a:tr>
-              <a:tr h="367378">
-                <a:tc>
-                  <a:txBody>
-                    <a:bodyPr/>
-                    <a:lstStyle/>
-                    <a:p>
-                      <a:r>
-                        <a:rPr kumimoji="1" lang="ja-JP" altLang="ja-JP" sz="1050" b="1" kern="1200" dirty="0" smtClean="0">
-                          <a:solidFill>
-                            <a:schemeClr val="bg1"/>
-                          </a:solidFill>
-                          <a:effectLst/>
-                          <a:latin typeface="+mn-lt"/>
-                          <a:ea typeface="+mn-ea"/>
-                          <a:cs typeface="+mn-cs"/>
-                        </a:rPr>
-                        <a:t>メモリ</a:t>
-                      </a:r>
-                      <a:endParaRPr kumimoji="1" lang="ja-JP" altLang="en-US" sz="1050" b="1" dirty="0">
-                        <a:solidFill>
-                          <a:schemeClr val="bg1"/>
-                        </a:solidFill>
-                      </a:endParaRPr>
-                    </a:p>
-                  </a:txBody>
-                  <a:tcPr anchor="ctr">
-                    <a:lnB w="38100" cap="flat" cmpd="sng" algn="ctr">
-                      <a:solidFill>
-                        <a:schemeClr val="bg1"/>
-                      </a:solidFill>
-                      <a:prstDash val="solid"/>
-                      <a:round/>
-                      <a:headEnd type="none" w="med" len="med"/>
-                      <a:tailEnd type="none" w="med" len="med"/>
-                    </a:lnB>
-                    <a:solidFill>
-                      <a:srgbClr val="002B62"/>
-                    </a:solidFill>
-                  </a:tcPr>
-                </a:tc>
-                <a:tc>
-                  <a:txBody>
-                    <a:bodyPr/>
-                    <a:lstStyle/>
-                    <a:p>
-                      <a:r>
-                        <a:rPr kumimoji="1" lang="en-US" altLang="ja-JP" sz="1050" b="0" kern="1200" dirty="0" smtClean="0">
-                          <a:solidFill>
-                            <a:schemeClr val="dk1"/>
-                          </a:solidFill>
-                          <a:effectLst/>
-                          <a:latin typeface="+mn-lt"/>
-                          <a:ea typeface="+mn-ea"/>
-                          <a:cs typeface="+mn-cs"/>
-                        </a:rPr>
-                        <a:t>1GB</a:t>
-                      </a:r>
-                      <a:endParaRPr kumimoji="1" lang="ja-JP" altLang="en-US" sz="1050" b="0" dirty="0"/>
-                    </a:p>
-                  </a:txBody>
-                  <a:tcPr anchor="ctr">
-                    <a:solidFill>
-                      <a:srgbClr val="CBCDD3"/>
-                    </a:solidFill>
-                  </a:tcPr>
-                </a:tc>
-                <a:extLst>
-                  <a:ext uri="{0D108BD9-81ED-4DB2-BD59-A6C34878D82A}">
-                    <a16:rowId xmlns="" xmlns:a16="http://schemas.microsoft.com/office/drawing/2014/main" val="10001"/>
-                  </a:ext>
-                </a:extLst>
-              </a:tr>
-              <a:tr h="367378">
-                <a:tc>
-                  <a:txBody>
-                    <a:bodyPr/>
-                    <a:lstStyle/>
-                    <a:p>
-                      <a:r>
-                        <a:rPr kumimoji="1" lang="ja-JP" altLang="ja-JP" sz="1050" b="1" kern="1200" dirty="0" smtClean="0">
-                          <a:solidFill>
-                            <a:schemeClr val="bg1"/>
-                          </a:solidFill>
-                          <a:effectLst/>
-                          <a:latin typeface="+mn-lt"/>
-                          <a:ea typeface="+mn-ea"/>
-                          <a:cs typeface="+mn-cs"/>
-                        </a:rPr>
-                        <a:t>ディスク容量</a:t>
-                      </a:r>
-                      <a:endParaRPr kumimoji="1" lang="ja-JP" altLang="en-US" sz="1050" b="1" dirty="0">
-                        <a:solidFill>
-                          <a:schemeClr val="bg1"/>
-                        </a:solidFill>
-                      </a:endParaRPr>
-                    </a:p>
-                  </a:txBody>
-                  <a:tcPr anchor="ctr">
-                    <a:lnT w="38100" cap="flat" cmpd="sng" algn="ctr">
-                      <a:solidFill>
-                        <a:schemeClr val="bg1"/>
-                      </a:solidFill>
-                      <a:prstDash val="solid"/>
-                      <a:round/>
-                      <a:headEnd type="none" w="med" len="med"/>
-                      <a:tailEnd type="none" w="med" len="med"/>
-                    </a:lnT>
-                    <a:solidFill>
-                      <a:srgbClr val="002B62"/>
-                    </a:solidFill>
-                  </a:tcPr>
-                </a:tc>
-                <a:tc>
-                  <a:txBody>
-                    <a:bodyPr/>
-                    <a:lstStyle/>
-                    <a:p>
-                      <a:r>
-                        <a:rPr kumimoji="1" lang="en-US" altLang="ja-JP" sz="1050" b="0" kern="1200" dirty="0" smtClean="0">
-                          <a:solidFill>
-                            <a:schemeClr val="dk1"/>
-                          </a:solidFill>
-                          <a:effectLst/>
-                          <a:latin typeface="+mn-lt"/>
-                          <a:ea typeface="+mn-ea"/>
-                          <a:cs typeface="+mn-cs"/>
-                        </a:rPr>
-                        <a:t>1GB</a:t>
-                      </a:r>
-                      <a:r>
-                        <a:rPr kumimoji="1" lang="ja-JP" altLang="en-US" sz="1050" b="0" kern="1200" dirty="0" smtClean="0">
-                          <a:solidFill>
-                            <a:schemeClr val="dk1"/>
-                          </a:solidFill>
-                          <a:effectLst/>
-                          <a:latin typeface="+mn-lt"/>
-                          <a:ea typeface="+mn-ea"/>
-                          <a:cs typeface="+mn-cs"/>
-                        </a:rPr>
-                        <a:t>（</a:t>
-                      </a:r>
-                      <a:r>
-                        <a:rPr kumimoji="1" lang="en-US" altLang="ja-JP" sz="1050" b="0" kern="1200" dirty="0" smtClean="0">
-                          <a:solidFill>
-                            <a:schemeClr val="dk1"/>
-                          </a:solidFill>
-                          <a:effectLst/>
-                          <a:latin typeface="+mn-lt"/>
-                          <a:ea typeface="+mn-ea"/>
-                          <a:cs typeface="+mn-cs"/>
-                        </a:rPr>
-                        <a:t>ITA</a:t>
-                      </a:r>
-                      <a:r>
-                        <a:rPr kumimoji="1" lang="ja-JP" altLang="en-US" sz="1050" b="0" kern="1200" dirty="0" smtClean="0">
-                          <a:solidFill>
-                            <a:schemeClr val="dk1"/>
-                          </a:solidFill>
-                          <a:effectLst/>
-                          <a:latin typeface="+mn-lt"/>
-                          <a:ea typeface="+mn-ea"/>
-                          <a:cs typeface="+mn-cs"/>
-                        </a:rPr>
-                        <a:t>本体のみ）</a:t>
-                      </a:r>
-                      <a:endParaRPr kumimoji="1" lang="ja-JP" altLang="en-US" sz="1050" b="0" dirty="0"/>
-                    </a:p>
-                  </a:txBody>
-                  <a:tcPr anchor="ctr">
-                    <a:solidFill>
-                      <a:srgbClr val="E7E8EA"/>
-                    </a:solidFill>
-                  </a:tcPr>
-                </a:tc>
-                <a:extLst>
-                  <a:ext uri="{0D108BD9-81ED-4DB2-BD59-A6C34878D82A}">
-                    <a16:rowId xmlns="" xmlns:a16="http://schemas.microsoft.com/office/drawing/2014/main" val="10002"/>
-                  </a:ext>
-                </a:extLst>
-              </a:tr>
-            </a:tbl>
-          </a:graphicData>
-        </a:graphic>
-      </p:graphicFrame>
-      <p:graphicFrame>
-        <p:nvGraphicFramePr>
-          <p:cNvPr id="6" name="表 5"/>
-          <p:cNvGraphicFramePr>
-            <a:graphicFrameLocks noGrp="1"/>
-          </p:cNvGraphicFramePr>
-          <p:nvPr>
-            <p:extLst/>
-          </p:nvPr>
-        </p:nvGraphicFramePr>
-        <p:xfrm>
-          <a:off x="1283268" y="1553380"/>
-          <a:ext cx="6576490" cy="741680"/>
-        </p:xfrm>
-        <a:graphic>
-          <a:graphicData uri="http://schemas.openxmlformats.org/drawingml/2006/table">
-            <a:tbl>
-              <a:tblPr firstRow="1" bandRow="1">
-                <a:tableStyleId>{93296810-A885-4BE3-A3E7-6D5BEEA58F35}</a:tableStyleId>
-              </a:tblPr>
-              <a:tblGrid>
-                <a:gridCol w="1296180">
-                  <a:extLst>
-                    <a:ext uri="{9D8B030D-6E8A-4147-A177-3AD203B41FA5}">
-                      <a16:colId xmlns="" xmlns:a16="http://schemas.microsoft.com/office/drawing/2014/main" val="20000"/>
-                    </a:ext>
-                  </a:extLst>
-                </a:gridCol>
-                <a:gridCol w="3088147">
-                  <a:extLst>
-                    <a:ext uri="{9D8B030D-6E8A-4147-A177-3AD203B41FA5}">
-                      <a16:colId xmlns="" xmlns:a16="http://schemas.microsoft.com/office/drawing/2014/main" val="20001"/>
-                    </a:ext>
-                  </a:extLst>
-                </a:gridCol>
-                <a:gridCol w="2192163">
-                  <a:extLst>
-                    <a:ext uri="{9D8B030D-6E8A-4147-A177-3AD203B41FA5}">
-                      <a16:colId xmlns="" xmlns:a16="http://schemas.microsoft.com/office/drawing/2014/main" val="20002"/>
-                    </a:ext>
-                  </a:extLst>
-                </a:gridCol>
-              </a:tblGrid>
-              <a:tr h="370840">
-                <a:tc rowSpan="2">
-                  <a:txBody>
-                    <a:bodyPr/>
-                    <a:lstStyle/>
-                    <a:p>
-                      <a:pPr algn="l"/>
-                      <a:r>
-                        <a:rPr kumimoji="1" lang="en-US" altLang="ja-JP" sz="1000" dirty="0" smtClean="0"/>
-                        <a:t>OS</a:t>
-                      </a:r>
-                      <a:endParaRPr kumimoji="1" lang="ja-JP" altLang="en-US" sz="1000" dirty="0"/>
-                    </a:p>
-                  </a:txBody>
-                  <a:tcPr anchor="ctr">
-                    <a:lnR w="38100" cap="flat" cmpd="sng" algn="ctr">
-                      <a:solidFill>
-                        <a:schemeClr val="bg1"/>
-                      </a:solidFill>
-                      <a:prstDash val="solid"/>
-                      <a:round/>
-                      <a:headEnd type="none" w="med" len="med"/>
-                      <a:tailEnd type="none" w="med" len="med"/>
-                    </a:lnR>
-                  </a:tcPr>
-                </a:tc>
-                <a:tc>
-                  <a:txBody>
-                    <a:bodyPr/>
-                    <a:lstStyle/>
-                    <a:p>
-                      <a:r>
-                        <a:rPr kumimoji="1" lang="en-US" altLang="ja-JP" sz="1000" b="0" kern="1200" dirty="0" smtClean="0">
-                          <a:solidFill>
-                            <a:schemeClr val="tx1"/>
-                          </a:solidFill>
-                          <a:latin typeface="+mn-lt"/>
-                          <a:ea typeface="+mn-ea"/>
-                          <a:cs typeface="+mn-cs"/>
-                        </a:rPr>
-                        <a:t>Red Hat Enterprise Linux</a:t>
-                      </a:r>
-                      <a:endParaRPr kumimoji="1" lang="ja-JP" altLang="en-US" sz="1000" b="0" kern="1200" dirty="0">
-                        <a:solidFill>
-                          <a:schemeClr val="tx1"/>
-                        </a:solidFill>
-                        <a:latin typeface="+mn-lt"/>
-                        <a:ea typeface="+mn-ea"/>
-                        <a:cs typeface="+mn-cs"/>
-                      </a:endParaRPr>
-                    </a:p>
-                  </a:txBody>
-                  <a:tcPr anchor="ctr">
-                    <a:lnL w="38100" cap="flat" cmpd="sng" algn="ctr">
-                      <a:solidFill>
-                        <a:schemeClr val="bg1"/>
-                      </a:solidFill>
-                      <a:prstDash val="solid"/>
-                      <a:round/>
-                      <a:headEnd type="none" w="med" len="med"/>
-                      <a:tailEnd type="none" w="med" len="med"/>
-                    </a:lnL>
-                    <a:lnB w="12700" cap="flat" cmpd="sng" algn="ctr">
-                      <a:solidFill>
-                        <a:schemeClr val="bg1"/>
-                      </a:solidFill>
-                      <a:prstDash val="solid"/>
-                      <a:round/>
-                      <a:headEnd type="none" w="med" len="med"/>
-                      <a:tailEnd type="none" w="med" len="med"/>
-                    </a:lnB>
-                    <a:solidFill>
-                      <a:srgbClr val="E7E8EA"/>
-                    </a:solidFill>
-                  </a:tcPr>
-                </a:tc>
-                <a:tc>
-                  <a:txBody>
-                    <a:bodyPr/>
-                    <a:lstStyle/>
-                    <a:p>
-                      <a:r>
-                        <a:rPr kumimoji="1" lang="en-US" altLang="ja-JP" sz="1000" b="0" dirty="0" smtClean="0">
-                          <a:solidFill>
-                            <a:schemeClr val="tx1"/>
-                          </a:solidFill>
-                        </a:rPr>
-                        <a:t>6.6 </a:t>
-                      </a:r>
-                      <a:r>
-                        <a:rPr kumimoji="1" lang="ja-JP" altLang="en-US" sz="1000" b="0" dirty="0" smtClean="0">
-                          <a:solidFill>
-                            <a:schemeClr val="tx1"/>
-                          </a:solidFill>
-                        </a:rPr>
-                        <a:t>以上</a:t>
-                      </a:r>
-                      <a:endParaRPr kumimoji="1" lang="ja-JP" altLang="en-US" sz="1000" b="0" dirty="0">
-                        <a:solidFill>
-                          <a:schemeClr val="tx1"/>
-                        </a:solidFill>
-                      </a:endParaRPr>
-                    </a:p>
-                  </a:txBody>
-                  <a:tcPr anchor="ctr">
-                    <a:lnB w="12700" cap="flat" cmpd="sng" algn="ctr">
-                      <a:solidFill>
-                        <a:schemeClr val="bg1"/>
-                      </a:solidFill>
-                      <a:prstDash val="solid"/>
-                      <a:round/>
-                      <a:headEnd type="none" w="med" len="med"/>
-                      <a:tailEnd type="none" w="med" len="med"/>
-                    </a:lnB>
-                    <a:solidFill>
-                      <a:srgbClr val="E7E8EA"/>
-                    </a:solidFill>
-                  </a:tcPr>
-                </a:tc>
-                <a:extLst>
-                  <a:ext uri="{0D108BD9-81ED-4DB2-BD59-A6C34878D82A}">
-                    <a16:rowId xmlns="" xmlns:a16="http://schemas.microsoft.com/office/drawing/2014/main" val="10000"/>
-                  </a:ext>
-                </a:extLst>
-              </a:tr>
-              <a:tr h="370840">
-                <a:tc vMerge="1">
-                  <a:txBody>
-                    <a:bodyPr/>
-                    <a:lstStyle/>
-                    <a:p>
-                      <a:endParaRPr kumimoji="1" lang="ja-JP" altLang="en-US" dirty="0"/>
-                    </a:p>
-                  </a:txBody>
-                  <a:tcPr/>
-                </a:tc>
-                <a:tc>
-                  <a:txBody>
-                    <a:bodyPr/>
-                    <a:lstStyle/>
-                    <a:p>
-                      <a:r>
-                        <a:rPr kumimoji="1" lang="en-US" altLang="ja-JP" sz="1000" b="0" dirty="0" smtClean="0">
-                          <a:solidFill>
-                            <a:schemeClr val="tx1"/>
-                          </a:solidFill>
-                        </a:rPr>
-                        <a:t>CentOS</a:t>
-                      </a:r>
-                      <a:endParaRPr kumimoji="1" lang="ja-JP" altLang="en-US" sz="1000" b="0" dirty="0">
-                        <a:solidFill>
-                          <a:schemeClr val="tx1"/>
-                        </a:solidFill>
-                      </a:endParaRPr>
-                    </a:p>
-                  </a:txBody>
-                  <a:tcPr anchor="ctr">
-                    <a:lnL w="38100" cap="flat" cmpd="sng" algn="ctr">
-                      <a:solidFill>
-                        <a:schemeClr val="bg1"/>
-                      </a:solidFill>
-                      <a:prstDash val="solid"/>
-                      <a:round/>
-                      <a:headEnd type="none" w="med" len="med"/>
-                      <a:tailEnd type="none" w="med" len="med"/>
-                    </a:lnL>
-                    <a:lnT w="12700" cap="flat" cmpd="sng" algn="ctr">
-                      <a:solidFill>
-                        <a:schemeClr val="bg1"/>
-                      </a:solidFill>
-                      <a:prstDash val="solid"/>
-                      <a:round/>
-                      <a:headEnd type="none" w="med" len="med"/>
-                      <a:tailEnd type="none" w="med" len="med"/>
-                    </a:lnT>
-                  </a:tcPr>
-                </a:tc>
-                <a:tc>
-                  <a:txBody>
-                    <a:bodyPr/>
-                    <a:lstStyle/>
-                    <a:p>
-                      <a:r>
-                        <a:rPr kumimoji="1" lang="en-US" altLang="ja-JP" sz="1000" b="0" dirty="0" smtClean="0">
-                          <a:solidFill>
-                            <a:schemeClr val="tx1"/>
-                          </a:solidFill>
-                        </a:rPr>
-                        <a:t>6.6 </a:t>
-                      </a:r>
-                      <a:r>
-                        <a:rPr kumimoji="1" lang="ja-JP" altLang="en-US" sz="1000" b="0" dirty="0" smtClean="0">
-                          <a:solidFill>
-                            <a:schemeClr val="tx1"/>
-                          </a:solidFill>
-                        </a:rPr>
-                        <a:t>以上</a:t>
-                      </a:r>
-                      <a:endParaRPr kumimoji="1" lang="ja-JP" altLang="en-US" sz="1000" b="0" dirty="0">
-                        <a:solidFill>
-                          <a:schemeClr val="tx1"/>
-                        </a:solidFill>
-                      </a:endParaRPr>
-                    </a:p>
-                  </a:txBody>
-                  <a:tcPr anchor="ctr">
-                    <a:lnT w="12700" cap="flat" cmpd="sng" algn="ctr">
-                      <a:solidFill>
-                        <a:schemeClr val="bg1"/>
-                      </a:solidFill>
-                      <a:prstDash val="solid"/>
-                      <a:round/>
-                      <a:headEnd type="none" w="med" len="med"/>
-                      <a:tailEnd type="none" w="med" len="med"/>
-                    </a:lnT>
-                  </a:tcPr>
-                </a:tc>
-                <a:extLst>
-                  <a:ext uri="{0D108BD9-81ED-4DB2-BD59-A6C34878D82A}">
-                    <a16:rowId xmlns="" xmlns:a16="http://schemas.microsoft.com/office/drawing/2014/main" val="10001"/>
-                  </a:ext>
-                </a:extLst>
-              </a:tr>
-            </a:tbl>
-          </a:graphicData>
-        </a:graphic>
-      </p:graphicFrame>
-      <p:graphicFrame>
-        <p:nvGraphicFramePr>
-          <p:cNvPr id="7" name="表 6"/>
-          <p:cNvGraphicFramePr>
-            <a:graphicFrameLocks noGrp="1"/>
-          </p:cNvGraphicFramePr>
-          <p:nvPr>
-            <p:extLst>
-              <p:ext uri="{D42A27DB-BD31-4B8C-83A1-F6EECF244321}">
-                <p14:modId xmlns:p14="http://schemas.microsoft.com/office/powerpoint/2010/main" val="1438978205"/>
-              </p:ext>
-            </p:extLst>
-          </p:nvPr>
-        </p:nvGraphicFramePr>
-        <p:xfrm>
-          <a:off x="1283268" y="4563973"/>
-          <a:ext cx="6576490" cy="1844785"/>
-        </p:xfrm>
-        <a:graphic>
-          <a:graphicData uri="http://schemas.openxmlformats.org/drawingml/2006/table">
-            <a:tbl>
-              <a:tblPr firstRow="1" bandRow="1">
-                <a:tableStyleId>{93296810-A885-4BE3-A3E7-6D5BEEA58F35}</a:tableStyleId>
-              </a:tblPr>
-              <a:tblGrid>
-                <a:gridCol w="1296180">
-                  <a:extLst>
-                    <a:ext uri="{9D8B030D-6E8A-4147-A177-3AD203B41FA5}">
-                      <a16:colId xmlns="" xmlns:a16="http://schemas.microsoft.com/office/drawing/2014/main" val="20000"/>
-                    </a:ext>
-                  </a:extLst>
-                </a:gridCol>
-                <a:gridCol w="3088147">
-                  <a:extLst>
-                    <a:ext uri="{9D8B030D-6E8A-4147-A177-3AD203B41FA5}">
-                      <a16:colId xmlns="" xmlns:a16="http://schemas.microsoft.com/office/drawing/2014/main" val="20001"/>
-                    </a:ext>
-                  </a:extLst>
-                </a:gridCol>
-                <a:gridCol w="2192163">
-                  <a:extLst>
-                    <a:ext uri="{9D8B030D-6E8A-4147-A177-3AD203B41FA5}">
-                      <a16:colId xmlns="" xmlns:a16="http://schemas.microsoft.com/office/drawing/2014/main" val="20002"/>
-                    </a:ext>
-                  </a:extLst>
-                </a:gridCol>
-              </a:tblGrid>
-              <a:tr h="361425">
-                <a:tc>
-                  <a:txBody>
-                    <a:bodyPr/>
-                    <a:lstStyle/>
-                    <a:p>
-                      <a:pPr algn="l"/>
-                      <a:r>
-                        <a:rPr kumimoji="1" lang="en-US" altLang="ja-JP" sz="1000" dirty="0" smtClean="0"/>
-                        <a:t>OS</a:t>
-                      </a:r>
-                      <a:endParaRPr kumimoji="1" lang="ja-JP" altLang="en-US" sz="1000" dirty="0"/>
-                    </a:p>
-                  </a:txBody>
-                  <a:tcPr anchor="ctr">
-                    <a:lnR w="38100" cap="flat" cmpd="sng" algn="ctr">
-                      <a:solidFill>
-                        <a:schemeClr val="bg1"/>
-                      </a:solidFill>
-                      <a:prstDash val="solid"/>
-                      <a:round/>
-                      <a:headEnd type="none" w="med" len="med"/>
-                      <a:tailEnd type="none" w="med" len="med"/>
-                    </a:lnR>
-                  </a:tcPr>
-                </a:tc>
-                <a:tc>
-                  <a:txBody>
-                    <a:bodyPr/>
-                    <a:lstStyle/>
-                    <a:p>
-                      <a:r>
-                        <a:rPr kumimoji="1" lang="en-US" altLang="ja-JP" sz="1000" b="0" kern="1200" dirty="0" smtClean="0">
-                          <a:solidFill>
-                            <a:schemeClr val="tx1"/>
-                          </a:solidFill>
-                          <a:latin typeface="+mn-lt"/>
-                          <a:ea typeface="+mn-ea"/>
-                          <a:cs typeface="+mn-cs"/>
-                        </a:rPr>
-                        <a:t>Windows</a:t>
-                      </a:r>
-                      <a:endParaRPr kumimoji="1" lang="ja-JP" altLang="en-US" sz="1000" b="0" kern="1200" dirty="0">
-                        <a:solidFill>
-                          <a:schemeClr val="tx1"/>
-                        </a:solidFill>
-                        <a:latin typeface="+mn-lt"/>
-                        <a:ea typeface="+mn-ea"/>
-                        <a:cs typeface="+mn-cs"/>
-                      </a:endParaRPr>
-                    </a:p>
-                  </a:txBody>
-                  <a:tcPr anchor="ctr">
-                    <a:lnL w="38100" cap="flat" cmpd="sng" algn="ctr">
-                      <a:solidFill>
-                        <a:schemeClr val="bg1"/>
-                      </a:solidFill>
-                      <a:prstDash val="solid"/>
-                      <a:round/>
-                      <a:headEnd type="none" w="med" len="med"/>
-                      <a:tailEnd type="none" w="med" len="med"/>
-                    </a:lnL>
-                    <a:lnB w="12700" cap="flat" cmpd="sng" algn="ctr">
-                      <a:solidFill>
-                        <a:schemeClr val="bg1"/>
-                      </a:solidFill>
-                      <a:prstDash val="solid"/>
-                      <a:round/>
-                      <a:headEnd type="none" w="med" len="med"/>
-                      <a:tailEnd type="none" w="med" len="med"/>
-                    </a:lnB>
-                    <a:solidFill>
-                      <a:srgbClr val="E7E8EA"/>
-                    </a:solidFill>
-                  </a:tcPr>
-                </a:tc>
-                <a:tc>
-                  <a:txBody>
-                    <a:bodyPr/>
-                    <a:lstStyle/>
-                    <a:p>
-                      <a:r>
-                        <a:rPr kumimoji="1" lang="en-US" altLang="ja-JP" sz="1000" b="0" dirty="0" smtClean="0">
-                          <a:solidFill>
-                            <a:schemeClr val="tx1"/>
-                          </a:solidFill>
-                        </a:rPr>
-                        <a:t>Windows7 </a:t>
-                      </a:r>
-                      <a:r>
-                        <a:rPr kumimoji="1" lang="ja-JP" altLang="en-US" sz="1000" b="0" dirty="0" smtClean="0">
-                          <a:solidFill>
-                            <a:schemeClr val="tx1"/>
-                          </a:solidFill>
-                        </a:rPr>
-                        <a:t>以上</a:t>
-                      </a:r>
-                      <a:endParaRPr kumimoji="1" lang="ja-JP" altLang="en-US" sz="1000" b="0" dirty="0">
-                        <a:solidFill>
-                          <a:schemeClr val="tx1"/>
-                        </a:solidFill>
-                      </a:endParaRPr>
-                    </a:p>
-                  </a:txBody>
-                  <a:tcPr anchor="ctr">
-                    <a:lnB w="12700" cap="flat" cmpd="sng" algn="ctr">
-                      <a:solidFill>
-                        <a:schemeClr val="bg1"/>
-                      </a:solidFill>
-                      <a:prstDash val="solid"/>
-                      <a:round/>
-                      <a:headEnd type="none" w="med" len="med"/>
-                      <a:tailEnd type="none" w="med" len="med"/>
-                    </a:lnB>
-                    <a:solidFill>
-                      <a:srgbClr val="E7E8EA"/>
-                    </a:solidFill>
-                  </a:tcPr>
-                </a:tc>
-                <a:extLst>
-                  <a:ext uri="{0D108BD9-81ED-4DB2-BD59-A6C34878D82A}">
-                    <a16:rowId xmlns="" xmlns:a16="http://schemas.microsoft.com/office/drawing/2014/main" val="10000"/>
-                  </a:ext>
-                </a:extLst>
-              </a:tr>
-              <a:tr h="370840">
-                <a:tc>
-                  <a:txBody>
-                    <a:bodyPr/>
-                    <a:lstStyle/>
-                    <a:p>
-                      <a:pPr algn="l"/>
-                      <a:r>
-                        <a:rPr kumimoji="1" lang="ja-JP" altLang="en-US" sz="1000" b="1" dirty="0" smtClean="0">
-                          <a:solidFill>
-                            <a:schemeClr val="bg1"/>
-                          </a:solidFill>
-                        </a:rPr>
-                        <a:t>ソフトウェア</a:t>
-                      </a:r>
-                      <a:endParaRPr kumimoji="1" lang="ja-JP" altLang="en-US" sz="1000" b="1" dirty="0">
-                        <a:solidFill>
-                          <a:schemeClr val="bg1"/>
-                        </a:solidFill>
-                      </a:endParaRPr>
-                    </a:p>
-                  </a:txBody>
-                  <a:tcPr anchor="ctr">
-                    <a:lnR w="38100" cap="flat" cmpd="sng" algn="ctr">
-                      <a:solidFill>
-                        <a:schemeClr val="bg1"/>
-                      </a:solidFill>
-                      <a:prstDash val="solid"/>
-                      <a:round/>
-                      <a:headEnd type="none" w="med" len="med"/>
-                      <a:tailEnd type="none" w="med" len="med"/>
-                    </a:lnR>
-                    <a:lnB w="38100" cap="flat" cmpd="sng" algn="ctr">
-                      <a:solidFill>
-                        <a:schemeClr val="bg1"/>
-                      </a:solidFill>
-                      <a:prstDash val="solid"/>
-                      <a:round/>
-                      <a:headEnd type="none" w="med" len="med"/>
-                      <a:tailEnd type="none" w="med" len="med"/>
-                    </a:lnB>
-                    <a:solidFill>
-                      <a:srgbClr val="002B62"/>
-                    </a:solidFill>
-                  </a:tcPr>
-                </a:tc>
-                <a:tc>
-                  <a:txBody>
-                    <a:bodyPr/>
-                    <a:lstStyle/>
-                    <a:p>
-                      <a:r>
-                        <a:rPr kumimoji="1" lang="en-US" altLang="ja-JP" sz="1000" b="0" dirty="0" smtClean="0">
-                          <a:solidFill>
-                            <a:schemeClr val="tx1"/>
-                          </a:solidFill>
-                        </a:rPr>
-                        <a:t>Excel</a:t>
-                      </a:r>
-                      <a:endParaRPr kumimoji="1" lang="ja-JP" altLang="en-US" sz="1000" b="0" dirty="0">
-                        <a:solidFill>
-                          <a:schemeClr val="tx1"/>
-                        </a:solidFill>
-                      </a:endParaRPr>
-                    </a:p>
-                  </a:txBody>
-                  <a:tcPr anchor="ctr">
-                    <a:lnL w="38100" cap="flat" cmpd="sng" algn="ctr">
-                      <a:solidFill>
-                        <a:schemeClr val="bg1"/>
-                      </a:solidFill>
-                      <a:prstDash val="solid"/>
-                      <a:round/>
-                      <a:headEnd type="none" w="med" len="med"/>
-                      <a:tailEnd type="none" w="med" len="med"/>
-                    </a:lnL>
-                    <a:lnT w="12700" cap="flat" cmpd="sng" algn="ctr">
-                      <a:solidFill>
-                        <a:schemeClr val="bg1"/>
-                      </a:solidFill>
-                      <a:prstDash val="solid"/>
-                      <a:round/>
-                      <a:headEnd type="none" w="med" len="med"/>
-                      <a:tailEnd type="none" w="med" len="med"/>
-                    </a:lnT>
-                    <a:lnB w="12700" cap="flat" cmpd="sng" algn="ctr">
-                      <a:solidFill>
-                        <a:schemeClr val="bg1"/>
-                      </a:solidFill>
-                      <a:prstDash val="solid"/>
-                      <a:round/>
-                      <a:headEnd type="none" w="med" len="med"/>
-                      <a:tailEnd type="none" w="med" len="med"/>
-                    </a:lnB>
-                  </a:tcPr>
-                </a:tc>
-                <a:tc>
-                  <a:txBody>
-                    <a:bodyPr/>
-                    <a:lstStyle/>
-                    <a:p>
-                      <a:r>
-                        <a:rPr kumimoji="1" lang="en-US" altLang="ja-JP" sz="1000" b="0" dirty="0" smtClean="0">
-                          <a:solidFill>
-                            <a:schemeClr val="tx1"/>
-                          </a:solidFill>
-                        </a:rPr>
-                        <a:t>MS Office 2007 </a:t>
-                      </a:r>
-                      <a:r>
-                        <a:rPr kumimoji="1" lang="ja-JP" altLang="en-US" sz="1000" b="0" dirty="0" smtClean="0">
-                          <a:solidFill>
-                            <a:schemeClr val="tx1"/>
-                          </a:solidFill>
-                        </a:rPr>
-                        <a:t>以上</a:t>
-                      </a:r>
-                      <a:endParaRPr kumimoji="1" lang="ja-JP" altLang="en-US" sz="1000" b="0" dirty="0">
-                        <a:solidFill>
-                          <a:schemeClr val="tx1"/>
-                        </a:solidFill>
-                      </a:endParaRPr>
-                    </a:p>
-                  </a:txBody>
-                  <a:tcPr anchor="ctr">
-                    <a:lnT w="12700" cap="flat" cmpd="sng" algn="ctr">
-                      <a:solidFill>
-                        <a:schemeClr val="bg1"/>
-                      </a:solidFill>
-                      <a:prstDash val="solid"/>
-                      <a:round/>
-                      <a:headEnd type="none" w="med" len="med"/>
-                      <a:tailEnd type="none" w="med" len="med"/>
-                    </a:lnT>
-                    <a:lnB w="12700" cap="flat" cmpd="sng" algn="ctr">
-                      <a:solidFill>
-                        <a:schemeClr val="bg1"/>
-                      </a:solidFill>
-                      <a:prstDash val="solid"/>
-                      <a:round/>
-                      <a:headEnd type="none" w="med" len="med"/>
-                      <a:tailEnd type="none" w="med" len="med"/>
-                    </a:lnB>
-                  </a:tcPr>
-                </a:tc>
-                <a:extLst>
-                  <a:ext uri="{0D108BD9-81ED-4DB2-BD59-A6C34878D82A}">
-                    <a16:rowId xmlns="" xmlns:a16="http://schemas.microsoft.com/office/drawing/2014/main" val="10001"/>
-                  </a:ext>
-                </a:extLst>
-              </a:tr>
-              <a:tr h="370840">
-                <a:tc rowSpan="3">
-                  <a:txBody>
-                    <a:bodyPr/>
-                    <a:lstStyle/>
-                    <a:p>
-                      <a:pPr algn="l"/>
-                      <a:r>
-                        <a:rPr kumimoji="1" lang="ja-JP" altLang="en-US" sz="1000" b="1" dirty="0" smtClean="0">
-                          <a:solidFill>
-                            <a:schemeClr val="bg1"/>
-                          </a:solidFill>
-                        </a:rPr>
-                        <a:t>ブラウザ</a:t>
-                      </a:r>
-                      <a:endParaRPr kumimoji="1" lang="ja-JP" altLang="en-US" sz="1000" b="1" dirty="0">
-                        <a:solidFill>
-                          <a:schemeClr val="bg1"/>
-                        </a:solidFill>
-                      </a:endParaRPr>
-                    </a:p>
-                  </a:txBody>
-                  <a:tcPr anchor="ctr">
-                    <a:lnR w="38100" cap="flat" cmpd="sng" algn="ctr">
-                      <a:solidFill>
-                        <a:schemeClr val="bg1"/>
-                      </a:solidFill>
-                      <a:prstDash val="solid"/>
-                      <a:round/>
-                      <a:headEnd type="none" w="med" len="med"/>
-                      <a:tailEnd type="none" w="med" len="med"/>
-                    </a:lnR>
-                    <a:lnT w="38100" cap="flat" cmpd="sng" algn="ctr">
-                      <a:solidFill>
-                        <a:schemeClr val="bg1"/>
-                      </a:solidFill>
-                      <a:prstDash val="solid"/>
-                      <a:round/>
-                      <a:headEnd type="none" w="med" len="med"/>
-                      <a:tailEnd type="none" w="med" len="med"/>
-                    </a:lnT>
-                    <a:solidFill>
-                      <a:srgbClr val="002B62"/>
-                    </a:solidFill>
-                  </a:tcPr>
-                </a:tc>
-                <a:tc>
-                  <a:txBody>
-                    <a:bodyPr/>
-                    <a:lstStyle/>
-                    <a:p>
-                      <a:r>
-                        <a:rPr kumimoji="1" lang="en-US" altLang="ja-JP" sz="1000" b="0" dirty="0" smtClean="0">
-                          <a:solidFill>
-                            <a:schemeClr val="tx1"/>
-                          </a:solidFill>
-                        </a:rPr>
-                        <a:t>Google Chrome</a:t>
-                      </a:r>
-                      <a:endParaRPr kumimoji="1" lang="ja-JP" altLang="en-US" sz="1000" b="0" dirty="0">
-                        <a:solidFill>
-                          <a:schemeClr val="tx1"/>
-                        </a:solidFill>
-                      </a:endParaRPr>
-                    </a:p>
-                  </a:txBody>
-                  <a:tcPr anchor="ctr">
-                    <a:lnL w="38100" cap="flat" cmpd="sng" algn="ctr">
-                      <a:solidFill>
-                        <a:schemeClr val="bg1"/>
-                      </a:solidFill>
-                      <a:prstDash val="solid"/>
-                      <a:round/>
-                      <a:headEnd type="none" w="med" len="med"/>
-                      <a:tailEnd type="none" w="med" len="med"/>
-                    </a:lnL>
-                    <a:lnT w="12700" cap="flat" cmpd="sng" algn="ctr">
-                      <a:solidFill>
-                        <a:schemeClr val="bg1"/>
-                      </a:solidFill>
-                      <a:prstDash val="solid"/>
-                      <a:round/>
-                      <a:headEnd type="none" w="med" len="med"/>
-                      <a:tailEnd type="none" w="med" len="med"/>
-                    </a:lnT>
-                    <a:lnB w="12700" cap="flat" cmpd="sng" algn="ctr">
-                      <a:solidFill>
-                        <a:schemeClr val="bg1"/>
-                      </a:solidFill>
-                      <a:prstDash val="solid"/>
-                      <a:round/>
-                      <a:headEnd type="none" w="med" len="med"/>
-                      <a:tailEnd type="none" w="med" len="med"/>
-                    </a:lnB>
-                  </a:tcPr>
-                </a:tc>
-                <a:tc>
-                  <a:txBody>
-                    <a:bodyPr/>
-                    <a:lstStyle/>
-                    <a:p>
-                      <a:r>
-                        <a:rPr kumimoji="1" lang="en-US" altLang="ja-JP" sz="1000" b="0" dirty="0" smtClean="0">
-                          <a:solidFill>
-                            <a:schemeClr val="tx1"/>
-                          </a:solidFill>
-                        </a:rPr>
-                        <a:t>73</a:t>
-                      </a:r>
-                      <a:r>
-                        <a:rPr kumimoji="1" lang="ja-JP" altLang="en-US" sz="1000" b="0" dirty="0" smtClean="0">
-                          <a:solidFill>
-                            <a:schemeClr val="tx1"/>
-                          </a:solidFill>
-                        </a:rPr>
-                        <a:t>以上</a:t>
-                      </a:r>
-                      <a:endParaRPr kumimoji="1" lang="ja-JP" altLang="en-US" sz="1000" b="0" dirty="0">
-                        <a:solidFill>
-                          <a:schemeClr val="tx1"/>
-                        </a:solidFill>
-                      </a:endParaRPr>
-                    </a:p>
-                  </a:txBody>
-                  <a:tcPr anchor="ctr">
-                    <a:lnT w="12700" cap="flat" cmpd="sng" algn="ctr">
-                      <a:solidFill>
-                        <a:schemeClr val="bg1"/>
-                      </a:solidFill>
-                      <a:prstDash val="solid"/>
-                      <a:round/>
-                      <a:headEnd type="none" w="med" len="med"/>
-                      <a:tailEnd type="none" w="med" len="med"/>
-                    </a:lnT>
-                    <a:lnB w="12700" cap="flat" cmpd="sng" algn="ctr">
-                      <a:solidFill>
-                        <a:schemeClr val="bg1"/>
-                      </a:solidFill>
-                      <a:prstDash val="solid"/>
-                      <a:round/>
-                      <a:headEnd type="none" w="med" len="med"/>
-                      <a:tailEnd type="none" w="med" len="med"/>
-                    </a:lnB>
-                  </a:tcPr>
-                </a:tc>
-                <a:extLst>
-                  <a:ext uri="{0D108BD9-81ED-4DB2-BD59-A6C34878D82A}">
-                    <a16:rowId xmlns="" xmlns:a16="http://schemas.microsoft.com/office/drawing/2014/main" val="10002"/>
-                  </a:ext>
-                </a:extLst>
-              </a:tr>
-              <a:tr h="370840">
-                <a:tc vMerge="1">
-                  <a:txBody>
-                    <a:bodyPr/>
-                    <a:lstStyle/>
-                    <a:p>
-                      <a:pPr algn="l"/>
-                      <a:endParaRPr kumimoji="1" lang="ja-JP" altLang="en-US" sz="1000" dirty="0">
-                        <a:solidFill>
-                          <a:schemeClr val="bg1"/>
-                        </a:solidFill>
-                      </a:endParaRPr>
-                    </a:p>
-                  </a:txBody>
-                  <a:tcPr anchor="ctr">
-                    <a:lnR w="38100" cap="flat" cmpd="sng" algn="ctr">
-                      <a:solidFill>
-                        <a:schemeClr val="bg1"/>
-                      </a:solidFill>
-                      <a:prstDash val="solid"/>
-                      <a:round/>
-                      <a:headEnd type="none" w="med" len="med"/>
-                      <a:tailEnd type="none" w="med" len="med"/>
-                    </a:lnR>
-                    <a:solidFill>
-                      <a:srgbClr val="002060"/>
-                    </a:solidFill>
-                  </a:tcPr>
-                </a:tc>
-                <a:tc>
-                  <a:txBody>
-                    <a:bodyPr/>
-                    <a:lstStyle/>
-                    <a:p>
-                      <a:r>
-                        <a:rPr kumimoji="1" lang="en-US" altLang="ja-JP" sz="1000" b="0" dirty="0" smtClean="0">
-                          <a:solidFill>
-                            <a:schemeClr val="tx1"/>
-                          </a:solidFill>
-                        </a:rPr>
-                        <a:t>Firefox</a:t>
-                      </a:r>
-                      <a:endParaRPr kumimoji="1" lang="ja-JP" altLang="en-US" sz="1000" b="0" dirty="0">
-                        <a:solidFill>
-                          <a:schemeClr val="tx1"/>
-                        </a:solidFill>
-                      </a:endParaRPr>
-                    </a:p>
-                  </a:txBody>
-                  <a:tcPr anchor="ctr">
-                    <a:lnL w="38100" cap="flat" cmpd="sng" algn="ctr">
-                      <a:solidFill>
-                        <a:schemeClr val="bg1"/>
-                      </a:solidFill>
-                      <a:prstDash val="solid"/>
-                      <a:round/>
-                      <a:headEnd type="none" w="med" len="med"/>
-                      <a:tailEnd type="none" w="med" len="med"/>
-                    </a:lnL>
-                    <a:lnT w="12700" cap="flat" cmpd="sng" algn="ctr">
-                      <a:solidFill>
-                        <a:schemeClr val="bg1"/>
-                      </a:solidFill>
-                      <a:prstDash val="solid"/>
-                      <a:round/>
-                      <a:headEnd type="none" w="med" len="med"/>
-                      <a:tailEnd type="none" w="med" len="med"/>
-                    </a:lnT>
-                    <a:lnB w="12700" cap="flat" cmpd="sng" algn="ctr">
-                      <a:solidFill>
-                        <a:schemeClr val="bg1"/>
-                      </a:solidFill>
-                      <a:prstDash val="solid"/>
-                      <a:round/>
-                      <a:headEnd type="none" w="med" len="med"/>
-                      <a:tailEnd type="none" w="med" len="med"/>
-                    </a:lnB>
-                  </a:tcPr>
-                </a:tc>
-                <a:tc>
-                  <a:txBody>
-                    <a:bodyPr/>
-                    <a:lstStyle/>
-                    <a:p>
-                      <a:r>
-                        <a:rPr kumimoji="1" lang="en-US" altLang="ja-JP" sz="1000" b="0" dirty="0" smtClean="0">
-                          <a:solidFill>
-                            <a:schemeClr val="tx1"/>
-                          </a:solidFill>
-                        </a:rPr>
-                        <a:t>41</a:t>
-                      </a:r>
-                      <a:r>
-                        <a:rPr kumimoji="1" lang="ja-JP" altLang="en-US" sz="1000" b="0" dirty="0" smtClean="0">
-                          <a:solidFill>
-                            <a:schemeClr val="tx1"/>
-                          </a:solidFill>
-                        </a:rPr>
-                        <a:t>以上</a:t>
-                      </a:r>
-                      <a:endParaRPr kumimoji="1" lang="ja-JP" altLang="en-US" sz="1000" b="0" dirty="0">
-                        <a:solidFill>
-                          <a:schemeClr val="tx1"/>
-                        </a:solidFill>
-                      </a:endParaRPr>
-                    </a:p>
-                  </a:txBody>
-                  <a:tcPr anchor="ctr">
-                    <a:lnT w="12700" cap="flat" cmpd="sng" algn="ctr">
-                      <a:solidFill>
-                        <a:schemeClr val="bg1"/>
-                      </a:solidFill>
-                      <a:prstDash val="solid"/>
-                      <a:round/>
-                      <a:headEnd type="none" w="med" len="med"/>
-                      <a:tailEnd type="none" w="med" len="med"/>
-                    </a:lnT>
-                    <a:lnB w="12700" cap="flat" cmpd="sng" algn="ctr">
-                      <a:solidFill>
-                        <a:schemeClr val="bg1"/>
-                      </a:solidFill>
-                      <a:prstDash val="solid"/>
-                      <a:round/>
-                      <a:headEnd type="none" w="med" len="med"/>
-                      <a:tailEnd type="none" w="med" len="med"/>
-                    </a:lnB>
-                  </a:tcPr>
-                </a:tc>
-                <a:extLst>
-                  <a:ext uri="{0D108BD9-81ED-4DB2-BD59-A6C34878D82A}">
-                    <a16:rowId xmlns="" xmlns:a16="http://schemas.microsoft.com/office/drawing/2014/main" val="10003"/>
-                  </a:ext>
-                </a:extLst>
-              </a:tr>
-              <a:tr h="370840">
-                <a:tc vMerge="1">
-                  <a:txBody>
-                    <a:bodyPr/>
-                    <a:lstStyle/>
-                    <a:p>
-                      <a:pPr algn="l"/>
-                      <a:endParaRPr kumimoji="1" lang="ja-JP" altLang="en-US" sz="1000" dirty="0">
-                        <a:solidFill>
-                          <a:schemeClr val="bg1"/>
-                        </a:solidFill>
-                      </a:endParaRPr>
-                    </a:p>
-                  </a:txBody>
-                  <a:tcPr anchor="ctr">
-                    <a:lnR w="38100" cap="flat" cmpd="sng" algn="ctr">
-                      <a:solidFill>
-                        <a:schemeClr val="bg1"/>
-                      </a:solidFill>
-                      <a:prstDash val="solid"/>
-                      <a:round/>
-                      <a:headEnd type="none" w="med" len="med"/>
-                      <a:tailEnd type="none" w="med" len="med"/>
-                    </a:lnR>
-                    <a:solidFill>
-                      <a:srgbClr val="002060"/>
-                    </a:solidFill>
-                  </a:tcPr>
-                </a:tc>
-                <a:tc>
-                  <a:txBody>
-                    <a:bodyPr/>
-                    <a:lstStyle/>
-                    <a:p>
-                      <a:r>
-                        <a:rPr kumimoji="1" lang="en-US" altLang="ja-JP" sz="1000" b="0" dirty="0" smtClean="0">
-                          <a:solidFill>
-                            <a:schemeClr val="tx1"/>
-                          </a:solidFill>
-                        </a:rPr>
-                        <a:t>Microsoft</a:t>
-                      </a:r>
-                      <a:r>
-                        <a:rPr kumimoji="1" lang="ja-JP" altLang="en-US" sz="1000" b="0" dirty="0" smtClean="0">
-                          <a:solidFill>
-                            <a:schemeClr val="tx1"/>
-                          </a:solidFill>
-                        </a:rPr>
-                        <a:t>　</a:t>
-                      </a:r>
-                      <a:r>
-                        <a:rPr kumimoji="1" lang="en-US" altLang="ja-JP" sz="1000" b="0" dirty="0" smtClean="0">
-                          <a:solidFill>
-                            <a:schemeClr val="tx1"/>
-                          </a:solidFill>
-                        </a:rPr>
-                        <a:t>Edge </a:t>
-                      </a:r>
-                      <a:endParaRPr kumimoji="1" lang="ja-JP" altLang="en-US" sz="1000" b="0" dirty="0">
-                        <a:solidFill>
-                          <a:schemeClr val="tx1"/>
-                        </a:solidFill>
-                      </a:endParaRPr>
-                    </a:p>
-                  </a:txBody>
-                  <a:tcPr anchor="ctr">
-                    <a:lnL w="38100" cap="flat" cmpd="sng" algn="ctr">
-                      <a:solidFill>
-                        <a:schemeClr val="bg1"/>
-                      </a:solidFill>
-                      <a:prstDash val="solid"/>
-                      <a:round/>
-                      <a:headEnd type="none" w="med" len="med"/>
-                      <a:tailEnd type="none" w="med" len="med"/>
-                    </a:lnL>
-                    <a:lnT w="12700" cap="flat" cmpd="sng" algn="ctr">
-                      <a:solidFill>
-                        <a:schemeClr val="bg1"/>
-                      </a:solidFill>
-                      <a:prstDash val="solid"/>
-                      <a:round/>
-                      <a:headEnd type="none" w="med" len="med"/>
-                      <a:tailEnd type="none" w="med" len="med"/>
-                    </a:lnT>
-                    <a:lnB w="12700" cap="flat" cmpd="sng" algn="ctr">
-                      <a:solidFill>
-                        <a:schemeClr val="bg1"/>
-                      </a:solidFill>
-                      <a:prstDash val="solid"/>
-                      <a:round/>
-                      <a:headEnd type="none" w="med" len="med"/>
-                      <a:tailEnd type="none" w="med" len="med"/>
-                    </a:lnB>
-                  </a:tcPr>
-                </a:tc>
-                <a:tc>
-                  <a:txBody>
-                    <a:bodyPr/>
-                    <a:lstStyle/>
-                    <a:p>
-                      <a:r>
-                        <a:rPr kumimoji="1" lang="en-US" altLang="ja-JP" sz="1000" b="0" dirty="0" smtClean="0">
-                          <a:solidFill>
-                            <a:schemeClr val="tx1"/>
-                          </a:solidFill>
-                        </a:rPr>
-                        <a:t>20</a:t>
-                      </a:r>
-                      <a:r>
-                        <a:rPr kumimoji="1" lang="ja-JP" altLang="en-US" sz="1000" b="0" dirty="0" smtClean="0">
-                          <a:solidFill>
-                            <a:schemeClr val="tx1"/>
-                          </a:solidFill>
-                        </a:rPr>
-                        <a:t>以上</a:t>
-                      </a:r>
-                      <a:endParaRPr kumimoji="1" lang="ja-JP" altLang="en-US" sz="1000" b="0" dirty="0">
-                        <a:solidFill>
-                          <a:schemeClr val="tx1"/>
-                        </a:solidFill>
-                      </a:endParaRPr>
-                    </a:p>
-                  </a:txBody>
-                  <a:tcPr anchor="ctr">
-                    <a:lnT w="12700" cap="flat" cmpd="sng" algn="ctr">
-                      <a:solidFill>
-                        <a:schemeClr val="bg1"/>
-                      </a:solidFill>
-                      <a:prstDash val="solid"/>
-                      <a:round/>
-                      <a:headEnd type="none" w="med" len="med"/>
-                      <a:tailEnd type="none" w="med" len="med"/>
-                    </a:lnT>
-                    <a:lnB w="12700" cap="flat" cmpd="sng" algn="ctr">
-                      <a:solidFill>
-                        <a:schemeClr val="bg1"/>
-                      </a:solidFill>
-                      <a:prstDash val="solid"/>
-                      <a:round/>
-                      <a:headEnd type="none" w="med" len="med"/>
-                      <a:tailEnd type="none" w="med" len="med"/>
-                    </a:lnB>
-                  </a:tcPr>
-                </a:tc>
-                <a:extLst>
-                  <a:ext uri="{0D108BD9-81ED-4DB2-BD59-A6C34878D82A}">
-                    <a16:rowId xmlns="" xmlns:a16="http://schemas.microsoft.com/office/drawing/2014/main" val="10004"/>
-                  </a:ext>
-                </a:extLst>
-              </a:tr>
-            </a:tbl>
-          </a:graphicData>
-        </a:graphic>
-      </p:graphicFrame>
     </p:spTree>
     <p:extLst>
       <p:ext uri="{BB962C8B-B14F-4D97-AF65-F5344CB8AC3E}">
@@ -35784,12 +32076,6 @@
             </a:r>
             <a:endParaRPr lang="en-US" altLang="ja-JP" dirty="0" smtClean="0"/>
           </a:p>
-          <a:p>
-            <a:pPr marL="180000" lvl="1" indent="0">
-              <a:buNone/>
-            </a:pPr>
-            <a:endParaRPr lang="en-US" altLang="ja-JP" dirty="0" smtClean="0"/>
-          </a:p>
         </p:txBody>
       </p:sp>
       <p:graphicFrame>
@@ -35801,14 +32087,14 @@
           <p:nvPr>
             <p:extLst>
               <p:ext uri="{D42A27DB-BD31-4B8C-83A1-F6EECF244321}">
-                <p14:modId xmlns:p14="http://schemas.microsoft.com/office/powerpoint/2010/main" val="2709763650"/>
+                <p14:modId xmlns:p14="http://schemas.microsoft.com/office/powerpoint/2010/main" val="2357416733"/>
               </p:ext>
             </p:extLst>
           </p:nvPr>
         </p:nvGraphicFramePr>
         <p:xfrm>
-          <a:off x="899490" y="2780910"/>
-          <a:ext cx="7201000" cy="3561968"/>
+          <a:off x="971013" y="2780910"/>
+          <a:ext cx="7201000" cy="2453640"/>
         </p:xfrm>
         <a:graphic>
           <a:graphicData uri="http://schemas.openxmlformats.org/drawingml/2006/table">
@@ -35817,22 +32103,22 @@
                 <a:tableStyleId>{93296810-A885-4BE3-A3E7-6D5BEEA58F35}</a:tableStyleId>
               </a:tblPr>
               <a:tblGrid>
-                <a:gridCol w="843691">
+                <a:gridCol w="1008140">
                   <a:extLst>
                     <a:ext uri="{9D8B030D-6E8A-4147-A177-3AD203B41FA5}">
-                      <a16:colId xmlns="" xmlns:a16="http://schemas.microsoft.com/office/drawing/2014/main" val="20000"/>
+                      <a16:colId xmlns:a16="http://schemas.microsoft.com/office/drawing/2014/main" val="20000"/>
                     </a:ext>
                   </a:extLst>
                 </a:gridCol>
-                <a:gridCol w="6357309">
+                <a:gridCol w="6192860">
                   <a:extLst>
                     <a:ext uri="{9D8B030D-6E8A-4147-A177-3AD203B41FA5}">
-                      <a16:colId xmlns="" xmlns:a16="http://schemas.microsoft.com/office/drawing/2014/main" val="20001"/>
+                      <a16:colId xmlns:a16="http://schemas.microsoft.com/office/drawing/2014/main" val="20001"/>
                     </a:ext>
                   </a:extLst>
                 </a:gridCol>
               </a:tblGrid>
-              <a:tr h="264426">
+              <a:tr h="120406">
                 <a:tc>
                   <a:txBody>
                     <a:bodyPr/>
@@ -35865,21 +32151,21 @@
                 </a:tc>
                 <a:extLst>
                   <a:ext uri="{0D108BD9-81ED-4DB2-BD59-A6C34878D82A}">
-                    <a16:rowId xmlns="" xmlns:a16="http://schemas.microsoft.com/office/drawing/2014/main" val="10000"/>
+                    <a16:rowId xmlns:a16="http://schemas.microsoft.com/office/drawing/2014/main" val="10000"/>
                   </a:ext>
                 </a:extLst>
               </a:tr>
-              <a:tr h="404416">
+              <a:tr h="172980">
                 <a:tc rowSpan="3">
                   <a:txBody>
                     <a:bodyPr/>
                     <a:lstStyle/>
                     <a:p>
                       <a:r>
-                        <a:rPr kumimoji="1" lang="en-US" altLang="ja-JP" sz="1000" b="1" dirty="0" smtClean="0"/>
+                        <a:rPr kumimoji="1" lang="en-US" altLang="ja-JP" sz="1200" b="1" dirty="0" smtClean="0"/>
                         <a:t>RHEL7</a:t>
                       </a:r>
-                      <a:endParaRPr kumimoji="1" lang="ja-JP" altLang="en-US" sz="1000" b="1" dirty="0"/>
+                      <a:endParaRPr kumimoji="1" lang="ja-JP" altLang="en-US" sz="1200" b="1" dirty="0"/>
                     </a:p>
                   </a:txBody>
                   <a:tcPr anchor="ctr"/>
@@ -35890,29 +32176,26 @@
                     <a:lstStyle/>
                     <a:p>
                       <a:r>
-                        <a:rPr kumimoji="1" lang="en-US" altLang="ja-JP" sz="1000" b="1" i="0" u="none" strike="noStrike" kern="1200" baseline="0" dirty="0" smtClean="0">
+                        <a:rPr kumimoji="1" lang="en-US" altLang="ja-JP" sz="1200" b="1" i="0" kern="1200" dirty="0" smtClean="0">
                           <a:solidFill>
                             <a:schemeClr val="dk1"/>
                           </a:solidFill>
+                          <a:effectLst/>
                           <a:latin typeface="+mn-lt"/>
                           <a:ea typeface="+mn-ea"/>
                           <a:cs typeface="+mn-cs"/>
                         </a:rPr>
-                        <a:t>http://ftp-srv2.kddilabs.jp/Linux/distributions/fedora/epel/7/x86_64/Packages/</a:t>
-                      </a:r>
-                    </a:p>
-                    <a:p>
-                      <a:r>
-                        <a:rPr kumimoji="1" lang="en-US" altLang="ja-JP" sz="1000" b="1" i="0" u="none" strike="noStrike" kern="1200" baseline="0" dirty="0" smtClean="0">
-                          <a:solidFill>
-                            <a:schemeClr val="dk1"/>
-                          </a:solidFill>
-                          <a:latin typeface="+mn-lt"/>
-                          <a:ea typeface="+mn-ea"/>
-                          <a:cs typeface="+mn-cs"/>
-                        </a:rPr>
-                        <a:t>e/epel-release-7-11.noarch.rpm</a:t>
-                      </a:r>
+                        <a:t>https://dl.fedoraproject.org/pub/epel/epel-release-latest-7.noarch.rpm</a:t>
+                      </a:r>
+                      <a:endParaRPr kumimoji="1" lang="en-US" altLang="ja-JP" sz="1200" b="1" i="0" kern="1200" dirty="0">
+                        <a:solidFill>
+                          <a:schemeClr val="dk1"/>
+                        </a:solidFill>
+                        <a:effectLst/>
+                        <a:latin typeface="+mn-lt"/>
+                        <a:ea typeface="+mn-ea"/>
+                        <a:cs typeface="+mn-cs"/>
+                      </a:endParaRPr>
                     </a:p>
                   </a:txBody>
                   <a:tcPr>
@@ -35932,7 +32215,7 @@
                 </a:tc>
                 <a:extLst>
                   <a:ext uri="{0D108BD9-81ED-4DB2-BD59-A6C34878D82A}">
-                    <a16:rowId xmlns="" xmlns:a16="http://schemas.microsoft.com/office/drawing/2014/main" val="10001"/>
+                    <a16:rowId xmlns:a16="http://schemas.microsoft.com/office/drawing/2014/main" val="10001"/>
                   </a:ext>
                 </a:extLst>
               </a:tr>
@@ -35970,7 +32253,7 @@
                         <a:defRPr/>
                       </a:pPr>
                       <a:r>
-                        <a:rPr kumimoji="1" lang="en-US" altLang="ja-JP" sz="1000" b="1" i="0" u="none" strike="noStrike" kern="1200" baseline="0" dirty="0" smtClean="0">
+                        <a:rPr kumimoji="1" lang="en-US" altLang="ja-JP" sz="1200" b="1" i="0" u="none" strike="noStrike" kern="1200" baseline="0" dirty="0" smtClean="0">
                           <a:solidFill>
                             <a:schemeClr val="tx1"/>
                           </a:solidFill>
@@ -36008,7 +32291,212 @@
                 </a:tc>
                 <a:extLst>
                   <a:ext uri="{0D108BD9-81ED-4DB2-BD59-A6C34878D82A}">
-                    <a16:rowId xmlns="" xmlns:a16="http://schemas.microsoft.com/office/drawing/2014/main" val="10002"/>
+                    <a16:rowId xmlns:a16="http://schemas.microsoft.com/office/drawing/2014/main" val="10002"/>
+                  </a:ext>
+                </a:extLst>
+              </a:tr>
+              <a:tr h="248871">
+                <a:tc vMerge="1">
+                  <a:txBody>
+                    <a:bodyPr/>
+                    <a:lstStyle/>
+                    <a:p>
+                      <a:endParaRPr kumimoji="1" lang="ja-JP" altLang="en-US"/>
+                    </a:p>
+                  </a:txBody>
+                  <a:tcPr/>
+                </a:tc>
+                <a:tc>
+                  <a:txBody>
+                    <a:bodyPr/>
+                    <a:lstStyle/>
+                    <a:p>
+                      <a:r>
+                        <a:rPr kumimoji="1" lang="en-US" altLang="ja-JP" sz="1200" b="1" dirty="0" smtClean="0">
+                          <a:solidFill>
+                            <a:schemeClr val="tx1"/>
+                          </a:solidFill>
+                        </a:rPr>
+                        <a:t>http://rpms.remirepo.net/enterprise/remi-release-7.rpm</a:t>
+                      </a:r>
+                      <a:endParaRPr kumimoji="1" lang="ja-JP" altLang="en-US" sz="1200" b="1" dirty="0">
+                        <a:solidFill>
+                          <a:schemeClr val="tx1"/>
+                        </a:solidFill>
+                      </a:endParaRPr>
+                    </a:p>
+                  </a:txBody>
+                  <a:tcPr>
+                    <a:lnT w="12700" cap="flat" cmpd="sng" algn="ctr">
+                      <a:solidFill>
+                        <a:schemeClr val="bg1"/>
+                      </a:solidFill>
+                      <a:prstDash val="solid"/>
+                      <a:round/>
+                      <a:headEnd type="none" w="med" len="med"/>
+                      <a:tailEnd type="none" w="med" len="med"/>
+                    </a:lnT>
+                  </a:tcPr>
+                </a:tc>
+                <a:extLst>
+                  <a:ext uri="{0D108BD9-81ED-4DB2-BD59-A6C34878D82A}">
+                    <a16:rowId xmlns:a16="http://schemas.microsoft.com/office/drawing/2014/main" val="10003"/>
+                  </a:ext>
+                </a:extLst>
+              </a:tr>
+              <a:tr h="248871">
+                <a:tc>
+                  <a:txBody>
+                    <a:bodyPr/>
+                    <a:lstStyle/>
+                    <a:p>
+                      <a:pPr marL="0" marR="0" lvl="0" indent="0" algn="l" defTabSz="914400" rtl="0" eaLnBrk="1" fontAlgn="auto" latinLnBrk="0" hangingPunct="1">
+                        <a:lnSpc>
+                          <a:spcPct val="100000"/>
+                        </a:lnSpc>
+                        <a:spcBef>
+                          <a:spcPts val="0"/>
+                        </a:spcBef>
+                        <a:spcAft>
+                          <a:spcPts val="0"/>
+                        </a:spcAft>
+                        <a:buClrTx/>
+                        <a:buSzTx/>
+                        <a:buFontTx/>
+                        <a:buNone/>
+                        <a:tabLst/>
+                        <a:defRPr/>
+                      </a:pPr>
+                      <a:r>
+                        <a:rPr kumimoji="1" lang="en-US" altLang="ja-JP" sz="1200" b="1" dirty="0" smtClean="0"/>
+                        <a:t>RHEL8</a:t>
+                      </a:r>
+                      <a:endParaRPr kumimoji="1" lang="ja-JP" altLang="en-US" sz="1200" b="1" dirty="0" smtClean="0"/>
+                    </a:p>
+                  </a:txBody>
+                  <a:tcPr anchor="ctr"/>
+                </a:tc>
+                <a:tc>
+                  <a:txBody>
+                    <a:bodyPr/>
+                    <a:lstStyle/>
+                    <a:p>
+                      <a:pPr marL="0" marR="0" lvl="0" indent="0" algn="l" defTabSz="914400" rtl="0" eaLnBrk="1" fontAlgn="auto" latinLnBrk="0" hangingPunct="1">
+                        <a:lnSpc>
+                          <a:spcPct val="100000"/>
+                        </a:lnSpc>
+                        <a:spcBef>
+                          <a:spcPts val="0"/>
+                        </a:spcBef>
+                        <a:spcAft>
+                          <a:spcPts val="0"/>
+                        </a:spcAft>
+                        <a:buClrTx/>
+                        <a:buSzTx/>
+                        <a:buFontTx/>
+                        <a:buNone/>
+                        <a:tabLst/>
+                        <a:defRPr/>
+                      </a:pPr>
+                      <a:r>
+                        <a:rPr kumimoji="1" lang="en-US" altLang="ja-JP" sz="1200" b="1" i="0" kern="1200" dirty="0" smtClean="0">
+                          <a:solidFill>
+                            <a:schemeClr val="dk1"/>
+                          </a:solidFill>
+                          <a:effectLst/>
+                          <a:latin typeface="+mn-lt"/>
+                          <a:ea typeface="+mn-ea"/>
+                          <a:cs typeface="+mn-cs"/>
+                        </a:rPr>
+                        <a:t>https://dl.fedoraproject.org/pub/epel/epel-release-latest-8.noarch.rpm</a:t>
+                      </a:r>
+                    </a:p>
+                  </a:txBody>
+                  <a:tcPr>
+                    <a:lnB w="12700" cap="flat" cmpd="sng" algn="ctr">
+                      <a:solidFill>
+                        <a:schemeClr val="bg1"/>
+                      </a:solidFill>
+                      <a:prstDash val="solid"/>
+                      <a:round/>
+                      <a:headEnd type="none" w="med" len="med"/>
+                      <a:tailEnd type="none" w="med" len="med"/>
+                    </a:lnB>
+                  </a:tcPr>
+                </a:tc>
+                <a:extLst>
+                  <a:ext uri="{0D108BD9-81ED-4DB2-BD59-A6C34878D82A}">
+                    <a16:rowId xmlns:a16="http://schemas.microsoft.com/office/drawing/2014/main" val="10007"/>
+                  </a:ext>
+                </a:extLst>
+              </a:tr>
+              <a:tr h="248871">
+                <a:tc rowSpan="3">
+                  <a:txBody>
+                    <a:bodyPr/>
+                    <a:lstStyle/>
+                    <a:p>
+                      <a:r>
+                        <a:rPr kumimoji="1" lang="en-US" altLang="ja-JP" sz="1200" b="1" dirty="0" smtClean="0"/>
+                        <a:t>CentOS7</a:t>
+                      </a:r>
+                      <a:endParaRPr kumimoji="1" lang="ja-JP" altLang="en-US" sz="1200" b="1" dirty="0"/>
+                    </a:p>
+                  </a:txBody>
+                  <a:tcPr anchor="ctr"/>
+                </a:tc>
+                <a:tc>
+                  <a:txBody>
+                    <a:bodyPr/>
+                    <a:lstStyle/>
+                    <a:p>
+                      <a:r>
+                        <a:rPr kumimoji="1" lang="en-US" altLang="ja-JP" sz="1200" b="1" dirty="0" err="1" smtClean="0">
+                          <a:solidFill>
+                            <a:schemeClr val="tx1"/>
+                          </a:solidFill>
+                        </a:rPr>
+                        <a:t>epel</a:t>
+                      </a:r>
+                      <a:r>
+                        <a:rPr kumimoji="1" lang="en-US" altLang="ja-JP" sz="1200" b="1" dirty="0" smtClean="0">
+                          <a:solidFill>
+                            <a:schemeClr val="tx1"/>
+                          </a:solidFill>
+                        </a:rPr>
+                        <a:t>-release</a:t>
+                      </a:r>
+                      <a:endParaRPr kumimoji="1" lang="ja-JP" altLang="en-US" sz="1200" b="1" dirty="0">
+                        <a:solidFill>
+                          <a:schemeClr val="tx1"/>
+                        </a:solidFill>
+                      </a:endParaRPr>
+                    </a:p>
+                  </a:txBody>
+                  <a:tcPr>
+                    <a:lnT w="12700" cap="flat" cmpd="sng" algn="ctr">
+                      <a:solidFill>
+                        <a:schemeClr val="bg1"/>
+                      </a:solidFill>
+                      <a:prstDash val="solid"/>
+                      <a:round/>
+                      <a:headEnd type="none" w="med" len="med"/>
+                      <a:tailEnd type="none" w="med" len="med"/>
+                    </a:lnT>
+                    <a:lnB w="12700" cap="flat" cmpd="sng" algn="ctr">
+                      <a:solidFill>
+                        <a:schemeClr val="bg1"/>
+                      </a:solidFill>
+                      <a:prstDash val="solid"/>
+                      <a:round/>
+                      <a:headEnd type="none" w="med" len="med"/>
+                      <a:tailEnd type="none" w="med" len="med"/>
+                    </a:lnB>
+                  </a:tcPr>
+                </a:tc>
+                <a:extLst>
+                  <a:ext uri="{0D108BD9-81ED-4DB2-BD59-A6C34878D82A}">
+                    <a16:rowId xmlns:a16="http://schemas.microsoft.com/office/drawing/2014/main" val="3397044398"/>
                   </a:ext>
                 </a:extLst>
               </a:tr>
@@ -36046,123 +32534,7 @@
                         <a:defRPr/>
                       </a:pPr>
                       <a:r>
-                        <a:rPr kumimoji="1" lang="en-US" altLang="ja-JP" sz="1000" b="1" i="0" u="none" strike="noStrike" kern="1200" baseline="0" dirty="0" smtClean="0">
-                          <a:solidFill>
-                            <a:schemeClr val="dk1"/>
-                          </a:solidFill>
-                          <a:latin typeface="+mn-lt"/>
-                          <a:ea typeface="+mn-ea"/>
-                          <a:cs typeface="+mn-cs"/>
-                        </a:rPr>
-                        <a:t>http://rpms.remirepo.net/enterprise/remi-release-7.rpm</a:t>
-                      </a:r>
-                      <a:endParaRPr kumimoji="1" lang="ja-JP" altLang="en-US" sz="1000" b="1" dirty="0" smtClean="0"/>
-                    </a:p>
-                  </a:txBody>
-                  <a:tcPr>
-                    <a:lnT w="12700" cap="flat" cmpd="sng" algn="ctr">
-                      <a:solidFill>
-                        <a:schemeClr val="bg1"/>
-                      </a:solidFill>
-                      <a:prstDash val="solid"/>
-                      <a:round/>
-                      <a:headEnd type="none" w="med" len="med"/>
-                      <a:tailEnd type="none" w="med" len="med"/>
-                    </a:lnT>
-                  </a:tcPr>
-                </a:tc>
-                <a:extLst>
-                  <a:ext uri="{0D108BD9-81ED-4DB2-BD59-A6C34878D82A}">
-                    <a16:rowId xmlns="" xmlns:a16="http://schemas.microsoft.com/office/drawing/2014/main" val="10003"/>
-                  </a:ext>
-                </a:extLst>
-              </a:tr>
-              <a:tr h="404416">
-                <a:tc rowSpan="3">
-                  <a:txBody>
-                    <a:bodyPr/>
-                    <a:lstStyle/>
-                    <a:p>
-                      <a:r>
-                        <a:rPr kumimoji="1" lang="en-US" altLang="ja-JP" sz="1000" b="1" dirty="0" smtClean="0"/>
-                        <a:t>RHEL6</a:t>
-                      </a:r>
-                      <a:endParaRPr kumimoji="1" lang="ja-JP" altLang="en-US" sz="1000" b="1" dirty="0"/>
-                    </a:p>
-                  </a:txBody>
-                  <a:tcPr anchor="ctr"/>
-                </a:tc>
-                <a:tc>
-                  <a:txBody>
-                    <a:bodyPr/>
-                    <a:lstStyle/>
-                    <a:p>
-                      <a:r>
-                        <a:rPr kumimoji="1" lang="en-US" altLang="ja-JP" sz="1000" b="1" dirty="0" smtClean="0"/>
-                        <a:t>http://ftp-srv2.kddilabs.jp/Linux/distributions/fedora/epel/6/x86_64/Packages/</a:t>
-                      </a:r>
-                    </a:p>
-                    <a:p>
-                      <a:r>
-                        <a:rPr kumimoji="1" lang="en-US" altLang="ja-JP" sz="1000" b="1" dirty="0" smtClean="0"/>
-                        <a:t>e/epel-release-6-8.noarch.rpm</a:t>
-                      </a:r>
-                      <a:endParaRPr kumimoji="1" lang="ja-JP" altLang="en-US" sz="1000" b="1" dirty="0"/>
-                    </a:p>
-                  </a:txBody>
-                  <a:tcPr>
-                    <a:lnB w="12700" cap="flat" cmpd="sng" algn="ctr">
-                      <a:solidFill>
-                        <a:schemeClr val="bg1"/>
-                      </a:solidFill>
-                      <a:prstDash val="solid"/>
-                      <a:round/>
-                      <a:headEnd type="none" w="med" len="med"/>
-                      <a:tailEnd type="none" w="med" len="med"/>
-                    </a:lnB>
-                  </a:tcPr>
-                </a:tc>
-                <a:extLst>
-                  <a:ext uri="{0D108BD9-81ED-4DB2-BD59-A6C34878D82A}">
-                    <a16:rowId xmlns="" xmlns:a16="http://schemas.microsoft.com/office/drawing/2014/main" val="10004"/>
-                  </a:ext>
-                </a:extLst>
-              </a:tr>
-              <a:tr h="248871">
-                <a:tc vMerge="1">
-                  <a:txBody>
-                    <a:bodyPr/>
-                    <a:lstStyle/>
-                    <a:p>
-                      <a:endParaRPr kumimoji="1" lang="ja-JP" altLang="en-US"/>
-                    </a:p>
-                  </a:txBody>
-                  <a:tcPr/>
-                </a:tc>
-                <a:tc>
-                  <a:txBody>
-                    <a:bodyPr/>
-                    <a:lstStyle/>
-                    <a:p>
-                      <a:pPr marL="0" marR="0" lvl="0" indent="0" algn="l" defTabSz="914400" rtl="0" eaLnBrk="1" fontAlgn="auto" latinLnBrk="0" hangingPunct="1">
-                        <a:lnSpc>
-                          <a:spcPct val="100000"/>
-                        </a:lnSpc>
-                        <a:spcBef>
-                          <a:spcPts val="0"/>
-                        </a:spcBef>
-                        <a:spcAft>
-                          <a:spcPts val="0"/>
-                        </a:spcAft>
-                        <a:buClrTx/>
-                        <a:buSzTx/>
-                        <a:buFontTx/>
-                        <a:buNone/>
-                        <a:tabLst/>
-                        <a:defRPr/>
-                      </a:pPr>
-                      <a:r>
-                        <a:rPr kumimoji="1" lang="en-US" altLang="ja-JP" sz="1000" b="1" i="0" u="none" strike="noStrike" kern="1200" baseline="0" dirty="0" smtClean="0">
+                        <a:rPr kumimoji="1" lang="en-US" altLang="ja-JP" sz="1200" b="1" i="0" u="none" strike="noStrike" kern="1200" baseline="0" dirty="0" smtClean="0">
                           <a:solidFill>
                             <a:schemeClr val="tx1"/>
                           </a:solidFill>
@@ -36197,7 +32569,7 @@
                 </a:tc>
                 <a:extLst>
                   <a:ext uri="{0D108BD9-81ED-4DB2-BD59-A6C34878D82A}">
-                    <a16:rowId xmlns="" xmlns:a16="http://schemas.microsoft.com/office/drawing/2014/main" val="10005"/>
+                    <a16:rowId xmlns:a16="http://schemas.microsoft.com/office/drawing/2014/main" val="4171802913"/>
                   </a:ext>
                 </a:extLst>
               </a:tr>
@@ -36218,118 +32590,8 @@
                     <a:lstStyle/>
                     <a:p>
                       <a:r>
-                        <a:rPr kumimoji="1" lang="en-US" altLang="ja-JP" sz="1000" b="1" dirty="0" smtClean="0"/>
-                        <a:t>http://rpms.remirepo.net/enterprise/remi-release-6.rpm</a:t>
-                      </a:r>
-                      <a:endParaRPr kumimoji="1" lang="ja-JP" altLang="en-US" sz="1000" b="1" dirty="0"/>
-                    </a:p>
-                  </a:txBody>
-                  <a:tcPr>
-                    <a:lnT w="12700" cap="flat" cmpd="sng" algn="ctr">
-                      <a:solidFill>
-                        <a:schemeClr val="bg1"/>
-                      </a:solidFill>
-                      <a:prstDash val="solid"/>
-                      <a:round/>
-                      <a:headEnd type="none" w="med" len="med"/>
-                      <a:tailEnd type="none" w="med" len="med"/>
-                    </a:lnT>
-                  </a:tcPr>
-                </a:tc>
-                <a:extLst>
-                  <a:ext uri="{0D108BD9-81ED-4DB2-BD59-A6C34878D82A}">
-                    <a16:rowId xmlns="" xmlns:a16="http://schemas.microsoft.com/office/drawing/2014/main" val="10006"/>
-                  </a:ext>
-                </a:extLst>
-              </a:tr>
-              <a:tr h="248871">
-                <a:tc rowSpan="3">
-                  <a:txBody>
-                    <a:bodyPr/>
-                    <a:lstStyle/>
-                    <a:p>
-                      <a:r>
-                        <a:rPr kumimoji="1" lang="en-US" altLang="ja-JP" sz="1000" b="1" dirty="0" smtClean="0"/>
-                        <a:t>CentOS7</a:t>
-                      </a:r>
-                      <a:endParaRPr kumimoji="1" lang="ja-JP" altLang="en-US" sz="1000" b="1" dirty="0"/>
-                    </a:p>
-                  </a:txBody>
-                  <a:tcPr anchor="ctr"/>
-                </a:tc>
-                <a:tc>
-                  <a:txBody>
-                    <a:bodyPr/>
-                    <a:lstStyle/>
-                    <a:p>
-                      <a:r>
-                        <a:rPr kumimoji="1" lang="en-US" altLang="ja-JP" sz="1000" b="1" dirty="0" smtClean="0"/>
-                        <a:t>epel-release</a:t>
-                      </a:r>
-                      <a:endParaRPr kumimoji="1" lang="ja-JP" altLang="en-US" sz="1000" b="1" dirty="0"/>
-                    </a:p>
-                  </a:txBody>
-                  <a:tcPr>
-                    <a:lnB w="12700" cap="flat" cmpd="sng" algn="ctr">
-                      <a:solidFill>
-                        <a:schemeClr val="bg1"/>
-                      </a:solidFill>
-                      <a:prstDash val="solid"/>
-                      <a:round/>
-                      <a:headEnd type="none" w="med" len="med"/>
-                      <a:tailEnd type="none" w="med" len="med"/>
-                    </a:lnB>
-                  </a:tcPr>
-                </a:tc>
-                <a:extLst>
-                  <a:ext uri="{0D108BD9-81ED-4DB2-BD59-A6C34878D82A}">
-                    <a16:rowId xmlns="" xmlns:a16="http://schemas.microsoft.com/office/drawing/2014/main" val="10007"/>
-                  </a:ext>
-                </a:extLst>
-              </a:tr>
-              <a:tr h="248871">
-                <a:tc vMerge="1">
-                  <a:txBody>
-                    <a:bodyPr/>
-                    <a:lstStyle/>
-                    <a:p>
-                      <a:endParaRPr kumimoji="1" lang="ja-JP" altLang="en-US"/>
-                    </a:p>
-                  </a:txBody>
-                  <a:tcPr/>
-                </a:tc>
-                <a:tc>
-                  <a:txBody>
-                    <a:bodyPr/>
-                    <a:lstStyle/>
-                    <a:p>
-                      <a:pPr marL="0" marR="0" lvl="0" indent="0" algn="l" defTabSz="914400" rtl="0" eaLnBrk="1" fontAlgn="auto" latinLnBrk="0" hangingPunct="1">
-                        <a:lnSpc>
-                          <a:spcPct val="100000"/>
-                        </a:lnSpc>
-                        <a:spcBef>
-                          <a:spcPts val="0"/>
-                        </a:spcBef>
-                        <a:spcAft>
-                          <a:spcPts val="0"/>
-                        </a:spcAft>
-                        <a:buClrTx/>
-                        <a:buSzTx/>
-                        <a:buFontTx/>
-                        <a:buNone/>
-                        <a:tabLst/>
-                        <a:defRPr/>
-                      </a:pPr>
-                      <a:r>
-                        <a:rPr kumimoji="1" lang="en-US" altLang="ja-JP" sz="1000" b="1" i="0" u="none" strike="noStrike" kern="1200" baseline="0" dirty="0" smtClean="0">
-                          <a:solidFill>
-                            <a:schemeClr val="tx1"/>
-                          </a:solidFill>
-                          <a:latin typeface="+mn-lt"/>
-                          <a:ea typeface="+mn-ea"/>
-                          <a:cs typeface="+mn-cs"/>
-                        </a:rPr>
-                        <a:t>https://downloads.mariadb.com/MariaDB/mariadb_repo_setup</a:t>
+                        <a:rPr kumimoji="1" lang="en-US" altLang="ja-JP" sz="1200" b="1" dirty="0" smtClean="0"/>
+                        <a:t>http://rpms.remirepo.net/enterprise/remi-release-7.rpm</a:t>
                       </a:r>
                     </a:p>
                   </a:txBody>
@@ -36356,106 +32618,24 @@
                 </a:tc>
                 <a:extLst>
                   <a:ext uri="{0D108BD9-81ED-4DB2-BD59-A6C34878D82A}">
-                    <a16:rowId xmlns="" xmlns:a16="http://schemas.microsoft.com/office/drawing/2014/main" val="10008"/>
+                    <a16:rowId xmlns:a16="http://schemas.microsoft.com/office/drawing/2014/main" val="251765812"/>
                   </a:ext>
                 </a:extLst>
               </a:tr>
               <a:tr h="248871">
-                <a:tc vMerge="1">
-                  <a:txBody>
-                    <a:bodyPr/>
-                    <a:lstStyle/>
-                    <a:p>
-                      <a:endParaRPr kumimoji="1" lang="ja-JP" altLang="en-US"/>
-                    </a:p>
-                  </a:txBody>
-                  <a:tcPr/>
-                </a:tc>
                 <a:tc>
                   <a:txBody>
                     <a:bodyPr/>
                     <a:lstStyle/>
                     <a:p>
                       <a:r>
-                        <a:rPr kumimoji="1" lang="en-US" altLang="ja-JP" sz="1000" b="1" dirty="0" smtClean="0"/>
-                        <a:t>http://rpms.remirepo.net/enterprise/remi-release-7.rpm</a:t>
-                      </a:r>
-                      <a:endParaRPr kumimoji="1" lang="ja-JP" altLang="en-US" sz="1000" b="1" dirty="0"/>
-                    </a:p>
-                  </a:txBody>
-                  <a:tcPr>
-                    <a:lnT w="12700" cap="flat" cmpd="sng" algn="ctr">
-                      <a:solidFill>
-                        <a:schemeClr val="bg1"/>
-                      </a:solidFill>
-                      <a:prstDash val="solid"/>
-                      <a:round/>
-                      <a:headEnd type="none" w="med" len="med"/>
-                      <a:tailEnd type="none" w="med" len="med"/>
-                    </a:lnT>
-                  </a:tcPr>
-                </a:tc>
-                <a:extLst>
-                  <a:ext uri="{0D108BD9-81ED-4DB2-BD59-A6C34878D82A}">
-                    <a16:rowId xmlns="" xmlns:a16="http://schemas.microsoft.com/office/drawing/2014/main" val="10009"/>
-                  </a:ext>
-                </a:extLst>
-              </a:tr>
-              <a:tr h="248871">
-                <a:tc rowSpan="3">
-                  <a:txBody>
-                    <a:bodyPr/>
-                    <a:lstStyle/>
-                    <a:p>
-                      <a:r>
-                        <a:rPr kumimoji="1" lang="en-US" altLang="ja-JP" sz="1000" b="1" dirty="0" smtClean="0"/>
-                        <a:t>CentOS6</a:t>
-                      </a:r>
-                      <a:endParaRPr kumimoji="1" lang="ja-JP" altLang="en-US" sz="1000" b="1" dirty="0"/>
+                        <a:rPr kumimoji="1" lang="en-US" altLang="ja-JP" sz="1200" b="1" dirty="0" smtClean="0"/>
+                        <a:t>CentOS8</a:t>
+                      </a:r>
+                      <a:endParaRPr kumimoji="1" lang="ja-JP" altLang="en-US" sz="1200" b="1" dirty="0"/>
                     </a:p>
                   </a:txBody>
                   <a:tcPr anchor="ctr"/>
-                </a:tc>
-                <a:tc>
-                  <a:txBody>
-                    <a:bodyPr/>
-                    <a:lstStyle/>
-                    <a:p>
-                      <a:r>
-                        <a:rPr kumimoji="1" lang="en-US" altLang="ja-JP" sz="1000" b="1" dirty="0" smtClean="0"/>
-                        <a:t>epel-release</a:t>
-                      </a:r>
-                      <a:endParaRPr kumimoji="1" lang="ja-JP" altLang="en-US" sz="1000" b="1" dirty="0"/>
-                    </a:p>
-                  </a:txBody>
-                  <a:tcPr>
-                    <a:lnB w="12700" cap="flat" cmpd="sng" algn="ctr">
-                      <a:solidFill>
-                        <a:schemeClr val="bg1"/>
-                      </a:solidFill>
-                      <a:prstDash val="solid"/>
-                      <a:round/>
-                      <a:headEnd type="none" w="med" len="med"/>
-                      <a:tailEnd type="none" w="med" len="med"/>
-                    </a:lnB>
-                  </a:tcPr>
-                </a:tc>
-                <a:extLst>
-                  <a:ext uri="{0D108BD9-81ED-4DB2-BD59-A6C34878D82A}">
-                    <a16:rowId xmlns="" xmlns:a16="http://schemas.microsoft.com/office/drawing/2014/main" val="10010"/>
-                  </a:ext>
-                </a:extLst>
-              </a:tr>
-              <a:tr h="248871">
-                <a:tc vMerge="1">
-                  <a:txBody>
-                    <a:bodyPr/>
-                    <a:lstStyle/>
-                    <a:p>
-                      <a:endParaRPr kumimoji="1" lang="ja-JP" altLang="en-US"/>
-                    </a:p>
-                  </a:txBody>
-                  <a:tcPr/>
                 </a:tc>
                 <a:tc>
                   <a:txBody>
@@ -36480,16 +32660,26 @@
                         <a:defRPr/>
                       </a:pPr>
                       <a:r>
-                        <a:rPr kumimoji="1" lang="en-US" altLang="ja-JP" sz="1000" b="1" i="0" u="none" strike="noStrike" kern="1200" baseline="0" dirty="0" smtClean="0">
+                        <a:rPr kumimoji="1" lang="en-US" altLang="ja-JP" sz="1200" b="1" dirty="0" err="1" smtClean="0">
                           <a:solidFill>
                             <a:schemeClr val="tx1"/>
                           </a:solidFill>
-                          <a:latin typeface="+mn-lt"/>
-                          <a:ea typeface="+mn-ea"/>
-                          <a:cs typeface="+mn-cs"/>
-                        </a:rPr>
-                        <a:t>https://downloads.mariadb.com/MariaDB/mariadb_repo_setup</a:t>
-                      </a:r>
+                        </a:rPr>
+                        <a:t>epel</a:t>
+                      </a:r>
+                      <a:r>
+                        <a:rPr kumimoji="1" lang="en-US" altLang="ja-JP" sz="1200" b="1" dirty="0" smtClean="0">
+                          <a:solidFill>
+                            <a:schemeClr val="tx1"/>
+                          </a:solidFill>
+                        </a:rPr>
+                        <a:t>-release</a:t>
+                      </a:r>
+                      <a:endParaRPr kumimoji="1" lang="ja-JP" altLang="en-US" sz="1200" b="1" dirty="0" smtClean="0">
+                        <a:solidFill>
+                          <a:schemeClr val="tx1"/>
+                        </a:solidFill>
+                      </a:endParaRPr>
                     </a:p>
                   </a:txBody>
                   <a:tcPr>
@@ -36515,48 +32705,7 @@
                 </a:tc>
                 <a:extLst>
                   <a:ext uri="{0D108BD9-81ED-4DB2-BD59-A6C34878D82A}">
-                    <a16:rowId xmlns="" xmlns:a16="http://schemas.microsoft.com/office/drawing/2014/main" val="10011"/>
-                  </a:ext>
-                </a:extLst>
-              </a:tr>
-              <a:tr h="248871">
-                <a:tc vMerge="1">
-                  <a:txBody>
-                    <a:bodyPr/>
-                    <a:lstStyle/>
-                    <a:p>
-                      <a:endParaRPr kumimoji="1" lang="ja-JP" altLang="en-US"/>
-                    </a:p>
-                  </a:txBody>
-                  <a:tcPr/>
-                </a:tc>
-                <a:tc>
-                  <a:txBody>
-                    <a:bodyPr/>
-                    <a:lstStyle/>
-                    <a:p>
-                      <a:r>
-                        <a:rPr kumimoji="1" lang="en-US" altLang="ja-JP" sz="1000" b="1" dirty="0" smtClean="0"/>
-                        <a:t>http://rpms.remirepo.net/enterprise/remi-release-6.rpm</a:t>
-                      </a:r>
-                      <a:endParaRPr kumimoji="1" lang="ja-JP" altLang="en-US" sz="1000" b="1" dirty="0"/>
-                    </a:p>
-                  </a:txBody>
-                  <a:tcPr>
-                    <a:lnT w="12700" cap="flat" cmpd="sng" algn="ctr">
-                      <a:solidFill>
-                        <a:schemeClr val="bg1"/>
-                      </a:solidFill>
-                      <a:prstDash val="solid"/>
-                      <a:round/>
-                      <a:headEnd type="none" w="med" len="med"/>
-                      <a:tailEnd type="none" w="med" len="med"/>
-                    </a:lnT>
-                  </a:tcPr>
-                </a:tc>
-                <a:extLst>
-                  <a:ext uri="{0D108BD9-81ED-4DB2-BD59-A6C34878D82A}">
-                    <a16:rowId xmlns="" xmlns:a16="http://schemas.microsoft.com/office/drawing/2014/main" val="10012"/>
+                    <a16:rowId xmlns:a16="http://schemas.microsoft.com/office/drawing/2014/main" val="3284167824"/>
                   </a:ext>
                 </a:extLst>
               </a:tr>

--- a/asset/Learn_ja/ITA-offline-install_ja.pptx
+++ b/asset/Learn_ja/ITA-offline-install_ja.pptx
@@ -334,7 +334,7 @@
               <a:rPr kumimoji="1" lang="ja-JP" altLang="en-US" smtClean="0">
                 <a:ea typeface="メイリオ" panose="020B0604030504040204" pitchFamily="50" charset="-128"/>
               </a:rPr>
-              <a:t>2020/1/6</a:t>
+              <a:t>2020/1/16</a:t>
             </a:fld>
             <a:endParaRPr kumimoji="1" lang="ja-JP" altLang="en-US" dirty="0">
               <a:ea typeface="メイリオ" panose="020B0604030504040204" pitchFamily="50" charset="-128"/>
@@ -480,7 +480,7 @@
             <a:fld id="{4B26993D-C081-44EB-B0F5-A9F467792B62}" type="datetimeFigureOut">
               <a:rPr lang="ja-JP" altLang="en-US" smtClean="0"/>
               <a:pPr/>
-              <a:t>2020/1/6</a:t>
+              <a:t>2020/1/16</a:t>
             </a:fld>
             <a:endParaRPr lang="ja-JP" altLang="en-US" dirty="0"/>
           </a:p>
@@ -1103,7 +1103,7 @@
           <a:p>
             <a:fld id="{56F9016B-CCA6-43BE-8BEE-59565A35F4F7}" type="datetimeFigureOut">
               <a:rPr kumimoji="1" lang="ja-JP" altLang="en-US" smtClean="0"/>
-              <a:t>2020/1/6</a:t>
+              <a:t>2020/1/16</a:t>
             </a:fld>
             <a:endParaRPr kumimoji="1" lang="ja-JP" altLang="en-US"/>
           </a:p>
@@ -1305,7 +1305,7 @@
           <a:p>
             <a:fld id="{56F9016B-CCA6-43BE-8BEE-59565A35F4F7}" type="datetimeFigureOut">
               <a:rPr kumimoji="1" lang="ja-JP" altLang="en-US" smtClean="0"/>
-              <a:t>2020/1/6</a:t>
+              <a:t>2020/1/16</a:t>
             </a:fld>
             <a:endParaRPr kumimoji="1" lang="ja-JP" altLang="en-US"/>
           </a:p>
@@ -1551,7 +1551,7 @@
           <a:p>
             <a:fld id="{56F9016B-CCA6-43BE-8BEE-59565A35F4F7}" type="datetimeFigureOut">
               <a:rPr kumimoji="1" lang="ja-JP" altLang="en-US" smtClean="0"/>
-              <a:t>2020/1/6</a:t>
+              <a:t>2020/1/16</a:t>
             </a:fld>
             <a:endParaRPr kumimoji="1" lang="ja-JP" altLang="en-US"/>
           </a:p>
@@ -1847,7 +1847,7 @@
           <a:p>
             <a:fld id="{56F9016B-CCA6-43BE-8BEE-59565A35F4F7}" type="datetimeFigureOut">
               <a:rPr kumimoji="1" lang="ja-JP" altLang="en-US" smtClean="0"/>
-              <a:t>2020/1/6</a:t>
+              <a:t>2020/1/16</a:t>
             </a:fld>
             <a:endParaRPr kumimoji="1" lang="ja-JP" altLang="en-US"/>
           </a:p>
@@ -2278,7 +2278,7 @@
           <a:p>
             <a:fld id="{56F9016B-CCA6-43BE-8BEE-59565A35F4F7}" type="datetimeFigureOut">
               <a:rPr kumimoji="1" lang="ja-JP" altLang="en-US" smtClean="0"/>
-              <a:t>2020/1/6</a:t>
+              <a:t>2020/1/16</a:t>
             </a:fld>
             <a:endParaRPr kumimoji="1" lang="ja-JP" altLang="en-US"/>
           </a:p>
@@ -2396,7 +2396,7 @@
           <a:p>
             <a:fld id="{56F9016B-CCA6-43BE-8BEE-59565A35F4F7}" type="datetimeFigureOut">
               <a:rPr kumimoji="1" lang="ja-JP" altLang="en-US" smtClean="0"/>
-              <a:t>2020/1/6</a:t>
+              <a:t>2020/1/16</a:t>
             </a:fld>
             <a:endParaRPr kumimoji="1" lang="ja-JP" altLang="en-US"/>
           </a:p>
@@ -2491,7 +2491,7 @@
           <a:p>
             <a:fld id="{56F9016B-CCA6-43BE-8BEE-59565A35F4F7}" type="datetimeFigureOut">
               <a:rPr kumimoji="1" lang="ja-JP" altLang="en-US" smtClean="0"/>
-              <a:t>2020/1/6</a:t>
+              <a:t>2020/1/16</a:t>
             </a:fld>
             <a:endParaRPr kumimoji="1" lang="ja-JP" altLang="en-US"/>
           </a:p>
@@ -2800,7 +2800,7 @@
           <a:p>
             <a:fld id="{56F9016B-CCA6-43BE-8BEE-59565A35F4F7}" type="datetimeFigureOut">
               <a:rPr kumimoji="1" lang="ja-JP" altLang="en-US" smtClean="0"/>
-              <a:t>2020/1/6</a:t>
+              <a:t>2020/1/16</a:t>
             </a:fld>
             <a:endParaRPr kumimoji="1" lang="ja-JP" altLang="en-US"/>
           </a:p>
@@ -3053,7 +3053,7 @@
           <a:p>
             <a:fld id="{56F9016B-CCA6-43BE-8BEE-59565A35F4F7}" type="datetimeFigureOut">
               <a:rPr kumimoji="1" lang="ja-JP" altLang="en-US" smtClean="0"/>
-              <a:t>2020/1/6</a:t>
+              <a:t>2020/1/16</a:t>
             </a:fld>
             <a:endParaRPr kumimoji="1" lang="ja-JP" altLang="en-US"/>
           </a:p>
@@ -3330,7 +3330,7 @@
           <a:p>
             <a:fld id="{56F9016B-CCA6-43BE-8BEE-59565A35F4F7}" type="datetimeFigureOut">
               <a:rPr kumimoji="1" lang="ja-JP" altLang="en-US" smtClean="0"/>
-              <a:t>2020/1/6</a:t>
+              <a:t>2020/1/16</a:t>
             </a:fld>
             <a:endParaRPr kumimoji="1" lang="ja-JP" altLang="en-US"/>
           </a:p>
@@ -3542,7 +3542,7 @@
           <a:p>
             <a:fld id="{56F9016B-CCA6-43BE-8BEE-59565A35F4F7}" type="datetimeFigureOut">
               <a:rPr kumimoji="1" lang="ja-JP" altLang="en-US" smtClean="0"/>
-              <a:t>2020/1/6</a:t>
+              <a:t>2020/1/16</a:t>
             </a:fld>
             <a:endParaRPr kumimoji="1" lang="ja-JP" altLang="en-US"/>
           </a:p>
@@ -6601,7 +6601,7 @@
           <a:p>
             <a:fld id="{56F9016B-CCA6-43BE-8BEE-59565A35F4F7}" type="datetimeFigureOut">
               <a:rPr kumimoji="1" lang="ja-JP" altLang="en-US" smtClean="0"/>
-              <a:t>2020/1/6</a:t>
+              <a:t>2020/1/16</a:t>
             </a:fld>
             <a:endParaRPr kumimoji="1" lang="ja-JP" altLang="en-US"/>
           </a:p>
@@ -18491,11 +18491,7 @@
             </a:r>
             <a:r>
               <a:rPr lang="en-US" altLang="ja-JP" dirty="0" smtClean="0"/>
-              <a:t># </a:t>
-            </a:r>
-            <a:r>
-              <a:rPr lang="en-US" altLang="ja-JP" dirty="0" smtClean="0"/>
-              <a:t>tar </a:t>
+              <a:t># tar </a:t>
             </a:r>
             <a:r>
               <a:rPr lang="en-US" altLang="ja-JP" dirty="0"/>
@@ -24716,7 +24712,7 @@
           <p:nvPr>
             <p:extLst>
               <p:ext uri="{D42A27DB-BD31-4B8C-83A1-F6EECF244321}">
-                <p14:modId xmlns:p14="http://schemas.microsoft.com/office/powerpoint/2010/main" val="1568410570"/>
+                <p14:modId xmlns:p14="http://schemas.microsoft.com/office/powerpoint/2010/main" val="1209470553"/>
               </p:ext>
             </p:extLst>
           </p:nvPr>
@@ -24938,7 +24934,7 @@
                         <a:rPr lang="en-US" altLang="ja-JP" sz="1050" kern="100" dirty="0" smtClean="0">
                           <a:effectLst/>
                         </a:rPr>
-                        <a:t>(※1)</a:t>
+                        <a:t>(※)</a:t>
                       </a:r>
                       <a:r>
                         <a:rPr lang="ja-JP" altLang="ja-JP" sz="1050" kern="100" dirty="0" err="1" smtClean="0">
@@ -24947,28 +24943,28 @@
                         <a:t>、</a:t>
                       </a:r>
                       <a:r>
-                        <a:rPr lang="en-US" altLang="ja-JP" sz="1050" kern="100" dirty="0" err="1" smtClean="0">
-                          <a:effectLst/>
-                        </a:rPr>
-                        <a:t>dnf</a:t>
+                        <a:rPr lang="en-US" sz="1050" kern="100" dirty="0" err="1" smtClean="0">
+                          <a:effectLst/>
+                        </a:rPr>
+                        <a:t>createrepo</a:t>
+                      </a:r>
+                      <a:r>
+                        <a:rPr lang="en-US" sz="1050" kern="100" dirty="0" smtClean="0">
+                          <a:effectLst/>
+                        </a:rPr>
+                        <a:t>(</a:t>
                       </a:r>
                       <a:r>
                         <a:rPr lang="en-US" altLang="ja-JP" sz="1050" kern="100" dirty="0" smtClean="0">
                           <a:effectLst/>
                         </a:rPr>
-                        <a:t>(※2)</a:t>
-                      </a:r>
-                      <a:r>
-                        <a:rPr lang="ja-JP" altLang="en-US" sz="1050" kern="100" dirty="0" err="1" smtClean="0">
-                          <a:effectLst/>
-                        </a:rPr>
-                        <a:t>、</a:t>
-                      </a:r>
-                      <a:r>
-                        <a:rPr lang="en-US" sz="1050" kern="100" dirty="0" err="1" smtClean="0">
-                          <a:effectLst/>
-                        </a:rPr>
-                        <a:t>createrepo</a:t>
+                        <a:t>※</a:t>
+                      </a:r>
+                      <a:r>
+                        <a:rPr lang="en-US" sz="1050" kern="100" dirty="0" smtClean="0">
+                          <a:effectLst/>
+                        </a:rPr>
+                        <a:t>)</a:t>
                       </a:r>
                       <a:endParaRPr lang="ja-JP" sz="1050" kern="100" dirty="0">
                         <a:effectLst/>
@@ -25669,6 +25665,24 @@
                           <a:effectLst/>
                         </a:rPr>
                         <a:t>php-gd</a:t>
+                      </a:r>
+                      <a:r>
+                        <a:rPr lang="ja-JP" altLang="en-US" sz="1050" kern="100" dirty="0" err="1" smtClean="0">
+                          <a:effectLst/>
+                        </a:rPr>
+                        <a:t>、</a:t>
+                      </a:r>
+                      <a:r>
+                        <a:rPr lang="ja-JP" altLang="en-US" sz="1050" kern="100" dirty="0" smtClean="0">
+                          <a:effectLst/>
+                        </a:rPr>
+                        <a:t> </a:t>
+                      </a:r>
+                      <a:r>
+                        <a:rPr lang="en-US" altLang="ja-JP" sz="1050" kern="100" dirty="0" smtClean="0">
+                          <a:effectLst/>
+                        </a:rPr>
+                        <a:t>Python3</a:t>
                       </a:r>
                       <a:endParaRPr lang="ja-JP" altLang="ja-JP" sz="1050" kern="100" dirty="0" smtClean="0">
                         <a:effectLst/>
@@ -25782,10 +25796,16 @@
                         <a:defRPr/>
                       </a:pPr>
                       <a:r>
+                        <a:rPr lang="en-US" sz="1050" kern="100" dirty="0" err="1" smtClean="0">
+                          <a:effectLst/>
+                        </a:rPr>
+                        <a:t>Spyc</a:t>
+                      </a:r>
+                      <a:r>
                         <a:rPr lang="en-US" sz="1050" kern="100" dirty="0">
                           <a:effectLst/>
                         </a:rPr>
-                        <a:t>PHPExcel, Spyc, Twig</a:t>
+                        <a:t>, Twig</a:t>
                       </a:r>
                       <a:r>
                         <a:rPr lang="en-US" sz="1050" kern="100" dirty="0" smtClean="0">
@@ -25909,10 +25929,10 @@
                         </a:spcAft>
                       </a:pPr>
                       <a:r>
-                        <a:rPr lang="en-US" sz="1050" kern="100" dirty="0">
-                          <a:effectLst/>
-                        </a:rPr>
-                        <a:t>git</a:t>
+                        <a:rPr lang="en-US" sz="1050" kern="100" dirty="0" err="1" smtClean="0">
+                          <a:effectLst/>
+                        </a:rPr>
+                        <a:t>Git</a:t>
                       </a:r>
                       <a:endParaRPr lang="ja-JP" sz="1050" kern="100" dirty="0">
                         <a:effectLst/>
@@ -26006,25 +26026,13 @@
                         </a:spcAft>
                       </a:pPr>
                       <a:r>
-                        <a:rPr lang="en-US" sz="1050" kern="100" dirty="0">
+                        <a:rPr lang="en-US" sz="1050" kern="100" dirty="0" err="1">
                           <a:effectLst/>
                         </a:rPr>
                         <a:t>ansible</a:t>
                       </a:r>
                       <a:r>
-                        <a:rPr lang="ja-JP" sz="1050" kern="100" dirty="0" err="1">
-                          <a:effectLst/>
-                        </a:rPr>
-                        <a:t>、</a:t>
-                      </a:r>
-                      <a:r>
-                        <a:rPr lang="en-US" sz="1050" kern="100" dirty="0" smtClean="0">
-                          <a:effectLst/>
-                        </a:rPr>
-                        <a:t>python3-pip</a:t>
-                      </a:r>
-                      <a:r>
-                        <a:rPr lang="ja-JP" altLang="en-US" sz="1050" kern="100" dirty="0" err="1" smtClean="0">
+                        <a:rPr lang="ja-JP" sz="1050" kern="100" dirty="0" err="1" smtClean="0">
                           <a:effectLst/>
                         </a:rPr>
                         <a:t>、</a:t>
@@ -26067,8 +26075,8 @@
         </p:nvSpPr>
         <p:spPr>
           <a:xfrm>
-            <a:off x="7201289" y="5221142"/>
-            <a:ext cx="1835331" cy="400110"/>
+            <a:off x="7315367" y="5375031"/>
+            <a:ext cx="1835331" cy="246221"/>
           </a:xfrm>
           <a:prstGeom prst="rect">
             <a:avLst/>
@@ -26088,19 +26096,9 @@
             </a:pPr>
             <a:r>
               <a:rPr lang="en-US" altLang="ja-JP" sz="1000" kern="100" dirty="0" smtClean="0"/>
-              <a:t>※1 RHEL7,CentOS7</a:t>
-            </a:r>
-          </a:p>
-          <a:p>
-            <a:pPr algn="just">
-              <a:spcAft>
-                <a:spcPts val="0"/>
-              </a:spcAft>
-            </a:pPr>
-            <a:r>
-              <a:rPr lang="en-US" altLang="ja-JP" sz="1000" kern="100" dirty="0" smtClean="0"/>
-              <a:t>※2 RHEL8,CentOS8</a:t>
-            </a:r>
+              <a:t>※ RHEL7,CentOS7</a:t>
+            </a:r>
+            <a:endParaRPr lang="en-US" altLang="ja-JP" sz="1000" kern="100" dirty="0" smtClean="0"/>
           </a:p>
         </p:txBody>
       </p:sp>

--- a/asset/Learn_ja/ITA-offline-install_ja.pptx
+++ b/asset/Learn_ja/ITA-offline-install_ja.pptx
@@ -334,7 +334,7 @@
               <a:rPr kumimoji="1" lang="ja-JP" altLang="en-US" smtClean="0">
                 <a:ea typeface="メイリオ" panose="020B0604030504040204" pitchFamily="50" charset="-128"/>
               </a:rPr>
-              <a:t>2020/1/16</a:t>
+              <a:t>2020/1/20</a:t>
             </a:fld>
             <a:endParaRPr kumimoji="1" lang="ja-JP" altLang="en-US" dirty="0">
               <a:ea typeface="メイリオ" panose="020B0604030504040204" pitchFamily="50" charset="-128"/>
@@ -480,7 +480,7 @@
             <a:fld id="{4B26993D-C081-44EB-B0F5-A9F467792B62}" type="datetimeFigureOut">
               <a:rPr lang="ja-JP" altLang="en-US" smtClean="0"/>
               <a:pPr/>
-              <a:t>2020/1/16</a:t>
+              <a:t>2020/1/20</a:t>
             </a:fld>
             <a:endParaRPr lang="ja-JP" altLang="en-US" dirty="0"/>
           </a:p>
@@ -1103,7 +1103,7 @@
           <a:p>
             <a:fld id="{56F9016B-CCA6-43BE-8BEE-59565A35F4F7}" type="datetimeFigureOut">
               <a:rPr kumimoji="1" lang="ja-JP" altLang="en-US" smtClean="0"/>
-              <a:t>2020/1/16</a:t>
+              <a:t>2020/1/20</a:t>
             </a:fld>
             <a:endParaRPr kumimoji="1" lang="ja-JP" altLang="en-US"/>
           </a:p>
@@ -1305,7 +1305,7 @@
           <a:p>
             <a:fld id="{56F9016B-CCA6-43BE-8BEE-59565A35F4F7}" type="datetimeFigureOut">
               <a:rPr kumimoji="1" lang="ja-JP" altLang="en-US" smtClean="0"/>
-              <a:t>2020/1/16</a:t>
+              <a:t>2020/1/20</a:t>
             </a:fld>
             <a:endParaRPr kumimoji="1" lang="ja-JP" altLang="en-US"/>
           </a:p>
@@ -1551,7 +1551,7 @@
           <a:p>
             <a:fld id="{56F9016B-CCA6-43BE-8BEE-59565A35F4F7}" type="datetimeFigureOut">
               <a:rPr kumimoji="1" lang="ja-JP" altLang="en-US" smtClean="0"/>
-              <a:t>2020/1/16</a:t>
+              <a:t>2020/1/20</a:t>
             </a:fld>
             <a:endParaRPr kumimoji="1" lang="ja-JP" altLang="en-US"/>
           </a:p>
@@ -1847,7 +1847,7 @@
           <a:p>
             <a:fld id="{56F9016B-CCA6-43BE-8BEE-59565A35F4F7}" type="datetimeFigureOut">
               <a:rPr kumimoji="1" lang="ja-JP" altLang="en-US" smtClean="0"/>
-              <a:t>2020/1/16</a:t>
+              <a:t>2020/1/20</a:t>
             </a:fld>
             <a:endParaRPr kumimoji="1" lang="ja-JP" altLang="en-US"/>
           </a:p>
@@ -2278,7 +2278,7 @@
           <a:p>
             <a:fld id="{56F9016B-CCA6-43BE-8BEE-59565A35F4F7}" type="datetimeFigureOut">
               <a:rPr kumimoji="1" lang="ja-JP" altLang="en-US" smtClean="0"/>
-              <a:t>2020/1/16</a:t>
+              <a:t>2020/1/20</a:t>
             </a:fld>
             <a:endParaRPr kumimoji="1" lang="ja-JP" altLang="en-US"/>
           </a:p>
@@ -2396,7 +2396,7 @@
           <a:p>
             <a:fld id="{56F9016B-CCA6-43BE-8BEE-59565A35F4F7}" type="datetimeFigureOut">
               <a:rPr kumimoji="1" lang="ja-JP" altLang="en-US" smtClean="0"/>
-              <a:t>2020/1/16</a:t>
+              <a:t>2020/1/20</a:t>
             </a:fld>
             <a:endParaRPr kumimoji="1" lang="ja-JP" altLang="en-US"/>
           </a:p>
@@ -2491,7 +2491,7 @@
           <a:p>
             <a:fld id="{56F9016B-CCA6-43BE-8BEE-59565A35F4F7}" type="datetimeFigureOut">
               <a:rPr kumimoji="1" lang="ja-JP" altLang="en-US" smtClean="0"/>
-              <a:t>2020/1/16</a:t>
+              <a:t>2020/1/20</a:t>
             </a:fld>
             <a:endParaRPr kumimoji="1" lang="ja-JP" altLang="en-US"/>
           </a:p>
@@ -2800,7 +2800,7 @@
           <a:p>
             <a:fld id="{56F9016B-CCA6-43BE-8BEE-59565A35F4F7}" type="datetimeFigureOut">
               <a:rPr kumimoji="1" lang="ja-JP" altLang="en-US" smtClean="0"/>
-              <a:t>2020/1/16</a:t>
+              <a:t>2020/1/20</a:t>
             </a:fld>
             <a:endParaRPr kumimoji="1" lang="ja-JP" altLang="en-US"/>
           </a:p>
@@ -3053,7 +3053,7 @@
           <a:p>
             <a:fld id="{56F9016B-CCA6-43BE-8BEE-59565A35F4F7}" type="datetimeFigureOut">
               <a:rPr kumimoji="1" lang="ja-JP" altLang="en-US" smtClean="0"/>
-              <a:t>2020/1/16</a:t>
+              <a:t>2020/1/20</a:t>
             </a:fld>
             <a:endParaRPr kumimoji="1" lang="ja-JP" altLang="en-US"/>
           </a:p>
@@ -3330,7 +3330,7 @@
           <a:p>
             <a:fld id="{56F9016B-CCA6-43BE-8BEE-59565A35F4F7}" type="datetimeFigureOut">
               <a:rPr kumimoji="1" lang="ja-JP" altLang="en-US" smtClean="0"/>
-              <a:t>2020/1/16</a:t>
+              <a:t>2020/1/20</a:t>
             </a:fld>
             <a:endParaRPr kumimoji="1" lang="ja-JP" altLang="en-US"/>
           </a:p>
@@ -3542,7 +3542,7 @@
           <a:p>
             <a:fld id="{56F9016B-CCA6-43BE-8BEE-59565A35F4F7}" type="datetimeFigureOut">
               <a:rPr kumimoji="1" lang="ja-JP" altLang="en-US" smtClean="0"/>
-              <a:t>2020/1/16</a:t>
+              <a:t>2020/1/20</a:t>
             </a:fld>
             <a:endParaRPr kumimoji="1" lang="ja-JP" altLang="en-US"/>
           </a:p>
@@ -6601,7 +6601,7 @@
           <a:p>
             <a:fld id="{56F9016B-CCA6-43BE-8BEE-59565A35F4F7}" type="datetimeFigureOut">
               <a:rPr kumimoji="1" lang="ja-JP" altLang="en-US" smtClean="0"/>
-              <a:t>2020/1/16</a:t>
+              <a:t>2020/1/20</a:t>
             </a:fld>
             <a:endParaRPr kumimoji="1" lang="ja-JP" altLang="en-US"/>
           </a:p>
@@ -24712,7 +24712,7 @@
           <p:nvPr>
             <p:extLst>
               <p:ext uri="{D42A27DB-BD31-4B8C-83A1-F6EECF244321}">
-                <p14:modId xmlns:p14="http://schemas.microsoft.com/office/powerpoint/2010/main" val="1209470553"/>
+                <p14:modId xmlns:p14="http://schemas.microsoft.com/office/powerpoint/2010/main" val="3353648575"/>
               </p:ext>
             </p:extLst>
           </p:nvPr>
@@ -25802,12 +25802,6 @@
                         <a:t>Spyc</a:t>
                       </a:r>
                       <a:r>
-                        <a:rPr lang="en-US" sz="1050" kern="100" dirty="0">
-                          <a:effectLst/>
-                        </a:rPr>
-                        <a:t>, Twig</a:t>
-                      </a:r>
-                      <a:r>
                         <a:rPr lang="en-US" sz="1050" kern="100" dirty="0" smtClean="0">
                           <a:effectLst/>
                         </a:rPr>
@@ -26098,7 +26092,6 @@
               <a:rPr lang="en-US" altLang="ja-JP" sz="1000" kern="100" dirty="0" smtClean="0"/>
               <a:t>※ RHEL7,CentOS7</a:t>
             </a:r>
-            <a:endParaRPr lang="en-US" altLang="ja-JP" sz="1000" kern="100" dirty="0" smtClean="0"/>
           </a:p>
         </p:txBody>
       </p:sp>

--- a/asset/Learn_ja/ITA-offline-install_ja.pptx
+++ b/asset/Learn_ja/ITA-offline-install_ja.pptx
@@ -334,7 +334,7 @@
               <a:rPr kumimoji="1" lang="ja-JP" altLang="en-US" smtClean="0">
                 <a:ea typeface="メイリオ" panose="020B0604030504040204" pitchFamily="50" charset="-128"/>
               </a:rPr>
-              <a:t>2020/1/20</a:t>
+              <a:t>2020/1/24</a:t>
             </a:fld>
             <a:endParaRPr kumimoji="1" lang="ja-JP" altLang="en-US" dirty="0">
               <a:ea typeface="メイリオ" panose="020B0604030504040204" pitchFamily="50" charset="-128"/>
@@ -480,7 +480,7 @@
             <a:fld id="{4B26993D-C081-44EB-B0F5-A9F467792B62}" type="datetimeFigureOut">
               <a:rPr lang="ja-JP" altLang="en-US" smtClean="0"/>
               <a:pPr/>
-              <a:t>2020/1/20</a:t>
+              <a:t>2020/1/24</a:t>
             </a:fld>
             <a:endParaRPr lang="ja-JP" altLang="en-US" dirty="0"/>
           </a:p>
@@ -1103,7 +1103,7 @@
           <a:p>
             <a:fld id="{56F9016B-CCA6-43BE-8BEE-59565A35F4F7}" type="datetimeFigureOut">
               <a:rPr kumimoji="1" lang="ja-JP" altLang="en-US" smtClean="0"/>
-              <a:t>2020/1/20</a:t>
+              <a:t>2020/1/24</a:t>
             </a:fld>
             <a:endParaRPr kumimoji="1" lang="ja-JP" altLang="en-US"/>
           </a:p>
@@ -1305,7 +1305,7 @@
           <a:p>
             <a:fld id="{56F9016B-CCA6-43BE-8BEE-59565A35F4F7}" type="datetimeFigureOut">
               <a:rPr kumimoji="1" lang="ja-JP" altLang="en-US" smtClean="0"/>
-              <a:t>2020/1/20</a:t>
+              <a:t>2020/1/24</a:t>
             </a:fld>
             <a:endParaRPr kumimoji="1" lang="ja-JP" altLang="en-US"/>
           </a:p>
@@ -1551,7 +1551,7 @@
           <a:p>
             <a:fld id="{56F9016B-CCA6-43BE-8BEE-59565A35F4F7}" type="datetimeFigureOut">
               <a:rPr kumimoji="1" lang="ja-JP" altLang="en-US" smtClean="0"/>
-              <a:t>2020/1/20</a:t>
+              <a:t>2020/1/24</a:t>
             </a:fld>
             <a:endParaRPr kumimoji="1" lang="ja-JP" altLang="en-US"/>
           </a:p>
@@ -1847,7 +1847,7 @@
           <a:p>
             <a:fld id="{56F9016B-CCA6-43BE-8BEE-59565A35F4F7}" type="datetimeFigureOut">
               <a:rPr kumimoji="1" lang="ja-JP" altLang="en-US" smtClean="0"/>
-              <a:t>2020/1/20</a:t>
+              <a:t>2020/1/24</a:t>
             </a:fld>
             <a:endParaRPr kumimoji="1" lang="ja-JP" altLang="en-US"/>
           </a:p>
@@ -2278,7 +2278,7 @@
           <a:p>
             <a:fld id="{56F9016B-CCA6-43BE-8BEE-59565A35F4F7}" type="datetimeFigureOut">
               <a:rPr kumimoji="1" lang="ja-JP" altLang="en-US" smtClean="0"/>
-              <a:t>2020/1/20</a:t>
+              <a:t>2020/1/24</a:t>
             </a:fld>
             <a:endParaRPr kumimoji="1" lang="ja-JP" altLang="en-US"/>
           </a:p>
@@ -2396,7 +2396,7 @@
           <a:p>
             <a:fld id="{56F9016B-CCA6-43BE-8BEE-59565A35F4F7}" type="datetimeFigureOut">
               <a:rPr kumimoji="1" lang="ja-JP" altLang="en-US" smtClean="0"/>
-              <a:t>2020/1/20</a:t>
+              <a:t>2020/1/24</a:t>
             </a:fld>
             <a:endParaRPr kumimoji="1" lang="ja-JP" altLang="en-US"/>
           </a:p>
@@ -2491,7 +2491,7 @@
           <a:p>
             <a:fld id="{56F9016B-CCA6-43BE-8BEE-59565A35F4F7}" type="datetimeFigureOut">
               <a:rPr kumimoji="1" lang="ja-JP" altLang="en-US" smtClean="0"/>
-              <a:t>2020/1/20</a:t>
+              <a:t>2020/1/24</a:t>
             </a:fld>
             <a:endParaRPr kumimoji="1" lang="ja-JP" altLang="en-US"/>
           </a:p>
@@ -2800,7 +2800,7 @@
           <a:p>
             <a:fld id="{56F9016B-CCA6-43BE-8BEE-59565A35F4F7}" type="datetimeFigureOut">
               <a:rPr kumimoji="1" lang="ja-JP" altLang="en-US" smtClean="0"/>
-              <a:t>2020/1/20</a:t>
+              <a:t>2020/1/24</a:t>
             </a:fld>
             <a:endParaRPr kumimoji="1" lang="ja-JP" altLang="en-US"/>
           </a:p>
@@ -3053,7 +3053,7 @@
           <a:p>
             <a:fld id="{56F9016B-CCA6-43BE-8BEE-59565A35F4F7}" type="datetimeFigureOut">
               <a:rPr kumimoji="1" lang="ja-JP" altLang="en-US" smtClean="0"/>
-              <a:t>2020/1/20</a:t>
+              <a:t>2020/1/24</a:t>
             </a:fld>
             <a:endParaRPr kumimoji="1" lang="ja-JP" altLang="en-US"/>
           </a:p>
@@ -3330,7 +3330,7 @@
           <a:p>
             <a:fld id="{56F9016B-CCA6-43BE-8BEE-59565A35F4F7}" type="datetimeFigureOut">
               <a:rPr kumimoji="1" lang="ja-JP" altLang="en-US" smtClean="0"/>
-              <a:t>2020/1/20</a:t>
+              <a:t>2020/1/24</a:t>
             </a:fld>
             <a:endParaRPr kumimoji="1" lang="ja-JP" altLang="en-US"/>
           </a:p>
@@ -3542,7 +3542,7 @@
           <a:p>
             <a:fld id="{56F9016B-CCA6-43BE-8BEE-59565A35F4F7}" type="datetimeFigureOut">
               <a:rPr kumimoji="1" lang="ja-JP" altLang="en-US" smtClean="0"/>
-              <a:t>2020/1/20</a:t>
+              <a:t>2020/1/24</a:t>
             </a:fld>
             <a:endParaRPr kumimoji="1" lang="ja-JP" altLang="en-US"/>
           </a:p>
@@ -6601,7 +6601,7 @@
           <a:p>
             <a:fld id="{56F9016B-CCA6-43BE-8BEE-59565A35F4F7}" type="datetimeFigureOut">
               <a:rPr kumimoji="1" lang="ja-JP" altLang="en-US" smtClean="0"/>
-              <a:t>2020/1/20</a:t>
+              <a:t>2020/1/24</a:t>
             </a:fld>
             <a:endParaRPr kumimoji="1" lang="ja-JP" altLang="en-US"/>
           </a:p>
@@ -18783,7 +18783,7 @@
           <p:nvPr>
             <p:extLst>
               <p:ext uri="{D42A27DB-BD31-4B8C-83A1-F6EECF244321}">
-                <p14:modId xmlns:p14="http://schemas.microsoft.com/office/powerpoint/2010/main" val="4284346955"/>
+                <p14:modId xmlns:p14="http://schemas.microsoft.com/office/powerpoint/2010/main" val="3493801735"/>
               </p:ext>
             </p:extLst>
           </p:nvPr>
@@ -20735,10 +20735,22 @@
                         </a:spcAft>
                       </a:pPr>
                       <a:r>
+                        <a:rPr lang="ja-JP" altLang="en-US" sz="1000" kern="100" dirty="0" smtClean="0">
+                          <a:effectLst/>
+                        </a:rPr>
+                        <a:t>メニュー</a:t>
+                      </a:r>
+                      <a:r>
+                        <a:rPr lang="ja-JP" sz="1000" kern="100" dirty="0" smtClean="0">
+                          <a:effectLst/>
+                        </a:rPr>
+                        <a:t>作成</a:t>
+                      </a:r>
+                      <a:r>
                         <a:rPr lang="ja-JP" sz="1000" kern="100" dirty="0">
                           <a:effectLst/>
                         </a:rPr>
-                        <a:t>パラメータシート作成機能のインストール有無指定</a:t>
+                        <a:t>機能のインストール有無指定</a:t>
                       </a:r>
                       <a:endParaRPr lang="ja-JP" sz="1000" kern="100" dirty="0">
                         <a:effectLst/>
@@ -28715,12 +28727,16 @@
             <a:graphicFrameLocks noGrp="1"/>
           </p:cNvGraphicFramePr>
           <p:nvPr>
-            <p:extLst/>
+            <p:extLst>
+              <p:ext uri="{D42A27DB-BD31-4B8C-83A1-F6EECF244321}">
+                <p14:modId xmlns:p14="http://schemas.microsoft.com/office/powerpoint/2010/main" val="575777720"/>
+              </p:ext>
+            </p:extLst>
           </p:nvPr>
         </p:nvGraphicFramePr>
         <p:xfrm>
           <a:off x="1259540" y="2276840"/>
-          <a:ext cx="6624920" cy="2479614"/>
+          <a:ext cx="6624920" cy="2222847"/>
         </p:xfrm>
         <a:graphic>
           <a:graphicData uri="http://schemas.openxmlformats.org/drawingml/2006/table">
@@ -28932,7 +28948,7 @@
                 </a:extLst>
               </a:tr>
               <a:tr h="256767">
-                <a:tc rowSpan="2">
+                <a:tc>
                   <a:txBody>
                     <a:bodyPr/>
                     <a:lstStyle/>
@@ -28943,10 +28959,16 @@
                         </a:spcAft>
                       </a:pPr>
                       <a:r>
-                        <a:rPr lang="ja-JP" sz="1050" kern="100" dirty="0">
-                          <a:effectLst/>
-                        </a:rPr>
-                        <a:t>パラメータシート作成</a:t>
+                        <a:rPr lang="ja-JP" altLang="en-US" sz="1050" kern="100" dirty="0" smtClean="0">
+                          <a:effectLst/>
+                        </a:rPr>
+                        <a:t>メニュー</a:t>
+                      </a:r>
+                      <a:r>
+                        <a:rPr lang="ja-JP" sz="1050" kern="100" dirty="0" smtClean="0">
+                          <a:effectLst/>
+                        </a:rPr>
+                        <a:t>作成</a:t>
                       </a:r>
                       <a:endParaRPr lang="ja-JP" sz="1050" kern="100" dirty="0">
                         <a:effectLst/>
@@ -28995,53 +29017,6 @@
                 <a:extLst>
                   <a:ext uri="{0D108BD9-81ED-4DB2-BD59-A6C34878D82A}">
                     <a16:rowId xmlns:a16="http://schemas.microsoft.com/office/drawing/2014/main" val="10003"/>
-                  </a:ext>
-                </a:extLst>
-              </a:tr>
-              <a:tr h="256767">
-                <a:tc vMerge="1">
-                  <a:txBody>
-                    <a:bodyPr/>
-                    <a:lstStyle/>
-                    <a:p>
-                      <a:endParaRPr kumimoji="1" lang="ja-JP" altLang="en-US"/>
-                    </a:p>
-                  </a:txBody>
-                  <a:tcPr/>
-                </a:tc>
-                <a:tc>
-                  <a:txBody>
-                    <a:bodyPr/>
-                    <a:lstStyle/>
-                    <a:p>
-                      <a:pPr algn="l">
-                        <a:spcAft>
-                          <a:spcPts val="0"/>
-                        </a:spcAft>
-                      </a:pPr>
-                      <a:r>
-                        <a:rPr lang="ja-JP" sz="1050" kern="100" dirty="0">
-                          <a:effectLst/>
-                        </a:rPr>
-                        <a:t>パラメータシート作成</a:t>
-                      </a:r>
-                      <a:endParaRPr lang="ja-JP" sz="1050" kern="100" dirty="0">
-                        <a:effectLst/>
-                        <a:latin typeface="Century" panose="02040604050505020304" pitchFamily="18" charset="0"/>
-                        <a:ea typeface="ＭＳ 明朝" panose="02020609040205080304" pitchFamily="17" charset="-128"/>
-                        <a:cs typeface="Times New Roman" panose="02020603050405020304" pitchFamily="18" charset="0"/>
-                      </a:endParaRPr>
-                    </a:p>
-                  </a:txBody>
-                  <a:tcPr marL="68580" marR="68580" marT="0" marB="0" anchor="ctr">
-                    <a:solidFill>
-                      <a:srgbClr val="E7E8EA"/>
-                    </a:solidFill>
-                  </a:tcPr>
-                </a:tc>
-                <a:extLst>
-                  <a:ext uri="{0D108BD9-81ED-4DB2-BD59-A6C34878D82A}">
-                    <a16:rowId xmlns:a16="http://schemas.microsoft.com/office/drawing/2014/main" val="10004"/>
                   </a:ext>
                 </a:extLst>
               </a:tr>
@@ -29752,7 +29727,7 @@
           <p:nvPr>
             <p:extLst>
               <p:ext uri="{D42A27DB-BD31-4B8C-83A1-F6EECF244321}">
-                <p14:modId xmlns:p14="http://schemas.microsoft.com/office/powerpoint/2010/main" val="1607857358"/>
+                <p14:modId xmlns:p14="http://schemas.microsoft.com/office/powerpoint/2010/main" val="1895988298"/>
               </p:ext>
             </p:extLst>
           </p:nvPr>
@@ -30278,10 +30253,16 @@
                         </a:spcAft>
                       </a:pPr>
                       <a:r>
-                        <a:rPr lang="ja-JP" sz="900" kern="0" dirty="0">
-                          <a:effectLst/>
-                        </a:rPr>
-                        <a:t>パラメータシート作成</a:t>
+                        <a:rPr lang="ja-JP" altLang="en-US" sz="900" kern="0" dirty="0" smtClean="0">
+                          <a:effectLst/>
+                        </a:rPr>
+                        <a:t>メニュー</a:t>
+                      </a:r>
+                      <a:r>
+                        <a:rPr lang="ja-JP" sz="900" kern="0" dirty="0" smtClean="0">
+                          <a:effectLst/>
+                        </a:rPr>
+                        <a:t>作成</a:t>
                       </a:r>
                       <a:endParaRPr lang="ja-JP" sz="1050" kern="100" dirty="0">
                         <a:effectLst/>
@@ -30307,22 +30288,22 @@
                         </a:spcAft>
                       </a:pPr>
                       <a:r>
+                        <a:rPr lang="ja-JP" altLang="en-US" sz="900" kern="100" dirty="0" smtClean="0">
+                          <a:effectLst/>
+                        </a:rPr>
+                        <a:t>メニュー</a:t>
+                      </a:r>
+                      <a:r>
+                        <a:rPr lang="ja-JP" sz="900" kern="100" dirty="0" smtClean="0">
+                          <a:effectLst/>
+                        </a:rPr>
+                        <a:t>を</a:t>
+                      </a:r>
+                      <a:r>
                         <a:rPr lang="ja-JP" sz="900" kern="100" dirty="0">
                           <a:effectLst/>
                         </a:rPr>
-                        <a:t>パラメータシート（</a:t>
-                      </a:r>
-                      <a:r>
-                        <a:rPr lang="en-US" sz="900" kern="100" dirty="0">
-                          <a:effectLst/>
-                        </a:rPr>
-                        <a:t>Web</a:t>
-                      </a:r>
-                      <a:r>
-                        <a:rPr lang="ja-JP" sz="900" kern="100" dirty="0">
-                          <a:effectLst/>
-                        </a:rPr>
-                        <a:t>メニュー）を作成・管理します。</a:t>
+                        <a:t>作成・管理します。</a:t>
                       </a:r>
                       <a:endParaRPr lang="ja-JP" sz="1050" kern="100" dirty="0">
                         <a:effectLst/>

--- a/asset/Learn_ja/ITA-offline-install_ja.pptx
+++ b/asset/Learn_ja/ITA-offline-install_ja.pptx
@@ -334,7 +334,7 @@
               <a:rPr kumimoji="1" lang="ja-JP" altLang="en-US" smtClean="0">
                 <a:ea typeface="メイリオ" panose="020B0604030504040204" pitchFamily="50" charset="-128"/>
               </a:rPr>
-              <a:t>2019/11/5</a:t>
+              <a:t>2020/1/24</a:t>
             </a:fld>
             <a:endParaRPr kumimoji="1" lang="ja-JP" altLang="en-US" dirty="0">
               <a:ea typeface="メイリオ" panose="020B0604030504040204" pitchFamily="50" charset="-128"/>
@@ -480,7 +480,7 @@
             <a:fld id="{4B26993D-C081-44EB-B0F5-A9F467792B62}" type="datetimeFigureOut">
               <a:rPr lang="ja-JP" altLang="en-US" smtClean="0"/>
               <a:pPr/>
-              <a:t>2019/11/5</a:t>
+              <a:t>2020/1/24</a:t>
             </a:fld>
             <a:endParaRPr lang="ja-JP" altLang="en-US" dirty="0"/>
           </a:p>
@@ -1103,7 +1103,7 @@
           <a:p>
             <a:fld id="{56F9016B-CCA6-43BE-8BEE-59565A35F4F7}" type="datetimeFigureOut">
               <a:rPr kumimoji="1" lang="ja-JP" altLang="en-US" smtClean="0"/>
-              <a:t>2019/11/5</a:t>
+              <a:t>2020/1/24</a:t>
             </a:fld>
             <a:endParaRPr kumimoji="1" lang="ja-JP" altLang="en-US"/>
           </a:p>
@@ -1305,7 +1305,7 @@
           <a:p>
             <a:fld id="{56F9016B-CCA6-43BE-8BEE-59565A35F4F7}" type="datetimeFigureOut">
               <a:rPr kumimoji="1" lang="ja-JP" altLang="en-US" smtClean="0"/>
-              <a:t>2019/11/5</a:t>
+              <a:t>2020/1/24</a:t>
             </a:fld>
             <a:endParaRPr kumimoji="1" lang="ja-JP" altLang="en-US"/>
           </a:p>
@@ -1551,7 +1551,7 @@
           <a:p>
             <a:fld id="{56F9016B-CCA6-43BE-8BEE-59565A35F4F7}" type="datetimeFigureOut">
               <a:rPr kumimoji="1" lang="ja-JP" altLang="en-US" smtClean="0"/>
-              <a:t>2019/11/5</a:t>
+              <a:t>2020/1/24</a:t>
             </a:fld>
             <a:endParaRPr kumimoji="1" lang="ja-JP" altLang="en-US"/>
           </a:p>
@@ -1847,7 +1847,7 @@
           <a:p>
             <a:fld id="{56F9016B-CCA6-43BE-8BEE-59565A35F4F7}" type="datetimeFigureOut">
               <a:rPr kumimoji="1" lang="ja-JP" altLang="en-US" smtClean="0"/>
-              <a:t>2019/11/5</a:t>
+              <a:t>2020/1/24</a:t>
             </a:fld>
             <a:endParaRPr kumimoji="1" lang="ja-JP" altLang="en-US"/>
           </a:p>
@@ -2278,7 +2278,7 @@
           <a:p>
             <a:fld id="{56F9016B-CCA6-43BE-8BEE-59565A35F4F7}" type="datetimeFigureOut">
               <a:rPr kumimoji="1" lang="ja-JP" altLang="en-US" smtClean="0"/>
-              <a:t>2019/11/5</a:t>
+              <a:t>2020/1/24</a:t>
             </a:fld>
             <a:endParaRPr kumimoji="1" lang="ja-JP" altLang="en-US"/>
           </a:p>
@@ -2396,7 +2396,7 @@
           <a:p>
             <a:fld id="{56F9016B-CCA6-43BE-8BEE-59565A35F4F7}" type="datetimeFigureOut">
               <a:rPr kumimoji="1" lang="ja-JP" altLang="en-US" smtClean="0"/>
-              <a:t>2019/11/5</a:t>
+              <a:t>2020/1/24</a:t>
             </a:fld>
             <a:endParaRPr kumimoji="1" lang="ja-JP" altLang="en-US"/>
           </a:p>
@@ -2491,7 +2491,7 @@
           <a:p>
             <a:fld id="{56F9016B-CCA6-43BE-8BEE-59565A35F4F7}" type="datetimeFigureOut">
               <a:rPr kumimoji="1" lang="ja-JP" altLang="en-US" smtClean="0"/>
-              <a:t>2019/11/5</a:t>
+              <a:t>2020/1/24</a:t>
             </a:fld>
             <a:endParaRPr kumimoji="1" lang="ja-JP" altLang="en-US"/>
           </a:p>
@@ -2800,7 +2800,7 @@
           <a:p>
             <a:fld id="{56F9016B-CCA6-43BE-8BEE-59565A35F4F7}" type="datetimeFigureOut">
               <a:rPr kumimoji="1" lang="ja-JP" altLang="en-US" smtClean="0"/>
-              <a:t>2019/11/5</a:t>
+              <a:t>2020/1/24</a:t>
             </a:fld>
             <a:endParaRPr kumimoji="1" lang="ja-JP" altLang="en-US"/>
           </a:p>
@@ -3053,7 +3053,7 @@
           <a:p>
             <a:fld id="{56F9016B-CCA6-43BE-8BEE-59565A35F4F7}" type="datetimeFigureOut">
               <a:rPr kumimoji="1" lang="ja-JP" altLang="en-US" smtClean="0"/>
-              <a:t>2019/11/5</a:t>
+              <a:t>2020/1/24</a:t>
             </a:fld>
             <a:endParaRPr kumimoji="1" lang="ja-JP" altLang="en-US"/>
           </a:p>
@@ -3330,7 +3330,7 @@
           <a:p>
             <a:fld id="{56F9016B-CCA6-43BE-8BEE-59565A35F4F7}" type="datetimeFigureOut">
               <a:rPr kumimoji="1" lang="ja-JP" altLang="en-US" smtClean="0"/>
-              <a:t>2019/11/5</a:t>
+              <a:t>2020/1/24</a:t>
             </a:fld>
             <a:endParaRPr kumimoji="1" lang="ja-JP" altLang="en-US"/>
           </a:p>
@@ -3542,7 +3542,7 @@
           <a:p>
             <a:fld id="{56F9016B-CCA6-43BE-8BEE-59565A35F4F7}" type="datetimeFigureOut">
               <a:rPr kumimoji="1" lang="ja-JP" altLang="en-US" smtClean="0"/>
-              <a:t>2019/11/5</a:t>
+              <a:t>2020/1/24</a:t>
             </a:fld>
             <a:endParaRPr kumimoji="1" lang="ja-JP" altLang="en-US"/>
           </a:p>
@@ -6601,7 +6601,7 @@
           <a:p>
             <a:fld id="{56F9016B-CCA6-43BE-8BEE-59565A35F4F7}" type="datetimeFigureOut">
               <a:rPr kumimoji="1" lang="ja-JP" altLang="en-US" smtClean="0"/>
-              <a:t>2019/11/5</a:t>
+              <a:t>2020/1/24</a:t>
             </a:fld>
             <a:endParaRPr kumimoji="1" lang="ja-JP" altLang="en-US"/>
           </a:p>
@@ -7039,7 +7039,7 @@
             </a:r>
             <a:r>
               <a:rPr lang="en-US" altLang="ja-JP" dirty="0" smtClean="0"/>
-              <a:t>1.2</a:t>
+              <a:t>1.3</a:t>
             </a:r>
             <a:r>
               <a:rPr lang="ja-JP" altLang="en-US" dirty="0" smtClean="0"/>
@@ -10040,21 +10040,21 @@
                 <a:gridCol w="2586972">
                   <a:extLst>
                     <a:ext uri="{9D8B030D-6E8A-4147-A177-3AD203B41FA5}">
-                      <a16:colId xmlns="" xmlns:a16="http://schemas.microsoft.com/office/drawing/2014/main" val="20000"/>
+                      <a16:colId xmlns:a16="http://schemas.microsoft.com/office/drawing/2014/main" val="20000"/>
                     </a:ext>
                   </a:extLst>
                 </a:gridCol>
                 <a:gridCol w="2389134">
                   <a:extLst>
                     <a:ext uri="{9D8B030D-6E8A-4147-A177-3AD203B41FA5}">
-                      <a16:colId xmlns="" xmlns:a16="http://schemas.microsoft.com/office/drawing/2014/main" val="20001"/>
+                      <a16:colId xmlns:a16="http://schemas.microsoft.com/office/drawing/2014/main" val="20001"/>
                     </a:ext>
                   </a:extLst>
                 </a:gridCol>
                 <a:gridCol w="3773110">
                   <a:extLst>
                     <a:ext uri="{9D8B030D-6E8A-4147-A177-3AD203B41FA5}">
-                      <a16:colId xmlns="" xmlns:a16="http://schemas.microsoft.com/office/drawing/2014/main" val="20002"/>
+                      <a16:colId xmlns:a16="http://schemas.microsoft.com/office/drawing/2014/main" val="20002"/>
                     </a:ext>
                   </a:extLst>
                 </a:gridCol>
@@ -10158,7 +10158,7 @@
                 </a:tc>
                 <a:extLst>
                   <a:ext uri="{0D108BD9-81ED-4DB2-BD59-A6C34878D82A}">
-                    <a16:rowId xmlns="" xmlns:a16="http://schemas.microsoft.com/office/drawing/2014/main" val="10000"/>
+                    <a16:rowId xmlns:a16="http://schemas.microsoft.com/office/drawing/2014/main" val="10000"/>
                   </a:ext>
                 </a:extLst>
               </a:tr>
@@ -10279,7 +10279,7 @@
                 </a:tc>
                 <a:extLst>
                   <a:ext uri="{0D108BD9-81ED-4DB2-BD59-A6C34878D82A}">
-                    <a16:rowId xmlns="" xmlns:a16="http://schemas.microsoft.com/office/drawing/2014/main" val="10001"/>
+                    <a16:rowId xmlns:a16="http://schemas.microsoft.com/office/drawing/2014/main" val="10001"/>
                   </a:ext>
                 </a:extLst>
               </a:tr>
@@ -10425,7 +10425,7 @@
                 </a:tc>
                 <a:extLst>
                   <a:ext uri="{0D108BD9-81ED-4DB2-BD59-A6C34878D82A}">
-                    <a16:rowId xmlns="" xmlns:a16="http://schemas.microsoft.com/office/drawing/2014/main" val="10002"/>
+                    <a16:rowId xmlns:a16="http://schemas.microsoft.com/office/drawing/2014/main" val="10002"/>
                   </a:ext>
                 </a:extLst>
               </a:tr>
@@ -10571,7 +10571,7 @@
                 </a:tc>
                 <a:extLst>
                   <a:ext uri="{0D108BD9-81ED-4DB2-BD59-A6C34878D82A}">
-                    <a16:rowId xmlns="" xmlns:a16="http://schemas.microsoft.com/office/drawing/2014/main" val="10003"/>
+                    <a16:rowId xmlns:a16="http://schemas.microsoft.com/office/drawing/2014/main" val="10003"/>
                   </a:ext>
                 </a:extLst>
               </a:tr>
@@ -10692,7 +10692,7 @@
                 </a:tc>
                 <a:extLst>
                   <a:ext uri="{0D108BD9-81ED-4DB2-BD59-A6C34878D82A}">
-                    <a16:rowId xmlns="" xmlns:a16="http://schemas.microsoft.com/office/drawing/2014/main" val="10004"/>
+                    <a16:rowId xmlns:a16="http://schemas.microsoft.com/office/drawing/2014/main" val="10004"/>
                   </a:ext>
                 </a:extLst>
               </a:tr>
@@ -10831,7 +10831,7 @@
                 </a:tc>
                 <a:extLst>
                   <a:ext uri="{0D108BD9-81ED-4DB2-BD59-A6C34878D82A}">
-                    <a16:rowId xmlns="" xmlns:a16="http://schemas.microsoft.com/office/drawing/2014/main" val="10005"/>
+                    <a16:rowId xmlns:a16="http://schemas.microsoft.com/office/drawing/2014/main" val="10005"/>
                   </a:ext>
                 </a:extLst>
               </a:tr>
@@ -10952,7 +10952,7 @@
                 </a:tc>
                 <a:extLst>
                   <a:ext uri="{0D108BD9-81ED-4DB2-BD59-A6C34878D82A}">
-                    <a16:rowId xmlns="" xmlns:a16="http://schemas.microsoft.com/office/drawing/2014/main" val="10006"/>
+                    <a16:rowId xmlns:a16="http://schemas.microsoft.com/office/drawing/2014/main" val="10006"/>
                   </a:ext>
                 </a:extLst>
               </a:tr>
@@ -13635,6 +13635,32 @@
             <a:pPr marL="0" indent="0">
               <a:buNone/>
             </a:pPr>
+            <a:r>
+              <a:rPr lang="en-US" altLang="ja-JP" dirty="0"/>
+              <a:t>※</a:t>
+            </a:r>
+            <a:r>
+              <a:rPr lang="ja-JP" altLang="en-US" dirty="0" smtClean="0"/>
+              <a:t>環境</a:t>
+            </a:r>
+            <a:r>
+              <a:rPr lang="ja-JP" altLang="en-US" dirty="0"/>
+              <a:t>構築ユーザーは</a:t>
+            </a:r>
+            <a:r>
+              <a:rPr lang="en-US" altLang="ja-JP" dirty="0"/>
+              <a:t>root</a:t>
+            </a:r>
+            <a:r>
+              <a:rPr lang="ja-JP" altLang="en-US" dirty="0"/>
+              <a:t>ユーザーで実施すること。</a:t>
+            </a:r>
+            <a:endParaRPr lang="en-US" altLang="ja-JP" dirty="0" smtClean="0"/>
+          </a:p>
+          <a:p>
+            <a:pPr marL="0" indent="0">
+              <a:buNone/>
+            </a:pPr>
             <a:endParaRPr lang="en-US" altLang="ja-JP" dirty="0"/>
           </a:p>
           <a:p>
@@ -13681,8 +13707,12 @@
               <a:rPr lang="en-US" altLang="ja-JP" dirty="0" smtClean="0"/>
             </a:br>
             <a:r>
+              <a:rPr lang="en-US" altLang="ja-JP" dirty="0" smtClean="0"/>
+              <a:t>#</a:t>
+            </a:r>
+            <a:r>
               <a:rPr lang="en-US" altLang="ja-JP" sz="1400" dirty="0" smtClean="0"/>
-              <a:t>$ wget </a:t>
+              <a:t> wget </a:t>
             </a:r>
             <a:r>
               <a:rPr lang="en-US" altLang="ja-JP" sz="1400" dirty="0"/>
@@ -13804,8 +13834,12 @@
               <a:rPr lang="en-US" altLang="ja-JP" dirty="0"/>
             </a:br>
             <a:r>
+              <a:rPr lang="en-US" altLang="ja-JP" sz="1400" dirty="0"/>
+              <a:t>#</a:t>
+            </a:r>
+            <a:r>
               <a:rPr lang="en-US" altLang="ja-JP" sz="1400" dirty="0" smtClean="0"/>
-              <a:t>$ </a:t>
+              <a:t> </a:t>
             </a:r>
             <a:r>
               <a:rPr lang="en-US" altLang="ja-JP" sz="1400" dirty="0"/>
@@ -13840,7 +13874,7 @@
             </a:br>
             <a:r>
               <a:rPr lang="en-US" altLang="ja-JP" sz="1400" dirty="0" smtClean="0"/>
-              <a:t>$ find ./it-automation-</a:t>
+              <a:t># find ./it-automation-</a:t>
             </a:r>
             <a:r>
               <a:rPr lang="en-US" altLang="ja-JP" sz="1400" dirty="0" err="1" smtClean="0">
@@ -13904,11 +13938,11 @@
             </a:br>
             <a:r>
               <a:rPr lang="en-US" altLang="ja-JP" sz="1400" dirty="0"/>
-              <a:t>$ </a:t>
+              <a:t>#</a:t>
             </a:r>
             <a:r>
               <a:rPr lang="en-US" altLang="ja-JP" sz="1400" dirty="0" smtClean="0"/>
-              <a:t>cd it-automation-</a:t>
+              <a:t> cd it-automation-</a:t>
             </a:r>
             <a:r>
               <a:rPr lang="en-US" altLang="ja-JP" sz="1400" dirty="0" err="1" smtClean="0">
@@ -14134,14 +14168,14 @@
           <p:nvPr>
             <p:extLst>
               <p:ext uri="{D42A27DB-BD31-4B8C-83A1-F6EECF244321}">
-                <p14:modId xmlns:p14="http://schemas.microsoft.com/office/powerpoint/2010/main" val="1842871445"/>
+                <p14:modId xmlns:p14="http://schemas.microsoft.com/office/powerpoint/2010/main" val="3600454044"/>
               </p:ext>
             </p:extLst>
           </p:nvPr>
         </p:nvGraphicFramePr>
         <p:xfrm>
           <a:off x="179512" y="1844781"/>
-          <a:ext cx="8784000" cy="4608409"/>
+          <a:ext cx="8784000" cy="1929101"/>
         </p:xfrm>
         <a:graphic>
           <a:graphicData uri="http://schemas.openxmlformats.org/drawingml/2006/table">
@@ -14153,28 +14187,28 @@
                 <a:gridCol w="1800128">
                   <a:extLst>
                     <a:ext uri="{9D8B030D-6E8A-4147-A177-3AD203B41FA5}">
-                      <a16:colId xmlns="" xmlns:a16="http://schemas.microsoft.com/office/drawing/2014/main" val="20000"/>
+                      <a16:colId xmlns:a16="http://schemas.microsoft.com/office/drawing/2014/main" val="20000"/>
                     </a:ext>
                   </a:extLst>
                 </a:gridCol>
                 <a:gridCol w="2139459">
                   <a:extLst>
                     <a:ext uri="{9D8B030D-6E8A-4147-A177-3AD203B41FA5}">
-                      <a16:colId xmlns="" xmlns:a16="http://schemas.microsoft.com/office/drawing/2014/main" val="20001"/>
+                      <a16:colId xmlns:a16="http://schemas.microsoft.com/office/drawing/2014/main" val="20001"/>
                     </a:ext>
                   </a:extLst>
                 </a:gridCol>
                 <a:gridCol w="596921">
                   <a:extLst>
                     <a:ext uri="{9D8B030D-6E8A-4147-A177-3AD203B41FA5}">
-                      <a16:colId xmlns="" xmlns:a16="http://schemas.microsoft.com/office/drawing/2014/main" val="20002"/>
+                      <a16:colId xmlns:a16="http://schemas.microsoft.com/office/drawing/2014/main" val="20002"/>
                     </a:ext>
                   </a:extLst>
                 </a:gridCol>
                 <a:gridCol w="4247492">
                   <a:extLst>
                     <a:ext uri="{9D8B030D-6E8A-4147-A177-3AD203B41FA5}">
-                      <a16:colId xmlns="" xmlns:a16="http://schemas.microsoft.com/office/drawing/2014/main" val="20003"/>
+                      <a16:colId xmlns:a16="http://schemas.microsoft.com/office/drawing/2014/main" val="20003"/>
                     </a:ext>
                   </a:extLst>
                 </a:gridCol>
@@ -14326,7 +14360,7 @@
                 </a:tc>
                 <a:extLst>
                   <a:ext uri="{0D108BD9-81ED-4DB2-BD59-A6C34878D82A}">
-                    <a16:rowId xmlns="" xmlns:a16="http://schemas.microsoft.com/office/drawing/2014/main" val="10000"/>
+                    <a16:rowId xmlns:a16="http://schemas.microsoft.com/office/drawing/2014/main" val="10000"/>
                   </a:ext>
                 </a:extLst>
               </a:tr>
@@ -14475,7 +14509,13 @@
                         <a:rPr lang="en-US" sz="900" kern="100" dirty="0">
                           <a:effectLst/>
                         </a:rPr>
-                        <a:t>("CentOS6","CentOS7","RHEL6","RHEL7")</a:t>
+                        <a:t>("</a:t>
+                      </a:r>
+                      <a:r>
+                        <a:rPr lang="en-US" sz="900" kern="100" dirty="0" smtClean="0">
+                          <a:effectLst/>
+                        </a:rPr>
+                        <a:t>CentOS7","CentOS8","RHEL7","RHEL8")</a:t>
                       </a:r>
                       <a:endParaRPr lang="ja-JP" sz="900" kern="100" dirty="0">
                         <a:effectLst/>
@@ -14493,7 +14533,7 @@
                 </a:tc>
                 <a:extLst>
                   <a:ext uri="{0D108BD9-81ED-4DB2-BD59-A6C34878D82A}">
-                    <a16:rowId xmlns="" xmlns:a16="http://schemas.microsoft.com/office/drawing/2014/main" val="10001"/>
+                    <a16:rowId xmlns:a16="http://schemas.microsoft.com/office/drawing/2014/main" val="10001"/>
                   </a:ext>
                 </a:extLst>
               </a:tr>
@@ -14668,7 +14708,7 @@
                 </a:tc>
                 <a:extLst>
                   <a:ext uri="{0D108BD9-81ED-4DB2-BD59-A6C34878D82A}">
-                    <a16:rowId xmlns="" xmlns:a16="http://schemas.microsoft.com/office/drawing/2014/main" val="10002"/>
+                    <a16:rowId xmlns:a16="http://schemas.microsoft.com/office/drawing/2014/main" val="10002"/>
                   </a:ext>
                 </a:extLst>
               </a:tr>
@@ -14843,7 +14883,7 @@
                 </a:tc>
                 <a:extLst>
                   <a:ext uri="{0D108BD9-81ED-4DB2-BD59-A6C34878D82A}">
-                    <a16:rowId xmlns="" xmlns:a16="http://schemas.microsoft.com/office/drawing/2014/main" val="10003"/>
+                    <a16:rowId xmlns:a16="http://schemas.microsoft.com/office/drawing/2014/main" val="10003"/>
                   </a:ext>
                 </a:extLst>
               </a:tr>
@@ -15024,1450 +15064,7 @@
                 </a:tc>
                 <a:extLst>
                   <a:ext uri="{0D108BD9-81ED-4DB2-BD59-A6C34878D82A}">
-                    <a16:rowId xmlns="" xmlns:a16="http://schemas.microsoft.com/office/drawing/2014/main" val="10004"/>
-                  </a:ext>
-                </a:extLst>
-              </a:tr>
-              <a:tr h="321517">
-                <a:tc>
-                  <a:txBody>
-                    <a:bodyPr/>
-                    <a:lstStyle/>
-                    <a:p>
-                      <a:pPr algn="just">
-                        <a:spcAft>
-                          <a:spcPts val="0"/>
-                        </a:spcAft>
-                      </a:pPr>
-                      <a:r>
-                        <a:rPr lang="en-US" sz="1000" kern="100" dirty="0" smtClean="0">
-                          <a:solidFill>
-                            <a:schemeClr val="bg1"/>
-                          </a:solidFill>
-                          <a:effectLst/>
-                        </a:rPr>
-                        <a:t>server_address</a:t>
-                      </a:r>
-                      <a:endParaRPr lang="ja-JP" sz="1000" kern="100" dirty="0">
-                        <a:solidFill>
-                          <a:schemeClr val="bg1"/>
-                        </a:solidFill>
-                        <a:effectLst/>
-                      </a:endParaRPr>
-                    </a:p>
-                  </a:txBody>
-                  <a:tcPr marL="55979" marR="55979" marT="0" marB="0" anchor="ctr">
-                    <a:solidFill>
-                      <a:srgbClr val="002B62"/>
-                    </a:solidFill>
-                  </a:tcPr>
-                </a:tc>
-                <a:tc>
-                  <a:txBody>
-                    <a:bodyPr/>
-                    <a:lstStyle/>
-                    <a:p>
-                      <a:pPr algn="l">
-                        <a:spcAft>
-                          <a:spcPts val="0"/>
-                        </a:spcAft>
-                      </a:pPr>
-                      <a:r>
-                        <a:rPr lang="en-US" sz="900" kern="100" dirty="0">
-                          <a:effectLst/>
-                        </a:rPr>
-                        <a:t>cobbler</a:t>
-                      </a:r>
-                      <a:r>
-                        <a:rPr lang="ja-JP" sz="900" kern="100" dirty="0">
-                          <a:effectLst/>
-                        </a:rPr>
-                        <a:t>をインストールする場合必須</a:t>
-                      </a:r>
-                      <a:endParaRPr lang="ja-JP" sz="900" kern="100" dirty="0">
-                        <a:effectLst/>
-                        <a:latin typeface="Century" panose="02040604050505020304" pitchFamily="18" charset="0"/>
-                        <a:ea typeface="ＭＳ 明朝" panose="02020609040205080304" pitchFamily="17" charset="-128"/>
-                        <a:cs typeface="Times New Roman" panose="02020603050405020304" pitchFamily="18" charset="0"/>
-                      </a:endParaRPr>
-                    </a:p>
-                  </a:txBody>
-                  <a:tcPr marL="55979" marR="55979" marT="0" marB="0" anchor="ctr">
-                    <a:solidFill>
-                      <a:srgbClr val="CBCDD3"/>
-                    </a:solidFill>
-                  </a:tcPr>
-                </a:tc>
-                <a:tc>
-                  <a:txBody>
-                    <a:bodyPr/>
-                    <a:lstStyle/>
-                    <a:p>
-                      <a:pPr algn="just">
-                        <a:spcAft>
-                          <a:spcPts val="0"/>
-                        </a:spcAft>
-                      </a:pPr>
-                      <a:r>
-                        <a:rPr lang="en-US" sz="900" kern="100" dirty="0">
-                          <a:effectLst/>
-                        </a:rPr>
-                        <a:t>-</a:t>
-                      </a:r>
-                      <a:endParaRPr lang="ja-JP" sz="900" kern="100" dirty="0">
-                        <a:effectLst/>
-                        <a:latin typeface="Century" panose="02040604050505020304" pitchFamily="18" charset="0"/>
-                        <a:ea typeface="ＭＳ 明朝" panose="02020609040205080304" pitchFamily="17" charset="-128"/>
-                        <a:cs typeface="Times New Roman" panose="02020603050405020304" pitchFamily="18" charset="0"/>
-                      </a:endParaRPr>
-                    </a:p>
-                  </a:txBody>
-                  <a:tcPr marL="55979" marR="55979" marT="0" marB="0" anchor="ctr">
-                    <a:solidFill>
-                      <a:srgbClr val="CBCDD3"/>
-                    </a:solidFill>
-                  </a:tcPr>
-                </a:tc>
-                <a:tc>
-                  <a:txBody>
-                    <a:bodyPr/>
-                    <a:lstStyle/>
-                    <a:p>
-                      <a:pPr algn="just">
-                        <a:spcAft>
-                          <a:spcPts val="0"/>
-                        </a:spcAft>
-                      </a:pPr>
-                      <a:r>
-                        <a:rPr lang="en-US" sz="900" kern="100" dirty="0">
-                          <a:effectLst/>
-                        </a:rPr>
-                        <a:t>Cobbler</a:t>
-                      </a:r>
-                      <a:r>
-                        <a:rPr lang="ja-JP" sz="900" kern="100" dirty="0">
-                          <a:effectLst/>
-                        </a:rPr>
-                        <a:t>の</a:t>
-                      </a:r>
-                      <a:r>
-                        <a:rPr lang="en-US" sz="900" kern="100" dirty="0">
-                          <a:effectLst/>
-                        </a:rPr>
-                        <a:t>settings</a:t>
-                      </a:r>
-                      <a:r>
-                        <a:rPr lang="ja-JP" sz="900" kern="100" dirty="0">
-                          <a:effectLst/>
-                        </a:rPr>
-                        <a:t>ファイルに設定</a:t>
-                      </a:r>
-                      <a:r>
-                        <a:rPr lang="ja-JP" sz="900" kern="100" dirty="0" smtClean="0">
-                          <a:effectLst/>
-                        </a:rPr>
-                        <a:t>する</a:t>
-                      </a:r>
-                      <a:r>
-                        <a:rPr lang="en-US" altLang="ja-JP" sz="900" kern="100" dirty="0" smtClean="0">
-                          <a:effectLst/>
-                        </a:rPr>
-                        <a:t>ITA</a:t>
-                      </a:r>
-                      <a:r>
-                        <a:rPr lang="ja-JP" sz="900" kern="100" dirty="0" smtClean="0">
-                          <a:effectLst/>
-                        </a:rPr>
-                        <a:t>サーバ</a:t>
-                      </a:r>
-                      <a:r>
-                        <a:rPr lang="en-US" sz="900" kern="100" dirty="0">
-                          <a:effectLst/>
-                        </a:rPr>
-                        <a:t>(Cobbler</a:t>
-                      </a:r>
-                      <a:r>
-                        <a:rPr lang="ja-JP" sz="900" kern="100" dirty="0">
-                          <a:effectLst/>
-                        </a:rPr>
-                        <a:t>サーバ</a:t>
-                      </a:r>
-                      <a:r>
-                        <a:rPr lang="en-US" sz="900" kern="100" dirty="0">
-                          <a:effectLst/>
-                        </a:rPr>
-                        <a:t>)</a:t>
-                      </a:r>
-                      <a:r>
-                        <a:rPr lang="ja-JP" sz="900" kern="100" dirty="0">
-                          <a:effectLst/>
-                        </a:rPr>
-                        <a:t>の</a:t>
-                      </a:r>
-                      <a:r>
-                        <a:rPr lang="en-US" sz="900" kern="100" dirty="0">
-                          <a:effectLst/>
-                        </a:rPr>
-                        <a:t>IP</a:t>
-                      </a:r>
-                      <a:r>
-                        <a:rPr lang="ja-JP" sz="900" kern="100" dirty="0">
-                          <a:effectLst/>
-                        </a:rPr>
-                        <a:t>アドレス</a:t>
-                      </a:r>
-                      <a:endParaRPr lang="ja-JP" sz="900" kern="100" dirty="0">
-                        <a:effectLst/>
-                        <a:latin typeface="Century" panose="02040604050505020304" pitchFamily="18" charset="0"/>
-                        <a:ea typeface="ＭＳ 明朝" panose="02020609040205080304" pitchFamily="17" charset="-128"/>
-                        <a:cs typeface="Times New Roman" panose="02020603050405020304" pitchFamily="18" charset="0"/>
-                      </a:endParaRPr>
-                    </a:p>
-                  </a:txBody>
-                  <a:tcPr marL="55979" marR="55979" marT="0" marB="0" anchor="ctr">
-                    <a:solidFill>
-                      <a:srgbClr val="CBCDD3"/>
-                    </a:solidFill>
-                  </a:tcPr>
-                </a:tc>
-                <a:extLst>
-                  <a:ext uri="{0D108BD9-81ED-4DB2-BD59-A6C34878D82A}">
-                    <a16:rowId xmlns="" xmlns:a16="http://schemas.microsoft.com/office/drawing/2014/main" val="10005"/>
-                  </a:ext>
-                </a:extLst>
-              </a:tr>
-              <a:tr h="428689">
-                <a:tc>
-                  <a:txBody>
-                    <a:bodyPr/>
-                    <a:lstStyle/>
-                    <a:p>
-                      <a:pPr algn="just">
-                        <a:spcAft>
-                          <a:spcPts val="0"/>
-                        </a:spcAft>
-                      </a:pPr>
-                      <a:r>
-                        <a:rPr lang="en-US" sz="1000" kern="100" dirty="0" smtClean="0">
-                          <a:solidFill>
-                            <a:schemeClr val="bg1"/>
-                          </a:solidFill>
-                          <a:effectLst/>
-                        </a:rPr>
-                        <a:t>default_password</a:t>
-                      </a:r>
-                      <a:endParaRPr lang="ja-JP" sz="1000" kern="100" dirty="0">
-                        <a:solidFill>
-                          <a:schemeClr val="bg1"/>
-                        </a:solidFill>
-                        <a:effectLst/>
-                      </a:endParaRPr>
-                    </a:p>
-                  </a:txBody>
-                  <a:tcPr marL="55979" marR="55979" marT="0" marB="0" anchor="ctr">
-                    <a:solidFill>
-                      <a:srgbClr val="002B62"/>
-                    </a:solidFill>
-                  </a:tcPr>
-                </a:tc>
-                <a:tc>
-                  <a:txBody>
-                    <a:bodyPr/>
-                    <a:lstStyle/>
-                    <a:p>
-                      <a:pPr algn="l">
-                        <a:spcAft>
-                          <a:spcPts val="0"/>
-                        </a:spcAft>
-                      </a:pPr>
-                      <a:r>
-                        <a:rPr lang="en-US" sz="900" kern="100" dirty="0">
-                          <a:effectLst/>
-                        </a:rPr>
-                        <a:t>cobbler</a:t>
-                      </a:r>
-                      <a:r>
-                        <a:rPr lang="ja-JP" sz="900" kern="100" dirty="0">
-                          <a:effectLst/>
-                        </a:rPr>
-                        <a:t>をインストールする場合必須</a:t>
-                      </a:r>
-                      <a:endParaRPr lang="ja-JP" sz="900" kern="100" dirty="0">
-                        <a:effectLst/>
-                        <a:latin typeface="Century" panose="02040604050505020304" pitchFamily="18" charset="0"/>
-                        <a:ea typeface="ＭＳ 明朝" panose="02020609040205080304" pitchFamily="17" charset="-128"/>
-                        <a:cs typeface="Times New Roman" panose="02020603050405020304" pitchFamily="18" charset="0"/>
-                      </a:endParaRPr>
-                    </a:p>
-                  </a:txBody>
-                  <a:tcPr marL="55979" marR="55979" marT="0" marB="0" anchor="ctr">
-                    <a:solidFill>
-                      <a:srgbClr val="E7E8EA"/>
-                    </a:solidFill>
-                  </a:tcPr>
-                </a:tc>
-                <a:tc>
-                  <a:txBody>
-                    <a:bodyPr/>
-                    <a:lstStyle/>
-                    <a:p>
-                      <a:pPr algn="just">
-                        <a:spcAft>
-                          <a:spcPts val="0"/>
-                        </a:spcAft>
-                      </a:pPr>
-                      <a:r>
-                        <a:rPr lang="en-US" sz="900" kern="100" dirty="0">
-                          <a:effectLst/>
-                        </a:rPr>
-                        <a:t>-</a:t>
-                      </a:r>
-                      <a:endParaRPr lang="ja-JP" sz="900" kern="100" dirty="0">
-                        <a:effectLst/>
-                        <a:latin typeface="Century" panose="02040604050505020304" pitchFamily="18" charset="0"/>
-                        <a:ea typeface="ＭＳ 明朝" panose="02020609040205080304" pitchFamily="17" charset="-128"/>
-                        <a:cs typeface="Times New Roman" panose="02020603050405020304" pitchFamily="18" charset="0"/>
-                      </a:endParaRPr>
-                    </a:p>
-                  </a:txBody>
-                  <a:tcPr marL="55979" marR="55979" marT="0" marB="0" anchor="ctr">
-                    <a:solidFill>
-                      <a:srgbClr val="E7E8EA"/>
-                    </a:solidFill>
-                  </a:tcPr>
-                </a:tc>
-                <a:tc>
-                  <a:txBody>
-                    <a:bodyPr/>
-                    <a:lstStyle/>
-                    <a:p>
-                      <a:pPr algn="just">
-                        <a:spcAft>
-                          <a:spcPts val="0"/>
-                        </a:spcAft>
-                      </a:pPr>
-                      <a:r>
-                        <a:rPr lang="en-US" sz="900" kern="100" dirty="0">
-                          <a:effectLst/>
-                        </a:rPr>
-                        <a:t>Cobbler</a:t>
-                      </a:r>
-                      <a:r>
-                        <a:rPr lang="ja-JP" sz="900" kern="100" dirty="0">
-                          <a:effectLst/>
-                        </a:rPr>
-                        <a:t>の</a:t>
-                      </a:r>
-                      <a:r>
-                        <a:rPr lang="en-US" sz="900" kern="100" dirty="0">
-                          <a:effectLst/>
-                        </a:rPr>
-                        <a:t>settings</a:t>
-                      </a:r>
-                      <a:r>
-                        <a:rPr lang="ja-JP" sz="900" kern="100" dirty="0">
-                          <a:effectLst/>
-                        </a:rPr>
-                        <a:t>ファイルに設定する</a:t>
-                      </a:r>
-                      <a:r>
-                        <a:rPr lang="en-US" sz="900" kern="100" dirty="0">
-                          <a:effectLst/>
-                        </a:rPr>
-                        <a:t>OS</a:t>
-                      </a:r>
-                      <a:r>
-                        <a:rPr lang="ja-JP" sz="900" kern="100" dirty="0">
-                          <a:effectLst/>
-                        </a:rPr>
-                        <a:t>インストール対象サーバの</a:t>
-                      </a:r>
-                      <a:r>
-                        <a:rPr lang="en-US" sz="900" kern="100" dirty="0">
-                          <a:effectLst/>
-                        </a:rPr>
-                        <a:t>root</a:t>
-                      </a:r>
-                      <a:r>
-                        <a:rPr lang="ja-JP" sz="900" kern="100" dirty="0">
-                          <a:effectLst/>
-                        </a:rPr>
-                        <a:t>パスワード</a:t>
-                      </a:r>
-                    </a:p>
-                    <a:p>
-                      <a:pPr algn="just">
-                        <a:spcAft>
-                          <a:spcPts val="0"/>
-                        </a:spcAft>
-                      </a:pPr>
-                      <a:r>
-                        <a:rPr lang="ja-JP" sz="900" kern="100" dirty="0">
-                          <a:effectLst/>
-                        </a:rPr>
-                        <a:t>※入力した値をハッシュした値が</a:t>
-                      </a:r>
-                      <a:r>
-                        <a:rPr lang="en-US" sz="900" kern="100" dirty="0">
-                          <a:effectLst/>
-                        </a:rPr>
-                        <a:t>settings</a:t>
-                      </a:r>
-                      <a:r>
-                        <a:rPr lang="ja-JP" sz="900" kern="100" dirty="0">
-                          <a:effectLst/>
-                        </a:rPr>
-                        <a:t>ファイルに設定されます。</a:t>
-                      </a:r>
-                      <a:endParaRPr lang="ja-JP" sz="900" kern="100" dirty="0">
-                        <a:effectLst/>
-                        <a:latin typeface="Century" panose="02040604050505020304" pitchFamily="18" charset="0"/>
-                        <a:ea typeface="ＭＳ 明朝" panose="02020609040205080304" pitchFamily="17" charset="-128"/>
-                        <a:cs typeface="Times New Roman" panose="02020603050405020304" pitchFamily="18" charset="0"/>
-                      </a:endParaRPr>
-                    </a:p>
-                  </a:txBody>
-                  <a:tcPr marL="55979" marR="55979" marT="0" marB="0" anchor="ctr">
-                    <a:solidFill>
-                      <a:srgbClr val="E7E8EA"/>
-                    </a:solidFill>
-                  </a:tcPr>
-                </a:tc>
-                <a:extLst>
-                  <a:ext uri="{0D108BD9-81ED-4DB2-BD59-A6C34878D82A}">
-                    <a16:rowId xmlns="" xmlns:a16="http://schemas.microsoft.com/office/drawing/2014/main" val="10006"/>
-                  </a:ext>
-                </a:extLst>
-              </a:tr>
-              <a:tr h="321517">
-                <a:tc>
-                  <a:txBody>
-                    <a:bodyPr/>
-                    <a:lstStyle/>
-                    <a:p>
-                      <a:pPr algn="just">
-                        <a:spcAft>
-                          <a:spcPts val="0"/>
-                        </a:spcAft>
-                      </a:pPr>
-                      <a:r>
-                        <a:rPr lang="en-US" sz="1000" kern="100" dirty="0" smtClean="0">
-                          <a:solidFill>
-                            <a:schemeClr val="bg1"/>
-                          </a:solidFill>
-                          <a:effectLst/>
-                        </a:rPr>
-                        <a:t>cobbler_ip</a:t>
-                      </a:r>
-                      <a:endParaRPr lang="ja-JP" sz="1000" kern="100" dirty="0">
-                        <a:solidFill>
-                          <a:schemeClr val="bg1"/>
-                        </a:solidFill>
-                        <a:effectLst/>
-                      </a:endParaRPr>
-                    </a:p>
-                  </a:txBody>
-                  <a:tcPr marL="55979" marR="55979" marT="0" marB="0" anchor="ctr">
-                    <a:solidFill>
-                      <a:srgbClr val="002B62"/>
-                    </a:solidFill>
-                  </a:tcPr>
-                </a:tc>
-                <a:tc>
-                  <a:txBody>
-                    <a:bodyPr/>
-                    <a:lstStyle/>
-                    <a:p>
-                      <a:pPr algn="l">
-                        <a:spcAft>
-                          <a:spcPts val="0"/>
-                        </a:spcAft>
-                      </a:pPr>
-                      <a:r>
-                        <a:rPr lang="en-US" sz="900" kern="100" dirty="0">
-                          <a:effectLst/>
-                        </a:rPr>
-                        <a:t>cobbler</a:t>
-                      </a:r>
-                      <a:r>
-                        <a:rPr lang="ja-JP" sz="900" kern="100" dirty="0">
-                          <a:effectLst/>
-                        </a:rPr>
-                        <a:t>をインストールする場合必須</a:t>
-                      </a:r>
-                      <a:endParaRPr lang="ja-JP" sz="900" kern="100" dirty="0">
-                        <a:effectLst/>
-                        <a:latin typeface="Century" panose="02040604050505020304" pitchFamily="18" charset="0"/>
-                        <a:ea typeface="ＭＳ 明朝" panose="02020609040205080304" pitchFamily="17" charset="-128"/>
-                        <a:cs typeface="Times New Roman" panose="02020603050405020304" pitchFamily="18" charset="0"/>
-                      </a:endParaRPr>
-                    </a:p>
-                  </a:txBody>
-                  <a:tcPr marL="55979" marR="55979" marT="0" marB="0" anchor="ctr">
-                    <a:solidFill>
-                      <a:srgbClr val="CBCDD3"/>
-                    </a:solidFill>
-                  </a:tcPr>
-                </a:tc>
-                <a:tc>
-                  <a:txBody>
-                    <a:bodyPr/>
-                    <a:lstStyle/>
-                    <a:p>
-                      <a:pPr algn="just">
-                        <a:spcAft>
-                          <a:spcPts val="0"/>
-                        </a:spcAft>
-                      </a:pPr>
-                      <a:r>
-                        <a:rPr lang="en-US" sz="900" kern="100" dirty="0">
-                          <a:effectLst/>
-                        </a:rPr>
-                        <a:t>-</a:t>
-                      </a:r>
-                      <a:endParaRPr lang="ja-JP" sz="900" kern="100" dirty="0">
-                        <a:effectLst/>
-                        <a:latin typeface="Century" panose="02040604050505020304" pitchFamily="18" charset="0"/>
-                        <a:ea typeface="ＭＳ 明朝" panose="02020609040205080304" pitchFamily="17" charset="-128"/>
-                        <a:cs typeface="Times New Roman" panose="02020603050405020304" pitchFamily="18" charset="0"/>
-                      </a:endParaRPr>
-                    </a:p>
-                  </a:txBody>
-                  <a:tcPr marL="55979" marR="55979" marT="0" marB="0" anchor="ctr">
-                    <a:solidFill>
-                      <a:srgbClr val="CBCDD3"/>
-                    </a:solidFill>
-                  </a:tcPr>
-                </a:tc>
-                <a:tc>
-                  <a:txBody>
-                    <a:bodyPr/>
-                    <a:lstStyle/>
-                    <a:p>
-                      <a:pPr algn="just">
-                        <a:spcAft>
-                          <a:spcPts val="0"/>
-                        </a:spcAft>
-                      </a:pPr>
-                      <a:r>
-                        <a:rPr lang="en-US" sz="900" kern="100" dirty="0">
-                          <a:effectLst/>
-                        </a:rPr>
-                        <a:t>dhcp.template</a:t>
-                      </a:r>
-                      <a:r>
-                        <a:rPr lang="ja-JP" sz="900" kern="100" dirty="0">
-                          <a:effectLst/>
-                        </a:rPr>
-                        <a:t>の</a:t>
-                      </a:r>
-                      <a:r>
-                        <a:rPr lang="en-US" sz="900" kern="100" dirty="0">
-                          <a:effectLst/>
-                        </a:rPr>
-                        <a:t>subnet</a:t>
-                      </a:r>
-                      <a:r>
-                        <a:rPr lang="ja-JP" sz="900" kern="100" dirty="0">
-                          <a:effectLst/>
-                        </a:rPr>
-                        <a:t>に設定する</a:t>
-                      </a:r>
-                      <a:r>
-                        <a:rPr lang="en-US" sz="900" kern="100" dirty="0">
-                          <a:effectLst/>
-                        </a:rPr>
-                        <a:t>IP</a:t>
-                      </a:r>
-                      <a:r>
-                        <a:rPr lang="ja-JP" sz="900" kern="100" dirty="0">
-                          <a:effectLst/>
-                        </a:rPr>
-                        <a:t>アドレス</a:t>
-                      </a:r>
-                      <a:endParaRPr lang="ja-JP" sz="900" kern="100" dirty="0">
-                        <a:effectLst/>
-                        <a:latin typeface="Century" panose="02040604050505020304" pitchFamily="18" charset="0"/>
-                        <a:ea typeface="ＭＳ 明朝" panose="02020609040205080304" pitchFamily="17" charset="-128"/>
-                        <a:cs typeface="Times New Roman" panose="02020603050405020304" pitchFamily="18" charset="0"/>
-                      </a:endParaRPr>
-                    </a:p>
-                  </a:txBody>
-                  <a:tcPr marL="55979" marR="55979" marT="0" marB="0" anchor="ctr">
-                    <a:solidFill>
-                      <a:srgbClr val="CBCDD3"/>
-                    </a:solidFill>
-                  </a:tcPr>
-                </a:tc>
-                <a:extLst>
-                  <a:ext uri="{0D108BD9-81ED-4DB2-BD59-A6C34878D82A}">
-                    <a16:rowId xmlns="" xmlns:a16="http://schemas.microsoft.com/office/drawing/2014/main" val="10007"/>
-                  </a:ext>
-                </a:extLst>
-              </a:tr>
-              <a:tr h="321517">
-                <a:tc>
-                  <a:txBody>
-                    <a:bodyPr/>
-                    <a:lstStyle/>
-                    <a:p>
-                      <a:pPr algn="just">
-                        <a:spcAft>
-                          <a:spcPts val="0"/>
-                        </a:spcAft>
-                      </a:pPr>
-                      <a:r>
-                        <a:rPr lang="en-US" sz="1000" kern="100" dirty="0" smtClean="0">
-                          <a:solidFill>
-                            <a:schemeClr val="bg1"/>
-                          </a:solidFill>
-                          <a:effectLst/>
-                        </a:rPr>
-                        <a:t>cobbler_subnet</a:t>
-                      </a:r>
-                      <a:endParaRPr lang="ja-JP" sz="1000" kern="100" dirty="0">
-                        <a:solidFill>
-                          <a:schemeClr val="bg1"/>
-                        </a:solidFill>
-                        <a:effectLst/>
-                      </a:endParaRPr>
-                    </a:p>
-                  </a:txBody>
-                  <a:tcPr marL="55979" marR="55979" marT="0" marB="0" anchor="ctr">
-                    <a:solidFill>
-                      <a:srgbClr val="002B62"/>
-                    </a:solidFill>
-                  </a:tcPr>
-                </a:tc>
-                <a:tc>
-                  <a:txBody>
-                    <a:bodyPr/>
-                    <a:lstStyle/>
-                    <a:p>
-                      <a:pPr algn="l">
-                        <a:spcAft>
-                          <a:spcPts val="0"/>
-                        </a:spcAft>
-                      </a:pPr>
-                      <a:r>
-                        <a:rPr lang="en-US" sz="900" kern="100" dirty="0">
-                          <a:effectLst/>
-                        </a:rPr>
-                        <a:t>cobbler</a:t>
-                      </a:r>
-                      <a:r>
-                        <a:rPr lang="ja-JP" sz="900" kern="100" dirty="0">
-                          <a:effectLst/>
-                        </a:rPr>
-                        <a:t>をインストールする場合必須</a:t>
-                      </a:r>
-                      <a:endParaRPr lang="ja-JP" sz="900" kern="100" dirty="0">
-                        <a:effectLst/>
-                        <a:latin typeface="Century" panose="02040604050505020304" pitchFamily="18" charset="0"/>
-                        <a:ea typeface="ＭＳ 明朝" panose="02020609040205080304" pitchFamily="17" charset="-128"/>
-                        <a:cs typeface="Times New Roman" panose="02020603050405020304" pitchFamily="18" charset="0"/>
-                      </a:endParaRPr>
-                    </a:p>
-                  </a:txBody>
-                  <a:tcPr marL="55979" marR="55979" marT="0" marB="0" anchor="ctr">
-                    <a:solidFill>
-                      <a:srgbClr val="E7E8EA"/>
-                    </a:solidFill>
-                  </a:tcPr>
-                </a:tc>
-                <a:tc>
-                  <a:txBody>
-                    <a:bodyPr/>
-                    <a:lstStyle/>
-                    <a:p>
-                      <a:pPr algn="just">
-                        <a:spcAft>
-                          <a:spcPts val="0"/>
-                        </a:spcAft>
-                      </a:pPr>
-                      <a:r>
-                        <a:rPr lang="en-US" sz="900" kern="100" dirty="0">
-                          <a:effectLst/>
-                        </a:rPr>
-                        <a:t>-</a:t>
-                      </a:r>
-                      <a:endParaRPr lang="ja-JP" sz="900" kern="100" dirty="0">
-                        <a:effectLst/>
-                        <a:latin typeface="Century" panose="02040604050505020304" pitchFamily="18" charset="0"/>
-                        <a:ea typeface="ＭＳ 明朝" panose="02020609040205080304" pitchFamily="17" charset="-128"/>
-                        <a:cs typeface="Times New Roman" panose="02020603050405020304" pitchFamily="18" charset="0"/>
-                      </a:endParaRPr>
-                    </a:p>
-                  </a:txBody>
-                  <a:tcPr marL="55979" marR="55979" marT="0" marB="0" anchor="ctr">
-                    <a:solidFill>
-                      <a:srgbClr val="E7E8EA"/>
-                    </a:solidFill>
-                  </a:tcPr>
-                </a:tc>
-                <a:tc>
-                  <a:txBody>
-                    <a:bodyPr/>
-                    <a:lstStyle/>
-                    <a:p>
-                      <a:pPr algn="just">
-                        <a:spcAft>
-                          <a:spcPts val="0"/>
-                        </a:spcAft>
-                      </a:pPr>
-                      <a:r>
-                        <a:rPr lang="en-US" sz="900" kern="100" dirty="0">
-                          <a:effectLst/>
-                        </a:rPr>
-                        <a:t>dhcp.template</a:t>
-                      </a:r>
-                      <a:r>
-                        <a:rPr lang="ja-JP" sz="900" kern="100" dirty="0">
-                          <a:effectLst/>
-                        </a:rPr>
-                        <a:t>の</a:t>
-                      </a:r>
-                      <a:r>
-                        <a:rPr lang="en-US" sz="900" kern="100" dirty="0">
-                          <a:effectLst/>
-                        </a:rPr>
-                        <a:t>netmask</a:t>
-                      </a:r>
-                      <a:r>
-                        <a:rPr lang="ja-JP" sz="900" kern="100" dirty="0">
-                          <a:effectLst/>
-                        </a:rPr>
-                        <a:t>に設定する</a:t>
-                      </a:r>
-                      <a:r>
-                        <a:rPr lang="en-US" sz="900" kern="100" dirty="0">
-                          <a:effectLst/>
-                        </a:rPr>
-                        <a:t>IP</a:t>
-                      </a:r>
-                      <a:r>
-                        <a:rPr lang="ja-JP" sz="900" kern="100" dirty="0">
-                          <a:effectLst/>
-                        </a:rPr>
-                        <a:t>アドレス</a:t>
-                      </a:r>
-                      <a:endParaRPr lang="ja-JP" sz="900" kern="100" dirty="0">
-                        <a:effectLst/>
-                        <a:latin typeface="Century" panose="02040604050505020304" pitchFamily="18" charset="0"/>
-                        <a:ea typeface="ＭＳ 明朝" panose="02020609040205080304" pitchFamily="17" charset="-128"/>
-                        <a:cs typeface="Times New Roman" panose="02020603050405020304" pitchFamily="18" charset="0"/>
-                      </a:endParaRPr>
-                    </a:p>
-                  </a:txBody>
-                  <a:tcPr marL="55979" marR="55979" marT="0" marB="0" anchor="ctr">
-                    <a:solidFill>
-                      <a:srgbClr val="E7E8EA"/>
-                    </a:solidFill>
-                  </a:tcPr>
-                </a:tc>
-                <a:extLst>
-                  <a:ext uri="{0D108BD9-81ED-4DB2-BD59-A6C34878D82A}">
-                    <a16:rowId xmlns="" xmlns:a16="http://schemas.microsoft.com/office/drawing/2014/main" val="10008"/>
-                  </a:ext>
-                </a:extLst>
-              </a:tr>
-              <a:tr h="321517">
-                <a:tc>
-                  <a:txBody>
-                    <a:bodyPr/>
-                    <a:lstStyle/>
-                    <a:p>
-                      <a:pPr algn="just">
-                        <a:spcAft>
-                          <a:spcPts val="0"/>
-                        </a:spcAft>
-                      </a:pPr>
-                      <a:r>
-                        <a:rPr lang="en-US" sz="1000" kern="100" dirty="0" smtClean="0">
-                          <a:solidFill>
-                            <a:schemeClr val="bg1"/>
-                          </a:solidFill>
-                          <a:effectLst/>
-                        </a:rPr>
-                        <a:t>cobbler_gateway</a:t>
-                      </a:r>
-                      <a:endParaRPr lang="ja-JP" sz="1000" kern="100" dirty="0">
-                        <a:solidFill>
-                          <a:schemeClr val="bg1"/>
-                        </a:solidFill>
-                        <a:effectLst/>
-                      </a:endParaRPr>
-                    </a:p>
-                  </a:txBody>
-                  <a:tcPr marL="55979" marR="55979" marT="0" marB="0" anchor="ctr">
-                    <a:solidFill>
-                      <a:srgbClr val="002B62"/>
-                    </a:solidFill>
-                  </a:tcPr>
-                </a:tc>
-                <a:tc>
-                  <a:txBody>
-                    <a:bodyPr/>
-                    <a:lstStyle/>
-                    <a:p>
-                      <a:pPr algn="l">
-                        <a:spcAft>
-                          <a:spcPts val="0"/>
-                        </a:spcAft>
-                      </a:pPr>
-                      <a:r>
-                        <a:rPr lang="en-US" sz="900" kern="100" dirty="0">
-                          <a:effectLst/>
-                        </a:rPr>
-                        <a:t>cobbler</a:t>
-                      </a:r>
-                      <a:r>
-                        <a:rPr lang="ja-JP" sz="900" kern="100" dirty="0">
-                          <a:effectLst/>
-                        </a:rPr>
-                        <a:t>をインストールする場合必須</a:t>
-                      </a:r>
-                      <a:endParaRPr lang="ja-JP" sz="900" kern="100" dirty="0">
-                        <a:effectLst/>
-                        <a:latin typeface="Century" panose="02040604050505020304" pitchFamily="18" charset="0"/>
-                        <a:ea typeface="ＭＳ 明朝" panose="02020609040205080304" pitchFamily="17" charset="-128"/>
-                        <a:cs typeface="Times New Roman" panose="02020603050405020304" pitchFamily="18" charset="0"/>
-                      </a:endParaRPr>
-                    </a:p>
-                  </a:txBody>
-                  <a:tcPr marL="55979" marR="55979" marT="0" marB="0" anchor="ctr">
-                    <a:solidFill>
-                      <a:srgbClr val="CBCDD3"/>
-                    </a:solidFill>
-                  </a:tcPr>
-                </a:tc>
-                <a:tc>
-                  <a:txBody>
-                    <a:bodyPr/>
-                    <a:lstStyle/>
-                    <a:p>
-                      <a:pPr algn="just">
-                        <a:spcAft>
-                          <a:spcPts val="0"/>
-                        </a:spcAft>
-                      </a:pPr>
-                      <a:r>
-                        <a:rPr lang="en-US" sz="900" kern="100" dirty="0">
-                          <a:effectLst/>
-                        </a:rPr>
-                        <a:t>-</a:t>
-                      </a:r>
-                      <a:endParaRPr lang="ja-JP" sz="900" kern="100" dirty="0">
-                        <a:effectLst/>
-                        <a:latin typeface="Century" panose="02040604050505020304" pitchFamily="18" charset="0"/>
-                        <a:ea typeface="ＭＳ 明朝" panose="02020609040205080304" pitchFamily="17" charset="-128"/>
-                        <a:cs typeface="Times New Roman" panose="02020603050405020304" pitchFamily="18" charset="0"/>
-                      </a:endParaRPr>
-                    </a:p>
-                  </a:txBody>
-                  <a:tcPr marL="55979" marR="55979" marT="0" marB="0" anchor="ctr">
-                    <a:solidFill>
-                      <a:srgbClr val="CBCDD3"/>
-                    </a:solidFill>
-                  </a:tcPr>
-                </a:tc>
-                <a:tc>
-                  <a:txBody>
-                    <a:bodyPr/>
-                    <a:lstStyle/>
-                    <a:p>
-                      <a:pPr algn="just">
-                        <a:spcAft>
-                          <a:spcPts val="0"/>
-                        </a:spcAft>
-                      </a:pPr>
-                      <a:r>
-                        <a:rPr lang="en-US" sz="900" kern="100" dirty="0">
-                          <a:effectLst/>
-                        </a:rPr>
-                        <a:t>dhcp.template</a:t>
-                      </a:r>
-                      <a:r>
-                        <a:rPr lang="ja-JP" sz="900" kern="100" dirty="0">
-                          <a:effectLst/>
-                        </a:rPr>
-                        <a:t>の</a:t>
-                      </a:r>
-                      <a:r>
-                        <a:rPr lang="en-US" sz="900" kern="100" dirty="0">
-                          <a:effectLst/>
-                        </a:rPr>
-                        <a:t>option routers</a:t>
-                      </a:r>
-                      <a:r>
-                        <a:rPr lang="ja-JP" sz="900" kern="100" dirty="0">
-                          <a:effectLst/>
-                        </a:rPr>
-                        <a:t>に設定する</a:t>
-                      </a:r>
-                      <a:r>
-                        <a:rPr lang="en-US" sz="900" kern="100" dirty="0">
-                          <a:effectLst/>
-                        </a:rPr>
-                        <a:t>IP</a:t>
-                      </a:r>
-                      <a:r>
-                        <a:rPr lang="ja-JP" sz="900" kern="100" dirty="0">
-                          <a:effectLst/>
-                        </a:rPr>
-                        <a:t>アドレス</a:t>
-                      </a:r>
-                      <a:endParaRPr lang="ja-JP" sz="900" kern="100" dirty="0">
-                        <a:effectLst/>
-                        <a:latin typeface="Century" panose="02040604050505020304" pitchFamily="18" charset="0"/>
-                        <a:ea typeface="ＭＳ 明朝" panose="02020609040205080304" pitchFamily="17" charset="-128"/>
-                        <a:cs typeface="Times New Roman" panose="02020603050405020304" pitchFamily="18" charset="0"/>
-                      </a:endParaRPr>
-                    </a:p>
-                  </a:txBody>
-                  <a:tcPr marL="55979" marR="55979" marT="0" marB="0" anchor="ctr">
-                    <a:solidFill>
-                      <a:srgbClr val="CBCDD3"/>
-                    </a:solidFill>
-                  </a:tcPr>
-                </a:tc>
-                <a:extLst>
-                  <a:ext uri="{0D108BD9-81ED-4DB2-BD59-A6C34878D82A}">
-                    <a16:rowId xmlns="" xmlns:a16="http://schemas.microsoft.com/office/drawing/2014/main" val="10009"/>
-                  </a:ext>
-                </a:extLst>
-              </a:tr>
-              <a:tr h="321517">
-                <a:tc>
-                  <a:txBody>
-                    <a:bodyPr/>
-                    <a:lstStyle/>
-                    <a:p>
-                      <a:pPr algn="just">
-                        <a:spcAft>
-                          <a:spcPts val="0"/>
-                        </a:spcAft>
-                      </a:pPr>
-                      <a:r>
-                        <a:rPr lang="en-US" sz="1000" kern="100" dirty="0" smtClean="0">
-                          <a:solidFill>
-                            <a:schemeClr val="bg1"/>
-                          </a:solidFill>
-                          <a:effectLst/>
-                        </a:rPr>
-                        <a:t>cobbler_dns</a:t>
-                      </a:r>
-                      <a:endParaRPr lang="ja-JP" sz="1000" kern="100" dirty="0">
-                        <a:solidFill>
-                          <a:schemeClr val="bg1"/>
-                        </a:solidFill>
-                        <a:effectLst/>
-                      </a:endParaRPr>
-                    </a:p>
-                  </a:txBody>
-                  <a:tcPr marL="55979" marR="55979" marT="0" marB="0" anchor="ctr">
-                    <a:solidFill>
-                      <a:srgbClr val="002B62"/>
-                    </a:solidFill>
-                  </a:tcPr>
-                </a:tc>
-                <a:tc>
-                  <a:txBody>
-                    <a:bodyPr/>
-                    <a:lstStyle/>
-                    <a:p>
-                      <a:pPr algn="l">
-                        <a:spcAft>
-                          <a:spcPts val="0"/>
-                        </a:spcAft>
-                      </a:pPr>
-                      <a:r>
-                        <a:rPr lang="en-US" sz="900" kern="100" dirty="0">
-                          <a:effectLst/>
-                        </a:rPr>
-                        <a:t>cobbler</a:t>
-                      </a:r>
-                      <a:r>
-                        <a:rPr lang="ja-JP" sz="900" kern="100" dirty="0">
-                          <a:effectLst/>
-                        </a:rPr>
-                        <a:t>をインストールする場合必須</a:t>
-                      </a:r>
-                      <a:endParaRPr lang="ja-JP" sz="900" kern="100" dirty="0">
-                        <a:effectLst/>
-                        <a:latin typeface="Century" panose="02040604050505020304" pitchFamily="18" charset="0"/>
-                        <a:ea typeface="ＭＳ 明朝" panose="02020609040205080304" pitchFamily="17" charset="-128"/>
-                        <a:cs typeface="Times New Roman" panose="02020603050405020304" pitchFamily="18" charset="0"/>
-                      </a:endParaRPr>
-                    </a:p>
-                  </a:txBody>
-                  <a:tcPr marL="55979" marR="55979" marT="0" marB="0" anchor="ctr">
-                    <a:solidFill>
-                      <a:srgbClr val="E7E8EA"/>
-                    </a:solidFill>
-                  </a:tcPr>
-                </a:tc>
-                <a:tc>
-                  <a:txBody>
-                    <a:bodyPr/>
-                    <a:lstStyle/>
-                    <a:p>
-                      <a:pPr algn="just">
-                        <a:spcAft>
-                          <a:spcPts val="0"/>
-                        </a:spcAft>
-                      </a:pPr>
-                      <a:r>
-                        <a:rPr lang="en-US" sz="900" kern="100" dirty="0">
-                          <a:effectLst/>
-                        </a:rPr>
-                        <a:t>-</a:t>
-                      </a:r>
-                      <a:endParaRPr lang="ja-JP" sz="900" kern="100" dirty="0">
-                        <a:effectLst/>
-                        <a:latin typeface="Century" panose="02040604050505020304" pitchFamily="18" charset="0"/>
-                        <a:ea typeface="ＭＳ 明朝" panose="02020609040205080304" pitchFamily="17" charset="-128"/>
-                        <a:cs typeface="Times New Roman" panose="02020603050405020304" pitchFamily="18" charset="0"/>
-                      </a:endParaRPr>
-                    </a:p>
-                  </a:txBody>
-                  <a:tcPr marL="55979" marR="55979" marT="0" marB="0" anchor="ctr">
-                    <a:solidFill>
-                      <a:srgbClr val="E7E8EA"/>
-                    </a:solidFill>
-                  </a:tcPr>
-                </a:tc>
-                <a:tc>
-                  <a:txBody>
-                    <a:bodyPr/>
-                    <a:lstStyle/>
-                    <a:p>
-                      <a:pPr algn="just">
-                        <a:spcAft>
-                          <a:spcPts val="0"/>
-                        </a:spcAft>
-                      </a:pPr>
-                      <a:r>
-                        <a:rPr lang="en-US" sz="900" kern="100" dirty="0">
-                          <a:effectLst/>
-                        </a:rPr>
-                        <a:t>dhcp.template</a:t>
-                      </a:r>
-                      <a:r>
-                        <a:rPr lang="ja-JP" sz="900" kern="100" dirty="0">
-                          <a:effectLst/>
-                        </a:rPr>
-                        <a:t>の</a:t>
-                      </a:r>
-                      <a:r>
-                        <a:rPr lang="en-US" sz="900" kern="100" dirty="0">
-                          <a:effectLst/>
-                        </a:rPr>
-                        <a:t>domain-name-servers</a:t>
-                      </a:r>
-                      <a:r>
-                        <a:rPr lang="ja-JP" sz="900" kern="100" dirty="0">
-                          <a:effectLst/>
-                        </a:rPr>
-                        <a:t>に設定する</a:t>
-                      </a:r>
-                      <a:r>
-                        <a:rPr lang="en-US" sz="900" kern="100" dirty="0">
-                          <a:effectLst/>
-                        </a:rPr>
-                        <a:t>IP</a:t>
-                      </a:r>
-                      <a:r>
-                        <a:rPr lang="ja-JP" sz="900" kern="100" dirty="0">
-                          <a:effectLst/>
-                        </a:rPr>
-                        <a:t>アドレス</a:t>
-                      </a:r>
-                      <a:endParaRPr lang="ja-JP" sz="900" kern="100" dirty="0">
-                        <a:effectLst/>
-                        <a:latin typeface="Century" panose="02040604050505020304" pitchFamily="18" charset="0"/>
-                        <a:ea typeface="ＭＳ 明朝" panose="02020609040205080304" pitchFamily="17" charset="-128"/>
-                        <a:cs typeface="Times New Roman" panose="02020603050405020304" pitchFamily="18" charset="0"/>
-                      </a:endParaRPr>
-                    </a:p>
-                  </a:txBody>
-                  <a:tcPr marL="55979" marR="55979" marT="0" marB="0" anchor="ctr">
-                    <a:solidFill>
-                      <a:srgbClr val="E7E8EA"/>
-                    </a:solidFill>
-                  </a:tcPr>
-                </a:tc>
-                <a:extLst>
-                  <a:ext uri="{0D108BD9-81ED-4DB2-BD59-A6C34878D82A}">
-                    <a16:rowId xmlns="" xmlns:a16="http://schemas.microsoft.com/office/drawing/2014/main" val="10010"/>
-                  </a:ext>
-                </a:extLst>
-              </a:tr>
-              <a:tr h="321517">
-                <a:tc>
-                  <a:txBody>
-                    <a:bodyPr/>
-                    <a:lstStyle/>
-                    <a:p>
-                      <a:pPr algn="just">
-                        <a:spcAft>
-                          <a:spcPts val="0"/>
-                        </a:spcAft>
-                      </a:pPr>
-                      <a:r>
-                        <a:rPr lang="en-US" sz="1000" kern="100" dirty="0" smtClean="0">
-                          <a:solidFill>
-                            <a:schemeClr val="bg1"/>
-                          </a:solidFill>
-                          <a:effectLst/>
-                        </a:rPr>
-                        <a:t>dynamic_address_min</a:t>
-                      </a:r>
-                      <a:endParaRPr lang="ja-JP" sz="1000" kern="100" dirty="0">
-                        <a:solidFill>
-                          <a:schemeClr val="bg1"/>
-                        </a:solidFill>
-                        <a:effectLst/>
-                      </a:endParaRPr>
-                    </a:p>
-                  </a:txBody>
-                  <a:tcPr marL="55979" marR="55979" marT="0" marB="0" anchor="ctr">
-                    <a:solidFill>
-                      <a:srgbClr val="002B62"/>
-                    </a:solidFill>
-                  </a:tcPr>
-                </a:tc>
-                <a:tc>
-                  <a:txBody>
-                    <a:bodyPr/>
-                    <a:lstStyle/>
-                    <a:p>
-                      <a:pPr algn="l">
-                        <a:spcAft>
-                          <a:spcPts val="0"/>
-                        </a:spcAft>
-                      </a:pPr>
-                      <a:r>
-                        <a:rPr lang="en-US" sz="900" kern="100" dirty="0">
-                          <a:effectLst/>
-                        </a:rPr>
-                        <a:t>cobbler</a:t>
-                      </a:r>
-                      <a:r>
-                        <a:rPr lang="ja-JP" sz="900" kern="100" dirty="0">
-                          <a:effectLst/>
-                        </a:rPr>
-                        <a:t>をインストールする場合必須</a:t>
-                      </a:r>
-                      <a:endParaRPr lang="ja-JP" sz="900" kern="100" dirty="0">
-                        <a:effectLst/>
-                        <a:latin typeface="Century" panose="02040604050505020304" pitchFamily="18" charset="0"/>
-                        <a:ea typeface="ＭＳ 明朝" panose="02020609040205080304" pitchFamily="17" charset="-128"/>
-                        <a:cs typeface="Times New Roman" panose="02020603050405020304" pitchFamily="18" charset="0"/>
-                      </a:endParaRPr>
-                    </a:p>
-                  </a:txBody>
-                  <a:tcPr marL="55979" marR="55979" marT="0" marB="0" anchor="ctr">
-                    <a:solidFill>
-                      <a:srgbClr val="CBCDD3"/>
-                    </a:solidFill>
-                  </a:tcPr>
-                </a:tc>
-                <a:tc>
-                  <a:txBody>
-                    <a:bodyPr/>
-                    <a:lstStyle/>
-                    <a:p>
-                      <a:pPr algn="just">
-                        <a:spcAft>
-                          <a:spcPts val="0"/>
-                        </a:spcAft>
-                      </a:pPr>
-                      <a:r>
-                        <a:rPr lang="en-US" sz="900" kern="100" dirty="0">
-                          <a:effectLst/>
-                        </a:rPr>
-                        <a:t>-</a:t>
-                      </a:r>
-                      <a:endParaRPr lang="ja-JP" sz="900" kern="100" dirty="0">
-                        <a:effectLst/>
-                        <a:latin typeface="Century" panose="02040604050505020304" pitchFamily="18" charset="0"/>
-                        <a:ea typeface="ＭＳ 明朝" panose="02020609040205080304" pitchFamily="17" charset="-128"/>
-                        <a:cs typeface="Times New Roman" panose="02020603050405020304" pitchFamily="18" charset="0"/>
-                      </a:endParaRPr>
-                    </a:p>
-                  </a:txBody>
-                  <a:tcPr marL="55979" marR="55979" marT="0" marB="0" anchor="ctr">
-                    <a:solidFill>
-                      <a:srgbClr val="CBCDD3"/>
-                    </a:solidFill>
-                  </a:tcPr>
-                </a:tc>
-                <a:tc>
-                  <a:txBody>
-                    <a:bodyPr/>
-                    <a:lstStyle/>
-                    <a:p>
-                      <a:pPr algn="just">
-                        <a:spcAft>
-                          <a:spcPts val="0"/>
-                        </a:spcAft>
-                      </a:pPr>
-                      <a:r>
-                        <a:rPr lang="en-US" sz="900" kern="100" dirty="0">
-                          <a:effectLst/>
-                        </a:rPr>
-                        <a:t>dhcp.template</a:t>
-                      </a:r>
-                      <a:r>
-                        <a:rPr lang="ja-JP" sz="900" kern="100" dirty="0">
-                          <a:effectLst/>
-                        </a:rPr>
-                        <a:t>の</a:t>
-                      </a:r>
-                      <a:r>
-                        <a:rPr lang="en-US" sz="900" kern="100" dirty="0">
-                          <a:effectLst/>
-                        </a:rPr>
-                        <a:t>range dynamic-bootp</a:t>
-                      </a:r>
-                      <a:r>
-                        <a:rPr lang="ja-JP" sz="900" kern="100" dirty="0">
-                          <a:effectLst/>
-                        </a:rPr>
-                        <a:t>に設定する</a:t>
-                      </a:r>
-                      <a:r>
-                        <a:rPr lang="en-US" sz="900" kern="100" dirty="0">
-                          <a:effectLst/>
-                        </a:rPr>
-                        <a:t>IP</a:t>
-                      </a:r>
-                      <a:r>
-                        <a:rPr lang="ja-JP" sz="900" kern="100" dirty="0">
-                          <a:effectLst/>
-                        </a:rPr>
-                        <a:t>アドレス</a:t>
-                      </a:r>
-                      <a:r>
-                        <a:rPr lang="en-US" sz="900" kern="100" dirty="0">
-                          <a:effectLst/>
-                        </a:rPr>
-                        <a:t>(</a:t>
-                      </a:r>
-                      <a:r>
-                        <a:rPr lang="ja-JP" sz="900" kern="100" dirty="0">
-                          <a:effectLst/>
-                        </a:rPr>
-                        <a:t>最小値</a:t>
-                      </a:r>
-                      <a:r>
-                        <a:rPr lang="en-US" sz="900" kern="100" dirty="0">
-                          <a:effectLst/>
-                        </a:rPr>
-                        <a:t>)</a:t>
-                      </a:r>
-                      <a:endParaRPr lang="ja-JP" sz="900" kern="100" dirty="0">
-                        <a:effectLst/>
-                        <a:latin typeface="Century" panose="02040604050505020304" pitchFamily="18" charset="0"/>
-                        <a:ea typeface="ＭＳ 明朝" panose="02020609040205080304" pitchFamily="17" charset="-128"/>
-                        <a:cs typeface="Times New Roman" panose="02020603050405020304" pitchFamily="18" charset="0"/>
-                      </a:endParaRPr>
-                    </a:p>
-                  </a:txBody>
-                  <a:tcPr marL="55979" marR="55979" marT="0" marB="0" anchor="ctr">
-                    <a:solidFill>
-                      <a:srgbClr val="CBCDD3"/>
-                    </a:solidFill>
-                  </a:tcPr>
-                </a:tc>
-                <a:extLst>
-                  <a:ext uri="{0D108BD9-81ED-4DB2-BD59-A6C34878D82A}">
-                    <a16:rowId xmlns="" xmlns:a16="http://schemas.microsoft.com/office/drawing/2014/main" val="10011"/>
-                  </a:ext>
-                </a:extLst>
-              </a:tr>
-              <a:tr h="321517">
-                <a:tc>
-                  <a:txBody>
-                    <a:bodyPr/>
-                    <a:lstStyle/>
-                    <a:p>
-                      <a:pPr algn="just">
-                        <a:spcAft>
-                          <a:spcPts val="0"/>
-                        </a:spcAft>
-                      </a:pPr>
-                      <a:r>
-                        <a:rPr lang="en-US" sz="1000" kern="100" dirty="0" smtClean="0">
-                          <a:solidFill>
-                            <a:schemeClr val="bg1"/>
-                          </a:solidFill>
-                          <a:effectLst/>
-                        </a:rPr>
-                        <a:t>dynamic_address_max</a:t>
-                      </a:r>
-                      <a:endParaRPr lang="ja-JP" sz="1000" kern="100" dirty="0">
-                        <a:solidFill>
-                          <a:schemeClr val="bg1"/>
-                        </a:solidFill>
-                        <a:effectLst/>
-                      </a:endParaRPr>
-                    </a:p>
-                  </a:txBody>
-                  <a:tcPr marL="55979" marR="55979" marT="0" marB="0" anchor="ctr">
-                    <a:solidFill>
-                      <a:srgbClr val="002B62"/>
-                    </a:solidFill>
-                  </a:tcPr>
-                </a:tc>
-                <a:tc>
-                  <a:txBody>
-                    <a:bodyPr/>
-                    <a:lstStyle/>
-                    <a:p>
-                      <a:pPr algn="l">
-                        <a:spcAft>
-                          <a:spcPts val="0"/>
-                        </a:spcAft>
-                      </a:pPr>
-                      <a:r>
-                        <a:rPr lang="en-US" sz="900" kern="100" dirty="0">
-                          <a:effectLst/>
-                        </a:rPr>
-                        <a:t>cobbler</a:t>
-                      </a:r>
-                      <a:r>
-                        <a:rPr lang="ja-JP" sz="900" kern="100" dirty="0">
-                          <a:effectLst/>
-                        </a:rPr>
-                        <a:t>をインストールする場合必須</a:t>
-                      </a:r>
-                      <a:endParaRPr lang="ja-JP" sz="900" kern="100" dirty="0">
-                        <a:effectLst/>
-                        <a:latin typeface="Century" panose="02040604050505020304" pitchFamily="18" charset="0"/>
-                        <a:ea typeface="ＭＳ 明朝" panose="02020609040205080304" pitchFamily="17" charset="-128"/>
-                        <a:cs typeface="Times New Roman" panose="02020603050405020304" pitchFamily="18" charset="0"/>
-                      </a:endParaRPr>
-                    </a:p>
-                  </a:txBody>
-                  <a:tcPr marL="55979" marR="55979" marT="0" marB="0" anchor="ctr">
-                    <a:solidFill>
-                      <a:srgbClr val="E7E8EA"/>
-                    </a:solidFill>
-                  </a:tcPr>
-                </a:tc>
-                <a:tc>
-                  <a:txBody>
-                    <a:bodyPr/>
-                    <a:lstStyle/>
-                    <a:p>
-                      <a:pPr algn="just">
-                        <a:spcAft>
-                          <a:spcPts val="0"/>
-                        </a:spcAft>
-                      </a:pPr>
-                      <a:r>
-                        <a:rPr lang="en-US" sz="900" kern="100" dirty="0">
-                          <a:effectLst/>
-                        </a:rPr>
-                        <a:t>-</a:t>
-                      </a:r>
-                      <a:endParaRPr lang="ja-JP" sz="900" kern="100" dirty="0">
-                        <a:effectLst/>
-                        <a:latin typeface="Century" panose="02040604050505020304" pitchFamily="18" charset="0"/>
-                        <a:ea typeface="ＭＳ 明朝" panose="02020609040205080304" pitchFamily="17" charset="-128"/>
-                        <a:cs typeface="Times New Roman" panose="02020603050405020304" pitchFamily="18" charset="0"/>
-                      </a:endParaRPr>
-                    </a:p>
-                  </a:txBody>
-                  <a:tcPr marL="55979" marR="55979" marT="0" marB="0" anchor="ctr">
-                    <a:solidFill>
-                      <a:srgbClr val="E7E8EA"/>
-                    </a:solidFill>
-                  </a:tcPr>
-                </a:tc>
-                <a:tc>
-                  <a:txBody>
-                    <a:bodyPr/>
-                    <a:lstStyle/>
-                    <a:p>
-                      <a:pPr algn="just">
-                        <a:spcAft>
-                          <a:spcPts val="0"/>
-                        </a:spcAft>
-                      </a:pPr>
-                      <a:r>
-                        <a:rPr lang="en-US" sz="900" kern="100" dirty="0">
-                          <a:effectLst/>
-                        </a:rPr>
-                        <a:t>dhcp.template</a:t>
-                      </a:r>
-                      <a:r>
-                        <a:rPr lang="ja-JP" sz="900" kern="100" dirty="0">
-                          <a:effectLst/>
-                        </a:rPr>
-                        <a:t>の</a:t>
-                      </a:r>
-                      <a:r>
-                        <a:rPr lang="en-US" sz="900" kern="100" dirty="0">
-                          <a:effectLst/>
-                        </a:rPr>
-                        <a:t>range dynamic-bootp</a:t>
-                      </a:r>
-                      <a:r>
-                        <a:rPr lang="ja-JP" sz="900" kern="100" dirty="0">
-                          <a:effectLst/>
-                        </a:rPr>
-                        <a:t>に設定する</a:t>
-                      </a:r>
-                      <a:r>
-                        <a:rPr lang="en-US" sz="900" kern="100" dirty="0">
-                          <a:effectLst/>
-                        </a:rPr>
-                        <a:t>IP</a:t>
-                      </a:r>
-                      <a:r>
-                        <a:rPr lang="ja-JP" sz="900" kern="100" dirty="0">
-                          <a:effectLst/>
-                        </a:rPr>
-                        <a:t>アドレス</a:t>
-                      </a:r>
-                      <a:r>
-                        <a:rPr lang="en-US" sz="900" kern="100" dirty="0">
-                          <a:effectLst/>
-                        </a:rPr>
-                        <a:t>(</a:t>
-                      </a:r>
-                      <a:r>
-                        <a:rPr lang="ja-JP" sz="900" kern="100" dirty="0">
-                          <a:effectLst/>
-                        </a:rPr>
-                        <a:t>最大値</a:t>
-                      </a:r>
-                      <a:r>
-                        <a:rPr lang="en-US" sz="900" kern="100" dirty="0">
-                          <a:effectLst/>
-                        </a:rPr>
-                        <a:t>)</a:t>
-                      </a:r>
-                      <a:endParaRPr lang="ja-JP" sz="900" kern="100" dirty="0">
-                        <a:effectLst/>
-                        <a:latin typeface="Century" panose="02040604050505020304" pitchFamily="18" charset="0"/>
-                        <a:ea typeface="ＭＳ 明朝" panose="02020609040205080304" pitchFamily="17" charset="-128"/>
-                        <a:cs typeface="Times New Roman" panose="02020603050405020304" pitchFamily="18" charset="0"/>
-                      </a:endParaRPr>
-                    </a:p>
-                  </a:txBody>
-                  <a:tcPr marL="55979" marR="55979" marT="0" marB="0" anchor="ctr">
-                    <a:solidFill>
-                      <a:srgbClr val="E7E8EA"/>
-                    </a:solidFill>
-                  </a:tcPr>
-                </a:tc>
-                <a:extLst>
-                  <a:ext uri="{0D108BD9-81ED-4DB2-BD59-A6C34878D82A}">
-                    <a16:rowId xmlns="" xmlns:a16="http://schemas.microsoft.com/office/drawing/2014/main" val="10012"/>
+                    <a16:rowId xmlns:a16="http://schemas.microsoft.com/office/drawing/2014/main" val="10004"/>
                   </a:ext>
                 </a:extLst>
               </a:tr>
@@ -16678,7 +15275,7 @@
         <p:spPr>
           <a:xfrm>
             <a:off x="2303685" y="1647202"/>
-            <a:ext cx="4536630" cy="4626628"/>
+            <a:ext cx="4536630" cy="1845799"/>
           </a:xfrm>
           <a:prstGeom prst="rect">
             <a:avLst/>
@@ -16737,7 +15334,58 @@
                 <a:ea typeface="ＭＳ 明朝" panose="02020609040205080304" pitchFamily="17" charset="-128"/>
                 <a:cs typeface="Times New Roman" panose="02020603050405020304" pitchFamily="18" charset="0"/>
               </a:rPr>
-              <a:t># Select Operation System. ("CentOS6","CentOS7","RHEL6","RHEL7")</a:t>
+              <a:t># Select Operation </a:t>
+            </a:r>
+            <a:r>
+              <a:rPr kumimoji="0" lang="en-US" sz="900" b="0" i="0" u="none" strike="noStrike" kern="100" cap="none" spc="0" normalizeH="0" baseline="0" noProof="0" dirty="0" smtClean="0">
+                <a:ln>
+                  <a:noFill/>
+                </a:ln>
+                <a:solidFill>
+                  <a:sysClr val="window" lastClr="FFFFFF"/>
+                </a:solidFill>
+                <a:effectLst/>
+                <a:uLnTx/>
+                <a:uFillTx/>
+                <a:latin typeface="Arial" panose="020B0604020202020204" pitchFamily="34" charset="0"/>
+                <a:ea typeface="ＭＳ 明朝" panose="02020609040205080304" pitchFamily="17" charset="-128"/>
+                <a:cs typeface="Times New Roman" panose="02020603050405020304" pitchFamily="18" charset="0"/>
+              </a:rPr>
+              <a:t>System</a:t>
+            </a:r>
+            <a:r>
+              <a:rPr kumimoji="0" lang="en-US" sz="900" b="0" i="0" u="none" strike="noStrike" kern="100" cap="none" spc="0" normalizeH="0" baseline="0" noProof="0" dirty="0">
+                <a:ln>
+                  <a:noFill/>
+                </a:ln>
+                <a:solidFill>
+                  <a:sysClr val="window" lastClr="FFFFFF"/>
+                </a:solidFill>
+                <a:effectLst/>
+                <a:uLnTx/>
+                <a:uFillTx/>
+                <a:latin typeface="Arial" panose="020B0604020202020204" pitchFamily="34" charset="0"/>
+                <a:ea typeface="ＭＳ 明朝" panose="02020609040205080304" pitchFamily="17" charset="-128"/>
+                <a:cs typeface="Times New Roman" panose="02020603050405020304" pitchFamily="18" charset="0"/>
+              </a:rPr>
+              <a:t>. ("</a:t>
+            </a:r>
+            <a:r>
+              <a:rPr kumimoji="0" lang="en-US" sz="900" b="0" i="0" u="none" strike="noStrike" kern="100" cap="none" spc="0" normalizeH="0" baseline="0" noProof="0" dirty="0" smtClean="0">
+                <a:ln>
+                  <a:noFill/>
+                </a:ln>
+                <a:solidFill>
+                  <a:sysClr val="window" lastClr="FFFFFF"/>
+                </a:solidFill>
+                <a:effectLst/>
+                <a:uLnTx/>
+                <a:uFillTx/>
+                <a:latin typeface="Arial" panose="020B0604020202020204" pitchFamily="34" charset="0"/>
+                <a:ea typeface="ＭＳ 明朝" panose="02020609040205080304" pitchFamily="17" charset="-128"/>
+                <a:cs typeface="Times New Roman" panose="02020603050405020304" pitchFamily="18" charset="0"/>
+              </a:rPr>
+              <a:t>CentOS7","CentOS8","RHEL7","RHEL8")</a:t>
             </a:r>
             <a:endParaRPr kumimoji="0" lang="ja-JP" altLang="en-US" sz="1050" b="0" i="0" u="none" strike="noStrike" kern="100" cap="none" spc="0" normalizeH="0" baseline="0" noProof="0" dirty="0">
               <a:ln>
@@ -16787,7 +15435,24 @@
                 <a:ea typeface="ＭＳ 明朝" panose="02020609040205080304" pitchFamily="17" charset="-128"/>
                 <a:cs typeface="Times New Roman" panose="02020603050405020304" pitchFamily="18" charset="0"/>
               </a:rPr>
-              <a:t># e.g) linux_os:RHEL7</a:t>
+              <a:t># e.g) </a:t>
+            </a:r>
+            <a:r>
+              <a:rPr kumimoji="0" lang="en-US" sz="900" b="0" i="0" u="none" strike="noStrike" kern="100" cap="none" spc="0" normalizeH="0" baseline="0" noProof="0" dirty="0" smtClean="0">
+                <a:ln>
+                  <a:noFill/>
+                </a:ln>
+                <a:solidFill>
+                  <a:sysClr val="window" lastClr="FFFFFF"/>
+                </a:solidFill>
+                <a:effectLst/>
+                <a:uLnTx/>
+                <a:uFillTx/>
+                <a:latin typeface="Arial" panose="020B0604020202020204" pitchFamily="34" charset="0"/>
+                <a:ea typeface="ＭＳ 明朝" panose="02020609040205080304" pitchFamily="17" charset="-128"/>
+                <a:cs typeface="Times New Roman" panose="02020603050405020304" pitchFamily="18" charset="0"/>
+              </a:rPr>
+              <a:t>linux_os:RHEL8</a:t>
             </a:r>
             <a:endParaRPr kumimoji="0" lang="ja-JP" altLang="en-US" sz="1050" b="0" i="0" u="none" strike="noStrike" kern="100" cap="none" spc="0" normalizeH="0" baseline="0" noProof="0" dirty="0">
               <a:ln>
@@ -16837,7 +15502,24 @@
                 <a:ea typeface="ＭＳ 明朝" panose="02020609040205080304" pitchFamily="17" charset="-128"/>
                 <a:cs typeface="Times New Roman" panose="02020603050405020304" pitchFamily="18" charset="0"/>
               </a:rPr>
-              <a:t>linux_os: RHEL7</a:t>
+              <a:t>linux_os: </a:t>
+            </a:r>
+            <a:r>
+              <a:rPr kumimoji="0" lang="en-US" sz="900" b="0" i="0" u="none" strike="noStrike" kern="100" cap="none" spc="0" normalizeH="0" baseline="0" noProof="0" dirty="0" smtClean="0">
+                <a:ln>
+                  <a:noFill/>
+                </a:ln>
+                <a:solidFill>
+                  <a:sysClr val="window" lastClr="FFFFFF"/>
+                </a:solidFill>
+                <a:effectLst/>
+                <a:uLnTx/>
+                <a:uFillTx/>
+                <a:latin typeface="Arial" panose="020B0604020202020204" pitchFamily="34" charset="0"/>
+                <a:ea typeface="ＭＳ 明朝" panose="02020609040205080304" pitchFamily="17" charset="-128"/>
+                <a:cs typeface="Times New Roman" panose="02020603050405020304" pitchFamily="18" charset="0"/>
+              </a:rPr>
+              <a:t>RHEL7</a:t>
             </a:r>
             <a:endParaRPr kumimoji="0" lang="ja-JP" altLang="en-US" sz="1050" b="0" i="0" u="none" strike="noStrike" kern="100" cap="none" spc="0" normalizeH="0" baseline="0" noProof="0" dirty="0">
               <a:ln>
@@ -16987,7 +15669,58 @@
                 <a:ea typeface="ＭＳ 明朝" panose="02020609040205080304" pitchFamily="17" charset="-128"/>
                 <a:cs typeface="Times New Roman" panose="02020603050405020304" pitchFamily="18" charset="0"/>
               </a:rPr>
-              <a:t>#Only when you select linux_os with RHEL6 or RHEL7</a:t>
+              <a:t>#Only when you select linux_os with </a:t>
+            </a:r>
+            <a:r>
+              <a:rPr kumimoji="0" lang="en-US" sz="900" b="0" i="0" u="none" strike="noStrike" kern="100" cap="none" spc="0" normalizeH="0" baseline="0" noProof="0" dirty="0" smtClean="0">
+                <a:ln>
+                  <a:noFill/>
+                </a:ln>
+                <a:solidFill>
+                  <a:sysClr val="window" lastClr="FFFFFF"/>
+                </a:solidFill>
+                <a:effectLst/>
+                <a:uLnTx/>
+                <a:uFillTx/>
+                <a:latin typeface="Arial" panose="020B0604020202020204" pitchFamily="34" charset="0"/>
+                <a:ea typeface="ＭＳ 明朝" panose="02020609040205080304" pitchFamily="17" charset="-128"/>
+                <a:cs typeface="Times New Roman" panose="02020603050405020304" pitchFamily="18" charset="0"/>
+              </a:rPr>
+              <a:t>RHEL7 </a:t>
+            </a:r>
+            <a:r>
+              <a:rPr kumimoji="0" lang="en-US" sz="900" b="0" i="0" u="none" strike="noStrike" kern="100" cap="none" spc="0" normalizeH="0" baseline="0" noProof="0" dirty="0">
+                <a:ln>
+                  <a:noFill/>
+                </a:ln>
+                <a:solidFill>
+                  <a:sysClr val="window" lastClr="FFFFFF"/>
+                </a:solidFill>
+                <a:effectLst/>
+                <a:uLnTx/>
+                <a:uFillTx/>
+                <a:latin typeface="Arial" panose="020B0604020202020204" pitchFamily="34" charset="0"/>
+                <a:ea typeface="ＭＳ 明朝" panose="02020609040205080304" pitchFamily="17" charset="-128"/>
+                <a:cs typeface="Times New Roman" panose="02020603050405020304" pitchFamily="18" charset="0"/>
+              </a:rPr>
+              <a:t>or </a:t>
+            </a:r>
+            <a:r>
+              <a:rPr kumimoji="0" lang="en-US" sz="900" b="0" i="0" u="none" strike="noStrike" kern="100" cap="none" spc="0" normalizeH="0" baseline="0" noProof="0" dirty="0" smtClean="0">
+                <a:ln>
+                  <a:noFill/>
+                </a:ln>
+                <a:solidFill>
+                  <a:sysClr val="window" lastClr="FFFFFF"/>
+                </a:solidFill>
+                <a:effectLst/>
+                <a:uLnTx/>
+                <a:uFillTx/>
+                <a:latin typeface="Arial" panose="020B0604020202020204" pitchFamily="34" charset="0"/>
+                <a:ea typeface="ＭＳ 明朝" panose="02020609040205080304" pitchFamily="17" charset="-128"/>
+                <a:cs typeface="Times New Roman" panose="02020603050405020304" pitchFamily="18" charset="0"/>
+              </a:rPr>
+              <a:t>RHEL8</a:t>
             </a:r>
             <a:endParaRPr kumimoji="0" lang="ja-JP" altLang="en-US" sz="1050" b="0" i="0" u="none" strike="noStrike" kern="100" cap="none" spc="0" normalizeH="0" baseline="0" noProof="0" dirty="0">
               <a:ln>
@@ -17590,7 +16323,7 @@
               <a:defRPr/>
             </a:pPr>
             <a:r>
-              <a:rPr kumimoji="0" lang="en-US" sz="900" b="0" i="0" u="none" strike="noStrike" kern="100" cap="none" spc="0" normalizeH="0" baseline="0" noProof="0" dirty="0">
+              <a:rPr kumimoji="0" lang="en-US" sz="900" b="0" i="0" u="none" strike="noStrike" kern="100" cap="none" spc="0" normalizeH="0" baseline="0" noProof="0" dirty="0" smtClean="0">
                 <a:ln>
                   <a:noFill/>
                 </a:ln>
@@ -17605,406 +16338,6 @@
                 <a:cs typeface="Times New Roman" panose="02020603050405020304" pitchFamily="18" charset="0"/>
               </a:rPr>
               <a:t>#####################################################</a:t>
-            </a:r>
-            <a:endParaRPr kumimoji="0" lang="ja-JP" altLang="en-US" sz="1050" b="0" i="0" u="none" strike="noStrike" kern="100" cap="none" spc="0" normalizeH="0" baseline="0" noProof="0" dirty="0">
-              <a:ln>
-                <a:noFill/>
-              </a:ln>
-              <a:solidFill>
-                <a:sysClr val="window" lastClr="FFFFFF"/>
-              </a:solidFill>
-              <a:effectLst/>
-              <a:uLnTx/>
-              <a:uFillTx/>
-              <a:latin typeface="Century"/>
-              <a:ea typeface="ＭＳ 明朝" panose="02020609040205080304" pitchFamily="17" charset="-128"/>
-              <a:cs typeface="Times New Roman" panose="02020603050405020304" pitchFamily="18" charset="0"/>
-            </a:endParaRPr>
-          </a:p>
-          <a:p>
-            <a:pPr marL="0" marR="0" lvl="0" indent="0" algn="l" defTabSz="914400" eaLnBrk="1" fontAlgn="auto" latinLnBrk="0" hangingPunct="1">
-              <a:lnSpc>
-                <a:spcPts val="800"/>
-              </a:lnSpc>
-              <a:spcBef>
-                <a:spcPts val="0"/>
-              </a:spcBef>
-              <a:spcAft>
-                <a:spcPts val="0"/>
-              </a:spcAft>
-              <a:buClrTx/>
-              <a:buSzTx/>
-              <a:buFontTx/>
-              <a:buNone/>
-              <a:tabLst/>
-              <a:defRPr/>
-            </a:pPr>
-            <a:r>
-              <a:rPr kumimoji="0" lang="en-US" sz="900" b="0" i="0" u="none" strike="noStrike" kern="100" cap="none" spc="0" normalizeH="0" baseline="0" noProof="0" dirty="0">
-                <a:ln>
-                  <a:noFill/>
-                </a:ln>
-                <a:solidFill>
-                  <a:sysClr val="window" lastClr="FFFFFF"/>
-                </a:solidFill>
-                <a:effectLst/>
-                <a:uLnTx/>
-                <a:uFillTx/>
-                <a:latin typeface="Arial" panose="020B0604020202020204" pitchFamily="34" charset="0"/>
-                <a:ea typeface="ＭＳ 明朝" panose="02020609040205080304" pitchFamily="17" charset="-128"/>
-                <a:cs typeface="Times New Roman" panose="02020603050405020304" pitchFamily="18" charset="0"/>
-              </a:rPr>
-              <a:t>#Only when you install cobbler drriver</a:t>
-            </a:r>
-            <a:endParaRPr kumimoji="0" lang="ja-JP" altLang="en-US" sz="1050" b="0" i="0" u="none" strike="noStrike" kern="100" cap="none" spc="0" normalizeH="0" baseline="0" noProof="0" dirty="0">
-              <a:ln>
-                <a:noFill/>
-              </a:ln>
-              <a:solidFill>
-                <a:sysClr val="window" lastClr="FFFFFF"/>
-              </a:solidFill>
-              <a:effectLst/>
-              <a:uLnTx/>
-              <a:uFillTx/>
-              <a:latin typeface="Century"/>
-              <a:ea typeface="ＭＳ 明朝" panose="02020609040205080304" pitchFamily="17" charset="-128"/>
-              <a:cs typeface="Times New Roman" panose="02020603050405020304" pitchFamily="18" charset="0"/>
-            </a:endParaRPr>
-          </a:p>
-          <a:p>
-            <a:pPr marL="0" marR="0" lvl="0" indent="0" algn="l" defTabSz="914400" eaLnBrk="1" fontAlgn="auto" latinLnBrk="0" hangingPunct="1">
-              <a:lnSpc>
-                <a:spcPts val="800"/>
-              </a:lnSpc>
-              <a:spcBef>
-                <a:spcPts val="0"/>
-              </a:spcBef>
-              <a:spcAft>
-                <a:spcPts val="0"/>
-              </a:spcAft>
-              <a:buClrTx/>
-              <a:buSzTx/>
-              <a:buFontTx/>
-              <a:buNone/>
-              <a:tabLst/>
-              <a:defRPr/>
-            </a:pPr>
-            <a:r>
-              <a:rPr kumimoji="0" lang="en-US" sz="900" b="0" i="0" u="none" strike="noStrike" kern="100" cap="none" spc="0" normalizeH="0" baseline="0" noProof="0" dirty="0">
-                <a:ln>
-                  <a:noFill/>
-                </a:ln>
-                <a:solidFill>
-                  <a:sysClr val="window" lastClr="FFFFFF"/>
-                </a:solidFill>
-                <a:effectLst/>
-                <a:uLnTx/>
-                <a:uFillTx/>
-                <a:latin typeface="Arial" panose="020B0604020202020204" pitchFamily="34" charset="0"/>
-                <a:ea typeface="ＭＳ 明朝" panose="02020609040205080304" pitchFamily="17" charset="-128"/>
-                <a:cs typeface="Times New Roman" panose="02020603050405020304" pitchFamily="18" charset="0"/>
-              </a:rPr>
-              <a:t> </a:t>
-            </a:r>
-            <a:endParaRPr kumimoji="0" lang="ja-JP" altLang="en-US" sz="1050" b="0" i="0" u="none" strike="noStrike" kern="100" cap="none" spc="0" normalizeH="0" baseline="0" noProof="0" dirty="0">
-              <a:ln>
-                <a:noFill/>
-              </a:ln>
-              <a:solidFill>
-                <a:sysClr val="window" lastClr="FFFFFF"/>
-              </a:solidFill>
-              <a:effectLst/>
-              <a:uLnTx/>
-              <a:uFillTx/>
-              <a:latin typeface="Century"/>
-              <a:ea typeface="ＭＳ 明朝" panose="02020609040205080304" pitchFamily="17" charset="-128"/>
-              <a:cs typeface="Times New Roman" panose="02020603050405020304" pitchFamily="18" charset="0"/>
-            </a:endParaRPr>
-          </a:p>
-          <a:p>
-            <a:pPr marL="0" marR="0" lvl="0" indent="0" algn="l" defTabSz="914400" eaLnBrk="1" fontAlgn="auto" latinLnBrk="0" hangingPunct="1">
-              <a:lnSpc>
-                <a:spcPts val="800"/>
-              </a:lnSpc>
-              <a:spcBef>
-                <a:spcPts val="0"/>
-              </a:spcBef>
-              <a:spcAft>
-                <a:spcPts val="0"/>
-              </a:spcAft>
-              <a:buClrTx/>
-              <a:buSzTx/>
-              <a:buFontTx/>
-              <a:buNone/>
-              <a:tabLst/>
-              <a:defRPr/>
-            </a:pPr>
-            <a:r>
-              <a:rPr kumimoji="0" lang="en-US" sz="900" b="0" i="0" u="none" strike="noStrike" kern="100" cap="none" spc="0" normalizeH="0" baseline="0" noProof="0" dirty="0">
-                <a:ln>
-                  <a:noFill/>
-                </a:ln>
-                <a:solidFill>
-                  <a:sysClr val="window" lastClr="FFFFFF"/>
-                </a:solidFill>
-                <a:effectLst/>
-                <a:uLnTx/>
-                <a:uFillTx/>
-                <a:latin typeface="Arial" panose="020B0604020202020204" pitchFamily="34" charset="0"/>
-                <a:ea typeface="ＭＳ 明朝" panose="02020609040205080304" pitchFamily="17" charset="-128"/>
-                <a:cs typeface="Times New Roman" panose="02020603050405020304" pitchFamily="18" charset="0"/>
-              </a:rPr>
-              <a:t>#Cobra server IP address</a:t>
-            </a:r>
-            <a:endParaRPr kumimoji="0" lang="ja-JP" altLang="en-US" sz="1050" b="0" i="0" u="none" strike="noStrike" kern="100" cap="none" spc="0" normalizeH="0" baseline="0" noProof="0" dirty="0">
-              <a:ln>
-                <a:noFill/>
-              </a:ln>
-              <a:solidFill>
-                <a:sysClr val="window" lastClr="FFFFFF"/>
-              </a:solidFill>
-              <a:effectLst/>
-              <a:uLnTx/>
-              <a:uFillTx/>
-              <a:latin typeface="Century"/>
-              <a:ea typeface="ＭＳ 明朝" panose="02020609040205080304" pitchFamily="17" charset="-128"/>
-              <a:cs typeface="Times New Roman" panose="02020603050405020304" pitchFamily="18" charset="0"/>
-            </a:endParaRPr>
-          </a:p>
-          <a:p>
-            <a:pPr marL="0" marR="0" lvl="0" indent="0" algn="l" defTabSz="914400" eaLnBrk="1" fontAlgn="auto" latinLnBrk="0" hangingPunct="1">
-              <a:lnSpc>
-                <a:spcPts val="800"/>
-              </a:lnSpc>
-              <a:spcBef>
-                <a:spcPts val="0"/>
-              </a:spcBef>
-              <a:spcAft>
-                <a:spcPts val="0"/>
-              </a:spcAft>
-              <a:buClrTx/>
-              <a:buSzTx/>
-              <a:buFontTx/>
-              <a:buNone/>
-              <a:tabLst/>
-              <a:defRPr/>
-            </a:pPr>
-            <a:r>
-              <a:rPr kumimoji="0" lang="en-US" sz="900" b="0" i="0" u="none" strike="noStrike" kern="100" cap="none" spc="0" normalizeH="0" baseline="0" noProof="0" dirty="0">
-                <a:ln>
-                  <a:noFill/>
-                </a:ln>
-                <a:solidFill>
-                  <a:sysClr val="window" lastClr="FFFFFF"/>
-                </a:solidFill>
-                <a:effectLst/>
-                <a:uLnTx/>
-                <a:uFillTx/>
-                <a:latin typeface="Arial" panose="020B0604020202020204" pitchFamily="34" charset="0"/>
-                <a:ea typeface="ＭＳ 明朝" panose="02020609040205080304" pitchFamily="17" charset="-128"/>
-                <a:cs typeface="Times New Roman" panose="02020603050405020304" pitchFamily="18" charset="0"/>
-              </a:rPr>
-              <a:t>server_address:10.10.10.10</a:t>
-            </a:r>
-            <a:endParaRPr kumimoji="0" lang="ja-JP" altLang="en-US" sz="1050" b="0" i="0" u="none" strike="noStrike" kern="100" cap="none" spc="0" normalizeH="0" baseline="0" noProof="0" dirty="0">
-              <a:ln>
-                <a:noFill/>
-              </a:ln>
-              <a:solidFill>
-                <a:sysClr val="window" lastClr="FFFFFF"/>
-              </a:solidFill>
-              <a:effectLst/>
-              <a:uLnTx/>
-              <a:uFillTx/>
-              <a:latin typeface="Century"/>
-              <a:ea typeface="ＭＳ 明朝" panose="02020609040205080304" pitchFamily="17" charset="-128"/>
-              <a:cs typeface="Times New Roman" panose="02020603050405020304" pitchFamily="18" charset="0"/>
-            </a:endParaRPr>
-          </a:p>
-          <a:p>
-            <a:pPr marL="0" marR="0" lvl="0" indent="0" algn="l" defTabSz="914400" eaLnBrk="1" fontAlgn="auto" latinLnBrk="0" hangingPunct="1">
-              <a:lnSpc>
-                <a:spcPts val="800"/>
-              </a:lnSpc>
-              <a:spcBef>
-                <a:spcPts val="0"/>
-              </a:spcBef>
-              <a:spcAft>
-                <a:spcPts val="0"/>
-              </a:spcAft>
-              <a:buClrTx/>
-              <a:buSzTx/>
-              <a:buFontTx/>
-              <a:buNone/>
-              <a:tabLst/>
-              <a:defRPr/>
-            </a:pPr>
-            <a:r>
-              <a:rPr kumimoji="0" lang="en-US" sz="900" b="0" i="0" u="none" strike="noStrike" kern="100" cap="none" spc="0" normalizeH="0" baseline="0" noProof="0" dirty="0">
-                <a:ln>
-                  <a:noFill/>
-                </a:ln>
-                <a:solidFill>
-                  <a:sysClr val="window" lastClr="FFFFFF"/>
-                </a:solidFill>
-                <a:effectLst/>
-                <a:uLnTx/>
-                <a:uFillTx/>
-                <a:latin typeface="Arial" panose="020B0604020202020204" pitchFamily="34" charset="0"/>
-                <a:ea typeface="ＭＳ 明朝" panose="02020609040205080304" pitchFamily="17" charset="-128"/>
-                <a:cs typeface="Times New Roman" panose="02020603050405020304" pitchFamily="18" charset="0"/>
-              </a:rPr>
-              <a:t> </a:t>
-            </a:r>
-            <a:endParaRPr kumimoji="0" lang="ja-JP" altLang="en-US" sz="1050" b="0" i="0" u="none" strike="noStrike" kern="100" cap="none" spc="0" normalizeH="0" baseline="0" noProof="0" dirty="0">
-              <a:ln>
-                <a:noFill/>
-              </a:ln>
-              <a:solidFill>
-                <a:sysClr val="window" lastClr="FFFFFF"/>
-              </a:solidFill>
-              <a:effectLst/>
-              <a:uLnTx/>
-              <a:uFillTx/>
-              <a:latin typeface="Century"/>
-              <a:ea typeface="ＭＳ 明朝" panose="02020609040205080304" pitchFamily="17" charset="-128"/>
-              <a:cs typeface="Times New Roman" panose="02020603050405020304" pitchFamily="18" charset="0"/>
-            </a:endParaRPr>
-          </a:p>
-          <a:p>
-            <a:pPr marL="0" marR="0" lvl="0" indent="0" algn="l" defTabSz="914400" eaLnBrk="1" fontAlgn="auto" latinLnBrk="0" hangingPunct="1">
-              <a:lnSpc>
-                <a:spcPts val="800"/>
-              </a:lnSpc>
-              <a:spcBef>
-                <a:spcPts val="0"/>
-              </a:spcBef>
-              <a:spcAft>
-                <a:spcPts val="0"/>
-              </a:spcAft>
-              <a:buClrTx/>
-              <a:buSzTx/>
-              <a:buFontTx/>
-              <a:buNone/>
-              <a:tabLst/>
-              <a:defRPr/>
-            </a:pPr>
-            <a:r>
-              <a:rPr kumimoji="0" lang="en-US" sz="900" b="0" i="0" u="none" strike="noStrike" kern="100" cap="none" spc="0" normalizeH="0" baseline="0" noProof="0" dirty="0">
-                <a:ln>
-                  <a:noFill/>
-                </a:ln>
-                <a:solidFill>
-                  <a:sysClr val="window" lastClr="FFFFFF"/>
-                </a:solidFill>
-                <a:effectLst/>
-                <a:uLnTx/>
-                <a:uFillTx/>
-                <a:latin typeface="Arial" panose="020B0604020202020204" pitchFamily="34" charset="0"/>
-                <a:ea typeface="ＭＳ 明朝" panose="02020609040205080304" pitchFamily="17" charset="-128"/>
-                <a:cs typeface="Times New Roman" panose="02020603050405020304" pitchFamily="18" charset="0"/>
-              </a:rPr>
-              <a:t>#Password set for OS installation target server</a:t>
-            </a:r>
-            <a:endParaRPr kumimoji="0" lang="ja-JP" altLang="en-US" sz="1050" b="0" i="0" u="none" strike="noStrike" kern="100" cap="none" spc="0" normalizeH="0" baseline="0" noProof="0" dirty="0">
-              <a:ln>
-                <a:noFill/>
-              </a:ln>
-              <a:solidFill>
-                <a:sysClr val="window" lastClr="FFFFFF"/>
-              </a:solidFill>
-              <a:effectLst/>
-              <a:uLnTx/>
-              <a:uFillTx/>
-              <a:latin typeface="Century"/>
-              <a:ea typeface="ＭＳ 明朝" panose="02020609040205080304" pitchFamily="17" charset="-128"/>
-              <a:cs typeface="Times New Roman" panose="02020603050405020304" pitchFamily="18" charset="0"/>
-            </a:endParaRPr>
-          </a:p>
-          <a:p>
-            <a:pPr marL="0" marR="0" lvl="0" indent="0" algn="l" defTabSz="914400" eaLnBrk="1" fontAlgn="auto" latinLnBrk="0" hangingPunct="1">
-              <a:lnSpc>
-                <a:spcPts val="800"/>
-              </a:lnSpc>
-              <a:spcBef>
-                <a:spcPts val="0"/>
-              </a:spcBef>
-              <a:spcAft>
-                <a:spcPts val="0"/>
-              </a:spcAft>
-              <a:buClrTx/>
-              <a:buSzTx/>
-              <a:buFontTx/>
-              <a:buNone/>
-              <a:tabLst/>
-              <a:defRPr/>
-            </a:pPr>
-            <a:r>
-              <a:rPr kumimoji="0" lang="en-US" sz="900" b="0" i="0" u="none" strike="noStrike" kern="100" cap="none" spc="0" normalizeH="0" baseline="0" noProof="0" dirty="0" err="1">
-                <a:ln>
-                  <a:noFill/>
-                </a:ln>
-                <a:solidFill>
-                  <a:sysClr val="window" lastClr="FFFFFF"/>
-                </a:solidFill>
-                <a:effectLst/>
-                <a:uLnTx/>
-                <a:uFillTx/>
-                <a:latin typeface="Arial" panose="020B0604020202020204" pitchFamily="34" charset="0"/>
-                <a:ea typeface="ＭＳ 明朝" panose="02020609040205080304" pitchFamily="17" charset="-128"/>
-                <a:cs typeface="Times New Roman" panose="02020603050405020304" pitchFamily="18" charset="0"/>
-              </a:rPr>
-              <a:t>default_password:sample_password</a:t>
-            </a:r>
-            <a:endParaRPr kumimoji="0" lang="ja-JP" altLang="en-US" sz="1050" b="0" i="0" u="none" strike="noStrike" kern="100" cap="none" spc="0" normalizeH="0" baseline="0" noProof="0" dirty="0">
-              <a:ln>
-                <a:noFill/>
-              </a:ln>
-              <a:solidFill>
-                <a:sysClr val="window" lastClr="FFFFFF"/>
-              </a:solidFill>
-              <a:effectLst/>
-              <a:uLnTx/>
-              <a:uFillTx/>
-              <a:latin typeface="Century"/>
-              <a:ea typeface="ＭＳ 明朝" panose="02020609040205080304" pitchFamily="17" charset="-128"/>
-              <a:cs typeface="Times New Roman" panose="02020603050405020304" pitchFamily="18" charset="0"/>
-            </a:endParaRPr>
-          </a:p>
-          <a:p>
-            <a:pPr marL="0" marR="0" lvl="0" indent="0" algn="l" defTabSz="914400" eaLnBrk="1" fontAlgn="auto" latinLnBrk="0" hangingPunct="1">
-              <a:lnSpc>
-                <a:spcPts val="800"/>
-              </a:lnSpc>
-              <a:spcBef>
-                <a:spcPts val="0"/>
-              </a:spcBef>
-              <a:spcAft>
-                <a:spcPts val="0"/>
-              </a:spcAft>
-              <a:buClrTx/>
-              <a:buSzTx/>
-              <a:buFontTx/>
-              <a:buNone/>
-              <a:tabLst/>
-              <a:defRPr/>
-            </a:pPr>
-            <a:r>
-              <a:rPr kumimoji="0" lang="en-US" sz="900" b="0" i="0" u="none" strike="noStrike" kern="100" cap="none" spc="0" normalizeH="0" baseline="0" noProof="0" dirty="0">
-                <a:ln>
-                  <a:noFill/>
-                </a:ln>
-                <a:solidFill>
-                  <a:sysClr val="window" lastClr="FFFFFF"/>
-                </a:solidFill>
-                <a:effectLst/>
-                <a:uLnTx/>
-                <a:uFillTx/>
-                <a:latin typeface="Arial" panose="020B0604020202020204" pitchFamily="34" charset="0"/>
-                <a:ea typeface="ＭＳ 明朝" panose="02020609040205080304" pitchFamily="17" charset="-128"/>
-                <a:cs typeface="Times New Roman" panose="02020603050405020304" pitchFamily="18" charset="0"/>
-              </a:rPr>
-              <a:t> </a:t>
             </a:r>
             <a:endParaRPr kumimoji="0" lang="ja-JP" altLang="en-US" sz="1050" b="0" i="0" u="none" strike="noStrike" kern="100" cap="none" spc="0" normalizeH="0" baseline="0" noProof="0" dirty="0">
               <a:ln>
@@ -19654,57 +17987,6 @@
           </a:p>
         </p:txBody>
       </p:sp>
-      <p:sp>
-        <p:nvSpPr>
-          <p:cNvPr id="26" name="正方形/長方形 25"/>
-          <p:cNvSpPr/>
-          <p:nvPr/>
-        </p:nvSpPr>
-        <p:spPr>
-          <a:xfrm>
-            <a:off x="2365027" y="3680890"/>
-            <a:ext cx="3492000" cy="2556000"/>
-          </a:xfrm>
-          <a:prstGeom prst="rect">
-            <a:avLst/>
-          </a:prstGeom>
-          <a:noFill/>
-          <a:ln>
-            <a:solidFill>
-              <a:srgbClr val="FF0000"/>
-            </a:solidFill>
-            <a:prstDash val="sysDash"/>
-          </a:ln>
-        </p:spPr>
-        <p:style>
-          <a:lnRef idx="2">
-            <a:schemeClr val="accent1">
-              <a:shade val="50000"/>
-            </a:schemeClr>
-          </a:lnRef>
-          <a:fillRef idx="1">
-            <a:schemeClr val="accent1"/>
-          </a:fillRef>
-          <a:effectRef idx="0">
-            <a:schemeClr val="accent1"/>
-          </a:effectRef>
-          <a:fontRef idx="minor">
-            <a:schemeClr val="lt1"/>
-          </a:fontRef>
-        </p:style>
-        <p:txBody>
-          <a:bodyPr rot="0" spcFirstLastPara="0" vert="horz" wrap="square" lIns="91440" tIns="45720" rIns="91440" bIns="45720" numCol="1" spcCol="0" rtlCol="0" fromWordArt="0" anchor="ctr" anchorCtr="0" forceAA="0" compatLnSpc="1">
-            <a:prstTxWarp prst="textNoShape">
-              <a:avLst/>
-            </a:prstTxWarp>
-            <a:noAutofit/>
-          </a:bodyPr>
-          <a:lstStyle/>
-          <a:p>
-            <a:endParaRPr lang="ja-JP" altLang="en-US" dirty="0"/>
-          </a:p>
-        </p:txBody>
-      </p:sp>
       <p:cxnSp>
         <p:nvCxnSpPr>
           <p:cNvPr id="27" name="直線コネクタ 26"/>
@@ -19714,593 +17996,6 @@
         <p:spPr bwMode="auto">
           <a:xfrm>
             <a:off x="5974429" y="2803982"/>
-            <a:ext cx="1080000" cy="0"/>
-          </a:xfrm>
-          <a:prstGeom prst="line">
-            <a:avLst/>
-          </a:prstGeom>
-          <a:solidFill>
-            <a:schemeClr val="bg1"/>
-          </a:solidFill>
-          <a:ln w="19050" cap="flat" cmpd="sng" algn="ctr">
-            <a:solidFill>
-              <a:srgbClr val="FF0000"/>
-            </a:solidFill>
-            <a:prstDash val="dash"/>
-            <a:round/>
-            <a:headEnd type="none" w="med" len="med"/>
-            <a:tailEnd type="none" w="med" len="med"/>
-          </a:ln>
-          <a:effectLst/>
-          <a:extLst>
-            <a:ext uri="{AF507438-7753-43E0-B8FC-AC1667EBCBE1}">
-              <a14:hiddenEffects xmlns:a14="http://schemas.microsoft.com/office/drawing/2010/main">
-                <a:effectLst>
-                  <a:outerShdw dist="35921" dir="2700000" algn="ctr" rotWithShape="0">
-                    <a:schemeClr val="tx1">
-                      <a:alpha val="50000"/>
-                    </a:schemeClr>
-                  </a:outerShdw>
-                </a:effectLst>
-              </a14:hiddenEffects>
-            </a:ext>
-          </a:extLst>
-        </p:spPr>
-      </p:cxnSp>
-      <p:sp>
-        <p:nvSpPr>
-          <p:cNvPr id="28" name="角丸四角形 27"/>
-          <p:cNvSpPr/>
-          <p:nvPr/>
-        </p:nvSpPr>
-        <p:spPr bwMode="auto">
-          <a:xfrm>
-            <a:off x="7164360" y="4546632"/>
-            <a:ext cx="1728240" cy="1258698"/>
-          </a:xfrm>
-          <a:prstGeom prst="roundRect">
-            <a:avLst/>
-          </a:prstGeom>
-          <a:noFill/>
-          <a:ln w="12700">
-            <a:solidFill>
-              <a:srgbClr val="C00000"/>
-            </a:solidFill>
-          </a:ln>
-          <a:effectLst/>
-          <a:extLst/>
-        </p:spPr>
-        <p:txBody>
-          <a:bodyPr rot="0" spcFirstLastPara="0" vertOverflow="overflow" horzOverflow="overflow" vert="horz" wrap="square" lIns="36000" tIns="72000" rIns="36000" bIns="36000" numCol="1" spcCol="0" rtlCol="0" fromWordArt="0" anchor="ctr" anchorCtr="0" forceAA="0" compatLnSpc="1">
-            <a:prstTxWarp prst="textNoShape">
-              <a:avLst/>
-            </a:prstTxWarp>
-            <a:noAutofit/>
-          </a:bodyPr>
-          <a:lstStyle/>
-          <a:p>
-            <a:pPr algn="ctr"/>
-            <a:r>
-              <a:rPr lang="ja-JP" altLang="en-US" sz="1200" b="1" dirty="0" smtClean="0">
-                <a:solidFill>
-                  <a:srgbClr val="FF0000"/>
-                </a:solidFill>
-                <a:latin typeface="+mn-ea"/>
-              </a:rPr>
-              <a:t>本手順では</a:t>
-            </a:r>
-            <a:r>
-              <a:rPr lang="en-US" altLang="ja-JP" sz="1200" b="1" dirty="0" smtClean="0">
-                <a:solidFill>
-                  <a:srgbClr val="FF0000"/>
-                </a:solidFill>
-                <a:latin typeface="+mn-ea"/>
-              </a:rPr>
-              <a:t>Cobbler</a:t>
-            </a:r>
-            <a:r>
-              <a:rPr lang="ja-JP" altLang="en-US" sz="1200" b="1" dirty="0" smtClean="0">
-                <a:solidFill>
-                  <a:srgbClr val="FF0000"/>
-                </a:solidFill>
-                <a:latin typeface="+mn-ea"/>
-              </a:rPr>
-              <a:t>ドライバはインストールしないので、記入不要です。</a:t>
-            </a:r>
-            <a:endParaRPr kumimoji="1" lang="ja-JP" altLang="en-US" sz="1200" b="1" dirty="0" smtClean="0">
-              <a:solidFill>
-                <a:srgbClr val="FF0000"/>
-              </a:solidFill>
-              <a:latin typeface="+mn-ea"/>
-            </a:endParaRPr>
-          </a:p>
-        </p:txBody>
-      </p:sp>
-      <p:grpSp>
-        <p:nvGrpSpPr>
-          <p:cNvPr id="29" name="グループ化 28"/>
-          <p:cNvGrpSpPr/>
-          <p:nvPr/>
-        </p:nvGrpSpPr>
-        <p:grpSpPr>
-          <a:xfrm>
-            <a:off x="6908793" y="4293120"/>
-            <a:ext cx="565503" cy="549789"/>
-            <a:chOff x="162795" y="3812178"/>
-            <a:chExt cx="565503" cy="549789"/>
-          </a:xfrm>
-        </p:grpSpPr>
-        <p:sp>
-          <p:nvSpPr>
-            <p:cNvPr id="30" name="円/楕円 44"/>
-            <p:cNvSpPr/>
-            <p:nvPr/>
-          </p:nvSpPr>
-          <p:spPr bwMode="auto">
-            <a:xfrm>
-              <a:off x="162795" y="3812178"/>
-              <a:ext cx="565503" cy="549789"/>
-            </a:xfrm>
-            <a:prstGeom prst="ellipse">
-              <a:avLst/>
-            </a:prstGeom>
-            <a:gradFill flip="none" rotWithShape="1">
-              <a:gsLst>
-                <a:gs pos="0">
-                  <a:schemeClr val="accent2"/>
-                </a:gs>
-                <a:gs pos="41000">
-                  <a:schemeClr val="accent2">
-                    <a:lumMod val="60000"/>
-                    <a:lumOff val="40000"/>
-                    <a:shade val="67500"/>
-                    <a:satMod val="115000"/>
-                  </a:schemeClr>
-                </a:gs>
-                <a:gs pos="100000">
-                  <a:schemeClr val="accent2">
-                    <a:lumMod val="60000"/>
-                    <a:lumOff val="40000"/>
-                  </a:schemeClr>
-                </a:gs>
-              </a:gsLst>
-              <a:lin ang="16200000" scaled="0"/>
-              <a:tileRect/>
-            </a:gradFill>
-            <a:ln>
-              <a:noFill/>
-            </a:ln>
-            <a:effectLst/>
-            <a:extLst/>
-          </p:spPr>
-          <p:txBody>
-            <a:bodyPr rot="0" spcFirstLastPara="0" vertOverflow="overflow" horzOverflow="overflow" vert="horz" wrap="none" lIns="36000" tIns="72000" rIns="36000" bIns="36000" numCol="1" spcCol="0" rtlCol="0" fromWordArt="0" anchor="ctr" anchorCtr="0" forceAA="0" compatLnSpc="1">
-              <a:prstTxWarp prst="textNoShape">
-                <a:avLst/>
-              </a:prstTxWarp>
-              <a:noAutofit/>
-            </a:bodyPr>
-            <a:lstStyle/>
-            <a:p>
-              <a:pPr algn="ctr"/>
-              <a:endParaRPr lang="ja-JP" altLang="en-US" sz="1200" b="1" dirty="0">
-                <a:solidFill>
-                  <a:schemeClr val="bg1"/>
-                </a:solidFill>
-                <a:latin typeface="+mj-ea"/>
-              </a:endParaRPr>
-            </a:p>
-          </p:txBody>
-        </p:sp>
-        <p:sp>
-          <p:nvSpPr>
-            <p:cNvPr id="31" name="テキスト ボックス 30"/>
-            <p:cNvSpPr txBox="1"/>
-            <p:nvPr/>
-          </p:nvSpPr>
-          <p:spPr>
-            <a:xfrm>
-              <a:off x="233240" y="4033625"/>
-              <a:ext cx="424611" cy="106893"/>
-            </a:xfrm>
-            <a:custGeom>
-              <a:avLst/>
-              <a:gdLst/>
-              <a:ahLst/>
-              <a:cxnLst/>
-              <a:rect l="l" t="t" r="r" b="b"/>
-              <a:pathLst>
-                <a:path w="424611" h="106893">
-                  <a:moveTo>
-                    <a:pt x="20512" y="18247"/>
-                  </a:moveTo>
-                  <a:cubicBezTo>
-                    <a:pt x="20512" y="30003"/>
-                    <a:pt x="20512" y="41759"/>
-                    <a:pt x="20512" y="53515"/>
-                  </a:cubicBezTo>
-                  <a:cubicBezTo>
-                    <a:pt x="22346" y="53515"/>
-                    <a:pt x="24180" y="53515"/>
-                    <a:pt x="26015" y="53515"/>
-                  </a:cubicBezTo>
-                  <a:cubicBezTo>
-                    <a:pt x="36354" y="53515"/>
-                    <a:pt x="43201" y="51960"/>
-                    <a:pt x="46557" y="48851"/>
-                  </a:cubicBezTo>
-                  <a:cubicBezTo>
-                    <a:pt x="49913" y="45742"/>
-                    <a:pt x="51591" y="40965"/>
-                    <a:pt x="51591" y="34519"/>
-                  </a:cubicBezTo>
-                  <a:cubicBezTo>
-                    <a:pt x="51591" y="29209"/>
-                    <a:pt x="49976" y="25169"/>
-                    <a:pt x="46745" y="22400"/>
-                  </a:cubicBezTo>
-                  <a:cubicBezTo>
-                    <a:pt x="43514" y="19631"/>
-                    <a:pt x="37125" y="18247"/>
-                    <a:pt x="27578" y="18247"/>
-                  </a:cubicBezTo>
-                  <a:cubicBezTo>
-                    <a:pt x="25222" y="18247"/>
-                    <a:pt x="22867" y="18247"/>
-                    <a:pt x="20512" y="18247"/>
-                  </a:cubicBezTo>
-                  <a:close/>
-                  <a:moveTo>
-                    <a:pt x="125528" y="16204"/>
-                  </a:moveTo>
-                  <a:cubicBezTo>
-                    <a:pt x="118066" y="16204"/>
-                    <a:pt x="112125" y="19450"/>
-                    <a:pt x="107706" y="25941"/>
-                  </a:cubicBezTo>
-                  <a:cubicBezTo>
-                    <a:pt x="103287" y="32431"/>
-                    <a:pt x="101077" y="41623"/>
-                    <a:pt x="101077" y="53515"/>
-                  </a:cubicBezTo>
-                  <a:cubicBezTo>
-                    <a:pt x="101077" y="65362"/>
-                    <a:pt x="103287" y="74519"/>
-                    <a:pt x="107706" y="80987"/>
-                  </a:cubicBezTo>
-                  <a:cubicBezTo>
-                    <a:pt x="112125" y="87455"/>
-                    <a:pt x="118066" y="90689"/>
-                    <a:pt x="125528" y="90689"/>
-                  </a:cubicBezTo>
-                  <a:cubicBezTo>
-                    <a:pt x="132949" y="90689"/>
-                    <a:pt x="138869" y="87432"/>
-                    <a:pt x="143288" y="80919"/>
-                  </a:cubicBezTo>
-                  <a:cubicBezTo>
-                    <a:pt x="147707" y="74405"/>
-                    <a:pt x="149917" y="65248"/>
-                    <a:pt x="149917" y="53447"/>
-                  </a:cubicBezTo>
-                  <a:cubicBezTo>
-                    <a:pt x="149917" y="41600"/>
-                    <a:pt x="147718" y="32431"/>
-                    <a:pt x="143319" y="25941"/>
-                  </a:cubicBezTo>
-                  <a:cubicBezTo>
-                    <a:pt x="138921" y="19450"/>
-                    <a:pt x="132991" y="16204"/>
-                    <a:pt x="125528" y="16204"/>
-                  </a:cubicBezTo>
-                  <a:close/>
-                  <a:moveTo>
-                    <a:pt x="342065" y="2111"/>
-                  </a:moveTo>
-                  <a:cubicBezTo>
-                    <a:pt x="369581" y="2111"/>
-                    <a:pt x="397096" y="2111"/>
-                    <a:pt x="424611" y="2111"/>
-                  </a:cubicBezTo>
-                  <a:cubicBezTo>
-                    <a:pt x="424611" y="7785"/>
-                    <a:pt x="424611" y="13458"/>
-                    <a:pt x="424611" y="19132"/>
-                  </a:cubicBezTo>
-                  <a:cubicBezTo>
-                    <a:pt x="414293" y="19132"/>
-                    <a:pt x="403975" y="19132"/>
-                    <a:pt x="393656" y="19132"/>
-                  </a:cubicBezTo>
-                  <a:cubicBezTo>
-                    <a:pt x="393656" y="47660"/>
-                    <a:pt x="393656" y="76187"/>
-                    <a:pt x="393656" y="104715"/>
-                  </a:cubicBezTo>
-                  <a:cubicBezTo>
-                    <a:pt x="386778" y="104715"/>
-                    <a:pt x="379899" y="104715"/>
-                    <a:pt x="373020" y="104715"/>
-                  </a:cubicBezTo>
-                  <a:cubicBezTo>
-                    <a:pt x="373020" y="76187"/>
-                    <a:pt x="373020" y="47660"/>
-                    <a:pt x="373020" y="19132"/>
-                  </a:cubicBezTo>
-                  <a:cubicBezTo>
-                    <a:pt x="362702" y="19132"/>
-                    <a:pt x="352384" y="19132"/>
-                    <a:pt x="342065" y="19132"/>
-                  </a:cubicBezTo>
-                  <a:cubicBezTo>
-                    <a:pt x="342065" y="13458"/>
-                    <a:pt x="342065" y="7785"/>
-                    <a:pt x="342065" y="2111"/>
-                  </a:cubicBezTo>
-                  <a:close/>
-                  <a:moveTo>
-                    <a:pt x="250806" y="2111"/>
-                  </a:moveTo>
-                  <a:cubicBezTo>
-                    <a:pt x="259144" y="2111"/>
-                    <a:pt x="267482" y="2111"/>
-                    <a:pt x="275820" y="2111"/>
-                  </a:cubicBezTo>
-                  <a:cubicBezTo>
-                    <a:pt x="288202" y="24216"/>
-                    <a:pt x="300584" y="46321"/>
-                    <a:pt x="312966" y="68425"/>
-                  </a:cubicBezTo>
-                  <a:cubicBezTo>
-                    <a:pt x="312966" y="46321"/>
-                    <a:pt x="312966" y="24216"/>
-                    <a:pt x="312966" y="2111"/>
-                  </a:cubicBezTo>
-                  <a:cubicBezTo>
-                    <a:pt x="319344" y="2111"/>
-                    <a:pt x="325723" y="2111"/>
-                    <a:pt x="332101" y="2111"/>
-                  </a:cubicBezTo>
-                  <a:cubicBezTo>
-                    <a:pt x="332101" y="36312"/>
-                    <a:pt x="332101" y="70513"/>
-                    <a:pt x="332101" y="104715"/>
-                  </a:cubicBezTo>
-                  <a:cubicBezTo>
-                    <a:pt x="325473" y="104715"/>
-                    <a:pt x="318844" y="104715"/>
-                    <a:pt x="312215" y="104715"/>
-                  </a:cubicBezTo>
-                  <a:cubicBezTo>
-                    <a:pt x="298124" y="79637"/>
-                    <a:pt x="284033" y="54559"/>
-                    <a:pt x="269942" y="29481"/>
-                  </a:cubicBezTo>
-                  <a:cubicBezTo>
-                    <a:pt x="269942" y="54559"/>
-                    <a:pt x="269942" y="79637"/>
-                    <a:pt x="269942" y="104715"/>
-                  </a:cubicBezTo>
-                  <a:cubicBezTo>
-                    <a:pt x="263563" y="104715"/>
-                    <a:pt x="257185" y="104715"/>
-                    <a:pt x="250806" y="104715"/>
-                  </a:cubicBezTo>
-                  <a:cubicBezTo>
-                    <a:pt x="250806" y="70513"/>
-                    <a:pt x="250806" y="36312"/>
-                    <a:pt x="250806" y="2111"/>
-                  </a:cubicBezTo>
-                  <a:close/>
-                  <a:moveTo>
-                    <a:pt x="182456" y="2111"/>
-                  </a:moveTo>
-                  <a:cubicBezTo>
-                    <a:pt x="199590" y="2111"/>
-                    <a:pt x="216725" y="2111"/>
-                    <a:pt x="233859" y="2111"/>
-                  </a:cubicBezTo>
-                  <a:cubicBezTo>
-                    <a:pt x="233859" y="7217"/>
-                    <a:pt x="233859" y="12324"/>
-                    <a:pt x="233859" y="17430"/>
-                  </a:cubicBezTo>
-                  <a:cubicBezTo>
-                    <a:pt x="228731" y="17430"/>
-                    <a:pt x="223604" y="17430"/>
-                    <a:pt x="218476" y="17430"/>
-                  </a:cubicBezTo>
-                  <a:cubicBezTo>
-                    <a:pt x="218476" y="41418"/>
-                    <a:pt x="218476" y="65407"/>
-                    <a:pt x="218476" y="89395"/>
-                  </a:cubicBezTo>
-                  <a:cubicBezTo>
-                    <a:pt x="223604" y="89395"/>
-                    <a:pt x="228731" y="89395"/>
-                    <a:pt x="233859" y="89395"/>
-                  </a:cubicBezTo>
-                  <a:cubicBezTo>
-                    <a:pt x="233859" y="94502"/>
-                    <a:pt x="233859" y="99608"/>
-                    <a:pt x="233859" y="104715"/>
-                  </a:cubicBezTo>
-                  <a:cubicBezTo>
-                    <a:pt x="216725" y="104715"/>
-                    <a:pt x="199590" y="104715"/>
-                    <a:pt x="182456" y="104715"/>
-                  </a:cubicBezTo>
-                  <a:cubicBezTo>
-                    <a:pt x="182456" y="99608"/>
-                    <a:pt x="182456" y="94502"/>
-                    <a:pt x="182456" y="89395"/>
-                  </a:cubicBezTo>
-                  <a:cubicBezTo>
-                    <a:pt x="187584" y="89395"/>
-                    <a:pt x="192711" y="89395"/>
-                    <a:pt x="197839" y="89395"/>
-                  </a:cubicBezTo>
-                  <a:cubicBezTo>
-                    <a:pt x="197839" y="65407"/>
-                    <a:pt x="197839" y="41418"/>
-                    <a:pt x="197839" y="17430"/>
-                  </a:cubicBezTo>
-                  <a:cubicBezTo>
-                    <a:pt x="192711" y="17430"/>
-                    <a:pt x="187584" y="17430"/>
-                    <a:pt x="182456" y="17430"/>
-                  </a:cubicBezTo>
-                  <a:cubicBezTo>
-                    <a:pt x="182456" y="12324"/>
-                    <a:pt x="182456" y="7217"/>
-                    <a:pt x="182456" y="2111"/>
-                  </a:cubicBezTo>
-                  <a:close/>
-                  <a:moveTo>
-                    <a:pt x="0" y="2111"/>
-                  </a:moveTo>
-                  <a:cubicBezTo>
-                    <a:pt x="11882" y="2111"/>
-                    <a:pt x="23763" y="2111"/>
-                    <a:pt x="35645" y="2111"/>
-                  </a:cubicBezTo>
-                  <a:cubicBezTo>
-                    <a:pt x="47860" y="2111"/>
-                    <a:pt x="57136" y="4823"/>
-                    <a:pt x="63473" y="10247"/>
-                  </a:cubicBezTo>
-                  <a:cubicBezTo>
-                    <a:pt x="69810" y="15671"/>
-                    <a:pt x="72978" y="23603"/>
-                    <a:pt x="72978" y="34043"/>
-                  </a:cubicBezTo>
-                  <a:cubicBezTo>
-                    <a:pt x="72978" y="44936"/>
-                    <a:pt x="69476" y="53617"/>
-                    <a:pt x="62472" y="60085"/>
-                  </a:cubicBezTo>
-                  <a:cubicBezTo>
-                    <a:pt x="55468" y="66553"/>
-                    <a:pt x="46338" y="69787"/>
-                    <a:pt x="35082" y="69787"/>
-                  </a:cubicBezTo>
-                  <a:cubicBezTo>
-                    <a:pt x="30267" y="69787"/>
-                    <a:pt x="25452" y="69787"/>
-                    <a:pt x="20637" y="69787"/>
-                  </a:cubicBezTo>
-                  <a:cubicBezTo>
-                    <a:pt x="20637" y="81430"/>
-                    <a:pt x="20637" y="93072"/>
-                    <a:pt x="20637" y="104715"/>
-                  </a:cubicBezTo>
-                  <a:cubicBezTo>
-                    <a:pt x="13758" y="104715"/>
-                    <a:pt x="6879" y="104715"/>
-                    <a:pt x="0" y="104715"/>
-                  </a:cubicBezTo>
-                  <a:cubicBezTo>
-                    <a:pt x="0" y="70513"/>
-                    <a:pt x="0" y="36312"/>
-                    <a:pt x="0" y="2111"/>
-                  </a:cubicBezTo>
-                  <a:close/>
-                  <a:moveTo>
-                    <a:pt x="125466" y="0"/>
-                  </a:moveTo>
-                  <a:cubicBezTo>
-                    <a:pt x="139849" y="0"/>
-                    <a:pt x="151136" y="4766"/>
-                    <a:pt x="159328" y="14298"/>
-                  </a:cubicBezTo>
-                  <a:cubicBezTo>
-                    <a:pt x="167520" y="23830"/>
-                    <a:pt x="171616" y="36902"/>
-                    <a:pt x="171616" y="53515"/>
-                  </a:cubicBezTo>
-                  <a:cubicBezTo>
-                    <a:pt x="171616" y="69991"/>
-                    <a:pt x="167541" y="83007"/>
-                    <a:pt x="159391" y="92561"/>
-                  </a:cubicBezTo>
-                  <a:cubicBezTo>
-                    <a:pt x="151240" y="102116"/>
-                    <a:pt x="139932" y="106893"/>
-                    <a:pt x="125466" y="106893"/>
-                  </a:cubicBezTo>
-                  <a:cubicBezTo>
-                    <a:pt x="111124" y="106893"/>
-                    <a:pt x="99858" y="102139"/>
-                    <a:pt x="91666" y="92629"/>
-                  </a:cubicBezTo>
-                  <a:cubicBezTo>
-                    <a:pt x="83474" y="83120"/>
-                    <a:pt x="79378" y="70082"/>
-                    <a:pt x="79378" y="53515"/>
-                  </a:cubicBezTo>
-                  <a:cubicBezTo>
-                    <a:pt x="79378" y="36857"/>
-                    <a:pt x="83453" y="23773"/>
-                    <a:pt x="91603" y="14264"/>
-                  </a:cubicBezTo>
-                  <a:cubicBezTo>
-                    <a:pt x="99753" y="4755"/>
-                    <a:pt x="111041" y="0"/>
-                    <a:pt x="125466" y="0"/>
-                  </a:cubicBezTo>
-                  <a:close/>
-                </a:path>
-              </a:pathLst>
-            </a:custGeom>
-            <a:solidFill>
-              <a:schemeClr val="bg1"/>
-            </a:solidFill>
-            <a:ln>
-              <a:noFill/>
-            </a:ln>
-            <a:effectLst>
-              <a:glow rad="12700">
-                <a:schemeClr val="accent2">
-                  <a:alpha val="84000"/>
-                </a:schemeClr>
-              </a:glow>
-            </a:effectLst>
-          </p:spPr>
-          <p:txBody>
-            <a:bodyPr rot="0" spcFirstLastPara="0" vertOverflow="overflow" horzOverflow="overflow" vert="horz" wrap="square" lIns="91440" tIns="45720" rIns="91440" bIns="45720" numCol="1" spcCol="0" rtlCol="0" fromWordArt="0" anchor="t" anchorCtr="0" forceAA="0" compatLnSpc="1">
-              <a:prstTxWarp prst="textNoShape">
-                <a:avLst/>
-              </a:prstTxWarp>
-              <a:noAutofit/>
-            </a:bodyPr>
-            <a:lstStyle/>
-            <a:p>
-              <a:pPr algn="ctr"/>
-              <a:endParaRPr kumimoji="1" lang="ja-JP" altLang="en-US" b="1" dirty="0">
-                <a:solidFill>
-                  <a:schemeClr val="bg1"/>
-                </a:solidFill>
-                <a:effectLst>
-                  <a:glow rad="38100">
-                    <a:schemeClr val="accent2">
-                      <a:alpha val="84000"/>
-                    </a:schemeClr>
-                  </a:glow>
-                </a:effectLst>
-              </a:endParaRPr>
-            </a:p>
-          </p:txBody>
-        </p:sp>
-      </p:grpSp>
-      <p:cxnSp>
-        <p:nvCxnSpPr>
-          <p:cNvPr id="32" name="直線コネクタ 31"/>
-          <p:cNvCxnSpPr/>
-          <p:nvPr/>
-        </p:nvCxnSpPr>
-        <p:spPr bwMode="auto">
-          <a:xfrm>
-            <a:off x="5974429" y="5035989"/>
             <a:ext cx="1080000" cy="0"/>
           </a:xfrm>
           <a:prstGeom prst="line">
@@ -20532,8 +18227,12 @@
               <a:buNone/>
             </a:pPr>
             <a:r>
+              <a:rPr lang="en-US" altLang="ja-JP" sz="1600" dirty="0"/>
+              <a:t>#</a:t>
+            </a:r>
+            <a:r>
               <a:rPr lang="en-US" altLang="ja-JP" sz="1600" dirty="0" smtClean="0"/>
-              <a:t>$ sh ita_gather_library.sh</a:t>
+              <a:t> sh ita_gather_library.sh</a:t>
             </a:r>
             <a:endParaRPr lang="en-US" altLang="ja-JP" dirty="0"/>
           </a:p>
@@ -20792,7 +18491,7 @@
             </a:r>
             <a:r>
               <a:rPr lang="en-US" altLang="ja-JP" dirty="0" smtClean="0"/>
-              <a:t>$ tar </a:t>
+              <a:t># tar </a:t>
             </a:r>
             <a:r>
               <a:rPr lang="en-US" altLang="ja-JP" dirty="0"/>
@@ -21084,14 +18783,14 @@
           <p:nvPr>
             <p:extLst>
               <p:ext uri="{D42A27DB-BD31-4B8C-83A1-F6EECF244321}">
-                <p14:modId xmlns:p14="http://schemas.microsoft.com/office/powerpoint/2010/main" val="47777617"/>
+                <p14:modId xmlns:p14="http://schemas.microsoft.com/office/powerpoint/2010/main" val="3493801735"/>
               </p:ext>
             </p:extLst>
           </p:nvPr>
         </p:nvGraphicFramePr>
         <p:xfrm>
           <a:off x="539440" y="2060814"/>
-          <a:ext cx="8065121" cy="4297928"/>
+          <a:ext cx="8065121" cy="4069328"/>
         </p:xfrm>
         <a:graphic>
           <a:graphicData uri="http://schemas.openxmlformats.org/drawingml/2006/table">
@@ -21103,28 +18802,28 @@
                 <a:gridCol w="2012783">
                   <a:extLst>
                     <a:ext uri="{9D8B030D-6E8A-4147-A177-3AD203B41FA5}">
-                      <a16:colId xmlns="" xmlns:a16="http://schemas.microsoft.com/office/drawing/2014/main" val="20000"/>
+                      <a16:colId xmlns:a16="http://schemas.microsoft.com/office/drawing/2014/main" val="20000"/>
                     </a:ext>
                   </a:extLst>
                 </a:gridCol>
                 <a:gridCol w="715386">
                   <a:extLst>
                     <a:ext uri="{9D8B030D-6E8A-4147-A177-3AD203B41FA5}">
-                      <a16:colId xmlns="" xmlns:a16="http://schemas.microsoft.com/office/drawing/2014/main" val="20001"/>
+                      <a16:colId xmlns:a16="http://schemas.microsoft.com/office/drawing/2014/main" val="20001"/>
                     </a:ext>
                   </a:extLst>
                 </a:gridCol>
                 <a:gridCol w="887937">
                   <a:extLst>
                     <a:ext uri="{9D8B030D-6E8A-4147-A177-3AD203B41FA5}">
-                      <a16:colId xmlns="" xmlns:a16="http://schemas.microsoft.com/office/drawing/2014/main" val="20002"/>
+                      <a16:colId xmlns:a16="http://schemas.microsoft.com/office/drawing/2014/main" val="20002"/>
                     </a:ext>
                   </a:extLst>
                 </a:gridCol>
                 <a:gridCol w="4449015">
                   <a:extLst>
                     <a:ext uri="{9D8B030D-6E8A-4147-A177-3AD203B41FA5}">
-                      <a16:colId xmlns="" xmlns:a16="http://schemas.microsoft.com/office/drawing/2014/main" val="20003"/>
+                      <a16:colId xmlns:a16="http://schemas.microsoft.com/office/drawing/2014/main" val="20003"/>
                     </a:ext>
                   </a:extLst>
                 </a:gridCol>
@@ -21252,7 +18951,7 @@
                 </a:tc>
                 <a:extLst>
                   <a:ext uri="{0D108BD9-81ED-4DB2-BD59-A6C34878D82A}">
-                    <a16:rowId xmlns="" xmlns:a16="http://schemas.microsoft.com/office/drawing/2014/main" val="10000"/>
+                    <a16:rowId xmlns:a16="http://schemas.microsoft.com/office/drawing/2014/main" val="10000"/>
                   </a:ext>
                 </a:extLst>
               </a:tr>
@@ -21431,7 +19130,7 @@
                 </a:tc>
                 <a:extLst>
                   <a:ext uri="{0D108BD9-81ED-4DB2-BD59-A6C34878D82A}">
-                    <a16:rowId xmlns="" xmlns:a16="http://schemas.microsoft.com/office/drawing/2014/main" val="10001"/>
+                    <a16:rowId xmlns:a16="http://schemas.microsoft.com/office/drawing/2014/main" val="10001"/>
                   </a:ext>
                 </a:extLst>
               </a:tr>
@@ -21614,7 +19313,7 @@
                 </a:tc>
                 <a:extLst>
                   <a:ext uri="{0D108BD9-81ED-4DB2-BD59-A6C34878D82A}">
-                    <a16:rowId xmlns="" xmlns:a16="http://schemas.microsoft.com/office/drawing/2014/main" val="10002"/>
+                    <a16:rowId xmlns:a16="http://schemas.microsoft.com/office/drawing/2014/main" val="10002"/>
                   </a:ext>
                 </a:extLst>
               </a:tr>
@@ -21795,7 +19494,7 @@
                 </a:tc>
                 <a:extLst>
                   <a:ext uri="{0D108BD9-81ED-4DB2-BD59-A6C34878D82A}">
-                    <a16:rowId xmlns="" xmlns:a16="http://schemas.microsoft.com/office/drawing/2014/main" val="10003"/>
+                    <a16:rowId xmlns:a16="http://schemas.microsoft.com/office/drawing/2014/main" val="10003"/>
                   </a:ext>
                 </a:extLst>
               </a:tr>
@@ -21925,16 +19624,34 @@
                         <a:t>の</a:t>
                       </a:r>
                       <a:r>
-                        <a:rPr lang="en-US" sz="1000" kern="100" dirty="0">
+                        <a:rPr lang="en-US" sz="1000" kern="100" dirty="0" smtClean="0">
                           <a:effectLst/>
                         </a:rPr>
                         <a:t>OS</a:t>
                       </a:r>
                       <a:r>
+                        <a:rPr lang="en-US" sz="800" kern="100" dirty="0" smtClean="0">
+                          <a:effectLst/>
+                        </a:rPr>
+                        <a:t>(RHEL7 </a:t>
+                      </a:r>
+                      <a:r>
+                        <a:rPr lang="ja-JP" sz="800" kern="100" dirty="0">
+                          <a:effectLst/>
+                        </a:rPr>
+                        <a:t>系の場合は</a:t>
+                      </a:r>
+                      <a:r>
                         <a:rPr lang="en-US" sz="800" kern="100" dirty="0">
                           <a:effectLst/>
                         </a:rPr>
-                        <a:t>(RHEL6 </a:t>
+                        <a:t>(</a:t>
+                      </a:r>
+                      <a:r>
+                        <a:rPr lang="en-US" sz="800" kern="100" dirty="0" smtClean="0">
+                          <a:effectLst/>
+                        </a:rPr>
+                        <a:t>RHEL7)/ RHEL8 </a:t>
                       </a:r>
                       <a:r>
                         <a:rPr lang="ja-JP" sz="800" kern="100" dirty="0">
@@ -21946,19 +19663,13 @@
                         <a:rPr lang="en-US" sz="800" kern="100" dirty="0">
                           <a:effectLst/>
                         </a:rPr>
-                        <a:t>(RHEL6)/ RHEL7 </a:t>
-                      </a:r>
-                      <a:r>
-                        <a:rPr lang="ja-JP" sz="800" kern="100" dirty="0">
-                          <a:effectLst/>
-                        </a:rPr>
-                        <a:t>系の場合は</a:t>
-                      </a:r>
-                      <a:r>
-                        <a:rPr lang="en-US" sz="800" kern="100" dirty="0">
-                          <a:effectLst/>
-                        </a:rPr>
-                        <a:t>(RHEL7))</a:t>
+                        <a:t>(</a:t>
+                      </a:r>
+                      <a:r>
+                        <a:rPr lang="en-US" sz="800" kern="100" dirty="0" smtClean="0">
+                          <a:effectLst/>
+                        </a:rPr>
+                        <a:t>RHEL8))</a:t>
                       </a:r>
                       <a:endParaRPr lang="ja-JP" sz="1000" kern="100" dirty="0">
                         <a:effectLst/>
@@ -21976,7 +19687,7 @@
                 </a:tc>
                 <a:extLst>
                   <a:ext uri="{0D108BD9-81ED-4DB2-BD59-A6C34878D82A}">
-                    <a16:rowId xmlns="" xmlns:a16="http://schemas.microsoft.com/office/drawing/2014/main" val="10004"/>
+                    <a16:rowId xmlns:a16="http://schemas.microsoft.com/office/drawing/2014/main" val="10004"/>
                   </a:ext>
                 </a:extLst>
               </a:tr>
@@ -22133,7 +19844,7 @@
                 </a:tc>
                 <a:extLst>
                   <a:ext uri="{0D108BD9-81ED-4DB2-BD59-A6C34878D82A}">
-                    <a16:rowId xmlns="" xmlns:a16="http://schemas.microsoft.com/office/drawing/2014/main" val="10005"/>
+                    <a16:rowId xmlns:a16="http://schemas.microsoft.com/office/drawing/2014/main" val="10005"/>
                   </a:ext>
                 </a:extLst>
               </a:tr>
@@ -22290,7 +20001,7 @@
                 </a:tc>
                 <a:extLst>
                   <a:ext uri="{0D108BD9-81ED-4DB2-BD59-A6C34878D82A}">
-                    <a16:rowId xmlns="" xmlns:a16="http://schemas.microsoft.com/office/drawing/2014/main" val="10006"/>
+                    <a16:rowId xmlns:a16="http://schemas.microsoft.com/office/drawing/2014/main" val="10006"/>
                   </a:ext>
                 </a:extLst>
               </a:tr>
@@ -22447,7 +20158,7 @@
                 </a:tc>
                 <a:extLst>
                   <a:ext uri="{0D108BD9-81ED-4DB2-BD59-A6C34878D82A}">
-                    <a16:rowId xmlns="" xmlns:a16="http://schemas.microsoft.com/office/drawing/2014/main" val="10007"/>
+                    <a16:rowId xmlns:a16="http://schemas.microsoft.com/office/drawing/2014/main" val="10007"/>
                   </a:ext>
                 </a:extLst>
               </a:tr>
@@ -22604,7 +20315,7 @@
                 </a:tc>
                 <a:extLst>
                   <a:ext uri="{0D108BD9-81ED-4DB2-BD59-A6C34878D82A}">
-                    <a16:rowId xmlns="" xmlns:a16="http://schemas.microsoft.com/office/drawing/2014/main" val="10008"/>
+                    <a16:rowId xmlns:a16="http://schemas.microsoft.com/office/drawing/2014/main" val="10008"/>
                   </a:ext>
                 </a:extLst>
               </a:tr>
@@ -22767,7 +20478,7 @@
                 </a:tc>
                 <a:extLst>
                   <a:ext uri="{0D108BD9-81ED-4DB2-BD59-A6C34878D82A}">
-                    <a16:rowId xmlns="" xmlns:a16="http://schemas.microsoft.com/office/drawing/2014/main" val="10009"/>
+                    <a16:rowId xmlns:a16="http://schemas.microsoft.com/office/drawing/2014/main" val="10009"/>
                   </a:ext>
                 </a:extLst>
               </a:tr>
@@ -22906,7 +20617,7 @@
                 </a:tc>
                 <a:extLst>
                   <a:ext uri="{0D108BD9-81ED-4DB2-BD59-A6C34878D82A}">
-                    <a16:rowId xmlns="" xmlns:a16="http://schemas.microsoft.com/office/drawing/2014/main" val="10010"/>
+                    <a16:rowId xmlns:a16="http://schemas.microsoft.com/office/drawing/2014/main" val="10010"/>
                   </a:ext>
                 </a:extLst>
               </a:tr>
@@ -23024,10 +20735,22 @@
                         </a:spcAft>
                       </a:pPr>
                       <a:r>
+                        <a:rPr lang="ja-JP" altLang="en-US" sz="1000" kern="100" dirty="0" smtClean="0">
+                          <a:effectLst/>
+                        </a:rPr>
+                        <a:t>メニュー</a:t>
+                      </a:r>
+                      <a:r>
+                        <a:rPr lang="ja-JP" sz="1000" kern="100" dirty="0" smtClean="0">
+                          <a:effectLst/>
+                        </a:rPr>
+                        <a:t>作成</a:t>
+                      </a:r>
+                      <a:r>
                         <a:rPr lang="ja-JP" sz="1000" kern="100" dirty="0">
                           <a:effectLst/>
                         </a:rPr>
-                        <a:t>パラメータシート作成機能のインストール有無指定</a:t>
+                        <a:t>機能のインストール有無指定</a:t>
                       </a:r>
                       <a:endParaRPr lang="ja-JP" sz="1000" kern="100" dirty="0">
                         <a:effectLst/>
@@ -23045,7 +20768,7 @@
                 </a:tc>
                 <a:extLst>
                   <a:ext uri="{0D108BD9-81ED-4DB2-BD59-A6C34878D82A}">
-                    <a16:rowId xmlns="" xmlns:a16="http://schemas.microsoft.com/office/drawing/2014/main" val="10011"/>
+                    <a16:rowId xmlns:a16="http://schemas.microsoft.com/office/drawing/2014/main" val="10011"/>
                   </a:ext>
                 </a:extLst>
               </a:tr>
@@ -23184,7 +20907,7 @@
                 </a:tc>
                 <a:extLst>
                   <a:ext uri="{0D108BD9-81ED-4DB2-BD59-A6C34878D82A}">
-                    <a16:rowId xmlns="" xmlns:a16="http://schemas.microsoft.com/office/drawing/2014/main" val="10012"/>
+                    <a16:rowId xmlns:a16="http://schemas.microsoft.com/office/drawing/2014/main" val="10012"/>
                   </a:ext>
                 </a:extLst>
               </a:tr>
@@ -23341,7 +21064,7 @@
                 </a:tc>
                 <a:extLst>
                   <a:ext uri="{0D108BD9-81ED-4DB2-BD59-A6C34878D82A}">
-                    <a16:rowId xmlns="" xmlns:a16="http://schemas.microsoft.com/office/drawing/2014/main" val="10013"/>
+                    <a16:rowId xmlns:a16="http://schemas.microsoft.com/office/drawing/2014/main" val="10013"/>
                   </a:ext>
                 </a:extLst>
               </a:tr>
@@ -23363,7 +21086,7 @@
                         <a:rPr lang="en-US" sz="1000" kern="100" dirty="0">
                           <a:effectLst/>
                         </a:rPr>
-                        <a:t>cobbler_driver</a:t>
+                        <a:t>openstack_driver</a:t>
                       </a:r>
                       <a:endParaRPr lang="ja-JP" sz="1000" kern="100" dirty="0">
                         <a:effectLst/>
@@ -23408,6 +21131,151 @@
                   </a:txBody>
                   <a:tcPr marL="68495" marR="68495" marT="0" marB="0" anchor="ctr">
                     <a:solidFill>
+                      <a:srgbClr val="CBCDD3"/>
+                    </a:solidFill>
+                  </a:tcPr>
+                </a:tc>
+                <a:tc>
+                  <a:txBody>
+                    <a:bodyPr/>
+                    <a:lstStyle/>
+                    <a:p>
+                      <a:pPr algn="ctr">
+                        <a:lnSpc>
+                          <a:spcPct val="150000"/>
+                        </a:lnSpc>
+                        <a:spcAft>
+                          <a:spcPts val="0"/>
+                        </a:spcAft>
+                      </a:pPr>
+                      <a:r>
+                        <a:rPr lang="en-US" sz="1000" kern="100" dirty="0">
+                          <a:effectLst/>
+                        </a:rPr>
+                        <a:t>no</a:t>
+                      </a:r>
+                      <a:endParaRPr lang="ja-JP" sz="1000" kern="100" dirty="0">
+                        <a:effectLst/>
+                        <a:latin typeface="Century" panose="02040604050505020304" pitchFamily="18" charset="0"/>
+                        <a:ea typeface="ＭＳ 明朝" panose="02020609040205080304" pitchFamily="17" charset="-128"/>
+                        <a:cs typeface="Times New Roman" panose="02020603050405020304" pitchFamily="18" charset="0"/>
+                      </a:endParaRPr>
+                    </a:p>
+                  </a:txBody>
+                  <a:tcPr marL="68495" marR="68495" marT="0" marB="0" anchor="ctr">
+                    <a:solidFill>
+                      <a:srgbClr val="CBCDD3"/>
+                    </a:solidFill>
+                  </a:tcPr>
+                </a:tc>
+                <a:tc>
+                  <a:txBody>
+                    <a:bodyPr/>
+                    <a:lstStyle/>
+                    <a:p>
+                      <a:pPr algn="just">
+                        <a:lnSpc>
+                          <a:spcPct val="150000"/>
+                        </a:lnSpc>
+                        <a:spcAft>
+                          <a:spcPts val="0"/>
+                        </a:spcAft>
+                      </a:pPr>
+                      <a:r>
+                        <a:rPr lang="en-US" sz="1000" kern="100" dirty="0">
+                          <a:effectLst/>
+                        </a:rPr>
+                        <a:t>OpenStack driver</a:t>
+                      </a:r>
+                      <a:r>
+                        <a:rPr lang="ja-JP" sz="1000" kern="100" dirty="0">
+                          <a:effectLst/>
+                        </a:rPr>
+                        <a:t>のインストール有無指定</a:t>
+                      </a:r>
+                      <a:endParaRPr lang="ja-JP" sz="1000" kern="100" dirty="0">
+                        <a:effectLst/>
+                        <a:latin typeface="Century" panose="02040604050505020304" pitchFamily="18" charset="0"/>
+                        <a:ea typeface="ＭＳ 明朝" panose="02020609040205080304" pitchFamily="17" charset="-128"/>
+                        <a:cs typeface="Times New Roman" panose="02020603050405020304" pitchFamily="18" charset="0"/>
+                      </a:endParaRPr>
+                    </a:p>
+                  </a:txBody>
+                  <a:tcPr marL="68495" marR="68495" marT="0" marB="0" anchor="ctr">
+                    <a:solidFill>
+                      <a:srgbClr val="CBCDD3"/>
+                    </a:solidFill>
+                  </a:tcPr>
+                </a:tc>
+                <a:extLst>
+                  <a:ext uri="{0D108BD9-81ED-4DB2-BD59-A6C34878D82A}">
+                    <a16:rowId xmlns:a16="http://schemas.microsoft.com/office/drawing/2014/main" val="10015"/>
+                  </a:ext>
+                </a:extLst>
+              </a:tr>
+              <a:tr h="222140">
+                <a:tc>
+                  <a:txBody>
+                    <a:bodyPr/>
+                    <a:lstStyle/>
+                    <a:p>
+                      <a:pPr algn="just">
+                        <a:lnSpc>
+                          <a:spcPct val="150000"/>
+                        </a:lnSpc>
+                        <a:spcAft>
+                          <a:spcPts val="0"/>
+                        </a:spcAft>
+                      </a:pPr>
+                      <a:r>
+                        <a:rPr lang="en-US" sz="1000" kern="100" dirty="0">
+                          <a:effectLst/>
+                        </a:rPr>
+                        <a:t>dsc_driver</a:t>
+                      </a:r>
+                      <a:endParaRPr lang="ja-JP" sz="1000" kern="100" dirty="0">
+                        <a:effectLst/>
+                        <a:latin typeface="Century" panose="02040604050505020304" pitchFamily="18" charset="0"/>
+                        <a:ea typeface="ＭＳ 明朝" panose="02020609040205080304" pitchFamily="17" charset="-128"/>
+                        <a:cs typeface="Times New Roman" panose="02020603050405020304" pitchFamily="18" charset="0"/>
+                      </a:endParaRPr>
+                    </a:p>
+                  </a:txBody>
+                  <a:tcPr marL="68495" marR="68495" marT="0" marB="0" anchor="ctr">
+                    <a:solidFill>
+                      <a:srgbClr val="002B62"/>
+                    </a:solidFill>
+                  </a:tcPr>
+                </a:tc>
+                <a:tc>
+                  <a:txBody>
+                    <a:bodyPr/>
+                    <a:lstStyle/>
+                    <a:p>
+                      <a:pPr algn="ctr">
+                        <a:lnSpc>
+                          <a:spcPct val="150000"/>
+                        </a:lnSpc>
+                        <a:spcAft>
+                          <a:spcPts val="0"/>
+                        </a:spcAft>
+                      </a:pPr>
+                      <a:r>
+                        <a:rPr lang="en-US" sz="1000" kern="100" dirty="0">
+                          <a:effectLst/>
+                        </a:rPr>
+                        <a:t>○</a:t>
+                      </a:r>
+                      <a:endParaRPr lang="ja-JP" sz="1000" kern="100" dirty="0">
+                        <a:effectLst/>
+                        <a:latin typeface="Century" panose="02040604050505020304" pitchFamily="18" charset="0"/>
+                        <a:ea typeface="ＭＳ 明朝" panose="02020609040205080304" pitchFamily="17" charset="-128"/>
+                        <a:cs typeface="Times New Roman" panose="02020603050405020304" pitchFamily="18" charset="0"/>
+                      </a:endParaRPr>
+                    </a:p>
+                  </a:txBody>
+                  <a:tcPr marL="68495" marR="68495" marT="0" marB="0" anchor="ctr">
+                    <a:solidFill>
                       <a:srgbClr val="E7E8EA"/>
                     </a:solidFill>
                   </a:tcPr>
@@ -23462,7 +21330,7 @@
                         <a:rPr lang="en-US" sz="1000" kern="100" dirty="0">
                           <a:effectLst/>
                         </a:rPr>
-                        <a:t>Cobbler driver</a:t>
+                        <a:t>DSC driver</a:t>
                       </a:r>
                       <a:r>
                         <a:rPr lang="ja-JP" sz="1000" kern="100" dirty="0">
@@ -23486,297 +21354,7 @@
                 </a:tc>
                 <a:extLst>
                   <a:ext uri="{0D108BD9-81ED-4DB2-BD59-A6C34878D82A}">
-                    <a16:rowId xmlns="" xmlns:a16="http://schemas.microsoft.com/office/drawing/2014/main" val="10014"/>
-                  </a:ext>
-                </a:extLst>
-              </a:tr>
-              <a:tr h="222140">
-                <a:tc>
-                  <a:txBody>
-                    <a:bodyPr/>
-                    <a:lstStyle/>
-                    <a:p>
-                      <a:pPr algn="just">
-                        <a:lnSpc>
-                          <a:spcPct val="150000"/>
-                        </a:lnSpc>
-                        <a:spcAft>
-                          <a:spcPts val="0"/>
-                        </a:spcAft>
-                      </a:pPr>
-                      <a:r>
-                        <a:rPr lang="en-US" sz="1000" kern="100" dirty="0">
-                          <a:effectLst/>
-                        </a:rPr>
-                        <a:t>openstack_driver</a:t>
-                      </a:r>
-                      <a:endParaRPr lang="ja-JP" sz="1000" kern="100" dirty="0">
-                        <a:effectLst/>
-                        <a:latin typeface="Century" panose="02040604050505020304" pitchFamily="18" charset="0"/>
-                        <a:ea typeface="ＭＳ 明朝" panose="02020609040205080304" pitchFamily="17" charset="-128"/>
-                        <a:cs typeface="Times New Roman" panose="02020603050405020304" pitchFamily="18" charset="0"/>
-                      </a:endParaRPr>
-                    </a:p>
-                  </a:txBody>
-                  <a:tcPr marL="68495" marR="68495" marT="0" marB="0" anchor="ctr">
-                    <a:solidFill>
-                      <a:srgbClr val="002B62"/>
-                    </a:solidFill>
-                  </a:tcPr>
-                </a:tc>
-                <a:tc>
-                  <a:txBody>
-                    <a:bodyPr/>
-                    <a:lstStyle/>
-                    <a:p>
-                      <a:pPr algn="ctr">
-                        <a:lnSpc>
-                          <a:spcPct val="150000"/>
-                        </a:lnSpc>
-                        <a:spcAft>
-                          <a:spcPts val="0"/>
-                        </a:spcAft>
-                      </a:pPr>
-                      <a:r>
-                        <a:rPr lang="en-US" sz="1000" kern="100" dirty="0">
-                          <a:effectLst/>
-                        </a:rPr>
-                        <a:t>○</a:t>
-                      </a:r>
-                      <a:endParaRPr lang="ja-JP" sz="1000" kern="100" dirty="0">
-                        <a:effectLst/>
-                        <a:latin typeface="Century" panose="02040604050505020304" pitchFamily="18" charset="0"/>
-                        <a:ea typeface="ＭＳ 明朝" panose="02020609040205080304" pitchFamily="17" charset="-128"/>
-                        <a:cs typeface="Times New Roman" panose="02020603050405020304" pitchFamily="18" charset="0"/>
-                      </a:endParaRPr>
-                    </a:p>
-                  </a:txBody>
-                  <a:tcPr marL="68495" marR="68495" marT="0" marB="0" anchor="ctr">
-                    <a:solidFill>
-                      <a:srgbClr val="CBCDD3"/>
-                    </a:solidFill>
-                  </a:tcPr>
-                </a:tc>
-                <a:tc>
-                  <a:txBody>
-                    <a:bodyPr/>
-                    <a:lstStyle/>
-                    <a:p>
-                      <a:pPr algn="ctr">
-                        <a:lnSpc>
-                          <a:spcPct val="150000"/>
-                        </a:lnSpc>
-                        <a:spcAft>
-                          <a:spcPts val="0"/>
-                        </a:spcAft>
-                      </a:pPr>
-                      <a:r>
-                        <a:rPr lang="en-US" sz="1000" kern="100" dirty="0">
-                          <a:effectLst/>
-                        </a:rPr>
-                        <a:t>no</a:t>
-                      </a:r>
-                      <a:endParaRPr lang="ja-JP" sz="1000" kern="100" dirty="0">
-                        <a:effectLst/>
-                        <a:latin typeface="Century" panose="02040604050505020304" pitchFamily="18" charset="0"/>
-                        <a:ea typeface="ＭＳ 明朝" panose="02020609040205080304" pitchFamily="17" charset="-128"/>
-                        <a:cs typeface="Times New Roman" panose="02020603050405020304" pitchFamily="18" charset="0"/>
-                      </a:endParaRPr>
-                    </a:p>
-                  </a:txBody>
-                  <a:tcPr marL="68495" marR="68495" marT="0" marB="0" anchor="ctr">
-                    <a:solidFill>
-                      <a:srgbClr val="CBCDD3"/>
-                    </a:solidFill>
-                  </a:tcPr>
-                </a:tc>
-                <a:tc>
-                  <a:txBody>
-                    <a:bodyPr/>
-                    <a:lstStyle/>
-                    <a:p>
-                      <a:pPr algn="just">
-                        <a:lnSpc>
-                          <a:spcPct val="150000"/>
-                        </a:lnSpc>
-                        <a:spcAft>
-                          <a:spcPts val="0"/>
-                        </a:spcAft>
-                      </a:pPr>
-                      <a:r>
-                        <a:rPr lang="en-US" sz="1000" kern="100" dirty="0">
-                          <a:effectLst/>
-                        </a:rPr>
-                        <a:t>OpenStack driver</a:t>
-                      </a:r>
-                      <a:r>
-                        <a:rPr lang="ja-JP" sz="1000" kern="100" dirty="0">
-                          <a:effectLst/>
-                        </a:rPr>
-                        <a:t>のインストール有無指定</a:t>
-                      </a:r>
-                      <a:endParaRPr lang="ja-JP" sz="1000" kern="100" dirty="0">
-                        <a:effectLst/>
-                        <a:latin typeface="Century" panose="02040604050505020304" pitchFamily="18" charset="0"/>
-                        <a:ea typeface="ＭＳ 明朝" panose="02020609040205080304" pitchFamily="17" charset="-128"/>
-                        <a:cs typeface="Times New Roman" panose="02020603050405020304" pitchFamily="18" charset="0"/>
-                      </a:endParaRPr>
-                    </a:p>
-                  </a:txBody>
-                  <a:tcPr marL="68495" marR="68495" marT="0" marB="0" anchor="ctr">
-                    <a:solidFill>
-                      <a:srgbClr val="CBCDD3"/>
-                    </a:solidFill>
-                  </a:tcPr>
-                </a:tc>
-                <a:extLst>
-                  <a:ext uri="{0D108BD9-81ED-4DB2-BD59-A6C34878D82A}">
-                    <a16:rowId xmlns="" xmlns:a16="http://schemas.microsoft.com/office/drawing/2014/main" val="10015"/>
-                  </a:ext>
-                </a:extLst>
-              </a:tr>
-              <a:tr h="222140">
-                <a:tc>
-                  <a:txBody>
-                    <a:bodyPr/>
-                    <a:lstStyle/>
-                    <a:p>
-                      <a:pPr algn="just">
-                        <a:lnSpc>
-                          <a:spcPct val="150000"/>
-                        </a:lnSpc>
-                        <a:spcAft>
-                          <a:spcPts val="0"/>
-                        </a:spcAft>
-                      </a:pPr>
-                      <a:r>
-                        <a:rPr lang="en-US" sz="1000" kern="100" dirty="0">
-                          <a:effectLst/>
-                        </a:rPr>
-                        <a:t>dsc_driver</a:t>
-                      </a:r>
-                      <a:endParaRPr lang="ja-JP" sz="1000" kern="100" dirty="0">
-                        <a:effectLst/>
-                        <a:latin typeface="Century" panose="02040604050505020304" pitchFamily="18" charset="0"/>
-                        <a:ea typeface="ＭＳ 明朝" panose="02020609040205080304" pitchFamily="17" charset="-128"/>
-                        <a:cs typeface="Times New Roman" panose="02020603050405020304" pitchFamily="18" charset="0"/>
-                      </a:endParaRPr>
-                    </a:p>
-                  </a:txBody>
-                  <a:tcPr marL="68495" marR="68495" marT="0" marB="0" anchor="ctr">
-                    <a:solidFill>
-                      <a:srgbClr val="002B62"/>
-                    </a:solidFill>
-                  </a:tcPr>
-                </a:tc>
-                <a:tc>
-                  <a:txBody>
-                    <a:bodyPr/>
-                    <a:lstStyle/>
-                    <a:p>
-                      <a:pPr algn="ctr">
-                        <a:lnSpc>
-                          <a:spcPct val="150000"/>
-                        </a:lnSpc>
-                        <a:spcAft>
-                          <a:spcPts val="0"/>
-                        </a:spcAft>
-                      </a:pPr>
-                      <a:r>
-                        <a:rPr lang="en-US" sz="1000" kern="100" dirty="0">
-                          <a:effectLst/>
-                        </a:rPr>
-                        <a:t>○</a:t>
-                      </a:r>
-                      <a:endParaRPr lang="ja-JP" sz="1000" kern="100" dirty="0">
-                        <a:effectLst/>
-                        <a:latin typeface="Century" panose="02040604050505020304" pitchFamily="18" charset="0"/>
-                        <a:ea typeface="ＭＳ 明朝" panose="02020609040205080304" pitchFamily="17" charset="-128"/>
-                        <a:cs typeface="Times New Roman" panose="02020603050405020304" pitchFamily="18" charset="0"/>
-                      </a:endParaRPr>
-                    </a:p>
-                  </a:txBody>
-                  <a:tcPr marL="68495" marR="68495" marT="0" marB="0" anchor="ctr">
-                    <a:solidFill>
-                      <a:srgbClr val="E7E8EA"/>
-                    </a:solidFill>
-                  </a:tcPr>
-                </a:tc>
-                <a:tc>
-                  <a:txBody>
-                    <a:bodyPr/>
-                    <a:lstStyle/>
-                    <a:p>
-                      <a:pPr algn="ctr">
-                        <a:lnSpc>
-                          <a:spcPct val="150000"/>
-                        </a:lnSpc>
-                        <a:spcAft>
-                          <a:spcPts val="0"/>
-                        </a:spcAft>
-                      </a:pPr>
-                      <a:r>
-                        <a:rPr lang="en-US" sz="1000" kern="100" dirty="0">
-                          <a:effectLst/>
-                        </a:rPr>
-                        <a:t>no</a:t>
-                      </a:r>
-                      <a:endParaRPr lang="ja-JP" sz="1000" kern="100" dirty="0">
-                        <a:effectLst/>
-                        <a:latin typeface="Century" panose="02040604050505020304" pitchFamily="18" charset="0"/>
-                        <a:ea typeface="ＭＳ 明朝" panose="02020609040205080304" pitchFamily="17" charset="-128"/>
-                        <a:cs typeface="Times New Roman" panose="02020603050405020304" pitchFamily="18" charset="0"/>
-                      </a:endParaRPr>
-                    </a:p>
-                  </a:txBody>
-                  <a:tcPr marL="68495" marR="68495" marT="0" marB="0" anchor="ctr">
-                    <a:solidFill>
-                      <a:srgbClr val="E7E8EA"/>
-                    </a:solidFill>
-                  </a:tcPr>
-                </a:tc>
-                <a:tc>
-                  <a:txBody>
-                    <a:bodyPr/>
-                    <a:lstStyle/>
-                    <a:p>
-                      <a:pPr algn="just">
-                        <a:lnSpc>
-                          <a:spcPct val="150000"/>
-                        </a:lnSpc>
-                        <a:spcAft>
-                          <a:spcPts val="0"/>
-                        </a:spcAft>
-                      </a:pPr>
-                      <a:r>
-                        <a:rPr lang="en-US" sz="1000" kern="100" dirty="0">
-                          <a:effectLst/>
-                        </a:rPr>
-                        <a:t>DSC driver</a:t>
-                      </a:r>
-                      <a:r>
-                        <a:rPr lang="ja-JP" sz="1000" kern="100" dirty="0">
-                          <a:effectLst/>
-                        </a:rPr>
-                        <a:t>のインストール有無指定</a:t>
-                      </a:r>
-                      <a:endParaRPr lang="ja-JP" sz="1000" kern="100" dirty="0">
-                        <a:effectLst/>
-                        <a:latin typeface="Century" panose="02040604050505020304" pitchFamily="18" charset="0"/>
-                        <a:ea typeface="ＭＳ 明朝" panose="02020609040205080304" pitchFamily="17" charset="-128"/>
-                        <a:cs typeface="Times New Roman" panose="02020603050405020304" pitchFamily="18" charset="0"/>
-                      </a:endParaRPr>
-                    </a:p>
-                  </a:txBody>
-                  <a:tcPr marL="68495" marR="68495" marT="0" marB="0" anchor="ctr">
-                    <a:solidFill>
-                      <a:srgbClr val="E7E8EA"/>
-                    </a:solidFill>
-                  </a:tcPr>
-                </a:tc>
-                <a:extLst>
-                  <a:ext uri="{0D108BD9-81ED-4DB2-BD59-A6C34878D82A}">
-                    <a16:rowId xmlns="" xmlns:a16="http://schemas.microsoft.com/office/drawing/2014/main" val="10016"/>
+                    <a16:rowId xmlns:a16="http://schemas.microsoft.com/office/drawing/2014/main" val="10016"/>
                   </a:ext>
                 </a:extLst>
               </a:tr>
@@ -24443,8 +22021,49 @@
                 <a:ea typeface="ＭＳ 明朝" panose="02020609040205080304" pitchFamily="17" charset="-128"/>
                 <a:cs typeface="Times New Roman" panose="02020603050405020304" pitchFamily="18" charset="0"/>
               </a:rPr>
-              <a:t># Select Operation System. ("RHEL6" or "RHEL7")</a:t>
-            </a:r>
+              <a:t># Select Operation System. ("</a:t>
+            </a:r>
+            <a:r>
+              <a:rPr kumimoji="0" lang="en-US" sz="900" kern="100" dirty="0" smtClean="0">
+                <a:solidFill>
+                  <a:sysClr val="window" lastClr="FFFFFF"/>
+                </a:solidFill>
+                <a:latin typeface="Arial" panose="020B0604020202020204" pitchFamily="34" charset="0"/>
+                <a:ea typeface="ＭＳ 明朝" panose="02020609040205080304" pitchFamily="17" charset="-128"/>
+                <a:cs typeface="Times New Roman" panose="02020603050405020304" pitchFamily="18" charset="0"/>
+              </a:rPr>
+              <a:t>RHEL7" </a:t>
+            </a:r>
+            <a:r>
+              <a:rPr kumimoji="0" lang="en-US" sz="900" kern="100" dirty="0">
+                <a:solidFill>
+                  <a:sysClr val="window" lastClr="FFFFFF"/>
+                </a:solidFill>
+                <a:latin typeface="Arial" panose="020B0604020202020204" pitchFamily="34" charset="0"/>
+                <a:ea typeface="ＭＳ 明朝" panose="02020609040205080304" pitchFamily="17" charset="-128"/>
+                <a:cs typeface="Times New Roman" panose="02020603050405020304" pitchFamily="18" charset="0"/>
+              </a:rPr>
+              <a:t>or "</a:t>
+            </a:r>
+            <a:r>
+              <a:rPr kumimoji="0" lang="en-US" sz="900" kern="100" dirty="0" smtClean="0">
+                <a:solidFill>
+                  <a:sysClr val="window" lastClr="FFFFFF"/>
+                </a:solidFill>
+                <a:latin typeface="Arial" panose="020B0604020202020204" pitchFamily="34" charset="0"/>
+                <a:ea typeface="ＭＳ 明朝" panose="02020609040205080304" pitchFamily="17" charset="-128"/>
+                <a:cs typeface="Times New Roman" panose="02020603050405020304" pitchFamily="18" charset="0"/>
+              </a:rPr>
+              <a:t>RHEL8")</a:t>
+            </a:r>
+            <a:endParaRPr kumimoji="0" lang="en-US" sz="900" kern="100" dirty="0">
+              <a:solidFill>
+                <a:sysClr val="window" lastClr="FFFFFF"/>
+              </a:solidFill>
+              <a:latin typeface="Arial" panose="020B0604020202020204" pitchFamily="34" charset="0"/>
+              <a:ea typeface="ＭＳ 明朝" panose="02020609040205080304" pitchFamily="17" charset="-128"/>
+              <a:cs typeface="Times New Roman" panose="02020603050405020304" pitchFamily="18" charset="0"/>
+            </a:endParaRPr>
           </a:p>
           <a:p>
             <a:pPr lvl="0">
@@ -24484,8 +22103,27 @@
                 <a:ea typeface="ＭＳ 明朝" panose="02020609040205080304" pitchFamily="17" charset="-128"/>
                 <a:cs typeface="Times New Roman" panose="02020603050405020304" pitchFamily="18" charset="0"/>
               </a:rPr>
-              <a:t>) ita_os:RHEL7</a:t>
-            </a:r>
+              <a:t>) </a:t>
+            </a:r>
+            <a:r>
+              <a:rPr kumimoji="0" lang="en-US" sz="900" kern="100" dirty="0" smtClean="0">
+                <a:solidFill>
+                  <a:sysClr val="window" lastClr="FFFFFF"/>
+                </a:solidFill>
+                <a:latin typeface="Arial" panose="020B0604020202020204" pitchFamily="34" charset="0"/>
+                <a:ea typeface="ＭＳ 明朝" panose="02020609040205080304" pitchFamily="17" charset="-128"/>
+                <a:cs typeface="Times New Roman" panose="02020603050405020304" pitchFamily="18" charset="0"/>
+              </a:rPr>
+              <a:t>ita_os:RHEL8</a:t>
+            </a:r>
+            <a:endParaRPr kumimoji="0" lang="en-US" sz="900" kern="100" dirty="0">
+              <a:solidFill>
+                <a:sysClr val="window" lastClr="FFFFFF"/>
+              </a:solidFill>
+              <a:latin typeface="Arial" panose="020B0604020202020204" pitchFamily="34" charset="0"/>
+              <a:ea typeface="ＭＳ 明朝" panose="02020609040205080304" pitchFamily="17" charset="-128"/>
+              <a:cs typeface="Times New Roman" panose="02020603050405020304" pitchFamily="18" charset="0"/>
+            </a:endParaRPr>
           </a:p>
           <a:p>
             <a:pPr lvl="0">
@@ -26040,8 +23678,12 @@
               <a:buNone/>
             </a:pPr>
             <a:r>
+              <a:rPr lang="en-US" altLang="ja-JP" sz="1600" dirty="0"/>
+              <a:t>#</a:t>
+            </a:r>
+            <a:r>
               <a:rPr lang="en-US" altLang="ja-JP" sz="1600" dirty="0" smtClean="0"/>
-              <a:t>$ </a:t>
+              <a:t> </a:t>
             </a:r>
             <a:r>
               <a:rPr lang="en-US" altLang="ja-JP" sz="1600" kern="100" dirty="0" smtClean="0"/>
@@ -27082,14 +24724,14 @@
           <p:nvPr>
             <p:extLst>
               <p:ext uri="{D42A27DB-BD31-4B8C-83A1-F6EECF244321}">
-                <p14:modId xmlns:p14="http://schemas.microsoft.com/office/powerpoint/2010/main" val="3744251435"/>
+                <p14:modId xmlns:p14="http://schemas.microsoft.com/office/powerpoint/2010/main" val="3353648575"/>
               </p:ext>
             </p:extLst>
           </p:nvPr>
         </p:nvGraphicFramePr>
         <p:xfrm>
           <a:off x="631300" y="1700760"/>
-          <a:ext cx="6569989" cy="4599261"/>
+          <a:ext cx="6569989" cy="3920492"/>
         </p:xfrm>
         <a:graphic>
           <a:graphicData uri="http://schemas.openxmlformats.org/drawingml/2006/table">
@@ -27101,21 +24743,21 @@
                 <a:gridCol w="1800249">
                   <a:extLst>
                     <a:ext uri="{9D8B030D-6E8A-4147-A177-3AD203B41FA5}">
-                      <a16:colId xmlns="" xmlns:a16="http://schemas.microsoft.com/office/drawing/2014/main" val="20000"/>
+                      <a16:colId xmlns:a16="http://schemas.microsoft.com/office/drawing/2014/main" val="20000"/>
                     </a:ext>
                   </a:extLst>
                 </a:gridCol>
                 <a:gridCol w="1514417">
                   <a:extLst>
                     <a:ext uri="{9D8B030D-6E8A-4147-A177-3AD203B41FA5}">
-                      <a16:colId xmlns="" xmlns:a16="http://schemas.microsoft.com/office/drawing/2014/main" val="20001"/>
+                      <a16:colId xmlns:a16="http://schemas.microsoft.com/office/drawing/2014/main" val="20001"/>
                     </a:ext>
                   </a:extLst>
                 </a:gridCol>
                 <a:gridCol w="3255323">
                   <a:extLst>
                     <a:ext uri="{9D8B030D-6E8A-4147-A177-3AD203B41FA5}">
-                      <a16:colId xmlns="" xmlns:a16="http://schemas.microsoft.com/office/drawing/2014/main" val="20002"/>
+                      <a16:colId xmlns:a16="http://schemas.microsoft.com/office/drawing/2014/main" val="20002"/>
                     </a:ext>
                   </a:extLst>
                 </a:gridCol>
@@ -27213,7 +24855,7 @@
                 </a:tc>
                 <a:extLst>
                   <a:ext uri="{0D108BD9-81ED-4DB2-BD59-A6C34878D82A}">
-                    <a16:rowId xmlns="" xmlns:a16="http://schemas.microsoft.com/office/drawing/2014/main" val="10000"/>
+                    <a16:rowId xmlns:a16="http://schemas.microsoft.com/office/drawing/2014/main" val="10000"/>
                   </a:ext>
                 </a:extLst>
               </a:tr>
@@ -27289,22 +24931,52 @@
                         </a:spcAft>
                       </a:pPr>
                       <a:r>
-                        <a:rPr lang="en-US" sz="1050" kern="100" dirty="0">
-                          <a:effectLst/>
-                        </a:rPr>
-                        <a:t>yum-utils</a:t>
-                      </a:r>
-                      <a:r>
-                        <a:rPr lang="ja-JP" sz="1050" kern="100" dirty="0">
+                        <a:rPr lang="en-US" altLang="ja-JP" sz="1050" kern="100" dirty="0" smtClean="0">
+                          <a:effectLst/>
+                        </a:rPr>
+                        <a:t>yum-</a:t>
+                      </a:r>
+                      <a:r>
+                        <a:rPr lang="en-US" altLang="ja-JP" sz="1050" kern="100" dirty="0" err="1" smtClean="0">
+                          <a:effectLst/>
+                        </a:rPr>
+                        <a:t>utils</a:t>
+                      </a:r>
+                      <a:r>
+                        <a:rPr lang="en-US" altLang="ja-JP" sz="1050" kern="100" dirty="0" smtClean="0">
+                          <a:effectLst/>
+                        </a:rPr>
+                        <a:t>(※)</a:t>
+                      </a:r>
+                      <a:r>
+                        <a:rPr lang="ja-JP" altLang="ja-JP" sz="1050" kern="100" dirty="0" err="1" smtClean="0">
                           <a:effectLst/>
                         </a:rPr>
                         <a:t>、</a:t>
                       </a:r>
                       <a:r>
-                        <a:rPr lang="en-US" sz="1050" kern="100" dirty="0">
+                        <a:rPr lang="en-US" sz="1050" kern="100" dirty="0" err="1" smtClean="0">
                           <a:effectLst/>
                         </a:rPr>
                         <a:t>createrepo</a:t>
+                      </a:r>
+                      <a:r>
+                        <a:rPr lang="en-US" sz="1050" kern="100" dirty="0" smtClean="0">
+                          <a:effectLst/>
+                        </a:rPr>
+                        <a:t>(</a:t>
+                      </a:r>
+                      <a:r>
+                        <a:rPr lang="en-US" altLang="ja-JP" sz="1050" kern="100" dirty="0" smtClean="0">
+                          <a:effectLst/>
+                        </a:rPr>
+                        <a:t>※</a:t>
+                      </a:r>
+                      <a:r>
+                        <a:rPr lang="en-US" sz="1050" kern="100" dirty="0" smtClean="0">
+                          <a:effectLst/>
+                        </a:rPr>
+                        <a:t>)</a:t>
                       </a:r>
                       <a:endParaRPr lang="ja-JP" sz="1050" kern="100" dirty="0">
                         <a:effectLst/>
@@ -27322,7 +24994,7 @@
                 </a:tc>
                 <a:extLst>
                   <a:ext uri="{0D108BD9-81ED-4DB2-BD59-A6C34878D82A}">
-                    <a16:rowId xmlns="" xmlns:a16="http://schemas.microsoft.com/office/drawing/2014/main" val="10001"/>
+                    <a16:rowId xmlns:a16="http://schemas.microsoft.com/office/drawing/2014/main" val="10001"/>
                   </a:ext>
                 </a:extLst>
               </a:tr>
@@ -27461,7 +25133,7 @@
                 </a:tc>
                 <a:extLst>
                   <a:ext uri="{0D108BD9-81ED-4DB2-BD59-A6C34878D82A}">
-                    <a16:rowId xmlns="" xmlns:a16="http://schemas.microsoft.com/office/drawing/2014/main" val="10002"/>
+                    <a16:rowId xmlns:a16="http://schemas.microsoft.com/office/drawing/2014/main" val="10002"/>
                   </a:ext>
                 </a:extLst>
               </a:tr>
@@ -27597,7 +25269,7 @@
                 </a:tc>
                 <a:extLst>
                   <a:ext uri="{0D108BD9-81ED-4DB2-BD59-A6C34878D82A}">
-                    <a16:rowId xmlns="" xmlns:a16="http://schemas.microsoft.com/office/drawing/2014/main" val="10003"/>
+                    <a16:rowId xmlns:a16="http://schemas.microsoft.com/office/drawing/2014/main" val="10003"/>
                   </a:ext>
                 </a:extLst>
               </a:tr>
@@ -27706,7 +25378,7 @@
                 </a:tc>
                 <a:extLst>
                   <a:ext uri="{0D108BD9-81ED-4DB2-BD59-A6C34878D82A}">
-                    <a16:rowId xmlns="" xmlns:a16="http://schemas.microsoft.com/office/drawing/2014/main" val="10004"/>
+                    <a16:rowId xmlns:a16="http://schemas.microsoft.com/office/drawing/2014/main" val="10004"/>
                   </a:ext>
                 </a:extLst>
               </a:tr>
@@ -27776,10 +25448,22 @@
                     <a:bodyPr/>
                     <a:lstStyle/>
                     <a:p>
-                      <a:pPr algn="just">
+                      <a:pPr marL="0" marR="0" lvl="0" indent="0" algn="just" defTabSz="914400" rtl="0" eaLnBrk="1" fontAlgn="auto" latinLnBrk="0" hangingPunct="1">
+                        <a:lnSpc>
+                          <a:spcPct val="100000"/>
+                        </a:lnSpc>
+                        <a:spcBef>
+                          <a:spcPts val="0"/>
+                        </a:spcBef>
                         <a:spcAft>
                           <a:spcPts val="0"/>
                         </a:spcAft>
+                        <a:buClrTx/>
+                        <a:buSzTx/>
+                        <a:buFontTx/>
+                        <a:buNone/>
+                        <a:tabLst/>
+                        <a:defRPr/>
                       </a:pPr>
                       <a:r>
                         <a:rPr lang="en-US" sz="1050" kern="100" dirty="0">
@@ -27923,18 +25607,96 @@
                         <a:t>php-snmp</a:t>
                       </a:r>
                       <a:r>
-                        <a:rPr lang="ja-JP" sz="1050" kern="100" dirty="0">
+                        <a:rPr lang="ja-JP" sz="1050" kern="100" dirty="0" err="1">
                           <a:effectLst/>
                         </a:rPr>
                         <a:t>、</a:t>
                       </a:r>
                       <a:r>
-                        <a:rPr lang="en-US" sz="1050" kern="100" dirty="0">
-                          <a:effectLst/>
-                        </a:rPr>
-                        <a:t>php-xml</a:t>
-                      </a:r>
-                      <a:endParaRPr lang="ja-JP" sz="1050" kern="100" dirty="0">
+                        <a:rPr lang="en-US" sz="1050" kern="100" dirty="0" err="1" smtClean="0">
+                          <a:effectLst/>
+                        </a:rPr>
+                        <a:t>php</a:t>
+                      </a:r>
+                      <a:r>
+                        <a:rPr lang="en-US" sz="1050" kern="100" dirty="0" smtClean="0">
+                          <a:effectLst/>
+                        </a:rPr>
+                        <a:t>-xml</a:t>
+                      </a:r>
+                      <a:r>
+                        <a:rPr lang="ja-JP" altLang="en-US" sz="1050" kern="100" dirty="0" err="1" smtClean="0">
+                          <a:effectLst/>
+                        </a:rPr>
+                        <a:t>、</a:t>
+                      </a:r>
+                      <a:r>
+                        <a:rPr lang="en-US" altLang="ja-JP" sz="1050" kern="100" dirty="0" err="1" smtClean="0">
+                          <a:effectLst/>
+                        </a:rPr>
+                        <a:t>php-json</a:t>
+                      </a:r>
+                      <a:r>
+                        <a:rPr lang="ja-JP" altLang="en-US" sz="1050" kern="100" dirty="0" err="1" smtClean="0">
+                          <a:effectLst/>
+                        </a:rPr>
+                        <a:t>、</a:t>
+                      </a:r>
+                      <a:r>
+                        <a:rPr lang="en-US" altLang="ja-JP" sz="1050" kern="100" dirty="0" smtClean="0">
+                          <a:effectLst/>
+                        </a:rPr>
+                        <a:t> </a:t>
+                      </a:r>
+                      <a:r>
+                        <a:rPr lang="en-US" altLang="ja-JP" sz="1050" kern="100" dirty="0" err="1" smtClean="0">
+                          <a:effectLst/>
+                        </a:rPr>
+                        <a:t>php</a:t>
+                      </a:r>
+                      <a:r>
+                        <a:rPr lang="en-US" altLang="ja-JP" sz="1050" kern="100" dirty="0" smtClean="0">
+                          <a:effectLst/>
+                        </a:rPr>
+                        <a:t>-zip</a:t>
+                      </a:r>
+                      <a:r>
+                        <a:rPr lang="ja-JP" altLang="en-US" sz="1050" kern="100" dirty="0" err="1" smtClean="0">
+                          <a:effectLst/>
+                        </a:rPr>
+                        <a:t>、</a:t>
+                      </a:r>
+                      <a:r>
+                        <a:rPr lang="en-US" altLang="ja-JP" sz="1050" kern="100" dirty="0" smtClean="0">
+                          <a:effectLst/>
+                        </a:rPr>
+                        <a:t> </a:t>
+                      </a:r>
+                      <a:r>
+                        <a:rPr lang="en-US" altLang="ja-JP" sz="1050" kern="100" dirty="0" err="1" smtClean="0">
+                          <a:effectLst/>
+                        </a:rPr>
+                        <a:t>php-gd</a:t>
+                      </a:r>
+                      <a:r>
+                        <a:rPr lang="ja-JP" altLang="en-US" sz="1050" kern="100" dirty="0" err="1" smtClean="0">
+                          <a:effectLst/>
+                        </a:rPr>
+                        <a:t>、</a:t>
+                      </a:r>
+                      <a:r>
+                        <a:rPr lang="ja-JP" altLang="en-US" sz="1050" kern="100" dirty="0" smtClean="0">
+                          <a:effectLst/>
+                        </a:rPr>
+                        <a:t> </a:t>
+                      </a:r>
+                      <a:r>
+                        <a:rPr lang="en-US" altLang="ja-JP" sz="1050" kern="100" dirty="0" smtClean="0">
+                          <a:effectLst/>
+                        </a:rPr>
+                        <a:t>Python3</a:t>
+                      </a:r>
+                      <a:endParaRPr lang="ja-JP" altLang="ja-JP" sz="1050" kern="100" dirty="0" smtClean="0">
                         <a:effectLst/>
                         <a:latin typeface="Century" panose="02040604050505020304" pitchFamily="18" charset="0"/>
                         <a:ea typeface="ＭＳ 明朝" panose="02020609040205080304" pitchFamily="17" charset="-128"/>
@@ -27950,7 +25712,7 @@
                 </a:tc>
                 <a:extLst>
                   <a:ext uri="{0D108BD9-81ED-4DB2-BD59-A6C34878D82A}">
-                    <a16:rowId xmlns="" xmlns:a16="http://schemas.microsoft.com/office/drawing/2014/main" val="10005"/>
+                    <a16:rowId xmlns:a16="http://schemas.microsoft.com/office/drawing/2014/main" val="10005"/>
                   </a:ext>
                 </a:extLst>
               </a:tr>
@@ -28026,33 +25788,62 @@
                     <a:bodyPr/>
                     <a:lstStyle/>
                     <a:p>
-                      <a:pPr algn="just" latinLnBrk="1">
+                      <a:pPr marL="0" marR="0" lvl="0" indent="0" algn="just" defTabSz="914400" rtl="0" eaLnBrk="1" fontAlgn="auto" latinLnBrk="1" hangingPunct="1">
+                        <a:lnSpc>
+                          <a:spcPct val="100000"/>
+                        </a:lnSpc>
+                        <a:spcBef>
+                          <a:spcPts val="0"/>
+                        </a:spcBef>
                         <a:spcAft>
                           <a:spcPts val="0"/>
                         </a:spcAft>
+                        <a:buClrTx/>
+                        <a:buSzTx/>
+                        <a:buFontTx/>
+                        <a:buNone/>
                         <a:tabLst>
                           <a:tab pos="1219835" algn="ctr"/>
                         </a:tabLst>
+                        <a:defRPr/>
                       </a:pPr>
                       <a:r>
+                        <a:rPr lang="en-US" sz="1050" kern="100" dirty="0" err="1" smtClean="0">
+                          <a:effectLst/>
+                        </a:rPr>
+                        <a:t>Spyc</a:t>
+                      </a:r>
+                      <a:r>
+                        <a:rPr lang="en-US" sz="1050" kern="100" dirty="0" smtClean="0">
+                          <a:effectLst/>
+                        </a:rPr>
+                        <a:t>, </a:t>
+                      </a:r>
+                      <a:r>
                         <a:rPr lang="en-US" sz="1050" kern="100" dirty="0">
                           <a:effectLst/>
                         </a:rPr>
-                        <a:t>PHPExcel, Spyc, Twig</a:t>
+                        <a:t>Auth, </a:t>
                       </a:r>
                       <a:r>
                         <a:rPr lang="en-US" sz="1050" kern="100" dirty="0" smtClean="0">
                           <a:effectLst/>
                         </a:rPr>
-                        <a:t>, </a:t>
-                      </a:r>
-                      <a:r>
-                        <a:rPr lang="en-US" sz="1050" kern="100" dirty="0">
-                          <a:effectLst/>
-                        </a:rPr>
-                        <a:t>Auth, HTML_AJAX-beta</a:t>
-                      </a:r>
-                      <a:endParaRPr lang="ja-JP" sz="1050" kern="100" dirty="0">
+                        <a:t>HTML_AJAX-beta</a:t>
+                      </a:r>
+                      <a:r>
+                        <a:rPr lang="ja-JP" altLang="en-US" sz="1050" kern="100" dirty="0" err="1" smtClean="0">
+                          <a:effectLst/>
+                        </a:rPr>
+                        <a:t>、</a:t>
+                      </a:r>
+                      <a:r>
+                        <a:rPr lang="en-US" altLang="ja-JP" sz="1050" kern="100" dirty="0" err="1" smtClean="0">
+                          <a:effectLst/>
+                        </a:rPr>
+                        <a:t>PhpSpreadsheet</a:t>
+                      </a:r>
+                      <a:endParaRPr lang="ja-JP" altLang="ja-JP" sz="1050" kern="100" dirty="0" smtClean="0">
                         <a:effectLst/>
                         <a:latin typeface="Century" panose="02040604050505020304" pitchFamily="18" charset="0"/>
                         <a:ea typeface="ＭＳ 明朝" panose="02020609040205080304" pitchFamily="17" charset="-128"/>
@@ -28068,7 +25859,7 @@
                 </a:tc>
                 <a:extLst>
                   <a:ext uri="{0D108BD9-81ED-4DB2-BD59-A6C34878D82A}">
-                    <a16:rowId xmlns="" xmlns:a16="http://schemas.microsoft.com/office/drawing/2014/main" val="10006"/>
+                    <a16:rowId xmlns:a16="http://schemas.microsoft.com/office/drawing/2014/main" val="10006"/>
                   </a:ext>
                 </a:extLst>
               </a:tr>
@@ -28144,10 +25935,10 @@
                         </a:spcAft>
                       </a:pPr>
                       <a:r>
-                        <a:rPr lang="en-US" sz="1050" kern="100" dirty="0">
-                          <a:effectLst/>
-                        </a:rPr>
-                        <a:t>git</a:t>
+                        <a:rPr lang="en-US" sz="1050" kern="100" dirty="0" err="1" smtClean="0">
+                          <a:effectLst/>
+                        </a:rPr>
+                        <a:t>Git</a:t>
                       </a:r>
                       <a:endParaRPr lang="ja-JP" sz="1050" kern="100" dirty="0">
                         <a:effectLst/>
@@ -28165,7 +25956,7 @@
                 </a:tc>
                 <a:extLst>
                   <a:ext uri="{0D108BD9-81ED-4DB2-BD59-A6C34878D82A}">
-                    <a16:rowId xmlns="" xmlns:a16="http://schemas.microsoft.com/office/drawing/2014/main" val="10007"/>
+                    <a16:rowId xmlns:a16="http://schemas.microsoft.com/office/drawing/2014/main" val="10007"/>
                   </a:ext>
                 </a:extLst>
               </a:tr>
@@ -28241,22 +26032,22 @@
                         </a:spcAft>
                       </a:pPr>
                       <a:r>
-                        <a:rPr lang="en-US" sz="1050" kern="100" dirty="0">
+                        <a:rPr lang="en-US" sz="1050" kern="100" dirty="0" err="1">
                           <a:effectLst/>
                         </a:rPr>
                         <a:t>ansible</a:t>
                       </a:r>
                       <a:r>
-                        <a:rPr lang="ja-JP" sz="1050" kern="100" dirty="0">
+                        <a:rPr lang="ja-JP" sz="1050" kern="100" dirty="0" err="1" smtClean="0">
                           <a:effectLst/>
                         </a:rPr>
                         <a:t>、</a:t>
                       </a:r>
                       <a:r>
-                        <a:rPr lang="en-US" sz="1050" kern="100" dirty="0">
-                          <a:effectLst/>
-                        </a:rPr>
-                        <a:t>python-pip</a:t>
+                        <a:rPr lang="en-US" altLang="ja-JP" sz="1050" kern="100" dirty="0" err="1" smtClean="0">
+                          <a:effectLst/>
+                        </a:rPr>
+                        <a:t>sshpass</a:t>
                       </a:r>
                       <a:endParaRPr lang="ja-JP" sz="1050" kern="100" dirty="0">
                         <a:effectLst/>
@@ -28274,185 +26065,7 @@
                 </a:tc>
                 <a:extLst>
                   <a:ext uri="{0D108BD9-81ED-4DB2-BD59-A6C34878D82A}">
-                    <a16:rowId xmlns="" xmlns:a16="http://schemas.microsoft.com/office/drawing/2014/main" val="10008"/>
-                  </a:ext>
-                </a:extLst>
-              </a:tr>
-              <a:tr h="678769">
-                <a:tc>
-                  <a:txBody>
-                    <a:bodyPr/>
-                    <a:lstStyle/>
-                    <a:p>
-                      <a:pPr algn="just">
-                        <a:spcAft>
-                          <a:spcPts val="0"/>
-                        </a:spcAft>
-                      </a:pPr>
-                      <a:r>
-                        <a:rPr lang="en-US" sz="1000" kern="100" dirty="0">
-                          <a:effectLst/>
-                        </a:rPr>
-                        <a:t>cobbler_driver</a:t>
-                      </a:r>
-                      <a:endParaRPr lang="ja-JP" sz="1000" kern="100" dirty="0">
-                        <a:effectLst/>
-                        <a:latin typeface="Century" panose="02040604050505020304" pitchFamily="18" charset="0"/>
-                        <a:ea typeface="ＭＳ 明朝" panose="02020609040205080304" pitchFamily="17" charset="-128"/>
-                        <a:cs typeface="Times New Roman" panose="02020603050405020304" pitchFamily="18" charset="0"/>
-                      </a:endParaRPr>
-                    </a:p>
-                  </a:txBody>
-                  <a:tcPr marL="68580" marR="68580" marT="0" marB="0" anchor="ctr">
-                    <a:solidFill>
-                      <a:srgbClr val="002B62"/>
-                    </a:solidFill>
-                  </a:tcPr>
-                </a:tc>
-                <a:tc>
-                  <a:txBody>
-                    <a:bodyPr/>
-                    <a:lstStyle/>
-                    <a:p>
-                      <a:pPr algn="just">
-                        <a:spcAft>
-                          <a:spcPts val="0"/>
-                        </a:spcAft>
-                      </a:pPr>
-                      <a:r>
-                        <a:rPr lang="en-US" sz="1050" kern="100" dirty="0">
-                          <a:effectLst/>
-                        </a:rPr>
-                        <a:t>cobbler</a:t>
-                      </a:r>
-                      <a:endParaRPr lang="ja-JP" sz="1050" kern="100" dirty="0">
-                        <a:effectLst/>
-                        <a:latin typeface="Century" panose="02040604050505020304" pitchFamily="18" charset="0"/>
-                        <a:ea typeface="ＭＳ 明朝" panose="02020609040205080304" pitchFamily="17" charset="-128"/>
-                        <a:cs typeface="Times New Roman" panose="02020603050405020304" pitchFamily="18" charset="0"/>
-                      </a:endParaRPr>
-                    </a:p>
-                  </a:txBody>
-                  <a:tcPr marL="68580" marR="68580" marT="0" marB="0" anchor="ctr">
-                    <a:solidFill>
-                      <a:srgbClr val="CBCDD3"/>
-                    </a:solidFill>
-                  </a:tcPr>
-                </a:tc>
-                <a:tc>
-                  <a:txBody>
-                    <a:bodyPr/>
-                    <a:lstStyle/>
-                    <a:p>
-                      <a:pPr algn="just">
-                        <a:spcAft>
-                          <a:spcPts val="0"/>
-                        </a:spcAft>
-                      </a:pPr>
-                      <a:r>
-                        <a:rPr lang="en-US" sz="1050" kern="100" dirty="0" smtClean="0">
-                          <a:effectLst/>
-                        </a:rPr>
-                        <a:t>cobbler</a:t>
-                      </a:r>
-                      <a:r>
-                        <a:rPr lang="ja-JP" sz="1050" kern="100" dirty="0" smtClean="0">
-                          <a:effectLst/>
-                        </a:rPr>
-                        <a:t>、</a:t>
-                      </a:r>
-                      <a:r>
-                        <a:rPr lang="en-US" sz="1050" kern="100" dirty="0" smtClean="0">
-                          <a:effectLst/>
-                        </a:rPr>
-                        <a:t>dhcp</a:t>
-                      </a:r>
-                      <a:r>
-                        <a:rPr lang="ja-JP" sz="1050" kern="100" dirty="0">
-                          <a:effectLst/>
-                        </a:rPr>
-                        <a:t>、</a:t>
-                      </a:r>
-                      <a:r>
-                        <a:rPr lang="en-US" sz="1050" kern="100" dirty="0">
-                          <a:effectLst/>
-                        </a:rPr>
-                        <a:t>pykickstart</a:t>
-                      </a:r>
-                      <a:r>
-                        <a:rPr lang="ja-JP" sz="1050" kern="100" dirty="0">
-                          <a:effectLst/>
-                        </a:rPr>
-                        <a:t>、</a:t>
-                      </a:r>
-                      <a:r>
-                        <a:rPr lang="en-US" sz="1050" kern="100" dirty="0" smtClean="0">
-                          <a:effectLst/>
-                        </a:rPr>
-                        <a:t>fence-agents</a:t>
-                      </a:r>
-                      <a:r>
-                        <a:rPr lang="ja-JP" sz="1050" kern="100" dirty="0" smtClean="0">
-                          <a:effectLst/>
-                        </a:rPr>
-                        <a:t>、</a:t>
-                      </a:r>
-                      <a:r>
-                        <a:rPr lang="en-US" sz="1050" kern="100" dirty="0" smtClean="0">
-                          <a:effectLst/>
-                        </a:rPr>
-                        <a:t>debmirror</a:t>
-                      </a:r>
-                      <a:r>
-                        <a:rPr lang="ja-JP" sz="1050" kern="100" dirty="0">
-                          <a:effectLst/>
-                        </a:rPr>
-                        <a:t>、</a:t>
-                      </a:r>
-                      <a:r>
-                        <a:rPr lang="en-US" sz="1050" kern="100" dirty="0" smtClean="0">
-                          <a:effectLst/>
-                        </a:rPr>
-                        <a:t>xinetd</a:t>
-                      </a:r>
-                      <a:r>
-                        <a:rPr lang="ja-JP" altLang="en-US" sz="1050" kern="100" dirty="0" smtClean="0">
-                          <a:effectLst/>
-                        </a:rPr>
-                        <a:t>、</a:t>
-                      </a:r>
-                      <a:r>
-                        <a:rPr lang="en-US" altLang="ja-JP" sz="1050" kern="100" dirty="0" smtClean="0">
-                          <a:effectLst/>
-                        </a:rPr>
-                        <a:t>cobbler-web(※1)</a:t>
-                      </a:r>
-                      <a:r>
-                        <a:rPr lang="ja-JP" altLang="ja-JP" sz="1050" kern="100" dirty="0" smtClean="0">
-                          <a:effectLst/>
-                        </a:rPr>
-                        <a:t>、</a:t>
-                      </a:r>
-                      <a:r>
-                        <a:rPr lang="en-US" altLang="ja-JP" sz="1050" kern="100" dirty="0" smtClean="0">
-                          <a:effectLst/>
-                        </a:rPr>
-                        <a:t>python-cheetah(※2)</a:t>
-                      </a:r>
-                      <a:endParaRPr lang="en-US" sz="1050" kern="100" dirty="0" smtClean="0">
-                        <a:effectLst/>
-                      </a:endParaRPr>
-                    </a:p>
-                  </a:txBody>
-                  <a:tcPr marL="68580" marR="68580" marT="0" marB="0" anchor="ctr">
-                    <a:solidFill>
-                      <a:srgbClr val="CBCDD3"/>
-                    </a:solidFill>
-                  </a:tcPr>
-                </a:tc>
-                <a:extLst>
-                  <a:ext uri="{0D108BD9-81ED-4DB2-BD59-A6C34878D82A}">
-                    <a16:rowId xmlns="" xmlns:a16="http://schemas.microsoft.com/office/drawing/2014/main" val="10009"/>
+                    <a16:rowId xmlns:a16="http://schemas.microsoft.com/office/drawing/2014/main" val="10008"/>
                   </a:ext>
                 </a:extLst>
               </a:tr>
@@ -28468,8 +26081,8 @@
         </p:nvSpPr>
         <p:spPr>
           <a:xfrm>
-            <a:off x="7201289" y="5776440"/>
-            <a:ext cx="1835331" cy="400110"/>
+            <a:off x="7315367" y="5375031"/>
+            <a:ext cx="1835331" cy="246221"/>
           </a:xfrm>
           <a:prstGeom prst="rect">
             <a:avLst/>
@@ -28489,20 +26102,8 @@
             </a:pPr>
             <a:r>
               <a:rPr lang="en-US" altLang="ja-JP" sz="1000" kern="100" dirty="0" smtClean="0"/>
-              <a:t>※1 RHEL7,CentOS7</a:t>
-            </a:r>
-          </a:p>
-          <a:p>
-            <a:pPr algn="just">
-              <a:spcAft>
-                <a:spcPts val="0"/>
-              </a:spcAft>
-            </a:pPr>
-            <a:r>
-              <a:rPr lang="en-US" altLang="ja-JP" sz="1000" kern="100" dirty="0" smtClean="0"/>
-              <a:t>※2 RHEL7</a:t>
-            </a:r>
-            <a:endParaRPr lang="en-US" altLang="ja-JP" sz="1000" kern="100" dirty="0"/>
+              <a:t>※ RHEL7,CentOS7</a:t>
+            </a:r>
           </a:p>
         </p:txBody>
       </p:sp>
@@ -28807,12 +26408,16 @@
           <a:p>
             <a:pPr lvl="1"/>
             <a:r>
-              <a:rPr lang="en-US" altLang="ja-JP" dirty="0"/>
-              <a:t>Windows7</a:t>
+              <a:rPr lang="en-US" altLang="ja-JP" dirty="0" smtClean="0"/>
+              <a:t>Windows10</a:t>
+            </a:r>
+            <a:r>
+              <a:rPr lang="ja-JP" altLang="ja-JP" dirty="0" smtClean="0"/>
+              <a:t>の</a:t>
             </a:r>
             <a:r>
               <a:rPr lang="ja-JP" altLang="ja-JP" dirty="0"/>
-              <a:t>の場合、以下の</a:t>
+              <a:t>場合、以下の</a:t>
             </a:r>
             <a:r>
               <a:rPr lang="en-US" altLang="ja-JP" dirty="0"/>
@@ -28878,7 +26483,7 @@
                 <a:gridCol w="5485765">
                   <a:extLst>
                     <a:ext uri="{9D8B030D-6E8A-4147-A177-3AD203B41FA5}">
-                      <a16:colId xmlns="" xmlns:a16="http://schemas.microsoft.com/office/drawing/2014/main" val="20000"/>
+                      <a16:colId xmlns:a16="http://schemas.microsoft.com/office/drawing/2014/main" val="20000"/>
                     </a:ext>
                   </a:extLst>
                 </a:gridCol>
@@ -28916,7 +26521,7 @@
                 </a:tc>
                 <a:extLst>
                   <a:ext uri="{0D108BD9-81ED-4DB2-BD59-A6C34878D82A}">
-                    <a16:rowId xmlns="" xmlns:a16="http://schemas.microsoft.com/office/drawing/2014/main" val="10000"/>
+                    <a16:rowId xmlns:a16="http://schemas.microsoft.com/office/drawing/2014/main" val="10000"/>
                   </a:ext>
                 </a:extLst>
               </a:tr>
@@ -28952,7 +26557,7 @@
                 <a:gridCol w="5485765">
                   <a:extLst>
                     <a:ext uri="{9D8B030D-6E8A-4147-A177-3AD203B41FA5}">
-                      <a16:colId xmlns="" xmlns:a16="http://schemas.microsoft.com/office/drawing/2014/main" val="20000"/>
+                      <a16:colId xmlns:a16="http://schemas.microsoft.com/office/drawing/2014/main" val="20000"/>
                     </a:ext>
                   </a:extLst>
                 </a:gridCol>
@@ -29113,7 +26718,7 @@
                 </a:tc>
                 <a:extLst>
                   <a:ext uri="{0D108BD9-81ED-4DB2-BD59-A6C34878D82A}">
-                    <a16:rowId xmlns="" xmlns:a16="http://schemas.microsoft.com/office/drawing/2014/main" val="10000"/>
+                    <a16:rowId xmlns:a16="http://schemas.microsoft.com/office/drawing/2014/main" val="10000"/>
                   </a:ext>
                 </a:extLst>
               </a:tr>
@@ -29735,7 +27340,7 @@
           <p:nvPr>
             <p:extLst>
               <p:ext uri="{D42A27DB-BD31-4B8C-83A1-F6EECF244321}">
-                <p14:modId xmlns:p14="http://schemas.microsoft.com/office/powerpoint/2010/main" val="3962231649"/>
+                <p14:modId xmlns:p14="http://schemas.microsoft.com/office/powerpoint/2010/main" val="1031408000"/>
               </p:ext>
             </p:extLst>
           </p:nvPr>
@@ -29754,21 +27359,21 @@
                 <a:gridCol w="1581792">
                   <a:extLst>
                     <a:ext uri="{9D8B030D-6E8A-4147-A177-3AD203B41FA5}">
-                      <a16:colId xmlns="" xmlns:a16="http://schemas.microsoft.com/office/drawing/2014/main" val="20000"/>
+                      <a16:colId xmlns:a16="http://schemas.microsoft.com/office/drawing/2014/main" val="20000"/>
                     </a:ext>
                   </a:extLst>
                 </a:gridCol>
                 <a:gridCol w="3269829">
                   <a:extLst>
                     <a:ext uri="{9D8B030D-6E8A-4147-A177-3AD203B41FA5}">
-                      <a16:colId xmlns="" xmlns:a16="http://schemas.microsoft.com/office/drawing/2014/main" val="20001"/>
+                      <a16:colId xmlns:a16="http://schemas.microsoft.com/office/drawing/2014/main" val="20001"/>
                     </a:ext>
                   </a:extLst>
                 </a:gridCol>
                 <a:gridCol w="1877461">
                   <a:extLst>
                     <a:ext uri="{9D8B030D-6E8A-4147-A177-3AD203B41FA5}">
-                      <a16:colId xmlns="" xmlns:a16="http://schemas.microsoft.com/office/drawing/2014/main" val="20002"/>
+                      <a16:colId xmlns:a16="http://schemas.microsoft.com/office/drawing/2014/main" val="20002"/>
                     </a:ext>
                   </a:extLst>
                 </a:gridCol>
@@ -29884,7 +27489,7 @@
                 </a:tc>
                 <a:extLst>
                   <a:ext uri="{0D108BD9-81ED-4DB2-BD59-A6C34878D82A}">
-                    <a16:rowId xmlns="" xmlns:a16="http://schemas.microsoft.com/office/drawing/2014/main" val="10000"/>
+                    <a16:rowId xmlns:a16="http://schemas.microsoft.com/office/drawing/2014/main" val="10000"/>
                   </a:ext>
                 </a:extLst>
               </a:tr>
@@ -29903,10 +27508,28 @@
                         <a:rPr lang="en-US" sz="900" kern="100" dirty="0">
                           <a:effectLst/>
                         </a:rPr>
-                        <a:t>RHEL 6, CentOS 6</a:t>
-                      </a:r>
-                      <a:r>
-                        <a:rPr lang="ja-JP" sz="900" kern="100" dirty="0">
+                        <a:t>RHEL </a:t>
+                      </a:r>
+                      <a:r>
+                        <a:rPr lang="en-US" sz="900" kern="100" dirty="0" smtClean="0">
+                          <a:effectLst/>
+                        </a:rPr>
+                        <a:t>7, </a:t>
+                      </a:r>
+                      <a:r>
+                        <a:rPr lang="en-US" sz="900" kern="100" dirty="0">
+                          <a:effectLst/>
+                        </a:rPr>
+                        <a:t>CentOS </a:t>
+                      </a:r>
+                      <a:r>
+                        <a:rPr lang="en-US" sz="900" kern="100" dirty="0" smtClean="0">
+                          <a:effectLst/>
+                        </a:rPr>
+                        <a:t>7</a:t>
+                      </a:r>
+                      <a:r>
+                        <a:rPr lang="ja-JP" sz="900" kern="100" dirty="0" smtClean="0">
                           <a:effectLst/>
                         </a:rPr>
                         <a:t>系</a:t>
@@ -29951,7 +27574,19 @@
                         <a:rPr lang="en-US" sz="1000" kern="100" dirty="0" smtClean="0">
                           <a:effectLst/>
                         </a:rPr>
-                        <a:t>)/ita_install_package/ext_files_for_CentOS6.x/</a:t>
+                        <a:t>)/</a:t>
+                      </a:r>
+                      <a:r>
+                        <a:rPr lang="en-US" sz="1000" kern="100" dirty="0" err="1" smtClean="0">
+                          <a:effectLst/>
+                        </a:rPr>
+                        <a:t>ita_install_package</a:t>
+                      </a:r>
+                      <a:r>
+                        <a:rPr lang="en-US" sz="1000" kern="100" dirty="0" smtClean="0">
+                          <a:effectLst/>
+                        </a:rPr>
+                        <a:t>/ext_files_for_CentOS7.x/</a:t>
                       </a:r>
                       <a:r>
                         <a:rPr lang="en-US" sz="1000" kern="100" dirty="0" err="1" smtClean="0">
@@ -30011,7 +27646,7 @@
                 </a:tc>
                 <a:extLst>
                   <a:ext uri="{0D108BD9-81ED-4DB2-BD59-A6C34878D82A}">
-                    <a16:rowId xmlns="" xmlns:a16="http://schemas.microsoft.com/office/drawing/2014/main" val="10001"/>
+                    <a16:rowId xmlns:a16="http://schemas.microsoft.com/office/drawing/2014/main" val="10001"/>
                   </a:ext>
                 </a:extLst>
               </a:tr>
@@ -30030,10 +27665,28 @@
                         <a:rPr lang="en-US" sz="900" kern="100" dirty="0">
                           <a:effectLst/>
                         </a:rPr>
-                        <a:t>RHEL 7, CentOS 7</a:t>
-                      </a:r>
-                      <a:r>
-                        <a:rPr lang="ja-JP" sz="900" kern="100" dirty="0">
+                        <a:t>RHEL </a:t>
+                      </a:r>
+                      <a:r>
+                        <a:rPr lang="en-US" sz="900" kern="100" dirty="0" smtClean="0">
+                          <a:effectLst/>
+                        </a:rPr>
+                        <a:t>8, </a:t>
+                      </a:r>
+                      <a:r>
+                        <a:rPr lang="en-US" sz="900" kern="100" dirty="0">
+                          <a:effectLst/>
+                        </a:rPr>
+                        <a:t>CentOS </a:t>
+                      </a:r>
+                      <a:r>
+                        <a:rPr lang="en-US" sz="900" kern="100" dirty="0" smtClean="0">
+                          <a:effectLst/>
+                        </a:rPr>
+                        <a:t>8</a:t>
+                      </a:r>
+                      <a:r>
+                        <a:rPr lang="ja-JP" sz="900" kern="100" dirty="0" smtClean="0">
                           <a:effectLst/>
                         </a:rPr>
                         <a:t>系</a:t>
@@ -30078,7 +27731,19 @@
                         <a:rPr lang="en-US" sz="1000" kern="100" dirty="0" smtClean="0">
                           <a:effectLst/>
                         </a:rPr>
-                        <a:t>)/ita_install_package/ext_files_for_CentOS7.x/</a:t>
+                        <a:t>)/</a:t>
+                      </a:r>
+                      <a:r>
+                        <a:rPr lang="en-US" sz="1000" kern="100" dirty="0" err="1" smtClean="0">
+                          <a:effectLst/>
+                        </a:rPr>
+                        <a:t>ita_install_package</a:t>
+                      </a:r>
+                      <a:r>
+                        <a:rPr lang="en-US" sz="1000" kern="100" dirty="0" smtClean="0">
+                          <a:effectLst/>
+                        </a:rPr>
+                        <a:t>/ext_files_for_CentOS8.x/</a:t>
                       </a:r>
                       <a:r>
                         <a:rPr lang="en-US" sz="1000" kern="100" dirty="0" err="1" smtClean="0">
@@ -30138,7 +27803,7 @@
                 </a:tc>
                 <a:extLst>
                   <a:ext uri="{0D108BD9-81ED-4DB2-BD59-A6C34878D82A}">
-                    <a16:rowId xmlns="" xmlns:a16="http://schemas.microsoft.com/office/drawing/2014/main" val="10002"/>
+                    <a16:rowId xmlns:a16="http://schemas.microsoft.com/office/drawing/2014/main" val="10002"/>
                   </a:ext>
                 </a:extLst>
               </a:tr>
@@ -31062,12 +28727,16 @@
             <a:graphicFrameLocks noGrp="1"/>
           </p:cNvGraphicFramePr>
           <p:nvPr>
-            <p:extLst/>
+            <p:extLst>
+              <p:ext uri="{D42A27DB-BD31-4B8C-83A1-F6EECF244321}">
+                <p14:modId xmlns:p14="http://schemas.microsoft.com/office/powerpoint/2010/main" val="575777720"/>
+              </p:ext>
+            </p:extLst>
           </p:nvPr>
         </p:nvGraphicFramePr>
         <p:xfrm>
           <a:off x="1259540" y="2276840"/>
-          <a:ext cx="6624920" cy="2479614"/>
+          <a:ext cx="6624920" cy="2222847"/>
         </p:xfrm>
         <a:graphic>
           <a:graphicData uri="http://schemas.openxmlformats.org/drawingml/2006/table">
@@ -31079,14 +28748,14 @@
                 <a:gridCol w="3312460">
                   <a:extLst>
                     <a:ext uri="{9D8B030D-6E8A-4147-A177-3AD203B41FA5}">
-                      <a16:colId xmlns="" xmlns:a16="http://schemas.microsoft.com/office/drawing/2014/main" val="20000"/>
+                      <a16:colId xmlns:a16="http://schemas.microsoft.com/office/drawing/2014/main" val="20000"/>
                     </a:ext>
                   </a:extLst>
                 </a:gridCol>
                 <a:gridCol w="3312460">
                   <a:extLst>
                     <a:ext uri="{9D8B030D-6E8A-4147-A177-3AD203B41FA5}">
-                      <a16:colId xmlns="" xmlns:a16="http://schemas.microsoft.com/office/drawing/2014/main" val="20001"/>
+                      <a16:colId xmlns:a16="http://schemas.microsoft.com/office/drawing/2014/main" val="20001"/>
                     </a:ext>
                   </a:extLst>
                 </a:gridCol>
@@ -31154,7 +28823,7 @@
                 </a:tc>
                 <a:extLst>
                   <a:ext uri="{0D108BD9-81ED-4DB2-BD59-A6C34878D82A}">
-                    <a16:rowId xmlns="" xmlns:a16="http://schemas.microsoft.com/office/drawing/2014/main" val="10000"/>
+                    <a16:rowId xmlns:a16="http://schemas.microsoft.com/office/drawing/2014/main" val="10000"/>
                   </a:ext>
                 </a:extLst>
               </a:tr>
@@ -31227,7 +28896,7 @@
                 </a:tc>
                 <a:extLst>
                   <a:ext uri="{0D108BD9-81ED-4DB2-BD59-A6C34878D82A}">
-                    <a16:rowId xmlns="" xmlns:a16="http://schemas.microsoft.com/office/drawing/2014/main" val="10001"/>
+                    <a16:rowId xmlns:a16="http://schemas.microsoft.com/office/drawing/2014/main" val="10001"/>
                   </a:ext>
                 </a:extLst>
               </a:tr>
@@ -31274,12 +28943,12 @@
                 </a:tc>
                 <a:extLst>
                   <a:ext uri="{0D108BD9-81ED-4DB2-BD59-A6C34878D82A}">
-                    <a16:rowId xmlns="" xmlns:a16="http://schemas.microsoft.com/office/drawing/2014/main" val="10002"/>
+                    <a16:rowId xmlns:a16="http://schemas.microsoft.com/office/drawing/2014/main" val="10002"/>
                   </a:ext>
                 </a:extLst>
               </a:tr>
               <a:tr h="256767">
-                <a:tc rowSpan="2">
+                <a:tc>
                   <a:txBody>
                     <a:bodyPr/>
                     <a:lstStyle/>
@@ -31290,10 +28959,16 @@
                         </a:spcAft>
                       </a:pPr>
                       <a:r>
-                        <a:rPr lang="ja-JP" sz="1050" kern="100" dirty="0">
-                          <a:effectLst/>
-                        </a:rPr>
-                        <a:t>パラメータシート作成</a:t>
+                        <a:rPr lang="ja-JP" altLang="en-US" sz="1050" kern="100" dirty="0" smtClean="0">
+                          <a:effectLst/>
+                        </a:rPr>
+                        <a:t>メニュー</a:t>
+                      </a:r>
+                      <a:r>
+                        <a:rPr lang="ja-JP" sz="1050" kern="100" dirty="0" smtClean="0">
+                          <a:effectLst/>
+                        </a:rPr>
+                        <a:t>作成</a:t>
                       </a:r>
                       <a:endParaRPr lang="ja-JP" sz="1050" kern="100" dirty="0">
                         <a:effectLst/>
@@ -31341,7 +29016,86 @@
                 </a:tc>
                 <a:extLst>
                   <a:ext uri="{0D108BD9-81ED-4DB2-BD59-A6C34878D82A}">
-                    <a16:rowId xmlns="" xmlns:a16="http://schemas.microsoft.com/office/drawing/2014/main" val="10003"/>
+                    <a16:rowId xmlns:a16="http://schemas.microsoft.com/office/drawing/2014/main" val="10003"/>
+                  </a:ext>
+                </a:extLst>
+              </a:tr>
+              <a:tr h="256767">
+                <a:tc rowSpan="4">
+                  <a:txBody>
+                    <a:bodyPr/>
+                    <a:lstStyle/>
+                    <a:p>
+                      <a:pPr algn="l">
+                        <a:spcAft>
+                          <a:spcPts val="0"/>
+                        </a:spcAft>
+                      </a:pPr>
+                      <a:r>
+                        <a:rPr lang="en-US" sz="1050" kern="100" dirty="0">
+                          <a:effectLst/>
+                        </a:rPr>
+                        <a:t>Ansible </a:t>
+                      </a:r>
+                      <a:r>
+                        <a:rPr lang="ja-JP" sz="1050" kern="100" dirty="0">
+                          <a:effectLst/>
+                        </a:rPr>
+                        <a:t>ドライバー</a:t>
+                      </a:r>
+                      <a:endParaRPr lang="ja-JP" sz="1050" kern="100" dirty="0">
+                        <a:effectLst/>
+                        <a:latin typeface="Century" panose="02040604050505020304" pitchFamily="18" charset="0"/>
+                        <a:ea typeface="ＭＳ 明朝" panose="02020609040205080304" pitchFamily="17" charset="-128"/>
+                        <a:cs typeface="Times New Roman" panose="02020603050405020304" pitchFamily="18" charset="0"/>
+                      </a:endParaRPr>
+                    </a:p>
+                  </a:txBody>
+                  <a:tcPr marL="68580" marR="68580" marT="0" marB="0" anchor="ctr">
+                    <a:solidFill>
+                      <a:srgbClr val="002B62"/>
+                    </a:solidFill>
+                  </a:tcPr>
+                </a:tc>
+                <a:tc>
+                  <a:txBody>
+                    <a:bodyPr/>
+                    <a:lstStyle/>
+                    <a:p>
+                      <a:pPr algn="l">
+                        <a:spcAft>
+                          <a:spcPts val="0"/>
+                        </a:spcAft>
+                      </a:pPr>
+                      <a:r>
+                        <a:rPr lang="en-US" sz="1050" kern="100" dirty="0">
+                          <a:effectLst/>
+                        </a:rPr>
+                        <a:t>Ansible</a:t>
+                      </a:r>
+                      <a:r>
+                        <a:rPr lang="ja-JP" sz="1050" kern="100" dirty="0">
+                          <a:effectLst/>
+                        </a:rPr>
+                        <a:t>共通</a:t>
+                      </a:r>
+                      <a:endParaRPr lang="ja-JP" sz="1050" kern="100" dirty="0">
+                        <a:effectLst/>
+                        <a:latin typeface="Century" panose="02040604050505020304" pitchFamily="18" charset="0"/>
+                        <a:ea typeface="ＭＳ 明朝" panose="02020609040205080304" pitchFamily="17" charset="-128"/>
+                        <a:cs typeface="Times New Roman" panose="02020603050405020304" pitchFamily="18" charset="0"/>
+                      </a:endParaRPr>
+                    </a:p>
+                  </a:txBody>
+                  <a:tcPr marL="68580" marR="68580" marT="0" marB="0" anchor="ctr">
+                    <a:solidFill>
+                      <a:srgbClr val="CBCDD3"/>
+                    </a:solidFill>
+                  </a:tcPr>
+                </a:tc>
+                <a:extLst>
+                  <a:ext uri="{0D108BD9-81ED-4DB2-BD59-A6C34878D82A}">
+                    <a16:rowId xmlns:a16="http://schemas.microsoft.com/office/drawing/2014/main" val="10005"/>
                   </a:ext>
                 </a:extLst>
               </a:tr>
@@ -31367,10 +29121,10 @@
                         </a:spcAft>
                       </a:pPr>
                       <a:r>
-                        <a:rPr lang="ja-JP" sz="1050" kern="100" dirty="0">
-                          <a:effectLst/>
-                        </a:rPr>
-                        <a:t>パラメータシート作成</a:t>
+                        <a:rPr lang="en-US" sz="1050" kern="100" dirty="0">
+                          <a:effectLst/>
+                        </a:rPr>
+                        <a:t>Ansible-Legacy</a:t>
                       </a:r>
                       <a:endParaRPr lang="ja-JP" sz="1050" kern="100" dirty="0">
                         <a:effectLst/>
@@ -31388,86 +29142,7 @@
                 </a:tc>
                 <a:extLst>
                   <a:ext uri="{0D108BD9-81ED-4DB2-BD59-A6C34878D82A}">
-                    <a16:rowId xmlns="" xmlns:a16="http://schemas.microsoft.com/office/drawing/2014/main" val="10004"/>
-                  </a:ext>
-                </a:extLst>
-              </a:tr>
-              <a:tr h="256767">
-                <a:tc rowSpan="4">
-                  <a:txBody>
-                    <a:bodyPr/>
-                    <a:lstStyle/>
-                    <a:p>
-                      <a:pPr algn="l">
-                        <a:spcAft>
-                          <a:spcPts val="0"/>
-                        </a:spcAft>
-                      </a:pPr>
-                      <a:r>
-                        <a:rPr lang="en-US" sz="1050" kern="100" dirty="0">
-                          <a:effectLst/>
-                        </a:rPr>
-                        <a:t>Ansible </a:t>
-                      </a:r>
-                      <a:r>
-                        <a:rPr lang="ja-JP" sz="1050" kern="100" dirty="0">
-                          <a:effectLst/>
-                        </a:rPr>
-                        <a:t>ドライバー</a:t>
-                      </a:r>
-                      <a:endParaRPr lang="ja-JP" sz="1050" kern="100" dirty="0">
-                        <a:effectLst/>
-                        <a:latin typeface="Century" panose="02040604050505020304" pitchFamily="18" charset="0"/>
-                        <a:ea typeface="ＭＳ 明朝" panose="02020609040205080304" pitchFamily="17" charset="-128"/>
-                        <a:cs typeface="Times New Roman" panose="02020603050405020304" pitchFamily="18" charset="0"/>
-                      </a:endParaRPr>
-                    </a:p>
-                  </a:txBody>
-                  <a:tcPr marL="68580" marR="68580" marT="0" marB="0" anchor="ctr">
-                    <a:solidFill>
-                      <a:srgbClr val="002B62"/>
-                    </a:solidFill>
-                  </a:tcPr>
-                </a:tc>
-                <a:tc>
-                  <a:txBody>
-                    <a:bodyPr/>
-                    <a:lstStyle/>
-                    <a:p>
-                      <a:pPr algn="l">
-                        <a:spcAft>
-                          <a:spcPts val="0"/>
-                        </a:spcAft>
-                      </a:pPr>
-                      <a:r>
-                        <a:rPr lang="en-US" sz="1050" kern="100" dirty="0">
-                          <a:effectLst/>
-                        </a:rPr>
-                        <a:t>Ansible</a:t>
-                      </a:r>
-                      <a:r>
-                        <a:rPr lang="ja-JP" sz="1050" kern="100" dirty="0">
-                          <a:effectLst/>
-                        </a:rPr>
-                        <a:t>共通</a:t>
-                      </a:r>
-                      <a:endParaRPr lang="ja-JP" sz="1050" kern="100" dirty="0">
-                        <a:effectLst/>
-                        <a:latin typeface="Century" panose="02040604050505020304" pitchFamily="18" charset="0"/>
-                        <a:ea typeface="ＭＳ 明朝" panose="02020609040205080304" pitchFamily="17" charset="-128"/>
-                        <a:cs typeface="Times New Roman" panose="02020603050405020304" pitchFamily="18" charset="0"/>
-                      </a:endParaRPr>
-                    </a:p>
-                  </a:txBody>
-                  <a:tcPr marL="68580" marR="68580" marT="0" marB="0" anchor="ctr">
-                    <a:solidFill>
-                      <a:srgbClr val="CBCDD3"/>
-                    </a:solidFill>
-                  </a:tcPr>
-                </a:tc>
-                <a:extLst>
-                  <a:ext uri="{0D108BD9-81ED-4DB2-BD59-A6C34878D82A}">
-                    <a16:rowId xmlns="" xmlns:a16="http://schemas.microsoft.com/office/drawing/2014/main" val="10005"/>
+                    <a16:rowId xmlns:a16="http://schemas.microsoft.com/office/drawing/2014/main" val="10006"/>
                   </a:ext>
                 </a:extLst>
               </a:tr>
@@ -31496,7 +29171,7 @@
                         <a:rPr lang="en-US" sz="1050" kern="100" dirty="0">
                           <a:effectLst/>
                         </a:rPr>
-                        <a:t>Ansible-Legacy</a:t>
+                        <a:t>Ansible-Pioneer</a:t>
                       </a:r>
                       <a:endParaRPr lang="ja-JP" sz="1050" kern="100" dirty="0">
                         <a:effectLst/>
@@ -31508,13 +29183,13 @@
                   </a:txBody>
                   <a:tcPr marL="68580" marR="68580" marT="0" marB="0" anchor="ctr">
                     <a:solidFill>
-                      <a:srgbClr val="E7E8EA"/>
+                      <a:srgbClr val="CBCDD3"/>
                     </a:solidFill>
                   </a:tcPr>
                 </a:tc>
                 <a:extLst>
                   <a:ext uri="{0D108BD9-81ED-4DB2-BD59-A6C34878D82A}">
-                    <a16:rowId xmlns="" xmlns:a16="http://schemas.microsoft.com/office/drawing/2014/main" val="10006"/>
+                    <a16:rowId xmlns:a16="http://schemas.microsoft.com/office/drawing/2014/main" val="10007"/>
                   </a:ext>
                 </a:extLst>
               </a:tr>
@@ -31543,53 +29218,6 @@
                         <a:rPr lang="en-US" sz="1050" kern="100" dirty="0">
                           <a:effectLst/>
                         </a:rPr>
-                        <a:t>Ansible-Pioneer</a:t>
-                      </a:r>
-                      <a:endParaRPr lang="ja-JP" sz="1050" kern="100" dirty="0">
-                        <a:effectLst/>
-                        <a:latin typeface="Century" panose="02040604050505020304" pitchFamily="18" charset="0"/>
-                        <a:ea typeface="ＭＳ 明朝" panose="02020609040205080304" pitchFamily="17" charset="-128"/>
-                        <a:cs typeface="Times New Roman" panose="02020603050405020304" pitchFamily="18" charset="0"/>
-                      </a:endParaRPr>
-                    </a:p>
-                  </a:txBody>
-                  <a:tcPr marL="68580" marR="68580" marT="0" marB="0" anchor="ctr">
-                    <a:solidFill>
-                      <a:srgbClr val="CBCDD3"/>
-                    </a:solidFill>
-                  </a:tcPr>
-                </a:tc>
-                <a:extLst>
-                  <a:ext uri="{0D108BD9-81ED-4DB2-BD59-A6C34878D82A}">
-                    <a16:rowId xmlns="" xmlns:a16="http://schemas.microsoft.com/office/drawing/2014/main" val="10007"/>
-                  </a:ext>
-                </a:extLst>
-              </a:tr>
-              <a:tr h="256767">
-                <a:tc vMerge="1">
-                  <a:txBody>
-                    <a:bodyPr/>
-                    <a:lstStyle/>
-                    <a:p>
-                      <a:endParaRPr kumimoji="1" lang="ja-JP" altLang="en-US"/>
-                    </a:p>
-                  </a:txBody>
-                  <a:tcPr/>
-                </a:tc>
-                <a:tc>
-                  <a:txBody>
-                    <a:bodyPr/>
-                    <a:lstStyle/>
-                    <a:p>
-                      <a:pPr algn="l">
-                        <a:spcAft>
-                          <a:spcPts val="0"/>
-                        </a:spcAft>
-                      </a:pPr>
-                      <a:r>
-                        <a:rPr lang="en-US" sz="1050" kern="100" dirty="0">
-                          <a:effectLst/>
-                        </a:rPr>
                         <a:t>Ansible-LegacyRole</a:t>
                       </a:r>
                       <a:endParaRPr lang="ja-JP" sz="1050" kern="100" dirty="0">
@@ -31608,7 +29236,7 @@
                 </a:tc>
                 <a:extLst>
                   <a:ext uri="{0D108BD9-81ED-4DB2-BD59-A6C34878D82A}">
-                    <a16:rowId xmlns="" xmlns:a16="http://schemas.microsoft.com/office/drawing/2014/main" val="10008"/>
+                    <a16:rowId xmlns:a16="http://schemas.microsoft.com/office/drawing/2014/main" val="10008"/>
                   </a:ext>
                 </a:extLst>
               </a:tr>
@@ -32099,7 +29727,7 @@
           <p:nvPr>
             <p:extLst>
               <p:ext uri="{D42A27DB-BD31-4B8C-83A1-F6EECF244321}">
-                <p14:modId xmlns:p14="http://schemas.microsoft.com/office/powerpoint/2010/main" val="327310381"/>
+                <p14:modId xmlns:p14="http://schemas.microsoft.com/office/powerpoint/2010/main" val="1895988298"/>
               </p:ext>
             </p:extLst>
           </p:nvPr>
@@ -32118,42 +29746,42 @@
                 <a:gridCol w="1512210">
                   <a:extLst>
                     <a:ext uri="{9D8B030D-6E8A-4147-A177-3AD203B41FA5}">
-                      <a16:colId xmlns="" xmlns:a16="http://schemas.microsoft.com/office/drawing/2014/main" val="20000"/>
+                      <a16:colId xmlns:a16="http://schemas.microsoft.com/office/drawing/2014/main" val="20000"/>
                     </a:ext>
                   </a:extLst>
                 </a:gridCol>
                 <a:gridCol w="936130">
                   <a:extLst>
                     <a:ext uri="{9D8B030D-6E8A-4147-A177-3AD203B41FA5}">
-                      <a16:colId xmlns="" xmlns:a16="http://schemas.microsoft.com/office/drawing/2014/main" val="20001"/>
+                      <a16:colId xmlns:a16="http://schemas.microsoft.com/office/drawing/2014/main" val="20001"/>
                     </a:ext>
                   </a:extLst>
                 </a:gridCol>
                 <a:gridCol w="1296180">
                   <a:extLst>
                     <a:ext uri="{9D8B030D-6E8A-4147-A177-3AD203B41FA5}">
-                      <a16:colId xmlns="" xmlns:a16="http://schemas.microsoft.com/office/drawing/2014/main" val="20002"/>
+                      <a16:colId xmlns:a16="http://schemas.microsoft.com/office/drawing/2014/main" val="20002"/>
                     </a:ext>
                   </a:extLst>
                 </a:gridCol>
                 <a:gridCol w="3456480">
                   <a:extLst>
                     <a:ext uri="{9D8B030D-6E8A-4147-A177-3AD203B41FA5}">
-                      <a16:colId xmlns="" xmlns:a16="http://schemas.microsoft.com/office/drawing/2014/main" val="20003"/>
+                      <a16:colId xmlns:a16="http://schemas.microsoft.com/office/drawing/2014/main" val="20003"/>
                     </a:ext>
                   </a:extLst>
                 </a:gridCol>
                 <a:gridCol w="1008140">
                   <a:extLst>
                     <a:ext uri="{9D8B030D-6E8A-4147-A177-3AD203B41FA5}">
-                      <a16:colId xmlns="" xmlns:a16="http://schemas.microsoft.com/office/drawing/2014/main" val="20004"/>
+                      <a16:colId xmlns:a16="http://schemas.microsoft.com/office/drawing/2014/main" val="20004"/>
                     </a:ext>
                   </a:extLst>
                 </a:gridCol>
                 <a:gridCol w="720100">
                   <a:extLst>
                     <a:ext uri="{9D8B030D-6E8A-4147-A177-3AD203B41FA5}">
-                      <a16:colId xmlns="" xmlns:a16="http://schemas.microsoft.com/office/drawing/2014/main" val="20005"/>
+                      <a16:colId xmlns:a16="http://schemas.microsoft.com/office/drawing/2014/main" val="20005"/>
                     </a:ext>
                   </a:extLst>
                 </a:gridCol>
@@ -32361,7 +29989,7 @@
                 </a:tc>
                 <a:extLst>
                   <a:ext uri="{0D108BD9-81ED-4DB2-BD59-A6C34878D82A}">
-                    <a16:rowId xmlns="" xmlns:a16="http://schemas.microsoft.com/office/drawing/2014/main" val="10000"/>
+                    <a16:rowId xmlns:a16="http://schemas.microsoft.com/office/drawing/2014/main" val="10000"/>
                   </a:ext>
                 </a:extLst>
               </a:tr>
@@ -32557,7 +30185,7 @@
                 </a:tc>
                 <a:extLst>
                   <a:ext uri="{0D108BD9-81ED-4DB2-BD59-A6C34878D82A}">
-                    <a16:rowId xmlns="" xmlns:a16="http://schemas.microsoft.com/office/drawing/2014/main" val="10001"/>
+                    <a16:rowId xmlns:a16="http://schemas.microsoft.com/office/drawing/2014/main" val="10001"/>
                   </a:ext>
                 </a:extLst>
               </a:tr>
@@ -32625,10 +30253,16 @@
                         </a:spcAft>
                       </a:pPr>
                       <a:r>
-                        <a:rPr lang="ja-JP" sz="900" kern="0" dirty="0">
-                          <a:effectLst/>
-                        </a:rPr>
-                        <a:t>パラメータシート作成</a:t>
+                        <a:rPr lang="ja-JP" altLang="en-US" sz="900" kern="0" dirty="0" smtClean="0">
+                          <a:effectLst/>
+                        </a:rPr>
+                        <a:t>メニュー</a:t>
+                      </a:r>
+                      <a:r>
+                        <a:rPr lang="ja-JP" sz="900" kern="0" dirty="0" smtClean="0">
+                          <a:effectLst/>
+                        </a:rPr>
+                        <a:t>作成</a:t>
                       </a:r>
                       <a:endParaRPr lang="ja-JP" sz="1050" kern="100" dirty="0">
                         <a:effectLst/>
@@ -32654,22 +30288,22 @@
                         </a:spcAft>
                       </a:pPr>
                       <a:r>
+                        <a:rPr lang="ja-JP" altLang="en-US" sz="900" kern="100" dirty="0" smtClean="0">
+                          <a:effectLst/>
+                        </a:rPr>
+                        <a:t>メニュー</a:t>
+                      </a:r>
+                      <a:r>
+                        <a:rPr lang="ja-JP" sz="900" kern="100" dirty="0" smtClean="0">
+                          <a:effectLst/>
+                        </a:rPr>
+                        <a:t>を</a:t>
+                      </a:r>
+                      <a:r>
                         <a:rPr lang="ja-JP" sz="900" kern="100" dirty="0">
                           <a:effectLst/>
                         </a:rPr>
-                        <a:t>パラメータシート（</a:t>
-                      </a:r>
-                      <a:r>
-                        <a:rPr lang="en-US" sz="900" kern="100" dirty="0">
-                          <a:effectLst/>
-                        </a:rPr>
-                        <a:t>Web</a:t>
-                      </a:r>
-                      <a:r>
-                        <a:rPr lang="ja-JP" sz="900" kern="100" dirty="0">
-                          <a:effectLst/>
-                        </a:rPr>
-                        <a:t>メニュー）を作成・管理します。</a:t>
+                        <a:t>作成・管理します。</a:t>
                       </a:r>
                       <a:endParaRPr lang="ja-JP" sz="1050" kern="100" dirty="0">
                         <a:effectLst/>
@@ -32744,7 +30378,7 @@
                 </a:tc>
                 <a:extLst>
                   <a:ext uri="{0D108BD9-81ED-4DB2-BD59-A6C34878D82A}">
-                    <a16:rowId xmlns="" xmlns:a16="http://schemas.microsoft.com/office/drawing/2014/main" val="10002"/>
+                    <a16:rowId xmlns:a16="http://schemas.microsoft.com/office/drawing/2014/main" val="10002"/>
                   </a:ext>
                 </a:extLst>
               </a:tr>
@@ -32916,7 +30550,7 @@
                 </a:tc>
                 <a:extLst>
                   <a:ext uri="{0D108BD9-81ED-4DB2-BD59-A6C34878D82A}">
-                    <a16:rowId xmlns="" xmlns:a16="http://schemas.microsoft.com/office/drawing/2014/main" val="10003"/>
+                    <a16:rowId xmlns:a16="http://schemas.microsoft.com/office/drawing/2014/main" val="10003"/>
                   </a:ext>
                 </a:extLst>
               </a:tr>
@@ -33141,7 +30775,7 @@
                 </a:tc>
                 <a:extLst>
                   <a:ext uri="{0D108BD9-81ED-4DB2-BD59-A6C34878D82A}">
-                    <a16:rowId xmlns="" xmlns:a16="http://schemas.microsoft.com/office/drawing/2014/main" val="10004"/>
+                    <a16:rowId xmlns:a16="http://schemas.microsoft.com/office/drawing/2014/main" val="10004"/>
                   </a:ext>
                 </a:extLst>
               </a:tr>
@@ -33367,7 +31001,7 @@
                 </a:tc>
                 <a:extLst>
                   <a:ext uri="{0D108BD9-81ED-4DB2-BD59-A6C34878D82A}">
-                    <a16:rowId xmlns="" xmlns:a16="http://schemas.microsoft.com/office/drawing/2014/main" val="10005"/>
+                    <a16:rowId xmlns:a16="http://schemas.microsoft.com/office/drawing/2014/main" val="10005"/>
                   </a:ext>
                 </a:extLst>
               </a:tr>
@@ -33546,10 +31180,10 @@
                         </a:spcAft>
                       </a:pPr>
                       <a:r>
-                        <a:rPr lang="en-US" sz="1050" kern="100" dirty="0">
-                          <a:effectLst/>
-                        </a:rPr>
-                        <a:t>○</a:t>
+                        <a:rPr lang="en-US" altLang="ja-JP" sz="1200" kern="0" dirty="0" smtClean="0">
+                          <a:effectLst/>
+                        </a:rPr>
+                        <a:t>×</a:t>
                       </a:r>
                       <a:endParaRPr lang="ja-JP" sz="1200" kern="100" dirty="0">
                         <a:effectLst/>
@@ -33592,7 +31226,7 @@
                 </a:tc>
                 <a:extLst>
                   <a:ext uri="{0D108BD9-81ED-4DB2-BD59-A6C34878D82A}">
-                    <a16:rowId xmlns="" xmlns:a16="http://schemas.microsoft.com/office/drawing/2014/main" val="10006"/>
+                    <a16:rowId xmlns:a16="http://schemas.microsoft.com/office/drawing/2014/main" val="10006"/>
                   </a:ext>
                 </a:extLst>
               </a:tr>
@@ -33792,7 +31426,7 @@
                 </a:tc>
                 <a:extLst>
                   <a:ext uri="{0D108BD9-81ED-4DB2-BD59-A6C34878D82A}">
-                    <a16:rowId xmlns="" xmlns:a16="http://schemas.microsoft.com/office/drawing/2014/main" val="10007"/>
+                    <a16:rowId xmlns:a16="http://schemas.microsoft.com/office/drawing/2014/main" val="10007"/>
                   </a:ext>
                 </a:extLst>
               </a:tr>
@@ -34042,7 +31676,7 @@
                 </a:tc>
                 <a:extLst>
                   <a:ext uri="{0D108BD9-81ED-4DB2-BD59-A6C34878D82A}">
-                    <a16:rowId xmlns="" xmlns:a16="http://schemas.microsoft.com/office/drawing/2014/main" val="10008"/>
+                    <a16:rowId xmlns:a16="http://schemas.microsoft.com/office/drawing/2014/main" val="10008"/>
                   </a:ext>
                 </a:extLst>
               </a:tr>
@@ -34160,1420 +31794,50 @@
           <a:lstStyle/>
           <a:p>
             <a:r>
-              <a:rPr lang="en-US" altLang="ja-JP" dirty="0" smtClean="0"/>
+              <a:rPr lang="en-US" altLang="ja-JP" dirty="0"/>
               <a:t>ITA</a:t>
             </a:r>
             <a:r>
-              <a:rPr lang="ja-JP" altLang="en-US" dirty="0" smtClean="0"/>
-              <a:t>を</a:t>
-            </a:r>
-            <a:r>
               <a:rPr lang="ja-JP" altLang="en-US" dirty="0"/>
-              <a:t>ご利用いただくには、以下の環境が必要となります。</a:t>
-            </a:r>
-            <a:endParaRPr lang="en-US" altLang="ja-JP" dirty="0" smtClean="0"/>
+              <a:t>をご利用いただくための環境について</a:t>
+            </a:r>
+            <a:endParaRPr lang="en-US" altLang="ja-JP" dirty="0"/>
           </a:p>
           <a:p>
             <a:pPr lvl="1"/>
             <a:r>
-              <a:rPr lang="ja-JP" altLang="en-US" dirty="0" smtClean="0"/>
-              <a:t>サーバ動作要件</a:t>
-            </a:r>
-            <a:endParaRPr lang="en-US" altLang="ja-JP" dirty="0" smtClean="0"/>
-          </a:p>
-          <a:p>
-            <a:pPr lvl="1"/>
-            <a:endParaRPr lang="en-US" altLang="ja-JP" dirty="0"/>
-          </a:p>
-          <a:p>
-            <a:pPr lvl="1"/>
-            <a:endParaRPr lang="en-US" altLang="ja-JP" dirty="0" smtClean="0"/>
-          </a:p>
-          <a:p>
-            <a:pPr marL="180000" lvl="1" indent="0">
+              <a:rPr lang="ja-JP" altLang="en-US" dirty="0"/>
+              <a:t>「</a:t>
+            </a:r>
+            <a:r>
+              <a:rPr lang="en-US" altLang="ja-JP" dirty="0" err="1"/>
+              <a:t>Exastro</a:t>
+            </a:r>
+            <a:r>
+              <a:rPr lang="en-US" altLang="ja-JP" dirty="0"/>
+              <a:t>-ITA_</a:t>
+            </a:r>
+            <a:r>
+              <a:rPr lang="ja-JP" altLang="en-US" dirty="0"/>
+              <a:t>システム構成／環境構築ガイド</a:t>
+            </a:r>
+            <a:r>
+              <a:rPr lang="en-US" altLang="ja-JP" dirty="0"/>
+              <a:t>_</a:t>
+            </a:r>
+            <a:r>
+              <a:rPr lang="ja-JP" altLang="en-US" dirty="0"/>
+              <a:t>基本編」を参照してください。</a:t>
+            </a:r>
+          </a:p>
+          <a:p>
+            <a:pPr marL="0" indent="0">
               <a:buNone/>
             </a:pPr>
             <a:endParaRPr lang="en-US" altLang="ja-JP" dirty="0" smtClean="0"/>
           </a:p>
-          <a:p>
-            <a:pPr lvl="1"/>
-            <a:r>
-              <a:rPr lang="ja-JP" altLang="en-US" dirty="0" smtClean="0"/>
-              <a:t>サーバ</a:t>
-            </a:r>
-            <a:r>
-              <a:rPr lang="ja-JP" altLang="en-US" dirty="0"/>
-              <a:t>最</a:t>
-            </a:r>
-            <a:r>
-              <a:rPr lang="ja-JP" altLang="en-US" dirty="0" smtClean="0"/>
-              <a:t>小スペック</a:t>
-            </a:r>
-            <a:endParaRPr lang="en-US" altLang="ja-JP" dirty="0" smtClean="0"/>
-          </a:p>
-          <a:p>
-            <a:pPr lvl="1"/>
-            <a:endParaRPr lang="en-US" altLang="ja-JP" dirty="0"/>
-          </a:p>
-          <a:p>
-            <a:pPr lvl="1"/>
-            <a:endParaRPr lang="en-US" altLang="ja-JP" dirty="0" smtClean="0"/>
-          </a:p>
-          <a:p>
-            <a:pPr lvl="1"/>
-            <a:endParaRPr lang="en-US" altLang="ja-JP" dirty="0" smtClean="0"/>
-          </a:p>
-          <a:p>
-            <a:pPr lvl="1"/>
-            <a:endParaRPr lang="en-US" altLang="ja-JP" dirty="0"/>
-          </a:p>
-          <a:p>
-            <a:pPr marL="180000" lvl="1" indent="0">
-              <a:buNone/>
-            </a:pPr>
-            <a:endParaRPr lang="en-US" altLang="ja-JP" sz="1000" dirty="0" smtClean="0"/>
-          </a:p>
-          <a:p>
-            <a:pPr lvl="1"/>
-            <a:r>
-              <a:rPr lang="ja-JP" altLang="en-US" dirty="0" smtClean="0"/>
-              <a:t>クライアント</a:t>
-            </a:r>
-            <a:r>
-              <a:rPr lang="en-US" altLang="ja-JP" dirty="0"/>
-              <a:t>PC</a:t>
-            </a:r>
-            <a:r>
-              <a:rPr lang="ja-JP" altLang="en-US" dirty="0"/>
-              <a:t>動作</a:t>
-            </a:r>
-            <a:r>
-              <a:rPr lang="ja-JP" altLang="en-US" dirty="0" smtClean="0"/>
-              <a:t>要件</a:t>
-            </a:r>
-            <a:endParaRPr lang="en-US" altLang="ja-JP" dirty="0" smtClean="0"/>
-          </a:p>
         </p:txBody>
       </p:sp>
-      <p:graphicFrame>
-        <p:nvGraphicFramePr>
-          <p:cNvPr id="5" name="表 4"/>
-          <p:cNvGraphicFramePr>
-            <a:graphicFrameLocks noGrp="1"/>
-          </p:cNvGraphicFramePr>
-          <p:nvPr>
-            <p:extLst>
-              <p:ext uri="{D42A27DB-BD31-4B8C-83A1-F6EECF244321}">
-                <p14:modId xmlns:p14="http://schemas.microsoft.com/office/powerpoint/2010/main" val="564421048"/>
-              </p:ext>
-            </p:extLst>
-          </p:nvPr>
-        </p:nvGraphicFramePr>
-        <p:xfrm>
-          <a:off x="1283268" y="2888719"/>
-          <a:ext cx="6576490" cy="1102134"/>
-        </p:xfrm>
-        <a:graphic>
-          <a:graphicData uri="http://schemas.openxmlformats.org/drawingml/2006/table">
-            <a:tbl>
-              <a:tblPr firstRow="1" bandRow="1">
-                <a:tableStyleId>{5C22544A-7EE6-4342-B048-85BDC9FD1C3A}</a:tableStyleId>
-              </a:tblPr>
-              <a:tblGrid>
-                <a:gridCol w="3288245">
-                  <a:extLst>
-                    <a:ext uri="{9D8B030D-6E8A-4147-A177-3AD203B41FA5}">
-                      <a16:colId xmlns="" xmlns:a16="http://schemas.microsoft.com/office/drawing/2014/main" val="20000"/>
-                    </a:ext>
-                  </a:extLst>
-                </a:gridCol>
-                <a:gridCol w="3288245">
-                  <a:extLst>
-                    <a:ext uri="{9D8B030D-6E8A-4147-A177-3AD203B41FA5}">
-                      <a16:colId xmlns="" xmlns:a16="http://schemas.microsoft.com/office/drawing/2014/main" val="20001"/>
-                    </a:ext>
-                  </a:extLst>
-                </a:gridCol>
-              </a:tblGrid>
-              <a:tr h="367378">
-                <a:tc>
-                  <a:txBody>
-                    <a:bodyPr/>
-                    <a:lstStyle/>
-                    <a:p>
-                      <a:r>
-                        <a:rPr kumimoji="1" lang="en-US" altLang="ja-JP" sz="1050" b="1" kern="1200" dirty="0" smtClean="0">
-                          <a:solidFill>
-                            <a:schemeClr val="bg1"/>
-                          </a:solidFill>
-                          <a:effectLst/>
-                          <a:latin typeface="+mn-lt"/>
-                          <a:ea typeface="+mn-ea"/>
-                          <a:cs typeface="+mn-cs"/>
-                        </a:rPr>
-                        <a:t>CPU</a:t>
-                      </a:r>
-                      <a:endParaRPr kumimoji="1" lang="ja-JP" altLang="en-US" sz="1050" b="1" dirty="0">
-                        <a:solidFill>
-                          <a:schemeClr val="bg1"/>
-                        </a:solidFill>
-                      </a:endParaRPr>
-                    </a:p>
-                  </a:txBody>
-                  <a:tcPr anchor="ctr">
-                    <a:solidFill>
-                      <a:srgbClr val="002B62"/>
-                    </a:solidFill>
-                  </a:tcPr>
-                </a:tc>
-                <a:tc>
-                  <a:txBody>
-                    <a:bodyPr/>
-                    <a:lstStyle/>
-                    <a:p>
-                      <a:r>
-                        <a:rPr kumimoji="1" lang="en-US" altLang="ja-JP" sz="1050" b="0" kern="1200" dirty="0" smtClean="0">
-                          <a:solidFill>
-                            <a:schemeClr val="dk1"/>
-                          </a:solidFill>
-                          <a:effectLst/>
-                          <a:latin typeface="+mn-lt"/>
-                          <a:ea typeface="+mn-ea"/>
-                          <a:cs typeface="+mn-cs"/>
-                        </a:rPr>
-                        <a:t>1Core</a:t>
-                      </a:r>
-                      <a:endParaRPr kumimoji="1" lang="ja-JP" altLang="en-US" sz="1050" b="0" dirty="0"/>
-                    </a:p>
-                  </a:txBody>
-                  <a:tcPr anchor="ctr">
-                    <a:solidFill>
-                      <a:srgbClr val="E7E8EA"/>
-                    </a:solidFill>
-                  </a:tcPr>
-                </a:tc>
-                <a:extLst>
-                  <a:ext uri="{0D108BD9-81ED-4DB2-BD59-A6C34878D82A}">
-                    <a16:rowId xmlns="" xmlns:a16="http://schemas.microsoft.com/office/drawing/2014/main" val="10000"/>
-                  </a:ext>
-                </a:extLst>
-              </a:tr>
-              <a:tr h="367378">
-                <a:tc>
-                  <a:txBody>
-                    <a:bodyPr/>
-                    <a:lstStyle/>
-                    <a:p>
-                      <a:r>
-                        <a:rPr kumimoji="1" lang="ja-JP" altLang="ja-JP" sz="1050" b="1" kern="1200" dirty="0" smtClean="0">
-                          <a:solidFill>
-                            <a:schemeClr val="bg1"/>
-                          </a:solidFill>
-                          <a:effectLst/>
-                          <a:latin typeface="+mn-lt"/>
-                          <a:ea typeface="+mn-ea"/>
-                          <a:cs typeface="+mn-cs"/>
-                        </a:rPr>
-                        <a:t>メモリ</a:t>
-                      </a:r>
-                      <a:endParaRPr kumimoji="1" lang="ja-JP" altLang="en-US" sz="1050" b="1" dirty="0">
-                        <a:solidFill>
-                          <a:schemeClr val="bg1"/>
-                        </a:solidFill>
-                      </a:endParaRPr>
-                    </a:p>
-                  </a:txBody>
-                  <a:tcPr anchor="ctr">
-                    <a:lnB w="38100" cap="flat" cmpd="sng" algn="ctr">
-                      <a:solidFill>
-                        <a:schemeClr val="bg1"/>
-                      </a:solidFill>
-                      <a:prstDash val="solid"/>
-                      <a:round/>
-                      <a:headEnd type="none" w="med" len="med"/>
-                      <a:tailEnd type="none" w="med" len="med"/>
-                    </a:lnB>
-                    <a:solidFill>
-                      <a:srgbClr val="002B62"/>
-                    </a:solidFill>
-                  </a:tcPr>
-                </a:tc>
-                <a:tc>
-                  <a:txBody>
-                    <a:bodyPr/>
-                    <a:lstStyle/>
-                    <a:p>
-                      <a:r>
-                        <a:rPr kumimoji="1" lang="en-US" altLang="ja-JP" sz="1050" b="0" kern="1200" dirty="0" smtClean="0">
-                          <a:solidFill>
-                            <a:schemeClr val="dk1"/>
-                          </a:solidFill>
-                          <a:effectLst/>
-                          <a:latin typeface="+mn-lt"/>
-                          <a:ea typeface="+mn-ea"/>
-                          <a:cs typeface="+mn-cs"/>
-                        </a:rPr>
-                        <a:t>1GB</a:t>
-                      </a:r>
-                      <a:endParaRPr kumimoji="1" lang="ja-JP" altLang="en-US" sz="1050" b="0" dirty="0"/>
-                    </a:p>
-                  </a:txBody>
-                  <a:tcPr anchor="ctr">
-                    <a:solidFill>
-                      <a:srgbClr val="CBCDD3"/>
-                    </a:solidFill>
-                  </a:tcPr>
-                </a:tc>
-                <a:extLst>
-                  <a:ext uri="{0D108BD9-81ED-4DB2-BD59-A6C34878D82A}">
-                    <a16:rowId xmlns="" xmlns:a16="http://schemas.microsoft.com/office/drawing/2014/main" val="10001"/>
-                  </a:ext>
-                </a:extLst>
-              </a:tr>
-              <a:tr h="367378">
-                <a:tc>
-                  <a:txBody>
-                    <a:bodyPr/>
-                    <a:lstStyle/>
-                    <a:p>
-                      <a:r>
-                        <a:rPr kumimoji="1" lang="ja-JP" altLang="ja-JP" sz="1050" b="1" kern="1200" dirty="0" smtClean="0">
-                          <a:solidFill>
-                            <a:schemeClr val="bg1"/>
-                          </a:solidFill>
-                          <a:effectLst/>
-                          <a:latin typeface="+mn-lt"/>
-                          <a:ea typeface="+mn-ea"/>
-                          <a:cs typeface="+mn-cs"/>
-                        </a:rPr>
-                        <a:t>ディスク容量</a:t>
-                      </a:r>
-                      <a:endParaRPr kumimoji="1" lang="ja-JP" altLang="en-US" sz="1050" b="1" dirty="0">
-                        <a:solidFill>
-                          <a:schemeClr val="bg1"/>
-                        </a:solidFill>
-                      </a:endParaRPr>
-                    </a:p>
-                  </a:txBody>
-                  <a:tcPr anchor="ctr">
-                    <a:lnT w="38100" cap="flat" cmpd="sng" algn="ctr">
-                      <a:solidFill>
-                        <a:schemeClr val="bg1"/>
-                      </a:solidFill>
-                      <a:prstDash val="solid"/>
-                      <a:round/>
-                      <a:headEnd type="none" w="med" len="med"/>
-                      <a:tailEnd type="none" w="med" len="med"/>
-                    </a:lnT>
-                    <a:solidFill>
-                      <a:srgbClr val="002B62"/>
-                    </a:solidFill>
-                  </a:tcPr>
-                </a:tc>
-                <a:tc>
-                  <a:txBody>
-                    <a:bodyPr/>
-                    <a:lstStyle/>
-                    <a:p>
-                      <a:r>
-                        <a:rPr kumimoji="1" lang="en-US" altLang="ja-JP" sz="1050" b="0" kern="1200" dirty="0" smtClean="0">
-                          <a:solidFill>
-                            <a:schemeClr val="dk1"/>
-                          </a:solidFill>
-                          <a:effectLst/>
-                          <a:latin typeface="+mn-lt"/>
-                          <a:ea typeface="+mn-ea"/>
-                          <a:cs typeface="+mn-cs"/>
-                        </a:rPr>
-                        <a:t>1GB</a:t>
-                      </a:r>
-                      <a:r>
-                        <a:rPr kumimoji="1" lang="ja-JP" altLang="en-US" sz="1050" b="0" kern="1200" dirty="0" smtClean="0">
-                          <a:solidFill>
-                            <a:schemeClr val="dk1"/>
-                          </a:solidFill>
-                          <a:effectLst/>
-                          <a:latin typeface="+mn-lt"/>
-                          <a:ea typeface="+mn-ea"/>
-                          <a:cs typeface="+mn-cs"/>
-                        </a:rPr>
-                        <a:t>（</a:t>
-                      </a:r>
-                      <a:r>
-                        <a:rPr kumimoji="1" lang="en-US" altLang="ja-JP" sz="1050" b="0" kern="1200" dirty="0" smtClean="0">
-                          <a:solidFill>
-                            <a:schemeClr val="dk1"/>
-                          </a:solidFill>
-                          <a:effectLst/>
-                          <a:latin typeface="+mn-lt"/>
-                          <a:ea typeface="+mn-ea"/>
-                          <a:cs typeface="+mn-cs"/>
-                        </a:rPr>
-                        <a:t>ITA</a:t>
-                      </a:r>
-                      <a:r>
-                        <a:rPr kumimoji="1" lang="ja-JP" altLang="en-US" sz="1050" b="0" kern="1200" dirty="0" smtClean="0">
-                          <a:solidFill>
-                            <a:schemeClr val="dk1"/>
-                          </a:solidFill>
-                          <a:effectLst/>
-                          <a:latin typeface="+mn-lt"/>
-                          <a:ea typeface="+mn-ea"/>
-                          <a:cs typeface="+mn-cs"/>
-                        </a:rPr>
-                        <a:t>本体のみ）</a:t>
-                      </a:r>
-                      <a:endParaRPr kumimoji="1" lang="ja-JP" altLang="en-US" sz="1050" b="0" dirty="0"/>
-                    </a:p>
-                  </a:txBody>
-                  <a:tcPr anchor="ctr">
-                    <a:solidFill>
-                      <a:srgbClr val="E7E8EA"/>
-                    </a:solidFill>
-                  </a:tcPr>
-                </a:tc>
-                <a:extLst>
-                  <a:ext uri="{0D108BD9-81ED-4DB2-BD59-A6C34878D82A}">
-                    <a16:rowId xmlns="" xmlns:a16="http://schemas.microsoft.com/office/drawing/2014/main" val="10002"/>
-                  </a:ext>
-                </a:extLst>
-              </a:tr>
-            </a:tbl>
-          </a:graphicData>
-        </a:graphic>
-      </p:graphicFrame>
-      <p:graphicFrame>
-        <p:nvGraphicFramePr>
-          <p:cNvPr id="6" name="表 5"/>
-          <p:cNvGraphicFramePr>
-            <a:graphicFrameLocks noGrp="1"/>
-          </p:cNvGraphicFramePr>
-          <p:nvPr>
-            <p:extLst/>
-          </p:nvPr>
-        </p:nvGraphicFramePr>
-        <p:xfrm>
-          <a:off x="1283268" y="1553380"/>
-          <a:ext cx="6576490" cy="741680"/>
-        </p:xfrm>
-        <a:graphic>
-          <a:graphicData uri="http://schemas.openxmlformats.org/drawingml/2006/table">
-            <a:tbl>
-              <a:tblPr firstRow="1" bandRow="1">
-                <a:tableStyleId>{93296810-A885-4BE3-A3E7-6D5BEEA58F35}</a:tableStyleId>
-              </a:tblPr>
-              <a:tblGrid>
-                <a:gridCol w="1296180">
-                  <a:extLst>
-                    <a:ext uri="{9D8B030D-6E8A-4147-A177-3AD203B41FA5}">
-                      <a16:colId xmlns="" xmlns:a16="http://schemas.microsoft.com/office/drawing/2014/main" val="20000"/>
-                    </a:ext>
-                  </a:extLst>
-                </a:gridCol>
-                <a:gridCol w="3088147">
-                  <a:extLst>
-                    <a:ext uri="{9D8B030D-6E8A-4147-A177-3AD203B41FA5}">
-                      <a16:colId xmlns="" xmlns:a16="http://schemas.microsoft.com/office/drawing/2014/main" val="20001"/>
-                    </a:ext>
-                  </a:extLst>
-                </a:gridCol>
-                <a:gridCol w="2192163">
-                  <a:extLst>
-                    <a:ext uri="{9D8B030D-6E8A-4147-A177-3AD203B41FA5}">
-                      <a16:colId xmlns="" xmlns:a16="http://schemas.microsoft.com/office/drawing/2014/main" val="20002"/>
-                    </a:ext>
-                  </a:extLst>
-                </a:gridCol>
-              </a:tblGrid>
-              <a:tr h="370840">
-                <a:tc rowSpan="2">
-                  <a:txBody>
-                    <a:bodyPr/>
-                    <a:lstStyle/>
-                    <a:p>
-                      <a:pPr algn="l"/>
-                      <a:r>
-                        <a:rPr kumimoji="1" lang="en-US" altLang="ja-JP" sz="1000" dirty="0" smtClean="0"/>
-                        <a:t>OS</a:t>
-                      </a:r>
-                      <a:endParaRPr kumimoji="1" lang="ja-JP" altLang="en-US" sz="1000" dirty="0"/>
-                    </a:p>
-                  </a:txBody>
-                  <a:tcPr anchor="ctr">
-                    <a:lnR w="38100" cap="flat" cmpd="sng" algn="ctr">
-                      <a:solidFill>
-                        <a:schemeClr val="bg1"/>
-                      </a:solidFill>
-                      <a:prstDash val="solid"/>
-                      <a:round/>
-                      <a:headEnd type="none" w="med" len="med"/>
-                      <a:tailEnd type="none" w="med" len="med"/>
-                    </a:lnR>
-                  </a:tcPr>
-                </a:tc>
-                <a:tc>
-                  <a:txBody>
-                    <a:bodyPr/>
-                    <a:lstStyle/>
-                    <a:p>
-                      <a:r>
-                        <a:rPr kumimoji="1" lang="en-US" altLang="ja-JP" sz="1000" b="0" kern="1200" dirty="0" smtClean="0">
-                          <a:solidFill>
-                            <a:schemeClr val="tx1"/>
-                          </a:solidFill>
-                          <a:latin typeface="+mn-lt"/>
-                          <a:ea typeface="+mn-ea"/>
-                          <a:cs typeface="+mn-cs"/>
-                        </a:rPr>
-                        <a:t>Red Hat Enterprise Linux</a:t>
-                      </a:r>
-                      <a:endParaRPr kumimoji="1" lang="ja-JP" altLang="en-US" sz="1000" b="0" kern="1200" dirty="0">
-                        <a:solidFill>
-                          <a:schemeClr val="tx1"/>
-                        </a:solidFill>
-                        <a:latin typeface="+mn-lt"/>
-                        <a:ea typeface="+mn-ea"/>
-                        <a:cs typeface="+mn-cs"/>
-                      </a:endParaRPr>
-                    </a:p>
-                  </a:txBody>
-                  <a:tcPr anchor="ctr">
-                    <a:lnL w="38100" cap="flat" cmpd="sng" algn="ctr">
-                      <a:solidFill>
-                        <a:schemeClr val="bg1"/>
-                      </a:solidFill>
-                      <a:prstDash val="solid"/>
-                      <a:round/>
-                      <a:headEnd type="none" w="med" len="med"/>
-                      <a:tailEnd type="none" w="med" len="med"/>
-                    </a:lnL>
-                    <a:lnB w="12700" cap="flat" cmpd="sng" algn="ctr">
-                      <a:solidFill>
-                        <a:schemeClr val="bg1"/>
-                      </a:solidFill>
-                      <a:prstDash val="solid"/>
-                      <a:round/>
-                      <a:headEnd type="none" w="med" len="med"/>
-                      <a:tailEnd type="none" w="med" len="med"/>
-                    </a:lnB>
-                    <a:solidFill>
-                      <a:srgbClr val="E7E8EA"/>
-                    </a:solidFill>
-                  </a:tcPr>
-                </a:tc>
-                <a:tc>
-                  <a:txBody>
-                    <a:bodyPr/>
-                    <a:lstStyle/>
-                    <a:p>
-                      <a:r>
-                        <a:rPr kumimoji="1" lang="en-US" altLang="ja-JP" sz="1000" b="0" dirty="0" smtClean="0">
-                          <a:solidFill>
-                            <a:schemeClr val="tx1"/>
-                          </a:solidFill>
-                        </a:rPr>
-                        <a:t>6.6 </a:t>
-                      </a:r>
-                      <a:r>
-                        <a:rPr kumimoji="1" lang="ja-JP" altLang="en-US" sz="1000" b="0" dirty="0" smtClean="0">
-                          <a:solidFill>
-                            <a:schemeClr val="tx1"/>
-                          </a:solidFill>
-                        </a:rPr>
-                        <a:t>以上</a:t>
-                      </a:r>
-                      <a:endParaRPr kumimoji="1" lang="ja-JP" altLang="en-US" sz="1000" b="0" dirty="0">
-                        <a:solidFill>
-                          <a:schemeClr val="tx1"/>
-                        </a:solidFill>
-                      </a:endParaRPr>
-                    </a:p>
-                  </a:txBody>
-                  <a:tcPr anchor="ctr">
-                    <a:lnB w="12700" cap="flat" cmpd="sng" algn="ctr">
-                      <a:solidFill>
-                        <a:schemeClr val="bg1"/>
-                      </a:solidFill>
-                      <a:prstDash val="solid"/>
-                      <a:round/>
-                      <a:headEnd type="none" w="med" len="med"/>
-                      <a:tailEnd type="none" w="med" len="med"/>
-                    </a:lnB>
-                    <a:solidFill>
-                      <a:srgbClr val="E7E8EA"/>
-                    </a:solidFill>
-                  </a:tcPr>
-                </a:tc>
-                <a:extLst>
-                  <a:ext uri="{0D108BD9-81ED-4DB2-BD59-A6C34878D82A}">
-                    <a16:rowId xmlns="" xmlns:a16="http://schemas.microsoft.com/office/drawing/2014/main" val="10000"/>
-                  </a:ext>
-                </a:extLst>
-              </a:tr>
-              <a:tr h="370840">
-                <a:tc vMerge="1">
-                  <a:txBody>
-                    <a:bodyPr/>
-                    <a:lstStyle/>
-                    <a:p>
-                      <a:endParaRPr kumimoji="1" lang="ja-JP" altLang="en-US" dirty="0"/>
-                    </a:p>
-                  </a:txBody>
-                  <a:tcPr/>
-                </a:tc>
-                <a:tc>
-                  <a:txBody>
-                    <a:bodyPr/>
-                    <a:lstStyle/>
-                    <a:p>
-                      <a:r>
-                        <a:rPr kumimoji="1" lang="en-US" altLang="ja-JP" sz="1000" b="0" dirty="0" smtClean="0">
-                          <a:solidFill>
-                            <a:schemeClr val="tx1"/>
-                          </a:solidFill>
-                        </a:rPr>
-                        <a:t>CentOS</a:t>
-                      </a:r>
-                      <a:endParaRPr kumimoji="1" lang="ja-JP" altLang="en-US" sz="1000" b="0" dirty="0">
-                        <a:solidFill>
-                          <a:schemeClr val="tx1"/>
-                        </a:solidFill>
-                      </a:endParaRPr>
-                    </a:p>
-                  </a:txBody>
-                  <a:tcPr anchor="ctr">
-                    <a:lnL w="38100" cap="flat" cmpd="sng" algn="ctr">
-                      <a:solidFill>
-                        <a:schemeClr val="bg1"/>
-                      </a:solidFill>
-                      <a:prstDash val="solid"/>
-                      <a:round/>
-                      <a:headEnd type="none" w="med" len="med"/>
-                      <a:tailEnd type="none" w="med" len="med"/>
-                    </a:lnL>
-                    <a:lnT w="12700" cap="flat" cmpd="sng" algn="ctr">
-                      <a:solidFill>
-                        <a:schemeClr val="bg1"/>
-                      </a:solidFill>
-                      <a:prstDash val="solid"/>
-                      <a:round/>
-                      <a:headEnd type="none" w="med" len="med"/>
-                      <a:tailEnd type="none" w="med" len="med"/>
-                    </a:lnT>
-                  </a:tcPr>
-                </a:tc>
-                <a:tc>
-                  <a:txBody>
-                    <a:bodyPr/>
-                    <a:lstStyle/>
-                    <a:p>
-                      <a:r>
-                        <a:rPr kumimoji="1" lang="en-US" altLang="ja-JP" sz="1000" b="0" dirty="0" smtClean="0">
-                          <a:solidFill>
-                            <a:schemeClr val="tx1"/>
-                          </a:solidFill>
-                        </a:rPr>
-                        <a:t>6.6 </a:t>
-                      </a:r>
-                      <a:r>
-                        <a:rPr kumimoji="1" lang="ja-JP" altLang="en-US" sz="1000" b="0" dirty="0" smtClean="0">
-                          <a:solidFill>
-                            <a:schemeClr val="tx1"/>
-                          </a:solidFill>
-                        </a:rPr>
-                        <a:t>以上</a:t>
-                      </a:r>
-                      <a:endParaRPr kumimoji="1" lang="ja-JP" altLang="en-US" sz="1000" b="0" dirty="0">
-                        <a:solidFill>
-                          <a:schemeClr val="tx1"/>
-                        </a:solidFill>
-                      </a:endParaRPr>
-                    </a:p>
-                  </a:txBody>
-                  <a:tcPr anchor="ctr">
-                    <a:lnT w="12700" cap="flat" cmpd="sng" algn="ctr">
-                      <a:solidFill>
-                        <a:schemeClr val="bg1"/>
-                      </a:solidFill>
-                      <a:prstDash val="solid"/>
-                      <a:round/>
-                      <a:headEnd type="none" w="med" len="med"/>
-                      <a:tailEnd type="none" w="med" len="med"/>
-                    </a:lnT>
-                  </a:tcPr>
-                </a:tc>
-                <a:extLst>
-                  <a:ext uri="{0D108BD9-81ED-4DB2-BD59-A6C34878D82A}">
-                    <a16:rowId xmlns="" xmlns:a16="http://schemas.microsoft.com/office/drawing/2014/main" val="10001"/>
-                  </a:ext>
-                </a:extLst>
-              </a:tr>
-            </a:tbl>
-          </a:graphicData>
-        </a:graphic>
-      </p:graphicFrame>
-      <p:graphicFrame>
-        <p:nvGraphicFramePr>
-          <p:cNvPr id="7" name="表 6"/>
-          <p:cNvGraphicFramePr>
-            <a:graphicFrameLocks noGrp="1"/>
-          </p:cNvGraphicFramePr>
-          <p:nvPr>
-            <p:extLst>
-              <p:ext uri="{D42A27DB-BD31-4B8C-83A1-F6EECF244321}">
-                <p14:modId xmlns:p14="http://schemas.microsoft.com/office/powerpoint/2010/main" val="1438978205"/>
-              </p:ext>
-            </p:extLst>
-          </p:nvPr>
-        </p:nvGraphicFramePr>
-        <p:xfrm>
-          <a:off x="1283268" y="4563973"/>
-          <a:ext cx="6576490" cy="1844785"/>
-        </p:xfrm>
-        <a:graphic>
-          <a:graphicData uri="http://schemas.openxmlformats.org/drawingml/2006/table">
-            <a:tbl>
-              <a:tblPr firstRow="1" bandRow="1">
-                <a:tableStyleId>{93296810-A885-4BE3-A3E7-6D5BEEA58F35}</a:tableStyleId>
-              </a:tblPr>
-              <a:tblGrid>
-                <a:gridCol w="1296180">
-                  <a:extLst>
-                    <a:ext uri="{9D8B030D-6E8A-4147-A177-3AD203B41FA5}">
-                      <a16:colId xmlns="" xmlns:a16="http://schemas.microsoft.com/office/drawing/2014/main" val="20000"/>
-                    </a:ext>
-                  </a:extLst>
-                </a:gridCol>
-                <a:gridCol w="3088147">
-                  <a:extLst>
-                    <a:ext uri="{9D8B030D-6E8A-4147-A177-3AD203B41FA5}">
-                      <a16:colId xmlns="" xmlns:a16="http://schemas.microsoft.com/office/drawing/2014/main" val="20001"/>
-                    </a:ext>
-                  </a:extLst>
-                </a:gridCol>
-                <a:gridCol w="2192163">
-                  <a:extLst>
-                    <a:ext uri="{9D8B030D-6E8A-4147-A177-3AD203B41FA5}">
-                      <a16:colId xmlns="" xmlns:a16="http://schemas.microsoft.com/office/drawing/2014/main" val="20002"/>
-                    </a:ext>
-                  </a:extLst>
-                </a:gridCol>
-              </a:tblGrid>
-              <a:tr h="361425">
-                <a:tc>
-                  <a:txBody>
-                    <a:bodyPr/>
-                    <a:lstStyle/>
-                    <a:p>
-                      <a:pPr algn="l"/>
-                      <a:r>
-                        <a:rPr kumimoji="1" lang="en-US" altLang="ja-JP" sz="1000" dirty="0" smtClean="0"/>
-                        <a:t>OS</a:t>
-                      </a:r>
-                      <a:endParaRPr kumimoji="1" lang="ja-JP" altLang="en-US" sz="1000" dirty="0"/>
-                    </a:p>
-                  </a:txBody>
-                  <a:tcPr anchor="ctr">
-                    <a:lnR w="38100" cap="flat" cmpd="sng" algn="ctr">
-                      <a:solidFill>
-                        <a:schemeClr val="bg1"/>
-                      </a:solidFill>
-                      <a:prstDash val="solid"/>
-                      <a:round/>
-                      <a:headEnd type="none" w="med" len="med"/>
-                      <a:tailEnd type="none" w="med" len="med"/>
-                    </a:lnR>
-                  </a:tcPr>
-                </a:tc>
-                <a:tc>
-                  <a:txBody>
-                    <a:bodyPr/>
-                    <a:lstStyle/>
-                    <a:p>
-                      <a:r>
-                        <a:rPr kumimoji="1" lang="en-US" altLang="ja-JP" sz="1000" b="0" kern="1200" dirty="0" smtClean="0">
-                          <a:solidFill>
-                            <a:schemeClr val="tx1"/>
-                          </a:solidFill>
-                          <a:latin typeface="+mn-lt"/>
-                          <a:ea typeface="+mn-ea"/>
-                          <a:cs typeface="+mn-cs"/>
-                        </a:rPr>
-                        <a:t>Windows</a:t>
-                      </a:r>
-                      <a:endParaRPr kumimoji="1" lang="ja-JP" altLang="en-US" sz="1000" b="0" kern="1200" dirty="0">
-                        <a:solidFill>
-                          <a:schemeClr val="tx1"/>
-                        </a:solidFill>
-                        <a:latin typeface="+mn-lt"/>
-                        <a:ea typeface="+mn-ea"/>
-                        <a:cs typeface="+mn-cs"/>
-                      </a:endParaRPr>
-                    </a:p>
-                  </a:txBody>
-                  <a:tcPr anchor="ctr">
-                    <a:lnL w="38100" cap="flat" cmpd="sng" algn="ctr">
-                      <a:solidFill>
-                        <a:schemeClr val="bg1"/>
-                      </a:solidFill>
-                      <a:prstDash val="solid"/>
-                      <a:round/>
-                      <a:headEnd type="none" w="med" len="med"/>
-                      <a:tailEnd type="none" w="med" len="med"/>
-                    </a:lnL>
-                    <a:lnB w="12700" cap="flat" cmpd="sng" algn="ctr">
-                      <a:solidFill>
-                        <a:schemeClr val="bg1"/>
-                      </a:solidFill>
-                      <a:prstDash val="solid"/>
-                      <a:round/>
-                      <a:headEnd type="none" w="med" len="med"/>
-                      <a:tailEnd type="none" w="med" len="med"/>
-                    </a:lnB>
-                    <a:solidFill>
-                      <a:srgbClr val="E7E8EA"/>
-                    </a:solidFill>
-                  </a:tcPr>
-                </a:tc>
-                <a:tc>
-                  <a:txBody>
-                    <a:bodyPr/>
-                    <a:lstStyle/>
-                    <a:p>
-                      <a:r>
-                        <a:rPr kumimoji="1" lang="en-US" altLang="ja-JP" sz="1000" b="0" dirty="0" smtClean="0">
-                          <a:solidFill>
-                            <a:schemeClr val="tx1"/>
-                          </a:solidFill>
-                        </a:rPr>
-                        <a:t>Windows7 </a:t>
-                      </a:r>
-                      <a:r>
-                        <a:rPr kumimoji="1" lang="ja-JP" altLang="en-US" sz="1000" b="0" dirty="0" smtClean="0">
-                          <a:solidFill>
-                            <a:schemeClr val="tx1"/>
-                          </a:solidFill>
-                        </a:rPr>
-                        <a:t>以上</a:t>
-                      </a:r>
-                      <a:endParaRPr kumimoji="1" lang="ja-JP" altLang="en-US" sz="1000" b="0" dirty="0">
-                        <a:solidFill>
-                          <a:schemeClr val="tx1"/>
-                        </a:solidFill>
-                      </a:endParaRPr>
-                    </a:p>
-                  </a:txBody>
-                  <a:tcPr anchor="ctr">
-                    <a:lnB w="12700" cap="flat" cmpd="sng" algn="ctr">
-                      <a:solidFill>
-                        <a:schemeClr val="bg1"/>
-                      </a:solidFill>
-                      <a:prstDash val="solid"/>
-                      <a:round/>
-                      <a:headEnd type="none" w="med" len="med"/>
-                      <a:tailEnd type="none" w="med" len="med"/>
-                    </a:lnB>
-                    <a:solidFill>
-                      <a:srgbClr val="E7E8EA"/>
-                    </a:solidFill>
-                  </a:tcPr>
-                </a:tc>
-                <a:extLst>
-                  <a:ext uri="{0D108BD9-81ED-4DB2-BD59-A6C34878D82A}">
-                    <a16:rowId xmlns="" xmlns:a16="http://schemas.microsoft.com/office/drawing/2014/main" val="10000"/>
-                  </a:ext>
-                </a:extLst>
-              </a:tr>
-              <a:tr h="370840">
-                <a:tc>
-                  <a:txBody>
-                    <a:bodyPr/>
-                    <a:lstStyle/>
-                    <a:p>
-                      <a:pPr algn="l"/>
-                      <a:r>
-                        <a:rPr kumimoji="1" lang="ja-JP" altLang="en-US" sz="1000" b="1" dirty="0" smtClean="0">
-                          <a:solidFill>
-                            <a:schemeClr val="bg1"/>
-                          </a:solidFill>
-                        </a:rPr>
-                        <a:t>ソフトウェア</a:t>
-                      </a:r>
-                      <a:endParaRPr kumimoji="1" lang="ja-JP" altLang="en-US" sz="1000" b="1" dirty="0">
-                        <a:solidFill>
-                          <a:schemeClr val="bg1"/>
-                        </a:solidFill>
-                      </a:endParaRPr>
-                    </a:p>
-                  </a:txBody>
-                  <a:tcPr anchor="ctr">
-                    <a:lnR w="38100" cap="flat" cmpd="sng" algn="ctr">
-                      <a:solidFill>
-                        <a:schemeClr val="bg1"/>
-                      </a:solidFill>
-                      <a:prstDash val="solid"/>
-                      <a:round/>
-                      <a:headEnd type="none" w="med" len="med"/>
-                      <a:tailEnd type="none" w="med" len="med"/>
-                    </a:lnR>
-                    <a:lnB w="38100" cap="flat" cmpd="sng" algn="ctr">
-                      <a:solidFill>
-                        <a:schemeClr val="bg1"/>
-                      </a:solidFill>
-                      <a:prstDash val="solid"/>
-                      <a:round/>
-                      <a:headEnd type="none" w="med" len="med"/>
-                      <a:tailEnd type="none" w="med" len="med"/>
-                    </a:lnB>
-                    <a:solidFill>
-                      <a:srgbClr val="002B62"/>
-                    </a:solidFill>
-                  </a:tcPr>
-                </a:tc>
-                <a:tc>
-                  <a:txBody>
-                    <a:bodyPr/>
-                    <a:lstStyle/>
-                    <a:p>
-                      <a:r>
-                        <a:rPr kumimoji="1" lang="en-US" altLang="ja-JP" sz="1000" b="0" dirty="0" smtClean="0">
-                          <a:solidFill>
-                            <a:schemeClr val="tx1"/>
-                          </a:solidFill>
-                        </a:rPr>
-                        <a:t>Excel</a:t>
-                      </a:r>
-                      <a:endParaRPr kumimoji="1" lang="ja-JP" altLang="en-US" sz="1000" b="0" dirty="0">
-                        <a:solidFill>
-                          <a:schemeClr val="tx1"/>
-                        </a:solidFill>
-                      </a:endParaRPr>
-                    </a:p>
-                  </a:txBody>
-                  <a:tcPr anchor="ctr">
-                    <a:lnL w="38100" cap="flat" cmpd="sng" algn="ctr">
-                      <a:solidFill>
-                        <a:schemeClr val="bg1"/>
-                      </a:solidFill>
-                      <a:prstDash val="solid"/>
-                      <a:round/>
-                      <a:headEnd type="none" w="med" len="med"/>
-                      <a:tailEnd type="none" w="med" len="med"/>
-                    </a:lnL>
-                    <a:lnT w="12700" cap="flat" cmpd="sng" algn="ctr">
-                      <a:solidFill>
-                        <a:schemeClr val="bg1"/>
-                      </a:solidFill>
-                      <a:prstDash val="solid"/>
-                      <a:round/>
-                      <a:headEnd type="none" w="med" len="med"/>
-                      <a:tailEnd type="none" w="med" len="med"/>
-                    </a:lnT>
-                    <a:lnB w="12700" cap="flat" cmpd="sng" algn="ctr">
-                      <a:solidFill>
-                        <a:schemeClr val="bg1"/>
-                      </a:solidFill>
-                      <a:prstDash val="solid"/>
-                      <a:round/>
-                      <a:headEnd type="none" w="med" len="med"/>
-                      <a:tailEnd type="none" w="med" len="med"/>
-                    </a:lnB>
-                  </a:tcPr>
-                </a:tc>
-                <a:tc>
-                  <a:txBody>
-                    <a:bodyPr/>
-                    <a:lstStyle/>
-                    <a:p>
-                      <a:r>
-                        <a:rPr kumimoji="1" lang="en-US" altLang="ja-JP" sz="1000" b="0" dirty="0" smtClean="0">
-                          <a:solidFill>
-                            <a:schemeClr val="tx1"/>
-                          </a:solidFill>
-                        </a:rPr>
-                        <a:t>MS Office 2007 </a:t>
-                      </a:r>
-                      <a:r>
-                        <a:rPr kumimoji="1" lang="ja-JP" altLang="en-US" sz="1000" b="0" dirty="0" smtClean="0">
-                          <a:solidFill>
-                            <a:schemeClr val="tx1"/>
-                          </a:solidFill>
-                        </a:rPr>
-                        <a:t>以上</a:t>
-                      </a:r>
-                      <a:endParaRPr kumimoji="1" lang="ja-JP" altLang="en-US" sz="1000" b="0" dirty="0">
-                        <a:solidFill>
-                          <a:schemeClr val="tx1"/>
-                        </a:solidFill>
-                      </a:endParaRPr>
-                    </a:p>
-                  </a:txBody>
-                  <a:tcPr anchor="ctr">
-                    <a:lnT w="12700" cap="flat" cmpd="sng" algn="ctr">
-                      <a:solidFill>
-                        <a:schemeClr val="bg1"/>
-                      </a:solidFill>
-                      <a:prstDash val="solid"/>
-                      <a:round/>
-                      <a:headEnd type="none" w="med" len="med"/>
-                      <a:tailEnd type="none" w="med" len="med"/>
-                    </a:lnT>
-                    <a:lnB w="12700" cap="flat" cmpd="sng" algn="ctr">
-                      <a:solidFill>
-                        <a:schemeClr val="bg1"/>
-                      </a:solidFill>
-                      <a:prstDash val="solid"/>
-                      <a:round/>
-                      <a:headEnd type="none" w="med" len="med"/>
-                      <a:tailEnd type="none" w="med" len="med"/>
-                    </a:lnB>
-                  </a:tcPr>
-                </a:tc>
-                <a:extLst>
-                  <a:ext uri="{0D108BD9-81ED-4DB2-BD59-A6C34878D82A}">
-                    <a16:rowId xmlns="" xmlns:a16="http://schemas.microsoft.com/office/drawing/2014/main" val="10001"/>
-                  </a:ext>
-                </a:extLst>
-              </a:tr>
-              <a:tr h="370840">
-                <a:tc rowSpan="3">
-                  <a:txBody>
-                    <a:bodyPr/>
-                    <a:lstStyle/>
-                    <a:p>
-                      <a:pPr algn="l"/>
-                      <a:r>
-                        <a:rPr kumimoji="1" lang="ja-JP" altLang="en-US" sz="1000" b="1" dirty="0" smtClean="0">
-                          <a:solidFill>
-                            <a:schemeClr val="bg1"/>
-                          </a:solidFill>
-                        </a:rPr>
-                        <a:t>ブラウザ</a:t>
-                      </a:r>
-                      <a:endParaRPr kumimoji="1" lang="ja-JP" altLang="en-US" sz="1000" b="1" dirty="0">
-                        <a:solidFill>
-                          <a:schemeClr val="bg1"/>
-                        </a:solidFill>
-                      </a:endParaRPr>
-                    </a:p>
-                  </a:txBody>
-                  <a:tcPr anchor="ctr">
-                    <a:lnR w="38100" cap="flat" cmpd="sng" algn="ctr">
-                      <a:solidFill>
-                        <a:schemeClr val="bg1"/>
-                      </a:solidFill>
-                      <a:prstDash val="solid"/>
-                      <a:round/>
-                      <a:headEnd type="none" w="med" len="med"/>
-                      <a:tailEnd type="none" w="med" len="med"/>
-                    </a:lnR>
-                    <a:lnT w="38100" cap="flat" cmpd="sng" algn="ctr">
-                      <a:solidFill>
-                        <a:schemeClr val="bg1"/>
-                      </a:solidFill>
-                      <a:prstDash val="solid"/>
-                      <a:round/>
-                      <a:headEnd type="none" w="med" len="med"/>
-                      <a:tailEnd type="none" w="med" len="med"/>
-                    </a:lnT>
-                    <a:solidFill>
-                      <a:srgbClr val="002B62"/>
-                    </a:solidFill>
-                  </a:tcPr>
-                </a:tc>
-                <a:tc>
-                  <a:txBody>
-                    <a:bodyPr/>
-                    <a:lstStyle/>
-                    <a:p>
-                      <a:r>
-                        <a:rPr kumimoji="1" lang="en-US" altLang="ja-JP" sz="1000" b="0" dirty="0" smtClean="0">
-                          <a:solidFill>
-                            <a:schemeClr val="tx1"/>
-                          </a:solidFill>
-                        </a:rPr>
-                        <a:t>Google Chrome</a:t>
-                      </a:r>
-                      <a:endParaRPr kumimoji="1" lang="ja-JP" altLang="en-US" sz="1000" b="0" dirty="0">
-                        <a:solidFill>
-                          <a:schemeClr val="tx1"/>
-                        </a:solidFill>
-                      </a:endParaRPr>
-                    </a:p>
-                  </a:txBody>
-                  <a:tcPr anchor="ctr">
-                    <a:lnL w="38100" cap="flat" cmpd="sng" algn="ctr">
-                      <a:solidFill>
-                        <a:schemeClr val="bg1"/>
-                      </a:solidFill>
-                      <a:prstDash val="solid"/>
-                      <a:round/>
-                      <a:headEnd type="none" w="med" len="med"/>
-                      <a:tailEnd type="none" w="med" len="med"/>
-                    </a:lnL>
-                    <a:lnT w="12700" cap="flat" cmpd="sng" algn="ctr">
-                      <a:solidFill>
-                        <a:schemeClr val="bg1"/>
-                      </a:solidFill>
-                      <a:prstDash val="solid"/>
-                      <a:round/>
-                      <a:headEnd type="none" w="med" len="med"/>
-                      <a:tailEnd type="none" w="med" len="med"/>
-                    </a:lnT>
-                    <a:lnB w="12700" cap="flat" cmpd="sng" algn="ctr">
-                      <a:solidFill>
-                        <a:schemeClr val="bg1"/>
-                      </a:solidFill>
-                      <a:prstDash val="solid"/>
-                      <a:round/>
-                      <a:headEnd type="none" w="med" len="med"/>
-                      <a:tailEnd type="none" w="med" len="med"/>
-                    </a:lnB>
-                  </a:tcPr>
-                </a:tc>
-                <a:tc>
-                  <a:txBody>
-                    <a:bodyPr/>
-                    <a:lstStyle/>
-                    <a:p>
-                      <a:r>
-                        <a:rPr kumimoji="1" lang="en-US" altLang="ja-JP" sz="1000" b="0" dirty="0" smtClean="0">
-                          <a:solidFill>
-                            <a:schemeClr val="tx1"/>
-                          </a:solidFill>
-                        </a:rPr>
-                        <a:t>73</a:t>
-                      </a:r>
-                      <a:r>
-                        <a:rPr kumimoji="1" lang="ja-JP" altLang="en-US" sz="1000" b="0" dirty="0" smtClean="0">
-                          <a:solidFill>
-                            <a:schemeClr val="tx1"/>
-                          </a:solidFill>
-                        </a:rPr>
-                        <a:t>以上</a:t>
-                      </a:r>
-                      <a:endParaRPr kumimoji="1" lang="ja-JP" altLang="en-US" sz="1000" b="0" dirty="0">
-                        <a:solidFill>
-                          <a:schemeClr val="tx1"/>
-                        </a:solidFill>
-                      </a:endParaRPr>
-                    </a:p>
-                  </a:txBody>
-                  <a:tcPr anchor="ctr">
-                    <a:lnT w="12700" cap="flat" cmpd="sng" algn="ctr">
-                      <a:solidFill>
-                        <a:schemeClr val="bg1"/>
-                      </a:solidFill>
-                      <a:prstDash val="solid"/>
-                      <a:round/>
-                      <a:headEnd type="none" w="med" len="med"/>
-                      <a:tailEnd type="none" w="med" len="med"/>
-                    </a:lnT>
-                    <a:lnB w="12700" cap="flat" cmpd="sng" algn="ctr">
-                      <a:solidFill>
-                        <a:schemeClr val="bg1"/>
-                      </a:solidFill>
-                      <a:prstDash val="solid"/>
-                      <a:round/>
-                      <a:headEnd type="none" w="med" len="med"/>
-                      <a:tailEnd type="none" w="med" len="med"/>
-                    </a:lnB>
-                  </a:tcPr>
-                </a:tc>
-                <a:extLst>
-                  <a:ext uri="{0D108BD9-81ED-4DB2-BD59-A6C34878D82A}">
-                    <a16:rowId xmlns="" xmlns:a16="http://schemas.microsoft.com/office/drawing/2014/main" val="10002"/>
-                  </a:ext>
-                </a:extLst>
-              </a:tr>
-              <a:tr h="370840">
-                <a:tc vMerge="1">
-                  <a:txBody>
-                    <a:bodyPr/>
-                    <a:lstStyle/>
-                    <a:p>
-                      <a:pPr algn="l"/>
-                      <a:endParaRPr kumimoji="1" lang="ja-JP" altLang="en-US" sz="1000" dirty="0">
-                        <a:solidFill>
-                          <a:schemeClr val="bg1"/>
-                        </a:solidFill>
-                      </a:endParaRPr>
-                    </a:p>
-                  </a:txBody>
-                  <a:tcPr anchor="ctr">
-                    <a:lnR w="38100" cap="flat" cmpd="sng" algn="ctr">
-                      <a:solidFill>
-                        <a:schemeClr val="bg1"/>
-                      </a:solidFill>
-                      <a:prstDash val="solid"/>
-                      <a:round/>
-                      <a:headEnd type="none" w="med" len="med"/>
-                      <a:tailEnd type="none" w="med" len="med"/>
-                    </a:lnR>
-                    <a:solidFill>
-                      <a:srgbClr val="002060"/>
-                    </a:solidFill>
-                  </a:tcPr>
-                </a:tc>
-                <a:tc>
-                  <a:txBody>
-                    <a:bodyPr/>
-                    <a:lstStyle/>
-                    <a:p>
-                      <a:r>
-                        <a:rPr kumimoji="1" lang="en-US" altLang="ja-JP" sz="1000" b="0" dirty="0" smtClean="0">
-                          <a:solidFill>
-                            <a:schemeClr val="tx1"/>
-                          </a:solidFill>
-                        </a:rPr>
-                        <a:t>Firefox</a:t>
-                      </a:r>
-                      <a:endParaRPr kumimoji="1" lang="ja-JP" altLang="en-US" sz="1000" b="0" dirty="0">
-                        <a:solidFill>
-                          <a:schemeClr val="tx1"/>
-                        </a:solidFill>
-                      </a:endParaRPr>
-                    </a:p>
-                  </a:txBody>
-                  <a:tcPr anchor="ctr">
-                    <a:lnL w="38100" cap="flat" cmpd="sng" algn="ctr">
-                      <a:solidFill>
-                        <a:schemeClr val="bg1"/>
-                      </a:solidFill>
-                      <a:prstDash val="solid"/>
-                      <a:round/>
-                      <a:headEnd type="none" w="med" len="med"/>
-                      <a:tailEnd type="none" w="med" len="med"/>
-                    </a:lnL>
-                    <a:lnT w="12700" cap="flat" cmpd="sng" algn="ctr">
-                      <a:solidFill>
-                        <a:schemeClr val="bg1"/>
-                      </a:solidFill>
-                      <a:prstDash val="solid"/>
-                      <a:round/>
-                      <a:headEnd type="none" w="med" len="med"/>
-                      <a:tailEnd type="none" w="med" len="med"/>
-                    </a:lnT>
-                    <a:lnB w="12700" cap="flat" cmpd="sng" algn="ctr">
-                      <a:solidFill>
-                        <a:schemeClr val="bg1"/>
-                      </a:solidFill>
-                      <a:prstDash val="solid"/>
-                      <a:round/>
-                      <a:headEnd type="none" w="med" len="med"/>
-                      <a:tailEnd type="none" w="med" len="med"/>
-                    </a:lnB>
-                  </a:tcPr>
-                </a:tc>
-                <a:tc>
-                  <a:txBody>
-                    <a:bodyPr/>
-                    <a:lstStyle/>
-                    <a:p>
-                      <a:r>
-                        <a:rPr kumimoji="1" lang="en-US" altLang="ja-JP" sz="1000" b="0" dirty="0" smtClean="0">
-                          <a:solidFill>
-                            <a:schemeClr val="tx1"/>
-                          </a:solidFill>
-                        </a:rPr>
-                        <a:t>41</a:t>
-                      </a:r>
-                      <a:r>
-                        <a:rPr kumimoji="1" lang="ja-JP" altLang="en-US" sz="1000" b="0" dirty="0" smtClean="0">
-                          <a:solidFill>
-                            <a:schemeClr val="tx1"/>
-                          </a:solidFill>
-                        </a:rPr>
-                        <a:t>以上</a:t>
-                      </a:r>
-                      <a:endParaRPr kumimoji="1" lang="ja-JP" altLang="en-US" sz="1000" b="0" dirty="0">
-                        <a:solidFill>
-                          <a:schemeClr val="tx1"/>
-                        </a:solidFill>
-                      </a:endParaRPr>
-                    </a:p>
-                  </a:txBody>
-                  <a:tcPr anchor="ctr">
-                    <a:lnT w="12700" cap="flat" cmpd="sng" algn="ctr">
-                      <a:solidFill>
-                        <a:schemeClr val="bg1"/>
-                      </a:solidFill>
-                      <a:prstDash val="solid"/>
-                      <a:round/>
-                      <a:headEnd type="none" w="med" len="med"/>
-                      <a:tailEnd type="none" w="med" len="med"/>
-                    </a:lnT>
-                    <a:lnB w="12700" cap="flat" cmpd="sng" algn="ctr">
-                      <a:solidFill>
-                        <a:schemeClr val="bg1"/>
-                      </a:solidFill>
-                      <a:prstDash val="solid"/>
-                      <a:round/>
-                      <a:headEnd type="none" w="med" len="med"/>
-                      <a:tailEnd type="none" w="med" len="med"/>
-                    </a:lnB>
-                  </a:tcPr>
-                </a:tc>
-                <a:extLst>
-                  <a:ext uri="{0D108BD9-81ED-4DB2-BD59-A6C34878D82A}">
-                    <a16:rowId xmlns="" xmlns:a16="http://schemas.microsoft.com/office/drawing/2014/main" val="10003"/>
-                  </a:ext>
-                </a:extLst>
-              </a:tr>
-              <a:tr h="370840">
-                <a:tc vMerge="1">
-                  <a:txBody>
-                    <a:bodyPr/>
-                    <a:lstStyle/>
-                    <a:p>
-                      <a:pPr algn="l"/>
-                      <a:endParaRPr kumimoji="1" lang="ja-JP" altLang="en-US" sz="1000" dirty="0">
-                        <a:solidFill>
-                          <a:schemeClr val="bg1"/>
-                        </a:solidFill>
-                      </a:endParaRPr>
-                    </a:p>
-                  </a:txBody>
-                  <a:tcPr anchor="ctr">
-                    <a:lnR w="38100" cap="flat" cmpd="sng" algn="ctr">
-                      <a:solidFill>
-                        <a:schemeClr val="bg1"/>
-                      </a:solidFill>
-                      <a:prstDash val="solid"/>
-                      <a:round/>
-                      <a:headEnd type="none" w="med" len="med"/>
-                      <a:tailEnd type="none" w="med" len="med"/>
-                    </a:lnR>
-                    <a:solidFill>
-                      <a:srgbClr val="002060"/>
-                    </a:solidFill>
-                  </a:tcPr>
-                </a:tc>
-                <a:tc>
-                  <a:txBody>
-                    <a:bodyPr/>
-                    <a:lstStyle/>
-                    <a:p>
-                      <a:r>
-                        <a:rPr kumimoji="1" lang="en-US" altLang="ja-JP" sz="1000" b="0" dirty="0" smtClean="0">
-                          <a:solidFill>
-                            <a:schemeClr val="tx1"/>
-                          </a:solidFill>
-                        </a:rPr>
-                        <a:t>Microsoft</a:t>
-                      </a:r>
-                      <a:r>
-                        <a:rPr kumimoji="1" lang="ja-JP" altLang="en-US" sz="1000" b="0" dirty="0" smtClean="0">
-                          <a:solidFill>
-                            <a:schemeClr val="tx1"/>
-                          </a:solidFill>
-                        </a:rPr>
-                        <a:t>　</a:t>
-                      </a:r>
-                      <a:r>
-                        <a:rPr kumimoji="1" lang="en-US" altLang="ja-JP" sz="1000" b="0" dirty="0" smtClean="0">
-                          <a:solidFill>
-                            <a:schemeClr val="tx1"/>
-                          </a:solidFill>
-                        </a:rPr>
-                        <a:t>Edge </a:t>
-                      </a:r>
-                      <a:endParaRPr kumimoji="1" lang="ja-JP" altLang="en-US" sz="1000" b="0" dirty="0">
-                        <a:solidFill>
-                          <a:schemeClr val="tx1"/>
-                        </a:solidFill>
-                      </a:endParaRPr>
-                    </a:p>
-                  </a:txBody>
-                  <a:tcPr anchor="ctr">
-                    <a:lnL w="38100" cap="flat" cmpd="sng" algn="ctr">
-                      <a:solidFill>
-                        <a:schemeClr val="bg1"/>
-                      </a:solidFill>
-                      <a:prstDash val="solid"/>
-                      <a:round/>
-                      <a:headEnd type="none" w="med" len="med"/>
-                      <a:tailEnd type="none" w="med" len="med"/>
-                    </a:lnL>
-                    <a:lnT w="12700" cap="flat" cmpd="sng" algn="ctr">
-                      <a:solidFill>
-                        <a:schemeClr val="bg1"/>
-                      </a:solidFill>
-                      <a:prstDash val="solid"/>
-                      <a:round/>
-                      <a:headEnd type="none" w="med" len="med"/>
-                      <a:tailEnd type="none" w="med" len="med"/>
-                    </a:lnT>
-                    <a:lnB w="12700" cap="flat" cmpd="sng" algn="ctr">
-                      <a:solidFill>
-                        <a:schemeClr val="bg1"/>
-                      </a:solidFill>
-                      <a:prstDash val="solid"/>
-                      <a:round/>
-                      <a:headEnd type="none" w="med" len="med"/>
-                      <a:tailEnd type="none" w="med" len="med"/>
-                    </a:lnB>
-                  </a:tcPr>
-                </a:tc>
-                <a:tc>
-                  <a:txBody>
-                    <a:bodyPr/>
-                    <a:lstStyle/>
-                    <a:p>
-                      <a:r>
-                        <a:rPr kumimoji="1" lang="en-US" altLang="ja-JP" sz="1000" b="0" dirty="0" smtClean="0">
-                          <a:solidFill>
-                            <a:schemeClr val="tx1"/>
-                          </a:solidFill>
-                        </a:rPr>
-                        <a:t>20</a:t>
-                      </a:r>
-                      <a:r>
-                        <a:rPr kumimoji="1" lang="ja-JP" altLang="en-US" sz="1000" b="0" dirty="0" smtClean="0">
-                          <a:solidFill>
-                            <a:schemeClr val="tx1"/>
-                          </a:solidFill>
-                        </a:rPr>
-                        <a:t>以上</a:t>
-                      </a:r>
-                      <a:endParaRPr kumimoji="1" lang="ja-JP" altLang="en-US" sz="1000" b="0" dirty="0">
-                        <a:solidFill>
-                          <a:schemeClr val="tx1"/>
-                        </a:solidFill>
-                      </a:endParaRPr>
-                    </a:p>
-                  </a:txBody>
-                  <a:tcPr anchor="ctr">
-                    <a:lnT w="12700" cap="flat" cmpd="sng" algn="ctr">
-                      <a:solidFill>
-                        <a:schemeClr val="bg1"/>
-                      </a:solidFill>
-                      <a:prstDash val="solid"/>
-                      <a:round/>
-                      <a:headEnd type="none" w="med" len="med"/>
-                      <a:tailEnd type="none" w="med" len="med"/>
-                    </a:lnT>
-                    <a:lnB w="12700" cap="flat" cmpd="sng" algn="ctr">
-                      <a:solidFill>
-                        <a:schemeClr val="bg1"/>
-                      </a:solidFill>
-                      <a:prstDash val="solid"/>
-                      <a:round/>
-                      <a:headEnd type="none" w="med" len="med"/>
-                      <a:tailEnd type="none" w="med" len="med"/>
-                    </a:lnB>
-                  </a:tcPr>
-                </a:tc>
-                <a:extLst>
-                  <a:ext uri="{0D108BD9-81ED-4DB2-BD59-A6C34878D82A}">
-                    <a16:rowId xmlns="" xmlns:a16="http://schemas.microsoft.com/office/drawing/2014/main" val="10004"/>
-                  </a:ext>
-                </a:extLst>
-              </a:tr>
-            </a:tbl>
-          </a:graphicData>
-        </a:graphic>
-      </p:graphicFrame>
     </p:spTree>
     <p:extLst>
       <p:ext uri="{BB962C8B-B14F-4D97-AF65-F5344CB8AC3E}">
@@ -35784,12 +32048,6 @@
             </a:r>
             <a:endParaRPr lang="en-US" altLang="ja-JP" dirty="0" smtClean="0"/>
           </a:p>
-          <a:p>
-            <a:pPr marL="180000" lvl="1" indent="0">
-              <a:buNone/>
-            </a:pPr>
-            <a:endParaRPr lang="en-US" altLang="ja-JP" dirty="0" smtClean="0"/>
-          </a:p>
         </p:txBody>
       </p:sp>
       <p:graphicFrame>
@@ -35801,14 +32059,14 @@
           <p:nvPr>
             <p:extLst>
               <p:ext uri="{D42A27DB-BD31-4B8C-83A1-F6EECF244321}">
-                <p14:modId xmlns:p14="http://schemas.microsoft.com/office/powerpoint/2010/main" val="2709763650"/>
+                <p14:modId xmlns:p14="http://schemas.microsoft.com/office/powerpoint/2010/main" val="2357416733"/>
               </p:ext>
             </p:extLst>
           </p:nvPr>
         </p:nvGraphicFramePr>
         <p:xfrm>
-          <a:off x="899490" y="2780910"/>
-          <a:ext cx="7201000" cy="3561968"/>
+          <a:off x="971013" y="2780910"/>
+          <a:ext cx="7201000" cy="2453640"/>
         </p:xfrm>
         <a:graphic>
           <a:graphicData uri="http://schemas.openxmlformats.org/drawingml/2006/table">
@@ -35817,22 +32075,22 @@
                 <a:tableStyleId>{93296810-A885-4BE3-A3E7-6D5BEEA58F35}</a:tableStyleId>
               </a:tblPr>
               <a:tblGrid>
-                <a:gridCol w="843691">
+                <a:gridCol w="1008140">
                   <a:extLst>
                     <a:ext uri="{9D8B030D-6E8A-4147-A177-3AD203B41FA5}">
-                      <a16:colId xmlns="" xmlns:a16="http://schemas.microsoft.com/office/drawing/2014/main" val="20000"/>
+                      <a16:colId xmlns:a16="http://schemas.microsoft.com/office/drawing/2014/main" val="20000"/>
                     </a:ext>
                   </a:extLst>
                 </a:gridCol>
-                <a:gridCol w="6357309">
+                <a:gridCol w="6192860">
                   <a:extLst>
                     <a:ext uri="{9D8B030D-6E8A-4147-A177-3AD203B41FA5}">
-                      <a16:colId xmlns="" xmlns:a16="http://schemas.microsoft.com/office/drawing/2014/main" val="20001"/>
+                      <a16:colId xmlns:a16="http://schemas.microsoft.com/office/drawing/2014/main" val="20001"/>
                     </a:ext>
                   </a:extLst>
                 </a:gridCol>
               </a:tblGrid>
-              <a:tr h="264426">
+              <a:tr h="120406">
                 <a:tc>
                   <a:txBody>
                     <a:bodyPr/>
@@ -35865,21 +32123,21 @@
                 </a:tc>
                 <a:extLst>
                   <a:ext uri="{0D108BD9-81ED-4DB2-BD59-A6C34878D82A}">
-                    <a16:rowId xmlns="" xmlns:a16="http://schemas.microsoft.com/office/drawing/2014/main" val="10000"/>
+                    <a16:rowId xmlns:a16="http://schemas.microsoft.com/office/drawing/2014/main" val="10000"/>
                   </a:ext>
                 </a:extLst>
               </a:tr>
-              <a:tr h="404416">
+              <a:tr h="172980">
                 <a:tc rowSpan="3">
                   <a:txBody>
                     <a:bodyPr/>
                     <a:lstStyle/>
                     <a:p>
                       <a:r>
-                        <a:rPr kumimoji="1" lang="en-US" altLang="ja-JP" sz="1000" b="1" dirty="0" smtClean="0"/>
+                        <a:rPr kumimoji="1" lang="en-US" altLang="ja-JP" sz="1200" b="1" dirty="0" smtClean="0"/>
                         <a:t>RHEL7</a:t>
                       </a:r>
-                      <a:endParaRPr kumimoji="1" lang="ja-JP" altLang="en-US" sz="1000" b="1" dirty="0"/>
+                      <a:endParaRPr kumimoji="1" lang="ja-JP" altLang="en-US" sz="1200" b="1" dirty="0"/>
                     </a:p>
                   </a:txBody>
                   <a:tcPr anchor="ctr"/>
@@ -35890,29 +32148,26 @@
                     <a:lstStyle/>
                     <a:p>
                       <a:r>
-                        <a:rPr kumimoji="1" lang="en-US" altLang="ja-JP" sz="1000" b="1" i="0" u="none" strike="noStrike" kern="1200" baseline="0" dirty="0" smtClean="0">
+                        <a:rPr kumimoji="1" lang="en-US" altLang="ja-JP" sz="1200" b="1" i="0" kern="1200" dirty="0" smtClean="0">
                           <a:solidFill>
                             <a:schemeClr val="dk1"/>
                           </a:solidFill>
+                          <a:effectLst/>
                           <a:latin typeface="+mn-lt"/>
                           <a:ea typeface="+mn-ea"/>
                           <a:cs typeface="+mn-cs"/>
                         </a:rPr>
-                        <a:t>http://ftp-srv2.kddilabs.jp/Linux/distributions/fedora/epel/7/x86_64/Packages/</a:t>
-                      </a:r>
-                    </a:p>
-                    <a:p>
-                      <a:r>
-                        <a:rPr kumimoji="1" lang="en-US" altLang="ja-JP" sz="1000" b="1" i="0" u="none" strike="noStrike" kern="1200" baseline="0" dirty="0" smtClean="0">
-                          <a:solidFill>
-                            <a:schemeClr val="dk1"/>
-                          </a:solidFill>
-                          <a:latin typeface="+mn-lt"/>
-                          <a:ea typeface="+mn-ea"/>
-                          <a:cs typeface="+mn-cs"/>
-                        </a:rPr>
-                        <a:t>e/epel-release-7-11.noarch.rpm</a:t>
-                      </a:r>
+                        <a:t>https://dl.fedoraproject.org/pub/epel/epel-release-latest-7.noarch.rpm</a:t>
+                      </a:r>
+                      <a:endParaRPr kumimoji="1" lang="en-US" altLang="ja-JP" sz="1200" b="1" i="0" kern="1200" dirty="0">
+                        <a:solidFill>
+                          <a:schemeClr val="dk1"/>
+                        </a:solidFill>
+                        <a:effectLst/>
+                        <a:latin typeface="+mn-lt"/>
+                        <a:ea typeface="+mn-ea"/>
+                        <a:cs typeface="+mn-cs"/>
+                      </a:endParaRPr>
                     </a:p>
                   </a:txBody>
                   <a:tcPr>
@@ -35932,7 +32187,7 @@
                 </a:tc>
                 <a:extLst>
                   <a:ext uri="{0D108BD9-81ED-4DB2-BD59-A6C34878D82A}">
-                    <a16:rowId xmlns="" xmlns:a16="http://schemas.microsoft.com/office/drawing/2014/main" val="10001"/>
+                    <a16:rowId xmlns:a16="http://schemas.microsoft.com/office/drawing/2014/main" val="10001"/>
                   </a:ext>
                 </a:extLst>
               </a:tr>
@@ -35970,7 +32225,7 @@
                         <a:defRPr/>
                       </a:pPr>
                       <a:r>
-                        <a:rPr kumimoji="1" lang="en-US" altLang="ja-JP" sz="1000" b="1" i="0" u="none" strike="noStrike" kern="1200" baseline="0" dirty="0" smtClean="0">
+                        <a:rPr kumimoji="1" lang="en-US" altLang="ja-JP" sz="1200" b="1" i="0" u="none" strike="noStrike" kern="1200" baseline="0" dirty="0" smtClean="0">
                           <a:solidFill>
                             <a:schemeClr val="tx1"/>
                           </a:solidFill>
@@ -36008,7 +32263,212 @@
                 </a:tc>
                 <a:extLst>
                   <a:ext uri="{0D108BD9-81ED-4DB2-BD59-A6C34878D82A}">
-                    <a16:rowId xmlns="" xmlns:a16="http://schemas.microsoft.com/office/drawing/2014/main" val="10002"/>
+                    <a16:rowId xmlns:a16="http://schemas.microsoft.com/office/drawing/2014/main" val="10002"/>
+                  </a:ext>
+                </a:extLst>
+              </a:tr>
+              <a:tr h="248871">
+                <a:tc vMerge="1">
+                  <a:txBody>
+                    <a:bodyPr/>
+                    <a:lstStyle/>
+                    <a:p>
+                      <a:endParaRPr kumimoji="1" lang="ja-JP" altLang="en-US"/>
+                    </a:p>
+                  </a:txBody>
+                  <a:tcPr/>
+                </a:tc>
+                <a:tc>
+                  <a:txBody>
+                    <a:bodyPr/>
+                    <a:lstStyle/>
+                    <a:p>
+                      <a:r>
+                        <a:rPr kumimoji="1" lang="en-US" altLang="ja-JP" sz="1200" b="1" dirty="0" smtClean="0">
+                          <a:solidFill>
+                            <a:schemeClr val="tx1"/>
+                          </a:solidFill>
+                        </a:rPr>
+                        <a:t>http://rpms.remirepo.net/enterprise/remi-release-7.rpm</a:t>
+                      </a:r>
+                      <a:endParaRPr kumimoji="1" lang="ja-JP" altLang="en-US" sz="1200" b="1" dirty="0">
+                        <a:solidFill>
+                          <a:schemeClr val="tx1"/>
+                        </a:solidFill>
+                      </a:endParaRPr>
+                    </a:p>
+                  </a:txBody>
+                  <a:tcPr>
+                    <a:lnT w="12700" cap="flat" cmpd="sng" algn="ctr">
+                      <a:solidFill>
+                        <a:schemeClr val="bg1"/>
+                      </a:solidFill>
+                      <a:prstDash val="solid"/>
+                      <a:round/>
+                      <a:headEnd type="none" w="med" len="med"/>
+                      <a:tailEnd type="none" w="med" len="med"/>
+                    </a:lnT>
+                  </a:tcPr>
+                </a:tc>
+                <a:extLst>
+                  <a:ext uri="{0D108BD9-81ED-4DB2-BD59-A6C34878D82A}">
+                    <a16:rowId xmlns:a16="http://schemas.microsoft.com/office/drawing/2014/main" val="10003"/>
+                  </a:ext>
+                </a:extLst>
+              </a:tr>
+              <a:tr h="248871">
+                <a:tc>
+                  <a:txBody>
+                    <a:bodyPr/>
+                    <a:lstStyle/>
+                    <a:p>
+                      <a:pPr marL="0" marR="0" lvl="0" indent="0" algn="l" defTabSz="914400" rtl="0" eaLnBrk="1" fontAlgn="auto" latinLnBrk="0" hangingPunct="1">
+                        <a:lnSpc>
+                          <a:spcPct val="100000"/>
+                        </a:lnSpc>
+                        <a:spcBef>
+                          <a:spcPts val="0"/>
+                        </a:spcBef>
+                        <a:spcAft>
+                          <a:spcPts val="0"/>
+                        </a:spcAft>
+                        <a:buClrTx/>
+                        <a:buSzTx/>
+                        <a:buFontTx/>
+                        <a:buNone/>
+                        <a:tabLst/>
+                        <a:defRPr/>
+                      </a:pPr>
+                      <a:r>
+                        <a:rPr kumimoji="1" lang="en-US" altLang="ja-JP" sz="1200" b="1" dirty="0" smtClean="0"/>
+                        <a:t>RHEL8</a:t>
+                      </a:r>
+                      <a:endParaRPr kumimoji="1" lang="ja-JP" altLang="en-US" sz="1200" b="1" dirty="0" smtClean="0"/>
+                    </a:p>
+                  </a:txBody>
+                  <a:tcPr anchor="ctr"/>
+                </a:tc>
+                <a:tc>
+                  <a:txBody>
+                    <a:bodyPr/>
+                    <a:lstStyle/>
+                    <a:p>
+                      <a:pPr marL="0" marR="0" lvl="0" indent="0" algn="l" defTabSz="914400" rtl="0" eaLnBrk="1" fontAlgn="auto" latinLnBrk="0" hangingPunct="1">
+                        <a:lnSpc>
+                          <a:spcPct val="100000"/>
+                        </a:lnSpc>
+                        <a:spcBef>
+                          <a:spcPts val="0"/>
+                        </a:spcBef>
+                        <a:spcAft>
+                          <a:spcPts val="0"/>
+                        </a:spcAft>
+                        <a:buClrTx/>
+                        <a:buSzTx/>
+                        <a:buFontTx/>
+                        <a:buNone/>
+                        <a:tabLst/>
+                        <a:defRPr/>
+                      </a:pPr>
+                      <a:r>
+                        <a:rPr kumimoji="1" lang="en-US" altLang="ja-JP" sz="1200" b="1" i="0" kern="1200" dirty="0" smtClean="0">
+                          <a:solidFill>
+                            <a:schemeClr val="dk1"/>
+                          </a:solidFill>
+                          <a:effectLst/>
+                          <a:latin typeface="+mn-lt"/>
+                          <a:ea typeface="+mn-ea"/>
+                          <a:cs typeface="+mn-cs"/>
+                        </a:rPr>
+                        <a:t>https://dl.fedoraproject.org/pub/epel/epel-release-latest-8.noarch.rpm</a:t>
+                      </a:r>
+                    </a:p>
+                  </a:txBody>
+                  <a:tcPr>
+                    <a:lnB w="12700" cap="flat" cmpd="sng" algn="ctr">
+                      <a:solidFill>
+                        <a:schemeClr val="bg1"/>
+                      </a:solidFill>
+                      <a:prstDash val="solid"/>
+                      <a:round/>
+                      <a:headEnd type="none" w="med" len="med"/>
+                      <a:tailEnd type="none" w="med" len="med"/>
+                    </a:lnB>
+                  </a:tcPr>
+                </a:tc>
+                <a:extLst>
+                  <a:ext uri="{0D108BD9-81ED-4DB2-BD59-A6C34878D82A}">
+                    <a16:rowId xmlns:a16="http://schemas.microsoft.com/office/drawing/2014/main" val="10007"/>
+                  </a:ext>
+                </a:extLst>
+              </a:tr>
+              <a:tr h="248871">
+                <a:tc rowSpan="3">
+                  <a:txBody>
+                    <a:bodyPr/>
+                    <a:lstStyle/>
+                    <a:p>
+                      <a:r>
+                        <a:rPr kumimoji="1" lang="en-US" altLang="ja-JP" sz="1200" b="1" dirty="0" smtClean="0"/>
+                        <a:t>CentOS7</a:t>
+                      </a:r>
+                      <a:endParaRPr kumimoji="1" lang="ja-JP" altLang="en-US" sz="1200" b="1" dirty="0"/>
+                    </a:p>
+                  </a:txBody>
+                  <a:tcPr anchor="ctr"/>
+                </a:tc>
+                <a:tc>
+                  <a:txBody>
+                    <a:bodyPr/>
+                    <a:lstStyle/>
+                    <a:p>
+                      <a:r>
+                        <a:rPr kumimoji="1" lang="en-US" altLang="ja-JP" sz="1200" b="1" dirty="0" err="1" smtClean="0">
+                          <a:solidFill>
+                            <a:schemeClr val="tx1"/>
+                          </a:solidFill>
+                        </a:rPr>
+                        <a:t>epel</a:t>
+                      </a:r>
+                      <a:r>
+                        <a:rPr kumimoji="1" lang="en-US" altLang="ja-JP" sz="1200" b="1" dirty="0" smtClean="0">
+                          <a:solidFill>
+                            <a:schemeClr val="tx1"/>
+                          </a:solidFill>
+                        </a:rPr>
+                        <a:t>-release</a:t>
+                      </a:r>
+                      <a:endParaRPr kumimoji="1" lang="ja-JP" altLang="en-US" sz="1200" b="1" dirty="0">
+                        <a:solidFill>
+                          <a:schemeClr val="tx1"/>
+                        </a:solidFill>
+                      </a:endParaRPr>
+                    </a:p>
+                  </a:txBody>
+                  <a:tcPr>
+                    <a:lnT w="12700" cap="flat" cmpd="sng" algn="ctr">
+                      <a:solidFill>
+                        <a:schemeClr val="bg1"/>
+                      </a:solidFill>
+                      <a:prstDash val="solid"/>
+                      <a:round/>
+                      <a:headEnd type="none" w="med" len="med"/>
+                      <a:tailEnd type="none" w="med" len="med"/>
+                    </a:lnT>
+                    <a:lnB w="12700" cap="flat" cmpd="sng" algn="ctr">
+                      <a:solidFill>
+                        <a:schemeClr val="bg1"/>
+                      </a:solidFill>
+                      <a:prstDash val="solid"/>
+                      <a:round/>
+                      <a:headEnd type="none" w="med" len="med"/>
+                      <a:tailEnd type="none" w="med" len="med"/>
+                    </a:lnB>
+                  </a:tcPr>
+                </a:tc>
+                <a:extLst>
+                  <a:ext uri="{0D108BD9-81ED-4DB2-BD59-A6C34878D82A}">
+                    <a16:rowId xmlns:a16="http://schemas.microsoft.com/office/drawing/2014/main" val="3397044398"/>
                   </a:ext>
                 </a:extLst>
               </a:tr>
@@ -36046,123 +32506,7 @@
                         <a:defRPr/>
                       </a:pPr>
                       <a:r>
-                        <a:rPr kumimoji="1" lang="en-US" altLang="ja-JP" sz="1000" b="1" i="0" u="none" strike="noStrike" kern="1200" baseline="0" dirty="0" smtClean="0">
-                          <a:solidFill>
-                            <a:schemeClr val="dk1"/>
-                          </a:solidFill>
-                          <a:latin typeface="+mn-lt"/>
-                          <a:ea typeface="+mn-ea"/>
-                          <a:cs typeface="+mn-cs"/>
-                        </a:rPr>
-                        <a:t>http://rpms.remirepo.net/enterprise/remi-release-7.rpm</a:t>
-                      </a:r>
-                      <a:endParaRPr kumimoji="1" lang="ja-JP" altLang="en-US" sz="1000" b="1" dirty="0" smtClean="0"/>
-                    </a:p>
-                  </a:txBody>
-                  <a:tcPr>
-                    <a:lnT w="12700" cap="flat" cmpd="sng" algn="ctr">
-                      <a:solidFill>
-                        <a:schemeClr val="bg1"/>
-                      </a:solidFill>
-                      <a:prstDash val="solid"/>
-                      <a:round/>
-                      <a:headEnd type="none" w="med" len="med"/>
-                      <a:tailEnd type="none" w="med" len="med"/>
-                    </a:lnT>
-                  </a:tcPr>
-                </a:tc>
-                <a:extLst>
-                  <a:ext uri="{0D108BD9-81ED-4DB2-BD59-A6C34878D82A}">
-                    <a16:rowId xmlns="" xmlns:a16="http://schemas.microsoft.com/office/drawing/2014/main" val="10003"/>
-                  </a:ext>
-                </a:extLst>
-              </a:tr>
-              <a:tr h="404416">
-                <a:tc rowSpan="3">
-                  <a:txBody>
-                    <a:bodyPr/>
-                    <a:lstStyle/>
-                    <a:p>
-                      <a:r>
-                        <a:rPr kumimoji="1" lang="en-US" altLang="ja-JP" sz="1000" b="1" dirty="0" smtClean="0"/>
-                        <a:t>RHEL6</a:t>
-                      </a:r>
-                      <a:endParaRPr kumimoji="1" lang="ja-JP" altLang="en-US" sz="1000" b="1" dirty="0"/>
-                    </a:p>
-                  </a:txBody>
-                  <a:tcPr anchor="ctr"/>
-                </a:tc>
-                <a:tc>
-                  <a:txBody>
-                    <a:bodyPr/>
-                    <a:lstStyle/>
-                    <a:p>
-                      <a:r>
-                        <a:rPr kumimoji="1" lang="en-US" altLang="ja-JP" sz="1000" b="1" dirty="0" smtClean="0"/>
-                        <a:t>http://ftp-srv2.kddilabs.jp/Linux/distributions/fedora/epel/6/x86_64/Packages/</a:t>
-                      </a:r>
-                    </a:p>
-                    <a:p>
-                      <a:r>
-                        <a:rPr kumimoji="1" lang="en-US" altLang="ja-JP" sz="1000" b="1" dirty="0" smtClean="0"/>
-                        <a:t>e/epel-release-6-8.noarch.rpm</a:t>
-                      </a:r>
-                      <a:endParaRPr kumimoji="1" lang="ja-JP" altLang="en-US" sz="1000" b="1" dirty="0"/>
-                    </a:p>
-                  </a:txBody>
-                  <a:tcPr>
-                    <a:lnB w="12700" cap="flat" cmpd="sng" algn="ctr">
-                      <a:solidFill>
-                        <a:schemeClr val="bg1"/>
-                      </a:solidFill>
-                      <a:prstDash val="solid"/>
-                      <a:round/>
-                      <a:headEnd type="none" w="med" len="med"/>
-                      <a:tailEnd type="none" w="med" len="med"/>
-                    </a:lnB>
-                  </a:tcPr>
-                </a:tc>
-                <a:extLst>
-                  <a:ext uri="{0D108BD9-81ED-4DB2-BD59-A6C34878D82A}">
-                    <a16:rowId xmlns="" xmlns:a16="http://schemas.microsoft.com/office/drawing/2014/main" val="10004"/>
-                  </a:ext>
-                </a:extLst>
-              </a:tr>
-              <a:tr h="248871">
-                <a:tc vMerge="1">
-                  <a:txBody>
-                    <a:bodyPr/>
-                    <a:lstStyle/>
-                    <a:p>
-                      <a:endParaRPr kumimoji="1" lang="ja-JP" altLang="en-US"/>
-                    </a:p>
-                  </a:txBody>
-                  <a:tcPr/>
-                </a:tc>
-                <a:tc>
-                  <a:txBody>
-                    <a:bodyPr/>
-                    <a:lstStyle/>
-                    <a:p>
-                      <a:pPr marL="0" marR="0" lvl="0" indent="0" algn="l" defTabSz="914400" rtl="0" eaLnBrk="1" fontAlgn="auto" latinLnBrk="0" hangingPunct="1">
-                        <a:lnSpc>
-                          <a:spcPct val="100000"/>
-                        </a:lnSpc>
-                        <a:spcBef>
-                          <a:spcPts val="0"/>
-                        </a:spcBef>
-                        <a:spcAft>
-                          <a:spcPts val="0"/>
-                        </a:spcAft>
-                        <a:buClrTx/>
-                        <a:buSzTx/>
-                        <a:buFontTx/>
-                        <a:buNone/>
-                        <a:tabLst/>
-                        <a:defRPr/>
-                      </a:pPr>
-                      <a:r>
-                        <a:rPr kumimoji="1" lang="en-US" altLang="ja-JP" sz="1000" b="1" i="0" u="none" strike="noStrike" kern="1200" baseline="0" dirty="0" smtClean="0">
+                        <a:rPr kumimoji="1" lang="en-US" altLang="ja-JP" sz="1200" b="1" i="0" u="none" strike="noStrike" kern="1200" baseline="0" dirty="0" smtClean="0">
                           <a:solidFill>
                             <a:schemeClr val="tx1"/>
                           </a:solidFill>
@@ -36197,7 +32541,7 @@
                 </a:tc>
                 <a:extLst>
                   <a:ext uri="{0D108BD9-81ED-4DB2-BD59-A6C34878D82A}">
-                    <a16:rowId xmlns="" xmlns:a16="http://schemas.microsoft.com/office/drawing/2014/main" val="10005"/>
+                    <a16:rowId xmlns:a16="http://schemas.microsoft.com/office/drawing/2014/main" val="4171802913"/>
                   </a:ext>
                 </a:extLst>
               </a:tr>
@@ -36218,118 +32562,8 @@
                     <a:lstStyle/>
                     <a:p>
                       <a:r>
-                        <a:rPr kumimoji="1" lang="en-US" altLang="ja-JP" sz="1000" b="1" dirty="0" smtClean="0"/>
-                        <a:t>http://rpms.remirepo.net/enterprise/remi-release-6.rpm</a:t>
-                      </a:r>
-                      <a:endParaRPr kumimoji="1" lang="ja-JP" altLang="en-US" sz="1000" b="1" dirty="0"/>
-                    </a:p>
-                  </a:txBody>
-                  <a:tcPr>
-                    <a:lnT w="12700" cap="flat" cmpd="sng" algn="ctr">
-                      <a:solidFill>
-                        <a:schemeClr val="bg1"/>
-                      </a:solidFill>
-                      <a:prstDash val="solid"/>
-                      <a:round/>
-                      <a:headEnd type="none" w="med" len="med"/>
-                      <a:tailEnd type="none" w="med" len="med"/>
-                    </a:lnT>
-                  </a:tcPr>
-                </a:tc>
-                <a:extLst>
-                  <a:ext uri="{0D108BD9-81ED-4DB2-BD59-A6C34878D82A}">
-                    <a16:rowId xmlns="" xmlns:a16="http://schemas.microsoft.com/office/drawing/2014/main" val="10006"/>
-                  </a:ext>
-                </a:extLst>
-              </a:tr>
-              <a:tr h="248871">
-                <a:tc rowSpan="3">
-                  <a:txBody>
-                    <a:bodyPr/>
-                    <a:lstStyle/>
-                    <a:p>
-                      <a:r>
-                        <a:rPr kumimoji="1" lang="en-US" altLang="ja-JP" sz="1000" b="1" dirty="0" smtClean="0"/>
-                        <a:t>CentOS7</a:t>
-                      </a:r>
-                      <a:endParaRPr kumimoji="1" lang="ja-JP" altLang="en-US" sz="1000" b="1" dirty="0"/>
-                    </a:p>
-                  </a:txBody>
-                  <a:tcPr anchor="ctr"/>
-                </a:tc>
-                <a:tc>
-                  <a:txBody>
-                    <a:bodyPr/>
-                    <a:lstStyle/>
-                    <a:p>
-                      <a:r>
-                        <a:rPr kumimoji="1" lang="en-US" altLang="ja-JP" sz="1000" b="1" dirty="0" smtClean="0"/>
-                        <a:t>epel-release</a:t>
-                      </a:r>
-                      <a:endParaRPr kumimoji="1" lang="ja-JP" altLang="en-US" sz="1000" b="1" dirty="0"/>
-                    </a:p>
-                  </a:txBody>
-                  <a:tcPr>
-                    <a:lnB w="12700" cap="flat" cmpd="sng" algn="ctr">
-                      <a:solidFill>
-                        <a:schemeClr val="bg1"/>
-                      </a:solidFill>
-                      <a:prstDash val="solid"/>
-                      <a:round/>
-                      <a:headEnd type="none" w="med" len="med"/>
-                      <a:tailEnd type="none" w="med" len="med"/>
-                    </a:lnB>
-                  </a:tcPr>
-                </a:tc>
-                <a:extLst>
-                  <a:ext uri="{0D108BD9-81ED-4DB2-BD59-A6C34878D82A}">
-                    <a16:rowId xmlns="" xmlns:a16="http://schemas.microsoft.com/office/drawing/2014/main" val="10007"/>
-                  </a:ext>
-                </a:extLst>
-              </a:tr>
-              <a:tr h="248871">
-                <a:tc vMerge="1">
-                  <a:txBody>
-                    <a:bodyPr/>
-                    <a:lstStyle/>
-                    <a:p>
-                      <a:endParaRPr kumimoji="1" lang="ja-JP" altLang="en-US"/>
-                    </a:p>
-                  </a:txBody>
-                  <a:tcPr/>
-                </a:tc>
-                <a:tc>
-                  <a:txBody>
-                    <a:bodyPr/>
-                    <a:lstStyle/>
-                    <a:p>
-                      <a:pPr marL="0" marR="0" lvl="0" indent="0" algn="l" defTabSz="914400" rtl="0" eaLnBrk="1" fontAlgn="auto" latinLnBrk="0" hangingPunct="1">
-                        <a:lnSpc>
-                          <a:spcPct val="100000"/>
-                        </a:lnSpc>
-                        <a:spcBef>
-                          <a:spcPts val="0"/>
-                        </a:spcBef>
-                        <a:spcAft>
-                          <a:spcPts val="0"/>
-                        </a:spcAft>
-                        <a:buClrTx/>
-                        <a:buSzTx/>
-                        <a:buFontTx/>
-                        <a:buNone/>
-                        <a:tabLst/>
-                        <a:defRPr/>
-                      </a:pPr>
-                      <a:r>
-                        <a:rPr kumimoji="1" lang="en-US" altLang="ja-JP" sz="1000" b="1" i="0" u="none" strike="noStrike" kern="1200" baseline="0" dirty="0" smtClean="0">
-                          <a:solidFill>
-                            <a:schemeClr val="tx1"/>
-                          </a:solidFill>
-                          <a:latin typeface="+mn-lt"/>
-                          <a:ea typeface="+mn-ea"/>
-                          <a:cs typeface="+mn-cs"/>
-                        </a:rPr>
-                        <a:t>https://downloads.mariadb.com/MariaDB/mariadb_repo_setup</a:t>
+                        <a:rPr kumimoji="1" lang="en-US" altLang="ja-JP" sz="1200" b="1" dirty="0" smtClean="0"/>
+                        <a:t>http://rpms.remirepo.net/enterprise/remi-release-7.rpm</a:t>
                       </a:r>
                     </a:p>
                   </a:txBody>
@@ -36356,106 +32590,24 @@
                 </a:tc>
                 <a:extLst>
                   <a:ext uri="{0D108BD9-81ED-4DB2-BD59-A6C34878D82A}">
-                    <a16:rowId xmlns="" xmlns:a16="http://schemas.microsoft.com/office/drawing/2014/main" val="10008"/>
+                    <a16:rowId xmlns:a16="http://schemas.microsoft.com/office/drawing/2014/main" val="251765812"/>
                   </a:ext>
                 </a:extLst>
               </a:tr>
               <a:tr h="248871">
-                <a:tc vMerge="1">
-                  <a:txBody>
-                    <a:bodyPr/>
-                    <a:lstStyle/>
-                    <a:p>
-                      <a:endParaRPr kumimoji="1" lang="ja-JP" altLang="en-US"/>
-                    </a:p>
-                  </a:txBody>
-                  <a:tcPr/>
-                </a:tc>
                 <a:tc>
                   <a:txBody>
                     <a:bodyPr/>
                     <a:lstStyle/>
                     <a:p>
                       <a:r>
-                        <a:rPr kumimoji="1" lang="en-US" altLang="ja-JP" sz="1000" b="1" dirty="0" smtClean="0"/>
-                        <a:t>http://rpms.remirepo.net/enterprise/remi-release-7.rpm</a:t>
-                      </a:r>
-                      <a:endParaRPr kumimoji="1" lang="ja-JP" altLang="en-US" sz="1000" b="1" dirty="0"/>
-                    </a:p>
-                  </a:txBody>
-                  <a:tcPr>
-                    <a:lnT w="12700" cap="flat" cmpd="sng" algn="ctr">
-                      <a:solidFill>
-                        <a:schemeClr val="bg1"/>
-                      </a:solidFill>
-                      <a:prstDash val="solid"/>
-                      <a:round/>
-                      <a:headEnd type="none" w="med" len="med"/>
-                      <a:tailEnd type="none" w="med" len="med"/>
-                    </a:lnT>
-                  </a:tcPr>
-                </a:tc>
-                <a:extLst>
-                  <a:ext uri="{0D108BD9-81ED-4DB2-BD59-A6C34878D82A}">
-                    <a16:rowId xmlns="" xmlns:a16="http://schemas.microsoft.com/office/drawing/2014/main" val="10009"/>
-                  </a:ext>
-                </a:extLst>
-              </a:tr>
-              <a:tr h="248871">
-                <a:tc rowSpan="3">
-                  <a:txBody>
-                    <a:bodyPr/>
-                    <a:lstStyle/>
-                    <a:p>
-                      <a:r>
-                        <a:rPr kumimoji="1" lang="en-US" altLang="ja-JP" sz="1000" b="1" dirty="0" smtClean="0"/>
-                        <a:t>CentOS6</a:t>
-                      </a:r>
-                      <a:endParaRPr kumimoji="1" lang="ja-JP" altLang="en-US" sz="1000" b="1" dirty="0"/>
+                        <a:rPr kumimoji="1" lang="en-US" altLang="ja-JP" sz="1200" b="1" dirty="0" smtClean="0"/>
+                        <a:t>CentOS8</a:t>
+                      </a:r>
+                      <a:endParaRPr kumimoji="1" lang="ja-JP" altLang="en-US" sz="1200" b="1" dirty="0"/>
                     </a:p>
                   </a:txBody>
                   <a:tcPr anchor="ctr"/>
-                </a:tc>
-                <a:tc>
-                  <a:txBody>
-                    <a:bodyPr/>
-                    <a:lstStyle/>
-                    <a:p>
-                      <a:r>
-                        <a:rPr kumimoji="1" lang="en-US" altLang="ja-JP" sz="1000" b="1" dirty="0" smtClean="0"/>
-                        <a:t>epel-release</a:t>
-                      </a:r>
-                      <a:endParaRPr kumimoji="1" lang="ja-JP" altLang="en-US" sz="1000" b="1" dirty="0"/>
-                    </a:p>
-                  </a:txBody>
-                  <a:tcPr>
-                    <a:lnB w="12700" cap="flat" cmpd="sng" algn="ctr">
-                      <a:solidFill>
-                        <a:schemeClr val="bg1"/>
-                      </a:solidFill>
-                      <a:prstDash val="solid"/>
-                      <a:round/>
-                      <a:headEnd type="none" w="med" len="med"/>
-                      <a:tailEnd type="none" w="med" len="med"/>
-                    </a:lnB>
-                  </a:tcPr>
-                </a:tc>
-                <a:extLst>
-                  <a:ext uri="{0D108BD9-81ED-4DB2-BD59-A6C34878D82A}">
-                    <a16:rowId xmlns="" xmlns:a16="http://schemas.microsoft.com/office/drawing/2014/main" val="10010"/>
-                  </a:ext>
-                </a:extLst>
-              </a:tr>
-              <a:tr h="248871">
-                <a:tc vMerge="1">
-                  <a:txBody>
-                    <a:bodyPr/>
-                    <a:lstStyle/>
-                    <a:p>
-                      <a:endParaRPr kumimoji="1" lang="ja-JP" altLang="en-US"/>
-                    </a:p>
-                  </a:txBody>
-                  <a:tcPr/>
                 </a:tc>
                 <a:tc>
                   <a:txBody>
@@ -36480,16 +32632,26 @@
                         <a:defRPr/>
                       </a:pPr>
                       <a:r>
-                        <a:rPr kumimoji="1" lang="en-US" altLang="ja-JP" sz="1000" b="1" i="0" u="none" strike="noStrike" kern="1200" baseline="0" dirty="0" smtClean="0">
+                        <a:rPr kumimoji="1" lang="en-US" altLang="ja-JP" sz="1200" b="1" dirty="0" err="1" smtClean="0">
                           <a:solidFill>
                             <a:schemeClr val="tx1"/>
                           </a:solidFill>
-                          <a:latin typeface="+mn-lt"/>
-                          <a:ea typeface="+mn-ea"/>
-                          <a:cs typeface="+mn-cs"/>
-                        </a:rPr>
-                        <a:t>https://downloads.mariadb.com/MariaDB/mariadb_repo_setup</a:t>
-                      </a:r>
+                        </a:rPr>
+                        <a:t>epel</a:t>
+                      </a:r>
+                      <a:r>
+                        <a:rPr kumimoji="1" lang="en-US" altLang="ja-JP" sz="1200" b="1" dirty="0" smtClean="0">
+                          <a:solidFill>
+                            <a:schemeClr val="tx1"/>
+                          </a:solidFill>
+                        </a:rPr>
+                        <a:t>-release</a:t>
+                      </a:r>
+                      <a:endParaRPr kumimoji="1" lang="ja-JP" altLang="en-US" sz="1200" b="1" dirty="0" smtClean="0">
+                        <a:solidFill>
+                          <a:schemeClr val="tx1"/>
+                        </a:solidFill>
+                      </a:endParaRPr>
                     </a:p>
                   </a:txBody>
                   <a:tcPr>
@@ -36515,48 +32677,7 @@
                 </a:tc>
                 <a:extLst>
                   <a:ext uri="{0D108BD9-81ED-4DB2-BD59-A6C34878D82A}">
-                    <a16:rowId xmlns="" xmlns:a16="http://schemas.microsoft.com/office/drawing/2014/main" val="10011"/>
-                  </a:ext>
-                </a:extLst>
-              </a:tr>
-              <a:tr h="248871">
-                <a:tc vMerge="1">
-                  <a:txBody>
-                    <a:bodyPr/>
-                    <a:lstStyle/>
-                    <a:p>
-                      <a:endParaRPr kumimoji="1" lang="ja-JP" altLang="en-US"/>
-                    </a:p>
-                  </a:txBody>
-                  <a:tcPr/>
-                </a:tc>
-                <a:tc>
-                  <a:txBody>
-                    <a:bodyPr/>
-                    <a:lstStyle/>
-                    <a:p>
-                      <a:r>
-                        <a:rPr kumimoji="1" lang="en-US" altLang="ja-JP" sz="1000" b="1" dirty="0" smtClean="0"/>
-                        <a:t>http://rpms.remirepo.net/enterprise/remi-release-6.rpm</a:t>
-                      </a:r>
-                      <a:endParaRPr kumimoji="1" lang="ja-JP" altLang="en-US" sz="1000" b="1" dirty="0"/>
-                    </a:p>
-                  </a:txBody>
-                  <a:tcPr>
-                    <a:lnT w="12700" cap="flat" cmpd="sng" algn="ctr">
-                      <a:solidFill>
-                        <a:schemeClr val="bg1"/>
-                      </a:solidFill>
-                      <a:prstDash val="solid"/>
-                      <a:round/>
-                      <a:headEnd type="none" w="med" len="med"/>
-                      <a:tailEnd type="none" w="med" len="med"/>
-                    </a:lnT>
-                  </a:tcPr>
-                </a:tc>
-                <a:extLst>
-                  <a:ext uri="{0D108BD9-81ED-4DB2-BD59-A6C34878D82A}">
-                    <a16:rowId xmlns="" xmlns:a16="http://schemas.microsoft.com/office/drawing/2014/main" val="10012"/>
+                    <a16:rowId xmlns:a16="http://schemas.microsoft.com/office/drawing/2014/main" val="3284167824"/>
                   </a:ext>
                 </a:extLst>
               </a:tr>

--- a/asset/Learn_ja/ITA-offline-install_ja.pptx
+++ b/asset/Learn_ja/ITA-offline-install_ja.pptx
@@ -334,7 +334,7 @@
               <a:rPr kumimoji="1" lang="ja-JP" altLang="en-US" smtClean="0">
                 <a:ea typeface="メイリオ" panose="020B0604030504040204" pitchFamily="50" charset="-128"/>
               </a:rPr>
-              <a:t>2020/1/24</a:t>
+              <a:t>2020/1/29</a:t>
             </a:fld>
             <a:endParaRPr kumimoji="1" lang="ja-JP" altLang="en-US" dirty="0">
               <a:ea typeface="メイリオ" panose="020B0604030504040204" pitchFamily="50" charset="-128"/>
@@ -480,7 +480,7 @@
             <a:fld id="{4B26993D-C081-44EB-B0F5-A9F467792B62}" type="datetimeFigureOut">
               <a:rPr lang="ja-JP" altLang="en-US" smtClean="0"/>
               <a:pPr/>
-              <a:t>2020/1/24</a:t>
+              <a:t>2020/1/29</a:t>
             </a:fld>
             <a:endParaRPr lang="ja-JP" altLang="en-US" dirty="0"/>
           </a:p>
@@ -1103,7 +1103,7 @@
           <a:p>
             <a:fld id="{56F9016B-CCA6-43BE-8BEE-59565A35F4F7}" type="datetimeFigureOut">
               <a:rPr kumimoji="1" lang="ja-JP" altLang="en-US" smtClean="0"/>
-              <a:t>2020/1/24</a:t>
+              <a:t>2020/1/29</a:t>
             </a:fld>
             <a:endParaRPr kumimoji="1" lang="ja-JP" altLang="en-US"/>
           </a:p>
@@ -1305,7 +1305,7 @@
           <a:p>
             <a:fld id="{56F9016B-CCA6-43BE-8BEE-59565A35F4F7}" type="datetimeFigureOut">
               <a:rPr kumimoji="1" lang="ja-JP" altLang="en-US" smtClean="0"/>
-              <a:t>2020/1/24</a:t>
+              <a:t>2020/1/29</a:t>
             </a:fld>
             <a:endParaRPr kumimoji="1" lang="ja-JP" altLang="en-US"/>
           </a:p>
@@ -1551,7 +1551,7 @@
           <a:p>
             <a:fld id="{56F9016B-CCA6-43BE-8BEE-59565A35F4F7}" type="datetimeFigureOut">
               <a:rPr kumimoji="1" lang="ja-JP" altLang="en-US" smtClean="0"/>
-              <a:t>2020/1/24</a:t>
+              <a:t>2020/1/29</a:t>
             </a:fld>
             <a:endParaRPr kumimoji="1" lang="ja-JP" altLang="en-US"/>
           </a:p>
@@ -1847,7 +1847,7 @@
           <a:p>
             <a:fld id="{56F9016B-CCA6-43BE-8BEE-59565A35F4F7}" type="datetimeFigureOut">
               <a:rPr kumimoji="1" lang="ja-JP" altLang="en-US" smtClean="0"/>
-              <a:t>2020/1/24</a:t>
+              <a:t>2020/1/29</a:t>
             </a:fld>
             <a:endParaRPr kumimoji="1" lang="ja-JP" altLang="en-US"/>
           </a:p>
@@ -2278,7 +2278,7 @@
           <a:p>
             <a:fld id="{56F9016B-CCA6-43BE-8BEE-59565A35F4F7}" type="datetimeFigureOut">
               <a:rPr kumimoji="1" lang="ja-JP" altLang="en-US" smtClean="0"/>
-              <a:t>2020/1/24</a:t>
+              <a:t>2020/1/29</a:t>
             </a:fld>
             <a:endParaRPr kumimoji="1" lang="ja-JP" altLang="en-US"/>
           </a:p>
@@ -2396,7 +2396,7 @@
           <a:p>
             <a:fld id="{56F9016B-CCA6-43BE-8BEE-59565A35F4F7}" type="datetimeFigureOut">
               <a:rPr kumimoji="1" lang="ja-JP" altLang="en-US" smtClean="0"/>
-              <a:t>2020/1/24</a:t>
+              <a:t>2020/1/29</a:t>
             </a:fld>
             <a:endParaRPr kumimoji="1" lang="ja-JP" altLang="en-US"/>
           </a:p>
@@ -2491,7 +2491,7 @@
           <a:p>
             <a:fld id="{56F9016B-CCA6-43BE-8BEE-59565A35F4F7}" type="datetimeFigureOut">
               <a:rPr kumimoji="1" lang="ja-JP" altLang="en-US" smtClean="0"/>
-              <a:t>2020/1/24</a:t>
+              <a:t>2020/1/29</a:t>
             </a:fld>
             <a:endParaRPr kumimoji="1" lang="ja-JP" altLang="en-US"/>
           </a:p>
@@ -2800,7 +2800,7 @@
           <a:p>
             <a:fld id="{56F9016B-CCA6-43BE-8BEE-59565A35F4F7}" type="datetimeFigureOut">
               <a:rPr kumimoji="1" lang="ja-JP" altLang="en-US" smtClean="0"/>
-              <a:t>2020/1/24</a:t>
+              <a:t>2020/1/29</a:t>
             </a:fld>
             <a:endParaRPr kumimoji="1" lang="ja-JP" altLang="en-US"/>
           </a:p>
@@ -3053,7 +3053,7 @@
           <a:p>
             <a:fld id="{56F9016B-CCA6-43BE-8BEE-59565A35F4F7}" type="datetimeFigureOut">
               <a:rPr kumimoji="1" lang="ja-JP" altLang="en-US" smtClean="0"/>
-              <a:t>2020/1/24</a:t>
+              <a:t>2020/1/29</a:t>
             </a:fld>
             <a:endParaRPr kumimoji="1" lang="ja-JP" altLang="en-US"/>
           </a:p>
@@ -3330,7 +3330,7 @@
           <a:p>
             <a:fld id="{56F9016B-CCA6-43BE-8BEE-59565A35F4F7}" type="datetimeFigureOut">
               <a:rPr kumimoji="1" lang="ja-JP" altLang="en-US" smtClean="0"/>
-              <a:t>2020/1/24</a:t>
+              <a:t>2020/1/29</a:t>
             </a:fld>
             <a:endParaRPr kumimoji="1" lang="ja-JP" altLang="en-US"/>
           </a:p>
@@ -3542,7 +3542,7 @@
           <a:p>
             <a:fld id="{56F9016B-CCA6-43BE-8BEE-59565A35F4F7}" type="datetimeFigureOut">
               <a:rPr kumimoji="1" lang="ja-JP" altLang="en-US" smtClean="0"/>
-              <a:t>2020/1/24</a:t>
+              <a:t>2020/1/29</a:t>
             </a:fld>
             <a:endParaRPr kumimoji="1" lang="ja-JP" altLang="en-US"/>
           </a:p>
@@ -6601,7 +6601,7 @@
           <a:p>
             <a:fld id="{56F9016B-CCA6-43BE-8BEE-59565A35F4F7}" type="datetimeFigureOut">
               <a:rPr kumimoji="1" lang="ja-JP" altLang="en-US" smtClean="0"/>
-              <a:t>2020/1/24</a:t>
+              <a:t>2020/1/29</a:t>
             </a:fld>
             <a:endParaRPr kumimoji="1" lang="ja-JP" altLang="en-US"/>
           </a:p>
@@ -18783,14 +18783,14 @@
           <p:nvPr>
             <p:extLst>
               <p:ext uri="{D42A27DB-BD31-4B8C-83A1-F6EECF244321}">
-                <p14:modId xmlns:p14="http://schemas.microsoft.com/office/powerpoint/2010/main" val="3493801735"/>
+                <p14:modId xmlns:p14="http://schemas.microsoft.com/office/powerpoint/2010/main" val="1499464883"/>
               </p:ext>
             </p:extLst>
           </p:nvPr>
         </p:nvGraphicFramePr>
         <p:xfrm>
           <a:off x="539440" y="2060814"/>
-          <a:ext cx="8065121" cy="4069328"/>
+          <a:ext cx="8065121" cy="4358306"/>
         </p:xfrm>
         <a:graphic>
           <a:graphicData uri="http://schemas.openxmlformats.org/drawingml/2006/table">
@@ -20911,7 +20911,7 @@
                   </a:ext>
                 </a:extLst>
               </a:tr>
-              <a:tr h="222140">
+              <a:tr h="288978">
                 <a:tc>
                   <a:txBody>
                     <a:bodyPr/>
@@ -21083,6 +21083,160 @@
                         </a:spcAft>
                       </a:pPr>
                       <a:r>
+                        <a:rPr lang="en-US" altLang="ja-JP" sz="1000" kern="100" dirty="0" err="1" smtClean="0">
+                          <a:effectLst/>
+                        </a:rPr>
+                        <a:t>cobbler_driver</a:t>
+                      </a:r>
+                      <a:endParaRPr lang="ja-JP" sz="1000" kern="100" dirty="0">
+                        <a:effectLst/>
+                        <a:latin typeface="Century" panose="02040604050505020304" pitchFamily="18" charset="0"/>
+                        <a:ea typeface="ＭＳ 明朝" panose="02020609040205080304" pitchFamily="17" charset="-128"/>
+                        <a:cs typeface="Times New Roman" panose="02020603050405020304" pitchFamily="18" charset="0"/>
+                      </a:endParaRPr>
+                    </a:p>
+                  </a:txBody>
+                  <a:tcPr marL="68495" marR="68495" marT="0" marB="0" anchor="ctr">
+                    <a:solidFill>
+                      <a:srgbClr val="002B62"/>
+                    </a:solidFill>
+                  </a:tcPr>
+                </a:tc>
+                <a:tc>
+                  <a:txBody>
+                    <a:bodyPr/>
+                    <a:lstStyle/>
+                    <a:p>
+                      <a:pPr algn="ctr">
+                        <a:lnSpc>
+                          <a:spcPct val="150000"/>
+                        </a:lnSpc>
+                        <a:spcAft>
+                          <a:spcPts val="0"/>
+                        </a:spcAft>
+                      </a:pPr>
+                      <a:r>
+                        <a:rPr lang="en-US" altLang="ja-JP" sz="1000" kern="100" dirty="0" smtClean="0">
+                          <a:effectLst/>
+                        </a:rPr>
+                        <a:t>○</a:t>
+                      </a:r>
+                      <a:endParaRPr lang="ja-JP" altLang="ja-JP" sz="1000" kern="100" dirty="0">
+                        <a:effectLst/>
+                        <a:latin typeface="Century" panose="02040604050505020304" pitchFamily="18" charset="0"/>
+                        <a:ea typeface="ＭＳ 明朝" panose="02020609040205080304" pitchFamily="17" charset="-128"/>
+                        <a:cs typeface="Times New Roman" panose="02020603050405020304" pitchFamily="18" charset="0"/>
+                      </a:endParaRPr>
+                    </a:p>
+                  </a:txBody>
+                  <a:tcPr marL="68495" marR="68495" marT="0" marB="0" anchor="ctr">
+                    <a:solidFill>
+                      <a:srgbClr val="CBCDD3"/>
+                    </a:solidFill>
+                  </a:tcPr>
+                </a:tc>
+                <a:tc>
+                  <a:txBody>
+                    <a:bodyPr/>
+                    <a:lstStyle/>
+                    <a:p>
+                      <a:pPr algn="ctr">
+                        <a:lnSpc>
+                          <a:spcPct val="150000"/>
+                        </a:lnSpc>
+                        <a:spcAft>
+                          <a:spcPts val="0"/>
+                        </a:spcAft>
+                      </a:pPr>
+                      <a:r>
+                        <a:rPr lang="en-US" altLang="ja-JP" sz="1000" kern="100" dirty="0" smtClean="0">
+                          <a:effectLst/>
+                        </a:rPr>
+                        <a:t>no</a:t>
+                      </a:r>
+                      <a:endParaRPr lang="ja-JP" sz="1000" kern="100" dirty="0">
+                        <a:effectLst/>
+                        <a:latin typeface="Century" panose="02040604050505020304" pitchFamily="18" charset="0"/>
+                        <a:ea typeface="ＭＳ 明朝" panose="02020609040205080304" pitchFamily="17" charset="-128"/>
+                        <a:cs typeface="Times New Roman" panose="02020603050405020304" pitchFamily="18" charset="0"/>
+                      </a:endParaRPr>
+                    </a:p>
+                  </a:txBody>
+                  <a:tcPr marL="68495" marR="68495" marT="0" marB="0" anchor="ctr">
+                    <a:solidFill>
+                      <a:srgbClr val="CBCDD3"/>
+                    </a:solidFill>
+                  </a:tcPr>
+                </a:tc>
+                <a:tc>
+                  <a:txBody>
+                    <a:bodyPr/>
+                    <a:lstStyle/>
+                    <a:p>
+                      <a:pPr marL="0" marR="0" lvl="0" indent="0" algn="just" defTabSz="914400" rtl="0" eaLnBrk="1" fontAlgn="auto" latinLnBrk="0" hangingPunct="1">
+                        <a:lnSpc>
+                          <a:spcPct val="150000"/>
+                        </a:lnSpc>
+                        <a:spcBef>
+                          <a:spcPts val="0"/>
+                        </a:spcBef>
+                        <a:spcAft>
+                          <a:spcPts val="0"/>
+                        </a:spcAft>
+                        <a:buClrTx/>
+                        <a:buSzTx/>
+                        <a:buFontTx/>
+                        <a:buNone/>
+                        <a:tabLst/>
+                        <a:defRPr/>
+                      </a:pPr>
+                      <a:r>
+                        <a:rPr lang="en-US" altLang="ja-JP" sz="1000" kern="100" dirty="0" smtClean="0">
+                          <a:effectLst/>
+                        </a:rPr>
+                        <a:t>Cobbler driver</a:t>
+                      </a:r>
+                      <a:r>
+                        <a:rPr lang="ja-JP" altLang="ja-JP" sz="1000" kern="100" dirty="0" smtClean="0">
+                          <a:effectLst/>
+                        </a:rPr>
+                        <a:t>のインストール有無指定</a:t>
+                      </a:r>
+                      <a:endParaRPr lang="ja-JP" altLang="ja-JP" sz="1000" kern="100" dirty="0" smtClean="0">
+                        <a:effectLst/>
+                        <a:latin typeface="Century" panose="02040604050505020304" pitchFamily="18" charset="0"/>
+                        <a:ea typeface="ＭＳ 明朝" panose="02020609040205080304" pitchFamily="17" charset="-128"/>
+                        <a:cs typeface="Times New Roman" panose="02020603050405020304" pitchFamily="18" charset="0"/>
+                      </a:endParaRPr>
+                    </a:p>
+                  </a:txBody>
+                  <a:tcPr marL="68495" marR="68495" marT="0" marB="0" anchor="ctr">
+                    <a:solidFill>
+                      <a:srgbClr val="CBCDD3"/>
+                    </a:solidFill>
+                  </a:tcPr>
+                </a:tc>
+                <a:extLst>
+                  <a:ext uri="{0D108BD9-81ED-4DB2-BD59-A6C34878D82A}">
+                    <a16:rowId xmlns:a16="http://schemas.microsoft.com/office/drawing/2014/main" val="3574979519"/>
+                  </a:ext>
+                </a:extLst>
+              </a:tr>
+              <a:tr h="222140">
+                <a:tc>
+                  <a:txBody>
+                    <a:bodyPr/>
+                    <a:lstStyle/>
+                    <a:p>
+                      <a:pPr algn="just">
+                        <a:lnSpc>
+                          <a:spcPct val="150000"/>
+                        </a:lnSpc>
+                        <a:spcAft>
+                          <a:spcPts val="0"/>
+                        </a:spcAft>
+                      </a:pPr>
+                      <a:r>
                         <a:rPr lang="en-US" sz="1000" kern="100" dirty="0">
                           <a:effectLst/>
                         </a:rPr>
@@ -21336,7 +21490,13 @@
                         <a:rPr lang="ja-JP" sz="1000" kern="100" dirty="0">
                           <a:effectLst/>
                         </a:rPr>
-                        <a:t>のインストール有無指定</a:t>
+                        <a:t>のインストール有無</a:t>
+                      </a:r>
+                      <a:r>
+                        <a:rPr lang="ja-JP" sz="1000" kern="100" dirty="0" smtClean="0">
+                          <a:effectLst/>
+                        </a:rPr>
+                        <a:t>指定</a:t>
                       </a:r>
                       <a:endParaRPr lang="ja-JP" sz="1000" kern="100" dirty="0">
                         <a:effectLst/>

--- a/asset/Learn_ja/ITA-offline-install_ja.pptx
+++ b/asset/Learn_ja/ITA-offline-install_ja.pptx
@@ -334,7 +334,7 @@
               <a:rPr kumimoji="1" lang="ja-JP" altLang="en-US" smtClean="0">
                 <a:ea typeface="メイリオ" panose="020B0604030504040204" pitchFamily="50" charset="-128"/>
               </a:rPr>
-              <a:t>2020/1/29</a:t>
+              <a:t>2020/2/10</a:t>
             </a:fld>
             <a:endParaRPr kumimoji="1" lang="ja-JP" altLang="en-US" dirty="0">
               <a:ea typeface="メイリオ" panose="020B0604030504040204" pitchFamily="50" charset="-128"/>
@@ -480,7 +480,7 @@
             <a:fld id="{4B26993D-C081-44EB-B0F5-A9F467792B62}" type="datetimeFigureOut">
               <a:rPr lang="ja-JP" altLang="en-US" smtClean="0"/>
               <a:pPr/>
-              <a:t>2020/1/29</a:t>
+              <a:t>2020/2/10</a:t>
             </a:fld>
             <a:endParaRPr lang="ja-JP" altLang="en-US" dirty="0"/>
           </a:p>
@@ -1103,7 +1103,7 @@
           <a:p>
             <a:fld id="{56F9016B-CCA6-43BE-8BEE-59565A35F4F7}" type="datetimeFigureOut">
               <a:rPr kumimoji="1" lang="ja-JP" altLang="en-US" smtClean="0"/>
-              <a:t>2020/1/29</a:t>
+              <a:t>2020/2/10</a:t>
             </a:fld>
             <a:endParaRPr kumimoji="1" lang="ja-JP" altLang="en-US"/>
           </a:p>
@@ -1305,7 +1305,7 @@
           <a:p>
             <a:fld id="{56F9016B-CCA6-43BE-8BEE-59565A35F4F7}" type="datetimeFigureOut">
               <a:rPr kumimoji="1" lang="ja-JP" altLang="en-US" smtClean="0"/>
-              <a:t>2020/1/29</a:t>
+              <a:t>2020/2/10</a:t>
             </a:fld>
             <a:endParaRPr kumimoji="1" lang="ja-JP" altLang="en-US"/>
           </a:p>
@@ -1551,7 +1551,7 @@
           <a:p>
             <a:fld id="{56F9016B-CCA6-43BE-8BEE-59565A35F4F7}" type="datetimeFigureOut">
               <a:rPr kumimoji="1" lang="ja-JP" altLang="en-US" smtClean="0"/>
-              <a:t>2020/1/29</a:t>
+              <a:t>2020/2/10</a:t>
             </a:fld>
             <a:endParaRPr kumimoji="1" lang="ja-JP" altLang="en-US"/>
           </a:p>
@@ -1847,7 +1847,7 @@
           <a:p>
             <a:fld id="{56F9016B-CCA6-43BE-8BEE-59565A35F4F7}" type="datetimeFigureOut">
               <a:rPr kumimoji="1" lang="ja-JP" altLang="en-US" smtClean="0"/>
-              <a:t>2020/1/29</a:t>
+              <a:t>2020/2/10</a:t>
             </a:fld>
             <a:endParaRPr kumimoji="1" lang="ja-JP" altLang="en-US"/>
           </a:p>
@@ -2278,7 +2278,7 @@
           <a:p>
             <a:fld id="{56F9016B-CCA6-43BE-8BEE-59565A35F4F7}" type="datetimeFigureOut">
               <a:rPr kumimoji="1" lang="ja-JP" altLang="en-US" smtClean="0"/>
-              <a:t>2020/1/29</a:t>
+              <a:t>2020/2/10</a:t>
             </a:fld>
             <a:endParaRPr kumimoji="1" lang="ja-JP" altLang="en-US"/>
           </a:p>
@@ -2396,7 +2396,7 @@
           <a:p>
             <a:fld id="{56F9016B-CCA6-43BE-8BEE-59565A35F4F7}" type="datetimeFigureOut">
               <a:rPr kumimoji="1" lang="ja-JP" altLang="en-US" smtClean="0"/>
-              <a:t>2020/1/29</a:t>
+              <a:t>2020/2/10</a:t>
             </a:fld>
             <a:endParaRPr kumimoji="1" lang="ja-JP" altLang="en-US"/>
           </a:p>
@@ -2491,7 +2491,7 @@
           <a:p>
             <a:fld id="{56F9016B-CCA6-43BE-8BEE-59565A35F4F7}" type="datetimeFigureOut">
               <a:rPr kumimoji="1" lang="ja-JP" altLang="en-US" smtClean="0"/>
-              <a:t>2020/1/29</a:t>
+              <a:t>2020/2/10</a:t>
             </a:fld>
             <a:endParaRPr kumimoji="1" lang="ja-JP" altLang="en-US"/>
           </a:p>
@@ -2800,7 +2800,7 @@
           <a:p>
             <a:fld id="{56F9016B-CCA6-43BE-8BEE-59565A35F4F7}" type="datetimeFigureOut">
               <a:rPr kumimoji="1" lang="ja-JP" altLang="en-US" smtClean="0"/>
-              <a:t>2020/1/29</a:t>
+              <a:t>2020/2/10</a:t>
             </a:fld>
             <a:endParaRPr kumimoji="1" lang="ja-JP" altLang="en-US"/>
           </a:p>
@@ -3053,7 +3053,7 @@
           <a:p>
             <a:fld id="{56F9016B-CCA6-43BE-8BEE-59565A35F4F7}" type="datetimeFigureOut">
               <a:rPr kumimoji="1" lang="ja-JP" altLang="en-US" smtClean="0"/>
-              <a:t>2020/1/29</a:t>
+              <a:t>2020/2/10</a:t>
             </a:fld>
             <a:endParaRPr kumimoji="1" lang="ja-JP" altLang="en-US"/>
           </a:p>
@@ -3330,7 +3330,7 @@
           <a:p>
             <a:fld id="{56F9016B-CCA6-43BE-8BEE-59565A35F4F7}" type="datetimeFigureOut">
               <a:rPr kumimoji="1" lang="ja-JP" altLang="en-US" smtClean="0"/>
-              <a:t>2020/1/29</a:t>
+              <a:t>2020/2/10</a:t>
             </a:fld>
             <a:endParaRPr kumimoji="1" lang="ja-JP" altLang="en-US"/>
           </a:p>
@@ -3542,7 +3542,7 @@
           <a:p>
             <a:fld id="{56F9016B-CCA6-43BE-8BEE-59565A35F4F7}" type="datetimeFigureOut">
               <a:rPr kumimoji="1" lang="ja-JP" altLang="en-US" smtClean="0"/>
-              <a:t>2020/1/29</a:t>
+              <a:t>2020/2/10</a:t>
             </a:fld>
             <a:endParaRPr kumimoji="1" lang="ja-JP" altLang="en-US"/>
           </a:p>
@@ -6601,7 +6601,7 @@
           <a:p>
             <a:fld id="{56F9016B-CCA6-43BE-8BEE-59565A35F4F7}" type="datetimeFigureOut">
               <a:rPr kumimoji="1" lang="ja-JP" altLang="en-US" smtClean="0"/>
-              <a:t>2020/1/29</a:t>
+              <a:t>2020/2/10</a:t>
             </a:fld>
             <a:endParaRPr kumimoji="1" lang="ja-JP" altLang="en-US"/>
           </a:p>
@@ -14168,14 +14168,14 @@
           <p:nvPr>
             <p:extLst>
               <p:ext uri="{D42A27DB-BD31-4B8C-83A1-F6EECF244321}">
-                <p14:modId xmlns:p14="http://schemas.microsoft.com/office/powerpoint/2010/main" val="3600454044"/>
+                <p14:modId xmlns:p14="http://schemas.microsoft.com/office/powerpoint/2010/main" val="105149518"/>
               </p:ext>
             </p:extLst>
           </p:nvPr>
         </p:nvGraphicFramePr>
         <p:xfrm>
           <a:off x="179512" y="1844781"/>
-          <a:ext cx="8784000" cy="1929101"/>
+          <a:ext cx="8784000" cy="2293384"/>
         </p:xfrm>
         <a:graphic>
           <a:graphicData uri="http://schemas.openxmlformats.org/drawingml/2006/table">
@@ -14515,14 +14515,110 @@
                         <a:rPr lang="en-US" sz="900" kern="100" dirty="0" smtClean="0">
                           <a:effectLst/>
                         </a:rPr>
-                        <a:t>CentOS7","CentOS8","RHEL7","RHEL8")</a:t>
-                      </a:r>
-                      <a:endParaRPr lang="ja-JP" sz="900" kern="100" dirty="0">
+                        <a:t>CentOS7","CentOS8","RHEL7","RHEL8</a:t>
+                      </a:r>
+                      <a:r>
+                        <a:rPr lang="en-US" altLang="ja-JP" sz="900" kern="100" dirty="0" smtClean="0">
+                          <a:effectLst/>
+                        </a:rPr>
+                        <a:t>“, "RHEL7_AWS“, "RHEL8_AWS")</a:t>
+                      </a:r>
+                    </a:p>
+                    <a:p>
+                      <a:pPr marL="0" marR="0" lvl="0" indent="0" algn="just" defTabSz="914400" rtl="0" eaLnBrk="1" fontAlgn="auto" latinLnBrk="0" hangingPunct="1">
+                        <a:lnSpc>
+                          <a:spcPct val="100000"/>
+                        </a:lnSpc>
+                        <a:spcBef>
+                          <a:spcPts val="0"/>
+                        </a:spcBef>
+                        <a:spcAft>
+                          <a:spcPts val="0"/>
+                        </a:spcAft>
+                        <a:buClrTx/>
+                        <a:buSzTx/>
+                        <a:buFontTx/>
+                        <a:buNone/>
+                        <a:tabLst/>
+                        <a:defRPr/>
+                      </a:pPr>
+                      <a:endParaRPr lang="en-US" altLang="ja-JP" sz="900" kern="100" dirty="0" smtClean="0">
                         <a:effectLst/>
-                        <a:latin typeface="Century" panose="02040604050505020304" pitchFamily="18" charset="0"/>
-                        <a:ea typeface="ＭＳ 明朝" panose="02020609040205080304" pitchFamily="17" charset="-128"/>
-                        <a:cs typeface="Times New Roman" panose="02020603050405020304" pitchFamily="18" charset="0"/>
                       </a:endParaRPr>
+                    </a:p>
+                    <a:p>
+                      <a:pPr marL="0" marR="0" lvl="0" indent="0" algn="just" defTabSz="914400" rtl="0" eaLnBrk="1" fontAlgn="auto" latinLnBrk="0" hangingPunct="1">
+                        <a:lnSpc>
+                          <a:spcPct val="100000"/>
+                        </a:lnSpc>
+                        <a:spcBef>
+                          <a:spcPts val="0"/>
+                        </a:spcBef>
+                        <a:spcAft>
+                          <a:spcPts val="0"/>
+                        </a:spcAft>
+                        <a:buClrTx/>
+                        <a:buSzTx/>
+                        <a:buFontTx/>
+                        <a:buNone/>
+                        <a:tabLst/>
+                        <a:defRPr/>
+                      </a:pPr>
+                      <a:r>
+                        <a:rPr lang="en-US" altLang="ja-JP" sz="900" kern="100" dirty="0" smtClean="0">
+                          <a:effectLst/>
+                        </a:rPr>
+                        <a:t>*)RHEL7_AWS : AWS</a:t>
+                      </a:r>
+                      <a:r>
+                        <a:rPr lang="ja-JP" altLang="en-US" sz="900" kern="100" dirty="0" smtClean="0">
+                          <a:effectLst/>
+                        </a:rPr>
+                        <a:t>上の</a:t>
+                      </a:r>
+                      <a:r>
+                        <a:rPr lang="en-US" altLang="ja-JP" sz="900" kern="100" dirty="0" smtClean="0">
+                          <a:effectLst/>
+                        </a:rPr>
+                        <a:t>RHEL7</a:t>
+                      </a:r>
+                    </a:p>
+                    <a:p>
+                      <a:pPr marL="0" marR="0" lvl="0" indent="0" algn="just" defTabSz="914400" rtl="0" eaLnBrk="1" fontAlgn="auto" latinLnBrk="0" hangingPunct="1">
+                        <a:lnSpc>
+                          <a:spcPct val="100000"/>
+                        </a:lnSpc>
+                        <a:spcBef>
+                          <a:spcPts val="0"/>
+                        </a:spcBef>
+                        <a:spcAft>
+                          <a:spcPts val="0"/>
+                        </a:spcAft>
+                        <a:buClrTx/>
+                        <a:buSzTx/>
+                        <a:buFontTx/>
+                        <a:buNone/>
+                        <a:tabLst/>
+                        <a:defRPr/>
+                      </a:pPr>
+                      <a:r>
+                        <a:rPr lang="en-US" altLang="ja-JP" sz="900" kern="100" dirty="0" smtClean="0">
+                          <a:effectLst/>
+                        </a:rPr>
+                        <a:t>   RHEL8_AWS : AWS</a:t>
+                      </a:r>
+                      <a:r>
+                        <a:rPr lang="ja-JP" altLang="en-US" sz="900" kern="100" dirty="0" smtClean="0">
+                          <a:effectLst/>
+                        </a:rPr>
+                        <a:t>上の</a:t>
+                      </a:r>
+                      <a:r>
+                        <a:rPr lang="en-US" altLang="ja-JP" sz="900" kern="100" dirty="0" smtClean="0">
+                          <a:effectLst/>
+                        </a:rPr>
+                        <a:t>RHEL8</a:t>
+                      </a:r>
                     </a:p>
                   </a:txBody>
                   <a:tcPr marL="55979" marR="55979" marT="0" marB="0" anchor="ctr">
@@ -14574,7 +14670,7 @@
                     </a:solidFill>
                   </a:tcPr>
                 </a:tc>
-                <a:tc>
+                <a:tc rowSpan="3">
                   <a:txBody>
                     <a:bodyPr/>
                     <a:lstStyle/>
@@ -14591,42 +14687,82 @@
                         <a:t>ITA</a:t>
                       </a:r>
                       <a:r>
-                        <a:rPr lang="ja-JP" sz="900" kern="100" dirty="0" smtClean="0">
-                          <a:effectLst/>
-                        </a:rPr>
-                        <a:t>サーバ</a:t>
-                      </a:r>
-                      <a:r>
-                        <a:rPr lang="ja-JP" sz="900" kern="100" dirty="0">
-                          <a:effectLst/>
-                        </a:rPr>
-                        <a:t>の</a:t>
-                      </a:r>
-                      <a:r>
-                        <a:rPr lang="en-US" sz="900" kern="100" dirty="0">
+                        <a:rPr lang="ja-JP" altLang="en-US" sz="900" kern="100" dirty="0" smtClean="0">
+                          <a:effectLst/>
+                        </a:rPr>
+                        <a:t>サーバの</a:t>
+                      </a:r>
+                      <a:r>
+                        <a:rPr lang="en-US" altLang="ja-JP" sz="900" kern="100" dirty="0" smtClean="0">
                           <a:effectLst/>
                         </a:rPr>
                         <a:t>OS</a:t>
                       </a:r>
                       <a:r>
-                        <a:rPr lang="ja-JP" sz="900" kern="100" dirty="0">
+                        <a:rPr lang="ja-JP" altLang="ja-JP" sz="900" kern="100" dirty="0" smtClean="0">
                           <a:effectLst/>
                         </a:rPr>
                         <a:t>が</a:t>
                       </a:r>
                       <a:r>
-                        <a:rPr lang="en-US" sz="900" kern="100" dirty="0">
+                        <a:rPr lang="en-US" altLang="ja-JP" sz="900" kern="100" dirty="0" smtClean="0">
+                          <a:effectLst/>
+                        </a:rPr>
+                        <a:t>RHEL7</a:t>
+                      </a:r>
+                      <a:r>
+                        <a:rPr lang="ja-JP" altLang="en-US" sz="900" kern="100" dirty="0" smtClean="0">
+                          <a:effectLst/>
+                        </a:rPr>
+                        <a:t>または</a:t>
+                      </a:r>
+                      <a:r>
+                        <a:rPr lang="en-US" altLang="ja-JP" sz="900" kern="100" dirty="0" smtClean="0">
+                          <a:effectLst/>
+                        </a:rPr>
+                        <a:t>RHEL8</a:t>
+                      </a:r>
+                      <a:r>
+                        <a:rPr lang="ja-JP" altLang="ja-JP" sz="900" kern="100" dirty="0" smtClean="0">
+                          <a:effectLst/>
+                        </a:rPr>
+                        <a:t>の場合必須</a:t>
+                      </a:r>
+                      <a:endParaRPr lang="en-US" altLang="ja-JP" sz="900" kern="100" dirty="0" smtClean="0">
+                        <a:effectLst/>
+                      </a:endParaRPr>
+                    </a:p>
+                    <a:p>
+                      <a:pPr algn="l">
+                        <a:spcAft>
+                          <a:spcPts val="0"/>
+                        </a:spcAft>
+                      </a:pPr>
+                      <a:r>
+                        <a:rPr lang="en-US" altLang="ja-JP" sz="900" kern="100" dirty="0" smtClean="0">
+                          <a:effectLst/>
+                        </a:rPr>
+                        <a:t>※AWS</a:t>
+                      </a:r>
+                      <a:r>
+                        <a:rPr lang="ja-JP" altLang="en-US" sz="900" kern="100" dirty="0" smtClean="0">
+                          <a:effectLst/>
+                        </a:rPr>
+                        <a:t>上の</a:t>
+                      </a:r>
+                      <a:r>
+                        <a:rPr lang="en-US" altLang="ja-JP" sz="900" kern="100" dirty="0" smtClean="0">
                           <a:effectLst/>
                         </a:rPr>
                         <a:t>RHEL</a:t>
                       </a:r>
                       <a:r>
-                        <a:rPr lang="ja-JP" sz="900" kern="100" dirty="0">
-                          <a:effectLst/>
-                        </a:rPr>
-                        <a:t>の場合必須</a:t>
-                      </a:r>
-                      <a:endParaRPr lang="ja-JP" sz="900" kern="100" dirty="0">
+                        <a:rPr lang="ja-JP" altLang="en-US" sz="900" kern="100" dirty="0" smtClean="0">
+                          <a:effectLst/>
+                        </a:rPr>
+                        <a:t>の場合は不要</a:t>
+                      </a:r>
+                      <a:endParaRPr lang="ja-JP" altLang="ja-JP" sz="900" kern="100" dirty="0">
                         <a:effectLst/>
                         <a:latin typeface="Century" panose="02040604050505020304" pitchFamily="18" charset="0"/>
                         <a:ea typeface="ＭＳ 明朝" panose="02020609040205080304" pitchFamily="17" charset="-128"/>
@@ -14749,7 +14885,7 @@
                     </a:solidFill>
                   </a:tcPr>
                 </a:tc>
-                <a:tc>
+                <a:tc vMerge="1">
                   <a:txBody>
                     <a:bodyPr/>
                     <a:lstStyle/>
@@ -14759,48 +14895,6 @@
                           <a:spcPts val="0"/>
                         </a:spcAft>
                       </a:pPr>
-                      <a:r>
-                        <a:rPr lang="en-US" altLang="ja-JP" sz="900" kern="100" dirty="0" smtClean="0">
-                          <a:effectLst/>
-                        </a:rPr>
-                        <a:t>ITA</a:t>
-                      </a:r>
-                      <a:r>
-                        <a:rPr lang="ja-JP" sz="900" kern="100" dirty="0" smtClean="0">
-                          <a:effectLst/>
-                        </a:rPr>
-                        <a:t>サーバ</a:t>
-                      </a:r>
-                      <a:r>
-                        <a:rPr lang="ja-JP" sz="900" kern="100" dirty="0">
-                          <a:effectLst/>
-                        </a:rPr>
-                        <a:t>の</a:t>
-                      </a:r>
-                      <a:r>
-                        <a:rPr lang="en-US" sz="900" kern="100" dirty="0">
-                          <a:effectLst/>
-                        </a:rPr>
-                        <a:t>OS</a:t>
-                      </a:r>
-                      <a:r>
-                        <a:rPr lang="ja-JP" sz="900" kern="100" dirty="0">
-                          <a:effectLst/>
-                        </a:rPr>
-                        <a:t>が</a:t>
-                      </a:r>
-                      <a:r>
-                        <a:rPr lang="en-US" sz="900" kern="100" dirty="0">
-                          <a:effectLst/>
-                        </a:rPr>
-                        <a:t>RHEL</a:t>
-                      </a:r>
-                      <a:r>
-                        <a:rPr lang="ja-JP" sz="900" kern="100" dirty="0">
-                          <a:effectLst/>
-                        </a:rPr>
-                        <a:t>の場合必須</a:t>
-                      </a:r>
                       <a:endParaRPr lang="ja-JP" sz="900" kern="100" dirty="0">
                         <a:effectLst/>
                         <a:latin typeface="Century" panose="02040604050505020304" pitchFamily="18" charset="0"/>
@@ -14924,7 +15018,7 @@
                     </a:solidFill>
                   </a:tcPr>
                 </a:tc>
-                <a:tc>
+                <a:tc vMerge="1">
                   <a:txBody>
                     <a:bodyPr/>
                     <a:lstStyle/>
@@ -14934,48 +15028,6 @@
                           <a:spcPts val="0"/>
                         </a:spcAft>
                       </a:pPr>
-                      <a:r>
-                        <a:rPr lang="en-US" altLang="ja-JP" sz="900" kern="100" dirty="0" smtClean="0">
-                          <a:effectLst/>
-                        </a:rPr>
-                        <a:t>ITA</a:t>
-                      </a:r>
-                      <a:r>
-                        <a:rPr lang="ja-JP" sz="900" kern="100" dirty="0" smtClean="0">
-                          <a:effectLst/>
-                        </a:rPr>
-                        <a:t>サーバ</a:t>
-                      </a:r>
-                      <a:r>
-                        <a:rPr lang="ja-JP" sz="900" kern="100" dirty="0">
-                          <a:effectLst/>
-                        </a:rPr>
-                        <a:t>の</a:t>
-                      </a:r>
-                      <a:r>
-                        <a:rPr lang="en-US" sz="900" kern="100" dirty="0">
-                          <a:effectLst/>
-                        </a:rPr>
-                        <a:t>OS</a:t>
-                      </a:r>
-                      <a:r>
-                        <a:rPr lang="ja-JP" sz="900" kern="100" dirty="0">
-                          <a:effectLst/>
-                        </a:rPr>
-                        <a:t>が</a:t>
-                      </a:r>
-                      <a:r>
-                        <a:rPr lang="en-US" sz="900" kern="100" dirty="0">
-                          <a:effectLst/>
-                        </a:rPr>
-                        <a:t>RHEL</a:t>
-                      </a:r>
-                      <a:r>
-                        <a:rPr lang="ja-JP" sz="900" kern="100" dirty="0">
-                          <a:effectLst/>
-                        </a:rPr>
-                        <a:t>の場合必須</a:t>
-                      </a:r>
                       <a:endParaRPr lang="ja-JP" sz="900" kern="100" dirty="0">
                         <a:effectLst/>
                         <a:latin typeface="Century" panose="02040604050505020304" pitchFamily="18" charset="0"/>
@@ -15150,7 +15202,7 @@
       </p:sp>
       <p:sp>
         <p:nvSpPr>
-          <p:cNvPr id="3" name="コンテンツ プレースホルダー 2"/>
+          <p:cNvPr id="31" name="コンテンツ プレースホルダー 2"/>
           <p:cNvSpPr>
             <a:spLocks noGrp="1"/>
           </p:cNvSpPr>
@@ -15268,14 +15320,14 @@
       </p:sp>
       <p:sp>
         <p:nvSpPr>
-          <p:cNvPr id="8" name="正方形/長方形 7"/>
+          <p:cNvPr id="32" name="正方形/長方形 31"/>
           <p:cNvSpPr/>
           <p:nvPr/>
         </p:nvSpPr>
         <p:spPr>
           <a:xfrm>
-            <a:off x="2303685" y="1647202"/>
-            <a:ext cx="4536630" cy="1845799"/>
+            <a:off x="2092752" y="1628750"/>
+            <a:ext cx="5431658" cy="1944270"/>
           </a:xfrm>
           <a:prstGeom prst="rect">
             <a:avLst/>
@@ -15302,6 +15354,61 @@
           </a:bodyPr>
           <a:lstStyle/>
           <a:p>
+            <a:pPr lvl="0">
+              <a:lnSpc>
+                <a:spcPts val="800"/>
+              </a:lnSpc>
+              <a:defRPr/>
+            </a:pPr>
+            <a:r>
+              <a:rPr kumimoji="0" lang="en-US" sz="900" kern="100" dirty="0">
+                <a:solidFill>
+                  <a:sysClr val="window" lastClr="FFFFFF"/>
+                </a:solidFill>
+                <a:latin typeface="Arial" panose="020B0604020202020204" pitchFamily="34" charset="0"/>
+                <a:ea typeface="ＭＳ 明朝" panose="02020609040205080304" pitchFamily="17" charset="-128"/>
+                <a:cs typeface="Times New Roman" panose="02020603050405020304" pitchFamily="18" charset="0"/>
+              </a:rPr>
+              <a:t># Select Operation System</a:t>
+            </a:r>
+            <a:r>
+              <a:rPr kumimoji="0" lang="en-US" sz="900" kern="100" dirty="0" smtClean="0">
+                <a:solidFill>
+                  <a:sysClr val="window" lastClr="FFFFFF"/>
+                </a:solidFill>
+                <a:latin typeface="Arial" panose="020B0604020202020204" pitchFamily="34" charset="0"/>
+                <a:ea typeface="ＭＳ 明朝" panose="02020609040205080304" pitchFamily="17" charset="-128"/>
+                <a:cs typeface="Times New Roman" panose="02020603050405020304" pitchFamily="18" charset="0"/>
+              </a:rPr>
+              <a:t>. ("</a:t>
+            </a:r>
+            <a:r>
+              <a:rPr kumimoji="0" lang="en-US" sz="900" kern="100" dirty="0">
+                <a:solidFill>
+                  <a:sysClr val="window" lastClr="FFFFFF"/>
+                </a:solidFill>
+                <a:latin typeface="Arial" panose="020B0604020202020204" pitchFamily="34" charset="0"/>
+                <a:ea typeface="ＭＳ 明朝" panose="02020609040205080304" pitchFamily="17" charset="-128"/>
+                <a:cs typeface="Times New Roman" panose="02020603050405020304" pitchFamily="18" charset="0"/>
+              </a:rPr>
+              <a:t>CentOS7","CentOS8","RHEL7","RHEL8","RHEL7_AWS","RHEL8_AWS")</a:t>
+            </a:r>
+            <a:endParaRPr kumimoji="0" lang="en-US" sz="900" b="0" i="0" u="none" strike="noStrike" kern="100" cap="none" spc="0" normalizeH="0" baseline="0" noProof="0" dirty="0" smtClean="0">
+              <a:ln>
+                <a:noFill/>
+              </a:ln>
+              <a:solidFill>
+                <a:sysClr val="window" lastClr="FFFFFF"/>
+              </a:solidFill>
+              <a:effectLst/>
+              <a:uLnTx/>
+              <a:uFillTx/>
+              <a:latin typeface="Arial" panose="020B0604020202020204" pitchFamily="34" charset="0"/>
+              <a:ea typeface="ＭＳ 明朝" panose="02020609040205080304" pitchFamily="17" charset="-128"/>
+              <a:cs typeface="Times New Roman" panose="02020603050405020304" pitchFamily="18" charset="0"/>
+            </a:endParaRPr>
+          </a:p>
+          <a:p>
             <a:pPr marL="0" marR="0" lvl="0" indent="0" algn="l" defTabSz="914400" eaLnBrk="1" fontAlgn="auto" latinLnBrk="0" hangingPunct="1">
               <a:lnSpc>
                 <a:spcPts val="800"/>
@@ -15319,85 +15426,11 @@
               <a:tabLst/>
               <a:defRPr/>
             </a:pPr>
-            <a:r>
-              <a:rPr kumimoji="0" lang="en-US" sz="900" b="0" i="0" u="none" strike="noStrike" kern="100" cap="none" spc="0" normalizeH="0" baseline="0" noProof="0" dirty="0">
-                <a:ln>
-                  <a:noFill/>
-                </a:ln>
-                <a:solidFill>
-                  <a:sysClr val="window" lastClr="FFFFFF"/>
-                </a:solidFill>
-                <a:effectLst/>
-                <a:uLnTx/>
-                <a:uFillTx/>
-                <a:latin typeface="Arial" panose="020B0604020202020204" pitchFamily="34" charset="0"/>
-                <a:ea typeface="ＭＳ 明朝" panose="02020609040205080304" pitchFamily="17" charset="-128"/>
-                <a:cs typeface="Times New Roman" panose="02020603050405020304" pitchFamily="18" charset="0"/>
-              </a:rPr>
-              <a:t># Select Operation </a:t>
-            </a:r>
-            <a:r>
-              <a:rPr kumimoji="0" lang="en-US" sz="900" b="0" i="0" u="none" strike="noStrike" kern="100" cap="none" spc="0" normalizeH="0" baseline="0" noProof="0" dirty="0" smtClean="0">
-                <a:ln>
-                  <a:noFill/>
-                </a:ln>
-                <a:solidFill>
-                  <a:sysClr val="window" lastClr="FFFFFF"/>
-                </a:solidFill>
-                <a:effectLst/>
-                <a:uLnTx/>
-                <a:uFillTx/>
-                <a:latin typeface="Arial" panose="020B0604020202020204" pitchFamily="34" charset="0"/>
-                <a:ea typeface="ＭＳ 明朝" panose="02020609040205080304" pitchFamily="17" charset="-128"/>
-                <a:cs typeface="Times New Roman" panose="02020603050405020304" pitchFamily="18" charset="0"/>
-              </a:rPr>
-              <a:t>System</a:t>
-            </a:r>
-            <a:r>
-              <a:rPr kumimoji="0" lang="en-US" sz="900" b="0" i="0" u="none" strike="noStrike" kern="100" cap="none" spc="0" normalizeH="0" baseline="0" noProof="0" dirty="0">
-                <a:ln>
-                  <a:noFill/>
-                </a:ln>
-                <a:solidFill>
-                  <a:sysClr val="window" lastClr="FFFFFF"/>
-                </a:solidFill>
-                <a:effectLst/>
-                <a:uLnTx/>
-                <a:uFillTx/>
-                <a:latin typeface="Arial" panose="020B0604020202020204" pitchFamily="34" charset="0"/>
-                <a:ea typeface="ＭＳ 明朝" panose="02020609040205080304" pitchFamily="17" charset="-128"/>
-                <a:cs typeface="Times New Roman" panose="02020603050405020304" pitchFamily="18" charset="0"/>
-              </a:rPr>
-              <a:t>. ("</a:t>
-            </a:r>
-            <a:r>
-              <a:rPr kumimoji="0" lang="en-US" sz="900" b="0" i="0" u="none" strike="noStrike" kern="100" cap="none" spc="0" normalizeH="0" baseline="0" noProof="0" dirty="0" smtClean="0">
-                <a:ln>
-                  <a:noFill/>
-                </a:ln>
-                <a:solidFill>
-                  <a:sysClr val="window" lastClr="FFFFFF"/>
-                </a:solidFill>
-                <a:effectLst/>
-                <a:uLnTx/>
-                <a:uFillTx/>
-                <a:latin typeface="Arial" panose="020B0604020202020204" pitchFamily="34" charset="0"/>
-                <a:ea typeface="ＭＳ 明朝" panose="02020609040205080304" pitchFamily="17" charset="-128"/>
-                <a:cs typeface="Times New Roman" panose="02020603050405020304" pitchFamily="18" charset="0"/>
-              </a:rPr>
-              <a:t>CentOS7","CentOS8","RHEL7","RHEL8")</a:t>
-            </a:r>
-            <a:endParaRPr kumimoji="0" lang="ja-JP" altLang="en-US" sz="1050" b="0" i="0" u="none" strike="noStrike" kern="100" cap="none" spc="0" normalizeH="0" baseline="0" noProof="0" dirty="0">
-              <a:ln>
-                <a:noFill/>
-              </a:ln>
+            <a:endParaRPr kumimoji="0" lang="en-US" sz="900" kern="100" dirty="0">
               <a:solidFill>
                 <a:sysClr val="window" lastClr="FFFFFF"/>
               </a:solidFill>
-              <a:effectLst/>
-              <a:uLnTx/>
-              <a:uFillTx/>
-              <a:latin typeface="Century"/>
+              <a:latin typeface="Arial" panose="020B0604020202020204" pitchFamily="34" charset="0"/>
               <a:ea typeface="ＭＳ 明朝" panose="02020609040205080304" pitchFamily="17" charset="-128"/>
               <a:cs typeface="Times New Roman" panose="02020603050405020304" pitchFamily="18" charset="0"/>
             </a:endParaRPr>
@@ -15421,23 +15454,6 @@
               <a:defRPr/>
             </a:pPr>
             <a:r>
-              <a:rPr kumimoji="0" lang="en-US" sz="900" b="0" i="0" u="none" strike="noStrike" kern="100" cap="none" spc="0" normalizeH="0" baseline="0" noProof="0" dirty="0">
-                <a:ln>
-                  <a:noFill/>
-                </a:ln>
-                <a:solidFill>
-                  <a:sysClr val="window" lastClr="FFFFFF"/>
-                </a:solidFill>
-                <a:effectLst/>
-                <a:uLnTx/>
-                <a:uFillTx/>
-                <a:latin typeface="Arial" panose="020B0604020202020204" pitchFamily="34" charset="0"/>
-                <a:ea typeface="ＭＳ 明朝" panose="02020609040205080304" pitchFamily="17" charset="-128"/>
-                <a:cs typeface="Times New Roman" panose="02020603050405020304" pitchFamily="18" charset="0"/>
-              </a:rPr>
-              <a:t># e.g) </a:t>
-            </a:r>
-            <a:r>
               <a:rPr kumimoji="0" lang="en-US" sz="900" b="0" i="0" u="none" strike="noStrike" kern="100" cap="none" spc="0" normalizeH="0" baseline="0" noProof="0" dirty="0" smtClean="0">
                 <a:ln>
                   <a:noFill/>
@@ -15452,9 +15468,9 @@
                 <a:ea typeface="ＭＳ 明朝" panose="02020609040205080304" pitchFamily="17" charset="-128"/>
                 <a:cs typeface="Times New Roman" panose="02020603050405020304" pitchFamily="18" charset="0"/>
               </a:rPr>
-              <a:t>linux_os:RHEL8</a:t>
-            </a:r>
-            <a:endParaRPr kumimoji="0" lang="ja-JP" altLang="en-US" sz="1050" b="0" i="0" u="none" strike="noStrike" kern="100" cap="none" spc="0" normalizeH="0" baseline="0" noProof="0" dirty="0">
+              <a:t># Select Operation System. ("CentOS7,"CentOS8","RHEL7","RHEL8")</a:t>
+            </a:r>
+            <a:endParaRPr kumimoji="0" lang="ja-JP" altLang="en-US" sz="1050" b="0" i="0" u="none" strike="noStrike" kern="100" cap="none" spc="0" normalizeH="0" baseline="0" noProof="0" dirty="0" smtClean="0">
               <a:ln>
                 <a:noFill/>
               </a:ln>
@@ -15488,23 +15504,6 @@
               <a:defRPr/>
             </a:pPr>
             <a:r>
-              <a:rPr kumimoji="0" lang="en-US" sz="900" b="0" i="0" u="none" strike="noStrike" kern="100" cap="none" spc="0" normalizeH="0" baseline="0" noProof="0" dirty="0">
-                <a:ln>
-                  <a:noFill/>
-                </a:ln>
-                <a:solidFill>
-                  <a:sysClr val="window" lastClr="FFFFFF"/>
-                </a:solidFill>
-                <a:effectLst/>
-                <a:uLnTx/>
-                <a:uFillTx/>
-                <a:latin typeface="Arial" panose="020B0604020202020204" pitchFamily="34" charset="0"/>
-                <a:ea typeface="ＭＳ 明朝" panose="02020609040205080304" pitchFamily="17" charset="-128"/>
-                <a:cs typeface="Times New Roman" panose="02020603050405020304" pitchFamily="18" charset="0"/>
-              </a:rPr>
-              <a:t>linux_os: </a:t>
-            </a:r>
-            <a:r>
               <a:rPr kumimoji="0" lang="en-US" sz="900" b="0" i="0" u="none" strike="noStrike" kern="100" cap="none" spc="0" normalizeH="0" baseline="0" noProof="0" dirty="0" smtClean="0">
                 <a:ln>
                   <a:noFill/>
@@ -15519,9 +15518,43 @@
                 <a:ea typeface="ＭＳ 明朝" panose="02020609040205080304" pitchFamily="17" charset="-128"/>
                 <a:cs typeface="Times New Roman" panose="02020603050405020304" pitchFamily="18" charset="0"/>
               </a:rPr>
-              <a:t>RHEL7</a:t>
-            </a:r>
-            <a:endParaRPr kumimoji="0" lang="ja-JP" altLang="en-US" sz="1050" b="0" i="0" u="none" strike="noStrike" kern="100" cap="none" spc="0" normalizeH="0" baseline="0" noProof="0" dirty="0">
+              <a:t># </a:t>
+            </a:r>
+            <a:r>
+              <a:rPr kumimoji="0" lang="en-US" sz="900" b="0" i="0" u="none" strike="noStrike" kern="100" cap="none" spc="0" normalizeH="0" baseline="0" noProof="0" dirty="0" err="1" smtClean="0">
+                <a:ln>
+                  <a:noFill/>
+                </a:ln>
+                <a:solidFill>
+                  <a:sysClr val="window" lastClr="FFFFFF"/>
+                </a:solidFill>
+                <a:effectLst/>
+                <a:uLnTx/>
+                <a:uFillTx/>
+                <a:latin typeface="Arial" panose="020B0604020202020204" pitchFamily="34" charset="0"/>
+                <a:ea typeface="ＭＳ 明朝" panose="02020609040205080304" pitchFamily="17" charset="-128"/>
+                <a:cs typeface="Times New Roman" panose="02020603050405020304" pitchFamily="18" charset="0"/>
+              </a:rPr>
+              <a:t>e.g</a:t>
+            </a:r>
+            <a:r>
+              <a:rPr kumimoji="0" lang="en-US" sz="900" b="0" i="0" u="none" strike="noStrike" kern="100" cap="none" spc="0" normalizeH="0" baseline="0" noProof="0" dirty="0" smtClean="0">
+                <a:ln>
+                  <a:noFill/>
+                </a:ln>
+                <a:solidFill>
+                  <a:sysClr val="window" lastClr="FFFFFF"/>
+                </a:solidFill>
+                <a:effectLst/>
+                <a:uLnTx/>
+                <a:uFillTx/>
+                <a:latin typeface="Arial" panose="020B0604020202020204" pitchFamily="34" charset="0"/>
+                <a:ea typeface="ＭＳ 明朝" panose="02020609040205080304" pitchFamily="17" charset="-128"/>
+                <a:cs typeface="Times New Roman" panose="02020603050405020304" pitchFamily="18" charset="0"/>
+              </a:rPr>
+              <a:t>) linux_os:RHEL8</a:t>
+            </a:r>
+            <a:endParaRPr kumimoji="0" lang="ja-JP" altLang="en-US" sz="1050" b="0" i="0" u="none" strike="noStrike" kern="100" cap="none" spc="0" normalizeH="0" baseline="0" noProof="0" dirty="0" smtClean="0">
               <a:ln>
                 <a:noFill/>
               </a:ln>
@@ -15555,6 +15588,23 @@
               <a:defRPr/>
             </a:pPr>
             <a:r>
+              <a:rPr kumimoji="0" lang="en-US" sz="900" b="0" i="0" u="none" strike="noStrike" kern="100" cap="none" spc="0" normalizeH="0" baseline="0" noProof="0" dirty="0" err="1" smtClean="0">
+                <a:ln>
+                  <a:noFill/>
+                </a:ln>
+                <a:solidFill>
+                  <a:sysClr val="window" lastClr="FFFFFF"/>
+                </a:solidFill>
+                <a:effectLst/>
+                <a:uLnTx/>
+                <a:uFillTx/>
+                <a:latin typeface="Arial" panose="020B0604020202020204" pitchFamily="34" charset="0"/>
+                <a:ea typeface="ＭＳ 明朝" panose="02020609040205080304" pitchFamily="17" charset="-128"/>
+                <a:cs typeface="Times New Roman" panose="02020603050405020304" pitchFamily="18" charset="0"/>
+              </a:rPr>
+              <a:t>linux_os</a:t>
+            </a:r>
+            <a:r>
               <a:rPr kumimoji="0" lang="en-US" sz="900" b="0" i="0" u="none" strike="noStrike" kern="100" cap="none" spc="0" normalizeH="0" baseline="0" noProof="0" dirty="0">
                 <a:ln>
                   <a:noFill/>
@@ -15569,7 +15619,24 @@
                 <a:ea typeface="ＭＳ 明朝" panose="02020609040205080304" pitchFamily="17" charset="-128"/>
                 <a:cs typeface="Times New Roman" panose="02020603050405020304" pitchFamily="18" charset="0"/>
               </a:rPr>
-              <a:t> </a:t>
+              <a:t>: </a:t>
+            </a:r>
+            <a:r>
+              <a:rPr kumimoji="0" lang="en-US" sz="900" b="0" i="0" u="none" strike="noStrike" kern="100" cap="none" spc="0" normalizeH="0" baseline="0" noProof="0" dirty="0" smtClean="0">
+                <a:ln>
+                  <a:noFill/>
+                </a:ln>
+                <a:solidFill>
+                  <a:sysClr val="window" lastClr="FFFFFF"/>
+                </a:solidFill>
+                <a:effectLst/>
+                <a:uLnTx/>
+                <a:uFillTx/>
+                <a:latin typeface="Arial" panose="020B0604020202020204" pitchFamily="34" charset="0"/>
+                <a:ea typeface="ＭＳ 明朝" panose="02020609040205080304" pitchFamily="17" charset="-128"/>
+                <a:cs typeface="Times New Roman" panose="02020603050405020304" pitchFamily="18" charset="0"/>
+              </a:rPr>
+              <a:t>RHEL7</a:t>
             </a:r>
             <a:endParaRPr kumimoji="0" lang="ja-JP" altLang="en-US" sz="1050" b="0" i="0" u="none" strike="noStrike" kern="100" cap="none" spc="0" normalizeH="0" baseline="0" noProof="0" dirty="0">
               <a:ln>
@@ -15619,7 +15686,7 @@
                 <a:ea typeface="ＭＳ 明朝" panose="02020609040205080304" pitchFamily="17" charset="-128"/>
                 <a:cs typeface="Times New Roman" panose="02020603050405020304" pitchFamily="18" charset="0"/>
               </a:rPr>
-              <a:t>#####################################################</a:t>
+              <a:t> </a:t>
             </a:r>
             <a:endParaRPr kumimoji="0" lang="ja-JP" altLang="en-US" sz="1050" b="0" i="0" u="none" strike="noStrike" kern="100" cap="none" spc="0" normalizeH="0" baseline="0" noProof="0" dirty="0">
               <a:ln>
@@ -15669,58 +15736,7 @@
                 <a:ea typeface="ＭＳ 明朝" panose="02020609040205080304" pitchFamily="17" charset="-128"/>
                 <a:cs typeface="Times New Roman" panose="02020603050405020304" pitchFamily="18" charset="0"/>
               </a:rPr>
-              <a:t>#Only when you select linux_os with </a:t>
-            </a:r>
-            <a:r>
-              <a:rPr kumimoji="0" lang="en-US" sz="900" b="0" i="0" u="none" strike="noStrike" kern="100" cap="none" spc="0" normalizeH="0" baseline="0" noProof="0" dirty="0" smtClean="0">
-                <a:ln>
-                  <a:noFill/>
-                </a:ln>
-                <a:solidFill>
-                  <a:sysClr val="window" lastClr="FFFFFF"/>
-                </a:solidFill>
-                <a:effectLst/>
-                <a:uLnTx/>
-                <a:uFillTx/>
-                <a:latin typeface="Arial" panose="020B0604020202020204" pitchFamily="34" charset="0"/>
-                <a:ea typeface="ＭＳ 明朝" panose="02020609040205080304" pitchFamily="17" charset="-128"/>
-                <a:cs typeface="Times New Roman" panose="02020603050405020304" pitchFamily="18" charset="0"/>
-              </a:rPr>
-              <a:t>RHEL7 </a:t>
-            </a:r>
-            <a:r>
-              <a:rPr kumimoji="0" lang="en-US" sz="900" b="0" i="0" u="none" strike="noStrike" kern="100" cap="none" spc="0" normalizeH="0" baseline="0" noProof="0" dirty="0">
-                <a:ln>
-                  <a:noFill/>
-                </a:ln>
-                <a:solidFill>
-                  <a:sysClr val="window" lastClr="FFFFFF"/>
-                </a:solidFill>
-                <a:effectLst/>
-                <a:uLnTx/>
-                <a:uFillTx/>
-                <a:latin typeface="Arial" panose="020B0604020202020204" pitchFamily="34" charset="0"/>
-                <a:ea typeface="ＭＳ 明朝" panose="02020609040205080304" pitchFamily="17" charset="-128"/>
-                <a:cs typeface="Times New Roman" panose="02020603050405020304" pitchFamily="18" charset="0"/>
-              </a:rPr>
-              <a:t>or </a:t>
-            </a:r>
-            <a:r>
-              <a:rPr kumimoji="0" lang="en-US" sz="900" b="0" i="0" u="none" strike="noStrike" kern="100" cap="none" spc="0" normalizeH="0" baseline="0" noProof="0" dirty="0" smtClean="0">
-                <a:ln>
-                  <a:noFill/>
-                </a:ln>
-                <a:solidFill>
-                  <a:sysClr val="window" lastClr="FFFFFF"/>
-                </a:solidFill>
-                <a:effectLst/>
-                <a:uLnTx/>
-                <a:uFillTx/>
-                <a:latin typeface="Arial" panose="020B0604020202020204" pitchFamily="34" charset="0"/>
-                <a:ea typeface="ＭＳ 明朝" panose="02020609040205080304" pitchFamily="17" charset="-128"/>
-                <a:cs typeface="Times New Roman" panose="02020603050405020304" pitchFamily="18" charset="0"/>
-              </a:rPr>
-              <a:t>RHEL8</a:t>
+              <a:t>#####################################################</a:t>
             </a:r>
             <a:endParaRPr kumimoji="0" lang="ja-JP" altLang="en-US" sz="1050" b="0" i="0" u="none" strike="noStrike" kern="100" cap="none" spc="0" normalizeH="0" baseline="0" noProof="0" dirty="0">
               <a:ln>
@@ -15770,7 +15786,58 @@
                 <a:ea typeface="ＭＳ 明朝" panose="02020609040205080304" pitchFamily="17" charset="-128"/>
                 <a:cs typeface="Times New Roman" panose="02020603050405020304" pitchFamily="18" charset="0"/>
               </a:rPr>
-              <a:t> </a:t>
+              <a:t>#Only when you select linux_os with </a:t>
+            </a:r>
+            <a:r>
+              <a:rPr kumimoji="0" lang="en-US" sz="900" b="0" i="0" u="none" strike="noStrike" kern="100" cap="none" spc="0" normalizeH="0" baseline="0" noProof="0" dirty="0" smtClean="0">
+                <a:ln>
+                  <a:noFill/>
+                </a:ln>
+                <a:solidFill>
+                  <a:sysClr val="window" lastClr="FFFFFF"/>
+                </a:solidFill>
+                <a:effectLst/>
+                <a:uLnTx/>
+                <a:uFillTx/>
+                <a:latin typeface="Arial" panose="020B0604020202020204" pitchFamily="34" charset="0"/>
+                <a:ea typeface="ＭＳ 明朝" panose="02020609040205080304" pitchFamily="17" charset="-128"/>
+                <a:cs typeface="Times New Roman" panose="02020603050405020304" pitchFamily="18" charset="0"/>
+              </a:rPr>
+              <a:t>RHEL7 </a:t>
+            </a:r>
+            <a:r>
+              <a:rPr kumimoji="0" lang="en-US" sz="900" b="0" i="0" u="none" strike="noStrike" kern="100" cap="none" spc="0" normalizeH="0" baseline="0" noProof="0" dirty="0">
+                <a:ln>
+                  <a:noFill/>
+                </a:ln>
+                <a:solidFill>
+                  <a:sysClr val="window" lastClr="FFFFFF"/>
+                </a:solidFill>
+                <a:effectLst/>
+                <a:uLnTx/>
+                <a:uFillTx/>
+                <a:latin typeface="Arial" panose="020B0604020202020204" pitchFamily="34" charset="0"/>
+                <a:ea typeface="ＭＳ 明朝" panose="02020609040205080304" pitchFamily="17" charset="-128"/>
+                <a:cs typeface="Times New Roman" panose="02020603050405020304" pitchFamily="18" charset="0"/>
+              </a:rPr>
+              <a:t>or </a:t>
+            </a:r>
+            <a:r>
+              <a:rPr kumimoji="0" lang="en-US" sz="900" b="0" i="0" u="none" strike="noStrike" kern="100" cap="none" spc="0" normalizeH="0" baseline="0" noProof="0" dirty="0" smtClean="0">
+                <a:ln>
+                  <a:noFill/>
+                </a:ln>
+                <a:solidFill>
+                  <a:sysClr val="window" lastClr="FFFFFF"/>
+                </a:solidFill>
+                <a:effectLst/>
+                <a:uLnTx/>
+                <a:uFillTx/>
+                <a:latin typeface="Arial" panose="020B0604020202020204" pitchFamily="34" charset="0"/>
+                <a:ea typeface="ＭＳ 明朝" panose="02020609040205080304" pitchFamily="17" charset="-128"/>
+                <a:cs typeface="Times New Roman" panose="02020603050405020304" pitchFamily="18" charset="0"/>
+              </a:rPr>
+              <a:t>RHEL8</a:t>
             </a:r>
             <a:endParaRPr kumimoji="0" lang="ja-JP" altLang="en-US" sz="1050" b="0" i="0" u="none" strike="noStrike" kern="100" cap="none" spc="0" normalizeH="0" baseline="0" noProof="0" dirty="0">
               <a:ln>
@@ -15820,7 +15887,7 @@
                 <a:ea typeface="ＭＳ 明朝" panose="02020609040205080304" pitchFamily="17" charset="-128"/>
                 <a:cs typeface="Times New Roman" panose="02020603050405020304" pitchFamily="18" charset="0"/>
               </a:rPr>
-              <a:t># Enter the Red Hat user name and user password</a:t>
+              <a:t> </a:t>
             </a:r>
             <a:endParaRPr kumimoji="0" lang="ja-JP" altLang="en-US" sz="1050" b="0" i="0" u="none" strike="noStrike" kern="100" cap="none" spc="0" normalizeH="0" baseline="0" noProof="0" dirty="0">
               <a:ln>
@@ -15870,7 +15937,7 @@
                 <a:ea typeface="ＭＳ 明朝" panose="02020609040205080304" pitchFamily="17" charset="-128"/>
                 <a:cs typeface="Times New Roman" panose="02020603050405020304" pitchFamily="18" charset="0"/>
               </a:rPr>
-              <a:t># e.g) redhat_user_name:sample</a:t>
+              <a:t># Enter the Red Hat user name and user password</a:t>
             </a:r>
             <a:endParaRPr kumimoji="0" lang="ja-JP" altLang="en-US" sz="1050" b="0" i="0" u="none" strike="noStrike" kern="100" cap="none" spc="0" normalizeH="0" baseline="0" noProof="0" dirty="0">
               <a:ln>
@@ -15920,7 +15987,7 @@
                 <a:ea typeface="ＭＳ 明朝" panose="02020609040205080304" pitchFamily="17" charset="-128"/>
                 <a:cs typeface="Times New Roman" panose="02020603050405020304" pitchFamily="18" charset="0"/>
               </a:rPr>
-              <a:t>redhat_user_name:sample</a:t>
+              <a:t># e.g) redhat_user_name:sample</a:t>
             </a:r>
             <a:endParaRPr kumimoji="0" lang="ja-JP" altLang="en-US" sz="1050" b="0" i="0" u="none" strike="noStrike" kern="100" cap="none" spc="0" normalizeH="0" baseline="0" noProof="0" dirty="0">
               <a:ln>
@@ -15970,7 +16037,7 @@
                 <a:ea typeface="ＭＳ 明朝" panose="02020609040205080304" pitchFamily="17" charset="-128"/>
                 <a:cs typeface="Times New Roman" panose="02020603050405020304" pitchFamily="18" charset="0"/>
               </a:rPr>
-              <a:t> </a:t>
+              <a:t>redhat_user_name:sample</a:t>
             </a:r>
             <a:endParaRPr kumimoji="0" lang="ja-JP" altLang="en-US" sz="1050" b="0" i="0" u="none" strike="noStrike" kern="100" cap="none" spc="0" normalizeH="0" baseline="0" noProof="0" dirty="0">
               <a:ln>
@@ -16020,7 +16087,7 @@
                 <a:ea typeface="ＭＳ 明朝" panose="02020609040205080304" pitchFamily="17" charset="-128"/>
                 <a:cs typeface="Times New Roman" panose="02020603050405020304" pitchFamily="18" charset="0"/>
               </a:rPr>
-              <a:t># e.g) redhat_user_password:sample_password</a:t>
+              <a:t> </a:t>
             </a:r>
             <a:endParaRPr kumimoji="0" lang="ja-JP" altLang="en-US" sz="1050" b="0" i="0" u="none" strike="noStrike" kern="100" cap="none" spc="0" normalizeH="0" baseline="0" noProof="0" dirty="0">
               <a:ln>
@@ -16070,7 +16137,7 @@
                 <a:ea typeface="ＭＳ 明朝" panose="02020609040205080304" pitchFamily="17" charset="-128"/>
                 <a:cs typeface="Times New Roman" panose="02020603050405020304" pitchFamily="18" charset="0"/>
               </a:rPr>
-              <a:t>redhat_user_password: sample_password</a:t>
+              <a:t># e.g) redhat_user_password:sample_password</a:t>
             </a:r>
             <a:endParaRPr kumimoji="0" lang="ja-JP" altLang="en-US" sz="1050" b="0" i="0" u="none" strike="noStrike" kern="100" cap="none" spc="0" normalizeH="0" baseline="0" noProof="0" dirty="0">
               <a:ln>
@@ -16120,7 +16187,7 @@
                 <a:ea typeface="ＭＳ 明朝" panose="02020609040205080304" pitchFamily="17" charset="-128"/>
                 <a:cs typeface="Times New Roman" panose="02020603050405020304" pitchFamily="18" charset="0"/>
               </a:rPr>
-              <a:t> </a:t>
+              <a:t>redhat_user_password: sample_password</a:t>
             </a:r>
             <a:endParaRPr kumimoji="0" lang="ja-JP" altLang="en-US" sz="1050" b="0" i="0" u="none" strike="noStrike" kern="100" cap="none" spc="0" normalizeH="0" baseline="0" noProof="0" dirty="0">
               <a:ln>
@@ -16170,24 +16237,7 @@
                 <a:ea typeface="ＭＳ 明朝" panose="02020609040205080304" pitchFamily="17" charset="-128"/>
                 <a:cs typeface="Times New Roman" panose="02020603050405020304" pitchFamily="18" charset="0"/>
               </a:rPr>
-              <a:t># e.g) </a:t>
-            </a:r>
-            <a:r>
-              <a:rPr kumimoji="0" lang="en-US" sz="900" b="0" i="0" u="none" strike="noStrike" kern="100" cap="none" spc="0" normalizeH="0" baseline="0" noProof="0" dirty="0" err="1">
-                <a:ln>
-                  <a:noFill/>
-                </a:ln>
-                <a:solidFill>
-                  <a:sysClr val="window" lastClr="FFFFFF"/>
-                </a:solidFill>
-                <a:effectLst/>
-                <a:uLnTx/>
-                <a:uFillTx/>
-                <a:latin typeface="Arial" panose="020B0604020202020204" pitchFamily="34" charset="0"/>
-                <a:ea typeface="ＭＳ 明朝" panose="02020609040205080304" pitchFamily="17" charset="-128"/>
-                <a:cs typeface="Times New Roman" panose="02020603050405020304" pitchFamily="18" charset="0"/>
-              </a:rPr>
-              <a:t>pool_id:samplePoolID</a:t>
+              <a:t> </a:t>
             </a:r>
             <a:endParaRPr kumimoji="0" lang="ja-JP" altLang="en-US" sz="1050" b="0" i="0" u="none" strike="noStrike" kern="100" cap="none" spc="0" normalizeH="0" baseline="0" noProof="0" dirty="0">
               <a:ln>
@@ -16237,7 +16287,24 @@
                 <a:ea typeface="ＭＳ 明朝" panose="02020609040205080304" pitchFamily="17" charset="-128"/>
                 <a:cs typeface="Times New Roman" panose="02020603050405020304" pitchFamily="18" charset="0"/>
               </a:rPr>
-              <a:t>pool_id: samplePoolID</a:t>
+              <a:t># e.g) </a:t>
+            </a:r>
+            <a:r>
+              <a:rPr kumimoji="0" lang="en-US" sz="900" b="0" i="0" u="none" strike="noStrike" kern="100" cap="none" spc="0" normalizeH="0" baseline="0" noProof="0" dirty="0" err="1">
+                <a:ln>
+                  <a:noFill/>
+                </a:ln>
+                <a:solidFill>
+                  <a:sysClr val="window" lastClr="FFFFFF"/>
+                </a:solidFill>
+                <a:effectLst/>
+                <a:uLnTx/>
+                <a:uFillTx/>
+                <a:latin typeface="Arial" panose="020B0604020202020204" pitchFamily="34" charset="0"/>
+                <a:ea typeface="ＭＳ 明朝" panose="02020609040205080304" pitchFamily="17" charset="-128"/>
+                <a:cs typeface="Times New Roman" panose="02020603050405020304" pitchFamily="18" charset="0"/>
+              </a:rPr>
+              <a:t>pool_id:samplePoolID</a:t>
             </a:r>
             <a:endParaRPr kumimoji="0" lang="ja-JP" altLang="en-US" sz="1050" b="0" i="0" u="none" strike="noStrike" kern="100" cap="none" spc="0" normalizeH="0" baseline="0" noProof="0" dirty="0">
               <a:ln>
@@ -16287,7 +16354,7 @@
                 <a:ea typeface="ＭＳ 明朝" panose="02020609040205080304" pitchFamily="17" charset="-128"/>
                 <a:cs typeface="Times New Roman" panose="02020603050405020304" pitchFamily="18" charset="0"/>
               </a:rPr>
-              <a:t> </a:t>
+              <a:t>pool_id: samplePoolID</a:t>
             </a:r>
             <a:endParaRPr kumimoji="0" lang="ja-JP" altLang="en-US" sz="1050" b="0" i="0" u="none" strike="noStrike" kern="100" cap="none" spc="0" normalizeH="0" baseline="0" noProof="0" dirty="0">
               <a:ln>
@@ -16323,7 +16390,7 @@
               <a:defRPr/>
             </a:pPr>
             <a:r>
-              <a:rPr kumimoji="0" lang="en-US" sz="900" b="0" i="0" u="none" strike="noStrike" kern="100" cap="none" spc="0" normalizeH="0" baseline="0" noProof="0" dirty="0" smtClean="0">
+              <a:rPr kumimoji="0" lang="en-US" sz="900" b="0" i="0" u="none" strike="noStrike" kern="100" cap="none" spc="0" normalizeH="0" baseline="0" noProof="0" dirty="0">
                 <a:ln>
                   <a:noFill/>
                 </a:ln>
@@ -16337,7 +16404,7 @@
                 <a:ea typeface="ＭＳ 明朝" panose="02020609040205080304" pitchFamily="17" charset="-128"/>
                 <a:cs typeface="Times New Roman" panose="02020603050405020304" pitchFamily="18" charset="0"/>
               </a:rPr>
-              <a:t>#####################################################</a:t>
+              <a:t> </a:t>
             </a:r>
             <a:endParaRPr kumimoji="0" lang="ja-JP" altLang="en-US" sz="1050" b="0" i="0" u="none" strike="noStrike" kern="100" cap="none" spc="0" normalizeH="0" baseline="0" noProof="0" dirty="0">
               <a:ln>
@@ -16373,7 +16440,7 @@
               <a:defRPr/>
             </a:pPr>
             <a:r>
-              <a:rPr kumimoji="0" lang="en-US" sz="900" b="0" i="0" u="none" strike="noStrike" kern="100" cap="none" spc="0" normalizeH="0" baseline="0" noProof="0" dirty="0">
+              <a:rPr kumimoji="0" lang="en-US" sz="900" b="0" i="0" u="none" strike="noStrike" kern="100" cap="none" spc="0" normalizeH="0" baseline="0" noProof="0" dirty="0" smtClean="0">
                 <a:ln>
                   <a:noFill/>
                 </a:ln>
@@ -16387,7 +16454,7 @@
                 <a:ea typeface="ＭＳ 明朝" panose="02020609040205080304" pitchFamily="17" charset="-128"/>
                 <a:cs typeface="Times New Roman" panose="02020603050405020304" pitchFamily="18" charset="0"/>
               </a:rPr>
-              <a:t>#DHCP setting</a:t>
+              <a:t>#####################################################</a:t>
             </a:r>
             <a:endParaRPr kumimoji="0" lang="ja-JP" altLang="en-US" sz="1050" b="0" i="0" u="none" strike="noStrike" kern="100" cap="none" spc="0" normalizeH="0" baseline="0" noProof="0" dirty="0">
               <a:ln>
@@ -16404,873 +16471,307 @@
               <a:cs typeface="Times New Roman" panose="02020603050405020304" pitchFamily="18" charset="0"/>
             </a:endParaRPr>
           </a:p>
-          <a:p>
-            <a:pPr marL="0" marR="0" lvl="0" indent="0" algn="l" defTabSz="914400" eaLnBrk="1" fontAlgn="auto" latinLnBrk="0" hangingPunct="1">
-              <a:lnSpc>
-                <a:spcPts val="800"/>
-              </a:lnSpc>
-              <a:spcBef>
-                <a:spcPts val="0"/>
-              </a:spcBef>
-              <a:spcAft>
-                <a:spcPts val="0"/>
-              </a:spcAft>
-              <a:buClrTx/>
-              <a:buSzTx/>
-              <a:buFontTx/>
-              <a:buNone/>
-              <a:tabLst/>
-              <a:defRPr/>
-            </a:pPr>
-            <a:r>
-              <a:rPr kumimoji="0" lang="en-US" sz="900" b="0" i="0" u="none" strike="noStrike" kern="100" cap="none" spc="0" normalizeH="0" baseline="0" noProof="0" dirty="0">
-                <a:ln>
-                  <a:noFill/>
-                </a:ln>
+        </p:txBody>
+      </p:sp>
+      <p:cxnSp>
+        <p:nvCxnSpPr>
+          <p:cNvPr id="34" name="直線コネクタ 33"/>
+          <p:cNvCxnSpPr/>
+          <p:nvPr/>
+        </p:nvCxnSpPr>
+        <p:spPr bwMode="auto">
+          <a:xfrm flipH="1">
+            <a:off x="1861091" y="2216344"/>
+            <a:ext cx="359414" cy="187890"/>
+          </a:xfrm>
+          <a:prstGeom prst="line">
+            <a:avLst/>
+          </a:prstGeom>
+          <a:solidFill>
+            <a:schemeClr val="bg1"/>
+          </a:solidFill>
+          <a:ln w="19050" cap="flat" cmpd="sng" algn="ctr">
+            <a:solidFill>
+              <a:srgbClr val="FF0000"/>
+            </a:solidFill>
+            <a:prstDash val="solid"/>
+            <a:bevel/>
+            <a:headEnd type="none" w="med" len="med"/>
+            <a:tailEnd type="none" w="med" len="med"/>
+          </a:ln>
+          <a:effectLst/>
+          <a:extLst>
+            <a:ext uri="{AF507438-7753-43E0-B8FC-AC1667EBCBE1}">
+              <a14:hiddenEffects xmlns:a14="http://schemas.microsoft.com/office/drawing/2010/main">
+                <a:effectLst>
+                  <a:outerShdw dist="35921" dir="2700000" algn="ctr" rotWithShape="0">
+                    <a:schemeClr val="tx1">
+                      <a:alpha val="50000"/>
+                    </a:schemeClr>
+                  </a:outerShdw>
+                </a:effectLst>
+              </a14:hiddenEffects>
+            </a:ext>
+          </a:extLst>
+        </p:spPr>
+      </p:cxnSp>
+      <p:cxnSp>
+        <p:nvCxnSpPr>
+          <p:cNvPr id="35" name="直線コネクタ 34"/>
+          <p:cNvCxnSpPr/>
+          <p:nvPr/>
+        </p:nvCxnSpPr>
+        <p:spPr bwMode="auto">
+          <a:xfrm>
+            <a:off x="2220505" y="2216344"/>
+            <a:ext cx="936000" cy="0"/>
+          </a:xfrm>
+          <a:prstGeom prst="line">
+            <a:avLst/>
+          </a:prstGeom>
+          <a:solidFill>
+            <a:schemeClr val="bg1"/>
+          </a:solidFill>
+          <a:ln w="19050" cap="flat" cmpd="sng" algn="ctr">
+            <a:solidFill>
+              <a:srgbClr val="FF0000"/>
+            </a:solidFill>
+            <a:prstDash val="solid"/>
+            <a:round/>
+            <a:headEnd type="none" w="med" len="med"/>
+            <a:tailEnd type="none" w="med" len="med"/>
+          </a:ln>
+          <a:effectLst/>
+          <a:extLst>
+            <a:ext uri="{AF507438-7753-43E0-B8FC-AC1667EBCBE1}">
+              <a14:hiddenEffects xmlns:a14="http://schemas.microsoft.com/office/drawing/2010/main">
+                <a:effectLst>
+                  <a:outerShdw dist="35921" dir="2700000" algn="ctr" rotWithShape="0">
+                    <a:schemeClr val="tx1">
+                      <a:alpha val="50000"/>
+                    </a:schemeClr>
+                  </a:outerShdw>
+                </a:effectLst>
+              </a14:hiddenEffects>
+            </a:ext>
+          </a:extLst>
+        </p:spPr>
+      </p:cxnSp>
+      <p:cxnSp>
+        <p:nvCxnSpPr>
+          <p:cNvPr id="36" name="直線コネクタ 35"/>
+          <p:cNvCxnSpPr/>
+          <p:nvPr/>
+        </p:nvCxnSpPr>
+        <p:spPr bwMode="auto">
+          <a:xfrm>
+            <a:off x="60841" y="2389114"/>
+            <a:ext cx="1800250" cy="10038"/>
+          </a:xfrm>
+          <a:prstGeom prst="line">
+            <a:avLst/>
+          </a:prstGeom>
+          <a:solidFill>
+            <a:schemeClr val="bg1"/>
+          </a:solidFill>
+          <a:ln w="19050" cap="flat" cmpd="sng" algn="ctr">
+            <a:solidFill>
+              <a:srgbClr val="FF0000"/>
+            </a:solidFill>
+            <a:prstDash val="solid"/>
+            <a:round/>
+            <a:headEnd type="none" w="med" len="med"/>
+            <a:tailEnd type="none" w="med" len="med"/>
+          </a:ln>
+          <a:effectLst/>
+          <a:extLst>
+            <a:ext uri="{AF507438-7753-43E0-B8FC-AC1667EBCBE1}">
+              <a14:hiddenEffects xmlns:a14="http://schemas.microsoft.com/office/drawing/2010/main">
+                <a:effectLst>
+                  <a:outerShdw dist="35921" dir="2700000" algn="ctr" rotWithShape="0">
+                    <a:schemeClr val="tx1">
+                      <a:alpha val="50000"/>
+                    </a:schemeClr>
+                  </a:outerShdw>
+                </a:effectLst>
+              </a14:hiddenEffects>
+            </a:ext>
+          </a:extLst>
+        </p:spPr>
+      </p:cxnSp>
+      <p:sp>
+        <p:nvSpPr>
+          <p:cNvPr id="37" name="正方形/長方形 36"/>
+          <p:cNvSpPr/>
+          <p:nvPr/>
+        </p:nvSpPr>
+        <p:spPr>
+          <a:xfrm>
+            <a:off x="2123660" y="2277030"/>
+            <a:ext cx="3492000" cy="1368000"/>
+          </a:xfrm>
+          <a:prstGeom prst="rect">
+            <a:avLst/>
+          </a:prstGeom>
+          <a:noFill/>
+          <a:ln>
+            <a:solidFill>
+              <a:srgbClr val="FF0000"/>
+            </a:solidFill>
+            <a:prstDash val="sysDash"/>
+          </a:ln>
+        </p:spPr>
+        <p:style>
+          <a:lnRef idx="2">
+            <a:schemeClr val="accent1">
+              <a:shade val="50000"/>
+            </a:schemeClr>
+          </a:lnRef>
+          <a:fillRef idx="1">
+            <a:schemeClr val="accent1"/>
+          </a:fillRef>
+          <a:effectRef idx="0">
+            <a:schemeClr val="accent1"/>
+          </a:effectRef>
+          <a:fontRef idx="minor">
+            <a:schemeClr val="lt1"/>
+          </a:fontRef>
+        </p:style>
+        <p:txBody>
+          <a:bodyPr rot="0" spcFirstLastPara="0" vert="horz" wrap="square" lIns="91440" tIns="45720" rIns="91440" bIns="45720" numCol="1" spcCol="0" rtlCol="0" fromWordArt="0" anchor="ctr" anchorCtr="0" forceAA="0" compatLnSpc="1">
+            <a:prstTxWarp prst="textNoShape">
+              <a:avLst/>
+            </a:prstTxWarp>
+            <a:noAutofit/>
+          </a:bodyPr>
+          <a:lstStyle/>
+          <a:p>
+            <a:endParaRPr lang="ja-JP" altLang="en-US" dirty="0"/>
+          </a:p>
+        </p:txBody>
+      </p:sp>
+      <p:cxnSp>
+        <p:nvCxnSpPr>
+          <p:cNvPr id="38" name="直線コネクタ 37"/>
+          <p:cNvCxnSpPr/>
+          <p:nvPr/>
+        </p:nvCxnSpPr>
+        <p:spPr bwMode="auto">
+          <a:xfrm>
+            <a:off x="5652150" y="2948002"/>
+            <a:ext cx="1080000" cy="0"/>
+          </a:xfrm>
+          <a:prstGeom prst="line">
+            <a:avLst/>
+          </a:prstGeom>
+          <a:solidFill>
+            <a:schemeClr val="bg1"/>
+          </a:solidFill>
+          <a:ln w="19050" cap="flat" cmpd="sng" algn="ctr">
+            <a:solidFill>
+              <a:srgbClr val="FF0000"/>
+            </a:solidFill>
+            <a:prstDash val="dash"/>
+            <a:round/>
+            <a:headEnd type="none" w="med" len="med"/>
+            <a:tailEnd type="none" w="med" len="med"/>
+          </a:ln>
+          <a:effectLst/>
+          <a:extLst>
+            <a:ext uri="{AF507438-7753-43E0-B8FC-AC1667EBCBE1}">
+              <a14:hiddenEffects xmlns:a14="http://schemas.microsoft.com/office/drawing/2010/main">
+                <a:effectLst>
+                  <a:outerShdw dist="35921" dir="2700000" algn="ctr" rotWithShape="0">
+                    <a:schemeClr val="tx1">
+                      <a:alpha val="50000"/>
+                    </a:schemeClr>
+                  </a:outerShdw>
+                </a:effectLst>
+              </a14:hiddenEffects>
+            </a:ext>
+          </a:extLst>
+        </p:spPr>
+      </p:cxnSp>
+      <p:sp>
+        <p:nvSpPr>
+          <p:cNvPr id="39" name="テキスト ボックス 38"/>
+          <p:cNvSpPr txBox="1"/>
+          <p:nvPr/>
+        </p:nvSpPr>
+        <p:spPr>
+          <a:xfrm>
+            <a:off x="0" y="2152931"/>
+            <a:ext cx="1972475" cy="246221"/>
+          </a:xfrm>
+          <a:prstGeom prst="rect">
+            <a:avLst/>
+          </a:prstGeom>
+          <a:noFill/>
+        </p:spPr>
+        <p:txBody>
+          <a:bodyPr wrap="square" rtlCol="0">
+            <a:spAutoFit/>
+          </a:bodyPr>
+          <a:lstStyle/>
+          <a:p>
+            <a:pPr algn="ctr"/>
+            <a:r>
+              <a:rPr lang="ja-JP" altLang="en-US" sz="1000" dirty="0" smtClean="0">
                 <a:solidFill>
-                  <a:sysClr val="window" lastClr="FFFFFF"/>
+                  <a:srgbClr val="FF0000"/>
                 </a:solidFill>
-                <a:effectLst/>
-                <a:uLnTx/>
-                <a:uFillTx/>
-                <a:latin typeface="Arial" panose="020B0604020202020204" pitchFamily="34" charset="0"/>
-                <a:ea typeface="ＭＳ 明朝" panose="02020609040205080304" pitchFamily="17" charset="-128"/>
-                <a:cs typeface="Times New Roman" panose="02020603050405020304" pitchFamily="18" charset="0"/>
               </a:rPr>
-              <a:t>#Network address of cobbler server</a:t>
-            </a:r>
-            <a:endParaRPr kumimoji="0" lang="ja-JP" altLang="en-US" sz="1050" b="0" i="0" u="none" strike="noStrike" kern="100" cap="none" spc="0" normalizeH="0" baseline="0" noProof="0" dirty="0">
-              <a:ln>
-                <a:noFill/>
-              </a:ln>
+              <a:t>インストール対象</a:t>
+            </a:r>
+            <a:r>
+              <a:rPr lang="en-US" altLang="ja-JP" sz="1000" dirty="0" smtClean="0">
+                <a:solidFill>
+                  <a:srgbClr val="FF0000"/>
+                </a:solidFill>
+              </a:rPr>
+              <a:t>OS</a:t>
+            </a:r>
+            <a:r>
+              <a:rPr lang="ja-JP" altLang="en-US" sz="1000" dirty="0">
+                <a:solidFill>
+                  <a:srgbClr val="FF0000"/>
+                </a:solidFill>
+              </a:rPr>
+              <a:t>：</a:t>
+            </a:r>
+            <a:r>
+              <a:rPr lang="en-US" altLang="ja-JP" sz="1000" dirty="0" smtClean="0">
+                <a:solidFill>
+                  <a:srgbClr val="FF0000"/>
+                </a:solidFill>
+              </a:rPr>
+              <a:t>RHEL7</a:t>
+            </a:r>
+            <a:endParaRPr kumimoji="1" lang="ja-JP" altLang="en-US" sz="1000" dirty="0">
               <a:solidFill>
-                <a:sysClr val="window" lastClr="FFFFFF"/>
+                <a:srgbClr val="FF0000"/>
               </a:solidFill>
-              <a:effectLst/>
-              <a:uLnTx/>
-              <a:uFillTx/>
-              <a:latin typeface="Century"/>
-              <a:ea typeface="ＭＳ 明朝" panose="02020609040205080304" pitchFamily="17" charset="-128"/>
-              <a:cs typeface="Times New Roman" panose="02020603050405020304" pitchFamily="18" charset="0"/>
-            </a:endParaRPr>
-          </a:p>
-          <a:p>
-            <a:pPr marL="0" marR="0" lvl="0" indent="0" algn="l" defTabSz="914400" eaLnBrk="1" fontAlgn="auto" latinLnBrk="0" hangingPunct="1">
-              <a:lnSpc>
-                <a:spcPts val="800"/>
-              </a:lnSpc>
-              <a:spcBef>
-                <a:spcPts val="0"/>
-              </a:spcBef>
-              <a:spcAft>
-                <a:spcPts val="0"/>
-              </a:spcAft>
-              <a:buClrTx/>
-              <a:buSzTx/>
-              <a:buFontTx/>
-              <a:buNone/>
-              <a:tabLst/>
-              <a:defRPr/>
-            </a:pPr>
-            <a:r>
-              <a:rPr kumimoji="0" lang="en-US" sz="900" b="0" i="0" u="none" strike="noStrike" kern="100" cap="none" spc="0" normalizeH="0" baseline="0" noProof="0" dirty="0">
-                <a:ln>
-                  <a:noFill/>
-                </a:ln>
-                <a:solidFill>
-                  <a:sysClr val="window" lastClr="FFFFFF"/>
-                </a:solidFill>
-                <a:effectLst/>
-                <a:uLnTx/>
-                <a:uFillTx/>
-                <a:latin typeface="Arial" panose="020B0604020202020204" pitchFamily="34" charset="0"/>
-                <a:ea typeface="ＭＳ 明朝" panose="02020609040205080304" pitchFamily="17" charset="-128"/>
-                <a:cs typeface="Times New Roman" panose="02020603050405020304" pitchFamily="18" charset="0"/>
-              </a:rPr>
-              <a:t>cobbler_ip:10.10.10.0</a:t>
-            </a:r>
-            <a:endParaRPr kumimoji="0" lang="ja-JP" altLang="en-US" sz="1050" b="0" i="0" u="none" strike="noStrike" kern="100" cap="none" spc="0" normalizeH="0" baseline="0" noProof="0" dirty="0">
-              <a:ln>
-                <a:noFill/>
-              </a:ln>
-              <a:solidFill>
-                <a:sysClr val="window" lastClr="FFFFFF"/>
-              </a:solidFill>
-              <a:effectLst/>
-              <a:uLnTx/>
-              <a:uFillTx/>
-              <a:latin typeface="Century"/>
-              <a:ea typeface="ＭＳ 明朝" panose="02020609040205080304" pitchFamily="17" charset="-128"/>
-              <a:cs typeface="Times New Roman" panose="02020603050405020304" pitchFamily="18" charset="0"/>
-            </a:endParaRPr>
-          </a:p>
-          <a:p>
-            <a:pPr marL="0" marR="0" lvl="0" indent="0" algn="l" defTabSz="914400" eaLnBrk="1" fontAlgn="auto" latinLnBrk="0" hangingPunct="1">
-              <a:lnSpc>
-                <a:spcPts val="800"/>
-              </a:lnSpc>
-              <a:spcBef>
-                <a:spcPts val="0"/>
-              </a:spcBef>
-              <a:spcAft>
-                <a:spcPts val="0"/>
-              </a:spcAft>
-              <a:buClrTx/>
-              <a:buSzTx/>
-              <a:buFontTx/>
-              <a:buNone/>
-              <a:tabLst/>
-              <a:defRPr/>
-            </a:pPr>
-            <a:r>
-              <a:rPr kumimoji="0" lang="en-US" sz="900" b="0" i="0" u="none" strike="noStrike" kern="100" cap="none" spc="0" normalizeH="0" baseline="0" noProof="0" dirty="0">
-                <a:ln>
-                  <a:noFill/>
-                </a:ln>
-                <a:solidFill>
-                  <a:sysClr val="window" lastClr="FFFFFF"/>
-                </a:solidFill>
-                <a:effectLst/>
-                <a:uLnTx/>
-                <a:uFillTx/>
-                <a:latin typeface="Arial" panose="020B0604020202020204" pitchFamily="34" charset="0"/>
-                <a:ea typeface="ＭＳ 明朝" panose="02020609040205080304" pitchFamily="17" charset="-128"/>
-                <a:cs typeface="Times New Roman" panose="02020603050405020304" pitchFamily="18" charset="0"/>
-              </a:rPr>
-              <a:t> </a:t>
-            </a:r>
-            <a:endParaRPr kumimoji="0" lang="ja-JP" altLang="en-US" sz="1050" b="0" i="0" u="none" strike="noStrike" kern="100" cap="none" spc="0" normalizeH="0" baseline="0" noProof="0" dirty="0">
-              <a:ln>
-                <a:noFill/>
-              </a:ln>
-              <a:solidFill>
-                <a:sysClr val="window" lastClr="FFFFFF"/>
-              </a:solidFill>
-              <a:effectLst/>
-              <a:uLnTx/>
-              <a:uFillTx/>
-              <a:latin typeface="Century"/>
-              <a:ea typeface="ＭＳ 明朝" panose="02020609040205080304" pitchFamily="17" charset="-128"/>
-              <a:cs typeface="Times New Roman" panose="02020603050405020304" pitchFamily="18" charset="0"/>
-            </a:endParaRPr>
-          </a:p>
-          <a:p>
-            <a:pPr marL="0" marR="0" lvl="0" indent="0" algn="l" defTabSz="914400" eaLnBrk="1" fontAlgn="auto" latinLnBrk="0" hangingPunct="1">
-              <a:lnSpc>
-                <a:spcPts val="800"/>
-              </a:lnSpc>
-              <a:spcBef>
-                <a:spcPts val="0"/>
-              </a:spcBef>
-              <a:spcAft>
-                <a:spcPts val="0"/>
-              </a:spcAft>
-              <a:buClrTx/>
-              <a:buSzTx/>
-              <a:buFontTx/>
-              <a:buNone/>
-              <a:tabLst/>
-              <a:defRPr/>
-            </a:pPr>
-            <a:r>
-              <a:rPr kumimoji="0" lang="en-US" sz="900" b="0" i="0" u="none" strike="noStrike" kern="100" cap="none" spc="0" normalizeH="0" baseline="0" noProof="0" dirty="0">
-                <a:ln>
-                  <a:noFill/>
-                </a:ln>
-                <a:solidFill>
-                  <a:sysClr val="window" lastClr="FFFFFF"/>
-                </a:solidFill>
-                <a:effectLst/>
-                <a:uLnTx/>
-                <a:uFillTx/>
-                <a:latin typeface="Arial" panose="020B0604020202020204" pitchFamily="34" charset="0"/>
-                <a:ea typeface="ＭＳ 明朝" panose="02020609040205080304" pitchFamily="17" charset="-128"/>
-                <a:cs typeface="Times New Roman" panose="02020603050405020304" pitchFamily="18" charset="0"/>
-              </a:rPr>
-              <a:t>#subnet mask of cobbler server</a:t>
-            </a:r>
-            <a:endParaRPr kumimoji="0" lang="ja-JP" altLang="en-US" sz="1050" b="0" i="0" u="none" strike="noStrike" kern="100" cap="none" spc="0" normalizeH="0" baseline="0" noProof="0" dirty="0">
-              <a:ln>
-                <a:noFill/>
-              </a:ln>
-              <a:solidFill>
-                <a:sysClr val="window" lastClr="FFFFFF"/>
-              </a:solidFill>
-              <a:effectLst/>
-              <a:uLnTx/>
-              <a:uFillTx/>
-              <a:latin typeface="Century"/>
-              <a:ea typeface="ＭＳ 明朝" panose="02020609040205080304" pitchFamily="17" charset="-128"/>
-              <a:cs typeface="Times New Roman" panose="02020603050405020304" pitchFamily="18" charset="0"/>
-            </a:endParaRPr>
-          </a:p>
-          <a:p>
-            <a:pPr marL="0" marR="0" lvl="0" indent="0" algn="l" defTabSz="914400" eaLnBrk="1" fontAlgn="auto" latinLnBrk="0" hangingPunct="1">
-              <a:lnSpc>
-                <a:spcPts val="800"/>
-              </a:lnSpc>
-              <a:spcBef>
-                <a:spcPts val="0"/>
-              </a:spcBef>
-              <a:spcAft>
-                <a:spcPts val="0"/>
-              </a:spcAft>
-              <a:buClrTx/>
-              <a:buSzTx/>
-              <a:buFontTx/>
-              <a:buNone/>
-              <a:tabLst/>
-              <a:defRPr/>
-            </a:pPr>
-            <a:r>
-              <a:rPr kumimoji="0" lang="en-US" sz="900" b="0" i="0" u="none" strike="noStrike" kern="100" cap="none" spc="0" normalizeH="0" baseline="0" noProof="0" dirty="0">
-                <a:ln>
-                  <a:noFill/>
-                </a:ln>
-                <a:solidFill>
-                  <a:sysClr val="window" lastClr="FFFFFF"/>
-                </a:solidFill>
-                <a:effectLst/>
-                <a:uLnTx/>
-                <a:uFillTx/>
-                <a:latin typeface="Arial" panose="020B0604020202020204" pitchFamily="34" charset="0"/>
-                <a:ea typeface="ＭＳ 明朝" panose="02020609040205080304" pitchFamily="17" charset="-128"/>
-                <a:cs typeface="Times New Roman" panose="02020603050405020304" pitchFamily="18" charset="0"/>
-              </a:rPr>
-              <a:t>cobbler_subnet:255.255.255.0</a:t>
-            </a:r>
-            <a:endParaRPr kumimoji="0" lang="ja-JP" altLang="en-US" sz="1050" b="0" i="0" u="none" strike="noStrike" kern="100" cap="none" spc="0" normalizeH="0" baseline="0" noProof="0" dirty="0">
-              <a:ln>
-                <a:noFill/>
-              </a:ln>
-              <a:solidFill>
-                <a:sysClr val="window" lastClr="FFFFFF"/>
-              </a:solidFill>
-              <a:effectLst/>
-              <a:uLnTx/>
-              <a:uFillTx/>
-              <a:latin typeface="Century"/>
-              <a:ea typeface="ＭＳ 明朝" panose="02020609040205080304" pitchFamily="17" charset="-128"/>
-              <a:cs typeface="Times New Roman" panose="02020603050405020304" pitchFamily="18" charset="0"/>
-            </a:endParaRPr>
-          </a:p>
-          <a:p>
-            <a:pPr marL="0" marR="0" lvl="0" indent="0" algn="l" defTabSz="914400" eaLnBrk="1" fontAlgn="auto" latinLnBrk="0" hangingPunct="1">
-              <a:lnSpc>
-                <a:spcPts val="800"/>
-              </a:lnSpc>
-              <a:spcBef>
-                <a:spcPts val="0"/>
-              </a:spcBef>
-              <a:spcAft>
-                <a:spcPts val="0"/>
-              </a:spcAft>
-              <a:buClrTx/>
-              <a:buSzTx/>
-              <a:buFontTx/>
-              <a:buNone/>
-              <a:tabLst/>
-              <a:defRPr/>
-            </a:pPr>
-            <a:r>
-              <a:rPr kumimoji="0" lang="en-US" sz="900" b="0" i="0" u="none" strike="noStrike" kern="100" cap="none" spc="0" normalizeH="0" baseline="0" noProof="0" dirty="0">
-                <a:ln>
-                  <a:noFill/>
-                </a:ln>
-                <a:solidFill>
-                  <a:sysClr val="window" lastClr="FFFFFF"/>
-                </a:solidFill>
-                <a:effectLst/>
-                <a:uLnTx/>
-                <a:uFillTx/>
-                <a:latin typeface="Arial" panose="020B0604020202020204" pitchFamily="34" charset="0"/>
-                <a:ea typeface="ＭＳ 明朝" panose="02020609040205080304" pitchFamily="17" charset="-128"/>
-                <a:cs typeface="Times New Roman" panose="02020603050405020304" pitchFamily="18" charset="0"/>
-              </a:rPr>
-              <a:t> </a:t>
-            </a:r>
-            <a:endParaRPr kumimoji="0" lang="ja-JP" altLang="en-US" sz="1050" b="0" i="0" u="none" strike="noStrike" kern="100" cap="none" spc="0" normalizeH="0" baseline="0" noProof="0" dirty="0">
-              <a:ln>
-                <a:noFill/>
-              </a:ln>
-              <a:solidFill>
-                <a:sysClr val="window" lastClr="FFFFFF"/>
-              </a:solidFill>
-              <a:effectLst/>
-              <a:uLnTx/>
-              <a:uFillTx/>
-              <a:latin typeface="Century"/>
-              <a:ea typeface="ＭＳ 明朝" panose="02020609040205080304" pitchFamily="17" charset="-128"/>
-              <a:cs typeface="Times New Roman" panose="02020603050405020304" pitchFamily="18" charset="0"/>
-            </a:endParaRPr>
-          </a:p>
-          <a:p>
-            <a:pPr marL="0" marR="0" lvl="0" indent="0" algn="l" defTabSz="914400" eaLnBrk="1" fontAlgn="auto" latinLnBrk="0" hangingPunct="1">
-              <a:lnSpc>
-                <a:spcPts val="800"/>
-              </a:lnSpc>
-              <a:spcBef>
-                <a:spcPts val="0"/>
-              </a:spcBef>
-              <a:spcAft>
-                <a:spcPts val="0"/>
-              </a:spcAft>
-              <a:buClrTx/>
-              <a:buSzTx/>
-              <a:buFontTx/>
-              <a:buNone/>
-              <a:tabLst/>
-              <a:defRPr/>
-            </a:pPr>
-            <a:r>
-              <a:rPr kumimoji="0" lang="en-US" sz="900" b="0" i="0" u="none" strike="noStrike" kern="100" cap="none" spc="0" normalizeH="0" baseline="0" noProof="0" dirty="0">
-                <a:ln>
-                  <a:noFill/>
-                </a:ln>
-                <a:solidFill>
-                  <a:sysClr val="window" lastClr="FFFFFF"/>
-                </a:solidFill>
-                <a:effectLst/>
-                <a:uLnTx/>
-                <a:uFillTx/>
-                <a:latin typeface="Arial" panose="020B0604020202020204" pitchFamily="34" charset="0"/>
-                <a:ea typeface="ＭＳ 明朝" panose="02020609040205080304" pitchFamily="17" charset="-128"/>
-                <a:cs typeface="Times New Roman" panose="02020603050405020304" pitchFamily="18" charset="0"/>
-              </a:rPr>
-              <a:t>#default gateway of cobbler server</a:t>
-            </a:r>
-            <a:endParaRPr kumimoji="0" lang="ja-JP" altLang="en-US" sz="1050" b="0" i="0" u="none" strike="noStrike" kern="100" cap="none" spc="0" normalizeH="0" baseline="0" noProof="0" dirty="0">
-              <a:ln>
-                <a:noFill/>
-              </a:ln>
-              <a:solidFill>
-                <a:sysClr val="window" lastClr="FFFFFF"/>
-              </a:solidFill>
-              <a:effectLst/>
-              <a:uLnTx/>
-              <a:uFillTx/>
-              <a:latin typeface="Century"/>
-              <a:ea typeface="ＭＳ 明朝" panose="02020609040205080304" pitchFamily="17" charset="-128"/>
-              <a:cs typeface="Times New Roman" panose="02020603050405020304" pitchFamily="18" charset="0"/>
-            </a:endParaRPr>
-          </a:p>
-          <a:p>
-            <a:pPr marL="0" marR="0" lvl="0" indent="0" algn="l" defTabSz="914400" eaLnBrk="1" fontAlgn="auto" latinLnBrk="0" hangingPunct="1">
-              <a:lnSpc>
-                <a:spcPts val="800"/>
-              </a:lnSpc>
-              <a:spcBef>
-                <a:spcPts val="0"/>
-              </a:spcBef>
-              <a:spcAft>
-                <a:spcPts val="0"/>
-              </a:spcAft>
-              <a:buClrTx/>
-              <a:buSzTx/>
-              <a:buFontTx/>
-              <a:buNone/>
-              <a:tabLst/>
-              <a:defRPr/>
-            </a:pPr>
-            <a:r>
-              <a:rPr kumimoji="0" lang="en-US" sz="900" b="0" i="0" u="none" strike="noStrike" kern="100" cap="none" spc="0" normalizeH="0" baseline="0" noProof="0" dirty="0">
-                <a:ln>
-                  <a:noFill/>
-                </a:ln>
-                <a:solidFill>
-                  <a:sysClr val="window" lastClr="FFFFFF"/>
-                </a:solidFill>
-                <a:effectLst/>
-                <a:uLnTx/>
-                <a:uFillTx/>
-                <a:latin typeface="Arial" panose="020B0604020202020204" pitchFamily="34" charset="0"/>
-                <a:ea typeface="ＭＳ 明朝" panose="02020609040205080304" pitchFamily="17" charset="-128"/>
-                <a:cs typeface="Times New Roman" panose="02020603050405020304" pitchFamily="18" charset="0"/>
-              </a:rPr>
-              <a:t>cobbler_gateway:0.0.0.0</a:t>
-            </a:r>
-            <a:endParaRPr kumimoji="0" lang="ja-JP" altLang="en-US" sz="1050" b="0" i="0" u="none" strike="noStrike" kern="100" cap="none" spc="0" normalizeH="0" baseline="0" noProof="0" dirty="0">
-              <a:ln>
-                <a:noFill/>
-              </a:ln>
-              <a:solidFill>
-                <a:sysClr val="window" lastClr="FFFFFF"/>
-              </a:solidFill>
-              <a:effectLst/>
-              <a:uLnTx/>
-              <a:uFillTx/>
-              <a:latin typeface="Century"/>
-              <a:ea typeface="ＭＳ 明朝" panose="02020609040205080304" pitchFamily="17" charset="-128"/>
-              <a:cs typeface="Times New Roman" panose="02020603050405020304" pitchFamily="18" charset="0"/>
-            </a:endParaRPr>
-          </a:p>
-          <a:p>
-            <a:pPr marL="0" marR="0" lvl="0" indent="0" algn="l" defTabSz="914400" eaLnBrk="1" fontAlgn="auto" latinLnBrk="0" hangingPunct="1">
-              <a:lnSpc>
-                <a:spcPts val="800"/>
-              </a:lnSpc>
-              <a:spcBef>
-                <a:spcPts val="0"/>
-              </a:spcBef>
-              <a:spcAft>
-                <a:spcPts val="0"/>
-              </a:spcAft>
-              <a:buClrTx/>
-              <a:buSzTx/>
-              <a:buFontTx/>
-              <a:buNone/>
-              <a:tabLst/>
-              <a:defRPr/>
-            </a:pPr>
-            <a:r>
-              <a:rPr kumimoji="0" lang="en-US" sz="900" b="0" i="0" u="none" strike="noStrike" kern="100" cap="none" spc="0" normalizeH="0" baseline="0" noProof="0" dirty="0">
-                <a:ln>
-                  <a:noFill/>
-                </a:ln>
-                <a:solidFill>
-                  <a:sysClr val="window" lastClr="FFFFFF"/>
-                </a:solidFill>
-                <a:effectLst/>
-                <a:uLnTx/>
-                <a:uFillTx/>
-                <a:latin typeface="Arial" panose="020B0604020202020204" pitchFamily="34" charset="0"/>
-                <a:ea typeface="ＭＳ 明朝" panose="02020609040205080304" pitchFamily="17" charset="-128"/>
-                <a:cs typeface="Times New Roman" panose="02020603050405020304" pitchFamily="18" charset="0"/>
-              </a:rPr>
-              <a:t> </a:t>
-            </a:r>
-            <a:endParaRPr kumimoji="0" lang="ja-JP" altLang="en-US" sz="1050" b="0" i="0" u="none" strike="noStrike" kern="100" cap="none" spc="0" normalizeH="0" baseline="0" noProof="0" dirty="0">
-              <a:ln>
-                <a:noFill/>
-              </a:ln>
-              <a:solidFill>
-                <a:sysClr val="window" lastClr="FFFFFF"/>
-              </a:solidFill>
-              <a:effectLst/>
-              <a:uLnTx/>
-              <a:uFillTx/>
-              <a:latin typeface="Century"/>
-              <a:ea typeface="ＭＳ 明朝" panose="02020609040205080304" pitchFamily="17" charset="-128"/>
-              <a:cs typeface="Times New Roman" panose="02020603050405020304" pitchFamily="18" charset="0"/>
-            </a:endParaRPr>
-          </a:p>
-          <a:p>
-            <a:pPr marL="0" marR="0" lvl="0" indent="0" algn="l" defTabSz="914400" eaLnBrk="1" fontAlgn="auto" latinLnBrk="0" hangingPunct="1">
-              <a:lnSpc>
-                <a:spcPts val="800"/>
-              </a:lnSpc>
-              <a:spcBef>
-                <a:spcPts val="0"/>
-              </a:spcBef>
-              <a:spcAft>
-                <a:spcPts val="0"/>
-              </a:spcAft>
-              <a:buClrTx/>
-              <a:buSzTx/>
-              <a:buFontTx/>
-              <a:buNone/>
-              <a:tabLst/>
-              <a:defRPr/>
-            </a:pPr>
-            <a:r>
-              <a:rPr kumimoji="0" lang="en-US" sz="900" b="0" i="0" u="none" strike="noStrike" kern="100" cap="none" spc="0" normalizeH="0" baseline="0" noProof="0" dirty="0">
-                <a:ln>
-                  <a:noFill/>
-                </a:ln>
-                <a:solidFill>
-                  <a:sysClr val="window" lastClr="FFFFFF"/>
-                </a:solidFill>
-                <a:effectLst/>
-                <a:uLnTx/>
-                <a:uFillTx/>
-                <a:latin typeface="Arial" panose="020B0604020202020204" pitchFamily="34" charset="0"/>
-                <a:ea typeface="ＭＳ 明朝" panose="02020609040205080304" pitchFamily="17" charset="-128"/>
-                <a:cs typeface="Times New Roman" panose="02020603050405020304" pitchFamily="18" charset="0"/>
-              </a:rPr>
-              <a:t>#DNS server IP address (Separate space if more than one)</a:t>
-            </a:r>
-            <a:endParaRPr kumimoji="0" lang="ja-JP" altLang="en-US" sz="1050" b="0" i="0" u="none" strike="noStrike" kern="100" cap="none" spc="0" normalizeH="0" baseline="0" noProof="0" dirty="0">
-              <a:ln>
-                <a:noFill/>
-              </a:ln>
-              <a:solidFill>
-                <a:sysClr val="window" lastClr="FFFFFF"/>
-              </a:solidFill>
-              <a:effectLst/>
-              <a:uLnTx/>
-              <a:uFillTx/>
-              <a:latin typeface="Century"/>
-              <a:ea typeface="ＭＳ 明朝" panose="02020609040205080304" pitchFamily="17" charset="-128"/>
-              <a:cs typeface="Times New Roman" panose="02020603050405020304" pitchFamily="18" charset="0"/>
-            </a:endParaRPr>
-          </a:p>
-          <a:p>
-            <a:pPr marL="0" marR="0" lvl="0" indent="0" algn="l" defTabSz="914400" eaLnBrk="1" fontAlgn="auto" latinLnBrk="0" hangingPunct="1">
-              <a:lnSpc>
-                <a:spcPts val="800"/>
-              </a:lnSpc>
-              <a:spcBef>
-                <a:spcPts val="0"/>
-              </a:spcBef>
-              <a:spcAft>
-                <a:spcPts val="0"/>
-              </a:spcAft>
-              <a:buClrTx/>
-              <a:buSzTx/>
-              <a:buFontTx/>
-              <a:buNone/>
-              <a:tabLst/>
-              <a:defRPr/>
-            </a:pPr>
-            <a:r>
-              <a:rPr kumimoji="0" lang="en-US" sz="900" b="0" i="0" u="none" strike="noStrike" kern="100" cap="none" spc="0" normalizeH="0" baseline="0" noProof="0" dirty="0">
-                <a:ln>
-                  <a:noFill/>
-                </a:ln>
-                <a:solidFill>
-                  <a:sysClr val="window" lastClr="FFFFFF"/>
-                </a:solidFill>
-                <a:effectLst/>
-                <a:uLnTx/>
-                <a:uFillTx/>
-                <a:latin typeface="Arial" panose="020B0604020202020204" pitchFamily="34" charset="0"/>
-                <a:ea typeface="ＭＳ 明朝" panose="02020609040205080304" pitchFamily="17" charset="-128"/>
-                <a:cs typeface="Times New Roman" panose="02020603050405020304" pitchFamily="18" charset="0"/>
-              </a:rPr>
-              <a:t>cobbler_dns:8.8.8.8</a:t>
-            </a:r>
-            <a:endParaRPr kumimoji="0" lang="ja-JP" altLang="en-US" sz="1050" b="0" i="0" u="none" strike="noStrike" kern="100" cap="none" spc="0" normalizeH="0" baseline="0" noProof="0" dirty="0">
-              <a:ln>
-                <a:noFill/>
-              </a:ln>
-              <a:solidFill>
-                <a:sysClr val="window" lastClr="FFFFFF"/>
-              </a:solidFill>
-              <a:effectLst/>
-              <a:uLnTx/>
-              <a:uFillTx/>
-              <a:latin typeface="Century"/>
-              <a:ea typeface="ＭＳ 明朝" panose="02020609040205080304" pitchFamily="17" charset="-128"/>
-              <a:cs typeface="Times New Roman" panose="02020603050405020304" pitchFamily="18" charset="0"/>
-            </a:endParaRPr>
-          </a:p>
-          <a:p>
-            <a:pPr marL="0" marR="0" lvl="0" indent="0" algn="l" defTabSz="914400" eaLnBrk="1" fontAlgn="auto" latinLnBrk="0" hangingPunct="1">
-              <a:lnSpc>
-                <a:spcPts val="800"/>
-              </a:lnSpc>
-              <a:spcBef>
-                <a:spcPts val="0"/>
-              </a:spcBef>
-              <a:spcAft>
-                <a:spcPts val="0"/>
-              </a:spcAft>
-              <a:buClrTx/>
-              <a:buSzTx/>
-              <a:buFontTx/>
-              <a:buNone/>
-              <a:tabLst/>
-              <a:defRPr/>
-            </a:pPr>
-            <a:r>
-              <a:rPr kumimoji="0" lang="en-US" sz="900" b="0" i="0" u="none" strike="noStrike" kern="100" cap="none" spc="0" normalizeH="0" baseline="0" noProof="0" dirty="0">
-                <a:ln>
-                  <a:noFill/>
-                </a:ln>
-                <a:solidFill>
-                  <a:sysClr val="window" lastClr="FFFFFF"/>
-                </a:solidFill>
-                <a:effectLst/>
-                <a:uLnTx/>
-                <a:uFillTx/>
-                <a:latin typeface="Arial" panose="020B0604020202020204" pitchFamily="34" charset="0"/>
-                <a:ea typeface="ＭＳ 明朝" panose="02020609040205080304" pitchFamily="17" charset="-128"/>
-                <a:cs typeface="Times New Roman" panose="02020603050405020304" pitchFamily="18" charset="0"/>
-              </a:rPr>
-              <a:t> </a:t>
-            </a:r>
-            <a:endParaRPr kumimoji="0" lang="ja-JP" altLang="en-US" sz="1050" b="0" i="0" u="none" strike="noStrike" kern="100" cap="none" spc="0" normalizeH="0" baseline="0" noProof="0" dirty="0">
-              <a:ln>
-                <a:noFill/>
-              </a:ln>
-              <a:solidFill>
-                <a:sysClr val="window" lastClr="FFFFFF"/>
-              </a:solidFill>
-              <a:effectLst/>
-              <a:uLnTx/>
-              <a:uFillTx/>
-              <a:latin typeface="Century"/>
-              <a:ea typeface="ＭＳ 明朝" panose="02020609040205080304" pitchFamily="17" charset="-128"/>
-              <a:cs typeface="Times New Roman" panose="02020603050405020304" pitchFamily="18" charset="0"/>
-            </a:endParaRPr>
-          </a:p>
-          <a:p>
-            <a:pPr marL="0" marR="0" lvl="0" indent="0" algn="l" defTabSz="914400" eaLnBrk="1" fontAlgn="auto" latinLnBrk="0" hangingPunct="1">
-              <a:lnSpc>
-                <a:spcPts val="800"/>
-              </a:lnSpc>
-              <a:spcBef>
-                <a:spcPts val="0"/>
-              </a:spcBef>
-              <a:spcAft>
-                <a:spcPts val="0"/>
-              </a:spcAft>
-              <a:buClrTx/>
-              <a:buSzTx/>
-              <a:buFontTx/>
-              <a:buNone/>
-              <a:tabLst/>
-              <a:defRPr/>
-            </a:pPr>
-            <a:r>
-              <a:rPr kumimoji="0" lang="en-US" sz="900" b="0" i="0" u="none" strike="noStrike" kern="100" cap="none" spc="0" normalizeH="0" baseline="0" noProof="0" dirty="0">
-                <a:ln>
-                  <a:noFill/>
-                </a:ln>
-                <a:solidFill>
-                  <a:sysClr val="window" lastClr="FFFFFF"/>
-                </a:solidFill>
-                <a:effectLst/>
-                <a:uLnTx/>
-                <a:uFillTx/>
-                <a:latin typeface="Arial" panose="020B0604020202020204" pitchFamily="34" charset="0"/>
-                <a:ea typeface="ＭＳ 明朝" panose="02020609040205080304" pitchFamily="17" charset="-128"/>
-                <a:cs typeface="Times New Roman" panose="02020603050405020304" pitchFamily="18" charset="0"/>
-              </a:rPr>
-              <a:t>#dynamic dhcp IP address(min)</a:t>
-            </a:r>
-            <a:endParaRPr kumimoji="0" lang="ja-JP" altLang="en-US" sz="1050" b="0" i="0" u="none" strike="noStrike" kern="100" cap="none" spc="0" normalizeH="0" baseline="0" noProof="0" dirty="0">
-              <a:ln>
-                <a:noFill/>
-              </a:ln>
-              <a:solidFill>
-                <a:sysClr val="window" lastClr="FFFFFF"/>
-              </a:solidFill>
-              <a:effectLst/>
-              <a:uLnTx/>
-              <a:uFillTx/>
-              <a:latin typeface="Century"/>
-              <a:ea typeface="ＭＳ 明朝" panose="02020609040205080304" pitchFamily="17" charset="-128"/>
-              <a:cs typeface="Times New Roman" panose="02020603050405020304" pitchFamily="18" charset="0"/>
-            </a:endParaRPr>
-          </a:p>
-          <a:p>
-            <a:pPr marL="0" marR="0" lvl="0" indent="0" algn="l" defTabSz="914400" eaLnBrk="1" fontAlgn="auto" latinLnBrk="0" hangingPunct="1">
-              <a:lnSpc>
-                <a:spcPts val="800"/>
-              </a:lnSpc>
-              <a:spcBef>
-                <a:spcPts val="0"/>
-              </a:spcBef>
-              <a:spcAft>
-                <a:spcPts val="0"/>
-              </a:spcAft>
-              <a:buClrTx/>
-              <a:buSzTx/>
-              <a:buFontTx/>
-              <a:buNone/>
-              <a:tabLst/>
-              <a:defRPr/>
-            </a:pPr>
-            <a:r>
-              <a:rPr kumimoji="0" lang="en-US" sz="900" b="0" i="0" u="none" strike="noStrike" kern="100" cap="none" spc="0" normalizeH="0" baseline="0" noProof="0" dirty="0">
-                <a:ln>
-                  <a:noFill/>
-                </a:ln>
-                <a:solidFill>
-                  <a:sysClr val="window" lastClr="FFFFFF"/>
-                </a:solidFill>
-                <a:effectLst/>
-                <a:uLnTx/>
-                <a:uFillTx/>
-                <a:latin typeface="Arial" panose="020B0604020202020204" pitchFamily="34" charset="0"/>
-                <a:ea typeface="ＭＳ 明朝" panose="02020609040205080304" pitchFamily="17" charset="-128"/>
-                <a:cs typeface="Times New Roman" panose="02020603050405020304" pitchFamily="18" charset="0"/>
-              </a:rPr>
-              <a:t>dynamic_address_min:10.10.10.230</a:t>
-            </a:r>
-            <a:endParaRPr kumimoji="0" lang="ja-JP" altLang="en-US" sz="1050" b="0" i="0" u="none" strike="noStrike" kern="100" cap="none" spc="0" normalizeH="0" baseline="0" noProof="0" dirty="0">
-              <a:ln>
-                <a:noFill/>
-              </a:ln>
-              <a:solidFill>
-                <a:sysClr val="window" lastClr="FFFFFF"/>
-              </a:solidFill>
-              <a:effectLst/>
-              <a:uLnTx/>
-              <a:uFillTx/>
-              <a:latin typeface="Century"/>
-              <a:ea typeface="ＭＳ 明朝" panose="02020609040205080304" pitchFamily="17" charset="-128"/>
-              <a:cs typeface="Times New Roman" panose="02020603050405020304" pitchFamily="18" charset="0"/>
-            </a:endParaRPr>
-          </a:p>
-          <a:p>
-            <a:pPr marL="0" marR="0" lvl="0" indent="0" algn="l" defTabSz="914400" eaLnBrk="1" fontAlgn="auto" latinLnBrk="0" hangingPunct="1">
-              <a:lnSpc>
-                <a:spcPts val="800"/>
-              </a:lnSpc>
-              <a:spcBef>
-                <a:spcPts val="0"/>
-              </a:spcBef>
-              <a:spcAft>
-                <a:spcPts val="0"/>
-              </a:spcAft>
-              <a:buClrTx/>
-              <a:buSzTx/>
-              <a:buFontTx/>
-              <a:buNone/>
-              <a:tabLst/>
-              <a:defRPr/>
-            </a:pPr>
-            <a:r>
-              <a:rPr kumimoji="0" lang="en-US" sz="900" b="0" i="0" u="none" strike="noStrike" kern="100" cap="none" spc="0" normalizeH="0" baseline="0" noProof="0" dirty="0">
-                <a:ln>
-                  <a:noFill/>
-                </a:ln>
-                <a:solidFill>
-                  <a:sysClr val="window" lastClr="FFFFFF"/>
-                </a:solidFill>
-                <a:effectLst/>
-                <a:uLnTx/>
-                <a:uFillTx/>
-                <a:latin typeface="Arial" panose="020B0604020202020204" pitchFamily="34" charset="0"/>
-                <a:ea typeface="ＭＳ 明朝" panose="02020609040205080304" pitchFamily="17" charset="-128"/>
-                <a:cs typeface="Times New Roman" panose="02020603050405020304" pitchFamily="18" charset="0"/>
-              </a:rPr>
-              <a:t> </a:t>
-            </a:r>
-            <a:endParaRPr kumimoji="0" lang="ja-JP" altLang="en-US" sz="1050" b="0" i="0" u="none" strike="noStrike" kern="100" cap="none" spc="0" normalizeH="0" baseline="0" noProof="0" dirty="0">
-              <a:ln>
-                <a:noFill/>
-              </a:ln>
-              <a:solidFill>
-                <a:sysClr val="window" lastClr="FFFFFF"/>
-              </a:solidFill>
-              <a:effectLst/>
-              <a:uLnTx/>
-              <a:uFillTx/>
-              <a:latin typeface="Century"/>
-              <a:ea typeface="ＭＳ 明朝" panose="02020609040205080304" pitchFamily="17" charset="-128"/>
-              <a:cs typeface="Times New Roman" panose="02020603050405020304" pitchFamily="18" charset="0"/>
-            </a:endParaRPr>
-          </a:p>
-          <a:p>
-            <a:pPr marL="0" marR="0" lvl="0" indent="0" algn="l" defTabSz="914400" eaLnBrk="1" fontAlgn="auto" latinLnBrk="0" hangingPunct="1">
-              <a:lnSpc>
-                <a:spcPts val="800"/>
-              </a:lnSpc>
-              <a:spcBef>
-                <a:spcPts val="0"/>
-              </a:spcBef>
-              <a:spcAft>
-                <a:spcPts val="0"/>
-              </a:spcAft>
-              <a:buClrTx/>
-              <a:buSzTx/>
-              <a:buFontTx/>
-              <a:buNone/>
-              <a:tabLst/>
-              <a:defRPr/>
-            </a:pPr>
-            <a:r>
-              <a:rPr kumimoji="0" lang="en-US" sz="900" b="0" i="0" u="none" strike="noStrike" kern="100" cap="none" spc="0" normalizeH="0" baseline="0" noProof="0" dirty="0">
-                <a:ln>
-                  <a:noFill/>
-                </a:ln>
-                <a:solidFill>
-                  <a:sysClr val="window" lastClr="FFFFFF"/>
-                </a:solidFill>
-                <a:effectLst/>
-                <a:uLnTx/>
-                <a:uFillTx/>
-                <a:latin typeface="Arial" panose="020B0604020202020204" pitchFamily="34" charset="0"/>
-                <a:ea typeface="ＭＳ 明朝" panose="02020609040205080304" pitchFamily="17" charset="-128"/>
-                <a:cs typeface="Times New Roman" panose="02020603050405020304" pitchFamily="18" charset="0"/>
-              </a:rPr>
-              <a:t>#dynamic dhcp IP address(max)</a:t>
-            </a:r>
-            <a:endParaRPr kumimoji="0" lang="ja-JP" altLang="en-US" sz="1050" b="0" i="0" u="none" strike="noStrike" kern="100" cap="none" spc="0" normalizeH="0" baseline="0" noProof="0" dirty="0">
-              <a:ln>
-                <a:noFill/>
-              </a:ln>
-              <a:solidFill>
-                <a:sysClr val="window" lastClr="FFFFFF"/>
-              </a:solidFill>
-              <a:effectLst/>
-              <a:uLnTx/>
-              <a:uFillTx/>
-              <a:latin typeface="Century"/>
-              <a:ea typeface="ＭＳ 明朝" panose="02020609040205080304" pitchFamily="17" charset="-128"/>
-              <a:cs typeface="Times New Roman" panose="02020603050405020304" pitchFamily="18" charset="0"/>
-            </a:endParaRPr>
-          </a:p>
-          <a:p>
-            <a:pPr marL="0" marR="0" lvl="0" indent="0" algn="l" defTabSz="914400" eaLnBrk="1" fontAlgn="auto" latinLnBrk="0" hangingPunct="1">
-              <a:lnSpc>
-                <a:spcPts val="800"/>
-              </a:lnSpc>
-              <a:spcBef>
-                <a:spcPts val="0"/>
-              </a:spcBef>
-              <a:spcAft>
-                <a:spcPts val="0"/>
-              </a:spcAft>
-              <a:buClrTx/>
-              <a:buSzTx/>
-              <a:buFontTx/>
-              <a:buNone/>
-              <a:tabLst/>
-              <a:defRPr/>
-            </a:pPr>
-            <a:r>
-              <a:rPr kumimoji="0" lang="en-US" sz="900" b="0" i="0" u="none" strike="noStrike" kern="100" cap="none" spc="0" normalizeH="0" baseline="0" noProof="0" dirty="0" smtClean="0">
-                <a:ln>
-                  <a:noFill/>
-                </a:ln>
-                <a:solidFill>
-                  <a:sysClr val="window" lastClr="FFFFFF"/>
-                </a:solidFill>
-                <a:effectLst/>
-                <a:uLnTx/>
-                <a:uFillTx/>
-                <a:latin typeface="Arial" panose="020B0604020202020204" pitchFamily="34" charset="0"/>
-                <a:ea typeface="ＭＳ 明朝" panose="02020609040205080304" pitchFamily="17" charset="-128"/>
-                <a:cs typeface="Times New Roman" panose="02020603050405020304" pitchFamily="18" charset="0"/>
-              </a:rPr>
-              <a:t>dynamic_address_max:10.70.10.250</a:t>
-            </a:r>
-            <a:endParaRPr kumimoji="0" lang="ja-JP" altLang="en-US" sz="1050" b="0" i="0" u="none" strike="noStrike" kern="100" cap="none" spc="0" normalizeH="0" baseline="0" noProof="0" dirty="0">
-              <a:ln>
-                <a:noFill/>
-              </a:ln>
-              <a:solidFill>
-                <a:sysClr val="window" lastClr="FFFFFF"/>
-              </a:solidFill>
-              <a:effectLst/>
-              <a:uLnTx/>
-              <a:uFillTx/>
-              <a:latin typeface="Century"/>
-              <a:ea typeface="ＭＳ 明朝" panose="02020609040205080304" pitchFamily="17" charset="-128"/>
-              <a:cs typeface="Times New Roman" panose="02020603050405020304" pitchFamily="18" charset="0"/>
             </a:endParaRPr>
           </a:p>
         </p:txBody>
       </p:sp>
       <p:sp>
         <p:nvSpPr>
-          <p:cNvPr id="9" name="角丸四角形 8"/>
+          <p:cNvPr id="40" name="角丸四角形 39"/>
           <p:cNvSpPr/>
           <p:nvPr/>
         </p:nvSpPr>
         <p:spPr bwMode="auto">
           <a:xfrm>
-            <a:off x="7164360" y="2314625"/>
+            <a:off x="6842081" y="2458645"/>
             <a:ext cx="1728240" cy="898345"/>
           </a:xfrm>
           <a:prstGeom prst="roundRect">
             <a:avLst/>
           </a:prstGeom>
-          <a:noFill/>
+          <a:solidFill>
+            <a:schemeClr val="bg1"/>
+          </a:solidFill>
           <a:ln w="12700">
             <a:solidFill>
               <a:srgbClr val="C00000"/>
@@ -17336,13 +16837,13 @@
       </p:sp>
       <p:grpSp>
         <p:nvGrpSpPr>
-          <p:cNvPr id="10" name="グループ化 9"/>
+          <p:cNvPr id="41" name="グループ化 40"/>
           <p:cNvGrpSpPr/>
           <p:nvPr/>
         </p:nvGrpSpPr>
         <p:grpSpPr>
           <a:xfrm>
-            <a:off x="6908793" y="2061113"/>
+            <a:off x="6586514" y="2205133"/>
             <a:ext cx="565503" cy="549789"/>
             <a:chOff x="162795" y="3812178"/>
             <a:chExt cx="565503" cy="549789"/>
@@ -17350,7 +16851,7 @@
         </p:grpSpPr>
         <p:sp>
           <p:nvSpPr>
-            <p:cNvPr id="11" name="円/楕円 44"/>
+            <p:cNvPr id="42" name="円/楕円 44"/>
             <p:cNvSpPr/>
             <p:nvPr/>
           </p:nvSpPr>
@@ -17412,7 +16913,7 @@
         </p:sp>
         <p:sp>
           <p:nvSpPr>
-            <p:cNvPr id="12" name="テキスト ボックス 11"/>
+            <p:cNvPr id="43" name="テキスト ボックス 42"/>
             <p:cNvSpPr txBox="1"/>
             <p:nvPr/>
           </p:nvSpPr>
@@ -17810,288 +17311,6 @@
           </p:txBody>
         </p:sp>
       </p:grpSp>
-      <p:cxnSp>
-        <p:nvCxnSpPr>
-          <p:cNvPr id="14" name="直線コネクタ 13"/>
-          <p:cNvCxnSpPr/>
-          <p:nvPr/>
-        </p:nvCxnSpPr>
-        <p:spPr bwMode="auto">
-          <a:xfrm flipH="1">
-            <a:off x="2052286" y="2042880"/>
-            <a:ext cx="359414" cy="187890"/>
-          </a:xfrm>
-          <a:prstGeom prst="line">
-            <a:avLst/>
-          </a:prstGeom>
-          <a:solidFill>
-            <a:schemeClr val="bg1"/>
-          </a:solidFill>
-          <a:ln w="19050" cap="flat" cmpd="sng" algn="ctr">
-            <a:solidFill>
-              <a:srgbClr val="FF0000"/>
-            </a:solidFill>
-            <a:prstDash val="solid"/>
-            <a:bevel/>
-            <a:headEnd type="none" w="med" len="med"/>
-            <a:tailEnd type="none" w="med" len="med"/>
-          </a:ln>
-          <a:effectLst/>
-          <a:extLst>
-            <a:ext uri="{AF507438-7753-43E0-B8FC-AC1667EBCBE1}">
-              <a14:hiddenEffects xmlns:a14="http://schemas.microsoft.com/office/drawing/2010/main">
-                <a:effectLst>
-                  <a:outerShdw dist="35921" dir="2700000" algn="ctr" rotWithShape="0">
-                    <a:schemeClr val="tx1">
-                      <a:alpha val="50000"/>
-                    </a:schemeClr>
-                  </a:outerShdw>
-                </a:effectLst>
-              </a14:hiddenEffects>
-            </a:ext>
-          </a:extLst>
-        </p:spPr>
-      </p:cxnSp>
-      <p:cxnSp>
-        <p:nvCxnSpPr>
-          <p:cNvPr id="15" name="直線コネクタ 14"/>
-          <p:cNvCxnSpPr/>
-          <p:nvPr/>
-        </p:nvCxnSpPr>
-        <p:spPr bwMode="auto">
-          <a:xfrm>
-            <a:off x="2411700" y="2042880"/>
-            <a:ext cx="936000" cy="0"/>
-          </a:xfrm>
-          <a:prstGeom prst="line">
-            <a:avLst/>
-          </a:prstGeom>
-          <a:solidFill>
-            <a:schemeClr val="bg1"/>
-          </a:solidFill>
-          <a:ln w="19050" cap="flat" cmpd="sng" algn="ctr">
-            <a:solidFill>
-              <a:srgbClr val="FF0000"/>
-            </a:solidFill>
-            <a:prstDash val="solid"/>
-            <a:round/>
-            <a:headEnd type="none" w="med" len="med"/>
-            <a:tailEnd type="none" w="med" len="med"/>
-          </a:ln>
-          <a:effectLst/>
-          <a:extLst>
-            <a:ext uri="{AF507438-7753-43E0-B8FC-AC1667EBCBE1}">
-              <a14:hiddenEffects xmlns:a14="http://schemas.microsoft.com/office/drawing/2010/main">
-                <a:effectLst>
-                  <a:outerShdw dist="35921" dir="2700000" algn="ctr" rotWithShape="0">
-                    <a:schemeClr val="tx1">
-                      <a:alpha val="50000"/>
-                    </a:schemeClr>
-                  </a:outerShdw>
-                </a:effectLst>
-              </a14:hiddenEffects>
-            </a:ext>
-          </a:extLst>
-        </p:spPr>
-      </p:cxnSp>
-      <p:cxnSp>
-        <p:nvCxnSpPr>
-          <p:cNvPr id="20" name="直線コネクタ 19"/>
-          <p:cNvCxnSpPr/>
-          <p:nvPr/>
-        </p:nvCxnSpPr>
-        <p:spPr bwMode="auto">
-          <a:xfrm>
-            <a:off x="252036" y="2215650"/>
-            <a:ext cx="1800250" cy="10038"/>
-          </a:xfrm>
-          <a:prstGeom prst="line">
-            <a:avLst/>
-          </a:prstGeom>
-          <a:solidFill>
-            <a:schemeClr val="bg1"/>
-          </a:solidFill>
-          <a:ln w="19050" cap="flat" cmpd="sng" algn="ctr">
-            <a:solidFill>
-              <a:srgbClr val="FF0000"/>
-            </a:solidFill>
-            <a:prstDash val="solid"/>
-            <a:round/>
-            <a:headEnd type="none" w="med" len="med"/>
-            <a:tailEnd type="none" w="med" len="med"/>
-          </a:ln>
-          <a:effectLst/>
-          <a:extLst>
-            <a:ext uri="{AF507438-7753-43E0-B8FC-AC1667EBCBE1}">
-              <a14:hiddenEffects xmlns:a14="http://schemas.microsoft.com/office/drawing/2010/main">
-                <a:effectLst>
-                  <a:outerShdw dist="35921" dir="2700000" algn="ctr" rotWithShape="0">
-                    <a:schemeClr val="tx1">
-                      <a:alpha val="50000"/>
-                    </a:schemeClr>
-                  </a:outerShdw>
-                </a:effectLst>
-              </a14:hiddenEffects>
-            </a:ext>
-          </a:extLst>
-        </p:spPr>
-      </p:cxnSp>
-      <p:sp>
-        <p:nvSpPr>
-          <p:cNvPr id="22" name="正方形/長方形 21"/>
-          <p:cNvSpPr/>
-          <p:nvPr/>
-        </p:nvSpPr>
-        <p:spPr>
-          <a:xfrm>
-            <a:off x="2365027" y="2125001"/>
-            <a:ext cx="3492000" cy="1368000"/>
-          </a:xfrm>
-          <a:prstGeom prst="rect">
-            <a:avLst/>
-          </a:prstGeom>
-          <a:noFill/>
-          <a:ln>
-            <a:solidFill>
-              <a:srgbClr val="FF0000"/>
-            </a:solidFill>
-            <a:prstDash val="sysDash"/>
-          </a:ln>
-        </p:spPr>
-        <p:style>
-          <a:lnRef idx="2">
-            <a:schemeClr val="accent1">
-              <a:shade val="50000"/>
-            </a:schemeClr>
-          </a:lnRef>
-          <a:fillRef idx="1">
-            <a:schemeClr val="accent1"/>
-          </a:fillRef>
-          <a:effectRef idx="0">
-            <a:schemeClr val="accent1"/>
-          </a:effectRef>
-          <a:fontRef idx="minor">
-            <a:schemeClr val="lt1"/>
-          </a:fontRef>
-        </p:style>
-        <p:txBody>
-          <a:bodyPr rot="0" spcFirstLastPara="0" vert="horz" wrap="square" lIns="91440" tIns="45720" rIns="91440" bIns="45720" numCol="1" spcCol="0" rtlCol="0" fromWordArt="0" anchor="ctr" anchorCtr="0" forceAA="0" compatLnSpc="1">
-            <a:prstTxWarp prst="textNoShape">
-              <a:avLst/>
-            </a:prstTxWarp>
-            <a:noAutofit/>
-          </a:bodyPr>
-          <a:lstStyle/>
-          <a:p>
-            <a:endParaRPr lang="ja-JP" altLang="en-US" dirty="0"/>
-          </a:p>
-        </p:txBody>
-      </p:sp>
-      <p:cxnSp>
-        <p:nvCxnSpPr>
-          <p:cNvPr id="27" name="直線コネクタ 26"/>
-          <p:cNvCxnSpPr/>
-          <p:nvPr/>
-        </p:nvCxnSpPr>
-        <p:spPr bwMode="auto">
-          <a:xfrm>
-            <a:off x="5974429" y="2803982"/>
-            <a:ext cx="1080000" cy="0"/>
-          </a:xfrm>
-          <a:prstGeom prst="line">
-            <a:avLst/>
-          </a:prstGeom>
-          <a:solidFill>
-            <a:schemeClr val="bg1"/>
-          </a:solidFill>
-          <a:ln w="19050" cap="flat" cmpd="sng" algn="ctr">
-            <a:solidFill>
-              <a:srgbClr val="FF0000"/>
-            </a:solidFill>
-            <a:prstDash val="dash"/>
-            <a:round/>
-            <a:headEnd type="none" w="med" len="med"/>
-            <a:tailEnd type="none" w="med" len="med"/>
-          </a:ln>
-          <a:effectLst/>
-          <a:extLst>
-            <a:ext uri="{AF507438-7753-43E0-B8FC-AC1667EBCBE1}">
-              <a14:hiddenEffects xmlns:a14="http://schemas.microsoft.com/office/drawing/2010/main">
-                <a:effectLst>
-                  <a:outerShdw dist="35921" dir="2700000" algn="ctr" rotWithShape="0">
-                    <a:schemeClr val="tx1">
-                      <a:alpha val="50000"/>
-                    </a:schemeClr>
-                  </a:outerShdw>
-                </a:effectLst>
-              </a14:hiddenEffects>
-            </a:ext>
-          </a:extLst>
-        </p:spPr>
-      </p:cxnSp>
-      <p:sp>
-        <p:nvSpPr>
-          <p:cNvPr id="33" name="テキスト ボックス 32"/>
-          <p:cNvSpPr txBox="1"/>
-          <p:nvPr/>
-        </p:nvSpPr>
-        <p:spPr>
-          <a:xfrm>
-            <a:off x="140653" y="1979467"/>
-            <a:ext cx="2023017" cy="246221"/>
-          </a:xfrm>
-          <a:prstGeom prst="rect">
-            <a:avLst/>
-          </a:prstGeom>
-          <a:noFill/>
-        </p:spPr>
-        <p:txBody>
-          <a:bodyPr wrap="square" rtlCol="0">
-            <a:spAutoFit/>
-          </a:bodyPr>
-          <a:lstStyle/>
-          <a:p>
-            <a:pPr algn="ctr"/>
-            <a:r>
-              <a:rPr lang="ja-JP" altLang="en-US" sz="1000" dirty="0" smtClean="0">
-                <a:solidFill>
-                  <a:srgbClr val="FF0000"/>
-                </a:solidFill>
-              </a:rPr>
-              <a:t>インストール対象</a:t>
-            </a:r>
-            <a:r>
-              <a:rPr lang="en-US" altLang="ja-JP" sz="1000" dirty="0" smtClean="0">
-                <a:solidFill>
-                  <a:srgbClr val="FF0000"/>
-                </a:solidFill>
-              </a:rPr>
-              <a:t>OS</a:t>
-            </a:r>
-            <a:r>
-              <a:rPr lang="ja-JP" altLang="en-US" sz="1000" dirty="0">
-                <a:solidFill>
-                  <a:srgbClr val="FF0000"/>
-                </a:solidFill>
-              </a:rPr>
-              <a:t>：</a:t>
-            </a:r>
-            <a:r>
-              <a:rPr lang="en-US" altLang="ja-JP" sz="1000" dirty="0" smtClean="0">
-                <a:solidFill>
-                  <a:srgbClr val="FF0000"/>
-                </a:solidFill>
-              </a:rPr>
-              <a:t>RHEL7</a:t>
-            </a:r>
-            <a:endParaRPr kumimoji="1" lang="ja-JP" altLang="en-US" sz="1000" dirty="0">
-              <a:solidFill>
-                <a:srgbClr val="FF0000"/>
-              </a:solidFill>
-            </a:endParaRPr>
-          </a:p>
-        </p:txBody>
-      </p:sp>
     </p:spTree>
     <p:extLst>
       <p:ext uri="{BB962C8B-B14F-4D97-AF65-F5344CB8AC3E}">

--- a/asset/Learn_ja/ITA-offline-install_ja.pptx
+++ b/asset/Learn_ja/ITA-offline-install_ja.pptx
@@ -334,7 +334,7 @@
               <a:rPr kumimoji="1" lang="ja-JP" altLang="en-US" smtClean="0">
                 <a:ea typeface="メイリオ" panose="020B0604030504040204" pitchFamily="50" charset="-128"/>
               </a:rPr>
-              <a:t>2020/2/10</a:t>
+              <a:t>2020/3/25</a:t>
             </a:fld>
             <a:endParaRPr kumimoji="1" lang="ja-JP" altLang="en-US" dirty="0">
               <a:ea typeface="メイリオ" panose="020B0604030504040204" pitchFamily="50" charset="-128"/>
@@ -480,7 +480,7 @@
             <a:fld id="{4B26993D-C081-44EB-B0F5-A9F467792B62}" type="datetimeFigureOut">
               <a:rPr lang="ja-JP" altLang="en-US" smtClean="0"/>
               <a:pPr/>
-              <a:t>2020/2/10</a:t>
+              <a:t>2020/3/25</a:t>
             </a:fld>
             <a:endParaRPr lang="ja-JP" altLang="en-US" dirty="0"/>
           </a:p>
@@ -1103,7 +1103,7 @@
           <a:p>
             <a:fld id="{56F9016B-CCA6-43BE-8BEE-59565A35F4F7}" type="datetimeFigureOut">
               <a:rPr kumimoji="1" lang="ja-JP" altLang="en-US" smtClean="0"/>
-              <a:t>2020/2/10</a:t>
+              <a:t>2020/3/25</a:t>
             </a:fld>
             <a:endParaRPr kumimoji="1" lang="ja-JP" altLang="en-US"/>
           </a:p>
@@ -1305,7 +1305,7 @@
           <a:p>
             <a:fld id="{56F9016B-CCA6-43BE-8BEE-59565A35F4F7}" type="datetimeFigureOut">
               <a:rPr kumimoji="1" lang="ja-JP" altLang="en-US" smtClean="0"/>
-              <a:t>2020/2/10</a:t>
+              <a:t>2020/3/25</a:t>
             </a:fld>
             <a:endParaRPr kumimoji="1" lang="ja-JP" altLang="en-US"/>
           </a:p>
@@ -1551,7 +1551,7 @@
           <a:p>
             <a:fld id="{56F9016B-CCA6-43BE-8BEE-59565A35F4F7}" type="datetimeFigureOut">
               <a:rPr kumimoji="1" lang="ja-JP" altLang="en-US" smtClean="0"/>
-              <a:t>2020/2/10</a:t>
+              <a:t>2020/3/25</a:t>
             </a:fld>
             <a:endParaRPr kumimoji="1" lang="ja-JP" altLang="en-US"/>
           </a:p>
@@ -1847,7 +1847,7 @@
           <a:p>
             <a:fld id="{56F9016B-CCA6-43BE-8BEE-59565A35F4F7}" type="datetimeFigureOut">
               <a:rPr kumimoji="1" lang="ja-JP" altLang="en-US" smtClean="0"/>
-              <a:t>2020/2/10</a:t>
+              <a:t>2020/3/25</a:t>
             </a:fld>
             <a:endParaRPr kumimoji="1" lang="ja-JP" altLang="en-US"/>
           </a:p>
@@ -2278,7 +2278,7 @@
           <a:p>
             <a:fld id="{56F9016B-CCA6-43BE-8BEE-59565A35F4F7}" type="datetimeFigureOut">
               <a:rPr kumimoji="1" lang="ja-JP" altLang="en-US" smtClean="0"/>
-              <a:t>2020/2/10</a:t>
+              <a:t>2020/3/25</a:t>
             </a:fld>
             <a:endParaRPr kumimoji="1" lang="ja-JP" altLang="en-US"/>
           </a:p>
@@ -2396,7 +2396,7 @@
           <a:p>
             <a:fld id="{56F9016B-CCA6-43BE-8BEE-59565A35F4F7}" type="datetimeFigureOut">
               <a:rPr kumimoji="1" lang="ja-JP" altLang="en-US" smtClean="0"/>
-              <a:t>2020/2/10</a:t>
+              <a:t>2020/3/25</a:t>
             </a:fld>
             <a:endParaRPr kumimoji="1" lang="ja-JP" altLang="en-US"/>
           </a:p>
@@ -2491,7 +2491,7 @@
           <a:p>
             <a:fld id="{56F9016B-CCA6-43BE-8BEE-59565A35F4F7}" type="datetimeFigureOut">
               <a:rPr kumimoji="1" lang="ja-JP" altLang="en-US" smtClean="0"/>
-              <a:t>2020/2/10</a:t>
+              <a:t>2020/3/25</a:t>
             </a:fld>
             <a:endParaRPr kumimoji="1" lang="ja-JP" altLang="en-US"/>
           </a:p>
@@ -2800,7 +2800,7 @@
           <a:p>
             <a:fld id="{56F9016B-CCA6-43BE-8BEE-59565A35F4F7}" type="datetimeFigureOut">
               <a:rPr kumimoji="1" lang="ja-JP" altLang="en-US" smtClean="0"/>
-              <a:t>2020/2/10</a:t>
+              <a:t>2020/3/25</a:t>
             </a:fld>
             <a:endParaRPr kumimoji="1" lang="ja-JP" altLang="en-US"/>
           </a:p>
@@ -3053,7 +3053,7 @@
           <a:p>
             <a:fld id="{56F9016B-CCA6-43BE-8BEE-59565A35F4F7}" type="datetimeFigureOut">
               <a:rPr kumimoji="1" lang="ja-JP" altLang="en-US" smtClean="0"/>
-              <a:t>2020/2/10</a:t>
+              <a:t>2020/3/25</a:t>
             </a:fld>
             <a:endParaRPr kumimoji="1" lang="ja-JP" altLang="en-US"/>
           </a:p>
@@ -3330,7 +3330,7 @@
           <a:p>
             <a:fld id="{56F9016B-CCA6-43BE-8BEE-59565A35F4F7}" type="datetimeFigureOut">
               <a:rPr kumimoji="1" lang="ja-JP" altLang="en-US" smtClean="0"/>
-              <a:t>2020/2/10</a:t>
+              <a:t>2020/3/25</a:t>
             </a:fld>
             <a:endParaRPr kumimoji="1" lang="ja-JP" altLang="en-US"/>
           </a:p>
@@ -3542,7 +3542,7 @@
           <a:p>
             <a:fld id="{56F9016B-CCA6-43BE-8BEE-59565A35F4F7}" type="datetimeFigureOut">
               <a:rPr kumimoji="1" lang="ja-JP" altLang="en-US" smtClean="0"/>
-              <a:t>2020/2/10</a:t>
+              <a:t>2020/3/25</a:t>
             </a:fld>
             <a:endParaRPr kumimoji="1" lang="ja-JP" altLang="en-US"/>
           </a:p>
@@ -6601,7 +6601,7 @@
           <a:p>
             <a:fld id="{56F9016B-CCA6-43BE-8BEE-59565A35F4F7}" type="datetimeFigureOut">
               <a:rPr kumimoji="1" lang="ja-JP" altLang="en-US" smtClean="0"/>
-              <a:t>2020/2/10</a:t>
+              <a:t>2020/3/25</a:t>
             </a:fld>
             <a:endParaRPr kumimoji="1" lang="ja-JP" altLang="en-US"/>
           </a:p>
@@ -7039,7 +7039,11 @@
             </a:r>
             <a:r>
               <a:rPr lang="en-US" altLang="ja-JP" dirty="0" smtClean="0"/>
-              <a:t>1.3</a:t>
+              <a:t>1.</a:t>
+            </a:r>
+            <a:r>
+              <a:rPr lang="en-US" altLang="ja-JP" dirty="0"/>
+              <a:t>4</a:t>
             </a:r>
             <a:r>
               <a:rPr lang="ja-JP" altLang="en-US" dirty="0" smtClean="0"/>
@@ -18009,7 +18013,7 @@
         </p:nvGraphicFramePr>
         <p:xfrm>
           <a:off x="539440" y="2060814"/>
-          <a:ext cx="8065121" cy="4358306"/>
+          <a:ext cx="8065121" cy="4287246"/>
         </p:xfrm>
         <a:graphic>
           <a:graphicData uri="http://schemas.openxmlformats.org/drawingml/2006/table">
@@ -24103,7 +24107,7 @@
           <p:nvPr>
             <p:extLst>
               <p:ext uri="{D42A27DB-BD31-4B8C-83A1-F6EECF244321}">
-                <p14:modId xmlns:p14="http://schemas.microsoft.com/office/powerpoint/2010/main" val="3353648575"/>
+                <p14:modId xmlns:p14="http://schemas.microsoft.com/office/powerpoint/2010/main" val="2965137532"/>
               </p:ext>
             </p:extLst>
           </p:nvPr>
@@ -25193,16 +25197,10 @@
                         <a:t>Spyc</a:t>
                       </a:r>
                       <a:r>
-                        <a:rPr lang="en-US" sz="1050" kern="100" dirty="0" smtClean="0">
-                          <a:effectLst/>
-                        </a:rPr>
-                        <a:t>, </a:t>
-                      </a:r>
-                      <a:r>
-                        <a:rPr lang="en-US" sz="1050" kern="100" dirty="0">
-                          <a:effectLst/>
-                        </a:rPr>
-                        <a:t>Auth, </a:t>
+                        <a:rPr lang="ja-JP" altLang="en-US" sz="1050" kern="100" dirty="0" err="1" smtClean="0">
+                          <a:effectLst/>
+                        </a:rPr>
+                        <a:t>、</a:t>
                       </a:r>
                       <a:r>
                         <a:rPr lang="en-US" sz="1050" kern="100" dirty="0" smtClean="0">
@@ -28052,7 +28050,7 @@
       </p:sp>
       <p:sp>
         <p:nvSpPr>
-          <p:cNvPr id="3" name="コンテンツ プレースホルダー 2"/>
+          <p:cNvPr id="7" name="コンテンツ プレースホルダー 2"/>
           <p:cNvSpPr>
             <a:spLocks noGrp="1"/>
           </p:cNvSpPr>
@@ -28060,7 +28058,12 @@
             <p:ph sz="quarter" idx="10"/>
           </p:nvPr>
         </p:nvSpPr>
-        <p:spPr/>
+        <p:spPr>
+          <a:xfrm>
+            <a:off x="179512" y="836712"/>
+            <a:ext cx="8784976" cy="5616476"/>
+          </a:xfrm>
+        </p:spPr>
         <p:txBody>
           <a:bodyPr>
             <a:normAutofit/>
@@ -28095,26 +28098,278 @@
           </a:p>
           <a:p>
             <a:pPr lvl="1"/>
-            <a:endParaRPr kumimoji="1" lang="ja-JP" altLang="en-US" dirty="0"/>
+            <a:endParaRPr kumimoji="1" lang="en-US" altLang="ja-JP" dirty="0" smtClean="0"/>
+          </a:p>
+          <a:p>
+            <a:pPr lvl="1"/>
+            <a:endParaRPr lang="en-US" altLang="ja-JP" dirty="0"/>
+          </a:p>
+          <a:p>
+            <a:pPr lvl="1"/>
+            <a:endParaRPr kumimoji="1" lang="en-US" altLang="ja-JP" dirty="0" smtClean="0"/>
+          </a:p>
+          <a:p>
+            <a:pPr lvl="1"/>
+            <a:endParaRPr lang="en-US" altLang="ja-JP" dirty="0"/>
+          </a:p>
+          <a:p>
+            <a:pPr lvl="1"/>
+            <a:endParaRPr kumimoji="1" lang="en-US" altLang="ja-JP" dirty="0" smtClean="0"/>
+          </a:p>
+          <a:p>
+            <a:pPr lvl="1"/>
+            <a:endParaRPr lang="en-US" altLang="ja-JP" dirty="0"/>
+          </a:p>
+          <a:p>
+            <a:pPr lvl="1"/>
+            <a:endParaRPr kumimoji="1" lang="en-US" altLang="ja-JP" dirty="0" smtClean="0"/>
+          </a:p>
+          <a:p>
+            <a:pPr lvl="1"/>
+            <a:endParaRPr lang="en-US" altLang="ja-JP" dirty="0"/>
+          </a:p>
+          <a:p>
+            <a:pPr lvl="1"/>
+            <a:endParaRPr kumimoji="1" lang="en-US" altLang="ja-JP" dirty="0" smtClean="0"/>
+          </a:p>
+          <a:p>
+            <a:pPr lvl="0"/>
+            <a:r>
+              <a:rPr lang="ja-JP" altLang="en-US" dirty="0" smtClean="0"/>
+              <a:t>（参考）</a:t>
+            </a:r>
+            <a:r>
+              <a:rPr lang="en-US" altLang="ja-JP" dirty="0" smtClean="0"/>
+              <a:t>HTTP</a:t>
+            </a:r>
+            <a:r>
+              <a:rPr lang="ja-JP" altLang="en-US" dirty="0" smtClean="0"/>
+              <a:t>アクセス</a:t>
+            </a:r>
+            <a:endParaRPr lang="en-US" altLang="ja-JP" dirty="0"/>
+          </a:p>
+          <a:p>
+            <a:pPr marL="180000" lvl="1" indent="0">
+              <a:buNone/>
+            </a:pPr>
+            <a:r>
+              <a:rPr lang="en-US" altLang="ja-JP" dirty="0" smtClean="0"/>
+              <a:t>HTTP</a:t>
+            </a:r>
+            <a:r>
+              <a:rPr lang="ja-JP" altLang="en-US" dirty="0" smtClean="0"/>
+              <a:t>アクセスを許可する場合は、</a:t>
+            </a:r>
+            <a:r>
+              <a:rPr lang="ja-JP" altLang="ja-JP" dirty="0"/>
+              <a:t>以下</a:t>
+            </a:r>
+            <a:r>
+              <a:rPr lang="ja-JP" altLang="ja-JP" dirty="0" smtClean="0"/>
+              <a:t>の</a:t>
+            </a:r>
+            <a:r>
+              <a:rPr lang="ja-JP" altLang="en-US" dirty="0" smtClean="0"/>
+              <a:t>手順を実施してください。</a:t>
+            </a:r>
+            <a:endParaRPr lang="en-US" altLang="ja-JP" dirty="0" smtClean="0"/>
+          </a:p>
+          <a:p>
+            <a:pPr lvl="1"/>
+            <a:r>
+              <a:rPr lang="ja-JP" altLang="en-US" dirty="0" smtClean="0"/>
+              <a:t>ファイル「</a:t>
+            </a:r>
+            <a:r>
+              <a:rPr lang="en-US" altLang="ja-JP" dirty="0" smtClean="0"/>
+              <a:t>/</a:t>
+            </a:r>
+            <a:r>
+              <a:rPr lang="en-US" altLang="ja-JP" dirty="0" err="1" smtClean="0"/>
+              <a:t>etc</a:t>
+            </a:r>
+            <a:r>
+              <a:rPr lang="en-US" altLang="ja-JP" dirty="0" smtClean="0"/>
+              <a:t>/</a:t>
+            </a:r>
+            <a:r>
+              <a:rPr lang="en-US" altLang="ja-JP" dirty="0" err="1" smtClean="0"/>
+              <a:t>httpd</a:t>
+            </a:r>
+            <a:r>
+              <a:rPr lang="en-US" altLang="ja-JP" dirty="0" smtClean="0"/>
+              <a:t>/</a:t>
+            </a:r>
+            <a:r>
+              <a:rPr lang="en-US" altLang="ja-JP" dirty="0" err="1" smtClean="0"/>
+              <a:t>conf.d</a:t>
+            </a:r>
+            <a:r>
+              <a:rPr lang="en-US" altLang="ja-JP" dirty="0" smtClean="0"/>
+              <a:t>/</a:t>
+            </a:r>
+            <a:r>
+              <a:rPr lang="en-US" altLang="ja-JP" dirty="0" err="1" smtClean="0"/>
+              <a:t>vhosts_exastro</a:t>
+            </a:r>
+            <a:r>
+              <a:rPr lang="en-US" altLang="ja-JP" dirty="0" smtClean="0"/>
+              <a:t>-it-</a:t>
+            </a:r>
+            <a:r>
+              <a:rPr lang="en-US" altLang="ja-JP" dirty="0" err="1" smtClean="0"/>
+              <a:t>automation.conf</a:t>
+            </a:r>
+            <a:r>
+              <a:rPr lang="ja-JP" altLang="en-US" dirty="0" smtClean="0"/>
+              <a:t>」の</a:t>
+            </a:r>
+            <a:r>
+              <a:rPr lang="en-US" altLang="ja-JP" dirty="0" smtClean="0"/>
+              <a:t/>
+            </a:r>
+            <a:br>
+              <a:rPr lang="en-US" altLang="ja-JP" dirty="0" smtClean="0"/>
+            </a:br>
+            <a:r>
+              <a:rPr lang="ja-JP" altLang="en-US" dirty="0" smtClean="0"/>
+              <a:t>「</a:t>
+            </a:r>
+            <a:r>
+              <a:rPr lang="en-US" altLang="ja-JP" dirty="0"/>
+              <a:t>&lt;</a:t>
+            </a:r>
+            <a:r>
+              <a:rPr lang="en-US" altLang="ja-JP" dirty="0" err="1"/>
+              <a:t>VirtualHost</a:t>
+            </a:r>
+            <a:r>
+              <a:rPr lang="en-US" altLang="ja-JP" dirty="0"/>
+              <a:t> *:80 </a:t>
+            </a:r>
+            <a:r>
+              <a:rPr lang="en-US" altLang="ja-JP" dirty="0" smtClean="0"/>
+              <a:t>&gt;</a:t>
+            </a:r>
+            <a:r>
+              <a:rPr lang="ja-JP" altLang="en-US" dirty="0" smtClean="0"/>
+              <a:t>」から「</a:t>
+            </a:r>
+            <a:r>
+              <a:rPr lang="en-US" altLang="ja-JP" dirty="0"/>
+              <a:t>&lt;/</a:t>
+            </a:r>
+            <a:r>
+              <a:rPr lang="en-US" altLang="ja-JP" dirty="0" err="1"/>
+              <a:t>VirtualHost</a:t>
+            </a:r>
+            <a:r>
+              <a:rPr lang="en-US" altLang="ja-JP" dirty="0" smtClean="0"/>
+              <a:t>&gt;</a:t>
+            </a:r>
+            <a:r>
+              <a:rPr lang="ja-JP" altLang="en-US" dirty="0" smtClean="0"/>
+              <a:t>」のコメントアウト</a:t>
+            </a:r>
+            <a:r>
+              <a:rPr lang="en-US" altLang="ja-JP" dirty="0" smtClean="0"/>
+              <a:t>(#)</a:t>
+            </a:r>
+            <a:r>
+              <a:rPr lang="ja-JP" altLang="en-US" dirty="0" smtClean="0"/>
+              <a:t>を外す。</a:t>
+            </a:r>
+            <a:endParaRPr lang="en-US" altLang="ja-JP" dirty="0" smtClean="0"/>
+          </a:p>
+          <a:p>
+            <a:pPr lvl="1"/>
+            <a:r>
+              <a:rPr lang="ja-JP" altLang="en-US" dirty="0"/>
+              <a:t>以下</a:t>
+            </a:r>
+            <a:r>
+              <a:rPr lang="ja-JP" altLang="en-US" dirty="0" smtClean="0"/>
+              <a:t>のコマンドにより</a:t>
+            </a:r>
+            <a:r>
+              <a:rPr lang="en-US" altLang="ja-JP" dirty="0" smtClean="0"/>
+              <a:t>Apache</a:t>
+            </a:r>
+            <a:r>
+              <a:rPr lang="ja-JP" altLang="en-US" dirty="0" smtClean="0"/>
+              <a:t>を再起動する。</a:t>
+            </a:r>
+            <a:r>
+              <a:rPr lang="en-US" altLang="ja-JP" dirty="0" smtClean="0"/>
+              <a:t/>
+            </a:r>
+            <a:br>
+              <a:rPr lang="en-US" altLang="ja-JP" dirty="0" smtClean="0"/>
+            </a:br>
+            <a:r>
+              <a:rPr lang="en-US" altLang="ja-JP" dirty="0" err="1" smtClean="0"/>
+              <a:t>systemctl</a:t>
+            </a:r>
+            <a:r>
+              <a:rPr lang="en-US" altLang="ja-JP" dirty="0" smtClean="0"/>
+              <a:t> restart </a:t>
+            </a:r>
+            <a:r>
+              <a:rPr lang="en-US" altLang="ja-JP" dirty="0" err="1" smtClean="0"/>
+              <a:t>httpd</a:t>
+            </a:r>
+            <a:endParaRPr lang="en-US" altLang="ja-JP" dirty="0" smtClean="0"/>
+          </a:p>
+          <a:p>
+            <a:pPr lvl="1"/>
+            <a:r>
+              <a:rPr lang="en-US" altLang="ja-JP" dirty="0" smtClean="0"/>
+              <a:t>URL</a:t>
+            </a:r>
+            <a:r>
+              <a:rPr lang="ja-JP" altLang="en-US" dirty="0" smtClean="0"/>
+              <a:t>「</a:t>
+            </a:r>
+            <a:r>
+              <a:rPr lang="en-US" altLang="ja-JP" u="sng" dirty="0" smtClean="0"/>
+              <a:t>http://(IP</a:t>
+            </a:r>
+            <a:r>
+              <a:rPr lang="ja-JP" altLang="en-US" u="sng" dirty="0" smtClean="0"/>
+              <a:t>ドレス</a:t>
+            </a:r>
+            <a:r>
+              <a:rPr lang="en-US" altLang="ja-JP" u="sng" dirty="0" smtClean="0"/>
+              <a:t>)</a:t>
+            </a:r>
+            <a:r>
+              <a:rPr lang="ja-JP" altLang="en-US" smtClean="0"/>
+              <a:t>」に接続して、ログイン</a:t>
+            </a:r>
+            <a:r>
+              <a:rPr lang="ja-JP" altLang="en-US" dirty="0" smtClean="0"/>
+              <a:t>画面が表示されることを確認する。</a:t>
+            </a:r>
+            <a:endParaRPr lang="ja-JP" altLang="ja-JP" dirty="0"/>
           </a:p>
         </p:txBody>
       </p:sp>
       <p:graphicFrame>
         <p:nvGraphicFramePr>
-          <p:cNvPr id="6" name="表 5"/>
+          <p:cNvPr id="8" name="表 7"/>
           <p:cNvGraphicFramePr>
             <a:graphicFrameLocks noGrp="1"/>
           </p:cNvGraphicFramePr>
           <p:nvPr>
             <p:extLst>
               <p:ext uri="{D42A27DB-BD31-4B8C-83A1-F6EECF244321}">
-                <p14:modId xmlns:p14="http://schemas.microsoft.com/office/powerpoint/2010/main" val="575777720"/>
+                <p14:modId xmlns:p14="http://schemas.microsoft.com/office/powerpoint/2010/main" val="1492654175"/>
               </p:ext>
             </p:extLst>
           </p:nvPr>
         </p:nvGraphicFramePr>
         <p:xfrm>
-          <a:off x="1259540" y="2276840"/>
+          <a:off x="1259540" y="1628750"/>
           <a:ext cx="6624920" cy="2222847"/>
         </p:xfrm>
         <a:graphic>

--- a/asset/Learn_ja/ITA-offline-install_ja.pptx
+++ b/asset/Learn_ja/ITA-offline-install_ja.pptx
@@ -334,7 +334,7 @@
               <a:rPr kumimoji="1" lang="ja-JP" altLang="en-US" smtClean="0">
                 <a:ea typeface="メイリオ" panose="020B0604030504040204" pitchFamily="50" charset="-128"/>
               </a:rPr>
-              <a:t>2020/3/25</a:t>
+              <a:t>2020/4/16</a:t>
             </a:fld>
             <a:endParaRPr kumimoji="1" lang="ja-JP" altLang="en-US" dirty="0">
               <a:ea typeface="メイリオ" panose="020B0604030504040204" pitchFamily="50" charset="-128"/>
@@ -480,7 +480,7 @@
             <a:fld id="{4B26993D-C081-44EB-B0F5-A9F467792B62}" type="datetimeFigureOut">
               <a:rPr lang="ja-JP" altLang="en-US" smtClean="0"/>
               <a:pPr/>
-              <a:t>2020/3/25</a:t>
+              <a:t>2020/4/16</a:t>
             </a:fld>
             <a:endParaRPr lang="ja-JP" altLang="en-US" dirty="0"/>
           </a:p>
@@ -1103,7 +1103,7 @@
           <a:p>
             <a:fld id="{56F9016B-CCA6-43BE-8BEE-59565A35F4F7}" type="datetimeFigureOut">
               <a:rPr kumimoji="1" lang="ja-JP" altLang="en-US" smtClean="0"/>
-              <a:t>2020/3/25</a:t>
+              <a:t>2020/4/16</a:t>
             </a:fld>
             <a:endParaRPr kumimoji="1" lang="ja-JP" altLang="en-US"/>
           </a:p>
@@ -1305,7 +1305,7 @@
           <a:p>
             <a:fld id="{56F9016B-CCA6-43BE-8BEE-59565A35F4F7}" type="datetimeFigureOut">
               <a:rPr kumimoji="1" lang="ja-JP" altLang="en-US" smtClean="0"/>
-              <a:t>2020/3/25</a:t>
+              <a:t>2020/4/16</a:t>
             </a:fld>
             <a:endParaRPr kumimoji="1" lang="ja-JP" altLang="en-US"/>
           </a:p>
@@ -1551,7 +1551,7 @@
           <a:p>
             <a:fld id="{56F9016B-CCA6-43BE-8BEE-59565A35F4F7}" type="datetimeFigureOut">
               <a:rPr kumimoji="1" lang="ja-JP" altLang="en-US" smtClean="0"/>
-              <a:t>2020/3/25</a:t>
+              <a:t>2020/4/16</a:t>
             </a:fld>
             <a:endParaRPr kumimoji="1" lang="ja-JP" altLang="en-US"/>
           </a:p>
@@ -1847,7 +1847,7 @@
           <a:p>
             <a:fld id="{56F9016B-CCA6-43BE-8BEE-59565A35F4F7}" type="datetimeFigureOut">
               <a:rPr kumimoji="1" lang="ja-JP" altLang="en-US" smtClean="0"/>
-              <a:t>2020/3/25</a:t>
+              <a:t>2020/4/16</a:t>
             </a:fld>
             <a:endParaRPr kumimoji="1" lang="ja-JP" altLang="en-US"/>
           </a:p>
@@ -2278,7 +2278,7 @@
           <a:p>
             <a:fld id="{56F9016B-CCA6-43BE-8BEE-59565A35F4F7}" type="datetimeFigureOut">
               <a:rPr kumimoji="1" lang="ja-JP" altLang="en-US" smtClean="0"/>
-              <a:t>2020/3/25</a:t>
+              <a:t>2020/4/16</a:t>
             </a:fld>
             <a:endParaRPr kumimoji="1" lang="ja-JP" altLang="en-US"/>
           </a:p>
@@ -2396,7 +2396,7 @@
           <a:p>
             <a:fld id="{56F9016B-CCA6-43BE-8BEE-59565A35F4F7}" type="datetimeFigureOut">
               <a:rPr kumimoji="1" lang="ja-JP" altLang="en-US" smtClean="0"/>
-              <a:t>2020/3/25</a:t>
+              <a:t>2020/4/16</a:t>
             </a:fld>
             <a:endParaRPr kumimoji="1" lang="ja-JP" altLang="en-US"/>
           </a:p>
@@ -2491,7 +2491,7 @@
           <a:p>
             <a:fld id="{56F9016B-CCA6-43BE-8BEE-59565A35F4F7}" type="datetimeFigureOut">
               <a:rPr kumimoji="1" lang="ja-JP" altLang="en-US" smtClean="0"/>
-              <a:t>2020/3/25</a:t>
+              <a:t>2020/4/16</a:t>
             </a:fld>
             <a:endParaRPr kumimoji="1" lang="ja-JP" altLang="en-US"/>
           </a:p>
@@ -2800,7 +2800,7 @@
           <a:p>
             <a:fld id="{56F9016B-CCA6-43BE-8BEE-59565A35F4F7}" type="datetimeFigureOut">
               <a:rPr kumimoji="1" lang="ja-JP" altLang="en-US" smtClean="0"/>
-              <a:t>2020/3/25</a:t>
+              <a:t>2020/4/16</a:t>
             </a:fld>
             <a:endParaRPr kumimoji="1" lang="ja-JP" altLang="en-US"/>
           </a:p>
@@ -3053,7 +3053,7 @@
           <a:p>
             <a:fld id="{56F9016B-CCA6-43BE-8BEE-59565A35F4F7}" type="datetimeFigureOut">
               <a:rPr kumimoji="1" lang="ja-JP" altLang="en-US" smtClean="0"/>
-              <a:t>2020/3/25</a:t>
+              <a:t>2020/4/16</a:t>
             </a:fld>
             <a:endParaRPr kumimoji="1" lang="ja-JP" altLang="en-US"/>
           </a:p>
@@ -3330,7 +3330,7 @@
           <a:p>
             <a:fld id="{56F9016B-CCA6-43BE-8BEE-59565A35F4F7}" type="datetimeFigureOut">
               <a:rPr kumimoji="1" lang="ja-JP" altLang="en-US" smtClean="0"/>
-              <a:t>2020/3/25</a:t>
+              <a:t>2020/4/16</a:t>
             </a:fld>
             <a:endParaRPr kumimoji="1" lang="ja-JP" altLang="en-US"/>
           </a:p>
@@ -3542,7 +3542,7 @@
           <a:p>
             <a:fld id="{56F9016B-CCA6-43BE-8BEE-59565A35F4F7}" type="datetimeFigureOut">
               <a:rPr kumimoji="1" lang="ja-JP" altLang="en-US" smtClean="0"/>
-              <a:t>2020/3/25</a:t>
+              <a:t>2020/4/16</a:t>
             </a:fld>
             <a:endParaRPr kumimoji="1" lang="ja-JP" altLang="en-US"/>
           </a:p>
@@ -6601,7 +6601,7 @@
           <a:p>
             <a:fld id="{56F9016B-CCA6-43BE-8BEE-59565A35F4F7}" type="datetimeFigureOut">
               <a:rPr kumimoji="1" lang="ja-JP" altLang="en-US" smtClean="0"/>
-              <a:t>2020/3/25</a:t>
+              <a:t>2020/4/16</a:t>
             </a:fld>
             <a:endParaRPr kumimoji="1" lang="ja-JP" altLang="en-US"/>
           </a:p>
@@ -25778,8 +25778,121 @@
             </a:r>
             <a:r>
               <a:rPr lang="ja-JP" altLang="en-US" dirty="0" smtClean="0"/>
-              <a:t>設定してください。</a:t>
-            </a:r>
+              <a:t>設定してください</a:t>
+            </a:r>
+            <a:r>
+              <a:rPr lang="ja-JP" altLang="en-US" dirty="0" smtClean="0"/>
+              <a:t>。</a:t>
+            </a:r>
+            <a:r>
+              <a:rPr lang="en-US" altLang="ja-JP" dirty="0" smtClean="0"/>
+              <a:t/>
+            </a:r>
+            <a:br>
+              <a:rPr lang="en-US" altLang="ja-JP" dirty="0" smtClean="0"/>
+            </a:br>
+            <a:r>
+              <a:rPr lang="en-US" altLang="ja-JP" b="1" dirty="0">
+                <a:solidFill>
+                  <a:srgbClr val="FF0000"/>
+                </a:solidFill>
+              </a:rPr>
+              <a:t>※http</a:t>
+            </a:r>
+            <a:r>
+              <a:rPr lang="ja-JP" altLang="en-US" b="1" dirty="0">
+                <a:solidFill>
+                  <a:srgbClr val="FF0000"/>
+                </a:solidFill>
+              </a:rPr>
+              <a:t>アクセスを許可して</a:t>
+            </a:r>
+            <a:r>
+              <a:rPr lang="en-US" altLang="ja-JP" b="1" dirty="0">
+                <a:solidFill>
+                  <a:srgbClr val="FF0000"/>
+                </a:solidFill>
+              </a:rPr>
+              <a:t>IP</a:t>
+            </a:r>
+            <a:r>
+              <a:rPr lang="ja-JP" altLang="en-US" b="1" dirty="0">
+                <a:solidFill>
+                  <a:srgbClr val="FF0000"/>
+                </a:solidFill>
+              </a:rPr>
+              <a:t>アドレスでのアクセスを可能にしたり、</a:t>
+            </a:r>
+            <a:r>
+              <a:rPr lang="en-US" altLang="ja-JP" b="1" dirty="0">
+                <a:solidFill>
+                  <a:srgbClr val="FF0000"/>
+                </a:solidFill>
+              </a:rPr>
+              <a:t>DNS</a:t>
+            </a:r>
+            <a:r>
+              <a:rPr lang="ja-JP" altLang="en-US" b="1" dirty="0">
+                <a:solidFill>
+                  <a:srgbClr val="FF0000"/>
+                </a:solidFill>
+              </a:rPr>
+              <a:t>サーバにホスト名を登録する等の対応を行えば、本作業は不要となります。</a:t>
+            </a:r>
+            <a:r>
+              <a:rPr lang="en-US" altLang="ja-JP" b="1" dirty="0">
+                <a:solidFill>
+                  <a:srgbClr val="FF0000"/>
+                </a:solidFill>
+              </a:rPr>
+              <a:t/>
+            </a:r>
+            <a:br>
+              <a:rPr lang="en-US" altLang="ja-JP" b="1" dirty="0">
+                <a:solidFill>
+                  <a:srgbClr val="FF0000"/>
+                </a:solidFill>
+              </a:rPr>
+            </a:br>
+            <a:r>
+              <a:rPr lang="en-US" altLang="ja-JP" b="1" dirty="0">
+                <a:solidFill>
+                  <a:srgbClr val="FF0000"/>
+                </a:solidFill>
+              </a:rPr>
+              <a:t>http</a:t>
+            </a:r>
+            <a:r>
+              <a:rPr lang="ja-JP" altLang="en-US" b="1" dirty="0">
+                <a:solidFill>
+                  <a:srgbClr val="FF0000"/>
+                </a:solidFill>
+              </a:rPr>
+              <a:t>アクセスを許可する手順は</a:t>
+            </a:r>
+            <a:r>
+              <a:rPr lang="en-US" altLang="ja-JP" b="1" dirty="0">
+                <a:solidFill>
+                  <a:srgbClr val="FF0000"/>
+                </a:solidFill>
+              </a:rPr>
+              <a:t>4.5</a:t>
+            </a:r>
+            <a:r>
+              <a:rPr lang="ja-JP" altLang="en-US" b="1" dirty="0">
+                <a:solidFill>
+                  <a:srgbClr val="FF0000"/>
+                </a:solidFill>
+              </a:rPr>
+              <a:t>章を確認してください。</a:t>
+            </a:r>
+            <a:r>
+              <a:rPr lang="en-US" altLang="ja-JP" dirty="0"/>
+              <a:t/>
+            </a:r>
+            <a:br>
+              <a:rPr lang="en-US" altLang="ja-JP" dirty="0"/>
+            </a:br>
             <a:endParaRPr lang="en-US" altLang="ja-JP" dirty="0"/>
           </a:p>
           <a:p>
@@ -25838,16 +25951,20 @@
       </p:sp>
       <p:graphicFrame>
         <p:nvGraphicFramePr>
-          <p:cNvPr id="4" name="表 3"/>
+          <p:cNvPr id="6" name="表 5"/>
           <p:cNvGraphicFramePr>
             <a:graphicFrameLocks noGrp="1"/>
           </p:cNvGraphicFramePr>
           <p:nvPr>
-            <p:extLst/>
+            <p:extLst>
+              <p:ext uri="{D42A27DB-BD31-4B8C-83A1-F6EECF244321}">
+                <p14:modId xmlns:p14="http://schemas.microsoft.com/office/powerpoint/2010/main" val="1564350468"/>
+              </p:ext>
+            </p:extLst>
           </p:nvPr>
         </p:nvGraphicFramePr>
         <p:xfrm>
-          <a:off x="1829118" y="3645030"/>
+          <a:off x="1829118" y="4509150"/>
           <a:ext cx="5485765" cy="316230"/>
         </p:xfrm>
         <a:graphic>
@@ -25908,20 +26025,20 @@
       </p:graphicFrame>
       <p:graphicFrame>
         <p:nvGraphicFramePr>
-          <p:cNvPr id="5" name="表 4"/>
+          <p:cNvPr id="7" name="表 6"/>
           <p:cNvGraphicFramePr>
             <a:graphicFrameLocks noGrp="1"/>
           </p:cNvGraphicFramePr>
           <p:nvPr>
             <p:extLst>
               <p:ext uri="{D42A27DB-BD31-4B8C-83A1-F6EECF244321}">
-                <p14:modId xmlns:p14="http://schemas.microsoft.com/office/powerpoint/2010/main" val="856247343"/>
+                <p14:modId xmlns:p14="http://schemas.microsoft.com/office/powerpoint/2010/main" val="2719931173"/>
               </p:ext>
             </p:extLst>
           </p:nvPr>
         </p:nvGraphicFramePr>
         <p:xfrm>
-          <a:off x="1828630" y="4605166"/>
+          <a:off x="1828630" y="5469286"/>
           <a:ext cx="5485765" cy="936130"/>
         </p:xfrm>
         <a:graphic>

--- a/asset/Learn_ja/ITA-offline-install_ja.pptx
+++ b/asset/Learn_ja/ITA-offline-install_ja.pptx
@@ -6,10 +6,10 @@
     <p:sldMasterId id="2147483703" r:id="rId2"/>
   </p:sldMasterIdLst>
   <p:notesMasterIdLst>
-    <p:notesMasterId r:id="rId30"/>
+    <p:notesMasterId r:id="rId32"/>
   </p:notesMasterIdLst>
   <p:handoutMasterIdLst>
-    <p:handoutMasterId r:id="rId31"/>
+    <p:handoutMasterId r:id="rId33"/>
   </p:handoutMasterIdLst>
   <p:sldIdLst>
     <p:sldId id="262" r:id="rId3"/>
@@ -33,12 +33,14 @@
     <p:sldId id="522" r:id="rId21"/>
     <p:sldId id="523" r:id="rId22"/>
     <p:sldId id="524" r:id="rId23"/>
-    <p:sldId id="525" r:id="rId24"/>
-    <p:sldId id="526" r:id="rId25"/>
-    <p:sldId id="527" r:id="rId26"/>
-    <p:sldId id="528" r:id="rId27"/>
-    <p:sldId id="529" r:id="rId28"/>
-    <p:sldId id="318" r:id="rId29"/>
+    <p:sldId id="533" r:id="rId24"/>
+    <p:sldId id="534" r:id="rId25"/>
+    <p:sldId id="535" r:id="rId26"/>
+    <p:sldId id="536" r:id="rId27"/>
+    <p:sldId id="537" r:id="rId28"/>
+    <p:sldId id="538" r:id="rId29"/>
+    <p:sldId id="539" r:id="rId30"/>
+    <p:sldId id="318" r:id="rId31"/>
   </p:sldIdLst>
   <p:sldSz cx="9144000" cy="6858000" type="screen4x3"/>
   <p:notesSz cx="6735763" cy="9866313"/>
@@ -180,11 +182,13 @@
         <p14:section name="4.　ITA動作確認" id="{D446366E-9E78-45E3-8F73-A5F6CC724FCE}">
           <p14:sldIdLst>
             <p14:sldId id="524"/>
-            <p14:sldId id="525"/>
-            <p14:sldId id="526"/>
-            <p14:sldId id="527"/>
-            <p14:sldId id="528"/>
-            <p14:sldId id="529"/>
+            <p14:sldId id="533"/>
+            <p14:sldId id="534"/>
+            <p14:sldId id="535"/>
+            <p14:sldId id="536"/>
+            <p14:sldId id="537"/>
+            <p14:sldId id="538"/>
+            <p14:sldId id="539"/>
             <p14:sldId id="318"/>
           </p14:sldIdLst>
         </p14:section>
@@ -334,7 +338,7 @@
               <a:rPr kumimoji="1" lang="ja-JP" altLang="en-US" smtClean="0">
                 <a:ea typeface="メイリオ" panose="020B0604030504040204" pitchFamily="50" charset="-128"/>
               </a:rPr>
-              <a:t>2020/4/16</a:t>
+              <a:t>2020/4/27</a:t>
             </a:fld>
             <a:endParaRPr kumimoji="1" lang="ja-JP" altLang="en-US" dirty="0">
               <a:ea typeface="メイリオ" panose="020B0604030504040204" pitchFamily="50" charset="-128"/>
@@ -480,7 +484,7 @@
             <a:fld id="{4B26993D-C081-44EB-B0F5-A9F467792B62}" type="datetimeFigureOut">
               <a:rPr lang="ja-JP" altLang="en-US" smtClean="0"/>
               <a:pPr/>
-              <a:t>2020/4/16</a:t>
+              <a:t>2020/4/27</a:t>
             </a:fld>
             <a:endParaRPr lang="ja-JP" altLang="en-US" dirty="0"/>
           </a:p>
@@ -1103,7 +1107,7 @@
           <a:p>
             <a:fld id="{56F9016B-CCA6-43BE-8BEE-59565A35F4F7}" type="datetimeFigureOut">
               <a:rPr kumimoji="1" lang="ja-JP" altLang="en-US" smtClean="0"/>
-              <a:t>2020/4/16</a:t>
+              <a:t>2020/4/27</a:t>
             </a:fld>
             <a:endParaRPr kumimoji="1" lang="ja-JP" altLang="en-US"/>
           </a:p>
@@ -1305,7 +1309,7 @@
           <a:p>
             <a:fld id="{56F9016B-CCA6-43BE-8BEE-59565A35F4F7}" type="datetimeFigureOut">
               <a:rPr kumimoji="1" lang="ja-JP" altLang="en-US" smtClean="0"/>
-              <a:t>2020/4/16</a:t>
+              <a:t>2020/4/27</a:t>
             </a:fld>
             <a:endParaRPr kumimoji="1" lang="ja-JP" altLang="en-US"/>
           </a:p>
@@ -1551,7 +1555,7 @@
           <a:p>
             <a:fld id="{56F9016B-CCA6-43BE-8BEE-59565A35F4F7}" type="datetimeFigureOut">
               <a:rPr kumimoji="1" lang="ja-JP" altLang="en-US" smtClean="0"/>
-              <a:t>2020/4/16</a:t>
+              <a:t>2020/4/27</a:t>
             </a:fld>
             <a:endParaRPr kumimoji="1" lang="ja-JP" altLang="en-US"/>
           </a:p>
@@ -1847,7 +1851,7 @@
           <a:p>
             <a:fld id="{56F9016B-CCA6-43BE-8BEE-59565A35F4F7}" type="datetimeFigureOut">
               <a:rPr kumimoji="1" lang="ja-JP" altLang="en-US" smtClean="0"/>
-              <a:t>2020/4/16</a:t>
+              <a:t>2020/4/27</a:t>
             </a:fld>
             <a:endParaRPr kumimoji="1" lang="ja-JP" altLang="en-US"/>
           </a:p>
@@ -2278,7 +2282,7 @@
           <a:p>
             <a:fld id="{56F9016B-CCA6-43BE-8BEE-59565A35F4F7}" type="datetimeFigureOut">
               <a:rPr kumimoji="1" lang="ja-JP" altLang="en-US" smtClean="0"/>
-              <a:t>2020/4/16</a:t>
+              <a:t>2020/4/27</a:t>
             </a:fld>
             <a:endParaRPr kumimoji="1" lang="ja-JP" altLang="en-US"/>
           </a:p>
@@ -2396,7 +2400,7 @@
           <a:p>
             <a:fld id="{56F9016B-CCA6-43BE-8BEE-59565A35F4F7}" type="datetimeFigureOut">
               <a:rPr kumimoji="1" lang="ja-JP" altLang="en-US" smtClean="0"/>
-              <a:t>2020/4/16</a:t>
+              <a:t>2020/4/27</a:t>
             </a:fld>
             <a:endParaRPr kumimoji="1" lang="ja-JP" altLang="en-US"/>
           </a:p>
@@ -2491,7 +2495,7 @@
           <a:p>
             <a:fld id="{56F9016B-CCA6-43BE-8BEE-59565A35F4F7}" type="datetimeFigureOut">
               <a:rPr kumimoji="1" lang="ja-JP" altLang="en-US" smtClean="0"/>
-              <a:t>2020/4/16</a:t>
+              <a:t>2020/4/27</a:t>
             </a:fld>
             <a:endParaRPr kumimoji="1" lang="ja-JP" altLang="en-US"/>
           </a:p>
@@ -2800,7 +2804,7 @@
           <a:p>
             <a:fld id="{56F9016B-CCA6-43BE-8BEE-59565A35F4F7}" type="datetimeFigureOut">
               <a:rPr kumimoji="1" lang="ja-JP" altLang="en-US" smtClean="0"/>
-              <a:t>2020/4/16</a:t>
+              <a:t>2020/4/27</a:t>
             </a:fld>
             <a:endParaRPr kumimoji="1" lang="ja-JP" altLang="en-US"/>
           </a:p>
@@ -3053,7 +3057,7 @@
           <a:p>
             <a:fld id="{56F9016B-CCA6-43BE-8BEE-59565A35F4F7}" type="datetimeFigureOut">
               <a:rPr kumimoji="1" lang="ja-JP" altLang="en-US" smtClean="0"/>
-              <a:t>2020/4/16</a:t>
+              <a:t>2020/4/27</a:t>
             </a:fld>
             <a:endParaRPr kumimoji="1" lang="ja-JP" altLang="en-US"/>
           </a:p>
@@ -3330,7 +3334,7 @@
           <a:p>
             <a:fld id="{56F9016B-CCA6-43BE-8BEE-59565A35F4F7}" type="datetimeFigureOut">
               <a:rPr kumimoji="1" lang="ja-JP" altLang="en-US" smtClean="0"/>
-              <a:t>2020/4/16</a:t>
+              <a:t>2020/4/27</a:t>
             </a:fld>
             <a:endParaRPr kumimoji="1" lang="ja-JP" altLang="en-US"/>
           </a:p>
@@ -3542,7 +3546,7 @@
           <a:p>
             <a:fld id="{56F9016B-CCA6-43BE-8BEE-59565A35F4F7}" type="datetimeFigureOut">
               <a:rPr kumimoji="1" lang="ja-JP" altLang="en-US" smtClean="0"/>
-              <a:t>2020/4/16</a:t>
+              <a:t>2020/4/27</a:t>
             </a:fld>
             <a:endParaRPr kumimoji="1" lang="ja-JP" altLang="en-US"/>
           </a:p>
@@ -6601,7 +6605,7 @@
           <a:p>
             <a:fld id="{56F9016B-CCA6-43BE-8BEE-59565A35F4F7}" type="datetimeFigureOut">
               <a:rPr kumimoji="1" lang="ja-JP" altLang="en-US" smtClean="0"/>
-              <a:t>2020/4/16</a:t>
+              <a:t>2020/4/27</a:t>
             </a:fld>
             <a:endParaRPr kumimoji="1" lang="ja-JP" altLang="en-US"/>
           </a:p>
@@ -7038,15 +7042,11 @@
               <a:t>第</a:t>
             </a:r>
             <a:r>
-              <a:rPr lang="en-US" altLang="ja-JP" dirty="0" smtClean="0"/>
-              <a:t>1.</a:t>
-            </a:r>
-            <a:r>
-              <a:rPr lang="en-US" altLang="ja-JP" dirty="0"/>
-              <a:t>4</a:t>
-            </a:r>
-            <a:r>
-              <a:rPr lang="ja-JP" altLang="en-US" dirty="0" smtClean="0"/>
+              <a:rPr lang="en-US" altLang="ja-JP" smtClean="0"/>
+              <a:t>1.4.1</a:t>
+            </a:r>
+            <a:r>
+              <a:rPr lang="ja-JP" altLang="en-US" smtClean="0"/>
               <a:t>版</a:t>
             </a:r>
             <a:endParaRPr lang="en-US" altLang="ja-JP" dirty="0" smtClean="0"/>
@@ -23839,10 +23839,16 @@
           </a:p>
           <a:p>
             <a:r>
+              <a:rPr lang="en-US" altLang="zh-TW" sz="1400" dirty="0" smtClean="0">
+                <a:latin typeface="+mn-ea"/>
+              </a:rPr>
+              <a:t>    </a:t>
+            </a:r>
+            <a:r>
               <a:rPr lang="en-US" altLang="zh-TW" sz="1400" dirty="0">
                 <a:latin typeface="+mn-ea"/>
               </a:rPr>
-              <a:t>    4.1</a:t>
+              <a:t>4.1</a:t>
             </a:r>
             <a:r>
               <a:rPr lang="zh-TW" altLang="en-US" sz="1400" dirty="0">
@@ -23854,7 +23860,7 @@
               <a:rPr lang="en-US" altLang="zh-TW" sz="1400" dirty="0">
                 <a:latin typeface="+mn-ea"/>
               </a:rPr>
-              <a:t>1/5</a:t>
+              <a:t>1/6</a:t>
             </a:r>
             <a:r>
               <a:rPr lang="zh-TW" altLang="en-US" sz="1400" dirty="0">
@@ -23880,7 +23886,7 @@
               <a:rPr lang="en-US" altLang="zh-TW" sz="1400" dirty="0">
                 <a:latin typeface="+mn-ea"/>
               </a:rPr>
-              <a:t>2/5</a:t>
+              <a:t>2/6</a:t>
             </a:r>
             <a:r>
               <a:rPr lang="zh-TW" altLang="en-US" sz="1400" dirty="0">
@@ -23906,7 +23912,7 @@
               <a:rPr lang="en-US" altLang="zh-TW" sz="1400" dirty="0">
                 <a:latin typeface="+mn-ea"/>
               </a:rPr>
-              <a:t>3/5</a:t>
+              <a:t>3/6</a:t>
             </a:r>
             <a:r>
               <a:rPr lang="zh-TW" altLang="en-US" sz="1400" dirty="0">
@@ -23932,7 +23938,7 @@
               <a:rPr lang="en-US" altLang="zh-TW" sz="1400" dirty="0">
                 <a:latin typeface="+mn-ea"/>
               </a:rPr>
-              <a:t>4/5</a:t>
+              <a:t>4/6</a:t>
             </a:r>
             <a:r>
               <a:rPr lang="zh-TW" altLang="en-US" sz="1400" dirty="0">
@@ -23958,7 +23964,7 @@
               <a:rPr lang="en-US" altLang="zh-TW" sz="1400" dirty="0">
                 <a:latin typeface="+mn-ea"/>
               </a:rPr>
-              <a:t>5/5</a:t>
+              <a:t>5/6</a:t>
             </a:r>
             <a:r>
               <a:rPr lang="zh-TW" altLang="en-US" sz="1400" dirty="0">
@@ -23966,7 +23972,71 @@
               </a:rPr>
               <a:t>）</a:t>
             </a:r>
-            <a:endParaRPr lang="en-US" altLang="ja-JP" sz="1400" dirty="0">
+            <a:endParaRPr lang="en-US" altLang="zh-TW" sz="1400" dirty="0">
+              <a:latin typeface="+mn-ea"/>
+            </a:endParaRPr>
+          </a:p>
+          <a:p>
+            <a:r>
+              <a:rPr lang="en-US" altLang="zh-TW" sz="1400" dirty="0">
+                <a:latin typeface="+mn-ea"/>
+              </a:rPr>
+              <a:t>  </a:t>
+            </a:r>
+            <a:r>
+              <a:rPr lang="ja-JP" altLang="en-US" sz="1400" dirty="0">
+                <a:latin typeface="+mn-ea"/>
+              </a:rPr>
+              <a:t>  </a:t>
+            </a:r>
+            <a:r>
+              <a:rPr lang="en-US" altLang="zh-TW" sz="1400" dirty="0">
+                <a:latin typeface="+mn-ea"/>
+              </a:rPr>
+              <a:t>4.6</a:t>
+            </a:r>
+            <a:r>
+              <a:rPr lang="zh-TW" altLang="en-US" sz="1400" dirty="0">
+                <a:latin typeface="+mn-ea"/>
+              </a:rPr>
+              <a:t>　 動作確認（</a:t>
+            </a:r>
+            <a:r>
+              <a:rPr lang="en-US" altLang="zh-TW" sz="1400" dirty="0">
+                <a:latin typeface="+mn-ea"/>
+              </a:rPr>
+              <a:t>6/6</a:t>
+            </a:r>
+            <a:r>
+              <a:rPr lang="zh-TW" altLang="en-US" sz="1400" dirty="0">
+                <a:latin typeface="+mn-ea"/>
+              </a:rPr>
+              <a:t>）</a:t>
+            </a:r>
+            <a:endParaRPr lang="en-US" altLang="zh-TW" sz="1400" dirty="0">
+              <a:latin typeface="+mn-ea"/>
+            </a:endParaRPr>
+          </a:p>
+          <a:p>
+            <a:r>
+              <a:rPr lang="en-US" altLang="zh-TW" sz="1400" dirty="0">
+                <a:latin typeface="+mn-ea"/>
+              </a:rPr>
+              <a:t>    4.7</a:t>
+            </a:r>
+            <a:r>
+              <a:rPr lang="zh-TW" altLang="en-US" sz="1400" dirty="0">
+                <a:latin typeface="+mn-ea"/>
+              </a:rPr>
+              <a:t>　 </a:t>
+            </a:r>
+            <a:r>
+              <a:rPr lang="ja-JP" altLang="en-US" sz="1400" dirty="0" smtClean="0">
+                <a:latin typeface="+mn-ea"/>
+              </a:rPr>
+              <a:t>参考</a:t>
+            </a:r>
+            <a:endParaRPr lang="en-US" altLang="ja-JP" sz="1400" dirty="0" smtClean="0">
               <a:latin typeface="+mn-ea"/>
             </a:endParaRPr>
           </a:p>
@@ -25614,24 +25684,20 @@
           <a:lstStyle/>
           <a:p>
             <a:r>
-              <a:rPr lang="en-US" altLang="ja-JP" dirty="0"/>
-              <a:t>4</a:t>
-            </a:r>
-            <a:r>
               <a:rPr lang="en-US" altLang="ja-JP" dirty="0" smtClean="0"/>
-              <a:t>.1</a:t>
+              <a:t>4.1</a:t>
             </a:r>
             <a:r>
               <a:rPr lang="ja-JP" altLang="en-US" dirty="0"/>
-              <a:t>　</a:t>
+              <a:t>　動作確認</a:t>
             </a:r>
             <a:r>
               <a:rPr lang="ja-JP" altLang="en-US" dirty="0" smtClean="0"/>
-              <a:t>動作確認（</a:t>
+              <a:t>（</a:t>
             </a:r>
             <a:r>
               <a:rPr lang="en-US" altLang="ja-JP" dirty="0" smtClean="0"/>
-              <a:t>1/5</a:t>
+              <a:t>1/6</a:t>
             </a:r>
             <a:r>
               <a:rPr lang="ja-JP" altLang="en-US" dirty="0" smtClean="0"/>
@@ -25653,16 +25719,14 @@
         </p:nvSpPr>
         <p:spPr/>
         <p:txBody>
-          <a:bodyPr/>
+          <a:bodyPr>
+            <a:normAutofit fontScale="92500" lnSpcReduction="10000"/>
+          </a:bodyPr>
           <a:lstStyle/>
           <a:p>
             <a:r>
-              <a:rPr lang="ja-JP" altLang="en-US" dirty="0" smtClean="0"/>
-              <a:t>メインメニュー</a:t>
-            </a:r>
-            <a:r>
               <a:rPr lang="ja-JP" altLang="en-US" dirty="0"/>
-              <a:t>の表示による確認</a:t>
+              <a:t>メインメニューの表示による確認</a:t>
             </a:r>
           </a:p>
           <a:p>
@@ -25672,143 +25736,98 @@
               <a:t>インストール処理終了後、自端末の</a:t>
             </a:r>
             <a:r>
+              <a:rPr lang="en-US" altLang="ja-JP" dirty="0" err="1"/>
+              <a:t>WindowsPC</a:t>
+            </a:r>
+            <a:r>
+              <a:rPr lang="ja-JP" altLang="en-US" dirty="0"/>
+              <a:t>から下記の手順により、</a:t>
+            </a:r>
+            <a:r>
               <a:rPr lang="en-US" altLang="ja-JP" dirty="0"/>
-              <a:t>WindowsPC</a:t>
+              <a:t>ITA</a:t>
             </a:r>
             <a:r>
               <a:rPr lang="ja-JP" altLang="en-US" dirty="0"/>
-              <a:t>から下記の手順により</a:t>
+              <a:t>システムメインメニューにアクセスし、</a:t>
+            </a:r>
+            <a:r>
+              <a:rPr lang="en-US" altLang="ja-JP" dirty="0"/>
+              <a:t>ITA</a:t>
+            </a:r>
+            <a:r>
+              <a:rPr lang="ja-JP" altLang="en-US" dirty="0"/>
+              <a:t>本体、各ドライバーが正常に表示されたことを確認してください。</a:t>
+            </a:r>
+          </a:p>
+          <a:p>
+            <a:pPr lvl="0"/>
+            <a:endParaRPr lang="en-US" altLang="ja-JP" dirty="0" smtClean="0"/>
+          </a:p>
+          <a:p>
+            <a:pPr lvl="0"/>
+            <a:r>
+              <a:rPr lang="en-US" altLang="ja-JP" dirty="0" smtClean="0"/>
+              <a:t>URL</a:t>
             </a:r>
             <a:r>
               <a:rPr lang="ja-JP" altLang="en-US" dirty="0" smtClean="0"/>
-              <a:t>、</a:t>
+              <a:t>接続</a:t>
+            </a:r>
+            <a:endParaRPr lang="en-US" altLang="ja-JP" dirty="0" smtClean="0"/>
+          </a:p>
+          <a:p>
+            <a:pPr lvl="1"/>
+            <a:r>
+              <a:rPr lang="ja-JP" altLang="en-US" dirty="0" smtClean="0"/>
+              <a:t>以下の</a:t>
             </a:r>
             <a:r>
               <a:rPr lang="en-US" altLang="ja-JP" dirty="0" smtClean="0"/>
-              <a:t>ITA</a:t>
+              <a:t>URL</a:t>
             </a:r>
             <a:r>
               <a:rPr lang="ja-JP" altLang="en-US" dirty="0" smtClean="0"/>
-              <a:t>システムメインメニュー</a:t>
+              <a:t>よ</a:t>
             </a:r>
             <a:r>
               <a:rPr lang="ja-JP" altLang="en-US" dirty="0"/>
-              <a:t>にアクセスし</a:t>
+              <a:t>り</a:t>
             </a:r>
             <a:r>
               <a:rPr lang="ja-JP" altLang="en-US" dirty="0" smtClean="0"/>
-              <a:t>、</a:t>
-            </a:r>
+              <a:t>、ログイン画面にアクセスしてください。</a:t>
+            </a:r>
+            <a:endParaRPr lang="en-US" altLang="ja-JP" dirty="0" smtClean="0"/>
+          </a:p>
+          <a:p>
+            <a:pPr lvl="1"/>
             <a:r>
               <a:rPr lang="en-US" altLang="ja-JP" dirty="0" smtClean="0"/>
-              <a:t>ITA</a:t>
-            </a:r>
-            <a:r>
-              <a:rPr lang="ja-JP" altLang="en-US" dirty="0" smtClean="0"/>
-              <a:t>本体</a:t>
-            </a:r>
-            <a:r>
-              <a:rPr lang="ja-JP" altLang="en-US" dirty="0"/>
-              <a:t>、各ドライバーが正常に表示されたことを確認してください。</a:t>
-            </a:r>
-          </a:p>
-          <a:p>
-            <a:pPr lvl="1"/>
-            <a:endParaRPr lang="ja-JP" altLang="en-US" dirty="0"/>
-          </a:p>
-          <a:p>
-            <a:r>
-              <a:rPr lang="ja-JP" altLang="en-US" dirty="0" smtClean="0"/>
-              <a:t>準備</a:t>
-            </a:r>
-            <a:r>
-              <a:rPr lang="ja-JP" altLang="en-US" dirty="0"/>
-              <a:t>作業</a:t>
-            </a:r>
-          </a:p>
-          <a:p>
-            <a:pPr lvl="1"/>
-            <a:r>
-              <a:rPr lang="ja-JP" altLang="en-US" dirty="0" smtClean="0"/>
-              <a:t>操作</a:t>
-            </a:r>
-            <a:r>
-              <a:rPr lang="ja-JP" altLang="en-US" dirty="0"/>
-              <a:t>端末（</a:t>
-            </a:r>
-            <a:r>
-              <a:rPr lang="en-US" altLang="ja-JP" dirty="0"/>
-              <a:t>Windows</a:t>
-            </a:r>
-            <a:r>
-              <a:rPr lang="ja-JP" altLang="en-US" dirty="0"/>
-              <a:t>）の</a:t>
-            </a:r>
-            <a:r>
-              <a:rPr lang="en-US" altLang="ja-JP" dirty="0"/>
-              <a:t>hosts</a:t>
-            </a:r>
-            <a:r>
-              <a:rPr lang="ja-JP" altLang="en-US" dirty="0"/>
-              <a:t>ファイル</a:t>
-            </a:r>
-            <a:r>
-              <a:rPr lang="ja-JP" altLang="en-US" dirty="0" smtClean="0"/>
-              <a:t>へ</a:t>
-            </a:r>
-            <a:r>
-              <a:rPr lang="en-US" altLang="ja-JP" dirty="0" smtClean="0"/>
-              <a:t>ITA</a:t>
-            </a:r>
-            <a:r>
-              <a:rPr lang="ja-JP" altLang="en-US" dirty="0" smtClean="0"/>
-              <a:t>実装</a:t>
-            </a:r>
-            <a:r>
-              <a:rPr lang="ja-JP" altLang="en-US" dirty="0"/>
-              <a:t>サーバの</a:t>
-            </a:r>
-            <a:r>
-              <a:rPr lang="en-US" altLang="ja-JP" dirty="0"/>
-              <a:t>IP</a:t>
-            </a:r>
-            <a:r>
-              <a:rPr lang="ja-JP" altLang="en-US" dirty="0"/>
-              <a:t>アドレスとホスト名を</a:t>
-            </a:r>
-            <a:r>
-              <a:rPr lang="ja-JP" altLang="en-US" dirty="0" smtClean="0"/>
-              <a:t>設定してください</a:t>
-            </a:r>
-            <a:r>
-              <a:rPr lang="ja-JP" altLang="en-US" dirty="0" smtClean="0"/>
-              <a:t>。</a:t>
-            </a:r>
-            <a:r>
-              <a:rPr lang="en-US" altLang="ja-JP" dirty="0" smtClean="0"/>
-              <a:t/>
-            </a:r>
-            <a:br>
-              <a:rPr lang="en-US" altLang="ja-JP" dirty="0" smtClean="0"/>
-            </a:br>
-            <a:r>
-              <a:rPr lang="en-US" altLang="ja-JP" b="1" dirty="0">
+              <a:t>URL</a:t>
+            </a:r>
+            <a:r>
+              <a:rPr lang="ja-JP" altLang="ja-JP" dirty="0"/>
+              <a:t>：</a:t>
+            </a:r>
+            <a:r>
+              <a:rPr lang="en-US" altLang="ja-JP" b="1" u="sng" dirty="0" smtClean="0">
                 <a:solidFill>
                   <a:srgbClr val="FF0000"/>
                 </a:solidFill>
               </a:rPr>
-              <a:t>※http</a:t>
-            </a:r>
-            <a:r>
-              <a:rPr lang="ja-JP" altLang="en-US" b="1" dirty="0">
+              <a:t>http://</a:t>
+            </a:r>
+            <a:r>
+              <a:rPr lang="ja-JP" altLang="en-US" b="1" u="sng" dirty="0" smtClean="0">
                 <a:solidFill>
                   <a:srgbClr val="FF0000"/>
                 </a:solidFill>
               </a:rPr>
-              <a:t>アクセスを許可して</a:t>
-            </a:r>
-            <a:r>
-              <a:rPr lang="en-US" altLang="ja-JP" b="1" dirty="0">
+              <a:t>（サーバの</a:t>
+            </a:r>
+            <a:r>
+              <a:rPr lang="en-US" altLang="ja-JP" b="1" u="sng" dirty="0" smtClean="0">
                 <a:solidFill>
                   <a:srgbClr val="FF0000"/>
                 </a:solidFill>
@@ -25816,31 +25835,95 @@
               <a:t>IP</a:t>
             </a:r>
             <a:r>
-              <a:rPr lang="ja-JP" altLang="en-US" b="1" dirty="0">
+              <a:rPr lang="ja-JP" altLang="en-US" b="1" u="sng" dirty="0" smtClean="0">
                 <a:solidFill>
                   <a:srgbClr val="FF0000"/>
                 </a:solidFill>
               </a:rPr>
-              <a:t>アドレスでのアクセスを可能にしたり、</a:t>
-            </a:r>
-            <a:r>
-              <a:rPr lang="en-US" altLang="ja-JP" b="1" dirty="0">
+              <a:t>アドレス）</a:t>
+            </a:r>
+            <a:endParaRPr lang="en-US" altLang="ja-JP" b="1" u="sng" dirty="0" smtClean="0">
+              <a:solidFill>
+                <a:srgbClr val="FF0000"/>
+              </a:solidFill>
+            </a:endParaRPr>
+          </a:p>
+          <a:p>
+            <a:pPr marL="180000" lvl="1" indent="0">
+              <a:buNone/>
+            </a:pPr>
+            <a:endParaRPr kumimoji="1" lang="en-US" altLang="ja-JP" dirty="0" smtClean="0"/>
+          </a:p>
+          <a:p>
+            <a:pPr marL="180000" lvl="1" indent="0">
+              <a:buNone/>
+            </a:pPr>
+            <a:r>
+              <a:rPr kumimoji="1" lang="en-US" altLang="ja-JP" dirty="0" smtClean="0">
                 <a:solidFill>
                   <a:srgbClr val="FF0000"/>
                 </a:solidFill>
               </a:rPr>
-              <a:t>DNS</a:t>
-            </a:r>
-            <a:r>
-              <a:rPr lang="ja-JP" altLang="en-US" b="1" dirty="0">
+              <a:t>※</a:t>
+            </a:r>
+            <a:r>
+              <a:rPr lang="ja-JP" altLang="en-US" dirty="0" smtClean="0">
                 <a:solidFill>
                   <a:srgbClr val="FF0000"/>
                 </a:solidFill>
               </a:rPr>
-              <a:t>サーバにホスト名を登録する等の対応を行えば、本作業は不要となります。</a:t>
-            </a:r>
-            <a:r>
-              <a:rPr lang="en-US" altLang="ja-JP" b="1" dirty="0">
+              <a:t>インストール</a:t>
+            </a:r>
+            <a:r>
+              <a:rPr lang="ja-JP" altLang="en-US" dirty="0">
+                <a:solidFill>
+                  <a:srgbClr val="FF0000"/>
+                </a:solidFill>
+              </a:rPr>
+              <a:t>後</a:t>
+            </a:r>
+            <a:r>
+              <a:rPr lang="ja-JP" altLang="en-US" dirty="0" smtClean="0">
+                <a:solidFill>
+                  <a:srgbClr val="FF0000"/>
+                </a:solidFill>
+              </a:rPr>
+              <a:t>は、</a:t>
+            </a:r>
+            <a:r>
+              <a:rPr lang="en-US" altLang="ja-JP" dirty="0" smtClean="0">
+                <a:solidFill>
+                  <a:srgbClr val="FF0000"/>
+                </a:solidFill>
+              </a:rPr>
+              <a:t>HTTP</a:t>
+            </a:r>
+            <a:r>
+              <a:rPr lang="ja-JP" altLang="en-US" dirty="0" smtClean="0">
+                <a:solidFill>
+                  <a:srgbClr val="FF0000"/>
+                </a:solidFill>
+              </a:rPr>
+              <a:t>と</a:t>
+            </a:r>
+            <a:r>
+              <a:rPr lang="en-US" altLang="ja-JP" dirty="0" smtClean="0">
+                <a:solidFill>
+                  <a:srgbClr val="FF0000"/>
+                </a:solidFill>
+              </a:rPr>
+              <a:t>HTTPS</a:t>
+            </a:r>
+            <a:r>
+              <a:rPr lang="ja-JP" altLang="en-US" dirty="0" smtClean="0">
+                <a:solidFill>
+                  <a:srgbClr val="FF0000"/>
+                </a:solidFill>
+              </a:rPr>
+              <a:t>の両方のアクセスが可能です。</a:t>
+            </a:r>
+            <a:r>
+              <a:rPr lang="en-US" altLang="ja-JP" dirty="0" smtClean="0">
                 <a:solidFill>
                   <a:srgbClr val="FF0000"/>
                 </a:solidFill>
@@ -25848,58 +25931,162 @@
               <a:t/>
             </a:r>
             <a:br>
-              <a:rPr lang="en-US" altLang="ja-JP" b="1" dirty="0">
+              <a:rPr lang="en-US" altLang="ja-JP" dirty="0" smtClean="0">
                 <a:solidFill>
                   <a:srgbClr val="FF0000"/>
                 </a:solidFill>
               </a:rPr>
             </a:br>
             <a:r>
-              <a:rPr lang="en-US" altLang="ja-JP" b="1" dirty="0">
+              <a:rPr lang="ja-JP" altLang="en-US" dirty="0" smtClean="0">
                 <a:solidFill>
                   <a:srgbClr val="FF0000"/>
                 </a:solidFill>
               </a:rPr>
-              <a:t>http</a:t>
-            </a:r>
-            <a:r>
-              <a:rPr lang="ja-JP" altLang="en-US" b="1" dirty="0">
+              <a:t>　</a:t>
+            </a:r>
+            <a:r>
+              <a:rPr lang="en-US" altLang="ja-JP" dirty="0" smtClean="0">
                 <a:solidFill>
                   <a:srgbClr val="FF0000"/>
                 </a:solidFill>
               </a:rPr>
-              <a:t>アクセスを許可する手順は</a:t>
-            </a:r>
-            <a:r>
-              <a:rPr lang="en-US" altLang="ja-JP" b="1" dirty="0">
+              <a:t>HTTP</a:t>
+            </a:r>
+            <a:r>
+              <a:rPr lang="ja-JP" altLang="en-US" dirty="0" smtClean="0">
                 <a:solidFill>
                   <a:srgbClr val="FF0000"/>
                 </a:solidFill>
               </a:rPr>
-              <a:t>4.5</a:t>
-            </a:r>
-            <a:r>
-              <a:rPr lang="ja-JP" altLang="en-US" b="1" dirty="0">
+              <a:t>はセキュリティ的に脆弱なので、</a:t>
+            </a:r>
+            <a:r>
+              <a:rPr lang="en-US" altLang="ja-JP" dirty="0" smtClean="0">
                 <a:solidFill>
                   <a:srgbClr val="FF0000"/>
                 </a:solidFill>
               </a:rPr>
-              <a:t>章を確認してください。</a:t>
-            </a:r>
-            <a:r>
-              <a:rPr lang="en-US" altLang="ja-JP" dirty="0"/>
+              <a:t>HTTPS</a:t>
+            </a:r>
+            <a:r>
+              <a:rPr lang="ja-JP" altLang="en-US" dirty="0" smtClean="0">
+                <a:solidFill>
+                  <a:srgbClr val="FF0000"/>
+                </a:solidFill>
+              </a:rPr>
+              <a:t>で</a:t>
+            </a:r>
+            <a:r>
+              <a:rPr lang="ja-JP" altLang="en-US" dirty="0">
+                <a:solidFill>
+                  <a:srgbClr val="FF0000"/>
+                </a:solidFill>
+              </a:rPr>
+              <a:t>の</a:t>
+            </a:r>
+            <a:r>
+              <a:rPr lang="ja-JP" altLang="en-US" dirty="0" smtClean="0">
+                <a:solidFill>
+                  <a:srgbClr val="FF0000"/>
+                </a:solidFill>
+              </a:rPr>
+              <a:t>アクセスを推奨します。</a:t>
+            </a:r>
+            <a:r>
+              <a:rPr lang="en-US" altLang="ja-JP" dirty="0" smtClean="0">
+                <a:solidFill>
+                  <a:srgbClr val="FF0000"/>
+                </a:solidFill>
+              </a:rPr>
               <a:t/>
             </a:r>
             <a:br>
-              <a:rPr lang="en-US" altLang="ja-JP" dirty="0"/>
+              <a:rPr lang="en-US" altLang="ja-JP" dirty="0" smtClean="0">
+                <a:solidFill>
+                  <a:srgbClr val="FF0000"/>
+                </a:solidFill>
+              </a:rPr>
             </a:br>
+            <a:r>
+              <a:rPr lang="ja-JP" altLang="en-US" dirty="0" smtClean="0">
+                <a:solidFill>
+                  <a:srgbClr val="FF0000"/>
+                </a:solidFill>
+              </a:rPr>
+              <a:t>　</a:t>
+            </a:r>
+            <a:r>
+              <a:rPr kumimoji="1" lang="en-US" altLang="ja-JP" dirty="0" smtClean="0">
+                <a:solidFill>
+                  <a:srgbClr val="FF0000"/>
+                </a:solidFill>
+              </a:rPr>
+              <a:t>HTTPS</a:t>
+            </a:r>
+            <a:r>
+              <a:rPr kumimoji="1" lang="ja-JP" altLang="en-US" dirty="0" smtClean="0">
+                <a:solidFill>
+                  <a:srgbClr val="FF0000"/>
+                </a:solidFill>
+              </a:rPr>
+              <a:t>でのアクセス方法は、動作確認（</a:t>
+            </a:r>
+            <a:r>
+              <a:rPr kumimoji="1" lang="en-US" altLang="ja-JP" dirty="0" smtClean="0">
+                <a:solidFill>
+                  <a:srgbClr val="FF0000"/>
+                </a:solidFill>
+              </a:rPr>
+              <a:t>4/6</a:t>
+            </a:r>
+            <a:r>
+              <a:rPr kumimoji="1" lang="ja-JP" altLang="en-US" dirty="0" smtClean="0">
+                <a:solidFill>
+                  <a:srgbClr val="FF0000"/>
+                </a:solidFill>
+              </a:rPr>
+              <a:t>）</a:t>
+            </a:r>
+            <a:r>
+              <a:rPr lang="ja-JP" altLang="en-US" dirty="0">
+                <a:solidFill>
+                  <a:srgbClr val="FF0000"/>
+                </a:solidFill>
+              </a:rPr>
+              <a:t>以降</a:t>
+            </a:r>
+            <a:r>
+              <a:rPr kumimoji="1" lang="ja-JP" altLang="en-US" dirty="0" smtClean="0">
+                <a:solidFill>
+                  <a:srgbClr val="FF0000"/>
+                </a:solidFill>
+              </a:rPr>
+              <a:t>を確認してください。</a:t>
+            </a:r>
+            <a:endParaRPr kumimoji="1" lang="en-US" altLang="ja-JP" dirty="0" smtClean="0">
+              <a:solidFill>
+                <a:srgbClr val="FF0000"/>
+              </a:solidFill>
+            </a:endParaRPr>
+          </a:p>
+          <a:p>
+            <a:pPr lvl="1"/>
             <a:endParaRPr lang="en-US" altLang="ja-JP" dirty="0"/>
           </a:p>
           <a:p>
+            <a:pPr lvl="0"/>
+            <a:r>
+              <a:rPr lang="ja-JP" altLang="en-US" dirty="0" smtClean="0"/>
+              <a:t>ログイン</a:t>
+            </a:r>
+            <a:endParaRPr lang="en-US" altLang="ja-JP" dirty="0" smtClean="0"/>
+          </a:p>
+          <a:p>
             <a:pPr lvl="1"/>
             <a:r>
               <a:rPr lang="en-US" altLang="ja-JP" dirty="0" smtClean="0"/>
-              <a:t>Windows10</a:t>
+              <a:t>ITA</a:t>
             </a:r>
             <a:r>
               <a:rPr lang="ja-JP" altLang="ja-JP" dirty="0" smtClean="0"/>
@@ -25907,323 +26094,124 @@
             </a:r>
             <a:r>
               <a:rPr lang="ja-JP" altLang="ja-JP" dirty="0"/>
-              <a:t>場合、以下の</a:t>
+              <a:t>ログイン画面が表示</a:t>
+            </a:r>
+            <a:r>
+              <a:rPr lang="ja-JP" altLang="ja-JP" dirty="0" smtClean="0"/>
+              <a:t>されたら</a:t>
+            </a:r>
+            <a:r>
+              <a:rPr lang="ja-JP" altLang="ja-JP" dirty="0"/>
+              <a:t>、指定のログイン</a:t>
             </a:r>
             <a:r>
               <a:rPr lang="en-US" altLang="ja-JP" dirty="0"/>
-              <a:t>hosts</a:t>
+              <a:t>ID</a:t>
             </a:r>
             <a:r>
               <a:rPr lang="ja-JP" altLang="ja-JP" dirty="0"/>
-              <a:t>ファイルとなります</a:t>
+              <a:t>、初期パスワードを入力</a:t>
             </a:r>
             <a:r>
               <a:rPr lang="ja-JP" altLang="ja-JP" dirty="0" smtClean="0"/>
-              <a:t>。</a:t>
-            </a:r>
-            <a:endParaRPr lang="en-US" altLang="ja-JP" dirty="0" smtClean="0"/>
+              <a:t>して、</a:t>
+            </a:r>
+            <a:r>
+              <a:rPr lang="en-US" altLang="ja-JP" dirty="0" smtClean="0"/>
+              <a:t>[</a:t>
+            </a:r>
+            <a:r>
+              <a:rPr lang="ja-JP" altLang="ja-JP" dirty="0" smtClean="0"/>
+              <a:t>ログイン</a:t>
+            </a:r>
+            <a:r>
+              <a:rPr lang="en-US" altLang="ja-JP" dirty="0" smtClean="0"/>
+              <a:t>]</a:t>
+            </a:r>
+            <a:r>
+              <a:rPr lang="ja-JP" altLang="ja-JP" dirty="0" smtClean="0"/>
+              <a:t>ボタンをクリックしてください。</a:t>
+            </a:r>
+          </a:p>
+          <a:p>
+            <a:pPr marL="180000" lvl="1" indent="0">
+              <a:buNone/>
+            </a:pPr>
+            <a:r>
+              <a:rPr lang="ja-JP" altLang="ja-JP" dirty="0"/>
+              <a:t>　　・ログイン</a:t>
+            </a:r>
+            <a:r>
+              <a:rPr lang="en-US" altLang="ja-JP" dirty="0"/>
+              <a:t>ID</a:t>
+            </a:r>
+            <a:r>
+              <a:rPr lang="ja-JP" altLang="ja-JP" dirty="0"/>
+              <a:t>　　</a:t>
+            </a:r>
+            <a:r>
+              <a:rPr lang="ja-JP" altLang="ja-JP" dirty="0" smtClean="0"/>
+              <a:t>：</a:t>
+            </a:r>
+            <a:r>
+              <a:rPr lang="ja-JP" altLang="en-US" dirty="0" smtClean="0"/>
+              <a:t> </a:t>
+            </a:r>
+            <a:r>
+              <a:rPr lang="en-US" altLang="ja-JP" dirty="0" smtClean="0"/>
+              <a:t>administrator</a:t>
+            </a:r>
+            <a:endParaRPr lang="ja-JP" altLang="ja-JP" dirty="0"/>
+          </a:p>
+          <a:p>
+            <a:pPr marL="180000" lvl="1" indent="0">
+              <a:buNone/>
+            </a:pPr>
+            <a:r>
+              <a:rPr lang="ja-JP" altLang="ja-JP" dirty="0"/>
+              <a:t>　　・初期パスワード ： </a:t>
+            </a:r>
+            <a:r>
+              <a:rPr lang="en-US" altLang="ja-JP" dirty="0" smtClean="0"/>
+              <a:t>password</a:t>
+            </a:r>
+          </a:p>
+          <a:p>
+            <a:pPr marL="180000" lvl="1" indent="0">
+              <a:buNone/>
+            </a:pPr>
+            <a:endParaRPr lang="ja-JP" altLang="ja-JP" dirty="0"/>
           </a:p>
           <a:p>
             <a:pPr lvl="1"/>
-            <a:endParaRPr lang="en-US" altLang="ja-JP" dirty="0" smtClean="0"/>
+            <a:r>
+              <a:rPr lang="ja-JP" altLang="ja-JP" dirty="0" smtClean="0"/>
+              <a:t>インストール後</a:t>
+            </a:r>
+            <a:r>
+              <a:rPr lang="ja-JP" altLang="ja-JP" dirty="0"/>
+              <a:t>に初めてログインした場合は、「パスワード変更画面」に遷移します。</a:t>
+            </a:r>
           </a:p>
           <a:p>
             <a:pPr lvl="1"/>
-            <a:endParaRPr lang="en-US" altLang="ja-JP" dirty="0"/>
-          </a:p>
-          <a:p>
-            <a:pPr lvl="1"/>
-            <a:r>
-              <a:rPr lang="en-US" altLang="ja-JP" dirty="0"/>
-              <a:t>hosts</a:t>
-            </a:r>
             <a:r>
               <a:rPr lang="ja-JP" altLang="ja-JP" dirty="0"/>
-              <a:t>ファイルに以下の設定を追加してください。</a:t>
-            </a:r>
-            <a:endParaRPr lang="ja-JP" altLang="en-US" dirty="0"/>
-          </a:p>
-          <a:p>
-            <a:pPr lvl="1"/>
-            <a:endParaRPr kumimoji="1" lang="ja-JP" altLang="en-US" dirty="0"/>
+              <a:t>パスワード変更画面から、初期パスワードを変更してください。</a:t>
+            </a:r>
+          </a:p>
+          <a:p>
+            <a:pPr marL="180000" lvl="1" indent="0">
+              <a:buNone/>
+            </a:pPr>
+            <a:endParaRPr kumimoji="1" lang="en-US" altLang="ja-JP" dirty="0" smtClean="0"/>
           </a:p>
         </p:txBody>
       </p:sp>
-      <p:graphicFrame>
-        <p:nvGraphicFramePr>
-          <p:cNvPr id="6" name="表 5"/>
-          <p:cNvGraphicFramePr>
-            <a:graphicFrameLocks noGrp="1"/>
-          </p:cNvGraphicFramePr>
-          <p:nvPr>
-            <p:extLst>
-              <p:ext uri="{D42A27DB-BD31-4B8C-83A1-F6EECF244321}">
-                <p14:modId xmlns:p14="http://schemas.microsoft.com/office/powerpoint/2010/main" val="1564350468"/>
-              </p:ext>
-            </p:extLst>
-          </p:nvPr>
-        </p:nvGraphicFramePr>
-        <p:xfrm>
-          <a:off x="1829118" y="4509150"/>
-          <a:ext cx="5485765" cy="316230"/>
-        </p:xfrm>
-        <a:graphic>
-          <a:graphicData uri="http://schemas.openxmlformats.org/drawingml/2006/table">
-            <a:tbl>
-              <a:tblPr firstRow="1" firstCol="1" bandRow="1">
-                <a:tableStyleId>{5C22544A-7EE6-4342-B048-85BDC9FD1C3A}</a:tableStyleId>
-              </a:tblPr>
-              <a:tblGrid>
-                <a:gridCol w="5485765">
-                  <a:extLst>
-                    <a:ext uri="{9D8B030D-6E8A-4147-A177-3AD203B41FA5}">
-                      <a16:colId xmlns:a16="http://schemas.microsoft.com/office/drawing/2014/main" val="20000"/>
-                    </a:ext>
-                  </a:extLst>
-                </a:gridCol>
-              </a:tblGrid>
-              <a:tr h="316230">
-                <a:tc>
-                  <a:txBody>
-                    <a:bodyPr/>
-                    <a:lstStyle/>
-                    <a:p>
-                      <a:pPr algn="just">
-                        <a:spcAft>
-                          <a:spcPts val="0"/>
-                        </a:spcAft>
-                      </a:pPr>
-                      <a:r>
-                        <a:rPr lang="en-US" sz="1050" kern="100" dirty="0">
-                          <a:effectLst/>
-                        </a:rPr>
-                        <a:t>C:\Windows\System32\drivers\etc\hosts</a:t>
-                      </a:r>
-                      <a:endParaRPr lang="ja-JP" sz="1050" kern="100" dirty="0">
-                        <a:effectLst/>
-                        <a:latin typeface="Century" panose="02040604050505020304" pitchFamily="18" charset="0"/>
-                        <a:ea typeface="ＭＳ 明朝" panose="02020609040205080304" pitchFamily="17" charset="-128"/>
-                        <a:cs typeface="Times New Roman" panose="02020603050405020304" pitchFamily="18" charset="0"/>
-                      </a:endParaRPr>
-                    </a:p>
-                  </a:txBody>
-                  <a:tcPr marL="68580" marR="68580" marT="0" marB="0" anchor="ctr">
-                    <a:solidFill>
-                      <a:srgbClr val="002B62"/>
-                    </a:solidFill>
-                  </a:tcPr>
-                </a:tc>
-                <a:extLst>
-                  <a:ext uri="{0D108BD9-81ED-4DB2-BD59-A6C34878D82A}">
-                    <a16:rowId xmlns:a16="http://schemas.microsoft.com/office/drawing/2014/main" val="10000"/>
-                  </a:ext>
-                </a:extLst>
-              </a:tr>
-            </a:tbl>
-          </a:graphicData>
-        </a:graphic>
-      </p:graphicFrame>
-      <p:graphicFrame>
-        <p:nvGraphicFramePr>
-          <p:cNvPr id="7" name="表 6"/>
-          <p:cNvGraphicFramePr>
-            <a:graphicFrameLocks noGrp="1"/>
-          </p:cNvGraphicFramePr>
-          <p:nvPr>
-            <p:extLst>
-              <p:ext uri="{D42A27DB-BD31-4B8C-83A1-F6EECF244321}">
-                <p14:modId xmlns:p14="http://schemas.microsoft.com/office/powerpoint/2010/main" val="2719931173"/>
-              </p:ext>
-            </p:extLst>
-          </p:nvPr>
-        </p:nvGraphicFramePr>
-        <p:xfrm>
-          <a:off x="1828630" y="5469286"/>
-          <a:ext cx="5485765" cy="936130"/>
-        </p:xfrm>
-        <a:graphic>
-          <a:graphicData uri="http://schemas.openxmlformats.org/drawingml/2006/table">
-            <a:tbl>
-              <a:tblPr firstRow="1" firstCol="1" bandRow="1">
-                <a:tableStyleId>{5C22544A-7EE6-4342-B048-85BDC9FD1C3A}</a:tableStyleId>
-              </a:tblPr>
-              <a:tblGrid>
-                <a:gridCol w="5485765">
-                  <a:extLst>
-                    <a:ext uri="{9D8B030D-6E8A-4147-A177-3AD203B41FA5}">
-                      <a16:colId xmlns:a16="http://schemas.microsoft.com/office/drawing/2014/main" val="20000"/>
-                    </a:ext>
-                  </a:extLst>
-                </a:gridCol>
-              </a:tblGrid>
-              <a:tr h="936130">
-                <a:tc>
-                  <a:txBody>
-                    <a:bodyPr/>
-                    <a:lstStyle/>
-                    <a:p>
-                      <a:pPr algn="l">
-                        <a:spcAft>
-                          <a:spcPts val="0"/>
-                        </a:spcAft>
-                      </a:pPr>
-                      <a:r>
-                        <a:rPr lang="en-US" sz="1050" kern="100" dirty="0" smtClean="0">
-                          <a:effectLst/>
-                        </a:rPr>
-                        <a:t>“ITA</a:t>
-                      </a:r>
-                      <a:r>
-                        <a:rPr lang="ja-JP" sz="1050" kern="100" dirty="0" smtClean="0">
-                          <a:effectLst/>
-                        </a:rPr>
-                        <a:t>実装</a:t>
-                      </a:r>
-                      <a:r>
-                        <a:rPr lang="ja-JP" sz="1050" kern="100" dirty="0">
-                          <a:effectLst/>
-                        </a:rPr>
-                        <a:t>サーバの</a:t>
-                      </a:r>
-                      <a:r>
-                        <a:rPr lang="en-US" sz="1050" kern="100" dirty="0">
-                          <a:effectLst/>
-                        </a:rPr>
-                        <a:t>IP</a:t>
-                      </a:r>
-                      <a:r>
-                        <a:rPr lang="ja-JP" sz="1050" kern="100" dirty="0">
-                          <a:effectLst/>
-                        </a:rPr>
-                        <a:t>アドレス</a:t>
-                      </a:r>
-                      <a:r>
-                        <a:rPr lang="en-US" sz="1050" kern="100" dirty="0">
-                          <a:effectLst/>
-                        </a:rPr>
-                        <a:t>”</a:t>
-                      </a:r>
-                      <a:r>
-                        <a:rPr lang="ja-JP" sz="1050" kern="100" dirty="0">
-                          <a:effectLst/>
-                        </a:rPr>
-                        <a:t>　</a:t>
-                      </a:r>
-                      <a:r>
-                        <a:rPr lang="ja-JP" sz="1050" kern="0" dirty="0">
-                          <a:effectLst/>
-                        </a:rPr>
-                        <a:t> </a:t>
-                      </a:r>
-                      <a:r>
-                        <a:rPr lang="en-US" altLang="ja-JP" sz="1050" kern="0" dirty="0" smtClean="0">
-                          <a:effectLst/>
-                        </a:rPr>
-                        <a:t>exastro</a:t>
-                      </a:r>
-                      <a:r>
-                        <a:rPr lang="en-US" sz="1050" kern="0" dirty="0" smtClean="0">
-                          <a:effectLst/>
-                        </a:rPr>
-                        <a:t>-it-automation</a:t>
-                      </a:r>
-                      <a:r>
-                        <a:rPr lang="en-US" sz="1050" kern="0" dirty="0">
-                          <a:effectLst/>
-                        </a:rPr>
-                        <a:t/>
-                      </a:r>
-                      <a:br>
-                        <a:rPr lang="en-US" sz="1050" kern="0" dirty="0">
-                          <a:effectLst/>
-                        </a:rPr>
-                      </a:br>
-                      <a:r>
-                        <a:rPr lang="en-US" sz="1050" kern="0" dirty="0" smtClean="0">
-                          <a:effectLst/>
-                        </a:rPr>
-                        <a:t/>
-                      </a:r>
-                      <a:br>
-                        <a:rPr lang="en-US" sz="1050" kern="0" dirty="0" smtClean="0">
-                          <a:effectLst/>
-                        </a:rPr>
-                      </a:br>
-                      <a:r>
-                        <a:rPr lang="ja-JP" sz="1050" kern="0" dirty="0" smtClean="0">
-                          <a:effectLst/>
-                        </a:rPr>
-                        <a:t>例</a:t>
-                      </a:r>
-                      <a:r>
-                        <a:rPr lang="ja-JP" altLang="en-US" sz="1050" kern="0" dirty="0" smtClean="0">
-                          <a:effectLst/>
-                        </a:rPr>
-                        <a:t>）</a:t>
-                      </a:r>
-                      <a:r>
-                        <a:rPr lang="en-US" sz="1050" kern="0" dirty="0" smtClean="0">
-                          <a:effectLst/>
-                        </a:rPr>
-                        <a:t/>
-                      </a:r>
-                      <a:br>
-                        <a:rPr lang="en-US" sz="1050" kern="0" dirty="0" smtClean="0">
-                          <a:effectLst/>
-                        </a:rPr>
-                      </a:br>
-                      <a:r>
-                        <a:rPr lang="en-US" sz="1050" kern="0" dirty="0" smtClean="0">
-                          <a:effectLst/>
-                        </a:rPr>
-                        <a:t>192.168.0.3 </a:t>
-                      </a:r>
-                      <a:r>
-                        <a:rPr lang="ja-JP" sz="1050" kern="0" dirty="0">
-                          <a:effectLst/>
-                        </a:rPr>
-                        <a:t>　</a:t>
-                      </a:r>
-                      <a:r>
-                        <a:rPr lang="en-US" altLang="ja-JP" sz="1050" kern="0" dirty="0" smtClean="0">
-                          <a:effectLst/>
-                        </a:rPr>
-                        <a:t>e</a:t>
-                      </a:r>
-                      <a:r>
-                        <a:rPr lang="en-US" sz="1050" kern="0" dirty="0" smtClean="0">
-                          <a:effectLst/>
-                        </a:rPr>
-                        <a:t>xastro-it-automation</a:t>
-                      </a:r>
-                      <a:endParaRPr lang="ja-JP" sz="1050" kern="100" dirty="0">
-                        <a:effectLst/>
-                        <a:latin typeface="Century" panose="02040604050505020304" pitchFamily="18" charset="0"/>
-                        <a:ea typeface="ＭＳ 明朝" panose="02020609040205080304" pitchFamily="17" charset="-128"/>
-                        <a:cs typeface="Times New Roman" panose="02020603050405020304" pitchFamily="18" charset="0"/>
-                      </a:endParaRPr>
-                    </a:p>
-                  </a:txBody>
-                  <a:tcPr marL="68580" marR="68580" marT="0" marB="0" anchor="ctr">
-                    <a:solidFill>
-                      <a:srgbClr val="002B62"/>
-                    </a:solidFill>
-                  </a:tcPr>
-                </a:tc>
-                <a:extLst>
-                  <a:ext uri="{0D108BD9-81ED-4DB2-BD59-A6C34878D82A}">
-                    <a16:rowId xmlns:a16="http://schemas.microsoft.com/office/drawing/2014/main" val="10000"/>
-                  </a:ext>
-                </a:extLst>
-              </a:tr>
-            </a:tbl>
-          </a:graphicData>
-        </a:graphic>
-      </p:graphicFrame>
     </p:spTree>
     <p:extLst>
       <p:ext uri="{BB962C8B-B14F-4D97-AF65-F5344CB8AC3E}">
-        <p14:creationId xmlns:p14="http://schemas.microsoft.com/office/powerpoint/2010/main" val="1562393222"/>
+        <p14:creationId xmlns:p14="http://schemas.microsoft.com/office/powerpoint/2010/main" val="1507867604"/>
       </p:ext>
     </p:extLst>
   </p:cSld>
@@ -26257,1387 +26245,9 @@
           <a:chExt cx="0" cy="0"/>
         </a:xfrm>
       </p:grpSpPr>
-      <p:sp>
-        <p:nvSpPr>
-          <p:cNvPr id="2" name="タイトル 1"/>
-          <p:cNvSpPr>
-            <a:spLocks noGrp="1"/>
-          </p:cNvSpPr>
-          <p:nvPr>
-            <p:ph type="title"/>
-          </p:nvPr>
-        </p:nvSpPr>
-        <p:spPr/>
-        <p:txBody>
-          <a:bodyPr/>
-          <a:lstStyle/>
-          <a:p>
-            <a:r>
-              <a:rPr lang="en-US" altLang="ja-JP" dirty="0" smtClean="0"/>
-              <a:t>4.2</a:t>
-            </a:r>
-            <a:r>
-              <a:rPr lang="ja-JP" altLang="en-US" dirty="0"/>
-              <a:t>　動作確認</a:t>
-            </a:r>
-            <a:r>
-              <a:rPr lang="ja-JP" altLang="en-US" dirty="0" smtClean="0"/>
-              <a:t>（</a:t>
-            </a:r>
-            <a:r>
-              <a:rPr lang="en-US" altLang="ja-JP" dirty="0" smtClean="0"/>
-              <a:t>2/5</a:t>
-            </a:r>
-            <a:r>
-              <a:rPr lang="ja-JP" altLang="en-US" dirty="0"/>
-              <a:t>）</a:t>
-            </a:r>
-            <a:endParaRPr kumimoji="1" lang="ja-JP" altLang="en-US" dirty="0"/>
-          </a:p>
-        </p:txBody>
-      </p:sp>
-      <p:sp>
-        <p:nvSpPr>
-          <p:cNvPr id="3" name="コンテンツ プレースホルダー 2"/>
-          <p:cNvSpPr>
-            <a:spLocks noGrp="1"/>
-          </p:cNvSpPr>
-          <p:nvPr>
-            <p:ph sz="quarter" idx="10"/>
-          </p:nvPr>
-        </p:nvSpPr>
-        <p:spPr>
-          <a:xfrm>
-            <a:off x="179512" y="836712"/>
-            <a:ext cx="8964488" cy="5616476"/>
-          </a:xfrm>
-        </p:spPr>
-        <p:txBody>
-          <a:bodyPr>
-            <a:normAutofit fontScale="92500" lnSpcReduction="10000"/>
-          </a:bodyPr>
-          <a:lstStyle/>
-          <a:p>
-            <a:r>
-              <a:rPr lang="ja-JP" altLang="ja-JP" dirty="0"/>
-              <a:t>操作端末（</a:t>
-            </a:r>
-            <a:r>
-              <a:rPr lang="en-US" altLang="ja-JP" dirty="0"/>
-              <a:t>Windows</a:t>
-            </a:r>
-            <a:r>
-              <a:rPr lang="ja-JP" altLang="ja-JP" dirty="0" smtClean="0"/>
-              <a:t>）</a:t>
-            </a:r>
-            <a:r>
-              <a:rPr lang="ja-JP" altLang="en-US" dirty="0" smtClean="0"/>
-              <a:t>への</a:t>
-            </a:r>
-            <a:r>
-              <a:rPr lang="ja-JP" altLang="ja-JP" dirty="0" smtClean="0"/>
-              <a:t>証明書インポート</a:t>
-            </a:r>
-            <a:endParaRPr lang="en-US" altLang="ja-JP" dirty="0" smtClean="0"/>
-          </a:p>
-          <a:p>
-            <a:pPr lvl="1"/>
-            <a:r>
-              <a:rPr lang="ja-JP" altLang="ja-JP" dirty="0"/>
-              <a:t>証明書</a:t>
-            </a:r>
-            <a:r>
-              <a:rPr lang="ja-JP" altLang="ja-JP" dirty="0" smtClean="0"/>
-              <a:t>は</a:t>
-            </a:r>
-            <a:r>
-              <a:rPr lang="en-US" altLang="ja-JP" dirty="0" smtClean="0"/>
-              <a:t>ITA</a:t>
-            </a:r>
-            <a:r>
-              <a:rPr lang="ja-JP" altLang="ja-JP" dirty="0" smtClean="0"/>
-              <a:t>インストールパッケージ</a:t>
-            </a:r>
-            <a:r>
-              <a:rPr lang="ja-JP" altLang="ja-JP" dirty="0"/>
-              <a:t>の以下のパスに格納されています。</a:t>
-            </a:r>
-          </a:p>
-          <a:p>
-            <a:pPr lvl="1"/>
-            <a:r>
-              <a:rPr lang="en-US" altLang="ja-JP" dirty="0" smtClean="0"/>
-              <a:t>FFFTP </a:t>
-            </a:r>
-            <a:r>
-              <a:rPr lang="ja-JP" altLang="ja-JP" dirty="0"/>
-              <a:t>、</a:t>
-            </a:r>
-            <a:r>
-              <a:rPr lang="en-US" altLang="ja-JP" dirty="0"/>
-              <a:t>WinSCP</a:t>
-            </a:r>
-            <a:r>
-              <a:rPr lang="ja-JP" altLang="ja-JP" dirty="0"/>
-              <a:t>などのツールを利用し操作端末にダウンロードします。</a:t>
-            </a:r>
-          </a:p>
-          <a:p>
-            <a:pPr marL="180000" lvl="1" indent="0">
-              <a:buNone/>
-            </a:pPr>
-            <a:endParaRPr lang="en-US" altLang="ja-JP" dirty="0" smtClean="0"/>
-          </a:p>
-          <a:p>
-            <a:pPr marL="180000" lvl="1" indent="0">
-              <a:buNone/>
-            </a:pPr>
-            <a:endParaRPr lang="en-US" altLang="ja-JP" dirty="0"/>
-          </a:p>
-          <a:p>
-            <a:pPr marL="180000" lvl="1" indent="0">
-              <a:buNone/>
-            </a:pPr>
-            <a:endParaRPr lang="en-US" altLang="ja-JP" dirty="0" smtClean="0"/>
-          </a:p>
-          <a:p>
-            <a:pPr marL="180000" lvl="1" indent="0">
-              <a:buNone/>
-            </a:pPr>
-            <a:endParaRPr lang="en-US" altLang="ja-JP" dirty="0" smtClean="0"/>
-          </a:p>
-          <a:p>
-            <a:pPr marL="180000" lvl="1" indent="0">
-              <a:buNone/>
-            </a:pPr>
-            <a:endParaRPr lang="en-US" altLang="ja-JP" dirty="0"/>
-          </a:p>
-          <a:p>
-            <a:pPr lvl="1"/>
-            <a:r>
-              <a:rPr lang="en-US" altLang="ja-JP" dirty="0"/>
-              <a:t>Web</a:t>
-            </a:r>
-            <a:r>
-              <a:rPr lang="ja-JP" altLang="ja-JP" dirty="0"/>
-              <a:t>ブラウザに証明書のインポートをしてください。</a:t>
-            </a:r>
-          </a:p>
-          <a:p>
-            <a:pPr lvl="1"/>
-            <a:r>
-              <a:rPr lang="en-US" altLang="ja-JP" dirty="0" smtClean="0"/>
-              <a:t>Google Chrome</a:t>
-            </a:r>
-            <a:r>
-              <a:rPr lang="ja-JP" altLang="ja-JP" dirty="0" smtClean="0"/>
-              <a:t>に</a:t>
-            </a:r>
-            <a:r>
-              <a:rPr lang="ja-JP" altLang="ja-JP" dirty="0"/>
-              <a:t>インポートする</a:t>
-            </a:r>
-            <a:r>
-              <a:rPr lang="ja-JP" altLang="ja-JP" dirty="0" smtClean="0"/>
-              <a:t>手順</a:t>
-            </a:r>
-            <a:r>
-              <a:rPr lang="ja-JP" altLang="en-US" dirty="0"/>
-              <a:t>を</a:t>
-            </a:r>
-            <a:r>
-              <a:rPr lang="ja-JP" altLang="ja-JP" dirty="0" smtClean="0"/>
-              <a:t>以下</a:t>
-            </a:r>
-            <a:r>
-              <a:rPr lang="ja-JP" altLang="en-US" dirty="0" smtClean="0"/>
-              <a:t>に示します。</a:t>
-            </a:r>
-            <a:endParaRPr lang="en-US" altLang="ja-JP" dirty="0" smtClean="0"/>
-          </a:p>
-          <a:p>
-            <a:pPr marL="180000" lvl="1" indent="0">
-              <a:buNone/>
-            </a:pPr>
-            <a:endParaRPr lang="en-US" altLang="ja-JP" dirty="0" smtClean="0"/>
-          </a:p>
-          <a:p>
-            <a:pPr marL="180000" lvl="1" indent="0">
-              <a:buNone/>
-            </a:pPr>
-            <a:r>
-              <a:rPr lang="ja-JP" altLang="en-US" dirty="0" smtClean="0"/>
-              <a:t>　①　</a:t>
-            </a:r>
-            <a:r>
-              <a:rPr lang="en-US" altLang="ja-JP" dirty="0" smtClean="0"/>
-              <a:t>Google </a:t>
-            </a:r>
-            <a:r>
-              <a:rPr lang="en-US" altLang="ja-JP" dirty="0"/>
-              <a:t>Chrome</a:t>
-            </a:r>
-            <a:r>
-              <a:rPr lang="ja-JP" altLang="en-US" dirty="0"/>
-              <a:t>を起動し、右上の</a:t>
-            </a:r>
-            <a:r>
-              <a:rPr lang="en-US" altLang="ja-JP" dirty="0"/>
-              <a:t>[</a:t>
-            </a:r>
-            <a:r>
-              <a:rPr lang="ja-JP" altLang="en-US" dirty="0"/>
-              <a:t>設定</a:t>
-            </a:r>
-            <a:r>
-              <a:rPr lang="en-US" altLang="ja-JP" dirty="0"/>
-              <a:t>]</a:t>
-            </a:r>
-            <a:r>
-              <a:rPr lang="ja-JP" altLang="en-US" dirty="0"/>
-              <a:t>ボタンから</a:t>
-            </a:r>
-            <a:r>
-              <a:rPr lang="en-US" altLang="ja-JP" dirty="0"/>
-              <a:t>[</a:t>
-            </a:r>
-            <a:r>
-              <a:rPr lang="ja-JP" altLang="en-US" dirty="0"/>
-              <a:t>設定</a:t>
-            </a:r>
-            <a:r>
-              <a:rPr lang="en-US" altLang="ja-JP" dirty="0"/>
-              <a:t>(S)]</a:t>
-            </a:r>
-            <a:r>
-              <a:rPr lang="ja-JP" altLang="en-US" dirty="0"/>
-              <a:t>へ進みます</a:t>
-            </a:r>
-            <a:r>
-              <a:rPr lang="ja-JP" altLang="en-US" dirty="0" smtClean="0"/>
-              <a:t>。</a:t>
-            </a:r>
-            <a:endParaRPr lang="en-US" altLang="ja-JP" dirty="0" smtClean="0"/>
-          </a:p>
-          <a:p>
-            <a:pPr marL="180000" lvl="1" indent="0">
-              <a:buNone/>
-            </a:pPr>
-            <a:r>
-              <a:rPr lang="ja-JP" altLang="en-US" dirty="0"/>
-              <a:t>　②　画面下部の</a:t>
-            </a:r>
-            <a:r>
-              <a:rPr lang="en-US" altLang="ja-JP" dirty="0"/>
-              <a:t>[</a:t>
-            </a:r>
-            <a:r>
-              <a:rPr lang="ja-JP" altLang="en-US" dirty="0"/>
-              <a:t>詳細設定</a:t>
-            </a:r>
-            <a:r>
-              <a:rPr lang="en-US" altLang="ja-JP" dirty="0"/>
-              <a:t>]</a:t>
-            </a:r>
-            <a:r>
-              <a:rPr lang="ja-JP" altLang="en-US" dirty="0"/>
-              <a:t>をクリック後、表示される項目から</a:t>
-            </a:r>
-            <a:r>
-              <a:rPr lang="en-US" altLang="ja-JP" dirty="0"/>
-              <a:t>[</a:t>
-            </a:r>
-            <a:r>
-              <a:rPr lang="ja-JP" altLang="en-US" dirty="0"/>
-              <a:t>証明書の管理</a:t>
-            </a:r>
-            <a:r>
-              <a:rPr lang="en-US" altLang="ja-JP" dirty="0"/>
-              <a:t>]</a:t>
-            </a:r>
-            <a:r>
-              <a:rPr lang="ja-JP" altLang="en-US" dirty="0"/>
-              <a:t>をクリックします。</a:t>
-            </a:r>
-            <a:endParaRPr lang="ja-JP" altLang="ja-JP" dirty="0"/>
-          </a:p>
-          <a:p>
-            <a:pPr marL="357188" lvl="1" indent="0">
-              <a:buNone/>
-            </a:pPr>
-            <a:r>
-              <a:rPr lang="ja-JP" altLang="en-US" dirty="0" smtClean="0"/>
-              <a:t>③　</a:t>
-            </a:r>
-            <a:r>
-              <a:rPr lang="en-US" altLang="ja-JP" dirty="0"/>
-              <a:t>[</a:t>
-            </a:r>
-            <a:r>
-              <a:rPr lang="ja-JP" altLang="en-US" dirty="0"/>
-              <a:t>信頼されたルート証明機関</a:t>
-            </a:r>
-            <a:r>
-              <a:rPr lang="en-US" altLang="ja-JP" dirty="0"/>
-              <a:t>]</a:t>
-            </a:r>
-            <a:r>
-              <a:rPr lang="ja-JP" altLang="en-US" dirty="0"/>
-              <a:t>タブへ進み、左下の</a:t>
-            </a:r>
-            <a:r>
-              <a:rPr lang="en-US" altLang="ja-JP" dirty="0"/>
-              <a:t>[</a:t>
-            </a:r>
-            <a:r>
-              <a:rPr lang="ja-JP" altLang="en-US" dirty="0"/>
-              <a:t>インポート</a:t>
-            </a:r>
-            <a:r>
-              <a:rPr lang="en-US" altLang="ja-JP" dirty="0"/>
-              <a:t>]</a:t>
-            </a:r>
-            <a:r>
-              <a:rPr lang="ja-JP" altLang="en-US" dirty="0"/>
-              <a:t>をクリックします</a:t>
-            </a:r>
-            <a:r>
-              <a:rPr lang="ja-JP" altLang="en-US" dirty="0" smtClean="0"/>
-              <a:t>。</a:t>
-            </a:r>
-            <a:endParaRPr lang="en-US" altLang="ja-JP" dirty="0" smtClean="0"/>
-          </a:p>
-          <a:p>
-            <a:pPr marL="357188" lvl="1" indent="0">
-              <a:buNone/>
-            </a:pPr>
-            <a:r>
-              <a:rPr lang="ja-JP" altLang="en-US" dirty="0" smtClean="0"/>
-              <a:t>④</a:t>
-            </a:r>
-            <a:r>
-              <a:rPr lang="ja-JP" altLang="en-US" dirty="0"/>
-              <a:t>　証明書のインポートウィザードが起動します。</a:t>
-            </a:r>
-            <a:r>
-              <a:rPr lang="en-US" altLang="ja-JP" dirty="0"/>
-              <a:t>[</a:t>
-            </a:r>
-            <a:r>
-              <a:rPr lang="ja-JP" altLang="en-US" dirty="0"/>
-              <a:t>次へ</a:t>
-            </a:r>
-            <a:r>
-              <a:rPr lang="en-US" altLang="ja-JP" dirty="0"/>
-              <a:t>]</a:t>
-            </a:r>
-            <a:r>
-              <a:rPr lang="ja-JP" altLang="en-US" dirty="0"/>
-              <a:t>をクリックします</a:t>
-            </a:r>
-            <a:r>
-              <a:rPr lang="ja-JP" altLang="en-US" dirty="0" smtClean="0"/>
-              <a:t>。</a:t>
-            </a:r>
-            <a:endParaRPr lang="en-US" altLang="ja-JP" dirty="0" smtClean="0"/>
-          </a:p>
-          <a:p>
-            <a:pPr marL="357188" lvl="1" indent="0">
-              <a:buNone/>
-            </a:pPr>
-            <a:r>
-              <a:rPr lang="ja-JP" altLang="en-US" dirty="0"/>
-              <a:t>⑤　インポートするファイル名を指定し、</a:t>
-            </a:r>
-            <a:r>
-              <a:rPr lang="en-US" altLang="ja-JP" dirty="0"/>
-              <a:t>[</a:t>
-            </a:r>
-            <a:r>
-              <a:rPr lang="ja-JP" altLang="en-US" dirty="0"/>
-              <a:t>次へ</a:t>
-            </a:r>
-            <a:r>
-              <a:rPr lang="en-US" altLang="ja-JP" dirty="0"/>
-              <a:t>]</a:t>
-            </a:r>
-            <a:r>
-              <a:rPr lang="ja-JP" altLang="en-US" dirty="0"/>
-              <a:t>をクリックします</a:t>
-            </a:r>
-            <a:r>
-              <a:rPr lang="ja-JP" altLang="en-US" dirty="0" smtClean="0"/>
-              <a:t>。</a:t>
-            </a:r>
-            <a:endParaRPr lang="en-US" altLang="ja-JP" dirty="0" smtClean="0"/>
-          </a:p>
-          <a:p>
-            <a:pPr marL="357188" lvl="1" indent="0">
-              <a:buNone/>
-            </a:pPr>
-            <a:r>
-              <a:rPr lang="ja-JP" altLang="en-US" dirty="0" smtClean="0"/>
-              <a:t>⑥　</a:t>
-            </a:r>
-            <a:r>
-              <a:rPr lang="en-US" altLang="ja-JP" dirty="0"/>
-              <a:t>[</a:t>
-            </a:r>
-            <a:r>
-              <a:rPr lang="ja-JP" altLang="en-US" dirty="0"/>
-              <a:t>証明書をすべての次のストアに配置する</a:t>
-            </a:r>
-            <a:r>
-              <a:rPr lang="en-US" altLang="ja-JP" dirty="0"/>
-              <a:t>(P)]</a:t>
-            </a:r>
-            <a:r>
-              <a:rPr lang="ja-JP" altLang="en-US" dirty="0"/>
-              <a:t>をチェックされている状態を確認します</a:t>
-            </a:r>
-            <a:r>
-              <a:rPr lang="ja-JP" altLang="en-US" dirty="0" smtClean="0"/>
-              <a:t>。</a:t>
-            </a:r>
-            <a:endParaRPr lang="en-US" altLang="ja-JP" dirty="0" smtClean="0"/>
-          </a:p>
-          <a:p>
-            <a:pPr marL="357188" lvl="1" indent="0">
-              <a:buNone/>
-            </a:pPr>
-            <a:r>
-              <a:rPr lang="ja-JP" altLang="en-US" dirty="0" smtClean="0"/>
-              <a:t>⑦　</a:t>
-            </a:r>
-            <a:r>
-              <a:rPr lang="en-US" altLang="ja-JP" dirty="0"/>
-              <a:t>[</a:t>
-            </a:r>
-            <a:r>
-              <a:rPr lang="ja-JP" altLang="en-US" dirty="0"/>
-              <a:t>信頼されたルート証明機関</a:t>
-            </a:r>
-            <a:r>
-              <a:rPr lang="en-US" altLang="ja-JP" dirty="0"/>
-              <a:t>]</a:t>
-            </a:r>
-            <a:r>
-              <a:rPr lang="ja-JP" altLang="en-US" dirty="0"/>
-              <a:t>を選択し、</a:t>
-            </a:r>
-            <a:r>
-              <a:rPr lang="en-US" altLang="ja-JP" dirty="0"/>
-              <a:t>[</a:t>
-            </a:r>
-            <a:r>
-              <a:rPr lang="ja-JP" altLang="en-US" dirty="0"/>
-              <a:t>次へ</a:t>
-            </a:r>
-            <a:r>
-              <a:rPr lang="en-US" altLang="ja-JP" dirty="0"/>
-              <a:t>]</a:t>
-            </a:r>
-            <a:r>
-              <a:rPr lang="ja-JP" altLang="en-US" dirty="0"/>
-              <a:t>をクリックします。</a:t>
-            </a:r>
-            <a:endParaRPr lang="en-US" altLang="ja-JP" dirty="0" smtClean="0"/>
-          </a:p>
-          <a:p>
-            <a:pPr marL="357188" lvl="1" indent="0">
-              <a:buNone/>
-            </a:pPr>
-            <a:r>
-              <a:rPr lang="en-US" altLang="ja-JP" dirty="0" smtClean="0"/>
-              <a:t>※</a:t>
-            </a:r>
-            <a:r>
-              <a:rPr lang="ja-JP" altLang="en-US" dirty="0" smtClean="0"/>
-              <a:t>選択されていない場合は右の</a:t>
-            </a:r>
-            <a:r>
-              <a:rPr lang="en-US" altLang="ja-JP" dirty="0" smtClean="0"/>
-              <a:t>[</a:t>
-            </a:r>
-            <a:r>
-              <a:rPr lang="ja-JP" altLang="en-US" dirty="0" smtClean="0"/>
-              <a:t>参照</a:t>
-            </a:r>
-            <a:r>
-              <a:rPr lang="en-US" altLang="ja-JP" dirty="0" smtClean="0"/>
-              <a:t>(R)]</a:t>
-            </a:r>
-            <a:r>
-              <a:rPr lang="ja-JP" altLang="en-US" dirty="0" smtClean="0"/>
-              <a:t>か</a:t>
-            </a:r>
-            <a:r>
-              <a:rPr lang="ja-JP" altLang="en-US" dirty="0"/>
-              <a:t>ら</a:t>
-            </a:r>
-            <a:r>
-              <a:rPr lang="en-US" altLang="ja-JP" dirty="0" smtClean="0"/>
-              <a:t>[</a:t>
-            </a:r>
-            <a:r>
-              <a:rPr lang="ja-JP" altLang="ja-JP" dirty="0"/>
-              <a:t>信頼されたルート証明機関</a:t>
-            </a:r>
-            <a:r>
-              <a:rPr lang="en-US" altLang="ja-JP" dirty="0"/>
-              <a:t>]</a:t>
-            </a:r>
-            <a:r>
-              <a:rPr lang="ja-JP" altLang="en-US" dirty="0"/>
-              <a:t>を</a:t>
-            </a:r>
-            <a:r>
-              <a:rPr lang="ja-JP" altLang="en-US" dirty="0" smtClean="0"/>
-              <a:t>選択してください。</a:t>
-            </a:r>
-            <a:endParaRPr lang="en-US" altLang="ja-JP" dirty="0" smtClean="0"/>
-          </a:p>
-          <a:p>
-            <a:pPr marL="357188" lvl="1" indent="0">
-              <a:buNone/>
-            </a:pPr>
-            <a:r>
-              <a:rPr lang="ja-JP" altLang="en-US" dirty="0" smtClean="0"/>
-              <a:t>⑧　</a:t>
-            </a:r>
-            <a:r>
-              <a:rPr lang="en-US" altLang="ja-JP" dirty="0"/>
-              <a:t>[</a:t>
-            </a:r>
-            <a:r>
-              <a:rPr lang="ja-JP" altLang="en-US" dirty="0"/>
-              <a:t>完了</a:t>
-            </a:r>
-            <a:r>
-              <a:rPr lang="en-US" altLang="ja-JP" dirty="0"/>
-              <a:t>]</a:t>
-            </a:r>
-            <a:r>
-              <a:rPr lang="ja-JP" altLang="en-US" dirty="0"/>
-              <a:t>をクリックします。</a:t>
-            </a:r>
-            <a:endParaRPr lang="ja-JP" altLang="ja-JP" dirty="0"/>
-          </a:p>
-        </p:txBody>
-      </p:sp>
-      <p:graphicFrame>
-        <p:nvGraphicFramePr>
-          <p:cNvPr id="6" name="表 5"/>
-          <p:cNvGraphicFramePr>
-            <a:graphicFrameLocks noGrp="1"/>
-          </p:cNvGraphicFramePr>
-          <p:nvPr>
-            <p:extLst>
-              <p:ext uri="{D42A27DB-BD31-4B8C-83A1-F6EECF244321}">
-                <p14:modId xmlns:p14="http://schemas.microsoft.com/office/powerpoint/2010/main" val="1031408000"/>
-              </p:ext>
-            </p:extLst>
-          </p:nvPr>
-        </p:nvGraphicFramePr>
-        <p:xfrm>
-          <a:off x="1207459" y="1836779"/>
-          <a:ext cx="6729082" cy="1018455"/>
-        </p:xfrm>
-        <a:graphic>
-          <a:graphicData uri="http://schemas.openxmlformats.org/drawingml/2006/table">
-            <a:tbl>
-              <a:tblPr firstRow="1" firstCol="1" bandRow="1">
-                <a:tableStyleId>{5C22544A-7EE6-4342-B048-85BDC9FD1C3A}</a:tableStyleId>
-              </a:tblPr>
-              <a:tblGrid>
-                <a:gridCol w="1581792">
-                  <a:extLst>
-                    <a:ext uri="{9D8B030D-6E8A-4147-A177-3AD203B41FA5}">
-                      <a16:colId xmlns:a16="http://schemas.microsoft.com/office/drawing/2014/main" val="20000"/>
-                    </a:ext>
-                  </a:extLst>
-                </a:gridCol>
-                <a:gridCol w="3269829">
-                  <a:extLst>
-                    <a:ext uri="{9D8B030D-6E8A-4147-A177-3AD203B41FA5}">
-                      <a16:colId xmlns:a16="http://schemas.microsoft.com/office/drawing/2014/main" val="20001"/>
-                    </a:ext>
-                  </a:extLst>
-                </a:gridCol>
-                <a:gridCol w="1877461">
-                  <a:extLst>
-                    <a:ext uri="{9D8B030D-6E8A-4147-A177-3AD203B41FA5}">
-                      <a16:colId xmlns:a16="http://schemas.microsoft.com/office/drawing/2014/main" val="20002"/>
-                    </a:ext>
-                  </a:extLst>
-                </a:gridCol>
-              </a:tblGrid>
-              <a:tr h="288039">
-                <a:tc>
-                  <a:txBody>
-                    <a:bodyPr/>
-                    <a:lstStyle/>
-                    <a:p>
-                      <a:pPr algn="ctr">
-                        <a:spcAft>
-                          <a:spcPts val="0"/>
-                        </a:spcAft>
-                      </a:pPr>
-                      <a:r>
-                        <a:rPr lang="en-US" altLang="ja-JP" sz="1050" kern="100" dirty="0" smtClean="0">
-                          <a:effectLst/>
-                        </a:rPr>
-                        <a:t>ITA</a:t>
-                      </a:r>
-                      <a:r>
-                        <a:rPr lang="ja-JP" sz="1050" kern="100" dirty="0" smtClean="0">
-                          <a:effectLst/>
-                        </a:rPr>
-                        <a:t>サーバ</a:t>
-                      </a:r>
-                      <a:r>
-                        <a:rPr lang="ja-JP" sz="1050" kern="100" dirty="0">
-                          <a:effectLst/>
-                        </a:rPr>
-                        <a:t>の</a:t>
-                      </a:r>
-                      <a:r>
-                        <a:rPr lang="en-US" sz="1050" kern="100" dirty="0">
-                          <a:effectLst/>
-                        </a:rPr>
-                        <a:t>OS</a:t>
-                      </a:r>
-                      <a:endParaRPr lang="ja-JP" sz="1050" kern="100" dirty="0">
-                        <a:effectLst/>
-                        <a:latin typeface="Century" panose="02040604050505020304" pitchFamily="18" charset="0"/>
-                        <a:ea typeface="ＭＳ 明朝" panose="02020609040205080304" pitchFamily="17" charset="-128"/>
-                        <a:cs typeface="Times New Roman" panose="02020603050405020304" pitchFamily="18" charset="0"/>
-                      </a:endParaRPr>
-                    </a:p>
-                  </a:txBody>
-                  <a:tcPr marL="68580" marR="68580" marT="0" marB="0" anchor="ctr">
-                    <a:solidFill>
-                      <a:srgbClr val="002B62"/>
-                    </a:solidFill>
-                  </a:tcPr>
-                </a:tc>
-                <a:tc>
-                  <a:txBody>
-                    <a:bodyPr/>
-                    <a:lstStyle/>
-                    <a:p>
-                      <a:pPr algn="ctr">
-                        <a:spcAft>
-                          <a:spcPts val="0"/>
-                        </a:spcAft>
-                      </a:pPr>
-                      <a:r>
-                        <a:rPr lang="ja-JP" sz="1050" kern="100" dirty="0">
-                          <a:effectLst/>
-                        </a:rPr>
-                        <a:t>ファイルパス</a:t>
-                      </a:r>
-                      <a:endParaRPr lang="ja-JP" sz="1050" kern="100" dirty="0">
-                        <a:effectLst/>
-                        <a:latin typeface="Century" panose="02040604050505020304" pitchFamily="18" charset="0"/>
-                        <a:ea typeface="ＭＳ 明朝" panose="02020609040205080304" pitchFamily="17" charset="-128"/>
-                        <a:cs typeface="Times New Roman" panose="02020603050405020304" pitchFamily="18" charset="0"/>
-                      </a:endParaRPr>
-                    </a:p>
-                  </a:txBody>
-                  <a:tcPr marL="68580" marR="68580" marT="0" marB="0" anchor="ctr">
-                    <a:solidFill>
-                      <a:srgbClr val="002B62"/>
-                    </a:solidFill>
-                  </a:tcPr>
-                </a:tc>
-                <a:tc>
-                  <a:txBody>
-                    <a:bodyPr/>
-                    <a:lstStyle/>
-                    <a:p>
-                      <a:pPr algn="ctr">
-                        <a:spcAft>
-                          <a:spcPts val="0"/>
-                        </a:spcAft>
-                      </a:pPr>
-                      <a:r>
-                        <a:rPr lang="ja-JP" sz="1050" kern="100" dirty="0">
-                          <a:effectLst/>
-                        </a:rPr>
-                        <a:t>ファイル名</a:t>
-                      </a:r>
-                      <a:endParaRPr lang="ja-JP" sz="1050" kern="100" dirty="0">
-                        <a:effectLst/>
-                        <a:latin typeface="Century" panose="02040604050505020304" pitchFamily="18" charset="0"/>
-                        <a:ea typeface="ＭＳ 明朝" panose="02020609040205080304" pitchFamily="17" charset="-128"/>
-                        <a:cs typeface="Times New Roman" panose="02020603050405020304" pitchFamily="18" charset="0"/>
-                      </a:endParaRPr>
-                    </a:p>
-                  </a:txBody>
-                  <a:tcPr marL="68580" marR="68580" marT="0" marB="0" anchor="ctr">
-                    <a:solidFill>
-                      <a:srgbClr val="002B62"/>
-                    </a:solidFill>
-                  </a:tcPr>
-                </a:tc>
-                <a:extLst>
-                  <a:ext uri="{0D108BD9-81ED-4DB2-BD59-A6C34878D82A}">
-                    <a16:rowId xmlns:a16="http://schemas.microsoft.com/office/drawing/2014/main" val="10000"/>
-                  </a:ext>
-                </a:extLst>
-              </a:tr>
-              <a:tr h="365208">
-                <a:tc>
-                  <a:txBody>
-                    <a:bodyPr/>
-                    <a:lstStyle/>
-                    <a:p>
-                      <a:pPr algn="l" latinLnBrk="1">
-                        <a:spcAft>
-                          <a:spcPts val="0"/>
-                        </a:spcAft>
-                      </a:pPr>
-                      <a:r>
-                        <a:rPr lang="en-US" sz="900" kern="100" dirty="0">
-                          <a:effectLst/>
-                        </a:rPr>
-                        <a:t>RHEL </a:t>
-                      </a:r>
-                      <a:r>
-                        <a:rPr lang="en-US" sz="900" kern="100" dirty="0" smtClean="0">
-                          <a:effectLst/>
-                        </a:rPr>
-                        <a:t>7, </a:t>
-                      </a:r>
-                      <a:r>
-                        <a:rPr lang="en-US" sz="900" kern="100" dirty="0">
-                          <a:effectLst/>
-                        </a:rPr>
-                        <a:t>CentOS </a:t>
-                      </a:r>
-                      <a:r>
-                        <a:rPr lang="en-US" sz="900" kern="100" dirty="0" smtClean="0">
-                          <a:effectLst/>
-                        </a:rPr>
-                        <a:t>7</a:t>
-                      </a:r>
-                      <a:r>
-                        <a:rPr lang="ja-JP" sz="900" kern="100" dirty="0" smtClean="0">
-                          <a:effectLst/>
-                        </a:rPr>
-                        <a:t>系</a:t>
-                      </a:r>
-                      <a:endParaRPr lang="ja-JP" sz="1050" kern="100" dirty="0">
-                        <a:effectLst/>
-                        <a:latin typeface="Century" panose="02040604050505020304" pitchFamily="18" charset="0"/>
-                        <a:ea typeface="ＭＳ 明朝" panose="02020609040205080304" pitchFamily="17" charset="-128"/>
-                        <a:cs typeface="Times New Roman" panose="02020603050405020304" pitchFamily="18" charset="0"/>
-                      </a:endParaRPr>
-                    </a:p>
-                  </a:txBody>
-                  <a:tcPr marL="68580" marR="68580" marT="0" marB="0" anchor="ctr">
-                    <a:solidFill>
-                      <a:srgbClr val="002B62"/>
-                    </a:solidFill>
-                  </a:tcPr>
-                </a:tc>
-                <a:tc>
-                  <a:txBody>
-                    <a:bodyPr/>
-                    <a:lstStyle/>
-                    <a:p>
-                      <a:pPr algn="l" latinLnBrk="1">
-                        <a:spcAft>
-                          <a:spcPts val="0"/>
-                        </a:spcAft>
-                      </a:pPr>
-                      <a:r>
-                        <a:rPr lang="en-US" sz="1000" kern="100" dirty="0">
-                          <a:effectLst/>
-                        </a:rPr>
-                        <a:t>/(</a:t>
-                      </a:r>
-                      <a:r>
-                        <a:rPr lang="ja-JP" sz="1000" kern="100" dirty="0">
-                          <a:effectLst/>
-                        </a:rPr>
-                        <a:t>インストール資材展開先</a:t>
-                      </a:r>
-                      <a:r>
-                        <a:rPr lang="en-US" sz="1000" kern="100" dirty="0" smtClean="0">
-                          <a:effectLst/>
-                        </a:rPr>
-                        <a:t>)/</a:t>
-                      </a:r>
-                      <a:r>
-                        <a:rPr lang="en-US" sz="1000" kern="100" dirty="0" err="1" smtClean="0">
-                          <a:effectLst/>
-                        </a:rPr>
-                        <a:t>ita_install_package</a:t>
-                      </a:r>
-                      <a:r>
-                        <a:rPr lang="en-US" sz="1000" kern="100" dirty="0" smtClean="0">
-                          <a:effectLst/>
-                        </a:rPr>
-                        <a:t>/ext_files_for_CentOS7.x/</a:t>
-                      </a:r>
-                      <a:r>
-                        <a:rPr lang="en-US" sz="1000" kern="100" dirty="0" err="1" smtClean="0">
-                          <a:effectLst/>
-                        </a:rPr>
-                        <a:t>etc_pki_tls_certs</a:t>
-                      </a:r>
-                      <a:r>
-                        <a:rPr lang="en-US" sz="1000" kern="100" dirty="0">
-                          <a:effectLst/>
-                        </a:rPr>
-                        <a:t>/</a:t>
-                      </a:r>
-                      <a:endParaRPr lang="ja-JP" sz="1100" kern="100" dirty="0">
-                        <a:effectLst/>
-                        <a:latin typeface="Century" panose="02040604050505020304" pitchFamily="18" charset="0"/>
-                        <a:ea typeface="ＭＳ 明朝" panose="02020609040205080304" pitchFamily="17" charset="-128"/>
-                        <a:cs typeface="Times New Roman" panose="02020603050405020304" pitchFamily="18" charset="0"/>
-                      </a:endParaRPr>
-                    </a:p>
-                  </a:txBody>
-                  <a:tcPr marL="68580" marR="68580" marT="0" marB="0">
-                    <a:solidFill>
-                      <a:srgbClr val="CBCDD3"/>
-                    </a:solidFill>
-                  </a:tcPr>
-                </a:tc>
-                <a:tc>
-                  <a:txBody>
-                    <a:bodyPr/>
-                    <a:lstStyle/>
-                    <a:p>
-                      <a:pPr algn="l">
-                        <a:spcAft>
-                          <a:spcPts val="0"/>
-                        </a:spcAft>
-                      </a:pPr>
-                      <a:r>
-                        <a:rPr lang="en-US" sz="1100" kern="100" dirty="0" smtClean="0">
-                          <a:effectLst/>
-                        </a:rPr>
-                        <a:t>exastro-it-automation.crt</a:t>
-                      </a:r>
-                      <a:endParaRPr lang="ja-JP" sz="1100" kern="100" dirty="0">
-                        <a:effectLst/>
-                        <a:latin typeface="Century" panose="02040604050505020304" pitchFamily="18" charset="0"/>
-                        <a:ea typeface="ＭＳ 明朝" panose="02020609040205080304" pitchFamily="17" charset="-128"/>
-                        <a:cs typeface="Times New Roman" panose="02020603050405020304" pitchFamily="18" charset="0"/>
-                      </a:endParaRPr>
-                    </a:p>
-                  </a:txBody>
-                  <a:tcPr marL="68580" marR="68580" marT="0" marB="0">
-                    <a:solidFill>
-                      <a:srgbClr val="CBCDD3"/>
-                    </a:solidFill>
-                  </a:tcPr>
-                </a:tc>
-                <a:extLst>
-                  <a:ext uri="{0D108BD9-81ED-4DB2-BD59-A6C34878D82A}">
-                    <a16:rowId xmlns:a16="http://schemas.microsoft.com/office/drawing/2014/main" val="10001"/>
-                  </a:ext>
-                </a:extLst>
-              </a:tr>
-              <a:tr h="365208">
-                <a:tc>
-                  <a:txBody>
-                    <a:bodyPr/>
-                    <a:lstStyle/>
-                    <a:p>
-                      <a:pPr algn="l" latinLnBrk="1">
-                        <a:spcAft>
-                          <a:spcPts val="0"/>
-                        </a:spcAft>
-                      </a:pPr>
-                      <a:r>
-                        <a:rPr lang="en-US" sz="900" kern="100" dirty="0">
-                          <a:effectLst/>
-                        </a:rPr>
-                        <a:t>RHEL </a:t>
-                      </a:r>
-                      <a:r>
-                        <a:rPr lang="en-US" sz="900" kern="100" dirty="0" smtClean="0">
-                          <a:effectLst/>
-                        </a:rPr>
-                        <a:t>8, </a:t>
-                      </a:r>
-                      <a:r>
-                        <a:rPr lang="en-US" sz="900" kern="100" dirty="0">
-                          <a:effectLst/>
-                        </a:rPr>
-                        <a:t>CentOS </a:t>
-                      </a:r>
-                      <a:r>
-                        <a:rPr lang="en-US" sz="900" kern="100" dirty="0" smtClean="0">
-                          <a:effectLst/>
-                        </a:rPr>
-                        <a:t>8</a:t>
-                      </a:r>
-                      <a:r>
-                        <a:rPr lang="ja-JP" sz="900" kern="100" dirty="0" smtClean="0">
-                          <a:effectLst/>
-                        </a:rPr>
-                        <a:t>系</a:t>
-                      </a:r>
-                      <a:endParaRPr lang="ja-JP" sz="1050" kern="100" dirty="0">
-                        <a:effectLst/>
-                        <a:latin typeface="Century" panose="02040604050505020304" pitchFamily="18" charset="0"/>
-                        <a:ea typeface="ＭＳ 明朝" panose="02020609040205080304" pitchFamily="17" charset="-128"/>
-                        <a:cs typeface="Times New Roman" panose="02020603050405020304" pitchFamily="18" charset="0"/>
-                      </a:endParaRPr>
-                    </a:p>
-                  </a:txBody>
-                  <a:tcPr marL="68580" marR="68580" marT="0" marB="0" anchor="ctr">
-                    <a:solidFill>
-                      <a:srgbClr val="002B62"/>
-                    </a:solidFill>
-                  </a:tcPr>
-                </a:tc>
-                <a:tc>
-                  <a:txBody>
-                    <a:bodyPr/>
-                    <a:lstStyle/>
-                    <a:p>
-                      <a:pPr algn="l" latinLnBrk="1">
-                        <a:spcAft>
-                          <a:spcPts val="0"/>
-                        </a:spcAft>
-                      </a:pPr>
-                      <a:r>
-                        <a:rPr lang="en-US" sz="1000" kern="100" dirty="0">
-                          <a:effectLst/>
-                        </a:rPr>
-                        <a:t>/(</a:t>
-                      </a:r>
-                      <a:r>
-                        <a:rPr lang="ja-JP" sz="1000" kern="100" dirty="0">
-                          <a:effectLst/>
-                        </a:rPr>
-                        <a:t>インストール資材展開先</a:t>
-                      </a:r>
-                      <a:r>
-                        <a:rPr lang="en-US" sz="1000" kern="100" dirty="0" smtClean="0">
-                          <a:effectLst/>
-                        </a:rPr>
-                        <a:t>)/</a:t>
-                      </a:r>
-                      <a:r>
-                        <a:rPr lang="en-US" sz="1000" kern="100" dirty="0" err="1" smtClean="0">
-                          <a:effectLst/>
-                        </a:rPr>
-                        <a:t>ita_install_package</a:t>
-                      </a:r>
-                      <a:r>
-                        <a:rPr lang="en-US" sz="1000" kern="100" dirty="0" smtClean="0">
-                          <a:effectLst/>
-                        </a:rPr>
-                        <a:t>/ext_files_for_CentOS8.x/</a:t>
-                      </a:r>
-                      <a:r>
-                        <a:rPr lang="en-US" sz="1000" kern="100" dirty="0" err="1" smtClean="0">
-                          <a:effectLst/>
-                        </a:rPr>
-                        <a:t>etc_pki_tls_certs</a:t>
-                      </a:r>
-                      <a:r>
-                        <a:rPr lang="en-US" sz="1000" kern="100" dirty="0">
-                          <a:effectLst/>
-                        </a:rPr>
-                        <a:t>/</a:t>
-                      </a:r>
-                      <a:endParaRPr lang="ja-JP" sz="1100" kern="100" dirty="0">
-                        <a:effectLst/>
-                        <a:latin typeface="Century" panose="02040604050505020304" pitchFamily="18" charset="0"/>
-                        <a:ea typeface="ＭＳ 明朝" panose="02020609040205080304" pitchFamily="17" charset="-128"/>
-                        <a:cs typeface="Times New Roman" panose="02020603050405020304" pitchFamily="18" charset="0"/>
-                      </a:endParaRPr>
-                    </a:p>
-                  </a:txBody>
-                  <a:tcPr marL="68580" marR="68580" marT="0" marB="0">
-                    <a:solidFill>
-                      <a:srgbClr val="E7E8EA"/>
-                    </a:solidFill>
-                  </a:tcPr>
-                </a:tc>
-                <a:tc>
-                  <a:txBody>
-                    <a:bodyPr/>
-                    <a:lstStyle/>
-                    <a:p>
-                      <a:pPr algn="l">
-                        <a:spcAft>
-                          <a:spcPts val="0"/>
-                        </a:spcAft>
-                      </a:pPr>
-                      <a:r>
-                        <a:rPr lang="en-US" sz="1100" kern="100" dirty="0" smtClean="0">
-                          <a:effectLst/>
-                        </a:rPr>
-                        <a:t>exastro-it-automation.crt</a:t>
-                      </a:r>
-                      <a:endParaRPr lang="ja-JP" sz="1100" kern="100" dirty="0">
-                        <a:effectLst/>
-                        <a:latin typeface="Century" panose="02040604050505020304" pitchFamily="18" charset="0"/>
-                        <a:ea typeface="ＭＳ 明朝" panose="02020609040205080304" pitchFamily="17" charset="-128"/>
-                        <a:cs typeface="Times New Roman" panose="02020603050405020304" pitchFamily="18" charset="0"/>
-                      </a:endParaRPr>
-                    </a:p>
-                  </a:txBody>
-                  <a:tcPr marL="68580" marR="68580" marT="0" marB="0">
-                    <a:solidFill>
-                      <a:srgbClr val="E7E8EA"/>
-                    </a:solidFill>
-                  </a:tcPr>
-                </a:tc>
-                <a:extLst>
-                  <a:ext uri="{0D108BD9-81ED-4DB2-BD59-A6C34878D82A}">
-                    <a16:rowId xmlns:a16="http://schemas.microsoft.com/office/drawing/2014/main" val="10002"/>
-                  </a:ext>
-                </a:extLst>
-              </a:tr>
-            </a:tbl>
-          </a:graphicData>
-        </a:graphic>
-      </p:graphicFrame>
-    </p:spTree>
-    <p:extLst>
-      <p:ext uri="{BB962C8B-B14F-4D97-AF65-F5344CB8AC3E}">
-        <p14:creationId xmlns:p14="http://schemas.microsoft.com/office/powerpoint/2010/main" val="1247197732"/>
-      </p:ext>
-    </p:extLst>
-  </p:cSld>
-  <p:clrMapOvr>
-    <a:masterClrMapping/>
-  </p:clrMapOvr>
-  <p:timing>
-    <p:tnLst>
-      <p:par>
-        <p:cTn id="1" dur="indefinite" restart="never" nodeType="tmRoot"/>
-      </p:par>
-    </p:tnLst>
-  </p:timing>
-</p:sld>
-</file>
-
-<file path=ppt/slides/slide24.xml><?xml version="1.0" encoding="utf-8"?>
-<p:sld xmlns:a="http://schemas.openxmlformats.org/drawingml/2006/main" xmlns:r="http://schemas.openxmlformats.org/officeDocument/2006/relationships" xmlns:p="http://schemas.openxmlformats.org/presentationml/2006/main">
-  <p:cSld>
-    <p:spTree>
-      <p:nvGrpSpPr>
-        <p:cNvPr id="1" name=""/>
-        <p:cNvGrpSpPr/>
-        <p:nvPr/>
-      </p:nvGrpSpPr>
-      <p:grpSpPr>
-        <a:xfrm>
-          <a:off x="0" y="0"/>
-          <a:ext cx="0" cy="0"/>
-          <a:chOff x="0" y="0"/>
-          <a:chExt cx="0" cy="0"/>
-        </a:xfrm>
-      </p:grpSpPr>
-      <p:sp>
-        <p:nvSpPr>
-          <p:cNvPr id="2" name="タイトル 1"/>
-          <p:cNvSpPr>
-            <a:spLocks noGrp="1"/>
-          </p:cNvSpPr>
-          <p:nvPr>
-            <p:ph type="title"/>
-          </p:nvPr>
-        </p:nvSpPr>
-        <p:spPr/>
-        <p:txBody>
-          <a:bodyPr/>
-          <a:lstStyle/>
-          <a:p>
-            <a:r>
-              <a:rPr lang="en-US" altLang="ja-JP" dirty="0" smtClean="0"/>
-              <a:t>4.3</a:t>
-            </a:r>
-            <a:r>
-              <a:rPr lang="ja-JP" altLang="en-US" dirty="0"/>
-              <a:t>　動作確認</a:t>
-            </a:r>
-            <a:r>
-              <a:rPr lang="ja-JP" altLang="en-US" dirty="0" smtClean="0"/>
-              <a:t>（</a:t>
-            </a:r>
-            <a:r>
-              <a:rPr lang="en-US" altLang="ja-JP" dirty="0" smtClean="0"/>
-              <a:t>3/5</a:t>
-            </a:r>
-            <a:r>
-              <a:rPr lang="ja-JP" altLang="en-US" dirty="0"/>
-              <a:t>）</a:t>
-            </a:r>
-            <a:endParaRPr kumimoji="1" lang="ja-JP" altLang="en-US" dirty="0"/>
-          </a:p>
-        </p:txBody>
-      </p:sp>
-      <p:sp>
-        <p:nvSpPr>
-          <p:cNvPr id="3" name="コンテンツ プレースホルダー 2"/>
-          <p:cNvSpPr>
-            <a:spLocks noGrp="1"/>
-          </p:cNvSpPr>
-          <p:nvPr>
-            <p:ph sz="quarter" idx="10"/>
-          </p:nvPr>
-        </p:nvSpPr>
-        <p:spPr/>
-        <p:txBody>
-          <a:bodyPr>
-            <a:normAutofit/>
-          </a:bodyPr>
-          <a:lstStyle/>
-          <a:p>
-            <a:pPr lvl="0"/>
-            <a:r>
-              <a:rPr lang="en-US" altLang="ja-JP" dirty="0" smtClean="0"/>
-              <a:t>URL</a:t>
-            </a:r>
-            <a:r>
-              <a:rPr lang="ja-JP" altLang="en-US" dirty="0" smtClean="0"/>
-              <a:t>接続</a:t>
-            </a:r>
-            <a:endParaRPr lang="en-US" altLang="ja-JP" dirty="0" smtClean="0"/>
-          </a:p>
-          <a:p>
-            <a:pPr lvl="1"/>
-            <a:r>
-              <a:rPr lang="ja-JP" altLang="en-US" dirty="0" smtClean="0"/>
-              <a:t>以下の</a:t>
-            </a:r>
-            <a:r>
-              <a:rPr lang="en-US" altLang="ja-JP" dirty="0" smtClean="0"/>
-              <a:t>URL</a:t>
-            </a:r>
-            <a:r>
-              <a:rPr lang="ja-JP" altLang="en-US" dirty="0" smtClean="0"/>
-              <a:t>よ</a:t>
-            </a:r>
-            <a:r>
-              <a:rPr lang="ja-JP" altLang="en-US" dirty="0"/>
-              <a:t>り</a:t>
-            </a:r>
-            <a:r>
-              <a:rPr lang="ja-JP" altLang="en-US" dirty="0" smtClean="0"/>
-              <a:t>、ログイン画面にアクセスしてください。</a:t>
-            </a:r>
-            <a:endParaRPr lang="en-US" altLang="ja-JP" dirty="0" smtClean="0"/>
-          </a:p>
-          <a:p>
-            <a:pPr lvl="1"/>
-            <a:r>
-              <a:rPr lang="en-US" altLang="ja-JP" dirty="0" smtClean="0"/>
-              <a:t>URL</a:t>
-            </a:r>
-            <a:r>
-              <a:rPr lang="ja-JP" altLang="ja-JP" dirty="0"/>
-              <a:t>：</a:t>
-            </a:r>
-            <a:r>
-              <a:rPr lang="en-US" altLang="ja-JP" dirty="0">
-                <a:hlinkClick r:id="rId2"/>
-              </a:rPr>
-              <a:t>https</a:t>
-            </a:r>
-            <a:r>
-              <a:rPr lang="en-US" altLang="ja-JP" dirty="0" smtClean="0">
-                <a:hlinkClick r:id="rId2"/>
-              </a:rPr>
-              <a:t>://exastro-it-automation/</a:t>
-            </a:r>
-            <a:endParaRPr lang="en-US" altLang="ja-JP" dirty="0" smtClean="0"/>
-          </a:p>
-          <a:p>
-            <a:pPr lvl="1"/>
-            <a:endParaRPr kumimoji="1" lang="en-US" altLang="ja-JP" dirty="0" smtClean="0"/>
-          </a:p>
-          <a:p>
-            <a:pPr lvl="1"/>
-            <a:endParaRPr lang="en-US" altLang="ja-JP" dirty="0"/>
-          </a:p>
-          <a:p>
-            <a:pPr lvl="0"/>
-            <a:r>
-              <a:rPr lang="ja-JP" altLang="en-US" dirty="0" smtClean="0"/>
-              <a:t>ログイン</a:t>
-            </a:r>
-            <a:endParaRPr lang="en-US" altLang="ja-JP" dirty="0" smtClean="0"/>
-          </a:p>
-          <a:p>
-            <a:pPr lvl="1"/>
-            <a:r>
-              <a:rPr lang="en-US" altLang="ja-JP" dirty="0" smtClean="0"/>
-              <a:t>ITA</a:t>
-            </a:r>
-            <a:r>
-              <a:rPr lang="ja-JP" altLang="ja-JP" dirty="0" smtClean="0"/>
-              <a:t>の</a:t>
-            </a:r>
-            <a:r>
-              <a:rPr lang="ja-JP" altLang="ja-JP" dirty="0"/>
-              <a:t>ログイン画面が表示</a:t>
-            </a:r>
-            <a:r>
-              <a:rPr lang="ja-JP" altLang="ja-JP" dirty="0" smtClean="0"/>
-              <a:t>されたら</a:t>
-            </a:r>
-            <a:r>
-              <a:rPr lang="ja-JP" altLang="ja-JP" dirty="0"/>
-              <a:t>、指定のログイン</a:t>
-            </a:r>
-            <a:r>
-              <a:rPr lang="en-US" altLang="ja-JP" dirty="0"/>
-              <a:t>ID</a:t>
-            </a:r>
-            <a:r>
-              <a:rPr lang="ja-JP" altLang="ja-JP" dirty="0"/>
-              <a:t>、初期パスワードを入力</a:t>
-            </a:r>
-            <a:r>
-              <a:rPr lang="ja-JP" altLang="ja-JP" dirty="0" smtClean="0"/>
-              <a:t>して、</a:t>
-            </a:r>
-            <a:r>
-              <a:rPr lang="en-US" altLang="ja-JP" dirty="0" smtClean="0"/>
-              <a:t>[</a:t>
-            </a:r>
-            <a:r>
-              <a:rPr lang="ja-JP" altLang="ja-JP" dirty="0" smtClean="0"/>
-              <a:t>ログイン</a:t>
-            </a:r>
-            <a:r>
-              <a:rPr lang="en-US" altLang="ja-JP" dirty="0" smtClean="0"/>
-              <a:t>]</a:t>
-            </a:r>
-            <a:r>
-              <a:rPr lang="ja-JP" altLang="ja-JP" dirty="0" smtClean="0"/>
-              <a:t>ボタンをクリックしてください。</a:t>
-            </a:r>
-          </a:p>
-          <a:p>
-            <a:pPr marL="180000" lvl="1" indent="0">
-              <a:buNone/>
-            </a:pPr>
-            <a:r>
-              <a:rPr lang="ja-JP" altLang="ja-JP" dirty="0"/>
-              <a:t>　　・ログイン</a:t>
-            </a:r>
-            <a:r>
-              <a:rPr lang="en-US" altLang="ja-JP" dirty="0"/>
-              <a:t>ID</a:t>
-            </a:r>
-            <a:r>
-              <a:rPr lang="ja-JP" altLang="ja-JP" dirty="0"/>
-              <a:t>　　</a:t>
-            </a:r>
-            <a:r>
-              <a:rPr lang="ja-JP" altLang="ja-JP" dirty="0" smtClean="0"/>
-              <a:t>：</a:t>
-            </a:r>
-            <a:r>
-              <a:rPr lang="ja-JP" altLang="en-US" dirty="0" smtClean="0"/>
-              <a:t> </a:t>
-            </a:r>
-            <a:r>
-              <a:rPr lang="en-US" altLang="ja-JP" dirty="0" smtClean="0"/>
-              <a:t>administrator</a:t>
-            </a:r>
-            <a:endParaRPr lang="ja-JP" altLang="ja-JP" dirty="0"/>
-          </a:p>
-          <a:p>
-            <a:pPr marL="180000" lvl="1" indent="0">
-              <a:buNone/>
-            </a:pPr>
-            <a:r>
-              <a:rPr lang="ja-JP" altLang="ja-JP" dirty="0"/>
-              <a:t>　　・初期パスワード ： </a:t>
-            </a:r>
-            <a:r>
-              <a:rPr lang="en-US" altLang="ja-JP" dirty="0" smtClean="0"/>
-              <a:t>password</a:t>
-            </a:r>
-          </a:p>
-          <a:p>
-            <a:pPr marL="180000" lvl="1" indent="0">
-              <a:buNone/>
-            </a:pPr>
-            <a:endParaRPr lang="ja-JP" altLang="ja-JP" dirty="0"/>
-          </a:p>
-          <a:p>
-            <a:pPr lvl="1"/>
-            <a:r>
-              <a:rPr lang="ja-JP" altLang="ja-JP" dirty="0" smtClean="0"/>
-              <a:t>インストール後</a:t>
-            </a:r>
-            <a:r>
-              <a:rPr lang="ja-JP" altLang="ja-JP" dirty="0"/>
-              <a:t>に初めてログインした場合は、「パスワード変更画面」に遷移します。</a:t>
-            </a:r>
-          </a:p>
-          <a:p>
-            <a:pPr lvl="1"/>
-            <a:r>
-              <a:rPr lang="ja-JP" altLang="ja-JP" dirty="0"/>
-              <a:t>パスワード変更画面から、初期パスワードを変更してください</a:t>
-            </a:r>
-            <a:r>
-              <a:rPr lang="ja-JP" altLang="ja-JP" dirty="0" smtClean="0"/>
-              <a:t>。</a:t>
-            </a:r>
-            <a:endParaRPr lang="ja-JP" altLang="ja-JP" dirty="0"/>
-          </a:p>
-        </p:txBody>
-      </p:sp>
-    </p:spTree>
-    <p:extLst>
-      <p:ext uri="{BB962C8B-B14F-4D97-AF65-F5344CB8AC3E}">
-        <p14:creationId xmlns:p14="http://schemas.microsoft.com/office/powerpoint/2010/main" val="3808455558"/>
-      </p:ext>
-    </p:extLst>
-  </p:cSld>
-  <p:clrMapOvr>
-    <a:masterClrMapping/>
-  </p:clrMapOvr>
-  <p:timing>
-    <p:tnLst>
-      <p:par>
-        <p:cTn id="1" dur="indefinite" restart="never" nodeType="tmRoot"/>
-      </p:par>
-    </p:tnLst>
-  </p:timing>
-</p:sld>
-</file>
-
-<file path=ppt/slides/slide25.xml><?xml version="1.0" encoding="utf-8"?>
-<p:sld xmlns:a="http://schemas.openxmlformats.org/drawingml/2006/main" xmlns:r="http://schemas.openxmlformats.org/officeDocument/2006/relationships" xmlns:p="http://schemas.openxmlformats.org/presentationml/2006/main">
-  <p:cSld>
-    <p:spTree>
-      <p:nvGrpSpPr>
-        <p:cNvPr id="1" name=""/>
-        <p:cNvGrpSpPr/>
-        <p:nvPr/>
-      </p:nvGrpSpPr>
-      <p:grpSpPr>
-        <a:xfrm>
-          <a:off x="0" y="0"/>
-          <a:ext cx="0" cy="0"/>
-          <a:chOff x="0" y="0"/>
-          <a:chExt cx="0" cy="0"/>
-        </a:xfrm>
-      </p:grpSpPr>
       <p:pic>
         <p:nvPicPr>
-          <p:cNvPr id="15" name="図 14"/>
+          <p:cNvPr id="10" name="図 9"/>
           <p:cNvPicPr>
             <a:picLocks noChangeAspect="1"/>
           </p:cNvPicPr>
@@ -27650,8 +26260,8 @@
         </p:blipFill>
         <p:spPr>
           <a:xfrm>
-            <a:off x="1983073" y="1964033"/>
-            <a:ext cx="5649847" cy="2926539"/>
+            <a:off x="2066609" y="1955935"/>
+            <a:ext cx="5112710" cy="2648310"/>
           </a:xfrm>
           <a:prstGeom prst="rect">
             <a:avLst/>
@@ -27675,7 +26285,7 @@
           <a:p>
             <a:r>
               <a:rPr lang="en-US" altLang="ja-JP" dirty="0" smtClean="0"/>
-              <a:t>4.4</a:t>
+              <a:t>4.2</a:t>
             </a:r>
             <a:r>
               <a:rPr lang="ja-JP" altLang="en-US" dirty="0"/>
@@ -27687,10 +26297,10 @@
             </a:r>
             <a:r>
               <a:rPr lang="en-US" altLang="ja-JP" dirty="0" smtClean="0"/>
-              <a:t>4/5</a:t>
-            </a:r>
-            <a:r>
-              <a:rPr lang="ja-JP" altLang="en-US" dirty="0"/>
+              <a:t>2/6</a:t>
+            </a:r>
+            <a:r>
+              <a:rPr lang="ja-JP" altLang="en-US" dirty="0" smtClean="0"/>
               <a:t>）</a:t>
             </a:r>
             <a:endParaRPr kumimoji="1" lang="ja-JP" altLang="en-US" dirty="0"/>
@@ -27740,8 +26350,8 @@
         </p:nvCxnSpPr>
         <p:spPr bwMode="auto">
           <a:xfrm flipH="1">
-            <a:off x="2072861" y="2924175"/>
-            <a:ext cx="2349914" cy="711830"/>
+            <a:off x="2072861" y="2780910"/>
+            <a:ext cx="2139089" cy="855095"/>
           </a:xfrm>
           <a:prstGeom prst="line">
             <a:avLst/>
@@ -27782,8 +26392,8 @@
         </p:nvCxnSpPr>
         <p:spPr bwMode="auto">
           <a:xfrm>
-            <a:off x="4418455" y="2924802"/>
-            <a:ext cx="1188000" cy="0"/>
+            <a:off x="4211950" y="2780910"/>
+            <a:ext cx="1008140" cy="0"/>
           </a:xfrm>
           <a:prstGeom prst="line">
             <a:avLst/>
@@ -27929,8 +26539,8 @@
         </p:nvCxnSpPr>
         <p:spPr bwMode="auto">
           <a:xfrm flipH="1">
-            <a:off x="2072858" y="3105015"/>
-            <a:ext cx="2355122" cy="1040704"/>
+            <a:off x="2072858" y="2996940"/>
+            <a:ext cx="2139092" cy="1148779"/>
           </a:xfrm>
           <a:prstGeom prst="line">
             <a:avLst/>
@@ -27971,8 +26581,8 @@
         </p:nvCxnSpPr>
         <p:spPr bwMode="auto">
           <a:xfrm>
-            <a:off x="4421630" y="3108195"/>
-            <a:ext cx="1188000" cy="0"/>
+            <a:off x="4211950" y="2996940"/>
+            <a:ext cx="1008140" cy="0"/>
           </a:xfrm>
           <a:prstGeom prst="line">
             <a:avLst/>
@@ -28092,7 +26702,1277 @@
     </p:spTree>
     <p:extLst>
       <p:ext uri="{BB962C8B-B14F-4D97-AF65-F5344CB8AC3E}">
-        <p14:creationId xmlns:p14="http://schemas.microsoft.com/office/powerpoint/2010/main" val="2068280752"/>
+        <p14:creationId xmlns:p14="http://schemas.microsoft.com/office/powerpoint/2010/main" val="1176338614"/>
+      </p:ext>
+    </p:extLst>
+  </p:cSld>
+  <p:clrMapOvr>
+    <a:masterClrMapping/>
+  </p:clrMapOvr>
+  <p:timing>
+    <p:tnLst>
+      <p:par>
+        <p:cTn id="1" dur="indefinite" restart="never" nodeType="tmRoot"/>
+      </p:par>
+    </p:tnLst>
+  </p:timing>
+</p:sld>
+</file>
+
+<file path=ppt/slides/slide24.xml><?xml version="1.0" encoding="utf-8"?>
+<p:sld xmlns:a="http://schemas.openxmlformats.org/drawingml/2006/main" xmlns:r="http://schemas.openxmlformats.org/officeDocument/2006/relationships" xmlns:p="http://schemas.openxmlformats.org/presentationml/2006/main">
+  <p:cSld>
+    <p:spTree>
+      <p:nvGrpSpPr>
+        <p:cNvPr id="1" name=""/>
+        <p:cNvGrpSpPr/>
+        <p:nvPr/>
+      </p:nvGrpSpPr>
+      <p:grpSpPr>
+        <a:xfrm>
+          <a:off x="0" y="0"/>
+          <a:ext cx="0" cy="0"/>
+          <a:chOff x="0" y="0"/>
+          <a:chExt cx="0" cy="0"/>
+        </a:xfrm>
+      </p:grpSpPr>
+      <p:sp>
+        <p:nvSpPr>
+          <p:cNvPr id="2" name="タイトル 1"/>
+          <p:cNvSpPr>
+            <a:spLocks noGrp="1"/>
+          </p:cNvSpPr>
+          <p:nvPr>
+            <p:ph type="title"/>
+          </p:nvPr>
+        </p:nvSpPr>
+        <p:spPr/>
+        <p:txBody>
+          <a:bodyPr/>
+          <a:lstStyle/>
+          <a:p>
+            <a:r>
+              <a:rPr lang="en-US" altLang="ja-JP" dirty="0" smtClean="0"/>
+              <a:t>4.3</a:t>
+            </a:r>
+            <a:r>
+              <a:rPr lang="ja-JP" altLang="en-US" dirty="0"/>
+              <a:t>　動作確認</a:t>
+            </a:r>
+            <a:r>
+              <a:rPr lang="ja-JP" altLang="en-US" dirty="0" smtClean="0"/>
+              <a:t>（</a:t>
+            </a:r>
+            <a:r>
+              <a:rPr lang="en-US" altLang="ja-JP" dirty="0" smtClean="0"/>
+              <a:t>3/6</a:t>
+            </a:r>
+            <a:r>
+              <a:rPr lang="ja-JP" altLang="en-US" dirty="0" smtClean="0"/>
+              <a:t>）</a:t>
+            </a:r>
+            <a:endParaRPr kumimoji="1" lang="ja-JP" altLang="en-US" dirty="0"/>
+          </a:p>
+        </p:txBody>
+      </p:sp>
+      <p:sp>
+        <p:nvSpPr>
+          <p:cNvPr id="3" name="コンテンツ プレースホルダー 2"/>
+          <p:cNvSpPr>
+            <a:spLocks noGrp="1"/>
+          </p:cNvSpPr>
+          <p:nvPr>
+            <p:ph sz="quarter" idx="10"/>
+          </p:nvPr>
+        </p:nvSpPr>
+        <p:spPr/>
+        <p:txBody>
+          <a:bodyPr>
+            <a:normAutofit/>
+          </a:bodyPr>
+          <a:lstStyle/>
+          <a:p>
+            <a:pPr lvl="0"/>
+            <a:r>
+              <a:rPr lang="ja-JP" altLang="ja-JP" dirty="0"/>
+              <a:t>各メニューの表示による内容</a:t>
+            </a:r>
+            <a:r>
+              <a:rPr lang="ja-JP" altLang="ja-JP" dirty="0" smtClean="0"/>
+              <a:t>確認</a:t>
+            </a:r>
+            <a:endParaRPr lang="en-US" altLang="ja-JP" dirty="0" smtClean="0"/>
+          </a:p>
+          <a:p>
+            <a:pPr lvl="1"/>
+            <a:r>
+              <a:rPr lang="ja-JP" altLang="en-US" dirty="0" smtClean="0"/>
+              <a:t>ログイン後、</a:t>
+            </a:r>
+            <a:r>
+              <a:rPr lang="ja-JP" altLang="ja-JP" dirty="0" smtClean="0"/>
+              <a:t>以下</a:t>
+            </a:r>
+            <a:r>
+              <a:rPr lang="ja-JP" altLang="ja-JP" dirty="0"/>
+              <a:t>のメニューが正常に表示されることを確認してください。</a:t>
+            </a:r>
+          </a:p>
+          <a:p>
+            <a:pPr lvl="1"/>
+            <a:endParaRPr kumimoji="1" lang="en-US" altLang="ja-JP" dirty="0" smtClean="0"/>
+          </a:p>
+          <a:p>
+            <a:pPr lvl="1"/>
+            <a:endParaRPr lang="en-US" altLang="ja-JP" dirty="0"/>
+          </a:p>
+          <a:p>
+            <a:pPr lvl="1"/>
+            <a:endParaRPr kumimoji="1" lang="en-US" altLang="ja-JP" dirty="0" smtClean="0"/>
+          </a:p>
+          <a:p>
+            <a:pPr lvl="1"/>
+            <a:endParaRPr lang="en-US" altLang="ja-JP" dirty="0"/>
+          </a:p>
+          <a:p>
+            <a:pPr lvl="1"/>
+            <a:endParaRPr kumimoji="1" lang="en-US" altLang="ja-JP" dirty="0" smtClean="0"/>
+          </a:p>
+          <a:p>
+            <a:pPr lvl="1"/>
+            <a:endParaRPr lang="en-US" altLang="ja-JP" dirty="0"/>
+          </a:p>
+          <a:p>
+            <a:pPr lvl="1"/>
+            <a:endParaRPr kumimoji="1" lang="en-US" altLang="ja-JP" dirty="0" smtClean="0"/>
+          </a:p>
+          <a:p>
+            <a:pPr lvl="1"/>
+            <a:endParaRPr lang="en-US" altLang="ja-JP" dirty="0"/>
+          </a:p>
+          <a:p>
+            <a:pPr marL="180000" lvl="1" indent="0">
+              <a:buNone/>
+            </a:pPr>
+            <a:endParaRPr kumimoji="1" lang="en-US" altLang="ja-JP" dirty="0" smtClean="0"/>
+          </a:p>
+          <a:p>
+            <a:pPr marL="180000" lvl="1" indent="0">
+              <a:buNone/>
+            </a:pPr>
+            <a:endParaRPr kumimoji="1" lang="en-US" altLang="ja-JP" dirty="0" smtClean="0"/>
+          </a:p>
+        </p:txBody>
+      </p:sp>
+      <p:graphicFrame>
+        <p:nvGraphicFramePr>
+          <p:cNvPr id="6" name="表 5"/>
+          <p:cNvGraphicFramePr>
+            <a:graphicFrameLocks noGrp="1"/>
+          </p:cNvGraphicFramePr>
+          <p:nvPr>
+            <p:extLst/>
+          </p:nvPr>
+        </p:nvGraphicFramePr>
+        <p:xfrm>
+          <a:off x="1259540" y="1628750"/>
+          <a:ext cx="6624920" cy="2479614"/>
+        </p:xfrm>
+        <a:graphic>
+          <a:graphicData uri="http://schemas.openxmlformats.org/drawingml/2006/table">
+            <a:tbl>
+              <a:tblPr firstRow="1" firstCol="1" bandRow="1">
+                <a:tableStyleId>{5C22544A-7EE6-4342-B048-85BDC9FD1C3A}</a:tableStyleId>
+              </a:tblPr>
+              <a:tblGrid>
+                <a:gridCol w="3312460">
+                  <a:extLst>
+                    <a:ext uri="{9D8B030D-6E8A-4147-A177-3AD203B41FA5}">
+                      <a16:colId xmlns:a16="http://schemas.microsoft.com/office/drawing/2014/main" val="20000"/>
+                    </a:ext>
+                  </a:extLst>
+                </a:gridCol>
+                <a:gridCol w="3312460">
+                  <a:extLst>
+                    <a:ext uri="{9D8B030D-6E8A-4147-A177-3AD203B41FA5}">
+                      <a16:colId xmlns:a16="http://schemas.microsoft.com/office/drawing/2014/main" val="20001"/>
+                    </a:ext>
+                  </a:extLst>
+                </a:gridCol>
+              </a:tblGrid>
+              <a:tr h="425478">
+                <a:tc>
+                  <a:txBody>
+                    <a:bodyPr/>
+                    <a:lstStyle/>
+                    <a:p>
+                      <a:pPr algn="ctr">
+                        <a:spcAft>
+                          <a:spcPts val="0"/>
+                        </a:spcAft>
+                      </a:pPr>
+                      <a:r>
+                        <a:rPr lang="ja-JP" sz="1050" kern="100" dirty="0">
+                          <a:effectLst/>
+                        </a:rPr>
+                        <a:t>機能</a:t>
+                      </a:r>
+                      <a:endParaRPr lang="ja-JP" sz="1050" kern="100" dirty="0">
+                        <a:effectLst/>
+                        <a:latin typeface="Century" panose="02040604050505020304" pitchFamily="18" charset="0"/>
+                        <a:ea typeface="ＭＳ 明朝" panose="02020609040205080304" pitchFamily="17" charset="-128"/>
+                        <a:cs typeface="Times New Roman" panose="02020603050405020304" pitchFamily="18" charset="0"/>
+                      </a:endParaRPr>
+                    </a:p>
+                  </a:txBody>
+                  <a:tcPr marL="68580" marR="68580" marT="0" marB="0" anchor="ctr">
+                    <a:solidFill>
+                      <a:srgbClr val="002B62"/>
+                    </a:solidFill>
+                  </a:tcPr>
+                </a:tc>
+                <a:tc>
+                  <a:txBody>
+                    <a:bodyPr/>
+                    <a:lstStyle/>
+                    <a:p>
+                      <a:pPr algn="ctr">
+                        <a:spcAft>
+                          <a:spcPts val="0"/>
+                        </a:spcAft>
+                      </a:pPr>
+                      <a:r>
+                        <a:rPr lang="ja-JP" sz="1050" kern="100" dirty="0">
+                          <a:effectLst/>
+                        </a:rPr>
+                        <a:t>メニュー</a:t>
+                      </a:r>
+                      <a:endParaRPr lang="ja-JP" sz="1050" kern="100" dirty="0">
+                        <a:effectLst/>
+                        <a:latin typeface="Century" panose="02040604050505020304" pitchFamily="18" charset="0"/>
+                        <a:ea typeface="ＭＳ 明朝" panose="02020609040205080304" pitchFamily="17" charset="-128"/>
+                        <a:cs typeface="Times New Roman" panose="02020603050405020304" pitchFamily="18" charset="0"/>
+                      </a:endParaRPr>
+                    </a:p>
+                  </a:txBody>
+                  <a:tcPr marL="68580" marR="68580" marT="0" marB="0" anchor="ctr">
+                    <a:solidFill>
+                      <a:srgbClr val="002B62"/>
+                    </a:solidFill>
+                  </a:tcPr>
+                </a:tc>
+                <a:extLst>
+                  <a:ext uri="{0D108BD9-81ED-4DB2-BD59-A6C34878D82A}">
+                    <a16:rowId xmlns:a16="http://schemas.microsoft.com/office/drawing/2014/main" val="10000"/>
+                  </a:ext>
+                </a:extLst>
+              </a:tr>
+              <a:tr h="256767">
+                <a:tc rowSpan="3">
+                  <a:txBody>
+                    <a:bodyPr/>
+                    <a:lstStyle/>
+                    <a:p>
+                      <a:pPr algn="l">
+                        <a:spcAft>
+                          <a:spcPts val="0"/>
+                        </a:spcAft>
+                      </a:pPr>
+                      <a:r>
+                        <a:rPr lang="en-US" altLang="ja-JP" sz="1050" kern="100" dirty="0" smtClean="0">
+                          <a:effectLst/>
+                        </a:rPr>
+                        <a:t>ITA</a:t>
+                      </a:r>
+                      <a:r>
+                        <a:rPr lang="ja-JP" sz="1050" kern="100" dirty="0" smtClean="0">
+                          <a:effectLst/>
+                        </a:rPr>
+                        <a:t>本体</a:t>
+                      </a:r>
+                      <a:endParaRPr lang="ja-JP" sz="1050" kern="100" dirty="0">
+                        <a:effectLst/>
+                        <a:latin typeface="Century" panose="02040604050505020304" pitchFamily="18" charset="0"/>
+                        <a:ea typeface="ＭＳ 明朝" panose="02020609040205080304" pitchFamily="17" charset="-128"/>
+                        <a:cs typeface="Times New Roman" panose="02020603050405020304" pitchFamily="18" charset="0"/>
+                      </a:endParaRPr>
+                    </a:p>
+                  </a:txBody>
+                  <a:tcPr marL="68580" marR="68580" marT="0" marB="0" anchor="ctr">
+                    <a:solidFill>
+                      <a:srgbClr val="002B62"/>
+                    </a:solidFill>
+                  </a:tcPr>
+                </a:tc>
+                <a:tc>
+                  <a:txBody>
+                    <a:bodyPr/>
+                    <a:lstStyle/>
+                    <a:p>
+                      <a:pPr algn="l">
+                        <a:spcAft>
+                          <a:spcPts val="0"/>
+                        </a:spcAft>
+                      </a:pPr>
+                      <a:r>
+                        <a:rPr lang="ja-JP" sz="1050" kern="100" dirty="0">
+                          <a:effectLst/>
+                        </a:rPr>
+                        <a:t>管理コンソール</a:t>
+                      </a:r>
+                      <a:endParaRPr lang="ja-JP" sz="1050" kern="100" dirty="0">
+                        <a:effectLst/>
+                        <a:latin typeface="Century" panose="02040604050505020304" pitchFamily="18" charset="0"/>
+                        <a:ea typeface="ＭＳ 明朝" panose="02020609040205080304" pitchFamily="17" charset="-128"/>
+                        <a:cs typeface="Times New Roman" panose="02020603050405020304" pitchFamily="18" charset="0"/>
+                      </a:endParaRPr>
+                    </a:p>
+                  </a:txBody>
+                  <a:tcPr marL="68580" marR="68580" marT="0" marB="0" anchor="ctr">
+                    <a:solidFill>
+                      <a:srgbClr val="CBCDD3"/>
+                    </a:solidFill>
+                  </a:tcPr>
+                </a:tc>
+                <a:extLst>
+                  <a:ext uri="{0D108BD9-81ED-4DB2-BD59-A6C34878D82A}">
+                    <a16:rowId xmlns:a16="http://schemas.microsoft.com/office/drawing/2014/main" val="10001"/>
+                  </a:ext>
+                </a:extLst>
+              </a:tr>
+              <a:tr h="256767">
+                <a:tc vMerge="1">
+                  <a:txBody>
+                    <a:bodyPr/>
+                    <a:lstStyle/>
+                    <a:p>
+                      <a:endParaRPr kumimoji="1" lang="ja-JP" altLang="en-US"/>
+                    </a:p>
+                  </a:txBody>
+                  <a:tcPr/>
+                </a:tc>
+                <a:tc>
+                  <a:txBody>
+                    <a:bodyPr/>
+                    <a:lstStyle/>
+                    <a:p>
+                      <a:pPr algn="l">
+                        <a:spcAft>
+                          <a:spcPts val="0"/>
+                        </a:spcAft>
+                      </a:pPr>
+                      <a:r>
+                        <a:rPr lang="ja-JP" sz="1050" kern="100" dirty="0">
+                          <a:effectLst/>
+                        </a:rPr>
+                        <a:t>基本</a:t>
+                      </a:r>
+                      <a:r>
+                        <a:rPr lang="ja-JP" sz="1050" kern="100" dirty="0" smtClean="0">
+                          <a:effectLst/>
+                        </a:rPr>
+                        <a:t>コンソール</a:t>
+                      </a:r>
+                      <a:endParaRPr lang="ja-JP" sz="1050" kern="100" dirty="0">
+                        <a:effectLst/>
+                        <a:latin typeface="Century" panose="02040604050505020304" pitchFamily="18" charset="0"/>
+                        <a:ea typeface="ＭＳ 明朝" panose="02020609040205080304" pitchFamily="17" charset="-128"/>
+                        <a:cs typeface="Times New Roman" panose="02020603050405020304" pitchFamily="18" charset="0"/>
+                      </a:endParaRPr>
+                    </a:p>
+                  </a:txBody>
+                  <a:tcPr marL="68580" marR="68580" marT="0" marB="0" anchor="ctr">
+                    <a:solidFill>
+                      <a:srgbClr val="E7E8EA"/>
+                    </a:solidFill>
+                  </a:tcPr>
+                </a:tc>
+                <a:extLst>
+                  <a:ext uri="{0D108BD9-81ED-4DB2-BD59-A6C34878D82A}">
+                    <a16:rowId xmlns:a16="http://schemas.microsoft.com/office/drawing/2014/main" val="10002"/>
+                  </a:ext>
+                </a:extLst>
+              </a:tr>
+              <a:tr h="256767">
+                <a:tc vMerge="1">
+                  <a:txBody>
+                    <a:bodyPr/>
+                    <a:lstStyle/>
+                    <a:p>
+                      <a:pPr algn="l">
+                        <a:spcAft>
+                          <a:spcPts val="0"/>
+                        </a:spcAft>
+                      </a:pPr>
+                      <a:endParaRPr lang="ja-JP" sz="1050" kern="100" dirty="0">
+                        <a:effectLst/>
+                        <a:latin typeface="Century" panose="02040604050505020304" pitchFamily="18" charset="0"/>
+                        <a:ea typeface="ＭＳ 明朝" panose="02020609040205080304" pitchFamily="17" charset="-128"/>
+                        <a:cs typeface="Times New Roman" panose="02020603050405020304" pitchFamily="18" charset="0"/>
+                      </a:endParaRPr>
+                    </a:p>
+                  </a:txBody>
+                  <a:tcPr marL="68580" marR="68580" marT="0" marB="0" anchor="ctr">
+                    <a:solidFill>
+                      <a:srgbClr val="002B62"/>
+                    </a:solidFill>
+                  </a:tcPr>
+                </a:tc>
+                <a:tc>
+                  <a:txBody>
+                    <a:bodyPr/>
+                    <a:lstStyle/>
+                    <a:p>
+                      <a:pPr algn="l">
+                        <a:spcAft>
+                          <a:spcPts val="0"/>
+                        </a:spcAft>
+                      </a:pPr>
+                      <a:r>
+                        <a:rPr lang="ja-JP" altLang="en-US" sz="1050" kern="100" dirty="0" smtClean="0">
+                          <a:effectLst/>
+                        </a:rPr>
+                        <a:t>エクスポート</a:t>
+                      </a:r>
+                      <a:r>
+                        <a:rPr lang="en-US" altLang="ja-JP" sz="1050" kern="100" dirty="0" smtClean="0">
+                          <a:effectLst/>
+                        </a:rPr>
+                        <a:t>/</a:t>
+                      </a:r>
+                      <a:r>
+                        <a:rPr lang="ja-JP" altLang="en-US" sz="1050" kern="100" dirty="0" smtClean="0">
+                          <a:effectLst/>
+                        </a:rPr>
+                        <a:t>インポート</a:t>
+                      </a:r>
+                      <a:endParaRPr lang="ja-JP" altLang="ja-JP" sz="1050" kern="100" dirty="0">
+                        <a:effectLst/>
+                        <a:latin typeface="Century" panose="02040604050505020304" pitchFamily="18" charset="0"/>
+                        <a:ea typeface="ＭＳ 明朝" panose="02020609040205080304" pitchFamily="17" charset="-128"/>
+                        <a:cs typeface="Times New Roman" panose="02020603050405020304" pitchFamily="18" charset="0"/>
+                      </a:endParaRPr>
+                    </a:p>
+                  </a:txBody>
+                  <a:tcPr marL="68580" marR="68580" marT="0" marB="0" anchor="ctr">
+                    <a:solidFill>
+                      <a:srgbClr val="E7E8EA"/>
+                    </a:solidFill>
+                  </a:tcPr>
+                </a:tc>
+                <a:extLst>
+                  <a:ext uri="{0D108BD9-81ED-4DB2-BD59-A6C34878D82A}">
+                    <a16:rowId xmlns:a16="http://schemas.microsoft.com/office/drawing/2014/main" val="2197021021"/>
+                  </a:ext>
+                </a:extLst>
+              </a:tr>
+              <a:tr h="256767">
+                <a:tc>
+                  <a:txBody>
+                    <a:bodyPr/>
+                    <a:lstStyle/>
+                    <a:p>
+                      <a:pPr algn="l">
+                        <a:spcAft>
+                          <a:spcPts val="0"/>
+                        </a:spcAft>
+                      </a:pPr>
+                      <a:r>
+                        <a:rPr lang="ja-JP" altLang="en-US" sz="1050" kern="100" dirty="0" smtClean="0">
+                          <a:effectLst/>
+                        </a:rPr>
+                        <a:t>メニュー</a:t>
+                      </a:r>
+                      <a:r>
+                        <a:rPr lang="ja-JP" sz="1050" kern="100" dirty="0" smtClean="0">
+                          <a:effectLst/>
+                        </a:rPr>
+                        <a:t>作成</a:t>
+                      </a:r>
+                      <a:endParaRPr lang="ja-JP" sz="1050" kern="100" dirty="0">
+                        <a:effectLst/>
+                        <a:latin typeface="Century" panose="02040604050505020304" pitchFamily="18" charset="0"/>
+                        <a:ea typeface="ＭＳ 明朝" panose="02020609040205080304" pitchFamily="17" charset="-128"/>
+                        <a:cs typeface="Times New Roman" panose="02020603050405020304" pitchFamily="18" charset="0"/>
+                      </a:endParaRPr>
+                    </a:p>
+                  </a:txBody>
+                  <a:tcPr marL="68580" marR="68580" marT="0" marB="0" anchor="ctr">
+                    <a:solidFill>
+                      <a:srgbClr val="002B62"/>
+                    </a:solidFill>
+                  </a:tcPr>
+                </a:tc>
+                <a:tc>
+                  <a:txBody>
+                    <a:bodyPr/>
+                    <a:lstStyle/>
+                    <a:p>
+                      <a:pPr algn="l">
+                        <a:spcAft>
+                          <a:spcPts val="0"/>
+                        </a:spcAft>
+                      </a:pPr>
+                      <a:r>
+                        <a:rPr lang="ja-JP" altLang="en-US" sz="1050" kern="100" dirty="0" smtClean="0">
+                          <a:effectLst/>
+                        </a:rPr>
+                        <a:t>メニュー</a:t>
+                      </a:r>
+                      <a:r>
+                        <a:rPr lang="ja-JP" sz="1050" kern="100" dirty="0" smtClean="0">
+                          <a:effectLst/>
+                        </a:rPr>
+                        <a:t>作成</a:t>
+                      </a:r>
+                      <a:endParaRPr lang="ja-JP" sz="1050" kern="100" dirty="0">
+                        <a:effectLst/>
+                        <a:latin typeface="Century" panose="02040604050505020304" pitchFamily="18" charset="0"/>
+                        <a:ea typeface="ＭＳ 明朝" panose="02020609040205080304" pitchFamily="17" charset="-128"/>
+                        <a:cs typeface="Times New Roman" panose="02020603050405020304" pitchFamily="18" charset="0"/>
+                      </a:endParaRPr>
+                    </a:p>
+                  </a:txBody>
+                  <a:tcPr marL="68580" marR="68580" marT="0" marB="0" anchor="ctr">
+                    <a:solidFill>
+                      <a:srgbClr val="CBCDD3"/>
+                    </a:solidFill>
+                  </a:tcPr>
+                </a:tc>
+                <a:extLst>
+                  <a:ext uri="{0D108BD9-81ED-4DB2-BD59-A6C34878D82A}">
+                    <a16:rowId xmlns:a16="http://schemas.microsoft.com/office/drawing/2014/main" val="10003"/>
+                  </a:ext>
+                </a:extLst>
+              </a:tr>
+              <a:tr h="256767">
+                <a:tc rowSpan="4">
+                  <a:txBody>
+                    <a:bodyPr/>
+                    <a:lstStyle/>
+                    <a:p>
+                      <a:pPr algn="l">
+                        <a:spcAft>
+                          <a:spcPts val="0"/>
+                        </a:spcAft>
+                      </a:pPr>
+                      <a:r>
+                        <a:rPr lang="en-US" sz="1050" kern="100" dirty="0">
+                          <a:effectLst/>
+                        </a:rPr>
+                        <a:t>Ansible </a:t>
+                      </a:r>
+                      <a:r>
+                        <a:rPr lang="ja-JP" sz="1050" kern="100" dirty="0">
+                          <a:effectLst/>
+                        </a:rPr>
+                        <a:t>ドライバー</a:t>
+                      </a:r>
+                      <a:endParaRPr lang="ja-JP" sz="1050" kern="100" dirty="0">
+                        <a:effectLst/>
+                        <a:latin typeface="Century" panose="02040604050505020304" pitchFamily="18" charset="0"/>
+                        <a:ea typeface="ＭＳ 明朝" panose="02020609040205080304" pitchFamily="17" charset="-128"/>
+                        <a:cs typeface="Times New Roman" panose="02020603050405020304" pitchFamily="18" charset="0"/>
+                      </a:endParaRPr>
+                    </a:p>
+                  </a:txBody>
+                  <a:tcPr marL="68580" marR="68580" marT="0" marB="0" anchor="ctr">
+                    <a:solidFill>
+                      <a:srgbClr val="002B62"/>
+                    </a:solidFill>
+                  </a:tcPr>
+                </a:tc>
+                <a:tc>
+                  <a:txBody>
+                    <a:bodyPr/>
+                    <a:lstStyle/>
+                    <a:p>
+                      <a:pPr algn="l">
+                        <a:spcAft>
+                          <a:spcPts val="0"/>
+                        </a:spcAft>
+                      </a:pPr>
+                      <a:r>
+                        <a:rPr lang="en-US" sz="1050" kern="100" dirty="0">
+                          <a:effectLst/>
+                        </a:rPr>
+                        <a:t>Ansible</a:t>
+                      </a:r>
+                      <a:r>
+                        <a:rPr lang="ja-JP" sz="1050" kern="100" dirty="0">
+                          <a:effectLst/>
+                        </a:rPr>
+                        <a:t>共通</a:t>
+                      </a:r>
+                      <a:endParaRPr lang="ja-JP" sz="1050" kern="100" dirty="0">
+                        <a:effectLst/>
+                        <a:latin typeface="Century" panose="02040604050505020304" pitchFamily="18" charset="0"/>
+                        <a:ea typeface="ＭＳ 明朝" panose="02020609040205080304" pitchFamily="17" charset="-128"/>
+                        <a:cs typeface="Times New Roman" panose="02020603050405020304" pitchFamily="18" charset="0"/>
+                      </a:endParaRPr>
+                    </a:p>
+                  </a:txBody>
+                  <a:tcPr marL="68580" marR="68580" marT="0" marB="0" anchor="ctr">
+                    <a:solidFill>
+                      <a:srgbClr val="CBCDD3"/>
+                    </a:solidFill>
+                  </a:tcPr>
+                </a:tc>
+                <a:extLst>
+                  <a:ext uri="{0D108BD9-81ED-4DB2-BD59-A6C34878D82A}">
+                    <a16:rowId xmlns:a16="http://schemas.microsoft.com/office/drawing/2014/main" val="10005"/>
+                  </a:ext>
+                </a:extLst>
+              </a:tr>
+              <a:tr h="256767">
+                <a:tc vMerge="1">
+                  <a:txBody>
+                    <a:bodyPr/>
+                    <a:lstStyle/>
+                    <a:p>
+                      <a:endParaRPr kumimoji="1" lang="ja-JP" altLang="en-US"/>
+                    </a:p>
+                  </a:txBody>
+                  <a:tcPr/>
+                </a:tc>
+                <a:tc>
+                  <a:txBody>
+                    <a:bodyPr/>
+                    <a:lstStyle/>
+                    <a:p>
+                      <a:pPr algn="l">
+                        <a:spcAft>
+                          <a:spcPts val="0"/>
+                        </a:spcAft>
+                      </a:pPr>
+                      <a:r>
+                        <a:rPr lang="en-US" sz="1050" kern="100" dirty="0">
+                          <a:effectLst/>
+                        </a:rPr>
+                        <a:t>Ansible-Legacy</a:t>
+                      </a:r>
+                      <a:endParaRPr lang="ja-JP" sz="1050" kern="100" dirty="0">
+                        <a:effectLst/>
+                        <a:latin typeface="Century" panose="02040604050505020304" pitchFamily="18" charset="0"/>
+                        <a:ea typeface="ＭＳ 明朝" panose="02020609040205080304" pitchFamily="17" charset="-128"/>
+                        <a:cs typeface="Times New Roman" panose="02020603050405020304" pitchFamily="18" charset="0"/>
+                      </a:endParaRPr>
+                    </a:p>
+                  </a:txBody>
+                  <a:tcPr marL="68580" marR="68580" marT="0" marB="0" anchor="ctr">
+                    <a:solidFill>
+                      <a:srgbClr val="E7E8EA"/>
+                    </a:solidFill>
+                  </a:tcPr>
+                </a:tc>
+                <a:extLst>
+                  <a:ext uri="{0D108BD9-81ED-4DB2-BD59-A6C34878D82A}">
+                    <a16:rowId xmlns:a16="http://schemas.microsoft.com/office/drawing/2014/main" val="10006"/>
+                  </a:ext>
+                </a:extLst>
+              </a:tr>
+              <a:tr h="256767">
+                <a:tc vMerge="1">
+                  <a:txBody>
+                    <a:bodyPr/>
+                    <a:lstStyle/>
+                    <a:p>
+                      <a:endParaRPr kumimoji="1" lang="ja-JP" altLang="en-US"/>
+                    </a:p>
+                  </a:txBody>
+                  <a:tcPr/>
+                </a:tc>
+                <a:tc>
+                  <a:txBody>
+                    <a:bodyPr/>
+                    <a:lstStyle/>
+                    <a:p>
+                      <a:pPr algn="l">
+                        <a:spcAft>
+                          <a:spcPts val="0"/>
+                        </a:spcAft>
+                      </a:pPr>
+                      <a:r>
+                        <a:rPr lang="en-US" sz="1050" kern="100" dirty="0">
+                          <a:effectLst/>
+                        </a:rPr>
+                        <a:t>Ansible-Pioneer</a:t>
+                      </a:r>
+                      <a:endParaRPr lang="ja-JP" sz="1050" kern="100" dirty="0">
+                        <a:effectLst/>
+                        <a:latin typeface="Century" panose="02040604050505020304" pitchFamily="18" charset="0"/>
+                        <a:ea typeface="ＭＳ 明朝" panose="02020609040205080304" pitchFamily="17" charset="-128"/>
+                        <a:cs typeface="Times New Roman" panose="02020603050405020304" pitchFamily="18" charset="0"/>
+                      </a:endParaRPr>
+                    </a:p>
+                  </a:txBody>
+                  <a:tcPr marL="68580" marR="68580" marT="0" marB="0" anchor="ctr">
+                    <a:solidFill>
+                      <a:srgbClr val="CBCDD3"/>
+                    </a:solidFill>
+                  </a:tcPr>
+                </a:tc>
+                <a:extLst>
+                  <a:ext uri="{0D108BD9-81ED-4DB2-BD59-A6C34878D82A}">
+                    <a16:rowId xmlns:a16="http://schemas.microsoft.com/office/drawing/2014/main" val="10007"/>
+                  </a:ext>
+                </a:extLst>
+              </a:tr>
+              <a:tr h="256767">
+                <a:tc vMerge="1">
+                  <a:txBody>
+                    <a:bodyPr/>
+                    <a:lstStyle/>
+                    <a:p>
+                      <a:endParaRPr kumimoji="1" lang="ja-JP" altLang="en-US"/>
+                    </a:p>
+                  </a:txBody>
+                  <a:tcPr/>
+                </a:tc>
+                <a:tc>
+                  <a:txBody>
+                    <a:bodyPr/>
+                    <a:lstStyle/>
+                    <a:p>
+                      <a:pPr algn="l">
+                        <a:spcAft>
+                          <a:spcPts val="0"/>
+                        </a:spcAft>
+                      </a:pPr>
+                      <a:r>
+                        <a:rPr lang="en-US" sz="1050" kern="100" dirty="0">
+                          <a:effectLst/>
+                        </a:rPr>
+                        <a:t>Ansible-LegacyRole</a:t>
+                      </a:r>
+                      <a:endParaRPr lang="ja-JP" sz="1050" kern="100" dirty="0">
+                        <a:effectLst/>
+                        <a:latin typeface="Century" panose="02040604050505020304" pitchFamily="18" charset="0"/>
+                        <a:ea typeface="ＭＳ 明朝" panose="02020609040205080304" pitchFamily="17" charset="-128"/>
+                        <a:cs typeface="Times New Roman" panose="02020603050405020304" pitchFamily="18" charset="0"/>
+                      </a:endParaRPr>
+                    </a:p>
+                  </a:txBody>
+                  <a:tcPr marL="68580" marR="68580" marT="0" marB="0" anchor="ctr">
+                    <a:solidFill>
+                      <a:srgbClr val="E7E8EA"/>
+                    </a:solidFill>
+                  </a:tcPr>
+                </a:tc>
+                <a:extLst>
+                  <a:ext uri="{0D108BD9-81ED-4DB2-BD59-A6C34878D82A}">
+                    <a16:rowId xmlns:a16="http://schemas.microsoft.com/office/drawing/2014/main" val="10008"/>
+                  </a:ext>
+                </a:extLst>
+              </a:tr>
+            </a:tbl>
+          </a:graphicData>
+        </a:graphic>
+      </p:graphicFrame>
+    </p:spTree>
+    <p:extLst>
+      <p:ext uri="{BB962C8B-B14F-4D97-AF65-F5344CB8AC3E}">
+        <p14:creationId xmlns:p14="http://schemas.microsoft.com/office/powerpoint/2010/main" val="2285131903"/>
+      </p:ext>
+    </p:extLst>
+  </p:cSld>
+  <p:clrMapOvr>
+    <a:masterClrMapping/>
+  </p:clrMapOvr>
+</p:sld>
+</file>
+
+<file path=ppt/slides/slide25.xml><?xml version="1.0" encoding="utf-8"?>
+<p:sld xmlns:a="http://schemas.openxmlformats.org/drawingml/2006/main" xmlns:r="http://schemas.openxmlformats.org/officeDocument/2006/relationships" xmlns:p="http://schemas.openxmlformats.org/presentationml/2006/main">
+  <p:cSld>
+    <p:spTree>
+      <p:nvGrpSpPr>
+        <p:cNvPr id="1" name=""/>
+        <p:cNvGrpSpPr/>
+        <p:nvPr/>
+      </p:nvGrpSpPr>
+      <p:grpSpPr>
+        <a:xfrm>
+          <a:off x="0" y="0"/>
+          <a:ext cx="0" cy="0"/>
+          <a:chOff x="0" y="0"/>
+          <a:chExt cx="0" cy="0"/>
+        </a:xfrm>
+      </p:grpSpPr>
+      <p:sp>
+        <p:nvSpPr>
+          <p:cNvPr id="2" name="タイトル 1"/>
+          <p:cNvSpPr>
+            <a:spLocks noGrp="1"/>
+          </p:cNvSpPr>
+          <p:nvPr>
+            <p:ph type="title"/>
+          </p:nvPr>
+        </p:nvSpPr>
+        <p:spPr/>
+        <p:txBody>
+          <a:bodyPr/>
+          <a:lstStyle/>
+          <a:p>
+            <a:r>
+              <a:rPr lang="en-US" altLang="ja-JP" dirty="0" smtClean="0"/>
+              <a:t>4.4</a:t>
+            </a:r>
+            <a:r>
+              <a:rPr lang="ja-JP" altLang="en-US" dirty="0"/>
+              <a:t>　</a:t>
+            </a:r>
+            <a:r>
+              <a:rPr lang="ja-JP" altLang="en-US" dirty="0" smtClean="0"/>
+              <a:t>動作確認（</a:t>
+            </a:r>
+            <a:r>
+              <a:rPr lang="en-US" altLang="ja-JP" dirty="0" smtClean="0"/>
+              <a:t>4/6</a:t>
+            </a:r>
+            <a:r>
+              <a:rPr lang="ja-JP" altLang="en-US" dirty="0" smtClean="0"/>
+              <a:t>）</a:t>
+            </a:r>
+            <a:endParaRPr kumimoji="1" lang="ja-JP" altLang="en-US" dirty="0"/>
+          </a:p>
+        </p:txBody>
+      </p:sp>
+      <p:sp>
+        <p:nvSpPr>
+          <p:cNvPr id="3" name="コンテンツ プレースホルダー 2"/>
+          <p:cNvSpPr>
+            <a:spLocks noGrp="1"/>
+          </p:cNvSpPr>
+          <p:nvPr>
+            <p:ph sz="quarter" idx="10"/>
+          </p:nvPr>
+        </p:nvSpPr>
+        <p:spPr/>
+        <p:txBody>
+          <a:bodyPr/>
+          <a:lstStyle/>
+          <a:p>
+            <a:r>
+              <a:rPr lang="en-US" altLang="ja-JP" dirty="0" smtClean="0"/>
+              <a:t>HTTPS</a:t>
+            </a:r>
+            <a:r>
+              <a:rPr lang="ja-JP" altLang="en-US" dirty="0" smtClean="0"/>
+              <a:t>でアクセスするための準備</a:t>
+            </a:r>
+            <a:r>
+              <a:rPr lang="ja-JP" altLang="en-US" dirty="0"/>
+              <a:t>作業</a:t>
+            </a:r>
+          </a:p>
+          <a:p>
+            <a:pPr lvl="1"/>
+            <a:r>
+              <a:rPr lang="ja-JP" altLang="en-US" dirty="0" smtClean="0"/>
+              <a:t>操作</a:t>
+            </a:r>
+            <a:r>
+              <a:rPr lang="ja-JP" altLang="en-US" dirty="0"/>
+              <a:t>端末（</a:t>
+            </a:r>
+            <a:r>
+              <a:rPr lang="en-US" altLang="ja-JP" dirty="0"/>
+              <a:t>Windows</a:t>
+            </a:r>
+            <a:r>
+              <a:rPr lang="ja-JP" altLang="en-US" dirty="0"/>
+              <a:t>）の</a:t>
+            </a:r>
+            <a:r>
+              <a:rPr lang="en-US" altLang="ja-JP" dirty="0"/>
+              <a:t>hosts</a:t>
+            </a:r>
+            <a:r>
+              <a:rPr lang="ja-JP" altLang="en-US" dirty="0"/>
+              <a:t>ファイル</a:t>
+            </a:r>
+            <a:r>
+              <a:rPr lang="ja-JP" altLang="en-US" dirty="0" smtClean="0"/>
+              <a:t>へ</a:t>
+            </a:r>
+            <a:r>
+              <a:rPr lang="en-US" altLang="ja-JP" dirty="0" smtClean="0"/>
+              <a:t>ITA</a:t>
+            </a:r>
+            <a:r>
+              <a:rPr lang="ja-JP" altLang="en-US" dirty="0" smtClean="0"/>
+              <a:t>実装</a:t>
+            </a:r>
+            <a:r>
+              <a:rPr lang="ja-JP" altLang="en-US" dirty="0"/>
+              <a:t>サーバの</a:t>
+            </a:r>
+            <a:r>
+              <a:rPr lang="en-US" altLang="ja-JP" dirty="0"/>
+              <a:t>IP</a:t>
+            </a:r>
+            <a:r>
+              <a:rPr lang="ja-JP" altLang="en-US" dirty="0"/>
+              <a:t>アドレスとホスト名を</a:t>
+            </a:r>
+            <a:r>
+              <a:rPr lang="ja-JP" altLang="en-US" dirty="0" smtClean="0"/>
+              <a:t>設定してください。</a:t>
+            </a:r>
+            <a:r>
+              <a:rPr lang="en-US" altLang="ja-JP" dirty="0" smtClean="0"/>
+              <a:t/>
+            </a:r>
+            <a:br>
+              <a:rPr lang="en-US" altLang="ja-JP" dirty="0" smtClean="0"/>
+            </a:br>
+            <a:r>
+              <a:rPr lang="en-US" altLang="ja-JP" dirty="0" smtClean="0"/>
+              <a:t/>
+            </a:r>
+            <a:br>
+              <a:rPr lang="en-US" altLang="ja-JP" dirty="0" smtClean="0"/>
+            </a:br>
+            <a:endParaRPr lang="en-US" altLang="ja-JP" dirty="0"/>
+          </a:p>
+          <a:p>
+            <a:pPr lvl="1"/>
+            <a:r>
+              <a:rPr lang="en-US" altLang="ja-JP" dirty="0" smtClean="0"/>
+              <a:t>Windows10</a:t>
+            </a:r>
+            <a:r>
+              <a:rPr lang="ja-JP" altLang="ja-JP" dirty="0" smtClean="0"/>
+              <a:t>の</a:t>
+            </a:r>
+            <a:r>
+              <a:rPr lang="ja-JP" altLang="ja-JP" dirty="0"/>
+              <a:t>場合、以下の</a:t>
+            </a:r>
+            <a:r>
+              <a:rPr lang="en-US" altLang="ja-JP" dirty="0"/>
+              <a:t>hosts</a:t>
+            </a:r>
+            <a:r>
+              <a:rPr lang="ja-JP" altLang="ja-JP" dirty="0"/>
+              <a:t>ファイルとなります</a:t>
+            </a:r>
+            <a:r>
+              <a:rPr lang="ja-JP" altLang="ja-JP" dirty="0" smtClean="0"/>
+              <a:t>。</a:t>
+            </a:r>
+            <a:endParaRPr lang="en-US" altLang="ja-JP" dirty="0" smtClean="0"/>
+          </a:p>
+          <a:p>
+            <a:pPr lvl="1"/>
+            <a:endParaRPr lang="en-US" altLang="ja-JP" dirty="0" smtClean="0"/>
+          </a:p>
+          <a:p>
+            <a:pPr marL="180000" lvl="1" indent="0">
+              <a:buNone/>
+            </a:pPr>
+            <a:endParaRPr lang="en-US" altLang="ja-JP" dirty="0" smtClean="0"/>
+          </a:p>
+          <a:p>
+            <a:pPr marL="180000" lvl="1" indent="0">
+              <a:buNone/>
+            </a:pPr>
+            <a:endParaRPr lang="en-US" altLang="ja-JP" dirty="0"/>
+          </a:p>
+          <a:p>
+            <a:pPr lvl="1"/>
+            <a:r>
+              <a:rPr lang="en-US" altLang="ja-JP" dirty="0"/>
+              <a:t>hosts</a:t>
+            </a:r>
+            <a:r>
+              <a:rPr lang="ja-JP" altLang="ja-JP" dirty="0"/>
+              <a:t>ファイルに以下の設定を追加してください。</a:t>
+            </a:r>
+            <a:endParaRPr lang="ja-JP" altLang="en-US" dirty="0"/>
+          </a:p>
+          <a:p>
+            <a:pPr lvl="1"/>
+            <a:endParaRPr kumimoji="1" lang="ja-JP" altLang="en-US" dirty="0"/>
+          </a:p>
+        </p:txBody>
+      </p:sp>
+      <p:graphicFrame>
+        <p:nvGraphicFramePr>
+          <p:cNvPr id="4" name="表 3"/>
+          <p:cNvGraphicFramePr>
+            <a:graphicFrameLocks noGrp="1"/>
+          </p:cNvGraphicFramePr>
+          <p:nvPr>
+            <p:extLst>
+              <p:ext uri="{D42A27DB-BD31-4B8C-83A1-F6EECF244321}">
+                <p14:modId xmlns:p14="http://schemas.microsoft.com/office/powerpoint/2010/main" val="1561031934"/>
+              </p:ext>
+            </p:extLst>
+          </p:nvPr>
+        </p:nvGraphicFramePr>
+        <p:xfrm>
+          <a:off x="1829118" y="2752720"/>
+          <a:ext cx="5485765" cy="316230"/>
+        </p:xfrm>
+        <a:graphic>
+          <a:graphicData uri="http://schemas.openxmlformats.org/drawingml/2006/table">
+            <a:tbl>
+              <a:tblPr firstRow="1" firstCol="1" bandRow="1">
+                <a:tableStyleId>{5C22544A-7EE6-4342-B048-85BDC9FD1C3A}</a:tableStyleId>
+              </a:tblPr>
+              <a:tblGrid>
+                <a:gridCol w="5485765">
+                  <a:extLst>
+                    <a:ext uri="{9D8B030D-6E8A-4147-A177-3AD203B41FA5}">
+                      <a16:colId xmlns:a16="http://schemas.microsoft.com/office/drawing/2014/main" val="20000"/>
+                    </a:ext>
+                  </a:extLst>
+                </a:gridCol>
+              </a:tblGrid>
+              <a:tr h="316230">
+                <a:tc>
+                  <a:txBody>
+                    <a:bodyPr/>
+                    <a:lstStyle/>
+                    <a:p>
+                      <a:pPr algn="just">
+                        <a:spcAft>
+                          <a:spcPts val="0"/>
+                        </a:spcAft>
+                      </a:pPr>
+                      <a:r>
+                        <a:rPr lang="en-US" sz="1050" kern="100" dirty="0">
+                          <a:effectLst/>
+                        </a:rPr>
+                        <a:t>C:\Windows\System32\drivers\etc\hosts</a:t>
+                      </a:r>
+                      <a:endParaRPr lang="ja-JP" sz="1050" kern="100" dirty="0">
+                        <a:effectLst/>
+                        <a:latin typeface="Century" panose="02040604050505020304" pitchFamily="18" charset="0"/>
+                        <a:ea typeface="ＭＳ 明朝" panose="02020609040205080304" pitchFamily="17" charset="-128"/>
+                        <a:cs typeface="Times New Roman" panose="02020603050405020304" pitchFamily="18" charset="0"/>
+                      </a:endParaRPr>
+                    </a:p>
+                  </a:txBody>
+                  <a:tcPr marL="68580" marR="68580" marT="0" marB="0" anchor="ctr">
+                    <a:solidFill>
+                      <a:srgbClr val="002B62"/>
+                    </a:solidFill>
+                  </a:tcPr>
+                </a:tc>
+                <a:extLst>
+                  <a:ext uri="{0D108BD9-81ED-4DB2-BD59-A6C34878D82A}">
+                    <a16:rowId xmlns:a16="http://schemas.microsoft.com/office/drawing/2014/main" val="10000"/>
+                  </a:ext>
+                </a:extLst>
+              </a:tr>
+            </a:tbl>
+          </a:graphicData>
+        </a:graphic>
+      </p:graphicFrame>
+      <p:graphicFrame>
+        <p:nvGraphicFramePr>
+          <p:cNvPr id="5" name="表 4"/>
+          <p:cNvGraphicFramePr>
+            <a:graphicFrameLocks noGrp="1"/>
+          </p:cNvGraphicFramePr>
+          <p:nvPr>
+            <p:extLst>
+              <p:ext uri="{D42A27DB-BD31-4B8C-83A1-F6EECF244321}">
+                <p14:modId xmlns:p14="http://schemas.microsoft.com/office/powerpoint/2010/main" val="3616517016"/>
+              </p:ext>
+            </p:extLst>
+          </p:nvPr>
+        </p:nvGraphicFramePr>
+        <p:xfrm>
+          <a:off x="1828630" y="4149100"/>
+          <a:ext cx="5485765" cy="936130"/>
+        </p:xfrm>
+        <a:graphic>
+          <a:graphicData uri="http://schemas.openxmlformats.org/drawingml/2006/table">
+            <a:tbl>
+              <a:tblPr firstRow="1" firstCol="1" bandRow="1">
+                <a:tableStyleId>{5C22544A-7EE6-4342-B048-85BDC9FD1C3A}</a:tableStyleId>
+              </a:tblPr>
+              <a:tblGrid>
+                <a:gridCol w="5485765">
+                  <a:extLst>
+                    <a:ext uri="{9D8B030D-6E8A-4147-A177-3AD203B41FA5}">
+                      <a16:colId xmlns:a16="http://schemas.microsoft.com/office/drawing/2014/main" val="20000"/>
+                    </a:ext>
+                  </a:extLst>
+                </a:gridCol>
+              </a:tblGrid>
+              <a:tr h="936130">
+                <a:tc>
+                  <a:txBody>
+                    <a:bodyPr/>
+                    <a:lstStyle/>
+                    <a:p>
+                      <a:pPr algn="l">
+                        <a:spcAft>
+                          <a:spcPts val="0"/>
+                        </a:spcAft>
+                      </a:pPr>
+                      <a:r>
+                        <a:rPr lang="en-US" sz="1050" kern="100" dirty="0" smtClean="0">
+                          <a:effectLst/>
+                        </a:rPr>
+                        <a:t>“ITA</a:t>
+                      </a:r>
+                      <a:r>
+                        <a:rPr lang="ja-JP" sz="1050" kern="100" dirty="0" smtClean="0">
+                          <a:effectLst/>
+                        </a:rPr>
+                        <a:t>実装</a:t>
+                      </a:r>
+                      <a:r>
+                        <a:rPr lang="ja-JP" sz="1050" kern="100" dirty="0">
+                          <a:effectLst/>
+                        </a:rPr>
+                        <a:t>サーバの</a:t>
+                      </a:r>
+                      <a:r>
+                        <a:rPr lang="en-US" sz="1050" kern="100" dirty="0">
+                          <a:effectLst/>
+                        </a:rPr>
+                        <a:t>IP</a:t>
+                      </a:r>
+                      <a:r>
+                        <a:rPr lang="ja-JP" sz="1050" kern="100" dirty="0">
+                          <a:effectLst/>
+                        </a:rPr>
+                        <a:t>アドレス</a:t>
+                      </a:r>
+                      <a:r>
+                        <a:rPr lang="en-US" sz="1050" kern="100" dirty="0">
+                          <a:effectLst/>
+                        </a:rPr>
+                        <a:t>”</a:t>
+                      </a:r>
+                      <a:r>
+                        <a:rPr lang="ja-JP" sz="1050" kern="100" dirty="0">
+                          <a:effectLst/>
+                        </a:rPr>
+                        <a:t>　</a:t>
+                      </a:r>
+                      <a:r>
+                        <a:rPr lang="ja-JP" sz="1050" kern="0" dirty="0">
+                          <a:effectLst/>
+                        </a:rPr>
+                        <a:t> </a:t>
+                      </a:r>
+                      <a:r>
+                        <a:rPr lang="en-US" altLang="ja-JP" sz="1050" kern="0" dirty="0" smtClean="0">
+                          <a:effectLst/>
+                        </a:rPr>
+                        <a:t>exastro</a:t>
+                      </a:r>
+                      <a:r>
+                        <a:rPr lang="en-US" sz="1050" kern="0" dirty="0" smtClean="0">
+                          <a:effectLst/>
+                        </a:rPr>
+                        <a:t>-it-automation</a:t>
+                      </a:r>
+                      <a:r>
+                        <a:rPr lang="en-US" sz="1050" kern="0" dirty="0">
+                          <a:effectLst/>
+                        </a:rPr>
+                        <a:t/>
+                      </a:r>
+                      <a:br>
+                        <a:rPr lang="en-US" sz="1050" kern="0" dirty="0">
+                          <a:effectLst/>
+                        </a:rPr>
+                      </a:br>
+                      <a:r>
+                        <a:rPr lang="en-US" sz="1050" kern="0" dirty="0" smtClean="0">
+                          <a:effectLst/>
+                        </a:rPr>
+                        <a:t/>
+                      </a:r>
+                      <a:br>
+                        <a:rPr lang="en-US" sz="1050" kern="0" dirty="0" smtClean="0">
+                          <a:effectLst/>
+                        </a:rPr>
+                      </a:br>
+                      <a:r>
+                        <a:rPr lang="ja-JP" sz="1050" kern="0" dirty="0" smtClean="0">
+                          <a:effectLst/>
+                        </a:rPr>
+                        <a:t>例</a:t>
+                      </a:r>
+                      <a:r>
+                        <a:rPr lang="ja-JP" altLang="en-US" sz="1050" kern="0" dirty="0" smtClean="0">
+                          <a:effectLst/>
+                        </a:rPr>
+                        <a:t>）</a:t>
+                      </a:r>
+                      <a:r>
+                        <a:rPr lang="en-US" sz="1050" kern="0" dirty="0" smtClean="0">
+                          <a:effectLst/>
+                        </a:rPr>
+                        <a:t/>
+                      </a:r>
+                      <a:br>
+                        <a:rPr lang="en-US" sz="1050" kern="0" dirty="0" smtClean="0">
+                          <a:effectLst/>
+                        </a:rPr>
+                      </a:br>
+                      <a:r>
+                        <a:rPr lang="en-US" sz="1050" kern="0" dirty="0" smtClean="0">
+                          <a:effectLst/>
+                        </a:rPr>
+                        <a:t>192.168.0.3 </a:t>
+                      </a:r>
+                      <a:r>
+                        <a:rPr lang="ja-JP" sz="1050" kern="0" dirty="0">
+                          <a:effectLst/>
+                        </a:rPr>
+                        <a:t>　</a:t>
+                      </a:r>
+                      <a:r>
+                        <a:rPr lang="en-US" altLang="ja-JP" sz="1050" kern="0" dirty="0" smtClean="0">
+                          <a:effectLst/>
+                        </a:rPr>
+                        <a:t>e</a:t>
+                      </a:r>
+                      <a:r>
+                        <a:rPr lang="en-US" sz="1050" kern="0" dirty="0" smtClean="0">
+                          <a:effectLst/>
+                        </a:rPr>
+                        <a:t>xastro-it-automation</a:t>
+                      </a:r>
+                      <a:endParaRPr lang="ja-JP" sz="1050" kern="100" dirty="0">
+                        <a:effectLst/>
+                        <a:latin typeface="Century" panose="02040604050505020304" pitchFamily="18" charset="0"/>
+                        <a:ea typeface="ＭＳ 明朝" panose="02020609040205080304" pitchFamily="17" charset="-128"/>
+                        <a:cs typeface="Times New Roman" panose="02020603050405020304" pitchFamily="18" charset="0"/>
+                      </a:endParaRPr>
+                    </a:p>
+                  </a:txBody>
+                  <a:tcPr marL="68580" marR="68580" marT="0" marB="0" anchor="ctr">
+                    <a:solidFill>
+                      <a:srgbClr val="002B62"/>
+                    </a:solidFill>
+                  </a:tcPr>
+                </a:tc>
+                <a:extLst>
+                  <a:ext uri="{0D108BD9-81ED-4DB2-BD59-A6C34878D82A}">
+                    <a16:rowId xmlns:a16="http://schemas.microsoft.com/office/drawing/2014/main" val="10000"/>
+                  </a:ext>
+                </a:extLst>
+              </a:tr>
+            </a:tbl>
+          </a:graphicData>
+        </a:graphic>
+      </p:graphicFrame>
+    </p:spTree>
+    <p:extLst>
+      <p:ext uri="{BB962C8B-B14F-4D97-AF65-F5344CB8AC3E}">
+        <p14:creationId xmlns:p14="http://schemas.microsoft.com/office/powerpoint/2010/main" val="4269496744"/>
       </p:ext>
     </p:extLst>
   </p:cSld>
@@ -28155,10 +28035,10 @@
             </a:r>
             <a:r>
               <a:rPr lang="en-US" altLang="ja-JP" dirty="0" smtClean="0"/>
-              <a:t>5/5</a:t>
-            </a:r>
-            <a:r>
-              <a:rPr lang="ja-JP" altLang="en-US" dirty="0"/>
+              <a:t>5/6</a:t>
+            </a:r>
+            <a:r>
+              <a:rPr lang="ja-JP" altLang="en-US" dirty="0" smtClean="0"/>
               <a:t>）</a:t>
             </a:r>
             <a:endParaRPr kumimoji="1" lang="ja-JP" altLang="en-US" dirty="0"/>
@@ -28167,7 +28047,7 @@
       </p:sp>
       <p:sp>
         <p:nvSpPr>
-          <p:cNvPr id="7" name="コンテンツ プレースホルダー 2"/>
+          <p:cNvPr id="3" name="コンテンツ プレースホルダー 2"/>
           <p:cNvSpPr>
             <a:spLocks noGrp="1"/>
           </p:cNvSpPr>
@@ -28178,294 +28058,530 @@
         <p:spPr>
           <a:xfrm>
             <a:off x="179512" y="836712"/>
-            <a:ext cx="8784976" cy="5616476"/>
+            <a:ext cx="8964488" cy="5616476"/>
           </a:xfrm>
         </p:spPr>
         <p:txBody>
           <a:bodyPr>
-            <a:normAutofit/>
+            <a:normAutofit fontScale="92500" lnSpcReduction="10000"/>
           </a:bodyPr>
           <a:lstStyle/>
           <a:p>
-            <a:pPr lvl="0"/>
+            <a:pPr lvl="1"/>
+            <a:r>
+              <a:rPr lang="ja-JP" altLang="ja-JP" dirty="0" smtClean="0"/>
+              <a:t>操作</a:t>
+            </a:r>
             <a:r>
               <a:rPr lang="ja-JP" altLang="ja-JP" dirty="0"/>
-              <a:t>各メニューの表示による内容</a:t>
+              <a:t>端末（</a:t>
+            </a:r>
+            <a:r>
+              <a:rPr lang="en-US" altLang="ja-JP" dirty="0"/>
+              <a:t>Windows</a:t>
+            </a:r>
+            <a:r>
+              <a:rPr lang="ja-JP" altLang="ja-JP" dirty="0"/>
+              <a:t>）</a:t>
+            </a:r>
+            <a:r>
+              <a:rPr lang="ja-JP" altLang="en-US" dirty="0"/>
+              <a:t>への</a:t>
+            </a:r>
+            <a:r>
+              <a:rPr lang="ja-JP" altLang="ja-JP" dirty="0"/>
+              <a:t>証明書</a:t>
             </a:r>
             <a:r>
               <a:rPr lang="ja-JP" altLang="ja-JP" dirty="0" smtClean="0"/>
-              <a:t>確認</a:t>
+              <a:t>インポート</a:t>
+            </a:r>
+            <a:r>
+              <a:rPr lang="ja-JP" altLang="en-US" dirty="0" smtClean="0"/>
+              <a:t>を行います。</a:t>
+            </a:r>
+            <a:r>
+              <a:rPr lang="en-US" altLang="ja-JP" dirty="0" smtClean="0"/>
+              <a:t/>
+            </a:r>
+            <a:br>
+              <a:rPr lang="en-US" altLang="ja-JP" dirty="0" smtClean="0"/>
+            </a:br>
+            <a:r>
+              <a:rPr lang="ja-JP" altLang="ja-JP" dirty="0" smtClean="0"/>
+              <a:t>証明書は</a:t>
+            </a:r>
+            <a:r>
+              <a:rPr lang="en-US" altLang="ja-JP" dirty="0" smtClean="0"/>
+              <a:t>ITA</a:t>
+            </a:r>
+            <a:r>
+              <a:rPr lang="ja-JP" altLang="ja-JP" dirty="0" smtClean="0"/>
+              <a:t>インストールパッケージの以下のパスに格納されています。</a:t>
             </a:r>
             <a:endParaRPr lang="en-US" altLang="ja-JP" dirty="0" smtClean="0"/>
           </a:p>
           <a:p>
             <a:pPr lvl="1"/>
             <a:r>
-              <a:rPr lang="ja-JP" altLang="en-US" dirty="0" smtClean="0"/>
-              <a:t>ログイン後、</a:t>
-            </a:r>
-            <a:r>
-              <a:rPr lang="ja-JP" altLang="ja-JP" dirty="0" smtClean="0"/>
-              <a:t>以下</a:t>
+              <a:rPr lang="en-US" altLang="ja-JP" dirty="0" smtClean="0"/>
+              <a:t>FFFTP </a:t>
             </a:r>
             <a:r>
               <a:rPr lang="ja-JP" altLang="ja-JP" dirty="0"/>
-              <a:t>のメニューが正常に表示されることを確認してください。</a:t>
-            </a:r>
-          </a:p>
-          <a:p>
-            <a:pPr lvl="1"/>
-            <a:endParaRPr kumimoji="1" lang="en-US" altLang="ja-JP" dirty="0" smtClean="0"/>
-          </a:p>
-          <a:p>
-            <a:pPr lvl="1"/>
-            <a:endParaRPr lang="en-US" altLang="ja-JP" dirty="0"/>
-          </a:p>
-          <a:p>
-            <a:pPr lvl="1"/>
-            <a:endParaRPr kumimoji="1" lang="en-US" altLang="ja-JP" dirty="0" smtClean="0"/>
-          </a:p>
-          <a:p>
-            <a:pPr lvl="1"/>
-            <a:endParaRPr lang="en-US" altLang="ja-JP" dirty="0"/>
-          </a:p>
-          <a:p>
-            <a:pPr lvl="1"/>
-            <a:endParaRPr kumimoji="1" lang="en-US" altLang="ja-JP" dirty="0" smtClean="0"/>
-          </a:p>
-          <a:p>
-            <a:pPr lvl="1"/>
-            <a:endParaRPr lang="en-US" altLang="ja-JP" dirty="0"/>
-          </a:p>
-          <a:p>
-            <a:pPr lvl="1"/>
-            <a:endParaRPr kumimoji="1" lang="en-US" altLang="ja-JP" dirty="0" smtClean="0"/>
-          </a:p>
-          <a:p>
-            <a:pPr lvl="1"/>
-            <a:endParaRPr lang="en-US" altLang="ja-JP" dirty="0"/>
-          </a:p>
-          <a:p>
-            <a:pPr lvl="1"/>
-            <a:endParaRPr kumimoji="1" lang="en-US" altLang="ja-JP" dirty="0" smtClean="0"/>
-          </a:p>
-          <a:p>
-            <a:pPr lvl="0"/>
-            <a:r>
-              <a:rPr lang="ja-JP" altLang="en-US" dirty="0" smtClean="0"/>
-              <a:t>（参考）</a:t>
-            </a:r>
-            <a:r>
-              <a:rPr lang="en-US" altLang="ja-JP" dirty="0" smtClean="0"/>
-              <a:t>HTTP</a:t>
-            </a:r>
-            <a:r>
-              <a:rPr lang="ja-JP" altLang="en-US" dirty="0" smtClean="0"/>
-              <a:t>アクセス</a:t>
-            </a:r>
-            <a:endParaRPr lang="en-US" altLang="ja-JP" dirty="0"/>
+              <a:t>、</a:t>
+            </a:r>
+            <a:r>
+              <a:rPr lang="en-US" altLang="ja-JP" dirty="0"/>
+              <a:t>WinSCP</a:t>
+            </a:r>
+            <a:r>
+              <a:rPr lang="ja-JP" altLang="ja-JP" dirty="0"/>
+              <a:t>などのツールを利用し操作端末にダウンロードします。</a:t>
+            </a:r>
           </a:p>
           <a:p>
             <a:pPr marL="180000" lvl="1" indent="0">
               <a:buNone/>
             </a:pPr>
+            <a:endParaRPr lang="en-US" altLang="ja-JP" dirty="0" smtClean="0"/>
+          </a:p>
+          <a:p>
+            <a:pPr marL="180000" lvl="1" indent="0">
+              <a:buNone/>
+            </a:pPr>
+            <a:endParaRPr lang="en-US" altLang="ja-JP" dirty="0"/>
+          </a:p>
+          <a:p>
+            <a:pPr marL="180000" lvl="1" indent="0">
+              <a:buNone/>
+            </a:pPr>
+            <a:endParaRPr lang="en-US" altLang="ja-JP" dirty="0" smtClean="0"/>
+          </a:p>
+          <a:p>
+            <a:pPr marL="180000" lvl="1" indent="0">
+              <a:buNone/>
+            </a:pPr>
+            <a:endParaRPr lang="en-US" altLang="ja-JP" dirty="0" smtClean="0"/>
+          </a:p>
+          <a:p>
+            <a:pPr marL="180000" lvl="1" indent="0">
+              <a:buNone/>
+            </a:pPr>
+            <a:endParaRPr lang="en-US" altLang="ja-JP" dirty="0"/>
+          </a:p>
+          <a:p>
+            <a:pPr lvl="1"/>
+            <a:r>
+              <a:rPr lang="en-US" altLang="ja-JP" dirty="0"/>
+              <a:t>Web</a:t>
+            </a:r>
+            <a:r>
+              <a:rPr lang="ja-JP" altLang="ja-JP" dirty="0"/>
+              <a:t>ブラウザに証明書のインポートをしてください。</a:t>
+            </a:r>
+          </a:p>
+          <a:p>
+            <a:pPr lvl="1"/>
+            <a:r>
+              <a:rPr lang="ja-JP" altLang="en-US" dirty="0" smtClean="0"/>
+              <a:t>例として、</a:t>
+            </a:r>
             <a:r>
               <a:rPr lang="en-US" altLang="ja-JP" dirty="0" smtClean="0"/>
-              <a:t>HTTP</a:t>
+              <a:t>Google Chrome</a:t>
+            </a:r>
+            <a:r>
+              <a:rPr lang="ja-JP" altLang="ja-JP" dirty="0" smtClean="0"/>
+              <a:t>に</a:t>
+            </a:r>
+            <a:r>
+              <a:rPr lang="ja-JP" altLang="ja-JP" dirty="0"/>
+              <a:t>インポートする</a:t>
+            </a:r>
+            <a:r>
+              <a:rPr lang="ja-JP" altLang="ja-JP" dirty="0" smtClean="0"/>
+              <a:t>手順</a:t>
+            </a:r>
+            <a:r>
+              <a:rPr lang="ja-JP" altLang="en-US" dirty="0"/>
+              <a:t>を</a:t>
+            </a:r>
+            <a:r>
+              <a:rPr lang="ja-JP" altLang="ja-JP" dirty="0" smtClean="0"/>
+              <a:t>以下</a:t>
             </a:r>
             <a:r>
               <a:rPr lang="ja-JP" altLang="en-US" dirty="0" smtClean="0"/>
-              <a:t>アクセスを許可する場合は、</a:t>
+              <a:t>に示します。</a:t>
+            </a:r>
+            <a:endParaRPr lang="en-US" altLang="ja-JP" dirty="0" smtClean="0"/>
+          </a:p>
+          <a:p>
+            <a:pPr marL="180000" lvl="1" indent="0">
+              <a:buNone/>
+            </a:pPr>
+            <a:endParaRPr lang="en-US" altLang="ja-JP" dirty="0" smtClean="0"/>
+          </a:p>
+          <a:p>
+            <a:pPr marL="180000" lvl="1" indent="0">
+              <a:buNone/>
+            </a:pPr>
+            <a:r>
+              <a:rPr lang="ja-JP" altLang="en-US" dirty="0" smtClean="0"/>
+              <a:t>　①　</a:t>
+            </a:r>
+            <a:r>
+              <a:rPr lang="en-US" altLang="ja-JP" dirty="0" smtClean="0"/>
+              <a:t>Google </a:t>
+            </a:r>
+            <a:r>
+              <a:rPr lang="en-US" altLang="ja-JP" dirty="0"/>
+              <a:t>Chrome</a:t>
+            </a:r>
+            <a:r>
+              <a:rPr lang="ja-JP" altLang="en-US" dirty="0"/>
+              <a:t>を起動し、右上の</a:t>
+            </a:r>
+            <a:r>
+              <a:rPr lang="en-US" altLang="ja-JP" dirty="0"/>
+              <a:t>[</a:t>
+            </a:r>
+            <a:r>
+              <a:rPr lang="ja-JP" altLang="en-US" dirty="0"/>
+              <a:t>設定</a:t>
+            </a:r>
+            <a:r>
+              <a:rPr lang="en-US" altLang="ja-JP" dirty="0"/>
+              <a:t>]</a:t>
+            </a:r>
+            <a:r>
+              <a:rPr lang="ja-JP" altLang="en-US" dirty="0"/>
+              <a:t>ボタンから</a:t>
+            </a:r>
+            <a:r>
+              <a:rPr lang="en-US" altLang="ja-JP" dirty="0"/>
+              <a:t>[</a:t>
+            </a:r>
+            <a:r>
+              <a:rPr lang="ja-JP" altLang="en-US" dirty="0"/>
+              <a:t>設定</a:t>
+            </a:r>
+            <a:r>
+              <a:rPr lang="en-US" altLang="ja-JP" dirty="0"/>
+              <a:t>(S)]</a:t>
+            </a:r>
+            <a:r>
+              <a:rPr lang="ja-JP" altLang="en-US" dirty="0"/>
+              <a:t>へ進みます</a:t>
+            </a:r>
+            <a:r>
+              <a:rPr lang="ja-JP" altLang="en-US" dirty="0" smtClean="0"/>
+              <a:t>。</a:t>
+            </a:r>
+            <a:endParaRPr lang="en-US" altLang="ja-JP" dirty="0" smtClean="0"/>
+          </a:p>
+          <a:p>
+            <a:pPr marL="180000" lvl="1" indent="0">
+              <a:buNone/>
+            </a:pPr>
+            <a:r>
+              <a:rPr lang="ja-JP" altLang="en-US" dirty="0"/>
+              <a:t>　②　画面下部の</a:t>
+            </a:r>
+            <a:r>
+              <a:rPr lang="en-US" altLang="ja-JP" dirty="0"/>
+              <a:t>[</a:t>
+            </a:r>
+            <a:r>
+              <a:rPr lang="ja-JP" altLang="en-US" dirty="0"/>
+              <a:t>詳細設定</a:t>
+            </a:r>
+            <a:r>
+              <a:rPr lang="en-US" altLang="ja-JP" dirty="0"/>
+              <a:t>]</a:t>
+            </a:r>
+            <a:r>
+              <a:rPr lang="ja-JP" altLang="en-US" dirty="0"/>
+              <a:t>をクリック後、表示される項目から</a:t>
+            </a:r>
+            <a:r>
+              <a:rPr lang="en-US" altLang="ja-JP" dirty="0"/>
+              <a:t>[</a:t>
+            </a:r>
+            <a:r>
+              <a:rPr lang="ja-JP" altLang="en-US" dirty="0"/>
+              <a:t>証明書の管理</a:t>
+            </a:r>
+            <a:r>
+              <a:rPr lang="en-US" altLang="ja-JP" dirty="0"/>
+              <a:t>]</a:t>
+            </a:r>
+            <a:r>
+              <a:rPr lang="ja-JP" altLang="en-US" dirty="0"/>
+              <a:t>をクリックします。</a:t>
+            </a:r>
+            <a:endParaRPr lang="ja-JP" altLang="ja-JP" dirty="0"/>
+          </a:p>
+          <a:p>
+            <a:pPr marL="357188" lvl="1" indent="0">
+              <a:buNone/>
+            </a:pPr>
+            <a:r>
+              <a:rPr lang="ja-JP" altLang="en-US" dirty="0" smtClean="0"/>
+              <a:t>③　</a:t>
+            </a:r>
+            <a:r>
+              <a:rPr lang="en-US" altLang="ja-JP" dirty="0"/>
+              <a:t>[</a:t>
+            </a:r>
+            <a:r>
+              <a:rPr lang="ja-JP" altLang="en-US" dirty="0"/>
+              <a:t>信頼されたルート証明機関</a:t>
+            </a:r>
+            <a:r>
+              <a:rPr lang="en-US" altLang="ja-JP" dirty="0"/>
+              <a:t>]</a:t>
+            </a:r>
+            <a:r>
+              <a:rPr lang="ja-JP" altLang="en-US" dirty="0"/>
+              <a:t>タブへ進み、左下の</a:t>
+            </a:r>
+            <a:r>
+              <a:rPr lang="en-US" altLang="ja-JP" dirty="0"/>
+              <a:t>[</a:t>
+            </a:r>
+            <a:r>
+              <a:rPr lang="ja-JP" altLang="en-US" dirty="0"/>
+              <a:t>インポート</a:t>
+            </a:r>
+            <a:r>
+              <a:rPr lang="en-US" altLang="ja-JP" dirty="0"/>
+              <a:t>]</a:t>
+            </a:r>
+            <a:r>
+              <a:rPr lang="ja-JP" altLang="en-US" dirty="0"/>
+              <a:t>をクリックします</a:t>
+            </a:r>
+            <a:r>
+              <a:rPr lang="ja-JP" altLang="en-US" dirty="0" smtClean="0"/>
+              <a:t>。</a:t>
+            </a:r>
+            <a:endParaRPr lang="en-US" altLang="ja-JP" dirty="0" smtClean="0"/>
+          </a:p>
+          <a:p>
+            <a:pPr marL="357188" lvl="1" indent="0">
+              <a:buNone/>
+            </a:pPr>
+            <a:r>
+              <a:rPr lang="ja-JP" altLang="en-US" dirty="0" smtClean="0"/>
+              <a:t>④</a:t>
+            </a:r>
+            <a:r>
+              <a:rPr lang="ja-JP" altLang="en-US" dirty="0"/>
+              <a:t>　証明書のインポートウィザードが起動します。</a:t>
+            </a:r>
+            <a:r>
+              <a:rPr lang="en-US" altLang="ja-JP" dirty="0"/>
+              <a:t>[</a:t>
+            </a:r>
+            <a:r>
+              <a:rPr lang="ja-JP" altLang="en-US" dirty="0"/>
+              <a:t>次へ</a:t>
+            </a:r>
+            <a:r>
+              <a:rPr lang="en-US" altLang="ja-JP" dirty="0"/>
+              <a:t>]</a:t>
+            </a:r>
+            <a:r>
+              <a:rPr lang="ja-JP" altLang="en-US" dirty="0"/>
+              <a:t>をクリックします</a:t>
+            </a:r>
+            <a:r>
+              <a:rPr lang="ja-JP" altLang="en-US" dirty="0" smtClean="0"/>
+              <a:t>。</a:t>
+            </a:r>
+            <a:endParaRPr lang="en-US" altLang="ja-JP" dirty="0" smtClean="0"/>
+          </a:p>
+          <a:p>
+            <a:pPr marL="357188" lvl="1" indent="0">
+              <a:buNone/>
+            </a:pPr>
+            <a:r>
+              <a:rPr lang="ja-JP" altLang="en-US" dirty="0"/>
+              <a:t>⑤　インポートするファイル名を指定し、</a:t>
+            </a:r>
+            <a:r>
+              <a:rPr lang="en-US" altLang="ja-JP" dirty="0"/>
+              <a:t>[</a:t>
+            </a:r>
+            <a:r>
+              <a:rPr lang="ja-JP" altLang="en-US" dirty="0"/>
+              <a:t>次へ</a:t>
+            </a:r>
+            <a:r>
+              <a:rPr lang="en-US" altLang="ja-JP" dirty="0"/>
+              <a:t>]</a:t>
+            </a:r>
+            <a:r>
+              <a:rPr lang="ja-JP" altLang="en-US" dirty="0"/>
+              <a:t>をクリックします</a:t>
+            </a:r>
+            <a:r>
+              <a:rPr lang="ja-JP" altLang="en-US" dirty="0" smtClean="0"/>
+              <a:t>。</a:t>
+            </a:r>
+            <a:endParaRPr lang="en-US" altLang="ja-JP" dirty="0" smtClean="0"/>
+          </a:p>
+          <a:p>
+            <a:pPr marL="357188" lvl="1" indent="0">
+              <a:buNone/>
+            </a:pPr>
+            <a:r>
+              <a:rPr lang="ja-JP" altLang="en-US" dirty="0" smtClean="0"/>
+              <a:t>⑥　</a:t>
+            </a:r>
+            <a:r>
+              <a:rPr lang="en-US" altLang="ja-JP" dirty="0"/>
+              <a:t>[</a:t>
+            </a:r>
+            <a:r>
+              <a:rPr lang="ja-JP" altLang="en-US" dirty="0"/>
+              <a:t>証明書をすべての次のストアに配置する</a:t>
+            </a:r>
+            <a:r>
+              <a:rPr lang="en-US" altLang="ja-JP" dirty="0"/>
+              <a:t>(P)]</a:t>
+            </a:r>
+            <a:r>
+              <a:rPr lang="ja-JP" altLang="en-US" dirty="0"/>
+              <a:t>をチェックされている状態を確認します</a:t>
+            </a:r>
+            <a:r>
+              <a:rPr lang="ja-JP" altLang="en-US" dirty="0" smtClean="0"/>
+              <a:t>。</a:t>
+            </a:r>
+            <a:endParaRPr lang="en-US" altLang="ja-JP" dirty="0" smtClean="0"/>
+          </a:p>
+          <a:p>
+            <a:pPr marL="357188" lvl="1" indent="0">
+              <a:buNone/>
+            </a:pPr>
+            <a:r>
+              <a:rPr lang="ja-JP" altLang="en-US" dirty="0" smtClean="0"/>
+              <a:t>⑦　</a:t>
+            </a:r>
+            <a:r>
+              <a:rPr lang="en-US" altLang="ja-JP" dirty="0"/>
+              <a:t>[</a:t>
+            </a:r>
+            <a:r>
+              <a:rPr lang="ja-JP" altLang="en-US" dirty="0"/>
+              <a:t>信頼されたルート証明機関</a:t>
+            </a:r>
+            <a:r>
+              <a:rPr lang="en-US" altLang="ja-JP" dirty="0"/>
+              <a:t>]</a:t>
+            </a:r>
+            <a:r>
+              <a:rPr lang="ja-JP" altLang="en-US" dirty="0"/>
+              <a:t>を選択し、</a:t>
+            </a:r>
+            <a:r>
+              <a:rPr lang="en-US" altLang="ja-JP" dirty="0"/>
+              <a:t>[</a:t>
+            </a:r>
+            <a:r>
+              <a:rPr lang="ja-JP" altLang="en-US" dirty="0"/>
+              <a:t>次へ</a:t>
+            </a:r>
+            <a:r>
+              <a:rPr lang="en-US" altLang="ja-JP" dirty="0"/>
+              <a:t>]</a:t>
+            </a:r>
+            <a:r>
+              <a:rPr lang="ja-JP" altLang="en-US" dirty="0"/>
+              <a:t>をクリックします。</a:t>
+            </a:r>
+            <a:endParaRPr lang="en-US" altLang="ja-JP" dirty="0" smtClean="0"/>
+          </a:p>
+          <a:p>
+            <a:pPr marL="357188" lvl="1" indent="0">
+              <a:buNone/>
+            </a:pPr>
+            <a:r>
+              <a:rPr lang="en-US" altLang="ja-JP" dirty="0" smtClean="0"/>
+              <a:t>※</a:t>
+            </a:r>
+            <a:r>
+              <a:rPr lang="ja-JP" altLang="en-US" dirty="0" smtClean="0"/>
+              <a:t>選択されていない場合は右の</a:t>
+            </a:r>
+            <a:r>
+              <a:rPr lang="en-US" altLang="ja-JP" dirty="0" smtClean="0"/>
+              <a:t>[</a:t>
+            </a:r>
+            <a:r>
+              <a:rPr lang="ja-JP" altLang="en-US" dirty="0" smtClean="0"/>
+              <a:t>参照</a:t>
+            </a:r>
+            <a:r>
+              <a:rPr lang="en-US" altLang="ja-JP" dirty="0" smtClean="0"/>
+              <a:t>(R)]</a:t>
+            </a:r>
+            <a:r>
+              <a:rPr lang="ja-JP" altLang="en-US" dirty="0" smtClean="0"/>
+              <a:t>か</a:t>
+            </a:r>
+            <a:r>
+              <a:rPr lang="ja-JP" altLang="en-US" dirty="0"/>
+              <a:t>ら</a:t>
+            </a:r>
+            <a:r>
+              <a:rPr lang="en-US" altLang="ja-JP" dirty="0" smtClean="0"/>
+              <a:t>[</a:t>
             </a:r>
             <a:r>
               <a:rPr lang="ja-JP" altLang="ja-JP" dirty="0"/>
-              <a:t>以下</a:t>
-            </a:r>
-            <a:r>
-              <a:rPr lang="ja-JP" altLang="ja-JP" dirty="0" smtClean="0"/>
-              <a:t>の</a:t>
+              <a:t>信頼されたルート証明機関</a:t>
+            </a:r>
+            <a:r>
+              <a:rPr lang="en-US" altLang="ja-JP" dirty="0"/>
+              <a:t>]</a:t>
+            </a:r>
+            <a:r>
+              <a:rPr lang="ja-JP" altLang="en-US" dirty="0"/>
+              <a:t>を</a:t>
             </a:r>
             <a:r>
               <a:rPr lang="ja-JP" altLang="en-US" dirty="0" smtClean="0"/>
-              <a:t>手順を実施してください。</a:t>
+              <a:t>選択してください。</a:t>
             </a:r>
             <a:endParaRPr lang="en-US" altLang="ja-JP" dirty="0" smtClean="0"/>
           </a:p>
           <a:p>
-            <a:pPr lvl="1"/>
+            <a:pPr marL="357188" lvl="1" indent="0">
+              <a:buNone/>
+            </a:pPr>
             <a:r>
               <a:rPr lang="ja-JP" altLang="en-US" dirty="0" smtClean="0"/>
-              <a:t>ファイル「</a:t>
-            </a:r>
-            <a:r>
-              <a:rPr lang="en-US" altLang="ja-JP" dirty="0" smtClean="0"/>
-              <a:t>/</a:t>
-            </a:r>
-            <a:r>
-              <a:rPr lang="en-US" altLang="ja-JP" dirty="0" err="1" smtClean="0"/>
-              <a:t>etc</a:t>
-            </a:r>
-            <a:r>
-              <a:rPr lang="en-US" altLang="ja-JP" dirty="0" smtClean="0"/>
-              <a:t>/</a:t>
-            </a:r>
-            <a:r>
-              <a:rPr lang="en-US" altLang="ja-JP" dirty="0" err="1" smtClean="0"/>
-              <a:t>httpd</a:t>
-            </a:r>
-            <a:r>
-              <a:rPr lang="en-US" altLang="ja-JP" dirty="0" smtClean="0"/>
-              <a:t>/</a:t>
-            </a:r>
-            <a:r>
-              <a:rPr lang="en-US" altLang="ja-JP" dirty="0" err="1" smtClean="0"/>
-              <a:t>conf.d</a:t>
-            </a:r>
-            <a:r>
-              <a:rPr lang="en-US" altLang="ja-JP" dirty="0" smtClean="0"/>
-              <a:t>/</a:t>
-            </a:r>
-            <a:r>
-              <a:rPr lang="en-US" altLang="ja-JP" dirty="0" err="1" smtClean="0"/>
-              <a:t>vhosts_exastro</a:t>
-            </a:r>
-            <a:r>
-              <a:rPr lang="en-US" altLang="ja-JP" dirty="0" smtClean="0"/>
-              <a:t>-it-</a:t>
-            </a:r>
-            <a:r>
-              <a:rPr lang="en-US" altLang="ja-JP" dirty="0" err="1" smtClean="0"/>
-              <a:t>automation.conf</a:t>
-            </a:r>
-            <a:r>
-              <a:rPr lang="ja-JP" altLang="en-US" dirty="0" smtClean="0"/>
-              <a:t>」の</a:t>
-            </a:r>
-            <a:r>
-              <a:rPr lang="en-US" altLang="ja-JP" dirty="0" smtClean="0"/>
-              <a:t/>
-            </a:r>
-            <a:br>
-              <a:rPr lang="en-US" altLang="ja-JP" dirty="0" smtClean="0"/>
-            </a:br>
-            <a:r>
-              <a:rPr lang="ja-JP" altLang="en-US" dirty="0" smtClean="0"/>
-              <a:t>「</a:t>
+              <a:t>⑧　</a:t>
             </a:r>
             <a:r>
               <a:rPr lang="en-US" altLang="ja-JP" dirty="0"/>
-              <a:t>&lt;</a:t>
-            </a:r>
-            <a:r>
-              <a:rPr lang="en-US" altLang="ja-JP" dirty="0" err="1"/>
-              <a:t>VirtualHost</a:t>
+              <a:t>[</a:t>
+            </a:r>
+            <a:r>
+              <a:rPr lang="ja-JP" altLang="en-US" dirty="0"/>
+              <a:t>完了</a:t>
             </a:r>
             <a:r>
               <a:rPr lang="en-US" altLang="ja-JP" dirty="0"/>
-              <a:t> *:80 </a:t>
-            </a:r>
-            <a:r>
-              <a:rPr lang="en-US" altLang="ja-JP" dirty="0" smtClean="0"/>
-              <a:t>&gt;</a:t>
-            </a:r>
-            <a:r>
-              <a:rPr lang="ja-JP" altLang="en-US" dirty="0" smtClean="0"/>
-              <a:t>」から「</a:t>
-            </a:r>
-            <a:r>
-              <a:rPr lang="en-US" altLang="ja-JP" dirty="0"/>
-              <a:t>&lt;/</a:t>
-            </a:r>
-            <a:r>
-              <a:rPr lang="en-US" altLang="ja-JP" dirty="0" err="1"/>
-              <a:t>VirtualHost</a:t>
-            </a:r>
-            <a:r>
-              <a:rPr lang="en-US" altLang="ja-JP" dirty="0" smtClean="0"/>
-              <a:t>&gt;</a:t>
-            </a:r>
-            <a:r>
-              <a:rPr lang="ja-JP" altLang="en-US" dirty="0" smtClean="0"/>
-              <a:t>」のコメントアウト</a:t>
-            </a:r>
-            <a:r>
-              <a:rPr lang="en-US" altLang="ja-JP" dirty="0" smtClean="0"/>
-              <a:t>(#)</a:t>
-            </a:r>
-            <a:r>
-              <a:rPr lang="ja-JP" altLang="en-US" dirty="0" smtClean="0"/>
-              <a:t>を外す。</a:t>
-            </a:r>
-            <a:endParaRPr lang="en-US" altLang="ja-JP" dirty="0" smtClean="0"/>
-          </a:p>
-          <a:p>
-            <a:pPr lvl="1"/>
+              <a:t>]</a:t>
+            </a:r>
             <a:r>
               <a:rPr lang="ja-JP" altLang="en-US" dirty="0"/>
-              <a:t>以下</a:t>
-            </a:r>
-            <a:r>
-              <a:rPr lang="ja-JP" altLang="en-US" dirty="0" smtClean="0"/>
-              <a:t>のコマンドにより</a:t>
-            </a:r>
-            <a:r>
-              <a:rPr lang="en-US" altLang="ja-JP" dirty="0" smtClean="0"/>
-              <a:t>Apache</a:t>
-            </a:r>
-            <a:r>
-              <a:rPr lang="ja-JP" altLang="en-US" dirty="0" smtClean="0"/>
-              <a:t>を再起動する。</a:t>
-            </a:r>
-            <a:r>
-              <a:rPr lang="en-US" altLang="ja-JP" dirty="0" smtClean="0"/>
-              <a:t/>
-            </a:r>
-            <a:br>
-              <a:rPr lang="en-US" altLang="ja-JP" dirty="0" smtClean="0"/>
-            </a:br>
-            <a:r>
-              <a:rPr lang="en-US" altLang="ja-JP" dirty="0" err="1" smtClean="0"/>
-              <a:t>systemctl</a:t>
-            </a:r>
-            <a:r>
-              <a:rPr lang="en-US" altLang="ja-JP" dirty="0" smtClean="0"/>
-              <a:t> restart </a:t>
-            </a:r>
-            <a:r>
-              <a:rPr lang="en-US" altLang="ja-JP" dirty="0" err="1" smtClean="0"/>
-              <a:t>httpd</a:t>
-            </a:r>
-            <a:endParaRPr lang="en-US" altLang="ja-JP" dirty="0" smtClean="0"/>
-          </a:p>
-          <a:p>
-            <a:pPr lvl="1"/>
-            <a:r>
-              <a:rPr lang="en-US" altLang="ja-JP" dirty="0" smtClean="0"/>
-              <a:t>URL</a:t>
-            </a:r>
-            <a:r>
-              <a:rPr lang="ja-JP" altLang="en-US" dirty="0" smtClean="0"/>
-              <a:t>「</a:t>
-            </a:r>
-            <a:r>
-              <a:rPr lang="en-US" altLang="ja-JP" u="sng" dirty="0" smtClean="0"/>
-              <a:t>http://(IP</a:t>
-            </a:r>
-            <a:r>
-              <a:rPr lang="ja-JP" altLang="en-US" u="sng" dirty="0" smtClean="0"/>
-              <a:t>ドレス</a:t>
-            </a:r>
-            <a:r>
-              <a:rPr lang="en-US" altLang="ja-JP" u="sng" dirty="0" smtClean="0"/>
-              <a:t>)</a:t>
-            </a:r>
-            <a:r>
-              <a:rPr lang="ja-JP" altLang="en-US" smtClean="0"/>
-              <a:t>」に接続して、ログイン</a:t>
-            </a:r>
-            <a:r>
-              <a:rPr lang="ja-JP" altLang="en-US" dirty="0" smtClean="0"/>
-              <a:t>画面が表示されることを確認する。</a:t>
+              <a:t>をクリックします。</a:t>
             </a:r>
             <a:endParaRPr lang="ja-JP" altLang="ja-JP" dirty="0"/>
           </a:p>
@@ -28473,21 +28589,17 @@
       </p:sp>
       <p:graphicFrame>
         <p:nvGraphicFramePr>
-          <p:cNvPr id="8" name="表 7"/>
+          <p:cNvPr id="6" name="表 5"/>
           <p:cNvGraphicFramePr>
             <a:graphicFrameLocks noGrp="1"/>
           </p:cNvGraphicFramePr>
           <p:nvPr>
-            <p:extLst>
-              <p:ext uri="{D42A27DB-BD31-4B8C-83A1-F6EECF244321}">
-                <p14:modId xmlns:p14="http://schemas.microsoft.com/office/powerpoint/2010/main" val="1492654175"/>
-              </p:ext>
-            </p:extLst>
+            <p:extLst/>
           </p:nvPr>
         </p:nvGraphicFramePr>
         <p:xfrm>
-          <a:off x="1259540" y="1628750"/>
-          <a:ext cx="6624920" cy="2222847"/>
+          <a:off x="1207459" y="1772770"/>
+          <a:ext cx="6729082" cy="1018455"/>
         </p:xfrm>
         <a:graphic>
           <a:graphicData uri="http://schemas.openxmlformats.org/drawingml/2006/table">
@@ -28496,22 +28608,29 @@
                 <a:tableStyleId>{5C22544A-7EE6-4342-B048-85BDC9FD1C3A}</a:tableStyleId>
               </a:tblPr>
               <a:tblGrid>
-                <a:gridCol w="3312460">
+                <a:gridCol w="1581792">
                   <a:extLst>
                     <a:ext uri="{9D8B030D-6E8A-4147-A177-3AD203B41FA5}">
                       <a16:colId xmlns:a16="http://schemas.microsoft.com/office/drawing/2014/main" val="20000"/>
                     </a:ext>
                   </a:extLst>
                 </a:gridCol>
-                <a:gridCol w="3312460">
+                <a:gridCol w="3269829">
                   <a:extLst>
                     <a:ext uri="{9D8B030D-6E8A-4147-A177-3AD203B41FA5}">
                       <a16:colId xmlns:a16="http://schemas.microsoft.com/office/drawing/2014/main" val="20001"/>
                     </a:ext>
                   </a:extLst>
                 </a:gridCol>
+                <a:gridCol w="1877461">
+                  <a:extLst>
+                    <a:ext uri="{9D8B030D-6E8A-4147-A177-3AD203B41FA5}">
+                      <a16:colId xmlns:a16="http://schemas.microsoft.com/office/drawing/2014/main" val="20002"/>
+                    </a:ext>
+                  </a:extLst>
+                </a:gridCol>
               </a:tblGrid>
-              <a:tr h="425478">
+              <a:tr h="288039">
                 <a:tc>
                   <a:txBody>
                     <a:bodyPr/>
@@ -28523,10 +28642,28 @@
                         </a:spcAft>
                       </a:pPr>
                       <a:r>
+                        <a:rPr lang="en-US" altLang="ja-JP" sz="1050" kern="100" dirty="0" smtClean="0">
+                          <a:effectLst/>
+                        </a:rPr>
+                        <a:t>ITA</a:t>
+                      </a:r>
+                      <a:r>
+                        <a:rPr lang="ja-JP" sz="1050" kern="100" dirty="0" smtClean="0">
+                          <a:effectLst/>
+                        </a:rPr>
+                        <a:t>サーバ</a:t>
+                      </a:r>
+                      <a:r>
                         <a:rPr lang="ja-JP" sz="1050" kern="100" dirty="0">
                           <a:effectLst/>
                         </a:rPr>
-                        <a:t>機能</a:t>
+                        <a:t>の</a:t>
+                      </a:r>
+                      <a:r>
+                        <a:rPr lang="en-US" sz="1050" kern="100" dirty="0">
+                          <a:effectLst/>
+                        </a:rPr>
+                        <a:t>OS</a:t>
                       </a:r>
                       <a:endParaRPr lang="ja-JP" sz="1050" kern="100" dirty="0">
                         <a:effectLst/>
@@ -28556,7 +28693,37 @@
                         <a:rPr lang="ja-JP" sz="1050" kern="100" dirty="0">
                           <a:effectLst/>
                         </a:rPr>
-                        <a:t>メニュー</a:t>
+                        <a:t>ファイルパス</a:t>
+                      </a:r>
+                      <a:endParaRPr lang="ja-JP" sz="1050" kern="100" dirty="0">
+                        <a:effectLst/>
+                        <a:latin typeface="Century" panose="02040604050505020304" pitchFamily="18" charset="0"/>
+                        <a:ea typeface="ＭＳ 明朝" panose="02020609040205080304" pitchFamily="17" charset="-128"/>
+                        <a:cs typeface="Times New Roman" panose="02020603050405020304" pitchFamily="18" charset="0"/>
+                      </a:endParaRPr>
+                    </a:p>
+                  </a:txBody>
+                  <a:tcPr marL="68580" marR="68580" marT="0" marB="0" anchor="ctr">
+                    <a:solidFill>
+                      <a:srgbClr val="002B62"/>
+                    </a:solidFill>
+                  </a:tcPr>
+                </a:tc>
+                <a:tc>
+                  <a:txBody>
+                    <a:bodyPr/>
+                    <a:lstStyle/>
+                    <a:p>
+                      <a:pPr algn="ctr">
+                        <a:spcAft>
+                          <a:spcPts val="0"/>
+                        </a:spcAft>
+                      </a:pPr>
+                      <a:r>
+                        <a:rPr lang="ja-JP" sz="1050" kern="100" dirty="0">
+                          <a:effectLst/>
+                        </a:rPr>
+                        <a:t>ファイル名</a:t>
                       </a:r>
                       <a:endParaRPr lang="ja-JP" sz="1050" kern="100" dirty="0">
                         <a:effectLst/>
@@ -28578,28 +28745,46 @@
                   </a:ext>
                 </a:extLst>
               </a:tr>
-              <a:tr h="256767">
-                <a:tc rowSpan="2">
+              <a:tr h="365208">
+                <a:tc>
                   <a:txBody>
                     <a:bodyPr/>
                     <a:lstStyle/>
                     <a:p>
-                      <a:pPr algn="l">
+                      <a:pPr algn="l" latinLnBrk="1">
                         <a:spcAft>
                           <a:spcPts val="0"/>
                         </a:spcAft>
                       </a:pPr>
                       <a:r>
-                        <a:rPr lang="en-US" altLang="ja-JP" sz="1050" kern="100" dirty="0" smtClean="0">
-                          <a:effectLst/>
-                        </a:rPr>
-                        <a:t>ITA</a:t>
-                      </a:r>
-                      <a:r>
-                        <a:rPr lang="ja-JP" sz="1050" kern="100" dirty="0" smtClean="0">
-                          <a:effectLst/>
-                        </a:rPr>
-                        <a:t>本体</a:t>
+                        <a:rPr lang="en-US" sz="900" kern="100" dirty="0">
+                          <a:effectLst/>
+                        </a:rPr>
+                        <a:t>RHEL </a:t>
+                      </a:r>
+                      <a:r>
+                        <a:rPr lang="en-US" sz="900" kern="100" dirty="0" smtClean="0">
+                          <a:effectLst/>
+                        </a:rPr>
+                        <a:t>7, </a:t>
+                      </a:r>
+                      <a:r>
+                        <a:rPr lang="en-US" sz="900" kern="100" dirty="0">
+                          <a:effectLst/>
+                        </a:rPr>
+                        <a:t>CentOS </a:t>
+                      </a:r>
+                      <a:r>
+                        <a:rPr lang="en-US" sz="900" kern="100" dirty="0" smtClean="0">
+                          <a:effectLst/>
+                        </a:rPr>
+                        <a:t>7</a:t>
+                      </a:r>
+                      <a:r>
+                        <a:rPr lang="ja-JP" sz="900" kern="100" dirty="0" smtClean="0">
+                          <a:effectLst/>
+                        </a:rPr>
+                        <a:t>系</a:t>
                       </a:r>
                       <a:endParaRPr lang="ja-JP" sz="1050" kern="100" dirty="0">
                         <a:effectLst/>
@@ -28620,18 +28805,54 @@
                     <a:bodyPr/>
                     <a:lstStyle/>
                     <a:p>
-                      <a:pPr algn="l">
+                      <a:pPr algn="l" latinLnBrk="1">
                         <a:spcAft>
                           <a:spcPts val="0"/>
                         </a:spcAft>
                       </a:pPr>
                       <a:r>
-                        <a:rPr lang="ja-JP" sz="1050" kern="100" dirty="0">
-                          <a:effectLst/>
-                        </a:rPr>
-                        <a:t>管理コンソール</a:t>
-                      </a:r>
-                      <a:endParaRPr lang="ja-JP" sz="1050" kern="100" dirty="0">
+                        <a:rPr lang="en-US" sz="1000" kern="100" dirty="0">
+                          <a:effectLst/>
+                        </a:rPr>
+                        <a:t>/(</a:t>
+                      </a:r>
+                      <a:r>
+                        <a:rPr lang="ja-JP" sz="1000" kern="100" dirty="0">
+                          <a:effectLst/>
+                        </a:rPr>
+                        <a:t>インストール資材展開先</a:t>
+                      </a:r>
+                      <a:r>
+                        <a:rPr lang="en-US" sz="1000" kern="100" dirty="0" smtClean="0">
+                          <a:effectLst/>
+                        </a:rPr>
+                        <a:t>)/</a:t>
+                      </a:r>
+                      <a:r>
+                        <a:rPr lang="en-US" sz="1000" kern="100" dirty="0" err="1" smtClean="0">
+                          <a:effectLst/>
+                        </a:rPr>
+                        <a:t>ita_install_package</a:t>
+                      </a:r>
+                      <a:r>
+                        <a:rPr lang="en-US" sz="1000" kern="100" dirty="0" smtClean="0">
+                          <a:effectLst/>
+                        </a:rPr>
+                        <a:t>/ext_files_for_CentOS7.x/</a:t>
+                      </a:r>
+                      <a:r>
+                        <a:rPr lang="en-US" sz="1000" kern="100" dirty="0" err="1" smtClean="0">
+                          <a:effectLst/>
+                        </a:rPr>
+                        <a:t>etc_pki_tls_certs</a:t>
+                      </a:r>
+                      <a:r>
+                        <a:rPr lang="en-US" sz="1000" kern="100" dirty="0">
+                          <a:effectLst/>
+                        </a:rPr>
+                        <a:t>/</a:t>
+                      </a:r>
+                      <a:endParaRPr lang="ja-JP" sz="1100" kern="100" dirty="0">
                         <a:effectLst/>
                         <a:latin typeface="Century" panose="02040604050505020304" pitchFamily="18" charset="0"/>
                         <a:ea typeface="ＭＳ 明朝" panose="02020609040205080304" pitchFamily="17" charset="-128"/>
@@ -28639,7 +28860,37 @@
                       </a:endParaRPr>
                     </a:p>
                   </a:txBody>
-                  <a:tcPr marL="68580" marR="68580" marT="0" marB="0" anchor="ctr">
+                  <a:tcPr marL="68580" marR="68580" marT="0" marB="0">
+                    <a:solidFill>
+                      <a:srgbClr val="CBCDD3"/>
+                    </a:solidFill>
+                  </a:tcPr>
+                </a:tc>
+                <a:tc>
+                  <a:txBody>
+                    <a:bodyPr/>
+                    <a:lstStyle/>
+                    <a:p>
+                      <a:pPr algn="l">
+                        <a:spcAft>
+                          <a:spcPts val="0"/>
+                        </a:spcAft>
+                      </a:pPr>
+                      <a:r>
+                        <a:rPr lang="en-US" sz="1100" kern="100" dirty="0" smtClean="0">
+                          <a:effectLst/>
+                        </a:rPr>
+                        <a:t>exastro-it-automation.crt</a:t>
+                      </a:r>
+                      <a:endParaRPr lang="ja-JP" sz="1100" kern="100" dirty="0">
+                        <a:effectLst/>
+                        <a:latin typeface="Century" panose="02040604050505020304" pitchFamily="18" charset="0"/>
+                        <a:ea typeface="ＭＳ 明朝" panose="02020609040205080304" pitchFamily="17" charset="-128"/>
+                        <a:cs typeface="Times New Roman" panose="02020603050405020304" pitchFamily="18" charset="0"/>
+                      </a:endParaRPr>
+                    </a:p>
+                  </a:txBody>
+                  <a:tcPr marL="68580" marR="68580" marT="0" marB="0">
                     <a:solidFill>
                       <a:srgbClr val="CBCDD3"/>
                     </a:solidFill>
@@ -28651,75 +28902,46 @@
                   </a:ext>
                 </a:extLst>
               </a:tr>
-              <a:tr h="256767">
-                <a:tc vMerge="1">
-                  <a:txBody>
-                    <a:bodyPr/>
-                    <a:lstStyle/>
-                    <a:p>
-                      <a:endParaRPr kumimoji="1" lang="ja-JP" altLang="en-US"/>
-                    </a:p>
-                  </a:txBody>
-                  <a:tcPr/>
-                </a:tc>
+              <a:tr h="365208">
                 <a:tc>
                   <a:txBody>
                     <a:bodyPr/>
                     <a:lstStyle/>
                     <a:p>
-                      <a:pPr algn="l">
+                      <a:pPr algn="l" latinLnBrk="1">
                         <a:spcAft>
                           <a:spcPts val="0"/>
                         </a:spcAft>
                       </a:pPr>
                       <a:r>
-                        <a:rPr lang="ja-JP" sz="1050" kern="100" dirty="0">
-                          <a:effectLst/>
-                        </a:rPr>
-                        <a:t>基本コンソール</a:t>
-                      </a:r>
-                      <a:endParaRPr lang="ja-JP" sz="1050" kern="100" dirty="0">
-                        <a:effectLst/>
-                        <a:latin typeface="Century" panose="02040604050505020304" pitchFamily="18" charset="0"/>
-                        <a:ea typeface="ＭＳ 明朝" panose="02020609040205080304" pitchFamily="17" charset="-128"/>
-                        <a:cs typeface="Times New Roman" panose="02020603050405020304" pitchFamily="18" charset="0"/>
-                      </a:endParaRPr>
-                    </a:p>
-                  </a:txBody>
-                  <a:tcPr marL="68580" marR="68580" marT="0" marB="0" anchor="ctr">
-                    <a:solidFill>
-                      <a:srgbClr val="E7E8EA"/>
-                    </a:solidFill>
-                  </a:tcPr>
-                </a:tc>
-                <a:extLst>
-                  <a:ext uri="{0D108BD9-81ED-4DB2-BD59-A6C34878D82A}">
-                    <a16:rowId xmlns:a16="http://schemas.microsoft.com/office/drawing/2014/main" val="10002"/>
-                  </a:ext>
-                </a:extLst>
-              </a:tr>
-              <a:tr h="256767">
-                <a:tc>
-                  <a:txBody>
-                    <a:bodyPr/>
-                    <a:lstStyle/>
-                    <a:p>
-                      <a:pPr algn="l">
-                        <a:spcAft>
-                          <a:spcPts val="0"/>
-                        </a:spcAft>
-                      </a:pPr>
-                      <a:r>
-                        <a:rPr lang="ja-JP" altLang="en-US" sz="1050" kern="100" dirty="0" smtClean="0">
-                          <a:effectLst/>
-                        </a:rPr>
-                        <a:t>メニュー</a:t>
-                      </a:r>
-                      <a:r>
-                        <a:rPr lang="ja-JP" sz="1050" kern="100" dirty="0" smtClean="0">
-                          <a:effectLst/>
-                        </a:rPr>
-                        <a:t>作成</a:t>
+                        <a:rPr lang="en-US" sz="900" kern="100" dirty="0">
+                          <a:effectLst/>
+                        </a:rPr>
+                        <a:t>RHEL </a:t>
+                      </a:r>
+                      <a:r>
+                        <a:rPr lang="en-US" sz="900" kern="100" dirty="0" smtClean="0">
+                          <a:effectLst/>
+                        </a:rPr>
+                        <a:t>8, </a:t>
+                      </a:r>
+                      <a:r>
+                        <a:rPr lang="en-US" sz="900" kern="100" dirty="0">
+                          <a:effectLst/>
+                        </a:rPr>
+                        <a:t>CentOS </a:t>
+                      </a:r>
+                      <a:r>
+                        <a:rPr lang="en-US" sz="900" kern="100" dirty="0" smtClean="0">
+                          <a:effectLst/>
+                        </a:rPr>
+                        <a:t>8</a:t>
+                      </a:r>
+                      <a:r>
+                        <a:rPr lang="ja-JP" sz="900" kern="100" dirty="0" smtClean="0">
+                          <a:effectLst/>
+                        </a:rPr>
+                        <a:t>系</a:t>
                       </a:r>
                       <a:endParaRPr lang="ja-JP" sz="1050" kern="100" dirty="0">
                         <a:effectLst/>
@@ -28740,18 +28962,54 @@
                     <a:bodyPr/>
                     <a:lstStyle/>
                     <a:p>
-                      <a:pPr algn="l">
+                      <a:pPr algn="l" latinLnBrk="1">
                         <a:spcAft>
                           <a:spcPts val="0"/>
                         </a:spcAft>
                       </a:pPr>
                       <a:r>
-                        <a:rPr lang="ja-JP" sz="1050" kern="100" dirty="0">
-                          <a:effectLst/>
-                        </a:rPr>
-                        <a:t>マスタ作成</a:t>
-                      </a:r>
-                      <a:endParaRPr lang="ja-JP" sz="1050" kern="100" dirty="0">
+                        <a:rPr lang="en-US" sz="1000" kern="100" dirty="0">
+                          <a:effectLst/>
+                        </a:rPr>
+                        <a:t>/(</a:t>
+                      </a:r>
+                      <a:r>
+                        <a:rPr lang="ja-JP" sz="1000" kern="100" dirty="0">
+                          <a:effectLst/>
+                        </a:rPr>
+                        <a:t>インストール資材展開先</a:t>
+                      </a:r>
+                      <a:r>
+                        <a:rPr lang="en-US" sz="1000" kern="100" dirty="0" smtClean="0">
+                          <a:effectLst/>
+                        </a:rPr>
+                        <a:t>)/</a:t>
+                      </a:r>
+                      <a:r>
+                        <a:rPr lang="en-US" sz="1000" kern="100" dirty="0" err="1" smtClean="0">
+                          <a:effectLst/>
+                        </a:rPr>
+                        <a:t>ita_install_package</a:t>
+                      </a:r>
+                      <a:r>
+                        <a:rPr lang="en-US" sz="1000" kern="100" dirty="0" smtClean="0">
+                          <a:effectLst/>
+                        </a:rPr>
+                        <a:t>/ext_files_for_CentOS8.x/</a:t>
+                      </a:r>
+                      <a:r>
+                        <a:rPr lang="en-US" sz="1000" kern="100" dirty="0" err="1" smtClean="0">
+                          <a:effectLst/>
+                        </a:rPr>
+                        <a:t>etc_pki_tls_certs</a:t>
+                      </a:r>
+                      <a:r>
+                        <a:rPr lang="en-US" sz="1000" kern="100" dirty="0">
+                          <a:effectLst/>
+                        </a:rPr>
+                        <a:t>/</a:t>
+                      </a:r>
+                      <a:endParaRPr lang="ja-JP" sz="1100" kern="100" dirty="0">
                         <a:effectLst/>
                         <a:latin typeface="Century" panose="02040604050505020304" pitchFamily="18" charset="0"/>
                         <a:ea typeface="ＭＳ 明朝" panose="02020609040205080304" pitchFamily="17" charset="-128"/>
@@ -28759,52 +29017,9 @@
                       </a:endParaRPr>
                     </a:p>
                   </a:txBody>
-                  <a:tcPr marL="68580" marR="68580" marT="0" marB="0" anchor="ctr">
+                  <a:tcPr marL="68580" marR="68580" marT="0" marB="0">
                     <a:solidFill>
-                      <a:srgbClr val="CBCDD3"/>
-                    </a:solidFill>
-                  </a:tcPr>
-                </a:tc>
-                <a:extLst>
-                  <a:ext uri="{0D108BD9-81ED-4DB2-BD59-A6C34878D82A}">
-                    <a16:rowId xmlns:a16="http://schemas.microsoft.com/office/drawing/2014/main" val="10003"/>
-                  </a:ext>
-                </a:extLst>
-              </a:tr>
-              <a:tr h="256767">
-                <a:tc rowSpan="4">
-                  <a:txBody>
-                    <a:bodyPr/>
-                    <a:lstStyle/>
-                    <a:p>
-                      <a:pPr algn="l">
-                        <a:spcAft>
-                          <a:spcPts val="0"/>
-                        </a:spcAft>
-                      </a:pPr>
-                      <a:r>
-                        <a:rPr lang="en-US" sz="1050" kern="100" dirty="0">
-                          <a:effectLst/>
-                        </a:rPr>
-                        <a:t>Ansible </a:t>
-                      </a:r>
-                      <a:r>
-                        <a:rPr lang="ja-JP" sz="1050" kern="100" dirty="0">
-                          <a:effectLst/>
-                        </a:rPr>
-                        <a:t>ドライバー</a:t>
-                      </a:r>
-                      <a:endParaRPr lang="ja-JP" sz="1050" kern="100" dirty="0">
-                        <a:effectLst/>
-                        <a:latin typeface="Century" panose="02040604050505020304" pitchFamily="18" charset="0"/>
-                        <a:ea typeface="ＭＳ 明朝" panose="02020609040205080304" pitchFamily="17" charset="-128"/>
-                        <a:cs typeface="Times New Roman" panose="02020603050405020304" pitchFamily="18" charset="0"/>
-                      </a:endParaRPr>
-                    </a:p>
-                  </a:txBody>
-                  <a:tcPr marL="68580" marR="68580" marT="0" marB="0" anchor="ctr">
-                    <a:solidFill>
-                      <a:srgbClr val="002B62"/>
+                      <a:srgbClr val="E7E8EA"/>
                     </a:solidFill>
                   </a:tcPr>
                 </a:tc>
@@ -28819,18 +29034,12 @@
                         </a:spcAft>
                       </a:pPr>
                       <a:r>
-                        <a:rPr lang="en-US" sz="1050" kern="100" dirty="0">
-                          <a:effectLst/>
-                        </a:rPr>
-                        <a:t>Ansible</a:t>
-                      </a:r>
-                      <a:r>
-                        <a:rPr lang="ja-JP" sz="1050" kern="100" dirty="0">
-                          <a:effectLst/>
-                        </a:rPr>
-                        <a:t>共通</a:t>
-                      </a:r>
-                      <a:endParaRPr lang="ja-JP" sz="1050" kern="100" dirty="0">
+                        <a:rPr lang="en-US" sz="1100" kern="100" dirty="0" smtClean="0">
+                          <a:effectLst/>
+                        </a:rPr>
+                        <a:t>exastro-it-automation.crt</a:t>
+                      </a:r>
+                      <a:endParaRPr lang="ja-JP" sz="1100" kern="100" dirty="0">
                         <a:effectLst/>
                         <a:latin typeface="Century" panose="02040604050505020304" pitchFamily="18" charset="0"/>
                         <a:ea typeface="ＭＳ 明朝" panose="02020609040205080304" pitchFamily="17" charset="-128"/>
@@ -28838,54 +29047,7 @@
                       </a:endParaRPr>
                     </a:p>
                   </a:txBody>
-                  <a:tcPr marL="68580" marR="68580" marT="0" marB="0" anchor="ctr">
-                    <a:solidFill>
-                      <a:srgbClr val="CBCDD3"/>
-                    </a:solidFill>
-                  </a:tcPr>
-                </a:tc>
-                <a:extLst>
-                  <a:ext uri="{0D108BD9-81ED-4DB2-BD59-A6C34878D82A}">
-                    <a16:rowId xmlns:a16="http://schemas.microsoft.com/office/drawing/2014/main" val="10005"/>
-                  </a:ext>
-                </a:extLst>
-              </a:tr>
-              <a:tr h="256767">
-                <a:tc vMerge="1">
-                  <a:txBody>
-                    <a:bodyPr/>
-                    <a:lstStyle/>
-                    <a:p>
-                      <a:endParaRPr kumimoji="1" lang="ja-JP" altLang="en-US"/>
-                    </a:p>
-                  </a:txBody>
-                  <a:tcPr/>
-                </a:tc>
-                <a:tc>
-                  <a:txBody>
-                    <a:bodyPr/>
-                    <a:lstStyle/>
-                    <a:p>
-                      <a:pPr algn="l">
-                        <a:spcAft>
-                          <a:spcPts val="0"/>
-                        </a:spcAft>
-                      </a:pPr>
-                      <a:r>
-                        <a:rPr lang="en-US" sz="1050" kern="100" dirty="0">
-                          <a:effectLst/>
-                        </a:rPr>
-                        <a:t>Ansible-Legacy</a:t>
-                      </a:r>
-                      <a:endParaRPr lang="ja-JP" sz="1050" kern="100" dirty="0">
-                        <a:effectLst/>
-                        <a:latin typeface="Century" panose="02040604050505020304" pitchFamily="18" charset="0"/>
-                        <a:ea typeface="ＭＳ 明朝" panose="02020609040205080304" pitchFamily="17" charset="-128"/>
-                        <a:cs typeface="Times New Roman" panose="02020603050405020304" pitchFamily="18" charset="0"/>
-                      </a:endParaRPr>
-                    </a:p>
-                  </a:txBody>
-                  <a:tcPr marL="68580" marR="68580" marT="0" marB="0" anchor="ctr">
+                  <a:tcPr marL="68580" marR="68580" marT="0" marB="0">
                     <a:solidFill>
                       <a:srgbClr val="E7E8EA"/>
                     </a:solidFill>
@@ -28893,101 +29055,7 @@
                 </a:tc>
                 <a:extLst>
                   <a:ext uri="{0D108BD9-81ED-4DB2-BD59-A6C34878D82A}">
-                    <a16:rowId xmlns:a16="http://schemas.microsoft.com/office/drawing/2014/main" val="10006"/>
-                  </a:ext>
-                </a:extLst>
-              </a:tr>
-              <a:tr h="256767">
-                <a:tc vMerge="1">
-                  <a:txBody>
-                    <a:bodyPr/>
-                    <a:lstStyle/>
-                    <a:p>
-                      <a:endParaRPr kumimoji="1" lang="ja-JP" altLang="en-US"/>
-                    </a:p>
-                  </a:txBody>
-                  <a:tcPr/>
-                </a:tc>
-                <a:tc>
-                  <a:txBody>
-                    <a:bodyPr/>
-                    <a:lstStyle/>
-                    <a:p>
-                      <a:pPr algn="l">
-                        <a:spcAft>
-                          <a:spcPts val="0"/>
-                        </a:spcAft>
-                      </a:pPr>
-                      <a:r>
-                        <a:rPr lang="en-US" sz="1050" kern="100" dirty="0">
-                          <a:effectLst/>
-                        </a:rPr>
-                        <a:t>Ansible-Pioneer</a:t>
-                      </a:r>
-                      <a:endParaRPr lang="ja-JP" sz="1050" kern="100" dirty="0">
-                        <a:effectLst/>
-                        <a:latin typeface="Century" panose="02040604050505020304" pitchFamily="18" charset="0"/>
-                        <a:ea typeface="ＭＳ 明朝" panose="02020609040205080304" pitchFamily="17" charset="-128"/>
-                        <a:cs typeface="Times New Roman" panose="02020603050405020304" pitchFamily="18" charset="0"/>
-                      </a:endParaRPr>
-                    </a:p>
-                  </a:txBody>
-                  <a:tcPr marL="68580" marR="68580" marT="0" marB="0" anchor="ctr">
-                    <a:solidFill>
-                      <a:srgbClr val="CBCDD3"/>
-                    </a:solidFill>
-                  </a:tcPr>
-                </a:tc>
-                <a:extLst>
-                  <a:ext uri="{0D108BD9-81ED-4DB2-BD59-A6C34878D82A}">
-                    <a16:rowId xmlns:a16="http://schemas.microsoft.com/office/drawing/2014/main" val="10007"/>
-                  </a:ext>
-                </a:extLst>
-              </a:tr>
-              <a:tr h="256767">
-                <a:tc vMerge="1">
-                  <a:txBody>
-                    <a:bodyPr/>
-                    <a:lstStyle/>
-                    <a:p>
-                      <a:endParaRPr kumimoji="1" lang="ja-JP" altLang="en-US"/>
-                    </a:p>
-                  </a:txBody>
-                  <a:tcPr/>
-                </a:tc>
-                <a:tc>
-                  <a:txBody>
-                    <a:bodyPr/>
-                    <a:lstStyle/>
-                    <a:p>
-                      <a:pPr algn="l">
-                        <a:spcAft>
-                          <a:spcPts val="0"/>
-                        </a:spcAft>
-                      </a:pPr>
-                      <a:r>
-                        <a:rPr lang="en-US" sz="1050" kern="100" dirty="0">
-                          <a:effectLst/>
-                        </a:rPr>
-                        <a:t>Ansible-LegacyRole</a:t>
-                      </a:r>
-                      <a:endParaRPr lang="ja-JP" sz="1050" kern="100" dirty="0">
-                        <a:effectLst/>
-                        <a:latin typeface="Century" panose="02040604050505020304" pitchFamily="18" charset="0"/>
-                        <a:ea typeface="ＭＳ 明朝" panose="02020609040205080304" pitchFamily="17" charset="-128"/>
-                        <a:cs typeface="Times New Roman" panose="02020603050405020304" pitchFamily="18" charset="0"/>
-                      </a:endParaRPr>
-                    </a:p>
-                  </a:txBody>
-                  <a:tcPr marL="68580" marR="68580" marT="0" marB="0" anchor="ctr">
-                    <a:solidFill>
-                      <a:srgbClr val="E7E8EA"/>
-                    </a:solidFill>
-                  </a:tcPr>
-                </a:tc>
-                <a:extLst>
-                  <a:ext uri="{0D108BD9-81ED-4DB2-BD59-A6C34878D82A}">
-                    <a16:rowId xmlns:a16="http://schemas.microsoft.com/office/drawing/2014/main" val="10008"/>
+                    <a16:rowId xmlns:a16="http://schemas.microsoft.com/office/drawing/2014/main" val="10002"/>
                   </a:ext>
                 </a:extLst>
               </a:tr>
@@ -28998,17 +29066,572 @@
     </p:spTree>
     <p:extLst>
       <p:ext uri="{BB962C8B-B14F-4D97-AF65-F5344CB8AC3E}">
-        <p14:creationId xmlns:p14="http://schemas.microsoft.com/office/powerpoint/2010/main" val="1555258397"/>
+        <p14:creationId xmlns:p14="http://schemas.microsoft.com/office/powerpoint/2010/main" val="3978576974"/>
       </p:ext>
     </p:extLst>
   </p:cSld>
   <p:clrMapOvr>
     <a:masterClrMapping/>
   </p:clrMapOvr>
+  <p:timing>
+    <p:tnLst>
+      <p:par>
+        <p:cTn id="1" dur="indefinite" restart="never" nodeType="tmRoot"/>
+      </p:par>
+    </p:tnLst>
+  </p:timing>
 </p:sld>
 </file>
 
 <file path=ppt/slides/slide27.xml><?xml version="1.0" encoding="utf-8"?>
+<p:sld xmlns:a="http://schemas.openxmlformats.org/drawingml/2006/main" xmlns:r="http://schemas.openxmlformats.org/officeDocument/2006/relationships" xmlns:p="http://schemas.openxmlformats.org/presentationml/2006/main">
+  <p:cSld>
+    <p:spTree>
+      <p:nvGrpSpPr>
+        <p:cNvPr id="1" name=""/>
+        <p:cNvGrpSpPr/>
+        <p:nvPr/>
+      </p:nvGrpSpPr>
+      <p:grpSpPr>
+        <a:xfrm>
+          <a:off x="0" y="0"/>
+          <a:ext cx="0" cy="0"/>
+          <a:chOff x="0" y="0"/>
+          <a:chExt cx="0" cy="0"/>
+        </a:xfrm>
+      </p:grpSpPr>
+      <p:sp>
+        <p:nvSpPr>
+          <p:cNvPr id="2" name="タイトル 1"/>
+          <p:cNvSpPr>
+            <a:spLocks noGrp="1"/>
+          </p:cNvSpPr>
+          <p:nvPr>
+            <p:ph type="title"/>
+          </p:nvPr>
+        </p:nvSpPr>
+        <p:spPr/>
+        <p:txBody>
+          <a:bodyPr/>
+          <a:lstStyle/>
+          <a:p>
+            <a:r>
+              <a:rPr lang="en-US" altLang="ja-JP" dirty="0" smtClean="0"/>
+              <a:t>4.6</a:t>
+            </a:r>
+            <a:r>
+              <a:rPr lang="ja-JP" altLang="en-US" dirty="0"/>
+              <a:t>　動作確認</a:t>
+            </a:r>
+            <a:r>
+              <a:rPr lang="ja-JP" altLang="en-US" dirty="0" smtClean="0"/>
+              <a:t>（</a:t>
+            </a:r>
+            <a:r>
+              <a:rPr lang="en-US" altLang="ja-JP" dirty="0" smtClean="0"/>
+              <a:t>6/6</a:t>
+            </a:r>
+            <a:r>
+              <a:rPr lang="ja-JP" altLang="en-US" dirty="0" smtClean="0"/>
+              <a:t>）</a:t>
+            </a:r>
+            <a:endParaRPr kumimoji="1" lang="ja-JP" altLang="en-US" dirty="0"/>
+          </a:p>
+        </p:txBody>
+      </p:sp>
+      <p:sp>
+        <p:nvSpPr>
+          <p:cNvPr id="3" name="コンテンツ プレースホルダー 2"/>
+          <p:cNvSpPr>
+            <a:spLocks noGrp="1"/>
+          </p:cNvSpPr>
+          <p:nvPr>
+            <p:ph sz="quarter" idx="10"/>
+          </p:nvPr>
+        </p:nvSpPr>
+        <p:spPr/>
+        <p:txBody>
+          <a:bodyPr>
+            <a:normAutofit/>
+          </a:bodyPr>
+          <a:lstStyle/>
+          <a:p>
+            <a:pPr lvl="0"/>
+            <a:r>
+              <a:rPr lang="en-US" altLang="ja-JP" dirty="0" smtClean="0"/>
+              <a:t>HTTPS</a:t>
+            </a:r>
+            <a:r>
+              <a:rPr lang="ja-JP" altLang="en-US" dirty="0" err="1" smtClean="0"/>
+              <a:t>での</a:t>
+            </a:r>
+            <a:r>
+              <a:rPr lang="en-US" altLang="ja-JP" dirty="0" smtClean="0"/>
+              <a:t>URL</a:t>
+            </a:r>
+            <a:r>
+              <a:rPr lang="ja-JP" altLang="en-US" dirty="0" smtClean="0"/>
+              <a:t>接続</a:t>
+            </a:r>
+            <a:endParaRPr lang="en-US" altLang="ja-JP" dirty="0" smtClean="0"/>
+          </a:p>
+          <a:p>
+            <a:pPr lvl="1"/>
+            <a:r>
+              <a:rPr lang="ja-JP" altLang="en-US" dirty="0" smtClean="0"/>
+              <a:t>以下の</a:t>
+            </a:r>
+            <a:r>
+              <a:rPr lang="en-US" altLang="ja-JP" dirty="0" smtClean="0"/>
+              <a:t>URL</a:t>
+            </a:r>
+            <a:r>
+              <a:rPr lang="ja-JP" altLang="en-US" dirty="0" smtClean="0"/>
+              <a:t>よ</a:t>
+            </a:r>
+            <a:r>
+              <a:rPr lang="ja-JP" altLang="en-US" dirty="0"/>
+              <a:t>り</a:t>
+            </a:r>
+            <a:r>
+              <a:rPr lang="ja-JP" altLang="en-US" dirty="0" smtClean="0"/>
+              <a:t>、ログイン画面にアクセスしてください。</a:t>
+            </a:r>
+            <a:endParaRPr lang="en-US" altLang="ja-JP" dirty="0" smtClean="0"/>
+          </a:p>
+          <a:p>
+            <a:pPr lvl="1"/>
+            <a:r>
+              <a:rPr lang="en-US" altLang="ja-JP" dirty="0" smtClean="0"/>
+              <a:t>URL</a:t>
+            </a:r>
+            <a:r>
+              <a:rPr lang="ja-JP" altLang="ja-JP" dirty="0"/>
+              <a:t>：</a:t>
+            </a:r>
+            <a:r>
+              <a:rPr lang="en-US" altLang="ja-JP" b="1" u="sng" dirty="0" smtClean="0">
+                <a:solidFill>
+                  <a:srgbClr val="FF0000"/>
+                </a:solidFill>
+              </a:rPr>
+              <a:t>https://exastro-it-automation</a:t>
+            </a:r>
+          </a:p>
+          <a:p>
+            <a:pPr marL="180000" lvl="1" indent="0">
+              <a:buNone/>
+            </a:pPr>
+            <a:endParaRPr lang="en-US" altLang="ja-JP" b="1" u="sng" dirty="0" smtClean="0">
+              <a:solidFill>
+                <a:srgbClr val="FF0000"/>
+              </a:solidFill>
+            </a:endParaRPr>
+          </a:p>
+          <a:p>
+            <a:pPr marL="180000" lvl="1" indent="0">
+              <a:buNone/>
+            </a:pPr>
+            <a:r>
+              <a:rPr lang="ja-JP" altLang="en-US" dirty="0" smtClean="0"/>
+              <a:t>接続</a:t>
+            </a:r>
+            <a:r>
+              <a:rPr lang="ja-JP" altLang="en-US" dirty="0"/>
+              <a:t>後</a:t>
+            </a:r>
+            <a:r>
+              <a:rPr lang="ja-JP" altLang="en-US" dirty="0" smtClean="0"/>
+              <a:t>は</a:t>
+            </a:r>
+            <a:r>
+              <a:rPr lang="en-US" altLang="ja-JP" dirty="0" smtClean="0"/>
+              <a:t>HTTP</a:t>
+            </a:r>
+            <a:r>
+              <a:rPr lang="ja-JP" altLang="en-US" dirty="0" smtClean="0"/>
+              <a:t>の場合と同様となります。</a:t>
+            </a:r>
+            <a:endParaRPr lang="en-US" altLang="ja-JP" dirty="0" smtClean="0"/>
+          </a:p>
+          <a:p>
+            <a:pPr marL="180000" lvl="1" indent="0">
+              <a:buNone/>
+            </a:pPr>
+            <a:endParaRPr lang="en-US" altLang="ja-JP" dirty="0" smtClean="0"/>
+          </a:p>
+        </p:txBody>
+      </p:sp>
+    </p:spTree>
+    <p:extLst>
+      <p:ext uri="{BB962C8B-B14F-4D97-AF65-F5344CB8AC3E}">
+        <p14:creationId xmlns:p14="http://schemas.microsoft.com/office/powerpoint/2010/main" val="3230473572"/>
+      </p:ext>
+    </p:extLst>
+  </p:cSld>
+  <p:clrMapOvr>
+    <a:masterClrMapping/>
+  </p:clrMapOvr>
+  <p:timing>
+    <p:tnLst>
+      <p:par>
+        <p:cTn id="1" dur="indefinite" restart="never" nodeType="tmRoot"/>
+      </p:par>
+    </p:tnLst>
+  </p:timing>
+</p:sld>
+</file>
+
+<file path=ppt/slides/slide28.xml><?xml version="1.0" encoding="utf-8"?>
+<p:sld xmlns:a="http://schemas.openxmlformats.org/drawingml/2006/main" xmlns:r="http://schemas.openxmlformats.org/officeDocument/2006/relationships" xmlns:p="http://schemas.openxmlformats.org/presentationml/2006/main">
+  <p:cSld>
+    <p:spTree>
+      <p:nvGrpSpPr>
+        <p:cNvPr id="1" name=""/>
+        <p:cNvGrpSpPr/>
+        <p:nvPr/>
+      </p:nvGrpSpPr>
+      <p:grpSpPr>
+        <a:xfrm>
+          <a:off x="0" y="0"/>
+          <a:ext cx="0" cy="0"/>
+          <a:chOff x="0" y="0"/>
+          <a:chExt cx="0" cy="0"/>
+        </a:xfrm>
+      </p:grpSpPr>
+      <p:sp>
+        <p:nvSpPr>
+          <p:cNvPr id="2" name="タイトル 1"/>
+          <p:cNvSpPr>
+            <a:spLocks noGrp="1"/>
+          </p:cNvSpPr>
+          <p:nvPr>
+            <p:ph type="title"/>
+          </p:nvPr>
+        </p:nvSpPr>
+        <p:spPr/>
+        <p:txBody>
+          <a:bodyPr/>
+          <a:lstStyle/>
+          <a:p>
+            <a:r>
+              <a:rPr lang="en-US" altLang="ja-JP" dirty="0" smtClean="0"/>
+              <a:t>4.7</a:t>
+            </a:r>
+            <a:r>
+              <a:rPr lang="ja-JP" altLang="en-US" dirty="0"/>
+              <a:t>　参考</a:t>
+            </a:r>
+            <a:endParaRPr kumimoji="1" lang="ja-JP" altLang="en-US" dirty="0"/>
+          </a:p>
+        </p:txBody>
+      </p:sp>
+      <p:sp>
+        <p:nvSpPr>
+          <p:cNvPr id="3" name="コンテンツ プレースホルダー 2"/>
+          <p:cNvSpPr>
+            <a:spLocks noGrp="1"/>
+          </p:cNvSpPr>
+          <p:nvPr>
+            <p:ph sz="quarter" idx="10"/>
+          </p:nvPr>
+        </p:nvSpPr>
+        <p:spPr/>
+        <p:txBody>
+          <a:bodyPr>
+            <a:normAutofit/>
+          </a:bodyPr>
+          <a:lstStyle/>
+          <a:p>
+            <a:pPr lvl="0"/>
+            <a:r>
+              <a:rPr lang="en-US" altLang="ja-JP" dirty="0" smtClean="0"/>
+              <a:t>HTTP</a:t>
+            </a:r>
+            <a:r>
+              <a:rPr lang="ja-JP" altLang="en-US" dirty="0" smtClean="0"/>
+              <a:t>または</a:t>
+            </a:r>
+            <a:r>
+              <a:rPr lang="en-US" altLang="ja-JP" dirty="0" smtClean="0"/>
+              <a:t>HTTPS</a:t>
+            </a:r>
+            <a:r>
+              <a:rPr lang="ja-JP" altLang="en-US" dirty="0" smtClean="0"/>
+              <a:t>アクセスの制限</a:t>
+            </a:r>
+            <a:endParaRPr lang="en-US" altLang="ja-JP" dirty="0"/>
+          </a:p>
+          <a:p>
+            <a:pPr marL="180000" lvl="1" indent="0">
+              <a:buNone/>
+            </a:pPr>
+            <a:r>
+              <a:rPr lang="en-US" altLang="ja-JP" dirty="0" smtClean="0"/>
+              <a:t>HTTP</a:t>
+            </a:r>
+            <a:r>
+              <a:rPr lang="ja-JP" altLang="en-US" dirty="0" smtClean="0"/>
+              <a:t>または</a:t>
+            </a:r>
+            <a:r>
+              <a:rPr lang="en-US" altLang="ja-JP" dirty="0" smtClean="0"/>
+              <a:t>HTTPS</a:t>
+            </a:r>
+            <a:r>
+              <a:rPr lang="ja-JP" altLang="en-US" dirty="0" smtClean="0"/>
+              <a:t>アクセスを制限する</a:t>
+            </a:r>
+            <a:r>
+              <a:rPr lang="ja-JP" altLang="en-US" dirty="0"/>
+              <a:t>場合は、</a:t>
+            </a:r>
+            <a:r>
+              <a:rPr lang="ja-JP" altLang="ja-JP" dirty="0"/>
+              <a:t>以下の</a:t>
+            </a:r>
+            <a:r>
+              <a:rPr lang="ja-JP" altLang="en-US" dirty="0"/>
+              <a:t>手順を実施してください</a:t>
+            </a:r>
+            <a:r>
+              <a:rPr lang="ja-JP" altLang="en-US" dirty="0" smtClean="0"/>
+              <a:t>。</a:t>
+            </a:r>
+            <a:endParaRPr lang="en-US" altLang="ja-JP" dirty="0" smtClean="0"/>
+          </a:p>
+          <a:p>
+            <a:pPr marL="180000" lvl="1" indent="0">
+              <a:buNone/>
+            </a:pPr>
+            <a:endParaRPr lang="en-US" altLang="ja-JP" dirty="0"/>
+          </a:p>
+          <a:p>
+            <a:pPr lvl="1"/>
+            <a:r>
+              <a:rPr lang="ja-JP" altLang="en-US" dirty="0" smtClean="0"/>
+              <a:t>ファイル「</a:t>
+            </a:r>
+            <a:r>
+              <a:rPr lang="en-US" altLang="ja-JP" dirty="0" smtClean="0"/>
+              <a:t>/</a:t>
+            </a:r>
+            <a:r>
+              <a:rPr lang="en-US" altLang="ja-JP" dirty="0" err="1" smtClean="0"/>
+              <a:t>etc</a:t>
+            </a:r>
+            <a:r>
+              <a:rPr lang="en-US" altLang="ja-JP" dirty="0" smtClean="0"/>
+              <a:t>/</a:t>
+            </a:r>
+            <a:r>
+              <a:rPr lang="en-US" altLang="ja-JP" dirty="0" err="1" smtClean="0"/>
+              <a:t>httpd</a:t>
+            </a:r>
+            <a:r>
+              <a:rPr lang="en-US" altLang="ja-JP" dirty="0" smtClean="0"/>
+              <a:t>/</a:t>
+            </a:r>
+            <a:r>
+              <a:rPr lang="en-US" altLang="ja-JP" dirty="0" err="1" smtClean="0"/>
+              <a:t>conf.d</a:t>
+            </a:r>
+            <a:r>
+              <a:rPr lang="en-US" altLang="ja-JP" dirty="0" smtClean="0"/>
+              <a:t>/</a:t>
+            </a:r>
+            <a:r>
+              <a:rPr lang="en-US" altLang="ja-JP" dirty="0" err="1" smtClean="0"/>
+              <a:t>vhosts_exastro</a:t>
+            </a:r>
+            <a:r>
+              <a:rPr lang="en-US" altLang="ja-JP" dirty="0" smtClean="0"/>
+              <a:t>-it-</a:t>
+            </a:r>
+            <a:r>
+              <a:rPr lang="en-US" altLang="ja-JP" dirty="0" err="1" smtClean="0"/>
+              <a:t>automation.conf</a:t>
+            </a:r>
+            <a:r>
+              <a:rPr lang="ja-JP" altLang="en-US" dirty="0" smtClean="0"/>
+              <a:t>」を編集する。</a:t>
+            </a:r>
+            <a:r>
+              <a:rPr lang="en-US" altLang="ja-JP" dirty="0" smtClean="0"/>
+              <a:t/>
+            </a:r>
+            <a:br>
+              <a:rPr lang="en-US" altLang="ja-JP" dirty="0" smtClean="0"/>
+            </a:br>
+            <a:r>
+              <a:rPr lang="en-US" altLang="ja-JP" dirty="0" smtClean="0"/>
+              <a:t>HTTP</a:t>
+            </a:r>
+            <a:r>
+              <a:rPr lang="ja-JP" altLang="en-US" dirty="0" smtClean="0"/>
+              <a:t>を制限する場合は、「</a:t>
+            </a:r>
+            <a:r>
+              <a:rPr lang="en-US" altLang="ja-JP" dirty="0" smtClean="0"/>
+              <a:t>&lt;</a:t>
+            </a:r>
+            <a:r>
+              <a:rPr lang="en-US" altLang="ja-JP" dirty="0" err="1" smtClean="0"/>
+              <a:t>VirtualHost</a:t>
+            </a:r>
+            <a:r>
+              <a:rPr lang="en-US" altLang="ja-JP" dirty="0" smtClean="0"/>
+              <a:t> *:80 &gt;</a:t>
+            </a:r>
+            <a:r>
+              <a:rPr lang="ja-JP" altLang="en-US" dirty="0" smtClean="0"/>
+              <a:t>」から「</a:t>
+            </a:r>
+            <a:r>
+              <a:rPr lang="en-US" altLang="ja-JP" dirty="0" smtClean="0"/>
+              <a:t>&lt;/</a:t>
+            </a:r>
+            <a:r>
+              <a:rPr lang="en-US" altLang="ja-JP" dirty="0" err="1" smtClean="0"/>
+              <a:t>VirtualHost</a:t>
+            </a:r>
+            <a:r>
+              <a:rPr lang="en-US" altLang="ja-JP" dirty="0" smtClean="0"/>
+              <a:t>&gt;</a:t>
+            </a:r>
+            <a:r>
+              <a:rPr lang="ja-JP" altLang="en-US" dirty="0" smtClean="0"/>
+              <a:t>」をコメントアウト</a:t>
+            </a:r>
+            <a:r>
+              <a:rPr lang="en-US" altLang="ja-JP" dirty="0" smtClean="0"/>
+              <a:t>(#)</a:t>
+            </a:r>
+            <a:r>
+              <a:rPr lang="ja-JP" altLang="en-US" dirty="0" smtClean="0"/>
+              <a:t>をする。</a:t>
+            </a:r>
+            <a:r>
+              <a:rPr lang="en-US" altLang="ja-JP" dirty="0" smtClean="0"/>
+              <a:t/>
+            </a:r>
+            <a:br>
+              <a:rPr lang="en-US" altLang="ja-JP" dirty="0" smtClean="0"/>
+            </a:br>
+            <a:r>
+              <a:rPr lang="en-US" altLang="ja-JP" dirty="0" smtClean="0"/>
+              <a:t>HTTPS</a:t>
+            </a:r>
+            <a:r>
+              <a:rPr lang="ja-JP" altLang="en-US" dirty="0" smtClean="0"/>
+              <a:t>を制限する場合は、「</a:t>
+            </a:r>
+            <a:r>
+              <a:rPr lang="en-US" altLang="ja-JP" dirty="0" smtClean="0"/>
+              <a:t>&lt;</a:t>
+            </a:r>
+            <a:r>
+              <a:rPr lang="en-US" altLang="ja-JP" dirty="0" err="1" smtClean="0"/>
+              <a:t>VirtualHost</a:t>
+            </a:r>
+            <a:r>
+              <a:rPr lang="en-US" altLang="ja-JP" dirty="0" smtClean="0"/>
+              <a:t> *:443 &gt;</a:t>
+            </a:r>
+            <a:r>
+              <a:rPr lang="ja-JP" altLang="en-US" dirty="0" smtClean="0"/>
+              <a:t>」から「</a:t>
+            </a:r>
+            <a:r>
+              <a:rPr lang="en-US" altLang="ja-JP" dirty="0" smtClean="0"/>
+              <a:t>&lt;/</a:t>
+            </a:r>
+            <a:r>
+              <a:rPr lang="en-US" altLang="ja-JP" dirty="0" err="1" smtClean="0"/>
+              <a:t>VirtualHost</a:t>
+            </a:r>
+            <a:r>
+              <a:rPr lang="en-US" altLang="ja-JP" dirty="0" smtClean="0"/>
+              <a:t>&gt;</a:t>
+            </a:r>
+            <a:r>
+              <a:rPr lang="ja-JP" altLang="en-US" dirty="0" smtClean="0"/>
+              <a:t>」をコメントアウト</a:t>
+            </a:r>
+            <a:r>
+              <a:rPr lang="en-US" altLang="ja-JP" dirty="0" smtClean="0"/>
+              <a:t>(#)</a:t>
+            </a:r>
+            <a:r>
+              <a:rPr lang="ja-JP" altLang="en-US" dirty="0" smtClean="0"/>
+              <a:t>をする。</a:t>
+            </a:r>
+            <a:endParaRPr lang="en-US" altLang="ja-JP" dirty="0" smtClean="0"/>
+          </a:p>
+          <a:p>
+            <a:pPr marL="180000" lvl="1" indent="0">
+              <a:buNone/>
+            </a:pPr>
+            <a:endParaRPr lang="en-US" altLang="ja-JP" dirty="0" smtClean="0"/>
+          </a:p>
+          <a:p>
+            <a:pPr lvl="1"/>
+            <a:r>
+              <a:rPr lang="ja-JP" altLang="en-US" dirty="0" smtClean="0"/>
+              <a:t>以下のコマンドにより</a:t>
+            </a:r>
+            <a:r>
+              <a:rPr lang="en-US" altLang="ja-JP" dirty="0" smtClean="0"/>
+              <a:t>Apache</a:t>
+            </a:r>
+            <a:r>
+              <a:rPr lang="ja-JP" altLang="en-US" dirty="0" smtClean="0"/>
+              <a:t>を再起動する。</a:t>
+            </a:r>
+            <a:r>
+              <a:rPr lang="en-US" altLang="ja-JP" dirty="0" smtClean="0"/>
+              <a:t/>
+            </a:r>
+            <a:br>
+              <a:rPr lang="en-US" altLang="ja-JP" dirty="0" smtClean="0"/>
+            </a:br>
+            <a:r>
+              <a:rPr lang="en-US" altLang="ja-JP" dirty="0" err="1" smtClean="0"/>
+              <a:t>systemctl</a:t>
+            </a:r>
+            <a:r>
+              <a:rPr lang="en-US" altLang="ja-JP" dirty="0" smtClean="0"/>
+              <a:t> restart </a:t>
+            </a:r>
+            <a:r>
+              <a:rPr lang="en-US" altLang="ja-JP" dirty="0" err="1" smtClean="0"/>
+              <a:t>httpd</a:t>
+            </a:r>
+            <a:endParaRPr lang="en-US" altLang="ja-JP" dirty="0" smtClean="0"/>
+          </a:p>
+        </p:txBody>
+      </p:sp>
+    </p:spTree>
+    <p:extLst>
+      <p:ext uri="{BB962C8B-B14F-4D97-AF65-F5344CB8AC3E}">
+        <p14:creationId xmlns:p14="http://schemas.microsoft.com/office/powerpoint/2010/main" val="1924943406"/>
+      </p:ext>
+    </p:extLst>
+  </p:cSld>
+  <p:clrMapOvr>
+    <a:masterClrMapping/>
+  </p:clrMapOvr>
+  <p:timing>
+    <p:tnLst>
+      <p:par>
+        <p:cTn id="1" dur="indefinite" restart="never" nodeType="tmRoot"/>
+      </p:par>
+    </p:tnLst>
+  </p:timing>
+</p:sld>
+</file>
+
+<file path=ppt/slides/slide29.xml><?xml version="1.0" encoding="utf-8"?>
 <p:sld xmlns:a="http://schemas.openxmlformats.org/drawingml/2006/main" xmlns:r="http://schemas.openxmlformats.org/officeDocument/2006/relationships" xmlns:p="http://schemas.openxmlformats.org/presentationml/2006/main">
   <p:cSld>
     <p:spTree>

--- a/asset/Learn_ja/ITA-offline-install_ja.pptx
+++ b/asset/Learn_ja/ITA-offline-install_ja.pptx
@@ -24177,7 +24177,7 @@
           <p:nvPr>
             <p:extLst>
               <p:ext uri="{D42A27DB-BD31-4B8C-83A1-F6EECF244321}">
-                <p14:modId xmlns:p14="http://schemas.microsoft.com/office/powerpoint/2010/main" val="2965137532"/>
+                <p14:modId xmlns:p14="http://schemas.microsoft.com/office/powerpoint/2010/main" val="94468678"/>
               </p:ext>
             </p:extLst>
           </p:nvPr>
@@ -24384,58 +24384,58 @@
                         </a:spcAft>
                       </a:pPr>
                       <a:r>
+                        <a:rPr lang="en-US" sz="1050" kern="100" dirty="0" smtClean="0">
+                          <a:effectLst/>
+                          <a:latin typeface="Segoe UI" panose="020B0502040204020203" pitchFamily="34" charset="0"/>
+                          <a:ea typeface="Segoe UI" panose="020B0502040204020203" pitchFamily="34" charset="0"/>
+                          <a:cs typeface="Segoe UI" panose="020B0502040204020203" pitchFamily="34" charset="0"/>
+                        </a:rPr>
+                        <a:t>yum-</a:t>
+                      </a:r>
+                      <a:r>
+                        <a:rPr lang="en-US" sz="1050" kern="100" dirty="0" err="1" smtClean="0">
+                          <a:effectLst/>
+                          <a:latin typeface="Segoe UI" panose="020B0502040204020203" pitchFamily="34" charset="0"/>
+                          <a:ea typeface="Segoe UI" panose="020B0502040204020203" pitchFamily="34" charset="0"/>
+                          <a:cs typeface="Segoe UI" panose="020B0502040204020203" pitchFamily="34" charset="0"/>
+                        </a:rPr>
+                        <a:t>utils</a:t>
+                      </a:r>
+                      <a:r>
                         <a:rPr lang="en-US" altLang="ja-JP" sz="1050" kern="100" dirty="0" smtClean="0">
                           <a:effectLst/>
                         </a:rPr>
-                        <a:t>yum-</a:t>
-                      </a:r>
-                      <a:r>
-                        <a:rPr lang="en-US" altLang="ja-JP" sz="1050" kern="100" dirty="0" err="1" smtClean="0">
-                          <a:effectLst/>
-                        </a:rPr>
-                        <a:t>utils</a:t>
-                      </a:r>
-                      <a:r>
-                        <a:rPr lang="en-US" altLang="ja-JP" sz="1050" kern="100" dirty="0" smtClean="0">
-                          <a:effectLst/>
-                        </a:rPr>
-                        <a:t>(※)</a:t>
-                      </a:r>
-                      <a:r>
-                        <a:rPr lang="ja-JP" altLang="ja-JP" sz="1050" kern="100" dirty="0" err="1" smtClean="0">
-                          <a:effectLst/>
-                        </a:rPr>
-                        <a:t>、</a:t>
+                        <a:t>(*),</a:t>
+                      </a:r>
+                      <a:r>
+                        <a:rPr lang="en-US" altLang="ja-JP" sz="1050" kern="100" baseline="0" dirty="0" smtClean="0">
+                          <a:effectLst/>
+                        </a:rPr>
+                        <a:t> </a:t>
                       </a:r>
                       <a:r>
                         <a:rPr lang="en-US" sz="1050" kern="100" dirty="0" err="1" smtClean="0">
                           <a:effectLst/>
+                          <a:latin typeface="Segoe UI" panose="020B0502040204020203" pitchFamily="34" charset="0"/>
+                          <a:ea typeface="Segoe UI" panose="020B0502040204020203" pitchFamily="34" charset="0"/>
+                          <a:cs typeface="Segoe UI" panose="020B0502040204020203" pitchFamily="34" charset="0"/>
                         </a:rPr>
                         <a:t>createrepo</a:t>
                       </a:r>
                       <a:r>
                         <a:rPr lang="en-US" sz="1050" kern="100" dirty="0" smtClean="0">
                           <a:effectLst/>
-                        </a:rPr>
-                        <a:t>(</a:t>
-                      </a:r>
-                      <a:r>
-                        <a:rPr lang="en-US" altLang="ja-JP" sz="1050" kern="100" dirty="0" smtClean="0">
-                          <a:effectLst/>
-                        </a:rPr>
-                        <a:t>※</a:t>
-                      </a:r>
-                      <a:r>
-                        <a:rPr lang="en-US" sz="1050" kern="100" dirty="0" smtClean="0">
-                          <a:effectLst/>
-                        </a:rPr>
-                        <a:t>)</a:t>
+                          <a:latin typeface="Segoe UI" panose="020B0502040204020203" pitchFamily="34" charset="0"/>
+                          <a:ea typeface="Segoe UI" panose="020B0502040204020203" pitchFamily="34" charset="0"/>
+                          <a:cs typeface="Segoe UI" panose="020B0502040204020203" pitchFamily="34" charset="0"/>
+                        </a:rPr>
+                        <a:t>(*)</a:t>
                       </a:r>
                       <a:endParaRPr lang="ja-JP" sz="1050" kern="100" dirty="0">
                         <a:effectLst/>
-                        <a:latin typeface="Century" panose="02040604050505020304" pitchFamily="18" charset="0"/>
+                        <a:latin typeface="Segoe UI" panose="020B0502040204020203" pitchFamily="34" charset="0"/>
                         <a:ea typeface="ＭＳ 明朝" panose="02020609040205080304" pitchFamily="17" charset="-128"/>
-                        <a:cs typeface="Times New Roman" panose="02020603050405020304" pitchFamily="18" charset="0"/>
+                        <a:cs typeface="Segoe UI" panose="020B0502040204020203" pitchFamily="34" charset="0"/>
                       </a:endParaRPr>
                     </a:p>
                   </a:txBody>
@@ -24529,52 +24529,73 @@
                         </a:spcAft>
                       </a:pPr>
                       <a:r>
-                        <a:rPr lang="en-US" sz="1050" kern="100" dirty="0">
-                          <a:effectLst/>
+                        <a:rPr lang="en-US" sz="1050" kern="100" dirty="0" smtClean="0">
+                          <a:effectLst/>
+                          <a:latin typeface="Segoe UI" panose="020B0502040204020203" pitchFamily="34" charset="0"/>
+                          <a:ea typeface="Segoe UI" panose="020B0502040204020203" pitchFamily="34" charset="0"/>
+                          <a:cs typeface="Segoe UI" panose="020B0502040204020203" pitchFamily="34" charset="0"/>
                         </a:rPr>
                         <a:t>zip</a:t>
                       </a:r>
                       <a:r>
-                        <a:rPr lang="ja-JP" sz="1050" kern="100" dirty="0">
-                          <a:effectLst/>
-                        </a:rPr>
-                        <a:t>、</a:t>
-                      </a:r>
-                      <a:r>
-                        <a:rPr lang="en-US" sz="1050" kern="100" dirty="0">
-                          <a:effectLst/>
+                        <a:rPr lang="en-US" altLang="ja-JP" sz="1050" kern="100" dirty="0" smtClean="0">
+                          <a:effectLst/>
+                          <a:latin typeface="Segoe UI" panose="020B0502040204020203" pitchFamily="34" charset="0"/>
+                          <a:ea typeface="Segoe UI" panose="020B0502040204020203" pitchFamily="34" charset="0"/>
+                          <a:cs typeface="Segoe UI" panose="020B0502040204020203" pitchFamily="34" charset="0"/>
+                        </a:rPr>
+                        <a:t>, </a:t>
+                      </a:r>
+                      <a:r>
+                        <a:rPr lang="en-US" sz="1050" kern="100" dirty="0" smtClean="0">
+                          <a:effectLst/>
+                          <a:latin typeface="Segoe UI" panose="020B0502040204020203" pitchFamily="34" charset="0"/>
+                          <a:ea typeface="Segoe UI" panose="020B0502040204020203" pitchFamily="34" charset="0"/>
+                          <a:cs typeface="Segoe UI" panose="020B0502040204020203" pitchFamily="34" charset="0"/>
                         </a:rPr>
                         <a:t>telnet</a:t>
                       </a:r>
                       <a:r>
-                        <a:rPr lang="ja-JP" sz="1050" kern="100" dirty="0">
-                          <a:effectLst/>
-                        </a:rPr>
-                        <a:t>、</a:t>
-                      </a:r>
-                      <a:r>
-                        <a:rPr lang="en-US" sz="1050" kern="100" dirty="0">
-                          <a:effectLst/>
+                        <a:rPr lang="en-US" altLang="ja-JP" sz="1050" kern="100" dirty="0" smtClean="0">
+                          <a:effectLst/>
+                          <a:latin typeface="Segoe UI" panose="020B0502040204020203" pitchFamily="34" charset="0"/>
+                          <a:ea typeface="Segoe UI" panose="020B0502040204020203" pitchFamily="34" charset="0"/>
+                          <a:cs typeface="Segoe UI" panose="020B0502040204020203" pitchFamily="34" charset="0"/>
+                        </a:rPr>
+                        <a:t>, </a:t>
+                      </a:r>
+                      <a:r>
+                        <a:rPr lang="en-US" sz="1050" kern="100" dirty="0" smtClean="0">
+                          <a:effectLst/>
+                          <a:latin typeface="Segoe UI" panose="020B0502040204020203" pitchFamily="34" charset="0"/>
+                          <a:ea typeface="Segoe UI" panose="020B0502040204020203" pitchFamily="34" charset="0"/>
+                          <a:cs typeface="Segoe UI" panose="020B0502040204020203" pitchFamily="34" charset="0"/>
                         </a:rPr>
                         <a:t>mailx</a:t>
                       </a:r>
                       <a:r>
-                        <a:rPr lang="ja-JP" sz="1050" kern="100" dirty="0">
-                          <a:effectLst/>
-                        </a:rPr>
-                        <a:t>、</a:t>
-                      </a:r>
-                      <a:r>
-                        <a:rPr lang="en-US" sz="1050" kern="100" dirty="0">
-                          <a:effectLst/>
+                        <a:rPr lang="en-US" altLang="ja-JP" sz="1050" kern="100" dirty="0" smtClean="0">
+                          <a:effectLst/>
+                          <a:latin typeface="Segoe UI" panose="020B0502040204020203" pitchFamily="34" charset="0"/>
+                          <a:ea typeface="Segoe UI" panose="020B0502040204020203" pitchFamily="34" charset="0"/>
+                          <a:cs typeface="Segoe UI" panose="020B0502040204020203" pitchFamily="34" charset="0"/>
+                        </a:rPr>
+                        <a:t>, </a:t>
+                      </a:r>
+                      <a:r>
+                        <a:rPr lang="en-US" sz="1050" kern="100" dirty="0" smtClean="0">
+                          <a:effectLst/>
+                          <a:latin typeface="Segoe UI" panose="020B0502040204020203" pitchFamily="34" charset="0"/>
+                          <a:ea typeface="Segoe UI" panose="020B0502040204020203" pitchFamily="34" charset="0"/>
+                          <a:cs typeface="Segoe UI" panose="020B0502040204020203" pitchFamily="34" charset="0"/>
                         </a:rPr>
                         <a:t>unzip</a:t>
                       </a:r>
                       <a:endParaRPr lang="ja-JP" sz="1050" kern="100" dirty="0">
                         <a:effectLst/>
-                        <a:latin typeface="Century" panose="02040604050505020304" pitchFamily="18" charset="0"/>
+                        <a:latin typeface="Segoe UI" panose="020B0502040204020203" pitchFamily="34" charset="0"/>
                         <a:ea typeface="ＭＳ 明朝" panose="02020609040205080304" pitchFamily="17" charset="-128"/>
-                        <a:cs typeface="Times New Roman" panose="02020603050405020304" pitchFamily="18" charset="0"/>
+                        <a:cs typeface="Segoe UI" panose="020B0502040204020203" pitchFamily="34" charset="0"/>
                       </a:endParaRPr>
                     </a:p>
                   </a:txBody>
@@ -24668,49 +24689,13 @@
                         </a:spcAft>
                       </a:pPr>
                       <a:r>
-                        <a:rPr lang="fr-FR" sz="1050" kern="100" dirty="0" smtClean="0">
-                          <a:solidFill>
-                            <a:schemeClr val="tx1"/>
-                          </a:solidFill>
-                          <a:effectLst/>
-                        </a:rPr>
-                        <a:t>MariaDB</a:t>
-                      </a:r>
-                      <a:r>
-                        <a:rPr lang="ja-JP" altLang="en-US" sz="1050" kern="100" dirty="0" smtClean="0">
-                          <a:solidFill>
-                            <a:schemeClr val="tx1"/>
-                          </a:solidFill>
-                          <a:effectLst/>
-                        </a:rPr>
-                        <a:t>、</a:t>
-                      </a:r>
-                      <a:r>
-                        <a:rPr lang="fr-FR" sz="1050" kern="100" dirty="0" smtClean="0">
-                          <a:solidFill>
-                            <a:schemeClr val="tx1"/>
-                          </a:solidFill>
-                          <a:effectLst/>
-                        </a:rPr>
-                        <a:t>MariaDB-server</a:t>
-                      </a:r>
-                      <a:r>
-                        <a:rPr lang="ja-JP" altLang="en-US" sz="1050" kern="100" dirty="0" smtClean="0">
-                          <a:solidFill>
-                            <a:schemeClr val="tx1"/>
-                          </a:solidFill>
-                          <a:effectLst/>
-                        </a:rPr>
-                        <a:t>、</a:t>
-                      </a:r>
-                      <a:r>
-                        <a:rPr lang="fr-FR" sz="1050" kern="100" dirty="0" smtClean="0">
-                          <a:solidFill>
-                            <a:schemeClr val="tx1"/>
-                          </a:solidFill>
-                          <a:effectLst/>
-                        </a:rPr>
-                        <a:t>expect</a:t>
+                        <a:rPr lang="en-US" sz="1050" kern="100" dirty="0" smtClean="0">
+                          <a:effectLst/>
+                          <a:latin typeface="Segoe UI" panose="020B0502040204020203" pitchFamily="34" charset="0"/>
+                          <a:ea typeface="Segoe UI" panose="020B0502040204020203" pitchFamily="34" charset="0"/>
+                          <a:cs typeface="Segoe UI" panose="020B0502040204020203" pitchFamily="34" charset="0"/>
+                        </a:rPr>
+                        <a:t>MariaDB, MariaDB-server, expect</a:t>
                       </a:r>
                     </a:p>
                   </a:txBody>
@@ -24798,28 +24783,37 @@
                         </a:spcAft>
                       </a:pPr>
                       <a:r>
-                        <a:rPr lang="en-US" sz="1050" kern="100" dirty="0">
-                          <a:effectLst/>
+                        <a:rPr lang="en-US" sz="1050" kern="100" dirty="0" smtClean="0">
+                          <a:effectLst/>
+                          <a:latin typeface="Segoe UI" panose="020B0502040204020203" pitchFamily="34" charset="0"/>
+                          <a:ea typeface="Segoe UI" panose="020B0502040204020203" pitchFamily="34" charset="0"/>
+                          <a:cs typeface="Segoe UI" panose="020B0502040204020203" pitchFamily="34" charset="0"/>
                         </a:rPr>
                         <a:t>httpd</a:t>
                       </a:r>
                       <a:r>
-                        <a:rPr lang="ja-JP" sz="1050" kern="100" dirty="0">
-                          <a:effectLst/>
-                        </a:rPr>
-                        <a:t>、</a:t>
-                      </a:r>
-                      <a:r>
-                        <a:rPr lang="en-US" sz="1050" kern="100" dirty="0">
-                          <a:effectLst/>
+                        <a:rPr lang="en-US" altLang="ja-JP" sz="1050" kern="100" dirty="0" smtClean="0">
+                          <a:effectLst/>
+                          <a:latin typeface="Segoe UI" panose="020B0502040204020203" pitchFamily="34" charset="0"/>
+                          <a:ea typeface="Segoe UI" panose="020B0502040204020203" pitchFamily="34" charset="0"/>
+                          <a:cs typeface="Segoe UI" panose="020B0502040204020203" pitchFamily="34" charset="0"/>
+                        </a:rPr>
+                        <a:t>, </a:t>
+                      </a:r>
+                      <a:r>
+                        <a:rPr lang="en-US" sz="1050" kern="100" dirty="0" smtClean="0">
+                          <a:effectLst/>
+                          <a:latin typeface="Segoe UI" panose="020B0502040204020203" pitchFamily="34" charset="0"/>
+                          <a:ea typeface="Segoe UI" panose="020B0502040204020203" pitchFamily="34" charset="0"/>
+                          <a:cs typeface="Segoe UI" panose="020B0502040204020203" pitchFamily="34" charset="0"/>
                         </a:rPr>
                         <a:t>mod_ssl</a:t>
                       </a:r>
                       <a:endParaRPr lang="ja-JP" sz="1050" kern="100" dirty="0">
                         <a:effectLst/>
-                        <a:latin typeface="Century" panose="02040604050505020304" pitchFamily="18" charset="0"/>
+                        <a:latin typeface="Segoe UI" panose="020B0502040204020203" pitchFamily="34" charset="0"/>
                         <a:ea typeface="ＭＳ 明朝" panose="02020609040205080304" pitchFamily="17" charset="-128"/>
-                        <a:cs typeface="Times New Roman" panose="02020603050405020304" pitchFamily="18" charset="0"/>
+                        <a:cs typeface="Segoe UI" panose="020B0502040204020203" pitchFamily="34" charset="0"/>
                       </a:endParaRPr>
                     </a:p>
                   </a:txBody>
@@ -24919,169 +24913,319 @@
                         <a:defRPr/>
                       </a:pPr>
                       <a:r>
-                        <a:rPr lang="en-US" sz="1050" kern="100" dirty="0">
-                          <a:effectLst/>
+                        <a:rPr lang="en-US" sz="1050" kern="100" dirty="0" smtClean="0">
+                          <a:effectLst/>
+                          <a:latin typeface="Segoe UI" panose="020B0502040204020203" pitchFamily="34" charset="0"/>
+                          <a:ea typeface="Segoe UI" panose="020B0502040204020203" pitchFamily="34" charset="0"/>
+                          <a:cs typeface="Segoe UI" panose="020B0502040204020203" pitchFamily="34" charset="0"/>
                         </a:rPr>
                         <a:t>php</a:t>
                       </a:r>
                       <a:r>
-                        <a:rPr lang="ja-JP" sz="1050" kern="100" dirty="0">
-                          <a:effectLst/>
-                        </a:rPr>
-                        <a:t>、</a:t>
-                      </a:r>
-                      <a:r>
-                        <a:rPr lang="en-US" sz="1050" kern="100" dirty="0">
-                          <a:effectLst/>
+                        <a:rPr lang="en-US" altLang="ja-JP" sz="1050" kern="100" dirty="0" smtClean="0">
+                          <a:effectLst/>
+                          <a:latin typeface="Segoe UI" panose="020B0502040204020203" pitchFamily="34" charset="0"/>
+                          <a:ea typeface="Segoe UI" panose="020B0502040204020203" pitchFamily="34" charset="0"/>
+                          <a:cs typeface="Segoe UI" panose="020B0502040204020203" pitchFamily="34" charset="0"/>
+                        </a:rPr>
+                        <a:t>, </a:t>
+                      </a:r>
+                      <a:r>
+                        <a:rPr lang="en-US" sz="1050" kern="100" dirty="0" smtClean="0">
+                          <a:effectLst/>
+                          <a:latin typeface="Segoe UI" panose="020B0502040204020203" pitchFamily="34" charset="0"/>
+                          <a:ea typeface="Segoe UI" panose="020B0502040204020203" pitchFamily="34" charset="0"/>
+                          <a:cs typeface="Segoe UI" panose="020B0502040204020203" pitchFamily="34" charset="0"/>
                         </a:rPr>
                         <a:t>php-bcmath</a:t>
                       </a:r>
                       <a:r>
-                        <a:rPr lang="ja-JP" sz="1050" kern="100" dirty="0">
-                          <a:effectLst/>
-                        </a:rPr>
-                        <a:t>、</a:t>
-                      </a:r>
-                      <a:r>
-                        <a:rPr lang="en-US" sz="1050" kern="100" dirty="0">
-                          <a:effectLst/>
+                        <a:rPr lang="en-US" altLang="ja-JP" sz="1050" kern="100" dirty="0" smtClean="0">
+                          <a:effectLst/>
+                          <a:latin typeface="Segoe UI" panose="020B0502040204020203" pitchFamily="34" charset="0"/>
+                          <a:ea typeface="Segoe UI" panose="020B0502040204020203" pitchFamily="34" charset="0"/>
+                          <a:cs typeface="Segoe UI" panose="020B0502040204020203" pitchFamily="34" charset="0"/>
+                        </a:rPr>
+                        <a:t>, </a:t>
+                      </a:r>
+                      <a:r>
+                        <a:rPr lang="en-US" sz="1050" kern="100" dirty="0" smtClean="0">
+                          <a:effectLst/>
+                          <a:latin typeface="Segoe UI" panose="020B0502040204020203" pitchFamily="34" charset="0"/>
+                          <a:ea typeface="Segoe UI" panose="020B0502040204020203" pitchFamily="34" charset="0"/>
+                          <a:cs typeface="Segoe UI" panose="020B0502040204020203" pitchFamily="34" charset="0"/>
                         </a:rPr>
                         <a:t>php-cli</a:t>
                       </a:r>
                       <a:r>
-                        <a:rPr lang="ja-JP" sz="1050" kern="100" dirty="0">
-                          <a:effectLst/>
-                        </a:rPr>
-                        <a:t>、</a:t>
-                      </a:r>
-                      <a:r>
-                        <a:rPr lang="en-US" sz="1050" kern="100" dirty="0">
-                          <a:effectLst/>
+                        <a:rPr lang="en-US" altLang="ja-JP" sz="1050" kern="100" dirty="0" smtClean="0">
+                          <a:effectLst/>
+                          <a:latin typeface="Segoe UI" panose="020B0502040204020203" pitchFamily="34" charset="0"/>
+                          <a:ea typeface="Segoe UI" panose="020B0502040204020203" pitchFamily="34" charset="0"/>
+                          <a:cs typeface="Segoe UI" panose="020B0502040204020203" pitchFamily="34" charset="0"/>
+                        </a:rPr>
+                        <a:t>, </a:t>
+                      </a:r>
+                      <a:r>
+                        <a:rPr lang="en-US" sz="1050" kern="100" dirty="0" smtClean="0">
+                          <a:effectLst/>
+                          <a:latin typeface="Segoe UI" panose="020B0502040204020203" pitchFamily="34" charset="0"/>
+                          <a:ea typeface="Segoe UI" panose="020B0502040204020203" pitchFamily="34" charset="0"/>
+                          <a:cs typeface="Segoe UI" panose="020B0502040204020203" pitchFamily="34" charset="0"/>
                         </a:rPr>
                         <a:t>php-ldap</a:t>
                       </a:r>
                       <a:r>
-                        <a:rPr lang="ja-JP" sz="1050" kern="100" dirty="0">
-                          <a:effectLst/>
-                        </a:rPr>
-                        <a:t>、</a:t>
-                      </a:r>
-                      <a:r>
-                        <a:rPr lang="en-US" sz="1050" kern="100" dirty="0">
-                          <a:effectLst/>
+                        <a:rPr lang="en-US" altLang="ja-JP" sz="1050" kern="100" dirty="0" smtClean="0">
+                          <a:effectLst/>
+                          <a:latin typeface="Segoe UI" panose="020B0502040204020203" pitchFamily="34" charset="0"/>
+                          <a:ea typeface="Segoe UI" panose="020B0502040204020203" pitchFamily="34" charset="0"/>
+                          <a:cs typeface="Segoe UI" panose="020B0502040204020203" pitchFamily="34" charset="0"/>
+                        </a:rPr>
+                        <a:t>, </a:t>
+                      </a:r>
+                      <a:r>
+                        <a:rPr lang="en-US" sz="1050" kern="100" dirty="0" smtClean="0">
+                          <a:effectLst/>
+                          <a:latin typeface="Segoe UI" panose="020B0502040204020203" pitchFamily="34" charset="0"/>
+                          <a:ea typeface="Segoe UI" panose="020B0502040204020203" pitchFamily="34" charset="0"/>
+                          <a:cs typeface="Segoe UI" panose="020B0502040204020203" pitchFamily="34" charset="0"/>
                         </a:rPr>
                         <a:t>php-mbstring</a:t>
                       </a:r>
                       <a:r>
-                        <a:rPr lang="ja-JP" sz="1050" kern="100" dirty="0">
-                          <a:effectLst/>
-                        </a:rPr>
-                        <a:t>、</a:t>
-                      </a:r>
-                      <a:r>
-                        <a:rPr lang="en-US" sz="1050" kern="100" dirty="0">
-                          <a:effectLst/>
+                        <a:rPr lang="en-US" altLang="ja-JP" sz="1050" kern="100" dirty="0" smtClean="0">
+                          <a:effectLst/>
+                          <a:latin typeface="Segoe UI" panose="020B0502040204020203" pitchFamily="34" charset="0"/>
+                          <a:ea typeface="Segoe UI" panose="020B0502040204020203" pitchFamily="34" charset="0"/>
+                          <a:cs typeface="Segoe UI" panose="020B0502040204020203" pitchFamily="34" charset="0"/>
+                        </a:rPr>
+                        <a:t>, </a:t>
+                      </a:r>
+                      <a:r>
+                        <a:rPr lang="en-US" sz="1050" kern="100" dirty="0" smtClean="0">
+                          <a:effectLst/>
+                          <a:latin typeface="Segoe UI" panose="020B0502040204020203" pitchFamily="34" charset="0"/>
+                          <a:ea typeface="Segoe UI" panose="020B0502040204020203" pitchFamily="34" charset="0"/>
+                          <a:cs typeface="Segoe UI" panose="020B0502040204020203" pitchFamily="34" charset="0"/>
                         </a:rPr>
                         <a:t>php-mcrypt</a:t>
                       </a:r>
                       <a:r>
-                        <a:rPr lang="ja-JP" sz="1050" kern="100" dirty="0" smtClean="0">
-                          <a:effectLst/>
-                        </a:rPr>
-                        <a:t>、</a:t>
+                        <a:rPr lang="en-US" altLang="ja-JP" sz="1050" kern="100" dirty="0" smtClean="0">
+                          <a:effectLst/>
+                          <a:latin typeface="Segoe UI" panose="020B0502040204020203" pitchFamily="34" charset="0"/>
+                          <a:ea typeface="Segoe UI" panose="020B0502040204020203" pitchFamily="34" charset="0"/>
+                          <a:cs typeface="Segoe UI" panose="020B0502040204020203" pitchFamily="34" charset="0"/>
+                        </a:rPr>
+                        <a:t>, </a:t>
                       </a:r>
                       <a:r>
                         <a:rPr lang="en-US" sz="1050" kern="100" dirty="0" smtClean="0">
-                          <a:solidFill>
-                            <a:schemeClr val="tx1"/>
-                          </a:solidFill>
-                          <a:effectLst/>
+                          <a:effectLst/>
+                          <a:latin typeface="Segoe UI" panose="020B0502040204020203" pitchFamily="34" charset="0"/>
+                          <a:ea typeface="Segoe UI" panose="020B0502040204020203" pitchFamily="34" charset="0"/>
+                          <a:cs typeface="Segoe UI" panose="020B0502040204020203" pitchFamily="34" charset="0"/>
                         </a:rPr>
                         <a:t>php-mysqlnd</a:t>
                       </a:r>
                       <a:r>
-                        <a:rPr lang="ja-JP" sz="1050" kern="100" dirty="0">
-                          <a:effectLst/>
-                        </a:rPr>
-                        <a:t>、</a:t>
-                      </a:r>
-                      <a:r>
-                        <a:rPr lang="en-US" sz="1050" kern="100" dirty="0">
-                          <a:effectLst/>
+                        <a:rPr lang="en-US" altLang="ja-JP" sz="1050" kern="100" dirty="0" smtClean="0">
+                          <a:effectLst/>
+                          <a:latin typeface="Segoe UI" panose="020B0502040204020203" pitchFamily="34" charset="0"/>
+                          <a:ea typeface="Segoe UI" panose="020B0502040204020203" pitchFamily="34" charset="0"/>
+                          <a:cs typeface="Segoe UI" panose="020B0502040204020203" pitchFamily="34" charset="0"/>
+                        </a:rPr>
+                        <a:t>, </a:t>
+                      </a:r>
+                      <a:r>
+                        <a:rPr lang="en-US" sz="1050" kern="100" dirty="0" smtClean="0">
+                          <a:effectLst/>
+                          <a:latin typeface="Segoe UI" panose="020B0502040204020203" pitchFamily="34" charset="0"/>
+                          <a:ea typeface="Segoe UI" panose="020B0502040204020203" pitchFamily="34" charset="0"/>
+                          <a:cs typeface="Segoe UI" panose="020B0502040204020203" pitchFamily="34" charset="0"/>
                         </a:rPr>
                         <a:t>php-pear</a:t>
                       </a:r>
                       <a:r>
-                        <a:rPr lang="ja-JP" sz="1050" kern="100" dirty="0">
-                          <a:effectLst/>
-                        </a:rPr>
-                        <a:t>、</a:t>
-                      </a:r>
-                      <a:r>
-                        <a:rPr lang="en-US" sz="1050" kern="100" dirty="0">
-                          <a:effectLst/>
-                        </a:rPr>
-                        <a:t>php-pecl-crypto</a:t>
-                      </a:r>
-                      <a:r>
-                        <a:rPr lang="ja-JP" sz="1050" kern="100" dirty="0">
-                          <a:effectLst/>
-                        </a:rPr>
-                        <a:t>、</a:t>
-                      </a:r>
-                      <a:r>
-                        <a:rPr lang="en-US" sz="1050" kern="100" dirty="0">
-                          <a:effectLst/>
-                        </a:rPr>
-                        <a:t>php-pecl-zip</a:t>
-                      </a:r>
-                      <a:r>
-                        <a:rPr lang="ja-JP" sz="1050" kern="100" dirty="0">
-                          <a:effectLst/>
-                        </a:rPr>
-                        <a:t>、</a:t>
-                      </a:r>
-                      <a:r>
-                        <a:rPr lang="en-US" sz="1050" kern="100" dirty="0">
-                          <a:effectLst/>
+                        <a:rPr lang="en-US" altLang="ja-JP" sz="1050" kern="100" dirty="0" smtClean="0">
+                          <a:effectLst/>
+                          <a:latin typeface="Segoe UI" panose="020B0502040204020203" pitchFamily="34" charset="0"/>
+                          <a:ea typeface="Segoe UI" panose="020B0502040204020203" pitchFamily="34" charset="0"/>
+                          <a:cs typeface="Segoe UI" panose="020B0502040204020203" pitchFamily="34" charset="0"/>
+                        </a:rPr>
+                        <a:t>, </a:t>
+                      </a:r>
+                      <a:r>
+                        <a:rPr lang="en-US" sz="1050" kern="100" dirty="0" err="1" smtClean="0">
+                          <a:effectLst/>
+                          <a:latin typeface="Segoe UI" panose="020B0502040204020203" pitchFamily="34" charset="0"/>
+                          <a:ea typeface="Segoe UI" panose="020B0502040204020203" pitchFamily="34" charset="0"/>
+                          <a:cs typeface="Segoe UI" panose="020B0502040204020203" pitchFamily="34" charset="0"/>
+                        </a:rPr>
+                        <a:t>php</a:t>
+                      </a:r>
+                      <a:r>
+                        <a:rPr lang="en-US" sz="1050" kern="100" dirty="0" smtClean="0">
+                          <a:effectLst/>
+                          <a:latin typeface="Segoe UI" panose="020B0502040204020203" pitchFamily="34" charset="0"/>
+                          <a:ea typeface="Segoe UI" panose="020B0502040204020203" pitchFamily="34" charset="0"/>
+                          <a:cs typeface="Segoe UI" panose="020B0502040204020203" pitchFamily="34" charset="0"/>
+                        </a:rPr>
+                        <a:t>-</a:t>
+                      </a:r>
+                      <a:r>
+                        <a:rPr lang="en-US" sz="1050" kern="100" dirty="0" err="1" smtClean="0">
+                          <a:effectLst/>
+                          <a:latin typeface="Segoe UI" panose="020B0502040204020203" pitchFamily="34" charset="0"/>
+                          <a:ea typeface="Segoe UI" panose="020B0502040204020203" pitchFamily="34" charset="0"/>
+                          <a:cs typeface="Segoe UI" panose="020B0502040204020203" pitchFamily="34" charset="0"/>
+                        </a:rPr>
+                        <a:t>pecl</a:t>
+                      </a:r>
+                      <a:r>
+                        <a:rPr lang="en-US" sz="1050" kern="100" dirty="0" smtClean="0">
+                          <a:effectLst/>
+                          <a:latin typeface="Segoe UI" panose="020B0502040204020203" pitchFamily="34" charset="0"/>
+                          <a:ea typeface="Segoe UI" panose="020B0502040204020203" pitchFamily="34" charset="0"/>
+                          <a:cs typeface="Segoe UI" panose="020B0502040204020203" pitchFamily="34" charset="0"/>
+                        </a:rPr>
+                        <a:t>-crypto</a:t>
+                      </a:r>
+                      <a:r>
+                        <a:rPr lang="en-US" altLang="ja-JP" sz="1050" kern="100" dirty="0" smtClean="0">
+                          <a:effectLst/>
+                          <a:latin typeface="Segoe UI" panose="020B0502040204020203" pitchFamily="34" charset="0"/>
+                          <a:ea typeface="Segoe UI" panose="020B0502040204020203" pitchFamily="34" charset="0"/>
+                          <a:cs typeface="Segoe UI" panose="020B0502040204020203" pitchFamily="34" charset="0"/>
+                        </a:rPr>
+                        <a:t>,</a:t>
+                      </a:r>
+                      <a:r>
+                        <a:rPr lang="en-US" altLang="ja-JP" sz="1050" kern="100" baseline="0" dirty="0" smtClean="0">
+                          <a:effectLst/>
+                          <a:latin typeface="Segoe UI" panose="020B0502040204020203" pitchFamily="34" charset="0"/>
+                          <a:ea typeface="Segoe UI" panose="020B0502040204020203" pitchFamily="34" charset="0"/>
+                          <a:cs typeface="Segoe UI" panose="020B0502040204020203" pitchFamily="34" charset="0"/>
+                        </a:rPr>
+                        <a:t> </a:t>
+                      </a:r>
+                      <a:r>
+                        <a:rPr lang="en-US" sz="1050" kern="100" dirty="0" err="1" smtClean="0">
+                          <a:effectLst/>
+                          <a:latin typeface="Segoe UI" panose="020B0502040204020203" pitchFamily="34" charset="0"/>
+                          <a:ea typeface="Segoe UI" panose="020B0502040204020203" pitchFamily="34" charset="0"/>
+                          <a:cs typeface="Segoe UI" panose="020B0502040204020203" pitchFamily="34" charset="0"/>
+                        </a:rPr>
+                        <a:t>php</a:t>
+                      </a:r>
+                      <a:r>
+                        <a:rPr lang="en-US" sz="1050" kern="100" dirty="0" smtClean="0">
+                          <a:effectLst/>
+                          <a:latin typeface="Segoe UI" panose="020B0502040204020203" pitchFamily="34" charset="0"/>
+                          <a:ea typeface="Segoe UI" panose="020B0502040204020203" pitchFamily="34" charset="0"/>
+                          <a:cs typeface="Segoe UI" panose="020B0502040204020203" pitchFamily="34" charset="0"/>
+                        </a:rPr>
+                        <a:t>-</a:t>
+                      </a:r>
+                      <a:r>
+                        <a:rPr lang="en-US" sz="1050" kern="100" dirty="0" err="1" smtClean="0">
+                          <a:effectLst/>
+                          <a:latin typeface="Segoe UI" panose="020B0502040204020203" pitchFamily="34" charset="0"/>
+                          <a:ea typeface="Segoe UI" panose="020B0502040204020203" pitchFamily="34" charset="0"/>
+                          <a:cs typeface="Segoe UI" panose="020B0502040204020203" pitchFamily="34" charset="0"/>
+                        </a:rPr>
+                        <a:t>pecl</a:t>
+                      </a:r>
+                      <a:r>
+                        <a:rPr lang="en-US" sz="1050" kern="100" dirty="0" smtClean="0">
+                          <a:effectLst/>
+                          <a:latin typeface="Segoe UI" panose="020B0502040204020203" pitchFamily="34" charset="0"/>
+                          <a:ea typeface="Segoe UI" panose="020B0502040204020203" pitchFamily="34" charset="0"/>
+                          <a:cs typeface="Segoe UI" panose="020B0502040204020203" pitchFamily="34" charset="0"/>
+                        </a:rPr>
+                        <a:t>-zip</a:t>
+                      </a:r>
+                      <a:r>
+                        <a:rPr lang="en-US" altLang="ja-JP" sz="1050" kern="100" dirty="0" smtClean="0">
+                          <a:effectLst/>
+                          <a:latin typeface="Segoe UI" panose="020B0502040204020203" pitchFamily="34" charset="0"/>
+                          <a:ea typeface="Segoe UI" panose="020B0502040204020203" pitchFamily="34" charset="0"/>
+                          <a:cs typeface="Segoe UI" panose="020B0502040204020203" pitchFamily="34" charset="0"/>
+                        </a:rPr>
+                        <a:t>, </a:t>
+                      </a:r>
+                      <a:r>
+                        <a:rPr lang="en-US" sz="1050" kern="100" dirty="0" smtClean="0">
+                          <a:effectLst/>
+                          <a:latin typeface="Segoe UI" panose="020B0502040204020203" pitchFamily="34" charset="0"/>
+                          <a:ea typeface="Segoe UI" panose="020B0502040204020203" pitchFamily="34" charset="0"/>
+                          <a:cs typeface="Segoe UI" panose="020B0502040204020203" pitchFamily="34" charset="0"/>
                         </a:rPr>
                         <a:t>php-process</a:t>
                       </a:r>
                       <a:r>
-                        <a:rPr lang="ja-JP" sz="1050" kern="100" dirty="0">
-                          <a:effectLst/>
-                        </a:rPr>
-                        <a:t>、</a:t>
-                      </a:r>
-                      <a:r>
-                        <a:rPr lang="en-US" sz="1050" kern="100" dirty="0">
-                          <a:effectLst/>
+                        <a:rPr lang="en-US" altLang="ja-JP" sz="1050" kern="100" dirty="0" smtClean="0">
+                          <a:effectLst/>
+                          <a:latin typeface="Segoe UI" panose="020B0502040204020203" pitchFamily="34" charset="0"/>
+                          <a:ea typeface="Segoe UI" panose="020B0502040204020203" pitchFamily="34" charset="0"/>
+                          <a:cs typeface="Segoe UI" panose="020B0502040204020203" pitchFamily="34" charset="0"/>
+                        </a:rPr>
+                        <a:t>, </a:t>
+                      </a:r>
+                      <a:r>
+                        <a:rPr lang="en-US" sz="1050" kern="100" dirty="0" smtClean="0">
+                          <a:effectLst/>
+                          <a:latin typeface="Segoe UI" panose="020B0502040204020203" pitchFamily="34" charset="0"/>
+                          <a:ea typeface="Segoe UI" panose="020B0502040204020203" pitchFamily="34" charset="0"/>
+                          <a:cs typeface="Segoe UI" panose="020B0502040204020203" pitchFamily="34" charset="0"/>
                         </a:rPr>
                         <a:t>php-snmp</a:t>
                       </a:r>
                       <a:r>
-                        <a:rPr lang="ja-JP" sz="1050" kern="100" dirty="0" err="1">
-                          <a:effectLst/>
-                        </a:rPr>
-                        <a:t>、</a:t>
+                        <a:rPr lang="en-US" altLang="ja-JP" sz="1050" kern="100" dirty="0" smtClean="0">
+                          <a:effectLst/>
+                          <a:latin typeface="Segoe UI" panose="020B0502040204020203" pitchFamily="34" charset="0"/>
+                          <a:ea typeface="Segoe UI" panose="020B0502040204020203" pitchFamily="34" charset="0"/>
+                          <a:cs typeface="Segoe UI" panose="020B0502040204020203" pitchFamily="34" charset="0"/>
+                        </a:rPr>
+                        <a:t>, </a:t>
                       </a:r>
                       <a:r>
                         <a:rPr lang="en-US" sz="1050" kern="100" dirty="0" err="1" smtClean="0">
                           <a:effectLst/>
+                          <a:latin typeface="Segoe UI" panose="020B0502040204020203" pitchFamily="34" charset="0"/>
+                          <a:ea typeface="Segoe UI" panose="020B0502040204020203" pitchFamily="34" charset="0"/>
+                          <a:cs typeface="Segoe UI" panose="020B0502040204020203" pitchFamily="34" charset="0"/>
                         </a:rPr>
                         <a:t>php</a:t>
                       </a:r>
                       <a:r>
                         <a:rPr lang="en-US" sz="1050" kern="100" dirty="0" smtClean="0">
                           <a:effectLst/>
+                          <a:latin typeface="Segoe UI" panose="020B0502040204020203" pitchFamily="34" charset="0"/>
+                          <a:ea typeface="Segoe UI" panose="020B0502040204020203" pitchFamily="34" charset="0"/>
+                          <a:cs typeface="Segoe UI" panose="020B0502040204020203" pitchFamily="34" charset="0"/>
                         </a:rPr>
                         <a:t>-xml</a:t>
                       </a:r>
                       <a:r>
-                        <a:rPr lang="ja-JP" altLang="en-US" sz="1050" kern="100" dirty="0" err="1" smtClean="0">
-                          <a:effectLst/>
-                        </a:rPr>
-                        <a:t>、</a:t>
+                        <a:rPr lang="en-US" sz="1050" kern="100" dirty="0" smtClean="0">
+                          <a:effectLst/>
+                          <a:latin typeface="+mn-lt"/>
+                          <a:ea typeface="+mn-ea"/>
+                          <a:cs typeface="+mn-cs"/>
+                        </a:rPr>
+                        <a:t>,</a:t>
+                      </a:r>
+                      <a:r>
+                        <a:rPr lang="en-US" sz="1050" kern="100" baseline="0" dirty="0" smtClean="0">
+                          <a:effectLst/>
+                          <a:latin typeface="+mn-lt"/>
+                          <a:ea typeface="+mn-ea"/>
+                          <a:cs typeface="+mn-cs"/>
+                        </a:rPr>
+                        <a:t>  </a:t>
                       </a:r>
                       <a:r>
                         <a:rPr lang="en-US" altLang="ja-JP" sz="1050" kern="100" dirty="0" err="1" smtClean="0">
@@ -25090,61 +25234,61 @@
                         <a:t>php-json</a:t>
                       </a:r>
                       <a:r>
-                        <a:rPr lang="ja-JP" altLang="en-US" sz="1050" kern="100" dirty="0" err="1" smtClean="0">
-                          <a:effectLst/>
-                        </a:rPr>
-                        <a:t>、</a:t>
-                      </a:r>
-                      <a:r>
                         <a:rPr lang="en-US" altLang="ja-JP" sz="1050" kern="100" dirty="0" smtClean="0">
                           <a:effectLst/>
                         </a:rPr>
+                        <a:t>,</a:t>
+                      </a:r>
+                      <a:r>
+                        <a:rPr lang="en-US" altLang="ja-JP" sz="1050" kern="100" baseline="0" dirty="0" smtClean="0">
+                          <a:effectLst/>
+                        </a:rPr>
+                        <a:t>  </a:t>
+                      </a:r>
+                      <a:r>
+                        <a:rPr lang="en-US" altLang="ja-JP" sz="1050" kern="100" dirty="0" err="1" smtClean="0">
+                          <a:effectLst/>
+                        </a:rPr>
+                        <a:t>php</a:t>
+                      </a:r>
+                      <a:r>
+                        <a:rPr lang="en-US" altLang="ja-JP" sz="1050" kern="100" dirty="0" smtClean="0">
+                          <a:effectLst/>
+                        </a:rPr>
+                        <a:t>-zip,</a:t>
+                      </a:r>
+                      <a:r>
+                        <a:rPr lang="en-US" altLang="ja-JP" sz="1050" kern="100" baseline="0" dirty="0" smtClean="0">
+                          <a:effectLst/>
+                        </a:rPr>
                         <a:t> </a:t>
                       </a:r>
                       <a:r>
+                        <a:rPr lang="en-US" altLang="ja-JP" sz="1050" kern="100" dirty="0" smtClean="0">
+                          <a:effectLst/>
+                        </a:rPr>
+                        <a:t> </a:t>
+                      </a:r>
+                      <a:r>
                         <a:rPr lang="en-US" altLang="ja-JP" sz="1050" kern="100" dirty="0" err="1" smtClean="0">
                           <a:effectLst/>
                         </a:rPr>
-                        <a:t>php</a:t>
+                        <a:t>php-gd</a:t>
                       </a:r>
                       <a:r>
                         <a:rPr lang="en-US" altLang="ja-JP" sz="1050" kern="100" dirty="0" smtClean="0">
                           <a:effectLst/>
                         </a:rPr>
-                        <a:t>-zip</a:t>
-                      </a:r>
-                      <a:r>
-                        <a:rPr lang="ja-JP" altLang="en-US" sz="1050" kern="100" dirty="0" err="1" smtClean="0">
-                          <a:effectLst/>
-                        </a:rPr>
-                        <a:t>、</a:t>
-                      </a:r>
-                      <a:r>
-                        <a:rPr lang="en-US" altLang="ja-JP" sz="1050" kern="100" dirty="0" smtClean="0">
-                          <a:effectLst/>
-                        </a:rPr>
-                        <a:t> </a:t>
-                      </a:r>
-                      <a:r>
-                        <a:rPr lang="en-US" altLang="ja-JP" sz="1050" kern="100" dirty="0" err="1" smtClean="0">
-                          <a:effectLst/>
-                        </a:rPr>
-                        <a:t>php-gd</a:t>
-                      </a:r>
-                      <a:r>
-                        <a:rPr lang="ja-JP" altLang="en-US" sz="1050" kern="100" dirty="0" err="1" smtClean="0">
-                          <a:effectLst/>
-                        </a:rPr>
-                        <a:t>、</a:t>
-                      </a:r>
-                      <a:r>
-                        <a:rPr lang="ja-JP" altLang="en-US" sz="1050" kern="100" dirty="0" smtClean="0">
-                          <a:effectLst/>
-                        </a:rPr>
-                        <a:t> </a:t>
-                      </a:r>
-                      <a:r>
-                        <a:rPr lang="en-US" altLang="ja-JP" sz="1050" kern="100" dirty="0" smtClean="0">
+                        <a:t>,</a:t>
+                      </a:r>
+                      <a:r>
+                        <a:rPr lang="ja-JP" altLang="en-US" sz="1050" kern="100" baseline="0" dirty="0" smtClean="0">
+                          <a:effectLst/>
+                        </a:rPr>
+                        <a:t>　</a:t>
+                      </a:r>
+                      <a:r>
+                        <a:rPr lang="en-US" altLang="ja-JP" sz="1050" kern="100" baseline="0" dirty="0" smtClean="0">
                           <a:effectLst/>
                         </a:rPr>
                         <a:t>Python3</a:t>
@@ -25241,48 +25385,31 @@
                     <a:bodyPr/>
                     <a:lstStyle/>
                     <a:p>
-                      <a:pPr marL="0" marR="0" lvl="0" indent="0" algn="just" defTabSz="914400" rtl="0" eaLnBrk="1" fontAlgn="auto" latinLnBrk="1" hangingPunct="1">
-                        <a:lnSpc>
-                          <a:spcPct val="100000"/>
-                        </a:lnSpc>
-                        <a:spcBef>
-                          <a:spcPts val="0"/>
-                        </a:spcBef>
+                      <a:pPr algn="just" latinLnBrk="1">
                         <a:spcAft>
                           <a:spcPts val="0"/>
                         </a:spcAft>
-                        <a:buClrTx/>
-                        <a:buSzTx/>
-                        <a:buFontTx/>
-                        <a:buNone/>
                         <a:tabLst>
                           <a:tab pos="1219835" algn="ctr"/>
                         </a:tabLst>
-                        <a:defRPr/>
                       </a:pPr>
                       <a:r>
                         <a:rPr lang="en-US" sz="1050" kern="100" dirty="0" err="1" smtClean="0">
                           <a:effectLst/>
+                          <a:latin typeface="Segoe UI" panose="020B0502040204020203" pitchFamily="34" charset="0"/>
+                          <a:ea typeface="Segoe UI" panose="020B0502040204020203" pitchFamily="34" charset="0"/>
+                          <a:cs typeface="Segoe UI" panose="020B0502040204020203" pitchFamily="34" charset="0"/>
                         </a:rPr>
                         <a:t>Spyc</a:t>
                       </a:r>
                       <a:r>
-                        <a:rPr lang="ja-JP" altLang="en-US" sz="1050" kern="100" dirty="0" err="1" smtClean="0">
-                          <a:effectLst/>
-                        </a:rPr>
-                        <a:t>、</a:t>
-                      </a:r>
-                      <a:r>
                         <a:rPr lang="en-US" sz="1050" kern="100" dirty="0" smtClean="0">
                           <a:effectLst/>
-                        </a:rPr>
-                        <a:t>HTML_AJAX-beta</a:t>
-                      </a:r>
-                      <a:r>
-                        <a:rPr lang="ja-JP" altLang="en-US" sz="1050" kern="100" dirty="0" err="1" smtClean="0">
-                          <a:effectLst/>
-                        </a:rPr>
-                        <a:t>、</a:t>
+                          <a:latin typeface="Segoe UI" panose="020B0502040204020203" pitchFamily="34" charset="0"/>
+                          <a:ea typeface="Segoe UI" panose="020B0502040204020203" pitchFamily="34" charset="0"/>
+                          <a:cs typeface="Segoe UI" panose="020B0502040204020203" pitchFamily="34" charset="0"/>
+                        </a:rPr>
+                        <a:t>, HTML_AJAX-beta, </a:t>
                       </a:r>
                       <a:r>
                         <a:rPr lang="en-US" altLang="ja-JP" sz="1050" kern="100" dirty="0" err="1" smtClean="0">
@@ -25290,11 +25417,11 @@
                         </a:rPr>
                         <a:t>PhpSpreadsheet</a:t>
                       </a:r>
-                      <a:endParaRPr lang="ja-JP" altLang="ja-JP" sz="1050" kern="100" dirty="0" smtClean="0">
+                      <a:endParaRPr lang="ja-JP" sz="1050" kern="100" dirty="0">
                         <a:effectLst/>
-                        <a:latin typeface="Century" panose="02040604050505020304" pitchFamily="18" charset="0"/>
+                        <a:latin typeface="Segoe UI" panose="020B0502040204020203" pitchFamily="34" charset="0"/>
                         <a:ea typeface="ＭＳ 明朝" panose="02020609040205080304" pitchFamily="17" charset="-128"/>
-                        <a:cs typeface="Times New Roman" panose="02020603050405020304" pitchFamily="18" charset="0"/>
+                        <a:cs typeface="Segoe UI" panose="020B0502040204020203" pitchFamily="34" charset="0"/>
                       </a:endParaRPr>
                     </a:p>
                   </a:txBody>
@@ -25384,14 +25511,17 @@
                       <a:r>
                         <a:rPr lang="en-US" sz="1050" kern="100" dirty="0" err="1" smtClean="0">
                           <a:effectLst/>
+                          <a:latin typeface="Segoe UI" panose="020B0502040204020203" pitchFamily="34" charset="0"/>
+                          <a:ea typeface="Segoe UI" panose="020B0502040204020203" pitchFamily="34" charset="0"/>
+                          <a:cs typeface="Segoe UI" panose="020B0502040204020203" pitchFamily="34" charset="0"/>
                         </a:rPr>
                         <a:t>Git</a:t>
                       </a:r>
                       <a:endParaRPr lang="ja-JP" sz="1050" kern="100" dirty="0">
                         <a:effectLst/>
-                        <a:latin typeface="Century" panose="02040604050505020304" pitchFamily="18" charset="0"/>
+                        <a:latin typeface="Segoe UI" panose="020B0502040204020203" pitchFamily="34" charset="0"/>
                         <a:ea typeface="ＭＳ 明朝" panose="02020609040205080304" pitchFamily="17" charset="-128"/>
-                        <a:cs typeface="Times New Roman" panose="02020603050405020304" pitchFamily="18" charset="0"/>
+                        <a:cs typeface="Segoe UI" panose="020B0502040204020203" pitchFamily="34" charset="0"/>
                       </a:endParaRPr>
                     </a:p>
                   </a:txBody>
@@ -25473,30 +25603,96 @@
                     <a:bodyPr/>
                     <a:lstStyle/>
                     <a:p>
-                      <a:pPr algn="just">
+                      <a:pPr marL="0" marR="0" lvl="0" indent="0" algn="just" defTabSz="914400" rtl="0" eaLnBrk="1" fontAlgn="auto" latinLnBrk="0" hangingPunct="1">
+                        <a:lnSpc>
+                          <a:spcPct val="100000"/>
+                        </a:lnSpc>
+                        <a:spcBef>
+                          <a:spcPts val="0"/>
+                        </a:spcBef>
                         <a:spcAft>
                           <a:spcPts val="0"/>
                         </a:spcAft>
+                        <a:buClrTx/>
+                        <a:buSzTx/>
+                        <a:buFontTx/>
+                        <a:buNone/>
+                        <a:tabLst/>
+                        <a:defRPr/>
                       </a:pPr>
                       <a:r>
-                        <a:rPr lang="en-US" sz="1050" kern="100" dirty="0" err="1">
-                          <a:effectLst/>
+                        <a:rPr lang="en-US" sz="1050" kern="100" dirty="0" err="1" smtClean="0">
+                          <a:effectLst/>
+                          <a:latin typeface="Segoe UI" panose="020B0502040204020203" pitchFamily="34" charset="0"/>
+                          <a:ea typeface="Segoe UI" panose="020B0502040204020203" pitchFamily="34" charset="0"/>
+                          <a:cs typeface="Segoe UI" panose="020B0502040204020203" pitchFamily="34" charset="0"/>
                         </a:rPr>
                         <a:t>ansible</a:t>
                       </a:r>
                       <a:r>
-                        <a:rPr lang="ja-JP" sz="1050" kern="100" dirty="0" err="1" smtClean="0">
-                          <a:effectLst/>
-                        </a:rPr>
-                        <a:t>、</a:t>
+                        <a:rPr lang="en-US" altLang="ja-JP" sz="1050" kern="100" dirty="0" smtClean="0">
+                          <a:effectLst/>
+                          <a:latin typeface="Segoe UI" panose="020B0502040204020203" pitchFamily="34" charset="0"/>
+                          <a:ea typeface="Segoe UI" panose="020B0502040204020203" pitchFamily="34" charset="0"/>
+                          <a:cs typeface="Segoe UI" panose="020B0502040204020203" pitchFamily="34" charset="0"/>
+                        </a:rPr>
+                        <a:t>, </a:t>
                       </a:r>
                       <a:r>
                         <a:rPr lang="en-US" altLang="ja-JP" sz="1050" kern="100" dirty="0" err="1" smtClean="0">
                           <a:effectLst/>
+                          <a:latin typeface="Segoe UI" panose="020B0502040204020203" pitchFamily="34" charset="0"/>
+                          <a:ea typeface="Segoe UI" panose="020B0502040204020203" pitchFamily="34" charset="0"/>
+                          <a:cs typeface="Segoe UI" panose="020B0502040204020203" pitchFamily="34" charset="0"/>
                         </a:rPr>
                         <a:t>sshpass</a:t>
                       </a:r>
-                      <a:endParaRPr lang="ja-JP" sz="1050" kern="100" dirty="0">
+                      <a:r>
+                        <a:rPr lang="en-US" altLang="ja-JP" sz="1050" kern="100" dirty="0" smtClean="0">
+                          <a:effectLst/>
+                          <a:latin typeface="Segoe UI" panose="020B0502040204020203" pitchFamily="34" charset="0"/>
+                          <a:ea typeface="Segoe UI" panose="020B0502040204020203" pitchFamily="34" charset="0"/>
+                          <a:cs typeface="Segoe UI" panose="020B0502040204020203" pitchFamily="34" charset="0"/>
+                        </a:rPr>
+                        <a:t>, </a:t>
+                      </a:r>
+                      <a:r>
+                        <a:rPr lang="en-US" altLang="ja-JP" sz="1050" kern="100" dirty="0" err="1" smtClean="0">
+                          <a:effectLst/>
+                        </a:rPr>
+                        <a:t>pexpect</a:t>
+                      </a:r>
+                      <a:r>
+                        <a:rPr lang="en-US" altLang="ja-JP" sz="1050" kern="100" dirty="0" smtClean="0">
+                          <a:effectLst/>
+                          <a:latin typeface="Segoe UI" panose="020B0502040204020203" pitchFamily="34" charset="0"/>
+                          <a:ea typeface="Segoe UI" panose="020B0502040204020203" pitchFamily="34" charset="0"/>
+                          <a:cs typeface="Segoe UI" panose="020B0502040204020203" pitchFamily="34" charset="0"/>
+                        </a:rPr>
+                        <a:t>, </a:t>
+                      </a:r>
+                      <a:r>
+                        <a:rPr lang="en-US" altLang="ja-JP" sz="1050" kern="100" dirty="0" err="1" smtClean="0">
+                          <a:effectLst/>
+                        </a:rPr>
+                        <a:t>pywinrm</a:t>
+                      </a:r>
+                      <a:r>
+                        <a:rPr lang="en-US" altLang="ja-JP" sz="1050" kern="100" dirty="0" smtClean="0">
+                          <a:effectLst/>
+                          <a:latin typeface="Segoe UI" panose="020B0502040204020203" pitchFamily="34" charset="0"/>
+                          <a:ea typeface="Segoe UI" panose="020B0502040204020203" pitchFamily="34" charset="0"/>
+                          <a:cs typeface="Segoe UI" panose="020B0502040204020203" pitchFamily="34" charset="0"/>
+                        </a:rPr>
+                        <a:t>, </a:t>
+                      </a:r>
+                      <a:r>
+                        <a:rPr lang="en-US" altLang="ja-JP" sz="1050" kern="100" dirty="0" smtClean="0">
+                          <a:effectLst/>
+                        </a:rPr>
+                        <a:t>boto3</a:t>
+                      </a:r>
+                      <a:endParaRPr lang="ja-JP" altLang="ja-JP" sz="1050" kern="100" dirty="0" smtClean="0">
                         <a:effectLst/>
                         <a:latin typeface="Century" panose="02040604050505020304" pitchFamily="18" charset="0"/>
                         <a:ea typeface="ＭＳ 明朝" panose="02020609040205080304" pitchFamily="17" charset="-128"/>

--- a/asset/Learn_ja/ITA-offline-install_ja.pptx
+++ b/asset/Learn_ja/ITA-offline-install_ja.pptx
@@ -6,10 +6,10 @@
     <p:sldMasterId id="2147483703" r:id="rId2"/>
   </p:sldMasterIdLst>
   <p:notesMasterIdLst>
-    <p:notesMasterId r:id="rId30"/>
+    <p:notesMasterId r:id="rId32"/>
   </p:notesMasterIdLst>
   <p:handoutMasterIdLst>
-    <p:handoutMasterId r:id="rId31"/>
+    <p:handoutMasterId r:id="rId33"/>
   </p:handoutMasterIdLst>
   <p:sldIdLst>
     <p:sldId id="262" r:id="rId3"/>
@@ -33,12 +33,14 @@
     <p:sldId id="522" r:id="rId21"/>
     <p:sldId id="523" r:id="rId22"/>
     <p:sldId id="524" r:id="rId23"/>
-    <p:sldId id="525" r:id="rId24"/>
-    <p:sldId id="526" r:id="rId25"/>
-    <p:sldId id="527" r:id="rId26"/>
-    <p:sldId id="528" r:id="rId27"/>
-    <p:sldId id="529" r:id="rId28"/>
-    <p:sldId id="318" r:id="rId29"/>
+    <p:sldId id="533" r:id="rId24"/>
+    <p:sldId id="534" r:id="rId25"/>
+    <p:sldId id="535" r:id="rId26"/>
+    <p:sldId id="536" r:id="rId27"/>
+    <p:sldId id="537" r:id="rId28"/>
+    <p:sldId id="538" r:id="rId29"/>
+    <p:sldId id="539" r:id="rId30"/>
+    <p:sldId id="318" r:id="rId31"/>
   </p:sldIdLst>
   <p:sldSz cx="9144000" cy="6858000" type="screen4x3"/>
   <p:notesSz cx="6735763" cy="9866313"/>
@@ -180,11 +182,13 @@
         <p14:section name="4.　ITA動作確認" id="{D446366E-9E78-45E3-8F73-A5F6CC724FCE}">
           <p14:sldIdLst>
             <p14:sldId id="524"/>
-            <p14:sldId id="525"/>
-            <p14:sldId id="526"/>
-            <p14:sldId id="527"/>
-            <p14:sldId id="528"/>
-            <p14:sldId id="529"/>
+            <p14:sldId id="533"/>
+            <p14:sldId id="534"/>
+            <p14:sldId id="535"/>
+            <p14:sldId id="536"/>
+            <p14:sldId id="537"/>
+            <p14:sldId id="538"/>
+            <p14:sldId id="539"/>
             <p14:sldId id="318"/>
           </p14:sldIdLst>
         </p14:section>
@@ -334,7 +338,7 @@
               <a:rPr kumimoji="1" lang="ja-JP" altLang="en-US" smtClean="0">
                 <a:ea typeface="メイリオ" panose="020B0604030504040204" pitchFamily="50" charset="-128"/>
               </a:rPr>
-              <a:t>2020/4/16</a:t>
+              <a:t>2020/4/27</a:t>
             </a:fld>
             <a:endParaRPr kumimoji="1" lang="ja-JP" altLang="en-US" dirty="0">
               <a:ea typeface="メイリオ" panose="020B0604030504040204" pitchFamily="50" charset="-128"/>
@@ -480,7 +484,7 @@
             <a:fld id="{4B26993D-C081-44EB-B0F5-A9F467792B62}" type="datetimeFigureOut">
               <a:rPr lang="ja-JP" altLang="en-US" smtClean="0"/>
               <a:pPr/>
-              <a:t>2020/4/16</a:t>
+              <a:t>2020/4/27</a:t>
             </a:fld>
             <a:endParaRPr lang="ja-JP" altLang="en-US" dirty="0"/>
           </a:p>
@@ -1103,7 +1107,7 @@
           <a:p>
             <a:fld id="{56F9016B-CCA6-43BE-8BEE-59565A35F4F7}" type="datetimeFigureOut">
               <a:rPr kumimoji="1" lang="ja-JP" altLang="en-US" smtClean="0"/>
-              <a:t>2020/4/16</a:t>
+              <a:t>2020/4/27</a:t>
             </a:fld>
             <a:endParaRPr kumimoji="1" lang="ja-JP" altLang="en-US"/>
           </a:p>
@@ -1305,7 +1309,7 @@
           <a:p>
             <a:fld id="{56F9016B-CCA6-43BE-8BEE-59565A35F4F7}" type="datetimeFigureOut">
               <a:rPr kumimoji="1" lang="ja-JP" altLang="en-US" smtClean="0"/>
-              <a:t>2020/4/16</a:t>
+              <a:t>2020/4/27</a:t>
             </a:fld>
             <a:endParaRPr kumimoji="1" lang="ja-JP" altLang="en-US"/>
           </a:p>
@@ -1551,7 +1555,7 @@
           <a:p>
             <a:fld id="{56F9016B-CCA6-43BE-8BEE-59565A35F4F7}" type="datetimeFigureOut">
               <a:rPr kumimoji="1" lang="ja-JP" altLang="en-US" smtClean="0"/>
-              <a:t>2020/4/16</a:t>
+              <a:t>2020/4/27</a:t>
             </a:fld>
             <a:endParaRPr kumimoji="1" lang="ja-JP" altLang="en-US"/>
           </a:p>
@@ -1847,7 +1851,7 @@
           <a:p>
             <a:fld id="{56F9016B-CCA6-43BE-8BEE-59565A35F4F7}" type="datetimeFigureOut">
               <a:rPr kumimoji="1" lang="ja-JP" altLang="en-US" smtClean="0"/>
-              <a:t>2020/4/16</a:t>
+              <a:t>2020/4/27</a:t>
             </a:fld>
             <a:endParaRPr kumimoji="1" lang="ja-JP" altLang="en-US"/>
           </a:p>
@@ -2278,7 +2282,7 @@
           <a:p>
             <a:fld id="{56F9016B-CCA6-43BE-8BEE-59565A35F4F7}" type="datetimeFigureOut">
               <a:rPr kumimoji="1" lang="ja-JP" altLang="en-US" smtClean="0"/>
-              <a:t>2020/4/16</a:t>
+              <a:t>2020/4/27</a:t>
             </a:fld>
             <a:endParaRPr kumimoji="1" lang="ja-JP" altLang="en-US"/>
           </a:p>
@@ -2396,7 +2400,7 @@
           <a:p>
             <a:fld id="{56F9016B-CCA6-43BE-8BEE-59565A35F4F7}" type="datetimeFigureOut">
               <a:rPr kumimoji="1" lang="ja-JP" altLang="en-US" smtClean="0"/>
-              <a:t>2020/4/16</a:t>
+              <a:t>2020/4/27</a:t>
             </a:fld>
             <a:endParaRPr kumimoji="1" lang="ja-JP" altLang="en-US"/>
           </a:p>
@@ -2491,7 +2495,7 @@
           <a:p>
             <a:fld id="{56F9016B-CCA6-43BE-8BEE-59565A35F4F7}" type="datetimeFigureOut">
               <a:rPr kumimoji="1" lang="ja-JP" altLang="en-US" smtClean="0"/>
-              <a:t>2020/4/16</a:t>
+              <a:t>2020/4/27</a:t>
             </a:fld>
             <a:endParaRPr kumimoji="1" lang="ja-JP" altLang="en-US"/>
           </a:p>
@@ -2800,7 +2804,7 @@
           <a:p>
             <a:fld id="{56F9016B-CCA6-43BE-8BEE-59565A35F4F7}" type="datetimeFigureOut">
               <a:rPr kumimoji="1" lang="ja-JP" altLang="en-US" smtClean="0"/>
-              <a:t>2020/4/16</a:t>
+              <a:t>2020/4/27</a:t>
             </a:fld>
             <a:endParaRPr kumimoji="1" lang="ja-JP" altLang="en-US"/>
           </a:p>
@@ -3053,7 +3057,7 @@
           <a:p>
             <a:fld id="{56F9016B-CCA6-43BE-8BEE-59565A35F4F7}" type="datetimeFigureOut">
               <a:rPr kumimoji="1" lang="ja-JP" altLang="en-US" smtClean="0"/>
-              <a:t>2020/4/16</a:t>
+              <a:t>2020/4/27</a:t>
             </a:fld>
             <a:endParaRPr kumimoji="1" lang="ja-JP" altLang="en-US"/>
           </a:p>
@@ -3330,7 +3334,7 @@
           <a:p>
             <a:fld id="{56F9016B-CCA6-43BE-8BEE-59565A35F4F7}" type="datetimeFigureOut">
               <a:rPr kumimoji="1" lang="ja-JP" altLang="en-US" smtClean="0"/>
-              <a:t>2020/4/16</a:t>
+              <a:t>2020/4/27</a:t>
             </a:fld>
             <a:endParaRPr kumimoji="1" lang="ja-JP" altLang="en-US"/>
           </a:p>
@@ -3542,7 +3546,7 @@
           <a:p>
             <a:fld id="{56F9016B-CCA6-43BE-8BEE-59565A35F4F7}" type="datetimeFigureOut">
               <a:rPr kumimoji="1" lang="ja-JP" altLang="en-US" smtClean="0"/>
-              <a:t>2020/4/16</a:t>
+              <a:t>2020/4/27</a:t>
             </a:fld>
             <a:endParaRPr kumimoji="1" lang="ja-JP" altLang="en-US"/>
           </a:p>
@@ -6601,7 +6605,7 @@
           <a:p>
             <a:fld id="{56F9016B-CCA6-43BE-8BEE-59565A35F4F7}" type="datetimeFigureOut">
               <a:rPr kumimoji="1" lang="ja-JP" altLang="en-US" smtClean="0"/>
-              <a:t>2020/4/16</a:t>
+              <a:t>2020/4/27</a:t>
             </a:fld>
             <a:endParaRPr kumimoji="1" lang="ja-JP" altLang="en-US"/>
           </a:p>
@@ -7038,15 +7042,11 @@
               <a:t>第</a:t>
             </a:r>
             <a:r>
-              <a:rPr lang="en-US" altLang="ja-JP" dirty="0" smtClean="0"/>
-              <a:t>1.</a:t>
-            </a:r>
-            <a:r>
-              <a:rPr lang="en-US" altLang="ja-JP" dirty="0"/>
-              <a:t>4</a:t>
-            </a:r>
-            <a:r>
-              <a:rPr lang="ja-JP" altLang="en-US" dirty="0" smtClean="0"/>
+              <a:rPr lang="en-US" altLang="ja-JP" smtClean="0"/>
+              <a:t>1.4.1</a:t>
+            </a:r>
+            <a:r>
+              <a:rPr lang="ja-JP" altLang="en-US" smtClean="0"/>
               <a:t>版</a:t>
             </a:r>
             <a:endParaRPr lang="en-US" altLang="ja-JP" dirty="0" smtClean="0"/>
@@ -23839,10 +23839,16 @@
           </a:p>
           <a:p>
             <a:r>
+              <a:rPr lang="en-US" altLang="zh-TW" sz="1400" dirty="0" smtClean="0">
+                <a:latin typeface="+mn-ea"/>
+              </a:rPr>
+              <a:t>    </a:t>
+            </a:r>
+            <a:r>
               <a:rPr lang="en-US" altLang="zh-TW" sz="1400" dirty="0">
                 <a:latin typeface="+mn-ea"/>
               </a:rPr>
-              <a:t>    4.1</a:t>
+              <a:t>4.1</a:t>
             </a:r>
             <a:r>
               <a:rPr lang="zh-TW" altLang="en-US" sz="1400" dirty="0">
@@ -23854,7 +23860,7 @@
               <a:rPr lang="en-US" altLang="zh-TW" sz="1400" dirty="0">
                 <a:latin typeface="+mn-ea"/>
               </a:rPr>
-              <a:t>1/5</a:t>
+              <a:t>1/6</a:t>
             </a:r>
             <a:r>
               <a:rPr lang="zh-TW" altLang="en-US" sz="1400" dirty="0">
@@ -23880,7 +23886,7 @@
               <a:rPr lang="en-US" altLang="zh-TW" sz="1400" dirty="0">
                 <a:latin typeface="+mn-ea"/>
               </a:rPr>
-              <a:t>2/5</a:t>
+              <a:t>2/6</a:t>
             </a:r>
             <a:r>
               <a:rPr lang="zh-TW" altLang="en-US" sz="1400" dirty="0">
@@ -23906,7 +23912,7 @@
               <a:rPr lang="en-US" altLang="zh-TW" sz="1400" dirty="0">
                 <a:latin typeface="+mn-ea"/>
               </a:rPr>
-              <a:t>3/5</a:t>
+              <a:t>3/6</a:t>
             </a:r>
             <a:r>
               <a:rPr lang="zh-TW" altLang="en-US" sz="1400" dirty="0">
@@ -23932,7 +23938,7 @@
               <a:rPr lang="en-US" altLang="zh-TW" sz="1400" dirty="0">
                 <a:latin typeface="+mn-ea"/>
               </a:rPr>
-              <a:t>4/5</a:t>
+              <a:t>4/6</a:t>
             </a:r>
             <a:r>
               <a:rPr lang="zh-TW" altLang="en-US" sz="1400" dirty="0">
@@ -23958,7 +23964,7 @@
               <a:rPr lang="en-US" altLang="zh-TW" sz="1400" dirty="0">
                 <a:latin typeface="+mn-ea"/>
               </a:rPr>
-              <a:t>5/5</a:t>
+              <a:t>5/6</a:t>
             </a:r>
             <a:r>
               <a:rPr lang="zh-TW" altLang="en-US" sz="1400" dirty="0">
@@ -23966,7 +23972,71 @@
               </a:rPr>
               <a:t>）</a:t>
             </a:r>
-            <a:endParaRPr lang="en-US" altLang="ja-JP" sz="1400" dirty="0">
+            <a:endParaRPr lang="en-US" altLang="zh-TW" sz="1400" dirty="0">
+              <a:latin typeface="+mn-ea"/>
+            </a:endParaRPr>
+          </a:p>
+          <a:p>
+            <a:r>
+              <a:rPr lang="en-US" altLang="zh-TW" sz="1400" dirty="0">
+                <a:latin typeface="+mn-ea"/>
+              </a:rPr>
+              <a:t>  </a:t>
+            </a:r>
+            <a:r>
+              <a:rPr lang="ja-JP" altLang="en-US" sz="1400" dirty="0">
+                <a:latin typeface="+mn-ea"/>
+              </a:rPr>
+              <a:t>  </a:t>
+            </a:r>
+            <a:r>
+              <a:rPr lang="en-US" altLang="zh-TW" sz="1400" dirty="0">
+                <a:latin typeface="+mn-ea"/>
+              </a:rPr>
+              <a:t>4.6</a:t>
+            </a:r>
+            <a:r>
+              <a:rPr lang="zh-TW" altLang="en-US" sz="1400" dirty="0">
+                <a:latin typeface="+mn-ea"/>
+              </a:rPr>
+              <a:t>　 動作確認（</a:t>
+            </a:r>
+            <a:r>
+              <a:rPr lang="en-US" altLang="zh-TW" sz="1400" dirty="0">
+                <a:latin typeface="+mn-ea"/>
+              </a:rPr>
+              <a:t>6/6</a:t>
+            </a:r>
+            <a:r>
+              <a:rPr lang="zh-TW" altLang="en-US" sz="1400" dirty="0">
+                <a:latin typeface="+mn-ea"/>
+              </a:rPr>
+              <a:t>）</a:t>
+            </a:r>
+            <a:endParaRPr lang="en-US" altLang="zh-TW" sz="1400" dirty="0">
+              <a:latin typeface="+mn-ea"/>
+            </a:endParaRPr>
+          </a:p>
+          <a:p>
+            <a:r>
+              <a:rPr lang="en-US" altLang="zh-TW" sz="1400" dirty="0">
+                <a:latin typeface="+mn-ea"/>
+              </a:rPr>
+              <a:t>    4.7</a:t>
+            </a:r>
+            <a:r>
+              <a:rPr lang="zh-TW" altLang="en-US" sz="1400" dirty="0">
+                <a:latin typeface="+mn-ea"/>
+              </a:rPr>
+              <a:t>　 </a:t>
+            </a:r>
+            <a:r>
+              <a:rPr lang="ja-JP" altLang="en-US" sz="1400" dirty="0" smtClean="0">
+                <a:latin typeface="+mn-ea"/>
+              </a:rPr>
+              <a:t>参考</a:t>
+            </a:r>
+            <a:endParaRPr lang="en-US" altLang="ja-JP" sz="1400" dirty="0" smtClean="0">
               <a:latin typeface="+mn-ea"/>
             </a:endParaRPr>
           </a:p>
@@ -24107,7 +24177,7 @@
           <p:nvPr>
             <p:extLst>
               <p:ext uri="{D42A27DB-BD31-4B8C-83A1-F6EECF244321}">
-                <p14:modId xmlns:p14="http://schemas.microsoft.com/office/powerpoint/2010/main" val="2965137532"/>
+                <p14:modId xmlns:p14="http://schemas.microsoft.com/office/powerpoint/2010/main" val="94468678"/>
               </p:ext>
             </p:extLst>
           </p:nvPr>
@@ -24314,58 +24384,58 @@
                         </a:spcAft>
                       </a:pPr>
                       <a:r>
+                        <a:rPr lang="en-US" sz="1050" kern="100" dirty="0" smtClean="0">
+                          <a:effectLst/>
+                          <a:latin typeface="Segoe UI" panose="020B0502040204020203" pitchFamily="34" charset="0"/>
+                          <a:ea typeface="Segoe UI" panose="020B0502040204020203" pitchFamily="34" charset="0"/>
+                          <a:cs typeface="Segoe UI" panose="020B0502040204020203" pitchFamily="34" charset="0"/>
+                        </a:rPr>
+                        <a:t>yum-</a:t>
+                      </a:r>
+                      <a:r>
+                        <a:rPr lang="en-US" sz="1050" kern="100" dirty="0" err="1" smtClean="0">
+                          <a:effectLst/>
+                          <a:latin typeface="Segoe UI" panose="020B0502040204020203" pitchFamily="34" charset="0"/>
+                          <a:ea typeface="Segoe UI" panose="020B0502040204020203" pitchFamily="34" charset="0"/>
+                          <a:cs typeface="Segoe UI" panose="020B0502040204020203" pitchFamily="34" charset="0"/>
+                        </a:rPr>
+                        <a:t>utils</a:t>
+                      </a:r>
+                      <a:r>
                         <a:rPr lang="en-US" altLang="ja-JP" sz="1050" kern="100" dirty="0" smtClean="0">
                           <a:effectLst/>
                         </a:rPr>
-                        <a:t>yum-</a:t>
-                      </a:r>
-                      <a:r>
-                        <a:rPr lang="en-US" altLang="ja-JP" sz="1050" kern="100" dirty="0" err="1" smtClean="0">
-                          <a:effectLst/>
-                        </a:rPr>
-                        <a:t>utils</a:t>
-                      </a:r>
-                      <a:r>
-                        <a:rPr lang="en-US" altLang="ja-JP" sz="1050" kern="100" dirty="0" smtClean="0">
-                          <a:effectLst/>
-                        </a:rPr>
-                        <a:t>(※)</a:t>
-                      </a:r>
-                      <a:r>
-                        <a:rPr lang="ja-JP" altLang="ja-JP" sz="1050" kern="100" dirty="0" err="1" smtClean="0">
-                          <a:effectLst/>
-                        </a:rPr>
-                        <a:t>、</a:t>
+                        <a:t>(*),</a:t>
+                      </a:r>
+                      <a:r>
+                        <a:rPr lang="en-US" altLang="ja-JP" sz="1050" kern="100" baseline="0" dirty="0" smtClean="0">
+                          <a:effectLst/>
+                        </a:rPr>
+                        <a:t> </a:t>
                       </a:r>
                       <a:r>
                         <a:rPr lang="en-US" sz="1050" kern="100" dirty="0" err="1" smtClean="0">
                           <a:effectLst/>
+                          <a:latin typeface="Segoe UI" panose="020B0502040204020203" pitchFamily="34" charset="0"/>
+                          <a:ea typeface="Segoe UI" panose="020B0502040204020203" pitchFamily="34" charset="0"/>
+                          <a:cs typeface="Segoe UI" panose="020B0502040204020203" pitchFamily="34" charset="0"/>
                         </a:rPr>
                         <a:t>createrepo</a:t>
                       </a:r>
                       <a:r>
                         <a:rPr lang="en-US" sz="1050" kern="100" dirty="0" smtClean="0">
                           <a:effectLst/>
-                        </a:rPr>
-                        <a:t>(</a:t>
-                      </a:r>
-                      <a:r>
-                        <a:rPr lang="en-US" altLang="ja-JP" sz="1050" kern="100" dirty="0" smtClean="0">
-                          <a:effectLst/>
-                        </a:rPr>
-                        <a:t>※</a:t>
-                      </a:r>
-                      <a:r>
-                        <a:rPr lang="en-US" sz="1050" kern="100" dirty="0" smtClean="0">
-                          <a:effectLst/>
-                        </a:rPr>
-                        <a:t>)</a:t>
+                          <a:latin typeface="Segoe UI" panose="020B0502040204020203" pitchFamily="34" charset="0"/>
+                          <a:ea typeface="Segoe UI" panose="020B0502040204020203" pitchFamily="34" charset="0"/>
+                          <a:cs typeface="Segoe UI" panose="020B0502040204020203" pitchFamily="34" charset="0"/>
+                        </a:rPr>
+                        <a:t>(*)</a:t>
                       </a:r>
                       <a:endParaRPr lang="ja-JP" sz="1050" kern="100" dirty="0">
                         <a:effectLst/>
-                        <a:latin typeface="Century" panose="02040604050505020304" pitchFamily="18" charset="0"/>
+                        <a:latin typeface="Segoe UI" panose="020B0502040204020203" pitchFamily="34" charset="0"/>
                         <a:ea typeface="ＭＳ 明朝" panose="02020609040205080304" pitchFamily="17" charset="-128"/>
-                        <a:cs typeface="Times New Roman" panose="02020603050405020304" pitchFamily="18" charset="0"/>
+                        <a:cs typeface="Segoe UI" panose="020B0502040204020203" pitchFamily="34" charset="0"/>
                       </a:endParaRPr>
                     </a:p>
                   </a:txBody>
@@ -24459,52 +24529,73 @@
                         </a:spcAft>
                       </a:pPr>
                       <a:r>
-                        <a:rPr lang="en-US" sz="1050" kern="100" dirty="0">
-                          <a:effectLst/>
+                        <a:rPr lang="en-US" sz="1050" kern="100" dirty="0" smtClean="0">
+                          <a:effectLst/>
+                          <a:latin typeface="Segoe UI" panose="020B0502040204020203" pitchFamily="34" charset="0"/>
+                          <a:ea typeface="Segoe UI" panose="020B0502040204020203" pitchFamily="34" charset="0"/>
+                          <a:cs typeface="Segoe UI" panose="020B0502040204020203" pitchFamily="34" charset="0"/>
                         </a:rPr>
                         <a:t>zip</a:t>
                       </a:r>
                       <a:r>
-                        <a:rPr lang="ja-JP" sz="1050" kern="100" dirty="0">
-                          <a:effectLst/>
-                        </a:rPr>
-                        <a:t>、</a:t>
-                      </a:r>
-                      <a:r>
-                        <a:rPr lang="en-US" sz="1050" kern="100" dirty="0">
-                          <a:effectLst/>
+                        <a:rPr lang="en-US" altLang="ja-JP" sz="1050" kern="100" dirty="0" smtClean="0">
+                          <a:effectLst/>
+                          <a:latin typeface="Segoe UI" panose="020B0502040204020203" pitchFamily="34" charset="0"/>
+                          <a:ea typeface="Segoe UI" panose="020B0502040204020203" pitchFamily="34" charset="0"/>
+                          <a:cs typeface="Segoe UI" panose="020B0502040204020203" pitchFamily="34" charset="0"/>
+                        </a:rPr>
+                        <a:t>, </a:t>
+                      </a:r>
+                      <a:r>
+                        <a:rPr lang="en-US" sz="1050" kern="100" dirty="0" smtClean="0">
+                          <a:effectLst/>
+                          <a:latin typeface="Segoe UI" panose="020B0502040204020203" pitchFamily="34" charset="0"/>
+                          <a:ea typeface="Segoe UI" panose="020B0502040204020203" pitchFamily="34" charset="0"/>
+                          <a:cs typeface="Segoe UI" panose="020B0502040204020203" pitchFamily="34" charset="0"/>
                         </a:rPr>
                         <a:t>telnet</a:t>
                       </a:r>
                       <a:r>
-                        <a:rPr lang="ja-JP" sz="1050" kern="100" dirty="0">
-                          <a:effectLst/>
-                        </a:rPr>
-                        <a:t>、</a:t>
-                      </a:r>
-                      <a:r>
-                        <a:rPr lang="en-US" sz="1050" kern="100" dirty="0">
-                          <a:effectLst/>
+                        <a:rPr lang="en-US" altLang="ja-JP" sz="1050" kern="100" dirty="0" smtClean="0">
+                          <a:effectLst/>
+                          <a:latin typeface="Segoe UI" panose="020B0502040204020203" pitchFamily="34" charset="0"/>
+                          <a:ea typeface="Segoe UI" panose="020B0502040204020203" pitchFamily="34" charset="0"/>
+                          <a:cs typeface="Segoe UI" panose="020B0502040204020203" pitchFamily="34" charset="0"/>
+                        </a:rPr>
+                        <a:t>, </a:t>
+                      </a:r>
+                      <a:r>
+                        <a:rPr lang="en-US" sz="1050" kern="100" dirty="0" smtClean="0">
+                          <a:effectLst/>
+                          <a:latin typeface="Segoe UI" panose="020B0502040204020203" pitchFamily="34" charset="0"/>
+                          <a:ea typeface="Segoe UI" panose="020B0502040204020203" pitchFamily="34" charset="0"/>
+                          <a:cs typeface="Segoe UI" panose="020B0502040204020203" pitchFamily="34" charset="0"/>
                         </a:rPr>
                         <a:t>mailx</a:t>
                       </a:r>
                       <a:r>
-                        <a:rPr lang="ja-JP" sz="1050" kern="100" dirty="0">
-                          <a:effectLst/>
-                        </a:rPr>
-                        <a:t>、</a:t>
-                      </a:r>
-                      <a:r>
-                        <a:rPr lang="en-US" sz="1050" kern="100" dirty="0">
-                          <a:effectLst/>
+                        <a:rPr lang="en-US" altLang="ja-JP" sz="1050" kern="100" dirty="0" smtClean="0">
+                          <a:effectLst/>
+                          <a:latin typeface="Segoe UI" panose="020B0502040204020203" pitchFamily="34" charset="0"/>
+                          <a:ea typeface="Segoe UI" panose="020B0502040204020203" pitchFamily="34" charset="0"/>
+                          <a:cs typeface="Segoe UI" panose="020B0502040204020203" pitchFamily="34" charset="0"/>
+                        </a:rPr>
+                        <a:t>, </a:t>
+                      </a:r>
+                      <a:r>
+                        <a:rPr lang="en-US" sz="1050" kern="100" dirty="0" smtClean="0">
+                          <a:effectLst/>
+                          <a:latin typeface="Segoe UI" panose="020B0502040204020203" pitchFamily="34" charset="0"/>
+                          <a:ea typeface="Segoe UI" panose="020B0502040204020203" pitchFamily="34" charset="0"/>
+                          <a:cs typeface="Segoe UI" panose="020B0502040204020203" pitchFamily="34" charset="0"/>
                         </a:rPr>
                         <a:t>unzip</a:t>
                       </a:r>
                       <a:endParaRPr lang="ja-JP" sz="1050" kern="100" dirty="0">
                         <a:effectLst/>
-                        <a:latin typeface="Century" panose="02040604050505020304" pitchFamily="18" charset="0"/>
+                        <a:latin typeface="Segoe UI" panose="020B0502040204020203" pitchFamily="34" charset="0"/>
                         <a:ea typeface="ＭＳ 明朝" panose="02020609040205080304" pitchFamily="17" charset="-128"/>
-                        <a:cs typeface="Times New Roman" panose="02020603050405020304" pitchFamily="18" charset="0"/>
+                        <a:cs typeface="Segoe UI" panose="020B0502040204020203" pitchFamily="34" charset="0"/>
                       </a:endParaRPr>
                     </a:p>
                   </a:txBody>
@@ -24598,49 +24689,13 @@
                         </a:spcAft>
                       </a:pPr>
                       <a:r>
-                        <a:rPr lang="fr-FR" sz="1050" kern="100" dirty="0" smtClean="0">
-                          <a:solidFill>
-                            <a:schemeClr val="tx1"/>
-                          </a:solidFill>
-                          <a:effectLst/>
-                        </a:rPr>
-                        <a:t>MariaDB</a:t>
-                      </a:r>
-                      <a:r>
-                        <a:rPr lang="ja-JP" altLang="en-US" sz="1050" kern="100" dirty="0" smtClean="0">
-                          <a:solidFill>
-                            <a:schemeClr val="tx1"/>
-                          </a:solidFill>
-                          <a:effectLst/>
-                        </a:rPr>
-                        <a:t>、</a:t>
-                      </a:r>
-                      <a:r>
-                        <a:rPr lang="fr-FR" sz="1050" kern="100" dirty="0" smtClean="0">
-                          <a:solidFill>
-                            <a:schemeClr val="tx1"/>
-                          </a:solidFill>
-                          <a:effectLst/>
-                        </a:rPr>
-                        <a:t>MariaDB-server</a:t>
-                      </a:r>
-                      <a:r>
-                        <a:rPr lang="ja-JP" altLang="en-US" sz="1050" kern="100" dirty="0" smtClean="0">
-                          <a:solidFill>
-                            <a:schemeClr val="tx1"/>
-                          </a:solidFill>
-                          <a:effectLst/>
-                        </a:rPr>
-                        <a:t>、</a:t>
-                      </a:r>
-                      <a:r>
-                        <a:rPr lang="fr-FR" sz="1050" kern="100" dirty="0" smtClean="0">
-                          <a:solidFill>
-                            <a:schemeClr val="tx1"/>
-                          </a:solidFill>
-                          <a:effectLst/>
-                        </a:rPr>
-                        <a:t>expect</a:t>
+                        <a:rPr lang="en-US" sz="1050" kern="100" dirty="0" smtClean="0">
+                          <a:effectLst/>
+                          <a:latin typeface="Segoe UI" panose="020B0502040204020203" pitchFamily="34" charset="0"/>
+                          <a:ea typeface="Segoe UI" panose="020B0502040204020203" pitchFamily="34" charset="0"/>
+                          <a:cs typeface="Segoe UI" panose="020B0502040204020203" pitchFamily="34" charset="0"/>
+                        </a:rPr>
+                        <a:t>MariaDB, MariaDB-server, expect</a:t>
                       </a:r>
                     </a:p>
                   </a:txBody>
@@ -24728,28 +24783,37 @@
                         </a:spcAft>
                       </a:pPr>
                       <a:r>
-                        <a:rPr lang="en-US" sz="1050" kern="100" dirty="0">
-                          <a:effectLst/>
+                        <a:rPr lang="en-US" sz="1050" kern="100" dirty="0" smtClean="0">
+                          <a:effectLst/>
+                          <a:latin typeface="Segoe UI" panose="020B0502040204020203" pitchFamily="34" charset="0"/>
+                          <a:ea typeface="Segoe UI" panose="020B0502040204020203" pitchFamily="34" charset="0"/>
+                          <a:cs typeface="Segoe UI" panose="020B0502040204020203" pitchFamily="34" charset="0"/>
                         </a:rPr>
                         <a:t>httpd</a:t>
                       </a:r>
                       <a:r>
-                        <a:rPr lang="ja-JP" sz="1050" kern="100" dirty="0">
-                          <a:effectLst/>
-                        </a:rPr>
-                        <a:t>、</a:t>
-                      </a:r>
-                      <a:r>
-                        <a:rPr lang="en-US" sz="1050" kern="100" dirty="0">
-                          <a:effectLst/>
+                        <a:rPr lang="en-US" altLang="ja-JP" sz="1050" kern="100" dirty="0" smtClean="0">
+                          <a:effectLst/>
+                          <a:latin typeface="Segoe UI" panose="020B0502040204020203" pitchFamily="34" charset="0"/>
+                          <a:ea typeface="Segoe UI" panose="020B0502040204020203" pitchFamily="34" charset="0"/>
+                          <a:cs typeface="Segoe UI" panose="020B0502040204020203" pitchFamily="34" charset="0"/>
+                        </a:rPr>
+                        <a:t>, </a:t>
+                      </a:r>
+                      <a:r>
+                        <a:rPr lang="en-US" sz="1050" kern="100" dirty="0" smtClean="0">
+                          <a:effectLst/>
+                          <a:latin typeface="Segoe UI" panose="020B0502040204020203" pitchFamily="34" charset="0"/>
+                          <a:ea typeface="Segoe UI" panose="020B0502040204020203" pitchFamily="34" charset="0"/>
+                          <a:cs typeface="Segoe UI" panose="020B0502040204020203" pitchFamily="34" charset="0"/>
                         </a:rPr>
                         <a:t>mod_ssl</a:t>
                       </a:r>
                       <a:endParaRPr lang="ja-JP" sz="1050" kern="100" dirty="0">
                         <a:effectLst/>
-                        <a:latin typeface="Century" panose="02040604050505020304" pitchFamily="18" charset="0"/>
+                        <a:latin typeface="Segoe UI" panose="020B0502040204020203" pitchFamily="34" charset="0"/>
                         <a:ea typeface="ＭＳ 明朝" panose="02020609040205080304" pitchFamily="17" charset="-128"/>
-                        <a:cs typeface="Times New Roman" panose="02020603050405020304" pitchFamily="18" charset="0"/>
+                        <a:cs typeface="Segoe UI" panose="020B0502040204020203" pitchFamily="34" charset="0"/>
                       </a:endParaRPr>
                     </a:p>
                   </a:txBody>
@@ -24849,169 +24913,319 @@
                         <a:defRPr/>
                       </a:pPr>
                       <a:r>
-                        <a:rPr lang="en-US" sz="1050" kern="100" dirty="0">
-                          <a:effectLst/>
+                        <a:rPr lang="en-US" sz="1050" kern="100" dirty="0" smtClean="0">
+                          <a:effectLst/>
+                          <a:latin typeface="Segoe UI" panose="020B0502040204020203" pitchFamily="34" charset="0"/>
+                          <a:ea typeface="Segoe UI" panose="020B0502040204020203" pitchFamily="34" charset="0"/>
+                          <a:cs typeface="Segoe UI" panose="020B0502040204020203" pitchFamily="34" charset="0"/>
                         </a:rPr>
                         <a:t>php</a:t>
                       </a:r>
                       <a:r>
-                        <a:rPr lang="ja-JP" sz="1050" kern="100" dirty="0">
-                          <a:effectLst/>
-                        </a:rPr>
-                        <a:t>、</a:t>
-                      </a:r>
-                      <a:r>
-                        <a:rPr lang="en-US" sz="1050" kern="100" dirty="0">
-                          <a:effectLst/>
+                        <a:rPr lang="en-US" altLang="ja-JP" sz="1050" kern="100" dirty="0" smtClean="0">
+                          <a:effectLst/>
+                          <a:latin typeface="Segoe UI" panose="020B0502040204020203" pitchFamily="34" charset="0"/>
+                          <a:ea typeface="Segoe UI" panose="020B0502040204020203" pitchFamily="34" charset="0"/>
+                          <a:cs typeface="Segoe UI" panose="020B0502040204020203" pitchFamily="34" charset="0"/>
+                        </a:rPr>
+                        <a:t>, </a:t>
+                      </a:r>
+                      <a:r>
+                        <a:rPr lang="en-US" sz="1050" kern="100" dirty="0" smtClean="0">
+                          <a:effectLst/>
+                          <a:latin typeface="Segoe UI" panose="020B0502040204020203" pitchFamily="34" charset="0"/>
+                          <a:ea typeface="Segoe UI" panose="020B0502040204020203" pitchFamily="34" charset="0"/>
+                          <a:cs typeface="Segoe UI" panose="020B0502040204020203" pitchFamily="34" charset="0"/>
                         </a:rPr>
                         <a:t>php-bcmath</a:t>
                       </a:r>
                       <a:r>
-                        <a:rPr lang="ja-JP" sz="1050" kern="100" dirty="0">
-                          <a:effectLst/>
-                        </a:rPr>
-                        <a:t>、</a:t>
-                      </a:r>
-                      <a:r>
-                        <a:rPr lang="en-US" sz="1050" kern="100" dirty="0">
-                          <a:effectLst/>
+                        <a:rPr lang="en-US" altLang="ja-JP" sz="1050" kern="100" dirty="0" smtClean="0">
+                          <a:effectLst/>
+                          <a:latin typeface="Segoe UI" panose="020B0502040204020203" pitchFamily="34" charset="0"/>
+                          <a:ea typeface="Segoe UI" panose="020B0502040204020203" pitchFamily="34" charset="0"/>
+                          <a:cs typeface="Segoe UI" panose="020B0502040204020203" pitchFamily="34" charset="0"/>
+                        </a:rPr>
+                        <a:t>, </a:t>
+                      </a:r>
+                      <a:r>
+                        <a:rPr lang="en-US" sz="1050" kern="100" dirty="0" smtClean="0">
+                          <a:effectLst/>
+                          <a:latin typeface="Segoe UI" panose="020B0502040204020203" pitchFamily="34" charset="0"/>
+                          <a:ea typeface="Segoe UI" panose="020B0502040204020203" pitchFamily="34" charset="0"/>
+                          <a:cs typeface="Segoe UI" panose="020B0502040204020203" pitchFamily="34" charset="0"/>
                         </a:rPr>
                         <a:t>php-cli</a:t>
                       </a:r>
                       <a:r>
-                        <a:rPr lang="ja-JP" sz="1050" kern="100" dirty="0">
-                          <a:effectLst/>
-                        </a:rPr>
-                        <a:t>、</a:t>
-                      </a:r>
-                      <a:r>
-                        <a:rPr lang="en-US" sz="1050" kern="100" dirty="0">
-                          <a:effectLst/>
+                        <a:rPr lang="en-US" altLang="ja-JP" sz="1050" kern="100" dirty="0" smtClean="0">
+                          <a:effectLst/>
+                          <a:latin typeface="Segoe UI" panose="020B0502040204020203" pitchFamily="34" charset="0"/>
+                          <a:ea typeface="Segoe UI" panose="020B0502040204020203" pitchFamily="34" charset="0"/>
+                          <a:cs typeface="Segoe UI" panose="020B0502040204020203" pitchFamily="34" charset="0"/>
+                        </a:rPr>
+                        <a:t>, </a:t>
+                      </a:r>
+                      <a:r>
+                        <a:rPr lang="en-US" sz="1050" kern="100" dirty="0" smtClean="0">
+                          <a:effectLst/>
+                          <a:latin typeface="Segoe UI" panose="020B0502040204020203" pitchFamily="34" charset="0"/>
+                          <a:ea typeface="Segoe UI" panose="020B0502040204020203" pitchFamily="34" charset="0"/>
+                          <a:cs typeface="Segoe UI" panose="020B0502040204020203" pitchFamily="34" charset="0"/>
                         </a:rPr>
                         <a:t>php-ldap</a:t>
                       </a:r>
                       <a:r>
-                        <a:rPr lang="ja-JP" sz="1050" kern="100" dirty="0">
-                          <a:effectLst/>
-                        </a:rPr>
-                        <a:t>、</a:t>
-                      </a:r>
-                      <a:r>
-                        <a:rPr lang="en-US" sz="1050" kern="100" dirty="0">
-                          <a:effectLst/>
+                        <a:rPr lang="en-US" altLang="ja-JP" sz="1050" kern="100" dirty="0" smtClean="0">
+                          <a:effectLst/>
+                          <a:latin typeface="Segoe UI" panose="020B0502040204020203" pitchFamily="34" charset="0"/>
+                          <a:ea typeface="Segoe UI" panose="020B0502040204020203" pitchFamily="34" charset="0"/>
+                          <a:cs typeface="Segoe UI" panose="020B0502040204020203" pitchFamily="34" charset="0"/>
+                        </a:rPr>
+                        <a:t>, </a:t>
+                      </a:r>
+                      <a:r>
+                        <a:rPr lang="en-US" sz="1050" kern="100" dirty="0" smtClean="0">
+                          <a:effectLst/>
+                          <a:latin typeface="Segoe UI" panose="020B0502040204020203" pitchFamily="34" charset="0"/>
+                          <a:ea typeface="Segoe UI" panose="020B0502040204020203" pitchFamily="34" charset="0"/>
+                          <a:cs typeface="Segoe UI" panose="020B0502040204020203" pitchFamily="34" charset="0"/>
                         </a:rPr>
                         <a:t>php-mbstring</a:t>
                       </a:r>
                       <a:r>
-                        <a:rPr lang="ja-JP" sz="1050" kern="100" dirty="0">
-                          <a:effectLst/>
-                        </a:rPr>
-                        <a:t>、</a:t>
-                      </a:r>
-                      <a:r>
-                        <a:rPr lang="en-US" sz="1050" kern="100" dirty="0">
-                          <a:effectLst/>
+                        <a:rPr lang="en-US" altLang="ja-JP" sz="1050" kern="100" dirty="0" smtClean="0">
+                          <a:effectLst/>
+                          <a:latin typeface="Segoe UI" panose="020B0502040204020203" pitchFamily="34" charset="0"/>
+                          <a:ea typeface="Segoe UI" panose="020B0502040204020203" pitchFamily="34" charset="0"/>
+                          <a:cs typeface="Segoe UI" panose="020B0502040204020203" pitchFamily="34" charset="0"/>
+                        </a:rPr>
+                        <a:t>, </a:t>
+                      </a:r>
+                      <a:r>
+                        <a:rPr lang="en-US" sz="1050" kern="100" dirty="0" smtClean="0">
+                          <a:effectLst/>
+                          <a:latin typeface="Segoe UI" panose="020B0502040204020203" pitchFamily="34" charset="0"/>
+                          <a:ea typeface="Segoe UI" panose="020B0502040204020203" pitchFamily="34" charset="0"/>
+                          <a:cs typeface="Segoe UI" panose="020B0502040204020203" pitchFamily="34" charset="0"/>
                         </a:rPr>
                         <a:t>php-mcrypt</a:t>
                       </a:r>
                       <a:r>
-                        <a:rPr lang="ja-JP" sz="1050" kern="100" dirty="0" smtClean="0">
-                          <a:effectLst/>
-                        </a:rPr>
-                        <a:t>、</a:t>
+                        <a:rPr lang="en-US" altLang="ja-JP" sz="1050" kern="100" dirty="0" smtClean="0">
+                          <a:effectLst/>
+                          <a:latin typeface="Segoe UI" panose="020B0502040204020203" pitchFamily="34" charset="0"/>
+                          <a:ea typeface="Segoe UI" panose="020B0502040204020203" pitchFamily="34" charset="0"/>
+                          <a:cs typeface="Segoe UI" panose="020B0502040204020203" pitchFamily="34" charset="0"/>
+                        </a:rPr>
+                        <a:t>, </a:t>
                       </a:r>
                       <a:r>
                         <a:rPr lang="en-US" sz="1050" kern="100" dirty="0" smtClean="0">
-                          <a:solidFill>
-                            <a:schemeClr val="tx1"/>
-                          </a:solidFill>
-                          <a:effectLst/>
+                          <a:effectLst/>
+                          <a:latin typeface="Segoe UI" panose="020B0502040204020203" pitchFamily="34" charset="0"/>
+                          <a:ea typeface="Segoe UI" panose="020B0502040204020203" pitchFamily="34" charset="0"/>
+                          <a:cs typeface="Segoe UI" panose="020B0502040204020203" pitchFamily="34" charset="0"/>
                         </a:rPr>
                         <a:t>php-mysqlnd</a:t>
                       </a:r>
                       <a:r>
-                        <a:rPr lang="ja-JP" sz="1050" kern="100" dirty="0">
-                          <a:effectLst/>
-                        </a:rPr>
-                        <a:t>、</a:t>
-                      </a:r>
-                      <a:r>
-                        <a:rPr lang="en-US" sz="1050" kern="100" dirty="0">
-                          <a:effectLst/>
+                        <a:rPr lang="en-US" altLang="ja-JP" sz="1050" kern="100" dirty="0" smtClean="0">
+                          <a:effectLst/>
+                          <a:latin typeface="Segoe UI" panose="020B0502040204020203" pitchFamily="34" charset="0"/>
+                          <a:ea typeface="Segoe UI" panose="020B0502040204020203" pitchFamily="34" charset="0"/>
+                          <a:cs typeface="Segoe UI" panose="020B0502040204020203" pitchFamily="34" charset="0"/>
+                        </a:rPr>
+                        <a:t>, </a:t>
+                      </a:r>
+                      <a:r>
+                        <a:rPr lang="en-US" sz="1050" kern="100" dirty="0" smtClean="0">
+                          <a:effectLst/>
+                          <a:latin typeface="Segoe UI" panose="020B0502040204020203" pitchFamily="34" charset="0"/>
+                          <a:ea typeface="Segoe UI" panose="020B0502040204020203" pitchFamily="34" charset="0"/>
+                          <a:cs typeface="Segoe UI" panose="020B0502040204020203" pitchFamily="34" charset="0"/>
                         </a:rPr>
                         <a:t>php-pear</a:t>
                       </a:r>
                       <a:r>
-                        <a:rPr lang="ja-JP" sz="1050" kern="100" dirty="0">
-                          <a:effectLst/>
-                        </a:rPr>
-                        <a:t>、</a:t>
-                      </a:r>
-                      <a:r>
-                        <a:rPr lang="en-US" sz="1050" kern="100" dirty="0">
-                          <a:effectLst/>
-                        </a:rPr>
-                        <a:t>php-pecl-crypto</a:t>
-                      </a:r>
-                      <a:r>
-                        <a:rPr lang="ja-JP" sz="1050" kern="100" dirty="0">
-                          <a:effectLst/>
-                        </a:rPr>
-                        <a:t>、</a:t>
-                      </a:r>
-                      <a:r>
-                        <a:rPr lang="en-US" sz="1050" kern="100" dirty="0">
-                          <a:effectLst/>
-                        </a:rPr>
-                        <a:t>php-pecl-zip</a:t>
-                      </a:r>
-                      <a:r>
-                        <a:rPr lang="ja-JP" sz="1050" kern="100" dirty="0">
-                          <a:effectLst/>
-                        </a:rPr>
-                        <a:t>、</a:t>
-                      </a:r>
-                      <a:r>
-                        <a:rPr lang="en-US" sz="1050" kern="100" dirty="0">
-                          <a:effectLst/>
+                        <a:rPr lang="en-US" altLang="ja-JP" sz="1050" kern="100" dirty="0" smtClean="0">
+                          <a:effectLst/>
+                          <a:latin typeface="Segoe UI" panose="020B0502040204020203" pitchFamily="34" charset="0"/>
+                          <a:ea typeface="Segoe UI" panose="020B0502040204020203" pitchFamily="34" charset="0"/>
+                          <a:cs typeface="Segoe UI" panose="020B0502040204020203" pitchFamily="34" charset="0"/>
+                        </a:rPr>
+                        <a:t>, </a:t>
+                      </a:r>
+                      <a:r>
+                        <a:rPr lang="en-US" sz="1050" kern="100" dirty="0" err="1" smtClean="0">
+                          <a:effectLst/>
+                          <a:latin typeface="Segoe UI" panose="020B0502040204020203" pitchFamily="34" charset="0"/>
+                          <a:ea typeface="Segoe UI" panose="020B0502040204020203" pitchFamily="34" charset="0"/>
+                          <a:cs typeface="Segoe UI" panose="020B0502040204020203" pitchFamily="34" charset="0"/>
+                        </a:rPr>
+                        <a:t>php</a:t>
+                      </a:r>
+                      <a:r>
+                        <a:rPr lang="en-US" sz="1050" kern="100" dirty="0" smtClean="0">
+                          <a:effectLst/>
+                          <a:latin typeface="Segoe UI" panose="020B0502040204020203" pitchFamily="34" charset="0"/>
+                          <a:ea typeface="Segoe UI" panose="020B0502040204020203" pitchFamily="34" charset="0"/>
+                          <a:cs typeface="Segoe UI" panose="020B0502040204020203" pitchFamily="34" charset="0"/>
+                        </a:rPr>
+                        <a:t>-</a:t>
+                      </a:r>
+                      <a:r>
+                        <a:rPr lang="en-US" sz="1050" kern="100" dirty="0" err="1" smtClean="0">
+                          <a:effectLst/>
+                          <a:latin typeface="Segoe UI" panose="020B0502040204020203" pitchFamily="34" charset="0"/>
+                          <a:ea typeface="Segoe UI" panose="020B0502040204020203" pitchFamily="34" charset="0"/>
+                          <a:cs typeface="Segoe UI" panose="020B0502040204020203" pitchFamily="34" charset="0"/>
+                        </a:rPr>
+                        <a:t>pecl</a:t>
+                      </a:r>
+                      <a:r>
+                        <a:rPr lang="en-US" sz="1050" kern="100" dirty="0" smtClean="0">
+                          <a:effectLst/>
+                          <a:latin typeface="Segoe UI" panose="020B0502040204020203" pitchFamily="34" charset="0"/>
+                          <a:ea typeface="Segoe UI" panose="020B0502040204020203" pitchFamily="34" charset="0"/>
+                          <a:cs typeface="Segoe UI" panose="020B0502040204020203" pitchFamily="34" charset="0"/>
+                        </a:rPr>
+                        <a:t>-crypto</a:t>
+                      </a:r>
+                      <a:r>
+                        <a:rPr lang="en-US" altLang="ja-JP" sz="1050" kern="100" dirty="0" smtClean="0">
+                          <a:effectLst/>
+                          <a:latin typeface="Segoe UI" panose="020B0502040204020203" pitchFamily="34" charset="0"/>
+                          <a:ea typeface="Segoe UI" panose="020B0502040204020203" pitchFamily="34" charset="0"/>
+                          <a:cs typeface="Segoe UI" panose="020B0502040204020203" pitchFamily="34" charset="0"/>
+                        </a:rPr>
+                        <a:t>,</a:t>
+                      </a:r>
+                      <a:r>
+                        <a:rPr lang="en-US" altLang="ja-JP" sz="1050" kern="100" baseline="0" dirty="0" smtClean="0">
+                          <a:effectLst/>
+                          <a:latin typeface="Segoe UI" panose="020B0502040204020203" pitchFamily="34" charset="0"/>
+                          <a:ea typeface="Segoe UI" panose="020B0502040204020203" pitchFamily="34" charset="0"/>
+                          <a:cs typeface="Segoe UI" panose="020B0502040204020203" pitchFamily="34" charset="0"/>
+                        </a:rPr>
+                        <a:t> </a:t>
+                      </a:r>
+                      <a:r>
+                        <a:rPr lang="en-US" sz="1050" kern="100" dirty="0" err="1" smtClean="0">
+                          <a:effectLst/>
+                          <a:latin typeface="Segoe UI" panose="020B0502040204020203" pitchFamily="34" charset="0"/>
+                          <a:ea typeface="Segoe UI" panose="020B0502040204020203" pitchFamily="34" charset="0"/>
+                          <a:cs typeface="Segoe UI" panose="020B0502040204020203" pitchFamily="34" charset="0"/>
+                        </a:rPr>
+                        <a:t>php</a:t>
+                      </a:r>
+                      <a:r>
+                        <a:rPr lang="en-US" sz="1050" kern="100" dirty="0" smtClean="0">
+                          <a:effectLst/>
+                          <a:latin typeface="Segoe UI" panose="020B0502040204020203" pitchFamily="34" charset="0"/>
+                          <a:ea typeface="Segoe UI" panose="020B0502040204020203" pitchFamily="34" charset="0"/>
+                          <a:cs typeface="Segoe UI" panose="020B0502040204020203" pitchFamily="34" charset="0"/>
+                        </a:rPr>
+                        <a:t>-</a:t>
+                      </a:r>
+                      <a:r>
+                        <a:rPr lang="en-US" sz="1050" kern="100" dirty="0" err="1" smtClean="0">
+                          <a:effectLst/>
+                          <a:latin typeface="Segoe UI" panose="020B0502040204020203" pitchFamily="34" charset="0"/>
+                          <a:ea typeface="Segoe UI" panose="020B0502040204020203" pitchFamily="34" charset="0"/>
+                          <a:cs typeface="Segoe UI" panose="020B0502040204020203" pitchFamily="34" charset="0"/>
+                        </a:rPr>
+                        <a:t>pecl</a:t>
+                      </a:r>
+                      <a:r>
+                        <a:rPr lang="en-US" sz="1050" kern="100" dirty="0" smtClean="0">
+                          <a:effectLst/>
+                          <a:latin typeface="Segoe UI" panose="020B0502040204020203" pitchFamily="34" charset="0"/>
+                          <a:ea typeface="Segoe UI" panose="020B0502040204020203" pitchFamily="34" charset="0"/>
+                          <a:cs typeface="Segoe UI" panose="020B0502040204020203" pitchFamily="34" charset="0"/>
+                        </a:rPr>
+                        <a:t>-zip</a:t>
+                      </a:r>
+                      <a:r>
+                        <a:rPr lang="en-US" altLang="ja-JP" sz="1050" kern="100" dirty="0" smtClean="0">
+                          <a:effectLst/>
+                          <a:latin typeface="Segoe UI" panose="020B0502040204020203" pitchFamily="34" charset="0"/>
+                          <a:ea typeface="Segoe UI" panose="020B0502040204020203" pitchFamily="34" charset="0"/>
+                          <a:cs typeface="Segoe UI" panose="020B0502040204020203" pitchFamily="34" charset="0"/>
+                        </a:rPr>
+                        <a:t>, </a:t>
+                      </a:r>
+                      <a:r>
+                        <a:rPr lang="en-US" sz="1050" kern="100" dirty="0" smtClean="0">
+                          <a:effectLst/>
+                          <a:latin typeface="Segoe UI" panose="020B0502040204020203" pitchFamily="34" charset="0"/>
+                          <a:ea typeface="Segoe UI" panose="020B0502040204020203" pitchFamily="34" charset="0"/>
+                          <a:cs typeface="Segoe UI" panose="020B0502040204020203" pitchFamily="34" charset="0"/>
                         </a:rPr>
                         <a:t>php-process</a:t>
                       </a:r>
                       <a:r>
-                        <a:rPr lang="ja-JP" sz="1050" kern="100" dirty="0">
-                          <a:effectLst/>
-                        </a:rPr>
-                        <a:t>、</a:t>
-                      </a:r>
-                      <a:r>
-                        <a:rPr lang="en-US" sz="1050" kern="100" dirty="0">
-                          <a:effectLst/>
+                        <a:rPr lang="en-US" altLang="ja-JP" sz="1050" kern="100" dirty="0" smtClean="0">
+                          <a:effectLst/>
+                          <a:latin typeface="Segoe UI" panose="020B0502040204020203" pitchFamily="34" charset="0"/>
+                          <a:ea typeface="Segoe UI" panose="020B0502040204020203" pitchFamily="34" charset="0"/>
+                          <a:cs typeface="Segoe UI" panose="020B0502040204020203" pitchFamily="34" charset="0"/>
+                        </a:rPr>
+                        <a:t>, </a:t>
+                      </a:r>
+                      <a:r>
+                        <a:rPr lang="en-US" sz="1050" kern="100" dirty="0" smtClean="0">
+                          <a:effectLst/>
+                          <a:latin typeface="Segoe UI" panose="020B0502040204020203" pitchFamily="34" charset="0"/>
+                          <a:ea typeface="Segoe UI" panose="020B0502040204020203" pitchFamily="34" charset="0"/>
+                          <a:cs typeface="Segoe UI" panose="020B0502040204020203" pitchFamily="34" charset="0"/>
                         </a:rPr>
                         <a:t>php-snmp</a:t>
                       </a:r>
                       <a:r>
-                        <a:rPr lang="ja-JP" sz="1050" kern="100" dirty="0" err="1">
-                          <a:effectLst/>
-                        </a:rPr>
-                        <a:t>、</a:t>
+                        <a:rPr lang="en-US" altLang="ja-JP" sz="1050" kern="100" dirty="0" smtClean="0">
+                          <a:effectLst/>
+                          <a:latin typeface="Segoe UI" panose="020B0502040204020203" pitchFamily="34" charset="0"/>
+                          <a:ea typeface="Segoe UI" panose="020B0502040204020203" pitchFamily="34" charset="0"/>
+                          <a:cs typeface="Segoe UI" panose="020B0502040204020203" pitchFamily="34" charset="0"/>
+                        </a:rPr>
+                        <a:t>, </a:t>
                       </a:r>
                       <a:r>
                         <a:rPr lang="en-US" sz="1050" kern="100" dirty="0" err="1" smtClean="0">
                           <a:effectLst/>
+                          <a:latin typeface="Segoe UI" panose="020B0502040204020203" pitchFamily="34" charset="0"/>
+                          <a:ea typeface="Segoe UI" panose="020B0502040204020203" pitchFamily="34" charset="0"/>
+                          <a:cs typeface="Segoe UI" panose="020B0502040204020203" pitchFamily="34" charset="0"/>
                         </a:rPr>
                         <a:t>php</a:t>
                       </a:r>
                       <a:r>
                         <a:rPr lang="en-US" sz="1050" kern="100" dirty="0" smtClean="0">
                           <a:effectLst/>
+                          <a:latin typeface="Segoe UI" panose="020B0502040204020203" pitchFamily="34" charset="0"/>
+                          <a:ea typeface="Segoe UI" panose="020B0502040204020203" pitchFamily="34" charset="0"/>
+                          <a:cs typeface="Segoe UI" panose="020B0502040204020203" pitchFamily="34" charset="0"/>
                         </a:rPr>
                         <a:t>-xml</a:t>
                       </a:r>
                       <a:r>
-                        <a:rPr lang="ja-JP" altLang="en-US" sz="1050" kern="100" dirty="0" err="1" smtClean="0">
-                          <a:effectLst/>
-                        </a:rPr>
-                        <a:t>、</a:t>
+                        <a:rPr lang="en-US" sz="1050" kern="100" dirty="0" smtClean="0">
+                          <a:effectLst/>
+                          <a:latin typeface="+mn-lt"/>
+                          <a:ea typeface="+mn-ea"/>
+                          <a:cs typeface="+mn-cs"/>
+                        </a:rPr>
+                        <a:t>,</a:t>
+                      </a:r>
+                      <a:r>
+                        <a:rPr lang="en-US" sz="1050" kern="100" baseline="0" dirty="0" smtClean="0">
+                          <a:effectLst/>
+                          <a:latin typeface="+mn-lt"/>
+                          <a:ea typeface="+mn-ea"/>
+                          <a:cs typeface="+mn-cs"/>
+                        </a:rPr>
+                        <a:t>  </a:t>
                       </a:r>
                       <a:r>
                         <a:rPr lang="en-US" altLang="ja-JP" sz="1050" kern="100" dirty="0" err="1" smtClean="0">
@@ -25020,61 +25234,61 @@
                         <a:t>php-json</a:t>
                       </a:r>
                       <a:r>
-                        <a:rPr lang="ja-JP" altLang="en-US" sz="1050" kern="100" dirty="0" err="1" smtClean="0">
-                          <a:effectLst/>
-                        </a:rPr>
-                        <a:t>、</a:t>
-                      </a:r>
-                      <a:r>
                         <a:rPr lang="en-US" altLang="ja-JP" sz="1050" kern="100" dirty="0" smtClean="0">
                           <a:effectLst/>
                         </a:rPr>
+                        <a:t>,</a:t>
+                      </a:r>
+                      <a:r>
+                        <a:rPr lang="en-US" altLang="ja-JP" sz="1050" kern="100" baseline="0" dirty="0" smtClean="0">
+                          <a:effectLst/>
+                        </a:rPr>
+                        <a:t>  </a:t>
+                      </a:r>
+                      <a:r>
+                        <a:rPr lang="en-US" altLang="ja-JP" sz="1050" kern="100" dirty="0" err="1" smtClean="0">
+                          <a:effectLst/>
+                        </a:rPr>
+                        <a:t>php</a:t>
+                      </a:r>
+                      <a:r>
+                        <a:rPr lang="en-US" altLang="ja-JP" sz="1050" kern="100" dirty="0" smtClean="0">
+                          <a:effectLst/>
+                        </a:rPr>
+                        <a:t>-zip,</a:t>
+                      </a:r>
+                      <a:r>
+                        <a:rPr lang="en-US" altLang="ja-JP" sz="1050" kern="100" baseline="0" dirty="0" smtClean="0">
+                          <a:effectLst/>
+                        </a:rPr>
                         <a:t> </a:t>
                       </a:r>
                       <a:r>
+                        <a:rPr lang="en-US" altLang="ja-JP" sz="1050" kern="100" dirty="0" smtClean="0">
+                          <a:effectLst/>
+                        </a:rPr>
+                        <a:t> </a:t>
+                      </a:r>
+                      <a:r>
                         <a:rPr lang="en-US" altLang="ja-JP" sz="1050" kern="100" dirty="0" err="1" smtClean="0">
                           <a:effectLst/>
                         </a:rPr>
-                        <a:t>php</a:t>
+                        <a:t>php-gd</a:t>
                       </a:r>
                       <a:r>
                         <a:rPr lang="en-US" altLang="ja-JP" sz="1050" kern="100" dirty="0" smtClean="0">
                           <a:effectLst/>
                         </a:rPr>
-                        <a:t>-zip</a:t>
-                      </a:r>
-                      <a:r>
-                        <a:rPr lang="ja-JP" altLang="en-US" sz="1050" kern="100" dirty="0" err="1" smtClean="0">
-                          <a:effectLst/>
-                        </a:rPr>
-                        <a:t>、</a:t>
-                      </a:r>
-                      <a:r>
-                        <a:rPr lang="en-US" altLang="ja-JP" sz="1050" kern="100" dirty="0" smtClean="0">
-                          <a:effectLst/>
-                        </a:rPr>
-                        <a:t> </a:t>
-                      </a:r>
-                      <a:r>
-                        <a:rPr lang="en-US" altLang="ja-JP" sz="1050" kern="100" dirty="0" err="1" smtClean="0">
-                          <a:effectLst/>
-                        </a:rPr>
-                        <a:t>php-gd</a:t>
-                      </a:r>
-                      <a:r>
-                        <a:rPr lang="ja-JP" altLang="en-US" sz="1050" kern="100" dirty="0" err="1" smtClean="0">
-                          <a:effectLst/>
-                        </a:rPr>
-                        <a:t>、</a:t>
-                      </a:r>
-                      <a:r>
-                        <a:rPr lang="ja-JP" altLang="en-US" sz="1050" kern="100" dirty="0" smtClean="0">
-                          <a:effectLst/>
-                        </a:rPr>
-                        <a:t> </a:t>
-                      </a:r>
-                      <a:r>
-                        <a:rPr lang="en-US" altLang="ja-JP" sz="1050" kern="100" dirty="0" smtClean="0">
+                        <a:t>,</a:t>
+                      </a:r>
+                      <a:r>
+                        <a:rPr lang="ja-JP" altLang="en-US" sz="1050" kern="100" baseline="0" dirty="0" smtClean="0">
+                          <a:effectLst/>
+                        </a:rPr>
+                        <a:t>　</a:t>
+                      </a:r>
+                      <a:r>
+                        <a:rPr lang="en-US" altLang="ja-JP" sz="1050" kern="100" baseline="0" dirty="0" smtClean="0">
                           <a:effectLst/>
                         </a:rPr>
                         <a:t>Python3</a:t>
@@ -25171,48 +25385,31 @@
                     <a:bodyPr/>
                     <a:lstStyle/>
                     <a:p>
-                      <a:pPr marL="0" marR="0" lvl="0" indent="0" algn="just" defTabSz="914400" rtl="0" eaLnBrk="1" fontAlgn="auto" latinLnBrk="1" hangingPunct="1">
-                        <a:lnSpc>
-                          <a:spcPct val="100000"/>
-                        </a:lnSpc>
-                        <a:spcBef>
-                          <a:spcPts val="0"/>
-                        </a:spcBef>
+                      <a:pPr algn="just" latinLnBrk="1">
                         <a:spcAft>
                           <a:spcPts val="0"/>
                         </a:spcAft>
-                        <a:buClrTx/>
-                        <a:buSzTx/>
-                        <a:buFontTx/>
-                        <a:buNone/>
                         <a:tabLst>
                           <a:tab pos="1219835" algn="ctr"/>
                         </a:tabLst>
-                        <a:defRPr/>
                       </a:pPr>
                       <a:r>
                         <a:rPr lang="en-US" sz="1050" kern="100" dirty="0" err="1" smtClean="0">
                           <a:effectLst/>
+                          <a:latin typeface="Segoe UI" panose="020B0502040204020203" pitchFamily="34" charset="0"/>
+                          <a:ea typeface="Segoe UI" panose="020B0502040204020203" pitchFamily="34" charset="0"/>
+                          <a:cs typeface="Segoe UI" panose="020B0502040204020203" pitchFamily="34" charset="0"/>
                         </a:rPr>
                         <a:t>Spyc</a:t>
                       </a:r>
                       <a:r>
-                        <a:rPr lang="ja-JP" altLang="en-US" sz="1050" kern="100" dirty="0" err="1" smtClean="0">
-                          <a:effectLst/>
-                        </a:rPr>
-                        <a:t>、</a:t>
-                      </a:r>
-                      <a:r>
                         <a:rPr lang="en-US" sz="1050" kern="100" dirty="0" smtClean="0">
                           <a:effectLst/>
-                        </a:rPr>
-                        <a:t>HTML_AJAX-beta</a:t>
-                      </a:r>
-                      <a:r>
-                        <a:rPr lang="ja-JP" altLang="en-US" sz="1050" kern="100" dirty="0" err="1" smtClean="0">
-                          <a:effectLst/>
-                        </a:rPr>
-                        <a:t>、</a:t>
+                          <a:latin typeface="Segoe UI" panose="020B0502040204020203" pitchFamily="34" charset="0"/>
+                          <a:ea typeface="Segoe UI" panose="020B0502040204020203" pitchFamily="34" charset="0"/>
+                          <a:cs typeface="Segoe UI" panose="020B0502040204020203" pitchFamily="34" charset="0"/>
+                        </a:rPr>
+                        <a:t>, HTML_AJAX-beta, </a:t>
                       </a:r>
                       <a:r>
                         <a:rPr lang="en-US" altLang="ja-JP" sz="1050" kern="100" dirty="0" err="1" smtClean="0">
@@ -25220,11 +25417,11 @@
                         </a:rPr>
                         <a:t>PhpSpreadsheet</a:t>
                       </a:r>
-                      <a:endParaRPr lang="ja-JP" altLang="ja-JP" sz="1050" kern="100" dirty="0" smtClean="0">
+                      <a:endParaRPr lang="ja-JP" sz="1050" kern="100" dirty="0">
                         <a:effectLst/>
-                        <a:latin typeface="Century" panose="02040604050505020304" pitchFamily="18" charset="0"/>
+                        <a:latin typeface="Segoe UI" panose="020B0502040204020203" pitchFamily="34" charset="0"/>
                         <a:ea typeface="ＭＳ 明朝" panose="02020609040205080304" pitchFamily="17" charset="-128"/>
-                        <a:cs typeface="Times New Roman" panose="02020603050405020304" pitchFamily="18" charset="0"/>
+                        <a:cs typeface="Segoe UI" panose="020B0502040204020203" pitchFamily="34" charset="0"/>
                       </a:endParaRPr>
                     </a:p>
                   </a:txBody>
@@ -25314,14 +25511,17 @@
                       <a:r>
                         <a:rPr lang="en-US" sz="1050" kern="100" dirty="0" err="1" smtClean="0">
                           <a:effectLst/>
+                          <a:latin typeface="Segoe UI" panose="020B0502040204020203" pitchFamily="34" charset="0"/>
+                          <a:ea typeface="Segoe UI" panose="020B0502040204020203" pitchFamily="34" charset="0"/>
+                          <a:cs typeface="Segoe UI" panose="020B0502040204020203" pitchFamily="34" charset="0"/>
                         </a:rPr>
                         <a:t>Git</a:t>
                       </a:r>
                       <a:endParaRPr lang="ja-JP" sz="1050" kern="100" dirty="0">
                         <a:effectLst/>
-                        <a:latin typeface="Century" panose="02040604050505020304" pitchFamily="18" charset="0"/>
+                        <a:latin typeface="Segoe UI" panose="020B0502040204020203" pitchFamily="34" charset="0"/>
                         <a:ea typeface="ＭＳ 明朝" panose="02020609040205080304" pitchFamily="17" charset="-128"/>
-                        <a:cs typeface="Times New Roman" panose="02020603050405020304" pitchFamily="18" charset="0"/>
+                        <a:cs typeface="Segoe UI" panose="020B0502040204020203" pitchFamily="34" charset="0"/>
                       </a:endParaRPr>
                     </a:p>
                   </a:txBody>
@@ -25403,30 +25603,96 @@
                     <a:bodyPr/>
                     <a:lstStyle/>
                     <a:p>
-                      <a:pPr algn="just">
+                      <a:pPr marL="0" marR="0" lvl="0" indent="0" algn="just" defTabSz="914400" rtl="0" eaLnBrk="1" fontAlgn="auto" latinLnBrk="0" hangingPunct="1">
+                        <a:lnSpc>
+                          <a:spcPct val="100000"/>
+                        </a:lnSpc>
+                        <a:spcBef>
+                          <a:spcPts val="0"/>
+                        </a:spcBef>
                         <a:spcAft>
                           <a:spcPts val="0"/>
                         </a:spcAft>
+                        <a:buClrTx/>
+                        <a:buSzTx/>
+                        <a:buFontTx/>
+                        <a:buNone/>
+                        <a:tabLst/>
+                        <a:defRPr/>
                       </a:pPr>
                       <a:r>
-                        <a:rPr lang="en-US" sz="1050" kern="100" dirty="0" err="1">
-                          <a:effectLst/>
+                        <a:rPr lang="en-US" sz="1050" kern="100" dirty="0" err="1" smtClean="0">
+                          <a:effectLst/>
+                          <a:latin typeface="Segoe UI" panose="020B0502040204020203" pitchFamily="34" charset="0"/>
+                          <a:ea typeface="Segoe UI" panose="020B0502040204020203" pitchFamily="34" charset="0"/>
+                          <a:cs typeface="Segoe UI" panose="020B0502040204020203" pitchFamily="34" charset="0"/>
                         </a:rPr>
                         <a:t>ansible</a:t>
                       </a:r>
                       <a:r>
-                        <a:rPr lang="ja-JP" sz="1050" kern="100" dirty="0" err="1" smtClean="0">
-                          <a:effectLst/>
-                        </a:rPr>
-                        <a:t>、</a:t>
+                        <a:rPr lang="en-US" altLang="ja-JP" sz="1050" kern="100" dirty="0" smtClean="0">
+                          <a:effectLst/>
+                          <a:latin typeface="Segoe UI" panose="020B0502040204020203" pitchFamily="34" charset="0"/>
+                          <a:ea typeface="Segoe UI" panose="020B0502040204020203" pitchFamily="34" charset="0"/>
+                          <a:cs typeface="Segoe UI" panose="020B0502040204020203" pitchFamily="34" charset="0"/>
+                        </a:rPr>
+                        <a:t>, </a:t>
                       </a:r>
                       <a:r>
                         <a:rPr lang="en-US" altLang="ja-JP" sz="1050" kern="100" dirty="0" err="1" smtClean="0">
                           <a:effectLst/>
+                          <a:latin typeface="Segoe UI" panose="020B0502040204020203" pitchFamily="34" charset="0"/>
+                          <a:ea typeface="Segoe UI" panose="020B0502040204020203" pitchFamily="34" charset="0"/>
+                          <a:cs typeface="Segoe UI" panose="020B0502040204020203" pitchFamily="34" charset="0"/>
                         </a:rPr>
                         <a:t>sshpass</a:t>
                       </a:r>
-                      <a:endParaRPr lang="ja-JP" sz="1050" kern="100" dirty="0">
+                      <a:r>
+                        <a:rPr lang="en-US" altLang="ja-JP" sz="1050" kern="100" dirty="0" smtClean="0">
+                          <a:effectLst/>
+                          <a:latin typeface="Segoe UI" panose="020B0502040204020203" pitchFamily="34" charset="0"/>
+                          <a:ea typeface="Segoe UI" panose="020B0502040204020203" pitchFamily="34" charset="0"/>
+                          <a:cs typeface="Segoe UI" panose="020B0502040204020203" pitchFamily="34" charset="0"/>
+                        </a:rPr>
+                        <a:t>, </a:t>
+                      </a:r>
+                      <a:r>
+                        <a:rPr lang="en-US" altLang="ja-JP" sz="1050" kern="100" dirty="0" err="1" smtClean="0">
+                          <a:effectLst/>
+                        </a:rPr>
+                        <a:t>pexpect</a:t>
+                      </a:r>
+                      <a:r>
+                        <a:rPr lang="en-US" altLang="ja-JP" sz="1050" kern="100" dirty="0" smtClean="0">
+                          <a:effectLst/>
+                          <a:latin typeface="Segoe UI" panose="020B0502040204020203" pitchFamily="34" charset="0"/>
+                          <a:ea typeface="Segoe UI" panose="020B0502040204020203" pitchFamily="34" charset="0"/>
+                          <a:cs typeface="Segoe UI" panose="020B0502040204020203" pitchFamily="34" charset="0"/>
+                        </a:rPr>
+                        <a:t>, </a:t>
+                      </a:r>
+                      <a:r>
+                        <a:rPr lang="en-US" altLang="ja-JP" sz="1050" kern="100" dirty="0" err="1" smtClean="0">
+                          <a:effectLst/>
+                        </a:rPr>
+                        <a:t>pywinrm</a:t>
+                      </a:r>
+                      <a:r>
+                        <a:rPr lang="en-US" altLang="ja-JP" sz="1050" kern="100" dirty="0" smtClean="0">
+                          <a:effectLst/>
+                          <a:latin typeface="Segoe UI" panose="020B0502040204020203" pitchFamily="34" charset="0"/>
+                          <a:ea typeface="Segoe UI" panose="020B0502040204020203" pitchFamily="34" charset="0"/>
+                          <a:cs typeface="Segoe UI" panose="020B0502040204020203" pitchFamily="34" charset="0"/>
+                        </a:rPr>
+                        <a:t>, </a:t>
+                      </a:r>
+                      <a:r>
+                        <a:rPr lang="en-US" altLang="ja-JP" sz="1050" kern="100" dirty="0" smtClean="0">
+                          <a:effectLst/>
+                        </a:rPr>
+                        <a:t>boto3</a:t>
+                      </a:r>
+                      <a:endParaRPr lang="ja-JP" altLang="ja-JP" sz="1050" kern="100" dirty="0" smtClean="0">
                         <a:effectLst/>
                         <a:latin typeface="Century" panose="02040604050505020304" pitchFamily="18" charset="0"/>
                         <a:ea typeface="ＭＳ 明朝" panose="02020609040205080304" pitchFamily="17" charset="-128"/>
@@ -25614,24 +25880,20 @@
           <a:lstStyle/>
           <a:p>
             <a:r>
-              <a:rPr lang="en-US" altLang="ja-JP" dirty="0"/>
-              <a:t>4</a:t>
-            </a:r>
-            <a:r>
               <a:rPr lang="en-US" altLang="ja-JP" dirty="0" smtClean="0"/>
-              <a:t>.1</a:t>
+              <a:t>4.1</a:t>
             </a:r>
             <a:r>
               <a:rPr lang="ja-JP" altLang="en-US" dirty="0"/>
-              <a:t>　</a:t>
+              <a:t>　動作確認</a:t>
             </a:r>
             <a:r>
               <a:rPr lang="ja-JP" altLang="en-US" dirty="0" smtClean="0"/>
-              <a:t>動作確認（</a:t>
+              <a:t>（</a:t>
             </a:r>
             <a:r>
               <a:rPr lang="en-US" altLang="ja-JP" dirty="0" smtClean="0"/>
-              <a:t>1/5</a:t>
+              <a:t>1/6</a:t>
             </a:r>
             <a:r>
               <a:rPr lang="ja-JP" altLang="en-US" dirty="0" smtClean="0"/>
@@ -25653,16 +25915,14 @@
         </p:nvSpPr>
         <p:spPr/>
         <p:txBody>
-          <a:bodyPr/>
+          <a:bodyPr>
+            <a:normAutofit fontScale="92500" lnSpcReduction="10000"/>
+          </a:bodyPr>
           <a:lstStyle/>
           <a:p>
             <a:r>
-              <a:rPr lang="ja-JP" altLang="en-US" dirty="0" smtClean="0"/>
-              <a:t>メインメニュー</a:t>
-            </a:r>
-            <a:r>
               <a:rPr lang="ja-JP" altLang="en-US" dirty="0"/>
-              <a:t>の表示による確認</a:t>
+              <a:t>メインメニューの表示による確認</a:t>
             </a:r>
           </a:p>
           <a:p>
@@ -25672,143 +25932,98 @@
               <a:t>インストール処理終了後、自端末の</a:t>
             </a:r>
             <a:r>
+              <a:rPr lang="en-US" altLang="ja-JP" dirty="0" err="1"/>
+              <a:t>WindowsPC</a:t>
+            </a:r>
+            <a:r>
+              <a:rPr lang="ja-JP" altLang="en-US" dirty="0"/>
+              <a:t>から下記の手順により、</a:t>
+            </a:r>
+            <a:r>
               <a:rPr lang="en-US" altLang="ja-JP" dirty="0"/>
-              <a:t>WindowsPC</a:t>
+              <a:t>ITA</a:t>
             </a:r>
             <a:r>
               <a:rPr lang="ja-JP" altLang="en-US" dirty="0"/>
-              <a:t>から下記の手順により</a:t>
+              <a:t>システムメインメニューにアクセスし、</a:t>
+            </a:r>
+            <a:r>
+              <a:rPr lang="en-US" altLang="ja-JP" dirty="0"/>
+              <a:t>ITA</a:t>
+            </a:r>
+            <a:r>
+              <a:rPr lang="ja-JP" altLang="en-US" dirty="0"/>
+              <a:t>本体、各ドライバーが正常に表示されたことを確認してください。</a:t>
+            </a:r>
+          </a:p>
+          <a:p>
+            <a:pPr lvl="0"/>
+            <a:endParaRPr lang="en-US" altLang="ja-JP" dirty="0" smtClean="0"/>
+          </a:p>
+          <a:p>
+            <a:pPr lvl="0"/>
+            <a:r>
+              <a:rPr lang="en-US" altLang="ja-JP" dirty="0" smtClean="0"/>
+              <a:t>URL</a:t>
             </a:r>
             <a:r>
               <a:rPr lang="ja-JP" altLang="en-US" dirty="0" smtClean="0"/>
-              <a:t>、</a:t>
+              <a:t>接続</a:t>
+            </a:r>
+            <a:endParaRPr lang="en-US" altLang="ja-JP" dirty="0" smtClean="0"/>
+          </a:p>
+          <a:p>
+            <a:pPr lvl="1"/>
+            <a:r>
+              <a:rPr lang="ja-JP" altLang="en-US" dirty="0" smtClean="0"/>
+              <a:t>以下の</a:t>
             </a:r>
             <a:r>
               <a:rPr lang="en-US" altLang="ja-JP" dirty="0" smtClean="0"/>
-              <a:t>ITA</a:t>
+              <a:t>URL</a:t>
             </a:r>
             <a:r>
               <a:rPr lang="ja-JP" altLang="en-US" dirty="0" smtClean="0"/>
-              <a:t>システムメインメニュー</a:t>
+              <a:t>よ</a:t>
             </a:r>
             <a:r>
               <a:rPr lang="ja-JP" altLang="en-US" dirty="0"/>
-              <a:t>にアクセスし</a:t>
+              <a:t>り</a:t>
             </a:r>
             <a:r>
               <a:rPr lang="ja-JP" altLang="en-US" dirty="0" smtClean="0"/>
-              <a:t>、</a:t>
-            </a:r>
+              <a:t>、ログイン画面にアクセスしてください。</a:t>
+            </a:r>
+            <a:endParaRPr lang="en-US" altLang="ja-JP" dirty="0" smtClean="0"/>
+          </a:p>
+          <a:p>
+            <a:pPr lvl="1"/>
             <a:r>
               <a:rPr lang="en-US" altLang="ja-JP" dirty="0" smtClean="0"/>
-              <a:t>ITA</a:t>
-            </a:r>
-            <a:r>
-              <a:rPr lang="ja-JP" altLang="en-US" dirty="0" smtClean="0"/>
-              <a:t>本体</a:t>
-            </a:r>
-            <a:r>
-              <a:rPr lang="ja-JP" altLang="en-US" dirty="0"/>
-              <a:t>、各ドライバーが正常に表示されたことを確認してください。</a:t>
-            </a:r>
-          </a:p>
-          <a:p>
-            <a:pPr lvl="1"/>
-            <a:endParaRPr lang="ja-JP" altLang="en-US" dirty="0"/>
-          </a:p>
-          <a:p>
-            <a:r>
-              <a:rPr lang="ja-JP" altLang="en-US" dirty="0" smtClean="0"/>
-              <a:t>準備</a:t>
-            </a:r>
-            <a:r>
-              <a:rPr lang="ja-JP" altLang="en-US" dirty="0"/>
-              <a:t>作業</a:t>
-            </a:r>
-          </a:p>
-          <a:p>
-            <a:pPr lvl="1"/>
-            <a:r>
-              <a:rPr lang="ja-JP" altLang="en-US" dirty="0" smtClean="0"/>
-              <a:t>操作</a:t>
-            </a:r>
-            <a:r>
-              <a:rPr lang="ja-JP" altLang="en-US" dirty="0"/>
-              <a:t>端末（</a:t>
-            </a:r>
-            <a:r>
-              <a:rPr lang="en-US" altLang="ja-JP" dirty="0"/>
-              <a:t>Windows</a:t>
-            </a:r>
-            <a:r>
-              <a:rPr lang="ja-JP" altLang="en-US" dirty="0"/>
-              <a:t>）の</a:t>
-            </a:r>
-            <a:r>
-              <a:rPr lang="en-US" altLang="ja-JP" dirty="0"/>
-              <a:t>hosts</a:t>
-            </a:r>
-            <a:r>
-              <a:rPr lang="ja-JP" altLang="en-US" dirty="0"/>
-              <a:t>ファイル</a:t>
-            </a:r>
-            <a:r>
-              <a:rPr lang="ja-JP" altLang="en-US" dirty="0" smtClean="0"/>
-              <a:t>へ</a:t>
-            </a:r>
-            <a:r>
-              <a:rPr lang="en-US" altLang="ja-JP" dirty="0" smtClean="0"/>
-              <a:t>ITA</a:t>
-            </a:r>
-            <a:r>
-              <a:rPr lang="ja-JP" altLang="en-US" dirty="0" smtClean="0"/>
-              <a:t>実装</a:t>
-            </a:r>
-            <a:r>
-              <a:rPr lang="ja-JP" altLang="en-US" dirty="0"/>
-              <a:t>サーバの</a:t>
-            </a:r>
-            <a:r>
-              <a:rPr lang="en-US" altLang="ja-JP" dirty="0"/>
-              <a:t>IP</a:t>
-            </a:r>
-            <a:r>
-              <a:rPr lang="ja-JP" altLang="en-US" dirty="0"/>
-              <a:t>アドレスとホスト名を</a:t>
-            </a:r>
-            <a:r>
-              <a:rPr lang="ja-JP" altLang="en-US" dirty="0" smtClean="0"/>
-              <a:t>設定してください</a:t>
-            </a:r>
-            <a:r>
-              <a:rPr lang="ja-JP" altLang="en-US" dirty="0" smtClean="0"/>
-              <a:t>。</a:t>
-            </a:r>
-            <a:r>
-              <a:rPr lang="en-US" altLang="ja-JP" dirty="0" smtClean="0"/>
-              <a:t/>
-            </a:r>
-            <a:br>
-              <a:rPr lang="en-US" altLang="ja-JP" dirty="0" smtClean="0"/>
-            </a:br>
-            <a:r>
-              <a:rPr lang="en-US" altLang="ja-JP" b="1" dirty="0">
+              <a:t>URL</a:t>
+            </a:r>
+            <a:r>
+              <a:rPr lang="ja-JP" altLang="ja-JP" dirty="0"/>
+              <a:t>：</a:t>
+            </a:r>
+            <a:r>
+              <a:rPr lang="en-US" altLang="ja-JP" b="1" u="sng" dirty="0" smtClean="0">
                 <a:solidFill>
                   <a:srgbClr val="FF0000"/>
                 </a:solidFill>
               </a:rPr>
-              <a:t>※http</a:t>
-            </a:r>
-            <a:r>
-              <a:rPr lang="ja-JP" altLang="en-US" b="1" dirty="0">
+              <a:t>http://</a:t>
+            </a:r>
+            <a:r>
+              <a:rPr lang="ja-JP" altLang="en-US" b="1" u="sng" dirty="0" smtClean="0">
                 <a:solidFill>
                   <a:srgbClr val="FF0000"/>
                 </a:solidFill>
               </a:rPr>
-              <a:t>アクセスを許可して</a:t>
-            </a:r>
-            <a:r>
-              <a:rPr lang="en-US" altLang="ja-JP" b="1" dirty="0">
+              <a:t>（サーバの</a:t>
+            </a:r>
+            <a:r>
+              <a:rPr lang="en-US" altLang="ja-JP" b="1" u="sng" dirty="0" smtClean="0">
                 <a:solidFill>
                   <a:srgbClr val="FF0000"/>
                 </a:solidFill>
@@ -25816,31 +26031,95 @@
               <a:t>IP</a:t>
             </a:r>
             <a:r>
-              <a:rPr lang="ja-JP" altLang="en-US" b="1" dirty="0">
+              <a:rPr lang="ja-JP" altLang="en-US" b="1" u="sng" dirty="0" smtClean="0">
                 <a:solidFill>
                   <a:srgbClr val="FF0000"/>
                 </a:solidFill>
               </a:rPr>
-              <a:t>アドレスでのアクセスを可能にしたり、</a:t>
-            </a:r>
-            <a:r>
-              <a:rPr lang="en-US" altLang="ja-JP" b="1" dirty="0">
+              <a:t>アドレス）</a:t>
+            </a:r>
+            <a:endParaRPr lang="en-US" altLang="ja-JP" b="1" u="sng" dirty="0" smtClean="0">
+              <a:solidFill>
+                <a:srgbClr val="FF0000"/>
+              </a:solidFill>
+            </a:endParaRPr>
+          </a:p>
+          <a:p>
+            <a:pPr marL="180000" lvl="1" indent="0">
+              <a:buNone/>
+            </a:pPr>
+            <a:endParaRPr kumimoji="1" lang="en-US" altLang="ja-JP" dirty="0" smtClean="0"/>
+          </a:p>
+          <a:p>
+            <a:pPr marL="180000" lvl="1" indent="0">
+              <a:buNone/>
+            </a:pPr>
+            <a:r>
+              <a:rPr kumimoji="1" lang="en-US" altLang="ja-JP" dirty="0" smtClean="0">
                 <a:solidFill>
                   <a:srgbClr val="FF0000"/>
                 </a:solidFill>
               </a:rPr>
-              <a:t>DNS</a:t>
-            </a:r>
-            <a:r>
-              <a:rPr lang="ja-JP" altLang="en-US" b="1" dirty="0">
+              <a:t>※</a:t>
+            </a:r>
+            <a:r>
+              <a:rPr lang="ja-JP" altLang="en-US" dirty="0" smtClean="0">
                 <a:solidFill>
                   <a:srgbClr val="FF0000"/>
                 </a:solidFill>
               </a:rPr>
-              <a:t>サーバにホスト名を登録する等の対応を行えば、本作業は不要となります。</a:t>
-            </a:r>
-            <a:r>
-              <a:rPr lang="en-US" altLang="ja-JP" b="1" dirty="0">
+              <a:t>インストール</a:t>
+            </a:r>
+            <a:r>
+              <a:rPr lang="ja-JP" altLang="en-US" dirty="0">
+                <a:solidFill>
+                  <a:srgbClr val="FF0000"/>
+                </a:solidFill>
+              </a:rPr>
+              <a:t>後</a:t>
+            </a:r>
+            <a:r>
+              <a:rPr lang="ja-JP" altLang="en-US" dirty="0" smtClean="0">
+                <a:solidFill>
+                  <a:srgbClr val="FF0000"/>
+                </a:solidFill>
+              </a:rPr>
+              <a:t>は、</a:t>
+            </a:r>
+            <a:r>
+              <a:rPr lang="en-US" altLang="ja-JP" dirty="0" smtClean="0">
+                <a:solidFill>
+                  <a:srgbClr val="FF0000"/>
+                </a:solidFill>
+              </a:rPr>
+              <a:t>HTTP</a:t>
+            </a:r>
+            <a:r>
+              <a:rPr lang="ja-JP" altLang="en-US" dirty="0" smtClean="0">
+                <a:solidFill>
+                  <a:srgbClr val="FF0000"/>
+                </a:solidFill>
+              </a:rPr>
+              <a:t>と</a:t>
+            </a:r>
+            <a:r>
+              <a:rPr lang="en-US" altLang="ja-JP" dirty="0" smtClean="0">
+                <a:solidFill>
+                  <a:srgbClr val="FF0000"/>
+                </a:solidFill>
+              </a:rPr>
+              <a:t>HTTPS</a:t>
+            </a:r>
+            <a:r>
+              <a:rPr lang="ja-JP" altLang="en-US" dirty="0" smtClean="0">
+                <a:solidFill>
+                  <a:srgbClr val="FF0000"/>
+                </a:solidFill>
+              </a:rPr>
+              <a:t>の両方のアクセスが可能です。</a:t>
+            </a:r>
+            <a:r>
+              <a:rPr lang="en-US" altLang="ja-JP" dirty="0" smtClean="0">
                 <a:solidFill>
                   <a:srgbClr val="FF0000"/>
                 </a:solidFill>
@@ -25848,58 +26127,162 @@
               <a:t/>
             </a:r>
             <a:br>
-              <a:rPr lang="en-US" altLang="ja-JP" b="1" dirty="0">
+              <a:rPr lang="en-US" altLang="ja-JP" dirty="0" smtClean="0">
                 <a:solidFill>
                   <a:srgbClr val="FF0000"/>
                 </a:solidFill>
               </a:rPr>
             </a:br>
             <a:r>
-              <a:rPr lang="en-US" altLang="ja-JP" b="1" dirty="0">
+              <a:rPr lang="ja-JP" altLang="en-US" dirty="0" smtClean="0">
                 <a:solidFill>
                   <a:srgbClr val="FF0000"/>
                 </a:solidFill>
               </a:rPr>
-              <a:t>http</a:t>
-            </a:r>
-            <a:r>
-              <a:rPr lang="ja-JP" altLang="en-US" b="1" dirty="0">
+              <a:t>　</a:t>
+            </a:r>
+            <a:r>
+              <a:rPr lang="en-US" altLang="ja-JP" dirty="0" smtClean="0">
                 <a:solidFill>
                   <a:srgbClr val="FF0000"/>
                 </a:solidFill>
               </a:rPr>
-              <a:t>アクセスを許可する手順は</a:t>
-            </a:r>
-            <a:r>
-              <a:rPr lang="en-US" altLang="ja-JP" b="1" dirty="0">
+              <a:t>HTTP</a:t>
+            </a:r>
+            <a:r>
+              <a:rPr lang="ja-JP" altLang="en-US" dirty="0" smtClean="0">
                 <a:solidFill>
                   <a:srgbClr val="FF0000"/>
                 </a:solidFill>
               </a:rPr>
-              <a:t>4.5</a:t>
-            </a:r>
-            <a:r>
-              <a:rPr lang="ja-JP" altLang="en-US" b="1" dirty="0">
+              <a:t>はセキュリティ的に脆弱なので、</a:t>
+            </a:r>
+            <a:r>
+              <a:rPr lang="en-US" altLang="ja-JP" dirty="0" smtClean="0">
                 <a:solidFill>
                   <a:srgbClr val="FF0000"/>
                 </a:solidFill>
               </a:rPr>
-              <a:t>章を確認してください。</a:t>
-            </a:r>
-            <a:r>
-              <a:rPr lang="en-US" altLang="ja-JP" dirty="0"/>
+              <a:t>HTTPS</a:t>
+            </a:r>
+            <a:r>
+              <a:rPr lang="ja-JP" altLang="en-US" dirty="0" smtClean="0">
+                <a:solidFill>
+                  <a:srgbClr val="FF0000"/>
+                </a:solidFill>
+              </a:rPr>
+              <a:t>で</a:t>
+            </a:r>
+            <a:r>
+              <a:rPr lang="ja-JP" altLang="en-US" dirty="0">
+                <a:solidFill>
+                  <a:srgbClr val="FF0000"/>
+                </a:solidFill>
+              </a:rPr>
+              <a:t>の</a:t>
+            </a:r>
+            <a:r>
+              <a:rPr lang="ja-JP" altLang="en-US" dirty="0" smtClean="0">
+                <a:solidFill>
+                  <a:srgbClr val="FF0000"/>
+                </a:solidFill>
+              </a:rPr>
+              <a:t>アクセスを推奨します。</a:t>
+            </a:r>
+            <a:r>
+              <a:rPr lang="en-US" altLang="ja-JP" dirty="0" smtClean="0">
+                <a:solidFill>
+                  <a:srgbClr val="FF0000"/>
+                </a:solidFill>
+              </a:rPr>
               <a:t/>
             </a:r>
             <a:br>
-              <a:rPr lang="en-US" altLang="ja-JP" dirty="0"/>
+              <a:rPr lang="en-US" altLang="ja-JP" dirty="0" smtClean="0">
+                <a:solidFill>
+                  <a:srgbClr val="FF0000"/>
+                </a:solidFill>
+              </a:rPr>
             </a:br>
+            <a:r>
+              <a:rPr lang="ja-JP" altLang="en-US" dirty="0" smtClean="0">
+                <a:solidFill>
+                  <a:srgbClr val="FF0000"/>
+                </a:solidFill>
+              </a:rPr>
+              <a:t>　</a:t>
+            </a:r>
+            <a:r>
+              <a:rPr kumimoji="1" lang="en-US" altLang="ja-JP" dirty="0" smtClean="0">
+                <a:solidFill>
+                  <a:srgbClr val="FF0000"/>
+                </a:solidFill>
+              </a:rPr>
+              <a:t>HTTPS</a:t>
+            </a:r>
+            <a:r>
+              <a:rPr kumimoji="1" lang="ja-JP" altLang="en-US" dirty="0" smtClean="0">
+                <a:solidFill>
+                  <a:srgbClr val="FF0000"/>
+                </a:solidFill>
+              </a:rPr>
+              <a:t>でのアクセス方法は、動作確認（</a:t>
+            </a:r>
+            <a:r>
+              <a:rPr kumimoji="1" lang="en-US" altLang="ja-JP" dirty="0" smtClean="0">
+                <a:solidFill>
+                  <a:srgbClr val="FF0000"/>
+                </a:solidFill>
+              </a:rPr>
+              <a:t>4/6</a:t>
+            </a:r>
+            <a:r>
+              <a:rPr kumimoji="1" lang="ja-JP" altLang="en-US" dirty="0" smtClean="0">
+                <a:solidFill>
+                  <a:srgbClr val="FF0000"/>
+                </a:solidFill>
+              </a:rPr>
+              <a:t>）</a:t>
+            </a:r>
+            <a:r>
+              <a:rPr lang="ja-JP" altLang="en-US" dirty="0">
+                <a:solidFill>
+                  <a:srgbClr val="FF0000"/>
+                </a:solidFill>
+              </a:rPr>
+              <a:t>以降</a:t>
+            </a:r>
+            <a:r>
+              <a:rPr kumimoji="1" lang="ja-JP" altLang="en-US" dirty="0" smtClean="0">
+                <a:solidFill>
+                  <a:srgbClr val="FF0000"/>
+                </a:solidFill>
+              </a:rPr>
+              <a:t>を確認してください。</a:t>
+            </a:r>
+            <a:endParaRPr kumimoji="1" lang="en-US" altLang="ja-JP" dirty="0" smtClean="0">
+              <a:solidFill>
+                <a:srgbClr val="FF0000"/>
+              </a:solidFill>
+            </a:endParaRPr>
+          </a:p>
+          <a:p>
+            <a:pPr lvl="1"/>
             <a:endParaRPr lang="en-US" altLang="ja-JP" dirty="0"/>
           </a:p>
           <a:p>
+            <a:pPr lvl="0"/>
+            <a:r>
+              <a:rPr lang="ja-JP" altLang="en-US" dirty="0" smtClean="0"/>
+              <a:t>ログイン</a:t>
+            </a:r>
+            <a:endParaRPr lang="en-US" altLang="ja-JP" dirty="0" smtClean="0"/>
+          </a:p>
+          <a:p>
             <a:pPr lvl="1"/>
             <a:r>
               <a:rPr lang="en-US" altLang="ja-JP" dirty="0" smtClean="0"/>
-              <a:t>Windows10</a:t>
+              <a:t>ITA</a:t>
             </a:r>
             <a:r>
               <a:rPr lang="ja-JP" altLang="ja-JP" dirty="0" smtClean="0"/>
@@ -25907,323 +26290,124 @@
             </a:r>
             <a:r>
               <a:rPr lang="ja-JP" altLang="ja-JP" dirty="0"/>
-              <a:t>場合、以下の</a:t>
+              <a:t>ログイン画面が表示</a:t>
+            </a:r>
+            <a:r>
+              <a:rPr lang="ja-JP" altLang="ja-JP" dirty="0" smtClean="0"/>
+              <a:t>されたら</a:t>
+            </a:r>
+            <a:r>
+              <a:rPr lang="ja-JP" altLang="ja-JP" dirty="0"/>
+              <a:t>、指定のログイン</a:t>
             </a:r>
             <a:r>
               <a:rPr lang="en-US" altLang="ja-JP" dirty="0"/>
-              <a:t>hosts</a:t>
+              <a:t>ID</a:t>
             </a:r>
             <a:r>
               <a:rPr lang="ja-JP" altLang="ja-JP" dirty="0"/>
-              <a:t>ファイルとなります</a:t>
+              <a:t>、初期パスワードを入力</a:t>
             </a:r>
             <a:r>
               <a:rPr lang="ja-JP" altLang="ja-JP" dirty="0" smtClean="0"/>
-              <a:t>。</a:t>
-            </a:r>
-            <a:endParaRPr lang="en-US" altLang="ja-JP" dirty="0" smtClean="0"/>
+              <a:t>して、</a:t>
+            </a:r>
+            <a:r>
+              <a:rPr lang="en-US" altLang="ja-JP" dirty="0" smtClean="0"/>
+              <a:t>[</a:t>
+            </a:r>
+            <a:r>
+              <a:rPr lang="ja-JP" altLang="ja-JP" dirty="0" smtClean="0"/>
+              <a:t>ログイン</a:t>
+            </a:r>
+            <a:r>
+              <a:rPr lang="en-US" altLang="ja-JP" dirty="0" smtClean="0"/>
+              <a:t>]</a:t>
+            </a:r>
+            <a:r>
+              <a:rPr lang="ja-JP" altLang="ja-JP" dirty="0" smtClean="0"/>
+              <a:t>ボタンをクリックしてください。</a:t>
+            </a:r>
+          </a:p>
+          <a:p>
+            <a:pPr marL="180000" lvl="1" indent="0">
+              <a:buNone/>
+            </a:pPr>
+            <a:r>
+              <a:rPr lang="ja-JP" altLang="ja-JP" dirty="0"/>
+              <a:t>　　・ログイン</a:t>
+            </a:r>
+            <a:r>
+              <a:rPr lang="en-US" altLang="ja-JP" dirty="0"/>
+              <a:t>ID</a:t>
+            </a:r>
+            <a:r>
+              <a:rPr lang="ja-JP" altLang="ja-JP" dirty="0"/>
+              <a:t>　　</a:t>
+            </a:r>
+            <a:r>
+              <a:rPr lang="ja-JP" altLang="ja-JP" dirty="0" smtClean="0"/>
+              <a:t>：</a:t>
+            </a:r>
+            <a:r>
+              <a:rPr lang="ja-JP" altLang="en-US" dirty="0" smtClean="0"/>
+              <a:t> </a:t>
+            </a:r>
+            <a:r>
+              <a:rPr lang="en-US" altLang="ja-JP" dirty="0" smtClean="0"/>
+              <a:t>administrator</a:t>
+            </a:r>
+            <a:endParaRPr lang="ja-JP" altLang="ja-JP" dirty="0"/>
+          </a:p>
+          <a:p>
+            <a:pPr marL="180000" lvl="1" indent="0">
+              <a:buNone/>
+            </a:pPr>
+            <a:r>
+              <a:rPr lang="ja-JP" altLang="ja-JP" dirty="0"/>
+              <a:t>　　・初期パスワード ： </a:t>
+            </a:r>
+            <a:r>
+              <a:rPr lang="en-US" altLang="ja-JP" dirty="0" smtClean="0"/>
+              <a:t>password</a:t>
+            </a:r>
+          </a:p>
+          <a:p>
+            <a:pPr marL="180000" lvl="1" indent="0">
+              <a:buNone/>
+            </a:pPr>
+            <a:endParaRPr lang="ja-JP" altLang="ja-JP" dirty="0"/>
           </a:p>
           <a:p>
             <a:pPr lvl="1"/>
-            <a:endParaRPr lang="en-US" altLang="ja-JP" dirty="0" smtClean="0"/>
+            <a:r>
+              <a:rPr lang="ja-JP" altLang="ja-JP" dirty="0" smtClean="0"/>
+              <a:t>インストール後</a:t>
+            </a:r>
+            <a:r>
+              <a:rPr lang="ja-JP" altLang="ja-JP" dirty="0"/>
+              <a:t>に初めてログインした場合は、「パスワード変更画面」に遷移します。</a:t>
+            </a:r>
           </a:p>
           <a:p>
             <a:pPr lvl="1"/>
-            <a:endParaRPr lang="en-US" altLang="ja-JP" dirty="0"/>
-          </a:p>
-          <a:p>
-            <a:pPr lvl="1"/>
-            <a:r>
-              <a:rPr lang="en-US" altLang="ja-JP" dirty="0"/>
-              <a:t>hosts</a:t>
-            </a:r>
             <a:r>
               <a:rPr lang="ja-JP" altLang="ja-JP" dirty="0"/>
-              <a:t>ファイルに以下の設定を追加してください。</a:t>
-            </a:r>
-            <a:endParaRPr lang="ja-JP" altLang="en-US" dirty="0"/>
-          </a:p>
-          <a:p>
-            <a:pPr lvl="1"/>
-            <a:endParaRPr kumimoji="1" lang="ja-JP" altLang="en-US" dirty="0"/>
+              <a:t>パスワード変更画面から、初期パスワードを変更してください。</a:t>
+            </a:r>
+          </a:p>
+          <a:p>
+            <a:pPr marL="180000" lvl="1" indent="0">
+              <a:buNone/>
+            </a:pPr>
+            <a:endParaRPr kumimoji="1" lang="en-US" altLang="ja-JP" dirty="0" smtClean="0"/>
           </a:p>
         </p:txBody>
       </p:sp>
-      <p:graphicFrame>
-        <p:nvGraphicFramePr>
-          <p:cNvPr id="6" name="表 5"/>
-          <p:cNvGraphicFramePr>
-            <a:graphicFrameLocks noGrp="1"/>
-          </p:cNvGraphicFramePr>
-          <p:nvPr>
-            <p:extLst>
-              <p:ext uri="{D42A27DB-BD31-4B8C-83A1-F6EECF244321}">
-                <p14:modId xmlns:p14="http://schemas.microsoft.com/office/powerpoint/2010/main" val="1564350468"/>
-              </p:ext>
-            </p:extLst>
-          </p:nvPr>
-        </p:nvGraphicFramePr>
-        <p:xfrm>
-          <a:off x="1829118" y="4509150"/>
-          <a:ext cx="5485765" cy="316230"/>
-        </p:xfrm>
-        <a:graphic>
-          <a:graphicData uri="http://schemas.openxmlformats.org/drawingml/2006/table">
-            <a:tbl>
-              <a:tblPr firstRow="1" firstCol="1" bandRow="1">
-                <a:tableStyleId>{5C22544A-7EE6-4342-B048-85BDC9FD1C3A}</a:tableStyleId>
-              </a:tblPr>
-              <a:tblGrid>
-                <a:gridCol w="5485765">
-                  <a:extLst>
-                    <a:ext uri="{9D8B030D-6E8A-4147-A177-3AD203B41FA5}">
-                      <a16:colId xmlns:a16="http://schemas.microsoft.com/office/drawing/2014/main" val="20000"/>
-                    </a:ext>
-                  </a:extLst>
-                </a:gridCol>
-              </a:tblGrid>
-              <a:tr h="316230">
-                <a:tc>
-                  <a:txBody>
-                    <a:bodyPr/>
-                    <a:lstStyle/>
-                    <a:p>
-                      <a:pPr algn="just">
-                        <a:spcAft>
-                          <a:spcPts val="0"/>
-                        </a:spcAft>
-                      </a:pPr>
-                      <a:r>
-                        <a:rPr lang="en-US" sz="1050" kern="100" dirty="0">
-                          <a:effectLst/>
-                        </a:rPr>
-                        <a:t>C:\Windows\System32\drivers\etc\hosts</a:t>
-                      </a:r>
-                      <a:endParaRPr lang="ja-JP" sz="1050" kern="100" dirty="0">
-                        <a:effectLst/>
-                        <a:latin typeface="Century" panose="02040604050505020304" pitchFamily="18" charset="0"/>
-                        <a:ea typeface="ＭＳ 明朝" panose="02020609040205080304" pitchFamily="17" charset="-128"/>
-                        <a:cs typeface="Times New Roman" panose="02020603050405020304" pitchFamily="18" charset="0"/>
-                      </a:endParaRPr>
-                    </a:p>
-                  </a:txBody>
-                  <a:tcPr marL="68580" marR="68580" marT="0" marB="0" anchor="ctr">
-                    <a:solidFill>
-                      <a:srgbClr val="002B62"/>
-                    </a:solidFill>
-                  </a:tcPr>
-                </a:tc>
-                <a:extLst>
-                  <a:ext uri="{0D108BD9-81ED-4DB2-BD59-A6C34878D82A}">
-                    <a16:rowId xmlns:a16="http://schemas.microsoft.com/office/drawing/2014/main" val="10000"/>
-                  </a:ext>
-                </a:extLst>
-              </a:tr>
-            </a:tbl>
-          </a:graphicData>
-        </a:graphic>
-      </p:graphicFrame>
-      <p:graphicFrame>
-        <p:nvGraphicFramePr>
-          <p:cNvPr id="7" name="表 6"/>
-          <p:cNvGraphicFramePr>
-            <a:graphicFrameLocks noGrp="1"/>
-          </p:cNvGraphicFramePr>
-          <p:nvPr>
-            <p:extLst>
-              <p:ext uri="{D42A27DB-BD31-4B8C-83A1-F6EECF244321}">
-                <p14:modId xmlns:p14="http://schemas.microsoft.com/office/powerpoint/2010/main" val="2719931173"/>
-              </p:ext>
-            </p:extLst>
-          </p:nvPr>
-        </p:nvGraphicFramePr>
-        <p:xfrm>
-          <a:off x="1828630" y="5469286"/>
-          <a:ext cx="5485765" cy="936130"/>
-        </p:xfrm>
-        <a:graphic>
-          <a:graphicData uri="http://schemas.openxmlformats.org/drawingml/2006/table">
-            <a:tbl>
-              <a:tblPr firstRow="1" firstCol="1" bandRow="1">
-                <a:tableStyleId>{5C22544A-7EE6-4342-B048-85BDC9FD1C3A}</a:tableStyleId>
-              </a:tblPr>
-              <a:tblGrid>
-                <a:gridCol w="5485765">
-                  <a:extLst>
-                    <a:ext uri="{9D8B030D-6E8A-4147-A177-3AD203B41FA5}">
-                      <a16:colId xmlns:a16="http://schemas.microsoft.com/office/drawing/2014/main" val="20000"/>
-                    </a:ext>
-                  </a:extLst>
-                </a:gridCol>
-              </a:tblGrid>
-              <a:tr h="936130">
-                <a:tc>
-                  <a:txBody>
-                    <a:bodyPr/>
-                    <a:lstStyle/>
-                    <a:p>
-                      <a:pPr algn="l">
-                        <a:spcAft>
-                          <a:spcPts val="0"/>
-                        </a:spcAft>
-                      </a:pPr>
-                      <a:r>
-                        <a:rPr lang="en-US" sz="1050" kern="100" dirty="0" smtClean="0">
-                          <a:effectLst/>
-                        </a:rPr>
-                        <a:t>“ITA</a:t>
-                      </a:r>
-                      <a:r>
-                        <a:rPr lang="ja-JP" sz="1050" kern="100" dirty="0" smtClean="0">
-                          <a:effectLst/>
-                        </a:rPr>
-                        <a:t>実装</a:t>
-                      </a:r>
-                      <a:r>
-                        <a:rPr lang="ja-JP" sz="1050" kern="100" dirty="0">
-                          <a:effectLst/>
-                        </a:rPr>
-                        <a:t>サーバの</a:t>
-                      </a:r>
-                      <a:r>
-                        <a:rPr lang="en-US" sz="1050" kern="100" dirty="0">
-                          <a:effectLst/>
-                        </a:rPr>
-                        <a:t>IP</a:t>
-                      </a:r>
-                      <a:r>
-                        <a:rPr lang="ja-JP" sz="1050" kern="100" dirty="0">
-                          <a:effectLst/>
-                        </a:rPr>
-                        <a:t>アドレス</a:t>
-                      </a:r>
-                      <a:r>
-                        <a:rPr lang="en-US" sz="1050" kern="100" dirty="0">
-                          <a:effectLst/>
-                        </a:rPr>
-                        <a:t>”</a:t>
-                      </a:r>
-                      <a:r>
-                        <a:rPr lang="ja-JP" sz="1050" kern="100" dirty="0">
-                          <a:effectLst/>
-                        </a:rPr>
-                        <a:t>　</a:t>
-                      </a:r>
-                      <a:r>
-                        <a:rPr lang="ja-JP" sz="1050" kern="0" dirty="0">
-                          <a:effectLst/>
-                        </a:rPr>
-                        <a:t> </a:t>
-                      </a:r>
-                      <a:r>
-                        <a:rPr lang="en-US" altLang="ja-JP" sz="1050" kern="0" dirty="0" smtClean="0">
-                          <a:effectLst/>
-                        </a:rPr>
-                        <a:t>exastro</a:t>
-                      </a:r>
-                      <a:r>
-                        <a:rPr lang="en-US" sz="1050" kern="0" dirty="0" smtClean="0">
-                          <a:effectLst/>
-                        </a:rPr>
-                        <a:t>-it-automation</a:t>
-                      </a:r>
-                      <a:r>
-                        <a:rPr lang="en-US" sz="1050" kern="0" dirty="0">
-                          <a:effectLst/>
-                        </a:rPr>
-                        <a:t/>
-                      </a:r>
-                      <a:br>
-                        <a:rPr lang="en-US" sz="1050" kern="0" dirty="0">
-                          <a:effectLst/>
-                        </a:rPr>
-                      </a:br>
-                      <a:r>
-                        <a:rPr lang="en-US" sz="1050" kern="0" dirty="0" smtClean="0">
-                          <a:effectLst/>
-                        </a:rPr>
-                        <a:t/>
-                      </a:r>
-                      <a:br>
-                        <a:rPr lang="en-US" sz="1050" kern="0" dirty="0" smtClean="0">
-                          <a:effectLst/>
-                        </a:rPr>
-                      </a:br>
-                      <a:r>
-                        <a:rPr lang="ja-JP" sz="1050" kern="0" dirty="0" smtClean="0">
-                          <a:effectLst/>
-                        </a:rPr>
-                        <a:t>例</a:t>
-                      </a:r>
-                      <a:r>
-                        <a:rPr lang="ja-JP" altLang="en-US" sz="1050" kern="0" dirty="0" smtClean="0">
-                          <a:effectLst/>
-                        </a:rPr>
-                        <a:t>）</a:t>
-                      </a:r>
-                      <a:r>
-                        <a:rPr lang="en-US" sz="1050" kern="0" dirty="0" smtClean="0">
-                          <a:effectLst/>
-                        </a:rPr>
-                        <a:t/>
-                      </a:r>
-                      <a:br>
-                        <a:rPr lang="en-US" sz="1050" kern="0" dirty="0" smtClean="0">
-                          <a:effectLst/>
-                        </a:rPr>
-                      </a:br>
-                      <a:r>
-                        <a:rPr lang="en-US" sz="1050" kern="0" dirty="0" smtClean="0">
-                          <a:effectLst/>
-                        </a:rPr>
-                        <a:t>192.168.0.3 </a:t>
-                      </a:r>
-                      <a:r>
-                        <a:rPr lang="ja-JP" sz="1050" kern="0" dirty="0">
-                          <a:effectLst/>
-                        </a:rPr>
-                        <a:t>　</a:t>
-                      </a:r>
-                      <a:r>
-                        <a:rPr lang="en-US" altLang="ja-JP" sz="1050" kern="0" dirty="0" smtClean="0">
-                          <a:effectLst/>
-                        </a:rPr>
-                        <a:t>e</a:t>
-                      </a:r>
-                      <a:r>
-                        <a:rPr lang="en-US" sz="1050" kern="0" dirty="0" smtClean="0">
-                          <a:effectLst/>
-                        </a:rPr>
-                        <a:t>xastro-it-automation</a:t>
-                      </a:r>
-                      <a:endParaRPr lang="ja-JP" sz="1050" kern="100" dirty="0">
-                        <a:effectLst/>
-                        <a:latin typeface="Century" panose="02040604050505020304" pitchFamily="18" charset="0"/>
-                        <a:ea typeface="ＭＳ 明朝" panose="02020609040205080304" pitchFamily="17" charset="-128"/>
-                        <a:cs typeface="Times New Roman" panose="02020603050405020304" pitchFamily="18" charset="0"/>
-                      </a:endParaRPr>
-                    </a:p>
-                  </a:txBody>
-                  <a:tcPr marL="68580" marR="68580" marT="0" marB="0" anchor="ctr">
-                    <a:solidFill>
-                      <a:srgbClr val="002B62"/>
-                    </a:solidFill>
-                  </a:tcPr>
-                </a:tc>
-                <a:extLst>
-                  <a:ext uri="{0D108BD9-81ED-4DB2-BD59-A6C34878D82A}">
-                    <a16:rowId xmlns:a16="http://schemas.microsoft.com/office/drawing/2014/main" val="10000"/>
-                  </a:ext>
-                </a:extLst>
-              </a:tr>
-            </a:tbl>
-          </a:graphicData>
-        </a:graphic>
-      </p:graphicFrame>
     </p:spTree>
     <p:extLst>
       <p:ext uri="{BB962C8B-B14F-4D97-AF65-F5344CB8AC3E}">
-        <p14:creationId xmlns:p14="http://schemas.microsoft.com/office/powerpoint/2010/main" val="1562393222"/>
+        <p14:creationId xmlns:p14="http://schemas.microsoft.com/office/powerpoint/2010/main" val="1507867604"/>
       </p:ext>
     </p:extLst>
   </p:cSld>
@@ -26257,1387 +26441,9 @@
           <a:chExt cx="0" cy="0"/>
         </a:xfrm>
       </p:grpSpPr>
-      <p:sp>
-        <p:nvSpPr>
-          <p:cNvPr id="2" name="タイトル 1"/>
-          <p:cNvSpPr>
-            <a:spLocks noGrp="1"/>
-          </p:cNvSpPr>
-          <p:nvPr>
-            <p:ph type="title"/>
-          </p:nvPr>
-        </p:nvSpPr>
-        <p:spPr/>
-        <p:txBody>
-          <a:bodyPr/>
-          <a:lstStyle/>
-          <a:p>
-            <a:r>
-              <a:rPr lang="en-US" altLang="ja-JP" dirty="0" smtClean="0"/>
-              <a:t>4.2</a:t>
-            </a:r>
-            <a:r>
-              <a:rPr lang="ja-JP" altLang="en-US" dirty="0"/>
-              <a:t>　動作確認</a:t>
-            </a:r>
-            <a:r>
-              <a:rPr lang="ja-JP" altLang="en-US" dirty="0" smtClean="0"/>
-              <a:t>（</a:t>
-            </a:r>
-            <a:r>
-              <a:rPr lang="en-US" altLang="ja-JP" dirty="0" smtClean="0"/>
-              <a:t>2/5</a:t>
-            </a:r>
-            <a:r>
-              <a:rPr lang="ja-JP" altLang="en-US" dirty="0"/>
-              <a:t>）</a:t>
-            </a:r>
-            <a:endParaRPr kumimoji="1" lang="ja-JP" altLang="en-US" dirty="0"/>
-          </a:p>
-        </p:txBody>
-      </p:sp>
-      <p:sp>
-        <p:nvSpPr>
-          <p:cNvPr id="3" name="コンテンツ プレースホルダー 2"/>
-          <p:cNvSpPr>
-            <a:spLocks noGrp="1"/>
-          </p:cNvSpPr>
-          <p:nvPr>
-            <p:ph sz="quarter" idx="10"/>
-          </p:nvPr>
-        </p:nvSpPr>
-        <p:spPr>
-          <a:xfrm>
-            <a:off x="179512" y="836712"/>
-            <a:ext cx="8964488" cy="5616476"/>
-          </a:xfrm>
-        </p:spPr>
-        <p:txBody>
-          <a:bodyPr>
-            <a:normAutofit fontScale="92500" lnSpcReduction="10000"/>
-          </a:bodyPr>
-          <a:lstStyle/>
-          <a:p>
-            <a:r>
-              <a:rPr lang="ja-JP" altLang="ja-JP" dirty="0"/>
-              <a:t>操作端末（</a:t>
-            </a:r>
-            <a:r>
-              <a:rPr lang="en-US" altLang="ja-JP" dirty="0"/>
-              <a:t>Windows</a:t>
-            </a:r>
-            <a:r>
-              <a:rPr lang="ja-JP" altLang="ja-JP" dirty="0" smtClean="0"/>
-              <a:t>）</a:t>
-            </a:r>
-            <a:r>
-              <a:rPr lang="ja-JP" altLang="en-US" dirty="0" smtClean="0"/>
-              <a:t>への</a:t>
-            </a:r>
-            <a:r>
-              <a:rPr lang="ja-JP" altLang="ja-JP" dirty="0" smtClean="0"/>
-              <a:t>証明書インポート</a:t>
-            </a:r>
-            <a:endParaRPr lang="en-US" altLang="ja-JP" dirty="0" smtClean="0"/>
-          </a:p>
-          <a:p>
-            <a:pPr lvl="1"/>
-            <a:r>
-              <a:rPr lang="ja-JP" altLang="ja-JP" dirty="0"/>
-              <a:t>証明書</a:t>
-            </a:r>
-            <a:r>
-              <a:rPr lang="ja-JP" altLang="ja-JP" dirty="0" smtClean="0"/>
-              <a:t>は</a:t>
-            </a:r>
-            <a:r>
-              <a:rPr lang="en-US" altLang="ja-JP" dirty="0" smtClean="0"/>
-              <a:t>ITA</a:t>
-            </a:r>
-            <a:r>
-              <a:rPr lang="ja-JP" altLang="ja-JP" dirty="0" smtClean="0"/>
-              <a:t>インストールパッケージ</a:t>
-            </a:r>
-            <a:r>
-              <a:rPr lang="ja-JP" altLang="ja-JP" dirty="0"/>
-              <a:t>の以下のパスに格納されています。</a:t>
-            </a:r>
-          </a:p>
-          <a:p>
-            <a:pPr lvl="1"/>
-            <a:r>
-              <a:rPr lang="en-US" altLang="ja-JP" dirty="0" smtClean="0"/>
-              <a:t>FFFTP </a:t>
-            </a:r>
-            <a:r>
-              <a:rPr lang="ja-JP" altLang="ja-JP" dirty="0"/>
-              <a:t>、</a:t>
-            </a:r>
-            <a:r>
-              <a:rPr lang="en-US" altLang="ja-JP" dirty="0"/>
-              <a:t>WinSCP</a:t>
-            </a:r>
-            <a:r>
-              <a:rPr lang="ja-JP" altLang="ja-JP" dirty="0"/>
-              <a:t>などのツールを利用し操作端末にダウンロードします。</a:t>
-            </a:r>
-          </a:p>
-          <a:p>
-            <a:pPr marL="180000" lvl="1" indent="0">
-              <a:buNone/>
-            </a:pPr>
-            <a:endParaRPr lang="en-US" altLang="ja-JP" dirty="0" smtClean="0"/>
-          </a:p>
-          <a:p>
-            <a:pPr marL="180000" lvl="1" indent="0">
-              <a:buNone/>
-            </a:pPr>
-            <a:endParaRPr lang="en-US" altLang="ja-JP" dirty="0"/>
-          </a:p>
-          <a:p>
-            <a:pPr marL="180000" lvl="1" indent="0">
-              <a:buNone/>
-            </a:pPr>
-            <a:endParaRPr lang="en-US" altLang="ja-JP" dirty="0" smtClean="0"/>
-          </a:p>
-          <a:p>
-            <a:pPr marL="180000" lvl="1" indent="0">
-              <a:buNone/>
-            </a:pPr>
-            <a:endParaRPr lang="en-US" altLang="ja-JP" dirty="0" smtClean="0"/>
-          </a:p>
-          <a:p>
-            <a:pPr marL="180000" lvl="1" indent="0">
-              <a:buNone/>
-            </a:pPr>
-            <a:endParaRPr lang="en-US" altLang="ja-JP" dirty="0"/>
-          </a:p>
-          <a:p>
-            <a:pPr lvl="1"/>
-            <a:r>
-              <a:rPr lang="en-US" altLang="ja-JP" dirty="0"/>
-              <a:t>Web</a:t>
-            </a:r>
-            <a:r>
-              <a:rPr lang="ja-JP" altLang="ja-JP" dirty="0"/>
-              <a:t>ブラウザに証明書のインポートをしてください。</a:t>
-            </a:r>
-          </a:p>
-          <a:p>
-            <a:pPr lvl="1"/>
-            <a:r>
-              <a:rPr lang="en-US" altLang="ja-JP" dirty="0" smtClean="0"/>
-              <a:t>Google Chrome</a:t>
-            </a:r>
-            <a:r>
-              <a:rPr lang="ja-JP" altLang="ja-JP" dirty="0" smtClean="0"/>
-              <a:t>に</a:t>
-            </a:r>
-            <a:r>
-              <a:rPr lang="ja-JP" altLang="ja-JP" dirty="0"/>
-              <a:t>インポートする</a:t>
-            </a:r>
-            <a:r>
-              <a:rPr lang="ja-JP" altLang="ja-JP" dirty="0" smtClean="0"/>
-              <a:t>手順</a:t>
-            </a:r>
-            <a:r>
-              <a:rPr lang="ja-JP" altLang="en-US" dirty="0"/>
-              <a:t>を</a:t>
-            </a:r>
-            <a:r>
-              <a:rPr lang="ja-JP" altLang="ja-JP" dirty="0" smtClean="0"/>
-              <a:t>以下</a:t>
-            </a:r>
-            <a:r>
-              <a:rPr lang="ja-JP" altLang="en-US" dirty="0" smtClean="0"/>
-              <a:t>に示します。</a:t>
-            </a:r>
-            <a:endParaRPr lang="en-US" altLang="ja-JP" dirty="0" smtClean="0"/>
-          </a:p>
-          <a:p>
-            <a:pPr marL="180000" lvl="1" indent="0">
-              <a:buNone/>
-            </a:pPr>
-            <a:endParaRPr lang="en-US" altLang="ja-JP" dirty="0" smtClean="0"/>
-          </a:p>
-          <a:p>
-            <a:pPr marL="180000" lvl="1" indent="0">
-              <a:buNone/>
-            </a:pPr>
-            <a:r>
-              <a:rPr lang="ja-JP" altLang="en-US" dirty="0" smtClean="0"/>
-              <a:t>　①　</a:t>
-            </a:r>
-            <a:r>
-              <a:rPr lang="en-US" altLang="ja-JP" dirty="0" smtClean="0"/>
-              <a:t>Google </a:t>
-            </a:r>
-            <a:r>
-              <a:rPr lang="en-US" altLang="ja-JP" dirty="0"/>
-              <a:t>Chrome</a:t>
-            </a:r>
-            <a:r>
-              <a:rPr lang="ja-JP" altLang="en-US" dirty="0"/>
-              <a:t>を起動し、右上の</a:t>
-            </a:r>
-            <a:r>
-              <a:rPr lang="en-US" altLang="ja-JP" dirty="0"/>
-              <a:t>[</a:t>
-            </a:r>
-            <a:r>
-              <a:rPr lang="ja-JP" altLang="en-US" dirty="0"/>
-              <a:t>設定</a:t>
-            </a:r>
-            <a:r>
-              <a:rPr lang="en-US" altLang="ja-JP" dirty="0"/>
-              <a:t>]</a:t>
-            </a:r>
-            <a:r>
-              <a:rPr lang="ja-JP" altLang="en-US" dirty="0"/>
-              <a:t>ボタンから</a:t>
-            </a:r>
-            <a:r>
-              <a:rPr lang="en-US" altLang="ja-JP" dirty="0"/>
-              <a:t>[</a:t>
-            </a:r>
-            <a:r>
-              <a:rPr lang="ja-JP" altLang="en-US" dirty="0"/>
-              <a:t>設定</a:t>
-            </a:r>
-            <a:r>
-              <a:rPr lang="en-US" altLang="ja-JP" dirty="0"/>
-              <a:t>(S)]</a:t>
-            </a:r>
-            <a:r>
-              <a:rPr lang="ja-JP" altLang="en-US" dirty="0"/>
-              <a:t>へ進みます</a:t>
-            </a:r>
-            <a:r>
-              <a:rPr lang="ja-JP" altLang="en-US" dirty="0" smtClean="0"/>
-              <a:t>。</a:t>
-            </a:r>
-            <a:endParaRPr lang="en-US" altLang="ja-JP" dirty="0" smtClean="0"/>
-          </a:p>
-          <a:p>
-            <a:pPr marL="180000" lvl="1" indent="0">
-              <a:buNone/>
-            </a:pPr>
-            <a:r>
-              <a:rPr lang="ja-JP" altLang="en-US" dirty="0"/>
-              <a:t>　②　画面下部の</a:t>
-            </a:r>
-            <a:r>
-              <a:rPr lang="en-US" altLang="ja-JP" dirty="0"/>
-              <a:t>[</a:t>
-            </a:r>
-            <a:r>
-              <a:rPr lang="ja-JP" altLang="en-US" dirty="0"/>
-              <a:t>詳細設定</a:t>
-            </a:r>
-            <a:r>
-              <a:rPr lang="en-US" altLang="ja-JP" dirty="0"/>
-              <a:t>]</a:t>
-            </a:r>
-            <a:r>
-              <a:rPr lang="ja-JP" altLang="en-US" dirty="0"/>
-              <a:t>をクリック後、表示される項目から</a:t>
-            </a:r>
-            <a:r>
-              <a:rPr lang="en-US" altLang="ja-JP" dirty="0"/>
-              <a:t>[</a:t>
-            </a:r>
-            <a:r>
-              <a:rPr lang="ja-JP" altLang="en-US" dirty="0"/>
-              <a:t>証明書の管理</a:t>
-            </a:r>
-            <a:r>
-              <a:rPr lang="en-US" altLang="ja-JP" dirty="0"/>
-              <a:t>]</a:t>
-            </a:r>
-            <a:r>
-              <a:rPr lang="ja-JP" altLang="en-US" dirty="0"/>
-              <a:t>をクリックします。</a:t>
-            </a:r>
-            <a:endParaRPr lang="ja-JP" altLang="ja-JP" dirty="0"/>
-          </a:p>
-          <a:p>
-            <a:pPr marL="357188" lvl="1" indent="0">
-              <a:buNone/>
-            </a:pPr>
-            <a:r>
-              <a:rPr lang="ja-JP" altLang="en-US" dirty="0" smtClean="0"/>
-              <a:t>③　</a:t>
-            </a:r>
-            <a:r>
-              <a:rPr lang="en-US" altLang="ja-JP" dirty="0"/>
-              <a:t>[</a:t>
-            </a:r>
-            <a:r>
-              <a:rPr lang="ja-JP" altLang="en-US" dirty="0"/>
-              <a:t>信頼されたルート証明機関</a:t>
-            </a:r>
-            <a:r>
-              <a:rPr lang="en-US" altLang="ja-JP" dirty="0"/>
-              <a:t>]</a:t>
-            </a:r>
-            <a:r>
-              <a:rPr lang="ja-JP" altLang="en-US" dirty="0"/>
-              <a:t>タブへ進み、左下の</a:t>
-            </a:r>
-            <a:r>
-              <a:rPr lang="en-US" altLang="ja-JP" dirty="0"/>
-              <a:t>[</a:t>
-            </a:r>
-            <a:r>
-              <a:rPr lang="ja-JP" altLang="en-US" dirty="0"/>
-              <a:t>インポート</a:t>
-            </a:r>
-            <a:r>
-              <a:rPr lang="en-US" altLang="ja-JP" dirty="0"/>
-              <a:t>]</a:t>
-            </a:r>
-            <a:r>
-              <a:rPr lang="ja-JP" altLang="en-US" dirty="0"/>
-              <a:t>をクリックします</a:t>
-            </a:r>
-            <a:r>
-              <a:rPr lang="ja-JP" altLang="en-US" dirty="0" smtClean="0"/>
-              <a:t>。</a:t>
-            </a:r>
-            <a:endParaRPr lang="en-US" altLang="ja-JP" dirty="0" smtClean="0"/>
-          </a:p>
-          <a:p>
-            <a:pPr marL="357188" lvl="1" indent="0">
-              <a:buNone/>
-            </a:pPr>
-            <a:r>
-              <a:rPr lang="ja-JP" altLang="en-US" dirty="0" smtClean="0"/>
-              <a:t>④</a:t>
-            </a:r>
-            <a:r>
-              <a:rPr lang="ja-JP" altLang="en-US" dirty="0"/>
-              <a:t>　証明書のインポートウィザードが起動します。</a:t>
-            </a:r>
-            <a:r>
-              <a:rPr lang="en-US" altLang="ja-JP" dirty="0"/>
-              <a:t>[</a:t>
-            </a:r>
-            <a:r>
-              <a:rPr lang="ja-JP" altLang="en-US" dirty="0"/>
-              <a:t>次へ</a:t>
-            </a:r>
-            <a:r>
-              <a:rPr lang="en-US" altLang="ja-JP" dirty="0"/>
-              <a:t>]</a:t>
-            </a:r>
-            <a:r>
-              <a:rPr lang="ja-JP" altLang="en-US" dirty="0"/>
-              <a:t>をクリックします</a:t>
-            </a:r>
-            <a:r>
-              <a:rPr lang="ja-JP" altLang="en-US" dirty="0" smtClean="0"/>
-              <a:t>。</a:t>
-            </a:r>
-            <a:endParaRPr lang="en-US" altLang="ja-JP" dirty="0" smtClean="0"/>
-          </a:p>
-          <a:p>
-            <a:pPr marL="357188" lvl="1" indent="0">
-              <a:buNone/>
-            </a:pPr>
-            <a:r>
-              <a:rPr lang="ja-JP" altLang="en-US" dirty="0"/>
-              <a:t>⑤　インポートするファイル名を指定し、</a:t>
-            </a:r>
-            <a:r>
-              <a:rPr lang="en-US" altLang="ja-JP" dirty="0"/>
-              <a:t>[</a:t>
-            </a:r>
-            <a:r>
-              <a:rPr lang="ja-JP" altLang="en-US" dirty="0"/>
-              <a:t>次へ</a:t>
-            </a:r>
-            <a:r>
-              <a:rPr lang="en-US" altLang="ja-JP" dirty="0"/>
-              <a:t>]</a:t>
-            </a:r>
-            <a:r>
-              <a:rPr lang="ja-JP" altLang="en-US" dirty="0"/>
-              <a:t>をクリックします</a:t>
-            </a:r>
-            <a:r>
-              <a:rPr lang="ja-JP" altLang="en-US" dirty="0" smtClean="0"/>
-              <a:t>。</a:t>
-            </a:r>
-            <a:endParaRPr lang="en-US" altLang="ja-JP" dirty="0" smtClean="0"/>
-          </a:p>
-          <a:p>
-            <a:pPr marL="357188" lvl="1" indent="0">
-              <a:buNone/>
-            </a:pPr>
-            <a:r>
-              <a:rPr lang="ja-JP" altLang="en-US" dirty="0" smtClean="0"/>
-              <a:t>⑥　</a:t>
-            </a:r>
-            <a:r>
-              <a:rPr lang="en-US" altLang="ja-JP" dirty="0"/>
-              <a:t>[</a:t>
-            </a:r>
-            <a:r>
-              <a:rPr lang="ja-JP" altLang="en-US" dirty="0"/>
-              <a:t>証明書をすべての次のストアに配置する</a:t>
-            </a:r>
-            <a:r>
-              <a:rPr lang="en-US" altLang="ja-JP" dirty="0"/>
-              <a:t>(P)]</a:t>
-            </a:r>
-            <a:r>
-              <a:rPr lang="ja-JP" altLang="en-US" dirty="0"/>
-              <a:t>をチェックされている状態を確認します</a:t>
-            </a:r>
-            <a:r>
-              <a:rPr lang="ja-JP" altLang="en-US" dirty="0" smtClean="0"/>
-              <a:t>。</a:t>
-            </a:r>
-            <a:endParaRPr lang="en-US" altLang="ja-JP" dirty="0" smtClean="0"/>
-          </a:p>
-          <a:p>
-            <a:pPr marL="357188" lvl="1" indent="0">
-              <a:buNone/>
-            </a:pPr>
-            <a:r>
-              <a:rPr lang="ja-JP" altLang="en-US" dirty="0" smtClean="0"/>
-              <a:t>⑦　</a:t>
-            </a:r>
-            <a:r>
-              <a:rPr lang="en-US" altLang="ja-JP" dirty="0"/>
-              <a:t>[</a:t>
-            </a:r>
-            <a:r>
-              <a:rPr lang="ja-JP" altLang="en-US" dirty="0"/>
-              <a:t>信頼されたルート証明機関</a:t>
-            </a:r>
-            <a:r>
-              <a:rPr lang="en-US" altLang="ja-JP" dirty="0"/>
-              <a:t>]</a:t>
-            </a:r>
-            <a:r>
-              <a:rPr lang="ja-JP" altLang="en-US" dirty="0"/>
-              <a:t>を選択し、</a:t>
-            </a:r>
-            <a:r>
-              <a:rPr lang="en-US" altLang="ja-JP" dirty="0"/>
-              <a:t>[</a:t>
-            </a:r>
-            <a:r>
-              <a:rPr lang="ja-JP" altLang="en-US" dirty="0"/>
-              <a:t>次へ</a:t>
-            </a:r>
-            <a:r>
-              <a:rPr lang="en-US" altLang="ja-JP" dirty="0"/>
-              <a:t>]</a:t>
-            </a:r>
-            <a:r>
-              <a:rPr lang="ja-JP" altLang="en-US" dirty="0"/>
-              <a:t>をクリックします。</a:t>
-            </a:r>
-            <a:endParaRPr lang="en-US" altLang="ja-JP" dirty="0" smtClean="0"/>
-          </a:p>
-          <a:p>
-            <a:pPr marL="357188" lvl="1" indent="0">
-              <a:buNone/>
-            </a:pPr>
-            <a:r>
-              <a:rPr lang="en-US" altLang="ja-JP" dirty="0" smtClean="0"/>
-              <a:t>※</a:t>
-            </a:r>
-            <a:r>
-              <a:rPr lang="ja-JP" altLang="en-US" dirty="0" smtClean="0"/>
-              <a:t>選択されていない場合は右の</a:t>
-            </a:r>
-            <a:r>
-              <a:rPr lang="en-US" altLang="ja-JP" dirty="0" smtClean="0"/>
-              <a:t>[</a:t>
-            </a:r>
-            <a:r>
-              <a:rPr lang="ja-JP" altLang="en-US" dirty="0" smtClean="0"/>
-              <a:t>参照</a:t>
-            </a:r>
-            <a:r>
-              <a:rPr lang="en-US" altLang="ja-JP" dirty="0" smtClean="0"/>
-              <a:t>(R)]</a:t>
-            </a:r>
-            <a:r>
-              <a:rPr lang="ja-JP" altLang="en-US" dirty="0" smtClean="0"/>
-              <a:t>か</a:t>
-            </a:r>
-            <a:r>
-              <a:rPr lang="ja-JP" altLang="en-US" dirty="0"/>
-              <a:t>ら</a:t>
-            </a:r>
-            <a:r>
-              <a:rPr lang="en-US" altLang="ja-JP" dirty="0" smtClean="0"/>
-              <a:t>[</a:t>
-            </a:r>
-            <a:r>
-              <a:rPr lang="ja-JP" altLang="ja-JP" dirty="0"/>
-              <a:t>信頼されたルート証明機関</a:t>
-            </a:r>
-            <a:r>
-              <a:rPr lang="en-US" altLang="ja-JP" dirty="0"/>
-              <a:t>]</a:t>
-            </a:r>
-            <a:r>
-              <a:rPr lang="ja-JP" altLang="en-US" dirty="0"/>
-              <a:t>を</a:t>
-            </a:r>
-            <a:r>
-              <a:rPr lang="ja-JP" altLang="en-US" dirty="0" smtClean="0"/>
-              <a:t>選択してください。</a:t>
-            </a:r>
-            <a:endParaRPr lang="en-US" altLang="ja-JP" dirty="0" smtClean="0"/>
-          </a:p>
-          <a:p>
-            <a:pPr marL="357188" lvl="1" indent="0">
-              <a:buNone/>
-            </a:pPr>
-            <a:r>
-              <a:rPr lang="ja-JP" altLang="en-US" dirty="0" smtClean="0"/>
-              <a:t>⑧　</a:t>
-            </a:r>
-            <a:r>
-              <a:rPr lang="en-US" altLang="ja-JP" dirty="0"/>
-              <a:t>[</a:t>
-            </a:r>
-            <a:r>
-              <a:rPr lang="ja-JP" altLang="en-US" dirty="0"/>
-              <a:t>完了</a:t>
-            </a:r>
-            <a:r>
-              <a:rPr lang="en-US" altLang="ja-JP" dirty="0"/>
-              <a:t>]</a:t>
-            </a:r>
-            <a:r>
-              <a:rPr lang="ja-JP" altLang="en-US" dirty="0"/>
-              <a:t>をクリックします。</a:t>
-            </a:r>
-            <a:endParaRPr lang="ja-JP" altLang="ja-JP" dirty="0"/>
-          </a:p>
-        </p:txBody>
-      </p:sp>
-      <p:graphicFrame>
-        <p:nvGraphicFramePr>
-          <p:cNvPr id="6" name="表 5"/>
-          <p:cNvGraphicFramePr>
-            <a:graphicFrameLocks noGrp="1"/>
-          </p:cNvGraphicFramePr>
-          <p:nvPr>
-            <p:extLst>
-              <p:ext uri="{D42A27DB-BD31-4B8C-83A1-F6EECF244321}">
-                <p14:modId xmlns:p14="http://schemas.microsoft.com/office/powerpoint/2010/main" val="1031408000"/>
-              </p:ext>
-            </p:extLst>
-          </p:nvPr>
-        </p:nvGraphicFramePr>
-        <p:xfrm>
-          <a:off x="1207459" y="1836779"/>
-          <a:ext cx="6729082" cy="1018455"/>
-        </p:xfrm>
-        <a:graphic>
-          <a:graphicData uri="http://schemas.openxmlformats.org/drawingml/2006/table">
-            <a:tbl>
-              <a:tblPr firstRow="1" firstCol="1" bandRow="1">
-                <a:tableStyleId>{5C22544A-7EE6-4342-B048-85BDC9FD1C3A}</a:tableStyleId>
-              </a:tblPr>
-              <a:tblGrid>
-                <a:gridCol w="1581792">
-                  <a:extLst>
-                    <a:ext uri="{9D8B030D-6E8A-4147-A177-3AD203B41FA5}">
-                      <a16:colId xmlns:a16="http://schemas.microsoft.com/office/drawing/2014/main" val="20000"/>
-                    </a:ext>
-                  </a:extLst>
-                </a:gridCol>
-                <a:gridCol w="3269829">
-                  <a:extLst>
-                    <a:ext uri="{9D8B030D-6E8A-4147-A177-3AD203B41FA5}">
-                      <a16:colId xmlns:a16="http://schemas.microsoft.com/office/drawing/2014/main" val="20001"/>
-                    </a:ext>
-                  </a:extLst>
-                </a:gridCol>
-                <a:gridCol w="1877461">
-                  <a:extLst>
-                    <a:ext uri="{9D8B030D-6E8A-4147-A177-3AD203B41FA5}">
-                      <a16:colId xmlns:a16="http://schemas.microsoft.com/office/drawing/2014/main" val="20002"/>
-                    </a:ext>
-                  </a:extLst>
-                </a:gridCol>
-              </a:tblGrid>
-              <a:tr h="288039">
-                <a:tc>
-                  <a:txBody>
-                    <a:bodyPr/>
-                    <a:lstStyle/>
-                    <a:p>
-                      <a:pPr algn="ctr">
-                        <a:spcAft>
-                          <a:spcPts val="0"/>
-                        </a:spcAft>
-                      </a:pPr>
-                      <a:r>
-                        <a:rPr lang="en-US" altLang="ja-JP" sz="1050" kern="100" dirty="0" smtClean="0">
-                          <a:effectLst/>
-                        </a:rPr>
-                        <a:t>ITA</a:t>
-                      </a:r>
-                      <a:r>
-                        <a:rPr lang="ja-JP" sz="1050" kern="100" dirty="0" smtClean="0">
-                          <a:effectLst/>
-                        </a:rPr>
-                        <a:t>サーバ</a:t>
-                      </a:r>
-                      <a:r>
-                        <a:rPr lang="ja-JP" sz="1050" kern="100" dirty="0">
-                          <a:effectLst/>
-                        </a:rPr>
-                        <a:t>の</a:t>
-                      </a:r>
-                      <a:r>
-                        <a:rPr lang="en-US" sz="1050" kern="100" dirty="0">
-                          <a:effectLst/>
-                        </a:rPr>
-                        <a:t>OS</a:t>
-                      </a:r>
-                      <a:endParaRPr lang="ja-JP" sz="1050" kern="100" dirty="0">
-                        <a:effectLst/>
-                        <a:latin typeface="Century" panose="02040604050505020304" pitchFamily="18" charset="0"/>
-                        <a:ea typeface="ＭＳ 明朝" panose="02020609040205080304" pitchFamily="17" charset="-128"/>
-                        <a:cs typeface="Times New Roman" panose="02020603050405020304" pitchFamily="18" charset="0"/>
-                      </a:endParaRPr>
-                    </a:p>
-                  </a:txBody>
-                  <a:tcPr marL="68580" marR="68580" marT="0" marB="0" anchor="ctr">
-                    <a:solidFill>
-                      <a:srgbClr val="002B62"/>
-                    </a:solidFill>
-                  </a:tcPr>
-                </a:tc>
-                <a:tc>
-                  <a:txBody>
-                    <a:bodyPr/>
-                    <a:lstStyle/>
-                    <a:p>
-                      <a:pPr algn="ctr">
-                        <a:spcAft>
-                          <a:spcPts val="0"/>
-                        </a:spcAft>
-                      </a:pPr>
-                      <a:r>
-                        <a:rPr lang="ja-JP" sz="1050" kern="100" dirty="0">
-                          <a:effectLst/>
-                        </a:rPr>
-                        <a:t>ファイルパス</a:t>
-                      </a:r>
-                      <a:endParaRPr lang="ja-JP" sz="1050" kern="100" dirty="0">
-                        <a:effectLst/>
-                        <a:latin typeface="Century" panose="02040604050505020304" pitchFamily="18" charset="0"/>
-                        <a:ea typeface="ＭＳ 明朝" panose="02020609040205080304" pitchFamily="17" charset="-128"/>
-                        <a:cs typeface="Times New Roman" panose="02020603050405020304" pitchFamily="18" charset="0"/>
-                      </a:endParaRPr>
-                    </a:p>
-                  </a:txBody>
-                  <a:tcPr marL="68580" marR="68580" marT="0" marB="0" anchor="ctr">
-                    <a:solidFill>
-                      <a:srgbClr val="002B62"/>
-                    </a:solidFill>
-                  </a:tcPr>
-                </a:tc>
-                <a:tc>
-                  <a:txBody>
-                    <a:bodyPr/>
-                    <a:lstStyle/>
-                    <a:p>
-                      <a:pPr algn="ctr">
-                        <a:spcAft>
-                          <a:spcPts val="0"/>
-                        </a:spcAft>
-                      </a:pPr>
-                      <a:r>
-                        <a:rPr lang="ja-JP" sz="1050" kern="100" dirty="0">
-                          <a:effectLst/>
-                        </a:rPr>
-                        <a:t>ファイル名</a:t>
-                      </a:r>
-                      <a:endParaRPr lang="ja-JP" sz="1050" kern="100" dirty="0">
-                        <a:effectLst/>
-                        <a:latin typeface="Century" panose="02040604050505020304" pitchFamily="18" charset="0"/>
-                        <a:ea typeface="ＭＳ 明朝" panose="02020609040205080304" pitchFamily="17" charset="-128"/>
-                        <a:cs typeface="Times New Roman" panose="02020603050405020304" pitchFamily="18" charset="0"/>
-                      </a:endParaRPr>
-                    </a:p>
-                  </a:txBody>
-                  <a:tcPr marL="68580" marR="68580" marT="0" marB="0" anchor="ctr">
-                    <a:solidFill>
-                      <a:srgbClr val="002B62"/>
-                    </a:solidFill>
-                  </a:tcPr>
-                </a:tc>
-                <a:extLst>
-                  <a:ext uri="{0D108BD9-81ED-4DB2-BD59-A6C34878D82A}">
-                    <a16:rowId xmlns:a16="http://schemas.microsoft.com/office/drawing/2014/main" val="10000"/>
-                  </a:ext>
-                </a:extLst>
-              </a:tr>
-              <a:tr h="365208">
-                <a:tc>
-                  <a:txBody>
-                    <a:bodyPr/>
-                    <a:lstStyle/>
-                    <a:p>
-                      <a:pPr algn="l" latinLnBrk="1">
-                        <a:spcAft>
-                          <a:spcPts val="0"/>
-                        </a:spcAft>
-                      </a:pPr>
-                      <a:r>
-                        <a:rPr lang="en-US" sz="900" kern="100" dirty="0">
-                          <a:effectLst/>
-                        </a:rPr>
-                        <a:t>RHEL </a:t>
-                      </a:r>
-                      <a:r>
-                        <a:rPr lang="en-US" sz="900" kern="100" dirty="0" smtClean="0">
-                          <a:effectLst/>
-                        </a:rPr>
-                        <a:t>7, </a:t>
-                      </a:r>
-                      <a:r>
-                        <a:rPr lang="en-US" sz="900" kern="100" dirty="0">
-                          <a:effectLst/>
-                        </a:rPr>
-                        <a:t>CentOS </a:t>
-                      </a:r>
-                      <a:r>
-                        <a:rPr lang="en-US" sz="900" kern="100" dirty="0" smtClean="0">
-                          <a:effectLst/>
-                        </a:rPr>
-                        <a:t>7</a:t>
-                      </a:r>
-                      <a:r>
-                        <a:rPr lang="ja-JP" sz="900" kern="100" dirty="0" smtClean="0">
-                          <a:effectLst/>
-                        </a:rPr>
-                        <a:t>系</a:t>
-                      </a:r>
-                      <a:endParaRPr lang="ja-JP" sz="1050" kern="100" dirty="0">
-                        <a:effectLst/>
-                        <a:latin typeface="Century" panose="02040604050505020304" pitchFamily="18" charset="0"/>
-                        <a:ea typeface="ＭＳ 明朝" panose="02020609040205080304" pitchFamily="17" charset="-128"/>
-                        <a:cs typeface="Times New Roman" panose="02020603050405020304" pitchFamily="18" charset="0"/>
-                      </a:endParaRPr>
-                    </a:p>
-                  </a:txBody>
-                  <a:tcPr marL="68580" marR="68580" marT="0" marB="0" anchor="ctr">
-                    <a:solidFill>
-                      <a:srgbClr val="002B62"/>
-                    </a:solidFill>
-                  </a:tcPr>
-                </a:tc>
-                <a:tc>
-                  <a:txBody>
-                    <a:bodyPr/>
-                    <a:lstStyle/>
-                    <a:p>
-                      <a:pPr algn="l" latinLnBrk="1">
-                        <a:spcAft>
-                          <a:spcPts val="0"/>
-                        </a:spcAft>
-                      </a:pPr>
-                      <a:r>
-                        <a:rPr lang="en-US" sz="1000" kern="100" dirty="0">
-                          <a:effectLst/>
-                        </a:rPr>
-                        <a:t>/(</a:t>
-                      </a:r>
-                      <a:r>
-                        <a:rPr lang="ja-JP" sz="1000" kern="100" dirty="0">
-                          <a:effectLst/>
-                        </a:rPr>
-                        <a:t>インストール資材展開先</a:t>
-                      </a:r>
-                      <a:r>
-                        <a:rPr lang="en-US" sz="1000" kern="100" dirty="0" smtClean="0">
-                          <a:effectLst/>
-                        </a:rPr>
-                        <a:t>)/</a:t>
-                      </a:r>
-                      <a:r>
-                        <a:rPr lang="en-US" sz="1000" kern="100" dirty="0" err="1" smtClean="0">
-                          <a:effectLst/>
-                        </a:rPr>
-                        <a:t>ita_install_package</a:t>
-                      </a:r>
-                      <a:r>
-                        <a:rPr lang="en-US" sz="1000" kern="100" dirty="0" smtClean="0">
-                          <a:effectLst/>
-                        </a:rPr>
-                        <a:t>/ext_files_for_CentOS7.x/</a:t>
-                      </a:r>
-                      <a:r>
-                        <a:rPr lang="en-US" sz="1000" kern="100" dirty="0" err="1" smtClean="0">
-                          <a:effectLst/>
-                        </a:rPr>
-                        <a:t>etc_pki_tls_certs</a:t>
-                      </a:r>
-                      <a:r>
-                        <a:rPr lang="en-US" sz="1000" kern="100" dirty="0">
-                          <a:effectLst/>
-                        </a:rPr>
-                        <a:t>/</a:t>
-                      </a:r>
-                      <a:endParaRPr lang="ja-JP" sz="1100" kern="100" dirty="0">
-                        <a:effectLst/>
-                        <a:latin typeface="Century" panose="02040604050505020304" pitchFamily="18" charset="0"/>
-                        <a:ea typeface="ＭＳ 明朝" panose="02020609040205080304" pitchFamily="17" charset="-128"/>
-                        <a:cs typeface="Times New Roman" panose="02020603050405020304" pitchFamily="18" charset="0"/>
-                      </a:endParaRPr>
-                    </a:p>
-                  </a:txBody>
-                  <a:tcPr marL="68580" marR="68580" marT="0" marB="0">
-                    <a:solidFill>
-                      <a:srgbClr val="CBCDD3"/>
-                    </a:solidFill>
-                  </a:tcPr>
-                </a:tc>
-                <a:tc>
-                  <a:txBody>
-                    <a:bodyPr/>
-                    <a:lstStyle/>
-                    <a:p>
-                      <a:pPr algn="l">
-                        <a:spcAft>
-                          <a:spcPts val="0"/>
-                        </a:spcAft>
-                      </a:pPr>
-                      <a:r>
-                        <a:rPr lang="en-US" sz="1100" kern="100" dirty="0" smtClean="0">
-                          <a:effectLst/>
-                        </a:rPr>
-                        <a:t>exastro-it-automation.crt</a:t>
-                      </a:r>
-                      <a:endParaRPr lang="ja-JP" sz="1100" kern="100" dirty="0">
-                        <a:effectLst/>
-                        <a:latin typeface="Century" panose="02040604050505020304" pitchFamily="18" charset="0"/>
-                        <a:ea typeface="ＭＳ 明朝" panose="02020609040205080304" pitchFamily="17" charset="-128"/>
-                        <a:cs typeface="Times New Roman" panose="02020603050405020304" pitchFamily="18" charset="0"/>
-                      </a:endParaRPr>
-                    </a:p>
-                  </a:txBody>
-                  <a:tcPr marL="68580" marR="68580" marT="0" marB="0">
-                    <a:solidFill>
-                      <a:srgbClr val="CBCDD3"/>
-                    </a:solidFill>
-                  </a:tcPr>
-                </a:tc>
-                <a:extLst>
-                  <a:ext uri="{0D108BD9-81ED-4DB2-BD59-A6C34878D82A}">
-                    <a16:rowId xmlns:a16="http://schemas.microsoft.com/office/drawing/2014/main" val="10001"/>
-                  </a:ext>
-                </a:extLst>
-              </a:tr>
-              <a:tr h="365208">
-                <a:tc>
-                  <a:txBody>
-                    <a:bodyPr/>
-                    <a:lstStyle/>
-                    <a:p>
-                      <a:pPr algn="l" latinLnBrk="1">
-                        <a:spcAft>
-                          <a:spcPts val="0"/>
-                        </a:spcAft>
-                      </a:pPr>
-                      <a:r>
-                        <a:rPr lang="en-US" sz="900" kern="100" dirty="0">
-                          <a:effectLst/>
-                        </a:rPr>
-                        <a:t>RHEL </a:t>
-                      </a:r>
-                      <a:r>
-                        <a:rPr lang="en-US" sz="900" kern="100" dirty="0" smtClean="0">
-                          <a:effectLst/>
-                        </a:rPr>
-                        <a:t>8, </a:t>
-                      </a:r>
-                      <a:r>
-                        <a:rPr lang="en-US" sz="900" kern="100" dirty="0">
-                          <a:effectLst/>
-                        </a:rPr>
-                        <a:t>CentOS </a:t>
-                      </a:r>
-                      <a:r>
-                        <a:rPr lang="en-US" sz="900" kern="100" dirty="0" smtClean="0">
-                          <a:effectLst/>
-                        </a:rPr>
-                        <a:t>8</a:t>
-                      </a:r>
-                      <a:r>
-                        <a:rPr lang="ja-JP" sz="900" kern="100" dirty="0" smtClean="0">
-                          <a:effectLst/>
-                        </a:rPr>
-                        <a:t>系</a:t>
-                      </a:r>
-                      <a:endParaRPr lang="ja-JP" sz="1050" kern="100" dirty="0">
-                        <a:effectLst/>
-                        <a:latin typeface="Century" panose="02040604050505020304" pitchFamily="18" charset="0"/>
-                        <a:ea typeface="ＭＳ 明朝" panose="02020609040205080304" pitchFamily="17" charset="-128"/>
-                        <a:cs typeface="Times New Roman" panose="02020603050405020304" pitchFamily="18" charset="0"/>
-                      </a:endParaRPr>
-                    </a:p>
-                  </a:txBody>
-                  <a:tcPr marL="68580" marR="68580" marT="0" marB="0" anchor="ctr">
-                    <a:solidFill>
-                      <a:srgbClr val="002B62"/>
-                    </a:solidFill>
-                  </a:tcPr>
-                </a:tc>
-                <a:tc>
-                  <a:txBody>
-                    <a:bodyPr/>
-                    <a:lstStyle/>
-                    <a:p>
-                      <a:pPr algn="l" latinLnBrk="1">
-                        <a:spcAft>
-                          <a:spcPts val="0"/>
-                        </a:spcAft>
-                      </a:pPr>
-                      <a:r>
-                        <a:rPr lang="en-US" sz="1000" kern="100" dirty="0">
-                          <a:effectLst/>
-                        </a:rPr>
-                        <a:t>/(</a:t>
-                      </a:r>
-                      <a:r>
-                        <a:rPr lang="ja-JP" sz="1000" kern="100" dirty="0">
-                          <a:effectLst/>
-                        </a:rPr>
-                        <a:t>インストール資材展開先</a:t>
-                      </a:r>
-                      <a:r>
-                        <a:rPr lang="en-US" sz="1000" kern="100" dirty="0" smtClean="0">
-                          <a:effectLst/>
-                        </a:rPr>
-                        <a:t>)/</a:t>
-                      </a:r>
-                      <a:r>
-                        <a:rPr lang="en-US" sz="1000" kern="100" dirty="0" err="1" smtClean="0">
-                          <a:effectLst/>
-                        </a:rPr>
-                        <a:t>ita_install_package</a:t>
-                      </a:r>
-                      <a:r>
-                        <a:rPr lang="en-US" sz="1000" kern="100" dirty="0" smtClean="0">
-                          <a:effectLst/>
-                        </a:rPr>
-                        <a:t>/ext_files_for_CentOS8.x/</a:t>
-                      </a:r>
-                      <a:r>
-                        <a:rPr lang="en-US" sz="1000" kern="100" dirty="0" err="1" smtClean="0">
-                          <a:effectLst/>
-                        </a:rPr>
-                        <a:t>etc_pki_tls_certs</a:t>
-                      </a:r>
-                      <a:r>
-                        <a:rPr lang="en-US" sz="1000" kern="100" dirty="0">
-                          <a:effectLst/>
-                        </a:rPr>
-                        <a:t>/</a:t>
-                      </a:r>
-                      <a:endParaRPr lang="ja-JP" sz="1100" kern="100" dirty="0">
-                        <a:effectLst/>
-                        <a:latin typeface="Century" panose="02040604050505020304" pitchFamily="18" charset="0"/>
-                        <a:ea typeface="ＭＳ 明朝" panose="02020609040205080304" pitchFamily="17" charset="-128"/>
-                        <a:cs typeface="Times New Roman" panose="02020603050405020304" pitchFamily="18" charset="0"/>
-                      </a:endParaRPr>
-                    </a:p>
-                  </a:txBody>
-                  <a:tcPr marL="68580" marR="68580" marT="0" marB="0">
-                    <a:solidFill>
-                      <a:srgbClr val="E7E8EA"/>
-                    </a:solidFill>
-                  </a:tcPr>
-                </a:tc>
-                <a:tc>
-                  <a:txBody>
-                    <a:bodyPr/>
-                    <a:lstStyle/>
-                    <a:p>
-                      <a:pPr algn="l">
-                        <a:spcAft>
-                          <a:spcPts val="0"/>
-                        </a:spcAft>
-                      </a:pPr>
-                      <a:r>
-                        <a:rPr lang="en-US" sz="1100" kern="100" dirty="0" smtClean="0">
-                          <a:effectLst/>
-                        </a:rPr>
-                        <a:t>exastro-it-automation.crt</a:t>
-                      </a:r>
-                      <a:endParaRPr lang="ja-JP" sz="1100" kern="100" dirty="0">
-                        <a:effectLst/>
-                        <a:latin typeface="Century" panose="02040604050505020304" pitchFamily="18" charset="0"/>
-                        <a:ea typeface="ＭＳ 明朝" panose="02020609040205080304" pitchFamily="17" charset="-128"/>
-                        <a:cs typeface="Times New Roman" panose="02020603050405020304" pitchFamily="18" charset="0"/>
-                      </a:endParaRPr>
-                    </a:p>
-                  </a:txBody>
-                  <a:tcPr marL="68580" marR="68580" marT="0" marB="0">
-                    <a:solidFill>
-                      <a:srgbClr val="E7E8EA"/>
-                    </a:solidFill>
-                  </a:tcPr>
-                </a:tc>
-                <a:extLst>
-                  <a:ext uri="{0D108BD9-81ED-4DB2-BD59-A6C34878D82A}">
-                    <a16:rowId xmlns:a16="http://schemas.microsoft.com/office/drawing/2014/main" val="10002"/>
-                  </a:ext>
-                </a:extLst>
-              </a:tr>
-            </a:tbl>
-          </a:graphicData>
-        </a:graphic>
-      </p:graphicFrame>
-    </p:spTree>
-    <p:extLst>
-      <p:ext uri="{BB962C8B-B14F-4D97-AF65-F5344CB8AC3E}">
-        <p14:creationId xmlns:p14="http://schemas.microsoft.com/office/powerpoint/2010/main" val="1247197732"/>
-      </p:ext>
-    </p:extLst>
-  </p:cSld>
-  <p:clrMapOvr>
-    <a:masterClrMapping/>
-  </p:clrMapOvr>
-  <p:timing>
-    <p:tnLst>
-      <p:par>
-        <p:cTn id="1" dur="indefinite" restart="never" nodeType="tmRoot"/>
-      </p:par>
-    </p:tnLst>
-  </p:timing>
-</p:sld>
-</file>
-
-<file path=ppt/slides/slide24.xml><?xml version="1.0" encoding="utf-8"?>
-<p:sld xmlns:a="http://schemas.openxmlformats.org/drawingml/2006/main" xmlns:r="http://schemas.openxmlformats.org/officeDocument/2006/relationships" xmlns:p="http://schemas.openxmlformats.org/presentationml/2006/main">
-  <p:cSld>
-    <p:spTree>
-      <p:nvGrpSpPr>
-        <p:cNvPr id="1" name=""/>
-        <p:cNvGrpSpPr/>
-        <p:nvPr/>
-      </p:nvGrpSpPr>
-      <p:grpSpPr>
-        <a:xfrm>
-          <a:off x="0" y="0"/>
-          <a:ext cx="0" cy="0"/>
-          <a:chOff x="0" y="0"/>
-          <a:chExt cx="0" cy="0"/>
-        </a:xfrm>
-      </p:grpSpPr>
-      <p:sp>
-        <p:nvSpPr>
-          <p:cNvPr id="2" name="タイトル 1"/>
-          <p:cNvSpPr>
-            <a:spLocks noGrp="1"/>
-          </p:cNvSpPr>
-          <p:nvPr>
-            <p:ph type="title"/>
-          </p:nvPr>
-        </p:nvSpPr>
-        <p:spPr/>
-        <p:txBody>
-          <a:bodyPr/>
-          <a:lstStyle/>
-          <a:p>
-            <a:r>
-              <a:rPr lang="en-US" altLang="ja-JP" dirty="0" smtClean="0"/>
-              <a:t>4.3</a:t>
-            </a:r>
-            <a:r>
-              <a:rPr lang="ja-JP" altLang="en-US" dirty="0"/>
-              <a:t>　動作確認</a:t>
-            </a:r>
-            <a:r>
-              <a:rPr lang="ja-JP" altLang="en-US" dirty="0" smtClean="0"/>
-              <a:t>（</a:t>
-            </a:r>
-            <a:r>
-              <a:rPr lang="en-US" altLang="ja-JP" dirty="0" smtClean="0"/>
-              <a:t>3/5</a:t>
-            </a:r>
-            <a:r>
-              <a:rPr lang="ja-JP" altLang="en-US" dirty="0"/>
-              <a:t>）</a:t>
-            </a:r>
-            <a:endParaRPr kumimoji="1" lang="ja-JP" altLang="en-US" dirty="0"/>
-          </a:p>
-        </p:txBody>
-      </p:sp>
-      <p:sp>
-        <p:nvSpPr>
-          <p:cNvPr id="3" name="コンテンツ プレースホルダー 2"/>
-          <p:cNvSpPr>
-            <a:spLocks noGrp="1"/>
-          </p:cNvSpPr>
-          <p:nvPr>
-            <p:ph sz="quarter" idx="10"/>
-          </p:nvPr>
-        </p:nvSpPr>
-        <p:spPr/>
-        <p:txBody>
-          <a:bodyPr>
-            <a:normAutofit/>
-          </a:bodyPr>
-          <a:lstStyle/>
-          <a:p>
-            <a:pPr lvl="0"/>
-            <a:r>
-              <a:rPr lang="en-US" altLang="ja-JP" dirty="0" smtClean="0"/>
-              <a:t>URL</a:t>
-            </a:r>
-            <a:r>
-              <a:rPr lang="ja-JP" altLang="en-US" dirty="0" smtClean="0"/>
-              <a:t>接続</a:t>
-            </a:r>
-            <a:endParaRPr lang="en-US" altLang="ja-JP" dirty="0" smtClean="0"/>
-          </a:p>
-          <a:p>
-            <a:pPr lvl="1"/>
-            <a:r>
-              <a:rPr lang="ja-JP" altLang="en-US" dirty="0" smtClean="0"/>
-              <a:t>以下の</a:t>
-            </a:r>
-            <a:r>
-              <a:rPr lang="en-US" altLang="ja-JP" dirty="0" smtClean="0"/>
-              <a:t>URL</a:t>
-            </a:r>
-            <a:r>
-              <a:rPr lang="ja-JP" altLang="en-US" dirty="0" smtClean="0"/>
-              <a:t>よ</a:t>
-            </a:r>
-            <a:r>
-              <a:rPr lang="ja-JP" altLang="en-US" dirty="0"/>
-              <a:t>り</a:t>
-            </a:r>
-            <a:r>
-              <a:rPr lang="ja-JP" altLang="en-US" dirty="0" smtClean="0"/>
-              <a:t>、ログイン画面にアクセスしてください。</a:t>
-            </a:r>
-            <a:endParaRPr lang="en-US" altLang="ja-JP" dirty="0" smtClean="0"/>
-          </a:p>
-          <a:p>
-            <a:pPr lvl="1"/>
-            <a:r>
-              <a:rPr lang="en-US" altLang="ja-JP" dirty="0" smtClean="0"/>
-              <a:t>URL</a:t>
-            </a:r>
-            <a:r>
-              <a:rPr lang="ja-JP" altLang="ja-JP" dirty="0"/>
-              <a:t>：</a:t>
-            </a:r>
-            <a:r>
-              <a:rPr lang="en-US" altLang="ja-JP" dirty="0">
-                <a:hlinkClick r:id="rId2"/>
-              </a:rPr>
-              <a:t>https</a:t>
-            </a:r>
-            <a:r>
-              <a:rPr lang="en-US" altLang="ja-JP" dirty="0" smtClean="0">
-                <a:hlinkClick r:id="rId2"/>
-              </a:rPr>
-              <a:t>://exastro-it-automation/</a:t>
-            </a:r>
-            <a:endParaRPr lang="en-US" altLang="ja-JP" dirty="0" smtClean="0"/>
-          </a:p>
-          <a:p>
-            <a:pPr lvl="1"/>
-            <a:endParaRPr kumimoji="1" lang="en-US" altLang="ja-JP" dirty="0" smtClean="0"/>
-          </a:p>
-          <a:p>
-            <a:pPr lvl="1"/>
-            <a:endParaRPr lang="en-US" altLang="ja-JP" dirty="0"/>
-          </a:p>
-          <a:p>
-            <a:pPr lvl="0"/>
-            <a:r>
-              <a:rPr lang="ja-JP" altLang="en-US" dirty="0" smtClean="0"/>
-              <a:t>ログイン</a:t>
-            </a:r>
-            <a:endParaRPr lang="en-US" altLang="ja-JP" dirty="0" smtClean="0"/>
-          </a:p>
-          <a:p>
-            <a:pPr lvl="1"/>
-            <a:r>
-              <a:rPr lang="en-US" altLang="ja-JP" dirty="0" smtClean="0"/>
-              <a:t>ITA</a:t>
-            </a:r>
-            <a:r>
-              <a:rPr lang="ja-JP" altLang="ja-JP" dirty="0" smtClean="0"/>
-              <a:t>の</a:t>
-            </a:r>
-            <a:r>
-              <a:rPr lang="ja-JP" altLang="ja-JP" dirty="0"/>
-              <a:t>ログイン画面が表示</a:t>
-            </a:r>
-            <a:r>
-              <a:rPr lang="ja-JP" altLang="ja-JP" dirty="0" smtClean="0"/>
-              <a:t>されたら</a:t>
-            </a:r>
-            <a:r>
-              <a:rPr lang="ja-JP" altLang="ja-JP" dirty="0"/>
-              <a:t>、指定のログイン</a:t>
-            </a:r>
-            <a:r>
-              <a:rPr lang="en-US" altLang="ja-JP" dirty="0"/>
-              <a:t>ID</a:t>
-            </a:r>
-            <a:r>
-              <a:rPr lang="ja-JP" altLang="ja-JP" dirty="0"/>
-              <a:t>、初期パスワードを入力</a:t>
-            </a:r>
-            <a:r>
-              <a:rPr lang="ja-JP" altLang="ja-JP" dirty="0" smtClean="0"/>
-              <a:t>して、</a:t>
-            </a:r>
-            <a:r>
-              <a:rPr lang="en-US" altLang="ja-JP" dirty="0" smtClean="0"/>
-              <a:t>[</a:t>
-            </a:r>
-            <a:r>
-              <a:rPr lang="ja-JP" altLang="ja-JP" dirty="0" smtClean="0"/>
-              <a:t>ログイン</a:t>
-            </a:r>
-            <a:r>
-              <a:rPr lang="en-US" altLang="ja-JP" dirty="0" smtClean="0"/>
-              <a:t>]</a:t>
-            </a:r>
-            <a:r>
-              <a:rPr lang="ja-JP" altLang="ja-JP" dirty="0" smtClean="0"/>
-              <a:t>ボタンをクリックしてください。</a:t>
-            </a:r>
-          </a:p>
-          <a:p>
-            <a:pPr marL="180000" lvl="1" indent="0">
-              <a:buNone/>
-            </a:pPr>
-            <a:r>
-              <a:rPr lang="ja-JP" altLang="ja-JP" dirty="0"/>
-              <a:t>　　・ログイン</a:t>
-            </a:r>
-            <a:r>
-              <a:rPr lang="en-US" altLang="ja-JP" dirty="0"/>
-              <a:t>ID</a:t>
-            </a:r>
-            <a:r>
-              <a:rPr lang="ja-JP" altLang="ja-JP" dirty="0"/>
-              <a:t>　　</a:t>
-            </a:r>
-            <a:r>
-              <a:rPr lang="ja-JP" altLang="ja-JP" dirty="0" smtClean="0"/>
-              <a:t>：</a:t>
-            </a:r>
-            <a:r>
-              <a:rPr lang="ja-JP" altLang="en-US" dirty="0" smtClean="0"/>
-              <a:t> </a:t>
-            </a:r>
-            <a:r>
-              <a:rPr lang="en-US" altLang="ja-JP" dirty="0" smtClean="0"/>
-              <a:t>administrator</a:t>
-            </a:r>
-            <a:endParaRPr lang="ja-JP" altLang="ja-JP" dirty="0"/>
-          </a:p>
-          <a:p>
-            <a:pPr marL="180000" lvl="1" indent="0">
-              <a:buNone/>
-            </a:pPr>
-            <a:r>
-              <a:rPr lang="ja-JP" altLang="ja-JP" dirty="0"/>
-              <a:t>　　・初期パスワード ： </a:t>
-            </a:r>
-            <a:r>
-              <a:rPr lang="en-US" altLang="ja-JP" dirty="0" smtClean="0"/>
-              <a:t>password</a:t>
-            </a:r>
-          </a:p>
-          <a:p>
-            <a:pPr marL="180000" lvl="1" indent="0">
-              <a:buNone/>
-            </a:pPr>
-            <a:endParaRPr lang="ja-JP" altLang="ja-JP" dirty="0"/>
-          </a:p>
-          <a:p>
-            <a:pPr lvl="1"/>
-            <a:r>
-              <a:rPr lang="ja-JP" altLang="ja-JP" dirty="0" smtClean="0"/>
-              <a:t>インストール後</a:t>
-            </a:r>
-            <a:r>
-              <a:rPr lang="ja-JP" altLang="ja-JP" dirty="0"/>
-              <a:t>に初めてログインした場合は、「パスワード変更画面」に遷移します。</a:t>
-            </a:r>
-          </a:p>
-          <a:p>
-            <a:pPr lvl="1"/>
-            <a:r>
-              <a:rPr lang="ja-JP" altLang="ja-JP" dirty="0"/>
-              <a:t>パスワード変更画面から、初期パスワードを変更してください</a:t>
-            </a:r>
-            <a:r>
-              <a:rPr lang="ja-JP" altLang="ja-JP" dirty="0" smtClean="0"/>
-              <a:t>。</a:t>
-            </a:r>
-            <a:endParaRPr lang="ja-JP" altLang="ja-JP" dirty="0"/>
-          </a:p>
-        </p:txBody>
-      </p:sp>
-    </p:spTree>
-    <p:extLst>
-      <p:ext uri="{BB962C8B-B14F-4D97-AF65-F5344CB8AC3E}">
-        <p14:creationId xmlns:p14="http://schemas.microsoft.com/office/powerpoint/2010/main" val="3808455558"/>
-      </p:ext>
-    </p:extLst>
-  </p:cSld>
-  <p:clrMapOvr>
-    <a:masterClrMapping/>
-  </p:clrMapOvr>
-  <p:timing>
-    <p:tnLst>
-      <p:par>
-        <p:cTn id="1" dur="indefinite" restart="never" nodeType="tmRoot"/>
-      </p:par>
-    </p:tnLst>
-  </p:timing>
-</p:sld>
-</file>
-
-<file path=ppt/slides/slide25.xml><?xml version="1.0" encoding="utf-8"?>
-<p:sld xmlns:a="http://schemas.openxmlformats.org/drawingml/2006/main" xmlns:r="http://schemas.openxmlformats.org/officeDocument/2006/relationships" xmlns:p="http://schemas.openxmlformats.org/presentationml/2006/main">
-  <p:cSld>
-    <p:spTree>
-      <p:nvGrpSpPr>
-        <p:cNvPr id="1" name=""/>
-        <p:cNvGrpSpPr/>
-        <p:nvPr/>
-      </p:nvGrpSpPr>
-      <p:grpSpPr>
-        <a:xfrm>
-          <a:off x="0" y="0"/>
-          <a:ext cx="0" cy="0"/>
-          <a:chOff x="0" y="0"/>
-          <a:chExt cx="0" cy="0"/>
-        </a:xfrm>
-      </p:grpSpPr>
       <p:pic>
         <p:nvPicPr>
-          <p:cNvPr id="15" name="図 14"/>
+          <p:cNvPr id="10" name="図 9"/>
           <p:cNvPicPr>
             <a:picLocks noChangeAspect="1"/>
           </p:cNvPicPr>
@@ -27650,8 +26456,8 @@
         </p:blipFill>
         <p:spPr>
           <a:xfrm>
-            <a:off x="1983073" y="1964033"/>
-            <a:ext cx="5649847" cy="2926539"/>
+            <a:off x="2066609" y="1955935"/>
+            <a:ext cx="5112710" cy="2648310"/>
           </a:xfrm>
           <a:prstGeom prst="rect">
             <a:avLst/>
@@ -27675,7 +26481,7 @@
           <a:p>
             <a:r>
               <a:rPr lang="en-US" altLang="ja-JP" dirty="0" smtClean="0"/>
-              <a:t>4.4</a:t>
+              <a:t>4.2</a:t>
             </a:r>
             <a:r>
               <a:rPr lang="ja-JP" altLang="en-US" dirty="0"/>
@@ -27687,10 +26493,10 @@
             </a:r>
             <a:r>
               <a:rPr lang="en-US" altLang="ja-JP" dirty="0" smtClean="0"/>
-              <a:t>4/5</a:t>
-            </a:r>
-            <a:r>
-              <a:rPr lang="ja-JP" altLang="en-US" dirty="0"/>
+              <a:t>2/6</a:t>
+            </a:r>
+            <a:r>
+              <a:rPr lang="ja-JP" altLang="en-US" dirty="0" smtClean="0"/>
               <a:t>）</a:t>
             </a:r>
             <a:endParaRPr kumimoji="1" lang="ja-JP" altLang="en-US" dirty="0"/>
@@ -27740,8 +26546,8 @@
         </p:nvCxnSpPr>
         <p:spPr bwMode="auto">
           <a:xfrm flipH="1">
-            <a:off x="2072861" y="2924175"/>
-            <a:ext cx="2349914" cy="711830"/>
+            <a:off x="2072861" y="2780910"/>
+            <a:ext cx="2139089" cy="855095"/>
           </a:xfrm>
           <a:prstGeom prst="line">
             <a:avLst/>
@@ -27782,8 +26588,8 @@
         </p:nvCxnSpPr>
         <p:spPr bwMode="auto">
           <a:xfrm>
-            <a:off x="4418455" y="2924802"/>
-            <a:ext cx="1188000" cy="0"/>
+            <a:off x="4211950" y="2780910"/>
+            <a:ext cx="1008140" cy="0"/>
           </a:xfrm>
           <a:prstGeom prst="line">
             <a:avLst/>
@@ -27929,8 +26735,8 @@
         </p:nvCxnSpPr>
         <p:spPr bwMode="auto">
           <a:xfrm flipH="1">
-            <a:off x="2072858" y="3105015"/>
-            <a:ext cx="2355122" cy="1040704"/>
+            <a:off x="2072858" y="2996940"/>
+            <a:ext cx="2139092" cy="1148779"/>
           </a:xfrm>
           <a:prstGeom prst="line">
             <a:avLst/>
@@ -27971,8 +26777,8 @@
         </p:nvCxnSpPr>
         <p:spPr bwMode="auto">
           <a:xfrm>
-            <a:off x="4421630" y="3108195"/>
-            <a:ext cx="1188000" cy="0"/>
+            <a:off x="4211950" y="2996940"/>
+            <a:ext cx="1008140" cy="0"/>
           </a:xfrm>
           <a:prstGeom prst="line">
             <a:avLst/>
@@ -28092,7 +26898,1277 @@
     </p:spTree>
     <p:extLst>
       <p:ext uri="{BB962C8B-B14F-4D97-AF65-F5344CB8AC3E}">
-        <p14:creationId xmlns:p14="http://schemas.microsoft.com/office/powerpoint/2010/main" val="2068280752"/>
+        <p14:creationId xmlns:p14="http://schemas.microsoft.com/office/powerpoint/2010/main" val="1176338614"/>
+      </p:ext>
+    </p:extLst>
+  </p:cSld>
+  <p:clrMapOvr>
+    <a:masterClrMapping/>
+  </p:clrMapOvr>
+  <p:timing>
+    <p:tnLst>
+      <p:par>
+        <p:cTn id="1" dur="indefinite" restart="never" nodeType="tmRoot"/>
+      </p:par>
+    </p:tnLst>
+  </p:timing>
+</p:sld>
+</file>
+
+<file path=ppt/slides/slide24.xml><?xml version="1.0" encoding="utf-8"?>
+<p:sld xmlns:a="http://schemas.openxmlformats.org/drawingml/2006/main" xmlns:r="http://schemas.openxmlformats.org/officeDocument/2006/relationships" xmlns:p="http://schemas.openxmlformats.org/presentationml/2006/main">
+  <p:cSld>
+    <p:spTree>
+      <p:nvGrpSpPr>
+        <p:cNvPr id="1" name=""/>
+        <p:cNvGrpSpPr/>
+        <p:nvPr/>
+      </p:nvGrpSpPr>
+      <p:grpSpPr>
+        <a:xfrm>
+          <a:off x="0" y="0"/>
+          <a:ext cx="0" cy="0"/>
+          <a:chOff x="0" y="0"/>
+          <a:chExt cx="0" cy="0"/>
+        </a:xfrm>
+      </p:grpSpPr>
+      <p:sp>
+        <p:nvSpPr>
+          <p:cNvPr id="2" name="タイトル 1"/>
+          <p:cNvSpPr>
+            <a:spLocks noGrp="1"/>
+          </p:cNvSpPr>
+          <p:nvPr>
+            <p:ph type="title"/>
+          </p:nvPr>
+        </p:nvSpPr>
+        <p:spPr/>
+        <p:txBody>
+          <a:bodyPr/>
+          <a:lstStyle/>
+          <a:p>
+            <a:r>
+              <a:rPr lang="en-US" altLang="ja-JP" dirty="0" smtClean="0"/>
+              <a:t>4.3</a:t>
+            </a:r>
+            <a:r>
+              <a:rPr lang="ja-JP" altLang="en-US" dirty="0"/>
+              <a:t>　動作確認</a:t>
+            </a:r>
+            <a:r>
+              <a:rPr lang="ja-JP" altLang="en-US" dirty="0" smtClean="0"/>
+              <a:t>（</a:t>
+            </a:r>
+            <a:r>
+              <a:rPr lang="en-US" altLang="ja-JP" dirty="0" smtClean="0"/>
+              <a:t>3/6</a:t>
+            </a:r>
+            <a:r>
+              <a:rPr lang="ja-JP" altLang="en-US" dirty="0" smtClean="0"/>
+              <a:t>）</a:t>
+            </a:r>
+            <a:endParaRPr kumimoji="1" lang="ja-JP" altLang="en-US" dirty="0"/>
+          </a:p>
+        </p:txBody>
+      </p:sp>
+      <p:sp>
+        <p:nvSpPr>
+          <p:cNvPr id="3" name="コンテンツ プレースホルダー 2"/>
+          <p:cNvSpPr>
+            <a:spLocks noGrp="1"/>
+          </p:cNvSpPr>
+          <p:nvPr>
+            <p:ph sz="quarter" idx="10"/>
+          </p:nvPr>
+        </p:nvSpPr>
+        <p:spPr/>
+        <p:txBody>
+          <a:bodyPr>
+            <a:normAutofit/>
+          </a:bodyPr>
+          <a:lstStyle/>
+          <a:p>
+            <a:pPr lvl="0"/>
+            <a:r>
+              <a:rPr lang="ja-JP" altLang="ja-JP" dirty="0"/>
+              <a:t>各メニューの表示による内容</a:t>
+            </a:r>
+            <a:r>
+              <a:rPr lang="ja-JP" altLang="ja-JP" dirty="0" smtClean="0"/>
+              <a:t>確認</a:t>
+            </a:r>
+            <a:endParaRPr lang="en-US" altLang="ja-JP" dirty="0" smtClean="0"/>
+          </a:p>
+          <a:p>
+            <a:pPr lvl="1"/>
+            <a:r>
+              <a:rPr lang="ja-JP" altLang="en-US" dirty="0" smtClean="0"/>
+              <a:t>ログイン後、</a:t>
+            </a:r>
+            <a:r>
+              <a:rPr lang="ja-JP" altLang="ja-JP" dirty="0" smtClean="0"/>
+              <a:t>以下</a:t>
+            </a:r>
+            <a:r>
+              <a:rPr lang="ja-JP" altLang="ja-JP" dirty="0"/>
+              <a:t>のメニューが正常に表示されることを確認してください。</a:t>
+            </a:r>
+          </a:p>
+          <a:p>
+            <a:pPr lvl="1"/>
+            <a:endParaRPr kumimoji="1" lang="en-US" altLang="ja-JP" dirty="0" smtClean="0"/>
+          </a:p>
+          <a:p>
+            <a:pPr lvl="1"/>
+            <a:endParaRPr lang="en-US" altLang="ja-JP" dirty="0"/>
+          </a:p>
+          <a:p>
+            <a:pPr lvl="1"/>
+            <a:endParaRPr kumimoji="1" lang="en-US" altLang="ja-JP" dirty="0" smtClean="0"/>
+          </a:p>
+          <a:p>
+            <a:pPr lvl="1"/>
+            <a:endParaRPr lang="en-US" altLang="ja-JP" dirty="0"/>
+          </a:p>
+          <a:p>
+            <a:pPr lvl="1"/>
+            <a:endParaRPr kumimoji="1" lang="en-US" altLang="ja-JP" dirty="0" smtClean="0"/>
+          </a:p>
+          <a:p>
+            <a:pPr lvl="1"/>
+            <a:endParaRPr lang="en-US" altLang="ja-JP" dirty="0"/>
+          </a:p>
+          <a:p>
+            <a:pPr lvl="1"/>
+            <a:endParaRPr kumimoji="1" lang="en-US" altLang="ja-JP" dirty="0" smtClean="0"/>
+          </a:p>
+          <a:p>
+            <a:pPr lvl="1"/>
+            <a:endParaRPr lang="en-US" altLang="ja-JP" dirty="0"/>
+          </a:p>
+          <a:p>
+            <a:pPr marL="180000" lvl="1" indent="0">
+              <a:buNone/>
+            </a:pPr>
+            <a:endParaRPr kumimoji="1" lang="en-US" altLang="ja-JP" dirty="0" smtClean="0"/>
+          </a:p>
+          <a:p>
+            <a:pPr marL="180000" lvl="1" indent="0">
+              <a:buNone/>
+            </a:pPr>
+            <a:endParaRPr kumimoji="1" lang="en-US" altLang="ja-JP" dirty="0" smtClean="0"/>
+          </a:p>
+        </p:txBody>
+      </p:sp>
+      <p:graphicFrame>
+        <p:nvGraphicFramePr>
+          <p:cNvPr id="6" name="表 5"/>
+          <p:cNvGraphicFramePr>
+            <a:graphicFrameLocks noGrp="1"/>
+          </p:cNvGraphicFramePr>
+          <p:nvPr>
+            <p:extLst/>
+          </p:nvPr>
+        </p:nvGraphicFramePr>
+        <p:xfrm>
+          <a:off x="1259540" y="1628750"/>
+          <a:ext cx="6624920" cy="2479614"/>
+        </p:xfrm>
+        <a:graphic>
+          <a:graphicData uri="http://schemas.openxmlformats.org/drawingml/2006/table">
+            <a:tbl>
+              <a:tblPr firstRow="1" firstCol="1" bandRow="1">
+                <a:tableStyleId>{5C22544A-7EE6-4342-B048-85BDC9FD1C3A}</a:tableStyleId>
+              </a:tblPr>
+              <a:tblGrid>
+                <a:gridCol w="3312460">
+                  <a:extLst>
+                    <a:ext uri="{9D8B030D-6E8A-4147-A177-3AD203B41FA5}">
+                      <a16:colId xmlns:a16="http://schemas.microsoft.com/office/drawing/2014/main" val="20000"/>
+                    </a:ext>
+                  </a:extLst>
+                </a:gridCol>
+                <a:gridCol w="3312460">
+                  <a:extLst>
+                    <a:ext uri="{9D8B030D-6E8A-4147-A177-3AD203B41FA5}">
+                      <a16:colId xmlns:a16="http://schemas.microsoft.com/office/drawing/2014/main" val="20001"/>
+                    </a:ext>
+                  </a:extLst>
+                </a:gridCol>
+              </a:tblGrid>
+              <a:tr h="425478">
+                <a:tc>
+                  <a:txBody>
+                    <a:bodyPr/>
+                    <a:lstStyle/>
+                    <a:p>
+                      <a:pPr algn="ctr">
+                        <a:spcAft>
+                          <a:spcPts val="0"/>
+                        </a:spcAft>
+                      </a:pPr>
+                      <a:r>
+                        <a:rPr lang="ja-JP" sz="1050" kern="100" dirty="0">
+                          <a:effectLst/>
+                        </a:rPr>
+                        <a:t>機能</a:t>
+                      </a:r>
+                      <a:endParaRPr lang="ja-JP" sz="1050" kern="100" dirty="0">
+                        <a:effectLst/>
+                        <a:latin typeface="Century" panose="02040604050505020304" pitchFamily="18" charset="0"/>
+                        <a:ea typeface="ＭＳ 明朝" panose="02020609040205080304" pitchFamily="17" charset="-128"/>
+                        <a:cs typeface="Times New Roman" panose="02020603050405020304" pitchFamily="18" charset="0"/>
+                      </a:endParaRPr>
+                    </a:p>
+                  </a:txBody>
+                  <a:tcPr marL="68580" marR="68580" marT="0" marB="0" anchor="ctr">
+                    <a:solidFill>
+                      <a:srgbClr val="002B62"/>
+                    </a:solidFill>
+                  </a:tcPr>
+                </a:tc>
+                <a:tc>
+                  <a:txBody>
+                    <a:bodyPr/>
+                    <a:lstStyle/>
+                    <a:p>
+                      <a:pPr algn="ctr">
+                        <a:spcAft>
+                          <a:spcPts val="0"/>
+                        </a:spcAft>
+                      </a:pPr>
+                      <a:r>
+                        <a:rPr lang="ja-JP" sz="1050" kern="100" dirty="0">
+                          <a:effectLst/>
+                        </a:rPr>
+                        <a:t>メニュー</a:t>
+                      </a:r>
+                      <a:endParaRPr lang="ja-JP" sz="1050" kern="100" dirty="0">
+                        <a:effectLst/>
+                        <a:latin typeface="Century" panose="02040604050505020304" pitchFamily="18" charset="0"/>
+                        <a:ea typeface="ＭＳ 明朝" panose="02020609040205080304" pitchFamily="17" charset="-128"/>
+                        <a:cs typeface="Times New Roman" panose="02020603050405020304" pitchFamily="18" charset="0"/>
+                      </a:endParaRPr>
+                    </a:p>
+                  </a:txBody>
+                  <a:tcPr marL="68580" marR="68580" marT="0" marB="0" anchor="ctr">
+                    <a:solidFill>
+                      <a:srgbClr val="002B62"/>
+                    </a:solidFill>
+                  </a:tcPr>
+                </a:tc>
+                <a:extLst>
+                  <a:ext uri="{0D108BD9-81ED-4DB2-BD59-A6C34878D82A}">
+                    <a16:rowId xmlns:a16="http://schemas.microsoft.com/office/drawing/2014/main" val="10000"/>
+                  </a:ext>
+                </a:extLst>
+              </a:tr>
+              <a:tr h="256767">
+                <a:tc rowSpan="3">
+                  <a:txBody>
+                    <a:bodyPr/>
+                    <a:lstStyle/>
+                    <a:p>
+                      <a:pPr algn="l">
+                        <a:spcAft>
+                          <a:spcPts val="0"/>
+                        </a:spcAft>
+                      </a:pPr>
+                      <a:r>
+                        <a:rPr lang="en-US" altLang="ja-JP" sz="1050" kern="100" dirty="0" smtClean="0">
+                          <a:effectLst/>
+                        </a:rPr>
+                        <a:t>ITA</a:t>
+                      </a:r>
+                      <a:r>
+                        <a:rPr lang="ja-JP" sz="1050" kern="100" dirty="0" smtClean="0">
+                          <a:effectLst/>
+                        </a:rPr>
+                        <a:t>本体</a:t>
+                      </a:r>
+                      <a:endParaRPr lang="ja-JP" sz="1050" kern="100" dirty="0">
+                        <a:effectLst/>
+                        <a:latin typeface="Century" panose="02040604050505020304" pitchFamily="18" charset="0"/>
+                        <a:ea typeface="ＭＳ 明朝" panose="02020609040205080304" pitchFamily="17" charset="-128"/>
+                        <a:cs typeface="Times New Roman" panose="02020603050405020304" pitchFamily="18" charset="0"/>
+                      </a:endParaRPr>
+                    </a:p>
+                  </a:txBody>
+                  <a:tcPr marL="68580" marR="68580" marT="0" marB="0" anchor="ctr">
+                    <a:solidFill>
+                      <a:srgbClr val="002B62"/>
+                    </a:solidFill>
+                  </a:tcPr>
+                </a:tc>
+                <a:tc>
+                  <a:txBody>
+                    <a:bodyPr/>
+                    <a:lstStyle/>
+                    <a:p>
+                      <a:pPr algn="l">
+                        <a:spcAft>
+                          <a:spcPts val="0"/>
+                        </a:spcAft>
+                      </a:pPr>
+                      <a:r>
+                        <a:rPr lang="ja-JP" sz="1050" kern="100" dirty="0">
+                          <a:effectLst/>
+                        </a:rPr>
+                        <a:t>管理コンソール</a:t>
+                      </a:r>
+                      <a:endParaRPr lang="ja-JP" sz="1050" kern="100" dirty="0">
+                        <a:effectLst/>
+                        <a:latin typeface="Century" panose="02040604050505020304" pitchFamily="18" charset="0"/>
+                        <a:ea typeface="ＭＳ 明朝" panose="02020609040205080304" pitchFamily="17" charset="-128"/>
+                        <a:cs typeface="Times New Roman" panose="02020603050405020304" pitchFamily="18" charset="0"/>
+                      </a:endParaRPr>
+                    </a:p>
+                  </a:txBody>
+                  <a:tcPr marL="68580" marR="68580" marT="0" marB="0" anchor="ctr">
+                    <a:solidFill>
+                      <a:srgbClr val="CBCDD3"/>
+                    </a:solidFill>
+                  </a:tcPr>
+                </a:tc>
+                <a:extLst>
+                  <a:ext uri="{0D108BD9-81ED-4DB2-BD59-A6C34878D82A}">
+                    <a16:rowId xmlns:a16="http://schemas.microsoft.com/office/drawing/2014/main" val="10001"/>
+                  </a:ext>
+                </a:extLst>
+              </a:tr>
+              <a:tr h="256767">
+                <a:tc vMerge="1">
+                  <a:txBody>
+                    <a:bodyPr/>
+                    <a:lstStyle/>
+                    <a:p>
+                      <a:endParaRPr kumimoji="1" lang="ja-JP" altLang="en-US"/>
+                    </a:p>
+                  </a:txBody>
+                  <a:tcPr/>
+                </a:tc>
+                <a:tc>
+                  <a:txBody>
+                    <a:bodyPr/>
+                    <a:lstStyle/>
+                    <a:p>
+                      <a:pPr algn="l">
+                        <a:spcAft>
+                          <a:spcPts val="0"/>
+                        </a:spcAft>
+                      </a:pPr>
+                      <a:r>
+                        <a:rPr lang="ja-JP" sz="1050" kern="100" dirty="0">
+                          <a:effectLst/>
+                        </a:rPr>
+                        <a:t>基本</a:t>
+                      </a:r>
+                      <a:r>
+                        <a:rPr lang="ja-JP" sz="1050" kern="100" dirty="0" smtClean="0">
+                          <a:effectLst/>
+                        </a:rPr>
+                        <a:t>コンソール</a:t>
+                      </a:r>
+                      <a:endParaRPr lang="ja-JP" sz="1050" kern="100" dirty="0">
+                        <a:effectLst/>
+                        <a:latin typeface="Century" panose="02040604050505020304" pitchFamily="18" charset="0"/>
+                        <a:ea typeface="ＭＳ 明朝" panose="02020609040205080304" pitchFamily="17" charset="-128"/>
+                        <a:cs typeface="Times New Roman" panose="02020603050405020304" pitchFamily="18" charset="0"/>
+                      </a:endParaRPr>
+                    </a:p>
+                  </a:txBody>
+                  <a:tcPr marL="68580" marR="68580" marT="0" marB="0" anchor="ctr">
+                    <a:solidFill>
+                      <a:srgbClr val="E7E8EA"/>
+                    </a:solidFill>
+                  </a:tcPr>
+                </a:tc>
+                <a:extLst>
+                  <a:ext uri="{0D108BD9-81ED-4DB2-BD59-A6C34878D82A}">
+                    <a16:rowId xmlns:a16="http://schemas.microsoft.com/office/drawing/2014/main" val="10002"/>
+                  </a:ext>
+                </a:extLst>
+              </a:tr>
+              <a:tr h="256767">
+                <a:tc vMerge="1">
+                  <a:txBody>
+                    <a:bodyPr/>
+                    <a:lstStyle/>
+                    <a:p>
+                      <a:pPr algn="l">
+                        <a:spcAft>
+                          <a:spcPts val="0"/>
+                        </a:spcAft>
+                      </a:pPr>
+                      <a:endParaRPr lang="ja-JP" sz="1050" kern="100" dirty="0">
+                        <a:effectLst/>
+                        <a:latin typeface="Century" panose="02040604050505020304" pitchFamily="18" charset="0"/>
+                        <a:ea typeface="ＭＳ 明朝" panose="02020609040205080304" pitchFamily="17" charset="-128"/>
+                        <a:cs typeface="Times New Roman" panose="02020603050405020304" pitchFamily="18" charset="0"/>
+                      </a:endParaRPr>
+                    </a:p>
+                  </a:txBody>
+                  <a:tcPr marL="68580" marR="68580" marT="0" marB="0" anchor="ctr">
+                    <a:solidFill>
+                      <a:srgbClr val="002B62"/>
+                    </a:solidFill>
+                  </a:tcPr>
+                </a:tc>
+                <a:tc>
+                  <a:txBody>
+                    <a:bodyPr/>
+                    <a:lstStyle/>
+                    <a:p>
+                      <a:pPr algn="l">
+                        <a:spcAft>
+                          <a:spcPts val="0"/>
+                        </a:spcAft>
+                      </a:pPr>
+                      <a:r>
+                        <a:rPr lang="ja-JP" altLang="en-US" sz="1050" kern="100" dirty="0" smtClean="0">
+                          <a:effectLst/>
+                        </a:rPr>
+                        <a:t>エクスポート</a:t>
+                      </a:r>
+                      <a:r>
+                        <a:rPr lang="en-US" altLang="ja-JP" sz="1050" kern="100" dirty="0" smtClean="0">
+                          <a:effectLst/>
+                        </a:rPr>
+                        <a:t>/</a:t>
+                      </a:r>
+                      <a:r>
+                        <a:rPr lang="ja-JP" altLang="en-US" sz="1050" kern="100" dirty="0" smtClean="0">
+                          <a:effectLst/>
+                        </a:rPr>
+                        <a:t>インポート</a:t>
+                      </a:r>
+                      <a:endParaRPr lang="ja-JP" altLang="ja-JP" sz="1050" kern="100" dirty="0">
+                        <a:effectLst/>
+                        <a:latin typeface="Century" panose="02040604050505020304" pitchFamily="18" charset="0"/>
+                        <a:ea typeface="ＭＳ 明朝" panose="02020609040205080304" pitchFamily="17" charset="-128"/>
+                        <a:cs typeface="Times New Roman" panose="02020603050405020304" pitchFamily="18" charset="0"/>
+                      </a:endParaRPr>
+                    </a:p>
+                  </a:txBody>
+                  <a:tcPr marL="68580" marR="68580" marT="0" marB="0" anchor="ctr">
+                    <a:solidFill>
+                      <a:srgbClr val="E7E8EA"/>
+                    </a:solidFill>
+                  </a:tcPr>
+                </a:tc>
+                <a:extLst>
+                  <a:ext uri="{0D108BD9-81ED-4DB2-BD59-A6C34878D82A}">
+                    <a16:rowId xmlns:a16="http://schemas.microsoft.com/office/drawing/2014/main" val="2197021021"/>
+                  </a:ext>
+                </a:extLst>
+              </a:tr>
+              <a:tr h="256767">
+                <a:tc>
+                  <a:txBody>
+                    <a:bodyPr/>
+                    <a:lstStyle/>
+                    <a:p>
+                      <a:pPr algn="l">
+                        <a:spcAft>
+                          <a:spcPts val="0"/>
+                        </a:spcAft>
+                      </a:pPr>
+                      <a:r>
+                        <a:rPr lang="ja-JP" altLang="en-US" sz="1050" kern="100" dirty="0" smtClean="0">
+                          <a:effectLst/>
+                        </a:rPr>
+                        <a:t>メニュー</a:t>
+                      </a:r>
+                      <a:r>
+                        <a:rPr lang="ja-JP" sz="1050" kern="100" dirty="0" smtClean="0">
+                          <a:effectLst/>
+                        </a:rPr>
+                        <a:t>作成</a:t>
+                      </a:r>
+                      <a:endParaRPr lang="ja-JP" sz="1050" kern="100" dirty="0">
+                        <a:effectLst/>
+                        <a:latin typeface="Century" panose="02040604050505020304" pitchFamily="18" charset="0"/>
+                        <a:ea typeface="ＭＳ 明朝" panose="02020609040205080304" pitchFamily="17" charset="-128"/>
+                        <a:cs typeface="Times New Roman" panose="02020603050405020304" pitchFamily="18" charset="0"/>
+                      </a:endParaRPr>
+                    </a:p>
+                  </a:txBody>
+                  <a:tcPr marL="68580" marR="68580" marT="0" marB="0" anchor="ctr">
+                    <a:solidFill>
+                      <a:srgbClr val="002B62"/>
+                    </a:solidFill>
+                  </a:tcPr>
+                </a:tc>
+                <a:tc>
+                  <a:txBody>
+                    <a:bodyPr/>
+                    <a:lstStyle/>
+                    <a:p>
+                      <a:pPr algn="l">
+                        <a:spcAft>
+                          <a:spcPts val="0"/>
+                        </a:spcAft>
+                      </a:pPr>
+                      <a:r>
+                        <a:rPr lang="ja-JP" altLang="en-US" sz="1050" kern="100" dirty="0" smtClean="0">
+                          <a:effectLst/>
+                        </a:rPr>
+                        <a:t>メニュー</a:t>
+                      </a:r>
+                      <a:r>
+                        <a:rPr lang="ja-JP" sz="1050" kern="100" dirty="0" smtClean="0">
+                          <a:effectLst/>
+                        </a:rPr>
+                        <a:t>作成</a:t>
+                      </a:r>
+                      <a:endParaRPr lang="ja-JP" sz="1050" kern="100" dirty="0">
+                        <a:effectLst/>
+                        <a:latin typeface="Century" panose="02040604050505020304" pitchFamily="18" charset="0"/>
+                        <a:ea typeface="ＭＳ 明朝" panose="02020609040205080304" pitchFamily="17" charset="-128"/>
+                        <a:cs typeface="Times New Roman" panose="02020603050405020304" pitchFamily="18" charset="0"/>
+                      </a:endParaRPr>
+                    </a:p>
+                  </a:txBody>
+                  <a:tcPr marL="68580" marR="68580" marT="0" marB="0" anchor="ctr">
+                    <a:solidFill>
+                      <a:srgbClr val="CBCDD3"/>
+                    </a:solidFill>
+                  </a:tcPr>
+                </a:tc>
+                <a:extLst>
+                  <a:ext uri="{0D108BD9-81ED-4DB2-BD59-A6C34878D82A}">
+                    <a16:rowId xmlns:a16="http://schemas.microsoft.com/office/drawing/2014/main" val="10003"/>
+                  </a:ext>
+                </a:extLst>
+              </a:tr>
+              <a:tr h="256767">
+                <a:tc rowSpan="4">
+                  <a:txBody>
+                    <a:bodyPr/>
+                    <a:lstStyle/>
+                    <a:p>
+                      <a:pPr algn="l">
+                        <a:spcAft>
+                          <a:spcPts val="0"/>
+                        </a:spcAft>
+                      </a:pPr>
+                      <a:r>
+                        <a:rPr lang="en-US" sz="1050" kern="100" dirty="0">
+                          <a:effectLst/>
+                        </a:rPr>
+                        <a:t>Ansible </a:t>
+                      </a:r>
+                      <a:r>
+                        <a:rPr lang="ja-JP" sz="1050" kern="100" dirty="0">
+                          <a:effectLst/>
+                        </a:rPr>
+                        <a:t>ドライバー</a:t>
+                      </a:r>
+                      <a:endParaRPr lang="ja-JP" sz="1050" kern="100" dirty="0">
+                        <a:effectLst/>
+                        <a:latin typeface="Century" panose="02040604050505020304" pitchFamily="18" charset="0"/>
+                        <a:ea typeface="ＭＳ 明朝" panose="02020609040205080304" pitchFamily="17" charset="-128"/>
+                        <a:cs typeface="Times New Roman" panose="02020603050405020304" pitchFamily="18" charset="0"/>
+                      </a:endParaRPr>
+                    </a:p>
+                  </a:txBody>
+                  <a:tcPr marL="68580" marR="68580" marT="0" marB="0" anchor="ctr">
+                    <a:solidFill>
+                      <a:srgbClr val="002B62"/>
+                    </a:solidFill>
+                  </a:tcPr>
+                </a:tc>
+                <a:tc>
+                  <a:txBody>
+                    <a:bodyPr/>
+                    <a:lstStyle/>
+                    <a:p>
+                      <a:pPr algn="l">
+                        <a:spcAft>
+                          <a:spcPts val="0"/>
+                        </a:spcAft>
+                      </a:pPr>
+                      <a:r>
+                        <a:rPr lang="en-US" sz="1050" kern="100" dirty="0">
+                          <a:effectLst/>
+                        </a:rPr>
+                        <a:t>Ansible</a:t>
+                      </a:r>
+                      <a:r>
+                        <a:rPr lang="ja-JP" sz="1050" kern="100" dirty="0">
+                          <a:effectLst/>
+                        </a:rPr>
+                        <a:t>共通</a:t>
+                      </a:r>
+                      <a:endParaRPr lang="ja-JP" sz="1050" kern="100" dirty="0">
+                        <a:effectLst/>
+                        <a:latin typeface="Century" panose="02040604050505020304" pitchFamily="18" charset="0"/>
+                        <a:ea typeface="ＭＳ 明朝" panose="02020609040205080304" pitchFamily="17" charset="-128"/>
+                        <a:cs typeface="Times New Roman" panose="02020603050405020304" pitchFamily="18" charset="0"/>
+                      </a:endParaRPr>
+                    </a:p>
+                  </a:txBody>
+                  <a:tcPr marL="68580" marR="68580" marT="0" marB="0" anchor="ctr">
+                    <a:solidFill>
+                      <a:srgbClr val="CBCDD3"/>
+                    </a:solidFill>
+                  </a:tcPr>
+                </a:tc>
+                <a:extLst>
+                  <a:ext uri="{0D108BD9-81ED-4DB2-BD59-A6C34878D82A}">
+                    <a16:rowId xmlns:a16="http://schemas.microsoft.com/office/drawing/2014/main" val="10005"/>
+                  </a:ext>
+                </a:extLst>
+              </a:tr>
+              <a:tr h="256767">
+                <a:tc vMerge="1">
+                  <a:txBody>
+                    <a:bodyPr/>
+                    <a:lstStyle/>
+                    <a:p>
+                      <a:endParaRPr kumimoji="1" lang="ja-JP" altLang="en-US"/>
+                    </a:p>
+                  </a:txBody>
+                  <a:tcPr/>
+                </a:tc>
+                <a:tc>
+                  <a:txBody>
+                    <a:bodyPr/>
+                    <a:lstStyle/>
+                    <a:p>
+                      <a:pPr algn="l">
+                        <a:spcAft>
+                          <a:spcPts val="0"/>
+                        </a:spcAft>
+                      </a:pPr>
+                      <a:r>
+                        <a:rPr lang="en-US" sz="1050" kern="100" dirty="0">
+                          <a:effectLst/>
+                        </a:rPr>
+                        <a:t>Ansible-Legacy</a:t>
+                      </a:r>
+                      <a:endParaRPr lang="ja-JP" sz="1050" kern="100" dirty="0">
+                        <a:effectLst/>
+                        <a:latin typeface="Century" panose="02040604050505020304" pitchFamily="18" charset="0"/>
+                        <a:ea typeface="ＭＳ 明朝" panose="02020609040205080304" pitchFamily="17" charset="-128"/>
+                        <a:cs typeface="Times New Roman" panose="02020603050405020304" pitchFamily="18" charset="0"/>
+                      </a:endParaRPr>
+                    </a:p>
+                  </a:txBody>
+                  <a:tcPr marL="68580" marR="68580" marT="0" marB="0" anchor="ctr">
+                    <a:solidFill>
+                      <a:srgbClr val="E7E8EA"/>
+                    </a:solidFill>
+                  </a:tcPr>
+                </a:tc>
+                <a:extLst>
+                  <a:ext uri="{0D108BD9-81ED-4DB2-BD59-A6C34878D82A}">
+                    <a16:rowId xmlns:a16="http://schemas.microsoft.com/office/drawing/2014/main" val="10006"/>
+                  </a:ext>
+                </a:extLst>
+              </a:tr>
+              <a:tr h="256767">
+                <a:tc vMerge="1">
+                  <a:txBody>
+                    <a:bodyPr/>
+                    <a:lstStyle/>
+                    <a:p>
+                      <a:endParaRPr kumimoji="1" lang="ja-JP" altLang="en-US"/>
+                    </a:p>
+                  </a:txBody>
+                  <a:tcPr/>
+                </a:tc>
+                <a:tc>
+                  <a:txBody>
+                    <a:bodyPr/>
+                    <a:lstStyle/>
+                    <a:p>
+                      <a:pPr algn="l">
+                        <a:spcAft>
+                          <a:spcPts val="0"/>
+                        </a:spcAft>
+                      </a:pPr>
+                      <a:r>
+                        <a:rPr lang="en-US" sz="1050" kern="100" dirty="0">
+                          <a:effectLst/>
+                        </a:rPr>
+                        <a:t>Ansible-Pioneer</a:t>
+                      </a:r>
+                      <a:endParaRPr lang="ja-JP" sz="1050" kern="100" dirty="0">
+                        <a:effectLst/>
+                        <a:latin typeface="Century" panose="02040604050505020304" pitchFamily="18" charset="0"/>
+                        <a:ea typeface="ＭＳ 明朝" panose="02020609040205080304" pitchFamily="17" charset="-128"/>
+                        <a:cs typeface="Times New Roman" panose="02020603050405020304" pitchFamily="18" charset="0"/>
+                      </a:endParaRPr>
+                    </a:p>
+                  </a:txBody>
+                  <a:tcPr marL="68580" marR="68580" marT="0" marB="0" anchor="ctr">
+                    <a:solidFill>
+                      <a:srgbClr val="CBCDD3"/>
+                    </a:solidFill>
+                  </a:tcPr>
+                </a:tc>
+                <a:extLst>
+                  <a:ext uri="{0D108BD9-81ED-4DB2-BD59-A6C34878D82A}">
+                    <a16:rowId xmlns:a16="http://schemas.microsoft.com/office/drawing/2014/main" val="10007"/>
+                  </a:ext>
+                </a:extLst>
+              </a:tr>
+              <a:tr h="256767">
+                <a:tc vMerge="1">
+                  <a:txBody>
+                    <a:bodyPr/>
+                    <a:lstStyle/>
+                    <a:p>
+                      <a:endParaRPr kumimoji="1" lang="ja-JP" altLang="en-US"/>
+                    </a:p>
+                  </a:txBody>
+                  <a:tcPr/>
+                </a:tc>
+                <a:tc>
+                  <a:txBody>
+                    <a:bodyPr/>
+                    <a:lstStyle/>
+                    <a:p>
+                      <a:pPr algn="l">
+                        <a:spcAft>
+                          <a:spcPts val="0"/>
+                        </a:spcAft>
+                      </a:pPr>
+                      <a:r>
+                        <a:rPr lang="en-US" sz="1050" kern="100" dirty="0">
+                          <a:effectLst/>
+                        </a:rPr>
+                        <a:t>Ansible-LegacyRole</a:t>
+                      </a:r>
+                      <a:endParaRPr lang="ja-JP" sz="1050" kern="100" dirty="0">
+                        <a:effectLst/>
+                        <a:latin typeface="Century" panose="02040604050505020304" pitchFamily="18" charset="0"/>
+                        <a:ea typeface="ＭＳ 明朝" panose="02020609040205080304" pitchFamily="17" charset="-128"/>
+                        <a:cs typeface="Times New Roman" panose="02020603050405020304" pitchFamily="18" charset="0"/>
+                      </a:endParaRPr>
+                    </a:p>
+                  </a:txBody>
+                  <a:tcPr marL="68580" marR="68580" marT="0" marB="0" anchor="ctr">
+                    <a:solidFill>
+                      <a:srgbClr val="E7E8EA"/>
+                    </a:solidFill>
+                  </a:tcPr>
+                </a:tc>
+                <a:extLst>
+                  <a:ext uri="{0D108BD9-81ED-4DB2-BD59-A6C34878D82A}">
+                    <a16:rowId xmlns:a16="http://schemas.microsoft.com/office/drawing/2014/main" val="10008"/>
+                  </a:ext>
+                </a:extLst>
+              </a:tr>
+            </a:tbl>
+          </a:graphicData>
+        </a:graphic>
+      </p:graphicFrame>
+    </p:spTree>
+    <p:extLst>
+      <p:ext uri="{BB962C8B-B14F-4D97-AF65-F5344CB8AC3E}">
+        <p14:creationId xmlns:p14="http://schemas.microsoft.com/office/powerpoint/2010/main" val="2285131903"/>
+      </p:ext>
+    </p:extLst>
+  </p:cSld>
+  <p:clrMapOvr>
+    <a:masterClrMapping/>
+  </p:clrMapOvr>
+</p:sld>
+</file>
+
+<file path=ppt/slides/slide25.xml><?xml version="1.0" encoding="utf-8"?>
+<p:sld xmlns:a="http://schemas.openxmlformats.org/drawingml/2006/main" xmlns:r="http://schemas.openxmlformats.org/officeDocument/2006/relationships" xmlns:p="http://schemas.openxmlformats.org/presentationml/2006/main">
+  <p:cSld>
+    <p:spTree>
+      <p:nvGrpSpPr>
+        <p:cNvPr id="1" name=""/>
+        <p:cNvGrpSpPr/>
+        <p:nvPr/>
+      </p:nvGrpSpPr>
+      <p:grpSpPr>
+        <a:xfrm>
+          <a:off x="0" y="0"/>
+          <a:ext cx="0" cy="0"/>
+          <a:chOff x="0" y="0"/>
+          <a:chExt cx="0" cy="0"/>
+        </a:xfrm>
+      </p:grpSpPr>
+      <p:sp>
+        <p:nvSpPr>
+          <p:cNvPr id="2" name="タイトル 1"/>
+          <p:cNvSpPr>
+            <a:spLocks noGrp="1"/>
+          </p:cNvSpPr>
+          <p:nvPr>
+            <p:ph type="title"/>
+          </p:nvPr>
+        </p:nvSpPr>
+        <p:spPr/>
+        <p:txBody>
+          <a:bodyPr/>
+          <a:lstStyle/>
+          <a:p>
+            <a:r>
+              <a:rPr lang="en-US" altLang="ja-JP" dirty="0" smtClean="0"/>
+              <a:t>4.4</a:t>
+            </a:r>
+            <a:r>
+              <a:rPr lang="ja-JP" altLang="en-US" dirty="0"/>
+              <a:t>　</a:t>
+            </a:r>
+            <a:r>
+              <a:rPr lang="ja-JP" altLang="en-US" dirty="0" smtClean="0"/>
+              <a:t>動作確認（</a:t>
+            </a:r>
+            <a:r>
+              <a:rPr lang="en-US" altLang="ja-JP" dirty="0" smtClean="0"/>
+              <a:t>4/6</a:t>
+            </a:r>
+            <a:r>
+              <a:rPr lang="ja-JP" altLang="en-US" dirty="0" smtClean="0"/>
+              <a:t>）</a:t>
+            </a:r>
+            <a:endParaRPr kumimoji="1" lang="ja-JP" altLang="en-US" dirty="0"/>
+          </a:p>
+        </p:txBody>
+      </p:sp>
+      <p:sp>
+        <p:nvSpPr>
+          <p:cNvPr id="3" name="コンテンツ プレースホルダー 2"/>
+          <p:cNvSpPr>
+            <a:spLocks noGrp="1"/>
+          </p:cNvSpPr>
+          <p:nvPr>
+            <p:ph sz="quarter" idx="10"/>
+          </p:nvPr>
+        </p:nvSpPr>
+        <p:spPr/>
+        <p:txBody>
+          <a:bodyPr/>
+          <a:lstStyle/>
+          <a:p>
+            <a:r>
+              <a:rPr lang="en-US" altLang="ja-JP" dirty="0" smtClean="0"/>
+              <a:t>HTTPS</a:t>
+            </a:r>
+            <a:r>
+              <a:rPr lang="ja-JP" altLang="en-US" dirty="0" smtClean="0"/>
+              <a:t>でアクセスするための準備</a:t>
+            </a:r>
+            <a:r>
+              <a:rPr lang="ja-JP" altLang="en-US" dirty="0"/>
+              <a:t>作業</a:t>
+            </a:r>
+          </a:p>
+          <a:p>
+            <a:pPr lvl="1"/>
+            <a:r>
+              <a:rPr lang="ja-JP" altLang="en-US" dirty="0" smtClean="0"/>
+              <a:t>操作</a:t>
+            </a:r>
+            <a:r>
+              <a:rPr lang="ja-JP" altLang="en-US" dirty="0"/>
+              <a:t>端末（</a:t>
+            </a:r>
+            <a:r>
+              <a:rPr lang="en-US" altLang="ja-JP" dirty="0"/>
+              <a:t>Windows</a:t>
+            </a:r>
+            <a:r>
+              <a:rPr lang="ja-JP" altLang="en-US" dirty="0"/>
+              <a:t>）の</a:t>
+            </a:r>
+            <a:r>
+              <a:rPr lang="en-US" altLang="ja-JP" dirty="0"/>
+              <a:t>hosts</a:t>
+            </a:r>
+            <a:r>
+              <a:rPr lang="ja-JP" altLang="en-US" dirty="0"/>
+              <a:t>ファイル</a:t>
+            </a:r>
+            <a:r>
+              <a:rPr lang="ja-JP" altLang="en-US" dirty="0" smtClean="0"/>
+              <a:t>へ</a:t>
+            </a:r>
+            <a:r>
+              <a:rPr lang="en-US" altLang="ja-JP" dirty="0" smtClean="0"/>
+              <a:t>ITA</a:t>
+            </a:r>
+            <a:r>
+              <a:rPr lang="ja-JP" altLang="en-US" dirty="0" smtClean="0"/>
+              <a:t>実装</a:t>
+            </a:r>
+            <a:r>
+              <a:rPr lang="ja-JP" altLang="en-US" dirty="0"/>
+              <a:t>サーバの</a:t>
+            </a:r>
+            <a:r>
+              <a:rPr lang="en-US" altLang="ja-JP" dirty="0"/>
+              <a:t>IP</a:t>
+            </a:r>
+            <a:r>
+              <a:rPr lang="ja-JP" altLang="en-US" dirty="0"/>
+              <a:t>アドレスとホスト名を</a:t>
+            </a:r>
+            <a:r>
+              <a:rPr lang="ja-JP" altLang="en-US" dirty="0" smtClean="0"/>
+              <a:t>設定してください。</a:t>
+            </a:r>
+            <a:r>
+              <a:rPr lang="en-US" altLang="ja-JP" dirty="0" smtClean="0"/>
+              <a:t/>
+            </a:r>
+            <a:br>
+              <a:rPr lang="en-US" altLang="ja-JP" dirty="0" smtClean="0"/>
+            </a:br>
+            <a:r>
+              <a:rPr lang="en-US" altLang="ja-JP" dirty="0" smtClean="0"/>
+              <a:t/>
+            </a:r>
+            <a:br>
+              <a:rPr lang="en-US" altLang="ja-JP" dirty="0" smtClean="0"/>
+            </a:br>
+            <a:endParaRPr lang="en-US" altLang="ja-JP" dirty="0"/>
+          </a:p>
+          <a:p>
+            <a:pPr lvl="1"/>
+            <a:r>
+              <a:rPr lang="en-US" altLang="ja-JP" dirty="0" smtClean="0"/>
+              <a:t>Windows10</a:t>
+            </a:r>
+            <a:r>
+              <a:rPr lang="ja-JP" altLang="ja-JP" dirty="0" smtClean="0"/>
+              <a:t>の</a:t>
+            </a:r>
+            <a:r>
+              <a:rPr lang="ja-JP" altLang="ja-JP" dirty="0"/>
+              <a:t>場合、以下の</a:t>
+            </a:r>
+            <a:r>
+              <a:rPr lang="en-US" altLang="ja-JP" dirty="0"/>
+              <a:t>hosts</a:t>
+            </a:r>
+            <a:r>
+              <a:rPr lang="ja-JP" altLang="ja-JP" dirty="0"/>
+              <a:t>ファイルとなります</a:t>
+            </a:r>
+            <a:r>
+              <a:rPr lang="ja-JP" altLang="ja-JP" dirty="0" smtClean="0"/>
+              <a:t>。</a:t>
+            </a:r>
+            <a:endParaRPr lang="en-US" altLang="ja-JP" dirty="0" smtClean="0"/>
+          </a:p>
+          <a:p>
+            <a:pPr lvl="1"/>
+            <a:endParaRPr lang="en-US" altLang="ja-JP" dirty="0" smtClean="0"/>
+          </a:p>
+          <a:p>
+            <a:pPr marL="180000" lvl="1" indent="0">
+              <a:buNone/>
+            </a:pPr>
+            <a:endParaRPr lang="en-US" altLang="ja-JP" dirty="0" smtClean="0"/>
+          </a:p>
+          <a:p>
+            <a:pPr marL="180000" lvl="1" indent="0">
+              <a:buNone/>
+            </a:pPr>
+            <a:endParaRPr lang="en-US" altLang="ja-JP" dirty="0"/>
+          </a:p>
+          <a:p>
+            <a:pPr lvl="1"/>
+            <a:r>
+              <a:rPr lang="en-US" altLang="ja-JP" dirty="0"/>
+              <a:t>hosts</a:t>
+            </a:r>
+            <a:r>
+              <a:rPr lang="ja-JP" altLang="ja-JP" dirty="0"/>
+              <a:t>ファイルに以下の設定を追加してください。</a:t>
+            </a:r>
+            <a:endParaRPr lang="ja-JP" altLang="en-US" dirty="0"/>
+          </a:p>
+          <a:p>
+            <a:pPr lvl="1"/>
+            <a:endParaRPr kumimoji="1" lang="ja-JP" altLang="en-US" dirty="0"/>
+          </a:p>
+        </p:txBody>
+      </p:sp>
+      <p:graphicFrame>
+        <p:nvGraphicFramePr>
+          <p:cNvPr id="4" name="表 3"/>
+          <p:cNvGraphicFramePr>
+            <a:graphicFrameLocks noGrp="1"/>
+          </p:cNvGraphicFramePr>
+          <p:nvPr>
+            <p:extLst>
+              <p:ext uri="{D42A27DB-BD31-4B8C-83A1-F6EECF244321}">
+                <p14:modId xmlns:p14="http://schemas.microsoft.com/office/powerpoint/2010/main" val="1561031934"/>
+              </p:ext>
+            </p:extLst>
+          </p:nvPr>
+        </p:nvGraphicFramePr>
+        <p:xfrm>
+          <a:off x="1829118" y="2752720"/>
+          <a:ext cx="5485765" cy="316230"/>
+        </p:xfrm>
+        <a:graphic>
+          <a:graphicData uri="http://schemas.openxmlformats.org/drawingml/2006/table">
+            <a:tbl>
+              <a:tblPr firstRow="1" firstCol="1" bandRow="1">
+                <a:tableStyleId>{5C22544A-7EE6-4342-B048-85BDC9FD1C3A}</a:tableStyleId>
+              </a:tblPr>
+              <a:tblGrid>
+                <a:gridCol w="5485765">
+                  <a:extLst>
+                    <a:ext uri="{9D8B030D-6E8A-4147-A177-3AD203B41FA5}">
+                      <a16:colId xmlns:a16="http://schemas.microsoft.com/office/drawing/2014/main" val="20000"/>
+                    </a:ext>
+                  </a:extLst>
+                </a:gridCol>
+              </a:tblGrid>
+              <a:tr h="316230">
+                <a:tc>
+                  <a:txBody>
+                    <a:bodyPr/>
+                    <a:lstStyle/>
+                    <a:p>
+                      <a:pPr algn="just">
+                        <a:spcAft>
+                          <a:spcPts val="0"/>
+                        </a:spcAft>
+                      </a:pPr>
+                      <a:r>
+                        <a:rPr lang="en-US" sz="1050" kern="100" dirty="0">
+                          <a:effectLst/>
+                        </a:rPr>
+                        <a:t>C:\Windows\System32\drivers\etc\hosts</a:t>
+                      </a:r>
+                      <a:endParaRPr lang="ja-JP" sz="1050" kern="100" dirty="0">
+                        <a:effectLst/>
+                        <a:latin typeface="Century" panose="02040604050505020304" pitchFamily="18" charset="0"/>
+                        <a:ea typeface="ＭＳ 明朝" panose="02020609040205080304" pitchFamily="17" charset="-128"/>
+                        <a:cs typeface="Times New Roman" panose="02020603050405020304" pitchFamily="18" charset="0"/>
+                      </a:endParaRPr>
+                    </a:p>
+                  </a:txBody>
+                  <a:tcPr marL="68580" marR="68580" marT="0" marB="0" anchor="ctr">
+                    <a:solidFill>
+                      <a:srgbClr val="002B62"/>
+                    </a:solidFill>
+                  </a:tcPr>
+                </a:tc>
+                <a:extLst>
+                  <a:ext uri="{0D108BD9-81ED-4DB2-BD59-A6C34878D82A}">
+                    <a16:rowId xmlns:a16="http://schemas.microsoft.com/office/drawing/2014/main" val="10000"/>
+                  </a:ext>
+                </a:extLst>
+              </a:tr>
+            </a:tbl>
+          </a:graphicData>
+        </a:graphic>
+      </p:graphicFrame>
+      <p:graphicFrame>
+        <p:nvGraphicFramePr>
+          <p:cNvPr id="5" name="表 4"/>
+          <p:cNvGraphicFramePr>
+            <a:graphicFrameLocks noGrp="1"/>
+          </p:cNvGraphicFramePr>
+          <p:nvPr>
+            <p:extLst>
+              <p:ext uri="{D42A27DB-BD31-4B8C-83A1-F6EECF244321}">
+                <p14:modId xmlns:p14="http://schemas.microsoft.com/office/powerpoint/2010/main" val="3616517016"/>
+              </p:ext>
+            </p:extLst>
+          </p:nvPr>
+        </p:nvGraphicFramePr>
+        <p:xfrm>
+          <a:off x="1828630" y="4149100"/>
+          <a:ext cx="5485765" cy="936130"/>
+        </p:xfrm>
+        <a:graphic>
+          <a:graphicData uri="http://schemas.openxmlformats.org/drawingml/2006/table">
+            <a:tbl>
+              <a:tblPr firstRow="1" firstCol="1" bandRow="1">
+                <a:tableStyleId>{5C22544A-7EE6-4342-B048-85BDC9FD1C3A}</a:tableStyleId>
+              </a:tblPr>
+              <a:tblGrid>
+                <a:gridCol w="5485765">
+                  <a:extLst>
+                    <a:ext uri="{9D8B030D-6E8A-4147-A177-3AD203B41FA5}">
+                      <a16:colId xmlns:a16="http://schemas.microsoft.com/office/drawing/2014/main" val="20000"/>
+                    </a:ext>
+                  </a:extLst>
+                </a:gridCol>
+              </a:tblGrid>
+              <a:tr h="936130">
+                <a:tc>
+                  <a:txBody>
+                    <a:bodyPr/>
+                    <a:lstStyle/>
+                    <a:p>
+                      <a:pPr algn="l">
+                        <a:spcAft>
+                          <a:spcPts val="0"/>
+                        </a:spcAft>
+                      </a:pPr>
+                      <a:r>
+                        <a:rPr lang="en-US" sz="1050" kern="100" dirty="0" smtClean="0">
+                          <a:effectLst/>
+                        </a:rPr>
+                        <a:t>“ITA</a:t>
+                      </a:r>
+                      <a:r>
+                        <a:rPr lang="ja-JP" sz="1050" kern="100" dirty="0" smtClean="0">
+                          <a:effectLst/>
+                        </a:rPr>
+                        <a:t>実装</a:t>
+                      </a:r>
+                      <a:r>
+                        <a:rPr lang="ja-JP" sz="1050" kern="100" dirty="0">
+                          <a:effectLst/>
+                        </a:rPr>
+                        <a:t>サーバの</a:t>
+                      </a:r>
+                      <a:r>
+                        <a:rPr lang="en-US" sz="1050" kern="100" dirty="0">
+                          <a:effectLst/>
+                        </a:rPr>
+                        <a:t>IP</a:t>
+                      </a:r>
+                      <a:r>
+                        <a:rPr lang="ja-JP" sz="1050" kern="100" dirty="0">
+                          <a:effectLst/>
+                        </a:rPr>
+                        <a:t>アドレス</a:t>
+                      </a:r>
+                      <a:r>
+                        <a:rPr lang="en-US" sz="1050" kern="100" dirty="0">
+                          <a:effectLst/>
+                        </a:rPr>
+                        <a:t>”</a:t>
+                      </a:r>
+                      <a:r>
+                        <a:rPr lang="ja-JP" sz="1050" kern="100" dirty="0">
+                          <a:effectLst/>
+                        </a:rPr>
+                        <a:t>　</a:t>
+                      </a:r>
+                      <a:r>
+                        <a:rPr lang="ja-JP" sz="1050" kern="0" dirty="0">
+                          <a:effectLst/>
+                        </a:rPr>
+                        <a:t> </a:t>
+                      </a:r>
+                      <a:r>
+                        <a:rPr lang="en-US" altLang="ja-JP" sz="1050" kern="0" dirty="0" smtClean="0">
+                          <a:effectLst/>
+                        </a:rPr>
+                        <a:t>exastro</a:t>
+                      </a:r>
+                      <a:r>
+                        <a:rPr lang="en-US" sz="1050" kern="0" dirty="0" smtClean="0">
+                          <a:effectLst/>
+                        </a:rPr>
+                        <a:t>-it-automation</a:t>
+                      </a:r>
+                      <a:r>
+                        <a:rPr lang="en-US" sz="1050" kern="0" dirty="0">
+                          <a:effectLst/>
+                        </a:rPr>
+                        <a:t/>
+                      </a:r>
+                      <a:br>
+                        <a:rPr lang="en-US" sz="1050" kern="0" dirty="0">
+                          <a:effectLst/>
+                        </a:rPr>
+                      </a:br>
+                      <a:r>
+                        <a:rPr lang="en-US" sz="1050" kern="0" dirty="0" smtClean="0">
+                          <a:effectLst/>
+                        </a:rPr>
+                        <a:t/>
+                      </a:r>
+                      <a:br>
+                        <a:rPr lang="en-US" sz="1050" kern="0" dirty="0" smtClean="0">
+                          <a:effectLst/>
+                        </a:rPr>
+                      </a:br>
+                      <a:r>
+                        <a:rPr lang="ja-JP" sz="1050" kern="0" dirty="0" smtClean="0">
+                          <a:effectLst/>
+                        </a:rPr>
+                        <a:t>例</a:t>
+                      </a:r>
+                      <a:r>
+                        <a:rPr lang="ja-JP" altLang="en-US" sz="1050" kern="0" dirty="0" smtClean="0">
+                          <a:effectLst/>
+                        </a:rPr>
+                        <a:t>）</a:t>
+                      </a:r>
+                      <a:r>
+                        <a:rPr lang="en-US" sz="1050" kern="0" dirty="0" smtClean="0">
+                          <a:effectLst/>
+                        </a:rPr>
+                        <a:t/>
+                      </a:r>
+                      <a:br>
+                        <a:rPr lang="en-US" sz="1050" kern="0" dirty="0" smtClean="0">
+                          <a:effectLst/>
+                        </a:rPr>
+                      </a:br>
+                      <a:r>
+                        <a:rPr lang="en-US" sz="1050" kern="0" dirty="0" smtClean="0">
+                          <a:effectLst/>
+                        </a:rPr>
+                        <a:t>192.168.0.3 </a:t>
+                      </a:r>
+                      <a:r>
+                        <a:rPr lang="ja-JP" sz="1050" kern="0" dirty="0">
+                          <a:effectLst/>
+                        </a:rPr>
+                        <a:t>　</a:t>
+                      </a:r>
+                      <a:r>
+                        <a:rPr lang="en-US" altLang="ja-JP" sz="1050" kern="0" dirty="0" smtClean="0">
+                          <a:effectLst/>
+                        </a:rPr>
+                        <a:t>e</a:t>
+                      </a:r>
+                      <a:r>
+                        <a:rPr lang="en-US" sz="1050" kern="0" dirty="0" smtClean="0">
+                          <a:effectLst/>
+                        </a:rPr>
+                        <a:t>xastro-it-automation</a:t>
+                      </a:r>
+                      <a:endParaRPr lang="ja-JP" sz="1050" kern="100" dirty="0">
+                        <a:effectLst/>
+                        <a:latin typeface="Century" panose="02040604050505020304" pitchFamily="18" charset="0"/>
+                        <a:ea typeface="ＭＳ 明朝" panose="02020609040205080304" pitchFamily="17" charset="-128"/>
+                        <a:cs typeface="Times New Roman" panose="02020603050405020304" pitchFamily="18" charset="0"/>
+                      </a:endParaRPr>
+                    </a:p>
+                  </a:txBody>
+                  <a:tcPr marL="68580" marR="68580" marT="0" marB="0" anchor="ctr">
+                    <a:solidFill>
+                      <a:srgbClr val="002B62"/>
+                    </a:solidFill>
+                  </a:tcPr>
+                </a:tc>
+                <a:extLst>
+                  <a:ext uri="{0D108BD9-81ED-4DB2-BD59-A6C34878D82A}">
+                    <a16:rowId xmlns:a16="http://schemas.microsoft.com/office/drawing/2014/main" val="10000"/>
+                  </a:ext>
+                </a:extLst>
+              </a:tr>
+            </a:tbl>
+          </a:graphicData>
+        </a:graphic>
+      </p:graphicFrame>
+    </p:spTree>
+    <p:extLst>
+      <p:ext uri="{BB962C8B-B14F-4D97-AF65-F5344CB8AC3E}">
+        <p14:creationId xmlns:p14="http://schemas.microsoft.com/office/powerpoint/2010/main" val="4269496744"/>
       </p:ext>
     </p:extLst>
   </p:cSld>
@@ -28155,10 +28231,10 @@
             </a:r>
             <a:r>
               <a:rPr lang="en-US" altLang="ja-JP" dirty="0" smtClean="0"/>
-              <a:t>5/5</a:t>
-            </a:r>
-            <a:r>
-              <a:rPr lang="ja-JP" altLang="en-US" dirty="0"/>
+              <a:t>5/6</a:t>
+            </a:r>
+            <a:r>
+              <a:rPr lang="ja-JP" altLang="en-US" dirty="0" smtClean="0"/>
               <a:t>）</a:t>
             </a:r>
             <a:endParaRPr kumimoji="1" lang="ja-JP" altLang="en-US" dirty="0"/>
@@ -28167,7 +28243,7 @@
       </p:sp>
       <p:sp>
         <p:nvSpPr>
-          <p:cNvPr id="7" name="コンテンツ プレースホルダー 2"/>
+          <p:cNvPr id="3" name="コンテンツ プレースホルダー 2"/>
           <p:cNvSpPr>
             <a:spLocks noGrp="1"/>
           </p:cNvSpPr>
@@ -28178,294 +28254,530 @@
         <p:spPr>
           <a:xfrm>
             <a:off x="179512" y="836712"/>
-            <a:ext cx="8784976" cy="5616476"/>
+            <a:ext cx="8964488" cy="5616476"/>
           </a:xfrm>
         </p:spPr>
         <p:txBody>
           <a:bodyPr>
-            <a:normAutofit/>
+            <a:normAutofit fontScale="92500" lnSpcReduction="10000"/>
           </a:bodyPr>
           <a:lstStyle/>
           <a:p>
-            <a:pPr lvl="0"/>
+            <a:pPr lvl="1"/>
+            <a:r>
+              <a:rPr lang="ja-JP" altLang="ja-JP" dirty="0" smtClean="0"/>
+              <a:t>操作</a:t>
+            </a:r>
             <a:r>
               <a:rPr lang="ja-JP" altLang="ja-JP" dirty="0"/>
-              <a:t>各メニューの表示による内容</a:t>
+              <a:t>端末（</a:t>
+            </a:r>
+            <a:r>
+              <a:rPr lang="en-US" altLang="ja-JP" dirty="0"/>
+              <a:t>Windows</a:t>
+            </a:r>
+            <a:r>
+              <a:rPr lang="ja-JP" altLang="ja-JP" dirty="0"/>
+              <a:t>）</a:t>
+            </a:r>
+            <a:r>
+              <a:rPr lang="ja-JP" altLang="en-US" dirty="0"/>
+              <a:t>への</a:t>
+            </a:r>
+            <a:r>
+              <a:rPr lang="ja-JP" altLang="ja-JP" dirty="0"/>
+              <a:t>証明書</a:t>
             </a:r>
             <a:r>
               <a:rPr lang="ja-JP" altLang="ja-JP" dirty="0" smtClean="0"/>
-              <a:t>確認</a:t>
+              <a:t>インポート</a:t>
+            </a:r>
+            <a:r>
+              <a:rPr lang="ja-JP" altLang="en-US" dirty="0" smtClean="0"/>
+              <a:t>を行います。</a:t>
+            </a:r>
+            <a:r>
+              <a:rPr lang="en-US" altLang="ja-JP" dirty="0" smtClean="0"/>
+              <a:t/>
+            </a:r>
+            <a:br>
+              <a:rPr lang="en-US" altLang="ja-JP" dirty="0" smtClean="0"/>
+            </a:br>
+            <a:r>
+              <a:rPr lang="ja-JP" altLang="ja-JP" dirty="0" smtClean="0"/>
+              <a:t>証明書は</a:t>
+            </a:r>
+            <a:r>
+              <a:rPr lang="en-US" altLang="ja-JP" dirty="0" smtClean="0"/>
+              <a:t>ITA</a:t>
+            </a:r>
+            <a:r>
+              <a:rPr lang="ja-JP" altLang="ja-JP" dirty="0" smtClean="0"/>
+              <a:t>インストールパッケージの以下のパスに格納されています。</a:t>
             </a:r>
             <a:endParaRPr lang="en-US" altLang="ja-JP" dirty="0" smtClean="0"/>
           </a:p>
           <a:p>
             <a:pPr lvl="1"/>
             <a:r>
-              <a:rPr lang="ja-JP" altLang="en-US" dirty="0" smtClean="0"/>
-              <a:t>ログイン後、</a:t>
-            </a:r>
-            <a:r>
-              <a:rPr lang="ja-JP" altLang="ja-JP" dirty="0" smtClean="0"/>
-              <a:t>以下</a:t>
+              <a:rPr lang="en-US" altLang="ja-JP" dirty="0" smtClean="0"/>
+              <a:t>FFFTP </a:t>
             </a:r>
             <a:r>
               <a:rPr lang="ja-JP" altLang="ja-JP" dirty="0"/>
-              <a:t>のメニューが正常に表示されることを確認してください。</a:t>
-            </a:r>
-          </a:p>
-          <a:p>
-            <a:pPr lvl="1"/>
-            <a:endParaRPr kumimoji="1" lang="en-US" altLang="ja-JP" dirty="0" smtClean="0"/>
-          </a:p>
-          <a:p>
-            <a:pPr lvl="1"/>
-            <a:endParaRPr lang="en-US" altLang="ja-JP" dirty="0"/>
-          </a:p>
-          <a:p>
-            <a:pPr lvl="1"/>
-            <a:endParaRPr kumimoji="1" lang="en-US" altLang="ja-JP" dirty="0" smtClean="0"/>
-          </a:p>
-          <a:p>
-            <a:pPr lvl="1"/>
-            <a:endParaRPr lang="en-US" altLang="ja-JP" dirty="0"/>
-          </a:p>
-          <a:p>
-            <a:pPr lvl="1"/>
-            <a:endParaRPr kumimoji="1" lang="en-US" altLang="ja-JP" dirty="0" smtClean="0"/>
-          </a:p>
-          <a:p>
-            <a:pPr lvl="1"/>
-            <a:endParaRPr lang="en-US" altLang="ja-JP" dirty="0"/>
-          </a:p>
-          <a:p>
-            <a:pPr lvl="1"/>
-            <a:endParaRPr kumimoji="1" lang="en-US" altLang="ja-JP" dirty="0" smtClean="0"/>
-          </a:p>
-          <a:p>
-            <a:pPr lvl="1"/>
-            <a:endParaRPr lang="en-US" altLang="ja-JP" dirty="0"/>
-          </a:p>
-          <a:p>
-            <a:pPr lvl="1"/>
-            <a:endParaRPr kumimoji="1" lang="en-US" altLang="ja-JP" dirty="0" smtClean="0"/>
-          </a:p>
-          <a:p>
-            <a:pPr lvl="0"/>
-            <a:r>
-              <a:rPr lang="ja-JP" altLang="en-US" dirty="0" smtClean="0"/>
-              <a:t>（参考）</a:t>
-            </a:r>
-            <a:r>
-              <a:rPr lang="en-US" altLang="ja-JP" dirty="0" smtClean="0"/>
-              <a:t>HTTP</a:t>
-            </a:r>
-            <a:r>
-              <a:rPr lang="ja-JP" altLang="en-US" dirty="0" smtClean="0"/>
-              <a:t>アクセス</a:t>
-            </a:r>
-            <a:endParaRPr lang="en-US" altLang="ja-JP" dirty="0"/>
+              <a:t>、</a:t>
+            </a:r>
+            <a:r>
+              <a:rPr lang="en-US" altLang="ja-JP" dirty="0"/>
+              <a:t>WinSCP</a:t>
+            </a:r>
+            <a:r>
+              <a:rPr lang="ja-JP" altLang="ja-JP" dirty="0"/>
+              <a:t>などのツールを利用し操作端末にダウンロードします。</a:t>
+            </a:r>
           </a:p>
           <a:p>
             <a:pPr marL="180000" lvl="1" indent="0">
               <a:buNone/>
             </a:pPr>
+            <a:endParaRPr lang="en-US" altLang="ja-JP" dirty="0" smtClean="0"/>
+          </a:p>
+          <a:p>
+            <a:pPr marL="180000" lvl="1" indent="0">
+              <a:buNone/>
+            </a:pPr>
+            <a:endParaRPr lang="en-US" altLang="ja-JP" dirty="0"/>
+          </a:p>
+          <a:p>
+            <a:pPr marL="180000" lvl="1" indent="0">
+              <a:buNone/>
+            </a:pPr>
+            <a:endParaRPr lang="en-US" altLang="ja-JP" dirty="0" smtClean="0"/>
+          </a:p>
+          <a:p>
+            <a:pPr marL="180000" lvl="1" indent="0">
+              <a:buNone/>
+            </a:pPr>
+            <a:endParaRPr lang="en-US" altLang="ja-JP" dirty="0" smtClean="0"/>
+          </a:p>
+          <a:p>
+            <a:pPr marL="180000" lvl="1" indent="0">
+              <a:buNone/>
+            </a:pPr>
+            <a:endParaRPr lang="en-US" altLang="ja-JP" dirty="0"/>
+          </a:p>
+          <a:p>
+            <a:pPr lvl="1"/>
+            <a:r>
+              <a:rPr lang="en-US" altLang="ja-JP" dirty="0"/>
+              <a:t>Web</a:t>
+            </a:r>
+            <a:r>
+              <a:rPr lang="ja-JP" altLang="ja-JP" dirty="0"/>
+              <a:t>ブラウザに証明書のインポートをしてください。</a:t>
+            </a:r>
+          </a:p>
+          <a:p>
+            <a:pPr lvl="1"/>
+            <a:r>
+              <a:rPr lang="ja-JP" altLang="en-US" dirty="0" smtClean="0"/>
+              <a:t>例として、</a:t>
+            </a:r>
             <a:r>
               <a:rPr lang="en-US" altLang="ja-JP" dirty="0" smtClean="0"/>
-              <a:t>HTTP</a:t>
+              <a:t>Google Chrome</a:t>
+            </a:r>
+            <a:r>
+              <a:rPr lang="ja-JP" altLang="ja-JP" dirty="0" smtClean="0"/>
+              <a:t>に</a:t>
+            </a:r>
+            <a:r>
+              <a:rPr lang="ja-JP" altLang="ja-JP" dirty="0"/>
+              <a:t>インポートする</a:t>
+            </a:r>
+            <a:r>
+              <a:rPr lang="ja-JP" altLang="ja-JP" dirty="0" smtClean="0"/>
+              <a:t>手順</a:t>
+            </a:r>
+            <a:r>
+              <a:rPr lang="ja-JP" altLang="en-US" dirty="0"/>
+              <a:t>を</a:t>
+            </a:r>
+            <a:r>
+              <a:rPr lang="ja-JP" altLang="ja-JP" dirty="0" smtClean="0"/>
+              <a:t>以下</a:t>
             </a:r>
             <a:r>
               <a:rPr lang="ja-JP" altLang="en-US" dirty="0" smtClean="0"/>
-              <a:t>アクセスを許可する場合は、</a:t>
+              <a:t>に示します。</a:t>
+            </a:r>
+            <a:endParaRPr lang="en-US" altLang="ja-JP" dirty="0" smtClean="0"/>
+          </a:p>
+          <a:p>
+            <a:pPr marL="180000" lvl="1" indent="0">
+              <a:buNone/>
+            </a:pPr>
+            <a:endParaRPr lang="en-US" altLang="ja-JP" dirty="0" smtClean="0"/>
+          </a:p>
+          <a:p>
+            <a:pPr marL="180000" lvl="1" indent="0">
+              <a:buNone/>
+            </a:pPr>
+            <a:r>
+              <a:rPr lang="ja-JP" altLang="en-US" dirty="0" smtClean="0"/>
+              <a:t>　①　</a:t>
+            </a:r>
+            <a:r>
+              <a:rPr lang="en-US" altLang="ja-JP" dirty="0" smtClean="0"/>
+              <a:t>Google </a:t>
+            </a:r>
+            <a:r>
+              <a:rPr lang="en-US" altLang="ja-JP" dirty="0"/>
+              <a:t>Chrome</a:t>
+            </a:r>
+            <a:r>
+              <a:rPr lang="ja-JP" altLang="en-US" dirty="0"/>
+              <a:t>を起動し、右上の</a:t>
+            </a:r>
+            <a:r>
+              <a:rPr lang="en-US" altLang="ja-JP" dirty="0"/>
+              <a:t>[</a:t>
+            </a:r>
+            <a:r>
+              <a:rPr lang="ja-JP" altLang="en-US" dirty="0"/>
+              <a:t>設定</a:t>
+            </a:r>
+            <a:r>
+              <a:rPr lang="en-US" altLang="ja-JP" dirty="0"/>
+              <a:t>]</a:t>
+            </a:r>
+            <a:r>
+              <a:rPr lang="ja-JP" altLang="en-US" dirty="0"/>
+              <a:t>ボタンから</a:t>
+            </a:r>
+            <a:r>
+              <a:rPr lang="en-US" altLang="ja-JP" dirty="0"/>
+              <a:t>[</a:t>
+            </a:r>
+            <a:r>
+              <a:rPr lang="ja-JP" altLang="en-US" dirty="0"/>
+              <a:t>設定</a:t>
+            </a:r>
+            <a:r>
+              <a:rPr lang="en-US" altLang="ja-JP" dirty="0"/>
+              <a:t>(S)]</a:t>
+            </a:r>
+            <a:r>
+              <a:rPr lang="ja-JP" altLang="en-US" dirty="0"/>
+              <a:t>へ進みます</a:t>
+            </a:r>
+            <a:r>
+              <a:rPr lang="ja-JP" altLang="en-US" dirty="0" smtClean="0"/>
+              <a:t>。</a:t>
+            </a:r>
+            <a:endParaRPr lang="en-US" altLang="ja-JP" dirty="0" smtClean="0"/>
+          </a:p>
+          <a:p>
+            <a:pPr marL="180000" lvl="1" indent="0">
+              <a:buNone/>
+            </a:pPr>
+            <a:r>
+              <a:rPr lang="ja-JP" altLang="en-US" dirty="0"/>
+              <a:t>　②　画面下部の</a:t>
+            </a:r>
+            <a:r>
+              <a:rPr lang="en-US" altLang="ja-JP" dirty="0"/>
+              <a:t>[</a:t>
+            </a:r>
+            <a:r>
+              <a:rPr lang="ja-JP" altLang="en-US" dirty="0"/>
+              <a:t>詳細設定</a:t>
+            </a:r>
+            <a:r>
+              <a:rPr lang="en-US" altLang="ja-JP" dirty="0"/>
+              <a:t>]</a:t>
+            </a:r>
+            <a:r>
+              <a:rPr lang="ja-JP" altLang="en-US" dirty="0"/>
+              <a:t>をクリック後、表示される項目から</a:t>
+            </a:r>
+            <a:r>
+              <a:rPr lang="en-US" altLang="ja-JP" dirty="0"/>
+              <a:t>[</a:t>
+            </a:r>
+            <a:r>
+              <a:rPr lang="ja-JP" altLang="en-US" dirty="0"/>
+              <a:t>証明書の管理</a:t>
+            </a:r>
+            <a:r>
+              <a:rPr lang="en-US" altLang="ja-JP" dirty="0"/>
+              <a:t>]</a:t>
+            </a:r>
+            <a:r>
+              <a:rPr lang="ja-JP" altLang="en-US" dirty="0"/>
+              <a:t>をクリックします。</a:t>
+            </a:r>
+            <a:endParaRPr lang="ja-JP" altLang="ja-JP" dirty="0"/>
+          </a:p>
+          <a:p>
+            <a:pPr marL="357188" lvl="1" indent="0">
+              <a:buNone/>
+            </a:pPr>
+            <a:r>
+              <a:rPr lang="ja-JP" altLang="en-US" dirty="0" smtClean="0"/>
+              <a:t>③　</a:t>
+            </a:r>
+            <a:r>
+              <a:rPr lang="en-US" altLang="ja-JP" dirty="0"/>
+              <a:t>[</a:t>
+            </a:r>
+            <a:r>
+              <a:rPr lang="ja-JP" altLang="en-US" dirty="0"/>
+              <a:t>信頼されたルート証明機関</a:t>
+            </a:r>
+            <a:r>
+              <a:rPr lang="en-US" altLang="ja-JP" dirty="0"/>
+              <a:t>]</a:t>
+            </a:r>
+            <a:r>
+              <a:rPr lang="ja-JP" altLang="en-US" dirty="0"/>
+              <a:t>タブへ進み、左下の</a:t>
+            </a:r>
+            <a:r>
+              <a:rPr lang="en-US" altLang="ja-JP" dirty="0"/>
+              <a:t>[</a:t>
+            </a:r>
+            <a:r>
+              <a:rPr lang="ja-JP" altLang="en-US" dirty="0"/>
+              <a:t>インポート</a:t>
+            </a:r>
+            <a:r>
+              <a:rPr lang="en-US" altLang="ja-JP" dirty="0"/>
+              <a:t>]</a:t>
+            </a:r>
+            <a:r>
+              <a:rPr lang="ja-JP" altLang="en-US" dirty="0"/>
+              <a:t>をクリックします</a:t>
+            </a:r>
+            <a:r>
+              <a:rPr lang="ja-JP" altLang="en-US" dirty="0" smtClean="0"/>
+              <a:t>。</a:t>
+            </a:r>
+            <a:endParaRPr lang="en-US" altLang="ja-JP" dirty="0" smtClean="0"/>
+          </a:p>
+          <a:p>
+            <a:pPr marL="357188" lvl="1" indent="0">
+              <a:buNone/>
+            </a:pPr>
+            <a:r>
+              <a:rPr lang="ja-JP" altLang="en-US" dirty="0" smtClean="0"/>
+              <a:t>④</a:t>
+            </a:r>
+            <a:r>
+              <a:rPr lang="ja-JP" altLang="en-US" dirty="0"/>
+              <a:t>　証明書のインポートウィザードが起動します。</a:t>
+            </a:r>
+            <a:r>
+              <a:rPr lang="en-US" altLang="ja-JP" dirty="0"/>
+              <a:t>[</a:t>
+            </a:r>
+            <a:r>
+              <a:rPr lang="ja-JP" altLang="en-US" dirty="0"/>
+              <a:t>次へ</a:t>
+            </a:r>
+            <a:r>
+              <a:rPr lang="en-US" altLang="ja-JP" dirty="0"/>
+              <a:t>]</a:t>
+            </a:r>
+            <a:r>
+              <a:rPr lang="ja-JP" altLang="en-US" dirty="0"/>
+              <a:t>をクリックします</a:t>
+            </a:r>
+            <a:r>
+              <a:rPr lang="ja-JP" altLang="en-US" dirty="0" smtClean="0"/>
+              <a:t>。</a:t>
+            </a:r>
+            <a:endParaRPr lang="en-US" altLang="ja-JP" dirty="0" smtClean="0"/>
+          </a:p>
+          <a:p>
+            <a:pPr marL="357188" lvl="1" indent="0">
+              <a:buNone/>
+            </a:pPr>
+            <a:r>
+              <a:rPr lang="ja-JP" altLang="en-US" dirty="0"/>
+              <a:t>⑤　インポートするファイル名を指定し、</a:t>
+            </a:r>
+            <a:r>
+              <a:rPr lang="en-US" altLang="ja-JP" dirty="0"/>
+              <a:t>[</a:t>
+            </a:r>
+            <a:r>
+              <a:rPr lang="ja-JP" altLang="en-US" dirty="0"/>
+              <a:t>次へ</a:t>
+            </a:r>
+            <a:r>
+              <a:rPr lang="en-US" altLang="ja-JP" dirty="0"/>
+              <a:t>]</a:t>
+            </a:r>
+            <a:r>
+              <a:rPr lang="ja-JP" altLang="en-US" dirty="0"/>
+              <a:t>をクリックします</a:t>
+            </a:r>
+            <a:r>
+              <a:rPr lang="ja-JP" altLang="en-US" dirty="0" smtClean="0"/>
+              <a:t>。</a:t>
+            </a:r>
+            <a:endParaRPr lang="en-US" altLang="ja-JP" dirty="0" smtClean="0"/>
+          </a:p>
+          <a:p>
+            <a:pPr marL="357188" lvl="1" indent="0">
+              <a:buNone/>
+            </a:pPr>
+            <a:r>
+              <a:rPr lang="ja-JP" altLang="en-US" dirty="0" smtClean="0"/>
+              <a:t>⑥　</a:t>
+            </a:r>
+            <a:r>
+              <a:rPr lang="en-US" altLang="ja-JP" dirty="0"/>
+              <a:t>[</a:t>
+            </a:r>
+            <a:r>
+              <a:rPr lang="ja-JP" altLang="en-US" dirty="0"/>
+              <a:t>証明書をすべての次のストアに配置する</a:t>
+            </a:r>
+            <a:r>
+              <a:rPr lang="en-US" altLang="ja-JP" dirty="0"/>
+              <a:t>(P)]</a:t>
+            </a:r>
+            <a:r>
+              <a:rPr lang="ja-JP" altLang="en-US" dirty="0"/>
+              <a:t>をチェックされている状態を確認します</a:t>
+            </a:r>
+            <a:r>
+              <a:rPr lang="ja-JP" altLang="en-US" dirty="0" smtClean="0"/>
+              <a:t>。</a:t>
+            </a:r>
+            <a:endParaRPr lang="en-US" altLang="ja-JP" dirty="0" smtClean="0"/>
+          </a:p>
+          <a:p>
+            <a:pPr marL="357188" lvl="1" indent="0">
+              <a:buNone/>
+            </a:pPr>
+            <a:r>
+              <a:rPr lang="ja-JP" altLang="en-US" dirty="0" smtClean="0"/>
+              <a:t>⑦　</a:t>
+            </a:r>
+            <a:r>
+              <a:rPr lang="en-US" altLang="ja-JP" dirty="0"/>
+              <a:t>[</a:t>
+            </a:r>
+            <a:r>
+              <a:rPr lang="ja-JP" altLang="en-US" dirty="0"/>
+              <a:t>信頼されたルート証明機関</a:t>
+            </a:r>
+            <a:r>
+              <a:rPr lang="en-US" altLang="ja-JP" dirty="0"/>
+              <a:t>]</a:t>
+            </a:r>
+            <a:r>
+              <a:rPr lang="ja-JP" altLang="en-US" dirty="0"/>
+              <a:t>を選択し、</a:t>
+            </a:r>
+            <a:r>
+              <a:rPr lang="en-US" altLang="ja-JP" dirty="0"/>
+              <a:t>[</a:t>
+            </a:r>
+            <a:r>
+              <a:rPr lang="ja-JP" altLang="en-US" dirty="0"/>
+              <a:t>次へ</a:t>
+            </a:r>
+            <a:r>
+              <a:rPr lang="en-US" altLang="ja-JP" dirty="0"/>
+              <a:t>]</a:t>
+            </a:r>
+            <a:r>
+              <a:rPr lang="ja-JP" altLang="en-US" dirty="0"/>
+              <a:t>をクリックします。</a:t>
+            </a:r>
+            <a:endParaRPr lang="en-US" altLang="ja-JP" dirty="0" smtClean="0"/>
+          </a:p>
+          <a:p>
+            <a:pPr marL="357188" lvl="1" indent="0">
+              <a:buNone/>
+            </a:pPr>
+            <a:r>
+              <a:rPr lang="en-US" altLang="ja-JP" dirty="0" smtClean="0"/>
+              <a:t>※</a:t>
+            </a:r>
+            <a:r>
+              <a:rPr lang="ja-JP" altLang="en-US" dirty="0" smtClean="0"/>
+              <a:t>選択されていない場合は右の</a:t>
+            </a:r>
+            <a:r>
+              <a:rPr lang="en-US" altLang="ja-JP" dirty="0" smtClean="0"/>
+              <a:t>[</a:t>
+            </a:r>
+            <a:r>
+              <a:rPr lang="ja-JP" altLang="en-US" dirty="0" smtClean="0"/>
+              <a:t>参照</a:t>
+            </a:r>
+            <a:r>
+              <a:rPr lang="en-US" altLang="ja-JP" dirty="0" smtClean="0"/>
+              <a:t>(R)]</a:t>
+            </a:r>
+            <a:r>
+              <a:rPr lang="ja-JP" altLang="en-US" dirty="0" smtClean="0"/>
+              <a:t>か</a:t>
+            </a:r>
+            <a:r>
+              <a:rPr lang="ja-JP" altLang="en-US" dirty="0"/>
+              <a:t>ら</a:t>
+            </a:r>
+            <a:r>
+              <a:rPr lang="en-US" altLang="ja-JP" dirty="0" smtClean="0"/>
+              <a:t>[</a:t>
             </a:r>
             <a:r>
               <a:rPr lang="ja-JP" altLang="ja-JP" dirty="0"/>
-              <a:t>以下</a:t>
-            </a:r>
-            <a:r>
-              <a:rPr lang="ja-JP" altLang="ja-JP" dirty="0" smtClean="0"/>
-              <a:t>の</a:t>
+              <a:t>信頼されたルート証明機関</a:t>
+            </a:r>
+            <a:r>
+              <a:rPr lang="en-US" altLang="ja-JP" dirty="0"/>
+              <a:t>]</a:t>
+            </a:r>
+            <a:r>
+              <a:rPr lang="ja-JP" altLang="en-US" dirty="0"/>
+              <a:t>を</a:t>
             </a:r>
             <a:r>
               <a:rPr lang="ja-JP" altLang="en-US" dirty="0" smtClean="0"/>
-              <a:t>手順を実施してください。</a:t>
+              <a:t>選択してください。</a:t>
             </a:r>
             <a:endParaRPr lang="en-US" altLang="ja-JP" dirty="0" smtClean="0"/>
           </a:p>
           <a:p>
-            <a:pPr lvl="1"/>
+            <a:pPr marL="357188" lvl="1" indent="0">
+              <a:buNone/>
+            </a:pPr>
             <a:r>
               <a:rPr lang="ja-JP" altLang="en-US" dirty="0" smtClean="0"/>
-              <a:t>ファイル「</a:t>
-            </a:r>
-            <a:r>
-              <a:rPr lang="en-US" altLang="ja-JP" dirty="0" smtClean="0"/>
-              <a:t>/</a:t>
-            </a:r>
-            <a:r>
-              <a:rPr lang="en-US" altLang="ja-JP" dirty="0" err="1" smtClean="0"/>
-              <a:t>etc</a:t>
-            </a:r>
-            <a:r>
-              <a:rPr lang="en-US" altLang="ja-JP" dirty="0" smtClean="0"/>
-              <a:t>/</a:t>
-            </a:r>
-            <a:r>
-              <a:rPr lang="en-US" altLang="ja-JP" dirty="0" err="1" smtClean="0"/>
-              <a:t>httpd</a:t>
-            </a:r>
-            <a:r>
-              <a:rPr lang="en-US" altLang="ja-JP" dirty="0" smtClean="0"/>
-              <a:t>/</a:t>
-            </a:r>
-            <a:r>
-              <a:rPr lang="en-US" altLang="ja-JP" dirty="0" err="1" smtClean="0"/>
-              <a:t>conf.d</a:t>
-            </a:r>
-            <a:r>
-              <a:rPr lang="en-US" altLang="ja-JP" dirty="0" smtClean="0"/>
-              <a:t>/</a:t>
-            </a:r>
-            <a:r>
-              <a:rPr lang="en-US" altLang="ja-JP" dirty="0" err="1" smtClean="0"/>
-              <a:t>vhosts_exastro</a:t>
-            </a:r>
-            <a:r>
-              <a:rPr lang="en-US" altLang="ja-JP" dirty="0" smtClean="0"/>
-              <a:t>-it-</a:t>
-            </a:r>
-            <a:r>
-              <a:rPr lang="en-US" altLang="ja-JP" dirty="0" err="1" smtClean="0"/>
-              <a:t>automation.conf</a:t>
-            </a:r>
-            <a:r>
-              <a:rPr lang="ja-JP" altLang="en-US" dirty="0" smtClean="0"/>
-              <a:t>」の</a:t>
-            </a:r>
-            <a:r>
-              <a:rPr lang="en-US" altLang="ja-JP" dirty="0" smtClean="0"/>
-              <a:t/>
-            </a:r>
-            <a:br>
-              <a:rPr lang="en-US" altLang="ja-JP" dirty="0" smtClean="0"/>
-            </a:br>
-            <a:r>
-              <a:rPr lang="ja-JP" altLang="en-US" dirty="0" smtClean="0"/>
-              <a:t>「</a:t>
+              <a:t>⑧　</a:t>
             </a:r>
             <a:r>
               <a:rPr lang="en-US" altLang="ja-JP" dirty="0"/>
-              <a:t>&lt;</a:t>
-            </a:r>
-            <a:r>
-              <a:rPr lang="en-US" altLang="ja-JP" dirty="0" err="1"/>
-              <a:t>VirtualHost</a:t>
+              <a:t>[</a:t>
+            </a:r>
+            <a:r>
+              <a:rPr lang="ja-JP" altLang="en-US" dirty="0"/>
+              <a:t>完了</a:t>
             </a:r>
             <a:r>
               <a:rPr lang="en-US" altLang="ja-JP" dirty="0"/>
-              <a:t> *:80 </a:t>
-            </a:r>
-            <a:r>
-              <a:rPr lang="en-US" altLang="ja-JP" dirty="0" smtClean="0"/>
-              <a:t>&gt;</a:t>
-            </a:r>
-            <a:r>
-              <a:rPr lang="ja-JP" altLang="en-US" dirty="0" smtClean="0"/>
-              <a:t>」から「</a:t>
-            </a:r>
-            <a:r>
-              <a:rPr lang="en-US" altLang="ja-JP" dirty="0"/>
-              <a:t>&lt;/</a:t>
-            </a:r>
-            <a:r>
-              <a:rPr lang="en-US" altLang="ja-JP" dirty="0" err="1"/>
-              <a:t>VirtualHost</a:t>
-            </a:r>
-            <a:r>
-              <a:rPr lang="en-US" altLang="ja-JP" dirty="0" smtClean="0"/>
-              <a:t>&gt;</a:t>
-            </a:r>
-            <a:r>
-              <a:rPr lang="ja-JP" altLang="en-US" dirty="0" smtClean="0"/>
-              <a:t>」のコメントアウト</a:t>
-            </a:r>
-            <a:r>
-              <a:rPr lang="en-US" altLang="ja-JP" dirty="0" smtClean="0"/>
-              <a:t>(#)</a:t>
-            </a:r>
-            <a:r>
-              <a:rPr lang="ja-JP" altLang="en-US" dirty="0" smtClean="0"/>
-              <a:t>を外す。</a:t>
-            </a:r>
-            <a:endParaRPr lang="en-US" altLang="ja-JP" dirty="0" smtClean="0"/>
-          </a:p>
-          <a:p>
-            <a:pPr lvl="1"/>
+              <a:t>]</a:t>
+            </a:r>
             <a:r>
               <a:rPr lang="ja-JP" altLang="en-US" dirty="0"/>
-              <a:t>以下</a:t>
-            </a:r>
-            <a:r>
-              <a:rPr lang="ja-JP" altLang="en-US" dirty="0" smtClean="0"/>
-              <a:t>のコマンドにより</a:t>
-            </a:r>
-            <a:r>
-              <a:rPr lang="en-US" altLang="ja-JP" dirty="0" smtClean="0"/>
-              <a:t>Apache</a:t>
-            </a:r>
-            <a:r>
-              <a:rPr lang="ja-JP" altLang="en-US" dirty="0" smtClean="0"/>
-              <a:t>を再起動する。</a:t>
-            </a:r>
-            <a:r>
-              <a:rPr lang="en-US" altLang="ja-JP" dirty="0" smtClean="0"/>
-              <a:t/>
-            </a:r>
-            <a:br>
-              <a:rPr lang="en-US" altLang="ja-JP" dirty="0" smtClean="0"/>
-            </a:br>
-            <a:r>
-              <a:rPr lang="en-US" altLang="ja-JP" dirty="0" err="1" smtClean="0"/>
-              <a:t>systemctl</a:t>
-            </a:r>
-            <a:r>
-              <a:rPr lang="en-US" altLang="ja-JP" dirty="0" smtClean="0"/>
-              <a:t> restart </a:t>
-            </a:r>
-            <a:r>
-              <a:rPr lang="en-US" altLang="ja-JP" dirty="0" err="1" smtClean="0"/>
-              <a:t>httpd</a:t>
-            </a:r>
-            <a:endParaRPr lang="en-US" altLang="ja-JP" dirty="0" smtClean="0"/>
-          </a:p>
-          <a:p>
-            <a:pPr lvl="1"/>
-            <a:r>
-              <a:rPr lang="en-US" altLang="ja-JP" dirty="0" smtClean="0"/>
-              <a:t>URL</a:t>
-            </a:r>
-            <a:r>
-              <a:rPr lang="ja-JP" altLang="en-US" dirty="0" smtClean="0"/>
-              <a:t>「</a:t>
-            </a:r>
-            <a:r>
-              <a:rPr lang="en-US" altLang="ja-JP" u="sng" dirty="0" smtClean="0"/>
-              <a:t>http://(IP</a:t>
-            </a:r>
-            <a:r>
-              <a:rPr lang="ja-JP" altLang="en-US" u="sng" dirty="0" smtClean="0"/>
-              <a:t>ドレス</a:t>
-            </a:r>
-            <a:r>
-              <a:rPr lang="en-US" altLang="ja-JP" u="sng" dirty="0" smtClean="0"/>
-              <a:t>)</a:t>
-            </a:r>
-            <a:r>
-              <a:rPr lang="ja-JP" altLang="en-US" smtClean="0"/>
-              <a:t>」に接続して、ログイン</a:t>
-            </a:r>
-            <a:r>
-              <a:rPr lang="ja-JP" altLang="en-US" dirty="0" smtClean="0"/>
-              <a:t>画面が表示されることを確認する。</a:t>
+              <a:t>をクリックします。</a:t>
             </a:r>
             <a:endParaRPr lang="ja-JP" altLang="ja-JP" dirty="0"/>
           </a:p>
@@ -28473,21 +28785,17 @@
       </p:sp>
       <p:graphicFrame>
         <p:nvGraphicFramePr>
-          <p:cNvPr id="8" name="表 7"/>
+          <p:cNvPr id="6" name="表 5"/>
           <p:cNvGraphicFramePr>
             <a:graphicFrameLocks noGrp="1"/>
           </p:cNvGraphicFramePr>
           <p:nvPr>
-            <p:extLst>
-              <p:ext uri="{D42A27DB-BD31-4B8C-83A1-F6EECF244321}">
-                <p14:modId xmlns:p14="http://schemas.microsoft.com/office/powerpoint/2010/main" val="1492654175"/>
-              </p:ext>
-            </p:extLst>
+            <p:extLst/>
           </p:nvPr>
         </p:nvGraphicFramePr>
         <p:xfrm>
-          <a:off x="1259540" y="1628750"/>
-          <a:ext cx="6624920" cy="2222847"/>
+          <a:off x="1207459" y="1772770"/>
+          <a:ext cx="6729082" cy="1018455"/>
         </p:xfrm>
         <a:graphic>
           <a:graphicData uri="http://schemas.openxmlformats.org/drawingml/2006/table">
@@ -28496,22 +28804,29 @@
                 <a:tableStyleId>{5C22544A-7EE6-4342-B048-85BDC9FD1C3A}</a:tableStyleId>
               </a:tblPr>
               <a:tblGrid>
-                <a:gridCol w="3312460">
+                <a:gridCol w="1581792">
                   <a:extLst>
                     <a:ext uri="{9D8B030D-6E8A-4147-A177-3AD203B41FA5}">
                       <a16:colId xmlns:a16="http://schemas.microsoft.com/office/drawing/2014/main" val="20000"/>
                     </a:ext>
                   </a:extLst>
                 </a:gridCol>
-                <a:gridCol w="3312460">
+                <a:gridCol w="3269829">
                   <a:extLst>
                     <a:ext uri="{9D8B030D-6E8A-4147-A177-3AD203B41FA5}">
                       <a16:colId xmlns:a16="http://schemas.microsoft.com/office/drawing/2014/main" val="20001"/>
                     </a:ext>
                   </a:extLst>
                 </a:gridCol>
+                <a:gridCol w="1877461">
+                  <a:extLst>
+                    <a:ext uri="{9D8B030D-6E8A-4147-A177-3AD203B41FA5}">
+                      <a16:colId xmlns:a16="http://schemas.microsoft.com/office/drawing/2014/main" val="20002"/>
+                    </a:ext>
+                  </a:extLst>
+                </a:gridCol>
               </a:tblGrid>
-              <a:tr h="425478">
+              <a:tr h="288039">
                 <a:tc>
                   <a:txBody>
                     <a:bodyPr/>
@@ -28523,10 +28838,28 @@
                         </a:spcAft>
                       </a:pPr>
                       <a:r>
+                        <a:rPr lang="en-US" altLang="ja-JP" sz="1050" kern="100" dirty="0" smtClean="0">
+                          <a:effectLst/>
+                        </a:rPr>
+                        <a:t>ITA</a:t>
+                      </a:r>
+                      <a:r>
+                        <a:rPr lang="ja-JP" sz="1050" kern="100" dirty="0" smtClean="0">
+                          <a:effectLst/>
+                        </a:rPr>
+                        <a:t>サーバ</a:t>
+                      </a:r>
+                      <a:r>
                         <a:rPr lang="ja-JP" sz="1050" kern="100" dirty="0">
                           <a:effectLst/>
                         </a:rPr>
-                        <a:t>機能</a:t>
+                        <a:t>の</a:t>
+                      </a:r>
+                      <a:r>
+                        <a:rPr lang="en-US" sz="1050" kern="100" dirty="0">
+                          <a:effectLst/>
+                        </a:rPr>
+                        <a:t>OS</a:t>
                       </a:r>
                       <a:endParaRPr lang="ja-JP" sz="1050" kern="100" dirty="0">
                         <a:effectLst/>
@@ -28556,7 +28889,37 @@
                         <a:rPr lang="ja-JP" sz="1050" kern="100" dirty="0">
                           <a:effectLst/>
                         </a:rPr>
-                        <a:t>メニュー</a:t>
+                        <a:t>ファイルパス</a:t>
+                      </a:r>
+                      <a:endParaRPr lang="ja-JP" sz="1050" kern="100" dirty="0">
+                        <a:effectLst/>
+                        <a:latin typeface="Century" panose="02040604050505020304" pitchFamily="18" charset="0"/>
+                        <a:ea typeface="ＭＳ 明朝" panose="02020609040205080304" pitchFamily="17" charset="-128"/>
+                        <a:cs typeface="Times New Roman" panose="02020603050405020304" pitchFamily="18" charset="0"/>
+                      </a:endParaRPr>
+                    </a:p>
+                  </a:txBody>
+                  <a:tcPr marL="68580" marR="68580" marT="0" marB="0" anchor="ctr">
+                    <a:solidFill>
+                      <a:srgbClr val="002B62"/>
+                    </a:solidFill>
+                  </a:tcPr>
+                </a:tc>
+                <a:tc>
+                  <a:txBody>
+                    <a:bodyPr/>
+                    <a:lstStyle/>
+                    <a:p>
+                      <a:pPr algn="ctr">
+                        <a:spcAft>
+                          <a:spcPts val="0"/>
+                        </a:spcAft>
+                      </a:pPr>
+                      <a:r>
+                        <a:rPr lang="ja-JP" sz="1050" kern="100" dirty="0">
+                          <a:effectLst/>
+                        </a:rPr>
+                        <a:t>ファイル名</a:t>
                       </a:r>
                       <a:endParaRPr lang="ja-JP" sz="1050" kern="100" dirty="0">
                         <a:effectLst/>
@@ -28578,28 +28941,46 @@
                   </a:ext>
                 </a:extLst>
               </a:tr>
-              <a:tr h="256767">
-                <a:tc rowSpan="2">
+              <a:tr h="365208">
+                <a:tc>
                   <a:txBody>
                     <a:bodyPr/>
                     <a:lstStyle/>
                     <a:p>
-                      <a:pPr algn="l">
+                      <a:pPr algn="l" latinLnBrk="1">
                         <a:spcAft>
                           <a:spcPts val="0"/>
                         </a:spcAft>
                       </a:pPr>
                       <a:r>
-                        <a:rPr lang="en-US" altLang="ja-JP" sz="1050" kern="100" dirty="0" smtClean="0">
-                          <a:effectLst/>
-                        </a:rPr>
-                        <a:t>ITA</a:t>
-                      </a:r>
-                      <a:r>
-                        <a:rPr lang="ja-JP" sz="1050" kern="100" dirty="0" smtClean="0">
-                          <a:effectLst/>
-                        </a:rPr>
-                        <a:t>本体</a:t>
+                        <a:rPr lang="en-US" sz="900" kern="100" dirty="0">
+                          <a:effectLst/>
+                        </a:rPr>
+                        <a:t>RHEL </a:t>
+                      </a:r>
+                      <a:r>
+                        <a:rPr lang="en-US" sz="900" kern="100" dirty="0" smtClean="0">
+                          <a:effectLst/>
+                        </a:rPr>
+                        <a:t>7, </a:t>
+                      </a:r>
+                      <a:r>
+                        <a:rPr lang="en-US" sz="900" kern="100" dirty="0">
+                          <a:effectLst/>
+                        </a:rPr>
+                        <a:t>CentOS </a:t>
+                      </a:r>
+                      <a:r>
+                        <a:rPr lang="en-US" sz="900" kern="100" dirty="0" smtClean="0">
+                          <a:effectLst/>
+                        </a:rPr>
+                        <a:t>7</a:t>
+                      </a:r>
+                      <a:r>
+                        <a:rPr lang="ja-JP" sz="900" kern="100" dirty="0" smtClean="0">
+                          <a:effectLst/>
+                        </a:rPr>
+                        <a:t>系</a:t>
                       </a:r>
                       <a:endParaRPr lang="ja-JP" sz="1050" kern="100" dirty="0">
                         <a:effectLst/>
@@ -28620,18 +29001,54 @@
                     <a:bodyPr/>
                     <a:lstStyle/>
                     <a:p>
-                      <a:pPr algn="l">
+                      <a:pPr algn="l" latinLnBrk="1">
                         <a:spcAft>
                           <a:spcPts val="0"/>
                         </a:spcAft>
                       </a:pPr>
                       <a:r>
-                        <a:rPr lang="ja-JP" sz="1050" kern="100" dirty="0">
-                          <a:effectLst/>
-                        </a:rPr>
-                        <a:t>管理コンソール</a:t>
-                      </a:r>
-                      <a:endParaRPr lang="ja-JP" sz="1050" kern="100" dirty="0">
+                        <a:rPr lang="en-US" sz="1000" kern="100" dirty="0">
+                          <a:effectLst/>
+                        </a:rPr>
+                        <a:t>/(</a:t>
+                      </a:r>
+                      <a:r>
+                        <a:rPr lang="ja-JP" sz="1000" kern="100" dirty="0">
+                          <a:effectLst/>
+                        </a:rPr>
+                        <a:t>インストール資材展開先</a:t>
+                      </a:r>
+                      <a:r>
+                        <a:rPr lang="en-US" sz="1000" kern="100" dirty="0" smtClean="0">
+                          <a:effectLst/>
+                        </a:rPr>
+                        <a:t>)/</a:t>
+                      </a:r>
+                      <a:r>
+                        <a:rPr lang="en-US" sz="1000" kern="100" dirty="0" err="1" smtClean="0">
+                          <a:effectLst/>
+                        </a:rPr>
+                        <a:t>ita_install_package</a:t>
+                      </a:r>
+                      <a:r>
+                        <a:rPr lang="en-US" sz="1000" kern="100" dirty="0" smtClean="0">
+                          <a:effectLst/>
+                        </a:rPr>
+                        <a:t>/ext_files_for_CentOS7.x/</a:t>
+                      </a:r>
+                      <a:r>
+                        <a:rPr lang="en-US" sz="1000" kern="100" dirty="0" err="1" smtClean="0">
+                          <a:effectLst/>
+                        </a:rPr>
+                        <a:t>etc_pki_tls_certs</a:t>
+                      </a:r>
+                      <a:r>
+                        <a:rPr lang="en-US" sz="1000" kern="100" dirty="0">
+                          <a:effectLst/>
+                        </a:rPr>
+                        <a:t>/</a:t>
+                      </a:r>
+                      <a:endParaRPr lang="ja-JP" sz="1100" kern="100" dirty="0">
                         <a:effectLst/>
                         <a:latin typeface="Century" panose="02040604050505020304" pitchFamily="18" charset="0"/>
                         <a:ea typeface="ＭＳ 明朝" panose="02020609040205080304" pitchFamily="17" charset="-128"/>
@@ -28639,7 +29056,37 @@
                       </a:endParaRPr>
                     </a:p>
                   </a:txBody>
-                  <a:tcPr marL="68580" marR="68580" marT="0" marB="0" anchor="ctr">
+                  <a:tcPr marL="68580" marR="68580" marT="0" marB="0">
+                    <a:solidFill>
+                      <a:srgbClr val="CBCDD3"/>
+                    </a:solidFill>
+                  </a:tcPr>
+                </a:tc>
+                <a:tc>
+                  <a:txBody>
+                    <a:bodyPr/>
+                    <a:lstStyle/>
+                    <a:p>
+                      <a:pPr algn="l">
+                        <a:spcAft>
+                          <a:spcPts val="0"/>
+                        </a:spcAft>
+                      </a:pPr>
+                      <a:r>
+                        <a:rPr lang="en-US" sz="1100" kern="100" dirty="0" smtClean="0">
+                          <a:effectLst/>
+                        </a:rPr>
+                        <a:t>exastro-it-automation.crt</a:t>
+                      </a:r>
+                      <a:endParaRPr lang="ja-JP" sz="1100" kern="100" dirty="0">
+                        <a:effectLst/>
+                        <a:latin typeface="Century" panose="02040604050505020304" pitchFamily="18" charset="0"/>
+                        <a:ea typeface="ＭＳ 明朝" panose="02020609040205080304" pitchFamily="17" charset="-128"/>
+                        <a:cs typeface="Times New Roman" panose="02020603050405020304" pitchFamily="18" charset="0"/>
+                      </a:endParaRPr>
+                    </a:p>
+                  </a:txBody>
+                  <a:tcPr marL="68580" marR="68580" marT="0" marB="0">
                     <a:solidFill>
                       <a:srgbClr val="CBCDD3"/>
                     </a:solidFill>
@@ -28651,75 +29098,46 @@
                   </a:ext>
                 </a:extLst>
               </a:tr>
-              <a:tr h="256767">
-                <a:tc vMerge="1">
-                  <a:txBody>
-                    <a:bodyPr/>
-                    <a:lstStyle/>
-                    <a:p>
-                      <a:endParaRPr kumimoji="1" lang="ja-JP" altLang="en-US"/>
-                    </a:p>
-                  </a:txBody>
-                  <a:tcPr/>
-                </a:tc>
+              <a:tr h="365208">
                 <a:tc>
                   <a:txBody>
                     <a:bodyPr/>
                     <a:lstStyle/>
                     <a:p>
-                      <a:pPr algn="l">
+                      <a:pPr algn="l" latinLnBrk="1">
                         <a:spcAft>
                           <a:spcPts val="0"/>
                         </a:spcAft>
                       </a:pPr>
                       <a:r>
-                        <a:rPr lang="ja-JP" sz="1050" kern="100" dirty="0">
-                          <a:effectLst/>
-                        </a:rPr>
-                        <a:t>基本コンソール</a:t>
-                      </a:r>
-                      <a:endParaRPr lang="ja-JP" sz="1050" kern="100" dirty="0">
-                        <a:effectLst/>
-                        <a:latin typeface="Century" panose="02040604050505020304" pitchFamily="18" charset="0"/>
-                        <a:ea typeface="ＭＳ 明朝" panose="02020609040205080304" pitchFamily="17" charset="-128"/>
-                        <a:cs typeface="Times New Roman" panose="02020603050405020304" pitchFamily="18" charset="0"/>
-                      </a:endParaRPr>
-                    </a:p>
-                  </a:txBody>
-                  <a:tcPr marL="68580" marR="68580" marT="0" marB="0" anchor="ctr">
-                    <a:solidFill>
-                      <a:srgbClr val="E7E8EA"/>
-                    </a:solidFill>
-                  </a:tcPr>
-                </a:tc>
-                <a:extLst>
-                  <a:ext uri="{0D108BD9-81ED-4DB2-BD59-A6C34878D82A}">
-                    <a16:rowId xmlns:a16="http://schemas.microsoft.com/office/drawing/2014/main" val="10002"/>
-                  </a:ext>
-                </a:extLst>
-              </a:tr>
-              <a:tr h="256767">
-                <a:tc>
-                  <a:txBody>
-                    <a:bodyPr/>
-                    <a:lstStyle/>
-                    <a:p>
-                      <a:pPr algn="l">
-                        <a:spcAft>
-                          <a:spcPts val="0"/>
-                        </a:spcAft>
-                      </a:pPr>
-                      <a:r>
-                        <a:rPr lang="ja-JP" altLang="en-US" sz="1050" kern="100" dirty="0" smtClean="0">
-                          <a:effectLst/>
-                        </a:rPr>
-                        <a:t>メニュー</a:t>
-                      </a:r>
-                      <a:r>
-                        <a:rPr lang="ja-JP" sz="1050" kern="100" dirty="0" smtClean="0">
-                          <a:effectLst/>
-                        </a:rPr>
-                        <a:t>作成</a:t>
+                        <a:rPr lang="en-US" sz="900" kern="100" dirty="0">
+                          <a:effectLst/>
+                        </a:rPr>
+                        <a:t>RHEL </a:t>
+                      </a:r>
+                      <a:r>
+                        <a:rPr lang="en-US" sz="900" kern="100" dirty="0" smtClean="0">
+                          <a:effectLst/>
+                        </a:rPr>
+                        <a:t>8, </a:t>
+                      </a:r>
+                      <a:r>
+                        <a:rPr lang="en-US" sz="900" kern="100" dirty="0">
+                          <a:effectLst/>
+                        </a:rPr>
+                        <a:t>CentOS </a:t>
+                      </a:r>
+                      <a:r>
+                        <a:rPr lang="en-US" sz="900" kern="100" dirty="0" smtClean="0">
+                          <a:effectLst/>
+                        </a:rPr>
+                        <a:t>8</a:t>
+                      </a:r>
+                      <a:r>
+                        <a:rPr lang="ja-JP" sz="900" kern="100" dirty="0" smtClean="0">
+                          <a:effectLst/>
+                        </a:rPr>
+                        <a:t>系</a:t>
                       </a:r>
                       <a:endParaRPr lang="ja-JP" sz="1050" kern="100" dirty="0">
                         <a:effectLst/>
@@ -28740,18 +29158,54 @@
                     <a:bodyPr/>
                     <a:lstStyle/>
                     <a:p>
-                      <a:pPr algn="l">
+                      <a:pPr algn="l" latinLnBrk="1">
                         <a:spcAft>
                           <a:spcPts val="0"/>
                         </a:spcAft>
                       </a:pPr>
                       <a:r>
-                        <a:rPr lang="ja-JP" sz="1050" kern="100" dirty="0">
-                          <a:effectLst/>
-                        </a:rPr>
-                        <a:t>マスタ作成</a:t>
-                      </a:r>
-                      <a:endParaRPr lang="ja-JP" sz="1050" kern="100" dirty="0">
+                        <a:rPr lang="en-US" sz="1000" kern="100" dirty="0">
+                          <a:effectLst/>
+                        </a:rPr>
+                        <a:t>/(</a:t>
+                      </a:r>
+                      <a:r>
+                        <a:rPr lang="ja-JP" sz="1000" kern="100" dirty="0">
+                          <a:effectLst/>
+                        </a:rPr>
+                        <a:t>インストール資材展開先</a:t>
+                      </a:r>
+                      <a:r>
+                        <a:rPr lang="en-US" sz="1000" kern="100" dirty="0" smtClean="0">
+                          <a:effectLst/>
+                        </a:rPr>
+                        <a:t>)/</a:t>
+                      </a:r>
+                      <a:r>
+                        <a:rPr lang="en-US" sz="1000" kern="100" dirty="0" err="1" smtClean="0">
+                          <a:effectLst/>
+                        </a:rPr>
+                        <a:t>ita_install_package</a:t>
+                      </a:r>
+                      <a:r>
+                        <a:rPr lang="en-US" sz="1000" kern="100" dirty="0" smtClean="0">
+                          <a:effectLst/>
+                        </a:rPr>
+                        <a:t>/ext_files_for_CentOS8.x/</a:t>
+                      </a:r>
+                      <a:r>
+                        <a:rPr lang="en-US" sz="1000" kern="100" dirty="0" err="1" smtClean="0">
+                          <a:effectLst/>
+                        </a:rPr>
+                        <a:t>etc_pki_tls_certs</a:t>
+                      </a:r>
+                      <a:r>
+                        <a:rPr lang="en-US" sz="1000" kern="100" dirty="0">
+                          <a:effectLst/>
+                        </a:rPr>
+                        <a:t>/</a:t>
+                      </a:r>
+                      <a:endParaRPr lang="ja-JP" sz="1100" kern="100" dirty="0">
                         <a:effectLst/>
                         <a:latin typeface="Century" panose="02040604050505020304" pitchFamily="18" charset="0"/>
                         <a:ea typeface="ＭＳ 明朝" panose="02020609040205080304" pitchFamily="17" charset="-128"/>
@@ -28759,52 +29213,9 @@
                       </a:endParaRPr>
                     </a:p>
                   </a:txBody>
-                  <a:tcPr marL="68580" marR="68580" marT="0" marB="0" anchor="ctr">
+                  <a:tcPr marL="68580" marR="68580" marT="0" marB="0">
                     <a:solidFill>
-                      <a:srgbClr val="CBCDD3"/>
-                    </a:solidFill>
-                  </a:tcPr>
-                </a:tc>
-                <a:extLst>
-                  <a:ext uri="{0D108BD9-81ED-4DB2-BD59-A6C34878D82A}">
-                    <a16:rowId xmlns:a16="http://schemas.microsoft.com/office/drawing/2014/main" val="10003"/>
-                  </a:ext>
-                </a:extLst>
-              </a:tr>
-              <a:tr h="256767">
-                <a:tc rowSpan="4">
-                  <a:txBody>
-                    <a:bodyPr/>
-                    <a:lstStyle/>
-                    <a:p>
-                      <a:pPr algn="l">
-                        <a:spcAft>
-                          <a:spcPts val="0"/>
-                        </a:spcAft>
-                      </a:pPr>
-                      <a:r>
-                        <a:rPr lang="en-US" sz="1050" kern="100" dirty="0">
-                          <a:effectLst/>
-                        </a:rPr>
-                        <a:t>Ansible </a:t>
-                      </a:r>
-                      <a:r>
-                        <a:rPr lang="ja-JP" sz="1050" kern="100" dirty="0">
-                          <a:effectLst/>
-                        </a:rPr>
-                        <a:t>ドライバー</a:t>
-                      </a:r>
-                      <a:endParaRPr lang="ja-JP" sz="1050" kern="100" dirty="0">
-                        <a:effectLst/>
-                        <a:latin typeface="Century" panose="02040604050505020304" pitchFamily="18" charset="0"/>
-                        <a:ea typeface="ＭＳ 明朝" panose="02020609040205080304" pitchFamily="17" charset="-128"/>
-                        <a:cs typeface="Times New Roman" panose="02020603050405020304" pitchFamily="18" charset="0"/>
-                      </a:endParaRPr>
-                    </a:p>
-                  </a:txBody>
-                  <a:tcPr marL="68580" marR="68580" marT="0" marB="0" anchor="ctr">
-                    <a:solidFill>
-                      <a:srgbClr val="002B62"/>
+                      <a:srgbClr val="E7E8EA"/>
                     </a:solidFill>
                   </a:tcPr>
                 </a:tc>
@@ -28819,18 +29230,12 @@
                         </a:spcAft>
                       </a:pPr>
                       <a:r>
-                        <a:rPr lang="en-US" sz="1050" kern="100" dirty="0">
-                          <a:effectLst/>
-                        </a:rPr>
-                        <a:t>Ansible</a:t>
-                      </a:r>
-                      <a:r>
-                        <a:rPr lang="ja-JP" sz="1050" kern="100" dirty="0">
-                          <a:effectLst/>
-                        </a:rPr>
-                        <a:t>共通</a:t>
-                      </a:r>
-                      <a:endParaRPr lang="ja-JP" sz="1050" kern="100" dirty="0">
+                        <a:rPr lang="en-US" sz="1100" kern="100" dirty="0" smtClean="0">
+                          <a:effectLst/>
+                        </a:rPr>
+                        <a:t>exastro-it-automation.crt</a:t>
+                      </a:r>
+                      <a:endParaRPr lang="ja-JP" sz="1100" kern="100" dirty="0">
                         <a:effectLst/>
                         <a:latin typeface="Century" panose="02040604050505020304" pitchFamily="18" charset="0"/>
                         <a:ea typeface="ＭＳ 明朝" panose="02020609040205080304" pitchFamily="17" charset="-128"/>
@@ -28838,54 +29243,7 @@
                       </a:endParaRPr>
                     </a:p>
                   </a:txBody>
-                  <a:tcPr marL="68580" marR="68580" marT="0" marB="0" anchor="ctr">
-                    <a:solidFill>
-                      <a:srgbClr val="CBCDD3"/>
-                    </a:solidFill>
-                  </a:tcPr>
-                </a:tc>
-                <a:extLst>
-                  <a:ext uri="{0D108BD9-81ED-4DB2-BD59-A6C34878D82A}">
-                    <a16:rowId xmlns:a16="http://schemas.microsoft.com/office/drawing/2014/main" val="10005"/>
-                  </a:ext>
-                </a:extLst>
-              </a:tr>
-              <a:tr h="256767">
-                <a:tc vMerge="1">
-                  <a:txBody>
-                    <a:bodyPr/>
-                    <a:lstStyle/>
-                    <a:p>
-                      <a:endParaRPr kumimoji="1" lang="ja-JP" altLang="en-US"/>
-                    </a:p>
-                  </a:txBody>
-                  <a:tcPr/>
-                </a:tc>
-                <a:tc>
-                  <a:txBody>
-                    <a:bodyPr/>
-                    <a:lstStyle/>
-                    <a:p>
-                      <a:pPr algn="l">
-                        <a:spcAft>
-                          <a:spcPts val="0"/>
-                        </a:spcAft>
-                      </a:pPr>
-                      <a:r>
-                        <a:rPr lang="en-US" sz="1050" kern="100" dirty="0">
-                          <a:effectLst/>
-                        </a:rPr>
-                        <a:t>Ansible-Legacy</a:t>
-                      </a:r>
-                      <a:endParaRPr lang="ja-JP" sz="1050" kern="100" dirty="0">
-                        <a:effectLst/>
-                        <a:latin typeface="Century" panose="02040604050505020304" pitchFamily="18" charset="0"/>
-                        <a:ea typeface="ＭＳ 明朝" panose="02020609040205080304" pitchFamily="17" charset="-128"/>
-                        <a:cs typeface="Times New Roman" panose="02020603050405020304" pitchFamily="18" charset="0"/>
-                      </a:endParaRPr>
-                    </a:p>
-                  </a:txBody>
-                  <a:tcPr marL="68580" marR="68580" marT="0" marB="0" anchor="ctr">
+                  <a:tcPr marL="68580" marR="68580" marT="0" marB="0">
                     <a:solidFill>
                       <a:srgbClr val="E7E8EA"/>
                     </a:solidFill>
@@ -28893,101 +29251,7 @@
                 </a:tc>
                 <a:extLst>
                   <a:ext uri="{0D108BD9-81ED-4DB2-BD59-A6C34878D82A}">
-                    <a16:rowId xmlns:a16="http://schemas.microsoft.com/office/drawing/2014/main" val="10006"/>
-                  </a:ext>
-                </a:extLst>
-              </a:tr>
-              <a:tr h="256767">
-                <a:tc vMerge="1">
-                  <a:txBody>
-                    <a:bodyPr/>
-                    <a:lstStyle/>
-                    <a:p>
-                      <a:endParaRPr kumimoji="1" lang="ja-JP" altLang="en-US"/>
-                    </a:p>
-                  </a:txBody>
-                  <a:tcPr/>
-                </a:tc>
-                <a:tc>
-                  <a:txBody>
-                    <a:bodyPr/>
-                    <a:lstStyle/>
-                    <a:p>
-                      <a:pPr algn="l">
-                        <a:spcAft>
-                          <a:spcPts val="0"/>
-                        </a:spcAft>
-                      </a:pPr>
-                      <a:r>
-                        <a:rPr lang="en-US" sz="1050" kern="100" dirty="0">
-                          <a:effectLst/>
-                        </a:rPr>
-                        <a:t>Ansible-Pioneer</a:t>
-                      </a:r>
-                      <a:endParaRPr lang="ja-JP" sz="1050" kern="100" dirty="0">
-                        <a:effectLst/>
-                        <a:latin typeface="Century" panose="02040604050505020304" pitchFamily="18" charset="0"/>
-                        <a:ea typeface="ＭＳ 明朝" panose="02020609040205080304" pitchFamily="17" charset="-128"/>
-                        <a:cs typeface="Times New Roman" panose="02020603050405020304" pitchFamily="18" charset="0"/>
-                      </a:endParaRPr>
-                    </a:p>
-                  </a:txBody>
-                  <a:tcPr marL="68580" marR="68580" marT="0" marB="0" anchor="ctr">
-                    <a:solidFill>
-                      <a:srgbClr val="CBCDD3"/>
-                    </a:solidFill>
-                  </a:tcPr>
-                </a:tc>
-                <a:extLst>
-                  <a:ext uri="{0D108BD9-81ED-4DB2-BD59-A6C34878D82A}">
-                    <a16:rowId xmlns:a16="http://schemas.microsoft.com/office/drawing/2014/main" val="10007"/>
-                  </a:ext>
-                </a:extLst>
-              </a:tr>
-              <a:tr h="256767">
-                <a:tc vMerge="1">
-                  <a:txBody>
-                    <a:bodyPr/>
-                    <a:lstStyle/>
-                    <a:p>
-                      <a:endParaRPr kumimoji="1" lang="ja-JP" altLang="en-US"/>
-                    </a:p>
-                  </a:txBody>
-                  <a:tcPr/>
-                </a:tc>
-                <a:tc>
-                  <a:txBody>
-                    <a:bodyPr/>
-                    <a:lstStyle/>
-                    <a:p>
-                      <a:pPr algn="l">
-                        <a:spcAft>
-                          <a:spcPts val="0"/>
-                        </a:spcAft>
-                      </a:pPr>
-                      <a:r>
-                        <a:rPr lang="en-US" sz="1050" kern="100" dirty="0">
-                          <a:effectLst/>
-                        </a:rPr>
-                        <a:t>Ansible-LegacyRole</a:t>
-                      </a:r>
-                      <a:endParaRPr lang="ja-JP" sz="1050" kern="100" dirty="0">
-                        <a:effectLst/>
-                        <a:latin typeface="Century" panose="02040604050505020304" pitchFamily="18" charset="0"/>
-                        <a:ea typeface="ＭＳ 明朝" panose="02020609040205080304" pitchFamily="17" charset="-128"/>
-                        <a:cs typeface="Times New Roman" panose="02020603050405020304" pitchFamily="18" charset="0"/>
-                      </a:endParaRPr>
-                    </a:p>
-                  </a:txBody>
-                  <a:tcPr marL="68580" marR="68580" marT="0" marB="0" anchor="ctr">
-                    <a:solidFill>
-                      <a:srgbClr val="E7E8EA"/>
-                    </a:solidFill>
-                  </a:tcPr>
-                </a:tc>
-                <a:extLst>
-                  <a:ext uri="{0D108BD9-81ED-4DB2-BD59-A6C34878D82A}">
-                    <a16:rowId xmlns:a16="http://schemas.microsoft.com/office/drawing/2014/main" val="10008"/>
+                    <a16:rowId xmlns:a16="http://schemas.microsoft.com/office/drawing/2014/main" val="10002"/>
                   </a:ext>
                 </a:extLst>
               </a:tr>
@@ -28998,17 +29262,572 @@
     </p:spTree>
     <p:extLst>
       <p:ext uri="{BB962C8B-B14F-4D97-AF65-F5344CB8AC3E}">
-        <p14:creationId xmlns:p14="http://schemas.microsoft.com/office/powerpoint/2010/main" val="1555258397"/>
+        <p14:creationId xmlns:p14="http://schemas.microsoft.com/office/powerpoint/2010/main" val="3978576974"/>
       </p:ext>
     </p:extLst>
   </p:cSld>
   <p:clrMapOvr>
     <a:masterClrMapping/>
   </p:clrMapOvr>
+  <p:timing>
+    <p:tnLst>
+      <p:par>
+        <p:cTn id="1" dur="indefinite" restart="never" nodeType="tmRoot"/>
+      </p:par>
+    </p:tnLst>
+  </p:timing>
 </p:sld>
 </file>
 
 <file path=ppt/slides/slide27.xml><?xml version="1.0" encoding="utf-8"?>
+<p:sld xmlns:a="http://schemas.openxmlformats.org/drawingml/2006/main" xmlns:r="http://schemas.openxmlformats.org/officeDocument/2006/relationships" xmlns:p="http://schemas.openxmlformats.org/presentationml/2006/main">
+  <p:cSld>
+    <p:spTree>
+      <p:nvGrpSpPr>
+        <p:cNvPr id="1" name=""/>
+        <p:cNvGrpSpPr/>
+        <p:nvPr/>
+      </p:nvGrpSpPr>
+      <p:grpSpPr>
+        <a:xfrm>
+          <a:off x="0" y="0"/>
+          <a:ext cx="0" cy="0"/>
+          <a:chOff x="0" y="0"/>
+          <a:chExt cx="0" cy="0"/>
+        </a:xfrm>
+      </p:grpSpPr>
+      <p:sp>
+        <p:nvSpPr>
+          <p:cNvPr id="2" name="タイトル 1"/>
+          <p:cNvSpPr>
+            <a:spLocks noGrp="1"/>
+          </p:cNvSpPr>
+          <p:nvPr>
+            <p:ph type="title"/>
+          </p:nvPr>
+        </p:nvSpPr>
+        <p:spPr/>
+        <p:txBody>
+          <a:bodyPr/>
+          <a:lstStyle/>
+          <a:p>
+            <a:r>
+              <a:rPr lang="en-US" altLang="ja-JP" dirty="0" smtClean="0"/>
+              <a:t>4.6</a:t>
+            </a:r>
+            <a:r>
+              <a:rPr lang="ja-JP" altLang="en-US" dirty="0"/>
+              <a:t>　動作確認</a:t>
+            </a:r>
+            <a:r>
+              <a:rPr lang="ja-JP" altLang="en-US" dirty="0" smtClean="0"/>
+              <a:t>（</a:t>
+            </a:r>
+            <a:r>
+              <a:rPr lang="en-US" altLang="ja-JP" dirty="0" smtClean="0"/>
+              <a:t>6/6</a:t>
+            </a:r>
+            <a:r>
+              <a:rPr lang="ja-JP" altLang="en-US" dirty="0" smtClean="0"/>
+              <a:t>）</a:t>
+            </a:r>
+            <a:endParaRPr kumimoji="1" lang="ja-JP" altLang="en-US" dirty="0"/>
+          </a:p>
+        </p:txBody>
+      </p:sp>
+      <p:sp>
+        <p:nvSpPr>
+          <p:cNvPr id="3" name="コンテンツ プレースホルダー 2"/>
+          <p:cNvSpPr>
+            <a:spLocks noGrp="1"/>
+          </p:cNvSpPr>
+          <p:nvPr>
+            <p:ph sz="quarter" idx="10"/>
+          </p:nvPr>
+        </p:nvSpPr>
+        <p:spPr/>
+        <p:txBody>
+          <a:bodyPr>
+            <a:normAutofit/>
+          </a:bodyPr>
+          <a:lstStyle/>
+          <a:p>
+            <a:pPr lvl="0"/>
+            <a:r>
+              <a:rPr lang="en-US" altLang="ja-JP" dirty="0" smtClean="0"/>
+              <a:t>HTTPS</a:t>
+            </a:r>
+            <a:r>
+              <a:rPr lang="ja-JP" altLang="en-US" dirty="0" err="1" smtClean="0"/>
+              <a:t>での</a:t>
+            </a:r>
+            <a:r>
+              <a:rPr lang="en-US" altLang="ja-JP" dirty="0" smtClean="0"/>
+              <a:t>URL</a:t>
+            </a:r>
+            <a:r>
+              <a:rPr lang="ja-JP" altLang="en-US" dirty="0" smtClean="0"/>
+              <a:t>接続</a:t>
+            </a:r>
+            <a:endParaRPr lang="en-US" altLang="ja-JP" dirty="0" smtClean="0"/>
+          </a:p>
+          <a:p>
+            <a:pPr lvl="1"/>
+            <a:r>
+              <a:rPr lang="ja-JP" altLang="en-US" dirty="0" smtClean="0"/>
+              <a:t>以下の</a:t>
+            </a:r>
+            <a:r>
+              <a:rPr lang="en-US" altLang="ja-JP" dirty="0" smtClean="0"/>
+              <a:t>URL</a:t>
+            </a:r>
+            <a:r>
+              <a:rPr lang="ja-JP" altLang="en-US" dirty="0" smtClean="0"/>
+              <a:t>よ</a:t>
+            </a:r>
+            <a:r>
+              <a:rPr lang="ja-JP" altLang="en-US" dirty="0"/>
+              <a:t>り</a:t>
+            </a:r>
+            <a:r>
+              <a:rPr lang="ja-JP" altLang="en-US" dirty="0" smtClean="0"/>
+              <a:t>、ログイン画面にアクセスしてください。</a:t>
+            </a:r>
+            <a:endParaRPr lang="en-US" altLang="ja-JP" dirty="0" smtClean="0"/>
+          </a:p>
+          <a:p>
+            <a:pPr lvl="1"/>
+            <a:r>
+              <a:rPr lang="en-US" altLang="ja-JP" dirty="0" smtClean="0"/>
+              <a:t>URL</a:t>
+            </a:r>
+            <a:r>
+              <a:rPr lang="ja-JP" altLang="ja-JP" dirty="0"/>
+              <a:t>：</a:t>
+            </a:r>
+            <a:r>
+              <a:rPr lang="en-US" altLang="ja-JP" b="1" u="sng" dirty="0" smtClean="0">
+                <a:solidFill>
+                  <a:srgbClr val="FF0000"/>
+                </a:solidFill>
+              </a:rPr>
+              <a:t>https://exastro-it-automation</a:t>
+            </a:r>
+          </a:p>
+          <a:p>
+            <a:pPr marL="180000" lvl="1" indent="0">
+              <a:buNone/>
+            </a:pPr>
+            <a:endParaRPr lang="en-US" altLang="ja-JP" b="1" u="sng" dirty="0" smtClean="0">
+              <a:solidFill>
+                <a:srgbClr val="FF0000"/>
+              </a:solidFill>
+            </a:endParaRPr>
+          </a:p>
+          <a:p>
+            <a:pPr marL="180000" lvl="1" indent="0">
+              <a:buNone/>
+            </a:pPr>
+            <a:r>
+              <a:rPr lang="ja-JP" altLang="en-US" dirty="0" smtClean="0"/>
+              <a:t>接続</a:t>
+            </a:r>
+            <a:r>
+              <a:rPr lang="ja-JP" altLang="en-US" dirty="0"/>
+              <a:t>後</a:t>
+            </a:r>
+            <a:r>
+              <a:rPr lang="ja-JP" altLang="en-US" dirty="0" smtClean="0"/>
+              <a:t>は</a:t>
+            </a:r>
+            <a:r>
+              <a:rPr lang="en-US" altLang="ja-JP" dirty="0" smtClean="0"/>
+              <a:t>HTTP</a:t>
+            </a:r>
+            <a:r>
+              <a:rPr lang="ja-JP" altLang="en-US" dirty="0" smtClean="0"/>
+              <a:t>の場合と同様となります。</a:t>
+            </a:r>
+            <a:endParaRPr lang="en-US" altLang="ja-JP" dirty="0" smtClean="0"/>
+          </a:p>
+          <a:p>
+            <a:pPr marL="180000" lvl="1" indent="0">
+              <a:buNone/>
+            </a:pPr>
+            <a:endParaRPr lang="en-US" altLang="ja-JP" dirty="0" smtClean="0"/>
+          </a:p>
+        </p:txBody>
+      </p:sp>
+    </p:spTree>
+    <p:extLst>
+      <p:ext uri="{BB962C8B-B14F-4D97-AF65-F5344CB8AC3E}">
+        <p14:creationId xmlns:p14="http://schemas.microsoft.com/office/powerpoint/2010/main" val="3230473572"/>
+      </p:ext>
+    </p:extLst>
+  </p:cSld>
+  <p:clrMapOvr>
+    <a:masterClrMapping/>
+  </p:clrMapOvr>
+  <p:timing>
+    <p:tnLst>
+      <p:par>
+        <p:cTn id="1" dur="indefinite" restart="never" nodeType="tmRoot"/>
+      </p:par>
+    </p:tnLst>
+  </p:timing>
+</p:sld>
+</file>
+
+<file path=ppt/slides/slide28.xml><?xml version="1.0" encoding="utf-8"?>
+<p:sld xmlns:a="http://schemas.openxmlformats.org/drawingml/2006/main" xmlns:r="http://schemas.openxmlformats.org/officeDocument/2006/relationships" xmlns:p="http://schemas.openxmlformats.org/presentationml/2006/main">
+  <p:cSld>
+    <p:spTree>
+      <p:nvGrpSpPr>
+        <p:cNvPr id="1" name=""/>
+        <p:cNvGrpSpPr/>
+        <p:nvPr/>
+      </p:nvGrpSpPr>
+      <p:grpSpPr>
+        <a:xfrm>
+          <a:off x="0" y="0"/>
+          <a:ext cx="0" cy="0"/>
+          <a:chOff x="0" y="0"/>
+          <a:chExt cx="0" cy="0"/>
+        </a:xfrm>
+      </p:grpSpPr>
+      <p:sp>
+        <p:nvSpPr>
+          <p:cNvPr id="2" name="タイトル 1"/>
+          <p:cNvSpPr>
+            <a:spLocks noGrp="1"/>
+          </p:cNvSpPr>
+          <p:nvPr>
+            <p:ph type="title"/>
+          </p:nvPr>
+        </p:nvSpPr>
+        <p:spPr/>
+        <p:txBody>
+          <a:bodyPr/>
+          <a:lstStyle/>
+          <a:p>
+            <a:r>
+              <a:rPr lang="en-US" altLang="ja-JP" dirty="0" smtClean="0"/>
+              <a:t>4.7</a:t>
+            </a:r>
+            <a:r>
+              <a:rPr lang="ja-JP" altLang="en-US" dirty="0"/>
+              <a:t>　参考</a:t>
+            </a:r>
+            <a:endParaRPr kumimoji="1" lang="ja-JP" altLang="en-US" dirty="0"/>
+          </a:p>
+        </p:txBody>
+      </p:sp>
+      <p:sp>
+        <p:nvSpPr>
+          <p:cNvPr id="3" name="コンテンツ プレースホルダー 2"/>
+          <p:cNvSpPr>
+            <a:spLocks noGrp="1"/>
+          </p:cNvSpPr>
+          <p:nvPr>
+            <p:ph sz="quarter" idx="10"/>
+          </p:nvPr>
+        </p:nvSpPr>
+        <p:spPr/>
+        <p:txBody>
+          <a:bodyPr>
+            <a:normAutofit/>
+          </a:bodyPr>
+          <a:lstStyle/>
+          <a:p>
+            <a:pPr lvl="0"/>
+            <a:r>
+              <a:rPr lang="en-US" altLang="ja-JP" dirty="0" smtClean="0"/>
+              <a:t>HTTP</a:t>
+            </a:r>
+            <a:r>
+              <a:rPr lang="ja-JP" altLang="en-US" dirty="0" smtClean="0"/>
+              <a:t>または</a:t>
+            </a:r>
+            <a:r>
+              <a:rPr lang="en-US" altLang="ja-JP" dirty="0" smtClean="0"/>
+              <a:t>HTTPS</a:t>
+            </a:r>
+            <a:r>
+              <a:rPr lang="ja-JP" altLang="en-US" dirty="0" smtClean="0"/>
+              <a:t>アクセスの制限</a:t>
+            </a:r>
+            <a:endParaRPr lang="en-US" altLang="ja-JP" dirty="0"/>
+          </a:p>
+          <a:p>
+            <a:pPr marL="180000" lvl="1" indent="0">
+              <a:buNone/>
+            </a:pPr>
+            <a:r>
+              <a:rPr lang="en-US" altLang="ja-JP" dirty="0" smtClean="0"/>
+              <a:t>HTTP</a:t>
+            </a:r>
+            <a:r>
+              <a:rPr lang="ja-JP" altLang="en-US" dirty="0" smtClean="0"/>
+              <a:t>または</a:t>
+            </a:r>
+            <a:r>
+              <a:rPr lang="en-US" altLang="ja-JP" dirty="0" smtClean="0"/>
+              <a:t>HTTPS</a:t>
+            </a:r>
+            <a:r>
+              <a:rPr lang="ja-JP" altLang="en-US" dirty="0" smtClean="0"/>
+              <a:t>アクセスを制限する</a:t>
+            </a:r>
+            <a:r>
+              <a:rPr lang="ja-JP" altLang="en-US" dirty="0"/>
+              <a:t>場合は、</a:t>
+            </a:r>
+            <a:r>
+              <a:rPr lang="ja-JP" altLang="ja-JP" dirty="0"/>
+              <a:t>以下の</a:t>
+            </a:r>
+            <a:r>
+              <a:rPr lang="ja-JP" altLang="en-US" dirty="0"/>
+              <a:t>手順を実施してください</a:t>
+            </a:r>
+            <a:r>
+              <a:rPr lang="ja-JP" altLang="en-US" dirty="0" smtClean="0"/>
+              <a:t>。</a:t>
+            </a:r>
+            <a:endParaRPr lang="en-US" altLang="ja-JP" dirty="0" smtClean="0"/>
+          </a:p>
+          <a:p>
+            <a:pPr marL="180000" lvl="1" indent="0">
+              <a:buNone/>
+            </a:pPr>
+            <a:endParaRPr lang="en-US" altLang="ja-JP" dirty="0"/>
+          </a:p>
+          <a:p>
+            <a:pPr lvl="1"/>
+            <a:r>
+              <a:rPr lang="ja-JP" altLang="en-US" dirty="0" smtClean="0"/>
+              <a:t>ファイル「</a:t>
+            </a:r>
+            <a:r>
+              <a:rPr lang="en-US" altLang="ja-JP" dirty="0" smtClean="0"/>
+              <a:t>/</a:t>
+            </a:r>
+            <a:r>
+              <a:rPr lang="en-US" altLang="ja-JP" dirty="0" err="1" smtClean="0"/>
+              <a:t>etc</a:t>
+            </a:r>
+            <a:r>
+              <a:rPr lang="en-US" altLang="ja-JP" dirty="0" smtClean="0"/>
+              <a:t>/</a:t>
+            </a:r>
+            <a:r>
+              <a:rPr lang="en-US" altLang="ja-JP" dirty="0" err="1" smtClean="0"/>
+              <a:t>httpd</a:t>
+            </a:r>
+            <a:r>
+              <a:rPr lang="en-US" altLang="ja-JP" dirty="0" smtClean="0"/>
+              <a:t>/</a:t>
+            </a:r>
+            <a:r>
+              <a:rPr lang="en-US" altLang="ja-JP" dirty="0" err="1" smtClean="0"/>
+              <a:t>conf.d</a:t>
+            </a:r>
+            <a:r>
+              <a:rPr lang="en-US" altLang="ja-JP" dirty="0" smtClean="0"/>
+              <a:t>/</a:t>
+            </a:r>
+            <a:r>
+              <a:rPr lang="en-US" altLang="ja-JP" dirty="0" err="1" smtClean="0"/>
+              <a:t>vhosts_exastro</a:t>
+            </a:r>
+            <a:r>
+              <a:rPr lang="en-US" altLang="ja-JP" dirty="0" smtClean="0"/>
+              <a:t>-it-</a:t>
+            </a:r>
+            <a:r>
+              <a:rPr lang="en-US" altLang="ja-JP" dirty="0" err="1" smtClean="0"/>
+              <a:t>automation.conf</a:t>
+            </a:r>
+            <a:r>
+              <a:rPr lang="ja-JP" altLang="en-US" dirty="0" smtClean="0"/>
+              <a:t>」を編集する。</a:t>
+            </a:r>
+            <a:r>
+              <a:rPr lang="en-US" altLang="ja-JP" dirty="0" smtClean="0"/>
+              <a:t/>
+            </a:r>
+            <a:br>
+              <a:rPr lang="en-US" altLang="ja-JP" dirty="0" smtClean="0"/>
+            </a:br>
+            <a:r>
+              <a:rPr lang="en-US" altLang="ja-JP" dirty="0" smtClean="0"/>
+              <a:t>HTTP</a:t>
+            </a:r>
+            <a:r>
+              <a:rPr lang="ja-JP" altLang="en-US" dirty="0" smtClean="0"/>
+              <a:t>を制限する場合は、「</a:t>
+            </a:r>
+            <a:r>
+              <a:rPr lang="en-US" altLang="ja-JP" dirty="0" smtClean="0"/>
+              <a:t>&lt;</a:t>
+            </a:r>
+            <a:r>
+              <a:rPr lang="en-US" altLang="ja-JP" dirty="0" err="1" smtClean="0"/>
+              <a:t>VirtualHost</a:t>
+            </a:r>
+            <a:r>
+              <a:rPr lang="en-US" altLang="ja-JP" dirty="0" smtClean="0"/>
+              <a:t> *:80 &gt;</a:t>
+            </a:r>
+            <a:r>
+              <a:rPr lang="ja-JP" altLang="en-US" dirty="0" smtClean="0"/>
+              <a:t>」から「</a:t>
+            </a:r>
+            <a:r>
+              <a:rPr lang="en-US" altLang="ja-JP" dirty="0" smtClean="0"/>
+              <a:t>&lt;/</a:t>
+            </a:r>
+            <a:r>
+              <a:rPr lang="en-US" altLang="ja-JP" dirty="0" err="1" smtClean="0"/>
+              <a:t>VirtualHost</a:t>
+            </a:r>
+            <a:r>
+              <a:rPr lang="en-US" altLang="ja-JP" dirty="0" smtClean="0"/>
+              <a:t>&gt;</a:t>
+            </a:r>
+            <a:r>
+              <a:rPr lang="ja-JP" altLang="en-US" dirty="0" smtClean="0"/>
+              <a:t>」をコメントアウト</a:t>
+            </a:r>
+            <a:r>
+              <a:rPr lang="en-US" altLang="ja-JP" dirty="0" smtClean="0"/>
+              <a:t>(#)</a:t>
+            </a:r>
+            <a:r>
+              <a:rPr lang="ja-JP" altLang="en-US" dirty="0" smtClean="0"/>
+              <a:t>をする。</a:t>
+            </a:r>
+            <a:r>
+              <a:rPr lang="en-US" altLang="ja-JP" dirty="0" smtClean="0"/>
+              <a:t/>
+            </a:r>
+            <a:br>
+              <a:rPr lang="en-US" altLang="ja-JP" dirty="0" smtClean="0"/>
+            </a:br>
+            <a:r>
+              <a:rPr lang="en-US" altLang="ja-JP" dirty="0" smtClean="0"/>
+              <a:t>HTTPS</a:t>
+            </a:r>
+            <a:r>
+              <a:rPr lang="ja-JP" altLang="en-US" dirty="0" smtClean="0"/>
+              <a:t>を制限する場合は、「</a:t>
+            </a:r>
+            <a:r>
+              <a:rPr lang="en-US" altLang="ja-JP" dirty="0" smtClean="0"/>
+              <a:t>&lt;</a:t>
+            </a:r>
+            <a:r>
+              <a:rPr lang="en-US" altLang="ja-JP" dirty="0" err="1" smtClean="0"/>
+              <a:t>VirtualHost</a:t>
+            </a:r>
+            <a:r>
+              <a:rPr lang="en-US" altLang="ja-JP" dirty="0" smtClean="0"/>
+              <a:t> *:443 &gt;</a:t>
+            </a:r>
+            <a:r>
+              <a:rPr lang="ja-JP" altLang="en-US" dirty="0" smtClean="0"/>
+              <a:t>」から「</a:t>
+            </a:r>
+            <a:r>
+              <a:rPr lang="en-US" altLang="ja-JP" dirty="0" smtClean="0"/>
+              <a:t>&lt;/</a:t>
+            </a:r>
+            <a:r>
+              <a:rPr lang="en-US" altLang="ja-JP" dirty="0" err="1" smtClean="0"/>
+              <a:t>VirtualHost</a:t>
+            </a:r>
+            <a:r>
+              <a:rPr lang="en-US" altLang="ja-JP" dirty="0" smtClean="0"/>
+              <a:t>&gt;</a:t>
+            </a:r>
+            <a:r>
+              <a:rPr lang="ja-JP" altLang="en-US" dirty="0" smtClean="0"/>
+              <a:t>」をコメントアウト</a:t>
+            </a:r>
+            <a:r>
+              <a:rPr lang="en-US" altLang="ja-JP" dirty="0" smtClean="0"/>
+              <a:t>(#)</a:t>
+            </a:r>
+            <a:r>
+              <a:rPr lang="ja-JP" altLang="en-US" dirty="0" smtClean="0"/>
+              <a:t>をする。</a:t>
+            </a:r>
+            <a:endParaRPr lang="en-US" altLang="ja-JP" dirty="0" smtClean="0"/>
+          </a:p>
+          <a:p>
+            <a:pPr marL="180000" lvl="1" indent="0">
+              <a:buNone/>
+            </a:pPr>
+            <a:endParaRPr lang="en-US" altLang="ja-JP" dirty="0" smtClean="0"/>
+          </a:p>
+          <a:p>
+            <a:pPr lvl="1"/>
+            <a:r>
+              <a:rPr lang="ja-JP" altLang="en-US" dirty="0" smtClean="0"/>
+              <a:t>以下のコマンドにより</a:t>
+            </a:r>
+            <a:r>
+              <a:rPr lang="en-US" altLang="ja-JP" dirty="0" smtClean="0"/>
+              <a:t>Apache</a:t>
+            </a:r>
+            <a:r>
+              <a:rPr lang="ja-JP" altLang="en-US" dirty="0" smtClean="0"/>
+              <a:t>を再起動する。</a:t>
+            </a:r>
+            <a:r>
+              <a:rPr lang="en-US" altLang="ja-JP" dirty="0" smtClean="0"/>
+              <a:t/>
+            </a:r>
+            <a:br>
+              <a:rPr lang="en-US" altLang="ja-JP" dirty="0" smtClean="0"/>
+            </a:br>
+            <a:r>
+              <a:rPr lang="en-US" altLang="ja-JP" dirty="0" err="1" smtClean="0"/>
+              <a:t>systemctl</a:t>
+            </a:r>
+            <a:r>
+              <a:rPr lang="en-US" altLang="ja-JP" dirty="0" smtClean="0"/>
+              <a:t> restart </a:t>
+            </a:r>
+            <a:r>
+              <a:rPr lang="en-US" altLang="ja-JP" dirty="0" err="1" smtClean="0"/>
+              <a:t>httpd</a:t>
+            </a:r>
+            <a:endParaRPr lang="en-US" altLang="ja-JP" dirty="0" smtClean="0"/>
+          </a:p>
+        </p:txBody>
+      </p:sp>
+    </p:spTree>
+    <p:extLst>
+      <p:ext uri="{BB962C8B-B14F-4D97-AF65-F5344CB8AC3E}">
+        <p14:creationId xmlns:p14="http://schemas.microsoft.com/office/powerpoint/2010/main" val="1924943406"/>
+      </p:ext>
+    </p:extLst>
+  </p:cSld>
+  <p:clrMapOvr>
+    <a:masterClrMapping/>
+  </p:clrMapOvr>
+  <p:timing>
+    <p:tnLst>
+      <p:par>
+        <p:cTn id="1" dur="indefinite" restart="never" nodeType="tmRoot"/>
+      </p:par>
+    </p:tnLst>
+  </p:timing>
+</p:sld>
+</file>
+
+<file path=ppt/slides/slide29.xml><?xml version="1.0" encoding="utf-8"?>
 <p:sld xmlns:a="http://schemas.openxmlformats.org/drawingml/2006/main" xmlns:r="http://schemas.openxmlformats.org/officeDocument/2006/relationships" xmlns:p="http://schemas.openxmlformats.org/presentationml/2006/main">
   <p:cSld>
     <p:spTree>

--- a/asset/Learn_ja/ITA-offline-install_ja.pptx
+++ b/asset/Learn_ja/ITA-offline-install_ja.pptx
@@ -338,7 +338,7 @@
               <a:rPr kumimoji="1" lang="ja-JP" altLang="en-US" smtClean="0">
                 <a:ea typeface="メイリオ" panose="020B0604030504040204" pitchFamily="50" charset="-128"/>
               </a:rPr>
-              <a:t>2020/4/27</a:t>
+              <a:t>2020/6/15</a:t>
             </a:fld>
             <a:endParaRPr kumimoji="1" lang="ja-JP" altLang="en-US" dirty="0">
               <a:ea typeface="メイリオ" panose="020B0604030504040204" pitchFamily="50" charset="-128"/>
@@ -484,7 +484,7 @@
             <a:fld id="{4B26993D-C081-44EB-B0F5-A9F467792B62}" type="datetimeFigureOut">
               <a:rPr lang="ja-JP" altLang="en-US" smtClean="0"/>
               <a:pPr/>
-              <a:t>2020/4/27</a:t>
+              <a:t>2020/6/15</a:t>
             </a:fld>
             <a:endParaRPr lang="ja-JP" altLang="en-US" dirty="0"/>
           </a:p>
@@ -1107,7 +1107,7 @@
           <a:p>
             <a:fld id="{56F9016B-CCA6-43BE-8BEE-59565A35F4F7}" type="datetimeFigureOut">
               <a:rPr kumimoji="1" lang="ja-JP" altLang="en-US" smtClean="0"/>
-              <a:t>2020/4/27</a:t>
+              <a:t>2020/6/15</a:t>
             </a:fld>
             <a:endParaRPr kumimoji="1" lang="ja-JP" altLang="en-US"/>
           </a:p>
@@ -1309,7 +1309,7 @@
           <a:p>
             <a:fld id="{56F9016B-CCA6-43BE-8BEE-59565A35F4F7}" type="datetimeFigureOut">
               <a:rPr kumimoji="1" lang="ja-JP" altLang="en-US" smtClean="0"/>
-              <a:t>2020/4/27</a:t>
+              <a:t>2020/6/15</a:t>
             </a:fld>
             <a:endParaRPr kumimoji="1" lang="ja-JP" altLang="en-US"/>
           </a:p>
@@ -1555,7 +1555,7 @@
           <a:p>
             <a:fld id="{56F9016B-CCA6-43BE-8BEE-59565A35F4F7}" type="datetimeFigureOut">
               <a:rPr kumimoji="1" lang="ja-JP" altLang="en-US" smtClean="0"/>
-              <a:t>2020/4/27</a:t>
+              <a:t>2020/6/15</a:t>
             </a:fld>
             <a:endParaRPr kumimoji="1" lang="ja-JP" altLang="en-US"/>
           </a:p>
@@ -1851,7 +1851,7 @@
           <a:p>
             <a:fld id="{56F9016B-CCA6-43BE-8BEE-59565A35F4F7}" type="datetimeFigureOut">
               <a:rPr kumimoji="1" lang="ja-JP" altLang="en-US" smtClean="0"/>
-              <a:t>2020/4/27</a:t>
+              <a:t>2020/6/15</a:t>
             </a:fld>
             <a:endParaRPr kumimoji="1" lang="ja-JP" altLang="en-US"/>
           </a:p>
@@ -2282,7 +2282,7 @@
           <a:p>
             <a:fld id="{56F9016B-CCA6-43BE-8BEE-59565A35F4F7}" type="datetimeFigureOut">
               <a:rPr kumimoji="1" lang="ja-JP" altLang="en-US" smtClean="0"/>
-              <a:t>2020/4/27</a:t>
+              <a:t>2020/6/15</a:t>
             </a:fld>
             <a:endParaRPr kumimoji="1" lang="ja-JP" altLang="en-US"/>
           </a:p>
@@ -2400,7 +2400,7 @@
           <a:p>
             <a:fld id="{56F9016B-CCA6-43BE-8BEE-59565A35F4F7}" type="datetimeFigureOut">
               <a:rPr kumimoji="1" lang="ja-JP" altLang="en-US" smtClean="0"/>
-              <a:t>2020/4/27</a:t>
+              <a:t>2020/6/15</a:t>
             </a:fld>
             <a:endParaRPr kumimoji="1" lang="ja-JP" altLang="en-US"/>
           </a:p>
@@ -2495,7 +2495,7 @@
           <a:p>
             <a:fld id="{56F9016B-CCA6-43BE-8BEE-59565A35F4F7}" type="datetimeFigureOut">
               <a:rPr kumimoji="1" lang="ja-JP" altLang="en-US" smtClean="0"/>
-              <a:t>2020/4/27</a:t>
+              <a:t>2020/6/15</a:t>
             </a:fld>
             <a:endParaRPr kumimoji="1" lang="ja-JP" altLang="en-US"/>
           </a:p>
@@ -2804,7 +2804,7 @@
           <a:p>
             <a:fld id="{56F9016B-CCA6-43BE-8BEE-59565A35F4F7}" type="datetimeFigureOut">
               <a:rPr kumimoji="1" lang="ja-JP" altLang="en-US" smtClean="0"/>
-              <a:t>2020/4/27</a:t>
+              <a:t>2020/6/15</a:t>
             </a:fld>
             <a:endParaRPr kumimoji="1" lang="ja-JP" altLang="en-US"/>
           </a:p>
@@ -3057,7 +3057,7 @@
           <a:p>
             <a:fld id="{56F9016B-CCA6-43BE-8BEE-59565A35F4F7}" type="datetimeFigureOut">
               <a:rPr kumimoji="1" lang="ja-JP" altLang="en-US" smtClean="0"/>
-              <a:t>2020/4/27</a:t>
+              <a:t>2020/6/15</a:t>
             </a:fld>
             <a:endParaRPr kumimoji="1" lang="ja-JP" altLang="en-US"/>
           </a:p>
@@ -3334,7 +3334,7 @@
           <a:p>
             <a:fld id="{56F9016B-CCA6-43BE-8BEE-59565A35F4F7}" type="datetimeFigureOut">
               <a:rPr kumimoji="1" lang="ja-JP" altLang="en-US" smtClean="0"/>
-              <a:t>2020/4/27</a:t>
+              <a:t>2020/6/15</a:t>
             </a:fld>
             <a:endParaRPr kumimoji="1" lang="ja-JP" altLang="en-US"/>
           </a:p>
@@ -3546,7 +3546,7 @@
           <a:p>
             <a:fld id="{56F9016B-CCA6-43BE-8BEE-59565A35F4F7}" type="datetimeFigureOut">
               <a:rPr kumimoji="1" lang="ja-JP" altLang="en-US" smtClean="0"/>
-              <a:t>2020/4/27</a:t>
+              <a:t>2020/6/15</a:t>
             </a:fld>
             <a:endParaRPr kumimoji="1" lang="ja-JP" altLang="en-US"/>
           </a:p>
@@ -6605,7 +6605,7 @@
           <a:p>
             <a:fld id="{56F9016B-CCA6-43BE-8BEE-59565A35F4F7}" type="datetimeFigureOut">
               <a:rPr kumimoji="1" lang="ja-JP" altLang="en-US" smtClean="0"/>
-              <a:t>2020/4/27</a:t>
+              <a:t>2020/6/15</a:t>
             </a:fld>
             <a:endParaRPr kumimoji="1" lang="ja-JP" altLang="en-US"/>
           </a:p>
@@ -7042,11 +7042,11 @@
               <a:t>第</a:t>
             </a:r>
             <a:r>
-              <a:rPr lang="en-US" altLang="ja-JP" smtClean="0"/>
-              <a:t>1.4.1</a:t>
-            </a:r>
-            <a:r>
-              <a:rPr lang="ja-JP" altLang="en-US" smtClean="0"/>
+              <a:rPr lang="en-US" altLang="ja-JP" dirty="0" smtClean="0"/>
+              <a:t>1.5</a:t>
+            </a:r>
+            <a:r>
+              <a:rPr lang="ja-JP" altLang="en-US" dirty="0" smtClean="0"/>
               <a:t>版</a:t>
             </a:r>
             <a:endParaRPr lang="en-US" altLang="ja-JP" dirty="0" smtClean="0"/>
@@ -17907,63 +17907,59 @@
             <a:pPr lvl="1"/>
             <a:r>
               <a:rPr lang="ja-JP" altLang="en-US" dirty="0" smtClean="0"/>
-              <a:t>初期値</a:t>
-            </a:r>
-            <a:r>
-              <a:rPr lang="ja-JP" altLang="en-US" dirty="0"/>
-              <a:t>は</a:t>
-            </a:r>
-            <a:r>
-              <a:rPr lang="en-US" altLang="ja-JP" dirty="0"/>
-              <a:t>ita_base </a:t>
-            </a:r>
-            <a:r>
-              <a:rPr lang="ja-JP" altLang="en-US" dirty="0"/>
+              <a:t>初期値は</a:t>
+            </a:r>
+            <a:r>
+              <a:rPr lang="en-US" altLang="ja-JP" dirty="0" err="1" smtClean="0"/>
+              <a:t>ita_base</a:t>
+            </a:r>
+            <a:r>
+              <a:rPr lang="en-US" altLang="ja-JP" dirty="0" smtClean="0"/>
+              <a:t> </a:t>
+            </a:r>
+            <a:r>
+              <a:rPr lang="ja-JP" altLang="en-US" dirty="0" err="1" smtClean="0"/>
               <a:t>、</a:t>
             </a:r>
             <a:r>
-              <a:rPr lang="en-US" altLang="ja-JP" dirty="0"/>
+              <a:rPr lang="en-US" altLang="ja-JP" dirty="0" err="1" smtClean="0"/>
               <a:t>ansible_driver</a:t>
             </a:r>
             <a:r>
-              <a:rPr lang="ja-JP" altLang="en-US" dirty="0"/>
+              <a:rPr lang="ja-JP" altLang="en-US" dirty="0" err="1" smtClean="0"/>
               <a:t>、</a:t>
             </a:r>
             <a:r>
-              <a:rPr lang="en-US" altLang="ja-JP" dirty="0"/>
+              <a:rPr lang="en-US" altLang="ja-JP" dirty="0" err="1" smtClean="0"/>
               <a:t>createparam</a:t>
             </a:r>
             <a:r>
-              <a:rPr lang="ja-JP" altLang="en-US" dirty="0"/>
+              <a:rPr lang="ja-JP" altLang="en-US" dirty="0" err="1" smtClean="0"/>
+              <a:t>、</a:t>
+            </a:r>
+            <a:r>
+              <a:rPr lang="en-US" altLang="ja-JP" dirty="0" err="1" smtClean="0"/>
+              <a:t>Hostgroup</a:t>
+            </a:r>
+            <a:r>
+              <a:rPr lang="ja-JP" altLang="en-US" dirty="0" smtClean="0"/>
               <a:t>のインストール設定が</a:t>
             </a:r>
             <a:r>
-              <a:rPr lang="en-US" altLang="ja-JP" dirty="0"/>
+              <a:rPr lang="en-US" altLang="ja-JP" dirty="0" smtClean="0"/>
               <a:t>yes</a:t>
             </a:r>
             <a:r>
-              <a:rPr lang="ja-JP" altLang="en-US" dirty="0"/>
-              <a:t>となっています</a:t>
-            </a:r>
-            <a:r>
               <a:rPr lang="ja-JP" altLang="en-US" dirty="0" smtClean="0"/>
-              <a:t>。インストール</a:t>
-            </a:r>
-            <a:r>
-              <a:rPr lang="ja-JP" altLang="en-US" dirty="0"/>
-              <a:t>しない場合は、設定値を</a:t>
-            </a:r>
-            <a:r>
-              <a:rPr lang="en-US" altLang="ja-JP" dirty="0"/>
+              <a:t>となっています。インストールしない場合は、設定値を</a:t>
+            </a:r>
+            <a:r>
+              <a:rPr lang="en-US" altLang="ja-JP" dirty="0" smtClean="0"/>
               <a:t>no</a:t>
             </a:r>
             <a:r>
-              <a:rPr lang="ja-JP" altLang="en-US" dirty="0"/>
-              <a:t>としてください</a:t>
-            </a:r>
-            <a:r>
               <a:rPr lang="ja-JP" altLang="en-US" dirty="0" smtClean="0"/>
-              <a:t>。</a:t>
+              <a:t>としてください。</a:t>
             </a:r>
             <a:r>
               <a:rPr lang="en-US" altLang="ja-JP" dirty="0" smtClean="0"/>
@@ -18006,14 +18002,14 @@
           <p:nvPr>
             <p:extLst>
               <p:ext uri="{D42A27DB-BD31-4B8C-83A1-F6EECF244321}">
-                <p14:modId xmlns:p14="http://schemas.microsoft.com/office/powerpoint/2010/main" val="1499464883"/>
+                <p14:modId xmlns:p14="http://schemas.microsoft.com/office/powerpoint/2010/main" val="451806341"/>
               </p:ext>
             </p:extLst>
           </p:nvPr>
         </p:nvGraphicFramePr>
         <p:xfrm>
           <a:off x="539440" y="2060814"/>
-          <a:ext cx="8065121" cy="4287246"/>
+          <a:ext cx="8065121" cy="4358306"/>
         </p:xfrm>
         <a:graphic>
           <a:graphicData uri="http://schemas.openxmlformats.org/drawingml/2006/table">
@@ -20076,10 +20072,13 @@
                         </a:spcAft>
                       </a:pPr>
                       <a:r>
-                        <a:rPr lang="en-US" sz="1000" kern="100" dirty="0">
-                          <a:effectLst/>
-                        </a:rPr>
-                        <a:t>no</a:t>
+                        <a:rPr lang="en-US" altLang="ja-JP" sz="1000" kern="100" dirty="0" smtClean="0">
+                          <a:effectLst/>
+                          <a:latin typeface="+mn-lt"/>
+                          <a:ea typeface="+mn-ea"/>
+                          <a:cs typeface="+mn-cs"/>
+                        </a:rPr>
+                        <a:t>yes</a:t>
                       </a:r>
                       <a:endParaRPr lang="ja-JP" sz="1000" kern="100" dirty="0">
                         <a:effectLst/>
@@ -22129,7 +22128,7 @@
               <a:defRPr/>
             </a:pPr>
             <a:r>
-              <a:rPr kumimoji="0" lang="en-US" sz="900" kern="100" dirty="0" err="1">
+              <a:rPr kumimoji="0" lang="en-US" sz="900" kern="100" dirty="0" err="1" smtClean="0">
                 <a:solidFill>
                   <a:sysClr val="window" lastClr="FFFFFF"/>
                 </a:solidFill>
@@ -22137,7 +22136,18 @@
                 <a:ea typeface="ＭＳ 明朝" panose="02020609040205080304" pitchFamily="17" charset="-128"/>
                 <a:cs typeface="Times New Roman" panose="02020603050405020304" pitchFamily="18" charset="0"/>
               </a:rPr>
-              <a:t>hostgroup:no</a:t>
+              <a:t>hostgroup:</a:t>
+            </a:r>
+            <a:r>
+              <a:rPr kumimoji="0" lang="en-US" altLang="ja-JP" sz="900" kern="100" dirty="0" err="1" smtClean="0">
+                <a:solidFill>
+                  <a:sysClr val="window" lastClr="FFFFFF"/>
+                </a:solidFill>
+                <a:latin typeface="Arial" panose="020B0604020202020204" pitchFamily="34" charset="0"/>
+                <a:ea typeface="ＭＳ 明朝" panose="02020609040205080304" pitchFamily="17" charset="-128"/>
+                <a:cs typeface="Times New Roman" panose="02020603050405020304" pitchFamily="18" charset="0"/>
+              </a:rPr>
+              <a:t>yes</a:t>
             </a:r>
             <a:endParaRPr kumimoji="0" lang="en-US" sz="900" kern="100" dirty="0">
               <a:solidFill>
@@ -24177,7 +24187,7 @@
           <p:nvPr>
             <p:extLst>
               <p:ext uri="{D42A27DB-BD31-4B8C-83A1-F6EECF244321}">
-                <p14:modId xmlns:p14="http://schemas.microsoft.com/office/powerpoint/2010/main" val="94468678"/>
+                <p14:modId xmlns:p14="http://schemas.microsoft.com/office/powerpoint/2010/main" val="1199294876"/>
               </p:ext>
             </p:extLst>
           </p:nvPr>
@@ -24227,10 +24237,16 @@
                         </a:spcAft>
                       </a:pPr>
                       <a:r>
-                        <a:rPr lang="ja-JP" sz="1050" kern="100" dirty="0">
+                        <a:rPr lang="ja-JP" sz="1050" kern="100" dirty="0" smtClean="0">
                           <a:effectLst/>
                         </a:rPr>
                         <a:t>インストールドライバ</a:t>
+                      </a:r>
+                      <a:r>
+                        <a:rPr lang="en-US" altLang="ja-JP" sz="1050" kern="100" dirty="0" smtClean="0">
+                          <a:effectLst/>
+                        </a:rPr>
+                        <a:t> </a:t>
                       </a:r>
                       <a:endParaRPr lang="ja-JP" sz="1050" kern="100" dirty="0">
                         <a:effectLst/>
@@ -25003,7 +25019,7 @@
                         <a:t>, </a:t>
                       </a:r>
                       <a:r>
-                        <a:rPr lang="en-US" sz="1050" kern="100" dirty="0" smtClean="0">
+                        <a:rPr lang="en-US" sz="1050" kern="100" dirty="0" err="1" smtClean="0">
                           <a:effectLst/>
                           <a:latin typeface="Segoe UI" panose="020B0502040204020203" pitchFamily="34" charset="0"/>
                           <a:ea typeface="Segoe UI" panose="020B0502040204020203" pitchFamily="34" charset="0"/>
@@ -25021,7 +25037,7 @@
                         <a:t>, </a:t>
                       </a:r>
                       <a:r>
-                        <a:rPr lang="en-US" sz="1050" kern="100" dirty="0" smtClean="0">
+                        <a:rPr lang="en-US" sz="1050" kern="100" dirty="0" err="1" smtClean="0">
                           <a:effectLst/>
                           <a:latin typeface="Segoe UI" panose="020B0502040204020203" pitchFamily="34" charset="0"/>
                           <a:ea typeface="Segoe UI" panose="020B0502040204020203" pitchFamily="34" charset="0"/>
@@ -25036,43 +25052,43 @@
                           <a:ea typeface="Segoe UI" panose="020B0502040204020203" pitchFamily="34" charset="0"/>
                           <a:cs typeface="Segoe UI" panose="020B0502040204020203" pitchFamily="34" charset="0"/>
                         </a:rPr>
-                        <a:t>, </a:t>
-                      </a:r>
-                      <a:r>
-                        <a:rPr lang="en-US" sz="1050" kern="100" dirty="0" smtClean="0">
+                        <a:t>,</a:t>
+                      </a:r>
+                      <a:r>
+                        <a:rPr lang="en-US" altLang="ja-JP" sz="1050" kern="100" baseline="0" dirty="0" smtClean="0">
                           <a:effectLst/>
                           <a:latin typeface="Segoe UI" panose="020B0502040204020203" pitchFamily="34" charset="0"/>
                           <a:ea typeface="Segoe UI" panose="020B0502040204020203" pitchFamily="34" charset="0"/>
                           <a:cs typeface="Segoe UI" panose="020B0502040204020203" pitchFamily="34" charset="0"/>
                         </a:rPr>
-                        <a:t>php-pear</a:t>
-                      </a:r>
-                      <a:r>
-                        <a:rPr lang="en-US" altLang="ja-JP" sz="1050" kern="100" dirty="0" smtClean="0">
+                        <a:t> </a:t>
+                      </a:r>
+                      <a:r>
+                        <a:rPr lang="en-US" sz="1050" kern="100" dirty="0" err="1" smtClean="0">
                           <a:effectLst/>
                           <a:latin typeface="Segoe UI" panose="020B0502040204020203" pitchFamily="34" charset="0"/>
                           <a:ea typeface="Segoe UI" panose="020B0502040204020203" pitchFamily="34" charset="0"/>
                           <a:cs typeface="Segoe UI" panose="020B0502040204020203" pitchFamily="34" charset="0"/>
                         </a:rPr>
-                        <a:t>, </a:t>
-                      </a:r>
-                      <a:r>
-                        <a:rPr lang="en-US" sz="1050" kern="100" dirty="0" err="1" smtClean="0">
+                        <a:t>php</a:t>
+                      </a:r>
+                      <a:r>
+                        <a:rPr lang="en-US" sz="1050" kern="100" dirty="0" smtClean="0">
                           <a:effectLst/>
                           <a:latin typeface="Segoe UI" panose="020B0502040204020203" pitchFamily="34" charset="0"/>
                           <a:ea typeface="Segoe UI" panose="020B0502040204020203" pitchFamily="34" charset="0"/>
                           <a:cs typeface="Segoe UI" panose="020B0502040204020203" pitchFamily="34" charset="0"/>
                         </a:rPr>
-                        <a:t>php</a:t>
-                      </a:r>
-                      <a:r>
-                        <a:rPr lang="en-US" sz="1050" kern="100" dirty="0" smtClean="0">
+                        <a:t>-pear</a:t>
+                      </a:r>
+                      <a:r>
+                        <a:rPr lang="en-US" altLang="ja-JP" sz="1050" kern="100" dirty="0" smtClean="0">
                           <a:effectLst/>
                           <a:latin typeface="Segoe UI" panose="020B0502040204020203" pitchFamily="34" charset="0"/>
                           <a:ea typeface="Segoe UI" panose="020B0502040204020203" pitchFamily="34" charset="0"/>
                           <a:cs typeface="Segoe UI" panose="020B0502040204020203" pitchFamily="34" charset="0"/>
                         </a:rPr>
-                        <a:t>-</a:t>
+                        <a:t>, </a:t>
                       </a:r>
                       <a:r>
                         <a:rPr lang="en-US" sz="1050" kern="100" dirty="0" err="1" smtClean="0">
@@ -25081,7 +25097,7 @@
                           <a:ea typeface="Segoe UI" panose="020B0502040204020203" pitchFamily="34" charset="0"/>
                           <a:cs typeface="Segoe UI" panose="020B0502040204020203" pitchFamily="34" charset="0"/>
                         </a:rPr>
-                        <a:t>pecl</a:t>
+                        <a:t>php</a:t>
                       </a:r>
                       <a:r>
                         <a:rPr lang="en-US" sz="1050" kern="100" dirty="0" smtClean="0">
@@ -25090,43 +25106,43 @@
                           <a:ea typeface="Segoe UI" panose="020B0502040204020203" pitchFamily="34" charset="0"/>
                           <a:cs typeface="Segoe UI" panose="020B0502040204020203" pitchFamily="34" charset="0"/>
                         </a:rPr>
-                        <a:t>-crypto</a:t>
-                      </a:r>
-                      <a:r>
-                        <a:rPr lang="en-US" altLang="ja-JP" sz="1050" kern="100" dirty="0" smtClean="0">
+                        <a:t>-</a:t>
+                      </a:r>
+                      <a:r>
+                        <a:rPr lang="en-US" sz="1050" kern="100" dirty="0" err="1" smtClean="0">
                           <a:effectLst/>
                           <a:latin typeface="Segoe UI" panose="020B0502040204020203" pitchFamily="34" charset="0"/>
                           <a:ea typeface="Segoe UI" panose="020B0502040204020203" pitchFamily="34" charset="0"/>
                           <a:cs typeface="Segoe UI" panose="020B0502040204020203" pitchFamily="34" charset="0"/>
                         </a:rPr>
-                        <a:t>,</a:t>
-                      </a:r>
-                      <a:r>
-                        <a:rPr lang="en-US" altLang="ja-JP" sz="1050" kern="100" baseline="0" dirty="0" smtClean="0">
+                        <a:t>pecl</a:t>
+                      </a:r>
+                      <a:r>
+                        <a:rPr lang="en-US" sz="1050" kern="100" dirty="0" smtClean="0">
                           <a:effectLst/>
                           <a:latin typeface="Segoe UI" panose="020B0502040204020203" pitchFamily="34" charset="0"/>
                           <a:ea typeface="Segoe UI" panose="020B0502040204020203" pitchFamily="34" charset="0"/>
                           <a:cs typeface="Segoe UI" panose="020B0502040204020203" pitchFamily="34" charset="0"/>
                         </a:rPr>
-                        <a:t> </a:t>
-                      </a:r>
-                      <a:r>
-                        <a:rPr lang="en-US" sz="1050" kern="100" dirty="0" err="1" smtClean="0">
+                        <a:t>-crypto</a:t>
+                      </a:r>
+                      <a:r>
+                        <a:rPr lang="en-US" altLang="ja-JP" sz="1050" kern="100" dirty="0" smtClean="0">
                           <a:effectLst/>
                           <a:latin typeface="Segoe UI" panose="020B0502040204020203" pitchFamily="34" charset="0"/>
                           <a:ea typeface="Segoe UI" panose="020B0502040204020203" pitchFamily="34" charset="0"/>
                           <a:cs typeface="Segoe UI" panose="020B0502040204020203" pitchFamily="34" charset="0"/>
                         </a:rPr>
-                        <a:t>php</a:t>
-                      </a:r>
-                      <a:r>
-                        <a:rPr lang="en-US" sz="1050" kern="100" dirty="0" smtClean="0">
+                        <a:t>,</a:t>
+                      </a:r>
+                      <a:r>
+                        <a:rPr lang="en-US" altLang="ja-JP" sz="1050" kern="100" baseline="0" dirty="0" smtClean="0">
                           <a:effectLst/>
                           <a:latin typeface="Segoe UI" panose="020B0502040204020203" pitchFamily="34" charset="0"/>
                           <a:ea typeface="Segoe UI" panose="020B0502040204020203" pitchFamily="34" charset="0"/>
                           <a:cs typeface="Segoe UI" panose="020B0502040204020203" pitchFamily="34" charset="0"/>
                         </a:rPr>
-                        <a:t>-</a:t>
+                        <a:t> </a:t>
                       </a:r>
                       <a:r>
                         <a:rPr lang="en-US" sz="1050" kern="100" dirty="0" err="1" smtClean="0">
@@ -25135,7 +25151,7 @@
                           <a:ea typeface="Segoe UI" panose="020B0502040204020203" pitchFamily="34" charset="0"/>
                           <a:cs typeface="Segoe UI" panose="020B0502040204020203" pitchFamily="34" charset="0"/>
                         </a:rPr>
-                        <a:t>pecl</a:t>
+                        <a:t>php</a:t>
                       </a:r>
                       <a:r>
                         <a:rPr lang="en-US" sz="1050" kern="100" dirty="0" smtClean="0">
@@ -25144,16 +25160,16 @@
                           <a:ea typeface="Segoe UI" panose="020B0502040204020203" pitchFamily="34" charset="0"/>
                           <a:cs typeface="Segoe UI" panose="020B0502040204020203" pitchFamily="34" charset="0"/>
                         </a:rPr>
-                        <a:t>-zip</a:t>
-                      </a:r>
-                      <a:r>
-                        <a:rPr lang="en-US" altLang="ja-JP" sz="1050" kern="100" dirty="0" smtClean="0">
+                        <a:t>-</a:t>
+                      </a:r>
+                      <a:r>
+                        <a:rPr lang="en-US" sz="1050" kern="100" dirty="0" err="1" smtClean="0">
                           <a:effectLst/>
                           <a:latin typeface="Segoe UI" panose="020B0502040204020203" pitchFamily="34" charset="0"/>
                           <a:ea typeface="Segoe UI" panose="020B0502040204020203" pitchFamily="34" charset="0"/>
                           <a:cs typeface="Segoe UI" panose="020B0502040204020203" pitchFamily="34" charset="0"/>
                         </a:rPr>
-                        <a:t>, </a:t>
+                        <a:t>pecl</a:t>
                       </a:r>
                       <a:r>
                         <a:rPr lang="en-US" sz="1050" kern="100" dirty="0" smtClean="0">
@@ -25162,7 +25178,7 @@
                           <a:ea typeface="Segoe UI" panose="020B0502040204020203" pitchFamily="34" charset="0"/>
                           <a:cs typeface="Segoe UI" panose="020B0502040204020203" pitchFamily="34" charset="0"/>
                         </a:rPr>
-                        <a:t>php-process</a:t>
+                        <a:t>-zip</a:t>
                       </a:r>
                       <a:r>
                         <a:rPr lang="en-US" altLang="ja-JP" sz="1050" kern="100" dirty="0" smtClean="0">
@@ -25180,7 +25196,7 @@
                           <a:ea typeface="Segoe UI" panose="020B0502040204020203" pitchFamily="34" charset="0"/>
                           <a:cs typeface="Segoe UI" panose="020B0502040204020203" pitchFamily="34" charset="0"/>
                         </a:rPr>
-                        <a:t>php-snmp</a:t>
+                        <a:t>php-process</a:t>
                       </a:r>
                       <a:r>
                         <a:rPr lang="en-US" altLang="ja-JP" sz="1050" kern="100" dirty="0" smtClean="0">
@@ -25192,112 +25208,192 @@
                         <a:t>, </a:t>
                       </a:r>
                       <a:r>
-                        <a:rPr lang="en-US" sz="1050" kern="100" dirty="0" err="1" smtClean="0">
+                        <a:rPr lang="en-US" sz="1050" kern="100" dirty="0" smtClean="0">
                           <a:effectLst/>
                           <a:latin typeface="Segoe UI" panose="020B0502040204020203" pitchFamily="34" charset="0"/>
                           <a:ea typeface="Segoe UI" panose="020B0502040204020203" pitchFamily="34" charset="0"/>
                           <a:cs typeface="Segoe UI" panose="020B0502040204020203" pitchFamily="34" charset="0"/>
                         </a:rPr>
-                        <a:t>php</a:t>
-                      </a:r>
-                      <a:r>
-                        <a:rPr lang="en-US" sz="1050" kern="100" dirty="0" smtClean="0">
+                        <a:t>php-snmp</a:t>
+                      </a:r>
+                      <a:r>
+                        <a:rPr lang="en-US" altLang="ja-JP" sz="1050" kern="100" dirty="0" smtClean="0">
                           <a:effectLst/>
                           <a:latin typeface="Segoe UI" panose="020B0502040204020203" pitchFamily="34" charset="0"/>
                           <a:ea typeface="Segoe UI" panose="020B0502040204020203" pitchFamily="34" charset="0"/>
                           <a:cs typeface="Segoe UI" panose="020B0502040204020203" pitchFamily="34" charset="0"/>
                         </a:rPr>
+                        <a:t>, </a:t>
+                      </a:r>
+                      <a:r>
+                        <a:rPr lang="en-US" sz="1050" kern="100" dirty="0" err="1" smtClean="0">
+                          <a:effectLst/>
+                          <a:latin typeface="Segoe UI" panose="020B0502040204020203" pitchFamily="34" charset="0"/>
+                          <a:ea typeface="Segoe UI" panose="020B0502040204020203" pitchFamily="34" charset="0"/>
+                          <a:cs typeface="Segoe UI" panose="020B0502040204020203" pitchFamily="34" charset="0"/>
+                        </a:rPr>
+                        <a:t>php</a:t>
+                      </a:r>
+                      <a:r>
+                        <a:rPr lang="en-US" sz="1050" kern="100" dirty="0" smtClean="0">
+                          <a:effectLst/>
+                          <a:latin typeface="Segoe UI" panose="020B0502040204020203" pitchFamily="34" charset="0"/>
+                          <a:ea typeface="Segoe UI" panose="020B0502040204020203" pitchFamily="34" charset="0"/>
+                          <a:cs typeface="Segoe UI" panose="020B0502040204020203" pitchFamily="34" charset="0"/>
+                        </a:rPr>
                         <a:t>-xml</a:t>
                       </a:r>
                       <a:r>
                         <a:rPr lang="en-US" sz="1050" kern="100" dirty="0" smtClean="0">
                           <a:effectLst/>
-                          <a:latin typeface="+mn-lt"/>
+                          <a:latin typeface="Segoe UI" panose="020B0502040204020203" pitchFamily="34" charset="0"/>
                           <a:ea typeface="+mn-ea"/>
-                          <a:cs typeface="+mn-cs"/>
+                          <a:cs typeface="Segoe UI" panose="020B0502040204020203" pitchFamily="34" charset="0"/>
                         </a:rPr>
                         <a:t>,</a:t>
                       </a:r>
                       <a:r>
                         <a:rPr lang="en-US" sz="1050" kern="100" baseline="0" dirty="0" smtClean="0">
                           <a:effectLst/>
-                          <a:latin typeface="+mn-lt"/>
+                          <a:latin typeface="Segoe UI" panose="020B0502040204020203" pitchFamily="34" charset="0"/>
                           <a:ea typeface="+mn-ea"/>
-                          <a:cs typeface="+mn-cs"/>
-                        </a:rPr>
-                        <a:t>  </a:t>
+                          <a:cs typeface="Segoe UI" panose="020B0502040204020203" pitchFamily="34" charset="0"/>
+                        </a:rPr>
+                        <a:t> </a:t>
                       </a:r>
                       <a:r>
                         <a:rPr lang="en-US" altLang="ja-JP" sz="1050" kern="100" dirty="0" err="1" smtClean="0">
                           <a:effectLst/>
+                          <a:latin typeface="Segoe UI" panose="020B0502040204020203" pitchFamily="34" charset="0"/>
+                          <a:cs typeface="Segoe UI" panose="020B0502040204020203" pitchFamily="34" charset="0"/>
                         </a:rPr>
                         <a:t>php-json</a:t>
                       </a:r>
                       <a:r>
                         <a:rPr lang="en-US" altLang="ja-JP" sz="1050" kern="100" dirty="0" smtClean="0">
                           <a:effectLst/>
+                          <a:latin typeface="Segoe UI" panose="020B0502040204020203" pitchFamily="34" charset="0"/>
+                          <a:cs typeface="Segoe UI" panose="020B0502040204020203" pitchFamily="34" charset="0"/>
                         </a:rPr>
                         <a:t>,</a:t>
                       </a:r>
                       <a:r>
                         <a:rPr lang="en-US" altLang="ja-JP" sz="1050" kern="100" baseline="0" dirty="0" smtClean="0">
                           <a:effectLst/>
-                        </a:rPr>
-                        <a:t>  </a:t>
+                          <a:latin typeface="Segoe UI" panose="020B0502040204020203" pitchFamily="34" charset="0"/>
+                          <a:cs typeface="Segoe UI" panose="020B0502040204020203" pitchFamily="34" charset="0"/>
+                        </a:rPr>
+                        <a:t> </a:t>
                       </a:r>
                       <a:r>
                         <a:rPr lang="en-US" altLang="ja-JP" sz="1050" kern="100" dirty="0" err="1" smtClean="0">
                           <a:effectLst/>
+                          <a:latin typeface="Segoe UI" panose="020B0502040204020203" pitchFamily="34" charset="0"/>
+                          <a:cs typeface="Segoe UI" panose="020B0502040204020203" pitchFamily="34" charset="0"/>
                         </a:rPr>
                         <a:t>php</a:t>
                       </a:r>
                       <a:r>
                         <a:rPr lang="en-US" altLang="ja-JP" sz="1050" kern="100" dirty="0" smtClean="0">
                           <a:effectLst/>
-                        </a:rPr>
-                        <a:t>-zip,</a:t>
+                          <a:latin typeface="Segoe UI" panose="020B0502040204020203" pitchFamily="34" charset="0"/>
+                          <a:cs typeface="Segoe UI" panose="020B0502040204020203" pitchFamily="34" charset="0"/>
+                        </a:rPr>
+                        <a:t>-zip, </a:t>
+                      </a:r>
+                      <a:r>
+                        <a:rPr lang="en-US" altLang="ja-JP" sz="1050" kern="100" dirty="0" err="1" smtClean="0">
+                          <a:effectLst/>
+                          <a:latin typeface="Segoe UI" panose="020B0502040204020203" pitchFamily="34" charset="0"/>
+                          <a:cs typeface="Segoe UI" panose="020B0502040204020203" pitchFamily="34" charset="0"/>
+                        </a:rPr>
+                        <a:t>php-gd</a:t>
+                      </a:r>
+                      <a:r>
+                        <a:rPr lang="en-US" altLang="ja-JP" sz="1050" kern="100" dirty="0" smtClean="0">
+                          <a:effectLst/>
+                          <a:latin typeface="Segoe UI" panose="020B0502040204020203" pitchFamily="34" charset="0"/>
+                          <a:cs typeface="Segoe UI" panose="020B0502040204020203" pitchFamily="34" charset="0"/>
+                        </a:rPr>
+                        <a:t>,</a:t>
+                      </a:r>
+                      <a:r>
+                        <a:rPr lang="ja-JP" altLang="en-US" sz="1050" kern="100" dirty="0" smtClean="0">
+                          <a:effectLst/>
+                          <a:latin typeface="Segoe UI" panose="020B0502040204020203" pitchFamily="34" charset="0"/>
+                          <a:cs typeface="Segoe UI" panose="020B0502040204020203" pitchFamily="34" charset="0"/>
+                        </a:rPr>
+                        <a:t> </a:t>
                       </a:r>
                       <a:r>
                         <a:rPr lang="en-US" altLang="ja-JP" sz="1050" kern="100" baseline="0" dirty="0" smtClean="0">
                           <a:effectLst/>
+                          <a:latin typeface="Segoe UI" panose="020B0502040204020203" pitchFamily="34" charset="0"/>
+                          <a:cs typeface="Segoe UI" panose="020B0502040204020203" pitchFamily="34" charset="0"/>
+                        </a:rPr>
+                        <a:t>Python3,</a:t>
+                      </a:r>
+                      <a:r>
+                        <a:rPr lang="ja-JP" altLang="en-US" sz="1050" kern="100" baseline="0" dirty="0" smtClean="0">
+                          <a:effectLst/>
+                          <a:latin typeface="Segoe UI" panose="020B0502040204020203" pitchFamily="34" charset="0"/>
+                          <a:cs typeface="Segoe UI" panose="020B0502040204020203" pitchFamily="34" charset="0"/>
                         </a:rPr>
                         <a:t> </a:t>
                       </a:r>
                       <a:r>
-                        <a:rPr lang="en-US" altLang="ja-JP" sz="1050" kern="100" dirty="0" smtClean="0">
-                          <a:effectLst/>
-                        </a:rPr>
-                        <a:t> </a:t>
-                      </a:r>
-                      <a:r>
-                        <a:rPr lang="en-US" altLang="ja-JP" sz="1050" kern="100" dirty="0" err="1" smtClean="0">
-                          <a:effectLst/>
-                        </a:rPr>
-                        <a:t>php-gd</a:t>
-                      </a:r>
-                      <a:r>
-                        <a:rPr lang="en-US" altLang="ja-JP" sz="1050" kern="100" dirty="0" smtClean="0">
-                          <a:effectLst/>
-                        </a:rPr>
-                        <a:t>,</a:t>
-                      </a:r>
-                      <a:r>
-                        <a:rPr lang="ja-JP" altLang="en-US" sz="1050" kern="100" baseline="0" dirty="0" smtClean="0">
-                          <a:effectLst/>
-                        </a:rPr>
-                        <a:t>　</a:t>
+                        <a:rPr lang="en-US" altLang="ja-JP" sz="1050" kern="100" baseline="0" dirty="0" err="1" smtClean="0">
+                          <a:effectLst/>
+                          <a:latin typeface="Segoe UI" panose="020B0502040204020203" pitchFamily="34" charset="0"/>
+                          <a:cs typeface="Segoe UI" panose="020B0502040204020203" pitchFamily="34" charset="0"/>
+                        </a:rPr>
+                        <a:t>php-devel</a:t>
                       </a:r>
                       <a:r>
                         <a:rPr lang="en-US" altLang="ja-JP" sz="1050" kern="100" baseline="0" dirty="0" smtClean="0">
                           <a:effectLst/>
-                        </a:rPr>
-                        <a:t>Python3</a:t>
+                          <a:latin typeface="Segoe UI" panose="020B0502040204020203" pitchFamily="34" charset="0"/>
+                          <a:cs typeface="Segoe UI" panose="020B0502040204020203" pitchFamily="34" charset="0"/>
+                        </a:rPr>
+                        <a:t>, </a:t>
+                      </a:r>
+                      <a:r>
+                        <a:rPr lang="en-US" altLang="ja-JP" sz="1050" kern="100" baseline="0" dirty="0" err="1" smtClean="0">
+                          <a:effectLst/>
+                          <a:latin typeface="Segoe UI" panose="020B0502040204020203" pitchFamily="34" charset="0"/>
+                          <a:cs typeface="Segoe UI" panose="020B0502040204020203" pitchFamily="34" charset="0"/>
+                        </a:rPr>
+                        <a:t>libyaml</a:t>
+                      </a:r>
+                      <a:r>
+                        <a:rPr lang="en-US" altLang="ja-JP" sz="1050" kern="100" baseline="0" dirty="0" smtClean="0">
+                          <a:effectLst/>
+                          <a:latin typeface="Segoe UI" panose="020B0502040204020203" pitchFamily="34" charset="0"/>
+                          <a:cs typeface="Segoe UI" panose="020B0502040204020203" pitchFamily="34" charset="0"/>
+                        </a:rPr>
+                        <a:t>, </a:t>
+                      </a:r>
+                      <a:r>
+                        <a:rPr lang="en-US" altLang="ja-JP" sz="1050" kern="100" baseline="0" dirty="0" err="1" smtClean="0">
+                          <a:effectLst/>
+                          <a:latin typeface="Segoe UI" panose="020B0502040204020203" pitchFamily="34" charset="0"/>
+                          <a:cs typeface="Segoe UI" panose="020B0502040204020203" pitchFamily="34" charset="0"/>
+                        </a:rPr>
+                        <a:t>libyaml-devel</a:t>
+                      </a:r>
+                      <a:r>
+                        <a:rPr lang="en-US" altLang="ja-JP" sz="1050" kern="100" baseline="0" dirty="0" smtClean="0">
+                          <a:effectLst/>
+                          <a:latin typeface="Segoe UI" panose="020B0502040204020203" pitchFamily="34" charset="0"/>
+                          <a:cs typeface="Segoe UI" panose="020B0502040204020203" pitchFamily="34" charset="0"/>
+                        </a:rPr>
+                        <a:t>, make</a:t>
                       </a:r>
                       <a:endParaRPr lang="ja-JP" altLang="ja-JP" sz="1050" kern="100" dirty="0" smtClean="0">
                         <a:effectLst/>
-                        <a:latin typeface="Century" panose="02040604050505020304" pitchFamily="18" charset="0"/>
+                        <a:latin typeface="Segoe UI" panose="020B0502040204020203" pitchFamily="34" charset="0"/>
                         <a:ea typeface="ＭＳ 明朝" panose="02020609040205080304" pitchFamily="17" charset="-128"/>
-                        <a:cs typeface="Times New Roman" panose="02020603050405020304" pitchFamily="18" charset="0"/>
+                        <a:cs typeface="Segoe UI" panose="020B0502040204020203" pitchFamily="34" charset="0"/>
                       </a:endParaRPr>
                     </a:p>
                   </a:txBody>
@@ -25400,7 +25496,7 @@
                           <a:ea typeface="Segoe UI" panose="020B0502040204020203" pitchFamily="34" charset="0"/>
                           <a:cs typeface="Segoe UI" panose="020B0502040204020203" pitchFamily="34" charset="0"/>
                         </a:rPr>
-                        <a:t>Spyc</a:t>
+                        <a:t>php-yaml</a:t>
                       </a:r>
                       <a:r>
                         <a:rPr lang="en-US" sz="1050" kern="100" dirty="0" smtClean="0">
@@ -25414,6 +25510,8 @@
                       <a:r>
                         <a:rPr lang="en-US" altLang="ja-JP" sz="1050" kern="100" dirty="0" err="1" smtClean="0">
                           <a:effectLst/>
+                          <a:latin typeface="Segoe UI" panose="020B0502040204020203" pitchFamily="34" charset="0"/>
+                          <a:cs typeface="Segoe UI" panose="020B0502040204020203" pitchFamily="34" charset="0"/>
                         </a:rPr>
                         <a:t>PhpSpreadsheet</a:t>
                       </a:r>
@@ -25659,6 +25757,8 @@
                       <a:r>
                         <a:rPr lang="en-US" altLang="ja-JP" sz="1050" kern="100" dirty="0" err="1" smtClean="0">
                           <a:effectLst/>
+                          <a:latin typeface="Segoe UI" panose="020B0502040204020203" pitchFamily="34" charset="0"/>
+                          <a:cs typeface="Segoe UI" panose="020B0502040204020203" pitchFamily="34" charset="0"/>
                         </a:rPr>
                         <a:t>pexpect</a:t>
                       </a:r>
@@ -25674,6 +25774,8 @@
                       <a:r>
                         <a:rPr lang="en-US" altLang="ja-JP" sz="1050" kern="100" dirty="0" err="1" smtClean="0">
                           <a:effectLst/>
+                          <a:latin typeface="Segoe UI" panose="020B0502040204020203" pitchFamily="34" charset="0"/>
+                          <a:cs typeface="Segoe UI" panose="020B0502040204020203" pitchFamily="34" charset="0"/>
                         </a:rPr>
                         <a:t>pywinrm</a:t>
                       </a:r>
@@ -25689,8 +25791,31 @@
                       <a:r>
                         <a:rPr lang="en-US" altLang="ja-JP" sz="1050" kern="100" dirty="0" smtClean="0">
                           <a:effectLst/>
-                        </a:rPr>
-                        <a:t>boto3</a:t>
+                          <a:latin typeface="Segoe UI" panose="020B0502040204020203" pitchFamily="34" charset="0"/>
+                          <a:cs typeface="Segoe UI" panose="020B0502040204020203" pitchFamily="34" charset="0"/>
+                        </a:rPr>
+                        <a:t>boto3,</a:t>
+                      </a:r>
+                      <a:r>
+                        <a:rPr lang="en-US" altLang="ja-JP" sz="1050" kern="100" dirty="0" smtClean="0">
+                          <a:effectLst/>
+                        </a:rPr>
+                        <a:t> </a:t>
+                      </a:r>
+                      <a:r>
+                        <a:rPr lang="en-US" altLang="ja-JP" sz="1050" dirty="0" err="1" smtClean="0">
+                          <a:latin typeface="Segoe UI" panose="020B0502040204020203" pitchFamily="34" charset="0"/>
+                          <a:cs typeface="Segoe UI" panose="020B0502040204020203" pitchFamily="34" charset="0"/>
+                        </a:rPr>
+                        <a:t>nmap-ncat</a:t>
+                      </a:r>
+                      <a:r>
+                        <a:rPr lang="en-US" altLang="ja-JP" sz="1050" kern="100" dirty="0" smtClean="0">
+                          <a:effectLst/>
+                          <a:latin typeface="Segoe UI" panose="020B0502040204020203" pitchFamily="34" charset="0"/>
+                          <a:cs typeface="Segoe UI" panose="020B0502040204020203" pitchFamily="34" charset="0"/>
+                        </a:rPr>
+                        <a:t> </a:t>
                       </a:r>
                       <a:endParaRPr lang="ja-JP" altLang="ja-JP" sz="1050" kern="100" dirty="0" smtClean="0">
                         <a:effectLst/>
@@ -27067,12 +27192,16 @@
             <a:graphicFrameLocks noGrp="1"/>
           </p:cNvGraphicFramePr>
           <p:nvPr>
-            <p:extLst/>
+            <p:extLst>
+              <p:ext uri="{D42A27DB-BD31-4B8C-83A1-F6EECF244321}">
+                <p14:modId xmlns:p14="http://schemas.microsoft.com/office/powerpoint/2010/main" val="522048423"/>
+              </p:ext>
+            </p:extLst>
           </p:nvPr>
         </p:nvGraphicFramePr>
         <p:xfrm>
           <a:off x="1259540" y="1628750"/>
-          <a:ext cx="6624920" cy="2479614"/>
+          <a:ext cx="6624920" cy="2736381"/>
         </p:xfrm>
         <a:graphic>
           <a:graphicData uri="http://schemas.openxmlformats.org/drawingml/2006/table">
@@ -27352,7 +27481,7 @@
                   </a:txBody>
                   <a:tcPr marL="68580" marR="68580" marT="0" marB="0" anchor="ctr">
                     <a:solidFill>
-                      <a:srgbClr val="E7E8EA"/>
+                      <a:srgbClr val="CBCDD3"/>
                     </a:solidFill>
                   </a:tcPr>
                 </a:tc>
@@ -27431,13 +27560,86 @@
                   </a:txBody>
                   <a:tcPr marL="68580" marR="68580" marT="0" marB="0" anchor="ctr">
                     <a:solidFill>
+                      <a:srgbClr val="E7E8EA"/>
+                    </a:solidFill>
+                  </a:tcPr>
+                </a:tc>
+                <a:extLst>
+                  <a:ext uri="{0D108BD9-81ED-4DB2-BD59-A6C34878D82A}">
+                    <a16:rowId xmlns:a16="http://schemas.microsoft.com/office/drawing/2014/main" val="10003"/>
+                  </a:ext>
+                </a:extLst>
+              </a:tr>
+              <a:tr h="256767">
+                <a:tc>
+                  <a:txBody>
+                    <a:bodyPr/>
+                    <a:lstStyle/>
+                    <a:p>
+                      <a:pPr algn="l">
+                        <a:spcAft>
+                          <a:spcPts val="0"/>
+                        </a:spcAft>
+                      </a:pPr>
+                      <a:r>
+                        <a:rPr lang="ja-JP" altLang="en-US" sz="1050" kern="100" dirty="0" smtClean="0">
+                          <a:effectLst/>
+                          <a:latin typeface="+mn-ea"/>
+                          <a:ea typeface="+mn-ea"/>
+                          <a:cs typeface="Times New Roman" panose="02020603050405020304" pitchFamily="18" charset="0"/>
+                        </a:rPr>
+                        <a:t>ホストグループ</a:t>
+                      </a:r>
+                      <a:endParaRPr lang="ja-JP" sz="1050" kern="100" dirty="0">
+                        <a:effectLst/>
+                        <a:latin typeface="+mn-ea"/>
+                        <a:ea typeface="+mn-ea"/>
+                        <a:cs typeface="Times New Roman" panose="02020603050405020304" pitchFamily="18" charset="0"/>
+                      </a:endParaRPr>
+                    </a:p>
+                  </a:txBody>
+                  <a:tcPr marL="68580" marR="68580" marT="0" marB="0" anchor="ctr">
+                    <a:solidFill>
+                      <a:srgbClr val="002B62"/>
+                    </a:solidFill>
+                  </a:tcPr>
+                </a:tc>
+                <a:tc>
+                  <a:txBody>
+                    <a:bodyPr/>
+                    <a:lstStyle/>
+                    <a:p>
+                      <a:pPr algn="l">
+                        <a:spcAft>
+                          <a:spcPts val="0"/>
+                        </a:spcAft>
+                      </a:pPr>
+                      <a:r>
+                        <a:rPr lang="ja-JP" altLang="en-US" sz="1050" kern="100" dirty="0" smtClean="0">
+                          <a:effectLst/>
+                          <a:latin typeface="+mn-ea"/>
+                          <a:ea typeface="+mn-ea"/>
+                          <a:cs typeface="Times New Roman" panose="02020603050405020304" pitchFamily="18" charset="0"/>
+                        </a:rPr>
+                        <a:t>ホストグループ管理</a:t>
+                      </a:r>
+                      <a:endParaRPr lang="ja-JP" sz="1050" kern="100" dirty="0">
+                        <a:effectLst/>
+                        <a:latin typeface="+mn-ea"/>
+                        <a:ea typeface="+mn-ea"/>
+                        <a:cs typeface="Times New Roman" panose="02020603050405020304" pitchFamily="18" charset="0"/>
+                      </a:endParaRPr>
+                    </a:p>
+                  </a:txBody>
+                  <a:tcPr marL="68580" marR="68580" marT="0" marB="0" anchor="ctr">
+                    <a:solidFill>
                       <a:srgbClr val="CBCDD3"/>
                     </a:solidFill>
                   </a:tcPr>
                 </a:tc>
                 <a:extLst>
                   <a:ext uri="{0D108BD9-81ED-4DB2-BD59-A6C34878D82A}">
-                    <a16:rowId xmlns:a16="http://schemas.microsoft.com/office/drawing/2014/main" val="10003"/>
+                    <a16:rowId xmlns:a16="http://schemas.microsoft.com/office/drawing/2014/main" val="3630898882"/>
                   </a:ext>
                 </a:extLst>
               </a:tr>
@@ -27510,7 +27712,7 @@
                   </a:txBody>
                   <a:tcPr marL="68580" marR="68580" marT="0" marB="0" anchor="ctr">
                     <a:solidFill>
-                      <a:srgbClr val="CBCDD3"/>
+                      <a:srgbClr val="E7E8EA"/>
                     </a:solidFill>
                   </a:tcPr>
                 </a:tc>
@@ -27557,7 +27759,7 @@
                   </a:txBody>
                   <a:tcPr marL="68580" marR="68580" marT="0" marB="0" anchor="ctr">
                     <a:solidFill>
-                      <a:srgbClr val="E7E8EA"/>
+                      <a:srgbClr val="CBCDD3"/>
                     </a:solidFill>
                   </a:tcPr>
                 </a:tc>
@@ -27604,7 +27806,7 @@
                   </a:txBody>
                   <a:tcPr marL="68580" marR="68580" marT="0" marB="0" anchor="ctr">
                     <a:solidFill>
-                      <a:srgbClr val="CBCDD3"/>
+                      <a:srgbClr val="E7E8EA"/>
                     </a:solidFill>
                   </a:tcPr>
                 </a:tc>
@@ -27651,7 +27853,7 @@
                   </a:txBody>
                   <a:tcPr marL="68580" marR="68580" marT="0" marB="0" anchor="ctr">
                     <a:solidFill>
-                      <a:srgbClr val="E7E8EA"/>
+                      <a:srgbClr val="CBCDD3"/>
                     </a:solidFill>
                   </a:tcPr>
                 </a:tc>
@@ -30297,7 +30499,7 @@
           <p:nvPr>
             <p:extLst>
               <p:ext uri="{D42A27DB-BD31-4B8C-83A1-F6EECF244321}">
-                <p14:modId xmlns:p14="http://schemas.microsoft.com/office/powerpoint/2010/main" val="1895988298"/>
+                <p14:modId xmlns:p14="http://schemas.microsoft.com/office/powerpoint/2010/main" val="2453525885"/>
               </p:ext>
             </p:extLst>
           </p:nvPr>
@@ -31094,21 +31296,33 @@
                     <a:bodyPr/>
                     <a:lstStyle/>
                     <a:p>
-                      <a:pPr algn="just">
+                      <a:pPr marL="0" marR="0" lvl="0" indent="0" algn="just" defTabSz="914400" rtl="0" eaLnBrk="1" fontAlgn="auto" latinLnBrk="0" hangingPunct="1">
                         <a:lnSpc>
                           <a:spcPts val="1200"/>
                         </a:lnSpc>
+                        <a:spcBef>
+                          <a:spcPts val="0"/>
+                        </a:spcBef>
                         <a:spcAft>
                           <a:spcPts val="0"/>
                         </a:spcAft>
+                        <a:buClrTx/>
+                        <a:buSzTx/>
+                        <a:buFontTx/>
+                        <a:buNone/>
+                        <a:tabLst/>
+                        <a:defRPr/>
                       </a:pPr>
                       <a:r>
-                        <a:rPr lang="en-US" altLang="ja-JP" sz="1050" kern="100" dirty="0" smtClean="0">
-                          <a:effectLst/>
-                        </a:rPr>
-                        <a:t>×</a:t>
-                      </a:r>
-                      <a:endParaRPr lang="ja-JP" sz="1050" kern="100" dirty="0">
+                        <a:rPr lang="ja-JP" altLang="en-US" sz="1050" kern="100" dirty="0" smtClean="0">
+                          <a:effectLst/>
+                          <a:latin typeface="+mn-lt"/>
+                          <a:ea typeface="+mn-ea"/>
+                          <a:cs typeface="+mn-cs"/>
+                        </a:rPr>
+                        <a:t>○</a:t>
+                      </a:r>
+                      <a:endParaRPr lang="ja-JP" altLang="ja-JP" sz="1050" kern="100" dirty="0" smtClean="0">
                         <a:effectLst/>
                         <a:latin typeface="Century" panose="02040604050505020304" pitchFamily="18" charset="0"/>
                         <a:ea typeface="ＭＳ 明朝" panose="02020609040205080304" pitchFamily="17" charset="-128"/>
@@ -32629,14 +32843,14 @@
           <p:nvPr>
             <p:extLst>
               <p:ext uri="{D42A27DB-BD31-4B8C-83A1-F6EECF244321}">
-                <p14:modId xmlns:p14="http://schemas.microsoft.com/office/powerpoint/2010/main" val="2357416733"/>
+                <p14:modId xmlns:p14="http://schemas.microsoft.com/office/powerpoint/2010/main" val="2286870256"/>
               </p:ext>
             </p:extLst>
           </p:nvPr>
         </p:nvGraphicFramePr>
         <p:xfrm>
           <a:off x="971013" y="2780910"/>
-          <a:ext cx="7201000" cy="2453640"/>
+          <a:ext cx="7201000" cy="3276600"/>
         </p:xfrm>
         <a:graphic>
           <a:graphicData uri="http://schemas.openxmlformats.org/drawingml/2006/table">
@@ -32698,7 +32912,7 @@
                 </a:extLst>
               </a:tr>
               <a:tr h="172980">
-                <a:tc rowSpan="3">
+                <a:tc rowSpan="4">
                   <a:txBody>
                     <a:bodyPr/>
                     <a:lstStyle/>
@@ -32887,6 +33101,80 @@
                 </a:extLst>
               </a:tr>
               <a:tr h="248871">
+                <a:tc vMerge="1">
+                  <a:txBody>
+                    <a:bodyPr/>
+                    <a:lstStyle/>
+                    <a:p>
+                      <a:endParaRPr kumimoji="1" lang="ja-JP" altLang="en-US" sz="1200" b="1" dirty="0"/>
+                    </a:p>
+                  </a:txBody>
+                  <a:tcPr anchor="ctr"/>
+                </a:tc>
+                <a:tc>
+                  <a:txBody>
+                    <a:bodyPr/>
+                    <a:lstStyle/>
+                    <a:p>
+                      <a:r>
+                        <a:rPr kumimoji="1" lang="en-US" altLang="ja-JP" sz="1200" b="1" dirty="0" smtClean="0">
+                          <a:solidFill>
+                            <a:schemeClr val="tx1"/>
+                          </a:solidFill>
+                        </a:rPr>
+                        <a:t>rhel-7-server-optional-rpms</a:t>
+                      </a:r>
+                      <a:endParaRPr kumimoji="1" lang="ja-JP" altLang="en-US" sz="1200" b="1" dirty="0">
+                        <a:solidFill>
+                          <a:schemeClr val="tx1"/>
+                        </a:solidFill>
+                      </a:endParaRPr>
+                    </a:p>
+                  </a:txBody>
+                  <a:tcPr/>
+                </a:tc>
+                <a:extLst>
+                  <a:ext uri="{0D108BD9-81ED-4DB2-BD59-A6C34878D82A}">
+                    <a16:rowId xmlns:a16="http://schemas.microsoft.com/office/drawing/2014/main" val="916413667"/>
+                  </a:ext>
+                </a:extLst>
+              </a:tr>
+              <a:tr h="248871">
+                <a:tc rowSpan="2">
+                  <a:txBody>
+                    <a:bodyPr/>
+                    <a:lstStyle/>
+                    <a:p>
+                      <a:pPr marL="0" marR="0" lvl="0" indent="0" algn="l" defTabSz="914400" rtl="0" eaLnBrk="1" fontAlgn="auto" latinLnBrk="0" hangingPunct="1">
+                        <a:lnSpc>
+                          <a:spcPct val="100000"/>
+                        </a:lnSpc>
+                        <a:spcBef>
+                          <a:spcPts val="0"/>
+                        </a:spcBef>
+                        <a:spcAft>
+                          <a:spcPts val="0"/>
+                        </a:spcAft>
+                        <a:buClrTx/>
+                        <a:buSzTx/>
+                        <a:buFontTx/>
+                        <a:buNone/>
+                        <a:tabLst/>
+                        <a:defRPr/>
+                      </a:pPr>
+                      <a:r>
+                        <a:rPr kumimoji="1" lang="en-US" altLang="ja-JP" sz="1200" b="1" dirty="0" smtClean="0"/>
+                        <a:t>RHEL8</a:t>
+                      </a:r>
+                      <a:endParaRPr kumimoji="1" lang="ja-JP" altLang="en-US" sz="1200" b="1" dirty="0" smtClean="0"/>
+                    </a:p>
+                  </a:txBody>
+                  <a:tcPr anchor="ctr">
+                    <a:solidFill>
+                      <a:srgbClr val="E7E8EA"/>
+                    </a:solidFill>
+                  </a:tcPr>
+                </a:tc>
                 <a:tc>
                   <a:txBody>
                     <a:bodyPr/>
@@ -32910,9 +33198,60 @@
                         <a:defRPr/>
                       </a:pPr>
                       <a:r>
-                        <a:rPr kumimoji="1" lang="en-US" altLang="ja-JP" sz="1200" b="1" dirty="0" smtClean="0"/>
-                        <a:t>RHEL8</a:t>
-                      </a:r>
+                        <a:rPr kumimoji="1" lang="en-US" altLang="ja-JP" sz="1200" b="1" i="0" kern="1200" dirty="0" smtClean="0">
+                          <a:solidFill>
+                            <a:schemeClr val="dk1"/>
+                          </a:solidFill>
+                          <a:effectLst/>
+                          <a:latin typeface="+mn-lt"/>
+                          <a:ea typeface="+mn-ea"/>
+                          <a:cs typeface="+mn-cs"/>
+                        </a:rPr>
+                        <a:t>https://dl.fedoraproject.org/pub/epel/epel-release-latest-8.noarch.rpm</a:t>
+                      </a:r>
+                    </a:p>
+                  </a:txBody>
+                  <a:tcPr>
+                    <a:lnB w="12700" cap="flat" cmpd="sng" algn="ctr">
+                      <a:solidFill>
+                        <a:schemeClr val="bg1"/>
+                      </a:solidFill>
+                      <a:prstDash val="solid"/>
+                      <a:round/>
+                      <a:headEnd type="none" w="med" len="med"/>
+                      <a:tailEnd type="none" w="med" len="med"/>
+                    </a:lnB>
+                  </a:tcPr>
+                </a:tc>
+                <a:extLst>
+                  <a:ext uri="{0D108BD9-81ED-4DB2-BD59-A6C34878D82A}">
+                    <a16:rowId xmlns:a16="http://schemas.microsoft.com/office/drawing/2014/main" val="10007"/>
+                  </a:ext>
+                </a:extLst>
+              </a:tr>
+              <a:tr h="248871">
+                <a:tc vMerge="1">
+                  <a:txBody>
+                    <a:bodyPr/>
+                    <a:lstStyle/>
+                    <a:p>
+                      <a:pPr marL="0" marR="0" lvl="0" indent="0" algn="l" defTabSz="914400" rtl="0" eaLnBrk="1" fontAlgn="auto" latinLnBrk="0" hangingPunct="1">
+                        <a:lnSpc>
+                          <a:spcPct val="100000"/>
+                        </a:lnSpc>
+                        <a:spcBef>
+                          <a:spcPts val="0"/>
+                        </a:spcBef>
+                        <a:spcAft>
+                          <a:spcPts val="0"/>
+                        </a:spcAft>
+                        <a:buClrTx/>
+                        <a:buSzTx/>
+                        <a:buFontTx/>
+                        <a:buNone/>
+                        <a:tabLst/>
+                        <a:defRPr/>
+                      </a:pPr>
                       <a:endParaRPr kumimoji="1" lang="ja-JP" altLang="en-US" sz="1200" b="1" dirty="0" smtClean="0"/>
                     </a:p>
                   </a:txBody>
@@ -32950,11 +33289,44 @@
                           <a:ea typeface="+mn-ea"/>
                           <a:cs typeface="+mn-cs"/>
                         </a:rPr>
-                        <a:t>https://dl.fedoraproject.org/pub/epel/epel-release-latest-8.noarch.rpm</a:t>
+                        <a:t>codeready-builder-for-rhel-8-</a:t>
+                      </a:r>
+                      <a:r>
+                        <a:rPr kumimoji="1" lang="en-US" altLang="ja-JP" sz="1200" b="1" i="0" kern="1200" dirty="0" smtClean="0">
+                          <a:solidFill>
+                            <a:srgbClr val="FF0000"/>
+                          </a:solidFill>
+                          <a:effectLst/>
+                          <a:latin typeface="+mn-lt"/>
+                          <a:ea typeface="+mn-ea"/>
+                          <a:cs typeface="+mn-cs"/>
+                        </a:rPr>
+                        <a:t>xxxxxx</a:t>
+                      </a:r>
+                      <a:r>
+                        <a:rPr kumimoji="1" lang="en-US" altLang="ja-JP" sz="1200" b="1" i="0" kern="1200" dirty="0" smtClean="0">
+                          <a:solidFill>
+                            <a:schemeClr val="dk1"/>
+                          </a:solidFill>
+                          <a:effectLst/>
+                          <a:latin typeface="+mn-lt"/>
+                          <a:ea typeface="+mn-ea"/>
+                          <a:cs typeface="+mn-cs"/>
+                        </a:rPr>
+                        <a:t>-rpms</a:t>
                       </a:r>
                     </a:p>
                   </a:txBody>
                   <a:tcPr>
+                    <a:lnT w="12700" cap="flat" cmpd="sng" algn="ctr">
+                      <a:solidFill>
+                        <a:schemeClr val="bg1"/>
+                      </a:solidFill>
+                      <a:prstDash val="solid"/>
+                      <a:round/>
+                      <a:headEnd type="none" w="med" len="med"/>
+                      <a:tailEnd type="none" w="med" len="med"/>
+                    </a:lnT>
                     <a:lnB w="12700" cap="flat" cmpd="sng" algn="ctr">
                       <a:solidFill>
                         <a:schemeClr val="bg1"/>
@@ -32968,7 +33340,7 @@
                 </a:tc>
                 <a:extLst>
                   <a:ext uri="{0D108BD9-81ED-4DB2-BD59-A6C34878D82A}">
-                    <a16:rowId xmlns:a16="http://schemas.microsoft.com/office/drawing/2014/main" val="10007"/>
+                    <a16:rowId xmlns:a16="http://schemas.microsoft.com/office/drawing/2014/main" val="926046266"/>
                   </a:ext>
                 </a:extLst>
               </a:tr>
@@ -33165,7 +33537,7 @@
                 </a:extLst>
               </a:tr>
               <a:tr h="248871">
-                <a:tc>
+                <a:tc rowSpan="2">
                   <a:txBody>
                     <a:bodyPr/>
                     <a:lstStyle/>
@@ -33251,10 +33623,123 @@
                   </a:ext>
                 </a:extLst>
               </a:tr>
+              <a:tr h="248871">
+                <a:tc vMerge="1">
+                  <a:txBody>
+                    <a:bodyPr/>
+                    <a:lstStyle/>
+                    <a:p>
+                      <a:endParaRPr kumimoji="1" lang="ja-JP" altLang="en-US" sz="1200" b="1" dirty="0"/>
+                    </a:p>
+                  </a:txBody>
+                  <a:tcPr anchor="ctr"/>
+                </a:tc>
+                <a:tc>
+                  <a:txBody>
+                    <a:bodyPr/>
+                    <a:lstStyle/>
+                    <a:p>
+                      <a:pPr marL="0" marR="0" lvl="0" indent="0" algn="l" defTabSz="914400" rtl="0" eaLnBrk="1" fontAlgn="auto" latinLnBrk="0" hangingPunct="1">
+                        <a:lnSpc>
+                          <a:spcPct val="100000"/>
+                        </a:lnSpc>
+                        <a:spcBef>
+                          <a:spcPts val="0"/>
+                        </a:spcBef>
+                        <a:spcAft>
+                          <a:spcPts val="0"/>
+                        </a:spcAft>
+                        <a:buClrTx/>
+                        <a:buSzTx/>
+                        <a:buFontTx/>
+                        <a:buNone/>
+                        <a:tabLst/>
+                        <a:defRPr/>
+                      </a:pPr>
+                      <a:r>
+                        <a:rPr kumimoji="1" lang="en-US" altLang="ja-JP" sz="1200" b="1" dirty="0" err="1" smtClean="0">
+                          <a:solidFill>
+                            <a:schemeClr val="tx1"/>
+                          </a:solidFill>
+                        </a:rPr>
+                        <a:t>PowerTools</a:t>
+                      </a:r>
+                      <a:endParaRPr kumimoji="1" lang="ja-JP" altLang="en-US" sz="1200" b="1" dirty="0" smtClean="0">
+                        <a:solidFill>
+                          <a:schemeClr val="tx1"/>
+                        </a:solidFill>
+                      </a:endParaRPr>
+                    </a:p>
+                  </a:txBody>
+                  <a:tcPr>
+                    <a:lnT w="12700" cap="flat" cmpd="sng" algn="ctr">
+                      <a:solidFill>
+                        <a:schemeClr val="bg1"/>
+                      </a:solidFill>
+                      <a:prstDash val="solid"/>
+                      <a:round/>
+                      <a:headEnd type="none" w="med" len="med"/>
+                      <a:tailEnd type="none" w="med" len="med"/>
+                    </a:lnT>
+                    <a:lnB w="12700" cap="flat" cmpd="sng" algn="ctr">
+                      <a:solidFill>
+                        <a:schemeClr val="bg1"/>
+                      </a:solidFill>
+                      <a:prstDash val="solid"/>
+                      <a:round/>
+                      <a:headEnd type="none" w="med" len="med"/>
+                      <a:tailEnd type="none" w="med" len="med"/>
+                    </a:lnB>
+                  </a:tcPr>
+                </a:tc>
+                <a:extLst>
+                  <a:ext uri="{0D108BD9-81ED-4DB2-BD59-A6C34878D82A}">
+                    <a16:rowId xmlns:a16="http://schemas.microsoft.com/office/drawing/2014/main" val="1144270793"/>
+                  </a:ext>
+                </a:extLst>
+              </a:tr>
             </a:tbl>
           </a:graphicData>
         </a:graphic>
       </p:graphicFrame>
+      <p:sp>
+        <p:nvSpPr>
+          <p:cNvPr id="4" name="テキスト ボックス 3"/>
+          <p:cNvSpPr txBox="1"/>
+          <p:nvPr/>
+        </p:nvSpPr>
+        <p:spPr>
+          <a:xfrm>
+            <a:off x="977078" y="6145411"/>
+            <a:ext cx="3096917" cy="307777"/>
+          </a:xfrm>
+          <a:prstGeom prst="rect">
+            <a:avLst/>
+          </a:prstGeom>
+          <a:noFill/>
+        </p:spPr>
+        <p:txBody>
+          <a:bodyPr wrap="square" rtlCol="0">
+            <a:spAutoFit/>
+          </a:bodyPr>
+          <a:lstStyle/>
+          <a:p>
+            <a:r>
+              <a:rPr kumimoji="1" lang="en-US" altLang="ja-JP" sz="1400" dirty="0" err="1" smtClean="0">
+                <a:solidFill>
+                  <a:srgbClr val="FF0000"/>
+                </a:solidFill>
+              </a:rPr>
+              <a:t>xxxxxx</a:t>
+            </a:r>
+            <a:r>
+              <a:rPr kumimoji="1" lang="ja-JP" altLang="en-US" sz="1400" dirty="0" smtClean="0"/>
+              <a:t>：アーキテクチャ</a:t>
+            </a:r>
+            <a:endParaRPr kumimoji="1" lang="ja-JP" altLang="en-US" sz="1400" dirty="0"/>
+          </a:p>
+        </p:txBody>
+      </p:sp>
     </p:spTree>
     <p:extLst>
       <p:ext uri="{BB962C8B-B14F-4D97-AF65-F5344CB8AC3E}">

--- a/asset/Learn_ja/ITA-offline-install_ja.pptx
+++ b/asset/Learn_ja/ITA-offline-install_ja.pptx
@@ -338,7 +338,7 @@
               <a:rPr kumimoji="1" lang="ja-JP" altLang="en-US" smtClean="0">
                 <a:ea typeface="メイリオ" panose="020B0604030504040204" pitchFamily="50" charset="-128"/>
               </a:rPr>
-              <a:t>2020/6/15</a:t>
+              <a:t>2020/7/21</a:t>
             </a:fld>
             <a:endParaRPr kumimoji="1" lang="ja-JP" altLang="en-US" dirty="0">
               <a:ea typeface="メイリオ" panose="020B0604030504040204" pitchFamily="50" charset="-128"/>
@@ -484,7 +484,7 @@
             <a:fld id="{4B26993D-C081-44EB-B0F5-A9F467792B62}" type="datetimeFigureOut">
               <a:rPr lang="ja-JP" altLang="en-US" smtClean="0"/>
               <a:pPr/>
-              <a:t>2020/6/15</a:t>
+              <a:t>2020/7/21</a:t>
             </a:fld>
             <a:endParaRPr lang="ja-JP" altLang="en-US" dirty="0"/>
           </a:p>
@@ -1107,7 +1107,7 @@
           <a:p>
             <a:fld id="{56F9016B-CCA6-43BE-8BEE-59565A35F4F7}" type="datetimeFigureOut">
               <a:rPr kumimoji="1" lang="ja-JP" altLang="en-US" smtClean="0"/>
-              <a:t>2020/6/15</a:t>
+              <a:t>2020/7/21</a:t>
             </a:fld>
             <a:endParaRPr kumimoji="1" lang="ja-JP" altLang="en-US"/>
           </a:p>
@@ -1309,7 +1309,7 @@
           <a:p>
             <a:fld id="{56F9016B-CCA6-43BE-8BEE-59565A35F4F7}" type="datetimeFigureOut">
               <a:rPr kumimoji="1" lang="ja-JP" altLang="en-US" smtClean="0"/>
-              <a:t>2020/6/15</a:t>
+              <a:t>2020/7/21</a:t>
             </a:fld>
             <a:endParaRPr kumimoji="1" lang="ja-JP" altLang="en-US"/>
           </a:p>
@@ -1555,7 +1555,7 @@
           <a:p>
             <a:fld id="{56F9016B-CCA6-43BE-8BEE-59565A35F4F7}" type="datetimeFigureOut">
               <a:rPr kumimoji="1" lang="ja-JP" altLang="en-US" smtClean="0"/>
-              <a:t>2020/6/15</a:t>
+              <a:t>2020/7/21</a:t>
             </a:fld>
             <a:endParaRPr kumimoji="1" lang="ja-JP" altLang="en-US"/>
           </a:p>
@@ -1851,7 +1851,7 @@
           <a:p>
             <a:fld id="{56F9016B-CCA6-43BE-8BEE-59565A35F4F7}" type="datetimeFigureOut">
               <a:rPr kumimoji="1" lang="ja-JP" altLang="en-US" smtClean="0"/>
-              <a:t>2020/6/15</a:t>
+              <a:t>2020/7/21</a:t>
             </a:fld>
             <a:endParaRPr kumimoji="1" lang="ja-JP" altLang="en-US"/>
           </a:p>
@@ -2282,7 +2282,7 @@
           <a:p>
             <a:fld id="{56F9016B-CCA6-43BE-8BEE-59565A35F4F7}" type="datetimeFigureOut">
               <a:rPr kumimoji="1" lang="ja-JP" altLang="en-US" smtClean="0"/>
-              <a:t>2020/6/15</a:t>
+              <a:t>2020/7/21</a:t>
             </a:fld>
             <a:endParaRPr kumimoji="1" lang="ja-JP" altLang="en-US"/>
           </a:p>
@@ -2400,7 +2400,7 @@
           <a:p>
             <a:fld id="{56F9016B-CCA6-43BE-8BEE-59565A35F4F7}" type="datetimeFigureOut">
               <a:rPr kumimoji="1" lang="ja-JP" altLang="en-US" smtClean="0"/>
-              <a:t>2020/6/15</a:t>
+              <a:t>2020/7/21</a:t>
             </a:fld>
             <a:endParaRPr kumimoji="1" lang="ja-JP" altLang="en-US"/>
           </a:p>
@@ -2495,7 +2495,7 @@
           <a:p>
             <a:fld id="{56F9016B-CCA6-43BE-8BEE-59565A35F4F7}" type="datetimeFigureOut">
               <a:rPr kumimoji="1" lang="ja-JP" altLang="en-US" smtClean="0"/>
-              <a:t>2020/6/15</a:t>
+              <a:t>2020/7/21</a:t>
             </a:fld>
             <a:endParaRPr kumimoji="1" lang="ja-JP" altLang="en-US"/>
           </a:p>
@@ -2804,7 +2804,7 @@
           <a:p>
             <a:fld id="{56F9016B-CCA6-43BE-8BEE-59565A35F4F7}" type="datetimeFigureOut">
               <a:rPr kumimoji="1" lang="ja-JP" altLang="en-US" smtClean="0"/>
-              <a:t>2020/6/15</a:t>
+              <a:t>2020/7/21</a:t>
             </a:fld>
             <a:endParaRPr kumimoji="1" lang="ja-JP" altLang="en-US"/>
           </a:p>
@@ -3057,7 +3057,7 @@
           <a:p>
             <a:fld id="{56F9016B-CCA6-43BE-8BEE-59565A35F4F7}" type="datetimeFigureOut">
               <a:rPr kumimoji="1" lang="ja-JP" altLang="en-US" smtClean="0"/>
-              <a:t>2020/6/15</a:t>
+              <a:t>2020/7/21</a:t>
             </a:fld>
             <a:endParaRPr kumimoji="1" lang="ja-JP" altLang="en-US"/>
           </a:p>
@@ -3334,7 +3334,7 @@
           <a:p>
             <a:fld id="{56F9016B-CCA6-43BE-8BEE-59565A35F4F7}" type="datetimeFigureOut">
               <a:rPr kumimoji="1" lang="ja-JP" altLang="en-US" smtClean="0"/>
-              <a:t>2020/6/15</a:t>
+              <a:t>2020/7/21</a:t>
             </a:fld>
             <a:endParaRPr kumimoji="1" lang="ja-JP" altLang="en-US"/>
           </a:p>
@@ -3546,7 +3546,7 @@
           <a:p>
             <a:fld id="{56F9016B-CCA6-43BE-8BEE-59565A35F4F7}" type="datetimeFigureOut">
               <a:rPr kumimoji="1" lang="ja-JP" altLang="en-US" smtClean="0"/>
-              <a:t>2020/6/15</a:t>
+              <a:t>2020/7/21</a:t>
             </a:fld>
             <a:endParaRPr kumimoji="1" lang="ja-JP" altLang="en-US"/>
           </a:p>
@@ -6605,7 +6605,7 @@
           <a:p>
             <a:fld id="{56F9016B-CCA6-43BE-8BEE-59565A35F4F7}" type="datetimeFigureOut">
               <a:rPr kumimoji="1" lang="ja-JP" altLang="en-US" smtClean="0"/>
-              <a:t>2020/6/15</a:t>
+              <a:t>2020/7/21</a:t>
             </a:fld>
             <a:endParaRPr kumimoji="1" lang="ja-JP" altLang="en-US"/>
           </a:p>
@@ -18002,14 +18002,14 @@
           <p:nvPr>
             <p:extLst>
               <p:ext uri="{D42A27DB-BD31-4B8C-83A1-F6EECF244321}">
-                <p14:modId xmlns:p14="http://schemas.microsoft.com/office/powerpoint/2010/main" val="451806341"/>
+                <p14:modId xmlns:p14="http://schemas.microsoft.com/office/powerpoint/2010/main" val="2070521617"/>
               </p:ext>
             </p:extLst>
           </p:nvPr>
         </p:nvGraphicFramePr>
         <p:xfrm>
           <a:off x="539440" y="2060814"/>
-          <a:ext cx="8065121" cy="4358306"/>
+          <a:ext cx="8065121" cy="4287246"/>
         </p:xfrm>
         <a:graphic>
           <a:graphicData uri="http://schemas.openxmlformats.org/drawingml/2006/table">
@@ -20595,24 +20595,36 @@
                     <a:bodyPr/>
                     <a:lstStyle/>
                     <a:p>
-                      <a:pPr algn="just">
+                      <a:pPr marL="0" marR="0" lvl="0" indent="0" algn="just" defTabSz="914400" rtl="0" eaLnBrk="1" fontAlgn="auto" latinLnBrk="0" hangingPunct="1">
                         <a:lnSpc>
                           <a:spcPct val="150000"/>
                         </a:lnSpc>
+                        <a:spcBef>
+                          <a:spcPts val="0"/>
+                        </a:spcBef>
                         <a:spcAft>
                           <a:spcPts val="0"/>
                         </a:spcAft>
+                        <a:buClrTx/>
+                        <a:buSzTx/>
+                        <a:buFontTx/>
+                        <a:buNone/>
+                        <a:tabLst/>
+                        <a:defRPr/>
                       </a:pPr>
                       <a:r>
-                        <a:rPr lang="en-US" sz="1000" kern="100" dirty="0">
-                          <a:effectLst/>
-                        </a:rPr>
-                        <a:t>dsc_driver</a:t>
-                      </a:r>
-                      <a:endParaRPr lang="ja-JP" sz="1000" kern="100" dirty="0">
+                        <a:rPr lang="en-US" altLang="ja-JP" sz="1000" kern="100" dirty="0" err="1" smtClean="0">
+                          <a:effectLst/>
+                          <a:latin typeface="+mn-ea"/>
+                          <a:ea typeface="+mn-ea"/>
+                          <a:cs typeface="Times New Roman" panose="02020603050405020304" pitchFamily="18" charset="0"/>
+                        </a:rPr>
+                        <a:t>terraform_driver</a:t>
+                      </a:r>
+                      <a:endParaRPr lang="ja-JP" altLang="ja-JP" sz="1000" kern="100" dirty="0" smtClean="0">
                         <a:effectLst/>
-                        <a:latin typeface="Century" panose="02040604050505020304" pitchFamily="18" charset="0"/>
-                        <a:ea typeface="ＭＳ 明朝" panose="02020609040205080304" pitchFamily="17" charset="-128"/>
+                        <a:latin typeface="+mn-ea"/>
+                        <a:ea typeface="+mn-ea"/>
                         <a:cs typeface="Times New Roman" panose="02020603050405020304" pitchFamily="18" charset="0"/>
                       </a:endParaRPr>
                     </a:p>
@@ -20628,21 +20640,30 @@
                     <a:bodyPr/>
                     <a:lstStyle/>
                     <a:p>
-                      <a:pPr algn="ctr">
+                      <a:pPr marL="0" marR="0" lvl="0" indent="0" algn="ctr" defTabSz="914400" rtl="0" eaLnBrk="1" fontAlgn="auto" latinLnBrk="0" hangingPunct="1">
                         <a:lnSpc>
                           <a:spcPct val="150000"/>
                         </a:lnSpc>
+                        <a:spcBef>
+                          <a:spcPts val="0"/>
+                        </a:spcBef>
                         <a:spcAft>
                           <a:spcPts val="0"/>
                         </a:spcAft>
+                        <a:buClrTx/>
+                        <a:buSzTx/>
+                        <a:buFontTx/>
+                        <a:buNone/>
+                        <a:tabLst/>
+                        <a:defRPr/>
                       </a:pPr>
                       <a:r>
-                        <a:rPr lang="en-US" sz="1000" kern="100" dirty="0">
+                        <a:rPr lang="en-US" altLang="ja-JP" sz="1000" kern="100" dirty="0" smtClean="0">
                           <a:effectLst/>
                         </a:rPr>
                         <a:t>○</a:t>
                       </a:r>
-                      <a:endParaRPr lang="ja-JP" sz="1000" kern="100" dirty="0">
+                      <a:endParaRPr lang="ja-JP" altLang="ja-JP" sz="1000" kern="100" dirty="0" smtClean="0">
                         <a:effectLst/>
                         <a:latin typeface="Century" panose="02040604050505020304" pitchFamily="18" charset="0"/>
                         <a:ea typeface="ＭＳ 明朝" panose="02020609040205080304" pitchFamily="17" charset="-128"/>
@@ -20652,7 +20673,7 @@
                   </a:txBody>
                   <a:tcPr marL="68495" marR="68495" marT="0" marB="0" anchor="ctr">
                     <a:solidFill>
-                      <a:srgbClr val="E7E8EA"/>
+                      <a:srgbClr val="CBCDD3"/>
                     </a:solidFill>
                   </a:tcPr>
                 </a:tc>
@@ -20661,21 +20682,30 @@
                     <a:bodyPr/>
                     <a:lstStyle/>
                     <a:p>
-                      <a:pPr algn="ctr">
+                      <a:pPr marL="0" marR="0" lvl="0" indent="0" algn="ctr" defTabSz="914400" rtl="0" eaLnBrk="1" fontAlgn="auto" latinLnBrk="0" hangingPunct="1">
                         <a:lnSpc>
                           <a:spcPct val="150000"/>
                         </a:lnSpc>
+                        <a:spcBef>
+                          <a:spcPts val="0"/>
+                        </a:spcBef>
                         <a:spcAft>
                           <a:spcPts val="0"/>
                         </a:spcAft>
+                        <a:buClrTx/>
+                        <a:buSzTx/>
+                        <a:buFontTx/>
+                        <a:buNone/>
+                        <a:tabLst/>
+                        <a:defRPr/>
                       </a:pPr>
                       <a:r>
-                        <a:rPr lang="en-US" sz="1000" kern="100" dirty="0">
+                        <a:rPr lang="en-US" altLang="ja-JP" sz="1000" kern="100" dirty="0" smtClean="0">
                           <a:effectLst/>
                         </a:rPr>
                         <a:t>no</a:t>
                       </a:r>
-                      <a:endParaRPr lang="ja-JP" sz="1000" kern="100" dirty="0">
+                      <a:endParaRPr lang="ja-JP" altLang="ja-JP" sz="1000" kern="100" dirty="0" smtClean="0">
                         <a:effectLst/>
                         <a:latin typeface="Century" panose="02040604050505020304" pitchFamily="18" charset="0"/>
                         <a:ea typeface="ＭＳ 明朝" panose="02020609040205080304" pitchFamily="17" charset="-128"/>
@@ -20685,7 +20715,7 @@
                   </a:txBody>
                   <a:tcPr marL="68495" marR="68495" marT="0" marB="0" anchor="ctr">
                     <a:solidFill>
-                      <a:srgbClr val="E7E8EA"/>
+                      <a:srgbClr val="CBCDD3"/>
                     </a:solidFill>
                   </a:tcPr>
                 </a:tc>
@@ -20694,33 +20724,36 @@
                     <a:bodyPr/>
                     <a:lstStyle/>
                     <a:p>
-                      <a:pPr algn="just">
+                      <a:pPr marL="0" marR="0" lvl="0" indent="0" algn="just" defTabSz="914400" rtl="0" eaLnBrk="1" fontAlgn="auto" latinLnBrk="0" hangingPunct="1">
                         <a:lnSpc>
                           <a:spcPct val="150000"/>
                         </a:lnSpc>
+                        <a:spcBef>
+                          <a:spcPts val="0"/>
+                        </a:spcBef>
                         <a:spcAft>
                           <a:spcPts val="0"/>
                         </a:spcAft>
+                        <a:buClrTx/>
+                        <a:buSzTx/>
+                        <a:buFontTx/>
+                        <a:buNone/>
+                        <a:tabLst/>
+                        <a:defRPr/>
                       </a:pPr>
                       <a:r>
-                        <a:rPr lang="en-US" sz="1000" kern="100" dirty="0">
-                          <a:effectLst/>
-                        </a:rPr>
-                        <a:t>DSC driver</a:t>
-                      </a:r>
-                      <a:r>
-                        <a:rPr lang="ja-JP" sz="1000" kern="100" dirty="0">
-                          <a:effectLst/>
-                        </a:rPr>
-                        <a:t>のインストール有無</a:t>
-                      </a:r>
-                      <a:r>
-                        <a:rPr lang="ja-JP" sz="1000" kern="100" dirty="0" smtClean="0">
-                          <a:effectLst/>
-                        </a:rPr>
-                        <a:t>指定</a:t>
-                      </a:r>
-                      <a:endParaRPr lang="ja-JP" sz="1000" kern="100" dirty="0">
+                        <a:rPr lang="en-US" altLang="ja-JP" sz="1000" kern="100" dirty="0" smtClean="0">
+                          <a:effectLst/>
+                        </a:rPr>
+                        <a:t>Terraform driver</a:t>
+                      </a:r>
+                      <a:r>
+                        <a:rPr lang="ja-JP" altLang="ja-JP" sz="1000" kern="100" dirty="0" smtClean="0">
+                          <a:effectLst/>
+                        </a:rPr>
+                        <a:t>のインストール有無指定</a:t>
+                      </a:r>
+                      <a:endParaRPr lang="ja-JP" altLang="ja-JP" sz="1000" kern="100" dirty="0" smtClean="0">
                         <a:effectLst/>
                         <a:latin typeface="Century" panose="02040604050505020304" pitchFamily="18" charset="0"/>
                         <a:ea typeface="ＭＳ 明朝" panose="02020609040205080304" pitchFamily="17" charset="-128"/>
@@ -20730,13 +20763,13 @@
                   </a:txBody>
                   <a:tcPr marL="68495" marR="68495" marT="0" marB="0" anchor="ctr">
                     <a:solidFill>
-                      <a:srgbClr val="E7E8EA"/>
+                      <a:srgbClr val="CBCDD3"/>
                     </a:solidFill>
                   </a:tcPr>
                 </a:tc>
                 <a:extLst>
                   <a:ext uri="{0D108BD9-81ED-4DB2-BD59-A6C34878D82A}">
-                    <a16:rowId xmlns:a16="http://schemas.microsoft.com/office/drawing/2014/main" val="10016"/>
+                    <a16:rowId xmlns:a16="http://schemas.microsoft.com/office/drawing/2014/main" val="838174379"/>
                   </a:ext>
                 </a:extLst>
               </a:tr>
@@ -22220,7 +22253,7 @@
               <a:defRPr/>
             </a:pPr>
             <a:r>
-              <a:rPr kumimoji="0" lang="en-US" sz="900" kern="100" dirty="0" err="1">
+              <a:rPr kumimoji="0" lang="en-US" sz="900" kern="100" dirty="0" err="1" smtClean="0">
                 <a:solidFill>
                   <a:sysClr val="window" lastClr="FFFFFF"/>
                 </a:solidFill>
@@ -22230,7 +22263,7 @@
               </a:rPr>
               <a:t>openstack_driver:no</a:t>
             </a:r>
-            <a:endParaRPr kumimoji="0" lang="en-US" sz="900" kern="100" dirty="0">
+            <a:endParaRPr kumimoji="0" lang="en-US" sz="900" kern="100" dirty="0" smtClean="0">
               <a:solidFill>
                 <a:sysClr val="window" lastClr="FFFFFF"/>
               </a:solidFill>
@@ -22247,7 +22280,7 @@
               <a:defRPr/>
             </a:pPr>
             <a:r>
-              <a:rPr kumimoji="0" lang="en-US" sz="900" kern="100" dirty="0" err="1">
+              <a:rPr kumimoji="0" lang="en-US" sz="900" kern="100" dirty="0" err="1" smtClean="0">
                 <a:solidFill>
                   <a:sysClr val="window" lastClr="FFFFFF"/>
                 </a:solidFill>
@@ -22255,7 +22288,7 @@
                 <a:ea typeface="ＭＳ 明朝" panose="02020609040205080304" pitchFamily="17" charset="-128"/>
                 <a:cs typeface="Times New Roman" panose="02020603050405020304" pitchFamily="18" charset="0"/>
               </a:rPr>
-              <a:t>dsc_driver:no</a:t>
+              <a:t>terraform_driver:no</a:t>
             </a:r>
             <a:endParaRPr kumimoji="0" lang="en-US" sz="900" kern="100" dirty="0">
               <a:solidFill>
@@ -22277,7 +22310,7 @@
         <p:spPr bwMode="auto">
           <a:xfrm>
             <a:off x="7020920" y="3665166"/>
-            <a:ext cx="2015700" cy="898345"/>
+            <a:ext cx="2015700" cy="1492074"/>
           </a:xfrm>
           <a:prstGeom prst="roundRect">
             <a:avLst/>
@@ -22292,7 +22325,7 @@
           <a:extLst/>
         </p:spPr>
         <p:txBody>
-          <a:bodyPr rot="0" spcFirstLastPara="0" vertOverflow="overflow" horzOverflow="overflow" vert="horz" wrap="square" lIns="72000" tIns="72000" rIns="72000" bIns="72000" numCol="1" spcCol="0" rtlCol="0" fromWordArt="0" anchor="ctr" anchorCtr="0" forceAA="0" compatLnSpc="1">
+          <a:bodyPr rot="0" spcFirstLastPara="0" vertOverflow="overflow" horzOverflow="overflow" vert="horz" wrap="square" lIns="72000" tIns="72000" rIns="72000" bIns="72000" numCol="1" spcCol="0" rtlCol="0" fromWordArt="0" anchor="t" anchorCtr="0" forceAA="0" compatLnSpc="1">
             <a:prstTxWarp prst="textNoShape">
               <a:avLst/>
             </a:prstTxWarp>
@@ -22346,6 +22379,51 @@
               </a:rPr>
               <a:t>で定義します。</a:t>
             </a:r>
+            <a:endParaRPr lang="en-US" altLang="ja-JP" sz="1200" b="1" dirty="0" smtClean="0">
+              <a:solidFill>
+                <a:srgbClr val="FF0000"/>
+              </a:solidFill>
+              <a:latin typeface="+mn-ea"/>
+            </a:endParaRPr>
+          </a:p>
+          <a:p>
+            <a:pPr algn="ctr"/>
+            <a:endParaRPr kumimoji="1" lang="en-US" altLang="ja-JP" sz="1000" b="1" dirty="0">
+              <a:solidFill>
+                <a:srgbClr val="FF0000"/>
+              </a:solidFill>
+              <a:latin typeface="+mn-ea"/>
+            </a:endParaRPr>
+          </a:p>
+          <a:p>
+            <a:pPr algn="ctr"/>
+            <a:r>
+              <a:rPr lang="en-US" altLang="ja-JP" sz="1100" b="1" dirty="0">
+                <a:solidFill>
+                  <a:srgbClr val="FF0000"/>
+                </a:solidFill>
+                <a:latin typeface="+mn-ea"/>
+              </a:rPr>
+              <a:t>※</a:t>
+            </a:r>
+            <a:r>
+              <a:rPr lang="ja-JP" altLang="en-US" sz="1100" b="1" dirty="0">
+                <a:solidFill>
+                  <a:srgbClr val="FF0000"/>
+                </a:solidFill>
+                <a:latin typeface="+mn-ea"/>
+              </a:rPr>
+              <a:t>パスワードに記号を含めるとエラーになる場合があります。</a:t>
+            </a:r>
+            <a:endParaRPr lang="en-US" altLang="ja-JP" sz="1100" b="1" dirty="0">
+              <a:solidFill>
+                <a:srgbClr val="FF0000"/>
+              </a:solidFill>
+              <a:latin typeface="+mn-ea"/>
+            </a:endParaRPr>
+          </a:p>
+          <a:p>
+            <a:pPr algn="ctr"/>
             <a:endParaRPr kumimoji="1" lang="ja-JP" altLang="en-US" sz="1400" b="1" dirty="0" smtClean="0">
               <a:solidFill>
                 <a:srgbClr val="FF0000"/>
@@ -24187,7 +24265,7 @@
           <p:nvPr>
             <p:extLst>
               <p:ext uri="{D42A27DB-BD31-4B8C-83A1-F6EECF244321}">
-                <p14:modId xmlns:p14="http://schemas.microsoft.com/office/powerpoint/2010/main" val="1199294876"/>
+                <p14:modId xmlns:p14="http://schemas.microsoft.com/office/powerpoint/2010/main" val="1372871058"/>
               </p:ext>
             </p:extLst>
           </p:nvPr>
@@ -24605,7 +24683,39 @@
                           <a:ea typeface="Segoe UI" panose="020B0502040204020203" pitchFamily="34" charset="0"/>
                           <a:cs typeface="Segoe UI" panose="020B0502040204020203" pitchFamily="34" charset="0"/>
                         </a:rPr>
-                        <a:t>unzip</a:t>
+                        <a:t>unzip,</a:t>
+                      </a:r>
+                      <a:r>
+                        <a:rPr lang="ja-JP" altLang="en-US" sz="1050" kern="100" baseline="0" dirty="0" smtClean="0">
+                          <a:effectLst/>
+                          <a:latin typeface="Segoe UI" panose="020B0502040204020203" pitchFamily="34" charset="0"/>
+                          <a:cs typeface="Segoe UI" panose="020B0502040204020203" pitchFamily="34" charset="0"/>
+                        </a:rPr>
+                        <a:t> </a:t>
+                      </a:r>
+                      <a:r>
+                        <a:rPr lang="en-US" altLang="ja-JP" sz="1050" kern="100" baseline="0" dirty="0" err="1" smtClean="0">
+                          <a:effectLst/>
+                          <a:latin typeface="Segoe UI" panose="020B0502040204020203" pitchFamily="34" charset="0"/>
+                          <a:cs typeface="Segoe UI" panose="020B0502040204020203" pitchFamily="34" charset="0"/>
+                        </a:rPr>
+                        <a:t>sudo</a:t>
+                      </a:r>
+                      <a:r>
+                        <a:rPr lang="en-US" altLang="ja-JP" sz="1050" kern="100" baseline="0" dirty="0" smtClean="0">
+                          <a:effectLst/>
+                          <a:latin typeface="Segoe UI" panose="020B0502040204020203" pitchFamily="34" charset="0"/>
+                          <a:cs typeface="Segoe UI" panose="020B0502040204020203" pitchFamily="34" charset="0"/>
+                        </a:rPr>
+                        <a:t>, </a:t>
+                      </a:r>
+                      <a:r>
+                        <a:rPr lang="en-US" altLang="ja-JP" sz="1050" kern="100" baseline="0" dirty="0" err="1" smtClean="0">
+                          <a:effectLst/>
+                          <a:latin typeface="Segoe UI" panose="020B0502040204020203" pitchFamily="34" charset="0"/>
+                          <a:cs typeface="Segoe UI" panose="020B0502040204020203" pitchFamily="34" charset="0"/>
+                        </a:rPr>
+                        <a:t>crontabs</a:t>
                       </a:r>
                       <a:endParaRPr lang="ja-JP" sz="1050" kern="100" dirty="0">
                         <a:effectLst/>
@@ -25275,31 +25385,7 @@
                           <a:latin typeface="Segoe UI" panose="020B0502040204020203" pitchFamily="34" charset="0"/>
                           <a:cs typeface="Segoe UI" panose="020B0502040204020203" pitchFamily="34" charset="0"/>
                         </a:rPr>
-                        <a:t>,</a:t>
-                      </a:r>
-                      <a:r>
-                        <a:rPr lang="en-US" altLang="ja-JP" sz="1050" kern="100" baseline="0" dirty="0" smtClean="0">
-                          <a:effectLst/>
-                          <a:latin typeface="Segoe UI" panose="020B0502040204020203" pitchFamily="34" charset="0"/>
-                          <a:cs typeface="Segoe UI" panose="020B0502040204020203" pitchFamily="34" charset="0"/>
-                        </a:rPr>
-                        <a:t> </a:t>
-                      </a:r>
-                      <a:r>
-                        <a:rPr lang="en-US" altLang="ja-JP" sz="1050" kern="100" dirty="0" err="1" smtClean="0">
-                          <a:effectLst/>
-                          <a:latin typeface="Segoe UI" panose="020B0502040204020203" pitchFamily="34" charset="0"/>
-                          <a:cs typeface="Segoe UI" panose="020B0502040204020203" pitchFamily="34" charset="0"/>
-                        </a:rPr>
-                        <a:t>php</a:t>
-                      </a:r>
-                      <a:r>
-                        <a:rPr lang="en-US" altLang="ja-JP" sz="1050" kern="100" dirty="0" smtClean="0">
-                          <a:effectLst/>
-                          <a:latin typeface="Segoe UI" panose="020B0502040204020203" pitchFamily="34" charset="0"/>
-                          <a:cs typeface="Segoe UI" panose="020B0502040204020203" pitchFamily="34" charset="0"/>
-                        </a:rPr>
-                        <a:t>-zip, </a:t>
+                        <a:t>, </a:t>
                       </a:r>
                       <a:r>
                         <a:rPr lang="en-US" altLang="ja-JP" sz="1050" kern="100" dirty="0" err="1" smtClean="0">
@@ -25810,12 +25896,27 @@
                         <a:t>nmap-ncat</a:t>
                       </a:r>
                       <a:r>
-                        <a:rPr lang="en-US" altLang="ja-JP" sz="1050" kern="100" dirty="0" smtClean="0">
-                          <a:effectLst/>
+                        <a:rPr lang="en-US" altLang="ja-JP" sz="1050" dirty="0" smtClean="0">
                           <a:latin typeface="Segoe UI" panose="020B0502040204020203" pitchFamily="34" charset="0"/>
                           <a:cs typeface="Segoe UI" panose="020B0502040204020203" pitchFamily="34" charset="0"/>
                         </a:rPr>
+                        <a:t>,</a:t>
+                      </a:r>
+                      <a:r>
+                        <a:rPr lang="en-US" altLang="ja-JP" sz="1050" kern="100" dirty="0" smtClean="0">
+                          <a:effectLst/>
+                          <a:latin typeface="Segoe UI" panose="020B0502040204020203" pitchFamily="34" charset="0"/>
+                          <a:cs typeface="Segoe UI" panose="020B0502040204020203" pitchFamily="34" charset="0"/>
+                        </a:rPr>
                         <a:t> </a:t>
+                      </a:r>
+                      <a:r>
+                        <a:rPr lang="en-US" altLang="ja-JP" sz="1050" kern="100" dirty="0" err="1" smtClean="0">
+                          <a:effectLst/>
+                          <a:latin typeface="Segoe UI" panose="020B0502040204020203" pitchFamily="34" charset="0"/>
+                          <a:cs typeface="Segoe UI" panose="020B0502040204020203" pitchFamily="34" charset="0"/>
+                        </a:rPr>
+                        <a:t>paramiko</a:t>
                       </a:r>
                       <a:endParaRPr lang="ja-JP" altLang="ja-JP" sz="1050" kern="100" dirty="0" smtClean="0">
                         <a:effectLst/>
@@ -27194,14 +27295,14 @@
           <p:nvPr>
             <p:extLst>
               <p:ext uri="{D42A27DB-BD31-4B8C-83A1-F6EECF244321}">
-                <p14:modId xmlns:p14="http://schemas.microsoft.com/office/powerpoint/2010/main" val="522048423"/>
+                <p14:modId xmlns:p14="http://schemas.microsoft.com/office/powerpoint/2010/main" val="9046750"/>
               </p:ext>
             </p:extLst>
           </p:nvPr>
         </p:nvGraphicFramePr>
         <p:xfrm>
           <a:off x="1259540" y="1628750"/>
-          <a:ext cx="6624920" cy="2736381"/>
+          <a:ext cx="6624920" cy="3249915"/>
         </p:xfrm>
         <a:graphic>
           <a:graphicData uri="http://schemas.openxmlformats.org/drawingml/2006/table">
@@ -27293,7 +27394,7 @@
                 </a:extLst>
               </a:tr>
               <a:tr h="256767">
-                <a:tc rowSpan="3">
+                <a:tc rowSpan="5">
                   <a:txBody>
                     <a:bodyPr/>
                     <a:lstStyle/>
@@ -27488,6 +27589,170 @@
                 <a:extLst>
                   <a:ext uri="{0D108BD9-81ED-4DB2-BD59-A6C34878D82A}">
                     <a16:rowId xmlns:a16="http://schemas.microsoft.com/office/drawing/2014/main" val="2197021021"/>
+                  </a:ext>
+                </a:extLst>
+              </a:tr>
+              <a:tr h="256767">
+                <a:tc vMerge="1">
+                  <a:txBody>
+                    <a:bodyPr/>
+                    <a:lstStyle/>
+                    <a:p>
+                      <a:pPr algn="l">
+                        <a:spcAft>
+                          <a:spcPts val="0"/>
+                        </a:spcAft>
+                      </a:pPr>
+                      <a:endParaRPr lang="ja-JP" sz="1050" kern="100" dirty="0">
+                        <a:effectLst/>
+                        <a:latin typeface="Century" panose="02040604050505020304" pitchFamily="18" charset="0"/>
+                        <a:ea typeface="ＭＳ 明朝" panose="02020609040205080304" pitchFamily="17" charset="-128"/>
+                        <a:cs typeface="Times New Roman" panose="02020603050405020304" pitchFamily="18" charset="0"/>
+                      </a:endParaRPr>
+                    </a:p>
+                  </a:txBody>
+                  <a:tcPr marL="68580" marR="68580" marT="0" marB="0" anchor="ctr">
+                    <a:solidFill>
+                      <a:srgbClr val="002B62"/>
+                    </a:solidFill>
+                  </a:tcPr>
+                </a:tc>
+                <a:tc>
+                  <a:txBody>
+                    <a:bodyPr/>
+                    <a:lstStyle/>
+                    <a:p>
+                      <a:pPr marL="0" marR="0" lvl="0" indent="0" algn="l" defTabSz="914400" rtl="0" eaLnBrk="1" fontAlgn="auto" latinLnBrk="0" hangingPunct="1">
+                        <a:lnSpc>
+                          <a:spcPct val="100000"/>
+                        </a:lnSpc>
+                        <a:spcBef>
+                          <a:spcPts val="0"/>
+                        </a:spcBef>
+                        <a:spcAft>
+                          <a:spcPts val="0"/>
+                        </a:spcAft>
+                        <a:buClrTx/>
+                        <a:buSzTx/>
+                        <a:buFontTx/>
+                        <a:buNone/>
+                        <a:tabLst/>
+                        <a:defRPr/>
+                      </a:pPr>
+                      <a:r>
+                        <a:rPr kumimoji="1" lang="en-US" altLang="ja-JP" sz="1050" kern="100" dirty="0" smtClean="0">
+                          <a:solidFill>
+                            <a:schemeClr val="dk1"/>
+                          </a:solidFill>
+                          <a:effectLst/>
+                          <a:latin typeface="+mn-lt"/>
+                          <a:ea typeface="+mn-ea"/>
+                          <a:cs typeface="+mn-cs"/>
+                        </a:rPr>
+                        <a:t>Symphony</a:t>
+                      </a:r>
+                      <a:endParaRPr kumimoji="1" lang="ja-JP" altLang="ja-JP" sz="1050" kern="100" dirty="0" smtClean="0">
+                        <a:solidFill>
+                          <a:schemeClr val="dk1"/>
+                        </a:solidFill>
+                        <a:effectLst/>
+                        <a:latin typeface="+mn-lt"/>
+                        <a:ea typeface="+mn-ea"/>
+                        <a:cs typeface="+mn-cs"/>
+                      </a:endParaRPr>
+                    </a:p>
+                  </a:txBody>
+                  <a:tcPr marL="68580" marR="68580" marT="0" marB="0" anchor="ctr">
+                    <a:solidFill>
+                      <a:srgbClr val="E7E8EA"/>
+                    </a:solidFill>
+                  </a:tcPr>
+                </a:tc>
+                <a:extLst>
+                  <a:ext uri="{0D108BD9-81ED-4DB2-BD59-A6C34878D82A}">
+                    <a16:rowId xmlns:a16="http://schemas.microsoft.com/office/drawing/2014/main" val="1230409946"/>
+                  </a:ext>
+                </a:extLst>
+              </a:tr>
+              <a:tr h="256767">
+                <a:tc vMerge="1">
+                  <a:txBody>
+                    <a:bodyPr/>
+                    <a:lstStyle/>
+                    <a:p>
+                      <a:pPr algn="l">
+                        <a:spcAft>
+                          <a:spcPts val="0"/>
+                        </a:spcAft>
+                      </a:pPr>
+                      <a:endParaRPr lang="ja-JP" sz="1050" kern="100" dirty="0">
+                        <a:effectLst/>
+                        <a:latin typeface="Century" panose="02040604050505020304" pitchFamily="18" charset="0"/>
+                        <a:ea typeface="ＭＳ 明朝" panose="02020609040205080304" pitchFamily="17" charset="-128"/>
+                        <a:cs typeface="Times New Roman" panose="02020603050405020304" pitchFamily="18" charset="0"/>
+                      </a:endParaRPr>
+                    </a:p>
+                  </a:txBody>
+                  <a:tcPr marL="68580" marR="68580" marT="0" marB="0" anchor="ctr">
+                    <a:solidFill>
+                      <a:srgbClr val="002B62"/>
+                    </a:solidFill>
+                  </a:tcPr>
+                </a:tc>
+                <a:tc>
+                  <a:txBody>
+                    <a:bodyPr/>
+                    <a:lstStyle/>
+                    <a:p>
+                      <a:pPr marL="0" marR="0" lvl="0" indent="0" algn="l" defTabSz="914400" rtl="0" eaLnBrk="1" fontAlgn="auto" latinLnBrk="0" hangingPunct="1">
+                        <a:lnSpc>
+                          <a:spcPct val="100000"/>
+                        </a:lnSpc>
+                        <a:spcBef>
+                          <a:spcPts val="0"/>
+                        </a:spcBef>
+                        <a:spcAft>
+                          <a:spcPts val="0"/>
+                        </a:spcAft>
+                        <a:buClrTx/>
+                        <a:buSzTx/>
+                        <a:buFontTx/>
+                        <a:buNone/>
+                        <a:tabLst/>
+                        <a:defRPr/>
+                      </a:pPr>
+                      <a:r>
+                        <a:rPr kumimoji="1" lang="en-US" altLang="ja-JP" sz="1050" kern="100" dirty="0" smtClean="0">
+                          <a:solidFill>
+                            <a:schemeClr val="dk1"/>
+                          </a:solidFill>
+                          <a:effectLst/>
+                          <a:latin typeface="+mn-lt"/>
+                          <a:ea typeface="+mn-ea"/>
+                          <a:cs typeface="+mn-cs"/>
+                        </a:rPr>
+                        <a:t>Conductor</a:t>
+                      </a:r>
+                      <a:endParaRPr kumimoji="1" lang="ja-JP" altLang="ja-JP" sz="1050" kern="100" dirty="0" smtClean="0">
+                        <a:solidFill>
+                          <a:schemeClr val="dk1"/>
+                        </a:solidFill>
+                        <a:effectLst/>
+                        <a:latin typeface="+mn-lt"/>
+                        <a:ea typeface="+mn-ea"/>
+                        <a:cs typeface="+mn-cs"/>
+                      </a:endParaRPr>
+                    </a:p>
+                  </a:txBody>
+                  <a:tcPr marL="68580" marR="68580" marT="0" marB="0" anchor="ctr">
+                    <a:solidFill>
+                      <a:srgbClr val="CBCDD3"/>
+                    </a:solidFill>
+                  </a:tcPr>
+                </a:tc>
+                <a:extLst>
+                  <a:ext uri="{0D108BD9-81ED-4DB2-BD59-A6C34878D82A}">
+                    <a16:rowId xmlns:a16="http://schemas.microsoft.com/office/drawing/2014/main" val="2140557854"/>
                   </a:ext>
                 </a:extLst>
               </a:tr>
@@ -29613,8 +29878,54 @@
                   <a:srgbClr val="FF0000"/>
                 </a:solidFill>
               </a:rPr>
-              <a:t>https://exastro-it-automation</a:t>
-            </a:r>
+              <a:t>https</a:t>
+            </a:r>
+            <a:r>
+              <a:rPr lang="en-US" altLang="ja-JP" b="1" u="sng" dirty="0">
+                <a:solidFill>
+                  <a:srgbClr val="FF0000"/>
+                </a:solidFill>
+              </a:rPr>
+              <a:t>://</a:t>
+            </a:r>
+            <a:r>
+              <a:rPr lang="en-US" altLang="ja-JP" b="1" u="sng" dirty="0" smtClean="0">
+                <a:solidFill>
+                  <a:srgbClr val="FF0000"/>
+                </a:solidFill>
+              </a:rPr>
+              <a:t>exastro-it-automation</a:t>
+            </a:r>
+          </a:p>
+          <a:p>
+            <a:pPr marL="180000" lvl="1" indent="0">
+              <a:buNone/>
+            </a:pPr>
+            <a:r>
+              <a:rPr lang="ja-JP" altLang="en-US" sz="1500" dirty="0" smtClean="0">
+                <a:solidFill>
+                  <a:srgbClr val="FF0000"/>
+                </a:solidFill>
+              </a:rPr>
+              <a:t>　</a:t>
+            </a:r>
+            <a:r>
+              <a:rPr lang="en-US" altLang="ja-JP" sz="1500" dirty="0" smtClean="0"/>
+              <a:t>※</a:t>
+            </a:r>
+            <a:r>
+              <a:rPr lang="ja-JP" altLang="en-US" sz="1500" dirty="0" smtClean="0"/>
+              <a:t>ホスト名の代わりに、サーバーの</a:t>
+            </a:r>
+            <a:r>
+              <a:rPr lang="en-US" altLang="ja-JP" sz="1500" dirty="0" smtClean="0"/>
+              <a:t>IP</a:t>
+            </a:r>
+            <a:r>
+              <a:rPr lang="ja-JP" altLang="en-US" sz="1500" dirty="0" smtClean="0"/>
+              <a:t>アドレスでアクセスすることも可能です。</a:t>
+            </a:r>
+            <a:endParaRPr lang="en-US" altLang="ja-JP" sz="1500" dirty="0" smtClean="0"/>
           </a:p>
           <a:p>
             <a:pPr marL="180000" lvl="1" indent="0">
@@ -30437,7 +30748,12 @@
             <p:ph sz="quarter" idx="10"/>
           </p:nvPr>
         </p:nvSpPr>
-        <p:spPr/>
+        <p:spPr>
+          <a:xfrm>
+            <a:off x="179512" y="692620"/>
+            <a:ext cx="8784976" cy="5616476"/>
+          </a:xfrm>
+        </p:spPr>
         <p:txBody>
           <a:bodyPr/>
           <a:lstStyle/>
@@ -30499,14 +30815,14 @@
           <p:nvPr>
             <p:extLst>
               <p:ext uri="{D42A27DB-BD31-4B8C-83A1-F6EECF244321}">
-                <p14:modId xmlns:p14="http://schemas.microsoft.com/office/powerpoint/2010/main" val="2453525885"/>
+                <p14:modId xmlns:p14="http://schemas.microsoft.com/office/powerpoint/2010/main" val="2048863614"/>
               </p:ext>
             </p:extLst>
           </p:nvPr>
         </p:nvGraphicFramePr>
         <p:xfrm>
-          <a:off x="107380" y="1772771"/>
-          <a:ext cx="8929240" cy="4591659"/>
+          <a:off x="107380" y="1586091"/>
+          <a:ext cx="8929240" cy="4946959"/>
         </p:xfrm>
         <a:graphic>
           <a:graphicData uri="http://schemas.openxmlformats.org/drawingml/2006/table">
@@ -30858,36 +31174,36 @@
                         </a:spcAft>
                       </a:pPr>
                       <a:r>
-                        <a:rPr lang="ja-JP" sz="900" kern="100" dirty="0">
+                        <a:rPr lang="ja-JP" sz="800" kern="100" dirty="0">
                           <a:effectLst/>
                         </a:rPr>
                         <a:t>標準構築ツールに登録された資材の払出</a:t>
                       </a:r>
                       <a:r>
-                        <a:rPr lang="en-US" sz="900" kern="100" dirty="0">
+                        <a:rPr lang="en-US" sz="800" kern="100" dirty="0">
                           <a:effectLst/>
                         </a:rPr>
                         <a:t> / </a:t>
                       </a:r>
                       <a:r>
-                        <a:rPr lang="ja-JP" sz="900" kern="100" dirty="0">
+                        <a:rPr lang="ja-JP" sz="800" kern="100" dirty="0">
                           <a:effectLst/>
                         </a:rPr>
                         <a:t>払戻と、</a:t>
                       </a:r>
                       <a:r>
-                        <a:rPr lang="en-US" sz="900" kern="100" dirty="0">
+                        <a:rPr lang="en-US" sz="800" kern="100" dirty="0">
                           <a:effectLst/>
                         </a:rPr>
                         <a:t>Git</a:t>
                       </a:r>
                       <a:r>
-                        <a:rPr lang="ja-JP" sz="900" kern="100" dirty="0">
+                        <a:rPr lang="ja-JP" sz="800" kern="100" dirty="0">
                           <a:effectLst/>
                         </a:rPr>
                         <a:t>を介して対象資材のバージョン管理を行います。</a:t>
                       </a:r>
-                      <a:endParaRPr lang="ja-JP" sz="1050" kern="100" dirty="0">
+                      <a:endParaRPr lang="ja-JP" sz="800" kern="100" dirty="0">
                         <a:effectLst/>
                         <a:latin typeface="Century" panose="02040604050505020304" pitchFamily="18" charset="0"/>
                         <a:ea typeface="ＭＳ 明朝" panose="02020609040205080304" pitchFamily="17" charset="-128"/>
@@ -31060,24 +31376,24 @@
                         </a:spcAft>
                       </a:pPr>
                       <a:r>
-                        <a:rPr lang="ja-JP" altLang="en-US" sz="900" kern="100" dirty="0" smtClean="0">
+                        <a:rPr lang="ja-JP" altLang="en-US" sz="800" kern="100" dirty="0" smtClean="0">
                           <a:effectLst/>
                         </a:rPr>
                         <a:t>メニュー</a:t>
                       </a:r>
                       <a:r>
-                        <a:rPr lang="ja-JP" sz="900" kern="100" dirty="0" smtClean="0">
+                        <a:rPr lang="ja-JP" sz="800" kern="100" dirty="0" smtClean="0">
                           <a:effectLst/>
                         </a:rPr>
                         <a:t>を</a:t>
                       </a:r>
                       <a:r>
-                        <a:rPr lang="ja-JP" sz="900" kern="100" dirty="0">
+                        <a:rPr lang="ja-JP" sz="800" kern="100" dirty="0">
                           <a:effectLst/>
                         </a:rPr>
                         <a:t>作成・管理します。</a:t>
                       </a:r>
-                      <a:endParaRPr lang="ja-JP" sz="1050" kern="100" dirty="0">
+                      <a:endParaRPr lang="ja-JP" sz="800" kern="100" dirty="0">
                         <a:effectLst/>
                         <a:latin typeface="Century" panose="02040604050505020304" pitchFamily="18" charset="0"/>
                         <a:ea typeface="ＭＳ 明朝" panose="02020609040205080304" pitchFamily="17" charset="-128"/>
@@ -31247,12 +31563,12 @@
                         </a:spcAft>
                       </a:pPr>
                       <a:r>
-                        <a:rPr lang="ja-JP" sz="900" kern="100" dirty="0">
+                        <a:rPr lang="ja-JP" sz="800" kern="100" dirty="0">
                           <a:effectLst/>
                         </a:rPr>
                         <a:t>ホスト群を論理的な単位（機能・役割）でまとめたグループにして、投入するパラメータを管理します。</a:t>
                       </a:r>
-                      <a:endParaRPr lang="ja-JP" sz="1050" kern="100" dirty="0">
+                      <a:endParaRPr lang="ja-JP" sz="800" kern="100" dirty="0">
                         <a:effectLst/>
                         <a:latin typeface="Century" panose="02040604050505020304" pitchFamily="18" charset="0"/>
                         <a:ea typeface="ＭＳ 明朝" panose="02020609040205080304" pitchFamily="17" charset="-128"/>
@@ -31431,65 +31747,65 @@
                         </a:spcAft>
                       </a:pPr>
                       <a:r>
-                        <a:rPr lang="en-US" altLang="ja-JP" sz="900" kern="100" dirty="0" smtClean="0">
+                        <a:rPr lang="en-US" altLang="ja-JP" sz="800" kern="100" dirty="0" smtClean="0">
                           <a:effectLst/>
                         </a:rPr>
                         <a:t>Red Hat</a:t>
                       </a:r>
                       <a:r>
-                        <a:rPr lang="ja-JP" altLang="ja-JP" sz="900" kern="100" dirty="0" smtClean="0">
+                        <a:rPr lang="ja-JP" altLang="ja-JP" sz="800" kern="100" dirty="0" smtClean="0">
                           <a:effectLst/>
                         </a:rPr>
                         <a:t>社が提供する</a:t>
                       </a:r>
                       <a:r>
-                        <a:rPr lang="en-US" altLang="ja-JP" sz="900" strike="noStrike" kern="100" baseline="0" dirty="0" smtClean="0">
+                        <a:rPr lang="en-US" altLang="ja-JP" sz="800" strike="noStrike" kern="100" baseline="0" dirty="0" smtClean="0">
                           <a:effectLst/>
                         </a:rPr>
                         <a:t>OSS</a:t>
                       </a:r>
                       <a:r>
-                        <a:rPr lang="ja-JP" altLang="ja-JP" sz="900" kern="100" dirty="0" smtClean="0">
+                        <a:rPr lang="ja-JP" altLang="ja-JP" sz="800" kern="100" dirty="0" smtClean="0">
                           <a:effectLst/>
                         </a:rPr>
                         <a:t>の</a:t>
                       </a:r>
                       <a:r>
-                        <a:rPr lang="en-US" altLang="ja-JP" sz="900" kern="100" dirty="0" smtClean="0">
+                        <a:rPr lang="en-US" altLang="ja-JP" sz="800" kern="100" dirty="0" smtClean="0">
                           <a:effectLst/>
                         </a:rPr>
                         <a:t>PF</a:t>
                       </a:r>
                       <a:r>
-                        <a:rPr lang="ja-JP" altLang="ja-JP" sz="900" kern="100" dirty="0" smtClean="0">
+                        <a:rPr lang="ja-JP" altLang="ja-JP" sz="800" kern="100" dirty="0" smtClean="0">
                           <a:effectLst/>
                         </a:rPr>
                         <a:t>構築ツールです。</a:t>
                       </a:r>
                       <a:r>
-                        <a:rPr lang="en-US" altLang="ja-JP" sz="900" kern="100" dirty="0" smtClean="0">
+                        <a:rPr lang="en-US" altLang="ja-JP" sz="800" kern="100" dirty="0" smtClean="0">
                           <a:effectLst/>
                         </a:rPr>
                         <a:t/>
                       </a:r>
                       <a:br>
-                        <a:rPr lang="en-US" altLang="ja-JP" sz="900" kern="100" dirty="0" smtClean="0">
+                        <a:rPr lang="en-US" altLang="ja-JP" sz="800" kern="100" dirty="0" smtClean="0">
                           <a:effectLst/>
                         </a:rPr>
                       </a:br>
                       <a:r>
-                        <a:rPr lang="en-US" altLang="ja-JP" sz="900" kern="100" dirty="0" smtClean="0">
+                        <a:rPr lang="en-US" altLang="ja-JP" sz="800" kern="100" dirty="0" smtClean="0">
                           <a:effectLst/>
                         </a:rPr>
                         <a:t>Playbook</a:t>
                       </a:r>
                       <a:r>
-                        <a:rPr lang="ja-JP" altLang="ja-JP" sz="900" kern="100" dirty="0" smtClean="0">
+                        <a:rPr lang="ja-JP" altLang="ja-JP" sz="800" kern="100" dirty="0" smtClean="0">
                           <a:effectLst/>
                         </a:rPr>
                         <a:t>と呼ばれる構築コードをもとに、ネットワークで接続された機器に対して、ソフトウェアのインストール、各種設定、ファイル転送、パッチの適用などを行います。</a:t>
                       </a:r>
-                      <a:endParaRPr lang="ja-JP" altLang="ja-JP" sz="1050" kern="100" dirty="0">
+                      <a:endParaRPr lang="ja-JP" altLang="ja-JP" sz="800" kern="100" dirty="0">
                         <a:effectLst/>
                         <a:latin typeface="Century" panose="02040604050505020304" pitchFamily="18" charset="0"/>
                         <a:ea typeface="ＭＳ 明朝" panose="02020609040205080304" pitchFamily="17" charset="-128"/>
@@ -31680,7 +31996,7 @@
                         </a:spcAft>
                       </a:pPr>
                       <a:r>
-                        <a:rPr lang="en-US" sz="900" strike="noStrike" kern="0" dirty="0">
+                        <a:rPr lang="en-US" sz="800" strike="noStrike" kern="0" dirty="0">
                           <a:solidFill>
                             <a:schemeClr val="tx1"/>
                           </a:solidFill>
@@ -31689,7 +32005,7 @@
                         <a:t>PF</a:t>
                       </a:r>
                       <a:r>
-                        <a:rPr lang="ja-JP" sz="900" strike="noStrike" kern="0" dirty="0">
+                        <a:rPr lang="ja-JP" sz="800" strike="noStrike" kern="0" dirty="0">
                           <a:solidFill>
                             <a:schemeClr val="tx1"/>
                           </a:solidFill>
@@ -31698,7 +32014,7 @@
                         <a:t>構築自動化ツールである</a:t>
                       </a:r>
                       <a:r>
-                        <a:rPr lang="en-US" sz="900" strike="noStrike" kern="0" dirty="0">
+                        <a:rPr lang="en-US" sz="800" strike="noStrike" kern="0" dirty="0">
                           <a:solidFill>
                             <a:schemeClr val="tx1"/>
                           </a:solidFill>
@@ -31707,7 +32023,7 @@
                         <a:t>Ansible</a:t>
                       </a:r>
                       <a:r>
-                        <a:rPr lang="ja-JP" sz="900" strike="noStrike" kern="0" dirty="0">
+                        <a:rPr lang="ja-JP" sz="800" strike="noStrike" kern="0" dirty="0">
                           <a:solidFill>
                             <a:schemeClr val="tx1"/>
                           </a:solidFill>
@@ -31715,7 +32031,7 @@
                         </a:rPr>
                         <a:t>にアクセスコントロール、ジョブスケジューリング、タスクの可視化などの機能を拡張した管理プラットフォームです。</a:t>
                       </a:r>
-                      <a:endParaRPr lang="ja-JP" sz="1050" strike="noStrike" kern="100" dirty="0">
+                      <a:endParaRPr lang="ja-JP" sz="800" strike="noStrike" kern="100" dirty="0">
                         <a:solidFill>
                           <a:schemeClr val="tx1"/>
                         </a:solidFill>
@@ -31900,47 +32216,47 @@
                         </a:spcAft>
                       </a:pPr>
                       <a:r>
-                        <a:rPr lang="en-US" altLang="ja-JP" sz="900" kern="0" dirty="0" smtClean="0">
+                        <a:rPr lang="en-US" altLang="ja-JP" sz="800" kern="0" dirty="0" smtClean="0">
                           <a:effectLst/>
                         </a:rPr>
                         <a:t>OSS</a:t>
                       </a:r>
                       <a:r>
-                        <a:rPr lang="ja-JP" altLang="ja-JP" sz="900" kern="0" dirty="0" smtClean="0">
+                        <a:rPr lang="ja-JP" altLang="ja-JP" sz="800" kern="0" dirty="0" smtClean="0">
                           <a:effectLst/>
                         </a:rPr>
                         <a:t>のインストール自動化ツールです。</a:t>
                       </a:r>
                       <a:r>
-                        <a:rPr lang="en-US" altLang="ja-JP" sz="900" kern="0" dirty="0" smtClean="0">
+                        <a:rPr lang="en-US" altLang="ja-JP" sz="800" kern="0" dirty="0" smtClean="0">
                           <a:effectLst/>
                         </a:rPr>
                         <a:t/>
                       </a:r>
                       <a:br>
-                        <a:rPr lang="en-US" altLang="ja-JP" sz="900" kern="0" dirty="0" smtClean="0">
+                        <a:rPr lang="en-US" altLang="ja-JP" sz="800" kern="0" dirty="0" smtClean="0">
                           <a:effectLst/>
                         </a:rPr>
                       </a:br>
                       <a:r>
-                        <a:rPr lang="ja-JP" altLang="ja-JP" sz="900" kern="0" dirty="0" smtClean="0">
+                        <a:rPr lang="ja-JP" altLang="ja-JP" sz="800" kern="0" dirty="0" smtClean="0">
                           <a:effectLst/>
                         </a:rPr>
                         <a:t>あらかじめ作成したテンプレートを元に、ネットワークで接続された機器に対して、</a:t>
                       </a:r>
                       <a:r>
-                        <a:rPr lang="en-US" altLang="ja-JP" sz="900" kern="0" dirty="0" smtClean="0">
+                        <a:rPr lang="en-US" altLang="ja-JP" sz="800" kern="0" dirty="0" smtClean="0">
                           <a:effectLst/>
                         </a:rPr>
                         <a:t>OS</a:t>
                       </a:r>
                       <a:r>
-                        <a:rPr lang="ja-JP" altLang="ja-JP" sz="900" kern="0" dirty="0" smtClean="0">
+                        <a:rPr lang="ja-JP" altLang="ja-JP" sz="800" kern="0" dirty="0" smtClean="0">
                           <a:effectLst/>
                         </a:rPr>
                         <a:t>のインストールを行うことができます。</a:t>
                       </a:r>
-                      <a:endParaRPr lang="ja-JP" altLang="ja-JP" sz="1050" kern="100" dirty="0">
+                      <a:endParaRPr lang="ja-JP" altLang="ja-JP" sz="800" kern="100" dirty="0">
                         <a:effectLst/>
                         <a:latin typeface="Century" panose="02040604050505020304" pitchFamily="18" charset="0"/>
                         <a:ea typeface="ＭＳ 明朝" panose="02020609040205080304" pitchFamily="17" charset="-128"/>
@@ -32110,20 +32426,17 @@
                         </a:spcAft>
                       </a:pPr>
                       <a:r>
-                        <a:rPr lang="en-US" sz="900" kern="100" dirty="0">
+                        <a:rPr lang="en-US" sz="800" kern="100" dirty="0">
                           <a:effectLst/>
                         </a:rPr>
                         <a:t>OSS</a:t>
                       </a:r>
                       <a:r>
-                        <a:rPr lang="ja-JP" sz="900" kern="100" dirty="0">
+                        <a:rPr lang="ja-JP" sz="800" kern="100" dirty="0">
                           <a:effectLst/>
                         </a:rPr>
                         <a:t>のクラウド環境構築ツールです。</a:t>
                       </a:r>
-                      <a:endParaRPr lang="ja-JP" sz="1050" kern="100" dirty="0">
-                        <a:effectLst/>
-                      </a:endParaRPr>
                     </a:p>
                     <a:p>
                       <a:pPr algn="just">
@@ -32135,12 +32448,12 @@
                         </a:spcAft>
                       </a:pPr>
                       <a:r>
-                        <a:rPr lang="ja-JP" sz="900" kern="100" dirty="0">
+                        <a:rPr lang="ja-JP" sz="800" kern="100" dirty="0">
                           <a:effectLst/>
                         </a:rPr>
                         <a:t>クラウド環境に対して、仮想マシン、ストレージ、ネットワークなどを構築することができます。</a:t>
                       </a:r>
-                      <a:endParaRPr lang="ja-JP" sz="1050" kern="100" dirty="0">
+                      <a:endParaRPr lang="ja-JP" sz="800" kern="100" dirty="0">
                         <a:effectLst/>
                         <a:latin typeface="Century" panose="02040604050505020304" pitchFamily="18" charset="0"/>
                         <a:ea typeface="ＭＳ 明朝" panose="02020609040205080304" pitchFamily="17" charset="-128"/>
@@ -32214,49 +32527,51 @@
                   </a:ext>
                 </a:extLst>
               </a:tr>
-              <a:tr h="559100">
+              <a:tr h="576080">
                 <a:tc>
                   <a:txBody>
                     <a:bodyPr/>
                     <a:lstStyle/>
                     <a:p>
-                      <a:pPr algn="just">
+                      <a:pPr marL="0" marR="0" lvl="0" indent="0" algn="just" defTabSz="914400" rtl="0" eaLnBrk="1" fontAlgn="auto" latinLnBrk="0" hangingPunct="1">
+                        <a:lnSpc>
+                          <a:spcPct val="100000"/>
+                        </a:lnSpc>
+                        <a:spcBef>
+                          <a:spcPts val="0"/>
+                        </a:spcBef>
                         <a:spcAft>
                           <a:spcPts val="0"/>
                         </a:spcAft>
+                        <a:buClrTx/>
+                        <a:buSzTx/>
+                        <a:buFontTx/>
+                        <a:buNone/>
+                        <a:tabLst/>
+                        <a:defRPr/>
                       </a:pPr>
                       <a:r>
-                        <a:rPr lang="en-US" sz="900" kern="100" dirty="0">
-                          <a:effectLst/>
-                        </a:rPr>
-                        <a:t>PowerShell</a:t>
-                      </a:r>
-                      <a:endParaRPr lang="ja-JP" sz="1050" kern="100" dirty="0">
+                        <a:rPr lang="en-US" altLang="ja-JP" sz="900" kern="100" dirty="0" smtClean="0">
+                          <a:effectLst/>
+                          <a:latin typeface="+mn-ea"/>
+                          <a:ea typeface="+mn-ea"/>
+                          <a:cs typeface="Times New Roman" panose="02020603050405020304" pitchFamily="18" charset="0"/>
+                        </a:rPr>
+                        <a:t>Terraform</a:t>
+                      </a:r>
+                      <a:r>
+                        <a:rPr lang="ja-JP" altLang="en-US" sz="900" kern="100" dirty="0" smtClean="0">
+                          <a:effectLst/>
+                          <a:latin typeface="+mn-ea"/>
+                          <a:ea typeface="+mn-ea"/>
+                          <a:cs typeface="Times New Roman" panose="02020603050405020304" pitchFamily="18" charset="0"/>
+                        </a:rPr>
+                        <a:t>ドライバー</a:t>
+                      </a:r>
+                      <a:endParaRPr lang="en-US" altLang="ja-JP" sz="900" kern="100" dirty="0" smtClean="0">
                         <a:effectLst/>
-                      </a:endParaRPr>
-                    </a:p>
-                    <a:p>
-                      <a:pPr algn="just">
-                        <a:spcAft>
-                          <a:spcPts val="0"/>
-                        </a:spcAft>
-                      </a:pPr>
-                      <a:r>
-                        <a:rPr lang="en-US" sz="900" kern="100" dirty="0">
-                          <a:effectLst/>
-                        </a:rPr>
-                        <a:t>DSC</a:t>
-                      </a:r>
-                      <a:r>
-                        <a:rPr lang="ja-JP" sz="900" kern="100" dirty="0">
-                          <a:effectLst/>
-                        </a:rPr>
-                        <a:t>ドライバー</a:t>
-                      </a:r>
-                      <a:endParaRPr lang="ja-JP" sz="1050" kern="100" dirty="0">
-                        <a:effectLst/>
-                        <a:latin typeface="Century" panose="02040604050505020304" pitchFamily="18" charset="0"/>
-                        <a:ea typeface="ＭＳ 明朝" panose="02020609040205080304" pitchFamily="17" charset="-128"/>
+                        <a:latin typeface="+mn-ea"/>
+                        <a:ea typeface="+mn-ea"/>
                         <a:cs typeface="Times New Roman" panose="02020603050405020304" pitchFamily="18" charset="0"/>
                       </a:endParaRPr>
                     </a:p>
@@ -32268,37 +32583,36 @@
                     <a:bodyPr/>
                     <a:lstStyle/>
                     <a:p>
-                      <a:pPr algn="just">
+                      <a:pPr marL="0" marR="0" lvl="0" indent="0" algn="just" defTabSz="914400" rtl="0" eaLnBrk="1" fontAlgn="auto" latinLnBrk="0" hangingPunct="1">
+                        <a:lnSpc>
+                          <a:spcPct val="100000"/>
+                        </a:lnSpc>
+                        <a:spcBef>
+                          <a:spcPts val="0"/>
+                        </a:spcBef>
                         <a:spcAft>
                           <a:spcPts val="0"/>
                         </a:spcAft>
+                        <a:buClrTx/>
+                        <a:buSzTx/>
+                        <a:buFontTx/>
+                        <a:buNone/>
+                        <a:tabLst/>
+                        <a:defRPr/>
                       </a:pPr>
                       <a:r>
-                        <a:rPr lang="en-US" sz="900" kern="100" dirty="0">
-                          <a:effectLst/>
-                        </a:rPr>
-                        <a:t>PowerShell</a:t>
-                      </a:r>
-                      <a:endParaRPr lang="ja-JP" sz="1050" kern="100" dirty="0">
+                        <a:rPr lang="en-US" altLang="ja-JP" sz="900" kern="100" dirty="0" smtClean="0">
+                          <a:effectLst/>
+                          <a:latin typeface="+mn-ea"/>
+                          <a:ea typeface="+mn-ea"/>
+                          <a:cs typeface="Times New Roman" panose="02020603050405020304" pitchFamily="18" charset="0"/>
+                        </a:rPr>
+                        <a:t>Terraform</a:t>
+                      </a:r>
+                      <a:endParaRPr lang="ja-JP" altLang="ja-JP" sz="900" kern="100" dirty="0" smtClean="0">
                         <a:effectLst/>
-                      </a:endParaRPr>
-                    </a:p>
-                    <a:p>
-                      <a:pPr algn="just">
-                        <a:spcAft>
-                          <a:spcPts val="0"/>
-                        </a:spcAft>
-                      </a:pPr>
-                      <a:r>
-                        <a:rPr lang="en-US" sz="900" kern="100" dirty="0">
-                          <a:effectLst/>
-                        </a:rPr>
-                        <a:t>DSC</a:t>
-                      </a:r>
-                      <a:endParaRPr lang="ja-JP" sz="1050" kern="100" dirty="0">
-                        <a:effectLst/>
-                        <a:latin typeface="Century" panose="02040604050505020304" pitchFamily="18" charset="0"/>
-                        <a:ea typeface="ＭＳ 明朝" panose="02020609040205080304" pitchFamily="17" charset="-128"/>
+                        <a:latin typeface="+mn-ea"/>
+                        <a:ea typeface="+mn-ea"/>
                         <a:cs typeface="Times New Roman" panose="02020603050405020304" pitchFamily="18" charset="0"/>
                       </a:endParaRPr>
                     </a:p>
@@ -32310,87 +32624,30 @@
                     <a:bodyPr/>
                     <a:lstStyle/>
                     <a:p>
-                      <a:pPr indent="-40005" algn="just">
+                      <a:pPr marL="0" marR="0" lvl="0" indent="-40005" algn="just" defTabSz="914400" rtl="0" eaLnBrk="1" fontAlgn="auto" latinLnBrk="0" hangingPunct="1">
+                        <a:lnSpc>
+                          <a:spcPct val="100000"/>
+                        </a:lnSpc>
+                        <a:spcBef>
+                          <a:spcPts val="0"/>
+                        </a:spcBef>
                         <a:spcAft>
                           <a:spcPts val="0"/>
                         </a:spcAft>
+                        <a:buClrTx/>
+                        <a:buSzTx/>
+                        <a:buFontTx/>
+                        <a:buNone/>
+                        <a:tabLst/>
+                        <a:defRPr/>
                       </a:pPr>
                       <a:r>
-                        <a:rPr lang="ja-JP" sz="900" kern="0" dirty="0">
+                        <a:rPr lang="ja-JP" altLang="ja-JP" sz="900" kern="0" dirty="0" smtClean="0">
                           <a:effectLst/>
                         </a:rPr>
                         <a:t>システム構築</a:t>
                       </a:r>
-                      <a:endParaRPr lang="ja-JP" sz="1050" kern="100" dirty="0">
-                        <a:effectLst/>
-                        <a:latin typeface="Century" panose="02040604050505020304" pitchFamily="18" charset="0"/>
-                        <a:ea typeface="ＭＳ 明朝" panose="02020609040205080304" pitchFamily="17" charset="-128"/>
-                        <a:cs typeface="Times New Roman" panose="02020603050405020304" pitchFamily="18" charset="0"/>
-                      </a:endParaRPr>
-                    </a:p>
-                  </a:txBody>
-                  <a:tcPr marL="68580" marR="68580" marT="0" marB="0" anchor="ctr"/>
-                </a:tc>
-                <a:tc>
-                  <a:txBody>
-                    <a:bodyPr/>
-                    <a:lstStyle/>
-                    <a:p>
-                      <a:pPr algn="just">
-                        <a:spcAft>
-                          <a:spcPts val="0"/>
-                        </a:spcAft>
-                      </a:pPr>
-                      <a:r>
-                        <a:rPr lang="en-US" sz="900" kern="0" dirty="0">
-                          <a:effectLst/>
-                        </a:rPr>
-                        <a:t>Microsoft</a:t>
-                      </a:r>
-                      <a:r>
-                        <a:rPr lang="ja-JP" sz="900" kern="0" dirty="0">
-                          <a:effectLst/>
-                        </a:rPr>
-                        <a:t>製の</a:t>
-                      </a:r>
-                      <a:r>
-                        <a:rPr lang="en-US" sz="900" kern="0" dirty="0">
-                          <a:effectLst/>
-                        </a:rPr>
-                        <a:t>PF</a:t>
-                      </a:r>
-                      <a:r>
-                        <a:rPr lang="ja-JP" sz="900" kern="0" dirty="0">
-                          <a:effectLst/>
-                        </a:rPr>
-                        <a:t>構築ツールです。</a:t>
-                      </a:r>
-                      <a:endParaRPr lang="ja-JP" sz="1050" kern="100" dirty="0">
-                        <a:effectLst/>
-                      </a:endParaRPr>
-                    </a:p>
-                    <a:p>
-                      <a:pPr algn="just">
-                        <a:lnSpc>
-                          <a:spcPts val="1200"/>
-                        </a:lnSpc>
-                        <a:spcAft>
-                          <a:spcPts val="0"/>
-                        </a:spcAft>
-                      </a:pPr>
-                      <a:r>
-                        <a:rPr lang="en-US" sz="900" kern="0" dirty="0">
-                          <a:effectLst/>
-                        </a:rPr>
-                        <a:t>Windows</a:t>
-                      </a:r>
-                      <a:r>
-                        <a:rPr lang="ja-JP" sz="900" kern="0" dirty="0">
-                          <a:effectLst/>
-                        </a:rPr>
-                        <a:t>インフラ環境にて、サーバのユーザー作成、ソフトウェアのインストールなどを行うことができます。</a:t>
-                      </a:r>
-                      <a:endParaRPr lang="ja-JP" sz="1050" kern="100" dirty="0">
+                      <a:endParaRPr lang="ja-JP" altLang="ja-JP" sz="900" kern="100" dirty="0" smtClean="0">
                         <a:effectLst/>
                         <a:latin typeface="Century" panose="02040604050505020304" pitchFamily="18" charset="0"/>
                         <a:ea typeface="ＭＳ 明朝" panose="02020609040205080304" pitchFamily="17" charset="-128"/>
@@ -32414,12 +32671,132 @@
                         </a:spcAft>
                       </a:pPr>
                       <a:r>
-                        <a:rPr lang="en-US" sz="1050" kern="0" dirty="0">
+                        <a:rPr lang="en-US" altLang="ja-JP" sz="800" kern="100" dirty="0" err="1" smtClean="0">
+                          <a:effectLst/>
+                          <a:latin typeface="+mn-ea"/>
+                          <a:ea typeface="+mn-ea"/>
+                          <a:cs typeface="Times New Roman" panose="02020603050405020304" pitchFamily="18" charset="0"/>
+                        </a:rPr>
+                        <a:t>HashiCorp</a:t>
+                      </a:r>
+                      <a:r>
+                        <a:rPr lang="ja-JP" altLang="en-US" sz="800" kern="100" dirty="0" smtClean="0">
+                          <a:effectLst/>
+                          <a:latin typeface="+mn-ea"/>
+                          <a:ea typeface="+mn-ea"/>
+                          <a:cs typeface="Times New Roman" panose="02020603050405020304" pitchFamily="18" charset="0"/>
+                        </a:rPr>
+                        <a:t>社が提供するインフラストラクチャを効率化するオーケストレーションツールです。</a:t>
+                      </a:r>
+                      <a:endParaRPr lang="en-US" altLang="ja-JP" sz="800" kern="100" dirty="0" smtClean="0">
+                        <a:effectLst/>
+                        <a:latin typeface="+mn-ea"/>
+                        <a:ea typeface="+mn-ea"/>
+                        <a:cs typeface="Times New Roman" panose="02020603050405020304" pitchFamily="18" charset="0"/>
+                      </a:endParaRPr>
+                    </a:p>
+                    <a:p>
+                      <a:pPr algn="just">
+                        <a:lnSpc>
+                          <a:spcPts val="1200"/>
+                        </a:lnSpc>
+                        <a:spcAft>
+                          <a:spcPts val="0"/>
+                        </a:spcAft>
+                      </a:pPr>
+                      <a:r>
+                        <a:rPr lang="en-US" altLang="ja-JP" sz="800" kern="100" dirty="0" smtClean="0">
+                          <a:effectLst/>
+                          <a:latin typeface="+mn-ea"/>
+                          <a:ea typeface="+mn-ea"/>
+                          <a:cs typeface="Times New Roman" panose="02020603050405020304" pitchFamily="18" charset="0"/>
+                        </a:rPr>
+                        <a:t>HCL(</a:t>
+                      </a:r>
+                      <a:r>
+                        <a:rPr lang="en-US" altLang="ja-JP" sz="800" kern="100" dirty="0" err="1" smtClean="0">
+                          <a:effectLst/>
+                          <a:latin typeface="+mn-ea"/>
+                          <a:ea typeface="+mn-ea"/>
+                          <a:cs typeface="Times New Roman" panose="02020603050405020304" pitchFamily="18" charset="0"/>
+                        </a:rPr>
+                        <a:t>HashiCorp</a:t>
+                      </a:r>
+                      <a:r>
+                        <a:rPr lang="en-US" altLang="ja-JP" sz="800" kern="100" dirty="0" smtClean="0">
+                          <a:effectLst/>
+                          <a:latin typeface="+mn-ea"/>
+                          <a:ea typeface="+mn-ea"/>
+                          <a:cs typeface="Times New Roman" panose="02020603050405020304" pitchFamily="18" charset="0"/>
+                        </a:rPr>
+                        <a:t> Configuration Language)</a:t>
+                      </a:r>
+                      <a:r>
+                        <a:rPr lang="ja-JP" altLang="en-US" sz="800" kern="100" dirty="0" smtClean="0">
+                          <a:effectLst/>
+                          <a:latin typeface="+mn-ea"/>
+                          <a:ea typeface="+mn-ea"/>
+                          <a:cs typeface="Times New Roman" panose="02020603050405020304" pitchFamily="18" charset="0"/>
+                        </a:rPr>
+                        <a:t>という言語でコード化したインフラストラクチャ構成について、実行計画を生成したうえで構築を実行します。また、</a:t>
+                      </a:r>
+                      <a:r>
+                        <a:rPr lang="en-US" altLang="ja-JP" sz="800" kern="100" dirty="0" smtClean="0">
+                          <a:effectLst/>
+                          <a:latin typeface="+mn-ea"/>
+                          <a:ea typeface="+mn-ea"/>
+                          <a:cs typeface="Times New Roman" panose="02020603050405020304" pitchFamily="18" charset="0"/>
+                        </a:rPr>
+                        <a:t>Policy as Code</a:t>
+                      </a:r>
+                      <a:r>
+                        <a:rPr lang="ja-JP" altLang="en-US" sz="800" kern="100" dirty="0" smtClean="0">
+                          <a:effectLst/>
+                          <a:latin typeface="+mn-ea"/>
+                          <a:ea typeface="+mn-ea"/>
+                          <a:cs typeface="Times New Roman" panose="02020603050405020304" pitchFamily="18" charset="0"/>
+                        </a:rPr>
+                        <a:t>によるアクセスポリシーをコード化して管理することが可能です。</a:t>
+                      </a:r>
+                      <a:endParaRPr lang="ja-JP" sz="800" kern="100" dirty="0">
+                        <a:effectLst/>
+                        <a:latin typeface="+mn-ea"/>
+                        <a:ea typeface="+mn-ea"/>
+                        <a:cs typeface="Times New Roman" panose="02020603050405020304" pitchFamily="18" charset="0"/>
+                      </a:endParaRPr>
+                    </a:p>
+                  </a:txBody>
+                  <a:tcPr marL="68580" marR="68580" marT="0" marB="0" anchor="ctr"/>
+                </a:tc>
+                <a:tc>
+                  <a:txBody>
+                    <a:bodyPr/>
+                    <a:lstStyle/>
+                    <a:p>
+                      <a:pPr marL="0" marR="0" lvl="0" indent="0" algn="just" defTabSz="914400" rtl="0" eaLnBrk="1" fontAlgn="auto" latinLnBrk="0" hangingPunct="1">
+                        <a:lnSpc>
+                          <a:spcPts val="1200"/>
+                        </a:lnSpc>
+                        <a:spcBef>
+                          <a:spcPts val="0"/>
+                        </a:spcBef>
+                        <a:spcAft>
+                          <a:spcPts val="0"/>
+                        </a:spcAft>
+                        <a:buClrTx/>
+                        <a:buSzTx/>
+                        <a:buFontTx/>
+                        <a:buNone/>
+                        <a:tabLst/>
+                        <a:defRPr/>
+                      </a:pPr>
+                      <a:r>
+                        <a:rPr lang="en-US" altLang="ja-JP" sz="1050" kern="0" dirty="0" smtClean="0">
                           <a:effectLst/>
                         </a:rPr>
                         <a:t>×</a:t>
                       </a:r>
-                      <a:endParaRPr lang="ja-JP" sz="1200" kern="100" dirty="0">
+                      <a:endParaRPr lang="ja-JP" altLang="ja-JP" sz="1050" kern="100" dirty="0" smtClean="0">
                         <a:effectLst/>
                         <a:latin typeface="Century" panose="02040604050505020304" pitchFamily="18" charset="0"/>
                         <a:ea typeface="ＭＳ 明朝" panose="02020609040205080304" pitchFamily="17" charset="-128"/>
@@ -32434,21 +32811,30 @@
                     <a:bodyPr/>
                     <a:lstStyle/>
                     <a:p>
-                      <a:pPr algn="just">
+                      <a:pPr marL="0" marR="0" lvl="0" indent="0" algn="just" defTabSz="914400" rtl="0" eaLnBrk="1" fontAlgn="auto" latinLnBrk="0" hangingPunct="1">
                         <a:lnSpc>
                           <a:spcPts val="1200"/>
                         </a:lnSpc>
+                        <a:spcBef>
+                          <a:spcPts val="0"/>
+                        </a:spcBef>
                         <a:spcAft>
                           <a:spcPts val="0"/>
                         </a:spcAft>
+                        <a:buClrTx/>
+                        <a:buSzTx/>
+                        <a:buFontTx/>
+                        <a:buNone/>
+                        <a:tabLst/>
+                        <a:defRPr/>
                       </a:pPr>
                       <a:r>
-                        <a:rPr lang="en-US" altLang="ja-JP" sz="1050" kern="100" dirty="0" smtClean="0">
+                        <a:rPr lang="en-US" altLang="ja-JP" sz="1050" kern="0" dirty="0" smtClean="0">
                           <a:effectLst/>
                         </a:rPr>
                         <a:t>×</a:t>
                       </a:r>
-                      <a:endParaRPr lang="ja-JP" sz="1050" kern="100" dirty="0">
+                      <a:endParaRPr lang="ja-JP" altLang="ja-JP" sz="1050" kern="100" dirty="0" smtClean="0">
                         <a:effectLst/>
                         <a:latin typeface="Century" panose="02040604050505020304" pitchFamily="18" charset="0"/>
                         <a:ea typeface="ＭＳ 明朝" panose="02020609040205080304" pitchFamily="17" charset="-128"/>
@@ -32460,7 +32846,7 @@
                 </a:tc>
                 <a:extLst>
                   <a:ext uri="{0D108BD9-81ED-4DB2-BD59-A6C34878D82A}">
-                    <a16:rowId xmlns:a16="http://schemas.microsoft.com/office/drawing/2014/main" val="10008"/>
+                    <a16:rowId xmlns:a16="http://schemas.microsoft.com/office/drawing/2014/main" val="671102328"/>
                   </a:ext>
                 </a:extLst>
               </a:tr>

--- a/asset/Learn_ja/ITA-offline-install_ja.pptx
+++ b/asset/Learn_ja/ITA-offline-install_ja.pptx
@@ -6,10 +6,10 @@
     <p:sldMasterId id="2147483703" r:id="rId2"/>
   </p:sldMasterIdLst>
   <p:notesMasterIdLst>
-    <p:notesMasterId r:id="rId32"/>
+    <p:notesMasterId r:id="rId33"/>
   </p:notesMasterIdLst>
   <p:handoutMasterIdLst>
-    <p:handoutMasterId r:id="rId33"/>
+    <p:handoutMasterId r:id="rId34"/>
   </p:handoutMasterIdLst>
   <p:sldIdLst>
     <p:sldId id="262" r:id="rId3"/>
@@ -20,27 +20,28 @@
     <p:sldId id="510" r:id="rId8"/>
     <p:sldId id="511" r:id="rId9"/>
     <p:sldId id="532" r:id="rId10"/>
-    <p:sldId id="512" r:id="rId11"/>
-    <p:sldId id="513" r:id="rId12"/>
-    <p:sldId id="514" r:id="rId13"/>
-    <p:sldId id="515" r:id="rId14"/>
-    <p:sldId id="516" r:id="rId15"/>
-    <p:sldId id="517" r:id="rId16"/>
-    <p:sldId id="518" r:id="rId17"/>
-    <p:sldId id="519" r:id="rId18"/>
-    <p:sldId id="520" r:id="rId19"/>
-    <p:sldId id="521" r:id="rId20"/>
-    <p:sldId id="522" r:id="rId21"/>
-    <p:sldId id="523" r:id="rId22"/>
-    <p:sldId id="524" r:id="rId23"/>
-    <p:sldId id="533" r:id="rId24"/>
-    <p:sldId id="534" r:id="rId25"/>
-    <p:sldId id="535" r